--- a/Projektvortrag/Präsentation Projektvortrag.pptx
+++ b/Projektvortrag/Präsentation Projektvortrag.pptx
@@ -454,6 +454,11 @@
               </a:ln>
               <a:effectLst/>
             </c:spPr>
+            <c:extLst>
+              <c:ext xmlns:c16="http://schemas.microsoft.com/office/drawing/2014/chart" uri="{C3380CC4-5D6E-409C-BE32-E72D297353CC}">
+                <c16:uniqueId val="{00000001-1F12-45B2-BA5F-766E33567893}"/>
+              </c:ext>
+            </c:extLst>
           </c:dPt>
           <c:dPt>
             <c:idx val="1"/>
@@ -469,6 +474,11 @@
               </a:ln>
               <a:effectLst/>
             </c:spPr>
+            <c:extLst>
+              <c:ext xmlns:c16="http://schemas.microsoft.com/office/drawing/2014/chart" uri="{C3380CC4-5D6E-409C-BE32-E72D297353CC}">
+                <c16:uniqueId val="{00000003-1F12-45B2-BA5F-766E33567893}"/>
+              </c:ext>
+            </c:extLst>
           </c:dPt>
           <c:dPt>
             <c:idx val="2"/>
@@ -484,6 +494,11 @@
               </a:ln>
               <a:effectLst/>
             </c:spPr>
+            <c:extLst>
+              <c:ext xmlns:c16="http://schemas.microsoft.com/office/drawing/2014/chart" uri="{C3380CC4-5D6E-409C-BE32-E72D297353CC}">
+                <c16:uniqueId val="{00000005-1F12-45B2-BA5F-766E33567893}"/>
+              </c:ext>
+            </c:extLst>
           </c:dPt>
           <c:dPt>
             <c:idx val="3"/>
@@ -499,6 +514,11 @@
               </a:ln>
               <a:effectLst/>
             </c:spPr>
+            <c:extLst>
+              <c:ext xmlns:c16="http://schemas.microsoft.com/office/drawing/2014/chart" uri="{C3380CC4-5D6E-409C-BE32-E72D297353CC}">
+                <c16:uniqueId val="{00000007-1F12-45B2-BA5F-766E33567893}"/>
+              </c:ext>
+            </c:extLst>
           </c:dPt>
           <c:dPt>
             <c:idx val="4"/>
@@ -514,6 +534,11 @@
               </a:ln>
               <a:effectLst/>
             </c:spPr>
+            <c:extLst>
+              <c:ext xmlns:c16="http://schemas.microsoft.com/office/drawing/2014/chart" uri="{C3380CC4-5D6E-409C-BE32-E72D297353CC}">
+                <c16:uniqueId val="{00000009-1F12-45B2-BA5F-766E33567893}"/>
+              </c:ext>
+            </c:extLst>
           </c:dPt>
           <c:cat>
             <c:strRef>
@@ -1315,7 +1340,7 @@
           <a:p>
             <a:fld id="{05D446E8-F186-42E5-80D9-72B8BAA14DE1}" type="datetimeFigureOut">
               <a:rPr lang="de-DE" smtClean="0"/>
-              <a:t>15.01.2021</a:t>
+              <a:t>19.01.2021</a:t>
             </a:fld>
             <a:endParaRPr lang="de-DE"/>
           </a:p>
@@ -23951,12 +23976,432 @@
             <p:ph type="body" sz="quarter" idx="11"/>
           </p:nvPr>
         </p:nvSpPr>
-        <p:spPr/>
+        <p:spPr>
+          <a:xfrm>
+            <a:off x="334963" y="1280160"/>
+            <a:ext cx="5044905" cy="5020628"/>
+          </a:xfrm>
+        </p:spPr>
         <p:txBody>
           <a:bodyPr/>
           <a:lstStyle/>
           <a:p>
-            <a:endParaRPr lang="de-DE"/>
+            <a:r>
+              <a:rPr lang="de-DE" sz="1000" dirty="0"/>
+              <a:t>Population selection_sotf(Population &amp;p_old, Population &amp;p_new) {</a:t>
+            </a:r>
+          </a:p>
+          <a:p>
+            <a:r>
+              <a:rPr lang="de-DE" sz="1000" dirty="0"/>
+              <a:t>    int size = (int) p_old.size();</a:t>
+            </a:r>
+          </a:p>
+          <a:p>
+            <a:endParaRPr lang="de-DE" sz="1000" dirty="0"/>
+          </a:p>
+          <a:p>
+            <a:r>
+              <a:rPr lang="de-DE" sz="1000" dirty="0"/>
+              <a:t>    p_old.calc_population_fitness();</a:t>
+            </a:r>
+          </a:p>
+          <a:p>
+            <a:r>
+              <a:rPr lang="de-DE" sz="1000" dirty="0"/>
+              <a:t>    p_new.calc_population_fitness();</a:t>
+            </a:r>
+          </a:p>
+          <a:p>
+            <a:endParaRPr lang="de-DE" sz="1000" dirty="0"/>
+          </a:p>
+          <a:p>
+            <a:r>
+              <a:rPr lang="de-DE" sz="1000" dirty="0"/>
+              <a:t>    Population result = Population(p_old.get_idx_start(), p_old.get_distances());</a:t>
+            </a:r>
+          </a:p>
+          <a:p>
+            <a:endParaRPr lang="de-DE" sz="1000" dirty="0"/>
+          </a:p>
+          <a:p>
+            <a:r>
+              <a:rPr lang="de-DE" sz="1000" dirty="0"/>
+              <a:t>    std::vector&lt;Individual&gt; individuals_old = p_old.get_individuals();</a:t>
+            </a:r>
+          </a:p>
+          <a:p>
+            <a:r>
+              <a:rPr lang="de-DE" sz="1000" dirty="0"/>
+              <a:t>    std::vector&lt;Individual&gt; individuals_new = p_new.get_individuals();</a:t>
+            </a:r>
+          </a:p>
+          <a:p>
+            <a:endParaRPr lang="de-DE" sz="1000" dirty="0"/>
+          </a:p>
+          <a:p>
+            <a:r>
+              <a:rPr lang="de-DE" sz="1000" dirty="0"/>
+              <a:t>    std::sort(individuals_new.rbegin(), individuals_new.rend());</a:t>
+            </a:r>
+          </a:p>
+          <a:p>
+            <a:r>
+              <a:rPr lang="de-DE" sz="1000" dirty="0"/>
+              <a:t>    std::sort(individuals_old.rbegin(), individuals_old.rend());</a:t>
+            </a:r>
+          </a:p>
+          <a:p>
+            <a:endParaRPr lang="de-DE" sz="1000" dirty="0"/>
+          </a:p>
+          <a:p>
+            <a:r>
+              <a:rPr lang="de-DE" sz="1000" dirty="0"/>
+              <a:t>    int offset_old = 0;</a:t>
+            </a:r>
+          </a:p>
+          <a:p>
+            <a:r>
+              <a:rPr lang="de-DE" sz="1000" dirty="0"/>
+              <a:t>    int offset_new = 0;</a:t>
+            </a:r>
+          </a:p>
+          <a:p>
+            <a:r>
+              <a:rPr lang="de-DE" sz="1000" dirty="0"/>
+              <a:t>    for (int i = 0; i &lt; size; ++i) {</a:t>
+            </a:r>
+          </a:p>
+          <a:p>
+            <a:r>
+              <a:rPr lang="de-DE" sz="1000" dirty="0"/>
+              <a:t>        if (individuals_old.at(offset_old) &lt; individuals_new.at(offset_new)) {</a:t>
+            </a:r>
+          </a:p>
+          <a:p>
+            <a:r>
+              <a:rPr lang="de-DE" sz="1000" dirty="0"/>
+              <a:t>            result.add_individual(individuals_new.at(offset_new));</a:t>
+            </a:r>
+          </a:p>
+          <a:p>
+            <a:r>
+              <a:rPr lang="de-DE" sz="1000" dirty="0"/>
+              <a:t>            offset_new++;</a:t>
+            </a:r>
+          </a:p>
+          <a:p>
+            <a:r>
+              <a:rPr lang="de-DE" sz="1000" dirty="0"/>
+              <a:t>        } else {</a:t>
+            </a:r>
+          </a:p>
+          <a:p>
+            <a:r>
+              <a:rPr lang="de-DE" sz="1000" dirty="0"/>
+              <a:t>            result.add_individual(individuals_old.at(offset_old));</a:t>
+            </a:r>
+          </a:p>
+          <a:p>
+            <a:r>
+              <a:rPr lang="de-DE" sz="1000" dirty="0"/>
+              <a:t>            offset_old++;</a:t>
+            </a:r>
+          </a:p>
+          <a:p>
+            <a:r>
+              <a:rPr lang="de-DE" sz="1000" dirty="0"/>
+              <a:t>        }</a:t>
+            </a:r>
+          </a:p>
+          <a:p>
+            <a:r>
+              <a:rPr lang="de-DE" sz="1000" dirty="0"/>
+              <a:t>    }</a:t>
+            </a:r>
+          </a:p>
+          <a:p>
+            <a:endParaRPr lang="de-DE" sz="1000" dirty="0"/>
+          </a:p>
+          <a:p>
+            <a:r>
+              <a:rPr lang="de-DE" sz="1000" dirty="0"/>
+              <a:t>    return result;</a:t>
+            </a:r>
+          </a:p>
+          <a:p>
+            <a:r>
+              <a:rPr lang="de-DE" sz="1000" dirty="0"/>
+              <a:t>}</a:t>
+            </a:r>
+          </a:p>
+        </p:txBody>
+      </p:sp>
+      <p:sp>
+        <p:nvSpPr>
+          <p:cNvPr id="5" name="TextBox 4">
+            <a:extLst>
+              <a:ext uri="{FF2B5EF4-FFF2-40B4-BE49-F238E27FC236}">
+                <a16:creationId xmlns:a16="http://schemas.microsoft.com/office/drawing/2014/main" id="{98AC9841-F177-41CF-A561-5773BA04A59F}"/>
+              </a:ext>
+            </a:extLst>
+          </p:cNvPr>
+          <p:cNvSpPr txBox="1"/>
+          <p:nvPr/>
+        </p:nvSpPr>
+        <p:spPr>
+          <a:xfrm>
+            <a:off x="5699464" y="1280160"/>
+            <a:ext cx="5044904" cy="4909036"/>
+          </a:xfrm>
+          <a:prstGeom prst="rect">
+            <a:avLst/>
+          </a:prstGeom>
+          <a:noFill/>
+        </p:spPr>
+        <p:txBody>
+          <a:bodyPr wrap="square" rtlCol="0">
+            <a:spAutoFit/>
+          </a:bodyPr>
+          <a:lstStyle/>
+          <a:p>
+            <a:pPr>
+              <a:spcAft>
+                <a:spcPts val="600"/>
+              </a:spcAft>
+            </a:pPr>
+            <a:r>
+              <a:rPr lang="de-DE" dirty="0">
+                <a:solidFill>
+                  <a:srgbClr val="4A5C66"/>
+                </a:solidFill>
+                <a:latin typeface="Arial" panose="020B0604020202020204" pitchFamily="34" charset="0"/>
+                <a:cs typeface="Arial" panose="020B0604020202020204" pitchFamily="34" charset="0"/>
+              </a:rPr>
+              <a:t>Eingabe: Ausgangspopulation, Neue Population</a:t>
+            </a:r>
+          </a:p>
+          <a:p>
+            <a:pPr>
+              <a:spcAft>
+                <a:spcPts val="600"/>
+              </a:spcAft>
+            </a:pPr>
+            <a:endParaRPr lang="de-DE" dirty="0">
+              <a:solidFill>
+                <a:srgbClr val="4A5C66"/>
+              </a:solidFill>
+              <a:latin typeface="Arial" panose="020B0604020202020204" pitchFamily="34" charset="0"/>
+              <a:cs typeface="Arial" panose="020B0604020202020204" pitchFamily="34" charset="0"/>
+            </a:endParaRPr>
+          </a:p>
+          <a:p>
+            <a:pPr>
+              <a:spcAft>
+                <a:spcPts val="600"/>
+              </a:spcAft>
+            </a:pPr>
+            <a:r>
+              <a:rPr lang="de-DE" dirty="0">
+                <a:solidFill>
+                  <a:srgbClr val="4A5C66"/>
+                </a:solidFill>
+                <a:latin typeface="Arial" panose="020B0604020202020204" pitchFamily="34" charset="0"/>
+                <a:cs typeface="Arial" panose="020B0604020202020204" pitchFamily="34" charset="0"/>
+              </a:rPr>
+              <a:t>1. Aktuallisiere die Fitness</a:t>
+            </a:r>
+          </a:p>
+          <a:p>
+            <a:pPr>
+              <a:spcAft>
+                <a:spcPts val="600"/>
+              </a:spcAft>
+            </a:pPr>
+            <a:endParaRPr lang="de-DE" dirty="0">
+              <a:solidFill>
+                <a:srgbClr val="4A5C66"/>
+              </a:solidFill>
+              <a:latin typeface="Arial" panose="020B0604020202020204" pitchFamily="34" charset="0"/>
+              <a:cs typeface="Arial" panose="020B0604020202020204" pitchFamily="34" charset="0"/>
+            </a:endParaRPr>
+          </a:p>
+          <a:p>
+            <a:pPr>
+              <a:spcAft>
+                <a:spcPts val="600"/>
+              </a:spcAft>
+            </a:pPr>
+            <a:endParaRPr lang="de-DE" dirty="0">
+              <a:solidFill>
+                <a:srgbClr val="4A5C66"/>
+              </a:solidFill>
+              <a:latin typeface="Arial" panose="020B0604020202020204" pitchFamily="34" charset="0"/>
+              <a:cs typeface="Arial" panose="020B0604020202020204" pitchFamily="34" charset="0"/>
+            </a:endParaRPr>
+          </a:p>
+          <a:p>
+            <a:pPr>
+              <a:spcAft>
+                <a:spcPts val="600"/>
+              </a:spcAft>
+            </a:pPr>
+            <a:endParaRPr lang="de-DE" dirty="0">
+              <a:solidFill>
+                <a:srgbClr val="4A5C66"/>
+              </a:solidFill>
+              <a:latin typeface="Arial" panose="020B0604020202020204" pitchFamily="34" charset="0"/>
+              <a:cs typeface="Arial" panose="020B0604020202020204" pitchFamily="34" charset="0"/>
+            </a:endParaRPr>
+          </a:p>
+          <a:p>
+            <a:pPr>
+              <a:spcAft>
+                <a:spcPts val="600"/>
+              </a:spcAft>
+            </a:pPr>
+            <a:endParaRPr lang="de-DE" dirty="0">
+              <a:solidFill>
+                <a:srgbClr val="4A5C66"/>
+              </a:solidFill>
+              <a:latin typeface="Arial" panose="020B0604020202020204" pitchFamily="34" charset="0"/>
+              <a:cs typeface="Arial" panose="020B0604020202020204" pitchFamily="34" charset="0"/>
+            </a:endParaRPr>
+          </a:p>
+          <a:p>
+            <a:pPr>
+              <a:spcAft>
+                <a:spcPts val="600"/>
+              </a:spcAft>
+            </a:pPr>
+            <a:r>
+              <a:rPr lang="de-DE" dirty="0">
+                <a:solidFill>
+                  <a:srgbClr val="4A5C66"/>
+                </a:solidFill>
+                <a:latin typeface="Arial" panose="020B0604020202020204" pitchFamily="34" charset="0"/>
+                <a:cs typeface="Arial" panose="020B0604020202020204" pitchFamily="34" charset="0"/>
+              </a:rPr>
+              <a:t>2. Sortiere die Populationen nach der Fitness absteigend.</a:t>
+            </a:r>
+          </a:p>
+          <a:p>
+            <a:pPr>
+              <a:spcAft>
+                <a:spcPts val="600"/>
+              </a:spcAft>
+            </a:pPr>
+            <a:endParaRPr lang="de-DE" dirty="0">
+              <a:solidFill>
+                <a:srgbClr val="4A5C66"/>
+              </a:solidFill>
+              <a:latin typeface="Arial" panose="020B0604020202020204" pitchFamily="34" charset="0"/>
+              <a:cs typeface="Arial" panose="020B0604020202020204" pitchFamily="34" charset="0"/>
+            </a:endParaRPr>
+          </a:p>
+          <a:p>
+            <a:pPr>
+              <a:spcAft>
+                <a:spcPts val="600"/>
+              </a:spcAft>
+            </a:pPr>
+            <a:endParaRPr lang="de-DE" dirty="0">
+              <a:solidFill>
+                <a:srgbClr val="4A5C66"/>
+              </a:solidFill>
+              <a:latin typeface="Arial" panose="020B0604020202020204" pitchFamily="34" charset="0"/>
+              <a:cs typeface="Arial" panose="020B0604020202020204" pitchFamily="34" charset="0"/>
+            </a:endParaRPr>
+          </a:p>
+          <a:p>
+            <a:pPr>
+              <a:spcAft>
+                <a:spcPts val="600"/>
+              </a:spcAft>
+            </a:pPr>
+            <a:r>
+              <a:rPr lang="de-DE" dirty="0">
+                <a:solidFill>
+                  <a:srgbClr val="4A5C66"/>
+                </a:solidFill>
+                <a:latin typeface="Arial" panose="020B0604020202020204" pitchFamily="34" charset="0"/>
+                <a:cs typeface="Arial" panose="020B0604020202020204" pitchFamily="34" charset="0"/>
+              </a:rPr>
+              <a:t>3. Speichere die besten Individuen beider Populationen in eine Besten-Population</a:t>
+            </a:r>
+          </a:p>
+          <a:p>
+            <a:pPr>
+              <a:spcAft>
+                <a:spcPts val="600"/>
+              </a:spcAft>
+            </a:pPr>
+            <a:endParaRPr lang="de-DE" dirty="0">
+              <a:solidFill>
+                <a:srgbClr val="4A5C66"/>
+              </a:solidFill>
+              <a:latin typeface="Arial" panose="020B0604020202020204" pitchFamily="34" charset="0"/>
+              <a:cs typeface="Arial" panose="020B0604020202020204" pitchFamily="34" charset="0"/>
+            </a:endParaRPr>
+          </a:p>
+          <a:p>
+            <a:pPr>
+              <a:spcAft>
+                <a:spcPts val="600"/>
+              </a:spcAft>
+            </a:pPr>
+            <a:endParaRPr lang="de-DE" dirty="0">
+              <a:solidFill>
+                <a:srgbClr val="4A5C66"/>
+              </a:solidFill>
+              <a:latin typeface="Arial" panose="020B0604020202020204" pitchFamily="34" charset="0"/>
+              <a:cs typeface="Arial" panose="020B0604020202020204" pitchFamily="34" charset="0"/>
+            </a:endParaRPr>
+          </a:p>
+          <a:p>
+            <a:pPr>
+              <a:spcAft>
+                <a:spcPts val="600"/>
+              </a:spcAft>
+            </a:pPr>
+            <a:endParaRPr lang="de-DE" dirty="0">
+              <a:solidFill>
+                <a:srgbClr val="4A5C66"/>
+              </a:solidFill>
+              <a:latin typeface="Arial" panose="020B0604020202020204" pitchFamily="34" charset="0"/>
+              <a:cs typeface="Arial" panose="020B0604020202020204" pitchFamily="34" charset="0"/>
+            </a:endParaRPr>
+          </a:p>
+          <a:p>
+            <a:pPr>
+              <a:spcAft>
+                <a:spcPts val="600"/>
+              </a:spcAft>
+            </a:pPr>
+            <a:endParaRPr lang="de-DE" dirty="0">
+              <a:solidFill>
+                <a:srgbClr val="4A5C66"/>
+              </a:solidFill>
+              <a:latin typeface="Arial" panose="020B0604020202020204" pitchFamily="34" charset="0"/>
+              <a:cs typeface="Arial" panose="020B0604020202020204" pitchFamily="34" charset="0"/>
+            </a:endParaRPr>
+          </a:p>
+          <a:p>
+            <a:pPr>
+              <a:spcAft>
+                <a:spcPts val="600"/>
+              </a:spcAft>
+            </a:pPr>
+            <a:r>
+              <a:rPr lang="de-DE" dirty="0">
+                <a:solidFill>
+                  <a:srgbClr val="4A5C66"/>
+                </a:solidFill>
+                <a:latin typeface="Arial" panose="020B0604020202020204" pitchFamily="34" charset="0"/>
+                <a:cs typeface="Arial" panose="020B0604020202020204" pitchFamily="34" charset="0"/>
+              </a:rPr>
+              <a:t>Ausgabe: Besten-Population</a:t>
+            </a:r>
           </a:p>
         </p:txBody>
       </p:sp>
@@ -24843,6 +25288,16 @@
             <a:r>
               <a:rPr lang="de-DE" dirty="0"/>
               <a:t>Zum Start noch klarer Definieren was überhaupt das Zielsystem sein soll (32 Bit vs. 64 Bit)</a:t>
+            </a:r>
+          </a:p>
+          <a:p>
+            <a:pPr marL="285750" indent="-285750">
+              <a:buFont typeface="Arial" panose="020B0604020202020204" pitchFamily="34" charset="0"/>
+              <a:buChar char="•"/>
+            </a:pPr>
+            <a:r>
+              <a:rPr lang="de-DE" dirty="0"/>
+              <a:t>Umgang mit C++ auf Windows extrem kompliziert...</a:t>
             </a:r>
           </a:p>
           <a:p>
@@ -25896,7 +26351,7 @@
             </a:pPr>
             <a:r>
               <a:rPr lang="de-DE" dirty="0"/>
-              <a:t>Die Liste der Städte (Namen + Distanzen) sollen aus einer Datei auslesbar sein, damit diese Daten ohne Programmieraufwand verändert werden können.</a:t>
+              <a:t>Die Liste der Städte (Namen + Distanzen) sollen aus einer Datei (mit bestimmter Formatierung) auslesbar sein, damit diese Daten ohne Programmieraufwand verändert werden können.</a:t>
             </a:r>
           </a:p>
           <a:p>
@@ -26689,14 +27144,14 @@
           <p:nvPr>
             <p:extLst>
               <p:ext uri="{D42A27DB-BD31-4B8C-83A1-F6EECF244321}">
-                <p14:modId xmlns:p14="http://schemas.microsoft.com/office/powerpoint/2010/main" val="2540543284"/>
+                <p14:modId xmlns:p14="http://schemas.microsoft.com/office/powerpoint/2010/main" val="211499002"/>
               </p:ext>
             </p:extLst>
           </p:nvPr>
         </p:nvGraphicFramePr>
         <p:xfrm>
           <a:off x="530270" y="2120160"/>
-          <a:ext cx="10610481" cy="2123440"/>
+          <a:ext cx="10610481" cy="1752600"/>
         </p:xfrm>
         <a:graphic>
           <a:graphicData uri="http://schemas.openxmlformats.org/drawingml/2006/table">
@@ -27019,62 +27474,6 @@
                 <a:extLst>
                   <a:ext uri="{0D108BD9-81ED-4DB2-BD59-A6C34878D82A}">
                     <a16:rowId xmlns:a16="http://schemas.microsoft.com/office/drawing/2014/main" val="3619039331"/>
-                  </a:ext>
-                </a:extLst>
-              </a:tr>
-              <a:tr h="370840">
-                <a:tc>
-                  <a:txBody>
-                    <a:bodyPr/>
-                    <a:lstStyle/>
-                    <a:p>
-                      <a:r>
-                        <a:rPr lang="de-DE" dirty="0"/>
-                        <a:t>???</a:t>
-                      </a:r>
-                    </a:p>
-                  </a:txBody>
-                  <a:tcPr/>
-                </a:tc>
-                <a:tc>
-                  <a:txBody>
-                    <a:bodyPr/>
-                    <a:lstStyle/>
-                    <a:p>
-                      <a:endParaRPr lang="de-DE" dirty="0"/>
-                    </a:p>
-                  </a:txBody>
-                  <a:tcPr/>
-                </a:tc>
-                <a:tc>
-                  <a:txBody>
-                    <a:bodyPr/>
-                    <a:lstStyle/>
-                    <a:p>
-                      <a:r>
-                        <a:rPr lang="de-DE" dirty="0"/>
-                        <a:t>Benutzeroberfläche</a:t>
-                      </a:r>
-                    </a:p>
-                  </a:txBody>
-                  <a:tcPr/>
-                </a:tc>
-                <a:tc>
-                  <a:txBody>
-                    <a:bodyPr/>
-                    <a:lstStyle/>
-                    <a:p>
-                      <a:r>
-                        <a:rPr lang="de-DE" dirty="0"/>
-                        <a:t>???</a:t>
-                      </a:r>
-                    </a:p>
-                  </a:txBody>
-                  <a:tcPr/>
-                </a:tc>
-                <a:extLst>
-                  <a:ext uri="{0D108BD9-81ED-4DB2-BD59-A6C34878D82A}">
-                    <a16:rowId xmlns:a16="http://schemas.microsoft.com/office/drawing/2014/main" val="3751802627"/>
                   </a:ext>
                 </a:extLst>
               </a:tr>

--- a/Projektvortrag/Präsentation Projektvortrag.pptx
+++ b/Projektvortrag/Präsentation Projektvortrag.pptx
@@ -24484,10 +24484,135 @@
           <a:bodyPr/>
           <a:lstStyle/>
           <a:p>
+            <a:pPr marL="285750" indent="-285750">
+              <a:buFont typeface="Arial" panose="020B0604020202020204" pitchFamily="34" charset="0"/>
+              <a:buChar char="•"/>
+            </a:pPr>
+            <a:r>
+              <a:rPr lang="de-DE" dirty="0"/>
+              <a:t>Der Simulator nimmt alle Einstellungsmöglichkeiten entgegen</a:t>
+            </a:r>
+          </a:p>
+          <a:p>
+            <a:pPr marL="285750" indent="-285750">
+              <a:buFont typeface="Arial" panose="020B0604020202020204" pitchFamily="34" charset="0"/>
+              <a:buChar char="•"/>
+            </a:pPr>
+            <a:r>
+              <a:rPr lang="de-DE" dirty="0"/>
+              <a:t>Bei dem Aufruf von </a:t>
+            </a:r>
+            <a:r>
+              <a:rPr lang="de-DE" b="1" dirty="0"/>
+              <a:t>simulate </a:t>
+            </a:r>
+            <a:r>
+              <a:rPr lang="de-DE" dirty="0"/>
+              <a:t>wird eine Generationsstufe durchgeführt</a:t>
+            </a:r>
+          </a:p>
+          <a:p>
+            <a:pPr marL="552450" lvl="1" indent="-285750">
+              <a:buFont typeface="Arial" panose="020B0604020202020204" pitchFamily="34" charset="0"/>
+              <a:buChar char="•"/>
+            </a:pPr>
+            <a:r>
+              <a:rPr lang="de-DE" dirty="0"/>
+              <a:t>Die Genetischen Algorithmen werden automatisch in der richtigen Reihenfolge aufgerufen</a:t>
+            </a:r>
+          </a:p>
+          <a:p>
+            <a:pPr marL="552450" lvl="1" indent="-285750">
+              <a:buFont typeface="Arial" panose="020B0604020202020204" pitchFamily="34" charset="0"/>
+              <a:buChar char="•"/>
+            </a:pPr>
+            <a:r>
+              <a:rPr lang="de-DE" dirty="0"/>
+              <a:t>Gibt statistische Ergebnisse zurück (beste, schlechteste, average)</a:t>
+            </a:r>
+          </a:p>
+          <a:p>
+            <a:pPr marL="285750" indent="-285750">
+              <a:buFont typeface="Arial" panose="020B0604020202020204" pitchFamily="34" charset="0"/>
+              <a:buChar char="•"/>
+            </a:pPr>
+            <a:endParaRPr lang="de-DE" dirty="0"/>
+          </a:p>
+          <a:p>
+            <a:pPr marL="285750" indent="-285750">
+              <a:buFont typeface="Arial" panose="020B0604020202020204" pitchFamily="34" charset="0"/>
+              <a:buChar char="•"/>
+            </a:pPr>
+            <a:r>
+              <a:rPr lang="de-DE" dirty="0"/>
+              <a:t>Die Funktion </a:t>
+            </a:r>
+            <a:r>
+              <a:rPr lang="de-DE" b="1" dirty="0"/>
+              <a:t>best_individual</a:t>
+            </a:r>
+            <a:r>
+              <a:rPr lang="de-DE" dirty="0"/>
+              <a:t> gibt das Individuum mit der größten Fitness zurücl</a:t>
+            </a:r>
+          </a:p>
+          <a:p>
+            <a:pPr marL="285750" indent="-285750">
+              <a:buFont typeface="Arial" panose="020B0604020202020204" pitchFamily="34" charset="0"/>
+              <a:buChar char="•"/>
+            </a:pPr>
+            <a:endParaRPr lang="de-DE" dirty="0"/>
+          </a:p>
+          <a:p>
+            <a:pPr marL="552450" lvl="1" indent="-285750">
+              <a:buFont typeface="Arial" panose="020B0604020202020204" pitchFamily="34" charset="0"/>
+              <a:buChar char="•"/>
+            </a:pPr>
+            <a:endParaRPr lang="de-DE" dirty="0"/>
+          </a:p>
+          <a:p>
+            <a:pPr marL="552450" lvl="1" indent="-285750">
+              <a:buFont typeface="Arial" panose="020B0604020202020204" pitchFamily="34" charset="0"/>
+              <a:buChar char="•"/>
+            </a:pPr>
+            <a:endParaRPr lang="de-DE" dirty="0"/>
+          </a:p>
+          <a:p>
+            <a:pPr lvl="1"/>
             <a:endParaRPr lang="de-DE" dirty="0"/>
           </a:p>
         </p:txBody>
       </p:sp>
+      <p:pic>
+        <p:nvPicPr>
+          <p:cNvPr id="5" name="Picture 4">
+            <a:extLst>
+              <a:ext uri="{FF2B5EF4-FFF2-40B4-BE49-F238E27FC236}">
+                <a16:creationId xmlns:a16="http://schemas.microsoft.com/office/drawing/2014/main" id="{218822C5-0C67-414D-B6B4-0F36E1BD69C4}"/>
+              </a:ext>
+            </a:extLst>
+          </p:cNvPr>
+          <p:cNvPicPr>
+            <a:picLocks noChangeAspect="1"/>
+          </p:cNvPicPr>
+          <p:nvPr/>
+        </p:nvPicPr>
+        <p:blipFill>
+          <a:blip r:embed="rId2"/>
+          <a:stretch>
+            <a:fillRect/>
+          </a:stretch>
+        </p:blipFill>
+        <p:spPr>
+          <a:xfrm>
+            <a:off x="2358485" y="3568731"/>
+            <a:ext cx="5153025" cy="2419350"/>
+          </a:xfrm>
+          <a:prstGeom prst="rect">
+            <a:avLst/>
+          </a:prstGeom>
+        </p:spPr>
+      </p:pic>
     </p:spTree>
     <p:extLst>
       <p:ext uri="{BB962C8B-B14F-4D97-AF65-F5344CB8AC3E}">
@@ -24562,12 +24687,369 @@
             <p:ph type="body" sz="quarter" idx="11"/>
           </p:nvPr>
         </p:nvSpPr>
-        <p:spPr/>
+        <p:spPr>
+          <a:xfrm>
+            <a:off x="334963" y="1280160"/>
+            <a:ext cx="11487150" cy="1835902"/>
+          </a:xfrm>
+        </p:spPr>
         <p:txBody>
           <a:bodyPr/>
           <a:lstStyle/>
           <a:p>
-            <a:endParaRPr lang="de-DE"/>
+            <a:pPr marL="285750" indent="-285750">
+              <a:buFont typeface="Arial" panose="020B0604020202020204" pitchFamily="34" charset="0"/>
+              <a:buChar char="•"/>
+            </a:pPr>
+            <a:r>
+              <a:rPr lang="de-DE" dirty="0"/>
+              <a:t>Boost Python Bibliothek</a:t>
+            </a:r>
+          </a:p>
+          <a:p>
+            <a:pPr marL="285750" indent="-285750">
+              <a:buFont typeface="Arial" panose="020B0604020202020204" pitchFamily="34" charset="0"/>
+              <a:buChar char="•"/>
+            </a:pPr>
+            <a:r>
+              <a:rPr lang="de-DE" dirty="0"/>
+              <a:t>Erstellung von Schnittstellen zwischen C++ und Python</a:t>
+            </a:r>
+          </a:p>
+          <a:p>
+            <a:pPr marL="285750" indent="-285750">
+              <a:buFont typeface="Arial" panose="020B0604020202020204" pitchFamily="34" charset="0"/>
+              <a:buChar char="•"/>
+            </a:pPr>
+            <a:r>
+              <a:rPr lang="de-DE" dirty="0"/>
+              <a:t>Schnell und unkompliziert</a:t>
+            </a:r>
+          </a:p>
+        </p:txBody>
+      </p:sp>
+      <p:sp>
+        <p:nvSpPr>
+          <p:cNvPr id="7" name="Text Placeholder 2">
+            <a:extLst>
+              <a:ext uri="{FF2B5EF4-FFF2-40B4-BE49-F238E27FC236}">
+                <a16:creationId xmlns:a16="http://schemas.microsoft.com/office/drawing/2014/main" id="{E5D452C1-DD4D-4E05-90BB-0F8EBB7CDC84}"/>
+              </a:ext>
+            </a:extLst>
+          </p:cNvPr>
+          <p:cNvSpPr txBox="1">
+            <a:spLocks/>
+          </p:cNvSpPr>
+          <p:nvPr/>
+        </p:nvSpPr>
+        <p:spPr bwMode="auto">
+          <a:xfrm>
+            <a:off x="369887" y="2511048"/>
+            <a:ext cx="6723371" cy="3721075"/>
+          </a:xfrm>
+          <a:prstGeom prst="rect">
+            <a:avLst/>
+          </a:prstGeom>
+          <a:noFill/>
+          <a:ln>
+            <a:noFill/>
+          </a:ln>
+          <a:extLst>
+            <a:ext uri="{909E8E84-426E-40DD-AFC4-6F175D3DCCD1}">
+              <a14:hiddenFill xmlns:a14="http://schemas.microsoft.com/office/drawing/2010/main">
+                <a:solidFill>
+                  <a:srgbClr val="FFFFFF"/>
+                </a:solidFill>
+              </a14:hiddenFill>
+            </a:ext>
+            <a:ext uri="{91240B29-F687-4F45-9708-019B960494DF}">
+              <a14:hiddenLine xmlns:a14="http://schemas.microsoft.com/office/drawing/2010/main" w="9525">
+                <a:solidFill>
+                  <a:srgbClr val="000000"/>
+                </a:solidFill>
+                <a:miter lim="800000"/>
+                <a:headEnd/>
+                <a:tailEnd/>
+              </a14:hiddenLine>
+            </a:ext>
+          </a:extLst>
+        </p:spPr>
+        <p:txBody>
+          <a:bodyPr vert="horz" wrap="square" lIns="91440" tIns="45720" rIns="91440" bIns="45720" numCol="1" anchor="t" anchorCtr="0" compatLnSpc="1">
+            <a:prstTxWarp prst="textNoShape">
+              <a:avLst/>
+            </a:prstTxWarp>
+          </a:bodyPr>
+          <a:lstStyle>
+            <a:lvl1pPr marL="0" indent="0" algn="l" rtl="0" eaLnBrk="0" fontAlgn="base" hangingPunct="0">
+              <a:spcBef>
+                <a:spcPct val="20000"/>
+              </a:spcBef>
+              <a:spcAft>
+                <a:spcPct val="0"/>
+              </a:spcAft>
+              <a:buClr>
+                <a:srgbClr val="80BA24"/>
+              </a:buClr>
+              <a:buSzPct val="106000"/>
+              <a:buFontTx/>
+              <a:buNone/>
+              <a:defRPr kern="1200" baseline="0">
+                <a:solidFill>
+                  <a:srgbClr val="4A5C66"/>
+                </a:solidFill>
+                <a:latin typeface="Arial" pitchFamily="34" charset="0"/>
+                <a:ea typeface="MS PGothic" panose="020B0600070205080204" pitchFamily="34" charset="-128"/>
+                <a:cs typeface="Arial" pitchFamily="34" charset="0"/>
+              </a:defRPr>
+            </a:lvl1pPr>
+            <a:lvl2pPr marL="266700" indent="0" algn="l" rtl="0" eaLnBrk="0" fontAlgn="base" hangingPunct="0">
+              <a:spcBef>
+                <a:spcPct val="20000"/>
+              </a:spcBef>
+              <a:spcAft>
+                <a:spcPct val="0"/>
+              </a:spcAft>
+              <a:buClr>
+                <a:srgbClr val="80BA24"/>
+              </a:buClr>
+              <a:buSzPct val="90000"/>
+              <a:buFontTx/>
+              <a:buNone/>
+              <a:defRPr kern="1200">
+                <a:solidFill>
+                  <a:srgbClr val="4A5C66"/>
+                </a:solidFill>
+                <a:latin typeface="Arial" pitchFamily="34" charset="0"/>
+                <a:ea typeface="Arial" charset="0"/>
+                <a:cs typeface="Arial" pitchFamily="34" charset="0"/>
+              </a:defRPr>
+            </a:lvl2pPr>
+            <a:lvl3pPr marL="542925" indent="0" algn="l" rtl="0" eaLnBrk="0" fontAlgn="base" hangingPunct="0">
+              <a:spcBef>
+                <a:spcPct val="20000"/>
+              </a:spcBef>
+              <a:spcAft>
+                <a:spcPct val="0"/>
+              </a:spcAft>
+              <a:buClr>
+                <a:srgbClr val="80BA24"/>
+              </a:buClr>
+              <a:buSzPct val="80000"/>
+              <a:buFontTx/>
+              <a:buNone/>
+              <a:defRPr kern="1200">
+                <a:solidFill>
+                  <a:srgbClr val="4A5C66"/>
+                </a:solidFill>
+                <a:latin typeface="Arial" pitchFamily="34" charset="0"/>
+                <a:ea typeface="Arial" charset="0"/>
+                <a:cs typeface="Arial" pitchFamily="34" charset="0"/>
+              </a:defRPr>
+            </a:lvl3pPr>
+            <a:lvl4pPr marL="809625" indent="0" algn="l" rtl="0" eaLnBrk="0" fontAlgn="base" hangingPunct="0">
+              <a:spcBef>
+                <a:spcPct val="20000"/>
+              </a:spcBef>
+              <a:spcAft>
+                <a:spcPct val="0"/>
+              </a:spcAft>
+              <a:buClr>
+                <a:srgbClr val="80BA24"/>
+              </a:buClr>
+              <a:buSzPct val="80000"/>
+              <a:buFontTx/>
+              <a:buNone/>
+              <a:defRPr kern="1200">
+                <a:solidFill>
+                  <a:srgbClr val="4A5C66"/>
+                </a:solidFill>
+                <a:latin typeface="Arial" pitchFamily="34" charset="0"/>
+                <a:ea typeface="Arial" charset="0"/>
+                <a:cs typeface="Arial" pitchFamily="34" charset="0"/>
+              </a:defRPr>
+            </a:lvl4pPr>
+            <a:lvl5pPr marL="1076325" indent="0" algn="l" rtl="0" eaLnBrk="0" fontAlgn="base" hangingPunct="0">
+              <a:spcBef>
+                <a:spcPct val="20000"/>
+              </a:spcBef>
+              <a:spcAft>
+                <a:spcPct val="0"/>
+              </a:spcAft>
+              <a:buClr>
+                <a:srgbClr val="80BA24"/>
+              </a:buClr>
+              <a:buSzPct val="80000"/>
+              <a:buFontTx/>
+              <a:buNone/>
+              <a:defRPr kern="1200">
+                <a:solidFill>
+                  <a:srgbClr val="4A5C66"/>
+                </a:solidFill>
+                <a:latin typeface="Arial" pitchFamily="34" charset="0"/>
+                <a:ea typeface="Arial" charset="0"/>
+                <a:cs typeface="Arial" pitchFamily="34" charset="0"/>
+              </a:defRPr>
+            </a:lvl5pPr>
+            <a:lvl6pPr marL="2514600" indent="-228600" algn="l" defTabSz="914400" rtl="0" eaLnBrk="1" latinLnBrk="0" hangingPunct="1">
+              <a:spcBef>
+                <a:spcPct val="20000"/>
+              </a:spcBef>
+              <a:buFont typeface="Arial" pitchFamily="34" charset="0"/>
+              <a:buChar char="•"/>
+              <a:defRPr sz="2000" kern="1200">
+                <a:solidFill>
+                  <a:schemeClr val="tx1"/>
+                </a:solidFill>
+                <a:latin typeface="+mn-lt"/>
+                <a:ea typeface="+mn-ea"/>
+                <a:cs typeface="+mn-cs"/>
+              </a:defRPr>
+            </a:lvl6pPr>
+            <a:lvl7pPr marL="2971800" indent="-228600" algn="l" defTabSz="914400" rtl="0" eaLnBrk="1" latinLnBrk="0" hangingPunct="1">
+              <a:spcBef>
+                <a:spcPct val="20000"/>
+              </a:spcBef>
+              <a:buFont typeface="Arial" pitchFamily="34" charset="0"/>
+              <a:buChar char="•"/>
+              <a:defRPr sz="2000" kern="1200">
+                <a:solidFill>
+                  <a:schemeClr val="tx1"/>
+                </a:solidFill>
+                <a:latin typeface="+mn-lt"/>
+                <a:ea typeface="+mn-ea"/>
+                <a:cs typeface="+mn-cs"/>
+              </a:defRPr>
+            </a:lvl7pPr>
+            <a:lvl8pPr marL="3429000" indent="-228600" algn="l" defTabSz="914400" rtl="0" eaLnBrk="1" latinLnBrk="0" hangingPunct="1">
+              <a:spcBef>
+                <a:spcPct val="20000"/>
+              </a:spcBef>
+              <a:buFont typeface="Arial" pitchFamily="34" charset="0"/>
+              <a:buChar char="•"/>
+              <a:defRPr sz="2000" kern="1200">
+                <a:solidFill>
+                  <a:schemeClr val="tx1"/>
+                </a:solidFill>
+                <a:latin typeface="+mn-lt"/>
+                <a:ea typeface="+mn-ea"/>
+                <a:cs typeface="+mn-cs"/>
+              </a:defRPr>
+            </a:lvl8pPr>
+            <a:lvl9pPr marL="3886200" indent="-228600" algn="l" defTabSz="914400" rtl="0" eaLnBrk="1" latinLnBrk="0" hangingPunct="1">
+              <a:spcBef>
+                <a:spcPct val="20000"/>
+              </a:spcBef>
+              <a:buFont typeface="Arial" pitchFamily="34" charset="0"/>
+              <a:buChar char="•"/>
+              <a:defRPr sz="2000" kern="1200">
+                <a:solidFill>
+                  <a:schemeClr val="tx1"/>
+                </a:solidFill>
+                <a:latin typeface="+mn-lt"/>
+                <a:ea typeface="+mn-ea"/>
+                <a:cs typeface="+mn-cs"/>
+              </a:defRPr>
+            </a:lvl9pPr>
+          </a:lstStyle>
+          <a:p>
+            <a:r>
+              <a:rPr lang="en-US" sz="1200" dirty="0"/>
+              <a:t>BOOST_PYTHON_MODULE(</a:t>
+            </a:r>
+            <a:r>
+              <a:rPr lang="en-US" sz="1200" dirty="0" err="1"/>
+              <a:t>Simulator_Wrapper</a:t>
+            </a:r>
+            <a:r>
+              <a:rPr lang="en-US" sz="1200" dirty="0"/>
+              <a:t>)</a:t>
+            </a:r>
+          </a:p>
+          <a:p>
+            <a:r>
+              <a:rPr lang="en-US" sz="1200" dirty="0"/>
+              <a:t>{</a:t>
+            </a:r>
+          </a:p>
+          <a:p>
+            <a:r>
+              <a:rPr lang="de-DE" sz="1200" dirty="0"/>
+              <a:t>    to_python_converter&lt;std::tuple&lt;int, int, int&gt;, TupleToList&lt;int&gt; &gt;();</a:t>
+            </a:r>
+          </a:p>
+          <a:p>
+            <a:endParaRPr lang="de-DE" sz="1200" dirty="0"/>
+          </a:p>
+          <a:p>
+            <a:r>
+              <a:rPr lang="de-DE" sz="1200" dirty="0"/>
+              <a:t>    enum_&lt;Selection_Algorithm&gt;("Selection_Algorithm")</a:t>
+            </a:r>
+          </a:p>
+          <a:p>
+            <a:r>
+              <a:rPr lang="de-DE" sz="1200" dirty="0"/>
+              <a:t>            .value("SOFT", Selection_Algorithm::SOFT);</a:t>
+            </a:r>
+          </a:p>
+          <a:p>
+            <a:endParaRPr lang="de-DE" sz="1200" dirty="0"/>
+          </a:p>
+          <a:p>
+            <a:r>
+              <a:rPr lang="de-DE" sz="1200" dirty="0"/>
+              <a:t>    class_&lt;Simulator&gt;("Simulator", init&lt;</a:t>
+            </a:r>
+          </a:p>
+          <a:p>
+            <a:r>
+              <a:rPr lang="de-DE" sz="1200" dirty="0"/>
+              <a:t>            std::string, std::string, std::string,</a:t>
+            </a:r>
+          </a:p>
+          <a:p>
+            <a:r>
+              <a:rPr lang="de-DE" sz="1200" dirty="0"/>
+              <a:t>            int,int,int,int,</a:t>
+            </a:r>
+          </a:p>
+          <a:p>
+            <a:r>
+              <a:rPr lang="de-DE" sz="1200" dirty="0"/>
+              <a:t>            Crossover_Algorithm, Marriage_Algorithm, Mutation_Algorithm, Selection_Algorithm&gt;(</a:t>
+            </a:r>
+          </a:p>
+          <a:p>
+            <a:r>
+              <a:rPr lang="de-DE" sz="1200" dirty="0"/>
+              <a:t>            ))</a:t>
+            </a:r>
+          </a:p>
+          <a:p>
+            <a:r>
+              <a:rPr lang="de-DE" sz="1200" dirty="0"/>
+              <a:t>            .def("simulate", &amp;Simulator::simulate)</a:t>
+            </a:r>
+          </a:p>
+          <a:p>
+            <a:r>
+              <a:rPr lang="de-DE" sz="1200" dirty="0"/>
+              <a:t>            .def("finished", &amp;Simulator::finished)</a:t>
+            </a:r>
+          </a:p>
+          <a:p>
+            <a:r>
+              <a:rPr lang="de-DE" sz="1200" dirty="0"/>
+              <a:t>            .def(„best_individual", &amp;Simulator::best_individual);</a:t>
+            </a:r>
+          </a:p>
+          <a:p>
+            <a:r>
+              <a:rPr lang="de-DE" sz="1200" dirty="0"/>
+              <a:t>}</a:t>
+            </a:r>
+            <a:endParaRPr lang="de-DE" sz="1800" dirty="0"/>
           </a:p>
         </p:txBody>
       </p:sp>

--- a/Projektvortrag/Präsentation Projektvortrag.pptx
+++ b/Projektvortrag/Präsentation Projektvortrag.pptx
@@ -6,10 +6,10 @@
     <p:sldMasterId id="2147483678" r:id="rId2"/>
   </p:sldMasterIdLst>
   <p:notesMasterIdLst>
-    <p:notesMasterId r:id="rId26"/>
+    <p:notesMasterId r:id="rId28"/>
   </p:notesMasterIdLst>
   <p:handoutMasterIdLst>
-    <p:handoutMasterId r:id="rId27"/>
+    <p:handoutMasterId r:id="rId29"/>
   </p:handoutMasterIdLst>
   <p:sldIdLst>
     <p:sldId id="256" r:id="rId3"/>
@@ -29,22 +29,24 @@
     <p:sldId id="277" r:id="rId17"/>
     <p:sldId id="275" r:id="rId18"/>
     <p:sldId id="278" r:id="rId19"/>
-    <p:sldId id="279" r:id="rId20"/>
-    <p:sldId id="280" r:id="rId21"/>
-    <p:sldId id="281" r:id="rId22"/>
-    <p:sldId id="282" r:id="rId23"/>
-    <p:sldId id="283" r:id="rId24"/>
-    <p:sldId id="257" r:id="rId25"/>
+    <p:sldId id="286" r:id="rId20"/>
+    <p:sldId id="287" r:id="rId21"/>
+    <p:sldId id="279" r:id="rId22"/>
+    <p:sldId id="280" r:id="rId23"/>
+    <p:sldId id="281" r:id="rId24"/>
+    <p:sldId id="282" r:id="rId25"/>
+    <p:sldId id="283" r:id="rId26"/>
+    <p:sldId id="257" r:id="rId27"/>
   </p:sldIdLst>
   <p:sldSz cx="12192000" cy="6858000"/>
   <p:notesSz cx="6858000" cy="9144000"/>
   <p:embeddedFontLst>
     <p:embeddedFont>
       <p:font typeface="Calibri" panose="020F0502020204030204" pitchFamily="34" charset="0"/>
-      <p:regular r:id="rId28"/>
-      <p:bold r:id="rId29"/>
-      <p:italic r:id="rId30"/>
-      <p:boldItalic r:id="rId31"/>
+      <p:regular r:id="rId30"/>
+      <p:bold r:id="rId31"/>
+      <p:italic r:id="rId32"/>
+      <p:boldItalic r:id="rId33"/>
     </p:embeddedFont>
   </p:embeddedFontLst>
   <p:defaultTextStyle>
@@ -298,6 +300,8 @@
             <p14:sldId id="277"/>
             <p14:sldId id="275"/>
             <p14:sldId id="278"/>
+            <p14:sldId id="286"/>
+            <p14:sldId id="287"/>
             <p14:sldId id="279"/>
             <p14:sldId id="280"/>
             <p14:sldId id="281"/>
@@ -25088,7 +25092,7 @@
           <p:cNvPr id="2" name="Title 1">
             <a:extLst>
               <a:ext uri="{FF2B5EF4-FFF2-40B4-BE49-F238E27FC236}">
-                <a16:creationId xmlns:a16="http://schemas.microsoft.com/office/drawing/2014/main" id="{2BC7ABD1-FA22-4A07-8074-128F2BE75F22}"/>
+                <a16:creationId xmlns:a16="http://schemas.microsoft.com/office/drawing/2014/main" id="{81EFB697-ABB7-4385-A87F-DE3D50F38BDB}"/>
               </a:ext>
             </a:extLst>
           </p:cNvPr>
@@ -25106,7 +25110,7 @@
           <a:p>
             <a:r>
               <a:rPr lang="de-DE" dirty="0"/>
-              <a:t>Experimente</a:t>
+              <a:t>Realisierung – Testen</a:t>
             </a:r>
           </a:p>
         </p:txBody>
@@ -25116,7 +25120,7 @@
           <p:cNvPr id="3" name="Text Placeholder 2">
             <a:extLst>
               <a:ext uri="{FF2B5EF4-FFF2-40B4-BE49-F238E27FC236}">
-                <a16:creationId xmlns:a16="http://schemas.microsoft.com/office/drawing/2014/main" id="{A1EF1E2D-8B9F-419C-AAF3-98ED1E7877CB}"/>
+                <a16:creationId xmlns:a16="http://schemas.microsoft.com/office/drawing/2014/main" id="{778E93AF-5E49-4550-AA2C-7CEF1E9BA9D3}"/>
               </a:ext>
             </a:extLst>
           </p:cNvPr>
@@ -25127,19 +25131,386 @@
             <p:ph type="body" sz="quarter" idx="11"/>
           </p:nvPr>
         </p:nvSpPr>
-        <p:spPr/>
+        <p:spPr>
+          <a:xfrm>
+            <a:off x="334963" y="1280160"/>
+            <a:ext cx="10522427" cy="3380617"/>
+          </a:xfrm>
+        </p:spPr>
         <p:txBody>
           <a:bodyPr/>
           <a:lstStyle/>
           <a:p>
-            <a:endParaRPr lang="de-DE"/>
+            <a:r>
+              <a:rPr lang="de-DE" dirty="0"/>
+              <a:t>Wieso ist Testen wichtig?</a:t>
+            </a:r>
+          </a:p>
+          <a:p>
+            <a:pPr marL="285750" indent="-285750">
+              <a:buFont typeface="Arial" panose="020B0604020202020204" pitchFamily="34" charset="0"/>
+              <a:buChar char="•"/>
+            </a:pPr>
+            <a:r>
+              <a:rPr lang="de-DE" dirty="0"/>
+              <a:t>Am Anfang lästig am Ende ein Lebensretter</a:t>
+            </a:r>
+          </a:p>
+          <a:p>
+            <a:pPr marL="285750" indent="-285750">
+              <a:buFont typeface="Arial" panose="020B0604020202020204" pitchFamily="34" charset="0"/>
+              <a:buChar char="•"/>
+            </a:pPr>
+            <a:r>
+              <a:rPr lang="de-DE" dirty="0"/>
+              <a:t>Dokumentiert zusätzlich den Code</a:t>
+            </a:r>
+          </a:p>
+          <a:p>
+            <a:pPr marL="285750" indent="-285750">
+              <a:buFont typeface="Arial" panose="020B0604020202020204" pitchFamily="34" charset="0"/>
+              <a:buChar char="•"/>
+            </a:pPr>
+            <a:r>
+              <a:rPr lang="de-DE" dirty="0"/>
+              <a:t>Es ist ersichtlich was der Entwickler wirklich mit der Funktion/Klasse erreichen wollte</a:t>
+            </a:r>
+          </a:p>
+          <a:p>
+            <a:r>
+              <a:rPr lang="de-DE" dirty="0"/>
+              <a:t>Catch2</a:t>
+            </a:r>
+          </a:p>
+          <a:p>
+            <a:pPr marL="285750" indent="-285750">
+              <a:buFont typeface="Arial" panose="020B0604020202020204" pitchFamily="34" charset="0"/>
+              <a:buChar char="•"/>
+            </a:pPr>
+            <a:r>
+              <a:rPr lang="de-DE" dirty="0"/>
+              <a:t>Schnell im Projekt eingebunden (Single Header Library)</a:t>
+            </a:r>
+          </a:p>
+          <a:p>
+            <a:pPr marL="285750" indent="-285750">
+              <a:buFont typeface="Arial" panose="020B0604020202020204" pitchFamily="34" charset="0"/>
+              <a:buChar char="•"/>
+            </a:pPr>
+            <a:r>
+              <a:rPr lang="de-DE" dirty="0"/>
+              <a:t>Einfach zu verwenden</a:t>
+            </a:r>
+          </a:p>
+          <a:p>
+            <a:pPr marL="285750" indent="-285750">
+              <a:buFont typeface="Arial" panose="020B0604020202020204" pitchFamily="34" charset="0"/>
+              <a:buChar char="•"/>
+            </a:pPr>
+            <a:r>
+              <a:rPr lang="de-DE" dirty="0"/>
+              <a:t>Die Library Entwicklung lief komplett über das Testframework</a:t>
+            </a:r>
+          </a:p>
+          <a:p>
+            <a:pPr marL="552450" lvl="1" indent="-285750">
+              <a:buFont typeface="Arial" panose="020B0604020202020204" pitchFamily="34" charset="0"/>
+              <a:buChar char="•"/>
+            </a:pPr>
+            <a:r>
+              <a:rPr lang="de-DE" dirty="0"/>
+              <a:t>Entwickler werden zur Testerstellung genötigt</a:t>
+            </a:r>
+          </a:p>
+          <a:p>
+            <a:endParaRPr lang="de-DE" dirty="0"/>
+          </a:p>
+        </p:txBody>
+      </p:sp>
+      <p:sp>
+        <p:nvSpPr>
+          <p:cNvPr id="8" name="Text Placeholder 2">
+            <a:extLst>
+              <a:ext uri="{FF2B5EF4-FFF2-40B4-BE49-F238E27FC236}">
+                <a16:creationId xmlns:a16="http://schemas.microsoft.com/office/drawing/2014/main" id="{ACE0721A-9F6D-4080-844A-58B901D8E30D}"/>
+              </a:ext>
+            </a:extLst>
+          </p:cNvPr>
+          <p:cNvSpPr txBox="1">
+            <a:spLocks/>
+          </p:cNvSpPr>
+          <p:nvPr/>
+        </p:nvSpPr>
+        <p:spPr bwMode="auto">
+          <a:xfrm>
+            <a:off x="334963" y="4481645"/>
+            <a:ext cx="11487150" cy="1875561"/>
+          </a:xfrm>
+          <a:prstGeom prst="rect">
+            <a:avLst/>
+          </a:prstGeom>
+          <a:noFill/>
+          <a:ln>
+            <a:noFill/>
+          </a:ln>
+          <a:extLst>
+            <a:ext uri="{909E8E84-426E-40DD-AFC4-6F175D3DCCD1}">
+              <a14:hiddenFill xmlns:a14="http://schemas.microsoft.com/office/drawing/2010/main">
+                <a:solidFill>
+                  <a:srgbClr val="FFFFFF"/>
+                </a:solidFill>
+              </a14:hiddenFill>
+            </a:ext>
+            <a:ext uri="{91240B29-F687-4F45-9708-019B960494DF}">
+              <a14:hiddenLine xmlns:a14="http://schemas.microsoft.com/office/drawing/2010/main" w="9525">
+                <a:solidFill>
+                  <a:srgbClr val="000000"/>
+                </a:solidFill>
+                <a:miter lim="800000"/>
+                <a:headEnd/>
+                <a:tailEnd/>
+              </a14:hiddenLine>
+            </a:ext>
+          </a:extLst>
+        </p:spPr>
+        <p:txBody>
+          <a:bodyPr vert="horz" wrap="square" lIns="91440" tIns="45720" rIns="91440" bIns="45720" numCol="1" anchor="t" anchorCtr="0" compatLnSpc="1">
+            <a:prstTxWarp prst="textNoShape">
+              <a:avLst/>
+            </a:prstTxWarp>
+          </a:bodyPr>
+          <a:lstStyle>
+            <a:lvl1pPr marL="0" indent="0" algn="l" rtl="0" eaLnBrk="0" fontAlgn="base" hangingPunct="0">
+              <a:spcBef>
+                <a:spcPct val="20000"/>
+              </a:spcBef>
+              <a:spcAft>
+                <a:spcPct val="0"/>
+              </a:spcAft>
+              <a:buClr>
+                <a:srgbClr val="80BA24"/>
+              </a:buClr>
+              <a:buSzPct val="106000"/>
+              <a:buFontTx/>
+              <a:buNone/>
+              <a:defRPr kern="1200" baseline="0">
+                <a:solidFill>
+                  <a:srgbClr val="4A5C66"/>
+                </a:solidFill>
+                <a:latin typeface="Arial" pitchFamily="34" charset="0"/>
+                <a:ea typeface="MS PGothic" panose="020B0600070205080204" pitchFamily="34" charset="-128"/>
+                <a:cs typeface="Arial" pitchFamily="34" charset="0"/>
+              </a:defRPr>
+            </a:lvl1pPr>
+            <a:lvl2pPr marL="266700" indent="0" algn="l" rtl="0" eaLnBrk="0" fontAlgn="base" hangingPunct="0">
+              <a:spcBef>
+                <a:spcPct val="20000"/>
+              </a:spcBef>
+              <a:spcAft>
+                <a:spcPct val="0"/>
+              </a:spcAft>
+              <a:buClr>
+                <a:srgbClr val="80BA24"/>
+              </a:buClr>
+              <a:buSzPct val="90000"/>
+              <a:buFontTx/>
+              <a:buNone/>
+              <a:defRPr kern="1200">
+                <a:solidFill>
+                  <a:srgbClr val="4A5C66"/>
+                </a:solidFill>
+                <a:latin typeface="Arial" pitchFamily="34" charset="0"/>
+                <a:ea typeface="Arial" charset="0"/>
+                <a:cs typeface="Arial" pitchFamily="34" charset="0"/>
+              </a:defRPr>
+            </a:lvl2pPr>
+            <a:lvl3pPr marL="542925" indent="0" algn="l" rtl="0" eaLnBrk="0" fontAlgn="base" hangingPunct="0">
+              <a:spcBef>
+                <a:spcPct val="20000"/>
+              </a:spcBef>
+              <a:spcAft>
+                <a:spcPct val="0"/>
+              </a:spcAft>
+              <a:buClr>
+                <a:srgbClr val="80BA24"/>
+              </a:buClr>
+              <a:buSzPct val="80000"/>
+              <a:buFontTx/>
+              <a:buNone/>
+              <a:defRPr kern="1200">
+                <a:solidFill>
+                  <a:srgbClr val="4A5C66"/>
+                </a:solidFill>
+                <a:latin typeface="Arial" pitchFamily="34" charset="0"/>
+                <a:ea typeface="Arial" charset="0"/>
+                <a:cs typeface="Arial" pitchFamily="34" charset="0"/>
+              </a:defRPr>
+            </a:lvl3pPr>
+            <a:lvl4pPr marL="809625" indent="0" algn="l" rtl="0" eaLnBrk="0" fontAlgn="base" hangingPunct="0">
+              <a:spcBef>
+                <a:spcPct val="20000"/>
+              </a:spcBef>
+              <a:spcAft>
+                <a:spcPct val="0"/>
+              </a:spcAft>
+              <a:buClr>
+                <a:srgbClr val="80BA24"/>
+              </a:buClr>
+              <a:buSzPct val="80000"/>
+              <a:buFontTx/>
+              <a:buNone/>
+              <a:defRPr kern="1200">
+                <a:solidFill>
+                  <a:srgbClr val="4A5C66"/>
+                </a:solidFill>
+                <a:latin typeface="Arial" pitchFamily="34" charset="0"/>
+                <a:ea typeface="Arial" charset="0"/>
+                <a:cs typeface="Arial" pitchFamily="34" charset="0"/>
+              </a:defRPr>
+            </a:lvl4pPr>
+            <a:lvl5pPr marL="1076325" indent="0" algn="l" rtl="0" eaLnBrk="0" fontAlgn="base" hangingPunct="0">
+              <a:spcBef>
+                <a:spcPct val="20000"/>
+              </a:spcBef>
+              <a:spcAft>
+                <a:spcPct val="0"/>
+              </a:spcAft>
+              <a:buClr>
+                <a:srgbClr val="80BA24"/>
+              </a:buClr>
+              <a:buSzPct val="80000"/>
+              <a:buFontTx/>
+              <a:buNone/>
+              <a:defRPr kern="1200">
+                <a:solidFill>
+                  <a:srgbClr val="4A5C66"/>
+                </a:solidFill>
+                <a:latin typeface="Arial" pitchFamily="34" charset="0"/>
+                <a:ea typeface="Arial" charset="0"/>
+                <a:cs typeface="Arial" pitchFamily="34" charset="0"/>
+              </a:defRPr>
+            </a:lvl5pPr>
+            <a:lvl6pPr marL="2514600" indent="-228600" algn="l" defTabSz="914400" rtl="0" eaLnBrk="1" latinLnBrk="0" hangingPunct="1">
+              <a:spcBef>
+                <a:spcPct val="20000"/>
+              </a:spcBef>
+              <a:buFont typeface="Arial" pitchFamily="34" charset="0"/>
+              <a:buChar char="•"/>
+              <a:defRPr sz="2000" kern="1200">
+                <a:solidFill>
+                  <a:schemeClr val="tx1"/>
+                </a:solidFill>
+                <a:latin typeface="+mn-lt"/>
+                <a:ea typeface="+mn-ea"/>
+                <a:cs typeface="+mn-cs"/>
+              </a:defRPr>
+            </a:lvl6pPr>
+            <a:lvl7pPr marL="2971800" indent="-228600" algn="l" defTabSz="914400" rtl="0" eaLnBrk="1" latinLnBrk="0" hangingPunct="1">
+              <a:spcBef>
+                <a:spcPct val="20000"/>
+              </a:spcBef>
+              <a:buFont typeface="Arial" pitchFamily="34" charset="0"/>
+              <a:buChar char="•"/>
+              <a:defRPr sz="2000" kern="1200">
+                <a:solidFill>
+                  <a:schemeClr val="tx1"/>
+                </a:solidFill>
+                <a:latin typeface="+mn-lt"/>
+                <a:ea typeface="+mn-ea"/>
+                <a:cs typeface="+mn-cs"/>
+              </a:defRPr>
+            </a:lvl7pPr>
+            <a:lvl8pPr marL="3429000" indent="-228600" algn="l" defTabSz="914400" rtl="0" eaLnBrk="1" latinLnBrk="0" hangingPunct="1">
+              <a:spcBef>
+                <a:spcPct val="20000"/>
+              </a:spcBef>
+              <a:buFont typeface="Arial" pitchFamily="34" charset="0"/>
+              <a:buChar char="•"/>
+              <a:defRPr sz="2000" kern="1200">
+                <a:solidFill>
+                  <a:schemeClr val="tx1"/>
+                </a:solidFill>
+                <a:latin typeface="+mn-lt"/>
+                <a:ea typeface="+mn-ea"/>
+                <a:cs typeface="+mn-cs"/>
+              </a:defRPr>
+            </a:lvl8pPr>
+            <a:lvl9pPr marL="3886200" indent="-228600" algn="l" defTabSz="914400" rtl="0" eaLnBrk="1" latinLnBrk="0" hangingPunct="1">
+              <a:spcBef>
+                <a:spcPct val="20000"/>
+              </a:spcBef>
+              <a:buFont typeface="Arial" pitchFamily="34" charset="0"/>
+              <a:buChar char="•"/>
+              <a:defRPr sz="2000" kern="1200">
+                <a:solidFill>
+                  <a:schemeClr val="tx1"/>
+                </a:solidFill>
+                <a:latin typeface="+mn-lt"/>
+                <a:ea typeface="+mn-ea"/>
+                <a:cs typeface="+mn-cs"/>
+              </a:defRPr>
+            </a:lvl9pPr>
+          </a:lstStyle>
+          <a:p>
+            <a:r>
+              <a:rPr lang="de-DE" sz="1100" dirty="0"/>
+              <a:t>SCENARIO("Test Individual initialization", "[Individual.cpp]")</a:t>
+            </a:r>
+          </a:p>
+          <a:p>
+            <a:r>
+              <a:rPr lang="de-DE" sz="1100" dirty="0"/>
+              <a:t>{</a:t>
+            </a:r>
+          </a:p>
+          <a:p>
+            <a:r>
+              <a:rPr lang="de-DE" sz="1100" dirty="0"/>
+              <a:t>    for (int i = 0; i &lt; 100; ++i) {</a:t>
+            </a:r>
+          </a:p>
+          <a:p>
+            <a:r>
+              <a:rPr lang="de-DE" sz="1100" dirty="0"/>
+              <a:t>        Individual individual = Individual(size, idx_start, nullptr, nullptr);</a:t>
+            </a:r>
+          </a:p>
+          <a:p>
+            <a:r>
+              <a:rPr lang="de-DE" sz="1100" dirty="0"/>
+              <a:t>        std::vector&lt;int&gt; chromosome = individual.get_chromosome();</a:t>
+            </a:r>
+          </a:p>
+          <a:p>
+            <a:r>
+              <a:rPr lang="de-DE" sz="1100" dirty="0"/>
+              <a:t>        REQUIRE(chromosome.size() == (unsigned int) size);</a:t>
+            </a:r>
+          </a:p>
+          <a:p>
+            <a:r>
+              <a:rPr lang="de-DE" sz="1100" dirty="0"/>
+              <a:t>        REQUIRE(std::unique(chromosome.begin(), chromosome.end()) == chromosome.end());</a:t>
+            </a:r>
+          </a:p>
+          <a:p>
+            <a:r>
+              <a:rPr lang="de-DE" sz="1100" dirty="0"/>
+              <a:t>    }</a:t>
+            </a:r>
+          </a:p>
+          <a:p>
+            <a:r>
+              <a:rPr lang="de-DE" sz="1100" dirty="0"/>
+              <a:t>}</a:t>
+            </a:r>
           </a:p>
         </p:txBody>
       </p:sp>
     </p:spTree>
     <p:extLst>
       <p:ext uri="{BB962C8B-B14F-4D97-AF65-F5344CB8AC3E}">
-        <p14:creationId xmlns:p14="http://schemas.microsoft.com/office/powerpoint/2010/main" val="3262423100"/>
+        <p14:creationId xmlns:p14="http://schemas.microsoft.com/office/powerpoint/2010/main" val="2116170783"/>
       </p:ext>
     </p:extLst>
   </p:cSld>
@@ -25171,7 +25542,7 @@
           <p:cNvPr id="2" name="Title 1">
             <a:extLst>
               <a:ext uri="{FF2B5EF4-FFF2-40B4-BE49-F238E27FC236}">
-                <a16:creationId xmlns:a16="http://schemas.microsoft.com/office/drawing/2014/main" id="{5C90F86E-5409-42C3-8720-C9F27C41C489}"/>
+                <a16:creationId xmlns:a16="http://schemas.microsoft.com/office/drawing/2014/main" id="{024AC6D7-3C19-4891-9509-51FADE8A1FE6}"/>
               </a:ext>
             </a:extLst>
           </p:cNvPr>
@@ -25182,27 +25553,44 @@
             <p:ph type="title"/>
           </p:nvPr>
         </p:nvSpPr>
-        <p:spPr>
-          <a:xfrm>
-            <a:off x="4471957" y="3053400"/>
-            <a:ext cx="10076388" cy="751199"/>
-          </a:xfrm>
-        </p:spPr>
+        <p:spPr/>
         <p:txBody>
           <a:bodyPr/>
           <a:lstStyle/>
           <a:p>
-            <a:r>
-              <a:rPr lang="de-DE" dirty="0"/>
-              <a:t>Demo</a:t>
-            </a:r>
+            <a:endParaRPr lang="de-DE"/>
+          </a:p>
+        </p:txBody>
+      </p:sp>
+      <p:sp>
+        <p:nvSpPr>
+          <p:cNvPr id="5" name="Text Placeholder 4">
+            <a:extLst>
+              <a:ext uri="{FF2B5EF4-FFF2-40B4-BE49-F238E27FC236}">
+                <a16:creationId xmlns:a16="http://schemas.microsoft.com/office/drawing/2014/main" id="{0D838FD6-8987-42A7-9432-C342FD2607B8}"/>
+              </a:ext>
+            </a:extLst>
+          </p:cNvPr>
+          <p:cNvSpPr>
+            <a:spLocks noGrp="1"/>
+          </p:cNvSpPr>
+          <p:nvPr>
+            <p:ph type="body" sz="quarter" idx="11"/>
+          </p:nvPr>
+        </p:nvSpPr>
+        <p:spPr/>
+        <p:txBody>
+          <a:bodyPr/>
+          <a:lstStyle/>
+          <a:p>
+            <a:endParaRPr lang="de-DE"/>
           </a:p>
         </p:txBody>
       </p:sp>
     </p:spTree>
     <p:extLst>
       <p:ext uri="{BB962C8B-B14F-4D97-AF65-F5344CB8AC3E}">
-        <p14:creationId xmlns:p14="http://schemas.microsoft.com/office/powerpoint/2010/main" val="3438040171"/>
+        <p14:creationId xmlns:p14="http://schemas.microsoft.com/office/powerpoint/2010/main" val="3611559829"/>
       </p:ext>
     </p:extLst>
   </p:cSld>
@@ -25628,6 +26016,152 @@
           <p:cNvPr id="2" name="Title 1">
             <a:extLst>
               <a:ext uri="{FF2B5EF4-FFF2-40B4-BE49-F238E27FC236}">
+                <a16:creationId xmlns:a16="http://schemas.microsoft.com/office/drawing/2014/main" id="{2BC7ABD1-FA22-4A07-8074-128F2BE75F22}"/>
+              </a:ext>
+            </a:extLst>
+          </p:cNvPr>
+          <p:cNvSpPr>
+            <a:spLocks noGrp="1"/>
+          </p:cNvSpPr>
+          <p:nvPr>
+            <p:ph type="title"/>
+          </p:nvPr>
+        </p:nvSpPr>
+        <p:spPr/>
+        <p:txBody>
+          <a:bodyPr/>
+          <a:lstStyle/>
+          <a:p>
+            <a:r>
+              <a:rPr lang="de-DE" dirty="0"/>
+              <a:t>Experimente</a:t>
+            </a:r>
+          </a:p>
+        </p:txBody>
+      </p:sp>
+      <p:sp>
+        <p:nvSpPr>
+          <p:cNvPr id="3" name="Text Placeholder 2">
+            <a:extLst>
+              <a:ext uri="{FF2B5EF4-FFF2-40B4-BE49-F238E27FC236}">
+                <a16:creationId xmlns:a16="http://schemas.microsoft.com/office/drawing/2014/main" id="{A1EF1E2D-8B9F-419C-AAF3-98ED1E7877CB}"/>
+              </a:ext>
+            </a:extLst>
+          </p:cNvPr>
+          <p:cNvSpPr>
+            <a:spLocks noGrp="1"/>
+          </p:cNvSpPr>
+          <p:nvPr>
+            <p:ph type="body" sz="quarter" idx="11"/>
+          </p:nvPr>
+        </p:nvSpPr>
+        <p:spPr/>
+        <p:txBody>
+          <a:bodyPr/>
+          <a:lstStyle/>
+          <a:p>
+            <a:endParaRPr lang="de-DE" dirty="0"/>
+          </a:p>
+        </p:txBody>
+      </p:sp>
+    </p:spTree>
+    <p:extLst>
+      <p:ext uri="{BB962C8B-B14F-4D97-AF65-F5344CB8AC3E}">
+        <p14:creationId xmlns:p14="http://schemas.microsoft.com/office/powerpoint/2010/main" val="3262423100"/>
+      </p:ext>
+    </p:extLst>
+  </p:cSld>
+  <p:clrMapOvr>
+    <a:masterClrMapping/>
+  </p:clrMapOvr>
+</p:sld>
+</file>
+
+<file path=ppt/slides/slide21.xml><?xml version="1.0" encoding="utf-8"?>
+<p:sld xmlns:a="http://schemas.openxmlformats.org/drawingml/2006/main" xmlns:r="http://schemas.openxmlformats.org/officeDocument/2006/relationships" xmlns:p="http://schemas.openxmlformats.org/presentationml/2006/main">
+  <p:cSld>
+    <p:spTree>
+      <p:nvGrpSpPr>
+        <p:cNvPr id="1" name=""/>
+        <p:cNvGrpSpPr/>
+        <p:nvPr/>
+      </p:nvGrpSpPr>
+      <p:grpSpPr>
+        <a:xfrm>
+          <a:off x="0" y="0"/>
+          <a:ext cx="0" cy="0"/>
+          <a:chOff x="0" y="0"/>
+          <a:chExt cx="0" cy="0"/>
+        </a:xfrm>
+      </p:grpSpPr>
+      <p:sp>
+        <p:nvSpPr>
+          <p:cNvPr id="2" name="Title 1">
+            <a:extLst>
+              <a:ext uri="{FF2B5EF4-FFF2-40B4-BE49-F238E27FC236}">
+                <a16:creationId xmlns:a16="http://schemas.microsoft.com/office/drawing/2014/main" id="{5C90F86E-5409-42C3-8720-C9F27C41C489}"/>
+              </a:ext>
+            </a:extLst>
+          </p:cNvPr>
+          <p:cNvSpPr>
+            <a:spLocks noGrp="1"/>
+          </p:cNvSpPr>
+          <p:nvPr>
+            <p:ph type="title"/>
+          </p:nvPr>
+        </p:nvSpPr>
+        <p:spPr>
+          <a:xfrm>
+            <a:off x="4471957" y="3053400"/>
+            <a:ext cx="10076388" cy="751199"/>
+          </a:xfrm>
+        </p:spPr>
+        <p:txBody>
+          <a:bodyPr/>
+          <a:lstStyle/>
+          <a:p>
+            <a:r>
+              <a:rPr lang="de-DE" dirty="0"/>
+              <a:t>Demo</a:t>
+            </a:r>
+          </a:p>
+        </p:txBody>
+      </p:sp>
+    </p:spTree>
+    <p:extLst>
+      <p:ext uri="{BB962C8B-B14F-4D97-AF65-F5344CB8AC3E}">
+        <p14:creationId xmlns:p14="http://schemas.microsoft.com/office/powerpoint/2010/main" val="3438040171"/>
+      </p:ext>
+    </p:extLst>
+  </p:cSld>
+  <p:clrMapOvr>
+    <a:masterClrMapping/>
+  </p:clrMapOvr>
+</p:sld>
+</file>
+
+<file path=ppt/slides/slide22.xml><?xml version="1.0" encoding="utf-8"?>
+<p:sld xmlns:a="http://schemas.openxmlformats.org/drawingml/2006/main" xmlns:r="http://schemas.openxmlformats.org/officeDocument/2006/relationships" xmlns:p="http://schemas.openxmlformats.org/presentationml/2006/main">
+  <p:cSld>
+    <p:spTree>
+      <p:nvGrpSpPr>
+        <p:cNvPr id="1" name=""/>
+        <p:cNvGrpSpPr/>
+        <p:nvPr/>
+      </p:nvGrpSpPr>
+      <p:grpSpPr>
+        <a:xfrm>
+          <a:off x="0" y="0"/>
+          <a:ext cx="0" cy="0"/>
+          <a:chOff x="0" y="0"/>
+          <a:chExt cx="0" cy="0"/>
+        </a:xfrm>
+      </p:grpSpPr>
+      <p:sp>
+        <p:nvSpPr>
+          <p:cNvPr id="2" name="Title 1">
+            <a:extLst>
+              <a:ext uri="{FF2B5EF4-FFF2-40B4-BE49-F238E27FC236}">
                 <a16:creationId xmlns:a16="http://schemas.microsoft.com/office/drawing/2014/main" id="{DC4D03D2-0CEE-44CB-9ADD-87921ADF8E2B}"/>
               </a:ext>
             </a:extLst>
@@ -25804,7 +26338,7 @@
 </p:sld>
 </file>
 
-<file path=ppt/slides/slide21.xml><?xml version="1.0" encoding="utf-8"?>
+<file path=ppt/slides/slide23.xml><?xml version="1.0" encoding="utf-8"?>
 <p:sld xmlns:a="http://schemas.openxmlformats.org/drawingml/2006/main" xmlns:r="http://schemas.openxmlformats.org/officeDocument/2006/relationships" xmlns:p="http://schemas.openxmlformats.org/presentationml/2006/main">
   <p:cSld>
     <p:spTree>
@@ -26011,7 +26545,7 @@
 </p:sld>
 </file>
 
-<file path=ppt/slides/slide22.xml><?xml version="1.0" encoding="utf-8"?>
+<file path=ppt/slides/slide24.xml><?xml version="1.0" encoding="utf-8"?>
 <p:sld xmlns:a="http://schemas.openxmlformats.org/drawingml/2006/main" xmlns:r="http://schemas.openxmlformats.org/officeDocument/2006/relationships" xmlns:p="http://schemas.openxmlformats.org/presentationml/2006/main">
   <p:cSld>
     <p:spTree>
@@ -26121,7 +26655,7 @@
 </p:sld>
 </file>
 
-<file path=ppt/slides/slide23.xml><?xml version="1.0" encoding="utf-8"?>
+<file path=ppt/slides/slide25.xml><?xml version="1.0" encoding="utf-8"?>
 <p:sld xmlns:a="http://schemas.openxmlformats.org/drawingml/2006/main" xmlns:r="http://schemas.openxmlformats.org/officeDocument/2006/relationships" xmlns:p="http://schemas.openxmlformats.org/presentationml/2006/main">
   <p:cSld>
     <p:spTree>

--- a/Projektvortrag/Präsentation Projektvortrag.pptx
+++ b/Projektvortrag/Präsentation Projektvortrag.pptx
@@ -6,10 +6,10 @@
     <p:sldMasterId id="2147483678" r:id="rId2"/>
   </p:sldMasterIdLst>
   <p:notesMasterIdLst>
-    <p:notesMasterId r:id="rId28"/>
+    <p:notesMasterId r:id="rId27"/>
   </p:notesMasterIdLst>
   <p:handoutMasterIdLst>
-    <p:handoutMasterId r:id="rId29"/>
+    <p:handoutMasterId r:id="rId28"/>
   </p:handoutMasterIdLst>
   <p:sldIdLst>
     <p:sldId id="256" r:id="rId3"/>
@@ -30,23 +30,22 @@
     <p:sldId id="275" r:id="rId18"/>
     <p:sldId id="278" r:id="rId19"/>
     <p:sldId id="286" r:id="rId20"/>
-    <p:sldId id="287" r:id="rId21"/>
-    <p:sldId id="279" r:id="rId22"/>
-    <p:sldId id="280" r:id="rId23"/>
-    <p:sldId id="281" r:id="rId24"/>
-    <p:sldId id="282" r:id="rId25"/>
-    <p:sldId id="283" r:id="rId26"/>
-    <p:sldId id="257" r:id="rId27"/>
+    <p:sldId id="279" r:id="rId21"/>
+    <p:sldId id="280" r:id="rId22"/>
+    <p:sldId id="281" r:id="rId23"/>
+    <p:sldId id="282" r:id="rId24"/>
+    <p:sldId id="283" r:id="rId25"/>
+    <p:sldId id="257" r:id="rId26"/>
   </p:sldIdLst>
   <p:sldSz cx="12192000" cy="6858000"/>
   <p:notesSz cx="6858000" cy="9144000"/>
   <p:embeddedFontLst>
     <p:embeddedFont>
       <p:font typeface="Calibri" panose="020F0502020204030204" pitchFamily="34" charset="0"/>
-      <p:regular r:id="rId30"/>
-      <p:bold r:id="rId31"/>
-      <p:italic r:id="rId32"/>
-      <p:boldItalic r:id="rId33"/>
+      <p:regular r:id="rId29"/>
+      <p:bold r:id="rId30"/>
+      <p:italic r:id="rId31"/>
+      <p:boldItalic r:id="rId32"/>
     </p:embeddedFont>
   </p:embeddedFontLst>
   <p:defaultTextStyle>
@@ -301,7 +300,6 @@
             <p14:sldId id="275"/>
             <p14:sldId id="278"/>
             <p14:sldId id="286"/>
-            <p14:sldId id="287"/>
             <p14:sldId id="279"/>
             <p14:sldId id="280"/>
             <p14:sldId id="281"/>
@@ -20462,8 +20460,8 @@
         </p:nvSpPr>
         <p:spPr bwMode="auto">
           <a:xfrm>
-            <a:off x="334963" y="1465376"/>
-            <a:ext cx="7883825" cy="3785652"/>
+            <a:off x="334963" y="1342265"/>
+            <a:ext cx="7369582" cy="4031873"/>
           </a:xfrm>
           <a:prstGeom prst="rect">
             <a:avLst/>
@@ -20523,6 +20521,17 @@
               <a:tabLst/>
             </a:pPr>
             <a:r>
+              <a:rPr lang="de-DE" altLang="de-DE" sz="1600" dirty="0">
+                <a:solidFill>
+                  <a:schemeClr val="accent6">
+                    <a:lumMod val="75000"/>
+                  </a:schemeClr>
+                </a:solidFill>
+                <a:latin typeface="JetBrains Mono"/>
+              </a:rPr>
+              <a:t>double</a:t>
+            </a:r>
+            <a:r>
               <a:rPr kumimoji="0" lang="de-DE" altLang="de-DE" sz="1600" b="1" i="0" u="none" strike="noStrike" cap="none" normalizeH="0" baseline="0" dirty="0">
                 <a:ln>
                   <a:noFill/>
@@ -20533,7 +20542,7 @@
                 <a:effectLst/>
                 <a:latin typeface="JetBrains Mono"/>
               </a:rPr>
-              <a:t>algorithm </a:t>
+              <a:t> </a:t>
             </a:r>
             <a:r>
               <a:rPr kumimoji="0" lang="de-DE" altLang="de-DE" sz="1600" b="0" i="0" u="none" strike="noStrike" cap="none" normalizeH="0" baseline="0" dirty="0">
@@ -20571,33 +20580,7 @@
                 <a:effectLst/>
                 <a:latin typeface="JetBrains Mono"/>
               </a:rPr>
-              <a:t>    costs &lt;- get_distance(idx_start, </a:t>
-            </a:r>
-            <a:r>
-              <a:rPr kumimoji="0" lang="de-DE" altLang="de-DE" sz="1600" b="0" i="0" u="none" strike="noStrike" cap="none" normalizeH="0" baseline="0" dirty="0">
-                <a:ln>
-                  <a:noFill/>
-                </a:ln>
-                <a:solidFill>
-                  <a:srgbClr val="0000FF"/>
-                </a:solidFill>
-                <a:effectLst/>
-                <a:latin typeface="JetBrains Mono"/>
-              </a:rPr>
-              <a:t>0</a:t>
-            </a:r>
-            <a:r>
-              <a:rPr kumimoji="0" lang="de-DE" altLang="de-DE" sz="1600" b="0" i="0" u="none" strike="noStrike" cap="none" normalizeH="0" baseline="0" dirty="0">
-                <a:ln>
-                  <a:noFill/>
-                </a:ln>
-                <a:solidFill>
-                  <a:srgbClr val="000000"/>
-                </a:solidFill>
-                <a:effectLst/>
-                <a:latin typeface="JetBrains Mono"/>
-              </a:rPr>
-              <a:t>, distances);</a:t>
+              <a:t>    int city_a, city_b;</a:t>
             </a:r>
           </a:p>
           <a:p>
@@ -20617,7 +20600,7 @@
               <a:buNone/>
               <a:tabLst/>
             </a:pPr>
-            <a:br>
+            <a:r>
               <a:rPr kumimoji="0" lang="de-DE" altLang="de-DE" sz="1600" b="0" i="0" u="none" strike="noStrike" cap="none" normalizeH="0" baseline="0" dirty="0">
                 <a:ln>
                   <a:noFill/>
@@ -20628,80 +20611,7 @@
                 <a:effectLst/>
                 <a:latin typeface="JetBrains Mono"/>
               </a:rPr>
-            </a:br>
-            <a:r>
-              <a:rPr kumimoji="0" lang="de-DE" altLang="de-DE" sz="1600" b="0" i="0" u="none" strike="noStrike" cap="none" normalizeH="0" baseline="0" dirty="0">
-                <a:ln>
-                  <a:noFill/>
-                </a:ln>
-                <a:solidFill>
-                  <a:srgbClr val="000000"/>
-                </a:solidFill>
-                <a:effectLst/>
-                <a:latin typeface="JetBrains Mono"/>
-              </a:rPr>
-              <a:t>    </a:t>
-            </a:r>
-            <a:r>
-              <a:rPr kumimoji="0" lang="de-DE" altLang="de-DE" sz="1600" b="1" i="0" u="none" strike="noStrike" cap="none" normalizeH="0" baseline="0" dirty="0">
-                <a:ln>
-                  <a:noFill/>
-                </a:ln>
-                <a:solidFill>
-                  <a:srgbClr val="000080"/>
-                </a:solidFill>
-                <a:effectLst/>
-                <a:latin typeface="JetBrains Mono"/>
-              </a:rPr>
-              <a:t>for </a:t>
-            </a:r>
-            <a:r>
-              <a:rPr kumimoji="0" lang="de-DE" altLang="de-DE" sz="1600" b="0" i="0" u="none" strike="noStrike" cap="none" normalizeH="0" baseline="0" dirty="0">
-                <a:ln>
-                  <a:noFill/>
-                </a:ln>
-                <a:solidFill>
-                  <a:srgbClr val="000000"/>
-                </a:solidFill>
-                <a:effectLst/>
-                <a:latin typeface="JetBrains Mono"/>
-              </a:rPr>
-              <a:t> i &lt;- </a:t>
-            </a:r>
-            <a:r>
-              <a:rPr kumimoji="0" lang="de-DE" altLang="de-DE" sz="1600" b="0" i="0" u="none" strike="noStrike" cap="none" normalizeH="0" baseline="0" dirty="0">
-                <a:ln>
-                  <a:noFill/>
-                </a:ln>
-                <a:solidFill>
-                  <a:srgbClr val="0000FF"/>
-                </a:solidFill>
-                <a:effectLst/>
-                <a:latin typeface="JetBrains Mono"/>
-              </a:rPr>
-              <a:t>0</a:t>
-            </a:r>
-            <a:r>
-              <a:rPr kumimoji="0" lang="de-DE" altLang="de-DE" sz="1600" b="0" i="0" u="none" strike="noStrike" cap="none" normalizeH="0" baseline="0" dirty="0">
-                <a:ln>
-                  <a:noFill/>
-                </a:ln>
-                <a:solidFill>
-                  <a:srgbClr val="000000"/>
-                </a:solidFill>
-                <a:effectLst/>
-                <a:latin typeface="JetBrains Mono"/>
-              </a:rPr>
-              <a:t> .. chromosome.size() – </a:t>
-            </a:r>
-            <a:r>
-              <a:rPr lang="de-DE" altLang="de-DE" sz="1600" dirty="0">
-                <a:solidFill>
-                  <a:srgbClr val="0000FF"/>
-                </a:solidFill>
-                <a:latin typeface="JetBrains Mono"/>
-              </a:rPr>
-              <a:t>2:</a:t>
+              <a:t>    int rating = 0;</a:t>
             </a:r>
           </a:p>
           <a:p>
@@ -20722,15 +20632,6 @@
               <a:tabLst/>
             </a:pPr>
             <a:r>
-              <a:rPr lang="de-DE" altLang="de-DE" sz="1600" b="1" dirty="0">
-                <a:solidFill>
-                  <a:srgbClr val="0000FF"/>
-                </a:solidFill>
-                <a:latin typeface="JetBrains Mono"/>
-              </a:rPr>
-              <a:t>       </a:t>
-            </a:r>
-            <a:r>
               <a:rPr kumimoji="0" lang="de-DE" altLang="de-DE" sz="1600" b="0" i="0" u="none" strike="noStrike" cap="none" normalizeH="0" baseline="0" dirty="0">
                 <a:ln>
                   <a:noFill/>
@@ -20741,90 +20642,8 @@
                 <a:effectLst/>
                 <a:latin typeface="JetBrains Mono"/>
               </a:rPr>
-              <a:t> city_a = chromosome.at(i);</a:t>
-            </a:r>
-            <a:br>
-              <a:rPr kumimoji="0" lang="de-DE" altLang="de-DE" sz="1600" b="0" i="0" u="none" strike="noStrike" cap="none" normalizeH="0" baseline="0" dirty="0">
-                <a:ln>
-                  <a:noFill/>
-                </a:ln>
-                <a:solidFill>
-                  <a:srgbClr val="000000"/>
-                </a:solidFill>
-                <a:effectLst/>
-                <a:latin typeface="JetBrains Mono"/>
-              </a:rPr>
-            </a:br>
-            <a:r>
-              <a:rPr kumimoji="0" lang="de-DE" altLang="de-DE" sz="1600" b="0" i="0" u="none" strike="noStrike" cap="none" normalizeH="0" baseline="0" dirty="0">
-                <a:ln>
-                  <a:noFill/>
-                </a:ln>
-                <a:solidFill>
-                  <a:srgbClr val="000000"/>
-                </a:solidFill>
-                <a:effectLst/>
-                <a:latin typeface="JetBrains Mono"/>
-              </a:rPr>
-              <a:t>        city_b = chromosome.at(i + </a:t>
-            </a:r>
-            <a:r>
-              <a:rPr kumimoji="0" lang="de-DE" altLang="de-DE" sz="1600" b="0" i="0" u="none" strike="noStrike" cap="none" normalizeH="0" baseline="0" dirty="0">
-                <a:ln>
-                  <a:noFill/>
-                </a:ln>
-                <a:solidFill>
-                  <a:srgbClr val="0000FF"/>
-                </a:solidFill>
-                <a:effectLst/>
-                <a:latin typeface="JetBrains Mono"/>
-              </a:rPr>
-              <a:t>1</a:t>
-            </a:r>
-            <a:r>
-              <a:rPr kumimoji="0" lang="de-DE" altLang="de-DE" sz="1600" b="0" i="0" u="none" strike="noStrike" cap="none" normalizeH="0" baseline="0" dirty="0">
-                <a:ln>
-                  <a:noFill/>
-                </a:ln>
-                <a:solidFill>
-                  <a:srgbClr val="000000"/>
-                </a:solidFill>
-                <a:effectLst/>
-                <a:latin typeface="JetBrains Mono"/>
-              </a:rPr>
-              <a:t>);</a:t>
-            </a:r>
-            <a:br>
-              <a:rPr kumimoji="0" lang="de-DE" altLang="de-DE" sz="1600" b="0" i="0" u="none" strike="noStrike" cap="none" normalizeH="0" baseline="0" dirty="0">
-                <a:ln>
-                  <a:noFill/>
-                </a:ln>
-                <a:solidFill>
-                  <a:srgbClr val="000000"/>
-                </a:solidFill>
-                <a:effectLst/>
-                <a:latin typeface="JetBrains Mono"/>
-              </a:rPr>
-            </a:br>
-            <a:r>
-              <a:rPr kumimoji="0" lang="de-DE" altLang="de-DE" sz="1600" b="0" i="0" u="none" strike="noStrike" cap="none" normalizeH="0" baseline="0" dirty="0">
-                <a:ln>
-                  <a:noFill/>
-                </a:ln>
-                <a:solidFill>
-                  <a:srgbClr val="000000"/>
-                </a:solidFill>
-                <a:effectLst/>
-                <a:latin typeface="JetBrains Mono"/>
-              </a:rPr>
-              <a:t>        costs += get_distance(city_a, city_b, distances);</a:t>
-            </a:r>
-            <a:endParaRPr lang="de-DE" altLang="de-DE" sz="1600" b="1" dirty="0">
-              <a:solidFill>
-                <a:srgbClr val="000080"/>
-              </a:solidFill>
-              <a:latin typeface="JetBrains Mono"/>
-            </a:endParaRPr>
+              <a:t>    costs += get_distance(idx_start, 0, distances);</a:t>
+            </a:r>
           </a:p>
           <a:p>
             <a:pPr marL="0" marR="0" lvl="0" indent="0" algn="l" defTabSz="914400" rtl="0" eaLnBrk="0" fontAlgn="base" latinLnBrk="0" hangingPunct="0">
@@ -20843,6 +20662,261 @@
               <a:buNone/>
               <a:tabLst/>
             </a:pPr>
+            <a:r>
+              <a:rPr kumimoji="0" lang="de-DE" altLang="de-DE" sz="1600" b="0" i="0" u="none" strike="noStrike" cap="none" normalizeH="0" baseline="0" dirty="0">
+                <a:ln>
+                  <a:noFill/>
+                </a:ln>
+                <a:solidFill>
+                  <a:srgbClr val="000000"/>
+                </a:solidFill>
+                <a:effectLst/>
+                <a:latin typeface="JetBrains Mono"/>
+              </a:rPr>
+              <a:t>    </a:t>
+            </a:r>
+            <a:r>
+              <a:rPr kumimoji="0" lang="de-DE" altLang="de-DE" sz="1600" b="0" i="0" u="none" strike="noStrike" cap="none" normalizeH="0" baseline="0" dirty="0">
+                <a:ln>
+                  <a:noFill/>
+                </a:ln>
+                <a:solidFill>
+                  <a:schemeClr val="accent6">
+                    <a:lumMod val="75000"/>
+                  </a:schemeClr>
+                </a:solidFill>
+                <a:effectLst/>
+                <a:latin typeface="JetBrains Mono"/>
+              </a:rPr>
+              <a:t>for</a:t>
+            </a:r>
+            <a:r>
+              <a:rPr kumimoji="0" lang="de-DE" altLang="de-DE" sz="1600" b="0" i="0" u="none" strike="noStrike" cap="none" normalizeH="0" baseline="0" dirty="0">
+                <a:ln>
+                  <a:noFill/>
+                </a:ln>
+                <a:solidFill>
+                  <a:srgbClr val="000000"/>
+                </a:solidFill>
+                <a:effectLst/>
+                <a:latin typeface="JetBrains Mono"/>
+              </a:rPr>
+              <a:t> (unsigned int i = 0; i &lt; chromosome.size() - 1; ++i) {</a:t>
+            </a:r>
+          </a:p>
+          <a:p>
+            <a:pPr marL="0" marR="0" lvl="0" indent="0" algn="l" defTabSz="914400" rtl="0" eaLnBrk="0" fontAlgn="base" latinLnBrk="0" hangingPunct="0">
+              <a:lnSpc>
+                <a:spcPct val="100000"/>
+              </a:lnSpc>
+              <a:spcBef>
+                <a:spcPct val="0"/>
+              </a:spcBef>
+              <a:spcAft>
+                <a:spcPct val="0"/>
+              </a:spcAft>
+              <a:buClrTx/>
+              <a:buSzTx/>
+              <a:buFontTx/>
+              <a:buNone/>
+              <a:tabLst/>
+            </a:pPr>
+            <a:r>
+              <a:rPr kumimoji="0" lang="de-DE" altLang="de-DE" sz="1600" b="0" i="0" u="none" strike="noStrike" cap="none" normalizeH="0" baseline="0" dirty="0">
+                <a:ln>
+                  <a:noFill/>
+                </a:ln>
+                <a:solidFill>
+                  <a:srgbClr val="000000"/>
+                </a:solidFill>
+                <a:effectLst/>
+                <a:latin typeface="JetBrains Mono"/>
+              </a:rPr>
+              <a:t>        city_a = chromosome.at(i);</a:t>
+            </a:r>
+          </a:p>
+          <a:p>
+            <a:pPr marL="0" marR="0" lvl="0" indent="0" algn="l" defTabSz="914400" rtl="0" eaLnBrk="0" fontAlgn="base" latinLnBrk="0" hangingPunct="0">
+              <a:lnSpc>
+                <a:spcPct val="100000"/>
+              </a:lnSpc>
+              <a:spcBef>
+                <a:spcPct val="0"/>
+              </a:spcBef>
+              <a:spcAft>
+                <a:spcPct val="0"/>
+              </a:spcAft>
+              <a:buClrTx/>
+              <a:buSzTx/>
+              <a:buFontTx/>
+              <a:buNone/>
+              <a:tabLst/>
+            </a:pPr>
+            <a:r>
+              <a:rPr kumimoji="0" lang="de-DE" altLang="de-DE" sz="1600" b="0" i="0" u="none" strike="noStrike" cap="none" normalizeH="0" baseline="0" dirty="0">
+                <a:ln>
+                  <a:noFill/>
+                </a:ln>
+                <a:solidFill>
+                  <a:srgbClr val="000000"/>
+                </a:solidFill>
+                <a:effectLst/>
+                <a:latin typeface="JetBrains Mono"/>
+              </a:rPr>
+              <a:t>        city_b = chromosome.at(i + 1);</a:t>
+            </a:r>
+          </a:p>
+          <a:p>
+            <a:pPr marL="0" marR="0" lvl="0" indent="0" algn="l" defTabSz="914400" rtl="0" eaLnBrk="0" fontAlgn="base" latinLnBrk="0" hangingPunct="0">
+              <a:lnSpc>
+                <a:spcPct val="100000"/>
+              </a:lnSpc>
+              <a:spcBef>
+                <a:spcPct val="0"/>
+              </a:spcBef>
+              <a:spcAft>
+                <a:spcPct val="0"/>
+              </a:spcAft>
+              <a:buClrTx/>
+              <a:buSzTx/>
+              <a:buFontTx/>
+              <a:buNone/>
+              <a:tabLst/>
+            </a:pPr>
+            <a:r>
+              <a:rPr kumimoji="0" lang="de-DE" altLang="de-DE" sz="1600" b="0" i="0" u="none" strike="noStrike" cap="none" normalizeH="0" baseline="0" dirty="0">
+                <a:ln>
+                  <a:noFill/>
+                </a:ln>
+                <a:solidFill>
+                  <a:srgbClr val="000000"/>
+                </a:solidFill>
+                <a:effectLst/>
+                <a:latin typeface="JetBrains Mono"/>
+              </a:rPr>
+              <a:t>        rating += get_distance(city_a, city_b, distances);</a:t>
+            </a:r>
+          </a:p>
+          <a:p>
+            <a:pPr marL="0" marR="0" lvl="0" indent="0" algn="l" defTabSz="914400" rtl="0" eaLnBrk="0" fontAlgn="base" latinLnBrk="0" hangingPunct="0">
+              <a:lnSpc>
+                <a:spcPct val="100000"/>
+              </a:lnSpc>
+              <a:spcBef>
+                <a:spcPct val="0"/>
+              </a:spcBef>
+              <a:spcAft>
+                <a:spcPct val="0"/>
+              </a:spcAft>
+              <a:buClrTx/>
+              <a:buSzTx/>
+              <a:buFontTx/>
+              <a:buNone/>
+              <a:tabLst/>
+            </a:pPr>
+            <a:r>
+              <a:rPr kumimoji="0" lang="de-DE" altLang="de-DE" sz="1600" b="0" i="0" u="none" strike="noStrike" cap="none" normalizeH="0" baseline="0" dirty="0">
+                <a:ln>
+                  <a:noFill/>
+                </a:ln>
+                <a:solidFill>
+                  <a:srgbClr val="000000"/>
+                </a:solidFill>
+                <a:effectLst/>
+                <a:latin typeface="JetBrains Mono"/>
+              </a:rPr>
+              <a:t>    }</a:t>
+            </a:r>
+          </a:p>
+          <a:p>
+            <a:pPr marL="0" marR="0" lvl="0" indent="0" algn="l" defTabSz="914400" rtl="0" eaLnBrk="0" fontAlgn="base" latinLnBrk="0" hangingPunct="0">
+              <a:lnSpc>
+                <a:spcPct val="100000"/>
+              </a:lnSpc>
+              <a:spcBef>
+                <a:spcPct val="0"/>
+              </a:spcBef>
+              <a:spcAft>
+                <a:spcPct val="0"/>
+              </a:spcAft>
+              <a:buClrTx/>
+              <a:buSzTx/>
+              <a:buFontTx/>
+              <a:buNone/>
+              <a:tabLst/>
+            </a:pPr>
+            <a:r>
+              <a:rPr kumimoji="0" lang="de-DE" altLang="de-DE" sz="1600" b="0" i="0" u="none" strike="noStrike" cap="none" normalizeH="0" baseline="0" dirty="0">
+                <a:ln>
+                  <a:noFill/>
+                </a:ln>
+                <a:solidFill>
+                  <a:srgbClr val="000000"/>
+                </a:solidFill>
+                <a:effectLst/>
+                <a:latin typeface="JetBrains Mono"/>
+              </a:rPr>
+              <a:t>    rating += get_distance(chromosome.at(chromosome.size() - 1), idx_start, distances);</a:t>
+            </a:r>
+          </a:p>
+          <a:p>
+            <a:pPr marL="0" marR="0" lvl="0" indent="0" algn="l" defTabSz="914400" rtl="0" eaLnBrk="0" fontAlgn="base" latinLnBrk="0" hangingPunct="0">
+              <a:lnSpc>
+                <a:spcPct val="100000"/>
+              </a:lnSpc>
+              <a:spcBef>
+                <a:spcPct val="0"/>
+              </a:spcBef>
+              <a:spcAft>
+                <a:spcPct val="0"/>
+              </a:spcAft>
+              <a:buClrTx/>
+              <a:buSzTx/>
+              <a:buFontTx/>
+              <a:buNone/>
+              <a:tabLst/>
+            </a:pPr>
+            <a:r>
+              <a:rPr kumimoji="0" lang="de-DE" altLang="de-DE" sz="1600" b="0" i="0" u="none" strike="noStrike" cap="none" normalizeH="0" baseline="0" dirty="0">
+                <a:ln>
+                  <a:noFill/>
+                </a:ln>
+                <a:solidFill>
+                  <a:srgbClr val="000000"/>
+                </a:solidFill>
+                <a:effectLst/>
+                <a:latin typeface="JetBrains Mono"/>
+              </a:rPr>
+              <a:t>    </a:t>
+            </a:r>
+            <a:r>
+              <a:rPr kumimoji="0" lang="de-DE" altLang="de-DE" sz="1600" b="0" i="0" u="none" strike="noStrike" cap="none" normalizeH="0" baseline="0" dirty="0">
+                <a:ln>
+                  <a:noFill/>
+                </a:ln>
+                <a:solidFill>
+                  <a:schemeClr val="accent6">
+                    <a:lumMod val="75000"/>
+                  </a:schemeClr>
+                </a:solidFill>
+                <a:effectLst/>
+                <a:latin typeface="JetBrains Mono"/>
+              </a:rPr>
+              <a:t>return</a:t>
+            </a:r>
+            <a:r>
+              <a:rPr kumimoji="0" lang="de-DE" altLang="de-DE" sz="1600" b="0" i="0" u="none" strike="noStrike" cap="none" normalizeH="0" baseline="0" dirty="0">
+                <a:ln>
+                  <a:noFill/>
+                </a:ln>
+                <a:solidFill>
+                  <a:srgbClr val="000000"/>
+                </a:solidFill>
+                <a:effectLst/>
+                <a:latin typeface="JetBrains Mono"/>
+              </a:rPr>
+              <a:t> rating;</a:t>
+            </a:r>
             <a:br>
               <a:rPr kumimoji="0" lang="de-DE" altLang="de-DE" sz="1600" b="0" i="0" u="none" strike="noStrike" cap="none" normalizeH="0" baseline="0" dirty="0">
                 <a:ln>
@@ -20866,33 +20940,7 @@
                 <a:effectLst/>
                 <a:latin typeface="JetBrains Mono"/>
               </a:rPr>
-              <a:t>    costs &lt;- costs + get_distance(chromosome.at(chromosome.size() - </a:t>
-            </a:r>
-            <a:r>
-              <a:rPr kumimoji="0" lang="de-DE" altLang="de-DE" sz="1600" b="0" i="0" u="none" strike="noStrike" cap="none" normalizeH="0" baseline="0" dirty="0">
-                <a:ln>
-                  <a:noFill/>
-                </a:ln>
-                <a:solidFill>
-                  <a:srgbClr val="0000FF"/>
-                </a:solidFill>
-                <a:effectLst/>
-                <a:latin typeface="JetBrains Mono"/>
-              </a:rPr>
-              <a:t>1</a:t>
-            </a:r>
-            <a:r>
-              <a:rPr kumimoji="0" lang="de-DE" altLang="de-DE" sz="1600" b="0" i="0" u="none" strike="noStrike" cap="none" normalizeH="0" baseline="0" dirty="0">
-                <a:ln>
-                  <a:noFill/>
-                </a:ln>
-                <a:solidFill>
-                  <a:srgbClr val="000000"/>
-                </a:solidFill>
-                <a:effectLst/>
-                <a:latin typeface="JetBrains Mono"/>
-              </a:rPr>
-              <a:t>), idx_start, distances);</a:t>
+              <a:t>}</a:t>
             </a:r>
             <a:br>
               <a:rPr kumimoji="0" lang="de-DE" altLang="de-DE" sz="1600" b="0" i="0" u="none" strike="noStrike" cap="none" normalizeH="0" baseline="0" dirty="0">
@@ -20906,206 +20954,669 @@
                 <a:latin typeface="JetBrains Mono"/>
               </a:rPr>
             </a:br>
-            <a:r>
-              <a:rPr kumimoji="0" lang="de-DE" altLang="de-DE" sz="1600" b="0" i="0" u="none" strike="noStrike" cap="none" normalizeH="0" baseline="0" dirty="0">
-                <a:ln>
-                  <a:noFill/>
-                </a:ln>
+            <a:br>
+              <a:rPr lang="de-DE" altLang="de-DE" sz="1600" dirty="0">
                 <a:solidFill>
                   <a:srgbClr val="000000"/>
                 </a:solidFill>
-                <a:effectLst/>
+                <a:latin typeface="JetBrains Mono"/>
+              </a:rPr>
+            </a:br>
+            <a:r>
+              <a:rPr lang="en-US" altLang="de-DE" sz="1600" dirty="0">
+                <a:solidFill>
+                  <a:schemeClr val="accent6">
+                    <a:lumMod val="75000"/>
+                  </a:schemeClr>
+                </a:solidFill>
+                <a:latin typeface="JetBrains Mono"/>
+              </a:rPr>
+              <a:t>double</a:t>
+            </a:r>
+            <a:r>
+              <a:rPr lang="en-US" altLang="de-DE" sz="1600" dirty="0">
+                <a:solidFill>
+                  <a:srgbClr val="000000"/>
+                </a:solidFill>
+                <a:latin typeface="JetBrains Mono"/>
+              </a:rPr>
+              <a:t> </a:t>
+            </a:r>
+            <a:r>
+              <a:rPr lang="en-US" altLang="de-DE" sz="1600" dirty="0" err="1">
+                <a:solidFill>
+                  <a:srgbClr val="000000"/>
+                </a:solidFill>
+                <a:latin typeface="JetBrains Mono"/>
+              </a:rPr>
+              <a:t>func_fitness</a:t>
+            </a:r>
+            <a:r>
+              <a:rPr lang="en-US" altLang="de-DE" sz="1600" dirty="0">
+                <a:solidFill>
+                  <a:srgbClr val="000000"/>
+                </a:solidFill>
+                <a:latin typeface="JetBrains Mono"/>
+              </a:rPr>
+              <a:t>(double rating){</a:t>
+            </a:r>
+            <a:br>
+              <a:rPr lang="de-DE" altLang="de-DE" sz="1600" dirty="0">
+                <a:solidFill>
+                  <a:srgbClr val="000000"/>
+                </a:solidFill>
+                <a:latin typeface="JetBrains Mono"/>
+              </a:rPr>
+            </a:br>
+            <a:r>
+              <a:rPr lang="de-DE" altLang="de-DE" sz="1600" dirty="0">
+                <a:solidFill>
+                  <a:srgbClr val="000000"/>
+                </a:solidFill>
                 <a:latin typeface="JetBrains Mono"/>
               </a:rPr>
               <a:t>    </a:t>
             </a:r>
             <a:r>
-              <a:rPr kumimoji="0" lang="de-DE" altLang="de-DE" sz="1600" b="1" i="0" u="none" strike="noStrike" cap="none" normalizeH="0" baseline="0" dirty="0">
-                <a:ln>
-                  <a:noFill/>
-                </a:ln>
-                <a:solidFill>
-                  <a:srgbClr val="000080"/>
-                </a:solidFill>
-                <a:effectLst/>
+              <a:rPr lang="de-DE" altLang="de-DE" sz="1600" dirty="0">
+                <a:solidFill>
+                  <a:schemeClr val="accent6">
+                    <a:lumMod val="75000"/>
+                  </a:schemeClr>
+                </a:solidFill>
                 <a:latin typeface="JetBrains Mono"/>
               </a:rPr>
-              <a:t>return </a:t>
-            </a:r>
-            <a:r>
-              <a:rPr kumimoji="0" lang="de-DE" altLang="de-DE" sz="1600" b="0" i="0" u="none" strike="noStrike" cap="none" normalizeH="0" baseline="0" dirty="0">
-                <a:ln>
-                  <a:noFill/>
-                </a:ln>
+              <a:t>return</a:t>
+            </a:r>
+            <a:r>
+              <a:rPr lang="de-DE" altLang="de-DE" sz="1600" dirty="0">
                 <a:solidFill>
                   <a:srgbClr val="000000"/>
                 </a:solidFill>
-                <a:effectLst/>
                 <a:latin typeface="JetBrains Mono"/>
               </a:rPr>
-              <a:t>costs;</a:t>
+              <a:t> -rating;</a:t>
             </a:r>
             <a:br>
-              <a:rPr kumimoji="0" lang="de-DE" altLang="de-DE" sz="1600" b="0" i="0" u="none" strike="noStrike" cap="none" normalizeH="0" baseline="0" dirty="0">
-                <a:ln>
-                  <a:noFill/>
-                </a:ln>
+              <a:rPr lang="de-DE" altLang="de-DE" sz="1600" dirty="0">
                 <a:solidFill>
                   <a:srgbClr val="000000"/>
                 </a:solidFill>
-                <a:effectLst/>
                 <a:latin typeface="JetBrains Mono"/>
               </a:rPr>
             </a:br>
             <a:r>
-              <a:rPr kumimoji="0" lang="de-DE" altLang="de-DE" sz="1600" b="0" i="0" u="none" strike="noStrike" cap="none" normalizeH="0" baseline="0" dirty="0">
-                <a:ln>
-                  <a:noFill/>
-                </a:ln>
+              <a:rPr lang="de-DE" altLang="de-DE" sz="1600" dirty="0">
                 <a:solidFill>
                   <a:srgbClr val="000000"/>
                 </a:solidFill>
-                <a:effectLst/>
                 <a:latin typeface="JetBrains Mono"/>
               </a:rPr>
               <a:t>}</a:t>
             </a:r>
-            <a:br>
-              <a:rPr kumimoji="0" lang="de-DE" altLang="de-DE" sz="1600" b="0" i="0" u="none" strike="noStrike" cap="none" normalizeH="0" baseline="0" dirty="0">
-                <a:ln>
-                  <a:noFill/>
-                </a:ln>
+          </a:p>
+        </p:txBody>
+      </p:sp>
+      <p:sp>
+        <p:nvSpPr>
+          <p:cNvPr id="13" name="Text Placeholder 2">
+            <a:extLst>
+              <a:ext uri="{FF2B5EF4-FFF2-40B4-BE49-F238E27FC236}">
+                <a16:creationId xmlns:a16="http://schemas.microsoft.com/office/drawing/2014/main" id="{AF11B111-D5B6-42A6-BE5F-E1E70D1A4ACC}"/>
+              </a:ext>
+            </a:extLst>
+          </p:cNvPr>
+          <p:cNvSpPr txBox="1">
+            <a:spLocks/>
+          </p:cNvSpPr>
+          <p:nvPr/>
+        </p:nvSpPr>
+        <p:spPr bwMode="auto">
+          <a:xfrm>
+            <a:off x="7430610" y="1342265"/>
+            <a:ext cx="4660776" cy="2004617"/>
+          </a:xfrm>
+          <a:prstGeom prst="rect">
+            <a:avLst/>
+          </a:prstGeom>
+          <a:noFill/>
+          <a:ln>
+            <a:noFill/>
+          </a:ln>
+          <a:extLst>
+            <a:ext uri="{909E8E84-426E-40DD-AFC4-6F175D3DCCD1}">
+              <a14:hiddenFill xmlns:a14="http://schemas.microsoft.com/office/drawing/2010/main">
+                <a:solidFill>
+                  <a:srgbClr val="FFFFFF"/>
+                </a:solidFill>
+              </a14:hiddenFill>
+            </a:ext>
+            <a:ext uri="{91240B29-F687-4F45-9708-019B960494DF}">
+              <a14:hiddenLine xmlns:a14="http://schemas.microsoft.com/office/drawing/2010/main" w="9525">
                 <a:solidFill>
                   <a:srgbClr val="000000"/>
                 </a:solidFill>
-                <a:effectLst/>
-                <a:latin typeface="JetBrains Mono"/>
+                <a:miter lim="800000"/>
+                <a:headEnd/>
+                <a:tailEnd/>
+              </a14:hiddenLine>
+            </a:ext>
+          </a:extLst>
+        </p:spPr>
+        <p:txBody>
+          <a:bodyPr vert="horz" wrap="square" lIns="91440" tIns="45720" rIns="91440" bIns="45720" numCol="1" anchor="t" anchorCtr="0" compatLnSpc="1">
+            <a:prstTxWarp prst="textNoShape">
+              <a:avLst/>
+            </a:prstTxWarp>
+          </a:bodyPr>
+          <a:lstStyle>
+            <a:lvl1pPr marL="0" indent="0" algn="l" rtl="0" eaLnBrk="0" fontAlgn="base" hangingPunct="0">
+              <a:spcBef>
+                <a:spcPct val="20000"/>
+              </a:spcBef>
+              <a:spcAft>
+                <a:spcPct val="0"/>
+              </a:spcAft>
+              <a:buClr>
+                <a:srgbClr val="80BA24"/>
+              </a:buClr>
+              <a:buSzPct val="106000"/>
+              <a:buFontTx/>
+              <a:buNone/>
+              <a:defRPr kern="1200" baseline="0">
+                <a:solidFill>
+                  <a:srgbClr val="4A5C66"/>
+                </a:solidFill>
+                <a:latin typeface="Arial" pitchFamily="34" charset="0"/>
+                <a:ea typeface="MS PGothic" panose="020B0600070205080204" pitchFamily="34" charset="-128"/>
+                <a:cs typeface="Arial" pitchFamily="34" charset="0"/>
+              </a:defRPr>
+            </a:lvl1pPr>
+            <a:lvl2pPr marL="266700" indent="0" algn="l" rtl="0" eaLnBrk="0" fontAlgn="base" hangingPunct="0">
+              <a:spcBef>
+                <a:spcPct val="20000"/>
+              </a:spcBef>
+              <a:spcAft>
+                <a:spcPct val="0"/>
+              </a:spcAft>
+              <a:buClr>
+                <a:srgbClr val="80BA24"/>
+              </a:buClr>
+              <a:buSzPct val="90000"/>
+              <a:buFontTx/>
+              <a:buNone/>
+              <a:defRPr kern="1200">
+                <a:solidFill>
+                  <a:srgbClr val="4A5C66"/>
+                </a:solidFill>
+                <a:latin typeface="Arial" pitchFamily="34" charset="0"/>
+                <a:ea typeface="Arial" charset="0"/>
+                <a:cs typeface="Arial" pitchFamily="34" charset="0"/>
+              </a:defRPr>
+            </a:lvl2pPr>
+            <a:lvl3pPr marL="542925" indent="0" algn="l" rtl="0" eaLnBrk="0" fontAlgn="base" hangingPunct="0">
+              <a:spcBef>
+                <a:spcPct val="20000"/>
+              </a:spcBef>
+              <a:spcAft>
+                <a:spcPct val="0"/>
+              </a:spcAft>
+              <a:buClr>
+                <a:srgbClr val="80BA24"/>
+              </a:buClr>
+              <a:buSzPct val="80000"/>
+              <a:buFontTx/>
+              <a:buNone/>
+              <a:defRPr kern="1200">
+                <a:solidFill>
+                  <a:srgbClr val="4A5C66"/>
+                </a:solidFill>
+                <a:latin typeface="Arial" pitchFamily="34" charset="0"/>
+                <a:ea typeface="Arial" charset="0"/>
+                <a:cs typeface="Arial" pitchFamily="34" charset="0"/>
+              </a:defRPr>
+            </a:lvl3pPr>
+            <a:lvl4pPr marL="809625" indent="0" algn="l" rtl="0" eaLnBrk="0" fontAlgn="base" hangingPunct="0">
+              <a:spcBef>
+                <a:spcPct val="20000"/>
+              </a:spcBef>
+              <a:spcAft>
+                <a:spcPct val="0"/>
+              </a:spcAft>
+              <a:buClr>
+                <a:srgbClr val="80BA24"/>
+              </a:buClr>
+              <a:buSzPct val="80000"/>
+              <a:buFontTx/>
+              <a:buNone/>
+              <a:defRPr kern="1200">
+                <a:solidFill>
+                  <a:srgbClr val="4A5C66"/>
+                </a:solidFill>
+                <a:latin typeface="Arial" pitchFamily="34" charset="0"/>
+                <a:ea typeface="Arial" charset="0"/>
+                <a:cs typeface="Arial" pitchFamily="34" charset="0"/>
+              </a:defRPr>
+            </a:lvl4pPr>
+            <a:lvl5pPr marL="1076325" indent="0" algn="l" rtl="0" eaLnBrk="0" fontAlgn="base" hangingPunct="0">
+              <a:spcBef>
+                <a:spcPct val="20000"/>
+              </a:spcBef>
+              <a:spcAft>
+                <a:spcPct val="0"/>
+              </a:spcAft>
+              <a:buClr>
+                <a:srgbClr val="80BA24"/>
+              </a:buClr>
+              <a:buSzPct val="80000"/>
+              <a:buFontTx/>
+              <a:buNone/>
+              <a:defRPr kern="1200">
+                <a:solidFill>
+                  <a:srgbClr val="4A5C66"/>
+                </a:solidFill>
+                <a:latin typeface="Arial" pitchFamily="34" charset="0"/>
+                <a:ea typeface="Arial" charset="0"/>
+                <a:cs typeface="Arial" pitchFamily="34" charset="0"/>
+              </a:defRPr>
+            </a:lvl5pPr>
+            <a:lvl6pPr marL="2514600" indent="-228600" algn="l" defTabSz="914400" rtl="0" eaLnBrk="1" latinLnBrk="0" hangingPunct="1">
+              <a:spcBef>
+                <a:spcPct val="20000"/>
+              </a:spcBef>
+              <a:buFont typeface="Arial" pitchFamily="34" charset="0"/>
+              <a:buChar char="•"/>
+              <a:defRPr sz="2000" kern="1200">
+                <a:solidFill>
+                  <a:schemeClr val="tx1"/>
+                </a:solidFill>
+                <a:latin typeface="+mn-lt"/>
+                <a:ea typeface="+mn-ea"/>
+                <a:cs typeface="+mn-cs"/>
+              </a:defRPr>
+            </a:lvl6pPr>
+            <a:lvl7pPr marL="2971800" indent="-228600" algn="l" defTabSz="914400" rtl="0" eaLnBrk="1" latinLnBrk="0" hangingPunct="1">
+              <a:spcBef>
+                <a:spcPct val="20000"/>
+              </a:spcBef>
+              <a:buFont typeface="Arial" pitchFamily="34" charset="0"/>
+              <a:buChar char="•"/>
+              <a:defRPr sz="2000" kern="1200">
+                <a:solidFill>
+                  <a:schemeClr val="tx1"/>
+                </a:solidFill>
+                <a:latin typeface="+mn-lt"/>
+                <a:ea typeface="+mn-ea"/>
+                <a:cs typeface="+mn-cs"/>
+              </a:defRPr>
+            </a:lvl7pPr>
+            <a:lvl8pPr marL="3429000" indent="-228600" algn="l" defTabSz="914400" rtl="0" eaLnBrk="1" latinLnBrk="0" hangingPunct="1">
+              <a:spcBef>
+                <a:spcPct val="20000"/>
+              </a:spcBef>
+              <a:buFont typeface="Arial" pitchFamily="34" charset="0"/>
+              <a:buChar char="•"/>
+              <a:defRPr sz="2000" kern="1200">
+                <a:solidFill>
+                  <a:schemeClr val="tx1"/>
+                </a:solidFill>
+                <a:latin typeface="+mn-lt"/>
+                <a:ea typeface="+mn-ea"/>
+                <a:cs typeface="+mn-cs"/>
+              </a:defRPr>
+            </a:lvl8pPr>
+            <a:lvl9pPr marL="3886200" indent="-228600" algn="l" defTabSz="914400" rtl="0" eaLnBrk="1" latinLnBrk="0" hangingPunct="1">
+              <a:spcBef>
+                <a:spcPct val="20000"/>
+              </a:spcBef>
+              <a:buFont typeface="Arial" pitchFamily="34" charset="0"/>
+              <a:buChar char="•"/>
+              <a:defRPr sz="2000" kern="1200">
+                <a:solidFill>
+                  <a:schemeClr val="tx1"/>
+                </a:solidFill>
+                <a:latin typeface="+mn-lt"/>
+                <a:ea typeface="+mn-ea"/>
+                <a:cs typeface="+mn-cs"/>
+              </a:defRPr>
+            </a:lvl9pPr>
+          </a:lstStyle>
+          <a:p>
+            <a:pPr>
+              <a:spcAft>
+                <a:spcPts val="600"/>
+              </a:spcAft>
+            </a:pPr>
+            <a:r>
+              <a:rPr lang="de-DE" sz="1800" dirty="0">
+                <a:solidFill>
+                  <a:srgbClr val="4A5C66"/>
+                </a:solidFill>
+                <a:latin typeface="Arial" panose="020B0604020202020204" pitchFamily="34" charset="0"/>
+                <a:cs typeface="Arial" panose="020B0604020202020204" pitchFamily="34" charset="0"/>
               </a:rPr>
-            </a:br>
-            <a:br>
-              <a:rPr kumimoji="0" lang="de-DE" altLang="de-DE" sz="1600" b="0" i="0" u="none" strike="noStrike" cap="none" normalizeH="0" baseline="0" dirty="0">
-                <a:ln>
-                  <a:noFill/>
-                </a:ln>
+              <a:t>Beispiel einer Rating-Funktion:</a:t>
+            </a:r>
+          </a:p>
+          <a:p>
+            <a:pPr marL="285750" indent="-285750">
+              <a:spcAft>
+                <a:spcPts val="600"/>
+              </a:spcAft>
+              <a:buFont typeface="Arial" panose="020B0604020202020204" pitchFamily="34" charset="0"/>
+              <a:buChar char="•"/>
+            </a:pPr>
+            <a:r>
+              <a:rPr lang="de-DE" sz="1800" dirty="0">
+                <a:solidFill>
+                  <a:srgbClr val="4A5C66"/>
+                </a:solidFill>
+                <a:latin typeface="Arial" panose="020B0604020202020204" pitchFamily="34" charset="0"/>
+                <a:cs typeface="Arial" panose="020B0604020202020204" pitchFamily="34" charset="0"/>
+              </a:rPr>
+              <a:t>Summe aller Distanzen zwischen Städten</a:t>
+            </a:r>
+          </a:p>
+          <a:p>
+            <a:pPr marL="285750" indent="-285750">
+              <a:spcAft>
+                <a:spcPts val="600"/>
+              </a:spcAft>
+              <a:buFont typeface="Arial" panose="020B0604020202020204" pitchFamily="34" charset="0"/>
+              <a:buChar char="•"/>
+            </a:pPr>
+            <a:r>
+              <a:rPr lang="de-DE" sz="1800" dirty="0"/>
+              <a:t>Legt das Optimierungskriterium fest</a:t>
+            </a:r>
+            <a:endParaRPr lang="de-DE" sz="1800" dirty="0">
+              <a:solidFill>
+                <a:srgbClr val="4A5C66"/>
+              </a:solidFill>
+              <a:latin typeface="Arial" panose="020B0604020202020204" pitchFamily="34" charset="0"/>
+              <a:cs typeface="Arial" panose="020B0604020202020204" pitchFamily="34" charset="0"/>
+            </a:endParaRPr>
+          </a:p>
+        </p:txBody>
+      </p:sp>
+      <p:sp>
+        <p:nvSpPr>
+          <p:cNvPr id="14" name="Text Placeholder 2">
+            <a:extLst>
+              <a:ext uri="{FF2B5EF4-FFF2-40B4-BE49-F238E27FC236}">
+                <a16:creationId xmlns:a16="http://schemas.microsoft.com/office/drawing/2014/main" id="{168B67B0-C091-4BC7-BEC1-7CB3A2B2A1ED}"/>
+              </a:ext>
+            </a:extLst>
+          </p:cNvPr>
+          <p:cNvSpPr txBox="1">
+            <a:spLocks/>
+          </p:cNvSpPr>
+          <p:nvPr/>
+        </p:nvSpPr>
+        <p:spPr bwMode="auto">
+          <a:xfrm>
+            <a:off x="7368466" y="4069189"/>
+            <a:ext cx="4660776" cy="2004617"/>
+          </a:xfrm>
+          <a:prstGeom prst="rect">
+            <a:avLst/>
+          </a:prstGeom>
+          <a:noFill/>
+          <a:ln>
+            <a:noFill/>
+          </a:ln>
+          <a:extLst>
+            <a:ext uri="{909E8E84-426E-40DD-AFC4-6F175D3DCCD1}">
+              <a14:hiddenFill xmlns:a14="http://schemas.microsoft.com/office/drawing/2010/main">
+                <a:solidFill>
+                  <a:srgbClr val="FFFFFF"/>
+                </a:solidFill>
+              </a14:hiddenFill>
+            </a:ext>
+            <a:ext uri="{91240B29-F687-4F45-9708-019B960494DF}">
+              <a14:hiddenLine xmlns:a14="http://schemas.microsoft.com/office/drawing/2010/main" w="9525">
                 <a:solidFill>
                   <a:srgbClr val="000000"/>
                 </a:solidFill>
-                <a:effectLst/>
-                <a:latin typeface="JetBrains Mono"/>
+                <a:miter lim="800000"/>
+                <a:headEnd/>
+                <a:tailEnd/>
+              </a14:hiddenLine>
+            </a:ext>
+          </a:extLst>
+        </p:spPr>
+        <p:txBody>
+          <a:bodyPr vert="horz" wrap="square" lIns="91440" tIns="45720" rIns="91440" bIns="45720" numCol="1" anchor="t" anchorCtr="0" compatLnSpc="1">
+            <a:prstTxWarp prst="textNoShape">
+              <a:avLst/>
+            </a:prstTxWarp>
+          </a:bodyPr>
+          <a:lstStyle>
+            <a:lvl1pPr marL="0" indent="0" algn="l" rtl="0" eaLnBrk="0" fontAlgn="base" hangingPunct="0">
+              <a:spcBef>
+                <a:spcPct val="20000"/>
+              </a:spcBef>
+              <a:spcAft>
+                <a:spcPct val="0"/>
+              </a:spcAft>
+              <a:buClr>
+                <a:srgbClr val="80BA24"/>
+              </a:buClr>
+              <a:buSzPct val="106000"/>
+              <a:buFontTx/>
+              <a:buNone/>
+              <a:defRPr kern="1200" baseline="0">
+                <a:solidFill>
+                  <a:srgbClr val="4A5C66"/>
+                </a:solidFill>
+                <a:latin typeface="Arial" pitchFamily="34" charset="0"/>
+                <a:ea typeface="MS PGothic" panose="020B0600070205080204" pitchFamily="34" charset="-128"/>
+                <a:cs typeface="Arial" pitchFamily="34" charset="0"/>
+              </a:defRPr>
+            </a:lvl1pPr>
+            <a:lvl2pPr marL="266700" indent="0" algn="l" rtl="0" eaLnBrk="0" fontAlgn="base" hangingPunct="0">
+              <a:spcBef>
+                <a:spcPct val="20000"/>
+              </a:spcBef>
+              <a:spcAft>
+                <a:spcPct val="0"/>
+              </a:spcAft>
+              <a:buClr>
+                <a:srgbClr val="80BA24"/>
+              </a:buClr>
+              <a:buSzPct val="90000"/>
+              <a:buFontTx/>
+              <a:buNone/>
+              <a:defRPr kern="1200">
+                <a:solidFill>
+                  <a:srgbClr val="4A5C66"/>
+                </a:solidFill>
+                <a:latin typeface="Arial" pitchFamily="34" charset="0"/>
+                <a:ea typeface="Arial" charset="0"/>
+                <a:cs typeface="Arial" pitchFamily="34" charset="0"/>
+              </a:defRPr>
+            </a:lvl2pPr>
+            <a:lvl3pPr marL="542925" indent="0" algn="l" rtl="0" eaLnBrk="0" fontAlgn="base" hangingPunct="0">
+              <a:spcBef>
+                <a:spcPct val="20000"/>
+              </a:spcBef>
+              <a:spcAft>
+                <a:spcPct val="0"/>
+              </a:spcAft>
+              <a:buClr>
+                <a:srgbClr val="80BA24"/>
+              </a:buClr>
+              <a:buSzPct val="80000"/>
+              <a:buFontTx/>
+              <a:buNone/>
+              <a:defRPr kern="1200">
+                <a:solidFill>
+                  <a:srgbClr val="4A5C66"/>
+                </a:solidFill>
+                <a:latin typeface="Arial" pitchFamily="34" charset="0"/>
+                <a:ea typeface="Arial" charset="0"/>
+                <a:cs typeface="Arial" pitchFamily="34" charset="0"/>
+              </a:defRPr>
+            </a:lvl3pPr>
+            <a:lvl4pPr marL="809625" indent="0" algn="l" rtl="0" eaLnBrk="0" fontAlgn="base" hangingPunct="0">
+              <a:spcBef>
+                <a:spcPct val="20000"/>
+              </a:spcBef>
+              <a:spcAft>
+                <a:spcPct val="0"/>
+              </a:spcAft>
+              <a:buClr>
+                <a:srgbClr val="80BA24"/>
+              </a:buClr>
+              <a:buSzPct val="80000"/>
+              <a:buFontTx/>
+              <a:buNone/>
+              <a:defRPr kern="1200">
+                <a:solidFill>
+                  <a:srgbClr val="4A5C66"/>
+                </a:solidFill>
+                <a:latin typeface="Arial" pitchFamily="34" charset="0"/>
+                <a:ea typeface="Arial" charset="0"/>
+                <a:cs typeface="Arial" pitchFamily="34" charset="0"/>
+              </a:defRPr>
+            </a:lvl4pPr>
+            <a:lvl5pPr marL="1076325" indent="0" algn="l" rtl="0" eaLnBrk="0" fontAlgn="base" hangingPunct="0">
+              <a:spcBef>
+                <a:spcPct val="20000"/>
+              </a:spcBef>
+              <a:spcAft>
+                <a:spcPct val="0"/>
+              </a:spcAft>
+              <a:buClr>
+                <a:srgbClr val="80BA24"/>
+              </a:buClr>
+              <a:buSzPct val="80000"/>
+              <a:buFontTx/>
+              <a:buNone/>
+              <a:defRPr kern="1200">
+                <a:solidFill>
+                  <a:srgbClr val="4A5C66"/>
+                </a:solidFill>
+                <a:latin typeface="Arial" pitchFamily="34" charset="0"/>
+                <a:ea typeface="Arial" charset="0"/>
+                <a:cs typeface="Arial" pitchFamily="34" charset="0"/>
+              </a:defRPr>
+            </a:lvl5pPr>
+            <a:lvl6pPr marL="2514600" indent="-228600" algn="l" defTabSz="914400" rtl="0" eaLnBrk="1" latinLnBrk="0" hangingPunct="1">
+              <a:spcBef>
+                <a:spcPct val="20000"/>
+              </a:spcBef>
+              <a:buFont typeface="Arial" pitchFamily="34" charset="0"/>
+              <a:buChar char="•"/>
+              <a:defRPr sz="2000" kern="1200">
+                <a:solidFill>
+                  <a:schemeClr val="tx1"/>
+                </a:solidFill>
+                <a:latin typeface="+mn-lt"/>
+                <a:ea typeface="+mn-ea"/>
+                <a:cs typeface="+mn-cs"/>
+              </a:defRPr>
+            </a:lvl6pPr>
+            <a:lvl7pPr marL="2971800" indent="-228600" algn="l" defTabSz="914400" rtl="0" eaLnBrk="1" latinLnBrk="0" hangingPunct="1">
+              <a:spcBef>
+                <a:spcPct val="20000"/>
+              </a:spcBef>
+              <a:buFont typeface="Arial" pitchFamily="34" charset="0"/>
+              <a:buChar char="•"/>
+              <a:defRPr sz="2000" kern="1200">
+                <a:solidFill>
+                  <a:schemeClr val="tx1"/>
+                </a:solidFill>
+                <a:latin typeface="+mn-lt"/>
+                <a:ea typeface="+mn-ea"/>
+                <a:cs typeface="+mn-cs"/>
+              </a:defRPr>
+            </a:lvl7pPr>
+            <a:lvl8pPr marL="3429000" indent="-228600" algn="l" defTabSz="914400" rtl="0" eaLnBrk="1" latinLnBrk="0" hangingPunct="1">
+              <a:spcBef>
+                <a:spcPct val="20000"/>
+              </a:spcBef>
+              <a:buFont typeface="Arial" pitchFamily="34" charset="0"/>
+              <a:buChar char="•"/>
+              <a:defRPr sz="2000" kern="1200">
+                <a:solidFill>
+                  <a:schemeClr val="tx1"/>
+                </a:solidFill>
+                <a:latin typeface="+mn-lt"/>
+                <a:ea typeface="+mn-ea"/>
+                <a:cs typeface="+mn-cs"/>
+              </a:defRPr>
+            </a:lvl8pPr>
+            <a:lvl9pPr marL="3886200" indent="-228600" algn="l" defTabSz="914400" rtl="0" eaLnBrk="1" latinLnBrk="0" hangingPunct="1">
+              <a:spcBef>
+                <a:spcPct val="20000"/>
+              </a:spcBef>
+              <a:buFont typeface="Arial" pitchFamily="34" charset="0"/>
+              <a:buChar char="•"/>
+              <a:defRPr sz="2000" kern="1200">
+                <a:solidFill>
+                  <a:schemeClr val="tx1"/>
+                </a:solidFill>
+                <a:latin typeface="+mn-lt"/>
+                <a:ea typeface="+mn-ea"/>
+                <a:cs typeface="+mn-cs"/>
+              </a:defRPr>
+            </a:lvl9pPr>
+          </a:lstStyle>
+          <a:p>
+            <a:pPr>
+              <a:spcAft>
+                <a:spcPts val="600"/>
+              </a:spcAft>
+            </a:pPr>
+            <a:r>
+              <a:rPr lang="de-DE" sz="1800" dirty="0">
+                <a:solidFill>
+                  <a:srgbClr val="4A5C66"/>
+                </a:solidFill>
+                <a:latin typeface="Arial" panose="020B0604020202020204" pitchFamily="34" charset="0"/>
+                <a:cs typeface="Arial" panose="020B0604020202020204" pitchFamily="34" charset="0"/>
               </a:rPr>
-            </a:br>
-            <a:r>
-              <a:rPr kumimoji="0" lang="de-DE" altLang="de-DE" sz="1600" b="1" i="0" u="none" strike="noStrike" cap="none" normalizeH="0" baseline="0" dirty="0">
-                <a:ln>
-                  <a:noFill/>
-                </a:ln>
-                <a:solidFill>
-                  <a:srgbClr val="000080"/>
-                </a:solidFill>
-                <a:effectLst/>
-                <a:latin typeface="JetBrains Mono"/>
+              <a:t>Beispiel einer Fitness-Funktion:</a:t>
+            </a:r>
+          </a:p>
+          <a:p>
+            <a:pPr marL="285750" indent="-285750">
+              <a:spcAft>
+                <a:spcPts val="600"/>
+              </a:spcAft>
+              <a:buFont typeface="Arial" panose="020B0604020202020204" pitchFamily="34" charset="0"/>
+              <a:buChar char="•"/>
+            </a:pPr>
+            <a:r>
+              <a:rPr lang="de-DE" sz="1800" dirty="0">
+                <a:solidFill>
+                  <a:srgbClr val="4A5C66"/>
+                </a:solidFill>
+                <a:latin typeface="Arial" panose="020B0604020202020204" pitchFamily="34" charset="0"/>
+                <a:cs typeface="Arial" panose="020B0604020202020204" pitchFamily="34" charset="0"/>
               </a:rPr>
-              <a:t>algorithm </a:t>
-            </a:r>
-            <a:r>
-              <a:rPr kumimoji="0" lang="de-DE" altLang="de-DE" sz="1600" b="0" i="0" u="none" strike="noStrike" cap="none" normalizeH="0" baseline="0" dirty="0">
-                <a:ln>
-                  <a:noFill/>
-                </a:ln>
-                <a:solidFill>
-                  <a:srgbClr val="000000"/>
-                </a:solidFill>
-                <a:effectLst/>
-                <a:latin typeface="JetBrains Mono"/>
+              <a:t>Negative Distanz</a:t>
+            </a:r>
+          </a:p>
+          <a:p>
+            <a:pPr marL="285750" indent="-285750">
+              <a:spcAft>
+                <a:spcPts val="600"/>
+              </a:spcAft>
+              <a:buFont typeface="Arial" panose="020B0604020202020204" pitchFamily="34" charset="0"/>
+              <a:buChar char="•"/>
+            </a:pPr>
+            <a:r>
+              <a:rPr lang="de-DE" sz="1800" dirty="0">
+                <a:solidFill>
+                  <a:srgbClr val="4A5C66"/>
+                </a:solidFill>
+                <a:latin typeface="Arial" panose="020B0604020202020204" pitchFamily="34" charset="0"/>
+                <a:cs typeface="Arial" panose="020B0604020202020204" pitchFamily="34" charset="0"/>
               </a:rPr>
-              <a:t>func_fitness(rating){</a:t>
-            </a:r>
-            <a:br>
-              <a:rPr kumimoji="0" lang="de-DE" altLang="de-DE" sz="1600" b="0" i="0" u="none" strike="noStrike" cap="none" normalizeH="0" baseline="0" dirty="0">
-                <a:ln>
-                  <a:noFill/>
-                </a:ln>
-                <a:solidFill>
-                  <a:srgbClr val="000000"/>
-                </a:solidFill>
-                <a:effectLst/>
-                <a:latin typeface="JetBrains Mono"/>
-              </a:rPr>
-            </a:br>
-            <a:r>
-              <a:rPr kumimoji="0" lang="de-DE" altLang="de-DE" sz="1600" b="0" i="0" u="none" strike="noStrike" cap="none" normalizeH="0" baseline="0" dirty="0">
-                <a:ln>
-                  <a:noFill/>
-                </a:ln>
-                <a:solidFill>
-                  <a:srgbClr val="000000"/>
-                </a:solidFill>
-                <a:effectLst/>
-                <a:latin typeface="JetBrains Mono"/>
-              </a:rPr>
-              <a:t>    </a:t>
-            </a:r>
-            <a:r>
-              <a:rPr kumimoji="0" lang="de-DE" altLang="de-DE" sz="1600" b="1" i="0" u="none" strike="noStrike" cap="none" normalizeH="0" baseline="0" dirty="0">
-                <a:ln>
-                  <a:noFill/>
-                </a:ln>
-                <a:solidFill>
-                  <a:srgbClr val="000080"/>
-                </a:solidFill>
-                <a:effectLst/>
-                <a:latin typeface="JetBrains Mono"/>
-              </a:rPr>
-              <a:t>return </a:t>
-            </a:r>
-            <a:r>
-              <a:rPr kumimoji="0" lang="de-DE" altLang="de-DE" sz="1600" b="0" i="0" u="none" strike="noStrike" cap="none" normalizeH="0" baseline="0" dirty="0">
-                <a:ln>
-                  <a:noFill/>
-                </a:ln>
-                <a:solidFill>
-                  <a:srgbClr val="000000"/>
-                </a:solidFill>
-                <a:effectLst/>
-                <a:latin typeface="JetBrains Mono"/>
-              </a:rPr>
-              <a:t>-rating;</a:t>
-            </a:r>
-            <a:br>
-              <a:rPr kumimoji="0" lang="de-DE" altLang="de-DE" sz="1600" b="0" i="0" u="none" strike="noStrike" cap="none" normalizeH="0" baseline="0" dirty="0">
-                <a:ln>
-                  <a:noFill/>
-                </a:ln>
-                <a:solidFill>
-                  <a:srgbClr val="000000"/>
-                </a:solidFill>
-                <a:effectLst/>
-                <a:latin typeface="JetBrains Mono"/>
-              </a:rPr>
-            </a:br>
-            <a:r>
-              <a:rPr kumimoji="0" lang="de-DE" altLang="de-DE" sz="1600" b="0" i="0" u="none" strike="noStrike" cap="none" normalizeH="0" baseline="0" dirty="0">
-                <a:ln>
-                  <a:noFill/>
-                </a:ln>
-                <a:solidFill>
-                  <a:srgbClr val="000000"/>
-                </a:solidFill>
-                <a:effectLst/>
-                <a:latin typeface="JetBrains Mono"/>
-              </a:rPr>
-              <a:t>}</a:t>
-            </a:r>
-            <a:endParaRPr kumimoji="0" lang="de-DE" altLang="de-DE" sz="3600" b="0" i="0" u="none" strike="noStrike" cap="none" normalizeH="0" baseline="0" dirty="0">
-              <a:ln>
-                <a:noFill/>
-              </a:ln>
-              <a:solidFill>
-                <a:schemeClr val="tx1"/>
-              </a:solidFill>
-              <a:effectLst/>
-              <a:latin typeface="Arial" panose="020B0604020202020204" pitchFamily="34" charset="0"/>
-            </a:endParaRPr>
+              <a:t>Stadt mit höchster Fitness hat somit niedrigste Distanz. Fitter = Besser</a:t>
+            </a:r>
           </a:p>
         </p:txBody>
       </p:sp>
@@ -21185,8 +21696,8 @@
         </p:nvSpPr>
         <p:spPr bwMode="auto">
           <a:xfrm>
-            <a:off x="334963" y="1251318"/>
-            <a:ext cx="6562438" cy="5078313"/>
+            <a:off x="334963" y="1036935"/>
+            <a:ext cx="6437981" cy="5373779"/>
           </a:xfrm>
           <a:prstGeom prst="rect">
             <a:avLst/>
@@ -21229,1224 +21740,225 @@
           </a:bodyPr>
           <a:lstStyle/>
           <a:p>
-            <a:pPr marL="0" marR="0" lvl="0" indent="0" algn="l" defTabSz="914400" rtl="0" eaLnBrk="0" fontAlgn="base" latinLnBrk="0" hangingPunct="0">
-              <a:lnSpc>
-                <a:spcPct val="100000"/>
-              </a:lnSpc>
-              <a:spcBef>
-                <a:spcPct val="0"/>
-              </a:spcBef>
-              <a:spcAft>
-                <a:spcPct val="0"/>
-              </a:spcAft>
-              <a:buClrTx/>
-              <a:buSzTx/>
-              <a:buFontTx/>
-              <a:buNone/>
-              <a:tabLst/>
-            </a:pPr>
-            <a:r>
-              <a:rPr kumimoji="0" lang="de-DE" altLang="de-DE" sz="1200" b="0" i="0" u="none" strike="noStrike" cap="none" normalizeH="0" baseline="0" dirty="0">
-                <a:ln>
-                  <a:noFill/>
-                </a:ln>
-                <a:solidFill>
-                  <a:srgbClr val="008080"/>
-                </a:solidFill>
-                <a:effectLst/>
-                <a:latin typeface="JetBrains Mono"/>
+            <a:r>
+              <a:rPr lang="de-DE" altLang="de-DE" sz="1200" dirty="0">
+                <a:solidFill>
+                  <a:schemeClr val="accent6">
+                    <a:lumMod val="75000"/>
+                  </a:schemeClr>
+                </a:solidFill>
               </a:rPr>
-              <a:t>algorithm </a:t>
-            </a:r>
-            <a:r>
-              <a:rPr kumimoji="0" lang="de-DE" altLang="de-DE" sz="1200" b="0" i="0" u="none" strike="noStrike" cap="none" normalizeH="0" baseline="0" dirty="0">
-                <a:ln>
-                  <a:noFill/>
-                </a:ln>
-                <a:solidFill>
-                  <a:srgbClr val="000000"/>
-                </a:solidFill>
-                <a:effectLst/>
-                <a:latin typeface="JetBrains Mono"/>
+              <a:t>std::pair&lt;int, int&gt;</a:t>
+            </a:r>
+            <a:r>
+              <a:rPr lang="de-DE" altLang="de-DE" sz="1200" dirty="0"/>
+              <a:t> marriage_roulette_reversed(Population &amp;population) {</a:t>
+            </a:r>
+          </a:p>
+          <a:p>
+            <a:r>
+              <a:rPr lang="de-DE" altLang="de-DE" sz="1200" dirty="0"/>
+              <a:t>    std::pair&lt;int, int&gt; pair = std::make_pair(-1, -1);</a:t>
+            </a:r>
+          </a:p>
+          <a:p>
+            <a:r>
+              <a:rPr lang="de-DE" altLang="de-DE" sz="1200" dirty="0"/>
+              <a:t>    int sum = 0;</a:t>
+            </a:r>
+          </a:p>
+          <a:p>
+            <a:r>
+              <a:rPr lang="de-DE" altLang="de-DE" sz="1200" dirty="0"/>
+              <a:t>    int worst_fitness_of_population = (int) population.get_lowest_fitness_individual()</a:t>
+            </a:r>
+          </a:p>
+          <a:p>
+            <a:r>
+              <a:rPr lang="de-DE" altLang="de-DE" sz="1200" dirty="0"/>
+              <a:t>			.get_last_calculates_fitness();</a:t>
+            </a:r>
+          </a:p>
+          <a:p>
+            <a:r>
+              <a:rPr lang="de-DE" altLang="de-DE" sz="1200" dirty="0"/>
+              <a:t>    </a:t>
+            </a:r>
+            <a:r>
+              <a:rPr lang="de-DE" altLang="de-DE" sz="1200" dirty="0">
+                <a:solidFill>
+                  <a:schemeClr val="accent6">
+                    <a:lumMod val="75000"/>
+                  </a:schemeClr>
+                </a:solidFill>
               </a:rPr>
-              <a:t>marriage_roulette (population) {</a:t>
-            </a:r>
-            <a:br>
-              <a:rPr kumimoji="0" lang="de-DE" altLang="de-DE" sz="1200" b="0" i="0" u="none" strike="noStrike" cap="none" normalizeH="0" baseline="0" dirty="0">
-                <a:ln>
-                  <a:noFill/>
-                </a:ln>
-                <a:solidFill>
-                  <a:srgbClr val="000000"/>
-                </a:solidFill>
-                <a:effectLst/>
-                <a:latin typeface="JetBrains Mono"/>
+              <a:t>for</a:t>
+            </a:r>
+            <a:r>
+              <a:rPr lang="de-DE" altLang="de-DE" sz="1200" dirty="0"/>
+              <a:t> (auto &amp;it : population.get_individuals()) {</a:t>
+            </a:r>
+          </a:p>
+          <a:p>
+            <a:r>
+              <a:rPr lang="de-DE" altLang="de-DE" sz="1200" dirty="0"/>
+              <a:t>        sum += (int) it.get_last_calculates_fitness() - worst_fitness_of_population;</a:t>
+            </a:r>
+          </a:p>
+          <a:p>
+            <a:r>
+              <a:rPr lang="de-DE" altLang="de-DE" sz="1200" dirty="0"/>
+              <a:t>    }</a:t>
+            </a:r>
+          </a:p>
+          <a:p>
+            <a:r>
+              <a:rPr lang="de-DE" altLang="de-DE" sz="1200" dirty="0"/>
+              <a:t>    int value_p1 = random(sum);</a:t>
+            </a:r>
+          </a:p>
+          <a:p>
+            <a:r>
+              <a:rPr lang="de-DE" altLang="de-DE" sz="1200" dirty="0"/>
+              <a:t>    int value_p2 = random(sum);</a:t>
+            </a:r>
+          </a:p>
+          <a:p>
+            <a:endParaRPr lang="de-DE" altLang="de-DE" sz="1200" dirty="0"/>
+          </a:p>
+          <a:p>
+            <a:r>
+              <a:rPr lang="de-DE" altLang="de-DE" sz="1200" dirty="0"/>
+              <a:t>    int value = 0;</a:t>
+            </a:r>
+          </a:p>
+          <a:p>
+            <a:r>
+              <a:rPr lang="de-DE" altLang="de-DE" sz="1200" dirty="0"/>
+              <a:t>    </a:t>
+            </a:r>
+            <a:r>
+              <a:rPr lang="de-DE" altLang="de-DE" sz="1200" dirty="0">
+                <a:solidFill>
+                  <a:schemeClr val="accent6">
+                    <a:lumMod val="75000"/>
+                  </a:schemeClr>
+                </a:solidFill>
               </a:rPr>
-            </a:br>
-            <a:r>
-              <a:rPr kumimoji="0" lang="de-DE" altLang="de-DE" sz="1200" b="0" i="0" u="none" strike="noStrike" cap="none" normalizeH="0" baseline="0" dirty="0">
-                <a:ln>
-                  <a:noFill/>
-                </a:ln>
-                <a:solidFill>
-                  <a:srgbClr val="000000"/>
-                </a:solidFill>
-                <a:effectLst/>
-                <a:latin typeface="JetBrains Mono"/>
+              <a:t>for</a:t>
+            </a:r>
+            <a:r>
+              <a:rPr lang="de-DE" altLang="de-DE" sz="1200" dirty="0"/>
+              <a:t> (unsigned int current_idx = 0; current_idx &lt; population.size(); ++current_idx) {</a:t>
+            </a:r>
+          </a:p>
+          <a:p>
+            <a:r>
+              <a:rPr lang="de-DE" altLang="de-DE" sz="1200" dirty="0"/>
+              <a:t>        value += (int) population.get_individuals().at(current_idx).get_last_calculates_fitness() -</a:t>
+            </a:r>
+          </a:p>
+          <a:p>
+            <a:r>
+              <a:rPr lang="de-DE" altLang="de-DE" sz="1200" dirty="0"/>
+              <a:t>                 worst_fitness_of_population;</a:t>
+            </a:r>
+          </a:p>
+          <a:p>
+            <a:r>
+              <a:rPr lang="de-DE" altLang="de-DE" sz="1200" dirty="0"/>
+              <a:t>        </a:t>
+            </a:r>
+            <a:r>
+              <a:rPr lang="de-DE" altLang="de-DE" sz="1200" dirty="0">
+                <a:solidFill>
+                  <a:schemeClr val="accent6">
+                    <a:lumMod val="75000"/>
+                  </a:schemeClr>
+                </a:solidFill>
               </a:rPr>
-              <a:t>    population.calc_population_fitness()</a:t>
-            </a:r>
-            <a:br>
-              <a:rPr kumimoji="0" lang="de-DE" altLang="de-DE" sz="1200" b="0" i="0" u="none" strike="noStrike" cap="none" normalizeH="0" baseline="0" dirty="0">
-                <a:ln>
-                  <a:noFill/>
-                </a:ln>
-                <a:solidFill>
-                  <a:srgbClr val="000000"/>
-                </a:solidFill>
-                <a:effectLst/>
-                <a:latin typeface="JetBrains Mono"/>
+              <a:t>if</a:t>
+            </a:r>
+            <a:r>
+              <a:rPr lang="de-DE" altLang="de-DE" sz="1200" dirty="0"/>
+              <a:t> (value_p1 &lt;= value &amp;&amp; pair.first &lt; 0) {</a:t>
+            </a:r>
+          </a:p>
+          <a:p>
+            <a:r>
+              <a:rPr lang="de-DE" altLang="de-DE" sz="1200" dirty="0"/>
+              <a:t>            pair.first = current_idx;</a:t>
+            </a:r>
+          </a:p>
+          <a:p>
+            <a:r>
+              <a:rPr lang="de-DE" altLang="de-DE" sz="1200" dirty="0"/>
+              <a:t>        }</a:t>
+            </a:r>
+          </a:p>
+          <a:p>
+            <a:r>
+              <a:rPr lang="de-DE" altLang="de-DE" sz="1200" dirty="0"/>
+              <a:t>        </a:t>
+            </a:r>
+            <a:r>
+              <a:rPr lang="de-DE" altLang="de-DE" sz="1200" dirty="0">
+                <a:solidFill>
+                  <a:schemeClr val="accent6">
+                    <a:lumMod val="75000"/>
+                  </a:schemeClr>
+                </a:solidFill>
               </a:rPr>
-            </a:br>
-            <a:r>
-              <a:rPr kumimoji="0" lang="de-DE" altLang="de-DE" sz="1200" b="0" i="0" u="none" strike="noStrike" cap="none" normalizeH="0" baseline="0" dirty="0">
-                <a:ln>
-                  <a:noFill/>
-                </a:ln>
-                <a:solidFill>
-                  <a:srgbClr val="000000"/>
-                </a:solidFill>
-                <a:effectLst/>
-                <a:latin typeface="JetBrains Mono"/>
+              <a:t>if</a:t>
+            </a:r>
+            <a:r>
+              <a:rPr lang="de-DE" altLang="de-DE" sz="1200" dirty="0"/>
+              <a:t> (value_p2 &lt;= value &amp;&amp; pair.second &lt; 0) {</a:t>
+            </a:r>
+          </a:p>
+          <a:p>
+            <a:r>
+              <a:rPr lang="de-DE" altLang="de-DE" sz="1200" dirty="0"/>
+              <a:t>            pair.second = current_idx;</a:t>
+            </a:r>
+          </a:p>
+          <a:p>
+            <a:r>
+              <a:rPr lang="de-DE" altLang="de-DE" sz="1200" dirty="0"/>
+              <a:t>        }</a:t>
+            </a:r>
+          </a:p>
+          <a:p>
+            <a:r>
+              <a:rPr lang="de-DE" altLang="de-DE" sz="1200" dirty="0"/>
+              <a:t>    }</a:t>
+            </a:r>
+          </a:p>
+          <a:p>
+            <a:r>
+              <a:rPr lang="de-DE" altLang="de-DE" sz="1200" dirty="0"/>
+              <a:t>    </a:t>
+            </a:r>
+            <a:r>
+              <a:rPr lang="de-DE" altLang="de-DE" sz="1200" dirty="0">
+                <a:solidFill>
+                  <a:schemeClr val="accent6">
+                    <a:lumMod val="75000"/>
+                  </a:schemeClr>
+                </a:solidFill>
               </a:rPr>
-              <a:t>    pair &lt;- (-</a:t>
-            </a:r>
-            <a:r>
-              <a:rPr kumimoji="0" lang="de-DE" altLang="de-DE" sz="1200" b="0" i="0" u="none" strike="noStrike" cap="none" normalizeH="0" baseline="0" dirty="0">
-                <a:ln>
-                  <a:noFill/>
-                </a:ln>
-                <a:solidFill>
-                  <a:srgbClr val="0000FF"/>
-                </a:solidFill>
-                <a:effectLst/>
-                <a:latin typeface="JetBrains Mono"/>
-              </a:rPr>
-              <a:t>1</a:t>
-            </a:r>
-            <a:r>
-              <a:rPr kumimoji="0" lang="de-DE" altLang="de-DE" sz="1200" b="0" i="0" u="none" strike="noStrike" cap="none" normalizeH="0" baseline="0" dirty="0">
-                <a:ln>
-                  <a:noFill/>
-                </a:ln>
-                <a:solidFill>
-                  <a:srgbClr val="000000"/>
-                </a:solidFill>
-                <a:effectLst/>
-                <a:latin typeface="JetBrains Mono"/>
-              </a:rPr>
-              <a:t>, -</a:t>
-            </a:r>
-            <a:r>
-              <a:rPr kumimoji="0" lang="de-DE" altLang="de-DE" sz="1200" b="0" i="0" u="none" strike="noStrike" cap="none" normalizeH="0" baseline="0" dirty="0">
-                <a:ln>
-                  <a:noFill/>
-                </a:ln>
-                <a:solidFill>
-                  <a:srgbClr val="0000FF"/>
-                </a:solidFill>
-                <a:effectLst/>
-                <a:latin typeface="JetBrains Mono"/>
-              </a:rPr>
-              <a:t>1</a:t>
-            </a:r>
-            <a:r>
-              <a:rPr kumimoji="0" lang="de-DE" altLang="de-DE" sz="1200" b="0" i="0" u="none" strike="noStrike" cap="none" normalizeH="0" baseline="0" dirty="0">
-                <a:ln>
-                  <a:noFill/>
-                </a:ln>
-                <a:solidFill>
-                  <a:srgbClr val="000000"/>
-                </a:solidFill>
-                <a:effectLst/>
-                <a:latin typeface="JetBrains Mono"/>
-              </a:rPr>
-              <a:t>)</a:t>
-            </a:r>
-            <a:br>
-              <a:rPr kumimoji="0" lang="de-DE" altLang="de-DE" sz="1200" b="0" i="0" u="none" strike="noStrike" cap="none" normalizeH="0" baseline="0" dirty="0">
-                <a:ln>
-                  <a:noFill/>
-                </a:ln>
-                <a:solidFill>
-                  <a:srgbClr val="000000"/>
-                </a:solidFill>
-                <a:effectLst/>
-                <a:latin typeface="JetBrains Mono"/>
-              </a:rPr>
-            </a:br>
-            <a:r>
-              <a:rPr kumimoji="0" lang="de-DE" altLang="de-DE" sz="1200" b="0" i="0" u="none" strike="noStrike" cap="none" normalizeH="0" baseline="0" dirty="0">
-                <a:ln>
-                  <a:noFill/>
-                </a:ln>
-                <a:solidFill>
-                  <a:srgbClr val="000000"/>
-                </a:solidFill>
-                <a:effectLst/>
-                <a:latin typeface="JetBrains Mono"/>
-              </a:rPr>
-              <a:t>    sum &lt;- </a:t>
-            </a:r>
-            <a:r>
-              <a:rPr kumimoji="0" lang="de-DE" altLang="de-DE" sz="1200" b="0" i="0" u="none" strike="noStrike" cap="none" normalizeH="0" baseline="0" dirty="0">
-                <a:ln>
-                  <a:noFill/>
-                </a:ln>
-                <a:solidFill>
-                  <a:srgbClr val="0000FF"/>
-                </a:solidFill>
-                <a:effectLst/>
-                <a:latin typeface="JetBrains Mono"/>
-              </a:rPr>
-              <a:t>0</a:t>
-            </a:r>
-            <a:br>
-              <a:rPr kumimoji="0" lang="de-DE" altLang="de-DE" sz="1200" b="0" i="0" u="none" strike="noStrike" cap="none" normalizeH="0" baseline="0" dirty="0">
-                <a:ln>
-                  <a:noFill/>
-                </a:ln>
-                <a:solidFill>
-                  <a:srgbClr val="000000"/>
-                </a:solidFill>
-                <a:effectLst/>
-                <a:latin typeface="JetBrains Mono"/>
-              </a:rPr>
-            </a:br>
-            <a:r>
-              <a:rPr kumimoji="0" lang="de-DE" altLang="de-DE" sz="1200" b="0" i="0" u="none" strike="noStrike" cap="none" normalizeH="0" baseline="0" dirty="0">
-                <a:ln>
-                  <a:noFill/>
-                </a:ln>
-                <a:solidFill>
-                  <a:srgbClr val="000000"/>
-                </a:solidFill>
-                <a:effectLst/>
-                <a:latin typeface="JetBrains Mono"/>
-              </a:rPr>
-              <a:t>    worst_fitness_of_population = population.get_lowest_fitness_individual().fitness</a:t>
-            </a:r>
-            <a:br>
-              <a:rPr kumimoji="0" lang="de-DE" altLang="de-DE" sz="1200" b="0" i="0" u="none" strike="noStrike" cap="none" normalizeH="0" baseline="0" dirty="0">
-                <a:ln>
-                  <a:noFill/>
-                </a:ln>
-                <a:solidFill>
-                  <a:srgbClr val="000000"/>
-                </a:solidFill>
-                <a:effectLst/>
-                <a:latin typeface="JetBrains Mono"/>
-              </a:rPr>
-            </a:br>
-            <a:br>
-              <a:rPr kumimoji="0" lang="de-DE" altLang="de-DE" sz="1200" b="0" i="0" u="none" strike="noStrike" cap="none" normalizeH="0" baseline="0" dirty="0">
-                <a:ln>
-                  <a:noFill/>
-                </a:ln>
-                <a:solidFill>
-                  <a:srgbClr val="000000"/>
-                </a:solidFill>
-                <a:effectLst/>
-                <a:latin typeface="JetBrains Mono"/>
-              </a:rPr>
-            </a:br>
-            <a:r>
-              <a:rPr kumimoji="0" lang="de-DE" altLang="de-DE" sz="1200" b="0" i="0" u="none" strike="noStrike" cap="none" normalizeH="0" baseline="0" dirty="0">
-                <a:ln>
-                  <a:noFill/>
-                </a:ln>
-                <a:solidFill>
-                  <a:srgbClr val="000000"/>
-                </a:solidFill>
-                <a:effectLst/>
-                <a:latin typeface="JetBrains Mono"/>
-              </a:rPr>
-              <a:t>    </a:t>
-            </a:r>
-            <a:r>
-              <a:rPr kumimoji="0" lang="de-DE" altLang="de-DE" sz="1200" b="1" i="0" u="none" strike="noStrike" cap="none" normalizeH="0" baseline="0" dirty="0">
-                <a:ln>
-                  <a:noFill/>
-                </a:ln>
-                <a:solidFill>
-                  <a:srgbClr val="000080"/>
-                </a:solidFill>
-                <a:effectLst/>
-                <a:latin typeface="JetBrains Mono"/>
-              </a:rPr>
-              <a:t>for </a:t>
-            </a:r>
-            <a:r>
-              <a:rPr kumimoji="0" lang="de-DE" altLang="de-DE" sz="1200" b="0" i="0" u="none" strike="noStrike" cap="none" normalizeH="0" baseline="0" dirty="0">
-                <a:ln>
-                  <a:noFill/>
-                </a:ln>
-                <a:solidFill>
-                  <a:srgbClr val="000000"/>
-                </a:solidFill>
-                <a:effectLst/>
-                <a:latin typeface="JetBrains Mono"/>
-              </a:rPr>
-              <a:t>(it : population.get_individuals()) {</a:t>
-            </a:r>
-            <a:br>
-              <a:rPr kumimoji="0" lang="de-DE" altLang="de-DE" sz="1200" b="0" i="0" u="none" strike="noStrike" cap="none" normalizeH="0" baseline="0" dirty="0">
-                <a:ln>
-                  <a:noFill/>
-                </a:ln>
-                <a:solidFill>
-                  <a:srgbClr val="000000"/>
-                </a:solidFill>
-                <a:effectLst/>
-                <a:latin typeface="JetBrains Mono"/>
-              </a:rPr>
-            </a:br>
-            <a:r>
-              <a:rPr kumimoji="0" lang="de-DE" altLang="de-DE" sz="1200" b="0" i="0" u="none" strike="noStrike" cap="none" normalizeH="0" baseline="0" dirty="0">
-                <a:ln>
-                  <a:noFill/>
-                </a:ln>
-                <a:solidFill>
-                  <a:srgbClr val="000000"/>
-                </a:solidFill>
-                <a:effectLst/>
-                <a:latin typeface="JetBrains Mono"/>
-              </a:rPr>
-              <a:t>        sum &lt;- sum + it.fitness - worst_fitness_of_population</a:t>
-            </a:r>
-            <a:br>
-              <a:rPr kumimoji="0" lang="de-DE" altLang="de-DE" sz="1200" b="0" i="0" u="none" strike="noStrike" cap="none" normalizeH="0" baseline="0" dirty="0">
-                <a:ln>
-                  <a:noFill/>
-                </a:ln>
-                <a:solidFill>
-                  <a:srgbClr val="000000"/>
-                </a:solidFill>
-                <a:effectLst/>
-                <a:latin typeface="JetBrains Mono"/>
-              </a:rPr>
-            </a:br>
-            <a:r>
-              <a:rPr kumimoji="0" lang="de-DE" altLang="de-DE" sz="1200" b="0" i="0" u="none" strike="noStrike" cap="none" normalizeH="0" baseline="0" dirty="0">
-                <a:ln>
-                  <a:noFill/>
-                </a:ln>
-                <a:solidFill>
-                  <a:srgbClr val="000000"/>
-                </a:solidFill>
-                <a:effectLst/>
-                <a:latin typeface="JetBrains Mono"/>
-              </a:rPr>
-              <a:t>    }</a:t>
-            </a:r>
-            <a:br>
-              <a:rPr kumimoji="0" lang="de-DE" altLang="de-DE" sz="1200" b="0" i="0" u="none" strike="noStrike" cap="none" normalizeH="0" baseline="0" dirty="0">
-                <a:ln>
-                  <a:noFill/>
-                </a:ln>
-                <a:solidFill>
-                  <a:srgbClr val="000000"/>
-                </a:solidFill>
-                <a:effectLst/>
-                <a:latin typeface="JetBrains Mono"/>
-              </a:rPr>
-            </a:br>
-            <a:br>
-              <a:rPr kumimoji="0" lang="de-DE" altLang="de-DE" sz="1200" b="0" i="0" u="none" strike="noStrike" cap="none" normalizeH="0" baseline="0" dirty="0">
-                <a:ln>
-                  <a:noFill/>
-                </a:ln>
-                <a:solidFill>
-                  <a:srgbClr val="000000"/>
-                </a:solidFill>
-                <a:effectLst/>
-                <a:latin typeface="JetBrains Mono"/>
-              </a:rPr>
-            </a:br>
-            <a:r>
-              <a:rPr kumimoji="0" lang="de-DE" altLang="de-DE" sz="1200" b="0" i="0" u="none" strike="noStrike" cap="none" normalizeH="0" baseline="0" dirty="0">
-                <a:ln>
-                  <a:noFill/>
-                </a:ln>
-                <a:solidFill>
-                  <a:srgbClr val="000000"/>
-                </a:solidFill>
-                <a:effectLst/>
-                <a:latin typeface="JetBrains Mono"/>
-              </a:rPr>
-              <a:t>    value_p1 &lt;- random(sum);</a:t>
-            </a:r>
-            <a:br>
-              <a:rPr kumimoji="0" lang="de-DE" altLang="de-DE" sz="1200" b="0" i="0" u="none" strike="noStrike" cap="none" normalizeH="0" baseline="0" dirty="0">
-                <a:ln>
-                  <a:noFill/>
-                </a:ln>
-                <a:solidFill>
-                  <a:srgbClr val="000000"/>
-                </a:solidFill>
-                <a:effectLst/>
-                <a:latin typeface="JetBrains Mono"/>
-              </a:rPr>
-            </a:br>
-            <a:r>
-              <a:rPr kumimoji="0" lang="de-DE" altLang="de-DE" sz="1200" b="0" i="0" u="none" strike="noStrike" cap="none" normalizeH="0" baseline="0" dirty="0">
-                <a:ln>
-                  <a:noFill/>
-                </a:ln>
-                <a:solidFill>
-                  <a:srgbClr val="000000"/>
-                </a:solidFill>
-                <a:effectLst/>
-                <a:latin typeface="JetBrains Mono"/>
-              </a:rPr>
-              <a:t>    value_p2 &lt;- random(sum) NOT value_p1</a:t>
-            </a:r>
-            <a:endParaRPr lang="de-DE" altLang="de-DE" sz="1200" dirty="0">
-              <a:solidFill>
-                <a:srgbClr val="000000"/>
-              </a:solidFill>
-              <a:latin typeface="JetBrains Mono"/>
-            </a:endParaRPr>
-          </a:p>
-          <a:p>
-            <a:pPr marL="0" marR="0" lvl="0" indent="0" algn="l" defTabSz="914400" rtl="0" eaLnBrk="0" fontAlgn="base" latinLnBrk="0" hangingPunct="0">
-              <a:lnSpc>
-                <a:spcPct val="100000"/>
-              </a:lnSpc>
-              <a:spcBef>
-                <a:spcPct val="0"/>
-              </a:spcBef>
-              <a:spcAft>
-                <a:spcPct val="0"/>
-              </a:spcAft>
-              <a:buClrTx/>
-              <a:buSzTx/>
-              <a:buFontTx/>
-              <a:buNone/>
-              <a:tabLst/>
-            </a:pPr>
-            <a:br>
-              <a:rPr kumimoji="0" lang="de-DE" altLang="de-DE" sz="1200" b="0" i="0" u="none" strike="noStrike" cap="none" normalizeH="0" baseline="0" dirty="0">
-                <a:ln>
-                  <a:noFill/>
-                </a:ln>
-                <a:solidFill>
-                  <a:srgbClr val="000000"/>
-                </a:solidFill>
-                <a:effectLst/>
-                <a:latin typeface="JetBrains Mono"/>
-              </a:rPr>
-            </a:br>
-            <a:r>
-              <a:rPr kumimoji="0" lang="de-DE" altLang="de-DE" sz="1200" b="0" i="0" u="none" strike="noStrike" cap="none" normalizeH="0" baseline="0" dirty="0">
-                <a:ln>
-                  <a:noFill/>
-                </a:ln>
-                <a:solidFill>
-                  <a:srgbClr val="000000"/>
-                </a:solidFill>
-                <a:effectLst/>
-                <a:latin typeface="JetBrains Mono"/>
-              </a:rPr>
-              <a:t>    value = </a:t>
-            </a:r>
-            <a:r>
-              <a:rPr kumimoji="0" lang="de-DE" altLang="de-DE" sz="1200" b="0" i="0" u="none" strike="noStrike" cap="none" normalizeH="0" baseline="0" dirty="0">
-                <a:ln>
-                  <a:noFill/>
-                </a:ln>
-                <a:solidFill>
-                  <a:srgbClr val="0000FF"/>
-                </a:solidFill>
-                <a:effectLst/>
-                <a:latin typeface="JetBrains Mono"/>
-              </a:rPr>
-              <a:t>0</a:t>
-            </a:r>
-            <a:r>
-              <a:rPr kumimoji="0" lang="de-DE" altLang="de-DE" sz="1200" b="0" i="0" u="none" strike="noStrike" cap="none" normalizeH="0" baseline="0" dirty="0">
-                <a:ln>
-                  <a:noFill/>
-                </a:ln>
-                <a:solidFill>
-                  <a:srgbClr val="000000"/>
-                </a:solidFill>
-                <a:effectLst/>
-                <a:latin typeface="JetBrains Mono"/>
-              </a:rPr>
-              <a:t>;</a:t>
-            </a:r>
-            <a:br>
-              <a:rPr kumimoji="0" lang="de-DE" altLang="de-DE" sz="1200" b="0" i="0" u="none" strike="noStrike" cap="none" normalizeH="0" baseline="0" dirty="0">
-                <a:ln>
-                  <a:noFill/>
-                </a:ln>
-                <a:solidFill>
-                  <a:srgbClr val="000000"/>
-                </a:solidFill>
-                <a:effectLst/>
-                <a:latin typeface="JetBrains Mono"/>
-              </a:rPr>
-            </a:br>
-            <a:r>
-              <a:rPr kumimoji="0" lang="de-DE" altLang="de-DE" sz="1200" b="0" i="0" u="none" strike="noStrike" cap="none" normalizeH="0" baseline="0" dirty="0">
-                <a:ln>
-                  <a:noFill/>
-                </a:ln>
-                <a:solidFill>
-                  <a:srgbClr val="000000"/>
-                </a:solidFill>
-                <a:effectLst/>
-                <a:latin typeface="JetBrains Mono"/>
-              </a:rPr>
-              <a:t>    </a:t>
-            </a:r>
-            <a:r>
-              <a:rPr kumimoji="0" lang="de-DE" altLang="de-DE" sz="1200" b="1" i="0" u="none" strike="noStrike" cap="none" normalizeH="0" baseline="0" dirty="0">
-                <a:ln>
-                  <a:noFill/>
-                </a:ln>
-                <a:solidFill>
-                  <a:srgbClr val="000080"/>
-                </a:solidFill>
-                <a:effectLst/>
-                <a:latin typeface="JetBrains Mono"/>
-              </a:rPr>
-              <a:t>for </a:t>
-            </a:r>
-            <a:r>
-              <a:rPr kumimoji="0" lang="de-DE" altLang="de-DE" sz="1200" b="0" i="0" u="none" strike="noStrike" cap="none" normalizeH="0" baseline="0" dirty="0">
-                <a:ln>
-                  <a:noFill/>
-                </a:ln>
-                <a:solidFill>
-                  <a:srgbClr val="000000"/>
-                </a:solidFill>
-                <a:effectLst/>
-                <a:latin typeface="JetBrains Mono"/>
-              </a:rPr>
-              <a:t>current_idx &lt;- </a:t>
-            </a:r>
-            <a:r>
-              <a:rPr kumimoji="0" lang="de-DE" altLang="de-DE" sz="1200" b="0" i="0" u="none" strike="noStrike" cap="none" normalizeH="0" baseline="0" dirty="0">
-                <a:ln>
-                  <a:noFill/>
-                </a:ln>
-                <a:solidFill>
-                  <a:srgbClr val="0000FF"/>
-                </a:solidFill>
-                <a:effectLst/>
-                <a:latin typeface="JetBrains Mono"/>
-              </a:rPr>
-              <a:t>0</a:t>
-            </a:r>
-            <a:r>
-              <a:rPr lang="de-DE" altLang="de-DE" sz="1200" dirty="0">
-                <a:solidFill>
-                  <a:srgbClr val="000000"/>
-                </a:solidFill>
-                <a:latin typeface="JetBrains Mono"/>
-              </a:rPr>
-              <a:t> ..p</a:t>
-            </a:r>
-            <a:r>
-              <a:rPr kumimoji="0" lang="de-DE" altLang="de-DE" sz="1200" b="0" i="0" u="none" strike="noStrike" cap="none" normalizeH="0" baseline="0" dirty="0">
-                <a:ln>
-                  <a:noFill/>
-                </a:ln>
-                <a:solidFill>
-                  <a:srgbClr val="000000"/>
-                </a:solidFill>
-                <a:effectLst/>
-                <a:latin typeface="JetBrains Mono"/>
-              </a:rPr>
-              <a:t>opulation.size()-</a:t>
-            </a:r>
-            <a:r>
-              <a:rPr kumimoji="0" lang="de-DE" altLang="de-DE" sz="1200" b="0" i="0" u="none" strike="noStrike" cap="none" normalizeH="0" baseline="0" dirty="0">
-                <a:ln>
-                  <a:noFill/>
-                </a:ln>
-                <a:solidFill>
-                  <a:srgbClr val="0000FF"/>
-                </a:solidFill>
-                <a:effectLst/>
-                <a:latin typeface="JetBrains Mono"/>
-              </a:rPr>
-              <a:t> 1</a:t>
-            </a:r>
-            <a:br>
-              <a:rPr kumimoji="0" lang="de-DE" altLang="de-DE" sz="1200" b="0" i="0" u="none" strike="noStrike" cap="none" normalizeH="0" baseline="0" dirty="0">
-                <a:ln>
-                  <a:noFill/>
-                </a:ln>
-                <a:solidFill>
-                  <a:srgbClr val="000000"/>
-                </a:solidFill>
-                <a:effectLst/>
-                <a:latin typeface="JetBrains Mono"/>
-              </a:rPr>
-            </a:br>
-            <a:r>
-              <a:rPr kumimoji="0" lang="de-DE" altLang="de-DE" sz="1200" b="0" i="0" u="none" strike="noStrike" cap="none" normalizeH="0" baseline="0" dirty="0">
-                <a:ln>
-                  <a:noFill/>
-                </a:ln>
-                <a:solidFill>
-                  <a:srgbClr val="000000"/>
-                </a:solidFill>
-                <a:effectLst/>
-                <a:latin typeface="JetBrains Mono"/>
-              </a:rPr>
-              <a:t>        value &lt;- value + population.get_individuals().at(current_idx).fitness - worst_fitness_of_population</a:t>
-            </a:r>
-            <a:br>
-              <a:rPr kumimoji="0" lang="de-DE" altLang="de-DE" sz="1200" b="0" i="0" u="none" strike="noStrike" cap="none" normalizeH="0" baseline="0" dirty="0">
-                <a:ln>
-                  <a:noFill/>
-                </a:ln>
-                <a:solidFill>
-                  <a:srgbClr val="000000"/>
-                </a:solidFill>
-                <a:effectLst/>
-                <a:latin typeface="JetBrains Mono"/>
-              </a:rPr>
-            </a:br>
-            <a:r>
-              <a:rPr kumimoji="0" lang="de-DE" altLang="de-DE" sz="1200" b="0" i="0" u="none" strike="noStrike" cap="none" normalizeH="0" baseline="0" dirty="0">
-                <a:ln>
-                  <a:noFill/>
-                </a:ln>
-                <a:solidFill>
-                  <a:srgbClr val="000000"/>
-                </a:solidFill>
-                <a:effectLst/>
-                <a:latin typeface="JetBrains Mono"/>
-              </a:rPr>
-              <a:t>        </a:t>
-            </a:r>
-            <a:r>
-              <a:rPr kumimoji="0" lang="de-DE" altLang="de-DE" sz="1200" b="1" i="0" u="none" strike="noStrike" cap="none" normalizeH="0" baseline="0" dirty="0">
-                <a:ln>
-                  <a:noFill/>
-                </a:ln>
-                <a:solidFill>
-                  <a:srgbClr val="000080"/>
-                </a:solidFill>
-                <a:effectLst/>
-                <a:latin typeface="JetBrains Mono"/>
-              </a:rPr>
-              <a:t>if </a:t>
-            </a:r>
-            <a:r>
-              <a:rPr kumimoji="0" lang="de-DE" altLang="de-DE" sz="1200" b="0" i="0" u="none" strike="noStrike" cap="none" normalizeH="0" baseline="0" dirty="0">
-                <a:ln>
-                  <a:noFill/>
-                </a:ln>
-                <a:solidFill>
-                  <a:srgbClr val="000000"/>
-                </a:solidFill>
-                <a:effectLst/>
-                <a:latin typeface="JetBrains Mono"/>
-              </a:rPr>
-              <a:t>value_p1 &lt;= value AND pair.</a:t>
-            </a:r>
-            <a:r>
-              <a:rPr kumimoji="0" lang="de-DE" altLang="de-DE" sz="1200" b="0" i="0" u="none" strike="noStrike" cap="none" normalizeH="0" baseline="0" dirty="0">
-                <a:ln>
-                  <a:noFill/>
-                </a:ln>
-                <a:solidFill>
-                  <a:srgbClr val="660E7A"/>
-                </a:solidFill>
-                <a:effectLst/>
-                <a:latin typeface="JetBrains Mono"/>
-              </a:rPr>
-              <a:t>first </a:t>
-            </a:r>
-            <a:r>
-              <a:rPr kumimoji="0" lang="de-DE" altLang="de-DE" sz="1200" b="0" i="0" u="none" strike="noStrike" cap="none" normalizeH="0" baseline="0" dirty="0">
-                <a:ln>
-                  <a:noFill/>
-                </a:ln>
-                <a:solidFill>
-                  <a:srgbClr val="000000"/>
-                </a:solidFill>
-                <a:effectLst/>
-                <a:latin typeface="JetBrains Mono"/>
-              </a:rPr>
-              <a:t>&lt; </a:t>
-            </a:r>
-            <a:r>
-              <a:rPr kumimoji="0" lang="de-DE" altLang="de-DE" sz="1200" b="0" i="0" u="none" strike="noStrike" cap="none" normalizeH="0" baseline="0" dirty="0">
-                <a:ln>
-                  <a:noFill/>
-                </a:ln>
-                <a:solidFill>
-                  <a:srgbClr val="0000FF"/>
-                </a:solidFill>
-                <a:effectLst/>
-                <a:latin typeface="JetBrains Mono"/>
-              </a:rPr>
-              <a:t>0</a:t>
-            </a:r>
-            <a:br>
-              <a:rPr kumimoji="0" lang="de-DE" altLang="de-DE" sz="1200" b="0" i="0" u="none" strike="noStrike" cap="none" normalizeH="0" baseline="0" dirty="0">
-                <a:ln>
-                  <a:noFill/>
-                </a:ln>
-                <a:solidFill>
-                  <a:srgbClr val="000000"/>
-                </a:solidFill>
-                <a:effectLst/>
-                <a:latin typeface="JetBrains Mono"/>
-              </a:rPr>
-            </a:br>
-            <a:r>
-              <a:rPr kumimoji="0" lang="de-DE" altLang="de-DE" sz="1200" b="0" i="0" u="none" strike="noStrike" cap="none" normalizeH="0" baseline="0" dirty="0">
-                <a:ln>
-                  <a:noFill/>
-                </a:ln>
-                <a:solidFill>
-                  <a:srgbClr val="000000"/>
-                </a:solidFill>
-                <a:effectLst/>
-                <a:latin typeface="JetBrains Mono"/>
-              </a:rPr>
-              <a:t>            pair.</a:t>
-            </a:r>
-            <a:r>
-              <a:rPr kumimoji="0" lang="de-DE" altLang="de-DE" sz="1200" b="0" i="0" u="none" strike="noStrike" cap="none" normalizeH="0" baseline="0" dirty="0">
-                <a:ln>
-                  <a:noFill/>
-                </a:ln>
-                <a:solidFill>
-                  <a:srgbClr val="660E7A"/>
-                </a:solidFill>
-                <a:effectLst/>
-                <a:latin typeface="JetBrains Mono"/>
-              </a:rPr>
-              <a:t>first </a:t>
-            </a:r>
-            <a:r>
-              <a:rPr lang="de-DE" altLang="de-DE" sz="1200" dirty="0">
-                <a:solidFill>
-                  <a:srgbClr val="000000"/>
-                </a:solidFill>
-                <a:latin typeface="JetBrains Mono"/>
-              </a:rPr>
-              <a:t>&lt;-</a:t>
-            </a:r>
-            <a:r>
-              <a:rPr kumimoji="0" lang="de-DE" altLang="de-DE" sz="1200" b="0" i="0" u="none" strike="noStrike" cap="none" normalizeH="0" baseline="0" dirty="0">
-                <a:ln>
-                  <a:noFill/>
-                </a:ln>
-                <a:solidFill>
-                  <a:srgbClr val="000000"/>
-                </a:solidFill>
-                <a:effectLst/>
-                <a:latin typeface="JetBrains Mono"/>
-              </a:rPr>
-              <a:t> current_idx</a:t>
-            </a:r>
-            <a:br>
-              <a:rPr kumimoji="0" lang="de-DE" altLang="de-DE" sz="1200" b="0" i="0" u="none" strike="noStrike" cap="none" normalizeH="0" baseline="0" dirty="0">
-                <a:ln>
-                  <a:noFill/>
-                </a:ln>
-                <a:solidFill>
-                  <a:srgbClr val="000000"/>
-                </a:solidFill>
-                <a:effectLst/>
-                <a:latin typeface="JetBrains Mono"/>
-              </a:rPr>
-            </a:br>
-            <a:r>
-              <a:rPr kumimoji="0" lang="de-DE" altLang="de-DE" sz="1200" b="0" i="0" u="none" strike="noStrike" cap="none" normalizeH="0" baseline="0" dirty="0">
-                <a:ln>
-                  <a:noFill/>
-                </a:ln>
-                <a:solidFill>
-                  <a:srgbClr val="000000"/>
-                </a:solidFill>
-                <a:effectLst/>
-                <a:latin typeface="JetBrains Mono"/>
-              </a:rPr>
-              <a:t>        </a:t>
-            </a:r>
-            <a:br>
-              <a:rPr kumimoji="0" lang="de-DE" altLang="de-DE" sz="1200" b="0" i="0" u="none" strike="noStrike" cap="none" normalizeH="0" baseline="0" dirty="0">
-                <a:ln>
-                  <a:noFill/>
-                </a:ln>
-                <a:solidFill>
-                  <a:srgbClr val="000000"/>
-                </a:solidFill>
-                <a:effectLst/>
-                <a:latin typeface="JetBrains Mono"/>
-              </a:rPr>
-            </a:br>
-            <a:r>
-              <a:rPr kumimoji="0" lang="de-DE" altLang="de-DE" sz="1200" b="0" i="0" u="none" strike="noStrike" cap="none" normalizeH="0" baseline="0" dirty="0">
-                <a:ln>
-                  <a:noFill/>
-                </a:ln>
-                <a:solidFill>
-                  <a:srgbClr val="000000"/>
-                </a:solidFill>
-                <a:effectLst/>
-                <a:latin typeface="JetBrains Mono"/>
-              </a:rPr>
-              <a:t>        </a:t>
-            </a:r>
-            <a:r>
-              <a:rPr kumimoji="0" lang="de-DE" altLang="de-DE" sz="1200" b="1" i="0" u="none" strike="noStrike" cap="none" normalizeH="0" baseline="0" dirty="0">
-                <a:ln>
-                  <a:noFill/>
-                </a:ln>
-                <a:solidFill>
-                  <a:srgbClr val="000080"/>
-                </a:solidFill>
-                <a:effectLst/>
-                <a:latin typeface="JetBrains Mono"/>
-              </a:rPr>
-              <a:t>if </a:t>
-            </a:r>
-            <a:r>
-              <a:rPr lang="de-DE" altLang="de-DE" sz="1200" dirty="0">
-                <a:solidFill>
-                  <a:srgbClr val="000000"/>
-                </a:solidFill>
-                <a:latin typeface="JetBrains Mono"/>
-              </a:rPr>
-              <a:t> </a:t>
-            </a:r>
-            <a:r>
-              <a:rPr kumimoji="0" lang="de-DE" altLang="de-DE" sz="1200" b="0" i="0" u="none" strike="noStrike" cap="none" normalizeH="0" baseline="0" dirty="0">
-                <a:ln>
-                  <a:noFill/>
-                </a:ln>
-                <a:solidFill>
-                  <a:srgbClr val="000000"/>
-                </a:solidFill>
-                <a:effectLst/>
-                <a:latin typeface="JetBrains Mono"/>
-              </a:rPr>
-              <a:t>value_p2 &lt;= value &amp;&amp; pair.</a:t>
-            </a:r>
-            <a:r>
-              <a:rPr kumimoji="0" lang="de-DE" altLang="de-DE" sz="1200" b="0" i="0" u="none" strike="noStrike" cap="none" normalizeH="0" baseline="0" dirty="0">
-                <a:ln>
-                  <a:noFill/>
-                </a:ln>
-                <a:solidFill>
-                  <a:srgbClr val="660E7A"/>
-                </a:solidFill>
-                <a:effectLst/>
-                <a:latin typeface="JetBrains Mono"/>
-              </a:rPr>
-              <a:t>second </a:t>
-            </a:r>
-            <a:r>
-              <a:rPr kumimoji="0" lang="de-DE" altLang="de-DE" sz="1200" b="0" i="0" u="none" strike="noStrike" cap="none" normalizeH="0" baseline="0" dirty="0">
-                <a:ln>
-                  <a:noFill/>
-                </a:ln>
-                <a:solidFill>
-                  <a:srgbClr val="000000"/>
-                </a:solidFill>
-                <a:effectLst/>
-                <a:latin typeface="JetBrains Mono"/>
-              </a:rPr>
-              <a:t>&lt; </a:t>
-            </a:r>
-            <a:r>
-              <a:rPr kumimoji="0" lang="de-DE" altLang="de-DE" sz="1200" b="0" i="0" u="none" strike="noStrike" cap="none" normalizeH="0" baseline="0" dirty="0">
-                <a:ln>
-                  <a:noFill/>
-                </a:ln>
-                <a:solidFill>
-                  <a:srgbClr val="0000FF"/>
-                </a:solidFill>
-                <a:effectLst/>
-                <a:latin typeface="JetBrains Mono"/>
-              </a:rPr>
-              <a:t>0</a:t>
-            </a:r>
-            <a:br>
-              <a:rPr kumimoji="0" lang="de-DE" altLang="de-DE" sz="1200" b="0" i="0" u="none" strike="noStrike" cap="none" normalizeH="0" baseline="0" dirty="0">
-                <a:ln>
-                  <a:noFill/>
-                </a:ln>
-                <a:solidFill>
-                  <a:srgbClr val="000000"/>
-                </a:solidFill>
-                <a:effectLst/>
-                <a:latin typeface="JetBrains Mono"/>
-              </a:rPr>
-            </a:br>
-            <a:r>
-              <a:rPr kumimoji="0" lang="de-DE" altLang="de-DE" sz="1200" b="0" i="0" u="none" strike="noStrike" cap="none" normalizeH="0" baseline="0" dirty="0">
-                <a:ln>
-                  <a:noFill/>
-                </a:ln>
-                <a:solidFill>
-                  <a:srgbClr val="000000"/>
-                </a:solidFill>
-                <a:effectLst/>
-                <a:latin typeface="JetBrains Mono"/>
-              </a:rPr>
-              <a:t>            pair.</a:t>
-            </a:r>
-            <a:r>
-              <a:rPr kumimoji="0" lang="de-DE" altLang="de-DE" sz="1200" b="0" i="0" u="none" strike="noStrike" cap="none" normalizeH="0" baseline="0" dirty="0">
-                <a:ln>
-                  <a:noFill/>
-                </a:ln>
-                <a:solidFill>
-                  <a:srgbClr val="660E7A"/>
-                </a:solidFill>
-                <a:effectLst/>
-                <a:latin typeface="JetBrains Mono"/>
-              </a:rPr>
-              <a:t>second </a:t>
-            </a:r>
-            <a:r>
-              <a:rPr kumimoji="0" lang="de-DE" altLang="de-DE" sz="1200" b="0" i="0" u="none" strike="noStrike" cap="none" normalizeH="0" baseline="0" dirty="0">
-                <a:ln>
-                  <a:noFill/>
-                </a:ln>
-                <a:solidFill>
-                  <a:srgbClr val="000000"/>
-                </a:solidFill>
-                <a:effectLst/>
-                <a:latin typeface="JetBrains Mono"/>
-              </a:rPr>
-              <a:t>= current_idx</a:t>
-            </a:r>
-            <a:br>
-              <a:rPr kumimoji="0" lang="de-DE" altLang="de-DE" sz="1200" b="0" i="0" u="none" strike="noStrike" cap="none" normalizeH="0" baseline="0" dirty="0">
-                <a:ln>
-                  <a:noFill/>
-                </a:ln>
-                <a:solidFill>
-                  <a:srgbClr val="000000"/>
-                </a:solidFill>
-                <a:effectLst/>
-                <a:latin typeface="JetBrains Mono"/>
-              </a:rPr>
-            </a:br>
-            <a:r>
-              <a:rPr kumimoji="0" lang="de-DE" altLang="de-DE" sz="1200" b="0" i="0" u="none" strike="noStrike" cap="none" normalizeH="0" baseline="0" dirty="0">
-                <a:ln>
-                  <a:noFill/>
-                </a:ln>
-                <a:solidFill>
-                  <a:srgbClr val="000000"/>
-                </a:solidFill>
-                <a:effectLst/>
-                <a:latin typeface="JetBrains Mono"/>
-              </a:rPr>
-              <a:t>     </a:t>
-            </a:r>
-            <a:br>
-              <a:rPr kumimoji="0" lang="de-DE" altLang="de-DE" sz="1200" b="0" i="0" u="none" strike="noStrike" cap="none" normalizeH="0" baseline="0" dirty="0">
-                <a:ln>
-                  <a:noFill/>
-                </a:ln>
-                <a:solidFill>
-                  <a:srgbClr val="000000"/>
-                </a:solidFill>
-                <a:effectLst/>
-                <a:latin typeface="JetBrains Mono"/>
-              </a:rPr>
-            </a:br>
-            <a:r>
-              <a:rPr kumimoji="0" lang="de-DE" altLang="de-DE" sz="1200" b="0" i="0" u="none" strike="noStrike" cap="none" normalizeH="0" baseline="0" dirty="0">
-                <a:ln>
-                  <a:noFill/>
-                </a:ln>
-                <a:solidFill>
-                  <a:srgbClr val="000000"/>
-                </a:solidFill>
-                <a:effectLst/>
-                <a:latin typeface="JetBrains Mono"/>
-              </a:rPr>
-              <a:t>    </a:t>
-            </a:r>
-            <a:r>
-              <a:rPr kumimoji="0" lang="de-DE" altLang="de-DE" sz="1200" b="1" i="0" u="none" strike="noStrike" cap="none" normalizeH="0" baseline="0" dirty="0">
-                <a:ln>
-                  <a:noFill/>
-                </a:ln>
-                <a:solidFill>
-                  <a:srgbClr val="000080"/>
-                </a:solidFill>
-                <a:effectLst/>
-                <a:latin typeface="JetBrains Mono"/>
-              </a:rPr>
-              <a:t>if </a:t>
-            </a:r>
-            <a:r>
-              <a:rPr lang="de-DE" altLang="de-DE" sz="1200" dirty="0">
-                <a:solidFill>
-                  <a:srgbClr val="000000"/>
-                </a:solidFill>
-                <a:latin typeface="JetBrains Mono"/>
-              </a:rPr>
-              <a:t> </a:t>
-            </a:r>
-            <a:r>
-              <a:rPr kumimoji="0" lang="de-DE" altLang="de-DE" sz="1200" b="0" i="0" u="none" strike="noStrike" cap="none" normalizeH="0" baseline="0" dirty="0">
-                <a:ln>
-                  <a:noFill/>
-                </a:ln>
-                <a:solidFill>
-                  <a:srgbClr val="000000"/>
-                </a:solidFill>
-                <a:effectLst/>
-                <a:latin typeface="JetBrains Mono"/>
-              </a:rPr>
-              <a:t>pair.</a:t>
-            </a:r>
-            <a:r>
-              <a:rPr kumimoji="0" lang="de-DE" altLang="de-DE" sz="1200" b="0" i="0" u="none" strike="noStrike" cap="none" normalizeH="0" baseline="0" dirty="0">
-                <a:ln>
-                  <a:noFill/>
-                </a:ln>
-                <a:solidFill>
-                  <a:srgbClr val="660E7A"/>
-                </a:solidFill>
-                <a:effectLst/>
-                <a:latin typeface="JetBrains Mono"/>
-              </a:rPr>
-              <a:t>first </a:t>
-            </a:r>
-            <a:r>
-              <a:rPr kumimoji="0" lang="de-DE" altLang="de-DE" sz="1200" b="0" i="0" u="none" strike="noStrike" cap="none" normalizeH="0" baseline="0" dirty="0">
-                <a:ln>
-                  <a:noFill/>
-                </a:ln>
-                <a:solidFill>
-                  <a:srgbClr val="000000"/>
-                </a:solidFill>
-                <a:effectLst/>
-                <a:latin typeface="JetBrains Mono"/>
-              </a:rPr>
-              <a:t>== pair.</a:t>
-            </a:r>
-            <a:r>
-              <a:rPr kumimoji="0" lang="de-DE" altLang="de-DE" sz="1200" b="0" i="0" u="none" strike="noStrike" cap="none" normalizeH="0" baseline="0" dirty="0">
-                <a:ln>
-                  <a:noFill/>
-                </a:ln>
-                <a:solidFill>
-                  <a:srgbClr val="660E7A"/>
-                </a:solidFill>
-                <a:effectLst/>
-                <a:latin typeface="JetBrains Mono"/>
-              </a:rPr>
-              <a:t>second</a:t>
-            </a:r>
-            <a:br>
-              <a:rPr kumimoji="0" lang="de-DE" altLang="de-DE" sz="1200" b="0" i="0" u="none" strike="noStrike" cap="none" normalizeH="0" baseline="0" dirty="0">
-                <a:ln>
-                  <a:noFill/>
-                </a:ln>
-                <a:solidFill>
-                  <a:srgbClr val="000000"/>
-                </a:solidFill>
-                <a:effectLst/>
-                <a:latin typeface="JetBrains Mono"/>
-              </a:rPr>
-            </a:br>
-            <a:r>
-              <a:rPr kumimoji="0" lang="de-DE" altLang="de-DE" sz="1200" b="0" i="0" u="none" strike="noStrike" cap="none" normalizeH="0" baseline="0" dirty="0">
-                <a:ln>
-                  <a:noFill/>
-                </a:ln>
-                <a:solidFill>
-                  <a:srgbClr val="000000"/>
-                </a:solidFill>
-                <a:effectLst/>
-                <a:latin typeface="JetBrains Mono"/>
-              </a:rPr>
-              <a:t>        </a:t>
-            </a:r>
-            <a:r>
-              <a:rPr kumimoji="0" lang="de-DE" altLang="de-DE" sz="1200" b="1" i="0" u="none" strike="noStrike" cap="none" normalizeH="0" baseline="0" dirty="0">
-                <a:ln>
-                  <a:noFill/>
-                </a:ln>
-                <a:solidFill>
-                  <a:srgbClr val="000080"/>
-                </a:solidFill>
-                <a:effectLst/>
-                <a:latin typeface="JetBrains Mono"/>
-              </a:rPr>
-              <a:t>return </a:t>
-            </a:r>
-            <a:r>
-              <a:rPr kumimoji="0" lang="de-DE" altLang="de-DE" sz="1200" b="0" i="0" u="none" strike="noStrike" cap="none" normalizeH="0" baseline="0" dirty="0">
-                <a:ln>
-                  <a:noFill/>
-                </a:ln>
-                <a:solidFill>
-                  <a:srgbClr val="000000"/>
-                </a:solidFill>
-                <a:effectLst/>
-                <a:latin typeface="JetBrains Mono"/>
-              </a:rPr>
-              <a:t>marriage_roulette_reversed(population, </a:t>
-            </a:r>
-            <a:r>
-              <a:rPr kumimoji="0" lang="de-DE" altLang="de-DE" sz="1200" b="1" i="0" u="none" strike="noStrike" cap="none" normalizeH="0" baseline="0" dirty="0">
-                <a:ln>
-                  <a:noFill/>
-                </a:ln>
-                <a:solidFill>
-                  <a:srgbClr val="000080"/>
-                </a:solidFill>
-                <a:effectLst/>
-                <a:latin typeface="JetBrains Mono"/>
-              </a:rPr>
-              <a:t>false</a:t>
-            </a:r>
-            <a:r>
-              <a:rPr kumimoji="0" lang="de-DE" altLang="de-DE" sz="1200" b="0" i="0" u="none" strike="noStrike" cap="none" normalizeH="0" baseline="0" dirty="0">
-                <a:ln>
-                  <a:noFill/>
-                </a:ln>
-                <a:solidFill>
-                  <a:srgbClr val="000000"/>
-                </a:solidFill>
-                <a:effectLst/>
-                <a:latin typeface="JetBrains Mono"/>
-              </a:rPr>
-              <a:t>)</a:t>
-            </a:r>
-            <a:br>
-              <a:rPr kumimoji="0" lang="de-DE" altLang="de-DE" sz="1200" b="0" i="0" u="none" strike="noStrike" cap="none" normalizeH="0" baseline="0" dirty="0">
-                <a:ln>
-                  <a:noFill/>
-                </a:ln>
-                <a:solidFill>
-                  <a:srgbClr val="000000"/>
-                </a:solidFill>
-                <a:effectLst/>
-                <a:latin typeface="JetBrains Mono"/>
-              </a:rPr>
-            </a:br>
-            <a:r>
-              <a:rPr kumimoji="0" lang="de-DE" altLang="de-DE" sz="1200" b="0" i="0" u="none" strike="noStrike" cap="none" normalizeH="0" baseline="0" dirty="0">
-                <a:ln>
-                  <a:noFill/>
-                </a:ln>
-                <a:solidFill>
-                  <a:srgbClr val="000000"/>
-                </a:solidFill>
-                <a:effectLst/>
-                <a:latin typeface="JetBrains Mono"/>
-              </a:rPr>
-              <a:t>    </a:t>
-            </a:r>
-            <a:br>
-              <a:rPr kumimoji="0" lang="de-DE" altLang="de-DE" sz="1200" b="0" i="0" u="none" strike="noStrike" cap="none" normalizeH="0" baseline="0" dirty="0">
-                <a:ln>
-                  <a:noFill/>
-                </a:ln>
-                <a:solidFill>
-                  <a:srgbClr val="000000"/>
-                </a:solidFill>
-                <a:effectLst/>
-                <a:latin typeface="JetBrains Mono"/>
-              </a:rPr>
-            </a:br>
-            <a:r>
-              <a:rPr kumimoji="0" lang="de-DE" altLang="de-DE" sz="1200" b="0" i="0" u="none" strike="noStrike" cap="none" normalizeH="0" baseline="0" dirty="0">
-                <a:ln>
-                  <a:noFill/>
-                </a:ln>
-                <a:solidFill>
-                  <a:srgbClr val="000000"/>
-                </a:solidFill>
-                <a:effectLst/>
-                <a:latin typeface="JetBrains Mono"/>
-              </a:rPr>
-              <a:t>    </a:t>
-            </a:r>
-            <a:r>
-              <a:rPr kumimoji="0" lang="de-DE" altLang="de-DE" sz="1200" b="1" i="0" u="none" strike="noStrike" cap="none" normalizeH="0" baseline="0" dirty="0">
-                <a:ln>
-                  <a:noFill/>
-                </a:ln>
-                <a:solidFill>
-                  <a:srgbClr val="000080"/>
-                </a:solidFill>
-                <a:effectLst/>
-                <a:latin typeface="JetBrains Mono"/>
-              </a:rPr>
-              <a:t>return </a:t>
-            </a:r>
-            <a:r>
-              <a:rPr kumimoji="0" lang="de-DE" altLang="de-DE" sz="1200" b="0" i="0" u="none" strike="noStrike" cap="none" normalizeH="0" baseline="0" dirty="0">
-                <a:ln>
-                  <a:noFill/>
-                </a:ln>
-                <a:solidFill>
-                  <a:srgbClr val="000000"/>
-                </a:solidFill>
-                <a:effectLst/>
-                <a:latin typeface="JetBrains Mono"/>
-              </a:rPr>
-              <a:t>pair;</a:t>
-            </a:r>
-            <a:br>
-              <a:rPr kumimoji="0" lang="de-DE" altLang="de-DE" sz="1200" b="0" i="0" u="none" strike="noStrike" cap="none" normalizeH="0" baseline="0" dirty="0">
-                <a:ln>
-                  <a:noFill/>
-                </a:ln>
-                <a:solidFill>
-                  <a:srgbClr val="000000"/>
-                </a:solidFill>
-                <a:effectLst/>
-                <a:latin typeface="JetBrains Mono"/>
-              </a:rPr>
-            </a:br>
-            <a:r>
-              <a:rPr kumimoji="0" lang="de-DE" altLang="de-DE" sz="1200" b="0" i="0" u="none" strike="noStrike" cap="none" normalizeH="0" baseline="0" dirty="0">
-                <a:ln>
-                  <a:noFill/>
-                </a:ln>
-                <a:solidFill>
-                  <a:srgbClr val="000000"/>
-                </a:solidFill>
-                <a:effectLst/>
-                <a:latin typeface="JetBrains Mono"/>
-              </a:rPr>
+              <a:t>return</a:t>
+            </a:r>
+            <a:r>
+              <a:rPr lang="de-DE" altLang="de-DE" sz="1200" dirty="0"/>
+              <a:t> pair;</a:t>
+            </a:r>
+          </a:p>
+          <a:p>
+            <a:r>
+              <a:rPr lang="de-DE" altLang="de-DE" sz="1200" dirty="0"/>
               <a:t>}</a:t>
             </a:r>
-            <a:endParaRPr kumimoji="0" lang="de-DE" altLang="de-DE" sz="2800" b="0" i="0" u="none" strike="noStrike" cap="none" normalizeH="0" baseline="0" dirty="0">
-              <a:ln>
-                <a:noFill/>
-              </a:ln>
-              <a:solidFill>
-                <a:schemeClr val="tx1"/>
-              </a:solidFill>
-              <a:effectLst/>
-              <a:latin typeface="Arial" panose="020B0604020202020204" pitchFamily="34" charset="0"/>
-            </a:endParaRPr>
           </a:p>
         </p:txBody>
       </p:sp>
@@ -22992,8 +22504,8 @@
         </p:nvSpPr>
         <p:spPr bwMode="auto">
           <a:xfrm>
-            <a:off x="334962" y="1292791"/>
-            <a:ext cx="5471033" cy="3539430"/>
+            <a:off x="334963" y="1131901"/>
+            <a:ext cx="5630831" cy="3600986"/>
           </a:xfrm>
           <a:prstGeom prst="rect">
             <a:avLst/>
@@ -23036,586 +22548,256 @@
           </a:bodyPr>
           <a:lstStyle/>
           <a:p>
-            <a:pPr marL="0" marR="0" lvl="0" indent="0" algn="l" defTabSz="914400" rtl="0" eaLnBrk="0" fontAlgn="base" latinLnBrk="0" hangingPunct="0">
+            <a:pPr marR="0" lvl="0" defTabSz="914400" latinLnBrk="0">
               <a:lnSpc>
                 <a:spcPct val="100000"/>
               </a:lnSpc>
-              <a:spcBef>
-                <a:spcPct val="0"/>
-              </a:spcBef>
-              <a:spcAft>
-                <a:spcPct val="0"/>
-              </a:spcAft>
-              <a:buClrTx/>
-              <a:buSzTx/>
-              <a:buFontTx/>
-              <a:buNone/>
               <a:tabLst/>
             </a:pPr>
             <a:r>
-              <a:rPr lang="de-DE" altLang="de-DE" sz="1400" b="1" dirty="0">
-                <a:solidFill>
-                  <a:srgbClr val="000080"/>
-                </a:solidFill>
-                <a:latin typeface="JetBrains Mono"/>
+              <a:rPr lang="de-DE" altLang="de-DE" sz="1200" dirty="0">
+                <a:solidFill>
+                  <a:schemeClr val="accent6">
+                    <a:lumMod val="75000"/>
+                  </a:schemeClr>
+                </a:solidFill>
               </a:rPr>
-              <a:t>algorithm</a:t>
-            </a:r>
-            <a:r>
-              <a:rPr kumimoji="0" lang="de-DE" altLang="de-DE" sz="1400" b="1" i="0" u="none" strike="noStrike" cap="none" normalizeH="0" baseline="0" dirty="0">
-                <a:ln>
-                  <a:noFill/>
-                </a:ln>
-                <a:solidFill>
-                  <a:srgbClr val="000080"/>
-                </a:solidFill>
-                <a:effectLst/>
-                <a:latin typeface="JetBrains Mono"/>
-              </a:rPr>
-              <a:t> </a:t>
-            </a:r>
-            <a:r>
-              <a:rPr kumimoji="0" lang="de-DE" altLang="de-DE" sz="1400" b="0" i="0" u="none" strike="noStrike" cap="none" normalizeH="0" baseline="0" dirty="0">
-                <a:ln>
-                  <a:noFill/>
-                </a:ln>
-                <a:solidFill>
-                  <a:srgbClr val="000000"/>
-                </a:solidFill>
-                <a:effectLst/>
-                <a:latin typeface="JetBrains Mono"/>
-              </a:rPr>
-              <a:t>mutation_delete_shift(individual, percentage)</a:t>
-            </a:r>
-            <a:br>
-              <a:rPr kumimoji="0" lang="de-DE" altLang="de-DE" sz="1400" b="0" i="0" u="none" strike="noStrike" cap="none" normalizeH="0" baseline="0" dirty="0">
-                <a:ln>
-                  <a:noFill/>
-                </a:ln>
-                <a:solidFill>
-                  <a:srgbClr val="000000"/>
-                </a:solidFill>
-                <a:effectLst/>
-                <a:latin typeface="JetBrains Mono"/>
-              </a:rPr>
-            </a:br>
-            <a:r>
-              <a:rPr kumimoji="0" lang="de-DE" altLang="de-DE" sz="1400" b="0" i="0" u="none" strike="noStrike" cap="none" normalizeH="0" baseline="0" dirty="0">
-                <a:ln>
-                  <a:noFill/>
-                </a:ln>
-                <a:solidFill>
-                  <a:srgbClr val="000000"/>
-                </a:solidFill>
-                <a:effectLst/>
-                <a:latin typeface="JetBrains Mono"/>
-              </a:rPr>
-              <a:t>    mutate </a:t>
-            </a:r>
-            <a:r>
-              <a:rPr lang="de-DE" altLang="de-DE" sz="1400" dirty="0">
-                <a:solidFill>
-                  <a:srgbClr val="000000"/>
-                </a:solidFill>
-                <a:latin typeface="JetBrains Mono"/>
-              </a:rPr>
-              <a:t>&lt;-</a:t>
-            </a:r>
-            <a:r>
-              <a:rPr kumimoji="0" lang="de-DE" altLang="de-DE" sz="1400" b="0" i="0" u="none" strike="noStrike" cap="none" normalizeH="0" baseline="0" dirty="0">
-                <a:ln>
-                  <a:noFill/>
-                </a:ln>
-                <a:solidFill>
-                  <a:srgbClr val="000000"/>
-                </a:solidFill>
-                <a:effectLst/>
-                <a:latin typeface="JetBrains Mono"/>
-              </a:rPr>
-              <a:t> rand() % </a:t>
-            </a:r>
-            <a:r>
-              <a:rPr kumimoji="0" lang="de-DE" altLang="de-DE" sz="1400" b="0" i="0" u="none" strike="noStrike" cap="none" normalizeH="0" baseline="0" dirty="0">
-                <a:ln>
-                  <a:noFill/>
-                </a:ln>
-                <a:solidFill>
-                  <a:srgbClr val="0000FF"/>
-                </a:solidFill>
-                <a:effectLst/>
-                <a:latin typeface="JetBrains Mono"/>
-              </a:rPr>
-              <a:t>101 </a:t>
-            </a:r>
-            <a:r>
-              <a:rPr kumimoji="0" lang="de-DE" altLang="de-DE" sz="1400" b="0" i="0" u="none" strike="noStrike" cap="none" normalizeH="0" baseline="0" dirty="0">
-                <a:ln>
-                  <a:noFill/>
-                </a:ln>
-                <a:solidFill>
-                  <a:srgbClr val="000000"/>
-                </a:solidFill>
-                <a:effectLst/>
-                <a:latin typeface="JetBrains Mono"/>
-              </a:rPr>
-              <a:t>&lt;= percentage;</a:t>
-            </a:r>
-            <a:br>
-              <a:rPr kumimoji="0" lang="de-DE" altLang="de-DE" sz="1400" b="0" i="0" u="none" strike="noStrike" cap="none" normalizeH="0" baseline="0" dirty="0">
-                <a:ln>
-                  <a:noFill/>
-                </a:ln>
-                <a:solidFill>
-                  <a:srgbClr val="000000"/>
-                </a:solidFill>
-                <a:effectLst/>
-                <a:latin typeface="JetBrains Mono"/>
-              </a:rPr>
-            </a:br>
-            <a:br>
-              <a:rPr kumimoji="0" lang="de-DE" altLang="de-DE" sz="1400" b="0" i="0" u="none" strike="noStrike" cap="none" normalizeH="0" baseline="0" dirty="0">
-                <a:ln>
-                  <a:noFill/>
-                </a:ln>
-                <a:solidFill>
-                  <a:srgbClr val="000000"/>
-                </a:solidFill>
-                <a:effectLst/>
-                <a:latin typeface="JetBrains Mono"/>
-              </a:rPr>
-            </a:br>
-            <a:r>
-              <a:rPr kumimoji="0" lang="de-DE" altLang="de-DE" sz="1400" b="0" i="0" u="none" strike="noStrike" cap="none" normalizeH="0" baseline="0" dirty="0">
-                <a:ln>
-                  <a:noFill/>
-                </a:ln>
-                <a:solidFill>
-                  <a:srgbClr val="000000"/>
-                </a:solidFill>
-                <a:effectLst/>
-                <a:latin typeface="JetBrains Mono"/>
-              </a:rPr>
-              <a:t>    </a:t>
-            </a:r>
-            <a:r>
-              <a:rPr kumimoji="0" lang="de-DE" altLang="de-DE" sz="1400" b="1" i="0" u="none" strike="noStrike" cap="none" normalizeH="0" baseline="0" dirty="0">
-                <a:ln>
-                  <a:noFill/>
-                </a:ln>
-                <a:solidFill>
-                  <a:srgbClr val="000080"/>
-                </a:solidFill>
-                <a:effectLst/>
-                <a:latin typeface="JetBrains Mono"/>
-              </a:rPr>
-              <a:t>if  </a:t>
-            </a:r>
-            <a:r>
-              <a:rPr kumimoji="0" lang="de-DE" altLang="de-DE" sz="1400" b="0" i="0" u="none" strike="noStrike" cap="none" normalizeH="0" baseline="0" dirty="0">
-                <a:ln>
-                  <a:noFill/>
-                </a:ln>
-                <a:solidFill>
-                  <a:srgbClr val="000000"/>
-                </a:solidFill>
-                <a:effectLst/>
-                <a:latin typeface="JetBrains Mono"/>
-              </a:rPr>
-              <a:t>mutate</a:t>
-            </a:r>
-            <a:br>
-              <a:rPr kumimoji="0" lang="de-DE" altLang="de-DE" sz="1400" b="0" i="0" u="none" strike="noStrike" cap="none" normalizeH="0" baseline="0" dirty="0">
-                <a:ln>
-                  <a:noFill/>
-                </a:ln>
-                <a:solidFill>
-                  <a:srgbClr val="000000"/>
-                </a:solidFill>
-                <a:effectLst/>
-                <a:latin typeface="JetBrains Mono"/>
-              </a:rPr>
-            </a:br>
-            <a:r>
-              <a:rPr kumimoji="0" lang="de-DE" altLang="de-DE" sz="1400" b="0" i="0" u="none" strike="noStrike" cap="none" normalizeH="0" baseline="0" dirty="0">
-                <a:ln>
-                  <a:noFill/>
-                </a:ln>
-                <a:solidFill>
-                  <a:srgbClr val="000000"/>
-                </a:solidFill>
-                <a:effectLst/>
-                <a:latin typeface="JetBrains Mono"/>
-              </a:rPr>
-              <a:t>        position_a &lt;- random(individual.get_size() - </a:t>
-            </a:r>
-            <a:r>
-              <a:rPr kumimoji="0" lang="de-DE" altLang="de-DE" sz="1400" b="0" i="0" u="none" strike="noStrike" cap="none" normalizeH="0" baseline="0" dirty="0">
-                <a:ln>
-                  <a:noFill/>
-                </a:ln>
-                <a:solidFill>
-                  <a:srgbClr val="0000FF"/>
-                </a:solidFill>
-                <a:effectLst/>
-                <a:latin typeface="JetBrains Mono"/>
-              </a:rPr>
-              <a:t>1</a:t>
-            </a:r>
-            <a:r>
-              <a:rPr kumimoji="0" lang="de-DE" altLang="de-DE" sz="1400" b="0" i="0" u="none" strike="noStrike" cap="none" normalizeH="0" baseline="0" dirty="0">
-                <a:ln>
-                  <a:noFill/>
-                </a:ln>
-                <a:solidFill>
-                  <a:srgbClr val="000000"/>
-                </a:solidFill>
-                <a:effectLst/>
-                <a:latin typeface="JetBrains Mono"/>
-              </a:rPr>
-              <a:t>);</a:t>
-            </a:r>
-            <a:br>
-              <a:rPr kumimoji="0" lang="de-DE" altLang="de-DE" sz="1400" b="0" i="0" u="none" strike="noStrike" cap="none" normalizeH="0" baseline="0" dirty="0">
-                <a:ln>
-                  <a:noFill/>
-                </a:ln>
-                <a:solidFill>
-                  <a:srgbClr val="000000"/>
-                </a:solidFill>
-                <a:effectLst/>
-                <a:latin typeface="JetBrains Mono"/>
-              </a:rPr>
-            </a:br>
-            <a:r>
-              <a:rPr kumimoji="0" lang="de-DE" altLang="de-DE" sz="1400" b="0" i="0" u="none" strike="noStrike" cap="none" normalizeH="0" baseline="0" dirty="0">
-                <a:ln>
-                  <a:noFill/>
-                </a:ln>
-                <a:solidFill>
-                  <a:srgbClr val="000000"/>
-                </a:solidFill>
-                <a:effectLst/>
-                <a:latin typeface="JetBrains Mono"/>
-              </a:rPr>
-              <a:t>        position_b &lt;- random(individual.get_size() - position_a) + position_a</a:t>
-            </a:r>
-            <a:br>
-              <a:rPr kumimoji="0" lang="de-DE" altLang="de-DE" sz="1400" b="0" i="0" u="none" strike="noStrike" cap="none" normalizeH="0" baseline="0" dirty="0">
-                <a:ln>
-                  <a:noFill/>
-                </a:ln>
-                <a:solidFill>
-                  <a:srgbClr val="000000"/>
-                </a:solidFill>
-                <a:effectLst/>
-                <a:latin typeface="JetBrains Mono"/>
-              </a:rPr>
-            </a:br>
-            <a:r>
-              <a:rPr kumimoji="0" lang="de-DE" altLang="de-DE" sz="1400" b="0" i="0" u="none" strike="noStrike" cap="none" normalizeH="0" baseline="0" dirty="0">
-                <a:ln>
-                  <a:noFill/>
-                </a:ln>
-                <a:solidFill>
-                  <a:srgbClr val="000000"/>
-                </a:solidFill>
-                <a:effectLst/>
-                <a:latin typeface="JetBrains Mono"/>
-              </a:rPr>
-              <a:t>        </a:t>
-            </a:r>
-          </a:p>
-          <a:p>
-            <a:pPr marL="0" marR="0" lvl="0" indent="0" algn="l" defTabSz="914400" rtl="0" eaLnBrk="0" fontAlgn="base" latinLnBrk="0" hangingPunct="0">
+              <a:t>bool</a:t>
+            </a:r>
+            <a:r>
+              <a:rPr lang="de-DE" altLang="de-DE" sz="1200" dirty="0"/>
+              <a:t> mutation_delete_shift(Individual &amp;individual, int percentage) {</a:t>
+            </a:r>
+          </a:p>
+          <a:p>
+            <a:pPr marR="0" lvl="0" defTabSz="914400" latinLnBrk="0">
               <a:lnSpc>
                 <a:spcPct val="100000"/>
               </a:lnSpc>
-              <a:spcBef>
-                <a:spcPct val="0"/>
-              </a:spcBef>
-              <a:spcAft>
-                <a:spcPct val="0"/>
-              </a:spcAft>
-              <a:buClrTx/>
-              <a:buSzTx/>
-              <a:buFontTx/>
-              <a:buNone/>
               <a:tabLst/>
             </a:pPr>
             <a:r>
-              <a:rPr lang="de-DE" altLang="de-DE" sz="1400" dirty="0">
-                <a:solidFill>
-                  <a:srgbClr val="000000"/>
-                </a:solidFill>
-                <a:latin typeface="JetBrains Mono"/>
-              </a:rPr>
-              <a:t>       for i &lt;- idx_position_a..position_b-1</a:t>
-            </a:r>
-          </a:p>
-          <a:p>
-            <a:pPr marL="0" marR="0" lvl="0" indent="0" algn="l" defTabSz="914400" rtl="0" eaLnBrk="0" fontAlgn="base" latinLnBrk="0" hangingPunct="0">
+              <a:rPr lang="de-DE" altLang="de-DE" sz="1200" dirty="0"/>
+              <a:t>    bool mutate = rand() % 100 &lt; percentage;</a:t>
+            </a:r>
+          </a:p>
+          <a:p>
+            <a:pPr marR="0" lvl="0" defTabSz="914400" latinLnBrk="0">
               <a:lnSpc>
                 <a:spcPct val="100000"/>
               </a:lnSpc>
-              <a:spcBef>
-                <a:spcPct val="0"/>
-              </a:spcBef>
-              <a:spcAft>
-                <a:spcPct val="0"/>
-              </a:spcAft>
-              <a:buClrTx/>
-              <a:buSzTx/>
-              <a:buFontTx/>
-              <a:buNone/>
               <a:tabLst/>
             </a:pPr>
-            <a:r>
-              <a:rPr kumimoji="0" lang="de-DE" altLang="de-DE" sz="1400" b="0" i="0" u="none" strike="noStrike" cap="none" normalizeH="0" baseline="0" dirty="0">
-                <a:ln>
-                  <a:noFill/>
-                </a:ln>
-                <a:solidFill>
-                  <a:srgbClr val="000000"/>
-                </a:solidFill>
-                <a:effectLst/>
-                <a:latin typeface="JetBrains Mono"/>
-              </a:rPr>
-              <a:t>              a &lt;- individiual.get_chro</a:t>
-            </a:r>
-            <a:r>
-              <a:rPr lang="de-DE" altLang="de-DE" sz="1400" dirty="0">
-                <a:solidFill>
-                  <a:srgbClr val="000000"/>
-                </a:solidFill>
-                <a:latin typeface="JetBrains Mono"/>
-              </a:rPr>
-              <a:t>mosome().at(position_a)</a:t>
-            </a:r>
-          </a:p>
-          <a:p>
-            <a:pPr marL="0" marR="0" lvl="0" indent="0" algn="l" defTabSz="914400" rtl="0" eaLnBrk="0" fontAlgn="base" latinLnBrk="0" hangingPunct="0">
+            <a:endParaRPr lang="de-DE" altLang="de-DE" sz="1200" dirty="0"/>
+          </a:p>
+          <a:p>
+            <a:pPr marR="0" lvl="0" defTabSz="914400" latinLnBrk="0">
               <a:lnSpc>
                 <a:spcPct val="100000"/>
               </a:lnSpc>
-              <a:spcBef>
-                <a:spcPct val="0"/>
-              </a:spcBef>
-              <a:spcAft>
-                <a:spcPct val="0"/>
-              </a:spcAft>
-              <a:buClrTx/>
-              <a:buSzTx/>
-              <a:buFontTx/>
-              <a:buNone/>
               <a:tabLst/>
             </a:pPr>
             <a:r>
-              <a:rPr kumimoji="0" lang="de-DE" altLang="de-DE" sz="1400" b="0" i="0" u="none" strike="noStrike" cap="none" normalizeH="0" baseline="0" dirty="0">
-                <a:ln>
-                  <a:noFill/>
-                </a:ln>
-                <a:solidFill>
-                  <a:srgbClr val="000000"/>
-                </a:solidFill>
-                <a:effectLst/>
-                <a:latin typeface="JetBrains Mono"/>
+              <a:rPr lang="de-DE" altLang="de-DE" sz="1200" dirty="0"/>
+              <a:t>    </a:t>
+            </a:r>
+            <a:r>
+              <a:rPr lang="de-DE" altLang="de-DE" sz="1200" dirty="0">
+                <a:solidFill>
+                  <a:schemeClr val="accent6">
+                    <a:lumMod val="75000"/>
+                  </a:schemeClr>
+                </a:solidFill>
               </a:rPr>
-              <a:t>              b &lt;- individiual.get_chro</a:t>
-            </a:r>
-            <a:r>
-              <a:rPr lang="de-DE" altLang="de-DE" sz="1400" dirty="0">
-                <a:solidFill>
-                  <a:srgbClr val="000000"/>
-                </a:solidFill>
-                <a:latin typeface="JetBrains Mono"/>
+              <a:t>if</a:t>
+            </a:r>
+            <a:r>
+              <a:rPr lang="de-DE" altLang="de-DE" sz="1200" dirty="0"/>
+              <a:t> (mutate) {</a:t>
+            </a:r>
+          </a:p>
+          <a:p>
+            <a:pPr marR="0" lvl="0" defTabSz="914400" latinLnBrk="0">
+              <a:lnSpc>
+                <a:spcPct val="100000"/>
+              </a:lnSpc>
+              <a:tabLst/>
+            </a:pPr>
+            <a:r>
+              <a:rPr lang="de-DE" altLang="de-DE" sz="1200" dirty="0"/>
+              <a:t>        int position_a = rand() % (individual.get_size() - 1);</a:t>
+            </a:r>
+          </a:p>
+          <a:p>
+            <a:pPr marR="0" lvl="0" defTabSz="914400" latinLnBrk="0">
+              <a:lnSpc>
+                <a:spcPct val="100000"/>
+              </a:lnSpc>
+              <a:tabLst/>
+            </a:pPr>
+            <a:r>
+              <a:rPr lang="de-DE" altLang="de-DE" sz="1200" dirty="0"/>
+              <a:t>        int position_b;</a:t>
+            </a:r>
+          </a:p>
+          <a:p>
+            <a:pPr marR="0" lvl="0" defTabSz="914400" latinLnBrk="0">
+              <a:lnSpc>
+                <a:spcPct val="100000"/>
+              </a:lnSpc>
+              <a:tabLst/>
+            </a:pPr>
+            <a:r>
+              <a:rPr lang="de-DE" altLang="de-DE" sz="1200" dirty="0"/>
+              <a:t>        </a:t>
+            </a:r>
+            <a:r>
+              <a:rPr lang="de-DE" altLang="de-DE" sz="1200" dirty="0">
+                <a:solidFill>
+                  <a:schemeClr val="accent6">
+                    <a:lumMod val="75000"/>
+                  </a:schemeClr>
+                </a:solidFill>
               </a:rPr>
-              <a:t>mosome().at(position_b)</a:t>
-            </a:r>
-          </a:p>
-          <a:p>
-            <a:pPr>
-              <a:spcBef>
-                <a:spcPct val="0"/>
-              </a:spcBef>
-              <a:buClrTx/>
-              <a:buSzTx/>
+              <a:t>do</a:t>
+            </a:r>
+            <a:r>
+              <a:rPr lang="de-DE" altLang="de-DE" sz="1200" dirty="0"/>
+              <a:t> {</a:t>
+            </a:r>
+          </a:p>
+          <a:p>
+            <a:pPr marR="0" lvl="0" defTabSz="914400" latinLnBrk="0">
+              <a:lnSpc>
+                <a:spcPct val="100000"/>
+              </a:lnSpc>
+              <a:tabLst/>
             </a:pPr>
             <a:r>
-              <a:rPr lang="de-DE" altLang="de-DE" sz="1400" dirty="0">
-                <a:solidFill>
-                  <a:srgbClr val="000000"/>
-                </a:solidFill>
-                <a:latin typeface="JetBrains Mono"/>
+              <a:rPr lang="de-DE" altLang="de-DE" sz="1200" dirty="0"/>
+              <a:t>            position_b = rand() % (individual.get_size() - position_a) + position_a;</a:t>
+            </a:r>
+          </a:p>
+          <a:p>
+            <a:pPr marR="0" lvl="0" defTabSz="914400" latinLnBrk="0">
+              <a:lnSpc>
+                <a:spcPct val="100000"/>
+              </a:lnSpc>
+              <a:tabLst/>
+            </a:pPr>
+            <a:r>
+              <a:rPr lang="de-DE" altLang="de-DE" sz="1200" dirty="0"/>
+              <a:t>        } </a:t>
+            </a:r>
+            <a:r>
+              <a:rPr lang="de-DE" altLang="de-DE" sz="1200" dirty="0">
+                <a:solidFill>
+                  <a:schemeClr val="accent6">
+                    <a:lumMod val="75000"/>
+                  </a:schemeClr>
+                </a:solidFill>
               </a:rPr>
-              <a:t>              </a:t>
-            </a:r>
-            <a:r>
-              <a:rPr kumimoji="0" lang="de-DE" altLang="de-DE" sz="1400" b="0" i="0" u="none" strike="noStrike" cap="none" normalizeH="0" baseline="0" dirty="0">
-                <a:ln>
-                  <a:noFill/>
-                </a:ln>
-                <a:solidFill>
-                  <a:srgbClr val="000000"/>
-                </a:solidFill>
-                <a:effectLst/>
-                <a:latin typeface="JetBrains Mono"/>
+              <a:t>while</a:t>
+            </a:r>
+            <a:r>
+              <a:rPr lang="de-DE" altLang="de-DE" sz="1200" dirty="0"/>
+              <a:t> (position_a == position_b);</a:t>
+            </a:r>
+          </a:p>
+          <a:p>
+            <a:pPr marR="0" lvl="0" defTabSz="914400" latinLnBrk="0">
+              <a:lnSpc>
+                <a:spcPct val="100000"/>
+              </a:lnSpc>
+              <a:tabLst/>
+            </a:pPr>
+            <a:r>
+              <a:rPr lang="de-DE" altLang="de-DE" sz="1200" dirty="0"/>
+              <a:t>    </a:t>
+            </a:r>
+          </a:p>
+          <a:p>
+            <a:pPr marR="0" lvl="0" defTabSz="914400" latinLnBrk="0">
+              <a:lnSpc>
+                <a:spcPct val="100000"/>
+              </a:lnSpc>
+              <a:tabLst/>
+            </a:pPr>
+            <a:r>
+              <a:rPr lang="de-DE" altLang="de-DE" sz="1200" dirty="0"/>
+              <a:t>    </a:t>
+            </a:r>
+            <a:r>
+              <a:rPr lang="de-DE" altLang="de-DE" sz="1200" dirty="0">
+                <a:solidFill>
+                  <a:schemeClr val="accent6">
+                    <a:lumMod val="75000"/>
+                  </a:schemeClr>
+                </a:solidFill>
               </a:rPr>
-              <a:t>individiual.update_chromosome(b, position_a)</a:t>
-            </a:r>
-          </a:p>
-          <a:p>
-            <a:pPr>
-              <a:spcBef>
-                <a:spcPct val="0"/>
-              </a:spcBef>
-              <a:buClrTx/>
-              <a:buSzTx/>
+              <a:t>for</a:t>
+            </a:r>
+            <a:r>
+              <a:rPr lang="de-DE" altLang="de-DE" sz="1200" dirty="0"/>
+              <a:t> (int i = position_a; i &lt; position_b; i++) {</a:t>
+            </a:r>
+          </a:p>
+          <a:p>
+            <a:pPr marR="0" lvl="0" defTabSz="914400" latinLnBrk="0">
+              <a:lnSpc>
+                <a:spcPct val="100000"/>
+              </a:lnSpc>
+              <a:tabLst/>
             </a:pPr>
             <a:r>
-              <a:rPr lang="de-DE" altLang="de-DE" sz="1400" dirty="0">
-                <a:solidFill>
-                  <a:srgbClr val="000000"/>
-                </a:solidFill>
-                <a:latin typeface="JetBrains Mono"/>
-              </a:rPr>
-              <a:t>              </a:t>
-            </a:r>
-            <a:r>
-              <a:rPr kumimoji="0" lang="de-DE" altLang="de-DE" sz="1400" b="0" i="0" u="none" strike="noStrike" cap="none" normalizeH="0" baseline="0" dirty="0">
-                <a:ln>
-                  <a:noFill/>
-                </a:ln>
-                <a:solidFill>
-                  <a:srgbClr val="000000"/>
-                </a:solidFill>
-                <a:effectLst/>
-                <a:latin typeface="JetBrains Mono"/>
-              </a:rPr>
-              <a:t>individiual.update_chromosome(a, position_b)</a:t>
-            </a:r>
-            <a:br>
-              <a:rPr kumimoji="0" lang="de-DE" altLang="de-DE" sz="1400" b="0" i="0" u="none" strike="noStrike" cap="none" normalizeH="0" baseline="0" dirty="0">
-                <a:ln>
-                  <a:noFill/>
-                </a:ln>
-                <a:solidFill>
-                  <a:srgbClr val="000000"/>
-                </a:solidFill>
-                <a:effectLst/>
-                <a:latin typeface="JetBrains Mono"/>
-              </a:rPr>
-            </a:br>
-            <a:r>
-              <a:rPr kumimoji="0" lang="de-DE" altLang="de-DE" sz="1400" b="0" i="0" u="none" strike="noStrike" cap="none" normalizeH="0" baseline="0" dirty="0">
-                <a:ln>
-                  <a:noFill/>
-                </a:ln>
-                <a:solidFill>
-                  <a:srgbClr val="000000"/>
-                </a:solidFill>
-                <a:effectLst/>
-                <a:latin typeface="JetBrains Mono"/>
-              </a:rPr>
-              <a:t>    </a:t>
-            </a:r>
-            <a:br>
-              <a:rPr kumimoji="0" lang="de-DE" altLang="de-DE" sz="1400" b="0" i="0" u="none" strike="noStrike" cap="none" normalizeH="0" baseline="0" dirty="0">
-                <a:ln>
-                  <a:noFill/>
-                </a:ln>
-                <a:solidFill>
-                  <a:srgbClr val="000000"/>
-                </a:solidFill>
-                <a:effectLst/>
-                <a:latin typeface="JetBrains Mono"/>
-              </a:rPr>
-            </a:br>
-            <a:br>
-              <a:rPr kumimoji="0" lang="de-DE" altLang="de-DE" sz="1400" b="0" i="0" u="none" strike="noStrike" cap="none" normalizeH="0" baseline="0" dirty="0">
-                <a:ln>
-                  <a:noFill/>
-                </a:ln>
-                <a:solidFill>
-                  <a:srgbClr val="000000"/>
-                </a:solidFill>
-                <a:effectLst/>
-                <a:latin typeface="JetBrains Mono"/>
-              </a:rPr>
-            </a:br>
-            <a:r>
-              <a:rPr kumimoji="0" lang="de-DE" altLang="de-DE" sz="1400" b="0" i="0" u="none" strike="noStrike" cap="none" normalizeH="0" baseline="0" dirty="0">
-                <a:ln>
-                  <a:noFill/>
-                </a:ln>
-                <a:solidFill>
-                  <a:srgbClr val="000000"/>
-                </a:solidFill>
-                <a:effectLst/>
-                <a:latin typeface="JetBrains Mono"/>
-              </a:rPr>
-              <a:t>    </a:t>
-            </a:r>
-            <a:r>
-              <a:rPr kumimoji="0" lang="de-DE" altLang="de-DE" sz="1400" b="1" i="0" u="none" strike="noStrike" cap="none" normalizeH="0" baseline="0" dirty="0">
-                <a:ln>
-                  <a:noFill/>
-                </a:ln>
-                <a:solidFill>
-                  <a:srgbClr val="000080"/>
-                </a:solidFill>
-                <a:effectLst/>
-                <a:latin typeface="JetBrains Mono"/>
-              </a:rPr>
-              <a:t>return </a:t>
-            </a:r>
-            <a:r>
-              <a:rPr kumimoji="0" lang="de-DE" altLang="de-DE" sz="1400" b="0" i="0" u="none" strike="noStrike" cap="none" normalizeH="0" baseline="0" dirty="0">
-                <a:ln>
-                  <a:noFill/>
-                </a:ln>
-                <a:solidFill>
-                  <a:srgbClr val="000000"/>
-                </a:solidFill>
-                <a:effectLst/>
-                <a:latin typeface="JetBrains Mono"/>
-              </a:rPr>
-              <a:t>mutate;</a:t>
-            </a:r>
-            <a:br>
-              <a:rPr kumimoji="0" lang="de-DE" altLang="de-DE" sz="1400" b="0" i="0" u="none" strike="noStrike" cap="none" normalizeH="0" baseline="0" dirty="0">
-                <a:ln>
-                  <a:noFill/>
-                </a:ln>
-                <a:solidFill>
-                  <a:srgbClr val="000000"/>
-                </a:solidFill>
-                <a:effectLst/>
-                <a:latin typeface="JetBrains Mono"/>
-              </a:rPr>
-            </a:br>
-            <a:r>
-              <a:rPr kumimoji="0" lang="de-DE" altLang="de-DE" sz="1400" b="0" i="0" u="none" strike="noStrike" cap="none" normalizeH="0" baseline="0" dirty="0">
-                <a:ln>
-                  <a:noFill/>
-                </a:ln>
-                <a:solidFill>
-                  <a:srgbClr val="000000"/>
-                </a:solidFill>
-                <a:effectLst/>
-                <a:latin typeface="JetBrains Mono"/>
-              </a:rPr>
+              <a:rPr lang="de-DE" altLang="de-DE" sz="1200" dirty="0"/>
+              <a:t>        swap_chromosome(individual.get_chromosome(), i, i + 1);</a:t>
+            </a:r>
+          </a:p>
+          <a:p>
+            <a:pPr marR="0" lvl="0" defTabSz="914400" latinLnBrk="0">
+              <a:lnSpc>
+                <a:spcPct val="100000"/>
+              </a:lnSpc>
+              <a:tabLst/>
+            </a:pPr>
+            <a:r>
+              <a:rPr lang="de-DE" altLang="de-DE" sz="1200" dirty="0"/>
+              <a:t>    }</a:t>
+            </a:r>
+          </a:p>
+          <a:p>
+            <a:pPr marR="0" lvl="0" defTabSz="914400" latinLnBrk="0">
+              <a:lnSpc>
+                <a:spcPct val="100000"/>
+              </a:lnSpc>
+              <a:tabLst/>
+            </a:pPr>
+            <a:endParaRPr lang="de-DE" altLang="de-DE" sz="1200" dirty="0"/>
+          </a:p>
+          <a:p>
+            <a:pPr marR="0" lvl="0" defTabSz="914400" latinLnBrk="0">
+              <a:lnSpc>
+                <a:spcPct val="100000"/>
+              </a:lnSpc>
+              <a:tabLst/>
+            </a:pPr>
+            <a:r>
+              <a:rPr lang="de-DE" altLang="de-DE" sz="1200" dirty="0"/>
+              <a:t>    return mutate;</a:t>
+            </a:r>
+          </a:p>
+          <a:p>
+            <a:pPr marR="0" lvl="0" defTabSz="914400" latinLnBrk="0">
+              <a:lnSpc>
+                <a:spcPct val="100000"/>
+              </a:lnSpc>
+              <a:tabLst/>
+            </a:pPr>
+            <a:r>
+              <a:rPr lang="de-DE" altLang="de-DE" sz="1200" dirty="0"/>
               <a:t>}</a:t>
             </a:r>
-            <a:endParaRPr kumimoji="0" lang="de-DE" altLang="de-DE" sz="3200" b="0" i="0" u="none" strike="noStrike" cap="none" normalizeH="0" baseline="0" dirty="0">
-              <a:ln>
-                <a:noFill/>
-              </a:ln>
-              <a:solidFill>
-                <a:schemeClr val="tx1"/>
-              </a:solidFill>
-              <a:effectLst/>
-              <a:latin typeface="Arial" panose="020B0604020202020204" pitchFamily="34" charset="0"/>
-            </a:endParaRPr>
           </a:p>
         </p:txBody>
       </p:sp>
@@ -23734,23 +22916,6 @@
                 <a:spcPts val="600"/>
               </a:spcAft>
             </a:pPr>
-            <a:r>
-              <a:rPr lang="de-DE" dirty="0">
-                <a:solidFill>
-                  <a:srgbClr val="4A5C66"/>
-                </a:solidFill>
-                <a:latin typeface="Arial" panose="020B0604020202020204" pitchFamily="34" charset="0"/>
-                <a:cs typeface="Arial" panose="020B0604020202020204" pitchFamily="34" charset="0"/>
-              </a:rPr>
-              <a:t>position_b=7</a:t>
-            </a:r>
-          </a:p>
-          <a:p>
-            <a:pPr>
-              <a:spcAft>
-                <a:spcPts val="600"/>
-              </a:spcAft>
-            </a:pPr>
             <a:endParaRPr lang="de-DE" dirty="0">
               <a:solidFill>
                 <a:srgbClr val="4A5C66"/>
@@ -23758,6 +22923,23 @@
               <a:latin typeface="Arial" panose="020B0604020202020204" pitchFamily="34" charset="0"/>
               <a:cs typeface="Arial" panose="020B0604020202020204" pitchFamily="34" charset="0"/>
             </a:endParaRPr>
+          </a:p>
+          <a:p>
+            <a:pPr>
+              <a:spcAft>
+                <a:spcPts val="600"/>
+              </a:spcAft>
+            </a:pPr>
+            <a:r>
+              <a:rPr lang="de-DE" dirty="0">
+                <a:solidFill>
+                  <a:srgbClr val="4A5C66"/>
+                </a:solidFill>
+                <a:latin typeface="Arial" panose="020B0604020202020204" pitchFamily="34" charset="0"/>
+                <a:cs typeface="Arial" panose="020B0604020202020204" pitchFamily="34" charset="0"/>
+              </a:rPr>
+              <a:t>position_b=7</a:t>
+            </a:r>
           </a:p>
           <a:p>
             <a:pPr>
@@ -23991,8 +23173,18 @@
           <a:lstStyle/>
           <a:p>
             <a:r>
+              <a:rPr lang="de-DE" sz="1000" dirty="0">
+                <a:solidFill>
+                  <a:schemeClr val="accent6">
+                    <a:lumMod val="75000"/>
+                  </a:schemeClr>
+                </a:solidFill>
+              </a:rPr>
+              <a:t>Population</a:t>
+            </a:r>
+            <a:r>
               <a:rPr lang="de-DE" sz="1000" dirty="0"/>
-              <a:t>Population selection_sotf(Population &amp;p_old, Population &amp;p_new) {</a:t>
+              <a:t> selection_sotf(Population &amp;p_old, Population &amp;p_new) {</a:t>
             </a:r>
           </a:p>
           <a:p>
@@ -24073,13 +23265,41 @@
           <a:p>
             <a:r>
               <a:rPr lang="de-DE" sz="1000" dirty="0"/>
-              <a:t>    for (int i = 0; i &lt; size; ++i) {</a:t>
-            </a:r>
-          </a:p>
-          <a:p>
+              <a:t>    </a:t>
+            </a:r>
+            <a:r>
+              <a:rPr lang="de-DE" sz="1000" dirty="0">
+                <a:solidFill>
+                  <a:schemeClr val="accent6">
+                    <a:lumMod val="75000"/>
+                  </a:schemeClr>
+                </a:solidFill>
+              </a:rPr>
+              <a:t>for</a:t>
+            </a:r>
             <a:r>
               <a:rPr lang="de-DE" sz="1000" dirty="0"/>
-              <a:t>        if (individuals_old.at(offset_old) &lt; individuals_new.at(offset_new)) {</a:t>
+              <a:t> (int i = 0; i &lt; size; ++i) {</a:t>
+            </a:r>
+          </a:p>
+          <a:p>
+            <a:r>
+              <a:rPr lang="de-DE" sz="1000" dirty="0"/>
+              <a:t>        </a:t>
+            </a:r>
+            <a:r>
+              <a:rPr lang="de-DE" sz="1000" dirty="0">
+                <a:solidFill>
+                  <a:schemeClr val="accent6">
+                    <a:lumMod val="75000"/>
+                  </a:schemeClr>
+                </a:solidFill>
+              </a:rPr>
+              <a:t>if</a:t>
+            </a:r>
+            <a:r>
+              <a:rPr lang="de-DE" sz="1000" dirty="0"/>
+              <a:t> (individuals_old.at(offset_old) &lt; individuals_new.at(offset_new)) {</a:t>
             </a:r>
           </a:p>
           <a:p>
@@ -24097,7 +23317,21 @@
           <a:p>
             <a:r>
               <a:rPr lang="de-DE" sz="1000" dirty="0"/>
-              <a:t>        } else {</a:t>
+              <a:t>        } </a:t>
+            </a:r>
+            <a:r>
+              <a:rPr lang="de-DE" sz="1000" dirty="0">
+                <a:solidFill>
+                  <a:schemeClr val="accent6">
+                    <a:lumMod val="75000"/>
+                  </a:schemeClr>
+                </a:solidFill>
+              </a:rPr>
+              <a:t>else</a:t>
+            </a:r>
+            <a:r>
+              <a:rPr lang="de-DE" sz="1000" dirty="0"/>
+              <a:t> {</a:t>
             </a:r>
           </a:p>
           <a:p>
@@ -24130,7 +23364,21 @@
           <a:p>
             <a:r>
               <a:rPr lang="de-DE" sz="1000" dirty="0"/>
-              <a:t>    return result;</a:t>
+              <a:t>    </a:t>
+            </a:r>
+            <a:r>
+              <a:rPr lang="de-DE" sz="1000" dirty="0">
+                <a:solidFill>
+                  <a:schemeClr val="accent6">
+                    <a:lumMod val="75000"/>
+                  </a:schemeClr>
+                </a:solidFill>
+              </a:rPr>
+              <a:t>return</a:t>
+            </a:r>
+            <a:r>
+              <a:rPr lang="de-DE" sz="1000" dirty="0"/>
+              <a:t> result;</a:t>
             </a:r>
           </a:p>
           <a:p>
@@ -24958,8 +24206,18 @@
           </a:lstStyle>
           <a:p>
             <a:r>
+              <a:rPr lang="en-US" sz="1200" dirty="0">
+                <a:solidFill>
+                  <a:schemeClr val="accent6">
+                    <a:lumMod val="75000"/>
+                  </a:schemeClr>
+                </a:solidFill>
+              </a:rPr>
+              <a:t>BOOST_PYTHON_MODULE</a:t>
+            </a:r>
+            <a:r>
               <a:rPr lang="en-US" sz="1200" dirty="0"/>
-              <a:t>BOOST_PYTHON_MODULE(</a:t>
+              <a:t>(</a:t>
             </a:r>
             <a:r>
               <a:rPr lang="en-US" sz="1200" dirty="0" err="1"/>
@@ -24979,7 +24237,21 @@
           <a:p>
             <a:r>
               <a:rPr lang="de-DE" sz="1200" dirty="0"/>
-              <a:t>    to_python_converter&lt;std::tuple&lt;int, int, int&gt;, TupleToList&lt;int&gt; &gt;();</a:t>
+              <a:t>    </a:t>
+            </a:r>
+            <a:r>
+              <a:rPr lang="de-DE" sz="1200" dirty="0">
+                <a:solidFill>
+                  <a:schemeClr val="accent6">
+                    <a:lumMod val="75000"/>
+                  </a:schemeClr>
+                </a:solidFill>
+              </a:rPr>
+              <a:t>to_python_converter</a:t>
+            </a:r>
+            <a:r>
+              <a:rPr lang="de-DE" sz="1200" dirty="0"/>
+              <a:t>&lt;std::tuple&lt;int, int, int&gt;, TupleToList&lt;int&gt; &gt;();</a:t>
             </a:r>
           </a:p>
           <a:p>
@@ -24988,13 +24260,41 @@
           <a:p>
             <a:r>
               <a:rPr lang="de-DE" sz="1200" dirty="0"/>
-              <a:t>    enum_&lt;Selection_Algorithm&gt;("Selection_Algorithm")</a:t>
-            </a:r>
-          </a:p>
-          <a:p>
+              <a:t>    </a:t>
+            </a:r>
+            <a:r>
+              <a:rPr lang="de-DE" sz="1200" dirty="0">
+                <a:solidFill>
+                  <a:schemeClr val="accent6">
+                    <a:lumMod val="75000"/>
+                  </a:schemeClr>
+                </a:solidFill>
+              </a:rPr>
+              <a:t>enum_</a:t>
+            </a:r>
             <a:r>
               <a:rPr lang="de-DE" sz="1200" dirty="0"/>
-              <a:t>            .value("SOFT", Selection_Algorithm::SOFT);</a:t>
+              <a:t>&lt;Selection_Algorithm&gt;("Selection_Algorithm")</a:t>
+            </a:r>
+          </a:p>
+          <a:p>
+            <a:r>
+              <a:rPr lang="de-DE" sz="1200" dirty="0"/>
+              <a:t>            .</a:t>
+            </a:r>
+            <a:r>
+              <a:rPr lang="de-DE" sz="1200" dirty="0">
+                <a:solidFill>
+                  <a:schemeClr val="accent6">
+                    <a:lumMod val="75000"/>
+                  </a:schemeClr>
+                </a:solidFill>
+              </a:rPr>
+              <a:t>value</a:t>
+            </a:r>
+            <a:r>
+              <a:rPr lang="de-DE" sz="1200" dirty="0"/>
+              <a:t>("SOFT", Selection_Algorithm::SOFT);</a:t>
             </a:r>
           </a:p>
           <a:p>
@@ -25003,7 +24303,35 @@
           <a:p>
             <a:r>
               <a:rPr lang="de-DE" sz="1200" dirty="0"/>
-              <a:t>    class_&lt;Simulator&gt;("Simulator", init&lt;</a:t>
+              <a:t>    </a:t>
+            </a:r>
+            <a:r>
+              <a:rPr lang="de-DE" sz="1200" dirty="0">
+                <a:solidFill>
+                  <a:schemeClr val="accent6">
+                    <a:lumMod val="75000"/>
+                  </a:schemeClr>
+                </a:solidFill>
+              </a:rPr>
+              <a:t>class_</a:t>
+            </a:r>
+            <a:r>
+              <a:rPr lang="de-DE" sz="1200" dirty="0"/>
+              <a:t>&lt;Simulator&gt;("Simulator", </a:t>
+            </a:r>
+            <a:r>
+              <a:rPr lang="de-DE" sz="1200" dirty="0">
+                <a:solidFill>
+                  <a:schemeClr val="accent6">
+                    <a:lumMod val="75000"/>
+                  </a:schemeClr>
+                </a:solidFill>
+              </a:rPr>
+              <a:t>init</a:t>
+            </a:r>
+            <a:r>
+              <a:rPr lang="de-DE" sz="1200" dirty="0"/>
+              <a:t>&lt;</a:t>
             </a:r>
           </a:p>
           <a:p>
@@ -25033,19 +24361,61 @@
           <a:p>
             <a:r>
               <a:rPr lang="de-DE" sz="1200" dirty="0"/>
-              <a:t>            .def("simulate", &amp;Simulator::simulate)</a:t>
-            </a:r>
-          </a:p>
-          <a:p>
+              <a:t>            .</a:t>
+            </a:r>
+            <a:r>
+              <a:rPr lang="de-DE" sz="1200" dirty="0">
+                <a:solidFill>
+                  <a:schemeClr val="accent6">
+                    <a:lumMod val="75000"/>
+                  </a:schemeClr>
+                </a:solidFill>
+              </a:rPr>
+              <a:t>def</a:t>
+            </a:r>
             <a:r>
               <a:rPr lang="de-DE" sz="1200" dirty="0"/>
-              <a:t>            .def("finished", &amp;Simulator::finished)</a:t>
+              <a:t>("simulate", &amp;Simulator::simulate)</a:t>
             </a:r>
           </a:p>
           <a:p>
             <a:r>
               <a:rPr lang="de-DE" sz="1200" dirty="0"/>
-              <a:t>            .def(„best_individual", &amp;Simulator::best_individual);</a:t>
+              <a:t>            .</a:t>
+            </a:r>
+            <a:r>
+              <a:rPr lang="de-DE" sz="1200" dirty="0">
+                <a:solidFill>
+                  <a:schemeClr val="accent6">
+                    <a:lumMod val="75000"/>
+                  </a:schemeClr>
+                </a:solidFill>
+              </a:rPr>
+              <a:t>def</a:t>
+            </a:r>
+            <a:r>
+              <a:rPr lang="de-DE" sz="1200" dirty="0"/>
+              <a:t>("finished", &amp;Simulator::finished)</a:t>
+            </a:r>
+          </a:p>
+          <a:p>
+            <a:r>
+              <a:rPr lang="de-DE" sz="1200" dirty="0"/>
+              <a:t>            .</a:t>
+            </a:r>
+            <a:r>
+              <a:rPr lang="de-DE" sz="1200" dirty="0">
+                <a:solidFill>
+                  <a:schemeClr val="accent6">
+                    <a:lumMod val="75000"/>
+                  </a:schemeClr>
+                </a:solidFill>
+              </a:rPr>
+              <a:t>def</a:t>
+            </a:r>
+            <a:r>
+              <a:rPr lang="de-DE" sz="1200" dirty="0"/>
+              <a:t>("best_individual", &amp;Simulator::best_individual);</a:t>
             </a:r>
           </a:p>
           <a:p>
@@ -25453,8 +24823,18 @@
           </a:lstStyle>
           <a:p>
             <a:r>
+              <a:rPr lang="de-DE" sz="1100" dirty="0">
+                <a:solidFill>
+                  <a:schemeClr val="accent6">
+                    <a:lumMod val="75000"/>
+                  </a:schemeClr>
+                </a:solidFill>
+              </a:rPr>
+              <a:t>SCENARIO</a:t>
+            </a:r>
+            <a:r>
               <a:rPr lang="de-DE" sz="1100" dirty="0"/>
-              <a:t>SCENARIO("Test Individual initialization", "[Individual.cpp]")</a:t>
+              <a:t>("Test Individual initialization", "[Individual.cpp]")</a:t>
             </a:r>
           </a:p>
           <a:p>
@@ -25466,7 +24846,21 @@
           <a:p>
             <a:r>
               <a:rPr lang="de-DE" sz="1100" dirty="0"/>
-              <a:t>    for (int i = 0; i &lt; 100; ++i) {</a:t>
+              <a:t>    </a:t>
+            </a:r>
+            <a:r>
+              <a:rPr lang="de-DE" sz="1100" dirty="0">
+                <a:solidFill>
+                  <a:schemeClr val="accent6">
+                    <a:lumMod val="75000"/>
+                  </a:schemeClr>
+                </a:solidFill>
+              </a:rPr>
+              <a:t>for</a:t>
+            </a:r>
+            <a:r>
+              <a:rPr lang="de-DE" sz="1100" dirty="0"/>
+              <a:t> (int i = 0; i &lt; 100; ++i) {</a:t>
             </a:r>
           </a:p>
           <a:p>
@@ -25484,13 +24878,41 @@
           <a:p>
             <a:r>
               <a:rPr lang="de-DE" sz="1100" dirty="0"/>
-              <a:t>        REQUIRE(chromosome.size() == (unsigned int) size);</a:t>
-            </a:r>
-          </a:p>
-          <a:p>
+              <a:t>        </a:t>
+            </a:r>
+            <a:r>
+              <a:rPr lang="de-DE" sz="1100" dirty="0">
+                <a:solidFill>
+                  <a:schemeClr val="accent6">
+                    <a:lumMod val="75000"/>
+                  </a:schemeClr>
+                </a:solidFill>
+              </a:rPr>
+              <a:t>REQUIRE</a:t>
+            </a:r>
             <a:r>
               <a:rPr lang="de-DE" sz="1100" dirty="0"/>
-              <a:t>        REQUIRE(std::unique(chromosome.begin(), chromosome.end()) == chromosome.end());</a:t>
+              <a:t>(chromosome.size() == (unsigned int) size);</a:t>
+            </a:r>
+          </a:p>
+          <a:p>
+            <a:r>
+              <a:rPr lang="de-DE" sz="1100" dirty="0"/>
+              <a:t>        </a:t>
+            </a:r>
+            <a:r>
+              <a:rPr lang="de-DE" sz="1100" dirty="0">
+                <a:solidFill>
+                  <a:schemeClr val="accent6">
+                    <a:lumMod val="75000"/>
+                  </a:schemeClr>
+                </a:solidFill>
+              </a:rPr>
+              <a:t>REQUIRE</a:t>
+            </a:r>
+            <a:r>
+              <a:rPr lang="de-DE" sz="1100" dirty="0"/>
+              <a:t>(std::unique(chromosome.begin(), chromosome.end()) == chromosome.end());</a:t>
             </a:r>
           </a:p>
           <a:p>
@@ -25542,7 +24964,7 @@
           <p:cNvPr id="2" name="Title 1">
             <a:extLst>
               <a:ext uri="{FF2B5EF4-FFF2-40B4-BE49-F238E27FC236}">
-                <a16:creationId xmlns:a16="http://schemas.microsoft.com/office/drawing/2014/main" id="{024AC6D7-3C19-4891-9509-51FADE8A1FE6}"/>
+                <a16:creationId xmlns:a16="http://schemas.microsoft.com/office/drawing/2014/main" id="{2BC7ABD1-FA22-4A07-8074-128F2BE75F22}"/>
               </a:ext>
             </a:extLst>
           </p:cNvPr>
@@ -25558,16 +24980,19 @@
           <a:bodyPr/>
           <a:lstStyle/>
           <a:p>
-            <a:endParaRPr lang="de-DE"/>
+            <a:r>
+              <a:rPr lang="de-DE" dirty="0"/>
+              <a:t>Experimente</a:t>
+            </a:r>
           </a:p>
         </p:txBody>
       </p:sp>
       <p:sp>
         <p:nvSpPr>
-          <p:cNvPr id="5" name="Text Placeholder 4">
+          <p:cNvPr id="3" name="Text Placeholder 2">
             <a:extLst>
               <a:ext uri="{FF2B5EF4-FFF2-40B4-BE49-F238E27FC236}">
-                <a16:creationId xmlns:a16="http://schemas.microsoft.com/office/drawing/2014/main" id="{0D838FD6-8987-42A7-9432-C342FD2607B8}"/>
+                <a16:creationId xmlns:a16="http://schemas.microsoft.com/office/drawing/2014/main" id="{A1EF1E2D-8B9F-419C-AAF3-98ED1E7877CB}"/>
               </a:ext>
             </a:extLst>
           </p:cNvPr>
@@ -25583,14 +25008,14 @@
           <a:bodyPr/>
           <a:lstStyle/>
           <a:p>
-            <a:endParaRPr lang="de-DE"/>
+            <a:endParaRPr lang="de-DE" dirty="0"/>
           </a:p>
         </p:txBody>
       </p:sp>
     </p:spTree>
     <p:extLst>
       <p:ext uri="{BB962C8B-B14F-4D97-AF65-F5344CB8AC3E}">
-        <p14:creationId xmlns:p14="http://schemas.microsoft.com/office/powerpoint/2010/main" val="3611559829"/>
+        <p14:creationId xmlns:p14="http://schemas.microsoft.com/office/powerpoint/2010/main" val="3262423100"/>
       </p:ext>
     </p:extLst>
   </p:cSld>
@@ -26016,89 +25441,6 @@
           <p:cNvPr id="2" name="Title 1">
             <a:extLst>
               <a:ext uri="{FF2B5EF4-FFF2-40B4-BE49-F238E27FC236}">
-                <a16:creationId xmlns:a16="http://schemas.microsoft.com/office/drawing/2014/main" id="{2BC7ABD1-FA22-4A07-8074-128F2BE75F22}"/>
-              </a:ext>
-            </a:extLst>
-          </p:cNvPr>
-          <p:cNvSpPr>
-            <a:spLocks noGrp="1"/>
-          </p:cNvSpPr>
-          <p:nvPr>
-            <p:ph type="title"/>
-          </p:nvPr>
-        </p:nvSpPr>
-        <p:spPr/>
-        <p:txBody>
-          <a:bodyPr/>
-          <a:lstStyle/>
-          <a:p>
-            <a:r>
-              <a:rPr lang="de-DE" dirty="0"/>
-              <a:t>Experimente</a:t>
-            </a:r>
-          </a:p>
-        </p:txBody>
-      </p:sp>
-      <p:sp>
-        <p:nvSpPr>
-          <p:cNvPr id="3" name="Text Placeholder 2">
-            <a:extLst>
-              <a:ext uri="{FF2B5EF4-FFF2-40B4-BE49-F238E27FC236}">
-                <a16:creationId xmlns:a16="http://schemas.microsoft.com/office/drawing/2014/main" id="{A1EF1E2D-8B9F-419C-AAF3-98ED1E7877CB}"/>
-              </a:ext>
-            </a:extLst>
-          </p:cNvPr>
-          <p:cNvSpPr>
-            <a:spLocks noGrp="1"/>
-          </p:cNvSpPr>
-          <p:nvPr>
-            <p:ph type="body" sz="quarter" idx="11"/>
-          </p:nvPr>
-        </p:nvSpPr>
-        <p:spPr/>
-        <p:txBody>
-          <a:bodyPr/>
-          <a:lstStyle/>
-          <a:p>
-            <a:endParaRPr lang="de-DE" dirty="0"/>
-          </a:p>
-        </p:txBody>
-      </p:sp>
-    </p:spTree>
-    <p:extLst>
-      <p:ext uri="{BB962C8B-B14F-4D97-AF65-F5344CB8AC3E}">
-        <p14:creationId xmlns:p14="http://schemas.microsoft.com/office/powerpoint/2010/main" val="3262423100"/>
-      </p:ext>
-    </p:extLst>
-  </p:cSld>
-  <p:clrMapOvr>
-    <a:masterClrMapping/>
-  </p:clrMapOvr>
-</p:sld>
-</file>
-
-<file path=ppt/slides/slide21.xml><?xml version="1.0" encoding="utf-8"?>
-<p:sld xmlns:a="http://schemas.openxmlformats.org/drawingml/2006/main" xmlns:r="http://schemas.openxmlformats.org/officeDocument/2006/relationships" xmlns:p="http://schemas.openxmlformats.org/presentationml/2006/main">
-  <p:cSld>
-    <p:spTree>
-      <p:nvGrpSpPr>
-        <p:cNvPr id="1" name=""/>
-        <p:cNvGrpSpPr/>
-        <p:nvPr/>
-      </p:nvGrpSpPr>
-      <p:grpSpPr>
-        <a:xfrm>
-          <a:off x="0" y="0"/>
-          <a:ext cx="0" cy="0"/>
-          <a:chOff x="0" y="0"/>
-          <a:chExt cx="0" cy="0"/>
-        </a:xfrm>
-      </p:grpSpPr>
-      <p:sp>
-        <p:nvSpPr>
-          <p:cNvPr id="2" name="Title 1">
-            <a:extLst>
-              <a:ext uri="{FF2B5EF4-FFF2-40B4-BE49-F238E27FC236}">
                 <a16:creationId xmlns:a16="http://schemas.microsoft.com/office/drawing/2014/main" id="{5C90F86E-5409-42C3-8720-C9F27C41C489}"/>
               </a:ext>
             </a:extLst>
@@ -26140,7 +25482,7 @@
 </p:sld>
 </file>
 
-<file path=ppt/slides/slide22.xml><?xml version="1.0" encoding="utf-8"?>
+<file path=ppt/slides/slide21.xml><?xml version="1.0" encoding="utf-8"?>
 <p:sld xmlns:a="http://schemas.openxmlformats.org/drawingml/2006/main" xmlns:r="http://schemas.openxmlformats.org/officeDocument/2006/relationships" xmlns:p="http://schemas.openxmlformats.org/presentationml/2006/main">
   <p:cSld>
     <p:spTree>
@@ -26338,7 +25680,7 @@
 </p:sld>
 </file>
 
-<file path=ppt/slides/slide23.xml><?xml version="1.0" encoding="utf-8"?>
+<file path=ppt/slides/slide22.xml><?xml version="1.0" encoding="utf-8"?>
 <p:sld xmlns:a="http://schemas.openxmlformats.org/drawingml/2006/main" xmlns:r="http://schemas.openxmlformats.org/officeDocument/2006/relationships" xmlns:p="http://schemas.openxmlformats.org/presentationml/2006/main">
   <p:cSld>
     <p:spTree>
@@ -26545,7 +25887,7 @@
 </p:sld>
 </file>
 
-<file path=ppt/slides/slide24.xml><?xml version="1.0" encoding="utf-8"?>
+<file path=ppt/slides/slide23.xml><?xml version="1.0" encoding="utf-8"?>
 <p:sld xmlns:a="http://schemas.openxmlformats.org/drawingml/2006/main" xmlns:r="http://schemas.openxmlformats.org/officeDocument/2006/relationships" xmlns:p="http://schemas.openxmlformats.org/presentationml/2006/main">
   <p:cSld>
     <p:spTree>
@@ -26655,7 +25997,7 @@
 </p:sld>
 </file>
 
-<file path=ppt/slides/slide25.xml><?xml version="1.0" encoding="utf-8"?>
+<file path=ppt/slides/slide24.xml><?xml version="1.0" encoding="utf-8"?>
 <p:sld xmlns:a="http://schemas.openxmlformats.org/drawingml/2006/main" xmlns:r="http://schemas.openxmlformats.org/officeDocument/2006/relationships" xmlns:p="http://schemas.openxmlformats.org/presentationml/2006/main">
   <p:cSld>
     <p:spTree>
@@ -27744,36 +27086,6 @@
           </a:p>
         </p:txBody>
       </p:sp>
-      <p:pic>
-        <p:nvPicPr>
-          <p:cNvPr id="5" name="Picture 4">
-            <a:extLst>
-              <a:ext uri="{FF2B5EF4-FFF2-40B4-BE49-F238E27FC236}">
-                <a16:creationId xmlns:a16="http://schemas.microsoft.com/office/drawing/2014/main" id="{65A3CC0D-3CB5-49FB-8429-BE09B09296B6}"/>
-              </a:ext>
-            </a:extLst>
-          </p:cNvPr>
-          <p:cNvPicPr>
-            <a:picLocks noChangeAspect="1"/>
-          </p:cNvPicPr>
-          <p:nvPr/>
-        </p:nvPicPr>
-        <p:blipFill>
-          <a:blip r:embed="rId2"/>
-          <a:stretch>
-            <a:fillRect/>
-          </a:stretch>
-        </p:blipFill>
-        <p:spPr>
-          <a:xfrm>
-            <a:off x="431128" y="1251993"/>
-            <a:ext cx="6525312" cy="4625128"/>
-          </a:xfrm>
-          <a:prstGeom prst="rect">
-            <a:avLst/>
-          </a:prstGeom>
-        </p:spPr>
-      </p:pic>
       <p:sp>
         <p:nvSpPr>
           <p:cNvPr id="6" name="Text Placeholder 3">
@@ -27899,6 +27211,36 @@
           </a:p>
         </p:txBody>
       </p:sp>
+      <p:pic>
+        <p:nvPicPr>
+          <p:cNvPr id="8" name="Picture 7">
+            <a:extLst>
+              <a:ext uri="{FF2B5EF4-FFF2-40B4-BE49-F238E27FC236}">
+                <a16:creationId xmlns:a16="http://schemas.microsoft.com/office/drawing/2014/main" id="{92DB8EC7-95AB-41DE-816E-C61FAC8E6DA0}"/>
+              </a:ext>
+            </a:extLst>
+          </p:cNvPr>
+          <p:cNvPicPr>
+            <a:picLocks noChangeAspect="1"/>
+          </p:cNvPicPr>
+          <p:nvPr/>
+        </p:nvPicPr>
+        <p:blipFill>
+          <a:blip r:embed="rId2"/>
+          <a:stretch>
+            <a:fillRect/>
+          </a:stretch>
+        </p:blipFill>
+        <p:spPr>
+          <a:xfrm>
+            <a:off x="500386" y="1393793"/>
+            <a:ext cx="6447115" cy="4564047"/>
+          </a:xfrm>
+          <a:prstGeom prst="rect">
+            <a:avLst/>
+          </a:prstGeom>
+        </p:spPr>
+      </p:pic>
     </p:spTree>
     <p:extLst>
       <p:ext uri="{BB962C8B-B14F-4D97-AF65-F5344CB8AC3E}">

--- a/Projektvortrag/Präsentation Projektvortrag.pptx
+++ b/Projektvortrag/Präsentation Projektvortrag.pptx
@@ -6,10 +6,10 @@
     <p:sldMasterId id="2147483678" r:id="rId2"/>
   </p:sldMasterIdLst>
   <p:notesMasterIdLst>
-    <p:notesMasterId r:id="rId27"/>
+    <p:notesMasterId r:id="rId28"/>
   </p:notesMasterIdLst>
   <p:handoutMasterIdLst>
-    <p:handoutMasterId r:id="rId28"/>
+    <p:handoutMasterId r:id="rId29"/>
   </p:handoutMasterIdLst>
   <p:sldIdLst>
     <p:sldId id="256" r:id="rId3"/>
@@ -25,27 +25,28 @@
     <p:sldId id="285" r:id="rId13"/>
     <p:sldId id="272" r:id="rId14"/>
     <p:sldId id="274" r:id="rId15"/>
-    <p:sldId id="276" r:id="rId16"/>
-    <p:sldId id="277" r:id="rId17"/>
-    <p:sldId id="275" r:id="rId18"/>
-    <p:sldId id="278" r:id="rId19"/>
-    <p:sldId id="286" r:id="rId20"/>
-    <p:sldId id="279" r:id="rId21"/>
-    <p:sldId id="280" r:id="rId22"/>
-    <p:sldId id="281" r:id="rId23"/>
-    <p:sldId id="282" r:id="rId24"/>
-    <p:sldId id="283" r:id="rId25"/>
-    <p:sldId id="257" r:id="rId26"/>
+    <p:sldId id="287" r:id="rId16"/>
+    <p:sldId id="276" r:id="rId17"/>
+    <p:sldId id="277" r:id="rId18"/>
+    <p:sldId id="275" r:id="rId19"/>
+    <p:sldId id="278" r:id="rId20"/>
+    <p:sldId id="286" r:id="rId21"/>
+    <p:sldId id="279" r:id="rId22"/>
+    <p:sldId id="280" r:id="rId23"/>
+    <p:sldId id="281" r:id="rId24"/>
+    <p:sldId id="282" r:id="rId25"/>
+    <p:sldId id="283" r:id="rId26"/>
+    <p:sldId id="257" r:id="rId27"/>
   </p:sldIdLst>
   <p:sldSz cx="12192000" cy="6858000"/>
   <p:notesSz cx="6858000" cy="9144000"/>
   <p:embeddedFontLst>
     <p:embeddedFont>
       <p:font typeface="Calibri" panose="020F0502020204030204" pitchFamily="34" charset="0"/>
-      <p:regular r:id="rId29"/>
-      <p:bold r:id="rId30"/>
-      <p:italic r:id="rId31"/>
-      <p:boldItalic r:id="rId32"/>
+      <p:regular r:id="rId30"/>
+      <p:bold r:id="rId31"/>
+      <p:italic r:id="rId32"/>
+      <p:boldItalic r:id="rId33"/>
     </p:embeddedFont>
   </p:embeddedFontLst>
   <p:defaultTextStyle>
@@ -295,6 +296,7 @@
             <p14:sldId id="285"/>
             <p14:sldId id="272"/>
             <p14:sldId id="274"/>
+            <p14:sldId id="287"/>
             <p14:sldId id="276"/>
             <p14:sldId id="277"/>
             <p14:sldId id="275"/>
@@ -20335,7 +20337,7 @@
             </a:pPr>
             <a:r>
               <a:rPr lang="de-DE" dirty="0"/>
-              <a:t>Methoden um den Umgang mit Individuen zu erleichertn</a:t>
+              <a:t>Methoden um den Umgang mit Individuen zu erleichern</a:t>
             </a:r>
           </a:p>
           <a:p>
@@ -20359,7 +20361,7 @@
             </a:pPr>
             <a:r>
               <a:rPr lang="de-DE" dirty="0"/>
-              <a:t>Hält das Chromom</a:t>
+              <a:t>Hält das Chromosom</a:t>
             </a:r>
           </a:p>
           <a:p>
@@ -20369,7 +20371,7 @@
             </a:pPr>
             <a:r>
               <a:rPr lang="de-DE" dirty="0"/>
-              <a:t>Fitness- und Rating-Funktion werden beim erstellen übergeben</a:t>
+              <a:t>Fitness- und Rating-Funktion werden beim Erstellen übergeben</a:t>
             </a:r>
           </a:p>
           <a:p>
@@ -20379,7 +20381,7 @@
             </a:pPr>
             <a:r>
               <a:rPr lang="de-DE" dirty="0"/>
-              <a:t>Methode um das Chromosome zu prüfen</a:t>
+              <a:t>Methode um das Chromosom zu prüfen</a:t>
             </a:r>
           </a:p>
         </p:txBody>
@@ -22424,7 +22426,91 @@
           <a:bodyPr/>
           <a:lstStyle/>
           <a:p>
-            <a:endParaRPr lang="de-DE"/>
+            <a:pPr marL="285750" indent="-285750">
+              <a:buFont typeface="Arial" panose="020B0604020202020204" pitchFamily="34" charset="0"/>
+              <a:buChar char="•"/>
+            </a:pPr>
+            <a:r>
+              <a:rPr lang="de-DE" dirty="0"/>
+              <a:t>Wichtigster Teil der Genetischen Algorithmen</a:t>
+            </a:r>
+          </a:p>
+          <a:p>
+            <a:pPr marL="285750" indent="-285750">
+              <a:buFont typeface="Arial" panose="020B0604020202020204" pitchFamily="34" charset="0"/>
+              <a:buChar char="•"/>
+            </a:pPr>
+            <a:r>
+              <a:rPr lang="de-DE" dirty="0"/>
+              <a:t>Definiert wie aus zwei Eltern nachkommen generiert werden</a:t>
+            </a:r>
+          </a:p>
+          <a:p>
+            <a:pPr marL="285750" indent="-285750">
+              <a:buFont typeface="Arial" panose="020B0604020202020204" pitchFamily="34" charset="0"/>
+              <a:buChar char="•"/>
+            </a:pPr>
+            <a:endParaRPr lang="de-DE" dirty="0"/>
+          </a:p>
+          <a:p>
+            <a:pPr marL="285750" indent="-285750">
+              <a:buFont typeface="Arial" panose="020B0604020202020204" pitchFamily="34" charset="0"/>
+              <a:buChar char="•"/>
+            </a:pPr>
+            <a:r>
+              <a:rPr lang="de-DE" dirty="0"/>
+              <a:t>Unsere Bibliothek enthält folgende Verfahren:</a:t>
+            </a:r>
+          </a:p>
+          <a:p>
+            <a:pPr marL="552450" lvl="1" indent="-285750">
+              <a:buFont typeface="Arial" panose="020B0604020202020204" pitchFamily="34" charset="0"/>
+              <a:buChar char="•"/>
+            </a:pPr>
+            <a:r>
+              <a:rPr lang="de-DE" dirty="0"/>
+              <a:t>Partially-Matched-Crossover</a:t>
+            </a:r>
+          </a:p>
+          <a:p>
+            <a:pPr marL="552450" lvl="1" indent="-285750">
+              <a:buFont typeface="Arial" panose="020B0604020202020204" pitchFamily="34" charset="0"/>
+              <a:buChar char="•"/>
+            </a:pPr>
+            <a:r>
+              <a:rPr lang="de-DE" dirty="0"/>
+              <a:t>Order-Crossover</a:t>
+            </a:r>
+          </a:p>
+          <a:p>
+            <a:pPr marL="552450" lvl="1" indent="-285750">
+              <a:buFont typeface="Arial" panose="020B0604020202020204" pitchFamily="34" charset="0"/>
+              <a:buChar char="•"/>
+            </a:pPr>
+            <a:r>
+              <a:rPr lang="de-DE" dirty="0"/>
+              <a:t>Cycle-Crossover-All-Cycles</a:t>
+            </a:r>
+          </a:p>
+          <a:p>
+            <a:pPr marL="552450" lvl="1" indent="-285750">
+              <a:buFont typeface="Arial" panose="020B0604020202020204" pitchFamily="34" charset="0"/>
+              <a:buChar char="•"/>
+            </a:pPr>
+            <a:r>
+              <a:rPr lang="de-DE" dirty="0"/>
+              <a:t>Cycle-Crossover-One-Cyle</a:t>
+            </a:r>
+          </a:p>
+          <a:p>
+            <a:pPr marL="552450" lvl="1" indent="-285750">
+              <a:buFont typeface="Arial" panose="020B0604020202020204" pitchFamily="34" charset="0"/>
+              <a:buChar char="•"/>
+            </a:pPr>
+            <a:r>
+              <a:rPr lang="de-DE" dirty="0"/>
+              <a:t>Edge-Recombination-Crossover</a:t>
+            </a:r>
           </a:p>
         </p:txBody>
       </p:sp>
@@ -22463,7 +22549,7 @@
           <p:cNvPr id="2" name="Title 1">
             <a:extLst>
               <a:ext uri="{FF2B5EF4-FFF2-40B4-BE49-F238E27FC236}">
-                <a16:creationId xmlns:a16="http://schemas.microsoft.com/office/drawing/2014/main" id="{85052616-A1AA-4C30-9C7B-DBB34145436D}"/>
+                <a16:creationId xmlns:a16="http://schemas.microsoft.com/office/drawing/2014/main" id="{DD2388D8-106E-40D0-A4BD-5FF4C2E2935B}"/>
               </a:ext>
             </a:extLst>
           </p:cNvPr>
@@ -22481,617 +22567,751 @@
           <a:p>
             <a:r>
               <a:rPr lang="de-DE" dirty="0"/>
-              <a:t>Realisierung – Mutations-Algorithmus</a:t>
+              <a:t>Realisierung – Partially-Matches-Crossover</a:t>
             </a:r>
           </a:p>
         </p:txBody>
       </p:sp>
       <p:sp>
         <p:nvSpPr>
-          <p:cNvPr id="4" name="Rectangle 1">
+          <p:cNvPr id="3" name="Text Placeholder 2">
             <a:extLst>
               <a:ext uri="{FF2B5EF4-FFF2-40B4-BE49-F238E27FC236}">
-                <a16:creationId xmlns:a16="http://schemas.microsoft.com/office/drawing/2014/main" id="{902F850E-7E9B-4622-87C4-FE1420D027EA}"/>
+                <a16:creationId xmlns:a16="http://schemas.microsoft.com/office/drawing/2014/main" id="{79F1354A-B6A2-451D-B387-D4D8507220EF}"/>
               </a:ext>
             </a:extLst>
           </p:cNvPr>
           <p:cNvSpPr>
-            <a:spLocks noGrp="1" noChangeArrowheads="1"/>
+            <a:spLocks noGrp="1"/>
           </p:cNvSpPr>
           <p:nvPr>
             <p:ph type="body" sz="quarter" idx="11"/>
           </p:nvPr>
         </p:nvSpPr>
+        <p:spPr>
+          <a:xfrm>
+            <a:off x="334963" y="1280160"/>
+            <a:ext cx="6101348" cy="4534714"/>
+          </a:xfrm>
+        </p:spPr>
+        <p:txBody>
+          <a:bodyPr/>
+          <a:lstStyle/>
+          <a:p>
+            <a:r>
+              <a:rPr lang="en-US" sz="1050" dirty="0">
+                <a:solidFill>
+                  <a:schemeClr val="accent6">
+                    <a:lumMod val="75000"/>
+                  </a:schemeClr>
+                </a:solidFill>
+              </a:rPr>
+              <a:t>bool</a:t>
+            </a:r>
+            <a:r>
+              <a:rPr lang="en-US" sz="1050" dirty="0"/>
+              <a:t> </a:t>
+            </a:r>
+            <a:r>
+              <a:rPr lang="en-US" sz="1050" dirty="0" err="1"/>
+              <a:t>partially_matched_crossover</a:t>
+            </a:r>
+            <a:r>
+              <a:rPr lang="en-US" sz="1050" dirty="0"/>
+              <a:t>(Individual &amp;p1, Individual &amp;p2, Individual &amp;c1, Individual &amp;c2) {</a:t>
+            </a:r>
+            <a:r>
+              <a:rPr lang="de-DE" sz="1050" dirty="0"/>
+              <a:t> </a:t>
+            </a:r>
+          </a:p>
+          <a:p>
+            <a:pPr lvl="1"/>
+            <a:r>
+              <a:rPr lang="de-DE" sz="1050" dirty="0"/>
+              <a:t>int length = p1.get_size();</a:t>
+            </a:r>
+          </a:p>
+          <a:p>
+            <a:pPr lvl="1"/>
+            <a:r>
+              <a:rPr lang="de-DE" sz="1050" dirty="0"/>
+              <a:t>int interval_border_left = rng.random(length - 2) + 1; // inclusive</a:t>
+            </a:r>
+          </a:p>
+          <a:p>
+            <a:pPr lvl="1"/>
+            <a:r>
+              <a:rPr lang="de-DE" sz="1050" dirty="0"/>
+              <a:t>int interval_border_right; // exclusive</a:t>
+            </a:r>
+          </a:p>
+          <a:p>
+            <a:pPr lvl="1"/>
+            <a:r>
+              <a:rPr lang="de-DE" sz="1050" dirty="0">
+                <a:solidFill>
+                  <a:schemeClr val="accent6">
+                    <a:lumMod val="75000"/>
+                  </a:schemeClr>
+                </a:solidFill>
+              </a:rPr>
+              <a:t>do</a:t>
+            </a:r>
+            <a:r>
+              <a:rPr lang="de-DE" sz="1050" dirty="0"/>
+              <a:t> {</a:t>
+            </a:r>
+          </a:p>
+          <a:p>
+            <a:pPr lvl="1"/>
+            <a:r>
+              <a:rPr lang="de-DE" sz="1050" dirty="0"/>
+              <a:t>    interval_border_right = rng.random(length - interval_border_left) + interval_border_left;</a:t>
+            </a:r>
+          </a:p>
+          <a:p>
+            <a:pPr lvl="1"/>
+            <a:r>
+              <a:rPr lang="de-DE" sz="1050" dirty="0"/>
+              <a:t>} </a:t>
+            </a:r>
+            <a:r>
+              <a:rPr lang="de-DE" sz="1050" dirty="0">
+                <a:solidFill>
+                  <a:schemeClr val="accent6">
+                    <a:lumMod val="75000"/>
+                  </a:schemeClr>
+                </a:solidFill>
+              </a:rPr>
+              <a:t>while</a:t>
+            </a:r>
+            <a:r>
+              <a:rPr lang="de-DE" sz="1050" dirty="0"/>
+              <a:t> (interval_border_left == interval_border_right);</a:t>
+            </a:r>
+          </a:p>
+          <a:p>
+            <a:pPr lvl="1"/>
+            <a:endParaRPr lang="de-DE" sz="1050" dirty="0"/>
+          </a:p>
+          <a:p>
+            <a:pPr lvl="1"/>
+            <a:r>
+              <a:rPr lang="de-DE" sz="1050" dirty="0">
+                <a:solidFill>
+                  <a:schemeClr val="accent6">
+                    <a:lumMod val="75000"/>
+                  </a:schemeClr>
+                </a:solidFill>
+              </a:rPr>
+              <a:t>for</a:t>
+            </a:r>
+            <a:r>
+              <a:rPr lang="de-DE" sz="1050" dirty="0"/>
+              <a:t> (int i = 0; i &lt; length; ++i) {</a:t>
+            </a:r>
+          </a:p>
+          <a:p>
+            <a:pPr lvl="1"/>
+            <a:r>
+              <a:rPr lang="de-DE" sz="1050" dirty="0"/>
+              <a:t>    </a:t>
+            </a:r>
+            <a:r>
+              <a:rPr lang="de-DE" sz="1050" dirty="0">
+                <a:solidFill>
+                  <a:schemeClr val="accent6">
+                    <a:lumMod val="75000"/>
+                  </a:schemeClr>
+                </a:solidFill>
+              </a:rPr>
+              <a:t>if</a:t>
+            </a:r>
+            <a:r>
+              <a:rPr lang="de-DE" sz="1050" dirty="0"/>
+              <a:t> (i &lt; interval_border_left || i &gt;= interval_border_right) {</a:t>
+            </a:r>
+          </a:p>
+          <a:p>
+            <a:pPr lvl="1"/>
+            <a:r>
+              <a:rPr lang="de-DE" sz="1050" dirty="0"/>
+              <a:t>        c1.update_chromosome(p1.get_chromosome().at(i), i);</a:t>
+            </a:r>
+          </a:p>
+          <a:p>
+            <a:pPr lvl="1"/>
+            <a:r>
+              <a:rPr lang="de-DE" sz="1050" dirty="0"/>
+              <a:t>        c2.update_chromosome(p2.get_chromosome().at(i), i);</a:t>
+            </a:r>
+          </a:p>
+          <a:p>
+            <a:pPr lvl="1"/>
+            <a:r>
+              <a:rPr lang="de-DE" sz="1050" dirty="0"/>
+              <a:t>    } </a:t>
+            </a:r>
+            <a:r>
+              <a:rPr lang="de-DE" sz="1050" dirty="0">
+                <a:solidFill>
+                  <a:schemeClr val="accent6">
+                    <a:lumMod val="75000"/>
+                  </a:schemeClr>
+                </a:solidFill>
+              </a:rPr>
+              <a:t>else</a:t>
+            </a:r>
+            <a:r>
+              <a:rPr lang="de-DE" sz="1050" dirty="0"/>
+              <a:t> {</a:t>
+            </a:r>
+          </a:p>
+          <a:p>
+            <a:pPr lvl="1"/>
+            <a:r>
+              <a:rPr lang="de-DE" sz="1050" dirty="0"/>
+              <a:t>        c1.update_chromosome(p2.get_chromosome().at(i), i);</a:t>
+            </a:r>
+          </a:p>
+          <a:p>
+            <a:pPr lvl="1"/>
+            <a:r>
+              <a:rPr lang="de-DE" sz="1050" dirty="0"/>
+              <a:t>        c2.update_chromosome(p1.get_chromosome().at(i), i);</a:t>
+            </a:r>
+          </a:p>
+          <a:p>
+            <a:pPr lvl="1"/>
+            <a:r>
+              <a:rPr lang="de-DE" sz="1050" dirty="0"/>
+              <a:t>    }</a:t>
+            </a:r>
+          </a:p>
+          <a:p>
+            <a:pPr lvl="1"/>
+            <a:r>
+              <a:rPr lang="de-DE" sz="1050" dirty="0"/>
+              <a:t>}</a:t>
+            </a:r>
+          </a:p>
+          <a:p>
+            <a:pPr lvl="1"/>
+            <a:endParaRPr lang="de-DE" sz="1050" dirty="0"/>
+          </a:p>
+          <a:p>
+            <a:pPr lvl="1"/>
+            <a:r>
+              <a:rPr lang="de-DE" sz="1050" dirty="0"/>
+              <a:t>duplicate_correction_pmx(p1, p2, c1);</a:t>
+            </a:r>
+          </a:p>
+          <a:p>
+            <a:pPr lvl="1"/>
+            <a:r>
+              <a:rPr lang="de-DE" sz="1050" dirty="0"/>
+              <a:t>duplicate_correction_pmx(p2, p1, c2);</a:t>
+            </a:r>
+          </a:p>
+          <a:p>
+            <a:pPr lvl="1"/>
+            <a:r>
+              <a:rPr lang="de-DE" sz="1050" dirty="0">
+                <a:solidFill>
+                  <a:schemeClr val="accent6">
+                    <a:lumMod val="75000"/>
+                  </a:schemeClr>
+                </a:solidFill>
+              </a:rPr>
+              <a:t>return</a:t>
+            </a:r>
+            <a:r>
+              <a:rPr lang="de-DE" sz="1050" dirty="0"/>
+              <a:t> true;</a:t>
+            </a:r>
+          </a:p>
+          <a:p>
+            <a:pPr lvl="1"/>
+            <a:r>
+              <a:rPr lang="de-DE" sz="1050" dirty="0"/>
+              <a:t>}</a:t>
+            </a:r>
+          </a:p>
+        </p:txBody>
+      </p:sp>
+      <p:sp>
+        <p:nvSpPr>
+          <p:cNvPr id="7" name="Text Placeholder 2">
+            <a:extLst>
+              <a:ext uri="{FF2B5EF4-FFF2-40B4-BE49-F238E27FC236}">
+                <a16:creationId xmlns:a16="http://schemas.microsoft.com/office/drawing/2014/main" id="{3DAEF8D3-31AA-46E3-BE55-7474D0551DCE}"/>
+              </a:ext>
+            </a:extLst>
+          </p:cNvPr>
+          <p:cNvSpPr txBox="1">
+            <a:spLocks/>
+          </p:cNvSpPr>
+          <p:nvPr/>
+        </p:nvSpPr>
         <p:spPr bwMode="auto">
           <a:xfrm>
-            <a:off x="334963" y="1131901"/>
-            <a:ext cx="5630831" cy="3600986"/>
+            <a:off x="7377344" y="1280160"/>
+            <a:ext cx="4660776" cy="4206240"/>
           </a:xfrm>
           <a:prstGeom prst="rect">
             <a:avLst/>
           </a:prstGeom>
-          <a:solidFill>
-            <a:srgbClr val="FFFFFF"/>
-          </a:solidFill>
+          <a:noFill/>
           <a:ln>
             <a:noFill/>
           </a:ln>
-          <a:effectLst/>
           <a:extLst>
+            <a:ext uri="{909E8E84-426E-40DD-AFC4-6F175D3DCCD1}">
+              <a14:hiddenFill xmlns:a14="http://schemas.microsoft.com/office/drawing/2010/main">
+                <a:solidFill>
+                  <a:srgbClr val="FFFFFF"/>
+                </a:solidFill>
+              </a14:hiddenFill>
+            </a:ext>
             <a:ext uri="{91240B29-F687-4F45-9708-019B960494DF}">
               <a14:hiddenLine xmlns:a14="http://schemas.microsoft.com/office/drawing/2010/main" w="9525">
                 <a:solidFill>
-                  <a:schemeClr val="tx1"/>
+                  <a:srgbClr val="000000"/>
                 </a:solidFill>
                 <a:miter lim="800000"/>
                 <a:headEnd/>
                 <a:tailEnd/>
               </a14:hiddenLine>
             </a:ext>
-            <a:ext uri="{AF507438-7753-43E0-B8FC-AC1667EBCBE1}">
-              <a14:hiddenEffects xmlns:a14="http://schemas.microsoft.com/office/drawing/2010/main">
-                <a:effectLst>
-                  <a:outerShdw dist="35921" dir="2700000" algn="ctr" rotWithShape="0">
-                    <a:schemeClr val="bg2"/>
-                  </a:outerShdw>
-                </a:effectLst>
-              </a14:hiddenEffects>
-            </a:ext>
           </a:extLst>
         </p:spPr>
         <p:txBody>
-          <a:bodyPr vert="horz" wrap="square" lIns="91440" tIns="45720" rIns="91440" bIns="45720" numCol="1" anchor="ctr" anchorCtr="0" compatLnSpc="1">
+          <a:bodyPr vert="horz" wrap="square" lIns="91440" tIns="45720" rIns="91440" bIns="45720" numCol="1" anchor="t" anchorCtr="0" compatLnSpc="1">
             <a:prstTxWarp prst="textNoShape">
               <a:avLst/>
             </a:prstTxWarp>
-            <a:spAutoFit/>
           </a:bodyPr>
-          <a:lstStyle/>
-          <a:p>
-            <a:pPr marR="0" lvl="0" defTabSz="914400" latinLnBrk="0">
-              <a:lnSpc>
-                <a:spcPct val="100000"/>
-              </a:lnSpc>
-              <a:tabLst/>
+          <a:lstStyle>
+            <a:lvl1pPr marL="0" indent="0" algn="l" rtl="0" eaLnBrk="0" fontAlgn="base" hangingPunct="0">
+              <a:spcBef>
+                <a:spcPct val="20000"/>
+              </a:spcBef>
+              <a:spcAft>
+                <a:spcPct val="0"/>
+              </a:spcAft>
+              <a:buClr>
+                <a:srgbClr val="80BA24"/>
+              </a:buClr>
+              <a:buSzPct val="106000"/>
+              <a:buFontTx/>
+              <a:buNone/>
+              <a:defRPr kern="1200" baseline="0">
+                <a:solidFill>
+                  <a:srgbClr val="4A5C66"/>
+                </a:solidFill>
+                <a:latin typeface="Arial" pitchFamily="34" charset="0"/>
+                <a:ea typeface="MS PGothic" panose="020B0600070205080204" pitchFamily="34" charset="-128"/>
+                <a:cs typeface="Arial" pitchFamily="34" charset="0"/>
+              </a:defRPr>
+            </a:lvl1pPr>
+            <a:lvl2pPr marL="266700" indent="0" algn="l" rtl="0" eaLnBrk="0" fontAlgn="base" hangingPunct="0">
+              <a:spcBef>
+                <a:spcPct val="20000"/>
+              </a:spcBef>
+              <a:spcAft>
+                <a:spcPct val="0"/>
+              </a:spcAft>
+              <a:buClr>
+                <a:srgbClr val="80BA24"/>
+              </a:buClr>
+              <a:buSzPct val="90000"/>
+              <a:buFontTx/>
+              <a:buNone/>
+              <a:defRPr kern="1200">
+                <a:solidFill>
+                  <a:srgbClr val="4A5C66"/>
+                </a:solidFill>
+                <a:latin typeface="Arial" pitchFamily="34" charset="0"/>
+                <a:ea typeface="Arial" charset="0"/>
+                <a:cs typeface="Arial" pitchFamily="34" charset="0"/>
+              </a:defRPr>
+            </a:lvl2pPr>
+            <a:lvl3pPr marL="542925" indent="0" algn="l" rtl="0" eaLnBrk="0" fontAlgn="base" hangingPunct="0">
+              <a:spcBef>
+                <a:spcPct val="20000"/>
+              </a:spcBef>
+              <a:spcAft>
+                <a:spcPct val="0"/>
+              </a:spcAft>
+              <a:buClr>
+                <a:srgbClr val="80BA24"/>
+              </a:buClr>
+              <a:buSzPct val="80000"/>
+              <a:buFontTx/>
+              <a:buNone/>
+              <a:defRPr kern="1200">
+                <a:solidFill>
+                  <a:srgbClr val="4A5C66"/>
+                </a:solidFill>
+                <a:latin typeface="Arial" pitchFamily="34" charset="0"/>
+                <a:ea typeface="Arial" charset="0"/>
+                <a:cs typeface="Arial" pitchFamily="34" charset="0"/>
+              </a:defRPr>
+            </a:lvl3pPr>
+            <a:lvl4pPr marL="809625" indent="0" algn="l" rtl="0" eaLnBrk="0" fontAlgn="base" hangingPunct="0">
+              <a:spcBef>
+                <a:spcPct val="20000"/>
+              </a:spcBef>
+              <a:spcAft>
+                <a:spcPct val="0"/>
+              </a:spcAft>
+              <a:buClr>
+                <a:srgbClr val="80BA24"/>
+              </a:buClr>
+              <a:buSzPct val="80000"/>
+              <a:buFontTx/>
+              <a:buNone/>
+              <a:defRPr kern="1200">
+                <a:solidFill>
+                  <a:srgbClr val="4A5C66"/>
+                </a:solidFill>
+                <a:latin typeface="Arial" pitchFamily="34" charset="0"/>
+                <a:ea typeface="Arial" charset="0"/>
+                <a:cs typeface="Arial" pitchFamily="34" charset="0"/>
+              </a:defRPr>
+            </a:lvl4pPr>
+            <a:lvl5pPr marL="1076325" indent="0" algn="l" rtl="0" eaLnBrk="0" fontAlgn="base" hangingPunct="0">
+              <a:spcBef>
+                <a:spcPct val="20000"/>
+              </a:spcBef>
+              <a:spcAft>
+                <a:spcPct val="0"/>
+              </a:spcAft>
+              <a:buClr>
+                <a:srgbClr val="80BA24"/>
+              </a:buClr>
+              <a:buSzPct val="80000"/>
+              <a:buFontTx/>
+              <a:buNone/>
+              <a:defRPr kern="1200">
+                <a:solidFill>
+                  <a:srgbClr val="4A5C66"/>
+                </a:solidFill>
+                <a:latin typeface="Arial" pitchFamily="34" charset="0"/>
+                <a:ea typeface="Arial" charset="0"/>
+                <a:cs typeface="Arial" pitchFamily="34" charset="0"/>
+              </a:defRPr>
+            </a:lvl5pPr>
+            <a:lvl6pPr marL="2514600" indent="-228600" algn="l" defTabSz="914400" rtl="0" eaLnBrk="1" latinLnBrk="0" hangingPunct="1">
+              <a:spcBef>
+                <a:spcPct val="20000"/>
+              </a:spcBef>
+              <a:buFont typeface="Arial" pitchFamily="34" charset="0"/>
+              <a:buChar char="•"/>
+              <a:defRPr sz="2000" kern="1200">
+                <a:solidFill>
+                  <a:schemeClr val="tx1"/>
+                </a:solidFill>
+                <a:latin typeface="+mn-lt"/>
+                <a:ea typeface="+mn-ea"/>
+                <a:cs typeface="+mn-cs"/>
+              </a:defRPr>
+            </a:lvl6pPr>
+            <a:lvl7pPr marL="2971800" indent="-228600" algn="l" defTabSz="914400" rtl="0" eaLnBrk="1" latinLnBrk="0" hangingPunct="1">
+              <a:spcBef>
+                <a:spcPct val="20000"/>
+              </a:spcBef>
+              <a:buFont typeface="Arial" pitchFamily="34" charset="0"/>
+              <a:buChar char="•"/>
+              <a:defRPr sz="2000" kern="1200">
+                <a:solidFill>
+                  <a:schemeClr val="tx1"/>
+                </a:solidFill>
+                <a:latin typeface="+mn-lt"/>
+                <a:ea typeface="+mn-ea"/>
+                <a:cs typeface="+mn-cs"/>
+              </a:defRPr>
+            </a:lvl7pPr>
+            <a:lvl8pPr marL="3429000" indent="-228600" algn="l" defTabSz="914400" rtl="0" eaLnBrk="1" latinLnBrk="0" hangingPunct="1">
+              <a:spcBef>
+                <a:spcPct val="20000"/>
+              </a:spcBef>
+              <a:buFont typeface="Arial" pitchFamily="34" charset="0"/>
+              <a:buChar char="•"/>
+              <a:defRPr sz="2000" kern="1200">
+                <a:solidFill>
+                  <a:schemeClr val="tx1"/>
+                </a:solidFill>
+                <a:latin typeface="+mn-lt"/>
+                <a:ea typeface="+mn-ea"/>
+                <a:cs typeface="+mn-cs"/>
+              </a:defRPr>
+            </a:lvl8pPr>
+            <a:lvl9pPr marL="3886200" indent="-228600" algn="l" defTabSz="914400" rtl="0" eaLnBrk="1" latinLnBrk="0" hangingPunct="1">
+              <a:spcBef>
+                <a:spcPct val="20000"/>
+              </a:spcBef>
+              <a:buFont typeface="Arial" pitchFamily="34" charset="0"/>
+              <a:buChar char="•"/>
+              <a:defRPr sz="2000" kern="1200">
+                <a:solidFill>
+                  <a:schemeClr val="tx1"/>
+                </a:solidFill>
+                <a:latin typeface="+mn-lt"/>
+                <a:ea typeface="+mn-ea"/>
+                <a:cs typeface="+mn-cs"/>
+              </a:defRPr>
+            </a:lvl9pPr>
+          </a:lstStyle>
+          <a:p>
+            <a:pPr>
+              <a:spcAft>
+                <a:spcPts val="600"/>
+              </a:spcAft>
             </a:pPr>
-            <a:r>
-              <a:rPr lang="de-DE" altLang="de-DE" sz="1200" dirty="0">
-                <a:solidFill>
-                  <a:schemeClr val="accent6">
-                    <a:lumMod val="75000"/>
+            <a:endParaRPr lang="de-DE" sz="1800" dirty="0"/>
+          </a:p>
+          <a:p>
+            <a:pPr marL="342900" indent="-342900">
+              <a:spcAft>
+                <a:spcPts val="600"/>
+              </a:spcAft>
+              <a:buAutoNum type="arabicPeriod"/>
+            </a:pPr>
+            <a:r>
+              <a:rPr lang="de-DE" sz="1800" dirty="0"/>
+              <a:t>Wähle zwei zufällige Intervallgrenzen</a:t>
+            </a:r>
+          </a:p>
+          <a:p>
+            <a:pPr lvl="2">
+              <a:spcAft>
+                <a:spcPts val="600"/>
+              </a:spcAft>
+            </a:pPr>
+            <a:r>
+              <a:rPr lang="de-DE" sz="1800" dirty="0"/>
+              <a:t>p1 = 1 | 2 3 | 4 5</a:t>
+            </a:r>
+          </a:p>
+          <a:p>
+            <a:pPr lvl="2">
+              <a:spcAft>
+                <a:spcPts val="600"/>
+              </a:spcAft>
+            </a:pPr>
+            <a:r>
+              <a:rPr lang="de-DE" sz="1800" dirty="0"/>
+              <a:t>p2 = 5 | 4 3 | 2 1</a:t>
+            </a:r>
+          </a:p>
+          <a:p>
+            <a:pPr marL="342900" indent="-342900">
+              <a:spcAft>
+                <a:spcPts val="600"/>
+              </a:spcAft>
+              <a:buAutoNum type="arabicPeriod"/>
+            </a:pPr>
+            <a:r>
+              <a:rPr lang="de-DE" sz="1800" dirty="0"/>
+              <a:t>Tausche in diesem Intervall die Chromosome der Eltern und schreibe alles in die Kinder</a:t>
+            </a:r>
+          </a:p>
+          <a:p>
+            <a:pPr lvl="2">
+              <a:spcAft>
+                <a:spcPts val="600"/>
+              </a:spcAft>
+            </a:pPr>
+            <a:r>
+              <a:rPr lang="de-DE" sz="1800" dirty="0"/>
+              <a:t>c1 = 1 | </a:t>
+            </a:r>
+            <a:r>
+              <a:rPr lang="de-DE" sz="1800" dirty="0">
+                <a:solidFill>
+                  <a:srgbClr val="FF0000"/>
+                </a:solidFill>
+              </a:rPr>
+              <a:t>4</a:t>
+            </a:r>
+            <a:r>
+              <a:rPr lang="de-DE" sz="1800" dirty="0"/>
+              <a:t> 3 | </a:t>
+            </a:r>
+            <a:r>
+              <a:rPr lang="de-DE" sz="1800" dirty="0">
+                <a:solidFill>
+                  <a:srgbClr val="FF0000"/>
+                </a:solidFill>
+              </a:rPr>
+              <a:t>4</a:t>
+            </a:r>
+            <a:r>
+              <a:rPr lang="de-DE" sz="1800" dirty="0"/>
+              <a:t> 5</a:t>
+            </a:r>
+          </a:p>
+          <a:p>
+            <a:pPr lvl="2">
+              <a:spcAft>
+                <a:spcPts val="600"/>
+              </a:spcAft>
+            </a:pPr>
+            <a:r>
+              <a:rPr lang="de-DE" sz="1800" dirty="0"/>
+              <a:t>c2 = 5 | </a:t>
+            </a:r>
+            <a:r>
+              <a:rPr lang="de-DE" sz="1800" dirty="0">
+                <a:solidFill>
+                  <a:srgbClr val="FF0000"/>
+                </a:solidFill>
+              </a:rPr>
+              <a:t>2</a:t>
+            </a:r>
+            <a:r>
+              <a:rPr lang="de-DE" sz="1800" dirty="0"/>
+              <a:t> 3 | </a:t>
+            </a:r>
+            <a:r>
+              <a:rPr lang="de-DE" sz="1800" dirty="0">
+                <a:solidFill>
+                  <a:srgbClr val="FF0000"/>
+                </a:solidFill>
+              </a:rPr>
+              <a:t>2</a:t>
+            </a:r>
+            <a:r>
+              <a:rPr lang="de-DE" sz="1800" dirty="0"/>
+              <a:t> 1</a:t>
+            </a:r>
+          </a:p>
+          <a:p>
+            <a:pPr marL="342900" indent="-342900">
+              <a:spcAft>
+                <a:spcPts val="600"/>
+              </a:spcAft>
+              <a:buAutoNum type="arabicPeriod"/>
+            </a:pPr>
+            <a:r>
+              <a:rPr lang="de-DE" sz="1800" dirty="0"/>
+              <a:t>Korrigiere doppelte Werte</a:t>
+            </a:r>
+          </a:p>
+          <a:p>
+            <a:pPr lvl="2">
+              <a:spcAft>
+                <a:spcPts val="600"/>
+              </a:spcAft>
+            </a:pPr>
+            <a:r>
+              <a:rPr lang="de-DE" sz="1800" dirty="0"/>
+              <a:t>c1 = 1 | </a:t>
+            </a:r>
+            <a:r>
+              <a:rPr lang="de-DE" sz="1800" dirty="0">
+                <a:solidFill>
+                  <a:schemeClr val="accent3">
+                    <a:lumMod val="50000"/>
                   </a:schemeClr>
                 </a:solidFill>
               </a:rPr>
-              <a:t>bool</a:t>
-            </a:r>
-            <a:r>
-              <a:rPr lang="de-DE" altLang="de-DE" sz="1200" dirty="0"/>
-              <a:t> mutation_delete_shift(Individual &amp;individual, int percentage) {</a:t>
-            </a:r>
-          </a:p>
-          <a:p>
-            <a:pPr marR="0" lvl="0" defTabSz="914400" latinLnBrk="0">
-              <a:lnSpc>
-                <a:spcPct val="100000"/>
-              </a:lnSpc>
-              <a:tabLst/>
+              <a:t>4</a:t>
+            </a:r>
+            <a:r>
+              <a:rPr lang="de-DE" sz="1800" dirty="0"/>
+              <a:t> 3 | </a:t>
+            </a:r>
+            <a:r>
+              <a:rPr lang="de-DE" sz="1800" dirty="0">
+                <a:solidFill>
+                  <a:schemeClr val="accent3">
+                    <a:lumMod val="50000"/>
+                  </a:schemeClr>
+                </a:solidFill>
+              </a:rPr>
+              <a:t>2</a:t>
+            </a:r>
+            <a:r>
+              <a:rPr lang="de-DE" sz="1800" dirty="0"/>
+              <a:t> 5</a:t>
+            </a:r>
+          </a:p>
+          <a:p>
+            <a:pPr lvl="2">
+              <a:spcAft>
+                <a:spcPts val="600"/>
+              </a:spcAft>
             </a:pPr>
             <a:r>
-              <a:rPr lang="de-DE" altLang="de-DE" sz="1200" dirty="0"/>
-              <a:t>    bool mutate = rand() % 100 &lt; percentage;</a:t>
-            </a:r>
-          </a:p>
-          <a:p>
-            <a:pPr marR="0" lvl="0" defTabSz="914400" latinLnBrk="0">
-              <a:lnSpc>
-                <a:spcPct val="100000"/>
-              </a:lnSpc>
-              <a:tabLst/>
+              <a:rPr lang="de-DE" sz="1800" dirty="0"/>
+              <a:t>c2 = 5 | </a:t>
+            </a:r>
+            <a:r>
+              <a:rPr lang="de-DE" sz="1800" dirty="0">
+                <a:solidFill>
+                  <a:schemeClr val="accent3">
+                    <a:lumMod val="50000"/>
+                  </a:schemeClr>
+                </a:solidFill>
+              </a:rPr>
+              <a:t>2</a:t>
+            </a:r>
+            <a:r>
+              <a:rPr lang="de-DE" sz="1800" dirty="0"/>
+              <a:t> 3 | </a:t>
+            </a:r>
+            <a:r>
+              <a:rPr lang="de-DE" sz="1800" dirty="0">
+                <a:solidFill>
+                  <a:schemeClr val="accent3">
+                    <a:lumMod val="50000"/>
+                  </a:schemeClr>
+                </a:solidFill>
+              </a:rPr>
+              <a:t>4</a:t>
+            </a:r>
+            <a:r>
+              <a:rPr lang="de-DE" sz="1800" dirty="0"/>
+              <a:t> 1</a:t>
+            </a:r>
+          </a:p>
+          <a:p>
+            <a:pPr lvl="2">
+              <a:spcAft>
+                <a:spcPts val="600"/>
+              </a:spcAft>
             </a:pPr>
-            <a:endParaRPr lang="de-DE" altLang="de-DE" sz="1200" dirty="0"/>
-          </a:p>
-          <a:p>
-            <a:pPr marR="0" lvl="0" defTabSz="914400" latinLnBrk="0">
-              <a:lnSpc>
-                <a:spcPct val="100000"/>
-              </a:lnSpc>
-              <a:tabLst/>
+            <a:endParaRPr lang="de-DE" sz="1800" dirty="0"/>
+          </a:p>
+          <a:p>
+            <a:pPr>
+              <a:spcAft>
+                <a:spcPts val="600"/>
+              </a:spcAft>
             </a:pPr>
             <a:r>
-              <a:rPr lang="de-DE" altLang="de-DE" sz="1200" dirty="0"/>
-              <a:t>    </a:t>
-            </a:r>
-            <a:r>
-              <a:rPr lang="de-DE" altLang="de-DE" sz="1200" dirty="0">
-                <a:solidFill>
-                  <a:schemeClr val="accent6">
-                    <a:lumMod val="75000"/>
-                  </a:schemeClr>
-                </a:solidFill>
-              </a:rPr>
-              <a:t>if</a:t>
-            </a:r>
-            <a:r>
-              <a:rPr lang="de-DE" altLang="de-DE" sz="1200" dirty="0"/>
-              <a:t> (mutate) {</a:t>
-            </a:r>
-          </a:p>
-          <a:p>
-            <a:pPr marR="0" lvl="0" defTabSz="914400" latinLnBrk="0">
-              <a:lnSpc>
-                <a:spcPct val="100000"/>
-              </a:lnSpc>
-              <a:tabLst/>
+              <a:rPr lang="de-DE" sz="1800" dirty="0"/>
+              <a:t>	</a:t>
+            </a:r>
+          </a:p>
+          <a:p>
+            <a:pPr marL="342900" indent="-342900">
+              <a:spcAft>
+                <a:spcPts val="600"/>
+              </a:spcAft>
+              <a:buAutoNum type="arabicPeriod"/>
             </a:pPr>
-            <a:r>
-              <a:rPr lang="de-DE" altLang="de-DE" sz="1200" dirty="0"/>
-              <a:t>        int position_a = rand() % (individual.get_size() - 1);</a:t>
-            </a:r>
-          </a:p>
-          <a:p>
-            <a:pPr marR="0" lvl="0" defTabSz="914400" latinLnBrk="0">
-              <a:lnSpc>
-                <a:spcPct val="100000"/>
-              </a:lnSpc>
-              <a:tabLst/>
-            </a:pPr>
-            <a:r>
-              <a:rPr lang="de-DE" altLang="de-DE" sz="1200" dirty="0"/>
-              <a:t>        int position_b;</a:t>
-            </a:r>
-          </a:p>
-          <a:p>
-            <a:pPr marR="0" lvl="0" defTabSz="914400" latinLnBrk="0">
-              <a:lnSpc>
-                <a:spcPct val="100000"/>
-              </a:lnSpc>
-              <a:tabLst/>
-            </a:pPr>
-            <a:r>
-              <a:rPr lang="de-DE" altLang="de-DE" sz="1200" dirty="0"/>
-              <a:t>        </a:t>
-            </a:r>
-            <a:r>
-              <a:rPr lang="de-DE" altLang="de-DE" sz="1200" dirty="0">
-                <a:solidFill>
-                  <a:schemeClr val="accent6">
-                    <a:lumMod val="75000"/>
-                  </a:schemeClr>
-                </a:solidFill>
-              </a:rPr>
-              <a:t>do</a:t>
-            </a:r>
-            <a:r>
-              <a:rPr lang="de-DE" altLang="de-DE" sz="1200" dirty="0"/>
-              <a:t> {</a:t>
-            </a:r>
-          </a:p>
-          <a:p>
-            <a:pPr marR="0" lvl="0" defTabSz="914400" latinLnBrk="0">
-              <a:lnSpc>
-                <a:spcPct val="100000"/>
-              </a:lnSpc>
-              <a:tabLst/>
-            </a:pPr>
-            <a:r>
-              <a:rPr lang="de-DE" altLang="de-DE" sz="1200" dirty="0"/>
-              <a:t>            position_b = rand() % (individual.get_size() - position_a) + position_a;</a:t>
-            </a:r>
-          </a:p>
-          <a:p>
-            <a:pPr marR="0" lvl="0" defTabSz="914400" latinLnBrk="0">
-              <a:lnSpc>
-                <a:spcPct val="100000"/>
-              </a:lnSpc>
-              <a:tabLst/>
-            </a:pPr>
-            <a:r>
-              <a:rPr lang="de-DE" altLang="de-DE" sz="1200" dirty="0"/>
-              <a:t>        } </a:t>
-            </a:r>
-            <a:r>
-              <a:rPr lang="de-DE" altLang="de-DE" sz="1200" dirty="0">
-                <a:solidFill>
-                  <a:schemeClr val="accent6">
-                    <a:lumMod val="75000"/>
-                  </a:schemeClr>
-                </a:solidFill>
-              </a:rPr>
-              <a:t>while</a:t>
-            </a:r>
-            <a:r>
-              <a:rPr lang="de-DE" altLang="de-DE" sz="1200" dirty="0"/>
-              <a:t> (position_a == position_b);</a:t>
-            </a:r>
-          </a:p>
-          <a:p>
-            <a:pPr marR="0" lvl="0" defTabSz="914400" latinLnBrk="0">
-              <a:lnSpc>
-                <a:spcPct val="100000"/>
-              </a:lnSpc>
-              <a:tabLst/>
-            </a:pPr>
-            <a:r>
-              <a:rPr lang="de-DE" altLang="de-DE" sz="1200" dirty="0"/>
-              <a:t>    </a:t>
-            </a:r>
-          </a:p>
-          <a:p>
-            <a:pPr marR="0" lvl="0" defTabSz="914400" latinLnBrk="0">
-              <a:lnSpc>
-                <a:spcPct val="100000"/>
-              </a:lnSpc>
-              <a:tabLst/>
-            </a:pPr>
-            <a:r>
-              <a:rPr lang="de-DE" altLang="de-DE" sz="1200" dirty="0"/>
-              <a:t>    </a:t>
-            </a:r>
-            <a:r>
-              <a:rPr lang="de-DE" altLang="de-DE" sz="1200" dirty="0">
-                <a:solidFill>
-                  <a:schemeClr val="accent6">
-                    <a:lumMod val="75000"/>
-                  </a:schemeClr>
-                </a:solidFill>
-              </a:rPr>
-              <a:t>for</a:t>
-            </a:r>
-            <a:r>
-              <a:rPr lang="de-DE" altLang="de-DE" sz="1200" dirty="0"/>
-              <a:t> (int i = position_a; i &lt; position_b; i++) {</a:t>
-            </a:r>
-          </a:p>
-          <a:p>
-            <a:pPr marR="0" lvl="0" defTabSz="914400" latinLnBrk="0">
-              <a:lnSpc>
-                <a:spcPct val="100000"/>
-              </a:lnSpc>
-              <a:tabLst/>
-            </a:pPr>
-            <a:r>
-              <a:rPr lang="de-DE" altLang="de-DE" sz="1200" dirty="0"/>
-              <a:t>        swap_chromosome(individual.get_chromosome(), i, i + 1);</a:t>
-            </a:r>
-          </a:p>
-          <a:p>
-            <a:pPr marR="0" lvl="0" defTabSz="914400" latinLnBrk="0">
-              <a:lnSpc>
-                <a:spcPct val="100000"/>
-              </a:lnSpc>
-              <a:tabLst/>
-            </a:pPr>
-            <a:r>
-              <a:rPr lang="de-DE" altLang="de-DE" sz="1200" dirty="0"/>
-              <a:t>    }</a:t>
-            </a:r>
-          </a:p>
-          <a:p>
-            <a:pPr marR="0" lvl="0" defTabSz="914400" latinLnBrk="0">
-              <a:lnSpc>
-                <a:spcPct val="100000"/>
-              </a:lnSpc>
-              <a:tabLst/>
-            </a:pPr>
-            <a:endParaRPr lang="de-DE" altLang="de-DE" sz="1200" dirty="0"/>
-          </a:p>
-          <a:p>
-            <a:pPr marR="0" lvl="0" defTabSz="914400" latinLnBrk="0">
-              <a:lnSpc>
-                <a:spcPct val="100000"/>
-              </a:lnSpc>
-              <a:tabLst/>
-            </a:pPr>
-            <a:r>
-              <a:rPr lang="de-DE" altLang="de-DE" sz="1200" dirty="0"/>
-              <a:t>    return mutate;</a:t>
-            </a:r>
-          </a:p>
-          <a:p>
-            <a:pPr marR="0" lvl="0" defTabSz="914400" latinLnBrk="0">
-              <a:lnSpc>
-                <a:spcPct val="100000"/>
-              </a:lnSpc>
-              <a:tabLst/>
-            </a:pPr>
-            <a:r>
-              <a:rPr lang="de-DE" altLang="de-DE" sz="1200" dirty="0"/>
-              <a:t>}</a:t>
-            </a:r>
-          </a:p>
-        </p:txBody>
-      </p:sp>
-      <p:sp>
-        <p:nvSpPr>
-          <p:cNvPr id="11" name="TextBox 10">
-            <a:extLst>
-              <a:ext uri="{FF2B5EF4-FFF2-40B4-BE49-F238E27FC236}">
-                <a16:creationId xmlns:a16="http://schemas.microsoft.com/office/drawing/2014/main" id="{A9A881C4-7DE0-4C0F-B2EC-F77D820DCF22}"/>
-              </a:ext>
-            </a:extLst>
-          </p:cNvPr>
-          <p:cNvSpPr txBox="1"/>
-          <p:nvPr/>
-        </p:nvSpPr>
-        <p:spPr>
-          <a:xfrm>
-            <a:off x="5965794" y="1292791"/>
-            <a:ext cx="4074850" cy="4108817"/>
-          </a:xfrm>
-          <a:prstGeom prst="rect">
-            <a:avLst/>
-          </a:prstGeom>
-          <a:noFill/>
-        </p:spPr>
-        <p:txBody>
-          <a:bodyPr wrap="square" rtlCol="0">
-            <a:spAutoFit/>
-          </a:bodyPr>
-          <a:lstStyle/>
-          <a:p>
-            <a:pPr>
-              <a:spcAft>
-                <a:spcPts val="600"/>
-              </a:spcAft>
-            </a:pPr>
-            <a:r>
-              <a:rPr lang="de-DE" dirty="0">
-                <a:solidFill>
-                  <a:srgbClr val="4A5C66"/>
-                </a:solidFill>
-                <a:latin typeface="Arial" panose="020B0604020202020204" pitchFamily="34" charset="0"/>
-                <a:cs typeface="Arial" panose="020B0604020202020204" pitchFamily="34" charset="0"/>
-              </a:rPr>
-              <a:t>Chromosom: {1,2,</a:t>
-            </a:r>
-            <a:r>
-              <a:rPr lang="de-DE" b="1" dirty="0">
-                <a:solidFill>
-                  <a:srgbClr val="4A5C66"/>
-                </a:solidFill>
-                <a:latin typeface="Arial" panose="020B0604020202020204" pitchFamily="34" charset="0"/>
-                <a:cs typeface="Arial" panose="020B0604020202020204" pitchFamily="34" charset="0"/>
-              </a:rPr>
-              <a:t>3,4,5,6,7</a:t>
-            </a:r>
-            <a:r>
-              <a:rPr lang="de-DE" dirty="0">
-                <a:solidFill>
-                  <a:srgbClr val="4A5C66"/>
-                </a:solidFill>
-                <a:latin typeface="Arial" panose="020B0604020202020204" pitchFamily="34" charset="0"/>
-                <a:cs typeface="Arial" panose="020B0604020202020204" pitchFamily="34" charset="0"/>
-              </a:rPr>
-              <a:t>,8,9,10}</a:t>
-            </a:r>
-          </a:p>
-          <a:p>
-            <a:pPr>
-              <a:spcAft>
-                <a:spcPts val="600"/>
-              </a:spcAft>
-            </a:pPr>
-            <a:endParaRPr lang="de-DE" dirty="0">
-              <a:solidFill>
-                <a:srgbClr val="4A5C66"/>
-              </a:solidFill>
-              <a:latin typeface="Arial" panose="020B0604020202020204" pitchFamily="34" charset="0"/>
-              <a:cs typeface="Arial" panose="020B0604020202020204" pitchFamily="34" charset="0"/>
-            </a:endParaRPr>
-          </a:p>
-          <a:p>
-            <a:pPr>
-              <a:spcAft>
-                <a:spcPts val="600"/>
-              </a:spcAft>
-            </a:pPr>
-            <a:endParaRPr lang="de-DE" dirty="0">
-              <a:solidFill>
-                <a:srgbClr val="4A5C66"/>
-              </a:solidFill>
-              <a:latin typeface="Arial" panose="020B0604020202020204" pitchFamily="34" charset="0"/>
-              <a:cs typeface="Arial" panose="020B0604020202020204" pitchFamily="34" charset="0"/>
-            </a:endParaRPr>
-          </a:p>
-          <a:p>
-            <a:pPr>
-              <a:spcAft>
-                <a:spcPts val="600"/>
-              </a:spcAft>
-            </a:pPr>
-            <a:r>
-              <a:rPr lang="de-DE" dirty="0">
-                <a:solidFill>
-                  <a:srgbClr val="4A5C66"/>
-                </a:solidFill>
-                <a:latin typeface="Arial" panose="020B0604020202020204" pitchFamily="34" charset="0"/>
-                <a:cs typeface="Arial" panose="020B0604020202020204" pitchFamily="34" charset="0"/>
-              </a:rPr>
-              <a:t>position_a=3</a:t>
-            </a:r>
-          </a:p>
-          <a:p>
-            <a:pPr>
-              <a:spcAft>
-                <a:spcPts val="600"/>
-              </a:spcAft>
-            </a:pPr>
-            <a:endParaRPr lang="de-DE" dirty="0">
-              <a:solidFill>
-                <a:srgbClr val="4A5C66"/>
-              </a:solidFill>
-              <a:latin typeface="Arial" panose="020B0604020202020204" pitchFamily="34" charset="0"/>
-              <a:cs typeface="Arial" panose="020B0604020202020204" pitchFamily="34" charset="0"/>
-            </a:endParaRPr>
-          </a:p>
-          <a:p>
-            <a:pPr>
-              <a:spcAft>
-                <a:spcPts val="600"/>
-              </a:spcAft>
-            </a:pPr>
-            <a:r>
-              <a:rPr lang="de-DE" dirty="0">
-                <a:solidFill>
-                  <a:srgbClr val="4A5C66"/>
-                </a:solidFill>
-                <a:latin typeface="Arial" panose="020B0604020202020204" pitchFamily="34" charset="0"/>
-                <a:cs typeface="Arial" panose="020B0604020202020204" pitchFamily="34" charset="0"/>
-              </a:rPr>
-              <a:t>position_b=7</a:t>
-            </a:r>
-          </a:p>
-          <a:p>
-            <a:pPr>
-              <a:spcAft>
-                <a:spcPts val="600"/>
-              </a:spcAft>
-            </a:pPr>
-            <a:endParaRPr lang="de-DE" dirty="0">
-              <a:solidFill>
-                <a:srgbClr val="4A5C66"/>
-              </a:solidFill>
-              <a:latin typeface="Arial" panose="020B0604020202020204" pitchFamily="34" charset="0"/>
-              <a:cs typeface="Arial" panose="020B0604020202020204" pitchFamily="34" charset="0"/>
-            </a:endParaRPr>
-          </a:p>
-          <a:p>
-            <a:pPr>
-              <a:spcAft>
-                <a:spcPts val="600"/>
-              </a:spcAft>
-            </a:pPr>
-            <a:endParaRPr lang="de-DE" dirty="0">
-              <a:solidFill>
-                <a:srgbClr val="4A5C66"/>
-              </a:solidFill>
-              <a:latin typeface="Arial" panose="020B0604020202020204" pitchFamily="34" charset="0"/>
-              <a:cs typeface="Arial" panose="020B0604020202020204" pitchFamily="34" charset="0"/>
-            </a:endParaRPr>
-          </a:p>
-          <a:p>
-            <a:pPr>
-              <a:spcAft>
-                <a:spcPts val="600"/>
-              </a:spcAft>
-            </a:pPr>
-            <a:endParaRPr lang="de-DE" dirty="0">
-              <a:solidFill>
-                <a:srgbClr val="4A5C66"/>
-              </a:solidFill>
-              <a:latin typeface="Arial" panose="020B0604020202020204" pitchFamily="34" charset="0"/>
-              <a:cs typeface="Arial" panose="020B0604020202020204" pitchFamily="34" charset="0"/>
-            </a:endParaRPr>
-          </a:p>
-          <a:p>
-            <a:pPr>
-              <a:spcAft>
-                <a:spcPts val="600"/>
-              </a:spcAft>
-            </a:pPr>
-            <a:endParaRPr lang="de-DE" dirty="0">
-              <a:solidFill>
-                <a:srgbClr val="4A5C66"/>
-              </a:solidFill>
-              <a:latin typeface="Arial" panose="020B0604020202020204" pitchFamily="34" charset="0"/>
-              <a:cs typeface="Arial" panose="020B0604020202020204" pitchFamily="34" charset="0"/>
-            </a:endParaRPr>
-          </a:p>
-          <a:p>
-            <a:pPr>
-              <a:spcAft>
-                <a:spcPts val="600"/>
-              </a:spcAft>
-            </a:pPr>
-            <a:r>
-              <a:rPr lang="de-DE" dirty="0">
-                <a:solidFill>
-                  <a:srgbClr val="4A5C66"/>
-                </a:solidFill>
-                <a:latin typeface="Arial" panose="020B0604020202020204" pitchFamily="34" charset="0"/>
-                <a:cs typeface="Arial" panose="020B0604020202020204" pitchFamily="34" charset="0"/>
-              </a:rPr>
-              <a:t>Ergebnis: {1,2,</a:t>
-            </a:r>
-            <a:r>
-              <a:rPr lang="de-DE" b="1" dirty="0">
-                <a:solidFill>
-                  <a:srgbClr val="4A5C66"/>
-                </a:solidFill>
-                <a:latin typeface="Arial" panose="020B0604020202020204" pitchFamily="34" charset="0"/>
-                <a:cs typeface="Arial" panose="020B0604020202020204" pitchFamily="34" charset="0"/>
-              </a:rPr>
-              <a:t>4,5,6,7,</a:t>
-            </a:r>
-            <a:r>
-              <a:rPr lang="de-DE" b="1" dirty="0">
-                <a:solidFill>
-                  <a:srgbClr val="C00000"/>
-                </a:solidFill>
-                <a:latin typeface="Arial" panose="020B0604020202020204" pitchFamily="34" charset="0"/>
-                <a:cs typeface="Arial" panose="020B0604020202020204" pitchFamily="34" charset="0"/>
-              </a:rPr>
-              <a:t>3</a:t>
-            </a:r>
-            <a:r>
-              <a:rPr lang="de-DE" dirty="0">
-                <a:solidFill>
-                  <a:srgbClr val="4A5C66"/>
-                </a:solidFill>
-                <a:latin typeface="Arial" panose="020B0604020202020204" pitchFamily="34" charset="0"/>
-                <a:cs typeface="Arial" panose="020B0604020202020204" pitchFamily="34" charset="0"/>
-              </a:rPr>
-              <a:t>,8,9,10}</a:t>
-            </a:r>
-          </a:p>
-          <a:p>
-            <a:pPr>
-              <a:spcAft>
-                <a:spcPts val="600"/>
-              </a:spcAft>
-            </a:pPr>
-            <a:endParaRPr lang="de-DE" dirty="0">
-              <a:solidFill>
-                <a:srgbClr val="4A5C66"/>
-              </a:solidFill>
-              <a:latin typeface="Arial" panose="020B0604020202020204" pitchFamily="34" charset="0"/>
-              <a:cs typeface="Arial" panose="020B0604020202020204" pitchFamily="34" charset="0"/>
-            </a:endParaRPr>
-          </a:p>
-          <a:p>
-            <a:pPr>
-              <a:spcAft>
-                <a:spcPts val="600"/>
-              </a:spcAft>
-            </a:pPr>
-            <a:endParaRPr lang="de-DE" dirty="0">
-              <a:solidFill>
-                <a:srgbClr val="4A5C66"/>
-              </a:solidFill>
-              <a:latin typeface="Arial" panose="020B0604020202020204" pitchFamily="34" charset="0"/>
-              <a:cs typeface="Arial" panose="020B0604020202020204" pitchFamily="34" charset="0"/>
-            </a:endParaRPr>
-          </a:p>
-          <a:p>
-            <a:pPr>
-              <a:spcAft>
-                <a:spcPts val="600"/>
-              </a:spcAft>
-            </a:pPr>
-            <a:endParaRPr lang="de-DE" dirty="0">
-              <a:solidFill>
-                <a:srgbClr val="4A5C66"/>
-              </a:solidFill>
-              <a:latin typeface="Arial" panose="020B0604020202020204" pitchFamily="34" charset="0"/>
-              <a:cs typeface="Arial" panose="020B0604020202020204" pitchFamily="34" charset="0"/>
-            </a:endParaRPr>
+            <a:endParaRPr lang="de-DE" sz="1800" dirty="0"/>
           </a:p>
         </p:txBody>
       </p:sp>
     </p:spTree>
     <p:extLst>
       <p:ext uri="{BB962C8B-B14F-4D97-AF65-F5344CB8AC3E}">
-        <p14:creationId xmlns:p14="http://schemas.microsoft.com/office/powerpoint/2010/main" val="21206333"/>
+        <p14:creationId xmlns:p14="http://schemas.microsoft.com/office/powerpoint/2010/main" val="198717295"/>
       </p:ext>
     </p:extLst>
   </p:cSld>
@@ -23141,6 +23361,676 @@
           <a:p>
             <a:r>
               <a:rPr lang="de-DE" dirty="0"/>
+              <a:t>Realisierung – Mutations-Algorithmus</a:t>
+            </a:r>
+          </a:p>
+        </p:txBody>
+      </p:sp>
+      <p:sp>
+        <p:nvSpPr>
+          <p:cNvPr id="4" name="Rectangle 1">
+            <a:extLst>
+              <a:ext uri="{FF2B5EF4-FFF2-40B4-BE49-F238E27FC236}">
+                <a16:creationId xmlns:a16="http://schemas.microsoft.com/office/drawing/2014/main" id="{902F850E-7E9B-4622-87C4-FE1420D027EA}"/>
+              </a:ext>
+            </a:extLst>
+          </p:cNvPr>
+          <p:cNvSpPr>
+            <a:spLocks noGrp="1" noChangeArrowheads="1"/>
+          </p:cNvSpPr>
+          <p:nvPr>
+            <p:ph type="body" sz="quarter" idx="11"/>
+          </p:nvPr>
+        </p:nvSpPr>
+        <p:spPr bwMode="auto">
+          <a:xfrm>
+            <a:off x="334963" y="1131901"/>
+            <a:ext cx="5630831" cy="3600986"/>
+          </a:xfrm>
+          <a:prstGeom prst="rect">
+            <a:avLst/>
+          </a:prstGeom>
+          <a:solidFill>
+            <a:srgbClr val="FFFFFF"/>
+          </a:solidFill>
+          <a:ln>
+            <a:noFill/>
+          </a:ln>
+          <a:effectLst/>
+          <a:extLst>
+            <a:ext uri="{91240B29-F687-4F45-9708-019B960494DF}">
+              <a14:hiddenLine xmlns:a14="http://schemas.microsoft.com/office/drawing/2010/main" w="9525">
+                <a:solidFill>
+                  <a:schemeClr val="tx1"/>
+                </a:solidFill>
+                <a:miter lim="800000"/>
+                <a:headEnd/>
+                <a:tailEnd/>
+              </a14:hiddenLine>
+            </a:ext>
+            <a:ext uri="{AF507438-7753-43E0-B8FC-AC1667EBCBE1}">
+              <a14:hiddenEffects xmlns:a14="http://schemas.microsoft.com/office/drawing/2010/main">
+                <a:effectLst>
+                  <a:outerShdw dist="35921" dir="2700000" algn="ctr" rotWithShape="0">
+                    <a:schemeClr val="bg2"/>
+                  </a:outerShdw>
+                </a:effectLst>
+              </a14:hiddenEffects>
+            </a:ext>
+          </a:extLst>
+        </p:spPr>
+        <p:txBody>
+          <a:bodyPr vert="horz" wrap="square" lIns="91440" tIns="45720" rIns="91440" bIns="45720" numCol="1" anchor="ctr" anchorCtr="0" compatLnSpc="1">
+            <a:prstTxWarp prst="textNoShape">
+              <a:avLst/>
+            </a:prstTxWarp>
+            <a:spAutoFit/>
+          </a:bodyPr>
+          <a:lstStyle/>
+          <a:p>
+            <a:pPr marR="0" lvl="0" defTabSz="914400" latinLnBrk="0">
+              <a:lnSpc>
+                <a:spcPct val="100000"/>
+              </a:lnSpc>
+              <a:tabLst/>
+            </a:pPr>
+            <a:r>
+              <a:rPr lang="de-DE" altLang="de-DE" sz="1200" dirty="0">
+                <a:solidFill>
+                  <a:schemeClr val="accent6">
+                    <a:lumMod val="75000"/>
+                  </a:schemeClr>
+                </a:solidFill>
+              </a:rPr>
+              <a:t>bool</a:t>
+            </a:r>
+            <a:r>
+              <a:rPr lang="de-DE" altLang="de-DE" sz="1200" dirty="0"/>
+              <a:t> mutation_delete_shift(Individual &amp;individual, int percentage) {</a:t>
+            </a:r>
+          </a:p>
+          <a:p>
+            <a:pPr marR="0" lvl="0" defTabSz="914400" latinLnBrk="0">
+              <a:lnSpc>
+                <a:spcPct val="100000"/>
+              </a:lnSpc>
+              <a:tabLst/>
+            </a:pPr>
+            <a:r>
+              <a:rPr lang="de-DE" altLang="de-DE" sz="1200" dirty="0"/>
+              <a:t>    bool mutate = rand() % 100 &lt; percentage;</a:t>
+            </a:r>
+          </a:p>
+          <a:p>
+            <a:pPr marR="0" lvl="0" defTabSz="914400" latinLnBrk="0">
+              <a:lnSpc>
+                <a:spcPct val="100000"/>
+              </a:lnSpc>
+              <a:tabLst/>
+            </a:pPr>
+            <a:endParaRPr lang="de-DE" altLang="de-DE" sz="1200" dirty="0"/>
+          </a:p>
+          <a:p>
+            <a:pPr marR="0" lvl="0" defTabSz="914400" latinLnBrk="0">
+              <a:lnSpc>
+                <a:spcPct val="100000"/>
+              </a:lnSpc>
+              <a:tabLst/>
+            </a:pPr>
+            <a:r>
+              <a:rPr lang="de-DE" altLang="de-DE" sz="1200" dirty="0"/>
+              <a:t>    </a:t>
+            </a:r>
+            <a:r>
+              <a:rPr lang="de-DE" altLang="de-DE" sz="1200" dirty="0">
+                <a:solidFill>
+                  <a:schemeClr val="accent6">
+                    <a:lumMod val="75000"/>
+                  </a:schemeClr>
+                </a:solidFill>
+              </a:rPr>
+              <a:t>if</a:t>
+            </a:r>
+            <a:r>
+              <a:rPr lang="de-DE" altLang="de-DE" sz="1200" dirty="0"/>
+              <a:t> (mutate) {</a:t>
+            </a:r>
+          </a:p>
+          <a:p>
+            <a:pPr marR="0" lvl="0" defTabSz="914400" latinLnBrk="0">
+              <a:lnSpc>
+                <a:spcPct val="100000"/>
+              </a:lnSpc>
+              <a:tabLst/>
+            </a:pPr>
+            <a:r>
+              <a:rPr lang="de-DE" altLang="de-DE" sz="1200" dirty="0"/>
+              <a:t>        int position_a = rand() % (individual.get_size() - 1);</a:t>
+            </a:r>
+          </a:p>
+          <a:p>
+            <a:pPr marR="0" lvl="0" defTabSz="914400" latinLnBrk="0">
+              <a:lnSpc>
+                <a:spcPct val="100000"/>
+              </a:lnSpc>
+              <a:tabLst/>
+            </a:pPr>
+            <a:r>
+              <a:rPr lang="de-DE" altLang="de-DE" sz="1200" dirty="0"/>
+              <a:t>        int position_b;</a:t>
+            </a:r>
+          </a:p>
+          <a:p>
+            <a:pPr marR="0" lvl="0" defTabSz="914400" latinLnBrk="0">
+              <a:lnSpc>
+                <a:spcPct val="100000"/>
+              </a:lnSpc>
+              <a:tabLst/>
+            </a:pPr>
+            <a:r>
+              <a:rPr lang="de-DE" altLang="de-DE" sz="1200" dirty="0"/>
+              <a:t>        </a:t>
+            </a:r>
+            <a:r>
+              <a:rPr lang="de-DE" altLang="de-DE" sz="1200" dirty="0">
+                <a:solidFill>
+                  <a:schemeClr val="accent6">
+                    <a:lumMod val="75000"/>
+                  </a:schemeClr>
+                </a:solidFill>
+              </a:rPr>
+              <a:t>do</a:t>
+            </a:r>
+            <a:r>
+              <a:rPr lang="de-DE" altLang="de-DE" sz="1200" dirty="0"/>
+              <a:t> {</a:t>
+            </a:r>
+          </a:p>
+          <a:p>
+            <a:pPr marR="0" lvl="0" defTabSz="914400" latinLnBrk="0">
+              <a:lnSpc>
+                <a:spcPct val="100000"/>
+              </a:lnSpc>
+              <a:tabLst/>
+            </a:pPr>
+            <a:r>
+              <a:rPr lang="de-DE" altLang="de-DE" sz="1200" dirty="0"/>
+              <a:t>            position_b = rand() % (individual.get_size() - position_a) + position_a;</a:t>
+            </a:r>
+          </a:p>
+          <a:p>
+            <a:pPr marR="0" lvl="0" defTabSz="914400" latinLnBrk="0">
+              <a:lnSpc>
+                <a:spcPct val="100000"/>
+              </a:lnSpc>
+              <a:tabLst/>
+            </a:pPr>
+            <a:r>
+              <a:rPr lang="de-DE" altLang="de-DE" sz="1200" dirty="0"/>
+              <a:t>        } </a:t>
+            </a:r>
+            <a:r>
+              <a:rPr lang="de-DE" altLang="de-DE" sz="1200" dirty="0">
+                <a:solidFill>
+                  <a:schemeClr val="accent6">
+                    <a:lumMod val="75000"/>
+                  </a:schemeClr>
+                </a:solidFill>
+              </a:rPr>
+              <a:t>while</a:t>
+            </a:r>
+            <a:r>
+              <a:rPr lang="de-DE" altLang="de-DE" sz="1200" dirty="0"/>
+              <a:t> (position_a == position_b);</a:t>
+            </a:r>
+          </a:p>
+          <a:p>
+            <a:pPr marR="0" lvl="0" defTabSz="914400" latinLnBrk="0">
+              <a:lnSpc>
+                <a:spcPct val="100000"/>
+              </a:lnSpc>
+              <a:tabLst/>
+            </a:pPr>
+            <a:r>
+              <a:rPr lang="de-DE" altLang="de-DE" sz="1200" dirty="0"/>
+              <a:t>    </a:t>
+            </a:r>
+          </a:p>
+          <a:p>
+            <a:pPr marR="0" lvl="0" defTabSz="914400" latinLnBrk="0">
+              <a:lnSpc>
+                <a:spcPct val="100000"/>
+              </a:lnSpc>
+              <a:tabLst/>
+            </a:pPr>
+            <a:r>
+              <a:rPr lang="de-DE" altLang="de-DE" sz="1200" dirty="0"/>
+              <a:t>    </a:t>
+            </a:r>
+            <a:r>
+              <a:rPr lang="de-DE" altLang="de-DE" sz="1200" dirty="0">
+                <a:solidFill>
+                  <a:schemeClr val="accent6">
+                    <a:lumMod val="75000"/>
+                  </a:schemeClr>
+                </a:solidFill>
+              </a:rPr>
+              <a:t>for</a:t>
+            </a:r>
+            <a:r>
+              <a:rPr lang="de-DE" altLang="de-DE" sz="1200" dirty="0"/>
+              <a:t> (int i = position_a; i &lt; position_b; i++) {</a:t>
+            </a:r>
+          </a:p>
+          <a:p>
+            <a:pPr marR="0" lvl="0" defTabSz="914400" latinLnBrk="0">
+              <a:lnSpc>
+                <a:spcPct val="100000"/>
+              </a:lnSpc>
+              <a:tabLst/>
+            </a:pPr>
+            <a:r>
+              <a:rPr lang="de-DE" altLang="de-DE" sz="1200" dirty="0"/>
+              <a:t>        swap_chromosome(individual.get_chromosome(), i, i + 1);</a:t>
+            </a:r>
+          </a:p>
+          <a:p>
+            <a:pPr marR="0" lvl="0" defTabSz="914400" latinLnBrk="0">
+              <a:lnSpc>
+                <a:spcPct val="100000"/>
+              </a:lnSpc>
+              <a:tabLst/>
+            </a:pPr>
+            <a:r>
+              <a:rPr lang="de-DE" altLang="de-DE" sz="1200" dirty="0"/>
+              <a:t>    }</a:t>
+            </a:r>
+          </a:p>
+          <a:p>
+            <a:pPr marR="0" lvl="0" defTabSz="914400" latinLnBrk="0">
+              <a:lnSpc>
+                <a:spcPct val="100000"/>
+              </a:lnSpc>
+              <a:tabLst/>
+            </a:pPr>
+            <a:endParaRPr lang="de-DE" altLang="de-DE" sz="1200" dirty="0"/>
+          </a:p>
+          <a:p>
+            <a:pPr marR="0" lvl="0" defTabSz="914400" latinLnBrk="0">
+              <a:lnSpc>
+                <a:spcPct val="100000"/>
+              </a:lnSpc>
+              <a:tabLst/>
+            </a:pPr>
+            <a:r>
+              <a:rPr lang="de-DE" altLang="de-DE" sz="1200" dirty="0"/>
+              <a:t>    return mutate;</a:t>
+            </a:r>
+          </a:p>
+          <a:p>
+            <a:pPr marR="0" lvl="0" defTabSz="914400" latinLnBrk="0">
+              <a:lnSpc>
+                <a:spcPct val="100000"/>
+              </a:lnSpc>
+              <a:tabLst/>
+            </a:pPr>
+            <a:r>
+              <a:rPr lang="de-DE" altLang="de-DE" sz="1200" dirty="0"/>
+              <a:t>}</a:t>
+            </a:r>
+          </a:p>
+        </p:txBody>
+      </p:sp>
+      <p:sp>
+        <p:nvSpPr>
+          <p:cNvPr id="11" name="TextBox 10">
+            <a:extLst>
+              <a:ext uri="{FF2B5EF4-FFF2-40B4-BE49-F238E27FC236}">
+                <a16:creationId xmlns:a16="http://schemas.microsoft.com/office/drawing/2014/main" id="{A9A881C4-7DE0-4C0F-B2EC-F77D820DCF22}"/>
+              </a:ext>
+            </a:extLst>
+          </p:cNvPr>
+          <p:cNvSpPr txBox="1"/>
+          <p:nvPr/>
+        </p:nvSpPr>
+        <p:spPr>
+          <a:xfrm>
+            <a:off x="5965794" y="1292791"/>
+            <a:ext cx="4074850" cy="4108817"/>
+          </a:xfrm>
+          <a:prstGeom prst="rect">
+            <a:avLst/>
+          </a:prstGeom>
+          <a:noFill/>
+        </p:spPr>
+        <p:txBody>
+          <a:bodyPr wrap="square" rtlCol="0">
+            <a:spAutoFit/>
+          </a:bodyPr>
+          <a:lstStyle/>
+          <a:p>
+            <a:pPr>
+              <a:spcAft>
+                <a:spcPts val="600"/>
+              </a:spcAft>
+            </a:pPr>
+            <a:r>
+              <a:rPr lang="de-DE" dirty="0">
+                <a:solidFill>
+                  <a:srgbClr val="4A5C66"/>
+                </a:solidFill>
+                <a:latin typeface="Arial" panose="020B0604020202020204" pitchFamily="34" charset="0"/>
+                <a:cs typeface="Arial" panose="020B0604020202020204" pitchFamily="34" charset="0"/>
+              </a:rPr>
+              <a:t>Chromosom: {1,2,</a:t>
+            </a:r>
+            <a:r>
+              <a:rPr lang="de-DE" b="1" dirty="0">
+                <a:solidFill>
+                  <a:srgbClr val="C00000"/>
+                </a:solidFill>
+                <a:latin typeface="Arial" panose="020B0604020202020204" pitchFamily="34" charset="0"/>
+                <a:cs typeface="Arial" panose="020B0604020202020204" pitchFamily="34" charset="0"/>
+              </a:rPr>
+              <a:t>3</a:t>
+            </a:r>
+            <a:r>
+              <a:rPr lang="de-DE" b="1" dirty="0">
+                <a:solidFill>
+                  <a:srgbClr val="4A5C66"/>
+                </a:solidFill>
+                <a:latin typeface="Arial" panose="020B0604020202020204" pitchFamily="34" charset="0"/>
+                <a:cs typeface="Arial" panose="020B0604020202020204" pitchFamily="34" charset="0"/>
+              </a:rPr>
+              <a:t>,4,5,6,7</a:t>
+            </a:r>
+            <a:r>
+              <a:rPr lang="de-DE" dirty="0">
+                <a:solidFill>
+                  <a:srgbClr val="4A5C66"/>
+                </a:solidFill>
+                <a:latin typeface="Arial" panose="020B0604020202020204" pitchFamily="34" charset="0"/>
+                <a:cs typeface="Arial" panose="020B0604020202020204" pitchFamily="34" charset="0"/>
+              </a:rPr>
+              <a:t>,8,9,10}</a:t>
+            </a:r>
+          </a:p>
+          <a:p>
+            <a:pPr>
+              <a:spcAft>
+                <a:spcPts val="600"/>
+              </a:spcAft>
+            </a:pPr>
+            <a:endParaRPr lang="de-DE" dirty="0">
+              <a:solidFill>
+                <a:srgbClr val="4A5C66"/>
+              </a:solidFill>
+              <a:latin typeface="Arial" panose="020B0604020202020204" pitchFamily="34" charset="0"/>
+              <a:cs typeface="Arial" panose="020B0604020202020204" pitchFamily="34" charset="0"/>
+            </a:endParaRPr>
+          </a:p>
+          <a:p>
+            <a:pPr>
+              <a:spcAft>
+                <a:spcPts val="600"/>
+              </a:spcAft>
+            </a:pPr>
+            <a:endParaRPr lang="de-DE" dirty="0">
+              <a:solidFill>
+                <a:srgbClr val="4A5C66"/>
+              </a:solidFill>
+              <a:latin typeface="Arial" panose="020B0604020202020204" pitchFamily="34" charset="0"/>
+              <a:cs typeface="Arial" panose="020B0604020202020204" pitchFamily="34" charset="0"/>
+            </a:endParaRPr>
+          </a:p>
+          <a:p>
+            <a:pPr>
+              <a:spcAft>
+                <a:spcPts val="600"/>
+              </a:spcAft>
+            </a:pPr>
+            <a:r>
+              <a:rPr lang="de-DE" dirty="0">
+                <a:solidFill>
+                  <a:srgbClr val="4A5C66"/>
+                </a:solidFill>
+                <a:latin typeface="Arial" panose="020B0604020202020204" pitchFamily="34" charset="0"/>
+                <a:cs typeface="Arial" panose="020B0604020202020204" pitchFamily="34" charset="0"/>
+              </a:rPr>
+              <a:t>position_a=3</a:t>
+            </a:r>
+          </a:p>
+          <a:p>
+            <a:pPr>
+              <a:spcAft>
+                <a:spcPts val="600"/>
+              </a:spcAft>
+            </a:pPr>
+            <a:endParaRPr lang="de-DE" dirty="0">
+              <a:solidFill>
+                <a:srgbClr val="4A5C66"/>
+              </a:solidFill>
+              <a:latin typeface="Arial" panose="020B0604020202020204" pitchFamily="34" charset="0"/>
+              <a:cs typeface="Arial" panose="020B0604020202020204" pitchFamily="34" charset="0"/>
+            </a:endParaRPr>
+          </a:p>
+          <a:p>
+            <a:pPr>
+              <a:spcAft>
+                <a:spcPts val="600"/>
+              </a:spcAft>
+            </a:pPr>
+            <a:r>
+              <a:rPr lang="de-DE" dirty="0">
+                <a:solidFill>
+                  <a:srgbClr val="4A5C66"/>
+                </a:solidFill>
+                <a:latin typeface="Arial" panose="020B0604020202020204" pitchFamily="34" charset="0"/>
+                <a:cs typeface="Arial" panose="020B0604020202020204" pitchFamily="34" charset="0"/>
+              </a:rPr>
+              <a:t>position_b=7</a:t>
+            </a:r>
+          </a:p>
+          <a:p>
+            <a:pPr>
+              <a:spcAft>
+                <a:spcPts val="600"/>
+              </a:spcAft>
+            </a:pPr>
+            <a:endParaRPr lang="de-DE" dirty="0">
+              <a:solidFill>
+                <a:srgbClr val="4A5C66"/>
+              </a:solidFill>
+              <a:latin typeface="Arial" panose="020B0604020202020204" pitchFamily="34" charset="0"/>
+              <a:cs typeface="Arial" panose="020B0604020202020204" pitchFamily="34" charset="0"/>
+            </a:endParaRPr>
+          </a:p>
+          <a:p>
+            <a:pPr>
+              <a:spcAft>
+                <a:spcPts val="600"/>
+              </a:spcAft>
+            </a:pPr>
+            <a:endParaRPr lang="de-DE" dirty="0">
+              <a:solidFill>
+                <a:srgbClr val="4A5C66"/>
+              </a:solidFill>
+              <a:latin typeface="Arial" panose="020B0604020202020204" pitchFamily="34" charset="0"/>
+              <a:cs typeface="Arial" panose="020B0604020202020204" pitchFamily="34" charset="0"/>
+            </a:endParaRPr>
+          </a:p>
+          <a:p>
+            <a:pPr>
+              <a:spcAft>
+                <a:spcPts val="600"/>
+              </a:spcAft>
+            </a:pPr>
+            <a:endParaRPr lang="de-DE" dirty="0">
+              <a:solidFill>
+                <a:srgbClr val="4A5C66"/>
+              </a:solidFill>
+              <a:latin typeface="Arial" panose="020B0604020202020204" pitchFamily="34" charset="0"/>
+              <a:cs typeface="Arial" panose="020B0604020202020204" pitchFamily="34" charset="0"/>
+            </a:endParaRPr>
+          </a:p>
+          <a:p>
+            <a:pPr>
+              <a:spcAft>
+                <a:spcPts val="600"/>
+              </a:spcAft>
+            </a:pPr>
+            <a:endParaRPr lang="de-DE" dirty="0">
+              <a:solidFill>
+                <a:srgbClr val="4A5C66"/>
+              </a:solidFill>
+              <a:latin typeface="Arial" panose="020B0604020202020204" pitchFamily="34" charset="0"/>
+              <a:cs typeface="Arial" panose="020B0604020202020204" pitchFamily="34" charset="0"/>
+            </a:endParaRPr>
+          </a:p>
+          <a:p>
+            <a:pPr>
+              <a:spcAft>
+                <a:spcPts val="600"/>
+              </a:spcAft>
+            </a:pPr>
+            <a:r>
+              <a:rPr lang="de-DE" dirty="0">
+                <a:solidFill>
+                  <a:srgbClr val="4A5C66"/>
+                </a:solidFill>
+                <a:latin typeface="Arial" panose="020B0604020202020204" pitchFamily="34" charset="0"/>
+                <a:cs typeface="Arial" panose="020B0604020202020204" pitchFamily="34" charset="0"/>
+              </a:rPr>
+              <a:t>Ergebnis: {1,2,</a:t>
+            </a:r>
+            <a:r>
+              <a:rPr lang="de-DE" b="1" dirty="0">
+                <a:solidFill>
+                  <a:srgbClr val="4A5C66"/>
+                </a:solidFill>
+                <a:latin typeface="Arial" panose="020B0604020202020204" pitchFamily="34" charset="0"/>
+                <a:cs typeface="Arial" panose="020B0604020202020204" pitchFamily="34" charset="0"/>
+              </a:rPr>
+              <a:t>4,5,6,7,</a:t>
+            </a:r>
+            <a:r>
+              <a:rPr lang="de-DE" b="1" dirty="0">
+                <a:solidFill>
+                  <a:srgbClr val="C00000"/>
+                </a:solidFill>
+                <a:latin typeface="Arial" panose="020B0604020202020204" pitchFamily="34" charset="0"/>
+                <a:cs typeface="Arial" panose="020B0604020202020204" pitchFamily="34" charset="0"/>
+              </a:rPr>
+              <a:t>3</a:t>
+            </a:r>
+            <a:r>
+              <a:rPr lang="de-DE" dirty="0">
+                <a:solidFill>
+                  <a:srgbClr val="4A5C66"/>
+                </a:solidFill>
+                <a:latin typeface="Arial" panose="020B0604020202020204" pitchFamily="34" charset="0"/>
+                <a:cs typeface="Arial" panose="020B0604020202020204" pitchFamily="34" charset="0"/>
+              </a:rPr>
+              <a:t>,8,9,10}</a:t>
+            </a:r>
+          </a:p>
+          <a:p>
+            <a:pPr>
+              <a:spcAft>
+                <a:spcPts val="600"/>
+              </a:spcAft>
+            </a:pPr>
+            <a:endParaRPr lang="de-DE" dirty="0">
+              <a:solidFill>
+                <a:srgbClr val="4A5C66"/>
+              </a:solidFill>
+              <a:latin typeface="Arial" panose="020B0604020202020204" pitchFamily="34" charset="0"/>
+              <a:cs typeface="Arial" panose="020B0604020202020204" pitchFamily="34" charset="0"/>
+            </a:endParaRPr>
+          </a:p>
+          <a:p>
+            <a:pPr>
+              <a:spcAft>
+                <a:spcPts val="600"/>
+              </a:spcAft>
+            </a:pPr>
+            <a:endParaRPr lang="de-DE" dirty="0">
+              <a:solidFill>
+                <a:srgbClr val="4A5C66"/>
+              </a:solidFill>
+              <a:latin typeface="Arial" panose="020B0604020202020204" pitchFamily="34" charset="0"/>
+              <a:cs typeface="Arial" panose="020B0604020202020204" pitchFamily="34" charset="0"/>
+            </a:endParaRPr>
+          </a:p>
+          <a:p>
+            <a:pPr>
+              <a:spcAft>
+                <a:spcPts val="600"/>
+              </a:spcAft>
+            </a:pPr>
+            <a:endParaRPr lang="de-DE" dirty="0">
+              <a:solidFill>
+                <a:srgbClr val="4A5C66"/>
+              </a:solidFill>
+              <a:latin typeface="Arial" panose="020B0604020202020204" pitchFamily="34" charset="0"/>
+              <a:cs typeface="Arial" panose="020B0604020202020204" pitchFamily="34" charset="0"/>
+            </a:endParaRPr>
+          </a:p>
+        </p:txBody>
+      </p:sp>
+    </p:spTree>
+    <p:extLst>
+      <p:ext uri="{BB962C8B-B14F-4D97-AF65-F5344CB8AC3E}">
+        <p14:creationId xmlns:p14="http://schemas.microsoft.com/office/powerpoint/2010/main" val="21206333"/>
+      </p:ext>
+    </p:extLst>
+  </p:cSld>
+  <p:clrMapOvr>
+    <a:masterClrMapping/>
+  </p:clrMapOvr>
+</p:sld>
+</file>
+
+<file path=ppt/slides/slide16.xml><?xml version="1.0" encoding="utf-8"?>
+<p:sld xmlns:a="http://schemas.openxmlformats.org/drawingml/2006/main" xmlns:r="http://schemas.openxmlformats.org/officeDocument/2006/relationships" xmlns:p="http://schemas.openxmlformats.org/presentationml/2006/main">
+  <p:cSld>
+    <p:spTree>
+      <p:nvGrpSpPr>
+        <p:cNvPr id="1" name=""/>
+        <p:cNvGrpSpPr/>
+        <p:nvPr/>
+      </p:nvGrpSpPr>
+      <p:grpSpPr>
+        <a:xfrm>
+          <a:off x="0" y="0"/>
+          <a:ext cx="0" cy="0"/>
+          <a:chOff x="0" y="0"/>
+          <a:chExt cx="0" cy="0"/>
+        </a:xfrm>
+      </p:grpSpPr>
+      <p:sp>
+        <p:nvSpPr>
+          <p:cNvPr id="2" name="Title 1">
+            <a:extLst>
+              <a:ext uri="{FF2B5EF4-FFF2-40B4-BE49-F238E27FC236}">
+                <a16:creationId xmlns:a16="http://schemas.microsoft.com/office/drawing/2014/main" id="{85052616-A1AA-4C30-9C7B-DBB34145436D}"/>
+              </a:ext>
+            </a:extLst>
+          </p:cNvPr>
+          <p:cNvSpPr>
+            <a:spLocks noGrp="1"/>
+          </p:cNvSpPr>
+          <p:nvPr>
+            <p:ph type="title"/>
+          </p:nvPr>
+        </p:nvSpPr>
+        <p:spPr/>
+        <p:txBody>
+          <a:bodyPr/>
+          <a:lstStyle/>
+          <a:p>
+            <a:r>
+              <a:rPr lang="de-DE" dirty="0"/>
               <a:t>Realisierung – Selektions-Algorithmus</a:t>
             </a:r>
           </a:p>
@@ -23670,7 +24560,7 @@
 </p:sld>
 </file>
 
-<file path=ppt/slides/slide16.xml><?xml version="1.0" encoding="utf-8"?>
+<file path=ppt/slides/slide17.xml><?xml version="1.0" encoding="utf-8"?>
 <p:sld xmlns:a="http://schemas.openxmlformats.org/drawingml/2006/main" xmlns:r="http://schemas.openxmlformats.org/officeDocument/2006/relationships" xmlns:p="http://schemas.openxmlformats.org/presentationml/2006/main">
   <p:cSld>
     <p:spTree>
@@ -23869,568 +24759,6 @@
     <p:extLst>
       <p:ext uri="{BB962C8B-B14F-4D97-AF65-F5344CB8AC3E}">
         <p14:creationId xmlns:p14="http://schemas.microsoft.com/office/powerpoint/2010/main" val="1459846204"/>
-      </p:ext>
-    </p:extLst>
-  </p:cSld>
-  <p:clrMapOvr>
-    <a:masterClrMapping/>
-  </p:clrMapOvr>
-</p:sld>
-</file>
-
-<file path=ppt/slides/slide17.xml><?xml version="1.0" encoding="utf-8"?>
-<p:sld xmlns:a="http://schemas.openxmlformats.org/drawingml/2006/main" xmlns:r="http://schemas.openxmlformats.org/officeDocument/2006/relationships" xmlns:p="http://schemas.openxmlformats.org/presentationml/2006/main">
-  <p:cSld>
-    <p:spTree>
-      <p:nvGrpSpPr>
-        <p:cNvPr id="1" name=""/>
-        <p:cNvGrpSpPr/>
-        <p:nvPr/>
-      </p:nvGrpSpPr>
-      <p:grpSpPr>
-        <a:xfrm>
-          <a:off x="0" y="0"/>
-          <a:ext cx="0" cy="0"/>
-          <a:chOff x="0" y="0"/>
-          <a:chExt cx="0" cy="0"/>
-        </a:xfrm>
-      </p:grpSpPr>
-      <p:sp>
-        <p:nvSpPr>
-          <p:cNvPr id="2" name="Title 1">
-            <a:extLst>
-              <a:ext uri="{FF2B5EF4-FFF2-40B4-BE49-F238E27FC236}">
-                <a16:creationId xmlns:a16="http://schemas.microsoft.com/office/drawing/2014/main" id="{81EFB697-ABB7-4385-A87F-DE3D50F38BDB}"/>
-              </a:ext>
-            </a:extLst>
-          </p:cNvPr>
-          <p:cNvSpPr>
-            <a:spLocks noGrp="1"/>
-          </p:cNvSpPr>
-          <p:nvPr>
-            <p:ph type="title"/>
-          </p:nvPr>
-        </p:nvSpPr>
-        <p:spPr/>
-        <p:txBody>
-          <a:bodyPr/>
-          <a:lstStyle/>
-          <a:p>
-            <a:r>
-              <a:rPr lang="de-DE" dirty="0"/>
-              <a:t>Realisierung – Python-Schnittstelle</a:t>
-            </a:r>
-          </a:p>
-        </p:txBody>
-      </p:sp>
-      <p:sp>
-        <p:nvSpPr>
-          <p:cNvPr id="3" name="Text Placeholder 2">
-            <a:extLst>
-              <a:ext uri="{FF2B5EF4-FFF2-40B4-BE49-F238E27FC236}">
-                <a16:creationId xmlns:a16="http://schemas.microsoft.com/office/drawing/2014/main" id="{778E93AF-5E49-4550-AA2C-7CEF1E9BA9D3}"/>
-              </a:ext>
-            </a:extLst>
-          </p:cNvPr>
-          <p:cNvSpPr>
-            <a:spLocks noGrp="1"/>
-          </p:cNvSpPr>
-          <p:nvPr>
-            <p:ph type="body" sz="quarter" idx="11"/>
-          </p:nvPr>
-        </p:nvSpPr>
-        <p:spPr>
-          <a:xfrm>
-            <a:off x="334963" y="1280160"/>
-            <a:ext cx="11487150" cy="1835902"/>
-          </a:xfrm>
-        </p:spPr>
-        <p:txBody>
-          <a:bodyPr/>
-          <a:lstStyle/>
-          <a:p>
-            <a:pPr marL="285750" indent="-285750">
-              <a:buFont typeface="Arial" panose="020B0604020202020204" pitchFamily="34" charset="0"/>
-              <a:buChar char="•"/>
-            </a:pPr>
-            <a:r>
-              <a:rPr lang="de-DE" dirty="0"/>
-              <a:t>Boost Python Bibliothek</a:t>
-            </a:r>
-          </a:p>
-          <a:p>
-            <a:pPr marL="285750" indent="-285750">
-              <a:buFont typeface="Arial" panose="020B0604020202020204" pitchFamily="34" charset="0"/>
-              <a:buChar char="•"/>
-            </a:pPr>
-            <a:r>
-              <a:rPr lang="de-DE" dirty="0"/>
-              <a:t>Erstellung von Schnittstellen zwischen C++ und Python</a:t>
-            </a:r>
-          </a:p>
-          <a:p>
-            <a:pPr marL="285750" indent="-285750">
-              <a:buFont typeface="Arial" panose="020B0604020202020204" pitchFamily="34" charset="0"/>
-              <a:buChar char="•"/>
-            </a:pPr>
-            <a:r>
-              <a:rPr lang="de-DE" dirty="0"/>
-              <a:t>Schnell und unkompliziert</a:t>
-            </a:r>
-          </a:p>
-        </p:txBody>
-      </p:sp>
-      <p:sp>
-        <p:nvSpPr>
-          <p:cNvPr id="7" name="Text Placeholder 2">
-            <a:extLst>
-              <a:ext uri="{FF2B5EF4-FFF2-40B4-BE49-F238E27FC236}">
-                <a16:creationId xmlns:a16="http://schemas.microsoft.com/office/drawing/2014/main" id="{E5D452C1-DD4D-4E05-90BB-0F8EBB7CDC84}"/>
-              </a:ext>
-            </a:extLst>
-          </p:cNvPr>
-          <p:cNvSpPr txBox="1">
-            <a:spLocks/>
-          </p:cNvSpPr>
-          <p:nvPr/>
-        </p:nvSpPr>
-        <p:spPr bwMode="auto">
-          <a:xfrm>
-            <a:off x="369887" y="2511048"/>
-            <a:ext cx="6723371" cy="3721075"/>
-          </a:xfrm>
-          <a:prstGeom prst="rect">
-            <a:avLst/>
-          </a:prstGeom>
-          <a:noFill/>
-          <a:ln>
-            <a:noFill/>
-          </a:ln>
-          <a:extLst>
-            <a:ext uri="{909E8E84-426E-40DD-AFC4-6F175D3DCCD1}">
-              <a14:hiddenFill xmlns:a14="http://schemas.microsoft.com/office/drawing/2010/main">
-                <a:solidFill>
-                  <a:srgbClr val="FFFFFF"/>
-                </a:solidFill>
-              </a14:hiddenFill>
-            </a:ext>
-            <a:ext uri="{91240B29-F687-4F45-9708-019B960494DF}">
-              <a14:hiddenLine xmlns:a14="http://schemas.microsoft.com/office/drawing/2010/main" w="9525">
-                <a:solidFill>
-                  <a:srgbClr val="000000"/>
-                </a:solidFill>
-                <a:miter lim="800000"/>
-                <a:headEnd/>
-                <a:tailEnd/>
-              </a14:hiddenLine>
-            </a:ext>
-          </a:extLst>
-        </p:spPr>
-        <p:txBody>
-          <a:bodyPr vert="horz" wrap="square" lIns="91440" tIns="45720" rIns="91440" bIns="45720" numCol="1" anchor="t" anchorCtr="0" compatLnSpc="1">
-            <a:prstTxWarp prst="textNoShape">
-              <a:avLst/>
-            </a:prstTxWarp>
-          </a:bodyPr>
-          <a:lstStyle>
-            <a:lvl1pPr marL="0" indent="0" algn="l" rtl="0" eaLnBrk="0" fontAlgn="base" hangingPunct="0">
-              <a:spcBef>
-                <a:spcPct val="20000"/>
-              </a:spcBef>
-              <a:spcAft>
-                <a:spcPct val="0"/>
-              </a:spcAft>
-              <a:buClr>
-                <a:srgbClr val="80BA24"/>
-              </a:buClr>
-              <a:buSzPct val="106000"/>
-              <a:buFontTx/>
-              <a:buNone/>
-              <a:defRPr kern="1200" baseline="0">
-                <a:solidFill>
-                  <a:srgbClr val="4A5C66"/>
-                </a:solidFill>
-                <a:latin typeface="Arial" pitchFamily="34" charset="0"/>
-                <a:ea typeface="MS PGothic" panose="020B0600070205080204" pitchFamily="34" charset="-128"/>
-                <a:cs typeface="Arial" pitchFamily="34" charset="0"/>
-              </a:defRPr>
-            </a:lvl1pPr>
-            <a:lvl2pPr marL="266700" indent="0" algn="l" rtl="0" eaLnBrk="0" fontAlgn="base" hangingPunct="0">
-              <a:spcBef>
-                <a:spcPct val="20000"/>
-              </a:spcBef>
-              <a:spcAft>
-                <a:spcPct val="0"/>
-              </a:spcAft>
-              <a:buClr>
-                <a:srgbClr val="80BA24"/>
-              </a:buClr>
-              <a:buSzPct val="90000"/>
-              <a:buFontTx/>
-              <a:buNone/>
-              <a:defRPr kern="1200">
-                <a:solidFill>
-                  <a:srgbClr val="4A5C66"/>
-                </a:solidFill>
-                <a:latin typeface="Arial" pitchFamily="34" charset="0"/>
-                <a:ea typeface="Arial" charset="0"/>
-                <a:cs typeface="Arial" pitchFamily="34" charset="0"/>
-              </a:defRPr>
-            </a:lvl2pPr>
-            <a:lvl3pPr marL="542925" indent="0" algn="l" rtl="0" eaLnBrk="0" fontAlgn="base" hangingPunct="0">
-              <a:spcBef>
-                <a:spcPct val="20000"/>
-              </a:spcBef>
-              <a:spcAft>
-                <a:spcPct val="0"/>
-              </a:spcAft>
-              <a:buClr>
-                <a:srgbClr val="80BA24"/>
-              </a:buClr>
-              <a:buSzPct val="80000"/>
-              <a:buFontTx/>
-              <a:buNone/>
-              <a:defRPr kern="1200">
-                <a:solidFill>
-                  <a:srgbClr val="4A5C66"/>
-                </a:solidFill>
-                <a:latin typeface="Arial" pitchFamily="34" charset="0"/>
-                <a:ea typeface="Arial" charset="0"/>
-                <a:cs typeface="Arial" pitchFamily="34" charset="0"/>
-              </a:defRPr>
-            </a:lvl3pPr>
-            <a:lvl4pPr marL="809625" indent="0" algn="l" rtl="0" eaLnBrk="0" fontAlgn="base" hangingPunct="0">
-              <a:spcBef>
-                <a:spcPct val="20000"/>
-              </a:spcBef>
-              <a:spcAft>
-                <a:spcPct val="0"/>
-              </a:spcAft>
-              <a:buClr>
-                <a:srgbClr val="80BA24"/>
-              </a:buClr>
-              <a:buSzPct val="80000"/>
-              <a:buFontTx/>
-              <a:buNone/>
-              <a:defRPr kern="1200">
-                <a:solidFill>
-                  <a:srgbClr val="4A5C66"/>
-                </a:solidFill>
-                <a:latin typeface="Arial" pitchFamily="34" charset="0"/>
-                <a:ea typeface="Arial" charset="0"/>
-                <a:cs typeface="Arial" pitchFamily="34" charset="0"/>
-              </a:defRPr>
-            </a:lvl4pPr>
-            <a:lvl5pPr marL="1076325" indent="0" algn="l" rtl="0" eaLnBrk="0" fontAlgn="base" hangingPunct="0">
-              <a:spcBef>
-                <a:spcPct val="20000"/>
-              </a:spcBef>
-              <a:spcAft>
-                <a:spcPct val="0"/>
-              </a:spcAft>
-              <a:buClr>
-                <a:srgbClr val="80BA24"/>
-              </a:buClr>
-              <a:buSzPct val="80000"/>
-              <a:buFontTx/>
-              <a:buNone/>
-              <a:defRPr kern="1200">
-                <a:solidFill>
-                  <a:srgbClr val="4A5C66"/>
-                </a:solidFill>
-                <a:latin typeface="Arial" pitchFamily="34" charset="0"/>
-                <a:ea typeface="Arial" charset="0"/>
-                <a:cs typeface="Arial" pitchFamily="34" charset="0"/>
-              </a:defRPr>
-            </a:lvl5pPr>
-            <a:lvl6pPr marL="2514600" indent="-228600" algn="l" defTabSz="914400" rtl="0" eaLnBrk="1" latinLnBrk="0" hangingPunct="1">
-              <a:spcBef>
-                <a:spcPct val="20000"/>
-              </a:spcBef>
-              <a:buFont typeface="Arial" pitchFamily="34" charset="0"/>
-              <a:buChar char="•"/>
-              <a:defRPr sz="2000" kern="1200">
-                <a:solidFill>
-                  <a:schemeClr val="tx1"/>
-                </a:solidFill>
-                <a:latin typeface="+mn-lt"/>
-                <a:ea typeface="+mn-ea"/>
-                <a:cs typeface="+mn-cs"/>
-              </a:defRPr>
-            </a:lvl6pPr>
-            <a:lvl7pPr marL="2971800" indent="-228600" algn="l" defTabSz="914400" rtl="0" eaLnBrk="1" latinLnBrk="0" hangingPunct="1">
-              <a:spcBef>
-                <a:spcPct val="20000"/>
-              </a:spcBef>
-              <a:buFont typeface="Arial" pitchFamily="34" charset="0"/>
-              <a:buChar char="•"/>
-              <a:defRPr sz="2000" kern="1200">
-                <a:solidFill>
-                  <a:schemeClr val="tx1"/>
-                </a:solidFill>
-                <a:latin typeface="+mn-lt"/>
-                <a:ea typeface="+mn-ea"/>
-                <a:cs typeface="+mn-cs"/>
-              </a:defRPr>
-            </a:lvl7pPr>
-            <a:lvl8pPr marL="3429000" indent="-228600" algn="l" defTabSz="914400" rtl="0" eaLnBrk="1" latinLnBrk="0" hangingPunct="1">
-              <a:spcBef>
-                <a:spcPct val="20000"/>
-              </a:spcBef>
-              <a:buFont typeface="Arial" pitchFamily="34" charset="0"/>
-              <a:buChar char="•"/>
-              <a:defRPr sz="2000" kern="1200">
-                <a:solidFill>
-                  <a:schemeClr val="tx1"/>
-                </a:solidFill>
-                <a:latin typeface="+mn-lt"/>
-                <a:ea typeface="+mn-ea"/>
-                <a:cs typeface="+mn-cs"/>
-              </a:defRPr>
-            </a:lvl8pPr>
-            <a:lvl9pPr marL="3886200" indent="-228600" algn="l" defTabSz="914400" rtl="0" eaLnBrk="1" latinLnBrk="0" hangingPunct="1">
-              <a:spcBef>
-                <a:spcPct val="20000"/>
-              </a:spcBef>
-              <a:buFont typeface="Arial" pitchFamily="34" charset="0"/>
-              <a:buChar char="•"/>
-              <a:defRPr sz="2000" kern="1200">
-                <a:solidFill>
-                  <a:schemeClr val="tx1"/>
-                </a:solidFill>
-                <a:latin typeface="+mn-lt"/>
-                <a:ea typeface="+mn-ea"/>
-                <a:cs typeface="+mn-cs"/>
-              </a:defRPr>
-            </a:lvl9pPr>
-          </a:lstStyle>
-          <a:p>
-            <a:r>
-              <a:rPr lang="en-US" sz="1200" dirty="0">
-                <a:solidFill>
-                  <a:schemeClr val="accent6">
-                    <a:lumMod val="75000"/>
-                  </a:schemeClr>
-                </a:solidFill>
-              </a:rPr>
-              <a:t>BOOST_PYTHON_MODULE</a:t>
-            </a:r>
-            <a:r>
-              <a:rPr lang="en-US" sz="1200" dirty="0"/>
-              <a:t>(</a:t>
-            </a:r>
-            <a:r>
-              <a:rPr lang="en-US" sz="1200" dirty="0" err="1"/>
-              <a:t>Simulator_Wrapper</a:t>
-            </a:r>
-            <a:r>
-              <a:rPr lang="en-US" sz="1200" dirty="0"/>
-              <a:t>)</a:t>
-            </a:r>
-          </a:p>
-          <a:p>
-            <a:r>
-              <a:rPr lang="en-US" sz="1200" dirty="0"/>
-              <a:t>{</a:t>
-            </a:r>
-          </a:p>
-          <a:p>
-            <a:r>
-              <a:rPr lang="de-DE" sz="1200" dirty="0"/>
-              <a:t>    </a:t>
-            </a:r>
-            <a:r>
-              <a:rPr lang="de-DE" sz="1200" dirty="0">
-                <a:solidFill>
-                  <a:schemeClr val="accent6">
-                    <a:lumMod val="75000"/>
-                  </a:schemeClr>
-                </a:solidFill>
-              </a:rPr>
-              <a:t>to_python_converter</a:t>
-            </a:r>
-            <a:r>
-              <a:rPr lang="de-DE" sz="1200" dirty="0"/>
-              <a:t>&lt;std::tuple&lt;int, int, int&gt;, TupleToList&lt;int&gt; &gt;();</a:t>
-            </a:r>
-          </a:p>
-          <a:p>
-            <a:endParaRPr lang="de-DE" sz="1200" dirty="0"/>
-          </a:p>
-          <a:p>
-            <a:r>
-              <a:rPr lang="de-DE" sz="1200" dirty="0"/>
-              <a:t>    </a:t>
-            </a:r>
-            <a:r>
-              <a:rPr lang="de-DE" sz="1200" dirty="0">
-                <a:solidFill>
-                  <a:schemeClr val="accent6">
-                    <a:lumMod val="75000"/>
-                  </a:schemeClr>
-                </a:solidFill>
-              </a:rPr>
-              <a:t>enum_</a:t>
-            </a:r>
-            <a:r>
-              <a:rPr lang="de-DE" sz="1200" dirty="0"/>
-              <a:t>&lt;Selection_Algorithm&gt;("Selection_Algorithm")</a:t>
-            </a:r>
-          </a:p>
-          <a:p>
-            <a:r>
-              <a:rPr lang="de-DE" sz="1200" dirty="0"/>
-              <a:t>            .</a:t>
-            </a:r>
-            <a:r>
-              <a:rPr lang="de-DE" sz="1200" dirty="0">
-                <a:solidFill>
-                  <a:schemeClr val="accent6">
-                    <a:lumMod val="75000"/>
-                  </a:schemeClr>
-                </a:solidFill>
-              </a:rPr>
-              <a:t>value</a:t>
-            </a:r>
-            <a:r>
-              <a:rPr lang="de-DE" sz="1200" dirty="0"/>
-              <a:t>("SOFT", Selection_Algorithm::SOFT);</a:t>
-            </a:r>
-          </a:p>
-          <a:p>
-            <a:endParaRPr lang="de-DE" sz="1200" dirty="0"/>
-          </a:p>
-          <a:p>
-            <a:r>
-              <a:rPr lang="de-DE" sz="1200" dirty="0"/>
-              <a:t>    </a:t>
-            </a:r>
-            <a:r>
-              <a:rPr lang="de-DE" sz="1200" dirty="0">
-                <a:solidFill>
-                  <a:schemeClr val="accent6">
-                    <a:lumMod val="75000"/>
-                  </a:schemeClr>
-                </a:solidFill>
-              </a:rPr>
-              <a:t>class_</a:t>
-            </a:r>
-            <a:r>
-              <a:rPr lang="de-DE" sz="1200" dirty="0"/>
-              <a:t>&lt;Simulator&gt;("Simulator", </a:t>
-            </a:r>
-            <a:r>
-              <a:rPr lang="de-DE" sz="1200" dirty="0">
-                <a:solidFill>
-                  <a:schemeClr val="accent6">
-                    <a:lumMod val="75000"/>
-                  </a:schemeClr>
-                </a:solidFill>
-              </a:rPr>
-              <a:t>init</a:t>
-            </a:r>
-            <a:r>
-              <a:rPr lang="de-DE" sz="1200" dirty="0"/>
-              <a:t>&lt;</a:t>
-            </a:r>
-          </a:p>
-          <a:p>
-            <a:r>
-              <a:rPr lang="de-DE" sz="1200" dirty="0"/>
-              <a:t>            std::string, std::string, std::string,</a:t>
-            </a:r>
-          </a:p>
-          <a:p>
-            <a:r>
-              <a:rPr lang="de-DE" sz="1200" dirty="0"/>
-              <a:t>            int,int,int,int,</a:t>
-            </a:r>
-          </a:p>
-          <a:p>
-            <a:r>
-              <a:rPr lang="de-DE" sz="1200" dirty="0"/>
-              <a:t>            Crossover_Algorithm, Marriage_Algorithm, Mutation_Algorithm, Selection_Algorithm&gt;(</a:t>
-            </a:r>
-          </a:p>
-          <a:p>
-            <a:r>
-              <a:rPr lang="de-DE" sz="1200" dirty="0"/>
-              <a:t>            ))</a:t>
-            </a:r>
-          </a:p>
-          <a:p>
-            <a:r>
-              <a:rPr lang="de-DE" sz="1200" dirty="0"/>
-              <a:t>            .</a:t>
-            </a:r>
-            <a:r>
-              <a:rPr lang="de-DE" sz="1200" dirty="0">
-                <a:solidFill>
-                  <a:schemeClr val="accent6">
-                    <a:lumMod val="75000"/>
-                  </a:schemeClr>
-                </a:solidFill>
-              </a:rPr>
-              <a:t>def</a:t>
-            </a:r>
-            <a:r>
-              <a:rPr lang="de-DE" sz="1200" dirty="0"/>
-              <a:t>("simulate", &amp;Simulator::simulate)</a:t>
-            </a:r>
-          </a:p>
-          <a:p>
-            <a:r>
-              <a:rPr lang="de-DE" sz="1200" dirty="0"/>
-              <a:t>            .</a:t>
-            </a:r>
-            <a:r>
-              <a:rPr lang="de-DE" sz="1200" dirty="0">
-                <a:solidFill>
-                  <a:schemeClr val="accent6">
-                    <a:lumMod val="75000"/>
-                  </a:schemeClr>
-                </a:solidFill>
-              </a:rPr>
-              <a:t>def</a:t>
-            </a:r>
-            <a:r>
-              <a:rPr lang="de-DE" sz="1200" dirty="0"/>
-              <a:t>("finished", &amp;Simulator::finished)</a:t>
-            </a:r>
-          </a:p>
-          <a:p>
-            <a:r>
-              <a:rPr lang="de-DE" sz="1200" dirty="0"/>
-              <a:t>            .</a:t>
-            </a:r>
-            <a:r>
-              <a:rPr lang="de-DE" sz="1200" dirty="0">
-                <a:solidFill>
-                  <a:schemeClr val="accent6">
-                    <a:lumMod val="75000"/>
-                  </a:schemeClr>
-                </a:solidFill>
-              </a:rPr>
-              <a:t>def</a:t>
-            </a:r>
-            <a:r>
-              <a:rPr lang="de-DE" sz="1200" dirty="0"/>
-              <a:t>("best_individual", &amp;Simulator::best_individual);</a:t>
-            </a:r>
-          </a:p>
-          <a:p>
-            <a:r>
-              <a:rPr lang="de-DE" sz="1200" dirty="0"/>
-              <a:t>}</a:t>
-            </a:r>
-            <a:endParaRPr lang="de-DE" sz="1800" dirty="0"/>
-          </a:p>
-        </p:txBody>
-      </p:sp>
-    </p:spTree>
-    <p:extLst>
-      <p:ext uri="{BB962C8B-B14F-4D97-AF65-F5344CB8AC3E}">
-        <p14:creationId xmlns:p14="http://schemas.microsoft.com/office/powerpoint/2010/main" val="580990576"/>
       </p:ext>
     </p:extLst>
   </p:cSld>
@@ -24480,6 +24808,568 @@
           <a:p>
             <a:r>
               <a:rPr lang="de-DE" dirty="0"/>
+              <a:t>Realisierung – Python-Schnittstelle</a:t>
+            </a:r>
+          </a:p>
+        </p:txBody>
+      </p:sp>
+      <p:sp>
+        <p:nvSpPr>
+          <p:cNvPr id="3" name="Text Placeholder 2">
+            <a:extLst>
+              <a:ext uri="{FF2B5EF4-FFF2-40B4-BE49-F238E27FC236}">
+                <a16:creationId xmlns:a16="http://schemas.microsoft.com/office/drawing/2014/main" id="{778E93AF-5E49-4550-AA2C-7CEF1E9BA9D3}"/>
+              </a:ext>
+            </a:extLst>
+          </p:cNvPr>
+          <p:cNvSpPr>
+            <a:spLocks noGrp="1"/>
+          </p:cNvSpPr>
+          <p:nvPr>
+            <p:ph type="body" sz="quarter" idx="11"/>
+          </p:nvPr>
+        </p:nvSpPr>
+        <p:spPr>
+          <a:xfrm>
+            <a:off x="334963" y="1280160"/>
+            <a:ext cx="11487150" cy="1835902"/>
+          </a:xfrm>
+        </p:spPr>
+        <p:txBody>
+          <a:bodyPr/>
+          <a:lstStyle/>
+          <a:p>
+            <a:pPr marL="285750" indent="-285750">
+              <a:buFont typeface="Arial" panose="020B0604020202020204" pitchFamily="34" charset="0"/>
+              <a:buChar char="•"/>
+            </a:pPr>
+            <a:r>
+              <a:rPr lang="de-DE" dirty="0"/>
+              <a:t>Boost Python Bibliothek</a:t>
+            </a:r>
+          </a:p>
+          <a:p>
+            <a:pPr marL="285750" indent="-285750">
+              <a:buFont typeface="Arial" panose="020B0604020202020204" pitchFamily="34" charset="0"/>
+              <a:buChar char="•"/>
+            </a:pPr>
+            <a:r>
+              <a:rPr lang="de-DE" dirty="0"/>
+              <a:t>Erstellung von Schnittstellen zwischen C++ und Python</a:t>
+            </a:r>
+          </a:p>
+          <a:p>
+            <a:pPr marL="285750" indent="-285750">
+              <a:buFont typeface="Arial" panose="020B0604020202020204" pitchFamily="34" charset="0"/>
+              <a:buChar char="•"/>
+            </a:pPr>
+            <a:r>
+              <a:rPr lang="de-DE" dirty="0"/>
+              <a:t>Schnell und unkompliziert</a:t>
+            </a:r>
+          </a:p>
+        </p:txBody>
+      </p:sp>
+      <p:sp>
+        <p:nvSpPr>
+          <p:cNvPr id="7" name="Text Placeholder 2">
+            <a:extLst>
+              <a:ext uri="{FF2B5EF4-FFF2-40B4-BE49-F238E27FC236}">
+                <a16:creationId xmlns:a16="http://schemas.microsoft.com/office/drawing/2014/main" id="{E5D452C1-DD4D-4E05-90BB-0F8EBB7CDC84}"/>
+              </a:ext>
+            </a:extLst>
+          </p:cNvPr>
+          <p:cNvSpPr txBox="1">
+            <a:spLocks/>
+          </p:cNvSpPr>
+          <p:nvPr/>
+        </p:nvSpPr>
+        <p:spPr bwMode="auto">
+          <a:xfrm>
+            <a:off x="369887" y="2511048"/>
+            <a:ext cx="6723371" cy="3721075"/>
+          </a:xfrm>
+          <a:prstGeom prst="rect">
+            <a:avLst/>
+          </a:prstGeom>
+          <a:noFill/>
+          <a:ln>
+            <a:noFill/>
+          </a:ln>
+          <a:extLst>
+            <a:ext uri="{909E8E84-426E-40DD-AFC4-6F175D3DCCD1}">
+              <a14:hiddenFill xmlns:a14="http://schemas.microsoft.com/office/drawing/2010/main">
+                <a:solidFill>
+                  <a:srgbClr val="FFFFFF"/>
+                </a:solidFill>
+              </a14:hiddenFill>
+            </a:ext>
+            <a:ext uri="{91240B29-F687-4F45-9708-019B960494DF}">
+              <a14:hiddenLine xmlns:a14="http://schemas.microsoft.com/office/drawing/2010/main" w="9525">
+                <a:solidFill>
+                  <a:srgbClr val="000000"/>
+                </a:solidFill>
+                <a:miter lim="800000"/>
+                <a:headEnd/>
+                <a:tailEnd/>
+              </a14:hiddenLine>
+            </a:ext>
+          </a:extLst>
+        </p:spPr>
+        <p:txBody>
+          <a:bodyPr vert="horz" wrap="square" lIns="91440" tIns="45720" rIns="91440" bIns="45720" numCol="1" anchor="t" anchorCtr="0" compatLnSpc="1">
+            <a:prstTxWarp prst="textNoShape">
+              <a:avLst/>
+            </a:prstTxWarp>
+          </a:bodyPr>
+          <a:lstStyle>
+            <a:lvl1pPr marL="0" indent="0" algn="l" rtl="0" eaLnBrk="0" fontAlgn="base" hangingPunct="0">
+              <a:spcBef>
+                <a:spcPct val="20000"/>
+              </a:spcBef>
+              <a:spcAft>
+                <a:spcPct val="0"/>
+              </a:spcAft>
+              <a:buClr>
+                <a:srgbClr val="80BA24"/>
+              </a:buClr>
+              <a:buSzPct val="106000"/>
+              <a:buFontTx/>
+              <a:buNone/>
+              <a:defRPr kern="1200" baseline="0">
+                <a:solidFill>
+                  <a:srgbClr val="4A5C66"/>
+                </a:solidFill>
+                <a:latin typeface="Arial" pitchFamily="34" charset="0"/>
+                <a:ea typeface="MS PGothic" panose="020B0600070205080204" pitchFamily="34" charset="-128"/>
+                <a:cs typeface="Arial" pitchFamily="34" charset="0"/>
+              </a:defRPr>
+            </a:lvl1pPr>
+            <a:lvl2pPr marL="266700" indent="0" algn="l" rtl="0" eaLnBrk="0" fontAlgn="base" hangingPunct="0">
+              <a:spcBef>
+                <a:spcPct val="20000"/>
+              </a:spcBef>
+              <a:spcAft>
+                <a:spcPct val="0"/>
+              </a:spcAft>
+              <a:buClr>
+                <a:srgbClr val="80BA24"/>
+              </a:buClr>
+              <a:buSzPct val="90000"/>
+              <a:buFontTx/>
+              <a:buNone/>
+              <a:defRPr kern="1200">
+                <a:solidFill>
+                  <a:srgbClr val="4A5C66"/>
+                </a:solidFill>
+                <a:latin typeface="Arial" pitchFamily="34" charset="0"/>
+                <a:ea typeface="Arial" charset="0"/>
+                <a:cs typeface="Arial" pitchFamily="34" charset="0"/>
+              </a:defRPr>
+            </a:lvl2pPr>
+            <a:lvl3pPr marL="542925" indent="0" algn="l" rtl="0" eaLnBrk="0" fontAlgn="base" hangingPunct="0">
+              <a:spcBef>
+                <a:spcPct val="20000"/>
+              </a:spcBef>
+              <a:spcAft>
+                <a:spcPct val="0"/>
+              </a:spcAft>
+              <a:buClr>
+                <a:srgbClr val="80BA24"/>
+              </a:buClr>
+              <a:buSzPct val="80000"/>
+              <a:buFontTx/>
+              <a:buNone/>
+              <a:defRPr kern="1200">
+                <a:solidFill>
+                  <a:srgbClr val="4A5C66"/>
+                </a:solidFill>
+                <a:latin typeface="Arial" pitchFamily="34" charset="0"/>
+                <a:ea typeface="Arial" charset="0"/>
+                <a:cs typeface="Arial" pitchFamily="34" charset="0"/>
+              </a:defRPr>
+            </a:lvl3pPr>
+            <a:lvl4pPr marL="809625" indent="0" algn="l" rtl="0" eaLnBrk="0" fontAlgn="base" hangingPunct="0">
+              <a:spcBef>
+                <a:spcPct val="20000"/>
+              </a:spcBef>
+              <a:spcAft>
+                <a:spcPct val="0"/>
+              </a:spcAft>
+              <a:buClr>
+                <a:srgbClr val="80BA24"/>
+              </a:buClr>
+              <a:buSzPct val="80000"/>
+              <a:buFontTx/>
+              <a:buNone/>
+              <a:defRPr kern="1200">
+                <a:solidFill>
+                  <a:srgbClr val="4A5C66"/>
+                </a:solidFill>
+                <a:latin typeface="Arial" pitchFamily="34" charset="0"/>
+                <a:ea typeface="Arial" charset="0"/>
+                <a:cs typeface="Arial" pitchFamily="34" charset="0"/>
+              </a:defRPr>
+            </a:lvl4pPr>
+            <a:lvl5pPr marL="1076325" indent="0" algn="l" rtl="0" eaLnBrk="0" fontAlgn="base" hangingPunct="0">
+              <a:spcBef>
+                <a:spcPct val="20000"/>
+              </a:spcBef>
+              <a:spcAft>
+                <a:spcPct val="0"/>
+              </a:spcAft>
+              <a:buClr>
+                <a:srgbClr val="80BA24"/>
+              </a:buClr>
+              <a:buSzPct val="80000"/>
+              <a:buFontTx/>
+              <a:buNone/>
+              <a:defRPr kern="1200">
+                <a:solidFill>
+                  <a:srgbClr val="4A5C66"/>
+                </a:solidFill>
+                <a:latin typeface="Arial" pitchFamily="34" charset="0"/>
+                <a:ea typeface="Arial" charset="0"/>
+                <a:cs typeface="Arial" pitchFamily="34" charset="0"/>
+              </a:defRPr>
+            </a:lvl5pPr>
+            <a:lvl6pPr marL="2514600" indent="-228600" algn="l" defTabSz="914400" rtl="0" eaLnBrk="1" latinLnBrk="0" hangingPunct="1">
+              <a:spcBef>
+                <a:spcPct val="20000"/>
+              </a:spcBef>
+              <a:buFont typeface="Arial" pitchFamily="34" charset="0"/>
+              <a:buChar char="•"/>
+              <a:defRPr sz="2000" kern="1200">
+                <a:solidFill>
+                  <a:schemeClr val="tx1"/>
+                </a:solidFill>
+                <a:latin typeface="+mn-lt"/>
+                <a:ea typeface="+mn-ea"/>
+                <a:cs typeface="+mn-cs"/>
+              </a:defRPr>
+            </a:lvl6pPr>
+            <a:lvl7pPr marL="2971800" indent="-228600" algn="l" defTabSz="914400" rtl="0" eaLnBrk="1" latinLnBrk="0" hangingPunct="1">
+              <a:spcBef>
+                <a:spcPct val="20000"/>
+              </a:spcBef>
+              <a:buFont typeface="Arial" pitchFamily="34" charset="0"/>
+              <a:buChar char="•"/>
+              <a:defRPr sz="2000" kern="1200">
+                <a:solidFill>
+                  <a:schemeClr val="tx1"/>
+                </a:solidFill>
+                <a:latin typeface="+mn-lt"/>
+                <a:ea typeface="+mn-ea"/>
+                <a:cs typeface="+mn-cs"/>
+              </a:defRPr>
+            </a:lvl7pPr>
+            <a:lvl8pPr marL="3429000" indent="-228600" algn="l" defTabSz="914400" rtl="0" eaLnBrk="1" latinLnBrk="0" hangingPunct="1">
+              <a:spcBef>
+                <a:spcPct val="20000"/>
+              </a:spcBef>
+              <a:buFont typeface="Arial" pitchFamily="34" charset="0"/>
+              <a:buChar char="•"/>
+              <a:defRPr sz="2000" kern="1200">
+                <a:solidFill>
+                  <a:schemeClr val="tx1"/>
+                </a:solidFill>
+                <a:latin typeface="+mn-lt"/>
+                <a:ea typeface="+mn-ea"/>
+                <a:cs typeface="+mn-cs"/>
+              </a:defRPr>
+            </a:lvl8pPr>
+            <a:lvl9pPr marL="3886200" indent="-228600" algn="l" defTabSz="914400" rtl="0" eaLnBrk="1" latinLnBrk="0" hangingPunct="1">
+              <a:spcBef>
+                <a:spcPct val="20000"/>
+              </a:spcBef>
+              <a:buFont typeface="Arial" pitchFamily="34" charset="0"/>
+              <a:buChar char="•"/>
+              <a:defRPr sz="2000" kern="1200">
+                <a:solidFill>
+                  <a:schemeClr val="tx1"/>
+                </a:solidFill>
+                <a:latin typeface="+mn-lt"/>
+                <a:ea typeface="+mn-ea"/>
+                <a:cs typeface="+mn-cs"/>
+              </a:defRPr>
+            </a:lvl9pPr>
+          </a:lstStyle>
+          <a:p>
+            <a:r>
+              <a:rPr lang="en-US" sz="1200" dirty="0">
+                <a:solidFill>
+                  <a:schemeClr val="accent6">
+                    <a:lumMod val="75000"/>
+                  </a:schemeClr>
+                </a:solidFill>
+              </a:rPr>
+              <a:t>BOOST_PYTHON_MODULE</a:t>
+            </a:r>
+            <a:r>
+              <a:rPr lang="en-US" sz="1200" dirty="0"/>
+              <a:t>(</a:t>
+            </a:r>
+            <a:r>
+              <a:rPr lang="en-US" sz="1200" dirty="0" err="1"/>
+              <a:t>Simulator_Wrapper</a:t>
+            </a:r>
+            <a:r>
+              <a:rPr lang="en-US" sz="1200" dirty="0"/>
+              <a:t>)</a:t>
+            </a:r>
+          </a:p>
+          <a:p>
+            <a:r>
+              <a:rPr lang="en-US" sz="1200" dirty="0"/>
+              <a:t>{</a:t>
+            </a:r>
+          </a:p>
+          <a:p>
+            <a:r>
+              <a:rPr lang="de-DE" sz="1200" dirty="0"/>
+              <a:t>    </a:t>
+            </a:r>
+            <a:r>
+              <a:rPr lang="de-DE" sz="1200" dirty="0">
+                <a:solidFill>
+                  <a:schemeClr val="accent6">
+                    <a:lumMod val="75000"/>
+                  </a:schemeClr>
+                </a:solidFill>
+              </a:rPr>
+              <a:t>to_python_converter</a:t>
+            </a:r>
+            <a:r>
+              <a:rPr lang="de-DE" sz="1200" dirty="0"/>
+              <a:t>&lt;std::tuple&lt;int, int, int&gt;, TupleToList&lt;int&gt; &gt;();</a:t>
+            </a:r>
+          </a:p>
+          <a:p>
+            <a:endParaRPr lang="de-DE" sz="1200" dirty="0"/>
+          </a:p>
+          <a:p>
+            <a:r>
+              <a:rPr lang="de-DE" sz="1200" dirty="0"/>
+              <a:t>    </a:t>
+            </a:r>
+            <a:r>
+              <a:rPr lang="de-DE" sz="1200" dirty="0">
+                <a:solidFill>
+                  <a:schemeClr val="accent6">
+                    <a:lumMod val="75000"/>
+                  </a:schemeClr>
+                </a:solidFill>
+              </a:rPr>
+              <a:t>enum_</a:t>
+            </a:r>
+            <a:r>
+              <a:rPr lang="de-DE" sz="1200" dirty="0"/>
+              <a:t>&lt;Selection_Algorithm&gt;("Selection_Algorithm")</a:t>
+            </a:r>
+          </a:p>
+          <a:p>
+            <a:r>
+              <a:rPr lang="de-DE" sz="1200" dirty="0"/>
+              <a:t>            .</a:t>
+            </a:r>
+            <a:r>
+              <a:rPr lang="de-DE" sz="1200" dirty="0">
+                <a:solidFill>
+                  <a:schemeClr val="accent6">
+                    <a:lumMod val="75000"/>
+                  </a:schemeClr>
+                </a:solidFill>
+              </a:rPr>
+              <a:t>value</a:t>
+            </a:r>
+            <a:r>
+              <a:rPr lang="de-DE" sz="1200" dirty="0"/>
+              <a:t>("SOFT", Selection_Algorithm::SOFT);</a:t>
+            </a:r>
+          </a:p>
+          <a:p>
+            <a:endParaRPr lang="de-DE" sz="1200" dirty="0"/>
+          </a:p>
+          <a:p>
+            <a:r>
+              <a:rPr lang="de-DE" sz="1200" dirty="0"/>
+              <a:t>    </a:t>
+            </a:r>
+            <a:r>
+              <a:rPr lang="de-DE" sz="1200" dirty="0">
+                <a:solidFill>
+                  <a:schemeClr val="accent6">
+                    <a:lumMod val="75000"/>
+                  </a:schemeClr>
+                </a:solidFill>
+              </a:rPr>
+              <a:t>class_</a:t>
+            </a:r>
+            <a:r>
+              <a:rPr lang="de-DE" sz="1200" dirty="0"/>
+              <a:t>&lt;Simulator&gt;("Simulator", </a:t>
+            </a:r>
+            <a:r>
+              <a:rPr lang="de-DE" sz="1200" dirty="0">
+                <a:solidFill>
+                  <a:schemeClr val="accent6">
+                    <a:lumMod val="75000"/>
+                  </a:schemeClr>
+                </a:solidFill>
+              </a:rPr>
+              <a:t>init</a:t>
+            </a:r>
+            <a:r>
+              <a:rPr lang="de-DE" sz="1200" dirty="0"/>
+              <a:t>&lt;</a:t>
+            </a:r>
+          </a:p>
+          <a:p>
+            <a:r>
+              <a:rPr lang="de-DE" sz="1200" dirty="0"/>
+              <a:t>            std::string, std::string, std::string,</a:t>
+            </a:r>
+          </a:p>
+          <a:p>
+            <a:r>
+              <a:rPr lang="de-DE" sz="1200" dirty="0"/>
+              <a:t>            int,int,int,int,</a:t>
+            </a:r>
+          </a:p>
+          <a:p>
+            <a:r>
+              <a:rPr lang="de-DE" sz="1200" dirty="0"/>
+              <a:t>            Crossover_Algorithm, Marriage_Algorithm, Mutation_Algorithm, Selection_Algorithm&gt;(</a:t>
+            </a:r>
+          </a:p>
+          <a:p>
+            <a:r>
+              <a:rPr lang="de-DE" sz="1200" dirty="0"/>
+              <a:t>            ))</a:t>
+            </a:r>
+          </a:p>
+          <a:p>
+            <a:r>
+              <a:rPr lang="de-DE" sz="1200" dirty="0"/>
+              <a:t>            .</a:t>
+            </a:r>
+            <a:r>
+              <a:rPr lang="de-DE" sz="1200" dirty="0">
+                <a:solidFill>
+                  <a:schemeClr val="accent6">
+                    <a:lumMod val="75000"/>
+                  </a:schemeClr>
+                </a:solidFill>
+              </a:rPr>
+              <a:t>def</a:t>
+            </a:r>
+            <a:r>
+              <a:rPr lang="de-DE" sz="1200" dirty="0"/>
+              <a:t>("simulate", &amp;Simulator::simulate)</a:t>
+            </a:r>
+          </a:p>
+          <a:p>
+            <a:r>
+              <a:rPr lang="de-DE" sz="1200" dirty="0"/>
+              <a:t>            .</a:t>
+            </a:r>
+            <a:r>
+              <a:rPr lang="de-DE" sz="1200" dirty="0">
+                <a:solidFill>
+                  <a:schemeClr val="accent6">
+                    <a:lumMod val="75000"/>
+                  </a:schemeClr>
+                </a:solidFill>
+              </a:rPr>
+              <a:t>def</a:t>
+            </a:r>
+            <a:r>
+              <a:rPr lang="de-DE" sz="1200" dirty="0"/>
+              <a:t>("finished", &amp;Simulator::finished)</a:t>
+            </a:r>
+          </a:p>
+          <a:p>
+            <a:r>
+              <a:rPr lang="de-DE" sz="1200" dirty="0"/>
+              <a:t>            .</a:t>
+            </a:r>
+            <a:r>
+              <a:rPr lang="de-DE" sz="1200" dirty="0">
+                <a:solidFill>
+                  <a:schemeClr val="accent6">
+                    <a:lumMod val="75000"/>
+                  </a:schemeClr>
+                </a:solidFill>
+              </a:rPr>
+              <a:t>def</a:t>
+            </a:r>
+            <a:r>
+              <a:rPr lang="de-DE" sz="1200" dirty="0"/>
+              <a:t>("best_individual", &amp;Simulator::best_individual);</a:t>
+            </a:r>
+          </a:p>
+          <a:p>
+            <a:r>
+              <a:rPr lang="de-DE" sz="1200" dirty="0"/>
+              <a:t>}</a:t>
+            </a:r>
+            <a:endParaRPr lang="de-DE" sz="1800" dirty="0"/>
+          </a:p>
+        </p:txBody>
+      </p:sp>
+    </p:spTree>
+    <p:extLst>
+      <p:ext uri="{BB962C8B-B14F-4D97-AF65-F5344CB8AC3E}">
+        <p14:creationId xmlns:p14="http://schemas.microsoft.com/office/powerpoint/2010/main" val="580990576"/>
+      </p:ext>
+    </p:extLst>
+  </p:cSld>
+  <p:clrMapOvr>
+    <a:masterClrMapping/>
+  </p:clrMapOvr>
+</p:sld>
+</file>
+
+<file path=ppt/slides/slide19.xml><?xml version="1.0" encoding="utf-8"?>
+<p:sld xmlns:a="http://schemas.openxmlformats.org/drawingml/2006/main" xmlns:r="http://schemas.openxmlformats.org/officeDocument/2006/relationships" xmlns:p="http://schemas.openxmlformats.org/presentationml/2006/main">
+  <p:cSld>
+    <p:spTree>
+      <p:nvGrpSpPr>
+        <p:cNvPr id="1" name=""/>
+        <p:cNvGrpSpPr/>
+        <p:nvPr/>
+      </p:nvGrpSpPr>
+      <p:grpSpPr>
+        <a:xfrm>
+          <a:off x="0" y="0"/>
+          <a:ext cx="0" cy="0"/>
+          <a:chOff x="0" y="0"/>
+          <a:chExt cx="0" cy="0"/>
+        </a:xfrm>
+      </p:grpSpPr>
+      <p:sp>
+        <p:nvSpPr>
+          <p:cNvPr id="2" name="Title 1">
+            <a:extLst>
+              <a:ext uri="{FF2B5EF4-FFF2-40B4-BE49-F238E27FC236}">
+                <a16:creationId xmlns:a16="http://schemas.microsoft.com/office/drawing/2014/main" id="{81EFB697-ABB7-4385-A87F-DE3D50F38BDB}"/>
+              </a:ext>
+            </a:extLst>
+          </p:cNvPr>
+          <p:cNvSpPr>
+            <a:spLocks noGrp="1"/>
+          </p:cNvSpPr>
+          <p:nvPr>
+            <p:ph type="title"/>
+          </p:nvPr>
+        </p:nvSpPr>
+        <p:spPr/>
+        <p:txBody>
+          <a:bodyPr/>
+          <a:lstStyle/>
+          <a:p>
+            <a:r>
+              <a:rPr lang="de-DE" dirty="0"/>
               <a:t>Realisierung – Testen</a:t>
             </a:r>
           </a:p>
@@ -24933,89 +25823,6 @@
     <p:extLst>
       <p:ext uri="{BB962C8B-B14F-4D97-AF65-F5344CB8AC3E}">
         <p14:creationId xmlns:p14="http://schemas.microsoft.com/office/powerpoint/2010/main" val="2116170783"/>
-      </p:ext>
-    </p:extLst>
-  </p:cSld>
-  <p:clrMapOvr>
-    <a:masterClrMapping/>
-  </p:clrMapOvr>
-</p:sld>
-</file>
-
-<file path=ppt/slides/slide19.xml><?xml version="1.0" encoding="utf-8"?>
-<p:sld xmlns:a="http://schemas.openxmlformats.org/drawingml/2006/main" xmlns:r="http://schemas.openxmlformats.org/officeDocument/2006/relationships" xmlns:p="http://schemas.openxmlformats.org/presentationml/2006/main">
-  <p:cSld>
-    <p:spTree>
-      <p:nvGrpSpPr>
-        <p:cNvPr id="1" name=""/>
-        <p:cNvGrpSpPr/>
-        <p:nvPr/>
-      </p:nvGrpSpPr>
-      <p:grpSpPr>
-        <a:xfrm>
-          <a:off x="0" y="0"/>
-          <a:ext cx="0" cy="0"/>
-          <a:chOff x="0" y="0"/>
-          <a:chExt cx="0" cy="0"/>
-        </a:xfrm>
-      </p:grpSpPr>
-      <p:sp>
-        <p:nvSpPr>
-          <p:cNvPr id="2" name="Title 1">
-            <a:extLst>
-              <a:ext uri="{FF2B5EF4-FFF2-40B4-BE49-F238E27FC236}">
-                <a16:creationId xmlns:a16="http://schemas.microsoft.com/office/drawing/2014/main" id="{2BC7ABD1-FA22-4A07-8074-128F2BE75F22}"/>
-              </a:ext>
-            </a:extLst>
-          </p:cNvPr>
-          <p:cNvSpPr>
-            <a:spLocks noGrp="1"/>
-          </p:cNvSpPr>
-          <p:nvPr>
-            <p:ph type="title"/>
-          </p:nvPr>
-        </p:nvSpPr>
-        <p:spPr/>
-        <p:txBody>
-          <a:bodyPr/>
-          <a:lstStyle/>
-          <a:p>
-            <a:r>
-              <a:rPr lang="de-DE" dirty="0"/>
-              <a:t>Experimente</a:t>
-            </a:r>
-          </a:p>
-        </p:txBody>
-      </p:sp>
-      <p:sp>
-        <p:nvSpPr>
-          <p:cNvPr id="3" name="Text Placeholder 2">
-            <a:extLst>
-              <a:ext uri="{FF2B5EF4-FFF2-40B4-BE49-F238E27FC236}">
-                <a16:creationId xmlns:a16="http://schemas.microsoft.com/office/drawing/2014/main" id="{A1EF1E2D-8B9F-419C-AAF3-98ED1E7877CB}"/>
-              </a:ext>
-            </a:extLst>
-          </p:cNvPr>
-          <p:cNvSpPr>
-            <a:spLocks noGrp="1"/>
-          </p:cNvSpPr>
-          <p:nvPr>
-            <p:ph type="body" sz="quarter" idx="11"/>
-          </p:nvPr>
-        </p:nvSpPr>
-        <p:spPr/>
-        <p:txBody>
-          <a:bodyPr/>
-          <a:lstStyle/>
-          <a:p>
-            <a:endParaRPr lang="de-DE" dirty="0"/>
-          </a:p>
-        </p:txBody>
-      </p:sp>
-    </p:spTree>
-    <p:extLst>
-      <p:ext uri="{BB962C8B-B14F-4D97-AF65-F5344CB8AC3E}">
-        <p14:creationId xmlns:p14="http://schemas.microsoft.com/office/powerpoint/2010/main" val="3262423100"/>
       </p:ext>
     </p:extLst>
   </p:cSld>
@@ -25441,6 +26248,89 @@
           <p:cNvPr id="2" name="Title 1">
             <a:extLst>
               <a:ext uri="{FF2B5EF4-FFF2-40B4-BE49-F238E27FC236}">
+                <a16:creationId xmlns:a16="http://schemas.microsoft.com/office/drawing/2014/main" id="{2BC7ABD1-FA22-4A07-8074-128F2BE75F22}"/>
+              </a:ext>
+            </a:extLst>
+          </p:cNvPr>
+          <p:cNvSpPr>
+            <a:spLocks noGrp="1"/>
+          </p:cNvSpPr>
+          <p:nvPr>
+            <p:ph type="title"/>
+          </p:nvPr>
+        </p:nvSpPr>
+        <p:spPr/>
+        <p:txBody>
+          <a:bodyPr/>
+          <a:lstStyle/>
+          <a:p>
+            <a:r>
+              <a:rPr lang="de-DE" dirty="0"/>
+              <a:t>Experimente</a:t>
+            </a:r>
+          </a:p>
+        </p:txBody>
+      </p:sp>
+      <p:sp>
+        <p:nvSpPr>
+          <p:cNvPr id="3" name="Text Placeholder 2">
+            <a:extLst>
+              <a:ext uri="{FF2B5EF4-FFF2-40B4-BE49-F238E27FC236}">
+                <a16:creationId xmlns:a16="http://schemas.microsoft.com/office/drawing/2014/main" id="{A1EF1E2D-8B9F-419C-AAF3-98ED1E7877CB}"/>
+              </a:ext>
+            </a:extLst>
+          </p:cNvPr>
+          <p:cNvSpPr>
+            <a:spLocks noGrp="1"/>
+          </p:cNvSpPr>
+          <p:nvPr>
+            <p:ph type="body" sz="quarter" idx="11"/>
+          </p:nvPr>
+        </p:nvSpPr>
+        <p:spPr/>
+        <p:txBody>
+          <a:bodyPr/>
+          <a:lstStyle/>
+          <a:p>
+            <a:endParaRPr lang="de-DE" dirty="0"/>
+          </a:p>
+        </p:txBody>
+      </p:sp>
+    </p:spTree>
+    <p:extLst>
+      <p:ext uri="{BB962C8B-B14F-4D97-AF65-F5344CB8AC3E}">
+        <p14:creationId xmlns:p14="http://schemas.microsoft.com/office/powerpoint/2010/main" val="3262423100"/>
+      </p:ext>
+    </p:extLst>
+  </p:cSld>
+  <p:clrMapOvr>
+    <a:masterClrMapping/>
+  </p:clrMapOvr>
+</p:sld>
+</file>
+
+<file path=ppt/slides/slide21.xml><?xml version="1.0" encoding="utf-8"?>
+<p:sld xmlns:a="http://schemas.openxmlformats.org/drawingml/2006/main" xmlns:r="http://schemas.openxmlformats.org/officeDocument/2006/relationships" xmlns:p="http://schemas.openxmlformats.org/presentationml/2006/main">
+  <p:cSld>
+    <p:spTree>
+      <p:nvGrpSpPr>
+        <p:cNvPr id="1" name=""/>
+        <p:cNvGrpSpPr/>
+        <p:nvPr/>
+      </p:nvGrpSpPr>
+      <p:grpSpPr>
+        <a:xfrm>
+          <a:off x="0" y="0"/>
+          <a:ext cx="0" cy="0"/>
+          <a:chOff x="0" y="0"/>
+          <a:chExt cx="0" cy="0"/>
+        </a:xfrm>
+      </p:grpSpPr>
+      <p:sp>
+        <p:nvSpPr>
+          <p:cNvPr id="2" name="Title 1">
+            <a:extLst>
+              <a:ext uri="{FF2B5EF4-FFF2-40B4-BE49-F238E27FC236}">
                 <a16:creationId xmlns:a16="http://schemas.microsoft.com/office/drawing/2014/main" id="{5C90F86E-5409-42C3-8720-C9F27C41C489}"/>
               </a:ext>
             </a:extLst>
@@ -25482,7 +26372,7 @@
 </p:sld>
 </file>
 
-<file path=ppt/slides/slide21.xml><?xml version="1.0" encoding="utf-8"?>
+<file path=ppt/slides/slide22.xml><?xml version="1.0" encoding="utf-8"?>
 <p:sld xmlns:a="http://schemas.openxmlformats.org/drawingml/2006/main" xmlns:r="http://schemas.openxmlformats.org/officeDocument/2006/relationships" xmlns:p="http://schemas.openxmlformats.org/presentationml/2006/main">
   <p:cSld>
     <p:spTree>
@@ -25680,7 +26570,7 @@
 </p:sld>
 </file>
 
-<file path=ppt/slides/slide22.xml><?xml version="1.0" encoding="utf-8"?>
+<file path=ppt/slides/slide23.xml><?xml version="1.0" encoding="utf-8"?>
 <p:sld xmlns:a="http://schemas.openxmlformats.org/drawingml/2006/main" xmlns:r="http://schemas.openxmlformats.org/officeDocument/2006/relationships" xmlns:p="http://schemas.openxmlformats.org/presentationml/2006/main">
   <p:cSld>
     <p:spTree>
@@ -25887,7 +26777,7 @@
 </p:sld>
 </file>
 
-<file path=ppt/slides/slide23.xml><?xml version="1.0" encoding="utf-8"?>
+<file path=ppt/slides/slide24.xml><?xml version="1.0" encoding="utf-8"?>
 <p:sld xmlns:a="http://schemas.openxmlformats.org/drawingml/2006/main" xmlns:r="http://schemas.openxmlformats.org/officeDocument/2006/relationships" xmlns:p="http://schemas.openxmlformats.org/presentationml/2006/main">
   <p:cSld>
     <p:spTree>
@@ -25997,7 +26887,7 @@
 </p:sld>
 </file>
 
-<file path=ppt/slides/slide24.xml><?xml version="1.0" encoding="utf-8"?>
+<file path=ppt/slides/slide25.xml><?xml version="1.0" encoding="utf-8"?>
 <p:sld xmlns:a="http://schemas.openxmlformats.org/drawingml/2006/main" xmlns:r="http://schemas.openxmlformats.org/officeDocument/2006/relationships" xmlns:p="http://schemas.openxmlformats.org/presentationml/2006/main">
   <p:cSld>
     <p:spTree>

--- a/Projektvortrag/Präsentation Projektvortrag.pptx
+++ b/Projektvortrag/Präsentation Projektvortrag.pptx
@@ -6,10 +6,10 @@
     <p:sldMasterId id="2147483678" r:id="rId2"/>
   </p:sldMasterIdLst>
   <p:notesMasterIdLst>
-    <p:notesMasterId r:id="rId28"/>
+    <p:notesMasterId r:id="rId35"/>
   </p:notesMasterIdLst>
   <p:handoutMasterIdLst>
-    <p:handoutMasterId r:id="rId29"/>
+    <p:handoutMasterId r:id="rId36"/>
   </p:handoutMasterIdLst>
   <p:sldIdLst>
     <p:sldId id="256" r:id="rId3"/>
@@ -26,27 +26,34 @@
     <p:sldId id="272" r:id="rId14"/>
     <p:sldId id="274" r:id="rId15"/>
     <p:sldId id="287" r:id="rId16"/>
-    <p:sldId id="276" r:id="rId17"/>
-    <p:sldId id="277" r:id="rId18"/>
-    <p:sldId id="275" r:id="rId19"/>
-    <p:sldId id="278" r:id="rId20"/>
-    <p:sldId id="286" r:id="rId21"/>
-    <p:sldId id="279" r:id="rId22"/>
-    <p:sldId id="280" r:id="rId23"/>
-    <p:sldId id="281" r:id="rId24"/>
-    <p:sldId id="282" r:id="rId25"/>
-    <p:sldId id="283" r:id="rId26"/>
-    <p:sldId id="257" r:id="rId27"/>
+    <p:sldId id="288" r:id="rId17"/>
+    <p:sldId id="291" r:id="rId18"/>
+    <p:sldId id="293" r:id="rId19"/>
+    <p:sldId id="294" r:id="rId20"/>
+    <p:sldId id="295" r:id="rId21"/>
+    <p:sldId id="290" r:id="rId22"/>
+    <p:sldId id="292" r:id="rId23"/>
+    <p:sldId id="276" r:id="rId24"/>
+    <p:sldId id="277" r:id="rId25"/>
+    <p:sldId id="275" r:id="rId26"/>
+    <p:sldId id="278" r:id="rId27"/>
+    <p:sldId id="286" r:id="rId28"/>
+    <p:sldId id="279" r:id="rId29"/>
+    <p:sldId id="280" r:id="rId30"/>
+    <p:sldId id="281" r:id="rId31"/>
+    <p:sldId id="282" r:id="rId32"/>
+    <p:sldId id="283" r:id="rId33"/>
+    <p:sldId id="257" r:id="rId34"/>
   </p:sldIdLst>
   <p:sldSz cx="12192000" cy="6858000"/>
   <p:notesSz cx="6858000" cy="9144000"/>
   <p:embeddedFontLst>
     <p:embeddedFont>
       <p:font typeface="Calibri" panose="020F0502020204030204" pitchFamily="34" charset="0"/>
-      <p:regular r:id="rId30"/>
-      <p:bold r:id="rId31"/>
-      <p:italic r:id="rId32"/>
-      <p:boldItalic r:id="rId33"/>
+      <p:regular r:id="rId37"/>
+      <p:bold r:id="rId38"/>
+      <p:italic r:id="rId39"/>
+      <p:boldItalic r:id="rId40"/>
     </p:embeddedFont>
   </p:embeddedFontLst>
   <p:defaultTextStyle>
@@ -297,6 +304,13 @@
             <p14:sldId id="272"/>
             <p14:sldId id="274"/>
             <p14:sldId id="287"/>
+            <p14:sldId id="288"/>
+            <p14:sldId id="291"/>
+            <p14:sldId id="293"/>
+            <p14:sldId id="294"/>
+            <p14:sldId id="295"/>
+            <p14:sldId id="290"/>
+            <p14:sldId id="292"/>
             <p14:sldId id="276"/>
             <p14:sldId id="277"/>
             <p14:sldId id="275"/>
@@ -1344,7 +1358,7 @@
           <a:p>
             <a:fld id="{05D446E8-F186-42E5-80D9-72B8BAA14DE1}" type="datetimeFigureOut">
               <a:rPr lang="de-DE" smtClean="0"/>
-              <a:t>19.01.2021</a:t>
+              <a:t>20.01.2021</a:t>
             </a:fld>
             <a:endParaRPr lang="de-DE"/>
           </a:p>
@@ -2630,6 +2644,230 @@
     </a:lvl9pPr>
   </p:notesStyle>
 </p:notesMaster>
+</file>
+
+<file path=ppt/notesSlides/notesSlide1.xml><?xml version="1.0" encoding="utf-8"?>
+<p:notes xmlns:a="http://schemas.openxmlformats.org/drawingml/2006/main" xmlns:r="http://schemas.openxmlformats.org/officeDocument/2006/relationships" xmlns:p="http://schemas.openxmlformats.org/presentationml/2006/main">
+  <p:cSld>
+    <p:spTree>
+      <p:nvGrpSpPr>
+        <p:cNvPr id="1" name=""/>
+        <p:cNvGrpSpPr/>
+        <p:nvPr/>
+      </p:nvGrpSpPr>
+      <p:grpSpPr>
+        <a:xfrm>
+          <a:off x="0" y="0"/>
+          <a:ext cx="0" cy="0"/>
+          <a:chOff x="0" y="0"/>
+          <a:chExt cx="0" cy="0"/>
+        </a:xfrm>
+      </p:grpSpPr>
+      <p:sp>
+        <p:nvSpPr>
+          <p:cNvPr id="2" name="Slide Image Placeholder 1"/>
+          <p:cNvSpPr>
+            <a:spLocks noGrp="1" noRot="1" noChangeAspect="1"/>
+          </p:cNvSpPr>
+          <p:nvPr>
+            <p:ph type="sldImg"/>
+          </p:nvPr>
+        </p:nvSpPr>
+        <p:spPr/>
+      </p:sp>
+      <p:sp>
+        <p:nvSpPr>
+          <p:cNvPr id="3" name="Notes Placeholder 2"/>
+          <p:cNvSpPr>
+            <a:spLocks noGrp="1"/>
+          </p:cNvSpPr>
+          <p:nvPr>
+            <p:ph type="body" idx="1"/>
+          </p:nvPr>
+        </p:nvSpPr>
+        <p:spPr/>
+        <p:txBody>
+          <a:bodyPr/>
+          <a:lstStyle/>
+          <a:p>
+            <a:r>
+              <a:rPr lang="de-DE" dirty="0"/>
+              <a:t>Erhält die absolute Elementposition</a:t>
+            </a:r>
+          </a:p>
+        </p:txBody>
+      </p:sp>
+      <p:sp>
+        <p:nvSpPr>
+          <p:cNvPr id="4" name="Slide Number Placeholder 3"/>
+          <p:cNvSpPr>
+            <a:spLocks noGrp="1"/>
+          </p:cNvSpPr>
+          <p:nvPr>
+            <p:ph type="sldNum" idx="12"/>
+          </p:nvPr>
+        </p:nvSpPr>
+        <p:spPr/>
+        <p:txBody>
+          <a:bodyPr/>
+          <a:lstStyle/>
+          <a:p>
+            <a:pPr marL="0" marR="0" lvl="0" indent="0" algn="r" rtl="0">
+              <a:spcBef>
+                <a:spcPts val="0"/>
+              </a:spcBef>
+              <a:spcAft>
+                <a:spcPts val="0"/>
+              </a:spcAft>
+              <a:buNone/>
+            </a:pPr>
+            <a:fld id="{00000000-1234-1234-1234-123412341234}" type="slidenum">
+              <a:rPr lang="de-DE" sz="1200" b="0" i="0" u="none" strike="noStrike" cap="none" smtClean="0">
+                <a:solidFill>
+                  <a:schemeClr val="dk1"/>
+                </a:solidFill>
+                <a:latin typeface="Calibri"/>
+                <a:ea typeface="Calibri"/>
+                <a:cs typeface="Calibri"/>
+                <a:sym typeface="Calibri"/>
+              </a:rPr>
+              <a:t>14</a:t>
+            </a:fld>
+            <a:endParaRPr lang="de-DE" sz="1200" b="0" i="0" u="none" strike="noStrike" cap="none">
+              <a:solidFill>
+                <a:schemeClr val="dk1"/>
+              </a:solidFill>
+              <a:latin typeface="Calibri"/>
+              <a:ea typeface="Calibri"/>
+              <a:cs typeface="Calibri"/>
+              <a:sym typeface="Calibri"/>
+            </a:endParaRPr>
+          </a:p>
+        </p:txBody>
+      </p:sp>
+    </p:spTree>
+    <p:extLst>
+      <p:ext uri="{BB962C8B-B14F-4D97-AF65-F5344CB8AC3E}">
+        <p14:creationId xmlns:p14="http://schemas.microsoft.com/office/powerpoint/2010/main" val="2482925171"/>
+      </p:ext>
+    </p:extLst>
+  </p:cSld>
+  <p:clrMapOvr>
+    <a:masterClrMapping/>
+  </p:clrMapOvr>
+</p:notes>
+</file>
+
+<file path=ppt/notesSlides/notesSlide2.xml><?xml version="1.0" encoding="utf-8"?>
+<p:notes xmlns:a="http://schemas.openxmlformats.org/drawingml/2006/main" xmlns:r="http://schemas.openxmlformats.org/officeDocument/2006/relationships" xmlns:p="http://schemas.openxmlformats.org/presentationml/2006/main">
+  <p:cSld>
+    <p:spTree>
+      <p:nvGrpSpPr>
+        <p:cNvPr id="1" name=""/>
+        <p:cNvGrpSpPr/>
+        <p:nvPr/>
+      </p:nvGrpSpPr>
+      <p:grpSpPr>
+        <a:xfrm>
+          <a:off x="0" y="0"/>
+          <a:ext cx="0" cy="0"/>
+          <a:chOff x="0" y="0"/>
+          <a:chExt cx="0" cy="0"/>
+        </a:xfrm>
+      </p:grpSpPr>
+      <p:sp>
+        <p:nvSpPr>
+          <p:cNvPr id="2" name="Slide Image Placeholder 1"/>
+          <p:cNvSpPr>
+            <a:spLocks noGrp="1" noRot="1" noChangeAspect="1"/>
+          </p:cNvSpPr>
+          <p:nvPr>
+            <p:ph type="sldImg"/>
+          </p:nvPr>
+        </p:nvSpPr>
+        <p:spPr/>
+      </p:sp>
+      <p:sp>
+        <p:nvSpPr>
+          <p:cNvPr id="3" name="Notes Placeholder 2"/>
+          <p:cNvSpPr>
+            <a:spLocks noGrp="1"/>
+          </p:cNvSpPr>
+          <p:nvPr>
+            <p:ph type="body" idx="1"/>
+          </p:nvPr>
+        </p:nvSpPr>
+        <p:spPr/>
+        <p:txBody>
+          <a:bodyPr/>
+          <a:lstStyle/>
+          <a:p>
+            <a:r>
+              <a:rPr lang="de-DE" dirty="0"/>
+              <a:t>Erhält relative Elementposition</a:t>
+            </a:r>
+          </a:p>
+        </p:txBody>
+      </p:sp>
+      <p:sp>
+        <p:nvSpPr>
+          <p:cNvPr id="4" name="Slide Number Placeholder 3"/>
+          <p:cNvSpPr>
+            <a:spLocks noGrp="1"/>
+          </p:cNvSpPr>
+          <p:nvPr>
+            <p:ph type="sldNum" idx="12"/>
+          </p:nvPr>
+        </p:nvSpPr>
+        <p:spPr/>
+        <p:txBody>
+          <a:bodyPr/>
+          <a:lstStyle/>
+          <a:p>
+            <a:pPr marL="0" marR="0" lvl="0" indent="0" algn="r" rtl="0">
+              <a:spcBef>
+                <a:spcPts val="0"/>
+              </a:spcBef>
+              <a:spcAft>
+                <a:spcPts val="0"/>
+              </a:spcAft>
+              <a:buNone/>
+            </a:pPr>
+            <a:fld id="{00000000-1234-1234-1234-123412341234}" type="slidenum">
+              <a:rPr lang="de-DE" sz="1200" b="0" i="0" u="none" strike="noStrike" cap="none" smtClean="0">
+                <a:solidFill>
+                  <a:schemeClr val="dk1"/>
+                </a:solidFill>
+                <a:latin typeface="Calibri"/>
+                <a:ea typeface="Calibri"/>
+                <a:cs typeface="Calibri"/>
+                <a:sym typeface="Calibri"/>
+              </a:rPr>
+              <a:t>15</a:t>
+            </a:fld>
+            <a:endParaRPr lang="de-DE" sz="1200" b="0" i="0" u="none" strike="noStrike" cap="none">
+              <a:solidFill>
+                <a:schemeClr val="dk1"/>
+              </a:solidFill>
+              <a:latin typeface="Calibri"/>
+              <a:ea typeface="Calibri"/>
+              <a:cs typeface="Calibri"/>
+              <a:sym typeface="Calibri"/>
+            </a:endParaRPr>
+          </a:p>
+        </p:txBody>
+      </p:sp>
+    </p:spTree>
+    <p:extLst>
+      <p:ext uri="{BB962C8B-B14F-4D97-AF65-F5344CB8AC3E}">
+        <p14:creationId xmlns:p14="http://schemas.microsoft.com/office/powerpoint/2010/main" val="973729232"/>
+      </p:ext>
+    </p:extLst>
+  </p:cSld>
+  <p:clrMapOvr>
+    <a:masterClrMapping/>
+  </p:clrMapOvr>
+</p:notes>
 </file>
 
 <file path=ppt/slideLayouts/slideLayout1.xml><?xml version="1.0" encoding="utf-8"?>
@@ -23343,7 +23581,7 @@
           <p:cNvPr id="2" name="Title 1">
             <a:extLst>
               <a:ext uri="{FF2B5EF4-FFF2-40B4-BE49-F238E27FC236}">
-                <a16:creationId xmlns:a16="http://schemas.microsoft.com/office/drawing/2014/main" id="{85052616-A1AA-4C30-9C7B-DBB34145436D}"/>
+                <a16:creationId xmlns:a16="http://schemas.microsoft.com/office/drawing/2014/main" id="{DD2388D8-106E-40D0-A4BD-5FF4C2E2935B}"/>
               </a:ext>
             </a:extLst>
           </p:cNvPr>
@@ -23361,627 +23599,657 @@
           <a:p>
             <a:r>
               <a:rPr lang="de-DE" dirty="0"/>
-              <a:t>Realisierung – Mutations-Algorithmus</a:t>
+              <a:t>Realisierung – Order-Crossover</a:t>
             </a:r>
           </a:p>
         </p:txBody>
       </p:sp>
       <p:sp>
         <p:nvSpPr>
-          <p:cNvPr id="4" name="Rectangle 1">
+          <p:cNvPr id="3" name="Text Placeholder 2">
             <a:extLst>
               <a:ext uri="{FF2B5EF4-FFF2-40B4-BE49-F238E27FC236}">
-                <a16:creationId xmlns:a16="http://schemas.microsoft.com/office/drawing/2014/main" id="{902F850E-7E9B-4622-87C4-FE1420D027EA}"/>
+                <a16:creationId xmlns:a16="http://schemas.microsoft.com/office/drawing/2014/main" id="{79F1354A-B6A2-451D-B387-D4D8507220EF}"/>
               </a:ext>
             </a:extLst>
           </p:cNvPr>
           <p:cNvSpPr>
-            <a:spLocks noGrp="1" noChangeArrowheads="1"/>
+            <a:spLocks noGrp="1"/>
           </p:cNvSpPr>
           <p:nvPr>
             <p:ph type="body" sz="quarter" idx="11"/>
           </p:nvPr>
         </p:nvSpPr>
+        <p:spPr>
+          <a:xfrm>
+            <a:off x="334963" y="1280160"/>
+            <a:ext cx="6101348" cy="4534714"/>
+          </a:xfrm>
+        </p:spPr>
+        <p:txBody>
+          <a:bodyPr/>
+          <a:lstStyle/>
+          <a:p>
+            <a:r>
+              <a:rPr lang="de-DE" sz="1050" dirty="0">
+                <a:solidFill>
+                  <a:schemeClr val="accent6">
+                    <a:lumMod val="75000"/>
+                  </a:schemeClr>
+                </a:solidFill>
+              </a:rPr>
+              <a:t>bool</a:t>
+            </a:r>
+            <a:r>
+              <a:rPr lang="de-DE" sz="1050" dirty="0"/>
+              <a:t> order_crossover(Individual &amp;p1, Individual &amp;p2, Individual &amp;c1, Individual &amp;c2) {</a:t>
+            </a:r>
+          </a:p>
+          <a:p>
+            <a:r>
+              <a:rPr lang="de-DE" sz="1050" dirty="0"/>
+              <a:t>    int length = p1.get_size();</a:t>
+            </a:r>
+          </a:p>
+          <a:p>
+            <a:r>
+              <a:rPr lang="de-DE" sz="1050" dirty="0"/>
+              <a:t>    int interval_border_left = calc_two_random_interval_borders(length);</a:t>
+            </a:r>
+          </a:p>
+          <a:p>
+            <a:endParaRPr lang="de-DE" sz="1050" dirty="0"/>
+          </a:p>
+          <a:p>
+            <a:r>
+              <a:rPr lang="de-DE" sz="1050" dirty="0"/>
+              <a:t>    std::unordered_map&lt;int, int&gt; map_p1, map_p2;</a:t>
+            </a:r>
+          </a:p>
+          <a:p>
+            <a:r>
+              <a:rPr lang="de-DE" sz="1050" dirty="0"/>
+              <a:t>    </a:t>
+            </a:r>
+            <a:r>
+              <a:rPr lang="de-DE" sz="1050" dirty="0">
+                <a:solidFill>
+                  <a:schemeClr val="accent6">
+                    <a:lumMod val="75000"/>
+                  </a:schemeClr>
+                </a:solidFill>
+              </a:rPr>
+              <a:t>for</a:t>
+            </a:r>
+            <a:r>
+              <a:rPr lang="de-DE" sz="1050" dirty="0"/>
+              <a:t> (int i = interval_border_left; i &lt; interval_border_right; ++i) {</a:t>
+            </a:r>
+          </a:p>
+          <a:p>
+            <a:r>
+              <a:rPr lang="de-DE" sz="1050" dirty="0"/>
+              <a:t>        map_p1.insert(std::pair&lt;int, int&gt;(p1.get_chromosome().at(i), i));</a:t>
+            </a:r>
+          </a:p>
+          <a:p>
+            <a:r>
+              <a:rPr lang="de-DE" sz="1050" dirty="0"/>
+              <a:t>        map_p2.insert(std::pair&lt;int, int&gt;(p2.get_chromosome().at(i), i));</a:t>
+            </a:r>
+          </a:p>
+          <a:p>
+            <a:r>
+              <a:rPr lang="de-DE" sz="1050" dirty="0"/>
+              <a:t>    }</a:t>
+            </a:r>
+          </a:p>
+          <a:p>
+            <a:r>
+              <a:rPr lang="de-DE" sz="1050" dirty="0"/>
+              <a:t>    std::vector&lt;int&gt; cache1, cache2;</a:t>
+            </a:r>
+          </a:p>
+          <a:p>
+            <a:r>
+              <a:rPr lang="de-DE" sz="1050" dirty="0"/>
+              <a:t>    set_duplicate_flags(map_p2, c1, p1, cache1, interval_border_left, interval_border_right);</a:t>
+            </a:r>
+          </a:p>
+          <a:p>
+            <a:r>
+              <a:rPr lang="de-DE" sz="1050" dirty="0"/>
+              <a:t>    set_duplicate_flags(map_p1, c2, p2, cache2, interval_border_left, interval_border_right);</a:t>
+            </a:r>
+          </a:p>
+          <a:p>
+            <a:r>
+              <a:rPr lang="de-DE" sz="1050" dirty="0"/>
+              <a:t>    copy_values(c1, cache1, interval_border_left);</a:t>
+            </a:r>
+          </a:p>
+          <a:p>
+            <a:r>
+              <a:rPr lang="de-DE" sz="1050" dirty="0"/>
+              <a:t>    copy_values(c2, cache2, interval_border_left);</a:t>
+            </a:r>
+          </a:p>
+          <a:p>
+            <a:endParaRPr lang="de-DE" sz="1050" dirty="0"/>
+          </a:p>
+          <a:p>
+            <a:r>
+              <a:rPr lang="de-DE" sz="1050" dirty="0"/>
+              <a:t>    </a:t>
+            </a:r>
+            <a:r>
+              <a:rPr lang="de-DE" sz="1050" dirty="0">
+                <a:solidFill>
+                  <a:schemeClr val="accent6">
+                    <a:lumMod val="75000"/>
+                  </a:schemeClr>
+                </a:solidFill>
+              </a:rPr>
+              <a:t>for</a:t>
+            </a:r>
+            <a:r>
+              <a:rPr lang="de-DE" sz="1050" dirty="0"/>
+              <a:t> (int j = interval_border_left; j &lt; interval_border_right; ++j) {</a:t>
+            </a:r>
+          </a:p>
+          <a:p>
+            <a:r>
+              <a:rPr lang="de-DE" sz="1050" dirty="0"/>
+              <a:t>        </a:t>
+            </a:r>
+            <a:r>
+              <a:rPr lang="de-DE" sz="1050" dirty="0">
+                <a:solidFill>
+                  <a:schemeClr val="accent6">
+                    <a:lumMod val="75000"/>
+                  </a:schemeClr>
+                </a:solidFill>
+              </a:rPr>
+              <a:t>if</a:t>
+            </a:r>
+            <a:r>
+              <a:rPr lang="de-DE" sz="1050" dirty="0"/>
+              <a:t> (c1.get_chromosome().at(j) == DUPLICATE_FLAG) {</a:t>
+            </a:r>
+          </a:p>
+          <a:p>
+            <a:r>
+              <a:rPr lang="de-DE" sz="1050" dirty="0"/>
+              <a:t>            c1.update_chromosome(p2.get_chromosome().at(j), j);</a:t>
+            </a:r>
+          </a:p>
+          <a:p>
+            <a:r>
+              <a:rPr lang="de-DE" sz="1050" dirty="0"/>
+              <a:t>        }</a:t>
+            </a:r>
+          </a:p>
+          <a:p>
+            <a:r>
+              <a:rPr lang="de-DE" sz="1050" dirty="0"/>
+              <a:t>        </a:t>
+            </a:r>
+            <a:r>
+              <a:rPr lang="de-DE" sz="1050" dirty="0">
+                <a:solidFill>
+                  <a:schemeClr val="accent6">
+                    <a:lumMod val="75000"/>
+                  </a:schemeClr>
+                </a:solidFill>
+              </a:rPr>
+              <a:t>if</a:t>
+            </a:r>
+            <a:r>
+              <a:rPr lang="de-DE" sz="1050" dirty="0"/>
+              <a:t> (c2.get_chromosome().at(j) == DUPLICATE_FLAG) {</a:t>
+            </a:r>
+          </a:p>
+          <a:p>
+            <a:r>
+              <a:rPr lang="de-DE" sz="1050" dirty="0"/>
+              <a:t>            c2.update_chromosome(p1.get_chromosome().at(j), j);</a:t>
+            </a:r>
+          </a:p>
+          <a:p>
+            <a:r>
+              <a:rPr lang="de-DE" sz="1050" dirty="0"/>
+              <a:t>        }</a:t>
+            </a:r>
+          </a:p>
+          <a:p>
+            <a:r>
+              <a:rPr lang="de-DE" sz="1050" dirty="0"/>
+              <a:t>    }</a:t>
+            </a:r>
+          </a:p>
+          <a:p>
+            <a:r>
+              <a:rPr lang="de-DE" sz="1050" dirty="0"/>
+              <a:t>    </a:t>
+            </a:r>
+            <a:r>
+              <a:rPr lang="de-DE" sz="1050" dirty="0">
+                <a:solidFill>
+                  <a:schemeClr val="accent6">
+                    <a:lumMod val="75000"/>
+                  </a:schemeClr>
+                </a:solidFill>
+              </a:rPr>
+              <a:t>return</a:t>
+            </a:r>
+            <a:r>
+              <a:rPr lang="de-DE" sz="1050" dirty="0"/>
+              <a:t> true;</a:t>
+            </a:r>
+          </a:p>
+          <a:p>
+            <a:r>
+              <a:rPr lang="de-DE" sz="1050" dirty="0"/>
+              <a:t>}</a:t>
+            </a:r>
+          </a:p>
+        </p:txBody>
+      </p:sp>
+      <p:sp>
+        <p:nvSpPr>
+          <p:cNvPr id="6" name="Text Placeholder 2">
+            <a:extLst>
+              <a:ext uri="{FF2B5EF4-FFF2-40B4-BE49-F238E27FC236}">
+                <a16:creationId xmlns:a16="http://schemas.microsoft.com/office/drawing/2014/main" id="{8E207C94-E4AD-4A92-98F0-5A9FCD4F2B49}"/>
+              </a:ext>
+            </a:extLst>
+          </p:cNvPr>
+          <p:cNvSpPr txBox="1">
+            <a:spLocks/>
+          </p:cNvSpPr>
+          <p:nvPr/>
+        </p:nvSpPr>
         <p:spPr bwMode="auto">
           <a:xfrm>
-            <a:off x="334963" y="1131901"/>
-            <a:ext cx="5630831" cy="3600986"/>
+            <a:off x="7196261" y="885512"/>
+            <a:ext cx="4660776" cy="4206240"/>
           </a:xfrm>
           <a:prstGeom prst="rect">
             <a:avLst/>
           </a:prstGeom>
-          <a:solidFill>
-            <a:srgbClr val="FFFFFF"/>
-          </a:solidFill>
+          <a:noFill/>
           <a:ln>
             <a:noFill/>
           </a:ln>
-          <a:effectLst/>
           <a:extLst>
+            <a:ext uri="{909E8E84-426E-40DD-AFC4-6F175D3DCCD1}">
+              <a14:hiddenFill xmlns:a14="http://schemas.microsoft.com/office/drawing/2010/main">
+                <a:solidFill>
+                  <a:srgbClr val="FFFFFF"/>
+                </a:solidFill>
+              </a14:hiddenFill>
+            </a:ext>
             <a:ext uri="{91240B29-F687-4F45-9708-019B960494DF}">
               <a14:hiddenLine xmlns:a14="http://schemas.microsoft.com/office/drawing/2010/main" w="9525">
                 <a:solidFill>
-                  <a:schemeClr val="tx1"/>
+                  <a:srgbClr val="000000"/>
                 </a:solidFill>
                 <a:miter lim="800000"/>
                 <a:headEnd/>
                 <a:tailEnd/>
               </a14:hiddenLine>
             </a:ext>
-            <a:ext uri="{AF507438-7753-43E0-B8FC-AC1667EBCBE1}">
-              <a14:hiddenEffects xmlns:a14="http://schemas.microsoft.com/office/drawing/2010/main">
-                <a:effectLst>
-                  <a:outerShdw dist="35921" dir="2700000" algn="ctr" rotWithShape="0">
-                    <a:schemeClr val="bg2"/>
-                  </a:outerShdw>
-                </a:effectLst>
-              </a14:hiddenEffects>
-            </a:ext>
           </a:extLst>
         </p:spPr>
         <p:txBody>
-          <a:bodyPr vert="horz" wrap="square" lIns="91440" tIns="45720" rIns="91440" bIns="45720" numCol="1" anchor="ctr" anchorCtr="0" compatLnSpc="1">
+          <a:bodyPr vert="horz" wrap="square" lIns="91440" tIns="45720" rIns="91440" bIns="45720" numCol="1" anchor="t" anchorCtr="0" compatLnSpc="1">
             <a:prstTxWarp prst="textNoShape">
               <a:avLst/>
             </a:prstTxWarp>
-            <a:spAutoFit/>
           </a:bodyPr>
-          <a:lstStyle/>
-          <a:p>
-            <a:pPr marR="0" lvl="0" defTabSz="914400" latinLnBrk="0">
-              <a:lnSpc>
-                <a:spcPct val="100000"/>
-              </a:lnSpc>
-              <a:tabLst/>
+          <a:lstStyle>
+            <a:lvl1pPr marL="0" indent="0" algn="l" rtl="0" eaLnBrk="0" fontAlgn="base" hangingPunct="0">
+              <a:spcBef>
+                <a:spcPct val="20000"/>
+              </a:spcBef>
+              <a:spcAft>
+                <a:spcPct val="0"/>
+              </a:spcAft>
+              <a:buClr>
+                <a:srgbClr val="80BA24"/>
+              </a:buClr>
+              <a:buSzPct val="106000"/>
+              <a:buFontTx/>
+              <a:buNone/>
+              <a:defRPr kern="1200" baseline="0">
+                <a:solidFill>
+                  <a:srgbClr val="4A5C66"/>
+                </a:solidFill>
+                <a:latin typeface="Arial" pitchFamily="34" charset="0"/>
+                <a:ea typeface="MS PGothic" panose="020B0600070205080204" pitchFamily="34" charset="-128"/>
+                <a:cs typeface="Arial" pitchFamily="34" charset="0"/>
+              </a:defRPr>
+            </a:lvl1pPr>
+            <a:lvl2pPr marL="266700" indent="0" algn="l" rtl="0" eaLnBrk="0" fontAlgn="base" hangingPunct="0">
+              <a:spcBef>
+                <a:spcPct val="20000"/>
+              </a:spcBef>
+              <a:spcAft>
+                <a:spcPct val="0"/>
+              </a:spcAft>
+              <a:buClr>
+                <a:srgbClr val="80BA24"/>
+              </a:buClr>
+              <a:buSzPct val="90000"/>
+              <a:buFontTx/>
+              <a:buNone/>
+              <a:defRPr kern="1200">
+                <a:solidFill>
+                  <a:srgbClr val="4A5C66"/>
+                </a:solidFill>
+                <a:latin typeface="Arial" pitchFamily="34" charset="0"/>
+                <a:ea typeface="Arial" charset="0"/>
+                <a:cs typeface="Arial" pitchFamily="34" charset="0"/>
+              </a:defRPr>
+            </a:lvl2pPr>
+            <a:lvl3pPr marL="542925" indent="0" algn="l" rtl="0" eaLnBrk="0" fontAlgn="base" hangingPunct="0">
+              <a:spcBef>
+                <a:spcPct val="20000"/>
+              </a:spcBef>
+              <a:spcAft>
+                <a:spcPct val="0"/>
+              </a:spcAft>
+              <a:buClr>
+                <a:srgbClr val="80BA24"/>
+              </a:buClr>
+              <a:buSzPct val="80000"/>
+              <a:buFontTx/>
+              <a:buNone/>
+              <a:defRPr kern="1200">
+                <a:solidFill>
+                  <a:srgbClr val="4A5C66"/>
+                </a:solidFill>
+                <a:latin typeface="Arial" pitchFamily="34" charset="0"/>
+                <a:ea typeface="Arial" charset="0"/>
+                <a:cs typeface="Arial" pitchFamily="34" charset="0"/>
+              </a:defRPr>
+            </a:lvl3pPr>
+            <a:lvl4pPr marL="809625" indent="0" algn="l" rtl="0" eaLnBrk="0" fontAlgn="base" hangingPunct="0">
+              <a:spcBef>
+                <a:spcPct val="20000"/>
+              </a:spcBef>
+              <a:spcAft>
+                <a:spcPct val="0"/>
+              </a:spcAft>
+              <a:buClr>
+                <a:srgbClr val="80BA24"/>
+              </a:buClr>
+              <a:buSzPct val="80000"/>
+              <a:buFontTx/>
+              <a:buNone/>
+              <a:defRPr kern="1200">
+                <a:solidFill>
+                  <a:srgbClr val="4A5C66"/>
+                </a:solidFill>
+                <a:latin typeface="Arial" pitchFamily="34" charset="0"/>
+                <a:ea typeface="Arial" charset="0"/>
+                <a:cs typeface="Arial" pitchFamily="34" charset="0"/>
+              </a:defRPr>
+            </a:lvl4pPr>
+            <a:lvl5pPr marL="1076325" indent="0" algn="l" rtl="0" eaLnBrk="0" fontAlgn="base" hangingPunct="0">
+              <a:spcBef>
+                <a:spcPct val="20000"/>
+              </a:spcBef>
+              <a:spcAft>
+                <a:spcPct val="0"/>
+              </a:spcAft>
+              <a:buClr>
+                <a:srgbClr val="80BA24"/>
+              </a:buClr>
+              <a:buSzPct val="80000"/>
+              <a:buFontTx/>
+              <a:buNone/>
+              <a:defRPr kern="1200">
+                <a:solidFill>
+                  <a:srgbClr val="4A5C66"/>
+                </a:solidFill>
+                <a:latin typeface="Arial" pitchFamily="34" charset="0"/>
+                <a:ea typeface="Arial" charset="0"/>
+                <a:cs typeface="Arial" pitchFamily="34" charset="0"/>
+              </a:defRPr>
+            </a:lvl5pPr>
+            <a:lvl6pPr marL="2514600" indent="-228600" algn="l" defTabSz="914400" rtl="0" eaLnBrk="1" latinLnBrk="0" hangingPunct="1">
+              <a:spcBef>
+                <a:spcPct val="20000"/>
+              </a:spcBef>
+              <a:buFont typeface="Arial" pitchFamily="34" charset="0"/>
+              <a:buChar char="•"/>
+              <a:defRPr sz="2000" kern="1200">
+                <a:solidFill>
+                  <a:schemeClr val="tx1"/>
+                </a:solidFill>
+                <a:latin typeface="+mn-lt"/>
+                <a:ea typeface="+mn-ea"/>
+                <a:cs typeface="+mn-cs"/>
+              </a:defRPr>
+            </a:lvl6pPr>
+            <a:lvl7pPr marL="2971800" indent="-228600" algn="l" defTabSz="914400" rtl="0" eaLnBrk="1" latinLnBrk="0" hangingPunct="1">
+              <a:spcBef>
+                <a:spcPct val="20000"/>
+              </a:spcBef>
+              <a:buFont typeface="Arial" pitchFamily="34" charset="0"/>
+              <a:buChar char="•"/>
+              <a:defRPr sz="2000" kern="1200">
+                <a:solidFill>
+                  <a:schemeClr val="tx1"/>
+                </a:solidFill>
+                <a:latin typeface="+mn-lt"/>
+                <a:ea typeface="+mn-ea"/>
+                <a:cs typeface="+mn-cs"/>
+              </a:defRPr>
+            </a:lvl7pPr>
+            <a:lvl8pPr marL="3429000" indent="-228600" algn="l" defTabSz="914400" rtl="0" eaLnBrk="1" latinLnBrk="0" hangingPunct="1">
+              <a:spcBef>
+                <a:spcPct val="20000"/>
+              </a:spcBef>
+              <a:buFont typeface="Arial" pitchFamily="34" charset="0"/>
+              <a:buChar char="•"/>
+              <a:defRPr sz="2000" kern="1200">
+                <a:solidFill>
+                  <a:schemeClr val="tx1"/>
+                </a:solidFill>
+                <a:latin typeface="+mn-lt"/>
+                <a:ea typeface="+mn-ea"/>
+                <a:cs typeface="+mn-cs"/>
+              </a:defRPr>
+            </a:lvl8pPr>
+            <a:lvl9pPr marL="3886200" indent="-228600" algn="l" defTabSz="914400" rtl="0" eaLnBrk="1" latinLnBrk="0" hangingPunct="1">
+              <a:spcBef>
+                <a:spcPct val="20000"/>
+              </a:spcBef>
+              <a:buFont typeface="Arial" pitchFamily="34" charset="0"/>
+              <a:buChar char="•"/>
+              <a:defRPr sz="2000" kern="1200">
+                <a:solidFill>
+                  <a:schemeClr val="tx1"/>
+                </a:solidFill>
+                <a:latin typeface="+mn-lt"/>
+                <a:ea typeface="+mn-ea"/>
+                <a:cs typeface="+mn-cs"/>
+              </a:defRPr>
+            </a:lvl9pPr>
+          </a:lstStyle>
+          <a:p>
+            <a:pPr marL="342900" indent="-342900">
+              <a:spcAft>
+                <a:spcPts val="600"/>
+              </a:spcAft>
+              <a:buAutoNum type="arabicPeriod"/>
             </a:pPr>
             <a:r>
-              <a:rPr lang="de-DE" altLang="de-DE" sz="1200" dirty="0">
-                <a:solidFill>
-                  <a:schemeClr val="accent6">
-                    <a:lumMod val="75000"/>
-                  </a:schemeClr>
-                </a:solidFill>
-              </a:rPr>
-              <a:t>bool</a:t>
-            </a:r>
-            <a:r>
-              <a:rPr lang="de-DE" altLang="de-DE" sz="1200" dirty="0"/>
-              <a:t> mutation_delete_shift(Individual &amp;individual, int percentage) {</a:t>
-            </a:r>
-          </a:p>
-          <a:p>
-            <a:pPr marR="0" lvl="0" defTabSz="914400" latinLnBrk="0">
-              <a:lnSpc>
-                <a:spcPct val="100000"/>
-              </a:lnSpc>
-              <a:tabLst/>
+              <a:rPr lang="de-DE" sz="1800" dirty="0"/>
+              <a:t>Wähle zwei zufällige Intervallgrenzen</a:t>
+            </a:r>
+          </a:p>
+          <a:p>
+            <a:pPr lvl="2">
+              <a:spcAft>
+                <a:spcPts val="600"/>
+              </a:spcAft>
             </a:pPr>
             <a:r>
-              <a:rPr lang="de-DE" altLang="de-DE" sz="1200" dirty="0"/>
-              <a:t>    bool mutate = rand() % 100 &lt; percentage;</a:t>
-            </a:r>
-          </a:p>
-          <a:p>
-            <a:pPr marR="0" lvl="0" defTabSz="914400" latinLnBrk="0">
-              <a:lnSpc>
-                <a:spcPct val="100000"/>
-              </a:lnSpc>
-              <a:tabLst/>
+              <a:rPr lang="de-DE" sz="1800" dirty="0"/>
+              <a:t>p1 = 1 | 2 3 | 4 5</a:t>
+            </a:r>
+          </a:p>
+          <a:p>
+            <a:pPr lvl="2">
+              <a:spcAft>
+                <a:spcPts val="600"/>
+              </a:spcAft>
             </a:pPr>
-            <a:endParaRPr lang="de-DE" altLang="de-DE" sz="1200" dirty="0"/>
-          </a:p>
-          <a:p>
-            <a:pPr marR="0" lvl="0" defTabSz="914400" latinLnBrk="0">
-              <a:lnSpc>
-                <a:spcPct val="100000"/>
-              </a:lnSpc>
-              <a:tabLst/>
+            <a:r>
+              <a:rPr lang="de-DE" sz="1800" dirty="0"/>
+              <a:t>p2 = 5 | 4 3 | 2 1</a:t>
+            </a:r>
+          </a:p>
+          <a:p>
+            <a:pPr marL="342900" indent="-342900">
+              <a:spcAft>
+                <a:spcPts val="600"/>
+              </a:spcAft>
+              <a:buAutoNum type="arabicPeriod"/>
             </a:pPr>
             <a:r>
-              <a:rPr lang="de-DE" altLang="de-DE" sz="1200" dirty="0"/>
-              <a:t>    </a:t>
-            </a:r>
-            <a:r>
-              <a:rPr lang="de-DE" altLang="de-DE" sz="1200" dirty="0">
-                <a:solidFill>
-                  <a:schemeClr val="accent6">
-                    <a:lumMod val="75000"/>
-                  </a:schemeClr>
-                </a:solidFill>
-              </a:rPr>
-              <a:t>if</a:t>
-            </a:r>
-            <a:r>
-              <a:rPr lang="de-DE" altLang="de-DE" sz="1200" dirty="0"/>
-              <a:t> (mutate) {</a:t>
-            </a:r>
-          </a:p>
-          <a:p>
-            <a:pPr marR="0" lvl="0" defTabSz="914400" latinLnBrk="0">
-              <a:lnSpc>
-                <a:spcPct val="100000"/>
-              </a:lnSpc>
-              <a:tabLst/>
+              <a:rPr lang="de-DE" sz="1800" dirty="0"/>
+              <a:t>Markiere die Elemente innerhalb des Intervalls des anderen Elternteils als Lücke X</a:t>
+            </a:r>
+          </a:p>
+          <a:p>
+            <a:pPr lvl="2">
+              <a:spcAft>
+                <a:spcPts val="600"/>
+              </a:spcAft>
             </a:pPr>
             <a:r>
-              <a:rPr lang="de-DE" altLang="de-DE" sz="1200" dirty="0"/>
-              <a:t>        int position_a = rand() % (individual.get_size() - 1);</a:t>
-            </a:r>
-          </a:p>
-          <a:p>
-            <a:pPr marR="0" lvl="0" defTabSz="914400" latinLnBrk="0">
-              <a:lnSpc>
-                <a:spcPct val="100000"/>
-              </a:lnSpc>
-              <a:tabLst/>
+              <a:rPr lang="de-DE" sz="1800" dirty="0"/>
+              <a:t>c1 = 1 | 2 3 | X 5</a:t>
+            </a:r>
+          </a:p>
+          <a:p>
+            <a:pPr lvl="2">
+              <a:spcAft>
+                <a:spcPts val="600"/>
+              </a:spcAft>
             </a:pPr>
             <a:r>
-              <a:rPr lang="de-DE" altLang="de-DE" sz="1200" dirty="0"/>
-              <a:t>        int position_b;</a:t>
-            </a:r>
-          </a:p>
-          <a:p>
-            <a:pPr marR="0" lvl="0" defTabSz="914400" latinLnBrk="0">
-              <a:lnSpc>
-                <a:spcPct val="100000"/>
-              </a:lnSpc>
-              <a:tabLst/>
+              <a:rPr lang="de-DE" sz="1800" dirty="0"/>
+              <a:t>c2 = 5 | 4 3 | X 1</a:t>
+            </a:r>
+          </a:p>
+          <a:p>
+            <a:pPr marL="342900" indent="-342900">
+              <a:spcAft>
+                <a:spcPts val="600"/>
+              </a:spcAft>
+              <a:buAutoNum type="arabicPeriod"/>
             </a:pPr>
             <a:r>
-              <a:rPr lang="de-DE" altLang="de-DE" sz="1200" dirty="0"/>
-              <a:t>        </a:t>
-            </a:r>
-            <a:r>
-              <a:rPr lang="de-DE" altLang="de-DE" sz="1200" dirty="0">
-                <a:solidFill>
-                  <a:schemeClr val="accent6">
-                    <a:lumMod val="75000"/>
-                  </a:schemeClr>
-                </a:solidFill>
-              </a:rPr>
-              <a:t>do</a:t>
-            </a:r>
-            <a:r>
-              <a:rPr lang="de-DE" altLang="de-DE" sz="1200" dirty="0"/>
-              <a:t> {</a:t>
-            </a:r>
-          </a:p>
-          <a:p>
-            <a:pPr marR="0" lvl="0" defTabSz="914400" latinLnBrk="0">
-              <a:lnSpc>
-                <a:spcPct val="100000"/>
-              </a:lnSpc>
-              <a:tabLst/>
+              <a:rPr lang="de-DE" sz="1800" dirty="0"/>
+              <a:t>Sortiere die Elemente neu an</a:t>
+            </a:r>
+          </a:p>
+          <a:p>
+            <a:pPr lvl="2">
+              <a:spcAft>
+                <a:spcPts val="600"/>
+              </a:spcAft>
             </a:pPr>
             <a:r>
-              <a:rPr lang="de-DE" altLang="de-DE" sz="1200" dirty="0"/>
-              <a:t>            position_b = rand() % (individual.get_size() - position_a) + position_a;</a:t>
-            </a:r>
-          </a:p>
-          <a:p>
-            <a:pPr marR="0" lvl="0" defTabSz="914400" latinLnBrk="0">
-              <a:lnSpc>
-                <a:spcPct val="100000"/>
-              </a:lnSpc>
-              <a:tabLst/>
+              <a:rPr lang="de-DE" sz="1800" dirty="0"/>
+              <a:t>c1 = 2 | X 3 | 5 1</a:t>
+            </a:r>
+          </a:p>
+          <a:p>
+            <a:pPr lvl="2">
+              <a:spcAft>
+                <a:spcPts val="600"/>
+              </a:spcAft>
             </a:pPr>
             <a:r>
-              <a:rPr lang="de-DE" altLang="de-DE" sz="1200" dirty="0"/>
-              <a:t>        } </a:t>
-            </a:r>
-            <a:r>
-              <a:rPr lang="de-DE" altLang="de-DE" sz="1200" dirty="0">
-                <a:solidFill>
-                  <a:schemeClr val="accent6">
-                    <a:lumMod val="75000"/>
-                  </a:schemeClr>
-                </a:solidFill>
-              </a:rPr>
-              <a:t>while</a:t>
-            </a:r>
-            <a:r>
-              <a:rPr lang="de-DE" altLang="de-DE" sz="1200" dirty="0"/>
-              <a:t> (position_a == position_b);</a:t>
-            </a:r>
-          </a:p>
-          <a:p>
-            <a:pPr marR="0" lvl="0" defTabSz="914400" latinLnBrk="0">
-              <a:lnSpc>
-                <a:spcPct val="100000"/>
-              </a:lnSpc>
-              <a:tabLst/>
+              <a:rPr lang="de-DE" sz="1800" dirty="0"/>
+              <a:t>c2 = 4 | X 3 | 1 5</a:t>
+            </a:r>
+          </a:p>
+          <a:p>
+            <a:pPr marL="342900" indent="-342900">
+              <a:spcAft>
+                <a:spcPts val="600"/>
+              </a:spcAft>
+              <a:buAutoNum type="arabicPeriod"/>
             </a:pPr>
             <a:r>
-              <a:rPr lang="de-DE" altLang="de-DE" sz="1200" dirty="0"/>
-              <a:t>    </a:t>
-            </a:r>
-          </a:p>
-          <a:p>
-            <a:pPr marR="0" lvl="0" defTabSz="914400" latinLnBrk="0">
-              <a:lnSpc>
-                <a:spcPct val="100000"/>
-              </a:lnSpc>
-              <a:tabLst/>
+              <a:rPr lang="de-DE" sz="1800" dirty="0"/>
+              <a:t>Tausche</a:t>
+            </a:r>
+          </a:p>
+          <a:p>
+            <a:pPr lvl="2">
+              <a:spcAft>
+                <a:spcPts val="600"/>
+              </a:spcAft>
             </a:pPr>
             <a:r>
-              <a:rPr lang="de-DE" altLang="de-DE" sz="1200" dirty="0"/>
-              <a:t>    </a:t>
-            </a:r>
-            <a:r>
-              <a:rPr lang="de-DE" altLang="de-DE" sz="1200" dirty="0">
-                <a:solidFill>
-                  <a:schemeClr val="accent6">
-                    <a:lumMod val="75000"/>
-                  </a:schemeClr>
-                </a:solidFill>
-              </a:rPr>
-              <a:t>for</a:t>
-            </a:r>
-            <a:r>
-              <a:rPr lang="de-DE" altLang="de-DE" sz="1200" dirty="0"/>
-              <a:t> (int i = position_a; i &lt; position_b; i++) {</a:t>
-            </a:r>
-          </a:p>
-          <a:p>
-            <a:pPr marR="0" lvl="0" defTabSz="914400" latinLnBrk="0">
-              <a:lnSpc>
-                <a:spcPct val="100000"/>
-              </a:lnSpc>
-              <a:tabLst/>
+              <a:rPr lang="de-DE" sz="1800" dirty="0"/>
+              <a:t>c1 = 2 | 4 3 | 5 1</a:t>
+            </a:r>
+          </a:p>
+          <a:p>
+            <a:pPr lvl="2">
+              <a:spcAft>
+                <a:spcPts val="600"/>
+              </a:spcAft>
             </a:pPr>
             <a:r>
-              <a:rPr lang="de-DE" altLang="de-DE" sz="1200" dirty="0"/>
-              <a:t>        swap_chromosome(individual.get_chromosome(), i, i + 1);</a:t>
-            </a:r>
-          </a:p>
-          <a:p>
-            <a:pPr marR="0" lvl="0" defTabSz="914400" latinLnBrk="0">
-              <a:lnSpc>
-                <a:spcPct val="100000"/>
-              </a:lnSpc>
-              <a:tabLst/>
+              <a:rPr lang="de-DE" sz="1800" dirty="0"/>
+              <a:t>c2 = 4 | 2 3 | 1 5</a:t>
+            </a:r>
+          </a:p>
+          <a:p>
+            <a:pPr marL="609600" lvl="1" indent="-342900">
+              <a:spcAft>
+                <a:spcPts val="600"/>
+              </a:spcAft>
+              <a:buAutoNum type="arabicPeriod"/>
             </a:pPr>
-            <a:r>
-              <a:rPr lang="de-DE" altLang="de-DE" sz="1200" dirty="0"/>
-              <a:t>    }</a:t>
-            </a:r>
-          </a:p>
-          <a:p>
-            <a:pPr marR="0" lvl="0" defTabSz="914400" latinLnBrk="0">
-              <a:lnSpc>
-                <a:spcPct val="100000"/>
-              </a:lnSpc>
-              <a:tabLst/>
+            <a:endParaRPr lang="de-DE" sz="1800" dirty="0"/>
+          </a:p>
+          <a:p>
+            <a:pPr>
+              <a:spcAft>
+                <a:spcPts val="600"/>
+              </a:spcAft>
             </a:pPr>
-            <a:endParaRPr lang="de-DE" altLang="de-DE" sz="1200" dirty="0"/>
-          </a:p>
-          <a:p>
-            <a:pPr marR="0" lvl="0" defTabSz="914400" latinLnBrk="0">
-              <a:lnSpc>
-                <a:spcPct val="100000"/>
-              </a:lnSpc>
-              <a:tabLst/>
+            <a:r>
+              <a:rPr lang="de-DE" sz="1800" dirty="0"/>
+              <a:t>	</a:t>
+            </a:r>
+          </a:p>
+          <a:p>
+            <a:pPr marL="342900" indent="-342900">
+              <a:spcAft>
+                <a:spcPts val="600"/>
+              </a:spcAft>
+              <a:buAutoNum type="arabicPeriod"/>
             </a:pPr>
-            <a:r>
-              <a:rPr lang="de-DE" altLang="de-DE" sz="1200" dirty="0"/>
-              <a:t>    return mutate;</a:t>
-            </a:r>
-          </a:p>
-          <a:p>
-            <a:pPr marR="0" lvl="0" defTabSz="914400" latinLnBrk="0">
-              <a:lnSpc>
-                <a:spcPct val="100000"/>
-              </a:lnSpc>
-              <a:tabLst/>
-            </a:pPr>
-            <a:r>
-              <a:rPr lang="de-DE" altLang="de-DE" sz="1200" dirty="0"/>
-              <a:t>}</a:t>
-            </a:r>
-          </a:p>
-        </p:txBody>
-      </p:sp>
-      <p:sp>
-        <p:nvSpPr>
-          <p:cNvPr id="11" name="TextBox 10">
-            <a:extLst>
-              <a:ext uri="{FF2B5EF4-FFF2-40B4-BE49-F238E27FC236}">
-                <a16:creationId xmlns:a16="http://schemas.microsoft.com/office/drawing/2014/main" id="{A9A881C4-7DE0-4C0F-B2EC-F77D820DCF22}"/>
-              </a:ext>
-            </a:extLst>
-          </p:cNvPr>
-          <p:cNvSpPr txBox="1"/>
-          <p:nvPr/>
-        </p:nvSpPr>
-        <p:spPr>
-          <a:xfrm>
-            <a:off x="5965794" y="1292791"/>
-            <a:ext cx="4074850" cy="4108817"/>
-          </a:xfrm>
-          <a:prstGeom prst="rect">
-            <a:avLst/>
-          </a:prstGeom>
-          <a:noFill/>
-        </p:spPr>
-        <p:txBody>
-          <a:bodyPr wrap="square" rtlCol="0">
-            <a:spAutoFit/>
-          </a:bodyPr>
-          <a:lstStyle/>
-          <a:p>
-            <a:pPr>
-              <a:spcAft>
-                <a:spcPts val="600"/>
-              </a:spcAft>
-            </a:pPr>
-            <a:r>
-              <a:rPr lang="de-DE" dirty="0">
-                <a:solidFill>
-                  <a:srgbClr val="4A5C66"/>
-                </a:solidFill>
-                <a:latin typeface="Arial" panose="020B0604020202020204" pitchFamily="34" charset="0"/>
-                <a:cs typeface="Arial" panose="020B0604020202020204" pitchFamily="34" charset="0"/>
-              </a:rPr>
-              <a:t>Chromosom: {1,2,</a:t>
-            </a:r>
-            <a:r>
-              <a:rPr lang="de-DE" b="1" dirty="0">
-                <a:solidFill>
-                  <a:srgbClr val="C00000"/>
-                </a:solidFill>
-                <a:latin typeface="Arial" panose="020B0604020202020204" pitchFamily="34" charset="0"/>
-                <a:cs typeface="Arial" panose="020B0604020202020204" pitchFamily="34" charset="0"/>
-              </a:rPr>
-              <a:t>3</a:t>
-            </a:r>
-            <a:r>
-              <a:rPr lang="de-DE" b="1" dirty="0">
-                <a:solidFill>
-                  <a:srgbClr val="4A5C66"/>
-                </a:solidFill>
-                <a:latin typeface="Arial" panose="020B0604020202020204" pitchFamily="34" charset="0"/>
-                <a:cs typeface="Arial" panose="020B0604020202020204" pitchFamily="34" charset="0"/>
-              </a:rPr>
-              <a:t>,4,5,6,7</a:t>
-            </a:r>
-            <a:r>
-              <a:rPr lang="de-DE" dirty="0">
-                <a:solidFill>
-                  <a:srgbClr val="4A5C66"/>
-                </a:solidFill>
-                <a:latin typeface="Arial" panose="020B0604020202020204" pitchFamily="34" charset="0"/>
-                <a:cs typeface="Arial" panose="020B0604020202020204" pitchFamily="34" charset="0"/>
-              </a:rPr>
-              <a:t>,8,9,10}</a:t>
-            </a:r>
-          </a:p>
-          <a:p>
-            <a:pPr>
-              <a:spcAft>
-                <a:spcPts val="600"/>
-              </a:spcAft>
-            </a:pPr>
-            <a:endParaRPr lang="de-DE" dirty="0">
-              <a:solidFill>
-                <a:srgbClr val="4A5C66"/>
-              </a:solidFill>
-              <a:latin typeface="Arial" panose="020B0604020202020204" pitchFamily="34" charset="0"/>
-              <a:cs typeface="Arial" panose="020B0604020202020204" pitchFamily="34" charset="0"/>
-            </a:endParaRPr>
-          </a:p>
-          <a:p>
-            <a:pPr>
-              <a:spcAft>
-                <a:spcPts val="600"/>
-              </a:spcAft>
-            </a:pPr>
-            <a:endParaRPr lang="de-DE" dirty="0">
-              <a:solidFill>
-                <a:srgbClr val="4A5C66"/>
-              </a:solidFill>
-              <a:latin typeface="Arial" panose="020B0604020202020204" pitchFamily="34" charset="0"/>
-              <a:cs typeface="Arial" panose="020B0604020202020204" pitchFamily="34" charset="0"/>
-            </a:endParaRPr>
-          </a:p>
-          <a:p>
-            <a:pPr>
-              <a:spcAft>
-                <a:spcPts val="600"/>
-              </a:spcAft>
-            </a:pPr>
-            <a:r>
-              <a:rPr lang="de-DE" dirty="0">
-                <a:solidFill>
-                  <a:srgbClr val="4A5C66"/>
-                </a:solidFill>
-                <a:latin typeface="Arial" panose="020B0604020202020204" pitchFamily="34" charset="0"/>
-                <a:cs typeface="Arial" panose="020B0604020202020204" pitchFamily="34" charset="0"/>
-              </a:rPr>
-              <a:t>position_a=3</a:t>
-            </a:r>
-          </a:p>
-          <a:p>
-            <a:pPr>
-              <a:spcAft>
-                <a:spcPts val="600"/>
-              </a:spcAft>
-            </a:pPr>
-            <a:endParaRPr lang="de-DE" dirty="0">
-              <a:solidFill>
-                <a:srgbClr val="4A5C66"/>
-              </a:solidFill>
-              <a:latin typeface="Arial" panose="020B0604020202020204" pitchFamily="34" charset="0"/>
-              <a:cs typeface="Arial" panose="020B0604020202020204" pitchFamily="34" charset="0"/>
-            </a:endParaRPr>
-          </a:p>
-          <a:p>
-            <a:pPr>
-              <a:spcAft>
-                <a:spcPts val="600"/>
-              </a:spcAft>
-            </a:pPr>
-            <a:r>
-              <a:rPr lang="de-DE" dirty="0">
-                <a:solidFill>
-                  <a:srgbClr val="4A5C66"/>
-                </a:solidFill>
-                <a:latin typeface="Arial" panose="020B0604020202020204" pitchFamily="34" charset="0"/>
-                <a:cs typeface="Arial" panose="020B0604020202020204" pitchFamily="34" charset="0"/>
-              </a:rPr>
-              <a:t>position_b=7</a:t>
-            </a:r>
-          </a:p>
-          <a:p>
-            <a:pPr>
-              <a:spcAft>
-                <a:spcPts val="600"/>
-              </a:spcAft>
-            </a:pPr>
-            <a:endParaRPr lang="de-DE" dirty="0">
-              <a:solidFill>
-                <a:srgbClr val="4A5C66"/>
-              </a:solidFill>
-              <a:latin typeface="Arial" panose="020B0604020202020204" pitchFamily="34" charset="0"/>
-              <a:cs typeface="Arial" panose="020B0604020202020204" pitchFamily="34" charset="0"/>
-            </a:endParaRPr>
-          </a:p>
-          <a:p>
-            <a:pPr>
-              <a:spcAft>
-                <a:spcPts val="600"/>
-              </a:spcAft>
-            </a:pPr>
-            <a:endParaRPr lang="de-DE" dirty="0">
-              <a:solidFill>
-                <a:srgbClr val="4A5C66"/>
-              </a:solidFill>
-              <a:latin typeface="Arial" panose="020B0604020202020204" pitchFamily="34" charset="0"/>
-              <a:cs typeface="Arial" panose="020B0604020202020204" pitchFamily="34" charset="0"/>
-            </a:endParaRPr>
-          </a:p>
-          <a:p>
-            <a:pPr>
-              <a:spcAft>
-                <a:spcPts val="600"/>
-              </a:spcAft>
-            </a:pPr>
-            <a:endParaRPr lang="de-DE" dirty="0">
-              <a:solidFill>
-                <a:srgbClr val="4A5C66"/>
-              </a:solidFill>
-              <a:latin typeface="Arial" panose="020B0604020202020204" pitchFamily="34" charset="0"/>
-              <a:cs typeface="Arial" panose="020B0604020202020204" pitchFamily="34" charset="0"/>
-            </a:endParaRPr>
-          </a:p>
-          <a:p>
-            <a:pPr>
-              <a:spcAft>
-                <a:spcPts val="600"/>
-              </a:spcAft>
-            </a:pPr>
-            <a:endParaRPr lang="de-DE" dirty="0">
-              <a:solidFill>
-                <a:srgbClr val="4A5C66"/>
-              </a:solidFill>
-              <a:latin typeface="Arial" panose="020B0604020202020204" pitchFamily="34" charset="0"/>
-              <a:cs typeface="Arial" panose="020B0604020202020204" pitchFamily="34" charset="0"/>
-            </a:endParaRPr>
-          </a:p>
-          <a:p>
-            <a:pPr>
-              <a:spcAft>
-                <a:spcPts val="600"/>
-              </a:spcAft>
-            </a:pPr>
-            <a:r>
-              <a:rPr lang="de-DE" dirty="0">
-                <a:solidFill>
-                  <a:srgbClr val="4A5C66"/>
-                </a:solidFill>
-                <a:latin typeface="Arial" panose="020B0604020202020204" pitchFamily="34" charset="0"/>
-                <a:cs typeface="Arial" panose="020B0604020202020204" pitchFamily="34" charset="0"/>
-              </a:rPr>
-              <a:t>Ergebnis: {1,2,</a:t>
-            </a:r>
-            <a:r>
-              <a:rPr lang="de-DE" b="1" dirty="0">
-                <a:solidFill>
-                  <a:srgbClr val="4A5C66"/>
-                </a:solidFill>
-                <a:latin typeface="Arial" panose="020B0604020202020204" pitchFamily="34" charset="0"/>
-                <a:cs typeface="Arial" panose="020B0604020202020204" pitchFamily="34" charset="0"/>
-              </a:rPr>
-              <a:t>4,5,6,7,</a:t>
-            </a:r>
-            <a:r>
-              <a:rPr lang="de-DE" b="1" dirty="0">
-                <a:solidFill>
-                  <a:srgbClr val="C00000"/>
-                </a:solidFill>
-                <a:latin typeface="Arial" panose="020B0604020202020204" pitchFamily="34" charset="0"/>
-                <a:cs typeface="Arial" panose="020B0604020202020204" pitchFamily="34" charset="0"/>
-              </a:rPr>
-              <a:t>3</a:t>
-            </a:r>
-            <a:r>
-              <a:rPr lang="de-DE" dirty="0">
-                <a:solidFill>
-                  <a:srgbClr val="4A5C66"/>
-                </a:solidFill>
-                <a:latin typeface="Arial" panose="020B0604020202020204" pitchFamily="34" charset="0"/>
-                <a:cs typeface="Arial" panose="020B0604020202020204" pitchFamily="34" charset="0"/>
-              </a:rPr>
-              <a:t>,8,9,10}</a:t>
-            </a:r>
-          </a:p>
-          <a:p>
-            <a:pPr>
-              <a:spcAft>
-                <a:spcPts val="600"/>
-              </a:spcAft>
-            </a:pPr>
-            <a:endParaRPr lang="de-DE" dirty="0">
-              <a:solidFill>
-                <a:srgbClr val="4A5C66"/>
-              </a:solidFill>
-              <a:latin typeface="Arial" panose="020B0604020202020204" pitchFamily="34" charset="0"/>
-              <a:cs typeface="Arial" panose="020B0604020202020204" pitchFamily="34" charset="0"/>
-            </a:endParaRPr>
-          </a:p>
-          <a:p>
-            <a:pPr>
-              <a:spcAft>
-                <a:spcPts val="600"/>
-              </a:spcAft>
-            </a:pPr>
-            <a:endParaRPr lang="de-DE" dirty="0">
-              <a:solidFill>
-                <a:srgbClr val="4A5C66"/>
-              </a:solidFill>
-              <a:latin typeface="Arial" panose="020B0604020202020204" pitchFamily="34" charset="0"/>
-              <a:cs typeface="Arial" panose="020B0604020202020204" pitchFamily="34" charset="0"/>
-            </a:endParaRPr>
-          </a:p>
-          <a:p>
-            <a:pPr>
-              <a:spcAft>
-                <a:spcPts val="600"/>
-              </a:spcAft>
-            </a:pPr>
-            <a:endParaRPr lang="de-DE" dirty="0">
-              <a:solidFill>
-                <a:srgbClr val="4A5C66"/>
-              </a:solidFill>
-              <a:latin typeface="Arial" panose="020B0604020202020204" pitchFamily="34" charset="0"/>
-              <a:cs typeface="Arial" panose="020B0604020202020204" pitchFamily="34" charset="0"/>
-            </a:endParaRPr>
+            <a:endParaRPr lang="de-DE" sz="1800" dirty="0"/>
           </a:p>
         </p:txBody>
       </p:sp>
     </p:spTree>
     <p:extLst>
       <p:ext uri="{BB962C8B-B14F-4D97-AF65-F5344CB8AC3E}">
-        <p14:creationId xmlns:p14="http://schemas.microsoft.com/office/powerpoint/2010/main" val="21206333"/>
+        <p14:creationId xmlns:p14="http://schemas.microsoft.com/office/powerpoint/2010/main" val="1458381738"/>
       </p:ext>
     </p:extLst>
   </p:cSld>
@@ -24013,7 +24281,7 @@
           <p:cNvPr id="2" name="Title 1">
             <a:extLst>
               <a:ext uri="{FF2B5EF4-FFF2-40B4-BE49-F238E27FC236}">
-                <a16:creationId xmlns:a16="http://schemas.microsoft.com/office/drawing/2014/main" id="{85052616-A1AA-4C30-9C7B-DBB34145436D}"/>
+                <a16:creationId xmlns:a16="http://schemas.microsoft.com/office/drawing/2014/main" id="{DD2388D8-106E-40D0-A4BD-5FF4C2E2935B}"/>
               </a:ext>
             </a:extLst>
           </p:cNvPr>
@@ -24031,7 +24299,7 @@
           <a:p>
             <a:r>
               <a:rPr lang="de-DE" dirty="0"/>
-              <a:t>Realisierung – Selektions-Algorithmus</a:t>
+              <a:t>Realisierung – Cycle-Crossover-One-Cycle</a:t>
             </a:r>
           </a:p>
         </p:txBody>
@@ -24041,7 +24309,7 @@
           <p:cNvPr id="3" name="Text Placeholder 2">
             <a:extLst>
               <a:ext uri="{FF2B5EF4-FFF2-40B4-BE49-F238E27FC236}">
-                <a16:creationId xmlns:a16="http://schemas.microsoft.com/office/drawing/2014/main" id="{BFA8A32B-2F75-48CD-BCFD-7CF98F3B67E4}"/>
+                <a16:creationId xmlns:a16="http://schemas.microsoft.com/office/drawing/2014/main" id="{79F1354A-B6A2-451D-B387-D4D8507220EF}"/>
               </a:ext>
             </a:extLst>
           </p:cNvPr>
@@ -24055,7 +24323,7 @@
         <p:spPr>
           <a:xfrm>
             <a:off x="334963" y="1280160"/>
-            <a:ext cx="5044905" cy="5020628"/>
+            <a:ext cx="6101348" cy="4534714"/>
           </a:xfrm>
         </p:spPr>
         <p:txBody>
@@ -24063,486 +24331,572 @@
           <a:lstStyle/>
           <a:p>
             <a:r>
-              <a:rPr lang="de-DE" sz="1000" dirty="0">
+              <a:rPr lang="de-DE" sz="1050" dirty="0">
                 <a:solidFill>
                   <a:schemeClr val="accent6">
                     <a:lumMod val="75000"/>
                   </a:schemeClr>
                 </a:solidFill>
               </a:rPr>
-              <a:t>Population</a:t>
-            </a:r>
-            <a:r>
-              <a:rPr lang="de-DE" sz="1000" dirty="0"/>
-              <a:t> selection_sotf(Population &amp;p_old, Population &amp;p_new) {</a:t>
-            </a:r>
-          </a:p>
-          <a:p>
-            <a:r>
-              <a:rPr lang="de-DE" sz="1000" dirty="0"/>
-              <a:t>    int size = (int) p_old.size();</a:t>
-            </a:r>
-          </a:p>
-          <a:p>
-            <a:endParaRPr lang="de-DE" sz="1000" dirty="0"/>
-          </a:p>
-          <a:p>
-            <a:r>
-              <a:rPr lang="de-DE" sz="1000" dirty="0"/>
-              <a:t>    p_old.calc_population_fitness();</a:t>
-            </a:r>
-          </a:p>
-          <a:p>
-            <a:r>
-              <a:rPr lang="de-DE" sz="1000" dirty="0"/>
-              <a:t>    p_new.calc_population_fitness();</a:t>
-            </a:r>
-          </a:p>
-          <a:p>
-            <a:endParaRPr lang="de-DE" sz="1000" dirty="0"/>
-          </a:p>
-          <a:p>
-            <a:r>
-              <a:rPr lang="de-DE" sz="1000" dirty="0"/>
-              <a:t>    Population result = Population(p_old.get_idx_start(), p_old.get_distances());</a:t>
-            </a:r>
-          </a:p>
-          <a:p>
-            <a:endParaRPr lang="de-DE" sz="1000" dirty="0"/>
-          </a:p>
-          <a:p>
-            <a:r>
-              <a:rPr lang="de-DE" sz="1000" dirty="0"/>
-              <a:t>    std::vector&lt;Individual&gt; individuals_old = p_old.get_individuals();</a:t>
-            </a:r>
-          </a:p>
-          <a:p>
-            <a:r>
-              <a:rPr lang="de-DE" sz="1000" dirty="0"/>
-              <a:t>    std::vector&lt;Individual&gt; individuals_new = p_new.get_individuals();</a:t>
-            </a:r>
-          </a:p>
-          <a:p>
-            <a:endParaRPr lang="de-DE" sz="1000" dirty="0"/>
-          </a:p>
-          <a:p>
-            <a:r>
-              <a:rPr lang="de-DE" sz="1000" dirty="0"/>
-              <a:t>    std::sort(individuals_new.rbegin(), individuals_new.rend());</a:t>
-            </a:r>
-          </a:p>
-          <a:p>
-            <a:r>
-              <a:rPr lang="de-DE" sz="1000" dirty="0"/>
-              <a:t>    std::sort(individuals_old.rbegin(), individuals_old.rend());</a:t>
-            </a:r>
-          </a:p>
-          <a:p>
-            <a:endParaRPr lang="de-DE" sz="1000" dirty="0"/>
-          </a:p>
-          <a:p>
-            <a:r>
-              <a:rPr lang="de-DE" sz="1000" dirty="0"/>
-              <a:t>    int offset_old = 0;</a:t>
-            </a:r>
-          </a:p>
-          <a:p>
-            <a:r>
-              <a:rPr lang="de-DE" sz="1000" dirty="0"/>
-              <a:t>    int offset_new = 0;</a:t>
-            </a:r>
-          </a:p>
-          <a:p>
-            <a:r>
-              <a:rPr lang="de-DE" sz="1000" dirty="0"/>
+              <a:t>bool</a:t>
+            </a:r>
+            <a:r>
+              <a:rPr lang="de-DE" sz="1050" dirty="0"/>
+              <a:t> cycle_crossover_one_cycle(Individual &amp;p1, Individual &amp;p2, Individual &amp;c1, Individual &amp;c2) {</a:t>
+            </a:r>
+          </a:p>
+          <a:p>
+            <a:r>
+              <a:rPr lang="de-DE" sz="1050" dirty="0"/>
+              <a:t>    std::vector&lt;bool&gt; index_flags(p1.get_size(), false);</a:t>
+            </a:r>
+          </a:p>
+          <a:p>
+            <a:r>
+              <a:rPr lang="de-DE" sz="1050" dirty="0"/>
+              <a:t>    Cycle cycle;</a:t>
+            </a:r>
+          </a:p>
+          <a:p>
+            <a:r>
+              <a:rPr lang="de-DE" sz="1050" dirty="0"/>
+              <a:t>    int cycle_start_idx = random(p1.get_size());</a:t>
+            </a:r>
+          </a:p>
+          <a:p>
+            <a:r>
+              <a:rPr lang="de-DE" sz="1050" dirty="0"/>
               <a:t>    </a:t>
             </a:r>
             <a:r>
-              <a:rPr lang="de-DE" sz="1000" dirty="0">
+              <a:rPr lang="de-DE" sz="1050" dirty="0">
                 <a:solidFill>
                   <a:schemeClr val="accent6">
                     <a:lumMod val="75000"/>
                   </a:schemeClr>
                 </a:solidFill>
               </a:rPr>
-              <a:t>for</a:t>
-            </a:r>
-            <a:r>
-              <a:rPr lang="de-DE" sz="1000" dirty="0"/>
-              <a:t> (int i = 0; i &lt; size; ++i) {</a:t>
-            </a:r>
-          </a:p>
-          <a:p>
-            <a:r>
-              <a:rPr lang="de-DE" sz="1000" dirty="0"/>
-              <a:t>        </a:t>
-            </a:r>
-            <a:r>
-              <a:rPr lang="de-DE" sz="1000" dirty="0">
+              <a:t>if</a:t>
+            </a:r>
+            <a:r>
+              <a:rPr lang="de-DE" sz="1050" dirty="0"/>
+              <a:t> (!fill_empty_cycle_with_tuples(cycle, cycle_start_idx, p1, p2, index_flags)) {</a:t>
+            </a:r>
+          </a:p>
+          <a:p>
+            <a:r>
+              <a:rPr lang="de-DE" sz="1050" dirty="0"/>
+              <a:t>        return false;</a:t>
+            </a:r>
+          </a:p>
+          <a:p>
+            <a:r>
+              <a:rPr lang="de-DE" sz="1050" dirty="0"/>
+              <a:t>    }</a:t>
+            </a:r>
+          </a:p>
+          <a:p>
+            <a:r>
+              <a:rPr lang="de-DE" sz="1050" dirty="0"/>
+              <a:t>    int tupleCounter = 0;</a:t>
+            </a:r>
+          </a:p>
+          <a:p>
+            <a:r>
+              <a:rPr lang="de-DE" sz="1050" dirty="0"/>
+              <a:t>    </a:t>
+            </a:r>
+            <a:r>
+              <a:rPr lang="de-DE" sz="1050" dirty="0">
                 <a:solidFill>
                   <a:schemeClr val="accent6">
                     <a:lumMod val="75000"/>
                   </a:schemeClr>
                 </a:solidFill>
               </a:rPr>
-              <a:t>if</a:t>
-            </a:r>
-            <a:r>
-              <a:rPr lang="de-DE" sz="1000" dirty="0"/>
-              <a:t> (individuals_old.at(offset_old) &lt; individuals_new.at(offset_new)) {</a:t>
-            </a:r>
-          </a:p>
-          <a:p>
-            <a:r>
-              <a:rPr lang="de-DE" sz="1000" dirty="0"/>
-              <a:t>            result.add_individual(individuals_new.at(offset_new));</a:t>
-            </a:r>
-          </a:p>
-          <a:p>
-            <a:r>
-              <a:rPr lang="de-DE" sz="1000" dirty="0"/>
-              <a:t>            offset_new++;</a:t>
-            </a:r>
-          </a:p>
-          <a:p>
-            <a:r>
-              <a:rPr lang="de-DE" sz="1000" dirty="0"/>
-              <a:t>        } </a:t>
-            </a:r>
-            <a:r>
-              <a:rPr lang="de-DE" sz="1000" dirty="0">
+              <a:t>for</a:t>
+            </a:r>
+            <a:r>
+              <a:rPr lang="de-DE" sz="1050" dirty="0"/>
+              <a:t> (int i = 0; (unsigned int) i &lt; index_flags.size(); ++i) {</a:t>
+            </a:r>
+          </a:p>
+          <a:p>
+            <a:r>
+              <a:rPr lang="de-DE" sz="1050" dirty="0"/>
+              <a:t>        bool flag = index_flags.at(i);</a:t>
+            </a:r>
+          </a:p>
+          <a:p>
+            <a:r>
+              <a:rPr lang="de-DE" sz="1050" dirty="0"/>
+              <a:t>        </a:t>
+            </a:r>
+            <a:r>
+              <a:rPr lang="de-DE" sz="1050" dirty="0">
                 <a:solidFill>
                   <a:schemeClr val="accent6">
                     <a:lumMod val="75000"/>
                   </a:schemeClr>
                 </a:solidFill>
               </a:rPr>
-              <a:t>else</a:t>
-            </a:r>
-            <a:r>
-              <a:rPr lang="de-DE" sz="1000" dirty="0"/>
-              <a:t> {</a:t>
-            </a:r>
-          </a:p>
-          <a:p>
-            <a:r>
-              <a:rPr lang="de-DE" sz="1000" dirty="0"/>
-              <a:t>            result.add_individual(individuals_old.at(offset_old));</a:t>
-            </a:r>
-          </a:p>
-          <a:p>
-            <a:r>
-              <a:rPr lang="de-DE" sz="1000" dirty="0"/>
-              <a:t>            offset_old++;</a:t>
-            </a:r>
-          </a:p>
-          <a:p>
-            <a:r>
-              <a:rPr lang="de-DE" sz="1000" dirty="0"/>
-              <a:t>        }</a:t>
-            </a:r>
-          </a:p>
-          <a:p>
-            <a:r>
-              <a:rPr lang="de-DE" sz="1000" dirty="0"/>
-              <a:t>    }</a:t>
-            </a:r>
-          </a:p>
-          <a:p>
-            <a:endParaRPr lang="de-DE" sz="1000" dirty="0"/>
-          </a:p>
-          <a:p>
-            <a:r>
-              <a:rPr lang="de-DE" sz="1000" dirty="0"/>
-              <a:t>    </a:t>
-            </a:r>
-            <a:r>
-              <a:rPr lang="de-DE" sz="1000" dirty="0">
+              <a:t>if</a:t>
+            </a:r>
+            <a:r>
+              <a:rPr lang="de-DE" sz="1050" dirty="0"/>
+              <a:t> (flag) {</a:t>
+            </a:r>
+          </a:p>
+          <a:p>
+            <a:r>
+              <a:rPr lang="de-DE" sz="1050" dirty="0"/>
+              <a:t>            Tuple &amp;t = cycle.at(tupleCounter);</a:t>
+            </a:r>
+          </a:p>
+          <a:p>
+            <a:r>
+              <a:rPr lang="de-DE" sz="1050" dirty="0"/>
+              <a:t>            tupleCounter++;</a:t>
+            </a:r>
+          </a:p>
+          <a:p>
+            <a:r>
+              <a:rPr lang="de-DE" sz="1050" dirty="0"/>
+              <a:t>            c1.update_chromosome(std::get&lt;1&gt;(t), std::get&lt;0&gt;(t));</a:t>
+            </a:r>
+          </a:p>
+          <a:p>
+            <a:r>
+              <a:rPr lang="de-DE" sz="1050" dirty="0"/>
+              <a:t>            c2.update_chromosome(std::get&lt;2&gt;(t), std::get&lt;0&gt;(t));</a:t>
+            </a:r>
+          </a:p>
+          <a:p>
+            <a:r>
+              <a:rPr lang="de-DE" sz="1050" dirty="0"/>
+              <a:t>        } </a:t>
+            </a:r>
+            <a:r>
+              <a:rPr lang="de-DE" sz="1050" dirty="0">
                 <a:solidFill>
                   <a:schemeClr val="accent6">
                     <a:lumMod val="75000"/>
                   </a:schemeClr>
                 </a:solidFill>
               </a:rPr>
+              <a:t>else</a:t>
+            </a:r>
+            <a:r>
+              <a:rPr lang="de-DE" sz="1050" dirty="0"/>
+              <a:t> {</a:t>
+            </a:r>
+          </a:p>
+          <a:p>
+            <a:r>
+              <a:rPr lang="de-DE" sz="1050" dirty="0"/>
+              <a:t>            c1.update_chromosome(p2.get_chromosome().at(i), i);</a:t>
+            </a:r>
+          </a:p>
+          <a:p>
+            <a:r>
+              <a:rPr lang="de-DE" sz="1050" dirty="0"/>
+              <a:t>            c2.update_chromosome(p1.get_chromosome().at(i), i);</a:t>
+            </a:r>
+          </a:p>
+          <a:p>
+            <a:r>
+              <a:rPr lang="de-DE" sz="1050" dirty="0"/>
+              <a:t>        }</a:t>
+            </a:r>
+          </a:p>
+          <a:p>
+            <a:r>
+              <a:rPr lang="de-DE" sz="1050" dirty="0"/>
+              <a:t>    }</a:t>
+            </a:r>
+          </a:p>
+          <a:p>
+            <a:r>
+              <a:rPr lang="de-DE" sz="1050" dirty="0"/>
+              <a:t>    </a:t>
+            </a:r>
+            <a:r>
+              <a:rPr lang="de-DE" sz="1050" dirty="0">
+                <a:solidFill>
+                  <a:schemeClr val="accent6">
+                    <a:lumMod val="75000"/>
+                  </a:schemeClr>
+                </a:solidFill>
+              </a:rPr>
               <a:t>return</a:t>
             </a:r>
             <a:r>
-              <a:rPr lang="de-DE" sz="1000" dirty="0"/>
-              <a:t> result;</a:t>
-            </a:r>
-          </a:p>
-          <a:p>
-            <a:r>
-              <a:rPr lang="de-DE" sz="1000" dirty="0"/>
+              <a:rPr lang="de-DE" sz="1050" dirty="0"/>
+              <a:t> true;</a:t>
+            </a:r>
+          </a:p>
+          <a:p>
+            <a:r>
+              <a:rPr lang="de-DE" sz="1050" dirty="0"/>
               <a:t>}</a:t>
             </a:r>
+          </a:p>
+          <a:p>
+            <a:endParaRPr lang="de-DE" sz="1050" dirty="0"/>
           </a:p>
         </p:txBody>
       </p:sp>
       <p:sp>
         <p:nvSpPr>
-          <p:cNvPr id="5" name="TextBox 4">
+          <p:cNvPr id="7" name="Text Placeholder 2">
             <a:extLst>
               <a:ext uri="{FF2B5EF4-FFF2-40B4-BE49-F238E27FC236}">
-                <a16:creationId xmlns:a16="http://schemas.microsoft.com/office/drawing/2014/main" id="{98AC9841-F177-41CF-A561-5773BA04A59F}"/>
+                <a16:creationId xmlns:a16="http://schemas.microsoft.com/office/drawing/2014/main" id="{3DAEF8D3-31AA-46E3-BE55-7474D0551DCE}"/>
               </a:ext>
             </a:extLst>
           </p:cNvPr>
-          <p:cNvSpPr txBox="1"/>
+          <p:cNvSpPr txBox="1">
+            <a:spLocks/>
+          </p:cNvSpPr>
           <p:nvPr/>
         </p:nvSpPr>
-        <p:spPr>
+        <p:spPr bwMode="auto">
           <a:xfrm>
-            <a:off x="5699464" y="1280160"/>
-            <a:ext cx="5044904" cy="4909036"/>
+            <a:off x="7531224" y="1093728"/>
+            <a:ext cx="4660776" cy="4206240"/>
           </a:xfrm>
           <a:prstGeom prst="rect">
             <a:avLst/>
           </a:prstGeom>
           <a:noFill/>
+          <a:ln>
+            <a:noFill/>
+          </a:ln>
+          <a:extLst>
+            <a:ext uri="{909E8E84-426E-40DD-AFC4-6F175D3DCCD1}">
+              <a14:hiddenFill xmlns:a14="http://schemas.microsoft.com/office/drawing/2010/main">
+                <a:solidFill>
+                  <a:srgbClr val="FFFFFF"/>
+                </a:solidFill>
+              </a14:hiddenFill>
+            </a:ext>
+            <a:ext uri="{91240B29-F687-4F45-9708-019B960494DF}">
+              <a14:hiddenLine xmlns:a14="http://schemas.microsoft.com/office/drawing/2010/main" w="9525">
+                <a:solidFill>
+                  <a:srgbClr val="000000"/>
+                </a:solidFill>
+                <a:miter lim="800000"/>
+                <a:headEnd/>
+                <a:tailEnd/>
+              </a14:hiddenLine>
+            </a:ext>
+          </a:extLst>
         </p:spPr>
         <p:txBody>
-          <a:bodyPr wrap="square" rtlCol="0">
-            <a:spAutoFit/>
+          <a:bodyPr vert="horz" wrap="square" lIns="91440" tIns="45720" rIns="91440" bIns="45720" numCol="1" anchor="t" anchorCtr="0" compatLnSpc="1">
+            <a:prstTxWarp prst="textNoShape">
+              <a:avLst/>
+            </a:prstTxWarp>
           </a:bodyPr>
-          <a:lstStyle/>
-          <a:p>
-            <a:pPr>
+          <a:lstStyle>
+            <a:lvl1pPr marL="0" indent="0" algn="l" rtl="0" eaLnBrk="0" fontAlgn="base" hangingPunct="0">
+              <a:spcBef>
+                <a:spcPct val="20000"/>
+              </a:spcBef>
+              <a:spcAft>
+                <a:spcPct val="0"/>
+              </a:spcAft>
+              <a:buClr>
+                <a:srgbClr val="80BA24"/>
+              </a:buClr>
+              <a:buSzPct val="106000"/>
+              <a:buFontTx/>
+              <a:buNone/>
+              <a:defRPr kern="1200" baseline="0">
+                <a:solidFill>
+                  <a:srgbClr val="4A5C66"/>
+                </a:solidFill>
+                <a:latin typeface="Arial" pitchFamily="34" charset="0"/>
+                <a:ea typeface="MS PGothic" panose="020B0600070205080204" pitchFamily="34" charset="-128"/>
+                <a:cs typeface="Arial" pitchFamily="34" charset="0"/>
+              </a:defRPr>
+            </a:lvl1pPr>
+            <a:lvl2pPr marL="266700" indent="0" algn="l" rtl="0" eaLnBrk="0" fontAlgn="base" hangingPunct="0">
+              <a:spcBef>
+                <a:spcPct val="20000"/>
+              </a:spcBef>
+              <a:spcAft>
+                <a:spcPct val="0"/>
+              </a:spcAft>
+              <a:buClr>
+                <a:srgbClr val="80BA24"/>
+              </a:buClr>
+              <a:buSzPct val="90000"/>
+              <a:buFontTx/>
+              <a:buNone/>
+              <a:defRPr kern="1200">
+                <a:solidFill>
+                  <a:srgbClr val="4A5C66"/>
+                </a:solidFill>
+                <a:latin typeface="Arial" pitchFamily="34" charset="0"/>
+                <a:ea typeface="Arial" charset="0"/>
+                <a:cs typeface="Arial" pitchFamily="34" charset="0"/>
+              </a:defRPr>
+            </a:lvl2pPr>
+            <a:lvl3pPr marL="542925" indent="0" algn="l" rtl="0" eaLnBrk="0" fontAlgn="base" hangingPunct="0">
+              <a:spcBef>
+                <a:spcPct val="20000"/>
+              </a:spcBef>
+              <a:spcAft>
+                <a:spcPct val="0"/>
+              </a:spcAft>
+              <a:buClr>
+                <a:srgbClr val="80BA24"/>
+              </a:buClr>
+              <a:buSzPct val="80000"/>
+              <a:buFontTx/>
+              <a:buNone/>
+              <a:defRPr kern="1200">
+                <a:solidFill>
+                  <a:srgbClr val="4A5C66"/>
+                </a:solidFill>
+                <a:latin typeface="Arial" pitchFamily="34" charset="0"/>
+                <a:ea typeface="Arial" charset="0"/>
+                <a:cs typeface="Arial" pitchFamily="34" charset="0"/>
+              </a:defRPr>
+            </a:lvl3pPr>
+            <a:lvl4pPr marL="809625" indent="0" algn="l" rtl="0" eaLnBrk="0" fontAlgn="base" hangingPunct="0">
+              <a:spcBef>
+                <a:spcPct val="20000"/>
+              </a:spcBef>
+              <a:spcAft>
+                <a:spcPct val="0"/>
+              </a:spcAft>
+              <a:buClr>
+                <a:srgbClr val="80BA24"/>
+              </a:buClr>
+              <a:buSzPct val="80000"/>
+              <a:buFontTx/>
+              <a:buNone/>
+              <a:defRPr kern="1200">
+                <a:solidFill>
+                  <a:srgbClr val="4A5C66"/>
+                </a:solidFill>
+                <a:latin typeface="Arial" pitchFamily="34" charset="0"/>
+                <a:ea typeface="Arial" charset="0"/>
+                <a:cs typeface="Arial" pitchFamily="34" charset="0"/>
+              </a:defRPr>
+            </a:lvl4pPr>
+            <a:lvl5pPr marL="1076325" indent="0" algn="l" rtl="0" eaLnBrk="0" fontAlgn="base" hangingPunct="0">
+              <a:spcBef>
+                <a:spcPct val="20000"/>
+              </a:spcBef>
+              <a:spcAft>
+                <a:spcPct val="0"/>
+              </a:spcAft>
+              <a:buClr>
+                <a:srgbClr val="80BA24"/>
+              </a:buClr>
+              <a:buSzPct val="80000"/>
+              <a:buFontTx/>
+              <a:buNone/>
+              <a:defRPr kern="1200">
+                <a:solidFill>
+                  <a:srgbClr val="4A5C66"/>
+                </a:solidFill>
+                <a:latin typeface="Arial" pitchFamily="34" charset="0"/>
+                <a:ea typeface="Arial" charset="0"/>
+                <a:cs typeface="Arial" pitchFamily="34" charset="0"/>
+              </a:defRPr>
+            </a:lvl5pPr>
+            <a:lvl6pPr marL="2514600" indent="-228600" algn="l" defTabSz="914400" rtl="0" eaLnBrk="1" latinLnBrk="0" hangingPunct="1">
+              <a:spcBef>
+                <a:spcPct val="20000"/>
+              </a:spcBef>
+              <a:buFont typeface="Arial" pitchFamily="34" charset="0"/>
+              <a:buChar char="•"/>
+              <a:defRPr sz="2000" kern="1200">
+                <a:solidFill>
+                  <a:schemeClr val="tx1"/>
+                </a:solidFill>
+                <a:latin typeface="+mn-lt"/>
+                <a:ea typeface="+mn-ea"/>
+                <a:cs typeface="+mn-cs"/>
+              </a:defRPr>
+            </a:lvl6pPr>
+            <a:lvl7pPr marL="2971800" indent="-228600" algn="l" defTabSz="914400" rtl="0" eaLnBrk="1" latinLnBrk="0" hangingPunct="1">
+              <a:spcBef>
+                <a:spcPct val="20000"/>
+              </a:spcBef>
+              <a:buFont typeface="Arial" pitchFamily="34" charset="0"/>
+              <a:buChar char="•"/>
+              <a:defRPr sz="2000" kern="1200">
+                <a:solidFill>
+                  <a:schemeClr val="tx1"/>
+                </a:solidFill>
+                <a:latin typeface="+mn-lt"/>
+                <a:ea typeface="+mn-ea"/>
+                <a:cs typeface="+mn-cs"/>
+              </a:defRPr>
+            </a:lvl7pPr>
+            <a:lvl8pPr marL="3429000" indent="-228600" algn="l" defTabSz="914400" rtl="0" eaLnBrk="1" latinLnBrk="0" hangingPunct="1">
+              <a:spcBef>
+                <a:spcPct val="20000"/>
+              </a:spcBef>
+              <a:buFont typeface="Arial" pitchFamily="34" charset="0"/>
+              <a:buChar char="•"/>
+              <a:defRPr sz="2000" kern="1200">
+                <a:solidFill>
+                  <a:schemeClr val="tx1"/>
+                </a:solidFill>
+                <a:latin typeface="+mn-lt"/>
+                <a:ea typeface="+mn-ea"/>
+                <a:cs typeface="+mn-cs"/>
+              </a:defRPr>
+            </a:lvl8pPr>
+            <a:lvl9pPr marL="3886200" indent="-228600" algn="l" defTabSz="914400" rtl="0" eaLnBrk="1" latinLnBrk="0" hangingPunct="1">
+              <a:spcBef>
+                <a:spcPct val="20000"/>
+              </a:spcBef>
+              <a:buFont typeface="Arial" pitchFamily="34" charset="0"/>
+              <a:buChar char="•"/>
+              <a:defRPr sz="2000" kern="1200">
+                <a:solidFill>
+                  <a:schemeClr val="tx1"/>
+                </a:solidFill>
+                <a:latin typeface="+mn-lt"/>
+                <a:ea typeface="+mn-ea"/>
+                <a:cs typeface="+mn-cs"/>
+              </a:defRPr>
+            </a:lvl9pPr>
+          </a:lstStyle>
+          <a:p>
+            <a:pPr lvl="2">
               <a:spcAft>
                 <a:spcPts val="600"/>
               </a:spcAft>
             </a:pPr>
             <a:r>
+              <a:rPr lang="de-DE" dirty="0"/>
+              <a:t>p1 = 1 2 3 4 5</a:t>
+            </a:r>
+          </a:p>
+          <a:p>
+            <a:pPr lvl="2">
+              <a:spcAft>
+                <a:spcPts val="600"/>
+              </a:spcAft>
+            </a:pPr>
+            <a:r>
+              <a:rPr lang="de-DE" dirty="0"/>
+              <a:t>p2 = 5 4 3 2 1</a:t>
+            </a:r>
+          </a:p>
+          <a:p>
+            <a:pPr marL="342900" indent="-342900">
+              <a:spcAft>
+                <a:spcPts val="600"/>
+              </a:spcAft>
+              <a:buFontTx/>
+              <a:buAutoNum type="arabicPeriod"/>
+            </a:pPr>
+            <a:r>
+              <a:rPr lang="de-DE" dirty="0"/>
+              <a:t>Wähle zufällige Startposition</a:t>
+            </a:r>
+          </a:p>
+          <a:p>
+            <a:pPr lvl="2">
+              <a:spcAft>
+                <a:spcPts val="600"/>
+              </a:spcAft>
+            </a:pPr>
+            <a:r>
+              <a:rPr lang="de-DE" dirty="0"/>
+              <a:t>p1 = 1 </a:t>
+            </a:r>
+            <a:r>
               <a:rPr lang="de-DE" dirty="0">
                 <a:solidFill>
-                  <a:srgbClr val="4A5C66"/>
-                </a:solidFill>
-                <a:latin typeface="Arial" panose="020B0604020202020204" pitchFamily="34" charset="0"/>
-                <a:cs typeface="Arial" panose="020B0604020202020204" pitchFamily="34" charset="0"/>
+                  <a:srgbClr val="FF0000"/>
+                </a:solidFill>
               </a:rPr>
-              <a:t>Eingabe: Ausgangspopulation, Neue Population</a:t>
-            </a:r>
-          </a:p>
-          <a:p>
-            <a:pPr>
+              <a:t>2</a:t>
+            </a:r>
+            <a:r>
+              <a:rPr lang="de-DE" dirty="0"/>
+              <a:t> 3 4 5</a:t>
+            </a:r>
+          </a:p>
+          <a:p>
+            <a:pPr lvl="2">
               <a:spcAft>
                 <a:spcPts val="600"/>
               </a:spcAft>
             </a:pPr>
-            <a:endParaRPr lang="de-DE" dirty="0">
-              <a:solidFill>
-                <a:srgbClr val="4A5C66"/>
-              </a:solidFill>
-              <a:latin typeface="Arial" panose="020B0604020202020204" pitchFamily="34" charset="0"/>
-              <a:cs typeface="Arial" panose="020B0604020202020204" pitchFamily="34" charset="0"/>
-            </a:endParaRPr>
-          </a:p>
-          <a:p>
-            <a:pPr>
+            <a:r>
+              <a:rPr lang="de-DE" dirty="0"/>
+              <a:t>p2 = 5 4 3 2 1</a:t>
+            </a:r>
+          </a:p>
+          <a:p>
+            <a:pPr marL="342900" indent="-342900">
               <a:spcAft>
                 <a:spcPts val="600"/>
               </a:spcAft>
+              <a:buFontTx/>
+              <a:buAutoNum type="arabicPeriod"/>
             </a:pPr>
             <a:r>
-              <a:rPr lang="de-DE" dirty="0">
-                <a:solidFill>
-                  <a:srgbClr val="4A5C66"/>
-                </a:solidFill>
-                <a:latin typeface="Arial" panose="020B0604020202020204" pitchFamily="34" charset="0"/>
-                <a:cs typeface="Arial" panose="020B0604020202020204" pitchFamily="34" charset="0"/>
-              </a:rPr>
-              <a:t>1. Aktuallisiere die Fitness</a:t>
-            </a:r>
-          </a:p>
-          <a:p>
-            <a:pPr>
+              <a:rPr lang="de-DE" dirty="0"/>
+              <a:t>Übenehme den dort stehenden Wert in Nachkommen</a:t>
+            </a:r>
+          </a:p>
+          <a:p>
+            <a:pPr lvl="2">
               <a:spcAft>
                 <a:spcPts val="600"/>
               </a:spcAft>
             </a:pPr>
-            <a:endParaRPr lang="de-DE" dirty="0">
-              <a:solidFill>
-                <a:srgbClr val="4A5C66"/>
-              </a:solidFill>
-              <a:latin typeface="Arial" panose="020B0604020202020204" pitchFamily="34" charset="0"/>
-              <a:cs typeface="Arial" panose="020B0604020202020204" pitchFamily="34" charset="0"/>
-            </a:endParaRPr>
-          </a:p>
-          <a:p>
-            <a:pPr>
+            <a:r>
+              <a:rPr lang="de-DE" dirty="0"/>
+              <a:t>c1 = 2</a:t>
+            </a:r>
+          </a:p>
+          <a:p>
+            <a:pPr marL="342900" indent="-342900">
               <a:spcAft>
                 <a:spcPts val="600"/>
               </a:spcAft>
+              <a:buFontTx/>
+              <a:buAutoNum type="arabicPeriod"/>
             </a:pPr>
-            <a:endParaRPr lang="de-DE" dirty="0">
-              <a:solidFill>
-                <a:srgbClr val="4A5C66"/>
-              </a:solidFill>
-              <a:latin typeface="Arial" panose="020B0604020202020204" pitchFamily="34" charset="0"/>
-              <a:cs typeface="Arial" panose="020B0604020202020204" pitchFamily="34" charset="0"/>
-            </a:endParaRPr>
-          </a:p>
-          <a:p>
-            <a:pPr>
+            <a:r>
+              <a:rPr lang="de-DE" dirty="0"/>
+              <a:t>Welcher Wert steht an der aktuellen Position im anderen Elternteil? Die Position dieses Wertes im ersten Elternteil ist die neue Position. Wdh. Schritt 2 bis Startpunkt wieder erreicht.</a:t>
+            </a:r>
+          </a:p>
+          <a:p>
+            <a:pPr marL="342900" indent="-342900">
               <a:spcAft>
                 <a:spcPts val="600"/>
               </a:spcAft>
+              <a:buFontTx/>
+              <a:buAutoNum type="arabicPeriod"/>
             </a:pPr>
-            <a:endParaRPr lang="de-DE" dirty="0">
-              <a:solidFill>
-                <a:srgbClr val="4A5C66"/>
-              </a:solidFill>
-              <a:latin typeface="Arial" panose="020B0604020202020204" pitchFamily="34" charset="0"/>
-              <a:cs typeface="Arial" panose="020B0604020202020204" pitchFamily="34" charset="0"/>
-            </a:endParaRPr>
-          </a:p>
-          <a:p>
-            <a:pPr>
+            <a:endParaRPr lang="de-DE" dirty="0"/>
+          </a:p>
+          <a:p>
+            <a:pPr marL="342900" indent="-342900">
               <a:spcAft>
                 <a:spcPts val="600"/>
               </a:spcAft>
+              <a:buFontTx/>
+              <a:buAutoNum type="arabicPeriod"/>
             </a:pPr>
-            <a:endParaRPr lang="de-DE" dirty="0">
-              <a:solidFill>
-                <a:srgbClr val="4A5C66"/>
-              </a:solidFill>
-              <a:latin typeface="Arial" panose="020B0604020202020204" pitchFamily="34" charset="0"/>
-              <a:cs typeface="Arial" panose="020B0604020202020204" pitchFamily="34" charset="0"/>
-            </a:endParaRPr>
-          </a:p>
-          <a:p>
-            <a:pPr>
-              <a:spcAft>
-                <a:spcPts val="600"/>
-              </a:spcAft>
-            </a:pPr>
-            <a:r>
-              <a:rPr lang="de-DE" dirty="0">
-                <a:solidFill>
-                  <a:srgbClr val="4A5C66"/>
-                </a:solidFill>
-                <a:latin typeface="Arial" panose="020B0604020202020204" pitchFamily="34" charset="0"/>
-                <a:cs typeface="Arial" panose="020B0604020202020204" pitchFamily="34" charset="0"/>
-              </a:rPr>
-              <a:t>2. Sortiere die Populationen nach der Fitness absteigend.</a:t>
-            </a:r>
-          </a:p>
-          <a:p>
-            <a:pPr>
-              <a:spcAft>
-                <a:spcPts val="600"/>
-              </a:spcAft>
-            </a:pPr>
-            <a:endParaRPr lang="de-DE" dirty="0">
-              <a:solidFill>
-                <a:srgbClr val="4A5C66"/>
-              </a:solidFill>
-              <a:latin typeface="Arial" panose="020B0604020202020204" pitchFamily="34" charset="0"/>
-              <a:cs typeface="Arial" panose="020B0604020202020204" pitchFamily="34" charset="0"/>
-            </a:endParaRPr>
-          </a:p>
-          <a:p>
-            <a:pPr>
-              <a:spcAft>
-                <a:spcPts val="600"/>
-              </a:spcAft>
-            </a:pPr>
-            <a:endParaRPr lang="de-DE" dirty="0">
-              <a:solidFill>
-                <a:srgbClr val="4A5C66"/>
-              </a:solidFill>
-              <a:latin typeface="Arial" panose="020B0604020202020204" pitchFamily="34" charset="0"/>
-              <a:cs typeface="Arial" panose="020B0604020202020204" pitchFamily="34" charset="0"/>
-            </a:endParaRPr>
-          </a:p>
-          <a:p>
-            <a:pPr>
-              <a:spcAft>
-                <a:spcPts val="600"/>
-              </a:spcAft>
-            </a:pPr>
-            <a:r>
-              <a:rPr lang="de-DE" dirty="0">
-                <a:solidFill>
-                  <a:srgbClr val="4A5C66"/>
-                </a:solidFill>
-                <a:latin typeface="Arial" panose="020B0604020202020204" pitchFamily="34" charset="0"/>
-                <a:cs typeface="Arial" panose="020B0604020202020204" pitchFamily="34" charset="0"/>
-              </a:rPr>
-              <a:t>3. Speichere die besten Individuen beider Populationen in eine Besten-Population</a:t>
-            </a:r>
-          </a:p>
-          <a:p>
-            <a:pPr>
-              <a:spcAft>
-                <a:spcPts val="600"/>
-              </a:spcAft>
-            </a:pPr>
-            <a:endParaRPr lang="de-DE" dirty="0">
-              <a:solidFill>
-                <a:srgbClr val="4A5C66"/>
-              </a:solidFill>
-              <a:latin typeface="Arial" panose="020B0604020202020204" pitchFamily="34" charset="0"/>
-              <a:cs typeface="Arial" panose="020B0604020202020204" pitchFamily="34" charset="0"/>
-            </a:endParaRPr>
-          </a:p>
-          <a:p>
-            <a:pPr>
-              <a:spcAft>
-                <a:spcPts val="600"/>
-              </a:spcAft>
-            </a:pPr>
-            <a:endParaRPr lang="de-DE" dirty="0">
-              <a:solidFill>
-                <a:srgbClr val="4A5C66"/>
-              </a:solidFill>
-              <a:latin typeface="Arial" panose="020B0604020202020204" pitchFamily="34" charset="0"/>
-              <a:cs typeface="Arial" panose="020B0604020202020204" pitchFamily="34" charset="0"/>
-            </a:endParaRPr>
-          </a:p>
-          <a:p>
-            <a:pPr>
-              <a:spcAft>
-                <a:spcPts val="600"/>
-              </a:spcAft>
-            </a:pPr>
-            <a:endParaRPr lang="de-DE" dirty="0">
-              <a:solidFill>
-                <a:srgbClr val="4A5C66"/>
-              </a:solidFill>
-              <a:latin typeface="Arial" panose="020B0604020202020204" pitchFamily="34" charset="0"/>
-              <a:cs typeface="Arial" panose="020B0604020202020204" pitchFamily="34" charset="0"/>
-            </a:endParaRPr>
-          </a:p>
-          <a:p>
-            <a:pPr>
-              <a:spcAft>
-                <a:spcPts val="600"/>
-              </a:spcAft>
-            </a:pPr>
-            <a:endParaRPr lang="de-DE" dirty="0">
-              <a:solidFill>
-                <a:srgbClr val="4A5C66"/>
-              </a:solidFill>
-              <a:latin typeface="Arial" panose="020B0604020202020204" pitchFamily="34" charset="0"/>
-              <a:cs typeface="Arial" panose="020B0604020202020204" pitchFamily="34" charset="0"/>
-            </a:endParaRPr>
-          </a:p>
-          <a:p>
-            <a:pPr>
-              <a:spcAft>
-                <a:spcPts val="600"/>
-              </a:spcAft>
-            </a:pPr>
-            <a:r>
-              <a:rPr lang="de-DE" dirty="0">
-                <a:solidFill>
-                  <a:srgbClr val="4A5C66"/>
-                </a:solidFill>
-                <a:latin typeface="Arial" panose="020B0604020202020204" pitchFamily="34" charset="0"/>
-                <a:cs typeface="Arial" panose="020B0604020202020204" pitchFamily="34" charset="0"/>
-              </a:rPr>
-              <a:t>Ausgabe: Besten-Population</a:t>
+            <a:r>
+              <a:rPr lang="de-DE" dirty="0"/>
+              <a:t>Fülle Lücken mit den Werten wie sie im anderen Elternteil vorkommen</a:t>
             </a:r>
           </a:p>
         </p:txBody>
@@ -24550,7 +24904,7 @@
     </p:spTree>
     <p:extLst>
       <p:ext uri="{BB962C8B-B14F-4D97-AF65-F5344CB8AC3E}">
-        <p14:creationId xmlns:p14="http://schemas.microsoft.com/office/powerpoint/2010/main" val="3182743268"/>
+        <p14:creationId xmlns:p14="http://schemas.microsoft.com/office/powerpoint/2010/main" val="2871782835"/>
       </p:ext>
     </p:extLst>
   </p:cSld>
@@ -24582,7 +24936,7 @@
           <p:cNvPr id="2" name="Title 1">
             <a:extLst>
               <a:ext uri="{FF2B5EF4-FFF2-40B4-BE49-F238E27FC236}">
-                <a16:creationId xmlns:a16="http://schemas.microsoft.com/office/drawing/2014/main" id="{FB44C565-4347-4126-AE72-8BBBA3E66EAE}"/>
+                <a16:creationId xmlns:a16="http://schemas.microsoft.com/office/drawing/2014/main" id="{DD2388D8-106E-40D0-A4BD-5FF4C2E2935B}"/>
               </a:ext>
             </a:extLst>
           </p:cNvPr>
@@ -24600,7 +24954,7 @@
           <a:p>
             <a:r>
               <a:rPr lang="de-DE" dirty="0"/>
-              <a:t>Realisierung - Simulator</a:t>
+              <a:t>Realisierung – Cycle-Crossover-One-Cycle</a:t>
             </a:r>
           </a:p>
         </p:txBody>
@@ -24610,7 +24964,7 @@
           <p:cNvPr id="3" name="Text Placeholder 2">
             <a:extLst>
               <a:ext uri="{FF2B5EF4-FFF2-40B4-BE49-F238E27FC236}">
-                <a16:creationId xmlns:a16="http://schemas.microsoft.com/office/drawing/2014/main" id="{373A40B8-8447-4615-8F1C-086C3E5114C0}"/>
+                <a16:creationId xmlns:a16="http://schemas.microsoft.com/office/drawing/2014/main" id="{79F1354A-B6A2-451D-B387-D4D8507220EF}"/>
               </a:ext>
             </a:extLst>
           </p:cNvPr>
@@ -24621,144 +24975,591 @@
             <p:ph type="body" sz="quarter" idx="11"/>
           </p:nvPr>
         </p:nvSpPr>
-        <p:spPr/>
+        <p:spPr>
+          <a:xfrm>
+            <a:off x="334963" y="1280160"/>
+            <a:ext cx="6101348" cy="4534714"/>
+          </a:xfrm>
+        </p:spPr>
         <p:txBody>
           <a:bodyPr/>
           <a:lstStyle/>
           <a:p>
-            <a:pPr marL="285750" indent="-285750">
-              <a:buFont typeface="Arial" panose="020B0604020202020204" pitchFamily="34" charset="0"/>
-              <a:buChar char="•"/>
-            </a:pPr>
-            <a:r>
-              <a:rPr lang="de-DE" dirty="0"/>
-              <a:t>Der Simulator nimmt alle Einstellungsmöglichkeiten entgegen</a:t>
-            </a:r>
-          </a:p>
-          <a:p>
-            <a:pPr marL="285750" indent="-285750">
-              <a:buFont typeface="Arial" panose="020B0604020202020204" pitchFamily="34" charset="0"/>
-              <a:buChar char="•"/>
-            </a:pPr>
-            <a:r>
-              <a:rPr lang="de-DE" dirty="0"/>
-              <a:t>Bei dem Aufruf von </a:t>
-            </a:r>
-            <a:r>
-              <a:rPr lang="de-DE" b="1" dirty="0"/>
-              <a:t>simulate </a:t>
-            </a:r>
-            <a:r>
-              <a:rPr lang="de-DE" dirty="0"/>
-              <a:t>wird eine Generationsstufe durchgeführt</a:t>
-            </a:r>
-          </a:p>
-          <a:p>
-            <a:pPr marL="552450" lvl="1" indent="-285750">
-              <a:buFont typeface="Arial" panose="020B0604020202020204" pitchFamily="34" charset="0"/>
-              <a:buChar char="•"/>
-            </a:pPr>
-            <a:r>
-              <a:rPr lang="de-DE" dirty="0"/>
-              <a:t>Die Genetischen Algorithmen werden automatisch in der richtigen Reihenfolge aufgerufen</a:t>
-            </a:r>
-          </a:p>
-          <a:p>
-            <a:pPr marL="552450" lvl="1" indent="-285750">
-              <a:buFont typeface="Arial" panose="020B0604020202020204" pitchFamily="34" charset="0"/>
-              <a:buChar char="•"/>
-            </a:pPr>
-            <a:r>
-              <a:rPr lang="de-DE" dirty="0"/>
-              <a:t>Gibt statistische Ergebnisse zurück (beste, schlechteste, average)</a:t>
-            </a:r>
-          </a:p>
-          <a:p>
-            <a:pPr marL="285750" indent="-285750">
-              <a:buFont typeface="Arial" panose="020B0604020202020204" pitchFamily="34" charset="0"/>
-              <a:buChar char="•"/>
-            </a:pPr>
-            <a:endParaRPr lang="de-DE" dirty="0"/>
-          </a:p>
-          <a:p>
-            <a:pPr marL="285750" indent="-285750">
-              <a:buFont typeface="Arial" panose="020B0604020202020204" pitchFamily="34" charset="0"/>
-              <a:buChar char="•"/>
-            </a:pPr>
-            <a:r>
-              <a:rPr lang="de-DE" dirty="0"/>
-              <a:t>Die Funktion </a:t>
-            </a:r>
-            <a:r>
-              <a:rPr lang="de-DE" b="1" dirty="0"/>
-              <a:t>best_individual</a:t>
-            </a:r>
-            <a:r>
-              <a:rPr lang="de-DE" dirty="0"/>
-              <a:t> gibt das Individuum mit der größten Fitness zurücl</a:t>
-            </a:r>
-          </a:p>
-          <a:p>
-            <a:pPr marL="285750" indent="-285750">
-              <a:buFont typeface="Arial" panose="020B0604020202020204" pitchFamily="34" charset="0"/>
-              <a:buChar char="•"/>
-            </a:pPr>
-            <a:endParaRPr lang="de-DE" dirty="0"/>
-          </a:p>
-          <a:p>
-            <a:pPr marL="552450" lvl="1" indent="-285750">
-              <a:buFont typeface="Arial" panose="020B0604020202020204" pitchFamily="34" charset="0"/>
-              <a:buChar char="•"/>
-            </a:pPr>
-            <a:endParaRPr lang="de-DE" dirty="0"/>
-          </a:p>
-          <a:p>
-            <a:pPr marL="552450" lvl="1" indent="-285750">
-              <a:buFont typeface="Arial" panose="020B0604020202020204" pitchFamily="34" charset="0"/>
-              <a:buChar char="•"/>
-            </a:pPr>
-            <a:endParaRPr lang="de-DE" dirty="0"/>
-          </a:p>
-          <a:p>
-            <a:pPr lvl="1"/>
-            <a:endParaRPr lang="de-DE" dirty="0"/>
+            <a:r>
+              <a:rPr lang="de-DE" sz="1050" dirty="0">
+                <a:solidFill>
+                  <a:schemeClr val="accent6">
+                    <a:lumMod val="75000"/>
+                  </a:schemeClr>
+                </a:solidFill>
+              </a:rPr>
+              <a:t>bool</a:t>
+            </a:r>
+            <a:r>
+              <a:rPr lang="de-DE" sz="1050" dirty="0"/>
+              <a:t> cycle_crossover_one_cycle(Individual &amp;p1, Individual &amp;p2, Individual &amp;c1, Individual &amp;c2) {</a:t>
+            </a:r>
+          </a:p>
+          <a:p>
+            <a:r>
+              <a:rPr lang="de-DE" sz="1050" dirty="0"/>
+              <a:t>    std::vector&lt;bool&gt; index_flags(p1.get_size(), false);</a:t>
+            </a:r>
+          </a:p>
+          <a:p>
+            <a:r>
+              <a:rPr lang="de-DE" sz="1050" dirty="0"/>
+              <a:t>    Cycle cycle;</a:t>
+            </a:r>
+          </a:p>
+          <a:p>
+            <a:r>
+              <a:rPr lang="de-DE" sz="1050" dirty="0"/>
+              <a:t>    int cycle_start_idx = random(p1.get_size());</a:t>
+            </a:r>
+          </a:p>
+          <a:p>
+            <a:r>
+              <a:rPr lang="de-DE" sz="1050" dirty="0"/>
+              <a:t>    </a:t>
+            </a:r>
+            <a:r>
+              <a:rPr lang="de-DE" sz="1050" dirty="0">
+                <a:solidFill>
+                  <a:schemeClr val="accent6">
+                    <a:lumMod val="75000"/>
+                  </a:schemeClr>
+                </a:solidFill>
+              </a:rPr>
+              <a:t>if</a:t>
+            </a:r>
+            <a:r>
+              <a:rPr lang="de-DE" sz="1050" dirty="0"/>
+              <a:t> (!fill_empty_cycle_with_tuples(cycle, cycle_start_idx, p1, p2, index_flags)) {</a:t>
+            </a:r>
+          </a:p>
+          <a:p>
+            <a:r>
+              <a:rPr lang="de-DE" sz="1050" dirty="0"/>
+              <a:t>        return false;</a:t>
+            </a:r>
+          </a:p>
+          <a:p>
+            <a:r>
+              <a:rPr lang="de-DE" sz="1050" dirty="0"/>
+              <a:t>    }</a:t>
+            </a:r>
+          </a:p>
+          <a:p>
+            <a:r>
+              <a:rPr lang="de-DE" sz="1050" dirty="0"/>
+              <a:t>    int tupleCounter = 0;</a:t>
+            </a:r>
+          </a:p>
+          <a:p>
+            <a:r>
+              <a:rPr lang="de-DE" sz="1050" dirty="0"/>
+              <a:t>    </a:t>
+            </a:r>
+            <a:r>
+              <a:rPr lang="de-DE" sz="1050" dirty="0">
+                <a:solidFill>
+                  <a:schemeClr val="accent6">
+                    <a:lumMod val="75000"/>
+                  </a:schemeClr>
+                </a:solidFill>
+              </a:rPr>
+              <a:t>for</a:t>
+            </a:r>
+            <a:r>
+              <a:rPr lang="de-DE" sz="1050" dirty="0"/>
+              <a:t> (int i = 0; (unsigned int) i &lt; index_flags.size(); ++i) {</a:t>
+            </a:r>
+          </a:p>
+          <a:p>
+            <a:r>
+              <a:rPr lang="de-DE" sz="1050" dirty="0"/>
+              <a:t>        bool flag = index_flags.at(i);</a:t>
+            </a:r>
+          </a:p>
+          <a:p>
+            <a:r>
+              <a:rPr lang="de-DE" sz="1050" dirty="0"/>
+              <a:t>        </a:t>
+            </a:r>
+            <a:r>
+              <a:rPr lang="de-DE" sz="1050" dirty="0">
+                <a:solidFill>
+                  <a:schemeClr val="accent6">
+                    <a:lumMod val="75000"/>
+                  </a:schemeClr>
+                </a:solidFill>
+              </a:rPr>
+              <a:t>if</a:t>
+            </a:r>
+            <a:r>
+              <a:rPr lang="de-DE" sz="1050" dirty="0"/>
+              <a:t> (flag) {</a:t>
+            </a:r>
+          </a:p>
+          <a:p>
+            <a:r>
+              <a:rPr lang="de-DE" sz="1050" dirty="0"/>
+              <a:t>            Tuple &amp;t = cycle.at(tupleCounter);</a:t>
+            </a:r>
+          </a:p>
+          <a:p>
+            <a:r>
+              <a:rPr lang="de-DE" sz="1050" dirty="0"/>
+              <a:t>            tupleCounter++;</a:t>
+            </a:r>
+          </a:p>
+          <a:p>
+            <a:r>
+              <a:rPr lang="de-DE" sz="1050" dirty="0"/>
+              <a:t>            c1.update_chromosome(std::get&lt;1&gt;(t), std::get&lt;0&gt;(t));</a:t>
+            </a:r>
+          </a:p>
+          <a:p>
+            <a:r>
+              <a:rPr lang="de-DE" sz="1050" dirty="0"/>
+              <a:t>            c2.update_chromosome(std::get&lt;2&gt;(t), std::get&lt;0&gt;(t));</a:t>
+            </a:r>
+          </a:p>
+          <a:p>
+            <a:r>
+              <a:rPr lang="de-DE" sz="1050" dirty="0"/>
+              <a:t>        } </a:t>
+            </a:r>
+            <a:r>
+              <a:rPr lang="de-DE" sz="1050" dirty="0">
+                <a:solidFill>
+                  <a:schemeClr val="accent6">
+                    <a:lumMod val="75000"/>
+                  </a:schemeClr>
+                </a:solidFill>
+              </a:rPr>
+              <a:t>else</a:t>
+            </a:r>
+            <a:r>
+              <a:rPr lang="de-DE" sz="1050" dirty="0"/>
+              <a:t> {</a:t>
+            </a:r>
+          </a:p>
+          <a:p>
+            <a:r>
+              <a:rPr lang="de-DE" sz="1050" dirty="0"/>
+              <a:t>            c1.update_chromosome(p2.get_chromosome().at(i), i);</a:t>
+            </a:r>
+          </a:p>
+          <a:p>
+            <a:r>
+              <a:rPr lang="de-DE" sz="1050" dirty="0"/>
+              <a:t>            c2.update_chromosome(p1.get_chromosome().at(i), i);</a:t>
+            </a:r>
+          </a:p>
+          <a:p>
+            <a:r>
+              <a:rPr lang="de-DE" sz="1050" dirty="0"/>
+              <a:t>        }</a:t>
+            </a:r>
+          </a:p>
+          <a:p>
+            <a:r>
+              <a:rPr lang="de-DE" sz="1050" dirty="0"/>
+              <a:t>    }</a:t>
+            </a:r>
+          </a:p>
+          <a:p>
+            <a:r>
+              <a:rPr lang="de-DE" sz="1050" dirty="0"/>
+              <a:t>    </a:t>
+            </a:r>
+            <a:r>
+              <a:rPr lang="de-DE" sz="1050" dirty="0">
+                <a:solidFill>
+                  <a:schemeClr val="accent6">
+                    <a:lumMod val="75000"/>
+                  </a:schemeClr>
+                </a:solidFill>
+              </a:rPr>
+              <a:t>return</a:t>
+            </a:r>
+            <a:r>
+              <a:rPr lang="de-DE" sz="1050" dirty="0"/>
+              <a:t> true;</a:t>
+            </a:r>
+          </a:p>
+          <a:p>
+            <a:r>
+              <a:rPr lang="de-DE" sz="1050" dirty="0"/>
+              <a:t>}</a:t>
+            </a:r>
+          </a:p>
+          <a:p>
+            <a:endParaRPr lang="de-DE" sz="1050" dirty="0"/>
           </a:p>
         </p:txBody>
       </p:sp>
-      <p:pic>
-        <p:nvPicPr>
-          <p:cNvPr id="5" name="Picture 4">
+      <p:sp>
+        <p:nvSpPr>
+          <p:cNvPr id="7" name="Text Placeholder 2">
             <a:extLst>
               <a:ext uri="{FF2B5EF4-FFF2-40B4-BE49-F238E27FC236}">
-                <a16:creationId xmlns:a16="http://schemas.microsoft.com/office/drawing/2014/main" id="{218822C5-0C67-414D-B6B4-0F36E1BD69C4}"/>
+                <a16:creationId xmlns:a16="http://schemas.microsoft.com/office/drawing/2014/main" id="{3DAEF8D3-31AA-46E3-BE55-7474D0551DCE}"/>
               </a:ext>
             </a:extLst>
           </p:cNvPr>
-          <p:cNvPicPr>
-            <a:picLocks noChangeAspect="1"/>
-          </p:cNvPicPr>
+          <p:cNvSpPr txBox="1">
+            <a:spLocks/>
+          </p:cNvSpPr>
           <p:nvPr/>
-        </p:nvPicPr>
-        <p:blipFill>
-          <a:blip r:embed="rId2"/>
-          <a:stretch>
-            <a:fillRect/>
-          </a:stretch>
-        </p:blipFill>
-        <p:spPr>
+        </p:nvSpPr>
+        <p:spPr bwMode="auto">
           <a:xfrm>
-            <a:off x="2358485" y="3568731"/>
-            <a:ext cx="5153025" cy="2419350"/>
+            <a:off x="7531224" y="1093728"/>
+            <a:ext cx="4660776" cy="4206240"/>
           </a:xfrm>
           <a:prstGeom prst="rect">
             <a:avLst/>
           </a:prstGeom>
+          <a:noFill/>
+          <a:ln>
+            <a:noFill/>
+          </a:ln>
+          <a:extLst>
+            <a:ext uri="{909E8E84-426E-40DD-AFC4-6F175D3DCCD1}">
+              <a14:hiddenFill xmlns:a14="http://schemas.microsoft.com/office/drawing/2010/main">
+                <a:solidFill>
+                  <a:srgbClr val="FFFFFF"/>
+                </a:solidFill>
+              </a14:hiddenFill>
+            </a:ext>
+            <a:ext uri="{91240B29-F687-4F45-9708-019B960494DF}">
+              <a14:hiddenLine xmlns:a14="http://schemas.microsoft.com/office/drawing/2010/main" w="9525">
+                <a:solidFill>
+                  <a:srgbClr val="000000"/>
+                </a:solidFill>
+                <a:miter lim="800000"/>
+                <a:headEnd/>
+                <a:tailEnd/>
+              </a14:hiddenLine>
+            </a:ext>
+          </a:extLst>
         </p:spPr>
-      </p:pic>
+        <p:txBody>
+          <a:bodyPr vert="horz" wrap="square" lIns="91440" tIns="45720" rIns="91440" bIns="45720" numCol="1" anchor="t" anchorCtr="0" compatLnSpc="1">
+            <a:prstTxWarp prst="textNoShape">
+              <a:avLst/>
+            </a:prstTxWarp>
+          </a:bodyPr>
+          <a:lstStyle>
+            <a:lvl1pPr marL="0" indent="0" algn="l" rtl="0" eaLnBrk="0" fontAlgn="base" hangingPunct="0">
+              <a:spcBef>
+                <a:spcPct val="20000"/>
+              </a:spcBef>
+              <a:spcAft>
+                <a:spcPct val="0"/>
+              </a:spcAft>
+              <a:buClr>
+                <a:srgbClr val="80BA24"/>
+              </a:buClr>
+              <a:buSzPct val="106000"/>
+              <a:buFontTx/>
+              <a:buNone/>
+              <a:defRPr kern="1200" baseline="0">
+                <a:solidFill>
+                  <a:srgbClr val="4A5C66"/>
+                </a:solidFill>
+                <a:latin typeface="Arial" pitchFamily="34" charset="0"/>
+                <a:ea typeface="MS PGothic" panose="020B0600070205080204" pitchFamily="34" charset="-128"/>
+                <a:cs typeface="Arial" pitchFamily="34" charset="0"/>
+              </a:defRPr>
+            </a:lvl1pPr>
+            <a:lvl2pPr marL="266700" indent="0" algn="l" rtl="0" eaLnBrk="0" fontAlgn="base" hangingPunct="0">
+              <a:spcBef>
+                <a:spcPct val="20000"/>
+              </a:spcBef>
+              <a:spcAft>
+                <a:spcPct val="0"/>
+              </a:spcAft>
+              <a:buClr>
+                <a:srgbClr val="80BA24"/>
+              </a:buClr>
+              <a:buSzPct val="90000"/>
+              <a:buFontTx/>
+              <a:buNone/>
+              <a:defRPr kern="1200">
+                <a:solidFill>
+                  <a:srgbClr val="4A5C66"/>
+                </a:solidFill>
+                <a:latin typeface="Arial" pitchFamily="34" charset="0"/>
+                <a:ea typeface="Arial" charset="0"/>
+                <a:cs typeface="Arial" pitchFamily="34" charset="0"/>
+              </a:defRPr>
+            </a:lvl2pPr>
+            <a:lvl3pPr marL="542925" indent="0" algn="l" rtl="0" eaLnBrk="0" fontAlgn="base" hangingPunct="0">
+              <a:spcBef>
+                <a:spcPct val="20000"/>
+              </a:spcBef>
+              <a:spcAft>
+                <a:spcPct val="0"/>
+              </a:spcAft>
+              <a:buClr>
+                <a:srgbClr val="80BA24"/>
+              </a:buClr>
+              <a:buSzPct val="80000"/>
+              <a:buFontTx/>
+              <a:buNone/>
+              <a:defRPr kern="1200">
+                <a:solidFill>
+                  <a:srgbClr val="4A5C66"/>
+                </a:solidFill>
+                <a:latin typeface="Arial" pitchFamily="34" charset="0"/>
+                <a:ea typeface="Arial" charset="0"/>
+                <a:cs typeface="Arial" pitchFamily="34" charset="0"/>
+              </a:defRPr>
+            </a:lvl3pPr>
+            <a:lvl4pPr marL="809625" indent="0" algn="l" rtl="0" eaLnBrk="0" fontAlgn="base" hangingPunct="0">
+              <a:spcBef>
+                <a:spcPct val="20000"/>
+              </a:spcBef>
+              <a:spcAft>
+                <a:spcPct val="0"/>
+              </a:spcAft>
+              <a:buClr>
+                <a:srgbClr val="80BA24"/>
+              </a:buClr>
+              <a:buSzPct val="80000"/>
+              <a:buFontTx/>
+              <a:buNone/>
+              <a:defRPr kern="1200">
+                <a:solidFill>
+                  <a:srgbClr val="4A5C66"/>
+                </a:solidFill>
+                <a:latin typeface="Arial" pitchFamily="34" charset="0"/>
+                <a:ea typeface="Arial" charset="0"/>
+                <a:cs typeface="Arial" pitchFamily="34" charset="0"/>
+              </a:defRPr>
+            </a:lvl4pPr>
+            <a:lvl5pPr marL="1076325" indent="0" algn="l" rtl="0" eaLnBrk="0" fontAlgn="base" hangingPunct="0">
+              <a:spcBef>
+                <a:spcPct val="20000"/>
+              </a:spcBef>
+              <a:spcAft>
+                <a:spcPct val="0"/>
+              </a:spcAft>
+              <a:buClr>
+                <a:srgbClr val="80BA24"/>
+              </a:buClr>
+              <a:buSzPct val="80000"/>
+              <a:buFontTx/>
+              <a:buNone/>
+              <a:defRPr kern="1200">
+                <a:solidFill>
+                  <a:srgbClr val="4A5C66"/>
+                </a:solidFill>
+                <a:latin typeface="Arial" pitchFamily="34" charset="0"/>
+                <a:ea typeface="Arial" charset="0"/>
+                <a:cs typeface="Arial" pitchFamily="34" charset="0"/>
+              </a:defRPr>
+            </a:lvl5pPr>
+            <a:lvl6pPr marL="2514600" indent="-228600" algn="l" defTabSz="914400" rtl="0" eaLnBrk="1" latinLnBrk="0" hangingPunct="1">
+              <a:spcBef>
+                <a:spcPct val="20000"/>
+              </a:spcBef>
+              <a:buFont typeface="Arial" pitchFamily="34" charset="0"/>
+              <a:buChar char="•"/>
+              <a:defRPr sz="2000" kern="1200">
+                <a:solidFill>
+                  <a:schemeClr val="tx1"/>
+                </a:solidFill>
+                <a:latin typeface="+mn-lt"/>
+                <a:ea typeface="+mn-ea"/>
+                <a:cs typeface="+mn-cs"/>
+              </a:defRPr>
+            </a:lvl6pPr>
+            <a:lvl7pPr marL="2971800" indent="-228600" algn="l" defTabSz="914400" rtl="0" eaLnBrk="1" latinLnBrk="0" hangingPunct="1">
+              <a:spcBef>
+                <a:spcPct val="20000"/>
+              </a:spcBef>
+              <a:buFont typeface="Arial" pitchFamily="34" charset="0"/>
+              <a:buChar char="•"/>
+              <a:defRPr sz="2000" kern="1200">
+                <a:solidFill>
+                  <a:schemeClr val="tx1"/>
+                </a:solidFill>
+                <a:latin typeface="+mn-lt"/>
+                <a:ea typeface="+mn-ea"/>
+                <a:cs typeface="+mn-cs"/>
+              </a:defRPr>
+            </a:lvl7pPr>
+            <a:lvl8pPr marL="3429000" indent="-228600" algn="l" defTabSz="914400" rtl="0" eaLnBrk="1" latinLnBrk="0" hangingPunct="1">
+              <a:spcBef>
+                <a:spcPct val="20000"/>
+              </a:spcBef>
+              <a:buFont typeface="Arial" pitchFamily="34" charset="0"/>
+              <a:buChar char="•"/>
+              <a:defRPr sz="2000" kern="1200">
+                <a:solidFill>
+                  <a:schemeClr val="tx1"/>
+                </a:solidFill>
+                <a:latin typeface="+mn-lt"/>
+                <a:ea typeface="+mn-ea"/>
+                <a:cs typeface="+mn-cs"/>
+              </a:defRPr>
+            </a:lvl8pPr>
+            <a:lvl9pPr marL="3886200" indent="-228600" algn="l" defTabSz="914400" rtl="0" eaLnBrk="1" latinLnBrk="0" hangingPunct="1">
+              <a:spcBef>
+                <a:spcPct val="20000"/>
+              </a:spcBef>
+              <a:buFont typeface="Arial" pitchFamily="34" charset="0"/>
+              <a:buChar char="•"/>
+              <a:defRPr sz="2000" kern="1200">
+                <a:solidFill>
+                  <a:schemeClr val="tx1"/>
+                </a:solidFill>
+                <a:latin typeface="+mn-lt"/>
+                <a:ea typeface="+mn-ea"/>
+                <a:cs typeface="+mn-cs"/>
+              </a:defRPr>
+            </a:lvl9pPr>
+          </a:lstStyle>
+          <a:p>
+            <a:pPr lvl="2">
+              <a:spcAft>
+                <a:spcPts val="600"/>
+              </a:spcAft>
+            </a:pPr>
+            <a:r>
+              <a:rPr lang="de-DE" dirty="0"/>
+              <a:t>p1 = 1 2 3 4 5</a:t>
+            </a:r>
+          </a:p>
+          <a:p>
+            <a:pPr lvl="2">
+              <a:spcAft>
+                <a:spcPts val="600"/>
+              </a:spcAft>
+            </a:pPr>
+            <a:r>
+              <a:rPr lang="de-DE" dirty="0"/>
+              <a:t>p2 = 5 4 3 2 1</a:t>
+            </a:r>
+          </a:p>
+          <a:p>
+            <a:pPr marL="342900" indent="-342900">
+              <a:spcAft>
+                <a:spcPts val="600"/>
+              </a:spcAft>
+              <a:buFontTx/>
+              <a:buAutoNum type="arabicPeriod"/>
+            </a:pPr>
+            <a:r>
+              <a:rPr lang="de-DE" dirty="0"/>
+              <a:t>Wähle zufällige Startposition</a:t>
+            </a:r>
+          </a:p>
+          <a:p>
+            <a:pPr lvl="2">
+              <a:spcAft>
+                <a:spcPts val="600"/>
+              </a:spcAft>
+            </a:pPr>
+            <a:r>
+              <a:rPr lang="de-DE" dirty="0"/>
+              <a:t>p1 = 1 2 3 </a:t>
+            </a:r>
+            <a:r>
+              <a:rPr lang="de-DE" dirty="0">
+                <a:solidFill>
+                  <a:srgbClr val="FF0000"/>
+                </a:solidFill>
+              </a:rPr>
+              <a:t>4</a:t>
+            </a:r>
+            <a:r>
+              <a:rPr lang="de-DE" dirty="0"/>
+              <a:t> 5</a:t>
+            </a:r>
+          </a:p>
+          <a:p>
+            <a:pPr lvl="2">
+              <a:spcAft>
+                <a:spcPts val="600"/>
+              </a:spcAft>
+            </a:pPr>
+            <a:r>
+              <a:rPr lang="de-DE" dirty="0"/>
+              <a:t>p2 = 5 4 3 2 1</a:t>
+            </a:r>
+          </a:p>
+          <a:p>
+            <a:pPr marL="342900" indent="-342900">
+              <a:spcAft>
+                <a:spcPts val="600"/>
+              </a:spcAft>
+              <a:buFontTx/>
+              <a:buAutoNum type="arabicPeriod"/>
+            </a:pPr>
+            <a:r>
+              <a:rPr lang="de-DE" dirty="0"/>
+              <a:t>Übenehme den dort stehenden Wert in Nachkommen</a:t>
+            </a:r>
+          </a:p>
+          <a:p>
+            <a:pPr lvl="2">
+              <a:spcAft>
+                <a:spcPts val="600"/>
+              </a:spcAft>
+            </a:pPr>
+            <a:r>
+              <a:rPr lang="de-DE" dirty="0"/>
+              <a:t>c1 = 2 4</a:t>
+            </a:r>
+          </a:p>
+          <a:p>
+            <a:pPr marL="342900" indent="-342900">
+              <a:spcAft>
+                <a:spcPts val="600"/>
+              </a:spcAft>
+              <a:buFontTx/>
+              <a:buAutoNum type="arabicPeriod"/>
+            </a:pPr>
+            <a:r>
+              <a:rPr lang="de-DE" dirty="0"/>
+              <a:t>Welcher Wert steht an der aktuellen Position im anderen Elternteil? Die Position dieses Wertes im ersten Elternteil ist die neue Position. Wdh. Schritt 2 bis Startpunkt wieder erreicht.</a:t>
+            </a:r>
+          </a:p>
+          <a:p>
+            <a:pPr marL="342900" indent="-342900">
+              <a:spcAft>
+                <a:spcPts val="600"/>
+              </a:spcAft>
+              <a:buFontTx/>
+              <a:buAutoNum type="arabicPeriod"/>
+            </a:pPr>
+            <a:endParaRPr lang="de-DE" dirty="0"/>
+          </a:p>
+          <a:p>
+            <a:pPr marL="342900" indent="-342900">
+              <a:spcAft>
+                <a:spcPts val="600"/>
+              </a:spcAft>
+              <a:buFontTx/>
+              <a:buAutoNum type="arabicPeriod"/>
+            </a:pPr>
+            <a:r>
+              <a:rPr lang="de-DE" dirty="0"/>
+              <a:t>Fülle Lücken mit den Werten wie sie im anderen Elternteil vorkommen</a:t>
+            </a:r>
+          </a:p>
+        </p:txBody>
+      </p:sp>
     </p:spTree>
     <p:extLst>
       <p:ext uri="{BB962C8B-B14F-4D97-AF65-F5344CB8AC3E}">
-        <p14:creationId xmlns:p14="http://schemas.microsoft.com/office/powerpoint/2010/main" val="1459846204"/>
+        <p14:creationId xmlns:p14="http://schemas.microsoft.com/office/powerpoint/2010/main" val="2385049871"/>
       </p:ext>
     </p:extLst>
   </p:cSld>
@@ -24790,7 +25591,7 @@
           <p:cNvPr id="2" name="Title 1">
             <a:extLst>
               <a:ext uri="{FF2B5EF4-FFF2-40B4-BE49-F238E27FC236}">
-                <a16:creationId xmlns:a16="http://schemas.microsoft.com/office/drawing/2014/main" id="{81EFB697-ABB7-4385-A87F-DE3D50F38BDB}"/>
+                <a16:creationId xmlns:a16="http://schemas.microsoft.com/office/drawing/2014/main" id="{DD2388D8-106E-40D0-A4BD-5FF4C2E2935B}"/>
               </a:ext>
             </a:extLst>
           </p:cNvPr>
@@ -24808,7 +25609,7 @@
           <a:p>
             <a:r>
               <a:rPr lang="de-DE" dirty="0"/>
-              <a:t>Realisierung – Python-Schnittstelle</a:t>
+              <a:t>Realisierung – Cycle-Crossover-One-Cycle</a:t>
             </a:r>
           </a:p>
         </p:txBody>
@@ -24818,7 +25619,7 @@
           <p:cNvPr id="3" name="Text Placeholder 2">
             <a:extLst>
               <a:ext uri="{FF2B5EF4-FFF2-40B4-BE49-F238E27FC236}">
-                <a16:creationId xmlns:a16="http://schemas.microsoft.com/office/drawing/2014/main" id="{778E93AF-5E49-4550-AA2C-7CEF1E9BA9D3}"/>
+                <a16:creationId xmlns:a16="http://schemas.microsoft.com/office/drawing/2014/main" id="{79F1354A-B6A2-451D-B387-D4D8507220EF}"/>
               </a:ext>
             </a:extLst>
           </p:cNvPr>
@@ -24832,41 +25633,226 @@
         <p:spPr>
           <a:xfrm>
             <a:off x="334963" y="1280160"/>
-            <a:ext cx="11487150" cy="1835902"/>
+            <a:ext cx="6101348" cy="4534714"/>
           </a:xfrm>
         </p:spPr>
         <p:txBody>
           <a:bodyPr/>
           <a:lstStyle/>
           <a:p>
-            <a:pPr marL="285750" indent="-285750">
-              <a:buFont typeface="Arial" panose="020B0604020202020204" pitchFamily="34" charset="0"/>
-              <a:buChar char="•"/>
-            </a:pPr>
-            <a:r>
-              <a:rPr lang="de-DE" dirty="0"/>
-              <a:t>Boost Python Bibliothek</a:t>
-            </a:r>
-          </a:p>
-          <a:p>
-            <a:pPr marL="285750" indent="-285750">
-              <a:buFont typeface="Arial" panose="020B0604020202020204" pitchFamily="34" charset="0"/>
-              <a:buChar char="•"/>
-            </a:pPr>
-            <a:r>
-              <a:rPr lang="de-DE" dirty="0"/>
-              <a:t>Erstellung von Schnittstellen zwischen C++ und Python</a:t>
-            </a:r>
-          </a:p>
-          <a:p>
-            <a:pPr marL="285750" indent="-285750">
-              <a:buFont typeface="Arial" panose="020B0604020202020204" pitchFamily="34" charset="0"/>
-              <a:buChar char="•"/>
-            </a:pPr>
-            <a:r>
-              <a:rPr lang="de-DE" dirty="0"/>
-              <a:t>Schnell und unkompliziert</a:t>
-            </a:r>
+            <a:r>
+              <a:rPr lang="de-DE" sz="1050" dirty="0">
+                <a:solidFill>
+                  <a:schemeClr val="accent6">
+                    <a:lumMod val="75000"/>
+                  </a:schemeClr>
+                </a:solidFill>
+              </a:rPr>
+              <a:t>bool</a:t>
+            </a:r>
+            <a:r>
+              <a:rPr lang="de-DE" sz="1050" dirty="0"/>
+              <a:t> cycle_crossover_one_cycle(Individual &amp;p1, Individual &amp;p2, Individual &amp;c1, Individual &amp;c2) {</a:t>
+            </a:r>
+          </a:p>
+          <a:p>
+            <a:r>
+              <a:rPr lang="de-DE" sz="1050" dirty="0"/>
+              <a:t>    std::vector&lt;bool&gt; index_flags(p1.get_size(), false);</a:t>
+            </a:r>
+          </a:p>
+          <a:p>
+            <a:r>
+              <a:rPr lang="de-DE" sz="1050" dirty="0"/>
+              <a:t>    Cycle cycle;</a:t>
+            </a:r>
+          </a:p>
+          <a:p>
+            <a:r>
+              <a:rPr lang="de-DE" sz="1050" dirty="0"/>
+              <a:t>    int cycle_start_idx = random(p1.get_size());</a:t>
+            </a:r>
+          </a:p>
+          <a:p>
+            <a:r>
+              <a:rPr lang="de-DE" sz="1050" dirty="0"/>
+              <a:t>    </a:t>
+            </a:r>
+            <a:r>
+              <a:rPr lang="de-DE" sz="1050" dirty="0">
+                <a:solidFill>
+                  <a:schemeClr val="accent6">
+                    <a:lumMod val="75000"/>
+                  </a:schemeClr>
+                </a:solidFill>
+              </a:rPr>
+              <a:t>if</a:t>
+            </a:r>
+            <a:r>
+              <a:rPr lang="de-DE" sz="1050" dirty="0"/>
+              <a:t> (!fill_empty_cycle_with_tuples(cycle, cycle_start_idx, p1, p2, index_flags)) {</a:t>
+            </a:r>
+          </a:p>
+          <a:p>
+            <a:r>
+              <a:rPr lang="de-DE" sz="1050" dirty="0"/>
+              <a:t>        return false;</a:t>
+            </a:r>
+          </a:p>
+          <a:p>
+            <a:r>
+              <a:rPr lang="de-DE" sz="1050" dirty="0"/>
+              <a:t>    }</a:t>
+            </a:r>
+          </a:p>
+          <a:p>
+            <a:r>
+              <a:rPr lang="de-DE" sz="1050" dirty="0"/>
+              <a:t>    int tupleCounter = 0;</a:t>
+            </a:r>
+          </a:p>
+          <a:p>
+            <a:r>
+              <a:rPr lang="de-DE" sz="1050" dirty="0"/>
+              <a:t>    </a:t>
+            </a:r>
+            <a:r>
+              <a:rPr lang="de-DE" sz="1050" dirty="0">
+                <a:solidFill>
+                  <a:schemeClr val="accent6">
+                    <a:lumMod val="75000"/>
+                  </a:schemeClr>
+                </a:solidFill>
+              </a:rPr>
+              <a:t>for</a:t>
+            </a:r>
+            <a:r>
+              <a:rPr lang="de-DE" sz="1050" dirty="0"/>
+              <a:t> (int i = 0; (unsigned int) i &lt; index_flags.size(); ++i) {</a:t>
+            </a:r>
+          </a:p>
+          <a:p>
+            <a:r>
+              <a:rPr lang="de-DE" sz="1050" dirty="0"/>
+              <a:t>        bool flag = index_flags.at(i);</a:t>
+            </a:r>
+          </a:p>
+          <a:p>
+            <a:r>
+              <a:rPr lang="de-DE" sz="1050" dirty="0"/>
+              <a:t>        </a:t>
+            </a:r>
+            <a:r>
+              <a:rPr lang="de-DE" sz="1050" dirty="0">
+                <a:solidFill>
+                  <a:schemeClr val="accent6">
+                    <a:lumMod val="75000"/>
+                  </a:schemeClr>
+                </a:solidFill>
+              </a:rPr>
+              <a:t>if</a:t>
+            </a:r>
+            <a:r>
+              <a:rPr lang="de-DE" sz="1050" dirty="0"/>
+              <a:t> (flag) {</a:t>
+            </a:r>
+          </a:p>
+          <a:p>
+            <a:r>
+              <a:rPr lang="de-DE" sz="1050" dirty="0"/>
+              <a:t>            Tuple &amp;t = cycle.at(tupleCounter);</a:t>
+            </a:r>
+          </a:p>
+          <a:p>
+            <a:r>
+              <a:rPr lang="de-DE" sz="1050" dirty="0"/>
+              <a:t>            tupleCounter++;</a:t>
+            </a:r>
+          </a:p>
+          <a:p>
+            <a:r>
+              <a:rPr lang="de-DE" sz="1050" dirty="0"/>
+              <a:t>            c1.update_chromosome(std::get&lt;1&gt;(t), std::get&lt;0&gt;(t));</a:t>
+            </a:r>
+          </a:p>
+          <a:p>
+            <a:r>
+              <a:rPr lang="de-DE" sz="1050" dirty="0"/>
+              <a:t>            c2.update_chromosome(std::get&lt;2&gt;(t), std::get&lt;0&gt;(t));</a:t>
+            </a:r>
+          </a:p>
+          <a:p>
+            <a:r>
+              <a:rPr lang="de-DE" sz="1050" dirty="0"/>
+              <a:t>        } </a:t>
+            </a:r>
+            <a:r>
+              <a:rPr lang="de-DE" sz="1050" dirty="0">
+                <a:solidFill>
+                  <a:schemeClr val="accent6">
+                    <a:lumMod val="75000"/>
+                  </a:schemeClr>
+                </a:solidFill>
+              </a:rPr>
+              <a:t>else</a:t>
+            </a:r>
+            <a:r>
+              <a:rPr lang="de-DE" sz="1050" dirty="0"/>
+              <a:t> {</a:t>
+            </a:r>
+          </a:p>
+          <a:p>
+            <a:r>
+              <a:rPr lang="de-DE" sz="1050" dirty="0"/>
+              <a:t>            c1.update_chromosome(p2.get_chromosome().at(i), i);</a:t>
+            </a:r>
+          </a:p>
+          <a:p>
+            <a:r>
+              <a:rPr lang="de-DE" sz="1050" dirty="0"/>
+              <a:t>            c2.update_chromosome(p1.get_chromosome().at(i), i);</a:t>
+            </a:r>
+          </a:p>
+          <a:p>
+            <a:r>
+              <a:rPr lang="de-DE" sz="1050" dirty="0"/>
+              <a:t>        }</a:t>
+            </a:r>
+          </a:p>
+          <a:p>
+            <a:r>
+              <a:rPr lang="de-DE" sz="1050" dirty="0"/>
+              <a:t>    }</a:t>
+            </a:r>
+          </a:p>
+          <a:p>
+            <a:r>
+              <a:rPr lang="de-DE" sz="1050" dirty="0"/>
+              <a:t>    </a:t>
+            </a:r>
+            <a:r>
+              <a:rPr lang="de-DE" sz="1050" dirty="0">
+                <a:solidFill>
+                  <a:schemeClr val="accent6">
+                    <a:lumMod val="75000"/>
+                  </a:schemeClr>
+                </a:solidFill>
+              </a:rPr>
+              <a:t>return</a:t>
+            </a:r>
+            <a:r>
+              <a:rPr lang="de-DE" sz="1050" dirty="0"/>
+              <a:t> true;</a:t>
+            </a:r>
+          </a:p>
+          <a:p>
+            <a:r>
+              <a:rPr lang="de-DE" sz="1050" dirty="0"/>
+              <a:t>}</a:t>
+            </a:r>
+          </a:p>
+          <a:p>
+            <a:endParaRPr lang="de-DE" sz="1050" dirty="0"/>
           </a:p>
         </p:txBody>
       </p:sp>
@@ -24875,7 +25861,7 @@
           <p:cNvPr id="7" name="Text Placeholder 2">
             <a:extLst>
               <a:ext uri="{FF2B5EF4-FFF2-40B4-BE49-F238E27FC236}">
-                <a16:creationId xmlns:a16="http://schemas.microsoft.com/office/drawing/2014/main" id="{E5D452C1-DD4D-4E05-90BB-0F8EBB7CDC84}"/>
+                <a16:creationId xmlns:a16="http://schemas.microsoft.com/office/drawing/2014/main" id="{3DAEF8D3-31AA-46E3-BE55-7474D0551DCE}"/>
               </a:ext>
             </a:extLst>
           </p:cNvPr>
@@ -24886,8 +25872,8 @@
         </p:nvSpPr>
         <p:spPr bwMode="auto">
           <a:xfrm>
-            <a:off x="369887" y="2511048"/>
-            <a:ext cx="6723371" cy="3721075"/>
+            <a:off x="7531224" y="1093728"/>
+            <a:ext cx="4660776" cy="4206240"/>
           </a:xfrm>
           <a:prstGeom prst="rect">
             <a:avLst/>
@@ -25095,232 +26081,151 @@
             </a:lvl9pPr>
           </a:lstStyle>
           <a:p>
-            <a:r>
-              <a:rPr lang="en-US" sz="1200" dirty="0">
-                <a:solidFill>
-                  <a:schemeClr val="accent6">
+            <a:pPr lvl="2">
+              <a:spcAft>
+                <a:spcPts val="600"/>
+              </a:spcAft>
+            </a:pPr>
+            <a:r>
+              <a:rPr lang="de-DE" dirty="0"/>
+              <a:t>p1 = 1 2 3 4 5</a:t>
+            </a:r>
+          </a:p>
+          <a:p>
+            <a:pPr lvl="2">
+              <a:spcAft>
+                <a:spcPts val="600"/>
+              </a:spcAft>
+            </a:pPr>
+            <a:r>
+              <a:rPr lang="de-DE" dirty="0"/>
+              <a:t>p2 = 5 4 3 2 1</a:t>
+            </a:r>
+          </a:p>
+          <a:p>
+            <a:pPr marL="342900" indent="-342900">
+              <a:spcAft>
+                <a:spcPts val="600"/>
+              </a:spcAft>
+              <a:buFontTx/>
+              <a:buAutoNum type="arabicPeriod"/>
+            </a:pPr>
+            <a:r>
+              <a:rPr lang="de-DE" dirty="0"/>
+              <a:t>Wähle zufällige Startposition</a:t>
+            </a:r>
+          </a:p>
+          <a:p>
+            <a:pPr lvl="2">
+              <a:spcAft>
+                <a:spcPts val="600"/>
+              </a:spcAft>
+            </a:pPr>
+            <a:r>
+              <a:rPr lang="de-DE" dirty="0"/>
+              <a:t>p1 = 1 </a:t>
+            </a:r>
+            <a:r>
+              <a:rPr lang="de-DE" dirty="0">
+                <a:solidFill>
+                  <a:schemeClr val="accent3">
                     <a:lumMod val="75000"/>
                   </a:schemeClr>
                 </a:solidFill>
               </a:rPr>
-              <a:t>BOOST_PYTHON_MODULE</a:t>
-            </a:r>
-            <a:r>
-              <a:rPr lang="en-US" sz="1200" dirty="0"/>
-              <a:t>(</a:t>
-            </a:r>
-            <a:r>
-              <a:rPr lang="en-US" sz="1200" dirty="0" err="1"/>
-              <a:t>Simulator_Wrapper</a:t>
-            </a:r>
-            <a:r>
-              <a:rPr lang="en-US" sz="1200" dirty="0"/>
-              <a:t>)</a:t>
-            </a:r>
-          </a:p>
-          <a:p>
-            <a:r>
-              <a:rPr lang="en-US" sz="1200" dirty="0"/>
-              <a:t>{</a:t>
-            </a:r>
-          </a:p>
-          <a:p>
-            <a:r>
-              <a:rPr lang="de-DE" sz="1200" dirty="0"/>
-              <a:t>    </a:t>
-            </a:r>
-            <a:r>
-              <a:rPr lang="de-DE" sz="1200" dirty="0">
-                <a:solidFill>
-                  <a:schemeClr val="accent6">
-                    <a:lumMod val="75000"/>
-                  </a:schemeClr>
-                </a:solidFill>
-              </a:rPr>
-              <a:t>to_python_converter</a:t>
-            </a:r>
-            <a:r>
-              <a:rPr lang="de-DE" sz="1200" dirty="0"/>
-              <a:t>&lt;std::tuple&lt;int, int, int&gt;, TupleToList&lt;int&gt; &gt;();</a:t>
-            </a:r>
-          </a:p>
-          <a:p>
-            <a:endParaRPr lang="de-DE" sz="1200" dirty="0"/>
-          </a:p>
-          <a:p>
-            <a:r>
-              <a:rPr lang="de-DE" sz="1200" dirty="0"/>
-              <a:t>    </a:t>
-            </a:r>
-            <a:r>
-              <a:rPr lang="de-DE" sz="1200" dirty="0">
-                <a:solidFill>
-                  <a:schemeClr val="accent6">
-                    <a:lumMod val="75000"/>
-                  </a:schemeClr>
-                </a:solidFill>
-              </a:rPr>
-              <a:t>enum_</a:t>
-            </a:r>
-            <a:r>
-              <a:rPr lang="de-DE" sz="1200" dirty="0"/>
-              <a:t>&lt;Selection_Algorithm&gt;("Selection_Algorithm")</a:t>
-            </a:r>
-          </a:p>
-          <a:p>
-            <a:r>
-              <a:rPr lang="de-DE" sz="1200" dirty="0"/>
-              <a:t>            .</a:t>
-            </a:r>
-            <a:r>
-              <a:rPr lang="de-DE" sz="1200" dirty="0">
-                <a:solidFill>
-                  <a:schemeClr val="accent6">
-                    <a:lumMod val="75000"/>
-                  </a:schemeClr>
-                </a:solidFill>
-              </a:rPr>
-              <a:t>value</a:t>
-            </a:r>
-            <a:r>
-              <a:rPr lang="de-DE" sz="1200" dirty="0"/>
-              <a:t>("SOFT", Selection_Algorithm::SOFT);</a:t>
-            </a:r>
-          </a:p>
-          <a:p>
-            <a:endParaRPr lang="de-DE" sz="1200" dirty="0"/>
-          </a:p>
-          <a:p>
-            <a:r>
-              <a:rPr lang="de-DE" sz="1200" dirty="0"/>
-              <a:t>    </a:t>
-            </a:r>
-            <a:r>
-              <a:rPr lang="de-DE" sz="1200" dirty="0">
-                <a:solidFill>
-                  <a:schemeClr val="accent6">
-                    <a:lumMod val="75000"/>
-                  </a:schemeClr>
-                </a:solidFill>
-              </a:rPr>
-              <a:t>class_</a:t>
-            </a:r>
-            <a:r>
-              <a:rPr lang="de-DE" sz="1200" dirty="0"/>
-              <a:t>&lt;Simulator&gt;("Simulator", </a:t>
-            </a:r>
-            <a:r>
-              <a:rPr lang="de-DE" sz="1200" dirty="0">
-                <a:solidFill>
-                  <a:schemeClr val="accent6">
-                    <a:lumMod val="75000"/>
-                  </a:schemeClr>
-                </a:solidFill>
-              </a:rPr>
-              <a:t>init</a:t>
-            </a:r>
-            <a:r>
-              <a:rPr lang="de-DE" sz="1200" dirty="0"/>
-              <a:t>&lt;</a:t>
-            </a:r>
-          </a:p>
-          <a:p>
-            <a:r>
-              <a:rPr lang="de-DE" sz="1200" dirty="0"/>
-              <a:t>            std::string, std::string, std::string,</a:t>
-            </a:r>
-          </a:p>
-          <a:p>
-            <a:r>
-              <a:rPr lang="de-DE" sz="1200" dirty="0"/>
-              <a:t>            int,int,int,int,</a:t>
-            </a:r>
-          </a:p>
-          <a:p>
-            <a:r>
-              <a:rPr lang="de-DE" sz="1200" dirty="0"/>
-              <a:t>            Crossover_Algorithm, Marriage_Algorithm, Mutation_Algorithm, Selection_Algorithm&gt;(</a:t>
-            </a:r>
-          </a:p>
-          <a:p>
-            <a:r>
-              <a:rPr lang="de-DE" sz="1200" dirty="0"/>
-              <a:t>            ))</a:t>
-            </a:r>
-          </a:p>
-          <a:p>
-            <a:r>
-              <a:rPr lang="de-DE" sz="1200" dirty="0"/>
-              <a:t>            .</a:t>
-            </a:r>
-            <a:r>
-              <a:rPr lang="de-DE" sz="1200" dirty="0">
-                <a:solidFill>
-                  <a:schemeClr val="accent6">
-                    <a:lumMod val="75000"/>
-                  </a:schemeClr>
-                </a:solidFill>
-              </a:rPr>
-              <a:t>def</a:t>
-            </a:r>
-            <a:r>
-              <a:rPr lang="de-DE" sz="1200" dirty="0"/>
-              <a:t>("simulate", &amp;Simulator::simulate)</a:t>
-            </a:r>
-          </a:p>
-          <a:p>
-            <a:r>
-              <a:rPr lang="de-DE" sz="1200" dirty="0"/>
-              <a:t>            .</a:t>
-            </a:r>
-            <a:r>
-              <a:rPr lang="de-DE" sz="1200" dirty="0">
-                <a:solidFill>
-                  <a:schemeClr val="accent6">
-                    <a:lumMod val="75000"/>
-                  </a:schemeClr>
-                </a:solidFill>
-              </a:rPr>
-              <a:t>def</a:t>
-            </a:r>
-            <a:r>
-              <a:rPr lang="de-DE" sz="1200" dirty="0"/>
-              <a:t>("finished", &amp;Simulator::finished)</a:t>
-            </a:r>
-          </a:p>
-          <a:p>
-            <a:r>
-              <a:rPr lang="de-DE" sz="1200" dirty="0"/>
-              <a:t>            .</a:t>
-            </a:r>
-            <a:r>
-              <a:rPr lang="de-DE" sz="1200" dirty="0">
-                <a:solidFill>
-                  <a:schemeClr val="accent6">
-                    <a:lumMod val="75000"/>
-                  </a:schemeClr>
-                </a:solidFill>
-              </a:rPr>
-              <a:t>def</a:t>
-            </a:r>
-            <a:r>
-              <a:rPr lang="de-DE" sz="1200" dirty="0"/>
-              <a:t>("best_individual", &amp;Simulator::best_individual);</a:t>
-            </a:r>
-          </a:p>
-          <a:p>
-            <a:r>
-              <a:rPr lang="de-DE" sz="1200" dirty="0"/>
-              <a:t>}</a:t>
-            </a:r>
-            <a:endParaRPr lang="de-DE" sz="1800" dirty="0"/>
+              <a:t>2</a:t>
+            </a:r>
+            <a:r>
+              <a:rPr lang="de-DE" dirty="0"/>
+              <a:t> 3 4 5</a:t>
+            </a:r>
+          </a:p>
+          <a:p>
+            <a:pPr lvl="2">
+              <a:spcAft>
+                <a:spcPts val="600"/>
+              </a:spcAft>
+            </a:pPr>
+            <a:r>
+              <a:rPr lang="de-DE" dirty="0"/>
+              <a:t>p2 = 5 4 3 2 1</a:t>
+            </a:r>
+          </a:p>
+          <a:p>
+            <a:pPr marL="342900" indent="-342900">
+              <a:spcAft>
+                <a:spcPts val="600"/>
+              </a:spcAft>
+              <a:buFontTx/>
+              <a:buAutoNum type="arabicPeriod"/>
+            </a:pPr>
+            <a:r>
+              <a:rPr lang="de-DE" dirty="0"/>
+              <a:t>Übenehme den dort stehenden Wert in Nachkommen</a:t>
+            </a:r>
+          </a:p>
+          <a:p>
+            <a:pPr lvl="2">
+              <a:spcAft>
+                <a:spcPts val="600"/>
+              </a:spcAft>
+            </a:pPr>
+            <a:r>
+              <a:rPr lang="de-DE" dirty="0"/>
+              <a:t>c1 = 2 4</a:t>
+            </a:r>
+          </a:p>
+          <a:p>
+            <a:pPr marL="342900" indent="-342900">
+              <a:spcAft>
+                <a:spcPts val="600"/>
+              </a:spcAft>
+              <a:buFontTx/>
+              <a:buAutoNum type="arabicPeriod"/>
+            </a:pPr>
+            <a:r>
+              <a:rPr lang="de-DE" dirty="0"/>
+              <a:t>Welcher Wert steht an der aktuellen Position im anderen Elternteil? Die Position dieses Wertes im ersten Elternteil ist die neue Position. Wdh. Schritt 2 bis Startpunkt wieder erreicht.</a:t>
+            </a:r>
+          </a:p>
+          <a:p>
+            <a:pPr lvl="2">
+              <a:spcAft>
+                <a:spcPts val="600"/>
+              </a:spcAft>
+            </a:pPr>
+            <a:r>
+              <a:rPr lang="de-DE" dirty="0"/>
+              <a:t>c1 = 2 4 X X X</a:t>
+            </a:r>
+          </a:p>
+          <a:p>
+            <a:pPr marL="342900" indent="-342900">
+              <a:spcAft>
+                <a:spcPts val="600"/>
+              </a:spcAft>
+              <a:buFontTx/>
+              <a:buAutoNum type="arabicPeriod"/>
+            </a:pPr>
+            <a:r>
+              <a:rPr lang="de-DE" dirty="0"/>
+              <a:t>Fülle Lücken mit den Werten wie sie im anderen Elternteil vorkommen</a:t>
+            </a:r>
+          </a:p>
+          <a:p>
+            <a:pPr>
+              <a:spcAft>
+                <a:spcPts val="600"/>
+              </a:spcAft>
+            </a:pPr>
+            <a:endParaRPr lang="de-DE" dirty="0"/>
           </a:p>
         </p:txBody>
       </p:sp>
     </p:spTree>
     <p:extLst>
       <p:ext uri="{BB962C8B-B14F-4D97-AF65-F5344CB8AC3E}">
-        <p14:creationId xmlns:p14="http://schemas.microsoft.com/office/powerpoint/2010/main" val="580990576"/>
+        <p14:creationId xmlns:p14="http://schemas.microsoft.com/office/powerpoint/2010/main" val="2029371613"/>
       </p:ext>
     </p:extLst>
   </p:cSld>
@@ -25352,7 +26257,7 @@
           <p:cNvPr id="2" name="Title 1">
             <a:extLst>
               <a:ext uri="{FF2B5EF4-FFF2-40B4-BE49-F238E27FC236}">
-                <a16:creationId xmlns:a16="http://schemas.microsoft.com/office/drawing/2014/main" id="{81EFB697-ABB7-4385-A87F-DE3D50F38BDB}"/>
+                <a16:creationId xmlns:a16="http://schemas.microsoft.com/office/drawing/2014/main" id="{DD2388D8-106E-40D0-A4BD-5FF4C2E2935B}"/>
               </a:ext>
             </a:extLst>
           </p:cNvPr>
@@ -25370,7 +26275,7 @@
           <a:p>
             <a:r>
               <a:rPr lang="de-DE" dirty="0"/>
-              <a:t>Realisierung – Testen</a:t>
+              <a:t>Realisierung – Cycle-Crossover-One-Cycle</a:t>
             </a:r>
           </a:p>
         </p:txBody>
@@ -25380,7 +26285,7 @@
           <p:cNvPr id="3" name="Text Placeholder 2">
             <a:extLst>
               <a:ext uri="{FF2B5EF4-FFF2-40B4-BE49-F238E27FC236}">
-                <a16:creationId xmlns:a16="http://schemas.microsoft.com/office/drawing/2014/main" id="{778E93AF-5E49-4550-AA2C-7CEF1E9BA9D3}"/>
+                <a16:creationId xmlns:a16="http://schemas.microsoft.com/office/drawing/2014/main" id="{79F1354A-B6A2-451D-B387-D4D8507220EF}"/>
               </a:ext>
             </a:extLst>
           </p:cNvPr>
@@ -25394,7 +26299,7 @@
         <p:spPr>
           <a:xfrm>
             <a:off x="334963" y="1280160"/>
-            <a:ext cx="10522427" cy="3380617"/>
+            <a:ext cx="6101348" cy="4534714"/>
           </a:xfrm>
         </p:spPr>
         <p:txBody>
@@ -25402,97 +26307,227 @@
           <a:lstStyle/>
           <a:p>
             <a:r>
-              <a:rPr lang="de-DE" dirty="0"/>
-              <a:t>Wieso ist Testen wichtig?</a:t>
-            </a:r>
-          </a:p>
-          <a:p>
-            <a:pPr marL="285750" indent="-285750">
-              <a:buFont typeface="Arial" panose="020B0604020202020204" pitchFamily="34" charset="0"/>
-              <a:buChar char="•"/>
-            </a:pPr>
-            <a:r>
-              <a:rPr lang="de-DE" dirty="0"/>
-              <a:t>Am Anfang lästig am Ende ein Lebensretter</a:t>
-            </a:r>
-          </a:p>
-          <a:p>
-            <a:pPr marL="285750" indent="-285750">
-              <a:buFont typeface="Arial" panose="020B0604020202020204" pitchFamily="34" charset="0"/>
-              <a:buChar char="•"/>
-            </a:pPr>
-            <a:r>
-              <a:rPr lang="de-DE" dirty="0"/>
-              <a:t>Dokumentiert zusätzlich den Code</a:t>
-            </a:r>
-          </a:p>
-          <a:p>
-            <a:pPr marL="285750" indent="-285750">
-              <a:buFont typeface="Arial" panose="020B0604020202020204" pitchFamily="34" charset="0"/>
-              <a:buChar char="•"/>
-            </a:pPr>
-            <a:r>
-              <a:rPr lang="de-DE" dirty="0"/>
-              <a:t>Es ist ersichtlich was der Entwickler wirklich mit der Funktion/Klasse erreichen wollte</a:t>
-            </a:r>
-          </a:p>
-          <a:p>
-            <a:r>
-              <a:rPr lang="de-DE" dirty="0"/>
-              <a:t>Catch2</a:t>
-            </a:r>
-          </a:p>
-          <a:p>
-            <a:pPr marL="285750" indent="-285750">
-              <a:buFont typeface="Arial" panose="020B0604020202020204" pitchFamily="34" charset="0"/>
-              <a:buChar char="•"/>
-            </a:pPr>
-            <a:r>
-              <a:rPr lang="de-DE" dirty="0"/>
-              <a:t>Schnell im Projekt eingebunden (Single Header Library)</a:t>
-            </a:r>
-          </a:p>
-          <a:p>
-            <a:pPr marL="285750" indent="-285750">
-              <a:buFont typeface="Arial" panose="020B0604020202020204" pitchFamily="34" charset="0"/>
-              <a:buChar char="•"/>
-            </a:pPr>
-            <a:r>
-              <a:rPr lang="de-DE" dirty="0"/>
-              <a:t>Einfach zu verwenden</a:t>
-            </a:r>
-          </a:p>
-          <a:p>
-            <a:pPr marL="285750" indent="-285750">
-              <a:buFont typeface="Arial" panose="020B0604020202020204" pitchFamily="34" charset="0"/>
-              <a:buChar char="•"/>
-            </a:pPr>
-            <a:r>
-              <a:rPr lang="de-DE" dirty="0"/>
-              <a:t>Die Library Entwicklung lief komplett über das Testframework</a:t>
-            </a:r>
-          </a:p>
-          <a:p>
-            <a:pPr marL="552450" lvl="1" indent="-285750">
-              <a:buFont typeface="Arial" panose="020B0604020202020204" pitchFamily="34" charset="0"/>
-              <a:buChar char="•"/>
-            </a:pPr>
-            <a:r>
-              <a:rPr lang="de-DE" dirty="0"/>
-              <a:t>Entwickler werden zur Testerstellung genötigt</a:t>
-            </a:r>
-          </a:p>
-          <a:p>
-            <a:endParaRPr lang="de-DE" dirty="0"/>
+              <a:rPr lang="de-DE" sz="1050" dirty="0">
+                <a:solidFill>
+                  <a:schemeClr val="accent6">
+                    <a:lumMod val="75000"/>
+                  </a:schemeClr>
+                </a:solidFill>
+              </a:rPr>
+              <a:t>bool</a:t>
+            </a:r>
+            <a:r>
+              <a:rPr lang="de-DE" sz="1050" dirty="0"/>
+              <a:t> cycle_crossover_one_cycle(Individual &amp;p1, Individual &amp;p2, Individual &amp;c1, Individual &amp;c2) {</a:t>
+            </a:r>
+          </a:p>
+          <a:p>
+            <a:r>
+              <a:rPr lang="de-DE" sz="1050" dirty="0"/>
+              <a:t>    std::vector&lt;bool&gt; index_flags(p1.get_size(), false);</a:t>
+            </a:r>
+          </a:p>
+          <a:p>
+            <a:r>
+              <a:rPr lang="de-DE" sz="1050" dirty="0"/>
+              <a:t>    Cycle cycle;</a:t>
+            </a:r>
+          </a:p>
+          <a:p>
+            <a:r>
+              <a:rPr lang="de-DE" sz="1050" dirty="0"/>
+              <a:t>    int cycle_start_idx = random(p1.get_size());</a:t>
+            </a:r>
+          </a:p>
+          <a:p>
+            <a:r>
+              <a:rPr lang="de-DE" sz="1050" dirty="0"/>
+              <a:t>    </a:t>
+            </a:r>
+            <a:r>
+              <a:rPr lang="de-DE" sz="1050" dirty="0">
+                <a:solidFill>
+                  <a:schemeClr val="accent6">
+                    <a:lumMod val="75000"/>
+                  </a:schemeClr>
+                </a:solidFill>
+              </a:rPr>
+              <a:t>if</a:t>
+            </a:r>
+            <a:r>
+              <a:rPr lang="de-DE" sz="1050" dirty="0"/>
+              <a:t> (!fill_empty_cycle_with_tuples(cycle, cycle_start_idx, p1, p2, index_flags)) {</a:t>
+            </a:r>
+          </a:p>
+          <a:p>
+            <a:r>
+              <a:rPr lang="de-DE" sz="1050" dirty="0"/>
+              <a:t>        return false;</a:t>
+            </a:r>
+          </a:p>
+          <a:p>
+            <a:r>
+              <a:rPr lang="de-DE" sz="1050" dirty="0"/>
+              <a:t>    }</a:t>
+            </a:r>
+          </a:p>
+          <a:p>
+            <a:r>
+              <a:rPr lang="de-DE" sz="1050" dirty="0"/>
+              <a:t>    int tupleCounter = 0;</a:t>
+            </a:r>
+          </a:p>
+          <a:p>
+            <a:r>
+              <a:rPr lang="de-DE" sz="1050" dirty="0"/>
+              <a:t>    </a:t>
+            </a:r>
+            <a:r>
+              <a:rPr lang="de-DE" sz="1050" dirty="0">
+                <a:solidFill>
+                  <a:schemeClr val="accent6">
+                    <a:lumMod val="75000"/>
+                  </a:schemeClr>
+                </a:solidFill>
+              </a:rPr>
+              <a:t>for</a:t>
+            </a:r>
+            <a:r>
+              <a:rPr lang="de-DE" sz="1050" dirty="0"/>
+              <a:t> (int i = 0; (unsigned int) i &lt; index_flags.size(); ++i) {</a:t>
+            </a:r>
+          </a:p>
+          <a:p>
+            <a:r>
+              <a:rPr lang="de-DE" sz="1050" dirty="0"/>
+              <a:t>        bool flag = index_flags.at(i);</a:t>
+            </a:r>
+          </a:p>
+          <a:p>
+            <a:r>
+              <a:rPr lang="de-DE" sz="1050" dirty="0"/>
+              <a:t>        </a:t>
+            </a:r>
+            <a:r>
+              <a:rPr lang="de-DE" sz="1050" dirty="0">
+                <a:solidFill>
+                  <a:schemeClr val="accent6">
+                    <a:lumMod val="75000"/>
+                  </a:schemeClr>
+                </a:solidFill>
+              </a:rPr>
+              <a:t>if</a:t>
+            </a:r>
+            <a:r>
+              <a:rPr lang="de-DE" sz="1050" dirty="0"/>
+              <a:t> (flag) {</a:t>
+            </a:r>
+          </a:p>
+          <a:p>
+            <a:r>
+              <a:rPr lang="de-DE" sz="1050" dirty="0"/>
+              <a:t>            Tuple &amp;t = cycle.at(tupleCounter);</a:t>
+            </a:r>
+          </a:p>
+          <a:p>
+            <a:r>
+              <a:rPr lang="de-DE" sz="1050" dirty="0"/>
+              <a:t>            tupleCounter++;</a:t>
+            </a:r>
+          </a:p>
+          <a:p>
+            <a:r>
+              <a:rPr lang="de-DE" sz="1050" dirty="0"/>
+              <a:t>            c1.update_chromosome(std::get&lt;1&gt;(t), std::get&lt;0&gt;(t));</a:t>
+            </a:r>
+          </a:p>
+          <a:p>
+            <a:r>
+              <a:rPr lang="de-DE" sz="1050" dirty="0"/>
+              <a:t>            c2.update_chromosome(std::get&lt;2&gt;(t), std::get&lt;0&gt;(t));</a:t>
+            </a:r>
+          </a:p>
+          <a:p>
+            <a:r>
+              <a:rPr lang="de-DE" sz="1050" dirty="0"/>
+              <a:t>        } </a:t>
+            </a:r>
+            <a:r>
+              <a:rPr lang="de-DE" sz="1050" dirty="0">
+                <a:solidFill>
+                  <a:schemeClr val="accent6">
+                    <a:lumMod val="75000"/>
+                  </a:schemeClr>
+                </a:solidFill>
+              </a:rPr>
+              <a:t>else</a:t>
+            </a:r>
+            <a:r>
+              <a:rPr lang="de-DE" sz="1050" dirty="0"/>
+              <a:t> {</a:t>
+            </a:r>
+          </a:p>
+          <a:p>
+            <a:r>
+              <a:rPr lang="de-DE" sz="1050" dirty="0"/>
+              <a:t>            c1.update_chromosome(p2.get_chromosome().at(i), i);</a:t>
+            </a:r>
+          </a:p>
+          <a:p>
+            <a:r>
+              <a:rPr lang="de-DE" sz="1050" dirty="0"/>
+              <a:t>            c2.update_chromosome(p1.get_chromosome().at(i), i);</a:t>
+            </a:r>
+          </a:p>
+          <a:p>
+            <a:r>
+              <a:rPr lang="de-DE" sz="1050" dirty="0"/>
+              <a:t>        }</a:t>
+            </a:r>
+          </a:p>
+          <a:p>
+            <a:r>
+              <a:rPr lang="de-DE" sz="1050" dirty="0"/>
+              <a:t>    }</a:t>
+            </a:r>
+          </a:p>
+          <a:p>
+            <a:r>
+              <a:rPr lang="de-DE" sz="1050" dirty="0"/>
+              <a:t>    </a:t>
+            </a:r>
+            <a:r>
+              <a:rPr lang="de-DE" sz="1050" dirty="0">
+                <a:solidFill>
+                  <a:schemeClr val="accent6">
+                    <a:lumMod val="75000"/>
+                  </a:schemeClr>
+                </a:solidFill>
+              </a:rPr>
+              <a:t>return</a:t>
+            </a:r>
+            <a:r>
+              <a:rPr lang="de-DE" sz="1050" dirty="0"/>
+              <a:t> true;</a:t>
+            </a:r>
+          </a:p>
+          <a:p>
+            <a:r>
+              <a:rPr lang="de-DE" sz="1050" dirty="0"/>
+              <a:t>}</a:t>
+            </a:r>
+          </a:p>
+          <a:p>
+            <a:endParaRPr lang="de-DE" sz="1050" dirty="0"/>
           </a:p>
         </p:txBody>
       </p:sp>
       <p:sp>
         <p:nvSpPr>
-          <p:cNvPr id="8" name="Text Placeholder 2">
+          <p:cNvPr id="7" name="Text Placeholder 2">
             <a:extLst>
               <a:ext uri="{FF2B5EF4-FFF2-40B4-BE49-F238E27FC236}">
-                <a16:creationId xmlns:a16="http://schemas.microsoft.com/office/drawing/2014/main" id="{ACE0721A-9F6D-4080-844A-58B901D8E30D}"/>
+                <a16:creationId xmlns:a16="http://schemas.microsoft.com/office/drawing/2014/main" id="{3DAEF8D3-31AA-46E3-BE55-7474D0551DCE}"/>
               </a:ext>
             </a:extLst>
           </p:cNvPr>
@@ -25503,8 +26538,8 @@
         </p:nvSpPr>
         <p:spPr bwMode="auto">
           <a:xfrm>
-            <a:off x="334963" y="4481645"/>
-            <a:ext cx="11487150" cy="1875561"/>
+            <a:off x="7531224" y="1093728"/>
+            <a:ext cx="4660776" cy="4206240"/>
           </a:xfrm>
           <a:prstGeom prst="rect">
             <a:avLst/>
@@ -25712,117 +26747,164 @@
             </a:lvl9pPr>
           </a:lstStyle>
           <a:p>
-            <a:r>
-              <a:rPr lang="de-DE" sz="1100" dirty="0">
-                <a:solidFill>
-                  <a:schemeClr val="accent6">
+            <a:pPr lvl="2">
+              <a:spcAft>
+                <a:spcPts val="600"/>
+              </a:spcAft>
+            </a:pPr>
+            <a:r>
+              <a:rPr lang="de-DE" dirty="0"/>
+              <a:t>p1 = 1 2 3 4 5</a:t>
+            </a:r>
+          </a:p>
+          <a:p>
+            <a:pPr lvl="2">
+              <a:spcAft>
+                <a:spcPts val="600"/>
+              </a:spcAft>
+            </a:pPr>
+            <a:r>
+              <a:rPr lang="de-DE" dirty="0"/>
+              <a:t>p2 = 5 4 3 2 1</a:t>
+            </a:r>
+          </a:p>
+          <a:p>
+            <a:pPr marL="342900" indent="-342900">
+              <a:spcAft>
+                <a:spcPts val="600"/>
+              </a:spcAft>
+              <a:buFontTx/>
+              <a:buAutoNum type="arabicPeriod"/>
+            </a:pPr>
+            <a:r>
+              <a:rPr lang="de-DE" dirty="0"/>
+              <a:t>Wähle zufällige Startposition</a:t>
+            </a:r>
+          </a:p>
+          <a:p>
+            <a:pPr lvl="2">
+              <a:spcAft>
+                <a:spcPts val="600"/>
+              </a:spcAft>
+            </a:pPr>
+            <a:r>
+              <a:rPr lang="de-DE" dirty="0"/>
+              <a:t>p1 = 1 </a:t>
+            </a:r>
+            <a:r>
+              <a:rPr lang="de-DE" dirty="0">
+                <a:solidFill>
+                  <a:schemeClr val="accent3">
                     <a:lumMod val="75000"/>
                   </a:schemeClr>
                 </a:solidFill>
               </a:rPr>
-              <a:t>SCENARIO</a:t>
-            </a:r>
-            <a:r>
-              <a:rPr lang="de-DE" sz="1100" dirty="0"/>
-              <a:t>("Test Individual initialization", "[Individual.cpp]")</a:t>
-            </a:r>
-          </a:p>
-          <a:p>
-            <a:r>
-              <a:rPr lang="de-DE" sz="1100" dirty="0"/>
-              <a:t>{</a:t>
-            </a:r>
-          </a:p>
-          <a:p>
-            <a:r>
-              <a:rPr lang="de-DE" sz="1100" dirty="0"/>
-              <a:t>    </a:t>
-            </a:r>
-            <a:r>
-              <a:rPr lang="de-DE" sz="1100" dirty="0">
-                <a:solidFill>
-                  <a:schemeClr val="accent6">
-                    <a:lumMod val="75000"/>
-                  </a:schemeClr>
-                </a:solidFill>
-              </a:rPr>
-              <a:t>for</a:t>
-            </a:r>
-            <a:r>
-              <a:rPr lang="de-DE" sz="1100" dirty="0"/>
-              <a:t> (int i = 0; i &lt; 100; ++i) {</a:t>
-            </a:r>
-          </a:p>
-          <a:p>
-            <a:r>
-              <a:rPr lang="de-DE" sz="1100" dirty="0"/>
-              <a:t>        Individual individual = Individual(size, idx_start, nullptr, nullptr);</a:t>
-            </a:r>
-          </a:p>
-          <a:p>
-            <a:r>
-              <a:rPr lang="de-DE" sz="1100" dirty="0"/>
-              <a:t>        std::vector&lt;int&gt; chromosome = individual.get_chromosome();</a:t>
-            </a:r>
-          </a:p>
-          <a:p>
-            <a:r>
-              <a:rPr lang="de-DE" sz="1100" dirty="0"/>
-              <a:t>        </a:t>
-            </a:r>
-            <a:r>
-              <a:rPr lang="de-DE" sz="1100" dirty="0">
-                <a:solidFill>
-                  <a:schemeClr val="accent6">
-                    <a:lumMod val="75000"/>
-                  </a:schemeClr>
-                </a:solidFill>
-              </a:rPr>
-              <a:t>REQUIRE</a:t>
-            </a:r>
-            <a:r>
-              <a:rPr lang="de-DE" sz="1100" dirty="0"/>
-              <a:t>(chromosome.size() == (unsigned int) size);</a:t>
-            </a:r>
-          </a:p>
-          <a:p>
-            <a:r>
-              <a:rPr lang="de-DE" sz="1100" dirty="0"/>
-              <a:t>        </a:t>
-            </a:r>
-            <a:r>
-              <a:rPr lang="de-DE" sz="1100" dirty="0">
-                <a:solidFill>
-                  <a:schemeClr val="accent6">
-                    <a:lumMod val="75000"/>
-                  </a:schemeClr>
-                </a:solidFill>
-              </a:rPr>
-              <a:t>REQUIRE</a:t>
-            </a:r>
-            <a:r>
-              <a:rPr lang="de-DE" sz="1100" dirty="0"/>
-              <a:t>(std::unique(chromosome.begin(), chromosome.end()) == chromosome.end());</a:t>
-            </a:r>
-          </a:p>
-          <a:p>
-            <a:r>
-              <a:rPr lang="de-DE" sz="1100" dirty="0"/>
-              <a:t>    }</a:t>
-            </a:r>
-          </a:p>
-          <a:p>
-            <a:r>
-              <a:rPr lang="de-DE" sz="1100" dirty="0"/>
-              <a:t>}</a:t>
-            </a:r>
+              <a:t>2</a:t>
+            </a:r>
+            <a:r>
+              <a:rPr lang="de-DE" dirty="0"/>
+              <a:t> 3 4 5</a:t>
+            </a:r>
+          </a:p>
+          <a:p>
+            <a:pPr lvl="2">
+              <a:spcAft>
+                <a:spcPts val="600"/>
+              </a:spcAft>
+            </a:pPr>
+            <a:r>
+              <a:rPr lang="de-DE" dirty="0"/>
+              <a:t>p2 = 5 4 3 2 1</a:t>
+            </a:r>
+          </a:p>
+          <a:p>
+            <a:pPr marL="342900" indent="-342900">
+              <a:spcAft>
+                <a:spcPts val="600"/>
+              </a:spcAft>
+              <a:buFontTx/>
+              <a:buAutoNum type="arabicPeriod"/>
+            </a:pPr>
+            <a:r>
+              <a:rPr lang="de-DE" dirty="0"/>
+              <a:t>Übenehme den dort stehenden Wert in Nachkommen</a:t>
+            </a:r>
+          </a:p>
+          <a:p>
+            <a:pPr lvl="2">
+              <a:spcAft>
+                <a:spcPts val="600"/>
+              </a:spcAft>
+            </a:pPr>
+            <a:r>
+              <a:rPr lang="de-DE" dirty="0"/>
+              <a:t>c1 = 2 4</a:t>
+            </a:r>
+          </a:p>
+          <a:p>
+            <a:pPr marL="342900" indent="-342900">
+              <a:spcAft>
+                <a:spcPts val="600"/>
+              </a:spcAft>
+              <a:buFontTx/>
+              <a:buAutoNum type="arabicPeriod"/>
+            </a:pPr>
+            <a:r>
+              <a:rPr lang="de-DE" dirty="0"/>
+              <a:t>Welcher Wert steht an der aktuellen Position im anderen Elternteil? Die Position dieses Wertes im ersten Elternteil ist die neue Position. Wdh. Schritt 2 bis Startpunkt wieder erreicht.</a:t>
+            </a:r>
+          </a:p>
+          <a:p>
+            <a:pPr lvl="2">
+              <a:spcAft>
+                <a:spcPts val="600"/>
+              </a:spcAft>
+            </a:pPr>
+            <a:r>
+              <a:rPr lang="de-DE" dirty="0"/>
+              <a:t>c1 = 2 4 X X X</a:t>
+            </a:r>
+          </a:p>
+          <a:p>
+            <a:pPr marL="342900" indent="-342900">
+              <a:spcAft>
+                <a:spcPts val="600"/>
+              </a:spcAft>
+              <a:buFontTx/>
+              <a:buAutoNum type="arabicPeriod"/>
+            </a:pPr>
+            <a:r>
+              <a:rPr lang="de-DE" dirty="0"/>
+              <a:t>Fülle Lücken mit den Werten wie sie im anderen Elternteil vorkommen</a:t>
+            </a:r>
+          </a:p>
+          <a:p>
+            <a:pPr lvl="2">
+              <a:spcAft>
+                <a:spcPts val="600"/>
+              </a:spcAft>
+            </a:pPr>
+            <a:r>
+              <a:rPr lang="de-DE" dirty="0"/>
+              <a:t>c1 = 2 4 5 3 1 </a:t>
+            </a:r>
+          </a:p>
+          <a:p>
+            <a:pPr marL="342900" indent="-342900">
+              <a:spcAft>
+                <a:spcPts val="600"/>
+              </a:spcAft>
+              <a:buFontTx/>
+              <a:buAutoNum type="arabicPeriod"/>
+            </a:pPr>
+            <a:endParaRPr lang="de-DE" dirty="0"/>
           </a:p>
         </p:txBody>
       </p:sp>
     </p:spTree>
     <p:extLst>
       <p:ext uri="{BB962C8B-B14F-4D97-AF65-F5344CB8AC3E}">
-        <p14:creationId xmlns:p14="http://schemas.microsoft.com/office/powerpoint/2010/main" val="2116170783"/>
+        <p14:creationId xmlns:p14="http://schemas.microsoft.com/office/powerpoint/2010/main" val="2814204293"/>
       </p:ext>
     </p:extLst>
   </p:cSld>
@@ -26248,6 +27330,3436 @@
           <p:cNvPr id="2" name="Title 1">
             <a:extLst>
               <a:ext uri="{FF2B5EF4-FFF2-40B4-BE49-F238E27FC236}">
+                <a16:creationId xmlns:a16="http://schemas.microsoft.com/office/drawing/2014/main" id="{DD2388D8-106E-40D0-A4BD-5FF4C2E2935B}"/>
+              </a:ext>
+            </a:extLst>
+          </p:cNvPr>
+          <p:cNvSpPr>
+            <a:spLocks noGrp="1"/>
+          </p:cNvSpPr>
+          <p:nvPr>
+            <p:ph type="title"/>
+          </p:nvPr>
+        </p:nvSpPr>
+        <p:spPr/>
+        <p:txBody>
+          <a:bodyPr/>
+          <a:lstStyle/>
+          <a:p>
+            <a:r>
+              <a:rPr lang="de-DE" dirty="0"/>
+              <a:t>Realisierung – Cycle-Crossover-All-Cycles</a:t>
+            </a:r>
+          </a:p>
+        </p:txBody>
+      </p:sp>
+      <p:sp>
+        <p:nvSpPr>
+          <p:cNvPr id="3" name="Text Placeholder 2">
+            <a:extLst>
+              <a:ext uri="{FF2B5EF4-FFF2-40B4-BE49-F238E27FC236}">
+                <a16:creationId xmlns:a16="http://schemas.microsoft.com/office/drawing/2014/main" id="{79F1354A-B6A2-451D-B387-D4D8507220EF}"/>
+              </a:ext>
+            </a:extLst>
+          </p:cNvPr>
+          <p:cNvSpPr>
+            <a:spLocks noGrp="1"/>
+          </p:cNvSpPr>
+          <p:nvPr>
+            <p:ph type="body" sz="quarter" idx="11"/>
+          </p:nvPr>
+        </p:nvSpPr>
+        <p:spPr>
+          <a:xfrm>
+            <a:off x="334963" y="1280160"/>
+            <a:ext cx="6101348" cy="4534714"/>
+          </a:xfrm>
+        </p:spPr>
+        <p:txBody>
+          <a:bodyPr/>
+          <a:lstStyle/>
+          <a:p>
+            <a:endParaRPr lang="de-DE" sz="700" dirty="0"/>
+          </a:p>
+          <a:p>
+            <a:r>
+              <a:rPr lang="de-DE" sz="1000" dirty="0">
+                <a:solidFill>
+                  <a:schemeClr val="accent6">
+                    <a:lumMod val="75000"/>
+                  </a:schemeClr>
+                </a:solidFill>
+              </a:rPr>
+              <a:t>bool</a:t>
+            </a:r>
+            <a:r>
+              <a:rPr lang="de-DE" sz="1000" dirty="0"/>
+              <a:t> cycle_crossover_all_cycles(Individual &amp;p1, Individual &amp;p2, Individual &amp;c1, Individual &amp;c2) {</a:t>
+            </a:r>
+          </a:p>
+          <a:p>
+            <a:r>
+              <a:rPr lang="de-DE" sz="1000" dirty="0"/>
+              <a:t>    std::vector&lt;bool&gt; index_flags(p1.get_size(), false);</a:t>
+            </a:r>
+          </a:p>
+          <a:p>
+            <a:r>
+              <a:rPr lang="de-DE" sz="1000" dirty="0"/>
+              <a:t>    std::vector&lt;Cycle&gt; cycles;</a:t>
+            </a:r>
+          </a:p>
+          <a:p>
+            <a:r>
+              <a:rPr lang="de-DE" sz="1000" dirty="0"/>
+              <a:t>    </a:t>
+            </a:r>
+            <a:r>
+              <a:rPr lang="de-DE" sz="1000" dirty="0">
+                <a:solidFill>
+                  <a:schemeClr val="accent6">
+                    <a:lumMod val="75000"/>
+                  </a:schemeClr>
+                </a:solidFill>
+              </a:rPr>
+              <a:t>for</a:t>
+            </a:r>
+            <a:r>
+              <a:rPr lang="de-DE" sz="1000" dirty="0"/>
+              <a:t> (int cycle_start_idx = 0; cycle_start_idx &lt; p1.get_size(); ++cycle_start_idx) {</a:t>
+            </a:r>
+          </a:p>
+          <a:p>
+            <a:r>
+              <a:rPr lang="de-DE" sz="1000" dirty="0"/>
+              <a:t>        Cycle cycle;</a:t>
+            </a:r>
+          </a:p>
+          <a:p>
+            <a:r>
+              <a:rPr lang="de-DE" sz="1000" dirty="0"/>
+              <a:t>        </a:t>
+            </a:r>
+            <a:r>
+              <a:rPr lang="de-DE" sz="1000" dirty="0">
+                <a:solidFill>
+                  <a:schemeClr val="accent6">
+                    <a:lumMod val="75000"/>
+                  </a:schemeClr>
+                </a:solidFill>
+              </a:rPr>
+              <a:t>if</a:t>
+            </a:r>
+            <a:r>
+              <a:rPr lang="de-DE" sz="1000" dirty="0"/>
+              <a:t> (!index_flags.at(cycle_start_idx)) {</a:t>
+            </a:r>
+          </a:p>
+          <a:p>
+            <a:r>
+              <a:rPr lang="de-DE" sz="1000" dirty="0"/>
+              <a:t>            if (!fill_empty_cycle_with_tuples(cycle, cycle_start_idx, p1, p2, index_flags)) {</a:t>
+            </a:r>
+          </a:p>
+          <a:p>
+            <a:r>
+              <a:rPr lang="de-DE" sz="1000" dirty="0"/>
+              <a:t>                return false;</a:t>
+            </a:r>
+          </a:p>
+          <a:p>
+            <a:r>
+              <a:rPr lang="de-DE" sz="1000" dirty="0"/>
+              <a:t>            }</a:t>
+            </a:r>
+          </a:p>
+          <a:p>
+            <a:r>
+              <a:rPr lang="de-DE" sz="1000" dirty="0"/>
+              <a:t>            cycles.push_back(cycle);</a:t>
+            </a:r>
+          </a:p>
+          <a:p>
+            <a:r>
+              <a:rPr lang="de-DE" sz="1000" dirty="0"/>
+              <a:t>        }</a:t>
+            </a:r>
+          </a:p>
+          <a:p>
+            <a:r>
+              <a:rPr lang="de-DE" sz="1000" dirty="0"/>
+              <a:t>    }</a:t>
+            </a:r>
+          </a:p>
+          <a:p>
+            <a:r>
+              <a:rPr lang="de-DE" sz="1000" dirty="0"/>
+              <a:t>    </a:t>
+            </a:r>
+            <a:r>
+              <a:rPr lang="de-DE" sz="1000" dirty="0">
+                <a:solidFill>
+                  <a:schemeClr val="accent6">
+                    <a:lumMod val="75000"/>
+                  </a:schemeClr>
+                </a:solidFill>
+              </a:rPr>
+              <a:t>for</a:t>
+            </a:r>
+            <a:r>
+              <a:rPr lang="de-DE" sz="1000" dirty="0"/>
+              <a:t> (int i = 0; (unsigned int) i &lt; cycles.size(); ++i) {</a:t>
+            </a:r>
+          </a:p>
+          <a:p>
+            <a:r>
+              <a:rPr lang="de-DE" sz="1000" dirty="0"/>
+              <a:t>        bool cross_copy = i % 2 != 0;</a:t>
+            </a:r>
+          </a:p>
+          <a:p>
+            <a:r>
+              <a:rPr lang="de-DE" sz="1000" dirty="0"/>
+              <a:t>        Cycle &amp;cycle = cycles.at(i);</a:t>
+            </a:r>
+          </a:p>
+          <a:p>
+            <a:r>
+              <a:rPr lang="de-DE" sz="1000" dirty="0"/>
+              <a:t>        </a:t>
+            </a:r>
+            <a:r>
+              <a:rPr lang="de-DE" sz="1000" dirty="0">
+                <a:solidFill>
+                  <a:schemeClr val="accent6">
+                    <a:lumMod val="75000"/>
+                  </a:schemeClr>
+                </a:solidFill>
+              </a:rPr>
+              <a:t>for</a:t>
+            </a:r>
+            <a:r>
+              <a:rPr lang="de-DE" sz="1000" dirty="0"/>
+              <a:t> (Tuple &amp;t : cycle) {</a:t>
+            </a:r>
+          </a:p>
+          <a:p>
+            <a:r>
+              <a:rPr lang="de-DE" sz="1000" dirty="0"/>
+              <a:t>            if (cross_copy) {</a:t>
+            </a:r>
+          </a:p>
+          <a:p>
+            <a:r>
+              <a:rPr lang="de-DE" sz="1000" dirty="0"/>
+              <a:t>                c1.update_chromosome(std::get&lt;2&gt;(t), std::get&lt;0&gt;(t));</a:t>
+            </a:r>
+          </a:p>
+          <a:p>
+            <a:r>
+              <a:rPr lang="de-DE" sz="1000" dirty="0"/>
+              <a:t>                c2.update_chromosome(std::get&lt;1&gt;(t), std::get&lt;0&gt;(t));</a:t>
+            </a:r>
+          </a:p>
+          <a:p>
+            <a:r>
+              <a:rPr lang="de-DE" sz="1000" dirty="0"/>
+              <a:t>            } </a:t>
+            </a:r>
+            <a:r>
+              <a:rPr lang="de-DE" sz="1000" dirty="0">
+                <a:solidFill>
+                  <a:schemeClr val="accent6">
+                    <a:lumMod val="75000"/>
+                  </a:schemeClr>
+                </a:solidFill>
+              </a:rPr>
+              <a:t>else</a:t>
+            </a:r>
+            <a:r>
+              <a:rPr lang="de-DE" sz="1000" dirty="0"/>
+              <a:t> {</a:t>
+            </a:r>
+          </a:p>
+          <a:p>
+            <a:r>
+              <a:rPr lang="de-DE" sz="1000" dirty="0"/>
+              <a:t>                c1.update_chromosome(std::get&lt;1&gt;(t), std::get&lt;0&gt;(t));</a:t>
+            </a:r>
+          </a:p>
+          <a:p>
+            <a:r>
+              <a:rPr lang="de-DE" sz="1000" dirty="0"/>
+              <a:t>                c2.update_chromosome(std::get&lt;2&gt;(t), std::get&lt;0&gt;(t));</a:t>
+            </a:r>
+          </a:p>
+          <a:p>
+            <a:r>
+              <a:rPr lang="de-DE" sz="1000" dirty="0"/>
+              <a:t>            }</a:t>
+            </a:r>
+          </a:p>
+          <a:p>
+            <a:r>
+              <a:rPr lang="de-DE" sz="1000" dirty="0"/>
+              <a:t>        }</a:t>
+            </a:r>
+          </a:p>
+          <a:p>
+            <a:r>
+              <a:rPr lang="de-DE" sz="1000" dirty="0"/>
+              <a:t>    }</a:t>
+            </a:r>
+          </a:p>
+          <a:p>
+            <a:r>
+              <a:rPr lang="de-DE" sz="1000" dirty="0"/>
+              <a:t>    </a:t>
+            </a:r>
+            <a:r>
+              <a:rPr lang="de-DE" sz="1000" dirty="0">
+                <a:solidFill>
+                  <a:schemeClr val="accent6">
+                    <a:lumMod val="75000"/>
+                  </a:schemeClr>
+                </a:solidFill>
+              </a:rPr>
+              <a:t>return</a:t>
+            </a:r>
+            <a:r>
+              <a:rPr lang="de-DE" sz="1000" dirty="0"/>
+              <a:t> true;</a:t>
+            </a:r>
+          </a:p>
+          <a:p>
+            <a:r>
+              <a:rPr lang="de-DE" sz="1000" dirty="0"/>
+              <a:t>}</a:t>
+            </a:r>
+            <a:endParaRPr lang="de-DE" sz="900" dirty="0"/>
+          </a:p>
+        </p:txBody>
+      </p:sp>
+      <p:sp>
+        <p:nvSpPr>
+          <p:cNvPr id="7" name="Text Placeholder 2">
+            <a:extLst>
+              <a:ext uri="{FF2B5EF4-FFF2-40B4-BE49-F238E27FC236}">
+                <a16:creationId xmlns:a16="http://schemas.microsoft.com/office/drawing/2014/main" id="{3DAEF8D3-31AA-46E3-BE55-7474D0551DCE}"/>
+              </a:ext>
+            </a:extLst>
+          </p:cNvPr>
+          <p:cNvSpPr txBox="1">
+            <a:spLocks/>
+          </p:cNvSpPr>
+          <p:nvPr/>
+        </p:nvSpPr>
+        <p:spPr bwMode="auto">
+          <a:xfrm>
+            <a:off x="7377344" y="1280160"/>
+            <a:ext cx="4660776" cy="4206240"/>
+          </a:xfrm>
+          <a:prstGeom prst="rect">
+            <a:avLst/>
+          </a:prstGeom>
+          <a:noFill/>
+          <a:ln>
+            <a:noFill/>
+          </a:ln>
+          <a:extLst>
+            <a:ext uri="{909E8E84-426E-40DD-AFC4-6F175D3DCCD1}">
+              <a14:hiddenFill xmlns:a14="http://schemas.microsoft.com/office/drawing/2010/main">
+                <a:solidFill>
+                  <a:srgbClr val="FFFFFF"/>
+                </a:solidFill>
+              </a14:hiddenFill>
+            </a:ext>
+            <a:ext uri="{91240B29-F687-4F45-9708-019B960494DF}">
+              <a14:hiddenLine xmlns:a14="http://schemas.microsoft.com/office/drawing/2010/main" w="9525">
+                <a:solidFill>
+                  <a:srgbClr val="000000"/>
+                </a:solidFill>
+                <a:miter lim="800000"/>
+                <a:headEnd/>
+                <a:tailEnd/>
+              </a14:hiddenLine>
+            </a:ext>
+          </a:extLst>
+        </p:spPr>
+        <p:txBody>
+          <a:bodyPr vert="horz" wrap="square" lIns="91440" tIns="45720" rIns="91440" bIns="45720" numCol="1" anchor="t" anchorCtr="0" compatLnSpc="1">
+            <a:prstTxWarp prst="textNoShape">
+              <a:avLst/>
+            </a:prstTxWarp>
+          </a:bodyPr>
+          <a:lstStyle>
+            <a:lvl1pPr marL="0" indent="0" algn="l" rtl="0" eaLnBrk="0" fontAlgn="base" hangingPunct="0">
+              <a:spcBef>
+                <a:spcPct val="20000"/>
+              </a:spcBef>
+              <a:spcAft>
+                <a:spcPct val="0"/>
+              </a:spcAft>
+              <a:buClr>
+                <a:srgbClr val="80BA24"/>
+              </a:buClr>
+              <a:buSzPct val="106000"/>
+              <a:buFontTx/>
+              <a:buNone/>
+              <a:defRPr kern="1200" baseline="0">
+                <a:solidFill>
+                  <a:srgbClr val="4A5C66"/>
+                </a:solidFill>
+                <a:latin typeface="Arial" pitchFamily="34" charset="0"/>
+                <a:ea typeface="MS PGothic" panose="020B0600070205080204" pitchFamily="34" charset="-128"/>
+                <a:cs typeface="Arial" pitchFamily="34" charset="0"/>
+              </a:defRPr>
+            </a:lvl1pPr>
+            <a:lvl2pPr marL="266700" indent="0" algn="l" rtl="0" eaLnBrk="0" fontAlgn="base" hangingPunct="0">
+              <a:spcBef>
+                <a:spcPct val="20000"/>
+              </a:spcBef>
+              <a:spcAft>
+                <a:spcPct val="0"/>
+              </a:spcAft>
+              <a:buClr>
+                <a:srgbClr val="80BA24"/>
+              </a:buClr>
+              <a:buSzPct val="90000"/>
+              <a:buFontTx/>
+              <a:buNone/>
+              <a:defRPr kern="1200">
+                <a:solidFill>
+                  <a:srgbClr val="4A5C66"/>
+                </a:solidFill>
+                <a:latin typeface="Arial" pitchFamily="34" charset="0"/>
+                <a:ea typeface="Arial" charset="0"/>
+                <a:cs typeface="Arial" pitchFamily="34" charset="0"/>
+              </a:defRPr>
+            </a:lvl2pPr>
+            <a:lvl3pPr marL="542925" indent="0" algn="l" rtl="0" eaLnBrk="0" fontAlgn="base" hangingPunct="0">
+              <a:spcBef>
+                <a:spcPct val="20000"/>
+              </a:spcBef>
+              <a:spcAft>
+                <a:spcPct val="0"/>
+              </a:spcAft>
+              <a:buClr>
+                <a:srgbClr val="80BA24"/>
+              </a:buClr>
+              <a:buSzPct val="80000"/>
+              <a:buFontTx/>
+              <a:buNone/>
+              <a:defRPr kern="1200">
+                <a:solidFill>
+                  <a:srgbClr val="4A5C66"/>
+                </a:solidFill>
+                <a:latin typeface="Arial" pitchFamily="34" charset="0"/>
+                <a:ea typeface="Arial" charset="0"/>
+                <a:cs typeface="Arial" pitchFamily="34" charset="0"/>
+              </a:defRPr>
+            </a:lvl3pPr>
+            <a:lvl4pPr marL="809625" indent="0" algn="l" rtl="0" eaLnBrk="0" fontAlgn="base" hangingPunct="0">
+              <a:spcBef>
+                <a:spcPct val="20000"/>
+              </a:spcBef>
+              <a:spcAft>
+                <a:spcPct val="0"/>
+              </a:spcAft>
+              <a:buClr>
+                <a:srgbClr val="80BA24"/>
+              </a:buClr>
+              <a:buSzPct val="80000"/>
+              <a:buFontTx/>
+              <a:buNone/>
+              <a:defRPr kern="1200">
+                <a:solidFill>
+                  <a:srgbClr val="4A5C66"/>
+                </a:solidFill>
+                <a:latin typeface="Arial" pitchFamily="34" charset="0"/>
+                <a:ea typeface="Arial" charset="0"/>
+                <a:cs typeface="Arial" pitchFamily="34" charset="0"/>
+              </a:defRPr>
+            </a:lvl4pPr>
+            <a:lvl5pPr marL="1076325" indent="0" algn="l" rtl="0" eaLnBrk="0" fontAlgn="base" hangingPunct="0">
+              <a:spcBef>
+                <a:spcPct val="20000"/>
+              </a:spcBef>
+              <a:spcAft>
+                <a:spcPct val="0"/>
+              </a:spcAft>
+              <a:buClr>
+                <a:srgbClr val="80BA24"/>
+              </a:buClr>
+              <a:buSzPct val="80000"/>
+              <a:buFontTx/>
+              <a:buNone/>
+              <a:defRPr kern="1200">
+                <a:solidFill>
+                  <a:srgbClr val="4A5C66"/>
+                </a:solidFill>
+                <a:latin typeface="Arial" pitchFamily="34" charset="0"/>
+                <a:ea typeface="Arial" charset="0"/>
+                <a:cs typeface="Arial" pitchFamily="34" charset="0"/>
+              </a:defRPr>
+            </a:lvl5pPr>
+            <a:lvl6pPr marL="2514600" indent="-228600" algn="l" defTabSz="914400" rtl="0" eaLnBrk="1" latinLnBrk="0" hangingPunct="1">
+              <a:spcBef>
+                <a:spcPct val="20000"/>
+              </a:spcBef>
+              <a:buFont typeface="Arial" pitchFamily="34" charset="0"/>
+              <a:buChar char="•"/>
+              <a:defRPr sz="2000" kern="1200">
+                <a:solidFill>
+                  <a:schemeClr val="tx1"/>
+                </a:solidFill>
+                <a:latin typeface="+mn-lt"/>
+                <a:ea typeface="+mn-ea"/>
+                <a:cs typeface="+mn-cs"/>
+              </a:defRPr>
+            </a:lvl6pPr>
+            <a:lvl7pPr marL="2971800" indent="-228600" algn="l" defTabSz="914400" rtl="0" eaLnBrk="1" latinLnBrk="0" hangingPunct="1">
+              <a:spcBef>
+                <a:spcPct val="20000"/>
+              </a:spcBef>
+              <a:buFont typeface="Arial" pitchFamily="34" charset="0"/>
+              <a:buChar char="•"/>
+              <a:defRPr sz="2000" kern="1200">
+                <a:solidFill>
+                  <a:schemeClr val="tx1"/>
+                </a:solidFill>
+                <a:latin typeface="+mn-lt"/>
+                <a:ea typeface="+mn-ea"/>
+                <a:cs typeface="+mn-cs"/>
+              </a:defRPr>
+            </a:lvl7pPr>
+            <a:lvl8pPr marL="3429000" indent="-228600" algn="l" defTabSz="914400" rtl="0" eaLnBrk="1" latinLnBrk="0" hangingPunct="1">
+              <a:spcBef>
+                <a:spcPct val="20000"/>
+              </a:spcBef>
+              <a:buFont typeface="Arial" pitchFamily="34" charset="0"/>
+              <a:buChar char="•"/>
+              <a:defRPr sz="2000" kern="1200">
+                <a:solidFill>
+                  <a:schemeClr val="tx1"/>
+                </a:solidFill>
+                <a:latin typeface="+mn-lt"/>
+                <a:ea typeface="+mn-ea"/>
+                <a:cs typeface="+mn-cs"/>
+              </a:defRPr>
+            </a:lvl8pPr>
+            <a:lvl9pPr marL="3886200" indent="-228600" algn="l" defTabSz="914400" rtl="0" eaLnBrk="1" latinLnBrk="0" hangingPunct="1">
+              <a:spcBef>
+                <a:spcPct val="20000"/>
+              </a:spcBef>
+              <a:buFont typeface="Arial" pitchFamily="34" charset="0"/>
+              <a:buChar char="•"/>
+              <a:defRPr sz="2000" kern="1200">
+                <a:solidFill>
+                  <a:schemeClr val="tx1"/>
+                </a:solidFill>
+                <a:latin typeface="+mn-lt"/>
+                <a:ea typeface="+mn-ea"/>
+                <a:cs typeface="+mn-cs"/>
+              </a:defRPr>
+            </a:lvl9pPr>
+          </a:lstStyle>
+          <a:p>
+            <a:pPr>
+              <a:spcAft>
+                <a:spcPts val="600"/>
+              </a:spcAft>
+            </a:pPr>
+            <a:endParaRPr lang="de-DE" sz="1800" dirty="0"/>
+          </a:p>
+          <a:p>
+            <a:pPr marL="342900" indent="-342900">
+              <a:spcAft>
+                <a:spcPts val="600"/>
+              </a:spcAft>
+              <a:buAutoNum type="arabicPeriod"/>
+            </a:pPr>
+            <a:endParaRPr lang="de-DE" sz="1800" dirty="0"/>
+          </a:p>
+        </p:txBody>
+      </p:sp>
+    </p:spTree>
+    <p:extLst>
+      <p:ext uri="{BB962C8B-B14F-4D97-AF65-F5344CB8AC3E}">
+        <p14:creationId xmlns:p14="http://schemas.microsoft.com/office/powerpoint/2010/main" val="62646397"/>
+      </p:ext>
+    </p:extLst>
+  </p:cSld>
+  <p:clrMapOvr>
+    <a:masterClrMapping/>
+  </p:clrMapOvr>
+</p:sld>
+</file>
+
+<file path=ppt/slides/slide21.xml><?xml version="1.0" encoding="utf-8"?>
+<p:sld xmlns:a="http://schemas.openxmlformats.org/drawingml/2006/main" xmlns:r="http://schemas.openxmlformats.org/officeDocument/2006/relationships" xmlns:p="http://schemas.openxmlformats.org/presentationml/2006/main">
+  <p:cSld>
+    <p:spTree>
+      <p:nvGrpSpPr>
+        <p:cNvPr id="1" name=""/>
+        <p:cNvGrpSpPr/>
+        <p:nvPr/>
+      </p:nvGrpSpPr>
+      <p:grpSpPr>
+        <a:xfrm>
+          <a:off x="0" y="0"/>
+          <a:ext cx="0" cy="0"/>
+          <a:chOff x="0" y="0"/>
+          <a:chExt cx="0" cy="0"/>
+        </a:xfrm>
+      </p:grpSpPr>
+      <p:sp>
+        <p:nvSpPr>
+          <p:cNvPr id="2" name="Title 1">
+            <a:extLst>
+              <a:ext uri="{FF2B5EF4-FFF2-40B4-BE49-F238E27FC236}">
+                <a16:creationId xmlns:a16="http://schemas.microsoft.com/office/drawing/2014/main" id="{DD2388D8-106E-40D0-A4BD-5FF4C2E2935B}"/>
+              </a:ext>
+            </a:extLst>
+          </p:cNvPr>
+          <p:cNvSpPr>
+            <a:spLocks noGrp="1"/>
+          </p:cNvSpPr>
+          <p:nvPr>
+            <p:ph type="title"/>
+          </p:nvPr>
+        </p:nvSpPr>
+        <p:spPr/>
+        <p:txBody>
+          <a:bodyPr/>
+          <a:lstStyle/>
+          <a:p>
+            <a:r>
+              <a:rPr lang="de-DE" dirty="0"/>
+              <a:t>Realisierung – Edge-Rocombination-Algorithm</a:t>
+            </a:r>
+          </a:p>
+        </p:txBody>
+      </p:sp>
+      <p:sp>
+        <p:nvSpPr>
+          <p:cNvPr id="3" name="Text Placeholder 2">
+            <a:extLst>
+              <a:ext uri="{FF2B5EF4-FFF2-40B4-BE49-F238E27FC236}">
+                <a16:creationId xmlns:a16="http://schemas.microsoft.com/office/drawing/2014/main" id="{79F1354A-B6A2-451D-B387-D4D8507220EF}"/>
+              </a:ext>
+            </a:extLst>
+          </p:cNvPr>
+          <p:cNvSpPr>
+            <a:spLocks noGrp="1"/>
+          </p:cNvSpPr>
+          <p:nvPr>
+            <p:ph type="body" sz="quarter" idx="11"/>
+          </p:nvPr>
+        </p:nvSpPr>
+        <p:spPr>
+          <a:xfrm>
+            <a:off x="334963" y="1280160"/>
+            <a:ext cx="6101348" cy="4534714"/>
+          </a:xfrm>
+        </p:spPr>
+        <p:txBody>
+          <a:bodyPr/>
+          <a:lstStyle/>
+          <a:p>
+            <a:endParaRPr lang="de-DE" sz="1050" dirty="0"/>
+          </a:p>
+        </p:txBody>
+      </p:sp>
+      <p:sp>
+        <p:nvSpPr>
+          <p:cNvPr id="7" name="Text Placeholder 2">
+            <a:extLst>
+              <a:ext uri="{FF2B5EF4-FFF2-40B4-BE49-F238E27FC236}">
+                <a16:creationId xmlns:a16="http://schemas.microsoft.com/office/drawing/2014/main" id="{3DAEF8D3-31AA-46E3-BE55-7474D0551DCE}"/>
+              </a:ext>
+            </a:extLst>
+          </p:cNvPr>
+          <p:cNvSpPr txBox="1">
+            <a:spLocks/>
+          </p:cNvSpPr>
+          <p:nvPr/>
+        </p:nvSpPr>
+        <p:spPr bwMode="auto">
+          <a:xfrm>
+            <a:off x="7377344" y="1280160"/>
+            <a:ext cx="4660776" cy="4206240"/>
+          </a:xfrm>
+          <a:prstGeom prst="rect">
+            <a:avLst/>
+          </a:prstGeom>
+          <a:noFill/>
+          <a:ln>
+            <a:noFill/>
+          </a:ln>
+          <a:extLst>
+            <a:ext uri="{909E8E84-426E-40DD-AFC4-6F175D3DCCD1}">
+              <a14:hiddenFill xmlns:a14="http://schemas.microsoft.com/office/drawing/2010/main">
+                <a:solidFill>
+                  <a:srgbClr val="FFFFFF"/>
+                </a:solidFill>
+              </a14:hiddenFill>
+            </a:ext>
+            <a:ext uri="{91240B29-F687-4F45-9708-019B960494DF}">
+              <a14:hiddenLine xmlns:a14="http://schemas.microsoft.com/office/drawing/2010/main" w="9525">
+                <a:solidFill>
+                  <a:srgbClr val="000000"/>
+                </a:solidFill>
+                <a:miter lim="800000"/>
+                <a:headEnd/>
+                <a:tailEnd/>
+              </a14:hiddenLine>
+            </a:ext>
+          </a:extLst>
+        </p:spPr>
+        <p:txBody>
+          <a:bodyPr vert="horz" wrap="square" lIns="91440" tIns="45720" rIns="91440" bIns="45720" numCol="1" anchor="t" anchorCtr="0" compatLnSpc="1">
+            <a:prstTxWarp prst="textNoShape">
+              <a:avLst/>
+            </a:prstTxWarp>
+          </a:bodyPr>
+          <a:lstStyle>
+            <a:lvl1pPr marL="0" indent="0" algn="l" rtl="0" eaLnBrk="0" fontAlgn="base" hangingPunct="0">
+              <a:spcBef>
+                <a:spcPct val="20000"/>
+              </a:spcBef>
+              <a:spcAft>
+                <a:spcPct val="0"/>
+              </a:spcAft>
+              <a:buClr>
+                <a:srgbClr val="80BA24"/>
+              </a:buClr>
+              <a:buSzPct val="106000"/>
+              <a:buFontTx/>
+              <a:buNone/>
+              <a:defRPr kern="1200" baseline="0">
+                <a:solidFill>
+                  <a:srgbClr val="4A5C66"/>
+                </a:solidFill>
+                <a:latin typeface="Arial" pitchFamily="34" charset="0"/>
+                <a:ea typeface="MS PGothic" panose="020B0600070205080204" pitchFamily="34" charset="-128"/>
+                <a:cs typeface="Arial" pitchFamily="34" charset="0"/>
+              </a:defRPr>
+            </a:lvl1pPr>
+            <a:lvl2pPr marL="266700" indent="0" algn="l" rtl="0" eaLnBrk="0" fontAlgn="base" hangingPunct="0">
+              <a:spcBef>
+                <a:spcPct val="20000"/>
+              </a:spcBef>
+              <a:spcAft>
+                <a:spcPct val="0"/>
+              </a:spcAft>
+              <a:buClr>
+                <a:srgbClr val="80BA24"/>
+              </a:buClr>
+              <a:buSzPct val="90000"/>
+              <a:buFontTx/>
+              <a:buNone/>
+              <a:defRPr kern="1200">
+                <a:solidFill>
+                  <a:srgbClr val="4A5C66"/>
+                </a:solidFill>
+                <a:latin typeface="Arial" pitchFamily="34" charset="0"/>
+                <a:ea typeface="Arial" charset="0"/>
+                <a:cs typeface="Arial" pitchFamily="34" charset="0"/>
+              </a:defRPr>
+            </a:lvl2pPr>
+            <a:lvl3pPr marL="542925" indent="0" algn="l" rtl="0" eaLnBrk="0" fontAlgn="base" hangingPunct="0">
+              <a:spcBef>
+                <a:spcPct val="20000"/>
+              </a:spcBef>
+              <a:spcAft>
+                <a:spcPct val="0"/>
+              </a:spcAft>
+              <a:buClr>
+                <a:srgbClr val="80BA24"/>
+              </a:buClr>
+              <a:buSzPct val="80000"/>
+              <a:buFontTx/>
+              <a:buNone/>
+              <a:defRPr kern="1200">
+                <a:solidFill>
+                  <a:srgbClr val="4A5C66"/>
+                </a:solidFill>
+                <a:latin typeface="Arial" pitchFamily="34" charset="0"/>
+                <a:ea typeface="Arial" charset="0"/>
+                <a:cs typeface="Arial" pitchFamily="34" charset="0"/>
+              </a:defRPr>
+            </a:lvl3pPr>
+            <a:lvl4pPr marL="809625" indent="0" algn="l" rtl="0" eaLnBrk="0" fontAlgn="base" hangingPunct="0">
+              <a:spcBef>
+                <a:spcPct val="20000"/>
+              </a:spcBef>
+              <a:spcAft>
+                <a:spcPct val="0"/>
+              </a:spcAft>
+              <a:buClr>
+                <a:srgbClr val="80BA24"/>
+              </a:buClr>
+              <a:buSzPct val="80000"/>
+              <a:buFontTx/>
+              <a:buNone/>
+              <a:defRPr kern="1200">
+                <a:solidFill>
+                  <a:srgbClr val="4A5C66"/>
+                </a:solidFill>
+                <a:latin typeface="Arial" pitchFamily="34" charset="0"/>
+                <a:ea typeface="Arial" charset="0"/>
+                <a:cs typeface="Arial" pitchFamily="34" charset="0"/>
+              </a:defRPr>
+            </a:lvl4pPr>
+            <a:lvl5pPr marL="1076325" indent="0" algn="l" rtl="0" eaLnBrk="0" fontAlgn="base" hangingPunct="0">
+              <a:spcBef>
+                <a:spcPct val="20000"/>
+              </a:spcBef>
+              <a:spcAft>
+                <a:spcPct val="0"/>
+              </a:spcAft>
+              <a:buClr>
+                <a:srgbClr val="80BA24"/>
+              </a:buClr>
+              <a:buSzPct val="80000"/>
+              <a:buFontTx/>
+              <a:buNone/>
+              <a:defRPr kern="1200">
+                <a:solidFill>
+                  <a:srgbClr val="4A5C66"/>
+                </a:solidFill>
+                <a:latin typeface="Arial" pitchFamily="34" charset="0"/>
+                <a:ea typeface="Arial" charset="0"/>
+                <a:cs typeface="Arial" pitchFamily="34" charset="0"/>
+              </a:defRPr>
+            </a:lvl5pPr>
+            <a:lvl6pPr marL="2514600" indent="-228600" algn="l" defTabSz="914400" rtl="0" eaLnBrk="1" latinLnBrk="0" hangingPunct="1">
+              <a:spcBef>
+                <a:spcPct val="20000"/>
+              </a:spcBef>
+              <a:buFont typeface="Arial" pitchFamily="34" charset="0"/>
+              <a:buChar char="•"/>
+              <a:defRPr sz="2000" kern="1200">
+                <a:solidFill>
+                  <a:schemeClr val="tx1"/>
+                </a:solidFill>
+                <a:latin typeface="+mn-lt"/>
+                <a:ea typeface="+mn-ea"/>
+                <a:cs typeface="+mn-cs"/>
+              </a:defRPr>
+            </a:lvl6pPr>
+            <a:lvl7pPr marL="2971800" indent="-228600" algn="l" defTabSz="914400" rtl="0" eaLnBrk="1" latinLnBrk="0" hangingPunct="1">
+              <a:spcBef>
+                <a:spcPct val="20000"/>
+              </a:spcBef>
+              <a:buFont typeface="Arial" pitchFamily="34" charset="0"/>
+              <a:buChar char="•"/>
+              <a:defRPr sz="2000" kern="1200">
+                <a:solidFill>
+                  <a:schemeClr val="tx1"/>
+                </a:solidFill>
+                <a:latin typeface="+mn-lt"/>
+                <a:ea typeface="+mn-ea"/>
+                <a:cs typeface="+mn-cs"/>
+              </a:defRPr>
+            </a:lvl7pPr>
+            <a:lvl8pPr marL="3429000" indent="-228600" algn="l" defTabSz="914400" rtl="0" eaLnBrk="1" latinLnBrk="0" hangingPunct="1">
+              <a:spcBef>
+                <a:spcPct val="20000"/>
+              </a:spcBef>
+              <a:buFont typeface="Arial" pitchFamily="34" charset="0"/>
+              <a:buChar char="•"/>
+              <a:defRPr sz="2000" kern="1200">
+                <a:solidFill>
+                  <a:schemeClr val="tx1"/>
+                </a:solidFill>
+                <a:latin typeface="+mn-lt"/>
+                <a:ea typeface="+mn-ea"/>
+                <a:cs typeface="+mn-cs"/>
+              </a:defRPr>
+            </a:lvl8pPr>
+            <a:lvl9pPr marL="3886200" indent="-228600" algn="l" defTabSz="914400" rtl="0" eaLnBrk="1" latinLnBrk="0" hangingPunct="1">
+              <a:spcBef>
+                <a:spcPct val="20000"/>
+              </a:spcBef>
+              <a:buFont typeface="Arial" pitchFamily="34" charset="0"/>
+              <a:buChar char="•"/>
+              <a:defRPr sz="2000" kern="1200">
+                <a:solidFill>
+                  <a:schemeClr val="tx1"/>
+                </a:solidFill>
+                <a:latin typeface="+mn-lt"/>
+                <a:ea typeface="+mn-ea"/>
+                <a:cs typeface="+mn-cs"/>
+              </a:defRPr>
+            </a:lvl9pPr>
+          </a:lstStyle>
+          <a:p>
+            <a:pPr>
+              <a:spcAft>
+                <a:spcPts val="600"/>
+              </a:spcAft>
+            </a:pPr>
+            <a:endParaRPr lang="de-DE" sz="1800" dirty="0"/>
+          </a:p>
+          <a:p>
+            <a:pPr marL="342900" indent="-342900">
+              <a:spcAft>
+                <a:spcPts val="600"/>
+              </a:spcAft>
+              <a:buAutoNum type="arabicPeriod"/>
+            </a:pPr>
+            <a:endParaRPr lang="de-DE" sz="1800" dirty="0"/>
+          </a:p>
+        </p:txBody>
+      </p:sp>
+    </p:spTree>
+    <p:extLst>
+      <p:ext uri="{BB962C8B-B14F-4D97-AF65-F5344CB8AC3E}">
+        <p14:creationId xmlns:p14="http://schemas.microsoft.com/office/powerpoint/2010/main" val="2361153069"/>
+      </p:ext>
+    </p:extLst>
+  </p:cSld>
+  <p:clrMapOvr>
+    <a:masterClrMapping/>
+  </p:clrMapOvr>
+</p:sld>
+</file>
+
+<file path=ppt/slides/slide22.xml><?xml version="1.0" encoding="utf-8"?>
+<p:sld xmlns:a="http://schemas.openxmlformats.org/drawingml/2006/main" xmlns:r="http://schemas.openxmlformats.org/officeDocument/2006/relationships" xmlns:p="http://schemas.openxmlformats.org/presentationml/2006/main">
+  <p:cSld>
+    <p:spTree>
+      <p:nvGrpSpPr>
+        <p:cNvPr id="1" name=""/>
+        <p:cNvGrpSpPr/>
+        <p:nvPr/>
+      </p:nvGrpSpPr>
+      <p:grpSpPr>
+        <a:xfrm>
+          <a:off x="0" y="0"/>
+          <a:ext cx="0" cy="0"/>
+          <a:chOff x="0" y="0"/>
+          <a:chExt cx="0" cy="0"/>
+        </a:xfrm>
+      </p:grpSpPr>
+      <p:sp>
+        <p:nvSpPr>
+          <p:cNvPr id="2" name="Title 1">
+            <a:extLst>
+              <a:ext uri="{FF2B5EF4-FFF2-40B4-BE49-F238E27FC236}">
+                <a16:creationId xmlns:a16="http://schemas.microsoft.com/office/drawing/2014/main" id="{85052616-A1AA-4C30-9C7B-DBB34145436D}"/>
+              </a:ext>
+            </a:extLst>
+          </p:cNvPr>
+          <p:cNvSpPr>
+            <a:spLocks noGrp="1"/>
+          </p:cNvSpPr>
+          <p:nvPr>
+            <p:ph type="title"/>
+          </p:nvPr>
+        </p:nvSpPr>
+        <p:spPr/>
+        <p:txBody>
+          <a:bodyPr/>
+          <a:lstStyle/>
+          <a:p>
+            <a:r>
+              <a:rPr lang="de-DE" dirty="0"/>
+              <a:t>Realisierung – Mutations-Algorithmus</a:t>
+            </a:r>
+          </a:p>
+        </p:txBody>
+      </p:sp>
+      <p:sp>
+        <p:nvSpPr>
+          <p:cNvPr id="4" name="Rectangle 1">
+            <a:extLst>
+              <a:ext uri="{FF2B5EF4-FFF2-40B4-BE49-F238E27FC236}">
+                <a16:creationId xmlns:a16="http://schemas.microsoft.com/office/drawing/2014/main" id="{902F850E-7E9B-4622-87C4-FE1420D027EA}"/>
+              </a:ext>
+            </a:extLst>
+          </p:cNvPr>
+          <p:cNvSpPr>
+            <a:spLocks noGrp="1" noChangeArrowheads="1"/>
+          </p:cNvSpPr>
+          <p:nvPr>
+            <p:ph type="body" sz="quarter" idx="11"/>
+          </p:nvPr>
+        </p:nvSpPr>
+        <p:spPr bwMode="auto">
+          <a:xfrm>
+            <a:off x="334963" y="1131901"/>
+            <a:ext cx="5630831" cy="3600986"/>
+          </a:xfrm>
+          <a:prstGeom prst="rect">
+            <a:avLst/>
+          </a:prstGeom>
+          <a:solidFill>
+            <a:srgbClr val="FFFFFF"/>
+          </a:solidFill>
+          <a:ln>
+            <a:noFill/>
+          </a:ln>
+          <a:effectLst/>
+          <a:extLst>
+            <a:ext uri="{91240B29-F687-4F45-9708-019B960494DF}">
+              <a14:hiddenLine xmlns:a14="http://schemas.microsoft.com/office/drawing/2010/main" w="9525">
+                <a:solidFill>
+                  <a:schemeClr val="tx1"/>
+                </a:solidFill>
+                <a:miter lim="800000"/>
+                <a:headEnd/>
+                <a:tailEnd/>
+              </a14:hiddenLine>
+            </a:ext>
+            <a:ext uri="{AF507438-7753-43E0-B8FC-AC1667EBCBE1}">
+              <a14:hiddenEffects xmlns:a14="http://schemas.microsoft.com/office/drawing/2010/main">
+                <a:effectLst>
+                  <a:outerShdw dist="35921" dir="2700000" algn="ctr" rotWithShape="0">
+                    <a:schemeClr val="bg2"/>
+                  </a:outerShdw>
+                </a:effectLst>
+              </a14:hiddenEffects>
+            </a:ext>
+          </a:extLst>
+        </p:spPr>
+        <p:txBody>
+          <a:bodyPr vert="horz" wrap="square" lIns="91440" tIns="45720" rIns="91440" bIns="45720" numCol="1" anchor="ctr" anchorCtr="0" compatLnSpc="1">
+            <a:prstTxWarp prst="textNoShape">
+              <a:avLst/>
+            </a:prstTxWarp>
+            <a:spAutoFit/>
+          </a:bodyPr>
+          <a:lstStyle/>
+          <a:p>
+            <a:pPr marR="0" lvl="0" defTabSz="914400" latinLnBrk="0">
+              <a:lnSpc>
+                <a:spcPct val="100000"/>
+              </a:lnSpc>
+              <a:tabLst/>
+            </a:pPr>
+            <a:r>
+              <a:rPr lang="de-DE" altLang="de-DE" sz="1200" dirty="0">
+                <a:solidFill>
+                  <a:schemeClr val="accent6">
+                    <a:lumMod val="75000"/>
+                  </a:schemeClr>
+                </a:solidFill>
+              </a:rPr>
+              <a:t>bool</a:t>
+            </a:r>
+            <a:r>
+              <a:rPr lang="de-DE" altLang="de-DE" sz="1200" dirty="0"/>
+              <a:t> mutation_delete_shift(Individual &amp;individual, int percentage) {</a:t>
+            </a:r>
+          </a:p>
+          <a:p>
+            <a:pPr marR="0" lvl="0" defTabSz="914400" latinLnBrk="0">
+              <a:lnSpc>
+                <a:spcPct val="100000"/>
+              </a:lnSpc>
+              <a:tabLst/>
+            </a:pPr>
+            <a:r>
+              <a:rPr lang="de-DE" altLang="de-DE" sz="1200" dirty="0"/>
+              <a:t>    bool mutate = rand() % 100 &lt; percentage;</a:t>
+            </a:r>
+          </a:p>
+          <a:p>
+            <a:pPr marR="0" lvl="0" defTabSz="914400" latinLnBrk="0">
+              <a:lnSpc>
+                <a:spcPct val="100000"/>
+              </a:lnSpc>
+              <a:tabLst/>
+            </a:pPr>
+            <a:endParaRPr lang="de-DE" altLang="de-DE" sz="1200" dirty="0"/>
+          </a:p>
+          <a:p>
+            <a:pPr marR="0" lvl="0" defTabSz="914400" latinLnBrk="0">
+              <a:lnSpc>
+                <a:spcPct val="100000"/>
+              </a:lnSpc>
+              <a:tabLst/>
+            </a:pPr>
+            <a:r>
+              <a:rPr lang="de-DE" altLang="de-DE" sz="1200" dirty="0"/>
+              <a:t>    </a:t>
+            </a:r>
+            <a:r>
+              <a:rPr lang="de-DE" altLang="de-DE" sz="1200" dirty="0">
+                <a:solidFill>
+                  <a:schemeClr val="accent6">
+                    <a:lumMod val="75000"/>
+                  </a:schemeClr>
+                </a:solidFill>
+              </a:rPr>
+              <a:t>if</a:t>
+            </a:r>
+            <a:r>
+              <a:rPr lang="de-DE" altLang="de-DE" sz="1200" dirty="0"/>
+              <a:t> (mutate) {</a:t>
+            </a:r>
+          </a:p>
+          <a:p>
+            <a:pPr marR="0" lvl="0" defTabSz="914400" latinLnBrk="0">
+              <a:lnSpc>
+                <a:spcPct val="100000"/>
+              </a:lnSpc>
+              <a:tabLst/>
+            </a:pPr>
+            <a:r>
+              <a:rPr lang="de-DE" altLang="de-DE" sz="1200" dirty="0"/>
+              <a:t>        int position_a = rand() % (individual.get_size() - 1);</a:t>
+            </a:r>
+          </a:p>
+          <a:p>
+            <a:pPr marR="0" lvl="0" defTabSz="914400" latinLnBrk="0">
+              <a:lnSpc>
+                <a:spcPct val="100000"/>
+              </a:lnSpc>
+              <a:tabLst/>
+            </a:pPr>
+            <a:r>
+              <a:rPr lang="de-DE" altLang="de-DE" sz="1200" dirty="0"/>
+              <a:t>        int position_b;</a:t>
+            </a:r>
+          </a:p>
+          <a:p>
+            <a:pPr marR="0" lvl="0" defTabSz="914400" latinLnBrk="0">
+              <a:lnSpc>
+                <a:spcPct val="100000"/>
+              </a:lnSpc>
+              <a:tabLst/>
+            </a:pPr>
+            <a:r>
+              <a:rPr lang="de-DE" altLang="de-DE" sz="1200" dirty="0"/>
+              <a:t>        </a:t>
+            </a:r>
+            <a:r>
+              <a:rPr lang="de-DE" altLang="de-DE" sz="1200" dirty="0">
+                <a:solidFill>
+                  <a:schemeClr val="accent6">
+                    <a:lumMod val="75000"/>
+                  </a:schemeClr>
+                </a:solidFill>
+              </a:rPr>
+              <a:t>do</a:t>
+            </a:r>
+            <a:r>
+              <a:rPr lang="de-DE" altLang="de-DE" sz="1200" dirty="0"/>
+              <a:t> {</a:t>
+            </a:r>
+          </a:p>
+          <a:p>
+            <a:pPr marR="0" lvl="0" defTabSz="914400" latinLnBrk="0">
+              <a:lnSpc>
+                <a:spcPct val="100000"/>
+              </a:lnSpc>
+              <a:tabLst/>
+            </a:pPr>
+            <a:r>
+              <a:rPr lang="de-DE" altLang="de-DE" sz="1200" dirty="0"/>
+              <a:t>            position_b = rand() % (individual.get_size() - position_a) + position_a;</a:t>
+            </a:r>
+          </a:p>
+          <a:p>
+            <a:pPr marR="0" lvl="0" defTabSz="914400" latinLnBrk="0">
+              <a:lnSpc>
+                <a:spcPct val="100000"/>
+              </a:lnSpc>
+              <a:tabLst/>
+            </a:pPr>
+            <a:r>
+              <a:rPr lang="de-DE" altLang="de-DE" sz="1200" dirty="0"/>
+              <a:t>        } </a:t>
+            </a:r>
+            <a:r>
+              <a:rPr lang="de-DE" altLang="de-DE" sz="1200" dirty="0">
+                <a:solidFill>
+                  <a:schemeClr val="accent6">
+                    <a:lumMod val="75000"/>
+                  </a:schemeClr>
+                </a:solidFill>
+              </a:rPr>
+              <a:t>while</a:t>
+            </a:r>
+            <a:r>
+              <a:rPr lang="de-DE" altLang="de-DE" sz="1200" dirty="0"/>
+              <a:t> (position_a == position_b);</a:t>
+            </a:r>
+          </a:p>
+          <a:p>
+            <a:pPr marR="0" lvl="0" defTabSz="914400" latinLnBrk="0">
+              <a:lnSpc>
+                <a:spcPct val="100000"/>
+              </a:lnSpc>
+              <a:tabLst/>
+            </a:pPr>
+            <a:r>
+              <a:rPr lang="de-DE" altLang="de-DE" sz="1200" dirty="0"/>
+              <a:t>    </a:t>
+            </a:r>
+          </a:p>
+          <a:p>
+            <a:pPr marR="0" lvl="0" defTabSz="914400" latinLnBrk="0">
+              <a:lnSpc>
+                <a:spcPct val="100000"/>
+              </a:lnSpc>
+              <a:tabLst/>
+            </a:pPr>
+            <a:r>
+              <a:rPr lang="de-DE" altLang="de-DE" sz="1200" dirty="0"/>
+              <a:t>    </a:t>
+            </a:r>
+            <a:r>
+              <a:rPr lang="de-DE" altLang="de-DE" sz="1200" dirty="0">
+                <a:solidFill>
+                  <a:schemeClr val="accent6">
+                    <a:lumMod val="75000"/>
+                  </a:schemeClr>
+                </a:solidFill>
+              </a:rPr>
+              <a:t>for</a:t>
+            </a:r>
+            <a:r>
+              <a:rPr lang="de-DE" altLang="de-DE" sz="1200" dirty="0"/>
+              <a:t> (int i = position_a; i &lt; position_b; i++) {</a:t>
+            </a:r>
+          </a:p>
+          <a:p>
+            <a:pPr marR="0" lvl="0" defTabSz="914400" latinLnBrk="0">
+              <a:lnSpc>
+                <a:spcPct val="100000"/>
+              </a:lnSpc>
+              <a:tabLst/>
+            </a:pPr>
+            <a:r>
+              <a:rPr lang="de-DE" altLang="de-DE" sz="1200" dirty="0"/>
+              <a:t>        swap_chromosome(individual.get_chromosome(), i, i + 1);</a:t>
+            </a:r>
+          </a:p>
+          <a:p>
+            <a:pPr marR="0" lvl="0" defTabSz="914400" latinLnBrk="0">
+              <a:lnSpc>
+                <a:spcPct val="100000"/>
+              </a:lnSpc>
+              <a:tabLst/>
+            </a:pPr>
+            <a:r>
+              <a:rPr lang="de-DE" altLang="de-DE" sz="1200" dirty="0"/>
+              <a:t>    }</a:t>
+            </a:r>
+          </a:p>
+          <a:p>
+            <a:pPr marR="0" lvl="0" defTabSz="914400" latinLnBrk="0">
+              <a:lnSpc>
+                <a:spcPct val="100000"/>
+              </a:lnSpc>
+              <a:tabLst/>
+            </a:pPr>
+            <a:endParaRPr lang="de-DE" altLang="de-DE" sz="1200" dirty="0"/>
+          </a:p>
+          <a:p>
+            <a:pPr marR="0" lvl="0" defTabSz="914400" latinLnBrk="0">
+              <a:lnSpc>
+                <a:spcPct val="100000"/>
+              </a:lnSpc>
+              <a:tabLst/>
+            </a:pPr>
+            <a:r>
+              <a:rPr lang="de-DE" altLang="de-DE" sz="1200" dirty="0"/>
+              <a:t>    return mutate;</a:t>
+            </a:r>
+          </a:p>
+          <a:p>
+            <a:pPr marR="0" lvl="0" defTabSz="914400" latinLnBrk="0">
+              <a:lnSpc>
+                <a:spcPct val="100000"/>
+              </a:lnSpc>
+              <a:tabLst/>
+            </a:pPr>
+            <a:r>
+              <a:rPr lang="de-DE" altLang="de-DE" sz="1200" dirty="0"/>
+              <a:t>}</a:t>
+            </a:r>
+          </a:p>
+        </p:txBody>
+      </p:sp>
+      <p:sp>
+        <p:nvSpPr>
+          <p:cNvPr id="11" name="TextBox 10">
+            <a:extLst>
+              <a:ext uri="{FF2B5EF4-FFF2-40B4-BE49-F238E27FC236}">
+                <a16:creationId xmlns:a16="http://schemas.microsoft.com/office/drawing/2014/main" id="{A9A881C4-7DE0-4C0F-B2EC-F77D820DCF22}"/>
+              </a:ext>
+            </a:extLst>
+          </p:cNvPr>
+          <p:cNvSpPr txBox="1"/>
+          <p:nvPr/>
+        </p:nvSpPr>
+        <p:spPr>
+          <a:xfrm>
+            <a:off x="5965794" y="1292791"/>
+            <a:ext cx="4074850" cy="4108817"/>
+          </a:xfrm>
+          <a:prstGeom prst="rect">
+            <a:avLst/>
+          </a:prstGeom>
+          <a:noFill/>
+        </p:spPr>
+        <p:txBody>
+          <a:bodyPr wrap="square" rtlCol="0">
+            <a:spAutoFit/>
+          </a:bodyPr>
+          <a:lstStyle/>
+          <a:p>
+            <a:pPr>
+              <a:spcAft>
+                <a:spcPts val="600"/>
+              </a:spcAft>
+            </a:pPr>
+            <a:r>
+              <a:rPr lang="de-DE" dirty="0">
+                <a:solidFill>
+                  <a:srgbClr val="4A5C66"/>
+                </a:solidFill>
+                <a:latin typeface="Arial" panose="020B0604020202020204" pitchFamily="34" charset="0"/>
+                <a:cs typeface="Arial" panose="020B0604020202020204" pitchFamily="34" charset="0"/>
+              </a:rPr>
+              <a:t>Chromosom: {1,2,</a:t>
+            </a:r>
+            <a:r>
+              <a:rPr lang="de-DE" b="1" dirty="0">
+                <a:solidFill>
+                  <a:srgbClr val="C00000"/>
+                </a:solidFill>
+                <a:latin typeface="Arial" panose="020B0604020202020204" pitchFamily="34" charset="0"/>
+                <a:cs typeface="Arial" panose="020B0604020202020204" pitchFamily="34" charset="0"/>
+              </a:rPr>
+              <a:t>3</a:t>
+            </a:r>
+            <a:r>
+              <a:rPr lang="de-DE" b="1" dirty="0">
+                <a:solidFill>
+                  <a:srgbClr val="4A5C66"/>
+                </a:solidFill>
+                <a:latin typeface="Arial" panose="020B0604020202020204" pitchFamily="34" charset="0"/>
+                <a:cs typeface="Arial" panose="020B0604020202020204" pitchFamily="34" charset="0"/>
+              </a:rPr>
+              <a:t>,4,5,6,7</a:t>
+            </a:r>
+            <a:r>
+              <a:rPr lang="de-DE" dirty="0">
+                <a:solidFill>
+                  <a:srgbClr val="4A5C66"/>
+                </a:solidFill>
+                <a:latin typeface="Arial" panose="020B0604020202020204" pitchFamily="34" charset="0"/>
+                <a:cs typeface="Arial" panose="020B0604020202020204" pitchFamily="34" charset="0"/>
+              </a:rPr>
+              <a:t>,8,9,10}</a:t>
+            </a:r>
+          </a:p>
+          <a:p>
+            <a:pPr>
+              <a:spcAft>
+                <a:spcPts val="600"/>
+              </a:spcAft>
+            </a:pPr>
+            <a:endParaRPr lang="de-DE" dirty="0">
+              <a:solidFill>
+                <a:srgbClr val="4A5C66"/>
+              </a:solidFill>
+              <a:latin typeface="Arial" panose="020B0604020202020204" pitchFamily="34" charset="0"/>
+              <a:cs typeface="Arial" panose="020B0604020202020204" pitchFamily="34" charset="0"/>
+            </a:endParaRPr>
+          </a:p>
+          <a:p>
+            <a:pPr>
+              <a:spcAft>
+                <a:spcPts val="600"/>
+              </a:spcAft>
+            </a:pPr>
+            <a:endParaRPr lang="de-DE" dirty="0">
+              <a:solidFill>
+                <a:srgbClr val="4A5C66"/>
+              </a:solidFill>
+              <a:latin typeface="Arial" panose="020B0604020202020204" pitchFamily="34" charset="0"/>
+              <a:cs typeface="Arial" panose="020B0604020202020204" pitchFamily="34" charset="0"/>
+            </a:endParaRPr>
+          </a:p>
+          <a:p>
+            <a:pPr>
+              <a:spcAft>
+                <a:spcPts val="600"/>
+              </a:spcAft>
+            </a:pPr>
+            <a:r>
+              <a:rPr lang="de-DE" dirty="0">
+                <a:solidFill>
+                  <a:srgbClr val="4A5C66"/>
+                </a:solidFill>
+                <a:latin typeface="Arial" panose="020B0604020202020204" pitchFamily="34" charset="0"/>
+                <a:cs typeface="Arial" panose="020B0604020202020204" pitchFamily="34" charset="0"/>
+              </a:rPr>
+              <a:t>position_a=3</a:t>
+            </a:r>
+          </a:p>
+          <a:p>
+            <a:pPr>
+              <a:spcAft>
+                <a:spcPts val="600"/>
+              </a:spcAft>
+            </a:pPr>
+            <a:endParaRPr lang="de-DE" dirty="0">
+              <a:solidFill>
+                <a:srgbClr val="4A5C66"/>
+              </a:solidFill>
+              <a:latin typeface="Arial" panose="020B0604020202020204" pitchFamily="34" charset="0"/>
+              <a:cs typeface="Arial" panose="020B0604020202020204" pitchFamily="34" charset="0"/>
+            </a:endParaRPr>
+          </a:p>
+          <a:p>
+            <a:pPr>
+              <a:spcAft>
+                <a:spcPts val="600"/>
+              </a:spcAft>
+            </a:pPr>
+            <a:r>
+              <a:rPr lang="de-DE" dirty="0">
+                <a:solidFill>
+                  <a:srgbClr val="4A5C66"/>
+                </a:solidFill>
+                <a:latin typeface="Arial" panose="020B0604020202020204" pitchFamily="34" charset="0"/>
+                <a:cs typeface="Arial" panose="020B0604020202020204" pitchFamily="34" charset="0"/>
+              </a:rPr>
+              <a:t>position_b=7</a:t>
+            </a:r>
+          </a:p>
+          <a:p>
+            <a:pPr>
+              <a:spcAft>
+                <a:spcPts val="600"/>
+              </a:spcAft>
+            </a:pPr>
+            <a:endParaRPr lang="de-DE" dirty="0">
+              <a:solidFill>
+                <a:srgbClr val="4A5C66"/>
+              </a:solidFill>
+              <a:latin typeface="Arial" panose="020B0604020202020204" pitchFamily="34" charset="0"/>
+              <a:cs typeface="Arial" panose="020B0604020202020204" pitchFamily="34" charset="0"/>
+            </a:endParaRPr>
+          </a:p>
+          <a:p>
+            <a:pPr>
+              <a:spcAft>
+                <a:spcPts val="600"/>
+              </a:spcAft>
+            </a:pPr>
+            <a:endParaRPr lang="de-DE" dirty="0">
+              <a:solidFill>
+                <a:srgbClr val="4A5C66"/>
+              </a:solidFill>
+              <a:latin typeface="Arial" panose="020B0604020202020204" pitchFamily="34" charset="0"/>
+              <a:cs typeface="Arial" panose="020B0604020202020204" pitchFamily="34" charset="0"/>
+            </a:endParaRPr>
+          </a:p>
+          <a:p>
+            <a:pPr>
+              <a:spcAft>
+                <a:spcPts val="600"/>
+              </a:spcAft>
+            </a:pPr>
+            <a:endParaRPr lang="de-DE" dirty="0">
+              <a:solidFill>
+                <a:srgbClr val="4A5C66"/>
+              </a:solidFill>
+              <a:latin typeface="Arial" panose="020B0604020202020204" pitchFamily="34" charset="0"/>
+              <a:cs typeface="Arial" panose="020B0604020202020204" pitchFamily="34" charset="0"/>
+            </a:endParaRPr>
+          </a:p>
+          <a:p>
+            <a:pPr>
+              <a:spcAft>
+                <a:spcPts val="600"/>
+              </a:spcAft>
+            </a:pPr>
+            <a:endParaRPr lang="de-DE" dirty="0">
+              <a:solidFill>
+                <a:srgbClr val="4A5C66"/>
+              </a:solidFill>
+              <a:latin typeface="Arial" panose="020B0604020202020204" pitchFamily="34" charset="0"/>
+              <a:cs typeface="Arial" panose="020B0604020202020204" pitchFamily="34" charset="0"/>
+            </a:endParaRPr>
+          </a:p>
+          <a:p>
+            <a:pPr>
+              <a:spcAft>
+                <a:spcPts val="600"/>
+              </a:spcAft>
+            </a:pPr>
+            <a:r>
+              <a:rPr lang="de-DE" dirty="0">
+                <a:solidFill>
+                  <a:srgbClr val="4A5C66"/>
+                </a:solidFill>
+                <a:latin typeface="Arial" panose="020B0604020202020204" pitchFamily="34" charset="0"/>
+                <a:cs typeface="Arial" panose="020B0604020202020204" pitchFamily="34" charset="0"/>
+              </a:rPr>
+              <a:t>Ergebnis: {1,2,</a:t>
+            </a:r>
+            <a:r>
+              <a:rPr lang="de-DE" b="1" dirty="0">
+                <a:solidFill>
+                  <a:srgbClr val="4A5C66"/>
+                </a:solidFill>
+                <a:latin typeface="Arial" panose="020B0604020202020204" pitchFamily="34" charset="0"/>
+                <a:cs typeface="Arial" panose="020B0604020202020204" pitchFamily="34" charset="0"/>
+              </a:rPr>
+              <a:t>4,5,6,7,</a:t>
+            </a:r>
+            <a:r>
+              <a:rPr lang="de-DE" b="1" dirty="0">
+                <a:solidFill>
+                  <a:srgbClr val="C00000"/>
+                </a:solidFill>
+                <a:latin typeface="Arial" panose="020B0604020202020204" pitchFamily="34" charset="0"/>
+                <a:cs typeface="Arial" panose="020B0604020202020204" pitchFamily="34" charset="0"/>
+              </a:rPr>
+              <a:t>3</a:t>
+            </a:r>
+            <a:r>
+              <a:rPr lang="de-DE" dirty="0">
+                <a:solidFill>
+                  <a:srgbClr val="4A5C66"/>
+                </a:solidFill>
+                <a:latin typeface="Arial" panose="020B0604020202020204" pitchFamily="34" charset="0"/>
+                <a:cs typeface="Arial" panose="020B0604020202020204" pitchFamily="34" charset="0"/>
+              </a:rPr>
+              <a:t>,8,9,10}</a:t>
+            </a:r>
+          </a:p>
+          <a:p>
+            <a:pPr>
+              <a:spcAft>
+                <a:spcPts val="600"/>
+              </a:spcAft>
+            </a:pPr>
+            <a:endParaRPr lang="de-DE" dirty="0">
+              <a:solidFill>
+                <a:srgbClr val="4A5C66"/>
+              </a:solidFill>
+              <a:latin typeface="Arial" panose="020B0604020202020204" pitchFamily="34" charset="0"/>
+              <a:cs typeface="Arial" panose="020B0604020202020204" pitchFamily="34" charset="0"/>
+            </a:endParaRPr>
+          </a:p>
+          <a:p>
+            <a:pPr>
+              <a:spcAft>
+                <a:spcPts val="600"/>
+              </a:spcAft>
+            </a:pPr>
+            <a:endParaRPr lang="de-DE" dirty="0">
+              <a:solidFill>
+                <a:srgbClr val="4A5C66"/>
+              </a:solidFill>
+              <a:latin typeface="Arial" panose="020B0604020202020204" pitchFamily="34" charset="0"/>
+              <a:cs typeface="Arial" panose="020B0604020202020204" pitchFamily="34" charset="0"/>
+            </a:endParaRPr>
+          </a:p>
+          <a:p>
+            <a:pPr>
+              <a:spcAft>
+                <a:spcPts val="600"/>
+              </a:spcAft>
+            </a:pPr>
+            <a:endParaRPr lang="de-DE" dirty="0">
+              <a:solidFill>
+                <a:srgbClr val="4A5C66"/>
+              </a:solidFill>
+              <a:latin typeface="Arial" panose="020B0604020202020204" pitchFamily="34" charset="0"/>
+              <a:cs typeface="Arial" panose="020B0604020202020204" pitchFamily="34" charset="0"/>
+            </a:endParaRPr>
+          </a:p>
+        </p:txBody>
+      </p:sp>
+    </p:spTree>
+    <p:extLst>
+      <p:ext uri="{BB962C8B-B14F-4D97-AF65-F5344CB8AC3E}">
+        <p14:creationId xmlns:p14="http://schemas.microsoft.com/office/powerpoint/2010/main" val="21206333"/>
+      </p:ext>
+    </p:extLst>
+  </p:cSld>
+  <p:clrMapOvr>
+    <a:masterClrMapping/>
+  </p:clrMapOvr>
+</p:sld>
+</file>
+
+<file path=ppt/slides/slide23.xml><?xml version="1.0" encoding="utf-8"?>
+<p:sld xmlns:a="http://schemas.openxmlformats.org/drawingml/2006/main" xmlns:r="http://schemas.openxmlformats.org/officeDocument/2006/relationships" xmlns:p="http://schemas.openxmlformats.org/presentationml/2006/main">
+  <p:cSld>
+    <p:spTree>
+      <p:nvGrpSpPr>
+        <p:cNvPr id="1" name=""/>
+        <p:cNvGrpSpPr/>
+        <p:nvPr/>
+      </p:nvGrpSpPr>
+      <p:grpSpPr>
+        <a:xfrm>
+          <a:off x="0" y="0"/>
+          <a:ext cx="0" cy="0"/>
+          <a:chOff x="0" y="0"/>
+          <a:chExt cx="0" cy="0"/>
+        </a:xfrm>
+      </p:grpSpPr>
+      <p:sp>
+        <p:nvSpPr>
+          <p:cNvPr id="2" name="Title 1">
+            <a:extLst>
+              <a:ext uri="{FF2B5EF4-FFF2-40B4-BE49-F238E27FC236}">
+                <a16:creationId xmlns:a16="http://schemas.microsoft.com/office/drawing/2014/main" id="{85052616-A1AA-4C30-9C7B-DBB34145436D}"/>
+              </a:ext>
+            </a:extLst>
+          </p:cNvPr>
+          <p:cNvSpPr>
+            <a:spLocks noGrp="1"/>
+          </p:cNvSpPr>
+          <p:nvPr>
+            <p:ph type="title"/>
+          </p:nvPr>
+        </p:nvSpPr>
+        <p:spPr/>
+        <p:txBody>
+          <a:bodyPr/>
+          <a:lstStyle/>
+          <a:p>
+            <a:r>
+              <a:rPr lang="de-DE" dirty="0"/>
+              <a:t>Realisierung – Selektions-Algorithmus</a:t>
+            </a:r>
+          </a:p>
+        </p:txBody>
+      </p:sp>
+      <p:sp>
+        <p:nvSpPr>
+          <p:cNvPr id="3" name="Text Placeholder 2">
+            <a:extLst>
+              <a:ext uri="{FF2B5EF4-FFF2-40B4-BE49-F238E27FC236}">
+                <a16:creationId xmlns:a16="http://schemas.microsoft.com/office/drawing/2014/main" id="{BFA8A32B-2F75-48CD-BCFD-7CF98F3B67E4}"/>
+              </a:ext>
+            </a:extLst>
+          </p:cNvPr>
+          <p:cNvSpPr>
+            <a:spLocks noGrp="1"/>
+          </p:cNvSpPr>
+          <p:nvPr>
+            <p:ph type="body" sz="quarter" idx="11"/>
+          </p:nvPr>
+        </p:nvSpPr>
+        <p:spPr>
+          <a:xfrm>
+            <a:off x="334963" y="1280160"/>
+            <a:ext cx="5044905" cy="5020628"/>
+          </a:xfrm>
+        </p:spPr>
+        <p:txBody>
+          <a:bodyPr/>
+          <a:lstStyle/>
+          <a:p>
+            <a:r>
+              <a:rPr lang="de-DE" sz="1000" dirty="0">
+                <a:solidFill>
+                  <a:schemeClr val="accent6">
+                    <a:lumMod val="75000"/>
+                  </a:schemeClr>
+                </a:solidFill>
+              </a:rPr>
+              <a:t>Population</a:t>
+            </a:r>
+            <a:r>
+              <a:rPr lang="de-DE" sz="1000" dirty="0"/>
+              <a:t> selection_sotf(Population &amp;p_old, Population &amp;p_new) {</a:t>
+            </a:r>
+          </a:p>
+          <a:p>
+            <a:r>
+              <a:rPr lang="de-DE" sz="1000" dirty="0"/>
+              <a:t>    int size = (int) p_old.size();</a:t>
+            </a:r>
+          </a:p>
+          <a:p>
+            <a:endParaRPr lang="de-DE" sz="1000" dirty="0"/>
+          </a:p>
+          <a:p>
+            <a:r>
+              <a:rPr lang="de-DE" sz="1000" dirty="0"/>
+              <a:t>    p_old.calc_population_fitness();</a:t>
+            </a:r>
+          </a:p>
+          <a:p>
+            <a:r>
+              <a:rPr lang="de-DE" sz="1000" dirty="0"/>
+              <a:t>    p_new.calc_population_fitness();</a:t>
+            </a:r>
+          </a:p>
+          <a:p>
+            <a:endParaRPr lang="de-DE" sz="1000" dirty="0"/>
+          </a:p>
+          <a:p>
+            <a:r>
+              <a:rPr lang="de-DE" sz="1000" dirty="0"/>
+              <a:t>    Population result = Population(p_old.get_idx_start(), p_old.get_distances());</a:t>
+            </a:r>
+          </a:p>
+          <a:p>
+            <a:endParaRPr lang="de-DE" sz="1000" dirty="0"/>
+          </a:p>
+          <a:p>
+            <a:r>
+              <a:rPr lang="de-DE" sz="1000" dirty="0"/>
+              <a:t>    std::vector&lt;Individual&gt; individuals_old = p_old.get_individuals();</a:t>
+            </a:r>
+          </a:p>
+          <a:p>
+            <a:r>
+              <a:rPr lang="de-DE" sz="1000" dirty="0"/>
+              <a:t>    std::vector&lt;Individual&gt; individuals_new = p_new.get_individuals();</a:t>
+            </a:r>
+          </a:p>
+          <a:p>
+            <a:endParaRPr lang="de-DE" sz="1000" dirty="0"/>
+          </a:p>
+          <a:p>
+            <a:r>
+              <a:rPr lang="de-DE" sz="1000" dirty="0"/>
+              <a:t>    std::sort(individuals_new.rbegin(), individuals_new.rend());</a:t>
+            </a:r>
+          </a:p>
+          <a:p>
+            <a:r>
+              <a:rPr lang="de-DE" sz="1000" dirty="0"/>
+              <a:t>    std::sort(individuals_old.rbegin(), individuals_old.rend());</a:t>
+            </a:r>
+          </a:p>
+          <a:p>
+            <a:endParaRPr lang="de-DE" sz="1000" dirty="0"/>
+          </a:p>
+          <a:p>
+            <a:r>
+              <a:rPr lang="de-DE" sz="1000" dirty="0"/>
+              <a:t>    int offset_old = 0;</a:t>
+            </a:r>
+          </a:p>
+          <a:p>
+            <a:r>
+              <a:rPr lang="de-DE" sz="1000" dirty="0"/>
+              <a:t>    int offset_new = 0;</a:t>
+            </a:r>
+          </a:p>
+          <a:p>
+            <a:r>
+              <a:rPr lang="de-DE" sz="1000" dirty="0"/>
+              <a:t>    </a:t>
+            </a:r>
+            <a:r>
+              <a:rPr lang="de-DE" sz="1000" dirty="0">
+                <a:solidFill>
+                  <a:schemeClr val="accent6">
+                    <a:lumMod val="75000"/>
+                  </a:schemeClr>
+                </a:solidFill>
+              </a:rPr>
+              <a:t>for</a:t>
+            </a:r>
+            <a:r>
+              <a:rPr lang="de-DE" sz="1000" dirty="0"/>
+              <a:t> (int i = 0; i &lt; size; ++i) {</a:t>
+            </a:r>
+          </a:p>
+          <a:p>
+            <a:r>
+              <a:rPr lang="de-DE" sz="1000" dirty="0"/>
+              <a:t>        </a:t>
+            </a:r>
+            <a:r>
+              <a:rPr lang="de-DE" sz="1000" dirty="0">
+                <a:solidFill>
+                  <a:schemeClr val="accent6">
+                    <a:lumMod val="75000"/>
+                  </a:schemeClr>
+                </a:solidFill>
+              </a:rPr>
+              <a:t>if</a:t>
+            </a:r>
+            <a:r>
+              <a:rPr lang="de-DE" sz="1000" dirty="0"/>
+              <a:t> (individuals_old.at(offset_old) &lt; individuals_new.at(offset_new)) {</a:t>
+            </a:r>
+          </a:p>
+          <a:p>
+            <a:r>
+              <a:rPr lang="de-DE" sz="1000" dirty="0"/>
+              <a:t>            result.add_individual(individuals_new.at(offset_new));</a:t>
+            </a:r>
+          </a:p>
+          <a:p>
+            <a:r>
+              <a:rPr lang="de-DE" sz="1000" dirty="0"/>
+              <a:t>            offset_new++;</a:t>
+            </a:r>
+          </a:p>
+          <a:p>
+            <a:r>
+              <a:rPr lang="de-DE" sz="1000" dirty="0"/>
+              <a:t>        } </a:t>
+            </a:r>
+            <a:r>
+              <a:rPr lang="de-DE" sz="1000" dirty="0">
+                <a:solidFill>
+                  <a:schemeClr val="accent6">
+                    <a:lumMod val="75000"/>
+                  </a:schemeClr>
+                </a:solidFill>
+              </a:rPr>
+              <a:t>else</a:t>
+            </a:r>
+            <a:r>
+              <a:rPr lang="de-DE" sz="1000" dirty="0"/>
+              <a:t> {</a:t>
+            </a:r>
+          </a:p>
+          <a:p>
+            <a:r>
+              <a:rPr lang="de-DE" sz="1000" dirty="0"/>
+              <a:t>            result.add_individual(individuals_old.at(offset_old));</a:t>
+            </a:r>
+          </a:p>
+          <a:p>
+            <a:r>
+              <a:rPr lang="de-DE" sz="1000" dirty="0"/>
+              <a:t>            offset_old++;</a:t>
+            </a:r>
+          </a:p>
+          <a:p>
+            <a:r>
+              <a:rPr lang="de-DE" sz="1000" dirty="0"/>
+              <a:t>        }</a:t>
+            </a:r>
+          </a:p>
+          <a:p>
+            <a:r>
+              <a:rPr lang="de-DE" sz="1000" dirty="0"/>
+              <a:t>    }</a:t>
+            </a:r>
+          </a:p>
+          <a:p>
+            <a:endParaRPr lang="de-DE" sz="1000" dirty="0"/>
+          </a:p>
+          <a:p>
+            <a:r>
+              <a:rPr lang="de-DE" sz="1000" dirty="0"/>
+              <a:t>    </a:t>
+            </a:r>
+            <a:r>
+              <a:rPr lang="de-DE" sz="1000" dirty="0">
+                <a:solidFill>
+                  <a:schemeClr val="accent6">
+                    <a:lumMod val="75000"/>
+                  </a:schemeClr>
+                </a:solidFill>
+              </a:rPr>
+              <a:t>return</a:t>
+            </a:r>
+            <a:r>
+              <a:rPr lang="de-DE" sz="1000" dirty="0"/>
+              <a:t> result;</a:t>
+            </a:r>
+          </a:p>
+          <a:p>
+            <a:r>
+              <a:rPr lang="de-DE" sz="1000" dirty="0"/>
+              <a:t>}</a:t>
+            </a:r>
+          </a:p>
+        </p:txBody>
+      </p:sp>
+      <p:sp>
+        <p:nvSpPr>
+          <p:cNvPr id="5" name="TextBox 4">
+            <a:extLst>
+              <a:ext uri="{FF2B5EF4-FFF2-40B4-BE49-F238E27FC236}">
+                <a16:creationId xmlns:a16="http://schemas.microsoft.com/office/drawing/2014/main" id="{98AC9841-F177-41CF-A561-5773BA04A59F}"/>
+              </a:ext>
+            </a:extLst>
+          </p:cNvPr>
+          <p:cNvSpPr txBox="1"/>
+          <p:nvPr/>
+        </p:nvSpPr>
+        <p:spPr>
+          <a:xfrm>
+            <a:off x="5699464" y="1280160"/>
+            <a:ext cx="5044904" cy="4909036"/>
+          </a:xfrm>
+          <a:prstGeom prst="rect">
+            <a:avLst/>
+          </a:prstGeom>
+          <a:noFill/>
+        </p:spPr>
+        <p:txBody>
+          <a:bodyPr wrap="square" rtlCol="0">
+            <a:spAutoFit/>
+          </a:bodyPr>
+          <a:lstStyle/>
+          <a:p>
+            <a:pPr>
+              <a:spcAft>
+                <a:spcPts val="600"/>
+              </a:spcAft>
+            </a:pPr>
+            <a:r>
+              <a:rPr lang="de-DE" dirty="0">
+                <a:solidFill>
+                  <a:srgbClr val="4A5C66"/>
+                </a:solidFill>
+                <a:latin typeface="Arial" panose="020B0604020202020204" pitchFamily="34" charset="0"/>
+                <a:cs typeface="Arial" panose="020B0604020202020204" pitchFamily="34" charset="0"/>
+              </a:rPr>
+              <a:t>Eingabe: Ausgangspopulation, Neue Population</a:t>
+            </a:r>
+          </a:p>
+          <a:p>
+            <a:pPr>
+              <a:spcAft>
+                <a:spcPts val="600"/>
+              </a:spcAft>
+            </a:pPr>
+            <a:endParaRPr lang="de-DE" dirty="0">
+              <a:solidFill>
+                <a:srgbClr val="4A5C66"/>
+              </a:solidFill>
+              <a:latin typeface="Arial" panose="020B0604020202020204" pitchFamily="34" charset="0"/>
+              <a:cs typeface="Arial" panose="020B0604020202020204" pitchFamily="34" charset="0"/>
+            </a:endParaRPr>
+          </a:p>
+          <a:p>
+            <a:pPr>
+              <a:spcAft>
+                <a:spcPts val="600"/>
+              </a:spcAft>
+            </a:pPr>
+            <a:r>
+              <a:rPr lang="de-DE" dirty="0">
+                <a:solidFill>
+                  <a:srgbClr val="4A5C66"/>
+                </a:solidFill>
+                <a:latin typeface="Arial" panose="020B0604020202020204" pitchFamily="34" charset="0"/>
+                <a:cs typeface="Arial" panose="020B0604020202020204" pitchFamily="34" charset="0"/>
+              </a:rPr>
+              <a:t>1. Aktuallisiere die Fitness</a:t>
+            </a:r>
+          </a:p>
+          <a:p>
+            <a:pPr>
+              <a:spcAft>
+                <a:spcPts val="600"/>
+              </a:spcAft>
+            </a:pPr>
+            <a:endParaRPr lang="de-DE" dirty="0">
+              <a:solidFill>
+                <a:srgbClr val="4A5C66"/>
+              </a:solidFill>
+              <a:latin typeface="Arial" panose="020B0604020202020204" pitchFamily="34" charset="0"/>
+              <a:cs typeface="Arial" panose="020B0604020202020204" pitchFamily="34" charset="0"/>
+            </a:endParaRPr>
+          </a:p>
+          <a:p>
+            <a:pPr>
+              <a:spcAft>
+                <a:spcPts val="600"/>
+              </a:spcAft>
+            </a:pPr>
+            <a:endParaRPr lang="de-DE" dirty="0">
+              <a:solidFill>
+                <a:srgbClr val="4A5C66"/>
+              </a:solidFill>
+              <a:latin typeface="Arial" panose="020B0604020202020204" pitchFamily="34" charset="0"/>
+              <a:cs typeface="Arial" panose="020B0604020202020204" pitchFamily="34" charset="0"/>
+            </a:endParaRPr>
+          </a:p>
+          <a:p>
+            <a:pPr>
+              <a:spcAft>
+                <a:spcPts val="600"/>
+              </a:spcAft>
+            </a:pPr>
+            <a:endParaRPr lang="de-DE" dirty="0">
+              <a:solidFill>
+                <a:srgbClr val="4A5C66"/>
+              </a:solidFill>
+              <a:latin typeface="Arial" panose="020B0604020202020204" pitchFamily="34" charset="0"/>
+              <a:cs typeface="Arial" panose="020B0604020202020204" pitchFamily="34" charset="0"/>
+            </a:endParaRPr>
+          </a:p>
+          <a:p>
+            <a:pPr>
+              <a:spcAft>
+                <a:spcPts val="600"/>
+              </a:spcAft>
+            </a:pPr>
+            <a:endParaRPr lang="de-DE" dirty="0">
+              <a:solidFill>
+                <a:srgbClr val="4A5C66"/>
+              </a:solidFill>
+              <a:latin typeface="Arial" panose="020B0604020202020204" pitchFamily="34" charset="0"/>
+              <a:cs typeface="Arial" panose="020B0604020202020204" pitchFamily="34" charset="0"/>
+            </a:endParaRPr>
+          </a:p>
+          <a:p>
+            <a:pPr>
+              <a:spcAft>
+                <a:spcPts val="600"/>
+              </a:spcAft>
+            </a:pPr>
+            <a:r>
+              <a:rPr lang="de-DE" dirty="0">
+                <a:solidFill>
+                  <a:srgbClr val="4A5C66"/>
+                </a:solidFill>
+                <a:latin typeface="Arial" panose="020B0604020202020204" pitchFamily="34" charset="0"/>
+                <a:cs typeface="Arial" panose="020B0604020202020204" pitchFamily="34" charset="0"/>
+              </a:rPr>
+              <a:t>2. Sortiere die Populationen nach der Fitness absteigend.</a:t>
+            </a:r>
+          </a:p>
+          <a:p>
+            <a:pPr>
+              <a:spcAft>
+                <a:spcPts val="600"/>
+              </a:spcAft>
+            </a:pPr>
+            <a:endParaRPr lang="de-DE" dirty="0">
+              <a:solidFill>
+                <a:srgbClr val="4A5C66"/>
+              </a:solidFill>
+              <a:latin typeface="Arial" panose="020B0604020202020204" pitchFamily="34" charset="0"/>
+              <a:cs typeface="Arial" panose="020B0604020202020204" pitchFamily="34" charset="0"/>
+            </a:endParaRPr>
+          </a:p>
+          <a:p>
+            <a:pPr>
+              <a:spcAft>
+                <a:spcPts val="600"/>
+              </a:spcAft>
+            </a:pPr>
+            <a:endParaRPr lang="de-DE" dirty="0">
+              <a:solidFill>
+                <a:srgbClr val="4A5C66"/>
+              </a:solidFill>
+              <a:latin typeface="Arial" panose="020B0604020202020204" pitchFamily="34" charset="0"/>
+              <a:cs typeface="Arial" panose="020B0604020202020204" pitchFamily="34" charset="0"/>
+            </a:endParaRPr>
+          </a:p>
+          <a:p>
+            <a:pPr>
+              <a:spcAft>
+                <a:spcPts val="600"/>
+              </a:spcAft>
+            </a:pPr>
+            <a:r>
+              <a:rPr lang="de-DE" dirty="0">
+                <a:solidFill>
+                  <a:srgbClr val="4A5C66"/>
+                </a:solidFill>
+                <a:latin typeface="Arial" panose="020B0604020202020204" pitchFamily="34" charset="0"/>
+                <a:cs typeface="Arial" panose="020B0604020202020204" pitchFamily="34" charset="0"/>
+              </a:rPr>
+              <a:t>3. Speichere die besten Individuen beider Populationen in eine Besten-Population</a:t>
+            </a:r>
+          </a:p>
+          <a:p>
+            <a:pPr>
+              <a:spcAft>
+                <a:spcPts val="600"/>
+              </a:spcAft>
+            </a:pPr>
+            <a:endParaRPr lang="de-DE" dirty="0">
+              <a:solidFill>
+                <a:srgbClr val="4A5C66"/>
+              </a:solidFill>
+              <a:latin typeface="Arial" panose="020B0604020202020204" pitchFamily="34" charset="0"/>
+              <a:cs typeface="Arial" panose="020B0604020202020204" pitchFamily="34" charset="0"/>
+            </a:endParaRPr>
+          </a:p>
+          <a:p>
+            <a:pPr>
+              <a:spcAft>
+                <a:spcPts val="600"/>
+              </a:spcAft>
+            </a:pPr>
+            <a:endParaRPr lang="de-DE" dirty="0">
+              <a:solidFill>
+                <a:srgbClr val="4A5C66"/>
+              </a:solidFill>
+              <a:latin typeface="Arial" panose="020B0604020202020204" pitchFamily="34" charset="0"/>
+              <a:cs typeface="Arial" panose="020B0604020202020204" pitchFamily="34" charset="0"/>
+            </a:endParaRPr>
+          </a:p>
+          <a:p>
+            <a:pPr>
+              <a:spcAft>
+                <a:spcPts val="600"/>
+              </a:spcAft>
+            </a:pPr>
+            <a:endParaRPr lang="de-DE" dirty="0">
+              <a:solidFill>
+                <a:srgbClr val="4A5C66"/>
+              </a:solidFill>
+              <a:latin typeface="Arial" panose="020B0604020202020204" pitchFamily="34" charset="0"/>
+              <a:cs typeface="Arial" panose="020B0604020202020204" pitchFamily="34" charset="0"/>
+            </a:endParaRPr>
+          </a:p>
+          <a:p>
+            <a:pPr>
+              <a:spcAft>
+                <a:spcPts val="600"/>
+              </a:spcAft>
+            </a:pPr>
+            <a:endParaRPr lang="de-DE" dirty="0">
+              <a:solidFill>
+                <a:srgbClr val="4A5C66"/>
+              </a:solidFill>
+              <a:latin typeface="Arial" panose="020B0604020202020204" pitchFamily="34" charset="0"/>
+              <a:cs typeface="Arial" panose="020B0604020202020204" pitchFamily="34" charset="0"/>
+            </a:endParaRPr>
+          </a:p>
+          <a:p>
+            <a:pPr>
+              <a:spcAft>
+                <a:spcPts val="600"/>
+              </a:spcAft>
+            </a:pPr>
+            <a:r>
+              <a:rPr lang="de-DE" dirty="0">
+                <a:solidFill>
+                  <a:srgbClr val="4A5C66"/>
+                </a:solidFill>
+                <a:latin typeface="Arial" panose="020B0604020202020204" pitchFamily="34" charset="0"/>
+                <a:cs typeface="Arial" panose="020B0604020202020204" pitchFamily="34" charset="0"/>
+              </a:rPr>
+              <a:t>Ausgabe: Besten-Population</a:t>
+            </a:r>
+          </a:p>
+        </p:txBody>
+      </p:sp>
+    </p:spTree>
+    <p:extLst>
+      <p:ext uri="{BB962C8B-B14F-4D97-AF65-F5344CB8AC3E}">
+        <p14:creationId xmlns:p14="http://schemas.microsoft.com/office/powerpoint/2010/main" val="3182743268"/>
+      </p:ext>
+    </p:extLst>
+  </p:cSld>
+  <p:clrMapOvr>
+    <a:masterClrMapping/>
+  </p:clrMapOvr>
+</p:sld>
+</file>
+
+<file path=ppt/slides/slide24.xml><?xml version="1.0" encoding="utf-8"?>
+<p:sld xmlns:a="http://schemas.openxmlformats.org/drawingml/2006/main" xmlns:r="http://schemas.openxmlformats.org/officeDocument/2006/relationships" xmlns:p="http://schemas.openxmlformats.org/presentationml/2006/main">
+  <p:cSld>
+    <p:spTree>
+      <p:nvGrpSpPr>
+        <p:cNvPr id="1" name=""/>
+        <p:cNvGrpSpPr/>
+        <p:nvPr/>
+      </p:nvGrpSpPr>
+      <p:grpSpPr>
+        <a:xfrm>
+          <a:off x="0" y="0"/>
+          <a:ext cx="0" cy="0"/>
+          <a:chOff x="0" y="0"/>
+          <a:chExt cx="0" cy="0"/>
+        </a:xfrm>
+      </p:grpSpPr>
+      <p:sp>
+        <p:nvSpPr>
+          <p:cNvPr id="2" name="Title 1">
+            <a:extLst>
+              <a:ext uri="{FF2B5EF4-FFF2-40B4-BE49-F238E27FC236}">
+                <a16:creationId xmlns:a16="http://schemas.microsoft.com/office/drawing/2014/main" id="{FB44C565-4347-4126-AE72-8BBBA3E66EAE}"/>
+              </a:ext>
+            </a:extLst>
+          </p:cNvPr>
+          <p:cNvSpPr>
+            <a:spLocks noGrp="1"/>
+          </p:cNvSpPr>
+          <p:nvPr>
+            <p:ph type="title"/>
+          </p:nvPr>
+        </p:nvSpPr>
+        <p:spPr/>
+        <p:txBody>
+          <a:bodyPr/>
+          <a:lstStyle/>
+          <a:p>
+            <a:r>
+              <a:rPr lang="de-DE" dirty="0"/>
+              <a:t>Realisierung - Simulator</a:t>
+            </a:r>
+          </a:p>
+        </p:txBody>
+      </p:sp>
+      <p:sp>
+        <p:nvSpPr>
+          <p:cNvPr id="3" name="Text Placeholder 2">
+            <a:extLst>
+              <a:ext uri="{FF2B5EF4-FFF2-40B4-BE49-F238E27FC236}">
+                <a16:creationId xmlns:a16="http://schemas.microsoft.com/office/drawing/2014/main" id="{373A40B8-8447-4615-8F1C-086C3E5114C0}"/>
+              </a:ext>
+            </a:extLst>
+          </p:cNvPr>
+          <p:cNvSpPr>
+            <a:spLocks noGrp="1"/>
+          </p:cNvSpPr>
+          <p:nvPr>
+            <p:ph type="body" sz="quarter" idx="11"/>
+          </p:nvPr>
+        </p:nvSpPr>
+        <p:spPr/>
+        <p:txBody>
+          <a:bodyPr/>
+          <a:lstStyle/>
+          <a:p>
+            <a:pPr marL="285750" indent="-285750">
+              <a:buFont typeface="Arial" panose="020B0604020202020204" pitchFamily="34" charset="0"/>
+              <a:buChar char="•"/>
+            </a:pPr>
+            <a:r>
+              <a:rPr lang="de-DE" dirty="0"/>
+              <a:t>Der Simulator nimmt alle Einstellungsmöglichkeiten entgegen</a:t>
+            </a:r>
+          </a:p>
+          <a:p>
+            <a:pPr marL="285750" indent="-285750">
+              <a:buFont typeface="Arial" panose="020B0604020202020204" pitchFamily="34" charset="0"/>
+              <a:buChar char="•"/>
+            </a:pPr>
+            <a:r>
+              <a:rPr lang="de-DE" dirty="0"/>
+              <a:t>Bei dem Aufruf von </a:t>
+            </a:r>
+            <a:r>
+              <a:rPr lang="de-DE" b="1" dirty="0"/>
+              <a:t>simulate </a:t>
+            </a:r>
+            <a:r>
+              <a:rPr lang="de-DE" dirty="0"/>
+              <a:t>wird eine Generationsstufe durchgeführt</a:t>
+            </a:r>
+          </a:p>
+          <a:p>
+            <a:pPr marL="552450" lvl="1" indent="-285750">
+              <a:buFont typeface="Arial" panose="020B0604020202020204" pitchFamily="34" charset="0"/>
+              <a:buChar char="•"/>
+            </a:pPr>
+            <a:r>
+              <a:rPr lang="de-DE" dirty="0"/>
+              <a:t>Die Genetischen Algorithmen werden automatisch in der richtigen Reihenfolge aufgerufen</a:t>
+            </a:r>
+          </a:p>
+          <a:p>
+            <a:pPr marL="552450" lvl="1" indent="-285750">
+              <a:buFont typeface="Arial" panose="020B0604020202020204" pitchFamily="34" charset="0"/>
+              <a:buChar char="•"/>
+            </a:pPr>
+            <a:r>
+              <a:rPr lang="de-DE" dirty="0"/>
+              <a:t>Gibt statistische Ergebnisse zurück (beste, schlechteste, average)</a:t>
+            </a:r>
+          </a:p>
+          <a:p>
+            <a:pPr marL="285750" indent="-285750">
+              <a:buFont typeface="Arial" panose="020B0604020202020204" pitchFamily="34" charset="0"/>
+              <a:buChar char="•"/>
+            </a:pPr>
+            <a:endParaRPr lang="de-DE" dirty="0"/>
+          </a:p>
+          <a:p>
+            <a:pPr marL="285750" indent="-285750">
+              <a:buFont typeface="Arial" panose="020B0604020202020204" pitchFamily="34" charset="0"/>
+              <a:buChar char="•"/>
+            </a:pPr>
+            <a:r>
+              <a:rPr lang="de-DE" dirty="0"/>
+              <a:t>Die Funktion </a:t>
+            </a:r>
+            <a:r>
+              <a:rPr lang="de-DE" b="1" dirty="0"/>
+              <a:t>best_individual</a:t>
+            </a:r>
+            <a:r>
+              <a:rPr lang="de-DE" dirty="0"/>
+              <a:t> gibt das Individuum mit der größten Fitness zurücl</a:t>
+            </a:r>
+          </a:p>
+          <a:p>
+            <a:pPr marL="285750" indent="-285750">
+              <a:buFont typeface="Arial" panose="020B0604020202020204" pitchFamily="34" charset="0"/>
+              <a:buChar char="•"/>
+            </a:pPr>
+            <a:endParaRPr lang="de-DE" dirty="0"/>
+          </a:p>
+          <a:p>
+            <a:pPr marL="552450" lvl="1" indent="-285750">
+              <a:buFont typeface="Arial" panose="020B0604020202020204" pitchFamily="34" charset="0"/>
+              <a:buChar char="•"/>
+            </a:pPr>
+            <a:endParaRPr lang="de-DE" dirty="0"/>
+          </a:p>
+          <a:p>
+            <a:pPr marL="552450" lvl="1" indent="-285750">
+              <a:buFont typeface="Arial" panose="020B0604020202020204" pitchFamily="34" charset="0"/>
+              <a:buChar char="•"/>
+            </a:pPr>
+            <a:endParaRPr lang="de-DE" dirty="0"/>
+          </a:p>
+          <a:p>
+            <a:pPr lvl="1"/>
+            <a:endParaRPr lang="de-DE" dirty="0"/>
+          </a:p>
+        </p:txBody>
+      </p:sp>
+      <p:pic>
+        <p:nvPicPr>
+          <p:cNvPr id="5" name="Picture 4">
+            <a:extLst>
+              <a:ext uri="{FF2B5EF4-FFF2-40B4-BE49-F238E27FC236}">
+                <a16:creationId xmlns:a16="http://schemas.microsoft.com/office/drawing/2014/main" id="{218822C5-0C67-414D-B6B4-0F36E1BD69C4}"/>
+              </a:ext>
+            </a:extLst>
+          </p:cNvPr>
+          <p:cNvPicPr>
+            <a:picLocks noChangeAspect="1"/>
+          </p:cNvPicPr>
+          <p:nvPr/>
+        </p:nvPicPr>
+        <p:blipFill>
+          <a:blip r:embed="rId2"/>
+          <a:stretch>
+            <a:fillRect/>
+          </a:stretch>
+        </p:blipFill>
+        <p:spPr>
+          <a:xfrm>
+            <a:off x="2358485" y="3568731"/>
+            <a:ext cx="5153025" cy="2419350"/>
+          </a:xfrm>
+          <a:prstGeom prst="rect">
+            <a:avLst/>
+          </a:prstGeom>
+        </p:spPr>
+      </p:pic>
+    </p:spTree>
+    <p:extLst>
+      <p:ext uri="{BB962C8B-B14F-4D97-AF65-F5344CB8AC3E}">
+        <p14:creationId xmlns:p14="http://schemas.microsoft.com/office/powerpoint/2010/main" val="1459846204"/>
+      </p:ext>
+    </p:extLst>
+  </p:cSld>
+  <p:clrMapOvr>
+    <a:masterClrMapping/>
+  </p:clrMapOvr>
+</p:sld>
+</file>
+
+<file path=ppt/slides/slide25.xml><?xml version="1.0" encoding="utf-8"?>
+<p:sld xmlns:a="http://schemas.openxmlformats.org/drawingml/2006/main" xmlns:r="http://schemas.openxmlformats.org/officeDocument/2006/relationships" xmlns:p="http://schemas.openxmlformats.org/presentationml/2006/main">
+  <p:cSld>
+    <p:spTree>
+      <p:nvGrpSpPr>
+        <p:cNvPr id="1" name=""/>
+        <p:cNvGrpSpPr/>
+        <p:nvPr/>
+      </p:nvGrpSpPr>
+      <p:grpSpPr>
+        <a:xfrm>
+          <a:off x="0" y="0"/>
+          <a:ext cx="0" cy="0"/>
+          <a:chOff x="0" y="0"/>
+          <a:chExt cx="0" cy="0"/>
+        </a:xfrm>
+      </p:grpSpPr>
+      <p:sp>
+        <p:nvSpPr>
+          <p:cNvPr id="2" name="Title 1">
+            <a:extLst>
+              <a:ext uri="{FF2B5EF4-FFF2-40B4-BE49-F238E27FC236}">
+                <a16:creationId xmlns:a16="http://schemas.microsoft.com/office/drawing/2014/main" id="{81EFB697-ABB7-4385-A87F-DE3D50F38BDB}"/>
+              </a:ext>
+            </a:extLst>
+          </p:cNvPr>
+          <p:cNvSpPr>
+            <a:spLocks noGrp="1"/>
+          </p:cNvSpPr>
+          <p:nvPr>
+            <p:ph type="title"/>
+          </p:nvPr>
+        </p:nvSpPr>
+        <p:spPr/>
+        <p:txBody>
+          <a:bodyPr/>
+          <a:lstStyle/>
+          <a:p>
+            <a:r>
+              <a:rPr lang="de-DE" dirty="0"/>
+              <a:t>Realisierung – Python-Schnittstelle</a:t>
+            </a:r>
+          </a:p>
+        </p:txBody>
+      </p:sp>
+      <p:sp>
+        <p:nvSpPr>
+          <p:cNvPr id="3" name="Text Placeholder 2">
+            <a:extLst>
+              <a:ext uri="{FF2B5EF4-FFF2-40B4-BE49-F238E27FC236}">
+                <a16:creationId xmlns:a16="http://schemas.microsoft.com/office/drawing/2014/main" id="{778E93AF-5E49-4550-AA2C-7CEF1E9BA9D3}"/>
+              </a:ext>
+            </a:extLst>
+          </p:cNvPr>
+          <p:cNvSpPr>
+            <a:spLocks noGrp="1"/>
+          </p:cNvSpPr>
+          <p:nvPr>
+            <p:ph type="body" sz="quarter" idx="11"/>
+          </p:nvPr>
+        </p:nvSpPr>
+        <p:spPr>
+          <a:xfrm>
+            <a:off x="334963" y="1280160"/>
+            <a:ext cx="11487150" cy="1835902"/>
+          </a:xfrm>
+        </p:spPr>
+        <p:txBody>
+          <a:bodyPr/>
+          <a:lstStyle/>
+          <a:p>
+            <a:pPr marL="285750" indent="-285750">
+              <a:buFont typeface="Arial" panose="020B0604020202020204" pitchFamily="34" charset="0"/>
+              <a:buChar char="•"/>
+            </a:pPr>
+            <a:r>
+              <a:rPr lang="de-DE" dirty="0"/>
+              <a:t>Boost Python Bibliothek</a:t>
+            </a:r>
+          </a:p>
+          <a:p>
+            <a:pPr marL="285750" indent="-285750">
+              <a:buFont typeface="Arial" panose="020B0604020202020204" pitchFamily="34" charset="0"/>
+              <a:buChar char="•"/>
+            </a:pPr>
+            <a:r>
+              <a:rPr lang="de-DE" dirty="0"/>
+              <a:t>Erstellung von Schnittstellen zwischen C++ und Python</a:t>
+            </a:r>
+          </a:p>
+          <a:p>
+            <a:pPr marL="285750" indent="-285750">
+              <a:buFont typeface="Arial" panose="020B0604020202020204" pitchFamily="34" charset="0"/>
+              <a:buChar char="•"/>
+            </a:pPr>
+            <a:r>
+              <a:rPr lang="de-DE" dirty="0"/>
+              <a:t>Schnell und unkompliziert</a:t>
+            </a:r>
+          </a:p>
+        </p:txBody>
+      </p:sp>
+      <p:sp>
+        <p:nvSpPr>
+          <p:cNvPr id="7" name="Text Placeholder 2">
+            <a:extLst>
+              <a:ext uri="{FF2B5EF4-FFF2-40B4-BE49-F238E27FC236}">
+                <a16:creationId xmlns:a16="http://schemas.microsoft.com/office/drawing/2014/main" id="{E5D452C1-DD4D-4E05-90BB-0F8EBB7CDC84}"/>
+              </a:ext>
+            </a:extLst>
+          </p:cNvPr>
+          <p:cNvSpPr txBox="1">
+            <a:spLocks/>
+          </p:cNvSpPr>
+          <p:nvPr/>
+        </p:nvSpPr>
+        <p:spPr bwMode="auto">
+          <a:xfrm>
+            <a:off x="369887" y="2511048"/>
+            <a:ext cx="6723371" cy="3721075"/>
+          </a:xfrm>
+          <a:prstGeom prst="rect">
+            <a:avLst/>
+          </a:prstGeom>
+          <a:noFill/>
+          <a:ln>
+            <a:noFill/>
+          </a:ln>
+          <a:extLst>
+            <a:ext uri="{909E8E84-426E-40DD-AFC4-6F175D3DCCD1}">
+              <a14:hiddenFill xmlns:a14="http://schemas.microsoft.com/office/drawing/2010/main">
+                <a:solidFill>
+                  <a:srgbClr val="FFFFFF"/>
+                </a:solidFill>
+              </a14:hiddenFill>
+            </a:ext>
+            <a:ext uri="{91240B29-F687-4F45-9708-019B960494DF}">
+              <a14:hiddenLine xmlns:a14="http://schemas.microsoft.com/office/drawing/2010/main" w="9525">
+                <a:solidFill>
+                  <a:srgbClr val="000000"/>
+                </a:solidFill>
+                <a:miter lim="800000"/>
+                <a:headEnd/>
+                <a:tailEnd/>
+              </a14:hiddenLine>
+            </a:ext>
+          </a:extLst>
+        </p:spPr>
+        <p:txBody>
+          <a:bodyPr vert="horz" wrap="square" lIns="91440" tIns="45720" rIns="91440" bIns="45720" numCol="1" anchor="t" anchorCtr="0" compatLnSpc="1">
+            <a:prstTxWarp prst="textNoShape">
+              <a:avLst/>
+            </a:prstTxWarp>
+          </a:bodyPr>
+          <a:lstStyle>
+            <a:lvl1pPr marL="0" indent="0" algn="l" rtl="0" eaLnBrk="0" fontAlgn="base" hangingPunct="0">
+              <a:spcBef>
+                <a:spcPct val="20000"/>
+              </a:spcBef>
+              <a:spcAft>
+                <a:spcPct val="0"/>
+              </a:spcAft>
+              <a:buClr>
+                <a:srgbClr val="80BA24"/>
+              </a:buClr>
+              <a:buSzPct val="106000"/>
+              <a:buFontTx/>
+              <a:buNone/>
+              <a:defRPr kern="1200" baseline="0">
+                <a:solidFill>
+                  <a:srgbClr val="4A5C66"/>
+                </a:solidFill>
+                <a:latin typeface="Arial" pitchFamily="34" charset="0"/>
+                <a:ea typeface="MS PGothic" panose="020B0600070205080204" pitchFamily="34" charset="-128"/>
+                <a:cs typeface="Arial" pitchFamily="34" charset="0"/>
+              </a:defRPr>
+            </a:lvl1pPr>
+            <a:lvl2pPr marL="266700" indent="0" algn="l" rtl="0" eaLnBrk="0" fontAlgn="base" hangingPunct="0">
+              <a:spcBef>
+                <a:spcPct val="20000"/>
+              </a:spcBef>
+              <a:spcAft>
+                <a:spcPct val="0"/>
+              </a:spcAft>
+              <a:buClr>
+                <a:srgbClr val="80BA24"/>
+              </a:buClr>
+              <a:buSzPct val="90000"/>
+              <a:buFontTx/>
+              <a:buNone/>
+              <a:defRPr kern="1200">
+                <a:solidFill>
+                  <a:srgbClr val="4A5C66"/>
+                </a:solidFill>
+                <a:latin typeface="Arial" pitchFamily="34" charset="0"/>
+                <a:ea typeface="Arial" charset="0"/>
+                <a:cs typeface="Arial" pitchFamily="34" charset="0"/>
+              </a:defRPr>
+            </a:lvl2pPr>
+            <a:lvl3pPr marL="542925" indent="0" algn="l" rtl="0" eaLnBrk="0" fontAlgn="base" hangingPunct="0">
+              <a:spcBef>
+                <a:spcPct val="20000"/>
+              </a:spcBef>
+              <a:spcAft>
+                <a:spcPct val="0"/>
+              </a:spcAft>
+              <a:buClr>
+                <a:srgbClr val="80BA24"/>
+              </a:buClr>
+              <a:buSzPct val="80000"/>
+              <a:buFontTx/>
+              <a:buNone/>
+              <a:defRPr kern="1200">
+                <a:solidFill>
+                  <a:srgbClr val="4A5C66"/>
+                </a:solidFill>
+                <a:latin typeface="Arial" pitchFamily="34" charset="0"/>
+                <a:ea typeface="Arial" charset="0"/>
+                <a:cs typeface="Arial" pitchFamily="34" charset="0"/>
+              </a:defRPr>
+            </a:lvl3pPr>
+            <a:lvl4pPr marL="809625" indent="0" algn="l" rtl="0" eaLnBrk="0" fontAlgn="base" hangingPunct="0">
+              <a:spcBef>
+                <a:spcPct val="20000"/>
+              </a:spcBef>
+              <a:spcAft>
+                <a:spcPct val="0"/>
+              </a:spcAft>
+              <a:buClr>
+                <a:srgbClr val="80BA24"/>
+              </a:buClr>
+              <a:buSzPct val="80000"/>
+              <a:buFontTx/>
+              <a:buNone/>
+              <a:defRPr kern="1200">
+                <a:solidFill>
+                  <a:srgbClr val="4A5C66"/>
+                </a:solidFill>
+                <a:latin typeface="Arial" pitchFamily="34" charset="0"/>
+                <a:ea typeface="Arial" charset="0"/>
+                <a:cs typeface="Arial" pitchFamily="34" charset="0"/>
+              </a:defRPr>
+            </a:lvl4pPr>
+            <a:lvl5pPr marL="1076325" indent="0" algn="l" rtl="0" eaLnBrk="0" fontAlgn="base" hangingPunct="0">
+              <a:spcBef>
+                <a:spcPct val="20000"/>
+              </a:spcBef>
+              <a:spcAft>
+                <a:spcPct val="0"/>
+              </a:spcAft>
+              <a:buClr>
+                <a:srgbClr val="80BA24"/>
+              </a:buClr>
+              <a:buSzPct val="80000"/>
+              <a:buFontTx/>
+              <a:buNone/>
+              <a:defRPr kern="1200">
+                <a:solidFill>
+                  <a:srgbClr val="4A5C66"/>
+                </a:solidFill>
+                <a:latin typeface="Arial" pitchFamily="34" charset="0"/>
+                <a:ea typeface="Arial" charset="0"/>
+                <a:cs typeface="Arial" pitchFamily="34" charset="0"/>
+              </a:defRPr>
+            </a:lvl5pPr>
+            <a:lvl6pPr marL="2514600" indent="-228600" algn="l" defTabSz="914400" rtl="0" eaLnBrk="1" latinLnBrk="0" hangingPunct="1">
+              <a:spcBef>
+                <a:spcPct val="20000"/>
+              </a:spcBef>
+              <a:buFont typeface="Arial" pitchFamily="34" charset="0"/>
+              <a:buChar char="•"/>
+              <a:defRPr sz="2000" kern="1200">
+                <a:solidFill>
+                  <a:schemeClr val="tx1"/>
+                </a:solidFill>
+                <a:latin typeface="+mn-lt"/>
+                <a:ea typeface="+mn-ea"/>
+                <a:cs typeface="+mn-cs"/>
+              </a:defRPr>
+            </a:lvl6pPr>
+            <a:lvl7pPr marL="2971800" indent="-228600" algn="l" defTabSz="914400" rtl="0" eaLnBrk="1" latinLnBrk="0" hangingPunct="1">
+              <a:spcBef>
+                <a:spcPct val="20000"/>
+              </a:spcBef>
+              <a:buFont typeface="Arial" pitchFamily="34" charset="0"/>
+              <a:buChar char="•"/>
+              <a:defRPr sz="2000" kern="1200">
+                <a:solidFill>
+                  <a:schemeClr val="tx1"/>
+                </a:solidFill>
+                <a:latin typeface="+mn-lt"/>
+                <a:ea typeface="+mn-ea"/>
+                <a:cs typeface="+mn-cs"/>
+              </a:defRPr>
+            </a:lvl7pPr>
+            <a:lvl8pPr marL="3429000" indent="-228600" algn="l" defTabSz="914400" rtl="0" eaLnBrk="1" latinLnBrk="0" hangingPunct="1">
+              <a:spcBef>
+                <a:spcPct val="20000"/>
+              </a:spcBef>
+              <a:buFont typeface="Arial" pitchFamily="34" charset="0"/>
+              <a:buChar char="•"/>
+              <a:defRPr sz="2000" kern="1200">
+                <a:solidFill>
+                  <a:schemeClr val="tx1"/>
+                </a:solidFill>
+                <a:latin typeface="+mn-lt"/>
+                <a:ea typeface="+mn-ea"/>
+                <a:cs typeface="+mn-cs"/>
+              </a:defRPr>
+            </a:lvl8pPr>
+            <a:lvl9pPr marL="3886200" indent="-228600" algn="l" defTabSz="914400" rtl="0" eaLnBrk="1" latinLnBrk="0" hangingPunct="1">
+              <a:spcBef>
+                <a:spcPct val="20000"/>
+              </a:spcBef>
+              <a:buFont typeface="Arial" pitchFamily="34" charset="0"/>
+              <a:buChar char="•"/>
+              <a:defRPr sz="2000" kern="1200">
+                <a:solidFill>
+                  <a:schemeClr val="tx1"/>
+                </a:solidFill>
+                <a:latin typeface="+mn-lt"/>
+                <a:ea typeface="+mn-ea"/>
+                <a:cs typeface="+mn-cs"/>
+              </a:defRPr>
+            </a:lvl9pPr>
+          </a:lstStyle>
+          <a:p>
+            <a:r>
+              <a:rPr lang="en-US" sz="1200" dirty="0">
+                <a:solidFill>
+                  <a:schemeClr val="accent6">
+                    <a:lumMod val="75000"/>
+                  </a:schemeClr>
+                </a:solidFill>
+              </a:rPr>
+              <a:t>BOOST_PYTHON_MODULE</a:t>
+            </a:r>
+            <a:r>
+              <a:rPr lang="en-US" sz="1200" dirty="0"/>
+              <a:t>(</a:t>
+            </a:r>
+            <a:r>
+              <a:rPr lang="en-US" sz="1200" dirty="0" err="1"/>
+              <a:t>Simulator_Wrapper</a:t>
+            </a:r>
+            <a:r>
+              <a:rPr lang="en-US" sz="1200" dirty="0"/>
+              <a:t>)</a:t>
+            </a:r>
+          </a:p>
+          <a:p>
+            <a:r>
+              <a:rPr lang="en-US" sz="1200" dirty="0"/>
+              <a:t>{</a:t>
+            </a:r>
+          </a:p>
+          <a:p>
+            <a:r>
+              <a:rPr lang="de-DE" sz="1200" dirty="0"/>
+              <a:t>    </a:t>
+            </a:r>
+            <a:r>
+              <a:rPr lang="de-DE" sz="1200" dirty="0">
+                <a:solidFill>
+                  <a:schemeClr val="accent6">
+                    <a:lumMod val="75000"/>
+                  </a:schemeClr>
+                </a:solidFill>
+              </a:rPr>
+              <a:t>to_python_converter</a:t>
+            </a:r>
+            <a:r>
+              <a:rPr lang="de-DE" sz="1200" dirty="0"/>
+              <a:t>&lt;std::tuple&lt;int, int, int&gt;, TupleToList&lt;int&gt; &gt;();</a:t>
+            </a:r>
+          </a:p>
+          <a:p>
+            <a:endParaRPr lang="de-DE" sz="1200" dirty="0"/>
+          </a:p>
+          <a:p>
+            <a:r>
+              <a:rPr lang="de-DE" sz="1200" dirty="0"/>
+              <a:t>    </a:t>
+            </a:r>
+            <a:r>
+              <a:rPr lang="de-DE" sz="1200" dirty="0">
+                <a:solidFill>
+                  <a:schemeClr val="accent6">
+                    <a:lumMod val="75000"/>
+                  </a:schemeClr>
+                </a:solidFill>
+              </a:rPr>
+              <a:t>enum_</a:t>
+            </a:r>
+            <a:r>
+              <a:rPr lang="de-DE" sz="1200" dirty="0"/>
+              <a:t>&lt;Selection_Algorithm&gt;("Selection_Algorithm")</a:t>
+            </a:r>
+          </a:p>
+          <a:p>
+            <a:r>
+              <a:rPr lang="de-DE" sz="1200" dirty="0"/>
+              <a:t>            .</a:t>
+            </a:r>
+            <a:r>
+              <a:rPr lang="de-DE" sz="1200" dirty="0">
+                <a:solidFill>
+                  <a:schemeClr val="accent6">
+                    <a:lumMod val="75000"/>
+                  </a:schemeClr>
+                </a:solidFill>
+              </a:rPr>
+              <a:t>value</a:t>
+            </a:r>
+            <a:r>
+              <a:rPr lang="de-DE" sz="1200" dirty="0"/>
+              <a:t>("SOFT", Selection_Algorithm::SOFT);</a:t>
+            </a:r>
+          </a:p>
+          <a:p>
+            <a:endParaRPr lang="de-DE" sz="1200" dirty="0"/>
+          </a:p>
+          <a:p>
+            <a:r>
+              <a:rPr lang="de-DE" sz="1200" dirty="0"/>
+              <a:t>    </a:t>
+            </a:r>
+            <a:r>
+              <a:rPr lang="de-DE" sz="1200" dirty="0">
+                <a:solidFill>
+                  <a:schemeClr val="accent6">
+                    <a:lumMod val="75000"/>
+                  </a:schemeClr>
+                </a:solidFill>
+              </a:rPr>
+              <a:t>class_</a:t>
+            </a:r>
+            <a:r>
+              <a:rPr lang="de-DE" sz="1200" dirty="0"/>
+              <a:t>&lt;Simulator&gt;("Simulator", </a:t>
+            </a:r>
+            <a:r>
+              <a:rPr lang="de-DE" sz="1200" dirty="0">
+                <a:solidFill>
+                  <a:schemeClr val="accent6">
+                    <a:lumMod val="75000"/>
+                  </a:schemeClr>
+                </a:solidFill>
+              </a:rPr>
+              <a:t>init</a:t>
+            </a:r>
+            <a:r>
+              <a:rPr lang="de-DE" sz="1200" dirty="0"/>
+              <a:t>&lt;</a:t>
+            </a:r>
+          </a:p>
+          <a:p>
+            <a:r>
+              <a:rPr lang="de-DE" sz="1200" dirty="0"/>
+              <a:t>            std::string, std::string, std::string,</a:t>
+            </a:r>
+          </a:p>
+          <a:p>
+            <a:r>
+              <a:rPr lang="de-DE" sz="1200" dirty="0"/>
+              <a:t>            int,int,int,int,</a:t>
+            </a:r>
+          </a:p>
+          <a:p>
+            <a:r>
+              <a:rPr lang="de-DE" sz="1200" dirty="0"/>
+              <a:t>            Crossover_Algorithm, Marriage_Algorithm, Mutation_Algorithm, Selection_Algorithm&gt;(</a:t>
+            </a:r>
+          </a:p>
+          <a:p>
+            <a:r>
+              <a:rPr lang="de-DE" sz="1200" dirty="0"/>
+              <a:t>            ))</a:t>
+            </a:r>
+          </a:p>
+          <a:p>
+            <a:r>
+              <a:rPr lang="de-DE" sz="1200" dirty="0"/>
+              <a:t>            .</a:t>
+            </a:r>
+            <a:r>
+              <a:rPr lang="de-DE" sz="1200" dirty="0">
+                <a:solidFill>
+                  <a:schemeClr val="accent6">
+                    <a:lumMod val="75000"/>
+                  </a:schemeClr>
+                </a:solidFill>
+              </a:rPr>
+              <a:t>def</a:t>
+            </a:r>
+            <a:r>
+              <a:rPr lang="de-DE" sz="1200" dirty="0"/>
+              <a:t>("simulate", &amp;Simulator::simulate)</a:t>
+            </a:r>
+          </a:p>
+          <a:p>
+            <a:r>
+              <a:rPr lang="de-DE" sz="1200" dirty="0"/>
+              <a:t>            .</a:t>
+            </a:r>
+            <a:r>
+              <a:rPr lang="de-DE" sz="1200" dirty="0">
+                <a:solidFill>
+                  <a:schemeClr val="accent6">
+                    <a:lumMod val="75000"/>
+                  </a:schemeClr>
+                </a:solidFill>
+              </a:rPr>
+              <a:t>def</a:t>
+            </a:r>
+            <a:r>
+              <a:rPr lang="de-DE" sz="1200" dirty="0"/>
+              <a:t>("finished", &amp;Simulator::finished)</a:t>
+            </a:r>
+          </a:p>
+          <a:p>
+            <a:r>
+              <a:rPr lang="de-DE" sz="1200" dirty="0"/>
+              <a:t>            .</a:t>
+            </a:r>
+            <a:r>
+              <a:rPr lang="de-DE" sz="1200" dirty="0">
+                <a:solidFill>
+                  <a:schemeClr val="accent6">
+                    <a:lumMod val="75000"/>
+                  </a:schemeClr>
+                </a:solidFill>
+              </a:rPr>
+              <a:t>def</a:t>
+            </a:r>
+            <a:r>
+              <a:rPr lang="de-DE" sz="1200" dirty="0"/>
+              <a:t>("best_individual", &amp;Simulator::best_individual);</a:t>
+            </a:r>
+          </a:p>
+          <a:p>
+            <a:r>
+              <a:rPr lang="de-DE" sz="1200" dirty="0"/>
+              <a:t>}</a:t>
+            </a:r>
+            <a:endParaRPr lang="de-DE" sz="1800" dirty="0"/>
+          </a:p>
+        </p:txBody>
+      </p:sp>
+    </p:spTree>
+    <p:extLst>
+      <p:ext uri="{BB962C8B-B14F-4D97-AF65-F5344CB8AC3E}">
+        <p14:creationId xmlns:p14="http://schemas.microsoft.com/office/powerpoint/2010/main" val="580990576"/>
+      </p:ext>
+    </p:extLst>
+  </p:cSld>
+  <p:clrMapOvr>
+    <a:masterClrMapping/>
+  </p:clrMapOvr>
+</p:sld>
+</file>
+
+<file path=ppt/slides/slide26.xml><?xml version="1.0" encoding="utf-8"?>
+<p:sld xmlns:a="http://schemas.openxmlformats.org/drawingml/2006/main" xmlns:r="http://schemas.openxmlformats.org/officeDocument/2006/relationships" xmlns:p="http://schemas.openxmlformats.org/presentationml/2006/main">
+  <p:cSld>
+    <p:spTree>
+      <p:nvGrpSpPr>
+        <p:cNvPr id="1" name=""/>
+        <p:cNvGrpSpPr/>
+        <p:nvPr/>
+      </p:nvGrpSpPr>
+      <p:grpSpPr>
+        <a:xfrm>
+          <a:off x="0" y="0"/>
+          <a:ext cx="0" cy="0"/>
+          <a:chOff x="0" y="0"/>
+          <a:chExt cx="0" cy="0"/>
+        </a:xfrm>
+      </p:grpSpPr>
+      <p:sp>
+        <p:nvSpPr>
+          <p:cNvPr id="2" name="Title 1">
+            <a:extLst>
+              <a:ext uri="{FF2B5EF4-FFF2-40B4-BE49-F238E27FC236}">
+                <a16:creationId xmlns:a16="http://schemas.microsoft.com/office/drawing/2014/main" id="{81EFB697-ABB7-4385-A87F-DE3D50F38BDB}"/>
+              </a:ext>
+            </a:extLst>
+          </p:cNvPr>
+          <p:cNvSpPr>
+            <a:spLocks noGrp="1"/>
+          </p:cNvSpPr>
+          <p:nvPr>
+            <p:ph type="title"/>
+          </p:nvPr>
+        </p:nvSpPr>
+        <p:spPr/>
+        <p:txBody>
+          <a:bodyPr/>
+          <a:lstStyle/>
+          <a:p>
+            <a:r>
+              <a:rPr lang="de-DE" dirty="0"/>
+              <a:t>Realisierung – Testen</a:t>
+            </a:r>
+          </a:p>
+        </p:txBody>
+      </p:sp>
+      <p:sp>
+        <p:nvSpPr>
+          <p:cNvPr id="3" name="Text Placeholder 2">
+            <a:extLst>
+              <a:ext uri="{FF2B5EF4-FFF2-40B4-BE49-F238E27FC236}">
+                <a16:creationId xmlns:a16="http://schemas.microsoft.com/office/drawing/2014/main" id="{778E93AF-5E49-4550-AA2C-7CEF1E9BA9D3}"/>
+              </a:ext>
+            </a:extLst>
+          </p:cNvPr>
+          <p:cNvSpPr>
+            <a:spLocks noGrp="1"/>
+          </p:cNvSpPr>
+          <p:nvPr>
+            <p:ph type="body" sz="quarter" idx="11"/>
+          </p:nvPr>
+        </p:nvSpPr>
+        <p:spPr>
+          <a:xfrm>
+            <a:off x="334963" y="1280160"/>
+            <a:ext cx="10522427" cy="3380617"/>
+          </a:xfrm>
+        </p:spPr>
+        <p:txBody>
+          <a:bodyPr/>
+          <a:lstStyle/>
+          <a:p>
+            <a:r>
+              <a:rPr lang="de-DE" dirty="0"/>
+              <a:t>Wieso ist Testen wichtig?</a:t>
+            </a:r>
+          </a:p>
+          <a:p>
+            <a:pPr marL="285750" indent="-285750">
+              <a:buFont typeface="Arial" panose="020B0604020202020204" pitchFamily="34" charset="0"/>
+              <a:buChar char="•"/>
+            </a:pPr>
+            <a:r>
+              <a:rPr lang="de-DE" dirty="0"/>
+              <a:t>Am Anfang lästig am Ende ein Lebensretter</a:t>
+            </a:r>
+          </a:p>
+          <a:p>
+            <a:pPr marL="285750" indent="-285750">
+              <a:buFont typeface="Arial" panose="020B0604020202020204" pitchFamily="34" charset="0"/>
+              <a:buChar char="•"/>
+            </a:pPr>
+            <a:r>
+              <a:rPr lang="de-DE" dirty="0"/>
+              <a:t>Dokumentiert zusätzlich den Code</a:t>
+            </a:r>
+          </a:p>
+          <a:p>
+            <a:pPr marL="285750" indent="-285750">
+              <a:buFont typeface="Arial" panose="020B0604020202020204" pitchFamily="34" charset="0"/>
+              <a:buChar char="•"/>
+            </a:pPr>
+            <a:r>
+              <a:rPr lang="de-DE" dirty="0"/>
+              <a:t>Es ist ersichtlich was der Entwickler wirklich mit der Funktion/Klasse erreichen wollte</a:t>
+            </a:r>
+          </a:p>
+          <a:p>
+            <a:r>
+              <a:rPr lang="de-DE" dirty="0"/>
+              <a:t>Catch2</a:t>
+            </a:r>
+          </a:p>
+          <a:p>
+            <a:pPr marL="285750" indent="-285750">
+              <a:buFont typeface="Arial" panose="020B0604020202020204" pitchFamily="34" charset="0"/>
+              <a:buChar char="•"/>
+            </a:pPr>
+            <a:r>
+              <a:rPr lang="de-DE" dirty="0"/>
+              <a:t>Schnell im Projekt eingebunden (Single Header Library)</a:t>
+            </a:r>
+          </a:p>
+          <a:p>
+            <a:pPr marL="285750" indent="-285750">
+              <a:buFont typeface="Arial" panose="020B0604020202020204" pitchFamily="34" charset="0"/>
+              <a:buChar char="•"/>
+            </a:pPr>
+            <a:r>
+              <a:rPr lang="de-DE" dirty="0"/>
+              <a:t>Einfach zu verwenden</a:t>
+            </a:r>
+          </a:p>
+          <a:p>
+            <a:pPr marL="285750" indent="-285750">
+              <a:buFont typeface="Arial" panose="020B0604020202020204" pitchFamily="34" charset="0"/>
+              <a:buChar char="•"/>
+            </a:pPr>
+            <a:r>
+              <a:rPr lang="de-DE" dirty="0"/>
+              <a:t>Die Library Entwicklung lief komplett über das Testframework</a:t>
+            </a:r>
+          </a:p>
+          <a:p>
+            <a:pPr marL="552450" lvl="1" indent="-285750">
+              <a:buFont typeface="Arial" panose="020B0604020202020204" pitchFamily="34" charset="0"/>
+              <a:buChar char="•"/>
+            </a:pPr>
+            <a:r>
+              <a:rPr lang="de-DE" dirty="0"/>
+              <a:t>Entwickler werden zur Testerstellung genötigt</a:t>
+            </a:r>
+          </a:p>
+          <a:p>
+            <a:endParaRPr lang="de-DE" dirty="0"/>
+          </a:p>
+        </p:txBody>
+      </p:sp>
+      <p:sp>
+        <p:nvSpPr>
+          <p:cNvPr id="8" name="Text Placeholder 2">
+            <a:extLst>
+              <a:ext uri="{FF2B5EF4-FFF2-40B4-BE49-F238E27FC236}">
+                <a16:creationId xmlns:a16="http://schemas.microsoft.com/office/drawing/2014/main" id="{ACE0721A-9F6D-4080-844A-58B901D8E30D}"/>
+              </a:ext>
+            </a:extLst>
+          </p:cNvPr>
+          <p:cNvSpPr txBox="1">
+            <a:spLocks/>
+          </p:cNvSpPr>
+          <p:nvPr/>
+        </p:nvSpPr>
+        <p:spPr bwMode="auto">
+          <a:xfrm>
+            <a:off x="334963" y="4481645"/>
+            <a:ext cx="11487150" cy="1875561"/>
+          </a:xfrm>
+          <a:prstGeom prst="rect">
+            <a:avLst/>
+          </a:prstGeom>
+          <a:noFill/>
+          <a:ln>
+            <a:noFill/>
+          </a:ln>
+          <a:extLst>
+            <a:ext uri="{909E8E84-426E-40DD-AFC4-6F175D3DCCD1}">
+              <a14:hiddenFill xmlns:a14="http://schemas.microsoft.com/office/drawing/2010/main">
+                <a:solidFill>
+                  <a:srgbClr val="FFFFFF"/>
+                </a:solidFill>
+              </a14:hiddenFill>
+            </a:ext>
+            <a:ext uri="{91240B29-F687-4F45-9708-019B960494DF}">
+              <a14:hiddenLine xmlns:a14="http://schemas.microsoft.com/office/drawing/2010/main" w="9525">
+                <a:solidFill>
+                  <a:srgbClr val="000000"/>
+                </a:solidFill>
+                <a:miter lim="800000"/>
+                <a:headEnd/>
+                <a:tailEnd/>
+              </a14:hiddenLine>
+            </a:ext>
+          </a:extLst>
+        </p:spPr>
+        <p:txBody>
+          <a:bodyPr vert="horz" wrap="square" lIns="91440" tIns="45720" rIns="91440" bIns="45720" numCol="1" anchor="t" anchorCtr="0" compatLnSpc="1">
+            <a:prstTxWarp prst="textNoShape">
+              <a:avLst/>
+            </a:prstTxWarp>
+          </a:bodyPr>
+          <a:lstStyle>
+            <a:lvl1pPr marL="0" indent="0" algn="l" rtl="0" eaLnBrk="0" fontAlgn="base" hangingPunct="0">
+              <a:spcBef>
+                <a:spcPct val="20000"/>
+              </a:spcBef>
+              <a:spcAft>
+                <a:spcPct val="0"/>
+              </a:spcAft>
+              <a:buClr>
+                <a:srgbClr val="80BA24"/>
+              </a:buClr>
+              <a:buSzPct val="106000"/>
+              <a:buFontTx/>
+              <a:buNone/>
+              <a:defRPr kern="1200" baseline="0">
+                <a:solidFill>
+                  <a:srgbClr val="4A5C66"/>
+                </a:solidFill>
+                <a:latin typeface="Arial" pitchFamily="34" charset="0"/>
+                <a:ea typeface="MS PGothic" panose="020B0600070205080204" pitchFamily="34" charset="-128"/>
+                <a:cs typeface="Arial" pitchFamily="34" charset="0"/>
+              </a:defRPr>
+            </a:lvl1pPr>
+            <a:lvl2pPr marL="266700" indent="0" algn="l" rtl="0" eaLnBrk="0" fontAlgn="base" hangingPunct="0">
+              <a:spcBef>
+                <a:spcPct val="20000"/>
+              </a:spcBef>
+              <a:spcAft>
+                <a:spcPct val="0"/>
+              </a:spcAft>
+              <a:buClr>
+                <a:srgbClr val="80BA24"/>
+              </a:buClr>
+              <a:buSzPct val="90000"/>
+              <a:buFontTx/>
+              <a:buNone/>
+              <a:defRPr kern="1200">
+                <a:solidFill>
+                  <a:srgbClr val="4A5C66"/>
+                </a:solidFill>
+                <a:latin typeface="Arial" pitchFamily="34" charset="0"/>
+                <a:ea typeface="Arial" charset="0"/>
+                <a:cs typeface="Arial" pitchFamily="34" charset="0"/>
+              </a:defRPr>
+            </a:lvl2pPr>
+            <a:lvl3pPr marL="542925" indent="0" algn="l" rtl="0" eaLnBrk="0" fontAlgn="base" hangingPunct="0">
+              <a:spcBef>
+                <a:spcPct val="20000"/>
+              </a:spcBef>
+              <a:spcAft>
+                <a:spcPct val="0"/>
+              </a:spcAft>
+              <a:buClr>
+                <a:srgbClr val="80BA24"/>
+              </a:buClr>
+              <a:buSzPct val="80000"/>
+              <a:buFontTx/>
+              <a:buNone/>
+              <a:defRPr kern="1200">
+                <a:solidFill>
+                  <a:srgbClr val="4A5C66"/>
+                </a:solidFill>
+                <a:latin typeface="Arial" pitchFamily="34" charset="0"/>
+                <a:ea typeface="Arial" charset="0"/>
+                <a:cs typeface="Arial" pitchFamily="34" charset="0"/>
+              </a:defRPr>
+            </a:lvl3pPr>
+            <a:lvl4pPr marL="809625" indent="0" algn="l" rtl="0" eaLnBrk="0" fontAlgn="base" hangingPunct="0">
+              <a:spcBef>
+                <a:spcPct val="20000"/>
+              </a:spcBef>
+              <a:spcAft>
+                <a:spcPct val="0"/>
+              </a:spcAft>
+              <a:buClr>
+                <a:srgbClr val="80BA24"/>
+              </a:buClr>
+              <a:buSzPct val="80000"/>
+              <a:buFontTx/>
+              <a:buNone/>
+              <a:defRPr kern="1200">
+                <a:solidFill>
+                  <a:srgbClr val="4A5C66"/>
+                </a:solidFill>
+                <a:latin typeface="Arial" pitchFamily="34" charset="0"/>
+                <a:ea typeface="Arial" charset="0"/>
+                <a:cs typeface="Arial" pitchFamily="34" charset="0"/>
+              </a:defRPr>
+            </a:lvl4pPr>
+            <a:lvl5pPr marL="1076325" indent="0" algn="l" rtl="0" eaLnBrk="0" fontAlgn="base" hangingPunct="0">
+              <a:spcBef>
+                <a:spcPct val="20000"/>
+              </a:spcBef>
+              <a:spcAft>
+                <a:spcPct val="0"/>
+              </a:spcAft>
+              <a:buClr>
+                <a:srgbClr val="80BA24"/>
+              </a:buClr>
+              <a:buSzPct val="80000"/>
+              <a:buFontTx/>
+              <a:buNone/>
+              <a:defRPr kern="1200">
+                <a:solidFill>
+                  <a:srgbClr val="4A5C66"/>
+                </a:solidFill>
+                <a:latin typeface="Arial" pitchFamily="34" charset="0"/>
+                <a:ea typeface="Arial" charset="0"/>
+                <a:cs typeface="Arial" pitchFamily="34" charset="0"/>
+              </a:defRPr>
+            </a:lvl5pPr>
+            <a:lvl6pPr marL="2514600" indent="-228600" algn="l" defTabSz="914400" rtl="0" eaLnBrk="1" latinLnBrk="0" hangingPunct="1">
+              <a:spcBef>
+                <a:spcPct val="20000"/>
+              </a:spcBef>
+              <a:buFont typeface="Arial" pitchFamily="34" charset="0"/>
+              <a:buChar char="•"/>
+              <a:defRPr sz="2000" kern="1200">
+                <a:solidFill>
+                  <a:schemeClr val="tx1"/>
+                </a:solidFill>
+                <a:latin typeface="+mn-lt"/>
+                <a:ea typeface="+mn-ea"/>
+                <a:cs typeface="+mn-cs"/>
+              </a:defRPr>
+            </a:lvl6pPr>
+            <a:lvl7pPr marL="2971800" indent="-228600" algn="l" defTabSz="914400" rtl="0" eaLnBrk="1" latinLnBrk="0" hangingPunct="1">
+              <a:spcBef>
+                <a:spcPct val="20000"/>
+              </a:spcBef>
+              <a:buFont typeface="Arial" pitchFamily="34" charset="0"/>
+              <a:buChar char="•"/>
+              <a:defRPr sz="2000" kern="1200">
+                <a:solidFill>
+                  <a:schemeClr val="tx1"/>
+                </a:solidFill>
+                <a:latin typeface="+mn-lt"/>
+                <a:ea typeface="+mn-ea"/>
+                <a:cs typeface="+mn-cs"/>
+              </a:defRPr>
+            </a:lvl7pPr>
+            <a:lvl8pPr marL="3429000" indent="-228600" algn="l" defTabSz="914400" rtl="0" eaLnBrk="1" latinLnBrk="0" hangingPunct="1">
+              <a:spcBef>
+                <a:spcPct val="20000"/>
+              </a:spcBef>
+              <a:buFont typeface="Arial" pitchFamily="34" charset="0"/>
+              <a:buChar char="•"/>
+              <a:defRPr sz="2000" kern="1200">
+                <a:solidFill>
+                  <a:schemeClr val="tx1"/>
+                </a:solidFill>
+                <a:latin typeface="+mn-lt"/>
+                <a:ea typeface="+mn-ea"/>
+                <a:cs typeface="+mn-cs"/>
+              </a:defRPr>
+            </a:lvl8pPr>
+            <a:lvl9pPr marL="3886200" indent="-228600" algn="l" defTabSz="914400" rtl="0" eaLnBrk="1" latinLnBrk="0" hangingPunct="1">
+              <a:spcBef>
+                <a:spcPct val="20000"/>
+              </a:spcBef>
+              <a:buFont typeface="Arial" pitchFamily="34" charset="0"/>
+              <a:buChar char="•"/>
+              <a:defRPr sz="2000" kern="1200">
+                <a:solidFill>
+                  <a:schemeClr val="tx1"/>
+                </a:solidFill>
+                <a:latin typeface="+mn-lt"/>
+                <a:ea typeface="+mn-ea"/>
+                <a:cs typeface="+mn-cs"/>
+              </a:defRPr>
+            </a:lvl9pPr>
+          </a:lstStyle>
+          <a:p>
+            <a:r>
+              <a:rPr lang="de-DE" sz="1100" dirty="0">
+                <a:solidFill>
+                  <a:schemeClr val="accent6">
+                    <a:lumMod val="75000"/>
+                  </a:schemeClr>
+                </a:solidFill>
+              </a:rPr>
+              <a:t>SCENARIO</a:t>
+            </a:r>
+            <a:r>
+              <a:rPr lang="de-DE" sz="1100" dirty="0"/>
+              <a:t>("Test Individual initialization", "[Individual.cpp]")</a:t>
+            </a:r>
+          </a:p>
+          <a:p>
+            <a:r>
+              <a:rPr lang="de-DE" sz="1100" dirty="0"/>
+              <a:t>{</a:t>
+            </a:r>
+          </a:p>
+          <a:p>
+            <a:r>
+              <a:rPr lang="de-DE" sz="1100" dirty="0"/>
+              <a:t>    </a:t>
+            </a:r>
+            <a:r>
+              <a:rPr lang="de-DE" sz="1100" dirty="0">
+                <a:solidFill>
+                  <a:schemeClr val="accent6">
+                    <a:lumMod val="75000"/>
+                  </a:schemeClr>
+                </a:solidFill>
+              </a:rPr>
+              <a:t>for</a:t>
+            </a:r>
+            <a:r>
+              <a:rPr lang="de-DE" sz="1100" dirty="0"/>
+              <a:t> (int i = 0; i &lt; 100; ++i) {</a:t>
+            </a:r>
+          </a:p>
+          <a:p>
+            <a:r>
+              <a:rPr lang="de-DE" sz="1100" dirty="0"/>
+              <a:t>        Individual individual = Individual(size, idx_start, nullptr, nullptr);</a:t>
+            </a:r>
+          </a:p>
+          <a:p>
+            <a:r>
+              <a:rPr lang="de-DE" sz="1100" dirty="0"/>
+              <a:t>        std::vector&lt;int&gt; chromosome = individual.get_chromosome();</a:t>
+            </a:r>
+          </a:p>
+          <a:p>
+            <a:r>
+              <a:rPr lang="de-DE" sz="1100" dirty="0"/>
+              <a:t>        </a:t>
+            </a:r>
+            <a:r>
+              <a:rPr lang="de-DE" sz="1100" dirty="0">
+                <a:solidFill>
+                  <a:schemeClr val="accent6">
+                    <a:lumMod val="75000"/>
+                  </a:schemeClr>
+                </a:solidFill>
+              </a:rPr>
+              <a:t>REQUIRE</a:t>
+            </a:r>
+            <a:r>
+              <a:rPr lang="de-DE" sz="1100" dirty="0"/>
+              <a:t>(chromosome.size() == (unsigned int) size);</a:t>
+            </a:r>
+          </a:p>
+          <a:p>
+            <a:r>
+              <a:rPr lang="de-DE" sz="1100" dirty="0"/>
+              <a:t>        </a:t>
+            </a:r>
+            <a:r>
+              <a:rPr lang="de-DE" sz="1100" dirty="0">
+                <a:solidFill>
+                  <a:schemeClr val="accent6">
+                    <a:lumMod val="75000"/>
+                  </a:schemeClr>
+                </a:solidFill>
+              </a:rPr>
+              <a:t>REQUIRE</a:t>
+            </a:r>
+            <a:r>
+              <a:rPr lang="de-DE" sz="1100" dirty="0"/>
+              <a:t>(std::unique(chromosome.begin(), chromosome.end()) == chromosome.end());</a:t>
+            </a:r>
+          </a:p>
+          <a:p>
+            <a:r>
+              <a:rPr lang="de-DE" sz="1100" dirty="0"/>
+              <a:t>    }</a:t>
+            </a:r>
+          </a:p>
+          <a:p>
+            <a:r>
+              <a:rPr lang="de-DE" sz="1100" dirty="0"/>
+              <a:t>}</a:t>
+            </a:r>
+          </a:p>
+        </p:txBody>
+      </p:sp>
+    </p:spTree>
+    <p:extLst>
+      <p:ext uri="{BB962C8B-B14F-4D97-AF65-F5344CB8AC3E}">
+        <p14:creationId xmlns:p14="http://schemas.microsoft.com/office/powerpoint/2010/main" val="2116170783"/>
+      </p:ext>
+    </p:extLst>
+  </p:cSld>
+  <p:clrMapOvr>
+    <a:masterClrMapping/>
+  </p:clrMapOvr>
+</p:sld>
+</file>
+
+<file path=ppt/slides/slide27.xml><?xml version="1.0" encoding="utf-8"?>
+<p:sld xmlns:a="http://schemas.openxmlformats.org/drawingml/2006/main" xmlns:r="http://schemas.openxmlformats.org/officeDocument/2006/relationships" xmlns:p="http://schemas.openxmlformats.org/presentationml/2006/main">
+  <p:cSld>
+    <p:spTree>
+      <p:nvGrpSpPr>
+        <p:cNvPr id="1" name=""/>
+        <p:cNvGrpSpPr/>
+        <p:nvPr/>
+      </p:nvGrpSpPr>
+      <p:grpSpPr>
+        <a:xfrm>
+          <a:off x="0" y="0"/>
+          <a:ext cx="0" cy="0"/>
+          <a:chOff x="0" y="0"/>
+          <a:chExt cx="0" cy="0"/>
+        </a:xfrm>
+      </p:grpSpPr>
+      <p:sp>
+        <p:nvSpPr>
+          <p:cNvPr id="2" name="Title 1">
+            <a:extLst>
+              <a:ext uri="{FF2B5EF4-FFF2-40B4-BE49-F238E27FC236}">
                 <a16:creationId xmlns:a16="http://schemas.microsoft.com/office/drawing/2014/main" id="{2BC7ABD1-FA22-4A07-8074-128F2BE75F22}"/>
               </a:ext>
             </a:extLst>
@@ -26309,7 +30821,7 @@
 </p:sld>
 </file>
 
-<file path=ppt/slides/slide21.xml><?xml version="1.0" encoding="utf-8"?>
+<file path=ppt/slides/slide28.xml><?xml version="1.0" encoding="utf-8"?>
 <p:sld xmlns:a="http://schemas.openxmlformats.org/drawingml/2006/main" xmlns:r="http://schemas.openxmlformats.org/officeDocument/2006/relationships" xmlns:p="http://schemas.openxmlformats.org/presentationml/2006/main">
   <p:cSld>
     <p:spTree>
@@ -26372,7 +30884,7 @@
 </p:sld>
 </file>
 
-<file path=ppt/slides/slide22.xml><?xml version="1.0" encoding="utf-8"?>
+<file path=ppt/slides/slide29.xml><?xml version="1.0" encoding="utf-8"?>
 <p:sld xmlns:a="http://schemas.openxmlformats.org/drawingml/2006/main" xmlns:r="http://schemas.openxmlformats.org/officeDocument/2006/relationships" xmlns:p="http://schemas.openxmlformats.org/presentationml/2006/main">
   <p:cSld>
     <p:spTree>
@@ -26561,424 +31073,6 @@
     <p:extLst>
       <p:ext uri="{BB962C8B-B14F-4D97-AF65-F5344CB8AC3E}">
         <p14:creationId xmlns:p14="http://schemas.microsoft.com/office/powerpoint/2010/main" val="3403465121"/>
-      </p:ext>
-    </p:extLst>
-  </p:cSld>
-  <p:clrMapOvr>
-    <a:masterClrMapping/>
-  </p:clrMapOvr>
-</p:sld>
-</file>
-
-<file path=ppt/slides/slide23.xml><?xml version="1.0" encoding="utf-8"?>
-<p:sld xmlns:a="http://schemas.openxmlformats.org/drawingml/2006/main" xmlns:r="http://schemas.openxmlformats.org/officeDocument/2006/relationships" xmlns:p="http://schemas.openxmlformats.org/presentationml/2006/main">
-  <p:cSld>
-    <p:spTree>
-      <p:nvGrpSpPr>
-        <p:cNvPr id="1" name=""/>
-        <p:cNvGrpSpPr/>
-        <p:nvPr/>
-      </p:nvGrpSpPr>
-      <p:grpSpPr>
-        <a:xfrm>
-          <a:off x="0" y="0"/>
-          <a:ext cx="0" cy="0"/>
-          <a:chOff x="0" y="0"/>
-          <a:chExt cx="0" cy="0"/>
-        </a:xfrm>
-      </p:grpSpPr>
-      <p:sp>
-        <p:nvSpPr>
-          <p:cNvPr id="2" name="Title 1">
-            <a:extLst>
-              <a:ext uri="{FF2B5EF4-FFF2-40B4-BE49-F238E27FC236}">
-                <a16:creationId xmlns:a16="http://schemas.microsoft.com/office/drawing/2014/main" id="{0F40E8B6-F477-47BD-92C1-C5A87EE67C52}"/>
-              </a:ext>
-            </a:extLst>
-          </p:cNvPr>
-          <p:cNvSpPr>
-            <a:spLocks noGrp="1"/>
-          </p:cNvSpPr>
-          <p:nvPr>
-            <p:ph type="title"/>
-          </p:nvPr>
-        </p:nvSpPr>
-        <p:spPr/>
-        <p:txBody>
-          <a:bodyPr/>
-          <a:lstStyle/>
-          <a:p>
-            <a:r>
-              <a:rPr lang="de-DE" dirty="0"/>
-              <a:t>Fazit</a:t>
-            </a:r>
-          </a:p>
-        </p:txBody>
-      </p:sp>
-      <p:sp>
-        <p:nvSpPr>
-          <p:cNvPr id="3" name="Text Placeholder 2">
-            <a:extLst>
-              <a:ext uri="{FF2B5EF4-FFF2-40B4-BE49-F238E27FC236}">
-                <a16:creationId xmlns:a16="http://schemas.microsoft.com/office/drawing/2014/main" id="{C7D2FD1F-22A7-4CE1-848E-F26C723EE9B9}"/>
-              </a:ext>
-            </a:extLst>
-          </p:cNvPr>
-          <p:cNvSpPr>
-            <a:spLocks noGrp="1"/>
-          </p:cNvSpPr>
-          <p:nvPr>
-            <p:ph type="body" sz="quarter" idx="11"/>
-          </p:nvPr>
-        </p:nvSpPr>
-        <p:spPr/>
-        <p:txBody>
-          <a:bodyPr/>
-          <a:lstStyle/>
-          <a:p>
-            <a:r>
-              <a:rPr lang="de-DE" dirty="0"/>
-              <a:t>1. Entwicklung eines Systems, das die Möglichkeiten von Genetischen Algorithmen mit dem Beispiel des TSP demonstriert.</a:t>
-            </a:r>
-          </a:p>
-          <a:p>
-            <a:pPr marL="285750" indent="-285750">
-              <a:buFont typeface="Arial" panose="020B0604020202020204" pitchFamily="34" charset="0"/>
-              <a:buChar char="•"/>
-            </a:pPr>
-            <a:r>
-              <a:rPr lang="de-DE" dirty="0"/>
-              <a:t>Funktionalität </a:t>
-            </a:r>
-            <a:r>
-              <a:rPr lang="de-DE" dirty="0">
-                <a:solidFill>
-                  <a:srgbClr val="00B050"/>
-                </a:solidFill>
-                <a:latin typeface="Wingdings" panose="05000000000000000000" pitchFamily="2" charset="2"/>
-              </a:rPr>
-              <a:t>ü</a:t>
-            </a:r>
-            <a:endParaRPr lang="de-DE" dirty="0"/>
-          </a:p>
-          <a:p>
-            <a:pPr marL="285750" indent="-285750">
-              <a:buFont typeface="Arial" panose="020B0604020202020204" pitchFamily="34" charset="0"/>
-              <a:buChar char="•"/>
-            </a:pPr>
-            <a:r>
-              <a:rPr lang="de-DE" dirty="0"/>
-              <a:t>Guter Code </a:t>
-            </a:r>
-            <a:r>
-              <a:rPr lang="de-DE" dirty="0">
-                <a:solidFill>
-                  <a:srgbClr val="00B050"/>
-                </a:solidFill>
-                <a:latin typeface="Wingdings" panose="05000000000000000000" pitchFamily="2" charset="2"/>
-              </a:rPr>
-              <a:t>ü</a:t>
-            </a:r>
-            <a:r>
-              <a:rPr lang="de-DE" dirty="0"/>
-              <a:t>, klare Architektur </a:t>
-            </a:r>
-            <a:r>
-              <a:rPr lang="de-DE" dirty="0">
-                <a:solidFill>
-                  <a:srgbClr val="00B050"/>
-                </a:solidFill>
-                <a:latin typeface="Wingdings" panose="05000000000000000000" pitchFamily="2" charset="2"/>
-              </a:rPr>
-              <a:t>ü</a:t>
-            </a:r>
-            <a:endParaRPr lang="de-DE" dirty="0"/>
-          </a:p>
-          <a:p>
-            <a:pPr marL="285750" indent="-285750">
-              <a:buFont typeface="Arial" panose="020B0604020202020204" pitchFamily="34" charset="0"/>
-              <a:buChar char="•"/>
-            </a:pPr>
-            <a:r>
-              <a:rPr lang="de-DE" dirty="0"/>
-              <a:t>Testbarkeit </a:t>
-            </a:r>
-            <a:r>
-              <a:rPr lang="de-DE" dirty="0">
-                <a:solidFill>
-                  <a:srgbClr val="00B050"/>
-                </a:solidFill>
-                <a:latin typeface="Wingdings" panose="05000000000000000000" pitchFamily="2" charset="2"/>
-              </a:rPr>
-              <a:t>ü</a:t>
-            </a:r>
-            <a:r>
-              <a:rPr lang="de-DE" dirty="0"/>
-              <a:t> , Erweiterbarkeit </a:t>
-            </a:r>
-            <a:r>
-              <a:rPr lang="de-DE" dirty="0">
-                <a:solidFill>
-                  <a:srgbClr val="00B050"/>
-                </a:solidFill>
-                <a:latin typeface="Wingdings" panose="05000000000000000000" pitchFamily="2" charset="2"/>
-              </a:rPr>
-              <a:t>ü</a:t>
-            </a:r>
-            <a:r>
-              <a:rPr lang="de-DE" dirty="0"/>
-              <a:t> , Dokumentation </a:t>
-            </a:r>
-            <a:r>
-              <a:rPr lang="de-DE" dirty="0">
-                <a:solidFill>
-                  <a:srgbClr val="00B050"/>
-                </a:solidFill>
-                <a:latin typeface="Wingdings" panose="05000000000000000000" pitchFamily="2" charset="2"/>
-              </a:rPr>
-              <a:t>ü</a:t>
-            </a:r>
-            <a:r>
-              <a:rPr lang="de-DE" dirty="0"/>
-              <a:t> </a:t>
-            </a:r>
-          </a:p>
-          <a:p>
-            <a:endParaRPr lang="de-DE" dirty="0"/>
-          </a:p>
-          <a:p>
-            <a:r>
-              <a:rPr lang="de-DE" dirty="0"/>
-              <a:t>2. Untersuchung welche Stellschrauben der Genetischen Algorithmen das Resultat in wieweit verbessert/verschlechtert.</a:t>
-            </a:r>
-          </a:p>
-          <a:p>
-            <a:pPr marL="285750" indent="-285750">
-              <a:buFont typeface="Arial" panose="020B0604020202020204" pitchFamily="34" charset="0"/>
-              <a:buChar char="•"/>
-            </a:pPr>
-            <a:r>
-              <a:rPr lang="de-DE" dirty="0"/>
-              <a:t>Experimente konnten zeigen, dass ... .</a:t>
-            </a:r>
-          </a:p>
-        </p:txBody>
-      </p:sp>
-    </p:spTree>
-    <p:extLst>
-      <p:ext uri="{BB962C8B-B14F-4D97-AF65-F5344CB8AC3E}">
-        <p14:creationId xmlns:p14="http://schemas.microsoft.com/office/powerpoint/2010/main" val="2484894277"/>
-      </p:ext>
-    </p:extLst>
-  </p:cSld>
-  <p:clrMapOvr>
-    <a:masterClrMapping/>
-  </p:clrMapOvr>
-</p:sld>
-</file>
-
-<file path=ppt/slides/slide24.xml><?xml version="1.0" encoding="utf-8"?>
-<p:sld xmlns:a="http://schemas.openxmlformats.org/drawingml/2006/main" xmlns:r="http://schemas.openxmlformats.org/officeDocument/2006/relationships" xmlns:p="http://schemas.openxmlformats.org/presentationml/2006/main">
-  <p:cSld>
-    <p:spTree>
-      <p:nvGrpSpPr>
-        <p:cNvPr id="1" name=""/>
-        <p:cNvGrpSpPr/>
-        <p:nvPr/>
-      </p:nvGrpSpPr>
-      <p:grpSpPr>
-        <a:xfrm>
-          <a:off x="0" y="0"/>
-          <a:ext cx="0" cy="0"/>
-          <a:chOff x="0" y="0"/>
-          <a:chExt cx="0" cy="0"/>
-        </a:xfrm>
-      </p:grpSpPr>
-      <p:sp>
-        <p:nvSpPr>
-          <p:cNvPr id="2" name="Title 1">
-            <a:extLst>
-              <a:ext uri="{FF2B5EF4-FFF2-40B4-BE49-F238E27FC236}">
-                <a16:creationId xmlns:a16="http://schemas.microsoft.com/office/drawing/2014/main" id="{5D0F81E1-3827-444D-B85D-94516A9BB0BB}"/>
-              </a:ext>
-            </a:extLst>
-          </p:cNvPr>
-          <p:cNvSpPr>
-            <a:spLocks noGrp="1"/>
-          </p:cNvSpPr>
-          <p:nvPr>
-            <p:ph type="title"/>
-          </p:nvPr>
-        </p:nvSpPr>
-        <p:spPr/>
-        <p:txBody>
-          <a:bodyPr/>
-          <a:lstStyle/>
-          <a:p>
-            <a:r>
-              <a:rPr lang="de-DE" dirty="0"/>
-              <a:t>Ausblick</a:t>
-            </a:r>
-          </a:p>
-        </p:txBody>
-      </p:sp>
-      <p:sp>
-        <p:nvSpPr>
-          <p:cNvPr id="3" name="Text Placeholder 2">
-            <a:extLst>
-              <a:ext uri="{FF2B5EF4-FFF2-40B4-BE49-F238E27FC236}">
-                <a16:creationId xmlns:a16="http://schemas.microsoft.com/office/drawing/2014/main" id="{3894D160-3911-4D19-84D1-924A7E116845}"/>
-              </a:ext>
-            </a:extLst>
-          </p:cNvPr>
-          <p:cNvSpPr>
-            <a:spLocks noGrp="1"/>
-          </p:cNvSpPr>
-          <p:nvPr>
-            <p:ph type="body" sz="quarter" idx="11"/>
-          </p:nvPr>
-        </p:nvSpPr>
-        <p:spPr/>
-        <p:txBody>
-          <a:bodyPr/>
-          <a:lstStyle/>
-          <a:p>
-            <a:pPr marL="285750" indent="-285750">
-              <a:buFont typeface="Arial" panose="020B0604020202020204" pitchFamily="34" charset="0"/>
-              <a:buChar char="•"/>
-            </a:pPr>
-            <a:r>
-              <a:rPr lang="de-DE" dirty="0"/>
-              <a:t>Library vollständig von TSP lösen und generischer Gestalten</a:t>
-            </a:r>
-          </a:p>
-          <a:p>
-            <a:pPr marL="285750" indent="-285750">
-              <a:buFont typeface="Arial" panose="020B0604020202020204" pitchFamily="34" charset="0"/>
-              <a:buChar char="•"/>
-            </a:pPr>
-            <a:r>
-              <a:rPr lang="de-DE" dirty="0"/>
-              <a:t>Performance messen</a:t>
-            </a:r>
-          </a:p>
-          <a:p>
-            <a:pPr marL="285750" indent="-285750">
-              <a:buFont typeface="Arial" panose="020B0604020202020204" pitchFamily="34" charset="0"/>
-              <a:buChar char="•"/>
-            </a:pPr>
-            <a:r>
-              <a:rPr lang="de-DE" dirty="0"/>
-              <a:t>Library veröffentlichen</a:t>
-            </a:r>
-          </a:p>
-        </p:txBody>
-      </p:sp>
-    </p:spTree>
-    <p:extLst>
-      <p:ext uri="{BB962C8B-B14F-4D97-AF65-F5344CB8AC3E}">
-        <p14:creationId xmlns:p14="http://schemas.microsoft.com/office/powerpoint/2010/main" val="2272322917"/>
-      </p:ext>
-    </p:extLst>
-  </p:cSld>
-  <p:clrMapOvr>
-    <a:masterClrMapping/>
-  </p:clrMapOvr>
-</p:sld>
-</file>
-
-<file path=ppt/slides/slide25.xml><?xml version="1.0" encoding="utf-8"?>
-<p:sld xmlns:a="http://schemas.openxmlformats.org/drawingml/2006/main" xmlns:r="http://schemas.openxmlformats.org/officeDocument/2006/relationships" xmlns:p="http://schemas.openxmlformats.org/presentationml/2006/main">
-  <p:cSld>
-    <p:spTree>
-      <p:nvGrpSpPr>
-        <p:cNvPr id="1" name=""/>
-        <p:cNvGrpSpPr/>
-        <p:nvPr/>
-      </p:nvGrpSpPr>
-      <p:grpSpPr>
-        <a:xfrm>
-          <a:off x="0" y="0"/>
-          <a:ext cx="0" cy="0"/>
-          <a:chOff x="0" y="0"/>
-          <a:chExt cx="0" cy="0"/>
-        </a:xfrm>
-      </p:grpSpPr>
-      <p:sp>
-        <p:nvSpPr>
-          <p:cNvPr id="3" name="Textfeld 2">
-            <a:extLst>
-              <a:ext uri="{FF2B5EF4-FFF2-40B4-BE49-F238E27FC236}">
-                <a16:creationId xmlns:a16="http://schemas.microsoft.com/office/drawing/2014/main" id="{21059048-CA97-4EAA-842D-535F0C108203}"/>
-              </a:ext>
-            </a:extLst>
-          </p:cNvPr>
-          <p:cNvSpPr txBox="1"/>
-          <p:nvPr/>
-        </p:nvSpPr>
-        <p:spPr>
-          <a:xfrm>
-            <a:off x="7825273" y="3205901"/>
-            <a:ext cx="3847562" cy="2871437"/>
-          </a:xfrm>
-          <a:prstGeom prst="rect">
-            <a:avLst/>
-          </a:prstGeom>
-          <a:noFill/>
-        </p:spPr>
-        <p:txBody>
-          <a:bodyPr wrap="square" rtlCol="0" anchor="ctr" anchorCtr="0">
-            <a:noAutofit/>
-          </a:bodyPr>
-          <a:lstStyle/>
-          <a:p>
-            <a:pPr algn="ctr"/>
-            <a:r>
-              <a:rPr lang="de-DE" sz="4000">
-                <a:solidFill>
-                  <a:srgbClr val="4A5C66"/>
-                </a:solidFill>
-                <a:latin typeface="Arial" panose="020B0604020202020204" pitchFamily="34" charset="0"/>
-                <a:cs typeface="Arial" panose="020B0604020202020204" pitchFamily="34" charset="0"/>
-              </a:rPr>
-              <a:t>Viele Dank</a:t>
-            </a:r>
-            <a:br>
-              <a:rPr lang="de-DE" sz="4000">
-                <a:solidFill>
-                  <a:srgbClr val="4A5C66"/>
-                </a:solidFill>
-                <a:latin typeface="Arial" panose="020B0604020202020204" pitchFamily="34" charset="0"/>
-                <a:cs typeface="Arial" panose="020B0604020202020204" pitchFamily="34" charset="0"/>
-              </a:rPr>
-            </a:br>
-            <a:r>
-              <a:rPr lang="de-DE" sz="4000">
-                <a:solidFill>
-                  <a:srgbClr val="4A5C66"/>
-                </a:solidFill>
-                <a:latin typeface="Arial" panose="020B0604020202020204" pitchFamily="34" charset="0"/>
-                <a:cs typeface="Arial" panose="020B0604020202020204" pitchFamily="34" charset="0"/>
-              </a:rPr>
-              <a:t>für </a:t>
-            </a:r>
-            <a:r>
-              <a:rPr lang="de-DE" sz="4000" dirty="0">
-                <a:solidFill>
-                  <a:srgbClr val="4A5C66"/>
-                </a:solidFill>
-                <a:latin typeface="Arial" panose="020B0604020202020204" pitchFamily="34" charset="0"/>
-                <a:cs typeface="Arial" panose="020B0604020202020204" pitchFamily="34" charset="0"/>
-              </a:rPr>
-              <a:t>eure Aufmerksamkeit</a:t>
-            </a:r>
-          </a:p>
-        </p:txBody>
-      </p:sp>
-    </p:spTree>
-    <p:extLst>
-      <p:ext uri="{BB962C8B-B14F-4D97-AF65-F5344CB8AC3E}">
-        <p14:creationId xmlns:p14="http://schemas.microsoft.com/office/powerpoint/2010/main" val="4185969896"/>
       </p:ext>
     </p:extLst>
   </p:cSld>
@@ -27112,6 +31206,424 @@
     <p:extLst>
       <p:ext uri="{BB962C8B-B14F-4D97-AF65-F5344CB8AC3E}">
         <p14:creationId xmlns:p14="http://schemas.microsoft.com/office/powerpoint/2010/main" val="3059242604"/>
+      </p:ext>
+    </p:extLst>
+  </p:cSld>
+  <p:clrMapOvr>
+    <a:masterClrMapping/>
+  </p:clrMapOvr>
+</p:sld>
+</file>
+
+<file path=ppt/slides/slide30.xml><?xml version="1.0" encoding="utf-8"?>
+<p:sld xmlns:a="http://schemas.openxmlformats.org/drawingml/2006/main" xmlns:r="http://schemas.openxmlformats.org/officeDocument/2006/relationships" xmlns:p="http://schemas.openxmlformats.org/presentationml/2006/main">
+  <p:cSld>
+    <p:spTree>
+      <p:nvGrpSpPr>
+        <p:cNvPr id="1" name=""/>
+        <p:cNvGrpSpPr/>
+        <p:nvPr/>
+      </p:nvGrpSpPr>
+      <p:grpSpPr>
+        <a:xfrm>
+          <a:off x="0" y="0"/>
+          <a:ext cx="0" cy="0"/>
+          <a:chOff x="0" y="0"/>
+          <a:chExt cx="0" cy="0"/>
+        </a:xfrm>
+      </p:grpSpPr>
+      <p:sp>
+        <p:nvSpPr>
+          <p:cNvPr id="2" name="Title 1">
+            <a:extLst>
+              <a:ext uri="{FF2B5EF4-FFF2-40B4-BE49-F238E27FC236}">
+                <a16:creationId xmlns:a16="http://schemas.microsoft.com/office/drawing/2014/main" id="{0F40E8B6-F477-47BD-92C1-C5A87EE67C52}"/>
+              </a:ext>
+            </a:extLst>
+          </p:cNvPr>
+          <p:cNvSpPr>
+            <a:spLocks noGrp="1"/>
+          </p:cNvSpPr>
+          <p:nvPr>
+            <p:ph type="title"/>
+          </p:nvPr>
+        </p:nvSpPr>
+        <p:spPr/>
+        <p:txBody>
+          <a:bodyPr/>
+          <a:lstStyle/>
+          <a:p>
+            <a:r>
+              <a:rPr lang="de-DE" dirty="0"/>
+              <a:t>Fazit</a:t>
+            </a:r>
+          </a:p>
+        </p:txBody>
+      </p:sp>
+      <p:sp>
+        <p:nvSpPr>
+          <p:cNvPr id="3" name="Text Placeholder 2">
+            <a:extLst>
+              <a:ext uri="{FF2B5EF4-FFF2-40B4-BE49-F238E27FC236}">
+                <a16:creationId xmlns:a16="http://schemas.microsoft.com/office/drawing/2014/main" id="{C7D2FD1F-22A7-4CE1-848E-F26C723EE9B9}"/>
+              </a:ext>
+            </a:extLst>
+          </p:cNvPr>
+          <p:cNvSpPr>
+            <a:spLocks noGrp="1"/>
+          </p:cNvSpPr>
+          <p:nvPr>
+            <p:ph type="body" sz="quarter" idx="11"/>
+          </p:nvPr>
+        </p:nvSpPr>
+        <p:spPr/>
+        <p:txBody>
+          <a:bodyPr/>
+          <a:lstStyle/>
+          <a:p>
+            <a:r>
+              <a:rPr lang="de-DE" dirty="0"/>
+              <a:t>1. Entwicklung eines Systems, das die Möglichkeiten von Genetischen Algorithmen mit dem Beispiel des TSP demonstriert.</a:t>
+            </a:r>
+          </a:p>
+          <a:p>
+            <a:pPr marL="285750" indent="-285750">
+              <a:buFont typeface="Arial" panose="020B0604020202020204" pitchFamily="34" charset="0"/>
+              <a:buChar char="•"/>
+            </a:pPr>
+            <a:r>
+              <a:rPr lang="de-DE" dirty="0"/>
+              <a:t>Funktionalität </a:t>
+            </a:r>
+            <a:r>
+              <a:rPr lang="de-DE" dirty="0">
+                <a:solidFill>
+                  <a:srgbClr val="00B050"/>
+                </a:solidFill>
+                <a:latin typeface="Wingdings" panose="05000000000000000000" pitchFamily="2" charset="2"/>
+              </a:rPr>
+              <a:t>ü</a:t>
+            </a:r>
+            <a:endParaRPr lang="de-DE" dirty="0"/>
+          </a:p>
+          <a:p>
+            <a:pPr marL="285750" indent="-285750">
+              <a:buFont typeface="Arial" panose="020B0604020202020204" pitchFamily="34" charset="0"/>
+              <a:buChar char="•"/>
+            </a:pPr>
+            <a:r>
+              <a:rPr lang="de-DE" dirty="0"/>
+              <a:t>Guter Code </a:t>
+            </a:r>
+            <a:r>
+              <a:rPr lang="de-DE" dirty="0">
+                <a:solidFill>
+                  <a:srgbClr val="00B050"/>
+                </a:solidFill>
+                <a:latin typeface="Wingdings" panose="05000000000000000000" pitchFamily="2" charset="2"/>
+              </a:rPr>
+              <a:t>ü</a:t>
+            </a:r>
+            <a:r>
+              <a:rPr lang="de-DE" dirty="0"/>
+              <a:t>, klare Architektur </a:t>
+            </a:r>
+            <a:r>
+              <a:rPr lang="de-DE" dirty="0">
+                <a:solidFill>
+                  <a:srgbClr val="00B050"/>
+                </a:solidFill>
+                <a:latin typeface="Wingdings" panose="05000000000000000000" pitchFamily="2" charset="2"/>
+              </a:rPr>
+              <a:t>ü</a:t>
+            </a:r>
+            <a:endParaRPr lang="de-DE" dirty="0"/>
+          </a:p>
+          <a:p>
+            <a:pPr marL="285750" indent="-285750">
+              <a:buFont typeface="Arial" panose="020B0604020202020204" pitchFamily="34" charset="0"/>
+              <a:buChar char="•"/>
+            </a:pPr>
+            <a:r>
+              <a:rPr lang="de-DE" dirty="0"/>
+              <a:t>Testbarkeit </a:t>
+            </a:r>
+            <a:r>
+              <a:rPr lang="de-DE" dirty="0">
+                <a:solidFill>
+                  <a:srgbClr val="00B050"/>
+                </a:solidFill>
+                <a:latin typeface="Wingdings" panose="05000000000000000000" pitchFamily="2" charset="2"/>
+              </a:rPr>
+              <a:t>ü</a:t>
+            </a:r>
+            <a:r>
+              <a:rPr lang="de-DE" dirty="0"/>
+              <a:t> , Erweiterbarkeit </a:t>
+            </a:r>
+            <a:r>
+              <a:rPr lang="de-DE" dirty="0">
+                <a:solidFill>
+                  <a:srgbClr val="00B050"/>
+                </a:solidFill>
+                <a:latin typeface="Wingdings" panose="05000000000000000000" pitchFamily="2" charset="2"/>
+              </a:rPr>
+              <a:t>ü</a:t>
+            </a:r>
+            <a:r>
+              <a:rPr lang="de-DE" dirty="0"/>
+              <a:t> , Dokumentation </a:t>
+            </a:r>
+            <a:r>
+              <a:rPr lang="de-DE" dirty="0">
+                <a:solidFill>
+                  <a:srgbClr val="00B050"/>
+                </a:solidFill>
+                <a:latin typeface="Wingdings" panose="05000000000000000000" pitchFamily="2" charset="2"/>
+              </a:rPr>
+              <a:t>ü</a:t>
+            </a:r>
+            <a:r>
+              <a:rPr lang="de-DE" dirty="0"/>
+              <a:t> </a:t>
+            </a:r>
+          </a:p>
+          <a:p>
+            <a:endParaRPr lang="de-DE" dirty="0"/>
+          </a:p>
+          <a:p>
+            <a:r>
+              <a:rPr lang="de-DE" dirty="0"/>
+              <a:t>2. Untersuchung welche Stellschrauben der Genetischen Algorithmen das Resultat in wieweit verbessert/verschlechtert.</a:t>
+            </a:r>
+          </a:p>
+          <a:p>
+            <a:pPr marL="285750" indent="-285750">
+              <a:buFont typeface="Arial" panose="020B0604020202020204" pitchFamily="34" charset="0"/>
+              <a:buChar char="•"/>
+            </a:pPr>
+            <a:r>
+              <a:rPr lang="de-DE" dirty="0"/>
+              <a:t>Experimente konnten zeigen, dass ... .</a:t>
+            </a:r>
+          </a:p>
+        </p:txBody>
+      </p:sp>
+    </p:spTree>
+    <p:extLst>
+      <p:ext uri="{BB962C8B-B14F-4D97-AF65-F5344CB8AC3E}">
+        <p14:creationId xmlns:p14="http://schemas.microsoft.com/office/powerpoint/2010/main" val="2484894277"/>
+      </p:ext>
+    </p:extLst>
+  </p:cSld>
+  <p:clrMapOvr>
+    <a:masterClrMapping/>
+  </p:clrMapOvr>
+</p:sld>
+</file>
+
+<file path=ppt/slides/slide31.xml><?xml version="1.0" encoding="utf-8"?>
+<p:sld xmlns:a="http://schemas.openxmlformats.org/drawingml/2006/main" xmlns:r="http://schemas.openxmlformats.org/officeDocument/2006/relationships" xmlns:p="http://schemas.openxmlformats.org/presentationml/2006/main">
+  <p:cSld>
+    <p:spTree>
+      <p:nvGrpSpPr>
+        <p:cNvPr id="1" name=""/>
+        <p:cNvGrpSpPr/>
+        <p:nvPr/>
+      </p:nvGrpSpPr>
+      <p:grpSpPr>
+        <a:xfrm>
+          <a:off x="0" y="0"/>
+          <a:ext cx="0" cy="0"/>
+          <a:chOff x="0" y="0"/>
+          <a:chExt cx="0" cy="0"/>
+        </a:xfrm>
+      </p:grpSpPr>
+      <p:sp>
+        <p:nvSpPr>
+          <p:cNvPr id="2" name="Title 1">
+            <a:extLst>
+              <a:ext uri="{FF2B5EF4-FFF2-40B4-BE49-F238E27FC236}">
+                <a16:creationId xmlns:a16="http://schemas.microsoft.com/office/drawing/2014/main" id="{5D0F81E1-3827-444D-B85D-94516A9BB0BB}"/>
+              </a:ext>
+            </a:extLst>
+          </p:cNvPr>
+          <p:cNvSpPr>
+            <a:spLocks noGrp="1"/>
+          </p:cNvSpPr>
+          <p:nvPr>
+            <p:ph type="title"/>
+          </p:nvPr>
+        </p:nvSpPr>
+        <p:spPr/>
+        <p:txBody>
+          <a:bodyPr/>
+          <a:lstStyle/>
+          <a:p>
+            <a:r>
+              <a:rPr lang="de-DE" dirty="0"/>
+              <a:t>Ausblick</a:t>
+            </a:r>
+          </a:p>
+        </p:txBody>
+      </p:sp>
+      <p:sp>
+        <p:nvSpPr>
+          <p:cNvPr id="3" name="Text Placeholder 2">
+            <a:extLst>
+              <a:ext uri="{FF2B5EF4-FFF2-40B4-BE49-F238E27FC236}">
+                <a16:creationId xmlns:a16="http://schemas.microsoft.com/office/drawing/2014/main" id="{3894D160-3911-4D19-84D1-924A7E116845}"/>
+              </a:ext>
+            </a:extLst>
+          </p:cNvPr>
+          <p:cNvSpPr>
+            <a:spLocks noGrp="1"/>
+          </p:cNvSpPr>
+          <p:nvPr>
+            <p:ph type="body" sz="quarter" idx="11"/>
+          </p:nvPr>
+        </p:nvSpPr>
+        <p:spPr/>
+        <p:txBody>
+          <a:bodyPr/>
+          <a:lstStyle/>
+          <a:p>
+            <a:pPr marL="285750" indent="-285750">
+              <a:buFont typeface="Arial" panose="020B0604020202020204" pitchFamily="34" charset="0"/>
+              <a:buChar char="•"/>
+            </a:pPr>
+            <a:r>
+              <a:rPr lang="de-DE" dirty="0"/>
+              <a:t>Library vollständig von TSP lösen und generischer Gestalten</a:t>
+            </a:r>
+          </a:p>
+          <a:p>
+            <a:pPr marL="285750" indent="-285750">
+              <a:buFont typeface="Arial" panose="020B0604020202020204" pitchFamily="34" charset="0"/>
+              <a:buChar char="•"/>
+            </a:pPr>
+            <a:r>
+              <a:rPr lang="de-DE" dirty="0"/>
+              <a:t>Performance messen</a:t>
+            </a:r>
+          </a:p>
+          <a:p>
+            <a:pPr marL="285750" indent="-285750">
+              <a:buFont typeface="Arial" panose="020B0604020202020204" pitchFamily="34" charset="0"/>
+              <a:buChar char="•"/>
+            </a:pPr>
+            <a:r>
+              <a:rPr lang="de-DE" dirty="0"/>
+              <a:t>Library veröffentlichen</a:t>
+            </a:r>
+          </a:p>
+        </p:txBody>
+      </p:sp>
+    </p:spTree>
+    <p:extLst>
+      <p:ext uri="{BB962C8B-B14F-4D97-AF65-F5344CB8AC3E}">
+        <p14:creationId xmlns:p14="http://schemas.microsoft.com/office/powerpoint/2010/main" val="2272322917"/>
+      </p:ext>
+    </p:extLst>
+  </p:cSld>
+  <p:clrMapOvr>
+    <a:masterClrMapping/>
+  </p:clrMapOvr>
+</p:sld>
+</file>
+
+<file path=ppt/slides/slide32.xml><?xml version="1.0" encoding="utf-8"?>
+<p:sld xmlns:a="http://schemas.openxmlformats.org/drawingml/2006/main" xmlns:r="http://schemas.openxmlformats.org/officeDocument/2006/relationships" xmlns:p="http://schemas.openxmlformats.org/presentationml/2006/main">
+  <p:cSld>
+    <p:spTree>
+      <p:nvGrpSpPr>
+        <p:cNvPr id="1" name=""/>
+        <p:cNvGrpSpPr/>
+        <p:nvPr/>
+      </p:nvGrpSpPr>
+      <p:grpSpPr>
+        <a:xfrm>
+          <a:off x="0" y="0"/>
+          <a:ext cx="0" cy="0"/>
+          <a:chOff x="0" y="0"/>
+          <a:chExt cx="0" cy="0"/>
+        </a:xfrm>
+      </p:grpSpPr>
+      <p:sp>
+        <p:nvSpPr>
+          <p:cNvPr id="3" name="Textfeld 2">
+            <a:extLst>
+              <a:ext uri="{FF2B5EF4-FFF2-40B4-BE49-F238E27FC236}">
+                <a16:creationId xmlns:a16="http://schemas.microsoft.com/office/drawing/2014/main" id="{21059048-CA97-4EAA-842D-535F0C108203}"/>
+              </a:ext>
+            </a:extLst>
+          </p:cNvPr>
+          <p:cNvSpPr txBox="1"/>
+          <p:nvPr/>
+        </p:nvSpPr>
+        <p:spPr>
+          <a:xfrm>
+            <a:off x="7825273" y="3205901"/>
+            <a:ext cx="3847562" cy="2871437"/>
+          </a:xfrm>
+          <a:prstGeom prst="rect">
+            <a:avLst/>
+          </a:prstGeom>
+          <a:noFill/>
+        </p:spPr>
+        <p:txBody>
+          <a:bodyPr wrap="square" rtlCol="0" anchor="ctr" anchorCtr="0">
+            <a:noAutofit/>
+          </a:bodyPr>
+          <a:lstStyle/>
+          <a:p>
+            <a:pPr algn="ctr"/>
+            <a:r>
+              <a:rPr lang="de-DE" sz="4000">
+                <a:solidFill>
+                  <a:srgbClr val="4A5C66"/>
+                </a:solidFill>
+                <a:latin typeface="Arial" panose="020B0604020202020204" pitchFamily="34" charset="0"/>
+                <a:cs typeface="Arial" panose="020B0604020202020204" pitchFamily="34" charset="0"/>
+              </a:rPr>
+              <a:t>Viele Dank</a:t>
+            </a:r>
+            <a:br>
+              <a:rPr lang="de-DE" sz="4000">
+                <a:solidFill>
+                  <a:srgbClr val="4A5C66"/>
+                </a:solidFill>
+                <a:latin typeface="Arial" panose="020B0604020202020204" pitchFamily="34" charset="0"/>
+                <a:cs typeface="Arial" panose="020B0604020202020204" pitchFamily="34" charset="0"/>
+              </a:rPr>
+            </a:br>
+            <a:r>
+              <a:rPr lang="de-DE" sz="4000">
+                <a:solidFill>
+                  <a:srgbClr val="4A5C66"/>
+                </a:solidFill>
+                <a:latin typeface="Arial" panose="020B0604020202020204" pitchFamily="34" charset="0"/>
+                <a:cs typeface="Arial" panose="020B0604020202020204" pitchFamily="34" charset="0"/>
+              </a:rPr>
+              <a:t>für </a:t>
+            </a:r>
+            <a:r>
+              <a:rPr lang="de-DE" sz="4000" dirty="0">
+                <a:solidFill>
+                  <a:srgbClr val="4A5C66"/>
+                </a:solidFill>
+                <a:latin typeface="Arial" panose="020B0604020202020204" pitchFamily="34" charset="0"/>
+                <a:cs typeface="Arial" panose="020B0604020202020204" pitchFamily="34" charset="0"/>
+              </a:rPr>
+              <a:t>eure Aufmerksamkeit</a:t>
+            </a:r>
+          </a:p>
+        </p:txBody>
+      </p:sp>
+    </p:spTree>
+    <p:extLst>
+      <p:ext uri="{BB962C8B-B14F-4D97-AF65-F5344CB8AC3E}">
+        <p14:creationId xmlns:p14="http://schemas.microsoft.com/office/powerpoint/2010/main" val="4185969896"/>
       </p:ext>
     </p:extLst>
   </p:cSld>

--- a/Projektvortrag/Präsentation Projektvortrag.pptx
+++ b/Projektvortrag/Präsentation Projektvortrag.pptx
@@ -1358,7 +1358,7 @@
           <a:p>
             <a:fld id="{05D446E8-F186-42E5-80D9-72B8BAA14DE1}" type="datetimeFigureOut">
               <a:rPr lang="de-DE" smtClean="0"/>
-              <a:t>20.01.2021</a:t>
+              <a:t>21.01.2021</a:t>
             </a:fld>
             <a:endParaRPr lang="de-DE"/>
           </a:p>
@@ -26538,7 +26538,7 @@
         </p:nvSpPr>
         <p:spPr bwMode="auto">
           <a:xfrm>
-            <a:off x="7531224" y="1093728"/>
+            <a:off x="6678968" y="1049340"/>
             <a:ext cx="4660776" cy="4206240"/>
           </a:xfrm>
           <a:prstGeom prst="rect">
@@ -26752,6 +26752,22 @@
                 <a:spcPts val="600"/>
               </a:spcAft>
             </a:pPr>
+            <a:endParaRPr lang="de-DE" dirty="0"/>
+          </a:p>
+          <a:p>
+            <a:pPr lvl="2">
+              <a:spcAft>
+                <a:spcPts val="600"/>
+              </a:spcAft>
+            </a:pPr>
+            <a:endParaRPr lang="de-DE" dirty="0"/>
+          </a:p>
+          <a:p>
+            <a:pPr lvl="2">
+              <a:spcAft>
+                <a:spcPts val="600"/>
+              </a:spcAft>
+            </a:pPr>
             <a:r>
               <a:rPr lang="de-DE" dirty="0"/>
               <a:t>p1 = 1 2 3 4 5</a:t>
@@ -26778,7 +26794,7 @@
             </a:pPr>
             <a:r>
               <a:rPr lang="de-DE" dirty="0"/>
-              <a:t>Wähle zufällige Startposition</a:t>
+              <a:t>Wähle zufällige Startposition und finde Cycle</a:t>
             </a:r>
           </a:p>
           <a:p>
@@ -26793,17 +26809,27 @@
             </a:r>
             <a:r>
               <a:rPr lang="de-DE" dirty="0">
-                <a:solidFill>
-                  <a:schemeClr val="accent3">
-                    <a:lumMod val="75000"/>
-                  </a:schemeClr>
-                </a:solidFill>
+                <a:highlight>
+                  <a:srgbClr val="00FF00"/>
+                </a:highlight>
               </a:rPr>
               <a:t>2</a:t>
             </a:r>
             <a:r>
               <a:rPr lang="de-DE" dirty="0"/>
-              <a:t> 3 4 5</a:t>
+              <a:t> 3 </a:t>
+            </a:r>
+            <a:r>
+              <a:rPr lang="de-DE" dirty="0">
+                <a:highlight>
+                  <a:srgbClr val="00FF00"/>
+                </a:highlight>
+              </a:rPr>
+              <a:t>4</a:t>
+            </a:r>
+            <a:r>
+              <a:rPr lang="de-DE" dirty="0"/>
+              <a:t> 5</a:t>
             </a:r>
           </a:p>
           <a:p>
@@ -26814,8 +26840,56 @@
             </a:pPr>
             <a:r>
               <a:rPr lang="de-DE" dirty="0"/>
-              <a:t>p2 = 5 4 3 2 1</a:t>
-            </a:r>
+              <a:t>p2 = 5 </a:t>
+            </a:r>
+            <a:r>
+              <a:rPr lang="de-DE" dirty="0">
+                <a:highlight>
+                  <a:srgbClr val="00FF00"/>
+                </a:highlight>
+              </a:rPr>
+              <a:t>4</a:t>
+            </a:r>
+            <a:r>
+              <a:rPr lang="de-DE" dirty="0"/>
+              <a:t> 3 </a:t>
+            </a:r>
+            <a:r>
+              <a:rPr lang="de-DE" dirty="0">
+                <a:highlight>
+                  <a:srgbClr val="00FF00"/>
+                </a:highlight>
+              </a:rPr>
+              <a:t>2</a:t>
+            </a:r>
+            <a:r>
+              <a:rPr lang="de-DE" dirty="0"/>
+              <a:t> 1</a:t>
+            </a:r>
+          </a:p>
+          <a:p>
+            <a:pPr lvl="2">
+              <a:spcAft>
+                <a:spcPts val="600"/>
+              </a:spcAft>
+            </a:pPr>
+            <a:endParaRPr lang="de-DE" dirty="0"/>
+          </a:p>
+          <a:p>
+            <a:pPr lvl="2">
+              <a:spcAft>
+                <a:spcPts val="600"/>
+              </a:spcAft>
+            </a:pPr>
+            <a:endParaRPr lang="de-DE" dirty="0"/>
+          </a:p>
+          <a:p>
+            <a:pPr lvl="2">
+              <a:spcAft>
+                <a:spcPts val="600"/>
+              </a:spcAft>
+            </a:pPr>
+            <a:endParaRPr lang="de-DE" dirty="0"/>
           </a:p>
           <a:p>
             <a:pPr marL="342900" indent="-342900">
@@ -26827,7 +26901,7 @@
             </a:pPr>
             <a:r>
               <a:rPr lang="de-DE" dirty="0"/>
-              <a:t>Übenehme den dort stehenden Wert in Nachkommen</a:t>
+              <a:t>Kopiere die Werte des Cycles aus p1 zu c2 und aus p2 zu c1. Kopiere die Lücken von p1 zu c1 und p2 zu c2.</a:t>
             </a:r>
           </a:p>
           <a:p>
@@ -26836,66 +26910,13 @@
                 <a:spcPts val="600"/>
               </a:spcAft>
             </a:pPr>
-            <a:r>
-              <a:rPr lang="de-DE" dirty="0"/>
-              <a:t>c1 = 2 4</a:t>
-            </a:r>
-          </a:p>
-          <a:p>
-            <a:pPr marL="342900" indent="-342900">
+            <a:endParaRPr lang="de-DE" dirty="0"/>
+          </a:p>
+          <a:p>
+            <a:pPr lvl="2">
               <a:spcAft>
                 <a:spcPts val="600"/>
               </a:spcAft>
-              <a:buFontTx/>
-              <a:buAutoNum type="arabicPeriod"/>
-            </a:pPr>
-            <a:r>
-              <a:rPr lang="de-DE" dirty="0"/>
-              <a:t>Welcher Wert steht an der aktuellen Position im anderen Elternteil? Die Position dieses Wertes im ersten Elternteil ist die neue Position. Wdh. Schritt 2 bis Startpunkt wieder erreicht.</a:t>
-            </a:r>
-          </a:p>
-          <a:p>
-            <a:pPr lvl="2">
-              <a:spcAft>
-                <a:spcPts val="600"/>
-              </a:spcAft>
-            </a:pPr>
-            <a:r>
-              <a:rPr lang="de-DE" dirty="0"/>
-              <a:t>c1 = 2 4 X X X</a:t>
-            </a:r>
-          </a:p>
-          <a:p>
-            <a:pPr marL="342900" indent="-342900">
-              <a:spcAft>
-                <a:spcPts val="600"/>
-              </a:spcAft>
-              <a:buFontTx/>
-              <a:buAutoNum type="arabicPeriod"/>
-            </a:pPr>
-            <a:r>
-              <a:rPr lang="de-DE" dirty="0"/>
-              <a:t>Fülle Lücken mit den Werten wie sie im anderen Elternteil vorkommen</a:t>
-            </a:r>
-          </a:p>
-          <a:p>
-            <a:pPr lvl="2">
-              <a:spcAft>
-                <a:spcPts val="600"/>
-              </a:spcAft>
-            </a:pPr>
-            <a:r>
-              <a:rPr lang="de-DE" dirty="0"/>
-              <a:t>c1 = 2 4 5 3 1 </a:t>
-            </a:r>
-          </a:p>
-          <a:p>
-            <a:pPr marL="342900" indent="-342900">
-              <a:spcAft>
-                <a:spcPts val="600"/>
-              </a:spcAft>
-              <a:buFontTx/>
-              <a:buAutoNum type="arabicPeriod"/>
             </a:pPr>
             <a:endParaRPr lang="de-DE" dirty="0"/>
           </a:p>
@@ -27656,7 +27677,7 @@
         </p:nvSpPr>
         <p:spPr bwMode="auto">
           <a:xfrm>
-            <a:off x="7377344" y="1280160"/>
+            <a:off x="7350711" y="1280160"/>
             <a:ext cx="4660776" cy="4206240"/>
           </a:xfrm>
           <a:prstGeom prst="rect">
@@ -27880,6 +27901,469 @@
               <a:buAutoNum type="arabicPeriod"/>
             </a:pPr>
             <a:endParaRPr lang="de-DE" sz="1800" dirty="0"/>
+          </a:p>
+        </p:txBody>
+      </p:sp>
+      <p:sp>
+        <p:nvSpPr>
+          <p:cNvPr id="6" name="Text Placeholder 2">
+            <a:extLst>
+              <a:ext uri="{FF2B5EF4-FFF2-40B4-BE49-F238E27FC236}">
+                <a16:creationId xmlns:a16="http://schemas.microsoft.com/office/drawing/2014/main" id="{B63ABA4E-72AD-4EDE-AAE8-E7AFC91596BA}"/>
+              </a:ext>
+            </a:extLst>
+          </p:cNvPr>
+          <p:cNvSpPr txBox="1">
+            <a:spLocks/>
+          </p:cNvSpPr>
+          <p:nvPr/>
+        </p:nvSpPr>
+        <p:spPr bwMode="auto">
+          <a:xfrm>
+            <a:off x="6436311" y="1325880"/>
+            <a:ext cx="5575175" cy="4206240"/>
+          </a:xfrm>
+          <a:prstGeom prst="rect">
+            <a:avLst/>
+          </a:prstGeom>
+          <a:noFill/>
+          <a:ln>
+            <a:noFill/>
+          </a:ln>
+          <a:extLst>
+            <a:ext uri="{909E8E84-426E-40DD-AFC4-6F175D3DCCD1}">
+              <a14:hiddenFill xmlns:a14="http://schemas.microsoft.com/office/drawing/2010/main">
+                <a:solidFill>
+                  <a:srgbClr val="FFFFFF"/>
+                </a:solidFill>
+              </a14:hiddenFill>
+            </a:ext>
+            <a:ext uri="{91240B29-F687-4F45-9708-019B960494DF}">
+              <a14:hiddenLine xmlns:a14="http://schemas.microsoft.com/office/drawing/2010/main" w="9525">
+                <a:solidFill>
+                  <a:srgbClr val="000000"/>
+                </a:solidFill>
+                <a:miter lim="800000"/>
+                <a:headEnd/>
+                <a:tailEnd/>
+              </a14:hiddenLine>
+            </a:ext>
+          </a:extLst>
+        </p:spPr>
+        <p:txBody>
+          <a:bodyPr vert="horz" wrap="square" lIns="91440" tIns="45720" rIns="91440" bIns="45720" numCol="1" anchor="t" anchorCtr="0" compatLnSpc="1">
+            <a:prstTxWarp prst="textNoShape">
+              <a:avLst/>
+            </a:prstTxWarp>
+          </a:bodyPr>
+          <a:lstStyle>
+            <a:lvl1pPr marL="0" indent="0" algn="l" rtl="0" eaLnBrk="0" fontAlgn="base" hangingPunct="0">
+              <a:spcBef>
+                <a:spcPct val="20000"/>
+              </a:spcBef>
+              <a:spcAft>
+                <a:spcPct val="0"/>
+              </a:spcAft>
+              <a:buClr>
+                <a:srgbClr val="80BA24"/>
+              </a:buClr>
+              <a:buSzPct val="106000"/>
+              <a:buFontTx/>
+              <a:buNone/>
+              <a:defRPr kern="1200" baseline="0">
+                <a:solidFill>
+                  <a:srgbClr val="4A5C66"/>
+                </a:solidFill>
+                <a:latin typeface="Arial" pitchFamily="34" charset="0"/>
+                <a:ea typeface="MS PGothic" panose="020B0600070205080204" pitchFamily="34" charset="-128"/>
+                <a:cs typeface="Arial" pitchFamily="34" charset="0"/>
+              </a:defRPr>
+            </a:lvl1pPr>
+            <a:lvl2pPr marL="266700" indent="0" algn="l" rtl="0" eaLnBrk="0" fontAlgn="base" hangingPunct="0">
+              <a:spcBef>
+                <a:spcPct val="20000"/>
+              </a:spcBef>
+              <a:spcAft>
+                <a:spcPct val="0"/>
+              </a:spcAft>
+              <a:buClr>
+                <a:srgbClr val="80BA24"/>
+              </a:buClr>
+              <a:buSzPct val="90000"/>
+              <a:buFontTx/>
+              <a:buNone/>
+              <a:defRPr kern="1200">
+                <a:solidFill>
+                  <a:srgbClr val="4A5C66"/>
+                </a:solidFill>
+                <a:latin typeface="Arial" pitchFamily="34" charset="0"/>
+                <a:ea typeface="Arial" charset="0"/>
+                <a:cs typeface="Arial" pitchFamily="34" charset="0"/>
+              </a:defRPr>
+            </a:lvl2pPr>
+            <a:lvl3pPr marL="542925" indent="0" algn="l" rtl="0" eaLnBrk="0" fontAlgn="base" hangingPunct="0">
+              <a:spcBef>
+                <a:spcPct val="20000"/>
+              </a:spcBef>
+              <a:spcAft>
+                <a:spcPct val="0"/>
+              </a:spcAft>
+              <a:buClr>
+                <a:srgbClr val="80BA24"/>
+              </a:buClr>
+              <a:buSzPct val="80000"/>
+              <a:buFontTx/>
+              <a:buNone/>
+              <a:defRPr kern="1200">
+                <a:solidFill>
+                  <a:srgbClr val="4A5C66"/>
+                </a:solidFill>
+                <a:latin typeface="Arial" pitchFamily="34" charset="0"/>
+                <a:ea typeface="Arial" charset="0"/>
+                <a:cs typeface="Arial" pitchFamily="34" charset="0"/>
+              </a:defRPr>
+            </a:lvl3pPr>
+            <a:lvl4pPr marL="809625" indent="0" algn="l" rtl="0" eaLnBrk="0" fontAlgn="base" hangingPunct="0">
+              <a:spcBef>
+                <a:spcPct val="20000"/>
+              </a:spcBef>
+              <a:spcAft>
+                <a:spcPct val="0"/>
+              </a:spcAft>
+              <a:buClr>
+                <a:srgbClr val="80BA24"/>
+              </a:buClr>
+              <a:buSzPct val="80000"/>
+              <a:buFontTx/>
+              <a:buNone/>
+              <a:defRPr kern="1200">
+                <a:solidFill>
+                  <a:srgbClr val="4A5C66"/>
+                </a:solidFill>
+                <a:latin typeface="Arial" pitchFamily="34" charset="0"/>
+                <a:ea typeface="Arial" charset="0"/>
+                <a:cs typeface="Arial" pitchFamily="34" charset="0"/>
+              </a:defRPr>
+            </a:lvl4pPr>
+            <a:lvl5pPr marL="1076325" indent="0" algn="l" rtl="0" eaLnBrk="0" fontAlgn="base" hangingPunct="0">
+              <a:spcBef>
+                <a:spcPct val="20000"/>
+              </a:spcBef>
+              <a:spcAft>
+                <a:spcPct val="0"/>
+              </a:spcAft>
+              <a:buClr>
+                <a:srgbClr val="80BA24"/>
+              </a:buClr>
+              <a:buSzPct val="80000"/>
+              <a:buFontTx/>
+              <a:buNone/>
+              <a:defRPr kern="1200">
+                <a:solidFill>
+                  <a:srgbClr val="4A5C66"/>
+                </a:solidFill>
+                <a:latin typeface="Arial" pitchFamily="34" charset="0"/>
+                <a:ea typeface="Arial" charset="0"/>
+                <a:cs typeface="Arial" pitchFamily="34" charset="0"/>
+              </a:defRPr>
+            </a:lvl5pPr>
+            <a:lvl6pPr marL="2514600" indent="-228600" algn="l" defTabSz="914400" rtl="0" eaLnBrk="1" latinLnBrk="0" hangingPunct="1">
+              <a:spcBef>
+                <a:spcPct val="20000"/>
+              </a:spcBef>
+              <a:buFont typeface="Arial" pitchFamily="34" charset="0"/>
+              <a:buChar char="•"/>
+              <a:defRPr sz="2000" kern="1200">
+                <a:solidFill>
+                  <a:schemeClr val="tx1"/>
+                </a:solidFill>
+                <a:latin typeface="+mn-lt"/>
+                <a:ea typeface="+mn-ea"/>
+                <a:cs typeface="+mn-cs"/>
+              </a:defRPr>
+            </a:lvl6pPr>
+            <a:lvl7pPr marL="2971800" indent="-228600" algn="l" defTabSz="914400" rtl="0" eaLnBrk="1" latinLnBrk="0" hangingPunct="1">
+              <a:spcBef>
+                <a:spcPct val="20000"/>
+              </a:spcBef>
+              <a:buFont typeface="Arial" pitchFamily="34" charset="0"/>
+              <a:buChar char="•"/>
+              <a:defRPr sz="2000" kern="1200">
+                <a:solidFill>
+                  <a:schemeClr val="tx1"/>
+                </a:solidFill>
+                <a:latin typeface="+mn-lt"/>
+                <a:ea typeface="+mn-ea"/>
+                <a:cs typeface="+mn-cs"/>
+              </a:defRPr>
+            </a:lvl7pPr>
+            <a:lvl8pPr marL="3429000" indent="-228600" algn="l" defTabSz="914400" rtl="0" eaLnBrk="1" latinLnBrk="0" hangingPunct="1">
+              <a:spcBef>
+                <a:spcPct val="20000"/>
+              </a:spcBef>
+              <a:buFont typeface="Arial" pitchFamily="34" charset="0"/>
+              <a:buChar char="•"/>
+              <a:defRPr sz="2000" kern="1200">
+                <a:solidFill>
+                  <a:schemeClr val="tx1"/>
+                </a:solidFill>
+                <a:latin typeface="+mn-lt"/>
+                <a:ea typeface="+mn-ea"/>
+                <a:cs typeface="+mn-cs"/>
+              </a:defRPr>
+            </a:lvl8pPr>
+            <a:lvl9pPr marL="3886200" indent="-228600" algn="l" defTabSz="914400" rtl="0" eaLnBrk="1" latinLnBrk="0" hangingPunct="1">
+              <a:spcBef>
+                <a:spcPct val="20000"/>
+              </a:spcBef>
+              <a:buFont typeface="Arial" pitchFamily="34" charset="0"/>
+              <a:buChar char="•"/>
+              <a:defRPr sz="2000" kern="1200">
+                <a:solidFill>
+                  <a:schemeClr val="tx1"/>
+                </a:solidFill>
+                <a:latin typeface="+mn-lt"/>
+                <a:ea typeface="+mn-ea"/>
+                <a:cs typeface="+mn-cs"/>
+              </a:defRPr>
+            </a:lvl9pPr>
+          </a:lstStyle>
+          <a:p>
+            <a:pPr lvl="2">
+              <a:spcAft>
+                <a:spcPts val="600"/>
+              </a:spcAft>
+            </a:pPr>
+            <a:r>
+              <a:rPr lang="de-DE" dirty="0"/>
+              <a:t>p1 = 1 2 3 4 5</a:t>
+            </a:r>
+          </a:p>
+          <a:p>
+            <a:pPr lvl="2">
+              <a:spcAft>
+                <a:spcPts val="600"/>
+              </a:spcAft>
+            </a:pPr>
+            <a:r>
+              <a:rPr lang="de-DE" dirty="0"/>
+              <a:t>p2 = 5 4 3 2 1</a:t>
+            </a:r>
+          </a:p>
+          <a:p>
+            <a:pPr marL="342900" indent="-342900">
+              <a:spcAft>
+                <a:spcPts val="600"/>
+              </a:spcAft>
+              <a:buFont typeface="+mj-lt"/>
+              <a:buAutoNum type="arabicPeriod"/>
+            </a:pPr>
+            <a:r>
+              <a:rPr lang="de-DE" dirty="0"/>
+              <a:t>Anders als bei One-Cycle wird nun der Startpunkt nicht zufällig gewählt. Es werden alle Cycles gefunden. Beginnt wird mit dem Cycle an Index 0. </a:t>
+            </a:r>
+          </a:p>
+          <a:p>
+            <a:pPr lvl="2">
+              <a:spcAft>
+                <a:spcPts val="600"/>
+              </a:spcAft>
+            </a:pPr>
+            <a:r>
+              <a:rPr lang="de-DE" dirty="0"/>
+              <a:t>p1 = </a:t>
+            </a:r>
+            <a:r>
+              <a:rPr lang="de-DE" dirty="0">
+                <a:highlight>
+                  <a:srgbClr val="00FF00"/>
+                </a:highlight>
+              </a:rPr>
+              <a:t>1</a:t>
+            </a:r>
+            <a:r>
+              <a:rPr lang="de-DE" dirty="0"/>
+              <a:t> </a:t>
+            </a:r>
+            <a:r>
+              <a:rPr lang="de-DE" dirty="0">
+                <a:highlight>
+                  <a:srgbClr val="00FFFF"/>
+                </a:highlight>
+              </a:rPr>
+              <a:t>2</a:t>
+            </a:r>
+            <a:r>
+              <a:rPr lang="de-DE" dirty="0"/>
+              <a:t> </a:t>
+            </a:r>
+            <a:r>
+              <a:rPr lang="de-DE" dirty="0">
+                <a:highlight>
+                  <a:srgbClr val="FFFF00"/>
+                </a:highlight>
+              </a:rPr>
+              <a:t>3</a:t>
+            </a:r>
+            <a:r>
+              <a:rPr lang="de-DE" dirty="0"/>
+              <a:t> </a:t>
+            </a:r>
+            <a:r>
+              <a:rPr lang="de-DE" dirty="0">
+                <a:highlight>
+                  <a:srgbClr val="00FFFF"/>
+                </a:highlight>
+              </a:rPr>
+              <a:t>4</a:t>
+            </a:r>
+            <a:r>
+              <a:rPr lang="de-DE" dirty="0"/>
+              <a:t> </a:t>
+            </a:r>
+            <a:r>
+              <a:rPr lang="de-DE" dirty="0">
+                <a:highlight>
+                  <a:srgbClr val="00FF00"/>
+                </a:highlight>
+              </a:rPr>
+              <a:t>5</a:t>
+            </a:r>
+          </a:p>
+          <a:p>
+            <a:pPr lvl="2">
+              <a:spcAft>
+                <a:spcPts val="600"/>
+              </a:spcAft>
+            </a:pPr>
+            <a:r>
+              <a:rPr lang="de-DE" dirty="0"/>
+              <a:t>p2 = </a:t>
+            </a:r>
+            <a:r>
+              <a:rPr lang="de-DE" dirty="0">
+                <a:highlight>
+                  <a:srgbClr val="00FF00"/>
+                </a:highlight>
+              </a:rPr>
+              <a:t>5</a:t>
+            </a:r>
+            <a:r>
+              <a:rPr lang="de-DE" dirty="0"/>
+              <a:t> </a:t>
+            </a:r>
+            <a:r>
+              <a:rPr lang="de-DE" dirty="0">
+                <a:highlight>
+                  <a:srgbClr val="00FFFF"/>
+                </a:highlight>
+              </a:rPr>
+              <a:t>4</a:t>
+            </a:r>
+            <a:r>
+              <a:rPr lang="de-DE" dirty="0"/>
+              <a:t> </a:t>
+            </a:r>
+            <a:r>
+              <a:rPr lang="de-DE" dirty="0">
+                <a:highlight>
+                  <a:srgbClr val="FFFF00"/>
+                </a:highlight>
+              </a:rPr>
+              <a:t>3</a:t>
+            </a:r>
+            <a:r>
+              <a:rPr lang="de-DE" dirty="0"/>
+              <a:t> </a:t>
+            </a:r>
+            <a:r>
+              <a:rPr lang="de-DE" dirty="0">
+                <a:highlight>
+                  <a:srgbClr val="00FFFF"/>
+                </a:highlight>
+              </a:rPr>
+              <a:t>2</a:t>
+            </a:r>
+            <a:r>
+              <a:rPr lang="de-DE" dirty="0"/>
+              <a:t> </a:t>
+            </a:r>
+            <a:r>
+              <a:rPr lang="de-DE" dirty="0">
+                <a:highlight>
+                  <a:srgbClr val="00FF00"/>
+                </a:highlight>
+              </a:rPr>
+              <a:t>1</a:t>
+            </a:r>
+            <a:endParaRPr lang="de-DE" dirty="0"/>
+          </a:p>
+          <a:p>
+            <a:pPr marL="342900" indent="-342900">
+              <a:spcAft>
+                <a:spcPts val="600"/>
+              </a:spcAft>
+              <a:buFont typeface="+mj-lt"/>
+              <a:buAutoNum type="arabicPeriod"/>
+            </a:pPr>
+            <a:endParaRPr lang="de-DE" dirty="0"/>
+          </a:p>
+          <a:p>
+            <a:pPr marL="342900" indent="-342900">
+              <a:spcAft>
+                <a:spcPts val="600"/>
+              </a:spcAft>
+              <a:buFont typeface="+mj-lt"/>
+              <a:buAutoNum type="arabicPeriod"/>
+            </a:pPr>
+            <a:r>
+              <a:rPr lang="de-DE" dirty="0"/>
+              <a:t>Durchlaufe die i Cycles:</a:t>
+            </a:r>
+          </a:p>
+          <a:p>
+            <a:pPr lvl="1">
+              <a:spcAft>
+                <a:spcPts val="600"/>
+              </a:spcAft>
+            </a:pPr>
+            <a:r>
+              <a:rPr lang="de-DE" dirty="0"/>
+              <a:t>Falls i gerade: Werte des Cycles i aus p1 zu c1 kopieren und von p2 zu c 2.</a:t>
+            </a:r>
+          </a:p>
+          <a:p>
+            <a:pPr lvl="1">
+              <a:spcAft>
+                <a:spcPts val="600"/>
+              </a:spcAft>
+            </a:pPr>
+            <a:r>
+              <a:rPr lang="de-DE" dirty="0"/>
+              <a:t>Falls i ungerade: Werte des Cycles i aus p1 zu c2 kopieren und von p2 zu c1.</a:t>
+            </a:r>
+          </a:p>
+          <a:p>
+            <a:pPr lvl="2">
+              <a:spcAft>
+                <a:spcPts val="600"/>
+              </a:spcAft>
+            </a:pPr>
+            <a:r>
+              <a:rPr lang="de-DE" dirty="0"/>
+              <a:t>c1 = 1 4 3 2 5</a:t>
+            </a:r>
+          </a:p>
+          <a:p>
+            <a:pPr lvl="2">
+              <a:spcAft>
+                <a:spcPts val="600"/>
+              </a:spcAft>
+            </a:pPr>
+            <a:r>
+              <a:rPr lang="de-DE" dirty="0"/>
+              <a:t>c2 = 5 2 3 4 1 </a:t>
+            </a:r>
           </a:p>
         </p:txBody>
       </p:sp>

--- a/Projektvortrag/Präsentation Projektvortrag.pptx
+++ b/Projektvortrag/Präsentation Projektvortrag.pptx
@@ -6,10 +6,10 @@
     <p:sldMasterId id="2147483678" r:id="rId2"/>
   </p:sldMasterIdLst>
   <p:notesMasterIdLst>
-    <p:notesMasterId r:id="rId35"/>
+    <p:notesMasterId r:id="rId32"/>
   </p:notesMasterIdLst>
   <p:handoutMasterIdLst>
-    <p:handoutMasterId r:id="rId36"/>
+    <p:handoutMasterId r:id="rId33"/>
   </p:handoutMasterIdLst>
   <p:sldIdLst>
     <p:sldId id="256" r:id="rId3"/>
@@ -27,33 +27,30 @@
     <p:sldId id="274" r:id="rId15"/>
     <p:sldId id="287" r:id="rId16"/>
     <p:sldId id="288" r:id="rId17"/>
-    <p:sldId id="291" r:id="rId18"/>
-    <p:sldId id="293" r:id="rId19"/>
-    <p:sldId id="294" r:id="rId20"/>
-    <p:sldId id="295" r:id="rId21"/>
-    <p:sldId id="290" r:id="rId22"/>
-    <p:sldId id="292" r:id="rId23"/>
-    <p:sldId id="276" r:id="rId24"/>
-    <p:sldId id="277" r:id="rId25"/>
-    <p:sldId id="275" r:id="rId26"/>
-    <p:sldId id="278" r:id="rId27"/>
-    <p:sldId id="286" r:id="rId28"/>
-    <p:sldId id="279" r:id="rId29"/>
-    <p:sldId id="280" r:id="rId30"/>
-    <p:sldId id="281" r:id="rId31"/>
-    <p:sldId id="282" r:id="rId32"/>
-    <p:sldId id="283" r:id="rId33"/>
-    <p:sldId id="257" r:id="rId34"/>
+    <p:sldId id="295" r:id="rId18"/>
+    <p:sldId id="290" r:id="rId19"/>
+    <p:sldId id="292" r:id="rId20"/>
+    <p:sldId id="276" r:id="rId21"/>
+    <p:sldId id="277" r:id="rId22"/>
+    <p:sldId id="275" r:id="rId23"/>
+    <p:sldId id="278" r:id="rId24"/>
+    <p:sldId id="286" r:id="rId25"/>
+    <p:sldId id="279" r:id="rId26"/>
+    <p:sldId id="280" r:id="rId27"/>
+    <p:sldId id="281" r:id="rId28"/>
+    <p:sldId id="282" r:id="rId29"/>
+    <p:sldId id="283" r:id="rId30"/>
+    <p:sldId id="257" r:id="rId31"/>
   </p:sldIdLst>
   <p:sldSz cx="12192000" cy="6858000"/>
   <p:notesSz cx="6858000" cy="9144000"/>
   <p:embeddedFontLst>
     <p:embeddedFont>
       <p:font typeface="Calibri" panose="020F0502020204030204" pitchFamily="34" charset="0"/>
-      <p:regular r:id="rId37"/>
-      <p:bold r:id="rId38"/>
-      <p:italic r:id="rId39"/>
-      <p:boldItalic r:id="rId40"/>
+      <p:regular r:id="rId34"/>
+      <p:bold r:id="rId35"/>
+      <p:italic r:id="rId36"/>
+      <p:boldItalic r:id="rId37"/>
     </p:embeddedFont>
   </p:embeddedFontLst>
   <p:defaultTextStyle>
@@ -305,9 +302,6 @@
             <p14:sldId id="274"/>
             <p14:sldId id="287"/>
             <p14:sldId id="288"/>
-            <p14:sldId id="291"/>
-            <p14:sldId id="293"/>
-            <p14:sldId id="294"/>
             <p14:sldId id="295"/>
             <p14:sldId id="290"/>
             <p14:sldId id="292"/>
@@ -24562,7 +24556,7 @@
         </p:nvSpPr>
         <p:spPr bwMode="auto">
           <a:xfrm>
-            <a:off x="7531224" y="1093728"/>
+            <a:off x="6678968" y="1049340"/>
             <a:ext cx="4660776" cy="4206240"/>
           </a:xfrm>
           <a:prstGeom prst="rect">
@@ -24776,6 +24770,22 @@
                 <a:spcPts val="600"/>
               </a:spcAft>
             </a:pPr>
+            <a:endParaRPr lang="de-DE" dirty="0"/>
+          </a:p>
+          <a:p>
+            <a:pPr lvl="2">
+              <a:spcAft>
+                <a:spcPts val="600"/>
+              </a:spcAft>
+            </a:pPr>
+            <a:endParaRPr lang="de-DE" dirty="0"/>
+          </a:p>
+          <a:p>
+            <a:pPr lvl="2">
+              <a:spcAft>
+                <a:spcPts val="600"/>
+              </a:spcAft>
+            </a:pPr>
             <a:r>
               <a:rPr lang="de-DE" dirty="0"/>
               <a:t>p1 = 1 2 3 4 5</a:t>
@@ -24802,7 +24812,7 @@
             </a:pPr>
             <a:r>
               <a:rPr lang="de-DE" dirty="0"/>
-              <a:t>Wähle zufällige Startposition</a:t>
+              <a:t>Wähle zufällige Startposition und finde Cycle</a:t>
             </a:r>
           </a:p>
           <a:p>
@@ -24817,15 +24827,27 @@
             </a:r>
             <a:r>
               <a:rPr lang="de-DE" dirty="0">
-                <a:solidFill>
-                  <a:srgbClr val="FF0000"/>
-                </a:solidFill>
+                <a:highlight>
+                  <a:srgbClr val="00FF00"/>
+                </a:highlight>
               </a:rPr>
               <a:t>2</a:t>
             </a:r>
             <a:r>
               <a:rPr lang="de-DE" dirty="0"/>
-              <a:t> 3 4 5</a:t>
+              <a:t> 3 </a:t>
+            </a:r>
+            <a:r>
+              <a:rPr lang="de-DE" dirty="0">
+                <a:highlight>
+                  <a:srgbClr val="00FF00"/>
+                </a:highlight>
+              </a:rPr>
+              <a:t>4</a:t>
+            </a:r>
+            <a:r>
+              <a:rPr lang="de-DE" dirty="0"/>
+              <a:t> 5</a:t>
             </a:r>
           </a:p>
           <a:p>
@@ -24836,8 +24858,56 @@
             </a:pPr>
             <a:r>
               <a:rPr lang="de-DE" dirty="0"/>
-              <a:t>p2 = 5 4 3 2 1</a:t>
-            </a:r>
+              <a:t>p2 = 5 </a:t>
+            </a:r>
+            <a:r>
+              <a:rPr lang="de-DE" dirty="0">
+                <a:highlight>
+                  <a:srgbClr val="00FF00"/>
+                </a:highlight>
+              </a:rPr>
+              <a:t>4</a:t>
+            </a:r>
+            <a:r>
+              <a:rPr lang="de-DE" dirty="0"/>
+              <a:t> 3 </a:t>
+            </a:r>
+            <a:r>
+              <a:rPr lang="de-DE" dirty="0">
+                <a:highlight>
+                  <a:srgbClr val="00FF00"/>
+                </a:highlight>
+              </a:rPr>
+              <a:t>2</a:t>
+            </a:r>
+            <a:r>
+              <a:rPr lang="de-DE" dirty="0"/>
+              <a:t> 1</a:t>
+            </a:r>
+          </a:p>
+          <a:p>
+            <a:pPr lvl="2">
+              <a:spcAft>
+                <a:spcPts val="600"/>
+              </a:spcAft>
+            </a:pPr>
+            <a:endParaRPr lang="de-DE" dirty="0"/>
+          </a:p>
+          <a:p>
+            <a:pPr lvl="2">
+              <a:spcAft>
+                <a:spcPts val="600"/>
+              </a:spcAft>
+            </a:pPr>
+            <a:endParaRPr lang="de-DE" dirty="0"/>
+          </a:p>
+          <a:p>
+            <a:pPr lvl="2">
+              <a:spcAft>
+                <a:spcPts val="600"/>
+              </a:spcAft>
+            </a:pPr>
+            <a:endParaRPr lang="de-DE" dirty="0"/>
           </a:p>
           <a:p>
             <a:pPr marL="342900" indent="-342900">
@@ -24849,7 +24919,7 @@
             </a:pPr>
             <a:r>
               <a:rPr lang="de-DE" dirty="0"/>
-              <a:t>Übenehme den dort stehenden Wert in Nachkommen</a:t>
+              <a:t>Kopiere die Werte des Cycles aus p1 zu c2 und aus p2 zu c1. Kopiere die Lücken von p1 zu c1 und p2 zu c2.</a:t>
             </a:r>
           </a:p>
           <a:p>
@@ -24857,54 +24927,23 @@
               <a:spcAft>
                 <a:spcPts val="600"/>
               </a:spcAft>
-            </a:pPr>
-            <a:r>
-              <a:rPr lang="de-DE" dirty="0"/>
-              <a:t>c1 = 2</a:t>
-            </a:r>
-          </a:p>
-          <a:p>
-            <a:pPr marL="342900" indent="-342900">
-              <a:spcAft>
-                <a:spcPts val="600"/>
-              </a:spcAft>
-              <a:buFontTx/>
-              <a:buAutoNum type="arabicPeriod"/>
-            </a:pPr>
-            <a:r>
-              <a:rPr lang="de-DE" dirty="0"/>
-              <a:t>Welcher Wert steht an der aktuellen Position im anderen Elternteil? Die Position dieses Wertes im ersten Elternteil ist die neue Position. Wdh. Schritt 2 bis Startpunkt wieder erreicht.</a:t>
-            </a:r>
-          </a:p>
-          <a:p>
-            <a:pPr marL="342900" indent="-342900">
-              <a:spcAft>
-                <a:spcPts val="600"/>
-              </a:spcAft>
-              <a:buFontTx/>
-              <a:buAutoNum type="arabicPeriod"/>
             </a:pPr>
             <a:endParaRPr lang="de-DE" dirty="0"/>
           </a:p>
           <a:p>
-            <a:pPr marL="342900" indent="-342900">
+            <a:pPr lvl="2">
               <a:spcAft>
                 <a:spcPts val="600"/>
               </a:spcAft>
-              <a:buFontTx/>
-              <a:buAutoNum type="arabicPeriod"/>
             </a:pPr>
-            <a:r>
-              <a:rPr lang="de-DE" dirty="0"/>
-              <a:t>Fülle Lücken mit den Werten wie sie im anderen Elternteil vorkommen</a:t>
-            </a:r>
+            <a:endParaRPr lang="de-DE" dirty="0"/>
           </a:p>
         </p:txBody>
       </p:sp>
     </p:spTree>
     <p:extLst>
       <p:ext uri="{BB962C8B-B14F-4D97-AF65-F5344CB8AC3E}">
-        <p14:creationId xmlns:p14="http://schemas.microsoft.com/office/powerpoint/2010/main" val="2871782835"/>
+        <p14:creationId xmlns:p14="http://schemas.microsoft.com/office/powerpoint/2010/main" val="2814204293"/>
       </p:ext>
     </p:extLst>
   </p:cSld>
@@ -24954,7 +24993,7 @@
           <a:p>
             <a:r>
               <a:rPr lang="de-DE" dirty="0"/>
-              <a:t>Realisierung – Cycle-Crossover-One-Cycle</a:t>
+              <a:t>Realisierung – Cycle-Crossover-All-Cycles</a:t>
             </a:r>
           </a:p>
         </p:txBody>
@@ -24985,8 +25024,11 @@
           <a:bodyPr/>
           <a:lstStyle/>
           <a:p>
-            <a:r>
-              <a:rPr lang="de-DE" sz="1050" dirty="0">
+            <a:endParaRPr lang="de-DE" sz="700" dirty="0"/>
+          </a:p>
+          <a:p>
+            <a:r>
+              <a:rPr lang="de-DE" sz="1000" dirty="0">
                 <a:solidFill>
                   <a:schemeClr val="accent6">
                     <a:lumMod val="75000"/>
@@ -24996,208 +25038,250 @@
               <a:t>bool</a:t>
             </a:r>
             <a:r>
-              <a:rPr lang="de-DE" sz="1050" dirty="0"/>
-              <a:t> cycle_crossover_one_cycle(Individual &amp;p1, Individual &amp;p2, Individual &amp;c1, Individual &amp;c2) {</a:t>
-            </a:r>
-          </a:p>
-          <a:p>
-            <a:r>
-              <a:rPr lang="de-DE" sz="1050" dirty="0"/>
+              <a:rPr lang="de-DE" sz="1000" dirty="0"/>
+              <a:t> cycle_crossover_all_cycles(Individual &amp;p1, Individual &amp;p2, Individual &amp;c1, Individual &amp;c2) {</a:t>
+            </a:r>
+          </a:p>
+          <a:p>
+            <a:r>
+              <a:rPr lang="de-DE" sz="1000" dirty="0"/>
               <a:t>    std::vector&lt;bool&gt; index_flags(p1.get_size(), false);</a:t>
             </a:r>
           </a:p>
           <a:p>
             <a:r>
-              <a:rPr lang="de-DE" sz="1050" dirty="0"/>
-              <a:t>    Cycle cycle;</a:t>
-            </a:r>
-          </a:p>
-          <a:p>
-            <a:r>
-              <a:rPr lang="de-DE" sz="1050" dirty="0"/>
-              <a:t>    int cycle_start_idx = random(p1.get_size());</a:t>
-            </a:r>
-          </a:p>
-          <a:p>
-            <a:r>
-              <a:rPr lang="de-DE" sz="1050" dirty="0"/>
+              <a:rPr lang="de-DE" sz="1000" dirty="0"/>
+              <a:t>    std::vector&lt;Cycle&gt; cycles;</a:t>
+            </a:r>
+          </a:p>
+          <a:p>
+            <a:r>
+              <a:rPr lang="de-DE" sz="1000" dirty="0"/>
               <a:t>    </a:t>
             </a:r>
             <a:r>
-              <a:rPr lang="de-DE" sz="1050" dirty="0">
+              <a:rPr lang="de-DE" sz="1000" dirty="0">
                 <a:solidFill>
                   <a:schemeClr val="accent6">
                     <a:lumMod val="75000"/>
                   </a:schemeClr>
                 </a:solidFill>
               </a:rPr>
-              <a:t>if</a:t>
-            </a:r>
-            <a:r>
-              <a:rPr lang="de-DE" sz="1050" dirty="0"/>
-              <a:t> (!fill_empty_cycle_with_tuples(cycle, cycle_start_idx, p1, p2, index_flags)) {</a:t>
-            </a:r>
-          </a:p>
-          <a:p>
-            <a:r>
-              <a:rPr lang="de-DE" sz="1050" dirty="0"/>
-              <a:t>        return false;</a:t>
-            </a:r>
-          </a:p>
-          <a:p>
-            <a:r>
-              <a:rPr lang="de-DE" sz="1050" dirty="0"/>
-              <a:t>    }</a:t>
-            </a:r>
-          </a:p>
-          <a:p>
-            <a:r>
-              <a:rPr lang="de-DE" sz="1050" dirty="0"/>
-              <a:t>    int tupleCounter = 0;</a:t>
-            </a:r>
-          </a:p>
-          <a:p>
-            <a:r>
-              <a:rPr lang="de-DE" sz="1050" dirty="0"/>
-              <a:t>    </a:t>
-            </a:r>
-            <a:r>
-              <a:rPr lang="de-DE" sz="1050" dirty="0">
+              <a:t>for</a:t>
+            </a:r>
+            <a:r>
+              <a:rPr lang="de-DE" sz="1000" dirty="0"/>
+              <a:t> (int cycle_start_idx = 0; cycle_start_idx &lt; p1.get_size(); ++cycle_start_idx) {</a:t>
+            </a:r>
+          </a:p>
+          <a:p>
+            <a:r>
+              <a:rPr lang="de-DE" sz="1000" dirty="0"/>
+              <a:t>        Cycle cycle;</a:t>
+            </a:r>
+          </a:p>
+          <a:p>
+            <a:r>
+              <a:rPr lang="de-DE" sz="1000" dirty="0"/>
+              <a:t>        </a:t>
+            </a:r>
+            <a:r>
+              <a:rPr lang="de-DE" sz="1000" dirty="0">
                 <a:solidFill>
                   <a:schemeClr val="accent6">
                     <a:lumMod val="75000"/>
                   </a:schemeClr>
                 </a:solidFill>
               </a:rPr>
-              <a:t>for</a:t>
-            </a:r>
-            <a:r>
-              <a:rPr lang="de-DE" sz="1050" dirty="0"/>
-              <a:t> (int i = 0; (unsigned int) i &lt; index_flags.size(); ++i) {</a:t>
-            </a:r>
-          </a:p>
-          <a:p>
-            <a:r>
-              <a:rPr lang="de-DE" sz="1050" dirty="0"/>
-              <a:t>        bool flag = index_flags.at(i);</a:t>
-            </a:r>
-          </a:p>
-          <a:p>
-            <a:r>
-              <a:rPr lang="de-DE" sz="1050" dirty="0"/>
-              <a:t>        </a:t>
-            </a:r>
-            <a:r>
-              <a:rPr lang="de-DE" sz="1050" dirty="0">
+              <a:t>if</a:t>
+            </a:r>
+            <a:r>
+              <a:rPr lang="de-DE" sz="1000" dirty="0"/>
+              <a:t> (!index_flags.at(cycle_start_idx)) {</a:t>
+            </a:r>
+          </a:p>
+          <a:p>
+            <a:r>
+              <a:rPr lang="de-DE" sz="1000" dirty="0"/>
+              <a:t>            if (!fill_empty_cycle_with_tuples(cycle, cycle_start_idx, p1, p2, index_flags)) {</a:t>
+            </a:r>
+          </a:p>
+          <a:p>
+            <a:r>
+              <a:rPr lang="de-DE" sz="1000" dirty="0"/>
+              <a:t>                return false;</a:t>
+            </a:r>
+          </a:p>
+          <a:p>
+            <a:r>
+              <a:rPr lang="de-DE" sz="1000" dirty="0"/>
+              <a:t>            }</a:t>
+            </a:r>
+          </a:p>
+          <a:p>
+            <a:r>
+              <a:rPr lang="de-DE" sz="1000" dirty="0"/>
+              <a:t>            cycles.push_back(cycle);</a:t>
+            </a:r>
+          </a:p>
+          <a:p>
+            <a:r>
+              <a:rPr lang="de-DE" sz="1000" dirty="0"/>
+              <a:t>        }</a:t>
+            </a:r>
+          </a:p>
+          <a:p>
+            <a:r>
+              <a:rPr lang="de-DE" sz="1000" dirty="0"/>
+              <a:t>    }</a:t>
+            </a:r>
+          </a:p>
+          <a:p>
+            <a:r>
+              <a:rPr lang="de-DE" sz="1000" dirty="0"/>
+              <a:t>    </a:t>
+            </a:r>
+            <a:r>
+              <a:rPr lang="de-DE" sz="1000" dirty="0">
                 <a:solidFill>
                   <a:schemeClr val="accent6">
                     <a:lumMod val="75000"/>
                   </a:schemeClr>
                 </a:solidFill>
               </a:rPr>
-              <a:t>if</a:t>
-            </a:r>
-            <a:r>
-              <a:rPr lang="de-DE" sz="1050" dirty="0"/>
-              <a:t> (flag) {</a:t>
-            </a:r>
-          </a:p>
-          <a:p>
-            <a:r>
-              <a:rPr lang="de-DE" sz="1050" dirty="0"/>
-              <a:t>            Tuple &amp;t = cycle.at(tupleCounter);</a:t>
-            </a:r>
-          </a:p>
-          <a:p>
-            <a:r>
-              <a:rPr lang="de-DE" sz="1050" dirty="0"/>
-              <a:t>            tupleCounter++;</a:t>
-            </a:r>
-          </a:p>
-          <a:p>
-            <a:r>
-              <a:rPr lang="de-DE" sz="1050" dirty="0"/>
-              <a:t>            c1.update_chromosome(std::get&lt;1&gt;(t), std::get&lt;0&gt;(t));</a:t>
-            </a:r>
-          </a:p>
-          <a:p>
-            <a:r>
-              <a:rPr lang="de-DE" sz="1050" dirty="0"/>
-              <a:t>            c2.update_chromosome(std::get&lt;2&gt;(t), std::get&lt;0&gt;(t));</a:t>
-            </a:r>
-          </a:p>
-          <a:p>
-            <a:r>
-              <a:rPr lang="de-DE" sz="1050" dirty="0"/>
-              <a:t>        } </a:t>
-            </a:r>
-            <a:r>
-              <a:rPr lang="de-DE" sz="1050" dirty="0">
+              <a:t>for</a:t>
+            </a:r>
+            <a:r>
+              <a:rPr lang="de-DE" sz="1000" dirty="0"/>
+              <a:t> (int i = 0; (unsigned int) i &lt; cycles.size(); ++i) {</a:t>
+            </a:r>
+          </a:p>
+          <a:p>
+            <a:r>
+              <a:rPr lang="de-DE" sz="1000" dirty="0"/>
+              <a:t>        bool cross_copy = i % 2 != 0;</a:t>
+            </a:r>
+          </a:p>
+          <a:p>
+            <a:r>
+              <a:rPr lang="de-DE" sz="1000" dirty="0"/>
+              <a:t>        Cycle &amp;cycle = cycles.at(i);</a:t>
+            </a:r>
+          </a:p>
+          <a:p>
+            <a:r>
+              <a:rPr lang="de-DE" sz="1000" dirty="0"/>
+              <a:t>        </a:t>
+            </a:r>
+            <a:r>
+              <a:rPr lang="de-DE" sz="1000" dirty="0">
                 <a:solidFill>
                   <a:schemeClr val="accent6">
                     <a:lumMod val="75000"/>
                   </a:schemeClr>
                 </a:solidFill>
               </a:rPr>
-              <a:t>else</a:t>
-            </a:r>
-            <a:r>
-              <a:rPr lang="de-DE" sz="1050" dirty="0"/>
-              <a:t> {</a:t>
-            </a:r>
-          </a:p>
-          <a:p>
-            <a:r>
-              <a:rPr lang="de-DE" sz="1050" dirty="0"/>
-              <a:t>            c1.update_chromosome(p2.get_chromosome().at(i), i);</a:t>
-            </a:r>
-          </a:p>
-          <a:p>
-            <a:r>
-              <a:rPr lang="de-DE" sz="1050" dirty="0"/>
-              <a:t>            c2.update_chromosome(p1.get_chromosome().at(i), i);</a:t>
-            </a:r>
-          </a:p>
-          <a:p>
-            <a:r>
-              <a:rPr lang="de-DE" sz="1050" dirty="0"/>
-              <a:t>        }</a:t>
-            </a:r>
-          </a:p>
-          <a:p>
-            <a:r>
-              <a:rPr lang="de-DE" sz="1050" dirty="0"/>
-              <a:t>    }</a:t>
-            </a:r>
-          </a:p>
-          <a:p>
-            <a:r>
-              <a:rPr lang="de-DE" sz="1050" dirty="0"/>
-              <a:t>    </a:t>
-            </a:r>
-            <a:r>
-              <a:rPr lang="de-DE" sz="1050" dirty="0">
+              <a:t>for</a:t>
+            </a:r>
+            <a:r>
+              <a:rPr lang="de-DE" sz="1000" dirty="0"/>
+              <a:t> (Tuple &amp;t : cycle) {</a:t>
+            </a:r>
+          </a:p>
+          <a:p>
+            <a:r>
+              <a:rPr lang="de-DE" sz="1000" dirty="0"/>
+              <a:t>            if (cross_copy) {</a:t>
+            </a:r>
+          </a:p>
+          <a:p>
+            <a:r>
+              <a:rPr lang="de-DE" sz="1000" dirty="0"/>
+              <a:t>                c1.update_chromosome(std::get&lt;2&gt;(t), std::get&lt;0&gt;(t));</a:t>
+            </a:r>
+          </a:p>
+          <a:p>
+            <a:r>
+              <a:rPr lang="de-DE" sz="1000" dirty="0"/>
+              <a:t>                c2.update_chromosome(std::get&lt;1&gt;(t), std::get&lt;0&gt;(t));</a:t>
+            </a:r>
+          </a:p>
+          <a:p>
+            <a:r>
+              <a:rPr lang="de-DE" sz="1000" dirty="0"/>
+              <a:t>            } </a:t>
+            </a:r>
+            <a:r>
+              <a:rPr lang="de-DE" sz="1000" dirty="0">
                 <a:solidFill>
                   <a:schemeClr val="accent6">
                     <a:lumMod val="75000"/>
                   </a:schemeClr>
                 </a:solidFill>
               </a:rPr>
+              <a:t>else</a:t>
+            </a:r>
+            <a:r>
+              <a:rPr lang="de-DE" sz="1000" dirty="0"/>
+              <a:t> {</a:t>
+            </a:r>
+          </a:p>
+          <a:p>
+            <a:r>
+              <a:rPr lang="de-DE" sz="1000" dirty="0"/>
+              <a:t>                c1.update_chromosome(std::get&lt;1&gt;(t), std::get&lt;0&gt;(t));</a:t>
+            </a:r>
+          </a:p>
+          <a:p>
+            <a:r>
+              <a:rPr lang="de-DE" sz="1000" dirty="0"/>
+              <a:t>                c2.update_chromosome(std::get&lt;2&gt;(t), std::get&lt;0&gt;(t));</a:t>
+            </a:r>
+          </a:p>
+          <a:p>
+            <a:r>
+              <a:rPr lang="de-DE" sz="1000" dirty="0"/>
+              <a:t>            }</a:t>
+            </a:r>
+          </a:p>
+          <a:p>
+            <a:r>
+              <a:rPr lang="de-DE" sz="1000" dirty="0"/>
+              <a:t>        }</a:t>
+            </a:r>
+          </a:p>
+          <a:p>
+            <a:r>
+              <a:rPr lang="de-DE" sz="1000" dirty="0"/>
+              <a:t>    }</a:t>
+            </a:r>
+          </a:p>
+          <a:p>
+            <a:r>
+              <a:rPr lang="de-DE" sz="1000" dirty="0"/>
+              <a:t>    </a:t>
+            </a:r>
+            <a:r>
+              <a:rPr lang="de-DE" sz="1000" dirty="0">
+                <a:solidFill>
+                  <a:schemeClr val="accent6">
+                    <a:lumMod val="75000"/>
+                  </a:schemeClr>
+                </a:solidFill>
+              </a:rPr>
               <a:t>return</a:t>
             </a:r>
             <a:r>
-              <a:rPr lang="de-DE" sz="1050" dirty="0"/>
+              <a:rPr lang="de-DE" sz="1000" dirty="0"/>
               <a:t> true;</a:t>
             </a:r>
           </a:p>
           <a:p>
             <a:r>
-              <a:rPr lang="de-DE" sz="1050" dirty="0"/>
+              <a:rPr lang="de-DE" sz="1000" dirty="0"/>
               <a:t>}</a:t>
             </a:r>
-          </a:p>
-          <a:p>
-            <a:endParaRPr lang="de-DE" sz="1050" dirty="0"/>
+            <a:endParaRPr lang="de-DE" sz="900" dirty="0"/>
           </a:p>
         </p:txBody>
       </p:sp>
@@ -25217,7 +25301,7 @@
         </p:nvSpPr>
         <p:spPr bwMode="auto">
           <a:xfrm>
-            <a:off x="7531224" y="1093728"/>
+            <a:off x="7350711" y="1280160"/>
             <a:ext cx="4660776" cy="4206240"/>
           </a:xfrm>
           <a:prstGeom prst="rect">
@@ -25426,6 +25510,249 @@
             </a:lvl9pPr>
           </a:lstStyle>
           <a:p>
+            <a:pPr>
+              <a:spcAft>
+                <a:spcPts val="600"/>
+              </a:spcAft>
+            </a:pPr>
+            <a:endParaRPr lang="de-DE" sz="1800" dirty="0"/>
+          </a:p>
+          <a:p>
+            <a:pPr marL="342900" indent="-342900">
+              <a:spcAft>
+                <a:spcPts val="600"/>
+              </a:spcAft>
+              <a:buAutoNum type="arabicPeriod"/>
+            </a:pPr>
+            <a:endParaRPr lang="de-DE" sz="1800" dirty="0"/>
+          </a:p>
+        </p:txBody>
+      </p:sp>
+      <p:sp>
+        <p:nvSpPr>
+          <p:cNvPr id="6" name="Text Placeholder 2">
+            <a:extLst>
+              <a:ext uri="{FF2B5EF4-FFF2-40B4-BE49-F238E27FC236}">
+                <a16:creationId xmlns:a16="http://schemas.microsoft.com/office/drawing/2014/main" id="{B63ABA4E-72AD-4EDE-AAE8-E7AFC91596BA}"/>
+              </a:ext>
+            </a:extLst>
+          </p:cNvPr>
+          <p:cNvSpPr txBox="1">
+            <a:spLocks/>
+          </p:cNvSpPr>
+          <p:nvPr/>
+        </p:nvSpPr>
+        <p:spPr bwMode="auto">
+          <a:xfrm>
+            <a:off x="6436311" y="1325880"/>
+            <a:ext cx="5575175" cy="4206240"/>
+          </a:xfrm>
+          <a:prstGeom prst="rect">
+            <a:avLst/>
+          </a:prstGeom>
+          <a:noFill/>
+          <a:ln>
+            <a:noFill/>
+          </a:ln>
+          <a:extLst>
+            <a:ext uri="{909E8E84-426E-40DD-AFC4-6F175D3DCCD1}">
+              <a14:hiddenFill xmlns:a14="http://schemas.microsoft.com/office/drawing/2010/main">
+                <a:solidFill>
+                  <a:srgbClr val="FFFFFF"/>
+                </a:solidFill>
+              </a14:hiddenFill>
+            </a:ext>
+            <a:ext uri="{91240B29-F687-4F45-9708-019B960494DF}">
+              <a14:hiddenLine xmlns:a14="http://schemas.microsoft.com/office/drawing/2010/main" w="9525">
+                <a:solidFill>
+                  <a:srgbClr val="000000"/>
+                </a:solidFill>
+                <a:miter lim="800000"/>
+                <a:headEnd/>
+                <a:tailEnd/>
+              </a14:hiddenLine>
+            </a:ext>
+          </a:extLst>
+        </p:spPr>
+        <p:txBody>
+          <a:bodyPr vert="horz" wrap="square" lIns="91440" tIns="45720" rIns="91440" bIns="45720" numCol="1" anchor="t" anchorCtr="0" compatLnSpc="1">
+            <a:prstTxWarp prst="textNoShape">
+              <a:avLst/>
+            </a:prstTxWarp>
+          </a:bodyPr>
+          <a:lstStyle>
+            <a:lvl1pPr marL="0" indent="0" algn="l" rtl="0" eaLnBrk="0" fontAlgn="base" hangingPunct="0">
+              <a:spcBef>
+                <a:spcPct val="20000"/>
+              </a:spcBef>
+              <a:spcAft>
+                <a:spcPct val="0"/>
+              </a:spcAft>
+              <a:buClr>
+                <a:srgbClr val="80BA24"/>
+              </a:buClr>
+              <a:buSzPct val="106000"/>
+              <a:buFontTx/>
+              <a:buNone/>
+              <a:defRPr kern="1200" baseline="0">
+                <a:solidFill>
+                  <a:srgbClr val="4A5C66"/>
+                </a:solidFill>
+                <a:latin typeface="Arial" pitchFamily="34" charset="0"/>
+                <a:ea typeface="MS PGothic" panose="020B0600070205080204" pitchFamily="34" charset="-128"/>
+                <a:cs typeface="Arial" pitchFamily="34" charset="0"/>
+              </a:defRPr>
+            </a:lvl1pPr>
+            <a:lvl2pPr marL="266700" indent="0" algn="l" rtl="0" eaLnBrk="0" fontAlgn="base" hangingPunct="0">
+              <a:spcBef>
+                <a:spcPct val="20000"/>
+              </a:spcBef>
+              <a:spcAft>
+                <a:spcPct val="0"/>
+              </a:spcAft>
+              <a:buClr>
+                <a:srgbClr val="80BA24"/>
+              </a:buClr>
+              <a:buSzPct val="90000"/>
+              <a:buFontTx/>
+              <a:buNone/>
+              <a:defRPr kern="1200">
+                <a:solidFill>
+                  <a:srgbClr val="4A5C66"/>
+                </a:solidFill>
+                <a:latin typeface="Arial" pitchFamily="34" charset="0"/>
+                <a:ea typeface="Arial" charset="0"/>
+                <a:cs typeface="Arial" pitchFamily="34" charset="0"/>
+              </a:defRPr>
+            </a:lvl2pPr>
+            <a:lvl3pPr marL="542925" indent="0" algn="l" rtl="0" eaLnBrk="0" fontAlgn="base" hangingPunct="0">
+              <a:spcBef>
+                <a:spcPct val="20000"/>
+              </a:spcBef>
+              <a:spcAft>
+                <a:spcPct val="0"/>
+              </a:spcAft>
+              <a:buClr>
+                <a:srgbClr val="80BA24"/>
+              </a:buClr>
+              <a:buSzPct val="80000"/>
+              <a:buFontTx/>
+              <a:buNone/>
+              <a:defRPr kern="1200">
+                <a:solidFill>
+                  <a:srgbClr val="4A5C66"/>
+                </a:solidFill>
+                <a:latin typeface="Arial" pitchFamily="34" charset="0"/>
+                <a:ea typeface="Arial" charset="0"/>
+                <a:cs typeface="Arial" pitchFamily="34" charset="0"/>
+              </a:defRPr>
+            </a:lvl3pPr>
+            <a:lvl4pPr marL="809625" indent="0" algn="l" rtl="0" eaLnBrk="0" fontAlgn="base" hangingPunct="0">
+              <a:spcBef>
+                <a:spcPct val="20000"/>
+              </a:spcBef>
+              <a:spcAft>
+                <a:spcPct val="0"/>
+              </a:spcAft>
+              <a:buClr>
+                <a:srgbClr val="80BA24"/>
+              </a:buClr>
+              <a:buSzPct val="80000"/>
+              <a:buFontTx/>
+              <a:buNone/>
+              <a:defRPr kern="1200">
+                <a:solidFill>
+                  <a:srgbClr val="4A5C66"/>
+                </a:solidFill>
+                <a:latin typeface="Arial" pitchFamily="34" charset="0"/>
+                <a:ea typeface="Arial" charset="0"/>
+                <a:cs typeface="Arial" pitchFamily="34" charset="0"/>
+              </a:defRPr>
+            </a:lvl4pPr>
+            <a:lvl5pPr marL="1076325" indent="0" algn="l" rtl="0" eaLnBrk="0" fontAlgn="base" hangingPunct="0">
+              <a:spcBef>
+                <a:spcPct val="20000"/>
+              </a:spcBef>
+              <a:spcAft>
+                <a:spcPct val="0"/>
+              </a:spcAft>
+              <a:buClr>
+                <a:srgbClr val="80BA24"/>
+              </a:buClr>
+              <a:buSzPct val="80000"/>
+              <a:buFontTx/>
+              <a:buNone/>
+              <a:defRPr kern="1200">
+                <a:solidFill>
+                  <a:srgbClr val="4A5C66"/>
+                </a:solidFill>
+                <a:latin typeface="Arial" pitchFamily="34" charset="0"/>
+                <a:ea typeface="Arial" charset="0"/>
+                <a:cs typeface="Arial" pitchFamily="34" charset="0"/>
+              </a:defRPr>
+            </a:lvl5pPr>
+            <a:lvl6pPr marL="2514600" indent="-228600" algn="l" defTabSz="914400" rtl="0" eaLnBrk="1" latinLnBrk="0" hangingPunct="1">
+              <a:spcBef>
+                <a:spcPct val="20000"/>
+              </a:spcBef>
+              <a:buFont typeface="Arial" pitchFamily="34" charset="0"/>
+              <a:buChar char="•"/>
+              <a:defRPr sz="2000" kern="1200">
+                <a:solidFill>
+                  <a:schemeClr val="tx1"/>
+                </a:solidFill>
+                <a:latin typeface="+mn-lt"/>
+                <a:ea typeface="+mn-ea"/>
+                <a:cs typeface="+mn-cs"/>
+              </a:defRPr>
+            </a:lvl6pPr>
+            <a:lvl7pPr marL="2971800" indent="-228600" algn="l" defTabSz="914400" rtl="0" eaLnBrk="1" latinLnBrk="0" hangingPunct="1">
+              <a:spcBef>
+                <a:spcPct val="20000"/>
+              </a:spcBef>
+              <a:buFont typeface="Arial" pitchFamily="34" charset="0"/>
+              <a:buChar char="•"/>
+              <a:defRPr sz="2000" kern="1200">
+                <a:solidFill>
+                  <a:schemeClr val="tx1"/>
+                </a:solidFill>
+                <a:latin typeface="+mn-lt"/>
+                <a:ea typeface="+mn-ea"/>
+                <a:cs typeface="+mn-cs"/>
+              </a:defRPr>
+            </a:lvl7pPr>
+            <a:lvl8pPr marL="3429000" indent="-228600" algn="l" defTabSz="914400" rtl="0" eaLnBrk="1" latinLnBrk="0" hangingPunct="1">
+              <a:spcBef>
+                <a:spcPct val="20000"/>
+              </a:spcBef>
+              <a:buFont typeface="Arial" pitchFamily="34" charset="0"/>
+              <a:buChar char="•"/>
+              <a:defRPr sz="2000" kern="1200">
+                <a:solidFill>
+                  <a:schemeClr val="tx1"/>
+                </a:solidFill>
+                <a:latin typeface="+mn-lt"/>
+                <a:ea typeface="+mn-ea"/>
+                <a:cs typeface="+mn-cs"/>
+              </a:defRPr>
+            </a:lvl8pPr>
+            <a:lvl9pPr marL="3886200" indent="-228600" algn="l" defTabSz="914400" rtl="0" eaLnBrk="1" latinLnBrk="0" hangingPunct="1">
+              <a:spcBef>
+                <a:spcPct val="20000"/>
+              </a:spcBef>
+              <a:buFont typeface="Arial" pitchFamily="34" charset="0"/>
+              <a:buChar char="•"/>
+              <a:defRPr sz="2000" kern="1200">
+                <a:solidFill>
+                  <a:schemeClr val="tx1"/>
+                </a:solidFill>
+                <a:latin typeface="+mn-lt"/>
+                <a:ea typeface="+mn-ea"/>
+                <a:cs typeface="+mn-cs"/>
+              </a:defRPr>
+            </a:lvl9pPr>
+          </a:lstStyle>
+          <a:p>
             <a:pPr lvl="2">
               <a:spcAft>
                 <a:spcPts val="600"/>
@@ -25452,12 +25779,12 @@
               <a:spcAft>
                 <a:spcPts val="600"/>
               </a:spcAft>
-              <a:buFontTx/>
+              <a:buFont typeface="+mj-lt"/>
               <a:buAutoNum type="arabicPeriod"/>
             </a:pPr>
             <a:r>
               <a:rPr lang="de-DE" dirty="0"/>
-              <a:t>Wähle zufällige Startposition</a:t>
+              <a:t>Anders als bei One-Cycle wird nun der Startpunkt nicht zufällig gewählt. Es werden alle Cycles gefunden. Beginnt wird mit dem Cycle an Index 0. </a:t>
             </a:r>
           </a:p>
           <a:p>
@@ -25468,19 +25795,63 @@
             </a:pPr>
             <a:r>
               <a:rPr lang="de-DE" dirty="0"/>
-              <a:t>p1 = 1 2 3 </a:t>
+              <a:t>p1 = </a:t>
             </a:r>
             <a:r>
               <a:rPr lang="de-DE" dirty="0">
-                <a:solidFill>
-                  <a:srgbClr val="FF0000"/>
-                </a:solidFill>
+                <a:highlight>
+                  <a:srgbClr val="00FF00"/>
+                </a:highlight>
+              </a:rPr>
+              <a:t>1</a:t>
+            </a:r>
+            <a:r>
+              <a:rPr lang="de-DE" dirty="0"/>
+              <a:t> </a:t>
+            </a:r>
+            <a:r>
+              <a:rPr lang="de-DE" dirty="0">
+                <a:highlight>
+                  <a:srgbClr val="00FFFF"/>
+                </a:highlight>
+              </a:rPr>
+              <a:t>2</a:t>
+            </a:r>
+            <a:r>
+              <a:rPr lang="de-DE" dirty="0"/>
+              <a:t> </a:t>
+            </a:r>
+            <a:r>
+              <a:rPr lang="de-DE" dirty="0">
+                <a:highlight>
+                  <a:srgbClr val="FFFF00"/>
+                </a:highlight>
+              </a:rPr>
+              <a:t>3</a:t>
+            </a:r>
+            <a:r>
+              <a:rPr lang="de-DE" dirty="0"/>
+              <a:t> </a:t>
+            </a:r>
+            <a:r>
+              <a:rPr lang="de-DE" dirty="0">
+                <a:highlight>
+                  <a:srgbClr val="00FFFF"/>
+                </a:highlight>
               </a:rPr>
               <a:t>4</a:t>
             </a:r>
             <a:r>
               <a:rPr lang="de-DE" dirty="0"/>
-              <a:t> 5</a:t>
+              <a:t> </a:t>
+            </a:r>
+            <a:r>
+              <a:rPr lang="de-DE" dirty="0">
+                <a:highlight>
+                  <a:srgbClr val="00FF00"/>
+                </a:highlight>
+              </a:rPr>
+              <a:t>5</a:t>
             </a:r>
           </a:p>
           <a:p>
@@ -25491,52 +25862,72 @@
             </a:pPr>
             <a:r>
               <a:rPr lang="de-DE" dirty="0"/>
-              <a:t>p2 = 5 4 3 2 1</a:t>
-            </a:r>
+              <a:t>p2 = </a:t>
+            </a:r>
+            <a:r>
+              <a:rPr lang="de-DE" dirty="0">
+                <a:highlight>
+                  <a:srgbClr val="00FF00"/>
+                </a:highlight>
+              </a:rPr>
+              <a:t>5</a:t>
+            </a:r>
+            <a:r>
+              <a:rPr lang="de-DE" dirty="0"/>
+              <a:t> </a:t>
+            </a:r>
+            <a:r>
+              <a:rPr lang="de-DE" dirty="0">
+                <a:highlight>
+                  <a:srgbClr val="00FFFF"/>
+                </a:highlight>
+              </a:rPr>
+              <a:t>4</a:t>
+            </a:r>
+            <a:r>
+              <a:rPr lang="de-DE" dirty="0"/>
+              <a:t> </a:t>
+            </a:r>
+            <a:r>
+              <a:rPr lang="de-DE" dirty="0">
+                <a:highlight>
+                  <a:srgbClr val="FFFF00"/>
+                </a:highlight>
+              </a:rPr>
+              <a:t>3</a:t>
+            </a:r>
+            <a:r>
+              <a:rPr lang="de-DE" dirty="0"/>
+              <a:t> </a:t>
+            </a:r>
+            <a:r>
+              <a:rPr lang="de-DE" dirty="0">
+                <a:highlight>
+                  <a:srgbClr val="00FFFF"/>
+                </a:highlight>
+              </a:rPr>
+              <a:t>2</a:t>
+            </a:r>
+            <a:r>
+              <a:rPr lang="de-DE" dirty="0"/>
+              <a:t> </a:t>
+            </a:r>
+            <a:r>
+              <a:rPr lang="de-DE" dirty="0">
+                <a:highlight>
+                  <a:srgbClr val="00FF00"/>
+                </a:highlight>
+              </a:rPr>
+              <a:t>1</a:t>
+            </a:r>
+            <a:endParaRPr lang="de-DE" dirty="0"/>
           </a:p>
           <a:p>
             <a:pPr marL="342900" indent="-342900">
               <a:spcAft>
                 <a:spcPts val="600"/>
               </a:spcAft>
-              <a:buFontTx/>
-              <a:buAutoNum type="arabicPeriod"/>
-            </a:pPr>
-            <a:r>
-              <a:rPr lang="de-DE" dirty="0"/>
-              <a:t>Übenehme den dort stehenden Wert in Nachkommen</a:t>
-            </a:r>
-          </a:p>
-          <a:p>
-            <a:pPr lvl="2">
-              <a:spcAft>
-                <a:spcPts val="600"/>
-              </a:spcAft>
-            </a:pPr>
-            <a:r>
-              <a:rPr lang="de-DE" dirty="0"/>
-              <a:t>c1 = 2 4</a:t>
-            </a:r>
-          </a:p>
-          <a:p>
-            <a:pPr marL="342900" indent="-342900">
-              <a:spcAft>
-                <a:spcPts val="600"/>
-              </a:spcAft>
-              <a:buFontTx/>
-              <a:buAutoNum type="arabicPeriod"/>
-            </a:pPr>
-            <a:r>
-              <a:rPr lang="de-DE" dirty="0"/>
-              <a:t>Welcher Wert steht an der aktuellen Position im anderen Elternteil? Die Position dieses Wertes im ersten Elternteil ist die neue Position. Wdh. Schritt 2 bis Startpunkt wieder erreicht.</a:t>
-            </a:r>
-          </a:p>
-          <a:p>
-            <a:pPr marL="342900" indent="-342900">
-              <a:spcAft>
-                <a:spcPts val="600"/>
-              </a:spcAft>
-              <a:buFontTx/>
+              <a:buFont typeface="+mj-lt"/>
               <a:buAutoNum type="arabicPeriod"/>
             </a:pPr>
             <a:endParaRPr lang="de-DE" dirty="0"/>
@@ -25546,12 +25937,56 @@
               <a:spcAft>
                 <a:spcPts val="600"/>
               </a:spcAft>
-              <a:buFontTx/>
+              <a:buFont typeface="+mj-lt"/>
               <a:buAutoNum type="arabicPeriod"/>
             </a:pPr>
             <a:r>
               <a:rPr lang="de-DE" dirty="0"/>
-              <a:t>Fülle Lücken mit den Werten wie sie im anderen Elternteil vorkommen</a:t>
+              <a:t>Durchlaufe die i Cycles:</a:t>
+            </a:r>
+          </a:p>
+          <a:p>
+            <a:pPr lvl="1">
+              <a:spcAft>
+                <a:spcPts val="600"/>
+              </a:spcAft>
+            </a:pPr>
+            <a:r>
+              <a:rPr lang="de-DE" dirty="0"/>
+              <a:t>Falls i gerade: Werte des Cycles i aus p1 zu c1 kopieren und von p2 zu c 2.</a:t>
+            </a:r>
+          </a:p>
+          <a:p>
+            <a:pPr lvl="1">
+              <a:spcAft>
+                <a:spcPts val="600"/>
+              </a:spcAft>
+            </a:pPr>
+            <a:r>
+              <a:rPr lang="de-DE" dirty="0"/>
+              <a:t>Falls i ungerade: Werte des Cycles i aus p1 zu c2 kopieren und von p2 zu c1.</a:t>
+            </a:r>
+          </a:p>
+          <a:p>
+            <a:pPr lvl="2">
+              <a:spcAft>
+                <a:spcPts val="600"/>
+              </a:spcAft>
+            </a:pPr>
+            <a:r>
+              <a:rPr lang="de-DE" dirty="0"/>
+              <a:t>c1 = 1 4 3 2 5</a:t>
+            </a:r>
+          </a:p>
+          <a:p>
+            <a:pPr lvl="2">
+              <a:spcAft>
+                <a:spcPts val="600"/>
+              </a:spcAft>
+            </a:pPr>
+            <a:r>
+              <a:rPr lang="de-DE" dirty="0"/>
+              <a:t>c2 = 5 2 3 4 1 </a:t>
             </a:r>
           </a:p>
         </p:txBody>
@@ -25559,7 +25994,7 @@
     </p:spTree>
     <p:extLst>
       <p:ext uri="{BB962C8B-B14F-4D97-AF65-F5344CB8AC3E}">
-        <p14:creationId xmlns:p14="http://schemas.microsoft.com/office/powerpoint/2010/main" val="2385049871"/>
+        <p14:creationId xmlns:p14="http://schemas.microsoft.com/office/powerpoint/2010/main" val="62646397"/>
       </p:ext>
     </p:extLst>
   </p:cSld>
@@ -25609,7 +26044,7 @@
           <a:p>
             <a:r>
               <a:rPr lang="de-DE" dirty="0"/>
-              <a:t>Realisierung – Cycle-Crossover-One-Cycle</a:t>
+              <a:t>Realisierung – Edge-Rocombination-Algorithm</a:t>
             </a:r>
           </a:p>
         </p:txBody>
@@ -25641,7 +26076,7 @@
           <a:lstStyle/>
           <a:p>
             <a:r>
-              <a:rPr lang="de-DE" sz="1050" dirty="0">
+              <a:rPr lang="de-DE" sz="900" dirty="0">
                 <a:solidFill>
                   <a:schemeClr val="accent6">
                     <a:lumMod val="75000"/>
@@ -25651,208 +26086,222 @@
               <a:t>bool</a:t>
             </a:r>
             <a:r>
-              <a:rPr lang="de-DE" sz="1050" dirty="0"/>
-              <a:t> cycle_crossover_one_cycle(Individual &amp;p1, Individual &amp;p2, Individual &amp;c1, Individual &amp;c2) {</a:t>
-            </a:r>
-          </a:p>
-          <a:p>
-            <a:r>
-              <a:rPr lang="de-DE" sz="1050" dirty="0"/>
-              <a:t>    std::vector&lt;bool&gt; index_flags(p1.get_size(), false);</a:t>
-            </a:r>
-          </a:p>
-          <a:p>
-            <a:r>
-              <a:rPr lang="de-DE" sz="1050" dirty="0"/>
-              <a:t>    Cycle cycle;</a:t>
-            </a:r>
-          </a:p>
-          <a:p>
-            <a:r>
-              <a:rPr lang="de-DE" sz="1050" dirty="0"/>
-              <a:t>    int cycle_start_idx = random(p1.get_size());</a:t>
-            </a:r>
-          </a:p>
-          <a:p>
-            <a:r>
-              <a:rPr lang="de-DE" sz="1050" dirty="0"/>
+              <a:rPr lang="de-DE" sz="900" dirty="0"/>
+              <a:t> edge_recombination_crossover(Individual &amp;p1, Individual &amp;p2, Individual &amp;c1, Individual &amp;c2) {</a:t>
+            </a:r>
+          </a:p>
+          <a:p>
+            <a:r>
+              <a:rPr lang="de-DE" sz="900" dirty="0"/>
+              <a:t>    std::map&lt;int, std::set&lt;int&gt;&gt; edge_map = create_edge_map(p1, p2);</a:t>
+            </a:r>
+          </a:p>
+          <a:p>
+            <a:r>
+              <a:rPr lang="de-DE" sz="900" dirty="0"/>
+              <a:t>    edge_recombination(c1, edge_map);</a:t>
+            </a:r>
+          </a:p>
+          <a:p>
+            <a:r>
+              <a:rPr lang="de-DE" sz="900" dirty="0"/>
+              <a:t>    edge_recombination(c2, edge_map);</a:t>
+            </a:r>
+          </a:p>
+          <a:p>
+            <a:r>
+              <a:rPr lang="de-DE" sz="900" dirty="0"/>
               <a:t>    </a:t>
             </a:r>
             <a:r>
-              <a:rPr lang="de-DE" sz="1050" dirty="0">
+              <a:rPr lang="de-DE" sz="900" dirty="0">
                 <a:solidFill>
                   <a:schemeClr val="accent6">
                     <a:lumMod val="75000"/>
                   </a:schemeClr>
                 </a:solidFill>
               </a:rPr>
-              <a:t>if</a:t>
-            </a:r>
-            <a:r>
-              <a:rPr lang="de-DE" sz="1050" dirty="0"/>
-              <a:t> (!fill_empty_cycle_with_tuples(cycle, cycle_start_idx, p1, p2, index_flags)) {</a:t>
-            </a:r>
-          </a:p>
-          <a:p>
-            <a:r>
-              <a:rPr lang="de-DE" sz="1050" dirty="0"/>
-              <a:t>        return false;</a:t>
-            </a:r>
-          </a:p>
-          <a:p>
-            <a:r>
-              <a:rPr lang="de-DE" sz="1050" dirty="0"/>
-              <a:t>    }</a:t>
-            </a:r>
-          </a:p>
-          <a:p>
-            <a:r>
-              <a:rPr lang="de-DE" sz="1050" dirty="0"/>
-              <a:t>    int tupleCounter = 0;</a:t>
-            </a:r>
-          </a:p>
-          <a:p>
-            <a:r>
-              <a:rPr lang="de-DE" sz="1050" dirty="0"/>
-              <a:t>    </a:t>
-            </a:r>
-            <a:r>
-              <a:rPr lang="de-DE" sz="1050" dirty="0">
+              <a:t>return</a:t>
+            </a:r>
+            <a:r>
+              <a:rPr lang="de-DE" sz="900" dirty="0"/>
+              <a:t> true;</a:t>
+            </a:r>
+          </a:p>
+          <a:p>
+            <a:r>
+              <a:rPr lang="de-DE" sz="900" dirty="0"/>
+              <a:t>}</a:t>
+            </a:r>
+          </a:p>
+          <a:p>
+            <a:endParaRPr lang="de-DE" sz="700" dirty="0"/>
+          </a:p>
+          <a:p>
+            <a:r>
+              <a:rPr lang="de-DE" sz="700" dirty="0">
                 <a:solidFill>
                   <a:schemeClr val="accent6">
                     <a:lumMod val="75000"/>
                   </a:schemeClr>
                 </a:solidFill>
               </a:rPr>
-              <a:t>for</a:t>
-            </a:r>
-            <a:r>
-              <a:rPr lang="de-DE" sz="1050" dirty="0"/>
-              <a:t> (int i = 0; (unsigned int) i &lt; index_flags.size(); ++i) {</a:t>
-            </a:r>
-          </a:p>
-          <a:p>
-            <a:r>
-              <a:rPr lang="de-DE" sz="1050" dirty="0"/>
-              <a:t>        bool flag = index_flags.at(i);</a:t>
-            </a:r>
-          </a:p>
-          <a:p>
-            <a:r>
-              <a:rPr lang="de-DE" sz="1050" dirty="0"/>
-              <a:t>        </a:t>
-            </a:r>
-            <a:r>
-              <a:rPr lang="de-DE" sz="1050" dirty="0">
-                <a:solidFill>
-                  <a:schemeClr val="accent6">
-                    <a:lumMod val="75000"/>
-                  </a:schemeClr>
-                </a:solidFill>
-              </a:rPr>
-              <a:t>if</a:t>
-            </a:r>
-            <a:r>
-              <a:rPr lang="de-DE" sz="1050" dirty="0"/>
-              <a:t> (flag) {</a:t>
-            </a:r>
-          </a:p>
-          <a:p>
-            <a:r>
-              <a:rPr lang="de-DE" sz="1050" dirty="0"/>
-              <a:t>            Tuple &amp;t = cycle.at(tupleCounter);</a:t>
-            </a:r>
-          </a:p>
-          <a:p>
-            <a:r>
-              <a:rPr lang="de-DE" sz="1050" dirty="0"/>
-              <a:t>            tupleCounter++;</a:t>
-            </a:r>
-          </a:p>
-          <a:p>
-            <a:r>
-              <a:rPr lang="de-DE" sz="1050" dirty="0"/>
-              <a:t>            c1.update_chromosome(std::get&lt;1&gt;(t), std::get&lt;0&gt;(t));</a:t>
-            </a:r>
-          </a:p>
-          <a:p>
-            <a:r>
-              <a:rPr lang="de-DE" sz="1050" dirty="0"/>
-              <a:t>            c2.update_chromosome(std::get&lt;2&gt;(t), std::get&lt;0&gt;(t));</a:t>
-            </a:r>
-          </a:p>
-          <a:p>
-            <a:r>
-              <a:rPr lang="de-DE" sz="1050" dirty="0"/>
-              <a:t>        } </a:t>
-            </a:r>
-            <a:r>
-              <a:rPr lang="de-DE" sz="1050" dirty="0">
-                <a:solidFill>
-                  <a:schemeClr val="accent6">
-                    <a:lumMod val="75000"/>
-                  </a:schemeClr>
-                </a:solidFill>
-              </a:rPr>
-              <a:t>else</a:t>
-            </a:r>
-            <a:r>
-              <a:rPr lang="de-DE" sz="1050" dirty="0"/>
-              <a:t> {</a:t>
-            </a:r>
-          </a:p>
-          <a:p>
-            <a:r>
-              <a:rPr lang="de-DE" sz="1050" dirty="0"/>
-              <a:t>            c1.update_chromosome(p2.get_chromosome().at(i), i);</a:t>
-            </a:r>
-          </a:p>
-          <a:p>
-            <a:r>
-              <a:rPr lang="de-DE" sz="1050" dirty="0"/>
-              <a:t>            c2.update_chromosome(p1.get_chromosome().at(i), i);</a:t>
-            </a:r>
-          </a:p>
-          <a:p>
-            <a:r>
-              <a:rPr lang="de-DE" sz="1050" dirty="0"/>
+              <a:t>void</a:t>
+            </a:r>
+            <a:r>
+              <a:rPr lang="de-DE" sz="700" dirty="0"/>
+              <a:t> edge_recombination(Individual &amp;i, std::map&lt;int, std::set&lt;int&gt;&gt; edge_map) {</a:t>
+            </a:r>
+          </a:p>
+          <a:p>
+            <a:r>
+              <a:rPr lang="de-DE" sz="700" dirty="0"/>
+              <a:t>    int idx = 0;</a:t>
+            </a:r>
+          </a:p>
+          <a:p>
+            <a:r>
+              <a:rPr lang="de-DE" sz="700" dirty="0"/>
+              <a:t>    std::pair&lt;int, std::set&lt;int&gt;&gt; least_edges;</a:t>
+            </a:r>
+          </a:p>
+          <a:p>
+            <a:r>
+              <a:rPr lang="de-DE" sz="700" dirty="0"/>
+              <a:t>    least_edges = find_edge_least(edge_map)</a:t>
+            </a:r>
+          </a:p>
+          <a:p>
+            <a:r>
+              <a:rPr lang="de-DE" sz="700" dirty="0"/>
+              <a:t>    bool finished = false;</a:t>
+            </a:r>
+          </a:p>
+          <a:p>
+            <a:r>
+              <a:rPr lang="de-DE" sz="700" dirty="0"/>
+              <a:t>    while (!finished) {</a:t>
+            </a:r>
+          </a:p>
+          <a:p>
+            <a:r>
+              <a:rPr lang="de-DE" sz="700" dirty="0"/>
+              <a:t>        i.update_chromosome(current_city, idx);</a:t>
+            </a:r>
+          </a:p>
+          <a:p>
+            <a:r>
+              <a:rPr lang="de-DE" sz="700" dirty="0"/>
+              <a:t>        idx++;</a:t>
+            </a:r>
+          </a:p>
+          <a:p>
+            <a:r>
+              <a:rPr lang="de-DE" sz="700" dirty="0"/>
+              <a:t>        edge_map.erase(current_city);</a:t>
+            </a:r>
+          </a:p>
+          <a:p>
+            <a:r>
+              <a:rPr lang="de-DE" sz="700" dirty="0"/>
+              <a:t>        if (edge_map.empty()) {</a:t>
+            </a:r>
+          </a:p>
+          <a:p>
+            <a:r>
+              <a:rPr lang="de-DE" sz="700" dirty="0"/>
+              <a:t>            finished = true;</a:t>
+            </a:r>
+          </a:p>
+          <a:p>
+            <a:r>
+              <a:rPr lang="de-DE" sz="700" dirty="0"/>
+              <a:t>        } else {</a:t>
+            </a:r>
+          </a:p>
+          <a:p>
+            <a:r>
+              <a:rPr lang="de-DE" sz="700" dirty="0"/>
+              <a:t>            least_edges = *edge_map.begin();</a:t>
+            </a:r>
+          </a:p>
+          <a:p>
+            <a:r>
+              <a:rPr lang="de-DE" sz="700" dirty="0"/>
+              <a:t>            for (auto &amp;city : edge_map) {</a:t>
+            </a:r>
+          </a:p>
+          <a:p>
+            <a:r>
+              <a:rPr lang="de-DE" sz="700" dirty="0"/>
+              <a:t>                city.second.erase(current_city);</a:t>
+            </a:r>
+          </a:p>
+          <a:p>
+            <a:r>
+              <a:rPr lang="de-DE" sz="700" dirty="0"/>
+              <a:t>                if (least_edges.second.size() &gt; city.second.size()) {</a:t>
+            </a:r>
+          </a:p>
+          <a:p>
+            <a:r>
+              <a:rPr lang="de-DE" sz="700" dirty="0"/>
+              <a:t>                    least_edges = city;</a:t>
+            </a:r>
+          </a:p>
+          <a:p>
+            <a:r>
+              <a:rPr lang="de-DE" sz="700" dirty="0"/>
+              <a:t>                } else if (least_edges.second.size() == city.second.size()) {</a:t>
+            </a:r>
+          </a:p>
+          <a:p>
+            <a:r>
+              <a:rPr lang="de-DE" sz="700" dirty="0"/>
+              <a:t>                    if (rng.random(2) == 0) {</a:t>
+            </a:r>
+          </a:p>
+          <a:p>
+            <a:r>
+              <a:rPr lang="de-DE" sz="700" dirty="0"/>
+              <a:t>                        least_edges = city;</a:t>
+            </a:r>
+          </a:p>
+          <a:p>
+            <a:r>
+              <a:rPr lang="de-DE" sz="700" dirty="0"/>
+              <a:t>                    }</a:t>
+            </a:r>
+          </a:p>
+          <a:p>
+            <a:r>
+              <a:rPr lang="de-DE" sz="700" dirty="0"/>
+              <a:t>                }</a:t>
+            </a:r>
+          </a:p>
+          <a:p>
+            <a:r>
+              <a:rPr lang="de-DE" sz="700" dirty="0"/>
+              <a:t>            }</a:t>
+            </a:r>
+          </a:p>
+          <a:p>
+            <a:r>
+              <a:rPr lang="de-DE" sz="700" dirty="0"/>
+              <a:t>            current_city = least_edges.first;</a:t>
+            </a:r>
+          </a:p>
+          <a:p>
+            <a:r>
+              <a:rPr lang="de-DE" sz="700" dirty="0"/>
               <a:t>        }</a:t>
             </a:r>
           </a:p>
           <a:p>
             <a:r>
-              <a:rPr lang="de-DE" sz="1050" dirty="0"/>
+              <a:rPr lang="de-DE" sz="700" dirty="0"/>
               <a:t>    }</a:t>
             </a:r>
-          </a:p>
-          <a:p>
-            <a:r>
-              <a:rPr lang="de-DE" sz="1050" dirty="0"/>
-              <a:t>    </a:t>
-            </a:r>
-            <a:r>
-              <a:rPr lang="de-DE" sz="1050" dirty="0">
-                <a:solidFill>
-                  <a:schemeClr val="accent6">
-                    <a:lumMod val="75000"/>
-                  </a:schemeClr>
-                </a:solidFill>
-              </a:rPr>
-              <a:t>return</a:t>
-            </a:r>
-            <a:r>
-              <a:rPr lang="de-DE" sz="1050" dirty="0"/>
-              <a:t> true;</a:t>
-            </a:r>
-          </a:p>
-          <a:p>
-            <a:r>
-              <a:rPr lang="de-DE" sz="1050" dirty="0"/>
-              <a:t>}</a:t>
-            </a:r>
-          </a:p>
-          <a:p>
-            <a:endParaRPr lang="de-DE" sz="1050" dirty="0"/>
           </a:p>
         </p:txBody>
       </p:sp>
@@ -25872,7 +26321,7 @@
         </p:nvSpPr>
         <p:spPr bwMode="auto">
           <a:xfrm>
-            <a:off x="7531224" y="1093728"/>
+            <a:off x="7196261" y="1093728"/>
             <a:ext cx="4660776" cy="4206240"/>
           </a:xfrm>
           <a:prstGeom prst="rect">
@@ -26087,7 +26536,7 @@
               </a:spcAft>
             </a:pPr>
             <a:r>
-              <a:rPr lang="de-DE" dirty="0"/>
+              <a:rPr lang="de-DE" sz="1800" dirty="0"/>
               <a:t>p1 = 1 2 3 4 5</a:t>
             </a:r>
           </a:p>
@@ -26098,7 +26547,7 @@
               </a:spcAft>
             </a:pPr>
             <a:r>
-              <a:rPr lang="de-DE" dirty="0"/>
+              <a:rPr lang="de-DE" sz="1800" dirty="0"/>
               <a:t>p2 = 5 4 3 2 1</a:t>
             </a:r>
           </a:p>
@@ -26107,125 +26556,50 @@
               <a:spcAft>
                 <a:spcPts val="600"/>
               </a:spcAft>
-              <a:buFontTx/>
               <a:buAutoNum type="arabicPeriod"/>
             </a:pPr>
             <a:r>
-              <a:rPr lang="de-DE" dirty="0"/>
-              <a:t>Wähle zufällige Startposition</a:t>
-            </a:r>
-          </a:p>
-          <a:p>
-            <a:pPr lvl="2">
+              <a:rPr lang="de-DE" sz="1800" dirty="0"/>
+              <a:t>Baue eine Edge-Map:</a:t>
+            </a:r>
+          </a:p>
+          <a:p>
+            <a:pPr lvl="1">
               <a:spcAft>
                 <a:spcPts val="600"/>
               </a:spcAft>
             </a:pPr>
             <a:r>
-              <a:rPr lang="de-DE" dirty="0"/>
-              <a:t>p1 = 1 </a:t>
-            </a:r>
-            <a:r>
-              <a:rPr lang="de-DE" dirty="0">
-                <a:solidFill>
-                  <a:schemeClr val="accent3">
-                    <a:lumMod val="75000"/>
-                  </a:schemeClr>
-                </a:solidFill>
-              </a:rPr>
-              <a:t>2</a:t>
-            </a:r>
-            <a:r>
-              <a:rPr lang="de-DE" dirty="0"/>
-              <a:t> 3 4 5</a:t>
-            </a:r>
-          </a:p>
-          <a:p>
-            <a:pPr lvl="2">
+              <a:rPr lang="de-DE" sz="1800" dirty="0"/>
+              <a:t>Welcher Knoten ist mit welchen Knoten verbunden</a:t>
+            </a:r>
+          </a:p>
+          <a:p>
+            <a:pPr marL="342900" indent="-342900">
               <a:spcAft>
                 <a:spcPts val="600"/>
               </a:spcAft>
-            </a:pPr>
-            <a:r>
-              <a:rPr lang="de-DE" dirty="0"/>
-              <a:t>p2 = 5 4 3 2 1</a:t>
-            </a:r>
-          </a:p>
-          <a:p>
-            <a:pPr marL="342900" indent="-342900">
-              <a:spcAft>
-                <a:spcPts val="600"/>
-              </a:spcAft>
-              <a:buFontTx/>
               <a:buAutoNum type="arabicPeriod"/>
             </a:pPr>
             <a:r>
-              <a:rPr lang="de-DE" dirty="0"/>
-              <a:t>Übenehme den dort stehenden Wert in Nachkommen</a:t>
-            </a:r>
-          </a:p>
-          <a:p>
-            <a:pPr lvl="2">
+              <a:rPr lang="de-DE" sz="1800" dirty="0"/>
+              <a:t>Edge-Recombination</a:t>
+            </a:r>
+          </a:p>
+          <a:p>
+            <a:pPr lvl="1">
               <a:spcAft>
                 <a:spcPts val="600"/>
               </a:spcAft>
             </a:pPr>
-            <a:r>
-              <a:rPr lang="de-DE" dirty="0"/>
-              <a:t>c1 = 2 4</a:t>
-            </a:r>
-          </a:p>
-          <a:p>
-            <a:pPr marL="342900" indent="-342900">
-              <a:spcAft>
-                <a:spcPts val="600"/>
-              </a:spcAft>
-              <a:buFontTx/>
-              <a:buAutoNum type="arabicPeriod"/>
-            </a:pPr>
-            <a:r>
-              <a:rPr lang="de-DE" dirty="0"/>
-              <a:t>Welcher Wert steht an der aktuellen Position im anderen Elternteil? Die Position dieses Wertes im ersten Elternteil ist die neue Position. Wdh. Schritt 2 bis Startpunkt wieder erreicht.</a:t>
-            </a:r>
-          </a:p>
-          <a:p>
-            <a:pPr lvl="2">
-              <a:spcAft>
-                <a:spcPts val="600"/>
-              </a:spcAft>
-            </a:pPr>
-            <a:r>
-              <a:rPr lang="de-DE" dirty="0"/>
-              <a:t>c1 = 2 4 X X X</a:t>
-            </a:r>
-          </a:p>
-          <a:p>
-            <a:pPr marL="342900" indent="-342900">
-              <a:spcAft>
-                <a:spcPts val="600"/>
-              </a:spcAft>
-              <a:buFontTx/>
-              <a:buAutoNum type="arabicPeriod"/>
-            </a:pPr>
-            <a:r>
-              <a:rPr lang="de-DE" dirty="0"/>
-              <a:t>Fülle Lücken mit den Werten wie sie im anderen Elternteil vorkommen</a:t>
-            </a:r>
-          </a:p>
-          <a:p>
-            <a:pPr>
-              <a:spcAft>
-                <a:spcPts val="600"/>
-              </a:spcAft>
-            </a:pPr>
-            <a:endParaRPr lang="de-DE" dirty="0"/>
+            <a:endParaRPr lang="de-DE" sz="1800" dirty="0"/>
           </a:p>
         </p:txBody>
       </p:sp>
     </p:spTree>
     <p:extLst>
       <p:ext uri="{BB962C8B-B14F-4D97-AF65-F5344CB8AC3E}">
-        <p14:creationId xmlns:p14="http://schemas.microsoft.com/office/powerpoint/2010/main" val="2029371613"/>
+        <p14:creationId xmlns:p14="http://schemas.microsoft.com/office/powerpoint/2010/main" val="2361153069"/>
       </p:ext>
     </p:extLst>
   </p:cSld>
@@ -26257,7 +26631,7 @@
           <p:cNvPr id="2" name="Title 1">
             <a:extLst>
               <a:ext uri="{FF2B5EF4-FFF2-40B4-BE49-F238E27FC236}">
-                <a16:creationId xmlns:a16="http://schemas.microsoft.com/office/drawing/2014/main" id="{DD2388D8-106E-40D0-A4BD-5FF4C2E2935B}"/>
+                <a16:creationId xmlns:a16="http://schemas.microsoft.com/office/drawing/2014/main" id="{85052616-A1AA-4C30-9C7B-DBB34145436D}"/>
               </a:ext>
             </a:extLst>
           </p:cNvPr>
@@ -26275,39 +26649,81 @@
           <a:p>
             <a:r>
               <a:rPr lang="de-DE" dirty="0"/>
-              <a:t>Realisierung – Cycle-Crossover-One-Cycle</a:t>
+              <a:t>Realisierung – Mutations-Algorithmus</a:t>
             </a:r>
           </a:p>
         </p:txBody>
       </p:sp>
       <p:sp>
         <p:nvSpPr>
-          <p:cNvPr id="3" name="Text Placeholder 2">
+          <p:cNvPr id="4" name="Rectangle 1">
             <a:extLst>
               <a:ext uri="{FF2B5EF4-FFF2-40B4-BE49-F238E27FC236}">
-                <a16:creationId xmlns:a16="http://schemas.microsoft.com/office/drawing/2014/main" id="{79F1354A-B6A2-451D-B387-D4D8507220EF}"/>
+                <a16:creationId xmlns:a16="http://schemas.microsoft.com/office/drawing/2014/main" id="{902F850E-7E9B-4622-87C4-FE1420D027EA}"/>
               </a:ext>
             </a:extLst>
           </p:cNvPr>
           <p:cNvSpPr>
-            <a:spLocks noGrp="1"/>
+            <a:spLocks noGrp="1" noChangeArrowheads="1"/>
           </p:cNvSpPr>
           <p:nvPr>
             <p:ph type="body" sz="quarter" idx="11"/>
           </p:nvPr>
         </p:nvSpPr>
-        <p:spPr>
+        <p:spPr bwMode="auto">
           <a:xfrm>
-            <a:off x="334963" y="1280160"/>
-            <a:ext cx="6101348" cy="4534714"/>
+            <a:off x="334963" y="1131901"/>
+            <a:ext cx="5630831" cy="3600986"/>
           </a:xfrm>
+          <a:prstGeom prst="rect">
+            <a:avLst/>
+          </a:prstGeom>
+          <a:solidFill>
+            <a:srgbClr val="FFFFFF"/>
+          </a:solidFill>
+          <a:ln>
+            <a:noFill/>
+          </a:ln>
+          <a:effectLst/>
+          <a:extLst>
+            <a:ext uri="{91240B29-F687-4F45-9708-019B960494DF}">
+              <a14:hiddenLine xmlns:a14="http://schemas.microsoft.com/office/drawing/2010/main" w="9525">
+                <a:solidFill>
+                  <a:schemeClr val="tx1"/>
+                </a:solidFill>
+                <a:miter lim="800000"/>
+                <a:headEnd/>
+                <a:tailEnd/>
+              </a14:hiddenLine>
+            </a:ext>
+            <a:ext uri="{AF507438-7753-43E0-B8FC-AC1667EBCBE1}">
+              <a14:hiddenEffects xmlns:a14="http://schemas.microsoft.com/office/drawing/2010/main">
+                <a:effectLst>
+                  <a:outerShdw dist="35921" dir="2700000" algn="ctr" rotWithShape="0">
+                    <a:schemeClr val="bg2"/>
+                  </a:outerShdw>
+                </a:effectLst>
+              </a14:hiddenEffects>
+            </a:ext>
+          </a:extLst>
         </p:spPr>
         <p:txBody>
-          <a:bodyPr/>
+          <a:bodyPr vert="horz" wrap="square" lIns="91440" tIns="45720" rIns="91440" bIns="45720" numCol="1" anchor="ctr" anchorCtr="0" compatLnSpc="1">
+            <a:prstTxWarp prst="textNoShape">
+              <a:avLst/>
+            </a:prstTxWarp>
+            <a:spAutoFit/>
+          </a:bodyPr>
           <a:lstStyle/>
           <a:p>
-            <a:r>
-              <a:rPr lang="de-DE" sz="1050" dirty="0">
+            <a:pPr marR="0" lvl="0" defTabSz="914400" latinLnBrk="0">
+              <a:lnSpc>
+                <a:spcPct val="100000"/>
+              </a:lnSpc>
+              <a:tabLst/>
+            </a:pPr>
+            <a:r>
+              <a:rPr lang="de-DE" altLang="de-DE" sz="1200" dirty="0">
                 <a:solidFill>
                   <a:schemeClr val="accent6">
                     <a:lumMod val="75000"/>
@@ -26317,35 +26733,44 @@
               <a:t>bool</a:t>
             </a:r>
             <a:r>
-              <a:rPr lang="de-DE" sz="1050" dirty="0"/>
-              <a:t> cycle_crossover_one_cycle(Individual &amp;p1, Individual &amp;p2, Individual &amp;c1, Individual &amp;c2) {</a:t>
-            </a:r>
-          </a:p>
-          <a:p>
-            <a:r>
-              <a:rPr lang="de-DE" sz="1050" dirty="0"/>
-              <a:t>    std::vector&lt;bool&gt; index_flags(p1.get_size(), false);</a:t>
-            </a:r>
-          </a:p>
-          <a:p>
-            <a:r>
-              <a:rPr lang="de-DE" sz="1050" dirty="0"/>
-              <a:t>    Cycle cycle;</a:t>
-            </a:r>
-          </a:p>
-          <a:p>
-            <a:r>
-              <a:rPr lang="de-DE" sz="1050" dirty="0"/>
-              <a:t>    int cycle_start_idx = random(p1.get_size());</a:t>
-            </a:r>
-          </a:p>
-          <a:p>
-            <a:r>
-              <a:rPr lang="de-DE" sz="1050" dirty="0"/>
+              <a:rPr lang="de-DE" altLang="de-DE" sz="1200" dirty="0"/>
+              <a:t> mutation_delete_shift(Individual &amp;individual, int percentage) {</a:t>
+            </a:r>
+          </a:p>
+          <a:p>
+            <a:pPr marR="0" lvl="0" defTabSz="914400" latinLnBrk="0">
+              <a:lnSpc>
+                <a:spcPct val="100000"/>
+              </a:lnSpc>
+              <a:tabLst/>
+            </a:pPr>
+            <a:r>
+              <a:rPr lang="de-DE" altLang="de-DE" sz="1200" dirty="0"/>
+              <a:t>    bool mutate = rand() % 100 &lt; percentage;</a:t>
+            </a:r>
+          </a:p>
+          <a:p>
+            <a:pPr marR="0" lvl="0" defTabSz="914400" latinLnBrk="0">
+              <a:lnSpc>
+                <a:spcPct val="100000"/>
+              </a:lnSpc>
+              <a:tabLst/>
+            </a:pPr>
+            <a:endParaRPr lang="de-DE" altLang="de-DE" sz="1200" dirty="0"/>
+          </a:p>
+          <a:p>
+            <a:pPr marR="0" lvl="0" defTabSz="914400" latinLnBrk="0">
+              <a:lnSpc>
+                <a:spcPct val="100000"/>
+              </a:lnSpc>
+              <a:tabLst/>
+            </a:pPr>
+            <a:r>
+              <a:rPr lang="de-DE" altLang="de-DE" sz="1200" dirty="0"/>
               <a:t>    </a:t>
             </a:r>
             <a:r>
-              <a:rPr lang="de-DE" sz="1050" dirty="0">
+              <a:rPr lang="de-DE" altLang="de-DE" sz="1200" dirty="0">
                 <a:solidFill>
                   <a:schemeClr val="accent6">
                     <a:lumMod val="75000"/>
@@ -26355,577 +26780,496 @@
               <a:t>if</a:t>
             </a:r>
             <a:r>
-              <a:rPr lang="de-DE" sz="1050" dirty="0"/>
-              <a:t> (!fill_empty_cycle_with_tuples(cycle, cycle_start_idx, p1, p2, index_flags)) {</a:t>
-            </a:r>
-          </a:p>
-          <a:p>
-            <a:r>
-              <a:rPr lang="de-DE" sz="1050" dirty="0"/>
-              <a:t>        return false;</a:t>
-            </a:r>
-          </a:p>
-          <a:p>
-            <a:r>
-              <a:rPr lang="de-DE" sz="1050" dirty="0"/>
-              <a:t>    }</a:t>
-            </a:r>
-          </a:p>
-          <a:p>
-            <a:r>
-              <a:rPr lang="de-DE" sz="1050" dirty="0"/>
-              <a:t>    int tupleCounter = 0;</a:t>
-            </a:r>
-          </a:p>
-          <a:p>
-            <a:r>
-              <a:rPr lang="de-DE" sz="1050" dirty="0"/>
-              <a:t>    </a:t>
-            </a:r>
-            <a:r>
-              <a:rPr lang="de-DE" sz="1050" dirty="0">
+              <a:rPr lang="de-DE" altLang="de-DE" sz="1200" dirty="0"/>
+              <a:t> (mutate) {</a:t>
+            </a:r>
+          </a:p>
+          <a:p>
+            <a:pPr marR="0" lvl="0" defTabSz="914400" latinLnBrk="0">
+              <a:lnSpc>
+                <a:spcPct val="100000"/>
+              </a:lnSpc>
+              <a:tabLst/>
+            </a:pPr>
+            <a:r>
+              <a:rPr lang="de-DE" altLang="de-DE" sz="1200" dirty="0"/>
+              <a:t>        int position_a = rand() % (individual.get_size() - 1);</a:t>
+            </a:r>
+          </a:p>
+          <a:p>
+            <a:pPr marR="0" lvl="0" defTabSz="914400" latinLnBrk="0">
+              <a:lnSpc>
+                <a:spcPct val="100000"/>
+              </a:lnSpc>
+              <a:tabLst/>
+            </a:pPr>
+            <a:r>
+              <a:rPr lang="de-DE" altLang="de-DE" sz="1200" dirty="0"/>
+              <a:t>        int position_b;</a:t>
+            </a:r>
+          </a:p>
+          <a:p>
+            <a:pPr marR="0" lvl="0" defTabSz="914400" latinLnBrk="0">
+              <a:lnSpc>
+                <a:spcPct val="100000"/>
+              </a:lnSpc>
+              <a:tabLst/>
+            </a:pPr>
+            <a:r>
+              <a:rPr lang="de-DE" altLang="de-DE" sz="1200" dirty="0"/>
+              <a:t>        </a:t>
+            </a:r>
+            <a:r>
+              <a:rPr lang="de-DE" altLang="de-DE" sz="1200" dirty="0">
                 <a:solidFill>
                   <a:schemeClr val="accent6">
                     <a:lumMod val="75000"/>
                   </a:schemeClr>
                 </a:solidFill>
               </a:rPr>
-              <a:t>for</a:t>
-            </a:r>
-            <a:r>
-              <a:rPr lang="de-DE" sz="1050" dirty="0"/>
-              <a:t> (int i = 0; (unsigned int) i &lt; index_flags.size(); ++i) {</a:t>
-            </a:r>
-          </a:p>
-          <a:p>
-            <a:r>
-              <a:rPr lang="de-DE" sz="1050" dirty="0"/>
-              <a:t>        bool flag = index_flags.at(i);</a:t>
-            </a:r>
-          </a:p>
-          <a:p>
-            <a:r>
-              <a:rPr lang="de-DE" sz="1050" dirty="0"/>
-              <a:t>        </a:t>
-            </a:r>
-            <a:r>
-              <a:rPr lang="de-DE" sz="1050" dirty="0">
+              <a:t>do</a:t>
+            </a:r>
+            <a:r>
+              <a:rPr lang="de-DE" altLang="de-DE" sz="1200" dirty="0"/>
+              <a:t> {</a:t>
+            </a:r>
+          </a:p>
+          <a:p>
+            <a:pPr marR="0" lvl="0" defTabSz="914400" latinLnBrk="0">
+              <a:lnSpc>
+                <a:spcPct val="100000"/>
+              </a:lnSpc>
+              <a:tabLst/>
+            </a:pPr>
+            <a:r>
+              <a:rPr lang="de-DE" altLang="de-DE" sz="1200" dirty="0"/>
+              <a:t>            position_b = rand() % (individual.get_size() - position_a) + position_a;</a:t>
+            </a:r>
+          </a:p>
+          <a:p>
+            <a:pPr marR="0" lvl="0" defTabSz="914400" latinLnBrk="0">
+              <a:lnSpc>
+                <a:spcPct val="100000"/>
+              </a:lnSpc>
+              <a:tabLst/>
+            </a:pPr>
+            <a:r>
+              <a:rPr lang="de-DE" altLang="de-DE" sz="1200" dirty="0"/>
+              <a:t>        } </a:t>
+            </a:r>
+            <a:r>
+              <a:rPr lang="de-DE" altLang="de-DE" sz="1200" dirty="0">
                 <a:solidFill>
                   <a:schemeClr val="accent6">
                     <a:lumMod val="75000"/>
                   </a:schemeClr>
                 </a:solidFill>
               </a:rPr>
-              <a:t>if</a:t>
-            </a:r>
-            <a:r>
-              <a:rPr lang="de-DE" sz="1050" dirty="0"/>
-              <a:t> (flag) {</a:t>
-            </a:r>
-          </a:p>
-          <a:p>
-            <a:r>
-              <a:rPr lang="de-DE" sz="1050" dirty="0"/>
-              <a:t>            Tuple &amp;t = cycle.at(tupleCounter);</a:t>
-            </a:r>
-          </a:p>
-          <a:p>
-            <a:r>
-              <a:rPr lang="de-DE" sz="1050" dirty="0"/>
-              <a:t>            tupleCounter++;</a:t>
-            </a:r>
-          </a:p>
-          <a:p>
-            <a:r>
-              <a:rPr lang="de-DE" sz="1050" dirty="0"/>
-              <a:t>            c1.update_chromosome(std::get&lt;1&gt;(t), std::get&lt;0&gt;(t));</a:t>
-            </a:r>
-          </a:p>
-          <a:p>
-            <a:r>
-              <a:rPr lang="de-DE" sz="1050" dirty="0"/>
-              <a:t>            c2.update_chromosome(std::get&lt;2&gt;(t), std::get&lt;0&gt;(t));</a:t>
-            </a:r>
-          </a:p>
-          <a:p>
-            <a:r>
-              <a:rPr lang="de-DE" sz="1050" dirty="0"/>
-              <a:t>        } </a:t>
-            </a:r>
-            <a:r>
-              <a:rPr lang="de-DE" sz="1050" dirty="0">
+              <a:t>while</a:t>
+            </a:r>
+            <a:r>
+              <a:rPr lang="de-DE" altLang="de-DE" sz="1200" dirty="0"/>
+              <a:t> (position_a == position_b);</a:t>
+            </a:r>
+          </a:p>
+          <a:p>
+            <a:pPr marR="0" lvl="0" defTabSz="914400" latinLnBrk="0">
+              <a:lnSpc>
+                <a:spcPct val="100000"/>
+              </a:lnSpc>
+              <a:tabLst/>
+            </a:pPr>
+            <a:r>
+              <a:rPr lang="de-DE" altLang="de-DE" sz="1200" dirty="0"/>
+              <a:t>    </a:t>
+            </a:r>
+          </a:p>
+          <a:p>
+            <a:pPr marR="0" lvl="0" defTabSz="914400" latinLnBrk="0">
+              <a:lnSpc>
+                <a:spcPct val="100000"/>
+              </a:lnSpc>
+              <a:tabLst/>
+            </a:pPr>
+            <a:r>
+              <a:rPr lang="de-DE" altLang="de-DE" sz="1200" dirty="0"/>
+              <a:t>    </a:t>
+            </a:r>
+            <a:r>
+              <a:rPr lang="de-DE" altLang="de-DE" sz="1200" dirty="0">
                 <a:solidFill>
                   <a:schemeClr val="accent6">
                     <a:lumMod val="75000"/>
                   </a:schemeClr>
                 </a:solidFill>
               </a:rPr>
-              <a:t>else</a:t>
-            </a:r>
-            <a:r>
-              <a:rPr lang="de-DE" sz="1050" dirty="0"/>
-              <a:t> {</a:t>
-            </a:r>
-          </a:p>
-          <a:p>
-            <a:r>
-              <a:rPr lang="de-DE" sz="1050" dirty="0"/>
-              <a:t>            c1.update_chromosome(p2.get_chromosome().at(i), i);</a:t>
-            </a:r>
-          </a:p>
-          <a:p>
-            <a:r>
-              <a:rPr lang="de-DE" sz="1050" dirty="0"/>
-              <a:t>            c2.update_chromosome(p1.get_chromosome().at(i), i);</a:t>
-            </a:r>
-          </a:p>
-          <a:p>
-            <a:r>
-              <a:rPr lang="de-DE" sz="1050" dirty="0"/>
-              <a:t>        }</a:t>
-            </a:r>
-          </a:p>
-          <a:p>
-            <a:r>
-              <a:rPr lang="de-DE" sz="1050" dirty="0"/>
+              <a:t>for</a:t>
+            </a:r>
+            <a:r>
+              <a:rPr lang="de-DE" altLang="de-DE" sz="1200" dirty="0"/>
+              <a:t> (int i = position_a; i &lt; position_b; i++) {</a:t>
+            </a:r>
+          </a:p>
+          <a:p>
+            <a:pPr marR="0" lvl="0" defTabSz="914400" latinLnBrk="0">
+              <a:lnSpc>
+                <a:spcPct val="100000"/>
+              </a:lnSpc>
+              <a:tabLst/>
+            </a:pPr>
+            <a:r>
+              <a:rPr lang="de-DE" altLang="de-DE" sz="1200" dirty="0"/>
+              <a:t>        swap_chromosome(individual.get_chromosome(), i, i + 1);</a:t>
+            </a:r>
+          </a:p>
+          <a:p>
+            <a:pPr marR="0" lvl="0" defTabSz="914400" latinLnBrk="0">
+              <a:lnSpc>
+                <a:spcPct val="100000"/>
+              </a:lnSpc>
+              <a:tabLst/>
+            </a:pPr>
+            <a:r>
+              <a:rPr lang="de-DE" altLang="de-DE" sz="1200" dirty="0"/>
               <a:t>    }</a:t>
             </a:r>
           </a:p>
           <a:p>
-            <a:r>
-              <a:rPr lang="de-DE" sz="1050" dirty="0"/>
-              <a:t>    </a:t>
-            </a:r>
-            <a:r>
-              <a:rPr lang="de-DE" sz="1050" dirty="0">
-                <a:solidFill>
-                  <a:schemeClr val="accent6">
-                    <a:lumMod val="75000"/>
-                  </a:schemeClr>
-                </a:solidFill>
-              </a:rPr>
-              <a:t>return</a:t>
-            </a:r>
-            <a:r>
-              <a:rPr lang="de-DE" sz="1050" dirty="0"/>
-              <a:t> true;</a:t>
-            </a:r>
-          </a:p>
-          <a:p>
-            <a:r>
-              <a:rPr lang="de-DE" sz="1050" dirty="0"/>
+            <a:pPr marR="0" lvl="0" defTabSz="914400" latinLnBrk="0">
+              <a:lnSpc>
+                <a:spcPct val="100000"/>
+              </a:lnSpc>
+              <a:tabLst/>
+            </a:pPr>
+            <a:endParaRPr lang="de-DE" altLang="de-DE" sz="1200" dirty="0"/>
+          </a:p>
+          <a:p>
+            <a:pPr marR="0" lvl="0" defTabSz="914400" latinLnBrk="0">
+              <a:lnSpc>
+                <a:spcPct val="100000"/>
+              </a:lnSpc>
+              <a:tabLst/>
+            </a:pPr>
+            <a:r>
+              <a:rPr lang="de-DE" altLang="de-DE" sz="1200" dirty="0"/>
+              <a:t>    return mutate;</a:t>
+            </a:r>
+          </a:p>
+          <a:p>
+            <a:pPr marR="0" lvl="0" defTabSz="914400" latinLnBrk="0">
+              <a:lnSpc>
+                <a:spcPct val="100000"/>
+              </a:lnSpc>
+              <a:tabLst/>
+            </a:pPr>
+            <a:r>
+              <a:rPr lang="de-DE" altLang="de-DE" sz="1200" dirty="0"/>
               <a:t>}</a:t>
             </a:r>
-          </a:p>
-          <a:p>
-            <a:endParaRPr lang="de-DE" sz="1050" dirty="0"/>
           </a:p>
         </p:txBody>
       </p:sp>
       <p:sp>
         <p:nvSpPr>
-          <p:cNvPr id="7" name="Text Placeholder 2">
+          <p:cNvPr id="11" name="TextBox 10">
             <a:extLst>
               <a:ext uri="{FF2B5EF4-FFF2-40B4-BE49-F238E27FC236}">
-                <a16:creationId xmlns:a16="http://schemas.microsoft.com/office/drawing/2014/main" id="{3DAEF8D3-31AA-46E3-BE55-7474D0551DCE}"/>
+                <a16:creationId xmlns:a16="http://schemas.microsoft.com/office/drawing/2014/main" id="{A9A881C4-7DE0-4C0F-B2EC-F77D820DCF22}"/>
               </a:ext>
             </a:extLst>
           </p:cNvPr>
-          <p:cNvSpPr txBox="1">
-            <a:spLocks/>
-          </p:cNvSpPr>
+          <p:cNvSpPr txBox="1"/>
           <p:nvPr/>
         </p:nvSpPr>
-        <p:spPr bwMode="auto">
+        <p:spPr>
           <a:xfrm>
-            <a:off x="6678968" y="1049340"/>
-            <a:ext cx="4660776" cy="4206240"/>
+            <a:off x="5965794" y="1292791"/>
+            <a:ext cx="4074850" cy="4108817"/>
           </a:xfrm>
           <a:prstGeom prst="rect">
             <a:avLst/>
           </a:prstGeom>
           <a:noFill/>
-          <a:ln>
-            <a:noFill/>
-          </a:ln>
-          <a:extLst>
-            <a:ext uri="{909E8E84-426E-40DD-AFC4-6F175D3DCCD1}">
-              <a14:hiddenFill xmlns:a14="http://schemas.microsoft.com/office/drawing/2010/main">
-                <a:solidFill>
-                  <a:srgbClr val="FFFFFF"/>
-                </a:solidFill>
-              </a14:hiddenFill>
-            </a:ext>
-            <a:ext uri="{91240B29-F687-4F45-9708-019B960494DF}">
-              <a14:hiddenLine xmlns:a14="http://schemas.microsoft.com/office/drawing/2010/main" w="9525">
-                <a:solidFill>
-                  <a:srgbClr val="000000"/>
-                </a:solidFill>
-                <a:miter lim="800000"/>
-                <a:headEnd/>
-                <a:tailEnd/>
-              </a14:hiddenLine>
-            </a:ext>
-          </a:extLst>
         </p:spPr>
         <p:txBody>
-          <a:bodyPr vert="horz" wrap="square" lIns="91440" tIns="45720" rIns="91440" bIns="45720" numCol="1" anchor="t" anchorCtr="0" compatLnSpc="1">
-            <a:prstTxWarp prst="textNoShape">
-              <a:avLst/>
-            </a:prstTxWarp>
+          <a:bodyPr wrap="square" rtlCol="0">
+            <a:spAutoFit/>
           </a:bodyPr>
-          <a:lstStyle>
-            <a:lvl1pPr marL="0" indent="0" algn="l" rtl="0" eaLnBrk="0" fontAlgn="base" hangingPunct="0">
-              <a:spcBef>
-                <a:spcPct val="20000"/>
-              </a:spcBef>
-              <a:spcAft>
-                <a:spcPct val="0"/>
-              </a:spcAft>
-              <a:buClr>
-                <a:srgbClr val="80BA24"/>
-              </a:buClr>
-              <a:buSzPct val="106000"/>
-              <a:buFontTx/>
-              <a:buNone/>
-              <a:defRPr kern="1200" baseline="0">
+          <a:lstStyle/>
+          <a:p>
+            <a:pPr>
+              <a:spcAft>
+                <a:spcPts val="600"/>
+              </a:spcAft>
+            </a:pPr>
+            <a:r>
+              <a:rPr lang="de-DE" dirty="0">
                 <a:solidFill>
                   <a:srgbClr val="4A5C66"/>
                 </a:solidFill>
-                <a:latin typeface="Arial" pitchFamily="34" charset="0"/>
-                <a:ea typeface="MS PGothic" panose="020B0600070205080204" pitchFamily="34" charset="-128"/>
-                <a:cs typeface="Arial" pitchFamily="34" charset="0"/>
-              </a:defRPr>
-            </a:lvl1pPr>
-            <a:lvl2pPr marL="266700" indent="0" algn="l" rtl="0" eaLnBrk="0" fontAlgn="base" hangingPunct="0">
-              <a:spcBef>
-                <a:spcPct val="20000"/>
-              </a:spcBef>
-              <a:spcAft>
-                <a:spcPct val="0"/>
-              </a:spcAft>
-              <a:buClr>
-                <a:srgbClr val="80BA24"/>
-              </a:buClr>
-              <a:buSzPct val="90000"/>
-              <a:buFontTx/>
-              <a:buNone/>
-              <a:defRPr kern="1200">
+                <a:latin typeface="Arial" panose="020B0604020202020204" pitchFamily="34" charset="0"/>
+                <a:cs typeface="Arial" panose="020B0604020202020204" pitchFamily="34" charset="0"/>
+              </a:rPr>
+              <a:t>Chromosom: {1,2,</a:t>
+            </a:r>
+            <a:r>
+              <a:rPr lang="de-DE" b="1" dirty="0">
+                <a:solidFill>
+                  <a:srgbClr val="C00000"/>
+                </a:solidFill>
+                <a:latin typeface="Arial" panose="020B0604020202020204" pitchFamily="34" charset="0"/>
+                <a:cs typeface="Arial" panose="020B0604020202020204" pitchFamily="34" charset="0"/>
+              </a:rPr>
+              <a:t>3</a:t>
+            </a:r>
+            <a:r>
+              <a:rPr lang="de-DE" b="1" dirty="0">
                 <a:solidFill>
                   <a:srgbClr val="4A5C66"/>
                 </a:solidFill>
-                <a:latin typeface="Arial" pitchFamily="34" charset="0"/>
-                <a:ea typeface="Arial" charset="0"/>
-                <a:cs typeface="Arial" pitchFamily="34" charset="0"/>
-              </a:defRPr>
-            </a:lvl2pPr>
-            <a:lvl3pPr marL="542925" indent="0" algn="l" rtl="0" eaLnBrk="0" fontAlgn="base" hangingPunct="0">
-              <a:spcBef>
-                <a:spcPct val="20000"/>
-              </a:spcBef>
-              <a:spcAft>
-                <a:spcPct val="0"/>
-              </a:spcAft>
-              <a:buClr>
-                <a:srgbClr val="80BA24"/>
-              </a:buClr>
-              <a:buSzPct val="80000"/>
-              <a:buFontTx/>
-              <a:buNone/>
-              <a:defRPr kern="1200">
+                <a:latin typeface="Arial" panose="020B0604020202020204" pitchFamily="34" charset="0"/>
+                <a:cs typeface="Arial" panose="020B0604020202020204" pitchFamily="34" charset="0"/>
+              </a:rPr>
+              <a:t>,4,5,6,7</a:t>
+            </a:r>
+            <a:r>
+              <a:rPr lang="de-DE" dirty="0">
                 <a:solidFill>
                   <a:srgbClr val="4A5C66"/>
                 </a:solidFill>
-                <a:latin typeface="Arial" pitchFamily="34" charset="0"/>
-                <a:ea typeface="Arial" charset="0"/>
-                <a:cs typeface="Arial" pitchFamily="34" charset="0"/>
-              </a:defRPr>
-            </a:lvl3pPr>
-            <a:lvl4pPr marL="809625" indent="0" algn="l" rtl="0" eaLnBrk="0" fontAlgn="base" hangingPunct="0">
-              <a:spcBef>
-                <a:spcPct val="20000"/>
-              </a:spcBef>
-              <a:spcAft>
-                <a:spcPct val="0"/>
-              </a:spcAft>
-              <a:buClr>
-                <a:srgbClr val="80BA24"/>
-              </a:buClr>
-              <a:buSzPct val="80000"/>
-              <a:buFontTx/>
-              <a:buNone/>
-              <a:defRPr kern="1200">
+                <a:latin typeface="Arial" panose="020B0604020202020204" pitchFamily="34" charset="0"/>
+                <a:cs typeface="Arial" panose="020B0604020202020204" pitchFamily="34" charset="0"/>
+              </a:rPr>
+              <a:t>,8,9,10}</a:t>
+            </a:r>
+          </a:p>
+          <a:p>
+            <a:pPr>
+              <a:spcAft>
+                <a:spcPts val="600"/>
+              </a:spcAft>
+            </a:pPr>
+            <a:endParaRPr lang="de-DE" dirty="0">
+              <a:solidFill>
+                <a:srgbClr val="4A5C66"/>
+              </a:solidFill>
+              <a:latin typeface="Arial" panose="020B0604020202020204" pitchFamily="34" charset="0"/>
+              <a:cs typeface="Arial" panose="020B0604020202020204" pitchFamily="34" charset="0"/>
+            </a:endParaRPr>
+          </a:p>
+          <a:p>
+            <a:pPr>
+              <a:spcAft>
+                <a:spcPts val="600"/>
+              </a:spcAft>
+            </a:pPr>
+            <a:endParaRPr lang="de-DE" dirty="0">
+              <a:solidFill>
+                <a:srgbClr val="4A5C66"/>
+              </a:solidFill>
+              <a:latin typeface="Arial" panose="020B0604020202020204" pitchFamily="34" charset="0"/>
+              <a:cs typeface="Arial" panose="020B0604020202020204" pitchFamily="34" charset="0"/>
+            </a:endParaRPr>
+          </a:p>
+          <a:p>
+            <a:pPr>
+              <a:spcAft>
+                <a:spcPts val="600"/>
+              </a:spcAft>
+            </a:pPr>
+            <a:r>
+              <a:rPr lang="de-DE" dirty="0">
                 <a:solidFill>
                   <a:srgbClr val="4A5C66"/>
                 </a:solidFill>
-                <a:latin typeface="Arial" pitchFamily="34" charset="0"/>
-                <a:ea typeface="Arial" charset="0"/>
-                <a:cs typeface="Arial" pitchFamily="34" charset="0"/>
-              </a:defRPr>
-            </a:lvl4pPr>
-            <a:lvl5pPr marL="1076325" indent="0" algn="l" rtl="0" eaLnBrk="0" fontAlgn="base" hangingPunct="0">
-              <a:spcBef>
-                <a:spcPct val="20000"/>
-              </a:spcBef>
-              <a:spcAft>
-                <a:spcPct val="0"/>
-              </a:spcAft>
-              <a:buClr>
-                <a:srgbClr val="80BA24"/>
-              </a:buClr>
-              <a:buSzPct val="80000"/>
-              <a:buFontTx/>
-              <a:buNone/>
-              <a:defRPr kern="1200">
+                <a:latin typeface="Arial" panose="020B0604020202020204" pitchFamily="34" charset="0"/>
+                <a:cs typeface="Arial" panose="020B0604020202020204" pitchFamily="34" charset="0"/>
+              </a:rPr>
+              <a:t>position_a=3</a:t>
+            </a:r>
+          </a:p>
+          <a:p>
+            <a:pPr>
+              <a:spcAft>
+                <a:spcPts val="600"/>
+              </a:spcAft>
+            </a:pPr>
+            <a:endParaRPr lang="de-DE" dirty="0">
+              <a:solidFill>
+                <a:srgbClr val="4A5C66"/>
+              </a:solidFill>
+              <a:latin typeface="Arial" panose="020B0604020202020204" pitchFamily="34" charset="0"/>
+              <a:cs typeface="Arial" panose="020B0604020202020204" pitchFamily="34" charset="0"/>
+            </a:endParaRPr>
+          </a:p>
+          <a:p>
+            <a:pPr>
+              <a:spcAft>
+                <a:spcPts val="600"/>
+              </a:spcAft>
+            </a:pPr>
+            <a:r>
+              <a:rPr lang="de-DE" dirty="0">
                 <a:solidFill>
                   <a:srgbClr val="4A5C66"/>
                 </a:solidFill>
-                <a:latin typeface="Arial" pitchFamily="34" charset="0"/>
-                <a:ea typeface="Arial" charset="0"/>
-                <a:cs typeface="Arial" pitchFamily="34" charset="0"/>
-              </a:defRPr>
-            </a:lvl5pPr>
-            <a:lvl6pPr marL="2514600" indent="-228600" algn="l" defTabSz="914400" rtl="0" eaLnBrk="1" latinLnBrk="0" hangingPunct="1">
-              <a:spcBef>
-                <a:spcPct val="20000"/>
-              </a:spcBef>
-              <a:buFont typeface="Arial" pitchFamily="34" charset="0"/>
-              <a:buChar char="•"/>
-              <a:defRPr sz="2000" kern="1200">
-                <a:solidFill>
-                  <a:schemeClr val="tx1"/>
-                </a:solidFill>
-                <a:latin typeface="+mn-lt"/>
-                <a:ea typeface="+mn-ea"/>
-                <a:cs typeface="+mn-cs"/>
-              </a:defRPr>
-            </a:lvl6pPr>
-            <a:lvl7pPr marL="2971800" indent="-228600" algn="l" defTabSz="914400" rtl="0" eaLnBrk="1" latinLnBrk="0" hangingPunct="1">
-              <a:spcBef>
-                <a:spcPct val="20000"/>
-              </a:spcBef>
-              <a:buFont typeface="Arial" pitchFamily="34" charset="0"/>
-              <a:buChar char="•"/>
-              <a:defRPr sz="2000" kern="1200">
-                <a:solidFill>
-                  <a:schemeClr val="tx1"/>
-                </a:solidFill>
-                <a:latin typeface="+mn-lt"/>
-                <a:ea typeface="+mn-ea"/>
-                <a:cs typeface="+mn-cs"/>
-              </a:defRPr>
-            </a:lvl7pPr>
-            <a:lvl8pPr marL="3429000" indent="-228600" algn="l" defTabSz="914400" rtl="0" eaLnBrk="1" latinLnBrk="0" hangingPunct="1">
-              <a:spcBef>
-                <a:spcPct val="20000"/>
-              </a:spcBef>
-              <a:buFont typeface="Arial" pitchFamily="34" charset="0"/>
-              <a:buChar char="•"/>
-              <a:defRPr sz="2000" kern="1200">
-                <a:solidFill>
-                  <a:schemeClr val="tx1"/>
-                </a:solidFill>
-                <a:latin typeface="+mn-lt"/>
-                <a:ea typeface="+mn-ea"/>
-                <a:cs typeface="+mn-cs"/>
-              </a:defRPr>
-            </a:lvl8pPr>
-            <a:lvl9pPr marL="3886200" indent="-228600" algn="l" defTabSz="914400" rtl="0" eaLnBrk="1" latinLnBrk="0" hangingPunct="1">
-              <a:spcBef>
-                <a:spcPct val="20000"/>
-              </a:spcBef>
-              <a:buFont typeface="Arial" pitchFamily="34" charset="0"/>
-              <a:buChar char="•"/>
-              <a:defRPr sz="2000" kern="1200">
-                <a:solidFill>
-                  <a:schemeClr val="tx1"/>
-                </a:solidFill>
-                <a:latin typeface="+mn-lt"/>
-                <a:ea typeface="+mn-ea"/>
-                <a:cs typeface="+mn-cs"/>
-              </a:defRPr>
-            </a:lvl9pPr>
-          </a:lstStyle>
-          <a:p>
-            <a:pPr lvl="2">
+                <a:latin typeface="Arial" panose="020B0604020202020204" pitchFamily="34" charset="0"/>
+                <a:cs typeface="Arial" panose="020B0604020202020204" pitchFamily="34" charset="0"/>
+              </a:rPr>
+              <a:t>position_b=7</a:t>
+            </a:r>
+          </a:p>
+          <a:p>
+            <a:pPr>
               <a:spcAft>
                 <a:spcPts val="600"/>
               </a:spcAft>
             </a:pPr>
-            <a:endParaRPr lang="de-DE" dirty="0"/>
-          </a:p>
-          <a:p>
-            <a:pPr lvl="2">
+            <a:endParaRPr lang="de-DE" dirty="0">
+              <a:solidFill>
+                <a:srgbClr val="4A5C66"/>
+              </a:solidFill>
+              <a:latin typeface="Arial" panose="020B0604020202020204" pitchFamily="34" charset="0"/>
+              <a:cs typeface="Arial" panose="020B0604020202020204" pitchFamily="34" charset="0"/>
+            </a:endParaRPr>
+          </a:p>
+          <a:p>
+            <a:pPr>
               <a:spcAft>
                 <a:spcPts val="600"/>
               </a:spcAft>
             </a:pPr>
-            <a:endParaRPr lang="de-DE" dirty="0"/>
-          </a:p>
-          <a:p>
-            <a:pPr lvl="2">
+            <a:endParaRPr lang="de-DE" dirty="0">
+              <a:solidFill>
+                <a:srgbClr val="4A5C66"/>
+              </a:solidFill>
+              <a:latin typeface="Arial" panose="020B0604020202020204" pitchFamily="34" charset="0"/>
+              <a:cs typeface="Arial" panose="020B0604020202020204" pitchFamily="34" charset="0"/>
+            </a:endParaRPr>
+          </a:p>
+          <a:p>
+            <a:pPr>
               <a:spcAft>
                 <a:spcPts val="600"/>
               </a:spcAft>
             </a:pPr>
-            <a:r>
-              <a:rPr lang="de-DE" dirty="0"/>
-              <a:t>p1 = 1 2 3 4 5</a:t>
-            </a:r>
-          </a:p>
-          <a:p>
-            <a:pPr lvl="2">
+            <a:endParaRPr lang="de-DE" dirty="0">
+              <a:solidFill>
+                <a:srgbClr val="4A5C66"/>
+              </a:solidFill>
+              <a:latin typeface="Arial" panose="020B0604020202020204" pitchFamily="34" charset="0"/>
+              <a:cs typeface="Arial" panose="020B0604020202020204" pitchFamily="34" charset="0"/>
+            </a:endParaRPr>
+          </a:p>
+          <a:p>
+            <a:pPr>
               <a:spcAft>
                 <a:spcPts val="600"/>
               </a:spcAft>
             </a:pPr>
-            <a:r>
-              <a:rPr lang="de-DE" dirty="0"/>
-              <a:t>p2 = 5 4 3 2 1</a:t>
-            </a:r>
-          </a:p>
-          <a:p>
-            <a:pPr marL="342900" indent="-342900">
+            <a:endParaRPr lang="de-DE" dirty="0">
+              <a:solidFill>
+                <a:srgbClr val="4A5C66"/>
+              </a:solidFill>
+              <a:latin typeface="Arial" panose="020B0604020202020204" pitchFamily="34" charset="0"/>
+              <a:cs typeface="Arial" panose="020B0604020202020204" pitchFamily="34" charset="0"/>
+            </a:endParaRPr>
+          </a:p>
+          <a:p>
+            <a:pPr>
               <a:spcAft>
                 <a:spcPts val="600"/>
               </a:spcAft>
-              <a:buFontTx/>
-              <a:buAutoNum type="arabicPeriod"/>
             </a:pPr>
             <a:r>
-              <a:rPr lang="de-DE" dirty="0"/>
-              <a:t>Wähle zufällige Startposition und finde Cycle</a:t>
-            </a:r>
-          </a:p>
-          <a:p>
-            <a:pPr lvl="2">
+              <a:rPr lang="de-DE" dirty="0">
+                <a:solidFill>
+                  <a:srgbClr val="4A5C66"/>
+                </a:solidFill>
+                <a:latin typeface="Arial" panose="020B0604020202020204" pitchFamily="34" charset="0"/>
+                <a:cs typeface="Arial" panose="020B0604020202020204" pitchFamily="34" charset="0"/>
+              </a:rPr>
+              <a:t>Ergebnis: {1,2,</a:t>
+            </a:r>
+            <a:r>
+              <a:rPr lang="de-DE" b="1" dirty="0">
+                <a:solidFill>
+                  <a:srgbClr val="4A5C66"/>
+                </a:solidFill>
+                <a:latin typeface="Arial" panose="020B0604020202020204" pitchFamily="34" charset="0"/>
+                <a:cs typeface="Arial" panose="020B0604020202020204" pitchFamily="34" charset="0"/>
+              </a:rPr>
+              <a:t>4,5,6,7,</a:t>
+            </a:r>
+            <a:r>
+              <a:rPr lang="de-DE" b="1" dirty="0">
+                <a:solidFill>
+                  <a:srgbClr val="C00000"/>
+                </a:solidFill>
+                <a:latin typeface="Arial" panose="020B0604020202020204" pitchFamily="34" charset="0"/>
+                <a:cs typeface="Arial" panose="020B0604020202020204" pitchFamily="34" charset="0"/>
+              </a:rPr>
+              <a:t>3</a:t>
+            </a:r>
+            <a:r>
+              <a:rPr lang="de-DE" dirty="0">
+                <a:solidFill>
+                  <a:srgbClr val="4A5C66"/>
+                </a:solidFill>
+                <a:latin typeface="Arial" panose="020B0604020202020204" pitchFamily="34" charset="0"/>
+                <a:cs typeface="Arial" panose="020B0604020202020204" pitchFamily="34" charset="0"/>
+              </a:rPr>
+              <a:t>,8,9,10}</a:t>
+            </a:r>
+          </a:p>
+          <a:p>
+            <a:pPr>
               <a:spcAft>
                 <a:spcPts val="600"/>
               </a:spcAft>
             </a:pPr>
-            <a:r>
-              <a:rPr lang="de-DE" dirty="0"/>
-              <a:t>p1 = 1 </a:t>
-            </a:r>
-            <a:r>
-              <a:rPr lang="de-DE" dirty="0">
-                <a:highlight>
-                  <a:srgbClr val="00FF00"/>
-                </a:highlight>
-              </a:rPr>
-              <a:t>2</a:t>
-            </a:r>
-            <a:r>
-              <a:rPr lang="de-DE" dirty="0"/>
-              <a:t> 3 </a:t>
-            </a:r>
-            <a:r>
-              <a:rPr lang="de-DE" dirty="0">
-                <a:highlight>
-                  <a:srgbClr val="00FF00"/>
-                </a:highlight>
-              </a:rPr>
-              <a:t>4</a:t>
-            </a:r>
-            <a:r>
-              <a:rPr lang="de-DE" dirty="0"/>
-              <a:t> 5</a:t>
-            </a:r>
-          </a:p>
-          <a:p>
-            <a:pPr lvl="2">
+            <a:endParaRPr lang="de-DE" dirty="0">
+              <a:solidFill>
+                <a:srgbClr val="4A5C66"/>
+              </a:solidFill>
+              <a:latin typeface="Arial" panose="020B0604020202020204" pitchFamily="34" charset="0"/>
+              <a:cs typeface="Arial" panose="020B0604020202020204" pitchFamily="34" charset="0"/>
+            </a:endParaRPr>
+          </a:p>
+          <a:p>
+            <a:pPr>
               <a:spcAft>
                 <a:spcPts val="600"/>
               </a:spcAft>
             </a:pPr>
-            <a:r>
-              <a:rPr lang="de-DE" dirty="0"/>
-              <a:t>p2 = 5 </a:t>
-            </a:r>
-            <a:r>
-              <a:rPr lang="de-DE" dirty="0">
-                <a:highlight>
-                  <a:srgbClr val="00FF00"/>
-                </a:highlight>
-              </a:rPr>
-              <a:t>4</a:t>
-            </a:r>
-            <a:r>
-              <a:rPr lang="de-DE" dirty="0"/>
-              <a:t> 3 </a:t>
-            </a:r>
-            <a:r>
-              <a:rPr lang="de-DE" dirty="0">
-                <a:highlight>
-                  <a:srgbClr val="00FF00"/>
-                </a:highlight>
-              </a:rPr>
-              <a:t>2</a:t>
-            </a:r>
-            <a:r>
-              <a:rPr lang="de-DE" dirty="0"/>
-              <a:t> 1</a:t>
-            </a:r>
-          </a:p>
-          <a:p>
-            <a:pPr lvl="2">
+            <a:endParaRPr lang="de-DE" dirty="0">
+              <a:solidFill>
+                <a:srgbClr val="4A5C66"/>
+              </a:solidFill>
+              <a:latin typeface="Arial" panose="020B0604020202020204" pitchFamily="34" charset="0"/>
+              <a:cs typeface="Arial" panose="020B0604020202020204" pitchFamily="34" charset="0"/>
+            </a:endParaRPr>
+          </a:p>
+          <a:p>
+            <a:pPr>
               <a:spcAft>
                 <a:spcPts val="600"/>
               </a:spcAft>
             </a:pPr>
-            <a:endParaRPr lang="de-DE" dirty="0"/>
-          </a:p>
-          <a:p>
-            <a:pPr lvl="2">
-              <a:spcAft>
-                <a:spcPts val="600"/>
-              </a:spcAft>
-            </a:pPr>
-            <a:endParaRPr lang="de-DE" dirty="0"/>
-          </a:p>
-          <a:p>
-            <a:pPr lvl="2">
-              <a:spcAft>
-                <a:spcPts val="600"/>
-              </a:spcAft>
-            </a:pPr>
-            <a:endParaRPr lang="de-DE" dirty="0"/>
-          </a:p>
-          <a:p>
-            <a:pPr marL="342900" indent="-342900">
-              <a:spcAft>
-                <a:spcPts val="600"/>
-              </a:spcAft>
-              <a:buFontTx/>
-              <a:buAutoNum type="arabicPeriod"/>
-            </a:pPr>
-            <a:r>
-              <a:rPr lang="de-DE" dirty="0"/>
-              <a:t>Kopiere die Werte des Cycles aus p1 zu c2 und aus p2 zu c1. Kopiere die Lücken von p1 zu c1 und p2 zu c2.</a:t>
-            </a:r>
-          </a:p>
-          <a:p>
-            <a:pPr lvl="2">
-              <a:spcAft>
-                <a:spcPts val="600"/>
-              </a:spcAft>
-            </a:pPr>
-            <a:endParaRPr lang="de-DE" dirty="0"/>
-          </a:p>
-          <a:p>
-            <a:pPr lvl="2">
-              <a:spcAft>
-                <a:spcPts val="600"/>
-              </a:spcAft>
-            </a:pPr>
-            <a:endParaRPr lang="de-DE" dirty="0"/>
+            <a:endParaRPr lang="de-DE" dirty="0">
+              <a:solidFill>
+                <a:srgbClr val="4A5C66"/>
+              </a:solidFill>
+              <a:latin typeface="Arial" panose="020B0604020202020204" pitchFamily="34" charset="0"/>
+              <a:cs typeface="Arial" panose="020B0604020202020204" pitchFamily="34" charset="0"/>
+            </a:endParaRPr>
           </a:p>
         </p:txBody>
       </p:sp>
     </p:spTree>
     <p:extLst>
       <p:ext uri="{BB962C8B-B14F-4D97-AF65-F5344CB8AC3E}">
-        <p14:creationId xmlns:p14="http://schemas.microsoft.com/office/powerpoint/2010/main" val="2814204293"/>
+        <p14:creationId xmlns:p14="http://schemas.microsoft.com/office/powerpoint/2010/main" val="21206333"/>
       </p:ext>
     </p:extLst>
   </p:cSld>
@@ -27351,2058 +27695,6 @@
           <p:cNvPr id="2" name="Title 1">
             <a:extLst>
               <a:ext uri="{FF2B5EF4-FFF2-40B4-BE49-F238E27FC236}">
-                <a16:creationId xmlns:a16="http://schemas.microsoft.com/office/drawing/2014/main" id="{DD2388D8-106E-40D0-A4BD-5FF4C2E2935B}"/>
-              </a:ext>
-            </a:extLst>
-          </p:cNvPr>
-          <p:cNvSpPr>
-            <a:spLocks noGrp="1"/>
-          </p:cNvSpPr>
-          <p:nvPr>
-            <p:ph type="title"/>
-          </p:nvPr>
-        </p:nvSpPr>
-        <p:spPr/>
-        <p:txBody>
-          <a:bodyPr/>
-          <a:lstStyle/>
-          <a:p>
-            <a:r>
-              <a:rPr lang="de-DE" dirty="0"/>
-              <a:t>Realisierung – Cycle-Crossover-All-Cycles</a:t>
-            </a:r>
-          </a:p>
-        </p:txBody>
-      </p:sp>
-      <p:sp>
-        <p:nvSpPr>
-          <p:cNvPr id="3" name="Text Placeholder 2">
-            <a:extLst>
-              <a:ext uri="{FF2B5EF4-FFF2-40B4-BE49-F238E27FC236}">
-                <a16:creationId xmlns:a16="http://schemas.microsoft.com/office/drawing/2014/main" id="{79F1354A-B6A2-451D-B387-D4D8507220EF}"/>
-              </a:ext>
-            </a:extLst>
-          </p:cNvPr>
-          <p:cNvSpPr>
-            <a:spLocks noGrp="1"/>
-          </p:cNvSpPr>
-          <p:nvPr>
-            <p:ph type="body" sz="quarter" idx="11"/>
-          </p:nvPr>
-        </p:nvSpPr>
-        <p:spPr>
-          <a:xfrm>
-            <a:off x="334963" y="1280160"/>
-            <a:ext cx="6101348" cy="4534714"/>
-          </a:xfrm>
-        </p:spPr>
-        <p:txBody>
-          <a:bodyPr/>
-          <a:lstStyle/>
-          <a:p>
-            <a:endParaRPr lang="de-DE" sz="700" dirty="0"/>
-          </a:p>
-          <a:p>
-            <a:r>
-              <a:rPr lang="de-DE" sz="1000" dirty="0">
-                <a:solidFill>
-                  <a:schemeClr val="accent6">
-                    <a:lumMod val="75000"/>
-                  </a:schemeClr>
-                </a:solidFill>
-              </a:rPr>
-              <a:t>bool</a:t>
-            </a:r>
-            <a:r>
-              <a:rPr lang="de-DE" sz="1000" dirty="0"/>
-              <a:t> cycle_crossover_all_cycles(Individual &amp;p1, Individual &amp;p2, Individual &amp;c1, Individual &amp;c2) {</a:t>
-            </a:r>
-          </a:p>
-          <a:p>
-            <a:r>
-              <a:rPr lang="de-DE" sz="1000" dirty="0"/>
-              <a:t>    std::vector&lt;bool&gt; index_flags(p1.get_size(), false);</a:t>
-            </a:r>
-          </a:p>
-          <a:p>
-            <a:r>
-              <a:rPr lang="de-DE" sz="1000" dirty="0"/>
-              <a:t>    std::vector&lt;Cycle&gt; cycles;</a:t>
-            </a:r>
-          </a:p>
-          <a:p>
-            <a:r>
-              <a:rPr lang="de-DE" sz="1000" dirty="0"/>
-              <a:t>    </a:t>
-            </a:r>
-            <a:r>
-              <a:rPr lang="de-DE" sz="1000" dirty="0">
-                <a:solidFill>
-                  <a:schemeClr val="accent6">
-                    <a:lumMod val="75000"/>
-                  </a:schemeClr>
-                </a:solidFill>
-              </a:rPr>
-              <a:t>for</a:t>
-            </a:r>
-            <a:r>
-              <a:rPr lang="de-DE" sz="1000" dirty="0"/>
-              <a:t> (int cycle_start_idx = 0; cycle_start_idx &lt; p1.get_size(); ++cycle_start_idx) {</a:t>
-            </a:r>
-          </a:p>
-          <a:p>
-            <a:r>
-              <a:rPr lang="de-DE" sz="1000" dirty="0"/>
-              <a:t>        Cycle cycle;</a:t>
-            </a:r>
-          </a:p>
-          <a:p>
-            <a:r>
-              <a:rPr lang="de-DE" sz="1000" dirty="0"/>
-              <a:t>        </a:t>
-            </a:r>
-            <a:r>
-              <a:rPr lang="de-DE" sz="1000" dirty="0">
-                <a:solidFill>
-                  <a:schemeClr val="accent6">
-                    <a:lumMod val="75000"/>
-                  </a:schemeClr>
-                </a:solidFill>
-              </a:rPr>
-              <a:t>if</a:t>
-            </a:r>
-            <a:r>
-              <a:rPr lang="de-DE" sz="1000" dirty="0"/>
-              <a:t> (!index_flags.at(cycle_start_idx)) {</a:t>
-            </a:r>
-          </a:p>
-          <a:p>
-            <a:r>
-              <a:rPr lang="de-DE" sz="1000" dirty="0"/>
-              <a:t>            if (!fill_empty_cycle_with_tuples(cycle, cycle_start_idx, p1, p2, index_flags)) {</a:t>
-            </a:r>
-          </a:p>
-          <a:p>
-            <a:r>
-              <a:rPr lang="de-DE" sz="1000" dirty="0"/>
-              <a:t>                return false;</a:t>
-            </a:r>
-          </a:p>
-          <a:p>
-            <a:r>
-              <a:rPr lang="de-DE" sz="1000" dirty="0"/>
-              <a:t>            }</a:t>
-            </a:r>
-          </a:p>
-          <a:p>
-            <a:r>
-              <a:rPr lang="de-DE" sz="1000" dirty="0"/>
-              <a:t>            cycles.push_back(cycle);</a:t>
-            </a:r>
-          </a:p>
-          <a:p>
-            <a:r>
-              <a:rPr lang="de-DE" sz="1000" dirty="0"/>
-              <a:t>        }</a:t>
-            </a:r>
-          </a:p>
-          <a:p>
-            <a:r>
-              <a:rPr lang="de-DE" sz="1000" dirty="0"/>
-              <a:t>    }</a:t>
-            </a:r>
-          </a:p>
-          <a:p>
-            <a:r>
-              <a:rPr lang="de-DE" sz="1000" dirty="0"/>
-              <a:t>    </a:t>
-            </a:r>
-            <a:r>
-              <a:rPr lang="de-DE" sz="1000" dirty="0">
-                <a:solidFill>
-                  <a:schemeClr val="accent6">
-                    <a:lumMod val="75000"/>
-                  </a:schemeClr>
-                </a:solidFill>
-              </a:rPr>
-              <a:t>for</a:t>
-            </a:r>
-            <a:r>
-              <a:rPr lang="de-DE" sz="1000" dirty="0"/>
-              <a:t> (int i = 0; (unsigned int) i &lt; cycles.size(); ++i) {</a:t>
-            </a:r>
-          </a:p>
-          <a:p>
-            <a:r>
-              <a:rPr lang="de-DE" sz="1000" dirty="0"/>
-              <a:t>        bool cross_copy = i % 2 != 0;</a:t>
-            </a:r>
-          </a:p>
-          <a:p>
-            <a:r>
-              <a:rPr lang="de-DE" sz="1000" dirty="0"/>
-              <a:t>        Cycle &amp;cycle = cycles.at(i);</a:t>
-            </a:r>
-          </a:p>
-          <a:p>
-            <a:r>
-              <a:rPr lang="de-DE" sz="1000" dirty="0"/>
-              <a:t>        </a:t>
-            </a:r>
-            <a:r>
-              <a:rPr lang="de-DE" sz="1000" dirty="0">
-                <a:solidFill>
-                  <a:schemeClr val="accent6">
-                    <a:lumMod val="75000"/>
-                  </a:schemeClr>
-                </a:solidFill>
-              </a:rPr>
-              <a:t>for</a:t>
-            </a:r>
-            <a:r>
-              <a:rPr lang="de-DE" sz="1000" dirty="0"/>
-              <a:t> (Tuple &amp;t : cycle) {</a:t>
-            </a:r>
-          </a:p>
-          <a:p>
-            <a:r>
-              <a:rPr lang="de-DE" sz="1000" dirty="0"/>
-              <a:t>            if (cross_copy) {</a:t>
-            </a:r>
-          </a:p>
-          <a:p>
-            <a:r>
-              <a:rPr lang="de-DE" sz="1000" dirty="0"/>
-              <a:t>                c1.update_chromosome(std::get&lt;2&gt;(t), std::get&lt;0&gt;(t));</a:t>
-            </a:r>
-          </a:p>
-          <a:p>
-            <a:r>
-              <a:rPr lang="de-DE" sz="1000" dirty="0"/>
-              <a:t>                c2.update_chromosome(std::get&lt;1&gt;(t), std::get&lt;0&gt;(t));</a:t>
-            </a:r>
-          </a:p>
-          <a:p>
-            <a:r>
-              <a:rPr lang="de-DE" sz="1000" dirty="0"/>
-              <a:t>            } </a:t>
-            </a:r>
-            <a:r>
-              <a:rPr lang="de-DE" sz="1000" dirty="0">
-                <a:solidFill>
-                  <a:schemeClr val="accent6">
-                    <a:lumMod val="75000"/>
-                  </a:schemeClr>
-                </a:solidFill>
-              </a:rPr>
-              <a:t>else</a:t>
-            </a:r>
-            <a:r>
-              <a:rPr lang="de-DE" sz="1000" dirty="0"/>
-              <a:t> {</a:t>
-            </a:r>
-          </a:p>
-          <a:p>
-            <a:r>
-              <a:rPr lang="de-DE" sz="1000" dirty="0"/>
-              <a:t>                c1.update_chromosome(std::get&lt;1&gt;(t), std::get&lt;0&gt;(t));</a:t>
-            </a:r>
-          </a:p>
-          <a:p>
-            <a:r>
-              <a:rPr lang="de-DE" sz="1000" dirty="0"/>
-              <a:t>                c2.update_chromosome(std::get&lt;2&gt;(t), std::get&lt;0&gt;(t));</a:t>
-            </a:r>
-          </a:p>
-          <a:p>
-            <a:r>
-              <a:rPr lang="de-DE" sz="1000" dirty="0"/>
-              <a:t>            }</a:t>
-            </a:r>
-          </a:p>
-          <a:p>
-            <a:r>
-              <a:rPr lang="de-DE" sz="1000" dirty="0"/>
-              <a:t>        }</a:t>
-            </a:r>
-          </a:p>
-          <a:p>
-            <a:r>
-              <a:rPr lang="de-DE" sz="1000" dirty="0"/>
-              <a:t>    }</a:t>
-            </a:r>
-          </a:p>
-          <a:p>
-            <a:r>
-              <a:rPr lang="de-DE" sz="1000" dirty="0"/>
-              <a:t>    </a:t>
-            </a:r>
-            <a:r>
-              <a:rPr lang="de-DE" sz="1000" dirty="0">
-                <a:solidFill>
-                  <a:schemeClr val="accent6">
-                    <a:lumMod val="75000"/>
-                  </a:schemeClr>
-                </a:solidFill>
-              </a:rPr>
-              <a:t>return</a:t>
-            </a:r>
-            <a:r>
-              <a:rPr lang="de-DE" sz="1000" dirty="0"/>
-              <a:t> true;</a:t>
-            </a:r>
-          </a:p>
-          <a:p>
-            <a:r>
-              <a:rPr lang="de-DE" sz="1000" dirty="0"/>
-              <a:t>}</a:t>
-            </a:r>
-            <a:endParaRPr lang="de-DE" sz="900" dirty="0"/>
-          </a:p>
-        </p:txBody>
-      </p:sp>
-      <p:sp>
-        <p:nvSpPr>
-          <p:cNvPr id="7" name="Text Placeholder 2">
-            <a:extLst>
-              <a:ext uri="{FF2B5EF4-FFF2-40B4-BE49-F238E27FC236}">
-                <a16:creationId xmlns:a16="http://schemas.microsoft.com/office/drawing/2014/main" id="{3DAEF8D3-31AA-46E3-BE55-7474D0551DCE}"/>
-              </a:ext>
-            </a:extLst>
-          </p:cNvPr>
-          <p:cNvSpPr txBox="1">
-            <a:spLocks/>
-          </p:cNvSpPr>
-          <p:nvPr/>
-        </p:nvSpPr>
-        <p:spPr bwMode="auto">
-          <a:xfrm>
-            <a:off x="7350711" y="1280160"/>
-            <a:ext cx="4660776" cy="4206240"/>
-          </a:xfrm>
-          <a:prstGeom prst="rect">
-            <a:avLst/>
-          </a:prstGeom>
-          <a:noFill/>
-          <a:ln>
-            <a:noFill/>
-          </a:ln>
-          <a:extLst>
-            <a:ext uri="{909E8E84-426E-40DD-AFC4-6F175D3DCCD1}">
-              <a14:hiddenFill xmlns:a14="http://schemas.microsoft.com/office/drawing/2010/main">
-                <a:solidFill>
-                  <a:srgbClr val="FFFFFF"/>
-                </a:solidFill>
-              </a14:hiddenFill>
-            </a:ext>
-            <a:ext uri="{91240B29-F687-4F45-9708-019B960494DF}">
-              <a14:hiddenLine xmlns:a14="http://schemas.microsoft.com/office/drawing/2010/main" w="9525">
-                <a:solidFill>
-                  <a:srgbClr val="000000"/>
-                </a:solidFill>
-                <a:miter lim="800000"/>
-                <a:headEnd/>
-                <a:tailEnd/>
-              </a14:hiddenLine>
-            </a:ext>
-          </a:extLst>
-        </p:spPr>
-        <p:txBody>
-          <a:bodyPr vert="horz" wrap="square" lIns="91440" tIns="45720" rIns="91440" bIns="45720" numCol="1" anchor="t" anchorCtr="0" compatLnSpc="1">
-            <a:prstTxWarp prst="textNoShape">
-              <a:avLst/>
-            </a:prstTxWarp>
-          </a:bodyPr>
-          <a:lstStyle>
-            <a:lvl1pPr marL="0" indent="0" algn="l" rtl="0" eaLnBrk="0" fontAlgn="base" hangingPunct="0">
-              <a:spcBef>
-                <a:spcPct val="20000"/>
-              </a:spcBef>
-              <a:spcAft>
-                <a:spcPct val="0"/>
-              </a:spcAft>
-              <a:buClr>
-                <a:srgbClr val="80BA24"/>
-              </a:buClr>
-              <a:buSzPct val="106000"/>
-              <a:buFontTx/>
-              <a:buNone/>
-              <a:defRPr kern="1200" baseline="0">
-                <a:solidFill>
-                  <a:srgbClr val="4A5C66"/>
-                </a:solidFill>
-                <a:latin typeface="Arial" pitchFamily="34" charset="0"/>
-                <a:ea typeface="MS PGothic" panose="020B0600070205080204" pitchFamily="34" charset="-128"/>
-                <a:cs typeface="Arial" pitchFamily="34" charset="0"/>
-              </a:defRPr>
-            </a:lvl1pPr>
-            <a:lvl2pPr marL="266700" indent="0" algn="l" rtl="0" eaLnBrk="0" fontAlgn="base" hangingPunct="0">
-              <a:spcBef>
-                <a:spcPct val="20000"/>
-              </a:spcBef>
-              <a:spcAft>
-                <a:spcPct val="0"/>
-              </a:spcAft>
-              <a:buClr>
-                <a:srgbClr val="80BA24"/>
-              </a:buClr>
-              <a:buSzPct val="90000"/>
-              <a:buFontTx/>
-              <a:buNone/>
-              <a:defRPr kern="1200">
-                <a:solidFill>
-                  <a:srgbClr val="4A5C66"/>
-                </a:solidFill>
-                <a:latin typeface="Arial" pitchFamily="34" charset="0"/>
-                <a:ea typeface="Arial" charset="0"/>
-                <a:cs typeface="Arial" pitchFamily="34" charset="0"/>
-              </a:defRPr>
-            </a:lvl2pPr>
-            <a:lvl3pPr marL="542925" indent="0" algn="l" rtl="0" eaLnBrk="0" fontAlgn="base" hangingPunct="0">
-              <a:spcBef>
-                <a:spcPct val="20000"/>
-              </a:spcBef>
-              <a:spcAft>
-                <a:spcPct val="0"/>
-              </a:spcAft>
-              <a:buClr>
-                <a:srgbClr val="80BA24"/>
-              </a:buClr>
-              <a:buSzPct val="80000"/>
-              <a:buFontTx/>
-              <a:buNone/>
-              <a:defRPr kern="1200">
-                <a:solidFill>
-                  <a:srgbClr val="4A5C66"/>
-                </a:solidFill>
-                <a:latin typeface="Arial" pitchFamily="34" charset="0"/>
-                <a:ea typeface="Arial" charset="0"/>
-                <a:cs typeface="Arial" pitchFamily="34" charset="0"/>
-              </a:defRPr>
-            </a:lvl3pPr>
-            <a:lvl4pPr marL="809625" indent="0" algn="l" rtl="0" eaLnBrk="0" fontAlgn="base" hangingPunct="0">
-              <a:spcBef>
-                <a:spcPct val="20000"/>
-              </a:spcBef>
-              <a:spcAft>
-                <a:spcPct val="0"/>
-              </a:spcAft>
-              <a:buClr>
-                <a:srgbClr val="80BA24"/>
-              </a:buClr>
-              <a:buSzPct val="80000"/>
-              <a:buFontTx/>
-              <a:buNone/>
-              <a:defRPr kern="1200">
-                <a:solidFill>
-                  <a:srgbClr val="4A5C66"/>
-                </a:solidFill>
-                <a:latin typeface="Arial" pitchFamily="34" charset="0"/>
-                <a:ea typeface="Arial" charset="0"/>
-                <a:cs typeface="Arial" pitchFamily="34" charset="0"/>
-              </a:defRPr>
-            </a:lvl4pPr>
-            <a:lvl5pPr marL="1076325" indent="0" algn="l" rtl="0" eaLnBrk="0" fontAlgn="base" hangingPunct="0">
-              <a:spcBef>
-                <a:spcPct val="20000"/>
-              </a:spcBef>
-              <a:spcAft>
-                <a:spcPct val="0"/>
-              </a:spcAft>
-              <a:buClr>
-                <a:srgbClr val="80BA24"/>
-              </a:buClr>
-              <a:buSzPct val="80000"/>
-              <a:buFontTx/>
-              <a:buNone/>
-              <a:defRPr kern="1200">
-                <a:solidFill>
-                  <a:srgbClr val="4A5C66"/>
-                </a:solidFill>
-                <a:latin typeface="Arial" pitchFamily="34" charset="0"/>
-                <a:ea typeface="Arial" charset="0"/>
-                <a:cs typeface="Arial" pitchFamily="34" charset="0"/>
-              </a:defRPr>
-            </a:lvl5pPr>
-            <a:lvl6pPr marL="2514600" indent="-228600" algn="l" defTabSz="914400" rtl="0" eaLnBrk="1" latinLnBrk="0" hangingPunct="1">
-              <a:spcBef>
-                <a:spcPct val="20000"/>
-              </a:spcBef>
-              <a:buFont typeface="Arial" pitchFamily="34" charset="0"/>
-              <a:buChar char="•"/>
-              <a:defRPr sz="2000" kern="1200">
-                <a:solidFill>
-                  <a:schemeClr val="tx1"/>
-                </a:solidFill>
-                <a:latin typeface="+mn-lt"/>
-                <a:ea typeface="+mn-ea"/>
-                <a:cs typeface="+mn-cs"/>
-              </a:defRPr>
-            </a:lvl6pPr>
-            <a:lvl7pPr marL="2971800" indent="-228600" algn="l" defTabSz="914400" rtl="0" eaLnBrk="1" latinLnBrk="0" hangingPunct="1">
-              <a:spcBef>
-                <a:spcPct val="20000"/>
-              </a:spcBef>
-              <a:buFont typeface="Arial" pitchFamily="34" charset="0"/>
-              <a:buChar char="•"/>
-              <a:defRPr sz="2000" kern="1200">
-                <a:solidFill>
-                  <a:schemeClr val="tx1"/>
-                </a:solidFill>
-                <a:latin typeface="+mn-lt"/>
-                <a:ea typeface="+mn-ea"/>
-                <a:cs typeface="+mn-cs"/>
-              </a:defRPr>
-            </a:lvl7pPr>
-            <a:lvl8pPr marL="3429000" indent="-228600" algn="l" defTabSz="914400" rtl="0" eaLnBrk="1" latinLnBrk="0" hangingPunct="1">
-              <a:spcBef>
-                <a:spcPct val="20000"/>
-              </a:spcBef>
-              <a:buFont typeface="Arial" pitchFamily="34" charset="0"/>
-              <a:buChar char="•"/>
-              <a:defRPr sz="2000" kern="1200">
-                <a:solidFill>
-                  <a:schemeClr val="tx1"/>
-                </a:solidFill>
-                <a:latin typeface="+mn-lt"/>
-                <a:ea typeface="+mn-ea"/>
-                <a:cs typeface="+mn-cs"/>
-              </a:defRPr>
-            </a:lvl8pPr>
-            <a:lvl9pPr marL="3886200" indent="-228600" algn="l" defTabSz="914400" rtl="0" eaLnBrk="1" latinLnBrk="0" hangingPunct="1">
-              <a:spcBef>
-                <a:spcPct val="20000"/>
-              </a:spcBef>
-              <a:buFont typeface="Arial" pitchFamily="34" charset="0"/>
-              <a:buChar char="•"/>
-              <a:defRPr sz="2000" kern="1200">
-                <a:solidFill>
-                  <a:schemeClr val="tx1"/>
-                </a:solidFill>
-                <a:latin typeface="+mn-lt"/>
-                <a:ea typeface="+mn-ea"/>
-                <a:cs typeface="+mn-cs"/>
-              </a:defRPr>
-            </a:lvl9pPr>
-          </a:lstStyle>
-          <a:p>
-            <a:pPr>
-              <a:spcAft>
-                <a:spcPts val="600"/>
-              </a:spcAft>
-            </a:pPr>
-            <a:endParaRPr lang="de-DE" sz="1800" dirty="0"/>
-          </a:p>
-          <a:p>
-            <a:pPr marL="342900" indent="-342900">
-              <a:spcAft>
-                <a:spcPts val="600"/>
-              </a:spcAft>
-              <a:buAutoNum type="arabicPeriod"/>
-            </a:pPr>
-            <a:endParaRPr lang="de-DE" sz="1800" dirty="0"/>
-          </a:p>
-        </p:txBody>
-      </p:sp>
-      <p:sp>
-        <p:nvSpPr>
-          <p:cNvPr id="6" name="Text Placeholder 2">
-            <a:extLst>
-              <a:ext uri="{FF2B5EF4-FFF2-40B4-BE49-F238E27FC236}">
-                <a16:creationId xmlns:a16="http://schemas.microsoft.com/office/drawing/2014/main" id="{B63ABA4E-72AD-4EDE-AAE8-E7AFC91596BA}"/>
-              </a:ext>
-            </a:extLst>
-          </p:cNvPr>
-          <p:cNvSpPr txBox="1">
-            <a:spLocks/>
-          </p:cNvSpPr>
-          <p:nvPr/>
-        </p:nvSpPr>
-        <p:spPr bwMode="auto">
-          <a:xfrm>
-            <a:off x="6436311" y="1325880"/>
-            <a:ext cx="5575175" cy="4206240"/>
-          </a:xfrm>
-          <a:prstGeom prst="rect">
-            <a:avLst/>
-          </a:prstGeom>
-          <a:noFill/>
-          <a:ln>
-            <a:noFill/>
-          </a:ln>
-          <a:extLst>
-            <a:ext uri="{909E8E84-426E-40DD-AFC4-6F175D3DCCD1}">
-              <a14:hiddenFill xmlns:a14="http://schemas.microsoft.com/office/drawing/2010/main">
-                <a:solidFill>
-                  <a:srgbClr val="FFFFFF"/>
-                </a:solidFill>
-              </a14:hiddenFill>
-            </a:ext>
-            <a:ext uri="{91240B29-F687-4F45-9708-019B960494DF}">
-              <a14:hiddenLine xmlns:a14="http://schemas.microsoft.com/office/drawing/2010/main" w="9525">
-                <a:solidFill>
-                  <a:srgbClr val="000000"/>
-                </a:solidFill>
-                <a:miter lim="800000"/>
-                <a:headEnd/>
-                <a:tailEnd/>
-              </a14:hiddenLine>
-            </a:ext>
-          </a:extLst>
-        </p:spPr>
-        <p:txBody>
-          <a:bodyPr vert="horz" wrap="square" lIns="91440" tIns="45720" rIns="91440" bIns="45720" numCol="1" anchor="t" anchorCtr="0" compatLnSpc="1">
-            <a:prstTxWarp prst="textNoShape">
-              <a:avLst/>
-            </a:prstTxWarp>
-          </a:bodyPr>
-          <a:lstStyle>
-            <a:lvl1pPr marL="0" indent="0" algn="l" rtl="0" eaLnBrk="0" fontAlgn="base" hangingPunct="0">
-              <a:spcBef>
-                <a:spcPct val="20000"/>
-              </a:spcBef>
-              <a:spcAft>
-                <a:spcPct val="0"/>
-              </a:spcAft>
-              <a:buClr>
-                <a:srgbClr val="80BA24"/>
-              </a:buClr>
-              <a:buSzPct val="106000"/>
-              <a:buFontTx/>
-              <a:buNone/>
-              <a:defRPr kern="1200" baseline="0">
-                <a:solidFill>
-                  <a:srgbClr val="4A5C66"/>
-                </a:solidFill>
-                <a:latin typeface="Arial" pitchFamily="34" charset="0"/>
-                <a:ea typeface="MS PGothic" panose="020B0600070205080204" pitchFamily="34" charset="-128"/>
-                <a:cs typeface="Arial" pitchFamily="34" charset="0"/>
-              </a:defRPr>
-            </a:lvl1pPr>
-            <a:lvl2pPr marL="266700" indent="0" algn="l" rtl="0" eaLnBrk="0" fontAlgn="base" hangingPunct="0">
-              <a:spcBef>
-                <a:spcPct val="20000"/>
-              </a:spcBef>
-              <a:spcAft>
-                <a:spcPct val="0"/>
-              </a:spcAft>
-              <a:buClr>
-                <a:srgbClr val="80BA24"/>
-              </a:buClr>
-              <a:buSzPct val="90000"/>
-              <a:buFontTx/>
-              <a:buNone/>
-              <a:defRPr kern="1200">
-                <a:solidFill>
-                  <a:srgbClr val="4A5C66"/>
-                </a:solidFill>
-                <a:latin typeface="Arial" pitchFamily="34" charset="0"/>
-                <a:ea typeface="Arial" charset="0"/>
-                <a:cs typeface="Arial" pitchFamily="34" charset="0"/>
-              </a:defRPr>
-            </a:lvl2pPr>
-            <a:lvl3pPr marL="542925" indent="0" algn="l" rtl="0" eaLnBrk="0" fontAlgn="base" hangingPunct="0">
-              <a:spcBef>
-                <a:spcPct val="20000"/>
-              </a:spcBef>
-              <a:spcAft>
-                <a:spcPct val="0"/>
-              </a:spcAft>
-              <a:buClr>
-                <a:srgbClr val="80BA24"/>
-              </a:buClr>
-              <a:buSzPct val="80000"/>
-              <a:buFontTx/>
-              <a:buNone/>
-              <a:defRPr kern="1200">
-                <a:solidFill>
-                  <a:srgbClr val="4A5C66"/>
-                </a:solidFill>
-                <a:latin typeface="Arial" pitchFamily="34" charset="0"/>
-                <a:ea typeface="Arial" charset="0"/>
-                <a:cs typeface="Arial" pitchFamily="34" charset="0"/>
-              </a:defRPr>
-            </a:lvl3pPr>
-            <a:lvl4pPr marL="809625" indent="0" algn="l" rtl="0" eaLnBrk="0" fontAlgn="base" hangingPunct="0">
-              <a:spcBef>
-                <a:spcPct val="20000"/>
-              </a:spcBef>
-              <a:spcAft>
-                <a:spcPct val="0"/>
-              </a:spcAft>
-              <a:buClr>
-                <a:srgbClr val="80BA24"/>
-              </a:buClr>
-              <a:buSzPct val="80000"/>
-              <a:buFontTx/>
-              <a:buNone/>
-              <a:defRPr kern="1200">
-                <a:solidFill>
-                  <a:srgbClr val="4A5C66"/>
-                </a:solidFill>
-                <a:latin typeface="Arial" pitchFamily="34" charset="0"/>
-                <a:ea typeface="Arial" charset="0"/>
-                <a:cs typeface="Arial" pitchFamily="34" charset="0"/>
-              </a:defRPr>
-            </a:lvl4pPr>
-            <a:lvl5pPr marL="1076325" indent="0" algn="l" rtl="0" eaLnBrk="0" fontAlgn="base" hangingPunct="0">
-              <a:spcBef>
-                <a:spcPct val="20000"/>
-              </a:spcBef>
-              <a:spcAft>
-                <a:spcPct val="0"/>
-              </a:spcAft>
-              <a:buClr>
-                <a:srgbClr val="80BA24"/>
-              </a:buClr>
-              <a:buSzPct val="80000"/>
-              <a:buFontTx/>
-              <a:buNone/>
-              <a:defRPr kern="1200">
-                <a:solidFill>
-                  <a:srgbClr val="4A5C66"/>
-                </a:solidFill>
-                <a:latin typeface="Arial" pitchFamily="34" charset="0"/>
-                <a:ea typeface="Arial" charset="0"/>
-                <a:cs typeface="Arial" pitchFamily="34" charset="0"/>
-              </a:defRPr>
-            </a:lvl5pPr>
-            <a:lvl6pPr marL="2514600" indent="-228600" algn="l" defTabSz="914400" rtl="0" eaLnBrk="1" latinLnBrk="0" hangingPunct="1">
-              <a:spcBef>
-                <a:spcPct val="20000"/>
-              </a:spcBef>
-              <a:buFont typeface="Arial" pitchFamily="34" charset="0"/>
-              <a:buChar char="•"/>
-              <a:defRPr sz="2000" kern="1200">
-                <a:solidFill>
-                  <a:schemeClr val="tx1"/>
-                </a:solidFill>
-                <a:latin typeface="+mn-lt"/>
-                <a:ea typeface="+mn-ea"/>
-                <a:cs typeface="+mn-cs"/>
-              </a:defRPr>
-            </a:lvl6pPr>
-            <a:lvl7pPr marL="2971800" indent="-228600" algn="l" defTabSz="914400" rtl="0" eaLnBrk="1" latinLnBrk="0" hangingPunct="1">
-              <a:spcBef>
-                <a:spcPct val="20000"/>
-              </a:spcBef>
-              <a:buFont typeface="Arial" pitchFamily="34" charset="0"/>
-              <a:buChar char="•"/>
-              <a:defRPr sz="2000" kern="1200">
-                <a:solidFill>
-                  <a:schemeClr val="tx1"/>
-                </a:solidFill>
-                <a:latin typeface="+mn-lt"/>
-                <a:ea typeface="+mn-ea"/>
-                <a:cs typeface="+mn-cs"/>
-              </a:defRPr>
-            </a:lvl7pPr>
-            <a:lvl8pPr marL="3429000" indent="-228600" algn="l" defTabSz="914400" rtl="0" eaLnBrk="1" latinLnBrk="0" hangingPunct="1">
-              <a:spcBef>
-                <a:spcPct val="20000"/>
-              </a:spcBef>
-              <a:buFont typeface="Arial" pitchFamily="34" charset="0"/>
-              <a:buChar char="•"/>
-              <a:defRPr sz="2000" kern="1200">
-                <a:solidFill>
-                  <a:schemeClr val="tx1"/>
-                </a:solidFill>
-                <a:latin typeface="+mn-lt"/>
-                <a:ea typeface="+mn-ea"/>
-                <a:cs typeface="+mn-cs"/>
-              </a:defRPr>
-            </a:lvl8pPr>
-            <a:lvl9pPr marL="3886200" indent="-228600" algn="l" defTabSz="914400" rtl="0" eaLnBrk="1" latinLnBrk="0" hangingPunct="1">
-              <a:spcBef>
-                <a:spcPct val="20000"/>
-              </a:spcBef>
-              <a:buFont typeface="Arial" pitchFamily="34" charset="0"/>
-              <a:buChar char="•"/>
-              <a:defRPr sz="2000" kern="1200">
-                <a:solidFill>
-                  <a:schemeClr val="tx1"/>
-                </a:solidFill>
-                <a:latin typeface="+mn-lt"/>
-                <a:ea typeface="+mn-ea"/>
-                <a:cs typeface="+mn-cs"/>
-              </a:defRPr>
-            </a:lvl9pPr>
-          </a:lstStyle>
-          <a:p>
-            <a:pPr lvl="2">
-              <a:spcAft>
-                <a:spcPts val="600"/>
-              </a:spcAft>
-            </a:pPr>
-            <a:r>
-              <a:rPr lang="de-DE" dirty="0"/>
-              <a:t>p1 = 1 2 3 4 5</a:t>
-            </a:r>
-          </a:p>
-          <a:p>
-            <a:pPr lvl="2">
-              <a:spcAft>
-                <a:spcPts val="600"/>
-              </a:spcAft>
-            </a:pPr>
-            <a:r>
-              <a:rPr lang="de-DE" dirty="0"/>
-              <a:t>p2 = 5 4 3 2 1</a:t>
-            </a:r>
-          </a:p>
-          <a:p>
-            <a:pPr marL="342900" indent="-342900">
-              <a:spcAft>
-                <a:spcPts val="600"/>
-              </a:spcAft>
-              <a:buFont typeface="+mj-lt"/>
-              <a:buAutoNum type="arabicPeriod"/>
-            </a:pPr>
-            <a:r>
-              <a:rPr lang="de-DE" dirty="0"/>
-              <a:t>Anders als bei One-Cycle wird nun der Startpunkt nicht zufällig gewählt. Es werden alle Cycles gefunden. Beginnt wird mit dem Cycle an Index 0. </a:t>
-            </a:r>
-          </a:p>
-          <a:p>
-            <a:pPr lvl="2">
-              <a:spcAft>
-                <a:spcPts val="600"/>
-              </a:spcAft>
-            </a:pPr>
-            <a:r>
-              <a:rPr lang="de-DE" dirty="0"/>
-              <a:t>p1 = </a:t>
-            </a:r>
-            <a:r>
-              <a:rPr lang="de-DE" dirty="0">
-                <a:highlight>
-                  <a:srgbClr val="00FF00"/>
-                </a:highlight>
-              </a:rPr>
-              <a:t>1</a:t>
-            </a:r>
-            <a:r>
-              <a:rPr lang="de-DE" dirty="0"/>
-              <a:t> </a:t>
-            </a:r>
-            <a:r>
-              <a:rPr lang="de-DE" dirty="0">
-                <a:highlight>
-                  <a:srgbClr val="00FFFF"/>
-                </a:highlight>
-              </a:rPr>
-              <a:t>2</a:t>
-            </a:r>
-            <a:r>
-              <a:rPr lang="de-DE" dirty="0"/>
-              <a:t> </a:t>
-            </a:r>
-            <a:r>
-              <a:rPr lang="de-DE" dirty="0">
-                <a:highlight>
-                  <a:srgbClr val="FFFF00"/>
-                </a:highlight>
-              </a:rPr>
-              <a:t>3</a:t>
-            </a:r>
-            <a:r>
-              <a:rPr lang="de-DE" dirty="0"/>
-              <a:t> </a:t>
-            </a:r>
-            <a:r>
-              <a:rPr lang="de-DE" dirty="0">
-                <a:highlight>
-                  <a:srgbClr val="00FFFF"/>
-                </a:highlight>
-              </a:rPr>
-              <a:t>4</a:t>
-            </a:r>
-            <a:r>
-              <a:rPr lang="de-DE" dirty="0"/>
-              <a:t> </a:t>
-            </a:r>
-            <a:r>
-              <a:rPr lang="de-DE" dirty="0">
-                <a:highlight>
-                  <a:srgbClr val="00FF00"/>
-                </a:highlight>
-              </a:rPr>
-              <a:t>5</a:t>
-            </a:r>
-          </a:p>
-          <a:p>
-            <a:pPr lvl="2">
-              <a:spcAft>
-                <a:spcPts val="600"/>
-              </a:spcAft>
-            </a:pPr>
-            <a:r>
-              <a:rPr lang="de-DE" dirty="0"/>
-              <a:t>p2 = </a:t>
-            </a:r>
-            <a:r>
-              <a:rPr lang="de-DE" dirty="0">
-                <a:highlight>
-                  <a:srgbClr val="00FF00"/>
-                </a:highlight>
-              </a:rPr>
-              <a:t>5</a:t>
-            </a:r>
-            <a:r>
-              <a:rPr lang="de-DE" dirty="0"/>
-              <a:t> </a:t>
-            </a:r>
-            <a:r>
-              <a:rPr lang="de-DE" dirty="0">
-                <a:highlight>
-                  <a:srgbClr val="00FFFF"/>
-                </a:highlight>
-              </a:rPr>
-              <a:t>4</a:t>
-            </a:r>
-            <a:r>
-              <a:rPr lang="de-DE" dirty="0"/>
-              <a:t> </a:t>
-            </a:r>
-            <a:r>
-              <a:rPr lang="de-DE" dirty="0">
-                <a:highlight>
-                  <a:srgbClr val="FFFF00"/>
-                </a:highlight>
-              </a:rPr>
-              <a:t>3</a:t>
-            </a:r>
-            <a:r>
-              <a:rPr lang="de-DE" dirty="0"/>
-              <a:t> </a:t>
-            </a:r>
-            <a:r>
-              <a:rPr lang="de-DE" dirty="0">
-                <a:highlight>
-                  <a:srgbClr val="00FFFF"/>
-                </a:highlight>
-              </a:rPr>
-              <a:t>2</a:t>
-            </a:r>
-            <a:r>
-              <a:rPr lang="de-DE" dirty="0"/>
-              <a:t> </a:t>
-            </a:r>
-            <a:r>
-              <a:rPr lang="de-DE" dirty="0">
-                <a:highlight>
-                  <a:srgbClr val="00FF00"/>
-                </a:highlight>
-              </a:rPr>
-              <a:t>1</a:t>
-            </a:r>
-            <a:endParaRPr lang="de-DE" dirty="0"/>
-          </a:p>
-          <a:p>
-            <a:pPr marL="342900" indent="-342900">
-              <a:spcAft>
-                <a:spcPts val="600"/>
-              </a:spcAft>
-              <a:buFont typeface="+mj-lt"/>
-              <a:buAutoNum type="arabicPeriod"/>
-            </a:pPr>
-            <a:endParaRPr lang="de-DE" dirty="0"/>
-          </a:p>
-          <a:p>
-            <a:pPr marL="342900" indent="-342900">
-              <a:spcAft>
-                <a:spcPts val="600"/>
-              </a:spcAft>
-              <a:buFont typeface="+mj-lt"/>
-              <a:buAutoNum type="arabicPeriod"/>
-            </a:pPr>
-            <a:r>
-              <a:rPr lang="de-DE" dirty="0"/>
-              <a:t>Durchlaufe die i Cycles:</a:t>
-            </a:r>
-          </a:p>
-          <a:p>
-            <a:pPr lvl="1">
-              <a:spcAft>
-                <a:spcPts val="600"/>
-              </a:spcAft>
-            </a:pPr>
-            <a:r>
-              <a:rPr lang="de-DE" dirty="0"/>
-              <a:t>Falls i gerade: Werte des Cycles i aus p1 zu c1 kopieren und von p2 zu c 2.</a:t>
-            </a:r>
-          </a:p>
-          <a:p>
-            <a:pPr lvl="1">
-              <a:spcAft>
-                <a:spcPts val="600"/>
-              </a:spcAft>
-            </a:pPr>
-            <a:r>
-              <a:rPr lang="de-DE" dirty="0"/>
-              <a:t>Falls i ungerade: Werte des Cycles i aus p1 zu c2 kopieren und von p2 zu c1.</a:t>
-            </a:r>
-          </a:p>
-          <a:p>
-            <a:pPr lvl="2">
-              <a:spcAft>
-                <a:spcPts val="600"/>
-              </a:spcAft>
-            </a:pPr>
-            <a:r>
-              <a:rPr lang="de-DE" dirty="0"/>
-              <a:t>c1 = 1 4 3 2 5</a:t>
-            </a:r>
-          </a:p>
-          <a:p>
-            <a:pPr lvl="2">
-              <a:spcAft>
-                <a:spcPts val="600"/>
-              </a:spcAft>
-            </a:pPr>
-            <a:r>
-              <a:rPr lang="de-DE" dirty="0"/>
-              <a:t>c2 = 5 2 3 4 1 </a:t>
-            </a:r>
-          </a:p>
-        </p:txBody>
-      </p:sp>
-    </p:spTree>
-    <p:extLst>
-      <p:ext uri="{BB962C8B-B14F-4D97-AF65-F5344CB8AC3E}">
-        <p14:creationId xmlns:p14="http://schemas.microsoft.com/office/powerpoint/2010/main" val="62646397"/>
-      </p:ext>
-    </p:extLst>
-  </p:cSld>
-  <p:clrMapOvr>
-    <a:masterClrMapping/>
-  </p:clrMapOvr>
-</p:sld>
-</file>
-
-<file path=ppt/slides/slide21.xml><?xml version="1.0" encoding="utf-8"?>
-<p:sld xmlns:a="http://schemas.openxmlformats.org/drawingml/2006/main" xmlns:r="http://schemas.openxmlformats.org/officeDocument/2006/relationships" xmlns:p="http://schemas.openxmlformats.org/presentationml/2006/main">
-  <p:cSld>
-    <p:spTree>
-      <p:nvGrpSpPr>
-        <p:cNvPr id="1" name=""/>
-        <p:cNvGrpSpPr/>
-        <p:nvPr/>
-      </p:nvGrpSpPr>
-      <p:grpSpPr>
-        <a:xfrm>
-          <a:off x="0" y="0"/>
-          <a:ext cx="0" cy="0"/>
-          <a:chOff x="0" y="0"/>
-          <a:chExt cx="0" cy="0"/>
-        </a:xfrm>
-      </p:grpSpPr>
-      <p:sp>
-        <p:nvSpPr>
-          <p:cNvPr id="2" name="Title 1">
-            <a:extLst>
-              <a:ext uri="{FF2B5EF4-FFF2-40B4-BE49-F238E27FC236}">
-                <a16:creationId xmlns:a16="http://schemas.microsoft.com/office/drawing/2014/main" id="{DD2388D8-106E-40D0-A4BD-5FF4C2E2935B}"/>
-              </a:ext>
-            </a:extLst>
-          </p:cNvPr>
-          <p:cNvSpPr>
-            <a:spLocks noGrp="1"/>
-          </p:cNvSpPr>
-          <p:nvPr>
-            <p:ph type="title"/>
-          </p:nvPr>
-        </p:nvSpPr>
-        <p:spPr/>
-        <p:txBody>
-          <a:bodyPr/>
-          <a:lstStyle/>
-          <a:p>
-            <a:r>
-              <a:rPr lang="de-DE" dirty="0"/>
-              <a:t>Realisierung – Edge-Rocombination-Algorithm</a:t>
-            </a:r>
-          </a:p>
-        </p:txBody>
-      </p:sp>
-      <p:sp>
-        <p:nvSpPr>
-          <p:cNvPr id="3" name="Text Placeholder 2">
-            <a:extLst>
-              <a:ext uri="{FF2B5EF4-FFF2-40B4-BE49-F238E27FC236}">
-                <a16:creationId xmlns:a16="http://schemas.microsoft.com/office/drawing/2014/main" id="{79F1354A-B6A2-451D-B387-D4D8507220EF}"/>
-              </a:ext>
-            </a:extLst>
-          </p:cNvPr>
-          <p:cNvSpPr>
-            <a:spLocks noGrp="1"/>
-          </p:cNvSpPr>
-          <p:nvPr>
-            <p:ph type="body" sz="quarter" idx="11"/>
-          </p:nvPr>
-        </p:nvSpPr>
-        <p:spPr>
-          <a:xfrm>
-            <a:off x="334963" y="1280160"/>
-            <a:ext cx="6101348" cy="4534714"/>
-          </a:xfrm>
-        </p:spPr>
-        <p:txBody>
-          <a:bodyPr/>
-          <a:lstStyle/>
-          <a:p>
-            <a:endParaRPr lang="de-DE" sz="1050" dirty="0"/>
-          </a:p>
-        </p:txBody>
-      </p:sp>
-      <p:sp>
-        <p:nvSpPr>
-          <p:cNvPr id="7" name="Text Placeholder 2">
-            <a:extLst>
-              <a:ext uri="{FF2B5EF4-FFF2-40B4-BE49-F238E27FC236}">
-                <a16:creationId xmlns:a16="http://schemas.microsoft.com/office/drawing/2014/main" id="{3DAEF8D3-31AA-46E3-BE55-7474D0551DCE}"/>
-              </a:ext>
-            </a:extLst>
-          </p:cNvPr>
-          <p:cNvSpPr txBox="1">
-            <a:spLocks/>
-          </p:cNvSpPr>
-          <p:nvPr/>
-        </p:nvSpPr>
-        <p:spPr bwMode="auto">
-          <a:xfrm>
-            <a:off x="7377344" y="1280160"/>
-            <a:ext cx="4660776" cy="4206240"/>
-          </a:xfrm>
-          <a:prstGeom prst="rect">
-            <a:avLst/>
-          </a:prstGeom>
-          <a:noFill/>
-          <a:ln>
-            <a:noFill/>
-          </a:ln>
-          <a:extLst>
-            <a:ext uri="{909E8E84-426E-40DD-AFC4-6F175D3DCCD1}">
-              <a14:hiddenFill xmlns:a14="http://schemas.microsoft.com/office/drawing/2010/main">
-                <a:solidFill>
-                  <a:srgbClr val="FFFFFF"/>
-                </a:solidFill>
-              </a14:hiddenFill>
-            </a:ext>
-            <a:ext uri="{91240B29-F687-4F45-9708-019B960494DF}">
-              <a14:hiddenLine xmlns:a14="http://schemas.microsoft.com/office/drawing/2010/main" w="9525">
-                <a:solidFill>
-                  <a:srgbClr val="000000"/>
-                </a:solidFill>
-                <a:miter lim="800000"/>
-                <a:headEnd/>
-                <a:tailEnd/>
-              </a14:hiddenLine>
-            </a:ext>
-          </a:extLst>
-        </p:spPr>
-        <p:txBody>
-          <a:bodyPr vert="horz" wrap="square" lIns="91440" tIns="45720" rIns="91440" bIns="45720" numCol="1" anchor="t" anchorCtr="0" compatLnSpc="1">
-            <a:prstTxWarp prst="textNoShape">
-              <a:avLst/>
-            </a:prstTxWarp>
-          </a:bodyPr>
-          <a:lstStyle>
-            <a:lvl1pPr marL="0" indent="0" algn="l" rtl="0" eaLnBrk="0" fontAlgn="base" hangingPunct="0">
-              <a:spcBef>
-                <a:spcPct val="20000"/>
-              </a:spcBef>
-              <a:spcAft>
-                <a:spcPct val="0"/>
-              </a:spcAft>
-              <a:buClr>
-                <a:srgbClr val="80BA24"/>
-              </a:buClr>
-              <a:buSzPct val="106000"/>
-              <a:buFontTx/>
-              <a:buNone/>
-              <a:defRPr kern="1200" baseline="0">
-                <a:solidFill>
-                  <a:srgbClr val="4A5C66"/>
-                </a:solidFill>
-                <a:latin typeface="Arial" pitchFamily="34" charset="0"/>
-                <a:ea typeface="MS PGothic" panose="020B0600070205080204" pitchFamily="34" charset="-128"/>
-                <a:cs typeface="Arial" pitchFamily="34" charset="0"/>
-              </a:defRPr>
-            </a:lvl1pPr>
-            <a:lvl2pPr marL="266700" indent="0" algn="l" rtl="0" eaLnBrk="0" fontAlgn="base" hangingPunct="0">
-              <a:spcBef>
-                <a:spcPct val="20000"/>
-              </a:spcBef>
-              <a:spcAft>
-                <a:spcPct val="0"/>
-              </a:spcAft>
-              <a:buClr>
-                <a:srgbClr val="80BA24"/>
-              </a:buClr>
-              <a:buSzPct val="90000"/>
-              <a:buFontTx/>
-              <a:buNone/>
-              <a:defRPr kern="1200">
-                <a:solidFill>
-                  <a:srgbClr val="4A5C66"/>
-                </a:solidFill>
-                <a:latin typeface="Arial" pitchFamily="34" charset="0"/>
-                <a:ea typeface="Arial" charset="0"/>
-                <a:cs typeface="Arial" pitchFamily="34" charset="0"/>
-              </a:defRPr>
-            </a:lvl2pPr>
-            <a:lvl3pPr marL="542925" indent="0" algn="l" rtl="0" eaLnBrk="0" fontAlgn="base" hangingPunct="0">
-              <a:spcBef>
-                <a:spcPct val="20000"/>
-              </a:spcBef>
-              <a:spcAft>
-                <a:spcPct val="0"/>
-              </a:spcAft>
-              <a:buClr>
-                <a:srgbClr val="80BA24"/>
-              </a:buClr>
-              <a:buSzPct val="80000"/>
-              <a:buFontTx/>
-              <a:buNone/>
-              <a:defRPr kern="1200">
-                <a:solidFill>
-                  <a:srgbClr val="4A5C66"/>
-                </a:solidFill>
-                <a:latin typeface="Arial" pitchFamily="34" charset="0"/>
-                <a:ea typeface="Arial" charset="0"/>
-                <a:cs typeface="Arial" pitchFamily="34" charset="0"/>
-              </a:defRPr>
-            </a:lvl3pPr>
-            <a:lvl4pPr marL="809625" indent="0" algn="l" rtl="0" eaLnBrk="0" fontAlgn="base" hangingPunct="0">
-              <a:spcBef>
-                <a:spcPct val="20000"/>
-              </a:spcBef>
-              <a:spcAft>
-                <a:spcPct val="0"/>
-              </a:spcAft>
-              <a:buClr>
-                <a:srgbClr val="80BA24"/>
-              </a:buClr>
-              <a:buSzPct val="80000"/>
-              <a:buFontTx/>
-              <a:buNone/>
-              <a:defRPr kern="1200">
-                <a:solidFill>
-                  <a:srgbClr val="4A5C66"/>
-                </a:solidFill>
-                <a:latin typeface="Arial" pitchFamily="34" charset="0"/>
-                <a:ea typeface="Arial" charset="0"/>
-                <a:cs typeface="Arial" pitchFamily="34" charset="0"/>
-              </a:defRPr>
-            </a:lvl4pPr>
-            <a:lvl5pPr marL="1076325" indent="0" algn="l" rtl="0" eaLnBrk="0" fontAlgn="base" hangingPunct="0">
-              <a:spcBef>
-                <a:spcPct val="20000"/>
-              </a:spcBef>
-              <a:spcAft>
-                <a:spcPct val="0"/>
-              </a:spcAft>
-              <a:buClr>
-                <a:srgbClr val="80BA24"/>
-              </a:buClr>
-              <a:buSzPct val="80000"/>
-              <a:buFontTx/>
-              <a:buNone/>
-              <a:defRPr kern="1200">
-                <a:solidFill>
-                  <a:srgbClr val="4A5C66"/>
-                </a:solidFill>
-                <a:latin typeface="Arial" pitchFamily="34" charset="0"/>
-                <a:ea typeface="Arial" charset="0"/>
-                <a:cs typeface="Arial" pitchFamily="34" charset="0"/>
-              </a:defRPr>
-            </a:lvl5pPr>
-            <a:lvl6pPr marL="2514600" indent="-228600" algn="l" defTabSz="914400" rtl="0" eaLnBrk="1" latinLnBrk="0" hangingPunct="1">
-              <a:spcBef>
-                <a:spcPct val="20000"/>
-              </a:spcBef>
-              <a:buFont typeface="Arial" pitchFamily="34" charset="0"/>
-              <a:buChar char="•"/>
-              <a:defRPr sz="2000" kern="1200">
-                <a:solidFill>
-                  <a:schemeClr val="tx1"/>
-                </a:solidFill>
-                <a:latin typeface="+mn-lt"/>
-                <a:ea typeface="+mn-ea"/>
-                <a:cs typeface="+mn-cs"/>
-              </a:defRPr>
-            </a:lvl6pPr>
-            <a:lvl7pPr marL="2971800" indent="-228600" algn="l" defTabSz="914400" rtl="0" eaLnBrk="1" latinLnBrk="0" hangingPunct="1">
-              <a:spcBef>
-                <a:spcPct val="20000"/>
-              </a:spcBef>
-              <a:buFont typeface="Arial" pitchFamily="34" charset="0"/>
-              <a:buChar char="•"/>
-              <a:defRPr sz="2000" kern="1200">
-                <a:solidFill>
-                  <a:schemeClr val="tx1"/>
-                </a:solidFill>
-                <a:latin typeface="+mn-lt"/>
-                <a:ea typeface="+mn-ea"/>
-                <a:cs typeface="+mn-cs"/>
-              </a:defRPr>
-            </a:lvl7pPr>
-            <a:lvl8pPr marL="3429000" indent="-228600" algn="l" defTabSz="914400" rtl="0" eaLnBrk="1" latinLnBrk="0" hangingPunct="1">
-              <a:spcBef>
-                <a:spcPct val="20000"/>
-              </a:spcBef>
-              <a:buFont typeface="Arial" pitchFamily="34" charset="0"/>
-              <a:buChar char="•"/>
-              <a:defRPr sz="2000" kern="1200">
-                <a:solidFill>
-                  <a:schemeClr val="tx1"/>
-                </a:solidFill>
-                <a:latin typeface="+mn-lt"/>
-                <a:ea typeface="+mn-ea"/>
-                <a:cs typeface="+mn-cs"/>
-              </a:defRPr>
-            </a:lvl8pPr>
-            <a:lvl9pPr marL="3886200" indent="-228600" algn="l" defTabSz="914400" rtl="0" eaLnBrk="1" latinLnBrk="0" hangingPunct="1">
-              <a:spcBef>
-                <a:spcPct val="20000"/>
-              </a:spcBef>
-              <a:buFont typeface="Arial" pitchFamily="34" charset="0"/>
-              <a:buChar char="•"/>
-              <a:defRPr sz="2000" kern="1200">
-                <a:solidFill>
-                  <a:schemeClr val="tx1"/>
-                </a:solidFill>
-                <a:latin typeface="+mn-lt"/>
-                <a:ea typeface="+mn-ea"/>
-                <a:cs typeface="+mn-cs"/>
-              </a:defRPr>
-            </a:lvl9pPr>
-          </a:lstStyle>
-          <a:p>
-            <a:pPr>
-              <a:spcAft>
-                <a:spcPts val="600"/>
-              </a:spcAft>
-            </a:pPr>
-            <a:endParaRPr lang="de-DE" sz="1800" dirty="0"/>
-          </a:p>
-          <a:p>
-            <a:pPr marL="342900" indent="-342900">
-              <a:spcAft>
-                <a:spcPts val="600"/>
-              </a:spcAft>
-              <a:buAutoNum type="arabicPeriod"/>
-            </a:pPr>
-            <a:endParaRPr lang="de-DE" sz="1800" dirty="0"/>
-          </a:p>
-        </p:txBody>
-      </p:sp>
-    </p:spTree>
-    <p:extLst>
-      <p:ext uri="{BB962C8B-B14F-4D97-AF65-F5344CB8AC3E}">
-        <p14:creationId xmlns:p14="http://schemas.microsoft.com/office/powerpoint/2010/main" val="2361153069"/>
-      </p:ext>
-    </p:extLst>
-  </p:cSld>
-  <p:clrMapOvr>
-    <a:masterClrMapping/>
-  </p:clrMapOvr>
-</p:sld>
-</file>
-
-<file path=ppt/slides/slide22.xml><?xml version="1.0" encoding="utf-8"?>
-<p:sld xmlns:a="http://schemas.openxmlformats.org/drawingml/2006/main" xmlns:r="http://schemas.openxmlformats.org/officeDocument/2006/relationships" xmlns:p="http://schemas.openxmlformats.org/presentationml/2006/main">
-  <p:cSld>
-    <p:spTree>
-      <p:nvGrpSpPr>
-        <p:cNvPr id="1" name=""/>
-        <p:cNvGrpSpPr/>
-        <p:nvPr/>
-      </p:nvGrpSpPr>
-      <p:grpSpPr>
-        <a:xfrm>
-          <a:off x="0" y="0"/>
-          <a:ext cx="0" cy="0"/>
-          <a:chOff x="0" y="0"/>
-          <a:chExt cx="0" cy="0"/>
-        </a:xfrm>
-      </p:grpSpPr>
-      <p:sp>
-        <p:nvSpPr>
-          <p:cNvPr id="2" name="Title 1">
-            <a:extLst>
-              <a:ext uri="{FF2B5EF4-FFF2-40B4-BE49-F238E27FC236}">
-                <a16:creationId xmlns:a16="http://schemas.microsoft.com/office/drawing/2014/main" id="{85052616-A1AA-4C30-9C7B-DBB34145436D}"/>
-              </a:ext>
-            </a:extLst>
-          </p:cNvPr>
-          <p:cNvSpPr>
-            <a:spLocks noGrp="1"/>
-          </p:cNvSpPr>
-          <p:nvPr>
-            <p:ph type="title"/>
-          </p:nvPr>
-        </p:nvSpPr>
-        <p:spPr/>
-        <p:txBody>
-          <a:bodyPr/>
-          <a:lstStyle/>
-          <a:p>
-            <a:r>
-              <a:rPr lang="de-DE" dirty="0"/>
-              <a:t>Realisierung – Mutations-Algorithmus</a:t>
-            </a:r>
-          </a:p>
-        </p:txBody>
-      </p:sp>
-      <p:sp>
-        <p:nvSpPr>
-          <p:cNvPr id="4" name="Rectangle 1">
-            <a:extLst>
-              <a:ext uri="{FF2B5EF4-FFF2-40B4-BE49-F238E27FC236}">
-                <a16:creationId xmlns:a16="http://schemas.microsoft.com/office/drawing/2014/main" id="{902F850E-7E9B-4622-87C4-FE1420D027EA}"/>
-              </a:ext>
-            </a:extLst>
-          </p:cNvPr>
-          <p:cNvSpPr>
-            <a:spLocks noGrp="1" noChangeArrowheads="1"/>
-          </p:cNvSpPr>
-          <p:nvPr>
-            <p:ph type="body" sz="quarter" idx="11"/>
-          </p:nvPr>
-        </p:nvSpPr>
-        <p:spPr bwMode="auto">
-          <a:xfrm>
-            <a:off x="334963" y="1131901"/>
-            <a:ext cx="5630831" cy="3600986"/>
-          </a:xfrm>
-          <a:prstGeom prst="rect">
-            <a:avLst/>
-          </a:prstGeom>
-          <a:solidFill>
-            <a:srgbClr val="FFFFFF"/>
-          </a:solidFill>
-          <a:ln>
-            <a:noFill/>
-          </a:ln>
-          <a:effectLst/>
-          <a:extLst>
-            <a:ext uri="{91240B29-F687-4F45-9708-019B960494DF}">
-              <a14:hiddenLine xmlns:a14="http://schemas.microsoft.com/office/drawing/2010/main" w="9525">
-                <a:solidFill>
-                  <a:schemeClr val="tx1"/>
-                </a:solidFill>
-                <a:miter lim="800000"/>
-                <a:headEnd/>
-                <a:tailEnd/>
-              </a14:hiddenLine>
-            </a:ext>
-            <a:ext uri="{AF507438-7753-43E0-B8FC-AC1667EBCBE1}">
-              <a14:hiddenEffects xmlns:a14="http://schemas.microsoft.com/office/drawing/2010/main">
-                <a:effectLst>
-                  <a:outerShdw dist="35921" dir="2700000" algn="ctr" rotWithShape="0">
-                    <a:schemeClr val="bg2"/>
-                  </a:outerShdw>
-                </a:effectLst>
-              </a14:hiddenEffects>
-            </a:ext>
-          </a:extLst>
-        </p:spPr>
-        <p:txBody>
-          <a:bodyPr vert="horz" wrap="square" lIns="91440" tIns="45720" rIns="91440" bIns="45720" numCol="1" anchor="ctr" anchorCtr="0" compatLnSpc="1">
-            <a:prstTxWarp prst="textNoShape">
-              <a:avLst/>
-            </a:prstTxWarp>
-            <a:spAutoFit/>
-          </a:bodyPr>
-          <a:lstStyle/>
-          <a:p>
-            <a:pPr marR="0" lvl="0" defTabSz="914400" latinLnBrk="0">
-              <a:lnSpc>
-                <a:spcPct val="100000"/>
-              </a:lnSpc>
-              <a:tabLst/>
-            </a:pPr>
-            <a:r>
-              <a:rPr lang="de-DE" altLang="de-DE" sz="1200" dirty="0">
-                <a:solidFill>
-                  <a:schemeClr val="accent6">
-                    <a:lumMod val="75000"/>
-                  </a:schemeClr>
-                </a:solidFill>
-              </a:rPr>
-              <a:t>bool</a:t>
-            </a:r>
-            <a:r>
-              <a:rPr lang="de-DE" altLang="de-DE" sz="1200" dirty="0"/>
-              <a:t> mutation_delete_shift(Individual &amp;individual, int percentage) {</a:t>
-            </a:r>
-          </a:p>
-          <a:p>
-            <a:pPr marR="0" lvl="0" defTabSz="914400" latinLnBrk="0">
-              <a:lnSpc>
-                <a:spcPct val="100000"/>
-              </a:lnSpc>
-              <a:tabLst/>
-            </a:pPr>
-            <a:r>
-              <a:rPr lang="de-DE" altLang="de-DE" sz="1200" dirty="0"/>
-              <a:t>    bool mutate = rand() % 100 &lt; percentage;</a:t>
-            </a:r>
-          </a:p>
-          <a:p>
-            <a:pPr marR="0" lvl="0" defTabSz="914400" latinLnBrk="0">
-              <a:lnSpc>
-                <a:spcPct val="100000"/>
-              </a:lnSpc>
-              <a:tabLst/>
-            </a:pPr>
-            <a:endParaRPr lang="de-DE" altLang="de-DE" sz="1200" dirty="0"/>
-          </a:p>
-          <a:p>
-            <a:pPr marR="0" lvl="0" defTabSz="914400" latinLnBrk="0">
-              <a:lnSpc>
-                <a:spcPct val="100000"/>
-              </a:lnSpc>
-              <a:tabLst/>
-            </a:pPr>
-            <a:r>
-              <a:rPr lang="de-DE" altLang="de-DE" sz="1200" dirty="0"/>
-              <a:t>    </a:t>
-            </a:r>
-            <a:r>
-              <a:rPr lang="de-DE" altLang="de-DE" sz="1200" dirty="0">
-                <a:solidFill>
-                  <a:schemeClr val="accent6">
-                    <a:lumMod val="75000"/>
-                  </a:schemeClr>
-                </a:solidFill>
-              </a:rPr>
-              <a:t>if</a:t>
-            </a:r>
-            <a:r>
-              <a:rPr lang="de-DE" altLang="de-DE" sz="1200" dirty="0"/>
-              <a:t> (mutate) {</a:t>
-            </a:r>
-          </a:p>
-          <a:p>
-            <a:pPr marR="0" lvl="0" defTabSz="914400" latinLnBrk="0">
-              <a:lnSpc>
-                <a:spcPct val="100000"/>
-              </a:lnSpc>
-              <a:tabLst/>
-            </a:pPr>
-            <a:r>
-              <a:rPr lang="de-DE" altLang="de-DE" sz="1200" dirty="0"/>
-              <a:t>        int position_a = rand() % (individual.get_size() - 1);</a:t>
-            </a:r>
-          </a:p>
-          <a:p>
-            <a:pPr marR="0" lvl="0" defTabSz="914400" latinLnBrk="0">
-              <a:lnSpc>
-                <a:spcPct val="100000"/>
-              </a:lnSpc>
-              <a:tabLst/>
-            </a:pPr>
-            <a:r>
-              <a:rPr lang="de-DE" altLang="de-DE" sz="1200" dirty="0"/>
-              <a:t>        int position_b;</a:t>
-            </a:r>
-          </a:p>
-          <a:p>
-            <a:pPr marR="0" lvl="0" defTabSz="914400" latinLnBrk="0">
-              <a:lnSpc>
-                <a:spcPct val="100000"/>
-              </a:lnSpc>
-              <a:tabLst/>
-            </a:pPr>
-            <a:r>
-              <a:rPr lang="de-DE" altLang="de-DE" sz="1200" dirty="0"/>
-              <a:t>        </a:t>
-            </a:r>
-            <a:r>
-              <a:rPr lang="de-DE" altLang="de-DE" sz="1200" dirty="0">
-                <a:solidFill>
-                  <a:schemeClr val="accent6">
-                    <a:lumMod val="75000"/>
-                  </a:schemeClr>
-                </a:solidFill>
-              </a:rPr>
-              <a:t>do</a:t>
-            </a:r>
-            <a:r>
-              <a:rPr lang="de-DE" altLang="de-DE" sz="1200" dirty="0"/>
-              <a:t> {</a:t>
-            </a:r>
-          </a:p>
-          <a:p>
-            <a:pPr marR="0" lvl="0" defTabSz="914400" latinLnBrk="0">
-              <a:lnSpc>
-                <a:spcPct val="100000"/>
-              </a:lnSpc>
-              <a:tabLst/>
-            </a:pPr>
-            <a:r>
-              <a:rPr lang="de-DE" altLang="de-DE" sz="1200" dirty="0"/>
-              <a:t>            position_b = rand() % (individual.get_size() - position_a) + position_a;</a:t>
-            </a:r>
-          </a:p>
-          <a:p>
-            <a:pPr marR="0" lvl="0" defTabSz="914400" latinLnBrk="0">
-              <a:lnSpc>
-                <a:spcPct val="100000"/>
-              </a:lnSpc>
-              <a:tabLst/>
-            </a:pPr>
-            <a:r>
-              <a:rPr lang="de-DE" altLang="de-DE" sz="1200" dirty="0"/>
-              <a:t>        } </a:t>
-            </a:r>
-            <a:r>
-              <a:rPr lang="de-DE" altLang="de-DE" sz="1200" dirty="0">
-                <a:solidFill>
-                  <a:schemeClr val="accent6">
-                    <a:lumMod val="75000"/>
-                  </a:schemeClr>
-                </a:solidFill>
-              </a:rPr>
-              <a:t>while</a:t>
-            </a:r>
-            <a:r>
-              <a:rPr lang="de-DE" altLang="de-DE" sz="1200" dirty="0"/>
-              <a:t> (position_a == position_b);</a:t>
-            </a:r>
-          </a:p>
-          <a:p>
-            <a:pPr marR="0" lvl="0" defTabSz="914400" latinLnBrk="0">
-              <a:lnSpc>
-                <a:spcPct val="100000"/>
-              </a:lnSpc>
-              <a:tabLst/>
-            </a:pPr>
-            <a:r>
-              <a:rPr lang="de-DE" altLang="de-DE" sz="1200" dirty="0"/>
-              <a:t>    </a:t>
-            </a:r>
-          </a:p>
-          <a:p>
-            <a:pPr marR="0" lvl="0" defTabSz="914400" latinLnBrk="0">
-              <a:lnSpc>
-                <a:spcPct val="100000"/>
-              </a:lnSpc>
-              <a:tabLst/>
-            </a:pPr>
-            <a:r>
-              <a:rPr lang="de-DE" altLang="de-DE" sz="1200" dirty="0"/>
-              <a:t>    </a:t>
-            </a:r>
-            <a:r>
-              <a:rPr lang="de-DE" altLang="de-DE" sz="1200" dirty="0">
-                <a:solidFill>
-                  <a:schemeClr val="accent6">
-                    <a:lumMod val="75000"/>
-                  </a:schemeClr>
-                </a:solidFill>
-              </a:rPr>
-              <a:t>for</a:t>
-            </a:r>
-            <a:r>
-              <a:rPr lang="de-DE" altLang="de-DE" sz="1200" dirty="0"/>
-              <a:t> (int i = position_a; i &lt; position_b; i++) {</a:t>
-            </a:r>
-          </a:p>
-          <a:p>
-            <a:pPr marR="0" lvl="0" defTabSz="914400" latinLnBrk="0">
-              <a:lnSpc>
-                <a:spcPct val="100000"/>
-              </a:lnSpc>
-              <a:tabLst/>
-            </a:pPr>
-            <a:r>
-              <a:rPr lang="de-DE" altLang="de-DE" sz="1200" dirty="0"/>
-              <a:t>        swap_chromosome(individual.get_chromosome(), i, i + 1);</a:t>
-            </a:r>
-          </a:p>
-          <a:p>
-            <a:pPr marR="0" lvl="0" defTabSz="914400" latinLnBrk="0">
-              <a:lnSpc>
-                <a:spcPct val="100000"/>
-              </a:lnSpc>
-              <a:tabLst/>
-            </a:pPr>
-            <a:r>
-              <a:rPr lang="de-DE" altLang="de-DE" sz="1200" dirty="0"/>
-              <a:t>    }</a:t>
-            </a:r>
-          </a:p>
-          <a:p>
-            <a:pPr marR="0" lvl="0" defTabSz="914400" latinLnBrk="0">
-              <a:lnSpc>
-                <a:spcPct val="100000"/>
-              </a:lnSpc>
-              <a:tabLst/>
-            </a:pPr>
-            <a:endParaRPr lang="de-DE" altLang="de-DE" sz="1200" dirty="0"/>
-          </a:p>
-          <a:p>
-            <a:pPr marR="0" lvl="0" defTabSz="914400" latinLnBrk="0">
-              <a:lnSpc>
-                <a:spcPct val="100000"/>
-              </a:lnSpc>
-              <a:tabLst/>
-            </a:pPr>
-            <a:r>
-              <a:rPr lang="de-DE" altLang="de-DE" sz="1200" dirty="0"/>
-              <a:t>    return mutate;</a:t>
-            </a:r>
-          </a:p>
-          <a:p>
-            <a:pPr marR="0" lvl="0" defTabSz="914400" latinLnBrk="0">
-              <a:lnSpc>
-                <a:spcPct val="100000"/>
-              </a:lnSpc>
-              <a:tabLst/>
-            </a:pPr>
-            <a:r>
-              <a:rPr lang="de-DE" altLang="de-DE" sz="1200" dirty="0"/>
-              <a:t>}</a:t>
-            </a:r>
-          </a:p>
-        </p:txBody>
-      </p:sp>
-      <p:sp>
-        <p:nvSpPr>
-          <p:cNvPr id="11" name="TextBox 10">
-            <a:extLst>
-              <a:ext uri="{FF2B5EF4-FFF2-40B4-BE49-F238E27FC236}">
-                <a16:creationId xmlns:a16="http://schemas.microsoft.com/office/drawing/2014/main" id="{A9A881C4-7DE0-4C0F-B2EC-F77D820DCF22}"/>
-              </a:ext>
-            </a:extLst>
-          </p:cNvPr>
-          <p:cNvSpPr txBox="1"/>
-          <p:nvPr/>
-        </p:nvSpPr>
-        <p:spPr>
-          <a:xfrm>
-            <a:off x="5965794" y="1292791"/>
-            <a:ext cx="4074850" cy="4108817"/>
-          </a:xfrm>
-          <a:prstGeom prst="rect">
-            <a:avLst/>
-          </a:prstGeom>
-          <a:noFill/>
-        </p:spPr>
-        <p:txBody>
-          <a:bodyPr wrap="square" rtlCol="0">
-            <a:spAutoFit/>
-          </a:bodyPr>
-          <a:lstStyle/>
-          <a:p>
-            <a:pPr>
-              <a:spcAft>
-                <a:spcPts val="600"/>
-              </a:spcAft>
-            </a:pPr>
-            <a:r>
-              <a:rPr lang="de-DE" dirty="0">
-                <a:solidFill>
-                  <a:srgbClr val="4A5C66"/>
-                </a:solidFill>
-                <a:latin typeface="Arial" panose="020B0604020202020204" pitchFamily="34" charset="0"/>
-                <a:cs typeface="Arial" panose="020B0604020202020204" pitchFamily="34" charset="0"/>
-              </a:rPr>
-              <a:t>Chromosom: {1,2,</a:t>
-            </a:r>
-            <a:r>
-              <a:rPr lang="de-DE" b="1" dirty="0">
-                <a:solidFill>
-                  <a:srgbClr val="C00000"/>
-                </a:solidFill>
-                <a:latin typeface="Arial" panose="020B0604020202020204" pitchFamily="34" charset="0"/>
-                <a:cs typeface="Arial" panose="020B0604020202020204" pitchFamily="34" charset="0"/>
-              </a:rPr>
-              <a:t>3</a:t>
-            </a:r>
-            <a:r>
-              <a:rPr lang="de-DE" b="1" dirty="0">
-                <a:solidFill>
-                  <a:srgbClr val="4A5C66"/>
-                </a:solidFill>
-                <a:latin typeface="Arial" panose="020B0604020202020204" pitchFamily="34" charset="0"/>
-                <a:cs typeface="Arial" panose="020B0604020202020204" pitchFamily="34" charset="0"/>
-              </a:rPr>
-              <a:t>,4,5,6,7</a:t>
-            </a:r>
-            <a:r>
-              <a:rPr lang="de-DE" dirty="0">
-                <a:solidFill>
-                  <a:srgbClr val="4A5C66"/>
-                </a:solidFill>
-                <a:latin typeface="Arial" panose="020B0604020202020204" pitchFamily="34" charset="0"/>
-                <a:cs typeface="Arial" panose="020B0604020202020204" pitchFamily="34" charset="0"/>
-              </a:rPr>
-              <a:t>,8,9,10}</a:t>
-            </a:r>
-          </a:p>
-          <a:p>
-            <a:pPr>
-              <a:spcAft>
-                <a:spcPts val="600"/>
-              </a:spcAft>
-            </a:pPr>
-            <a:endParaRPr lang="de-DE" dirty="0">
-              <a:solidFill>
-                <a:srgbClr val="4A5C66"/>
-              </a:solidFill>
-              <a:latin typeface="Arial" panose="020B0604020202020204" pitchFamily="34" charset="0"/>
-              <a:cs typeface="Arial" panose="020B0604020202020204" pitchFamily="34" charset="0"/>
-            </a:endParaRPr>
-          </a:p>
-          <a:p>
-            <a:pPr>
-              <a:spcAft>
-                <a:spcPts val="600"/>
-              </a:spcAft>
-            </a:pPr>
-            <a:endParaRPr lang="de-DE" dirty="0">
-              <a:solidFill>
-                <a:srgbClr val="4A5C66"/>
-              </a:solidFill>
-              <a:latin typeface="Arial" panose="020B0604020202020204" pitchFamily="34" charset="0"/>
-              <a:cs typeface="Arial" panose="020B0604020202020204" pitchFamily="34" charset="0"/>
-            </a:endParaRPr>
-          </a:p>
-          <a:p>
-            <a:pPr>
-              <a:spcAft>
-                <a:spcPts val="600"/>
-              </a:spcAft>
-            </a:pPr>
-            <a:r>
-              <a:rPr lang="de-DE" dirty="0">
-                <a:solidFill>
-                  <a:srgbClr val="4A5C66"/>
-                </a:solidFill>
-                <a:latin typeface="Arial" panose="020B0604020202020204" pitchFamily="34" charset="0"/>
-                <a:cs typeface="Arial" panose="020B0604020202020204" pitchFamily="34" charset="0"/>
-              </a:rPr>
-              <a:t>position_a=3</a:t>
-            </a:r>
-          </a:p>
-          <a:p>
-            <a:pPr>
-              <a:spcAft>
-                <a:spcPts val="600"/>
-              </a:spcAft>
-            </a:pPr>
-            <a:endParaRPr lang="de-DE" dirty="0">
-              <a:solidFill>
-                <a:srgbClr val="4A5C66"/>
-              </a:solidFill>
-              <a:latin typeface="Arial" panose="020B0604020202020204" pitchFamily="34" charset="0"/>
-              <a:cs typeface="Arial" panose="020B0604020202020204" pitchFamily="34" charset="0"/>
-            </a:endParaRPr>
-          </a:p>
-          <a:p>
-            <a:pPr>
-              <a:spcAft>
-                <a:spcPts val="600"/>
-              </a:spcAft>
-            </a:pPr>
-            <a:r>
-              <a:rPr lang="de-DE" dirty="0">
-                <a:solidFill>
-                  <a:srgbClr val="4A5C66"/>
-                </a:solidFill>
-                <a:latin typeface="Arial" panose="020B0604020202020204" pitchFamily="34" charset="0"/>
-                <a:cs typeface="Arial" panose="020B0604020202020204" pitchFamily="34" charset="0"/>
-              </a:rPr>
-              <a:t>position_b=7</a:t>
-            </a:r>
-          </a:p>
-          <a:p>
-            <a:pPr>
-              <a:spcAft>
-                <a:spcPts val="600"/>
-              </a:spcAft>
-            </a:pPr>
-            <a:endParaRPr lang="de-DE" dirty="0">
-              <a:solidFill>
-                <a:srgbClr val="4A5C66"/>
-              </a:solidFill>
-              <a:latin typeface="Arial" panose="020B0604020202020204" pitchFamily="34" charset="0"/>
-              <a:cs typeface="Arial" panose="020B0604020202020204" pitchFamily="34" charset="0"/>
-            </a:endParaRPr>
-          </a:p>
-          <a:p>
-            <a:pPr>
-              <a:spcAft>
-                <a:spcPts val="600"/>
-              </a:spcAft>
-            </a:pPr>
-            <a:endParaRPr lang="de-DE" dirty="0">
-              <a:solidFill>
-                <a:srgbClr val="4A5C66"/>
-              </a:solidFill>
-              <a:latin typeface="Arial" panose="020B0604020202020204" pitchFamily="34" charset="0"/>
-              <a:cs typeface="Arial" panose="020B0604020202020204" pitchFamily="34" charset="0"/>
-            </a:endParaRPr>
-          </a:p>
-          <a:p>
-            <a:pPr>
-              <a:spcAft>
-                <a:spcPts val="600"/>
-              </a:spcAft>
-            </a:pPr>
-            <a:endParaRPr lang="de-DE" dirty="0">
-              <a:solidFill>
-                <a:srgbClr val="4A5C66"/>
-              </a:solidFill>
-              <a:latin typeface="Arial" panose="020B0604020202020204" pitchFamily="34" charset="0"/>
-              <a:cs typeface="Arial" panose="020B0604020202020204" pitchFamily="34" charset="0"/>
-            </a:endParaRPr>
-          </a:p>
-          <a:p>
-            <a:pPr>
-              <a:spcAft>
-                <a:spcPts val="600"/>
-              </a:spcAft>
-            </a:pPr>
-            <a:endParaRPr lang="de-DE" dirty="0">
-              <a:solidFill>
-                <a:srgbClr val="4A5C66"/>
-              </a:solidFill>
-              <a:latin typeface="Arial" panose="020B0604020202020204" pitchFamily="34" charset="0"/>
-              <a:cs typeface="Arial" panose="020B0604020202020204" pitchFamily="34" charset="0"/>
-            </a:endParaRPr>
-          </a:p>
-          <a:p>
-            <a:pPr>
-              <a:spcAft>
-                <a:spcPts val="600"/>
-              </a:spcAft>
-            </a:pPr>
-            <a:r>
-              <a:rPr lang="de-DE" dirty="0">
-                <a:solidFill>
-                  <a:srgbClr val="4A5C66"/>
-                </a:solidFill>
-                <a:latin typeface="Arial" panose="020B0604020202020204" pitchFamily="34" charset="0"/>
-                <a:cs typeface="Arial" panose="020B0604020202020204" pitchFamily="34" charset="0"/>
-              </a:rPr>
-              <a:t>Ergebnis: {1,2,</a:t>
-            </a:r>
-            <a:r>
-              <a:rPr lang="de-DE" b="1" dirty="0">
-                <a:solidFill>
-                  <a:srgbClr val="4A5C66"/>
-                </a:solidFill>
-                <a:latin typeface="Arial" panose="020B0604020202020204" pitchFamily="34" charset="0"/>
-                <a:cs typeface="Arial" panose="020B0604020202020204" pitchFamily="34" charset="0"/>
-              </a:rPr>
-              <a:t>4,5,6,7,</a:t>
-            </a:r>
-            <a:r>
-              <a:rPr lang="de-DE" b="1" dirty="0">
-                <a:solidFill>
-                  <a:srgbClr val="C00000"/>
-                </a:solidFill>
-                <a:latin typeface="Arial" panose="020B0604020202020204" pitchFamily="34" charset="0"/>
-                <a:cs typeface="Arial" panose="020B0604020202020204" pitchFamily="34" charset="0"/>
-              </a:rPr>
-              <a:t>3</a:t>
-            </a:r>
-            <a:r>
-              <a:rPr lang="de-DE" dirty="0">
-                <a:solidFill>
-                  <a:srgbClr val="4A5C66"/>
-                </a:solidFill>
-                <a:latin typeface="Arial" panose="020B0604020202020204" pitchFamily="34" charset="0"/>
-                <a:cs typeface="Arial" panose="020B0604020202020204" pitchFamily="34" charset="0"/>
-              </a:rPr>
-              <a:t>,8,9,10}</a:t>
-            </a:r>
-          </a:p>
-          <a:p>
-            <a:pPr>
-              <a:spcAft>
-                <a:spcPts val="600"/>
-              </a:spcAft>
-            </a:pPr>
-            <a:endParaRPr lang="de-DE" dirty="0">
-              <a:solidFill>
-                <a:srgbClr val="4A5C66"/>
-              </a:solidFill>
-              <a:latin typeface="Arial" panose="020B0604020202020204" pitchFamily="34" charset="0"/>
-              <a:cs typeface="Arial" panose="020B0604020202020204" pitchFamily="34" charset="0"/>
-            </a:endParaRPr>
-          </a:p>
-          <a:p>
-            <a:pPr>
-              <a:spcAft>
-                <a:spcPts val="600"/>
-              </a:spcAft>
-            </a:pPr>
-            <a:endParaRPr lang="de-DE" dirty="0">
-              <a:solidFill>
-                <a:srgbClr val="4A5C66"/>
-              </a:solidFill>
-              <a:latin typeface="Arial" panose="020B0604020202020204" pitchFamily="34" charset="0"/>
-              <a:cs typeface="Arial" panose="020B0604020202020204" pitchFamily="34" charset="0"/>
-            </a:endParaRPr>
-          </a:p>
-          <a:p>
-            <a:pPr>
-              <a:spcAft>
-                <a:spcPts val="600"/>
-              </a:spcAft>
-            </a:pPr>
-            <a:endParaRPr lang="de-DE" dirty="0">
-              <a:solidFill>
-                <a:srgbClr val="4A5C66"/>
-              </a:solidFill>
-              <a:latin typeface="Arial" panose="020B0604020202020204" pitchFamily="34" charset="0"/>
-              <a:cs typeface="Arial" panose="020B0604020202020204" pitchFamily="34" charset="0"/>
-            </a:endParaRPr>
-          </a:p>
-        </p:txBody>
-      </p:sp>
-    </p:spTree>
-    <p:extLst>
-      <p:ext uri="{BB962C8B-B14F-4D97-AF65-F5344CB8AC3E}">
-        <p14:creationId xmlns:p14="http://schemas.microsoft.com/office/powerpoint/2010/main" val="21206333"/>
-      </p:ext>
-    </p:extLst>
-  </p:cSld>
-  <p:clrMapOvr>
-    <a:masterClrMapping/>
-  </p:clrMapOvr>
-</p:sld>
-</file>
-
-<file path=ppt/slides/slide23.xml><?xml version="1.0" encoding="utf-8"?>
-<p:sld xmlns:a="http://schemas.openxmlformats.org/drawingml/2006/main" xmlns:r="http://schemas.openxmlformats.org/officeDocument/2006/relationships" xmlns:p="http://schemas.openxmlformats.org/presentationml/2006/main">
-  <p:cSld>
-    <p:spTree>
-      <p:nvGrpSpPr>
-        <p:cNvPr id="1" name=""/>
-        <p:cNvGrpSpPr/>
-        <p:nvPr/>
-      </p:nvGrpSpPr>
-      <p:grpSpPr>
-        <a:xfrm>
-          <a:off x="0" y="0"/>
-          <a:ext cx="0" cy="0"/>
-          <a:chOff x="0" y="0"/>
-          <a:chExt cx="0" cy="0"/>
-        </a:xfrm>
-      </p:grpSpPr>
-      <p:sp>
-        <p:nvSpPr>
-          <p:cNvPr id="2" name="Title 1">
-            <a:extLst>
-              <a:ext uri="{FF2B5EF4-FFF2-40B4-BE49-F238E27FC236}">
                 <a16:creationId xmlns:a16="http://schemas.microsoft.com/office/drawing/2014/main" id="{85052616-A1AA-4C30-9C7B-DBB34145436D}"/>
               </a:ext>
             </a:extLst>
@@ -29950,7 +28242,7 @@
 </p:sld>
 </file>
 
-<file path=ppt/slides/slide24.xml><?xml version="1.0" encoding="utf-8"?>
+<file path=ppt/slides/slide21.xml><?xml version="1.0" encoding="utf-8"?>
 <p:sld xmlns:a="http://schemas.openxmlformats.org/drawingml/2006/main" xmlns:r="http://schemas.openxmlformats.org/officeDocument/2006/relationships" xmlns:p="http://schemas.openxmlformats.org/presentationml/2006/main">
   <p:cSld>
     <p:spTree>
@@ -30158,7 +28450,7 @@
 </p:sld>
 </file>
 
-<file path=ppt/slides/slide25.xml><?xml version="1.0" encoding="utf-8"?>
+<file path=ppt/slides/slide22.xml><?xml version="1.0" encoding="utf-8"?>
 <p:sld xmlns:a="http://schemas.openxmlformats.org/drawingml/2006/main" xmlns:r="http://schemas.openxmlformats.org/officeDocument/2006/relationships" xmlns:p="http://schemas.openxmlformats.org/presentationml/2006/main">
   <p:cSld>
     <p:spTree>
@@ -30720,7 +29012,7 @@
 </p:sld>
 </file>
 
-<file path=ppt/slides/slide26.xml><?xml version="1.0" encoding="utf-8"?>
+<file path=ppt/slides/slide23.xml><?xml version="1.0" encoding="utf-8"?>
 <p:sld xmlns:a="http://schemas.openxmlformats.org/drawingml/2006/main" xmlns:r="http://schemas.openxmlformats.org/officeDocument/2006/relationships" xmlns:p="http://schemas.openxmlformats.org/presentationml/2006/main">
   <p:cSld>
     <p:spTree>
@@ -31222,7 +29514,7 @@
 </p:sld>
 </file>
 
-<file path=ppt/slides/slide27.xml><?xml version="1.0" encoding="utf-8"?>
+<file path=ppt/slides/slide24.xml><?xml version="1.0" encoding="utf-8"?>
 <p:sld xmlns:a="http://schemas.openxmlformats.org/drawingml/2006/main" xmlns:r="http://schemas.openxmlformats.org/officeDocument/2006/relationships" xmlns:p="http://schemas.openxmlformats.org/presentationml/2006/main">
   <p:cSld>
     <p:spTree>
@@ -31305,7 +29597,7 @@
 </p:sld>
 </file>
 
-<file path=ppt/slides/slide28.xml><?xml version="1.0" encoding="utf-8"?>
+<file path=ppt/slides/slide25.xml><?xml version="1.0" encoding="utf-8"?>
 <p:sld xmlns:a="http://schemas.openxmlformats.org/drawingml/2006/main" xmlns:r="http://schemas.openxmlformats.org/officeDocument/2006/relationships" xmlns:p="http://schemas.openxmlformats.org/presentationml/2006/main">
   <p:cSld>
     <p:spTree>
@@ -31368,7 +29660,7 @@
 </p:sld>
 </file>
 
-<file path=ppt/slides/slide29.xml><?xml version="1.0" encoding="utf-8"?>
+<file path=ppt/slides/slide26.xml><?xml version="1.0" encoding="utf-8"?>
 <p:sld xmlns:a="http://schemas.openxmlformats.org/drawingml/2006/main" xmlns:r="http://schemas.openxmlformats.org/officeDocument/2006/relationships" xmlns:p="http://schemas.openxmlformats.org/presentationml/2006/main">
   <p:cSld>
     <p:spTree>
@@ -31557,6 +29849,424 @@
     <p:extLst>
       <p:ext uri="{BB962C8B-B14F-4D97-AF65-F5344CB8AC3E}">
         <p14:creationId xmlns:p14="http://schemas.microsoft.com/office/powerpoint/2010/main" val="3403465121"/>
+      </p:ext>
+    </p:extLst>
+  </p:cSld>
+  <p:clrMapOvr>
+    <a:masterClrMapping/>
+  </p:clrMapOvr>
+</p:sld>
+</file>
+
+<file path=ppt/slides/slide27.xml><?xml version="1.0" encoding="utf-8"?>
+<p:sld xmlns:a="http://schemas.openxmlformats.org/drawingml/2006/main" xmlns:r="http://schemas.openxmlformats.org/officeDocument/2006/relationships" xmlns:p="http://schemas.openxmlformats.org/presentationml/2006/main">
+  <p:cSld>
+    <p:spTree>
+      <p:nvGrpSpPr>
+        <p:cNvPr id="1" name=""/>
+        <p:cNvGrpSpPr/>
+        <p:nvPr/>
+      </p:nvGrpSpPr>
+      <p:grpSpPr>
+        <a:xfrm>
+          <a:off x="0" y="0"/>
+          <a:ext cx="0" cy="0"/>
+          <a:chOff x="0" y="0"/>
+          <a:chExt cx="0" cy="0"/>
+        </a:xfrm>
+      </p:grpSpPr>
+      <p:sp>
+        <p:nvSpPr>
+          <p:cNvPr id="2" name="Title 1">
+            <a:extLst>
+              <a:ext uri="{FF2B5EF4-FFF2-40B4-BE49-F238E27FC236}">
+                <a16:creationId xmlns:a16="http://schemas.microsoft.com/office/drawing/2014/main" id="{0F40E8B6-F477-47BD-92C1-C5A87EE67C52}"/>
+              </a:ext>
+            </a:extLst>
+          </p:cNvPr>
+          <p:cNvSpPr>
+            <a:spLocks noGrp="1"/>
+          </p:cNvSpPr>
+          <p:nvPr>
+            <p:ph type="title"/>
+          </p:nvPr>
+        </p:nvSpPr>
+        <p:spPr/>
+        <p:txBody>
+          <a:bodyPr/>
+          <a:lstStyle/>
+          <a:p>
+            <a:r>
+              <a:rPr lang="de-DE" dirty="0"/>
+              <a:t>Fazit</a:t>
+            </a:r>
+          </a:p>
+        </p:txBody>
+      </p:sp>
+      <p:sp>
+        <p:nvSpPr>
+          <p:cNvPr id="3" name="Text Placeholder 2">
+            <a:extLst>
+              <a:ext uri="{FF2B5EF4-FFF2-40B4-BE49-F238E27FC236}">
+                <a16:creationId xmlns:a16="http://schemas.microsoft.com/office/drawing/2014/main" id="{C7D2FD1F-22A7-4CE1-848E-F26C723EE9B9}"/>
+              </a:ext>
+            </a:extLst>
+          </p:cNvPr>
+          <p:cNvSpPr>
+            <a:spLocks noGrp="1"/>
+          </p:cNvSpPr>
+          <p:nvPr>
+            <p:ph type="body" sz="quarter" idx="11"/>
+          </p:nvPr>
+        </p:nvSpPr>
+        <p:spPr/>
+        <p:txBody>
+          <a:bodyPr/>
+          <a:lstStyle/>
+          <a:p>
+            <a:r>
+              <a:rPr lang="de-DE" dirty="0"/>
+              <a:t>1. Entwicklung eines Systems, das die Möglichkeiten von Genetischen Algorithmen mit dem Beispiel des TSP demonstriert.</a:t>
+            </a:r>
+          </a:p>
+          <a:p>
+            <a:pPr marL="285750" indent="-285750">
+              <a:buFont typeface="Arial" panose="020B0604020202020204" pitchFamily="34" charset="0"/>
+              <a:buChar char="•"/>
+            </a:pPr>
+            <a:r>
+              <a:rPr lang="de-DE" dirty="0"/>
+              <a:t>Funktionalität </a:t>
+            </a:r>
+            <a:r>
+              <a:rPr lang="de-DE" dirty="0">
+                <a:solidFill>
+                  <a:srgbClr val="00B050"/>
+                </a:solidFill>
+                <a:latin typeface="Wingdings" panose="05000000000000000000" pitchFamily="2" charset="2"/>
+              </a:rPr>
+              <a:t>ü</a:t>
+            </a:r>
+            <a:endParaRPr lang="de-DE" dirty="0"/>
+          </a:p>
+          <a:p>
+            <a:pPr marL="285750" indent="-285750">
+              <a:buFont typeface="Arial" panose="020B0604020202020204" pitchFamily="34" charset="0"/>
+              <a:buChar char="•"/>
+            </a:pPr>
+            <a:r>
+              <a:rPr lang="de-DE" dirty="0"/>
+              <a:t>Guter Code </a:t>
+            </a:r>
+            <a:r>
+              <a:rPr lang="de-DE" dirty="0">
+                <a:solidFill>
+                  <a:srgbClr val="00B050"/>
+                </a:solidFill>
+                <a:latin typeface="Wingdings" panose="05000000000000000000" pitchFamily="2" charset="2"/>
+              </a:rPr>
+              <a:t>ü</a:t>
+            </a:r>
+            <a:r>
+              <a:rPr lang="de-DE" dirty="0"/>
+              <a:t>, klare Architektur </a:t>
+            </a:r>
+            <a:r>
+              <a:rPr lang="de-DE" dirty="0">
+                <a:solidFill>
+                  <a:srgbClr val="00B050"/>
+                </a:solidFill>
+                <a:latin typeface="Wingdings" panose="05000000000000000000" pitchFamily="2" charset="2"/>
+              </a:rPr>
+              <a:t>ü</a:t>
+            </a:r>
+            <a:endParaRPr lang="de-DE" dirty="0"/>
+          </a:p>
+          <a:p>
+            <a:pPr marL="285750" indent="-285750">
+              <a:buFont typeface="Arial" panose="020B0604020202020204" pitchFamily="34" charset="0"/>
+              <a:buChar char="•"/>
+            </a:pPr>
+            <a:r>
+              <a:rPr lang="de-DE" dirty="0"/>
+              <a:t>Testbarkeit </a:t>
+            </a:r>
+            <a:r>
+              <a:rPr lang="de-DE" dirty="0">
+                <a:solidFill>
+                  <a:srgbClr val="00B050"/>
+                </a:solidFill>
+                <a:latin typeface="Wingdings" panose="05000000000000000000" pitchFamily="2" charset="2"/>
+              </a:rPr>
+              <a:t>ü</a:t>
+            </a:r>
+            <a:r>
+              <a:rPr lang="de-DE" dirty="0"/>
+              <a:t> , Erweiterbarkeit </a:t>
+            </a:r>
+            <a:r>
+              <a:rPr lang="de-DE" dirty="0">
+                <a:solidFill>
+                  <a:srgbClr val="00B050"/>
+                </a:solidFill>
+                <a:latin typeface="Wingdings" panose="05000000000000000000" pitchFamily="2" charset="2"/>
+              </a:rPr>
+              <a:t>ü</a:t>
+            </a:r>
+            <a:r>
+              <a:rPr lang="de-DE" dirty="0"/>
+              <a:t> , Dokumentation </a:t>
+            </a:r>
+            <a:r>
+              <a:rPr lang="de-DE" dirty="0">
+                <a:solidFill>
+                  <a:srgbClr val="00B050"/>
+                </a:solidFill>
+                <a:latin typeface="Wingdings" panose="05000000000000000000" pitchFamily="2" charset="2"/>
+              </a:rPr>
+              <a:t>ü</a:t>
+            </a:r>
+            <a:r>
+              <a:rPr lang="de-DE" dirty="0"/>
+              <a:t> </a:t>
+            </a:r>
+          </a:p>
+          <a:p>
+            <a:endParaRPr lang="de-DE" dirty="0"/>
+          </a:p>
+          <a:p>
+            <a:r>
+              <a:rPr lang="de-DE" dirty="0"/>
+              <a:t>2. Untersuchung welche Stellschrauben der Genetischen Algorithmen das Resultat in wieweit verbessert/verschlechtert.</a:t>
+            </a:r>
+          </a:p>
+          <a:p>
+            <a:pPr marL="285750" indent="-285750">
+              <a:buFont typeface="Arial" panose="020B0604020202020204" pitchFamily="34" charset="0"/>
+              <a:buChar char="•"/>
+            </a:pPr>
+            <a:r>
+              <a:rPr lang="de-DE" dirty="0"/>
+              <a:t>Experimente konnten zeigen, dass ... .</a:t>
+            </a:r>
+          </a:p>
+        </p:txBody>
+      </p:sp>
+    </p:spTree>
+    <p:extLst>
+      <p:ext uri="{BB962C8B-B14F-4D97-AF65-F5344CB8AC3E}">
+        <p14:creationId xmlns:p14="http://schemas.microsoft.com/office/powerpoint/2010/main" val="2484894277"/>
+      </p:ext>
+    </p:extLst>
+  </p:cSld>
+  <p:clrMapOvr>
+    <a:masterClrMapping/>
+  </p:clrMapOvr>
+</p:sld>
+</file>
+
+<file path=ppt/slides/slide28.xml><?xml version="1.0" encoding="utf-8"?>
+<p:sld xmlns:a="http://schemas.openxmlformats.org/drawingml/2006/main" xmlns:r="http://schemas.openxmlformats.org/officeDocument/2006/relationships" xmlns:p="http://schemas.openxmlformats.org/presentationml/2006/main">
+  <p:cSld>
+    <p:spTree>
+      <p:nvGrpSpPr>
+        <p:cNvPr id="1" name=""/>
+        <p:cNvGrpSpPr/>
+        <p:nvPr/>
+      </p:nvGrpSpPr>
+      <p:grpSpPr>
+        <a:xfrm>
+          <a:off x="0" y="0"/>
+          <a:ext cx="0" cy="0"/>
+          <a:chOff x="0" y="0"/>
+          <a:chExt cx="0" cy="0"/>
+        </a:xfrm>
+      </p:grpSpPr>
+      <p:sp>
+        <p:nvSpPr>
+          <p:cNvPr id="2" name="Title 1">
+            <a:extLst>
+              <a:ext uri="{FF2B5EF4-FFF2-40B4-BE49-F238E27FC236}">
+                <a16:creationId xmlns:a16="http://schemas.microsoft.com/office/drawing/2014/main" id="{5D0F81E1-3827-444D-B85D-94516A9BB0BB}"/>
+              </a:ext>
+            </a:extLst>
+          </p:cNvPr>
+          <p:cNvSpPr>
+            <a:spLocks noGrp="1"/>
+          </p:cNvSpPr>
+          <p:nvPr>
+            <p:ph type="title"/>
+          </p:nvPr>
+        </p:nvSpPr>
+        <p:spPr/>
+        <p:txBody>
+          <a:bodyPr/>
+          <a:lstStyle/>
+          <a:p>
+            <a:r>
+              <a:rPr lang="de-DE" dirty="0"/>
+              <a:t>Ausblick</a:t>
+            </a:r>
+          </a:p>
+        </p:txBody>
+      </p:sp>
+      <p:sp>
+        <p:nvSpPr>
+          <p:cNvPr id="3" name="Text Placeholder 2">
+            <a:extLst>
+              <a:ext uri="{FF2B5EF4-FFF2-40B4-BE49-F238E27FC236}">
+                <a16:creationId xmlns:a16="http://schemas.microsoft.com/office/drawing/2014/main" id="{3894D160-3911-4D19-84D1-924A7E116845}"/>
+              </a:ext>
+            </a:extLst>
+          </p:cNvPr>
+          <p:cNvSpPr>
+            <a:spLocks noGrp="1"/>
+          </p:cNvSpPr>
+          <p:nvPr>
+            <p:ph type="body" sz="quarter" idx="11"/>
+          </p:nvPr>
+        </p:nvSpPr>
+        <p:spPr/>
+        <p:txBody>
+          <a:bodyPr/>
+          <a:lstStyle/>
+          <a:p>
+            <a:pPr marL="285750" indent="-285750">
+              <a:buFont typeface="Arial" panose="020B0604020202020204" pitchFamily="34" charset="0"/>
+              <a:buChar char="•"/>
+            </a:pPr>
+            <a:r>
+              <a:rPr lang="de-DE" dirty="0"/>
+              <a:t>Library vollständig von TSP lösen und generischer Gestalten</a:t>
+            </a:r>
+          </a:p>
+          <a:p>
+            <a:pPr marL="285750" indent="-285750">
+              <a:buFont typeface="Arial" panose="020B0604020202020204" pitchFamily="34" charset="0"/>
+              <a:buChar char="•"/>
+            </a:pPr>
+            <a:r>
+              <a:rPr lang="de-DE" dirty="0"/>
+              <a:t>Performance messen</a:t>
+            </a:r>
+          </a:p>
+          <a:p>
+            <a:pPr marL="285750" indent="-285750">
+              <a:buFont typeface="Arial" panose="020B0604020202020204" pitchFamily="34" charset="0"/>
+              <a:buChar char="•"/>
+            </a:pPr>
+            <a:r>
+              <a:rPr lang="de-DE" dirty="0"/>
+              <a:t>Library veröffentlichen</a:t>
+            </a:r>
+          </a:p>
+        </p:txBody>
+      </p:sp>
+    </p:spTree>
+    <p:extLst>
+      <p:ext uri="{BB962C8B-B14F-4D97-AF65-F5344CB8AC3E}">
+        <p14:creationId xmlns:p14="http://schemas.microsoft.com/office/powerpoint/2010/main" val="2272322917"/>
+      </p:ext>
+    </p:extLst>
+  </p:cSld>
+  <p:clrMapOvr>
+    <a:masterClrMapping/>
+  </p:clrMapOvr>
+</p:sld>
+</file>
+
+<file path=ppt/slides/slide29.xml><?xml version="1.0" encoding="utf-8"?>
+<p:sld xmlns:a="http://schemas.openxmlformats.org/drawingml/2006/main" xmlns:r="http://schemas.openxmlformats.org/officeDocument/2006/relationships" xmlns:p="http://schemas.openxmlformats.org/presentationml/2006/main">
+  <p:cSld>
+    <p:spTree>
+      <p:nvGrpSpPr>
+        <p:cNvPr id="1" name=""/>
+        <p:cNvGrpSpPr/>
+        <p:nvPr/>
+      </p:nvGrpSpPr>
+      <p:grpSpPr>
+        <a:xfrm>
+          <a:off x="0" y="0"/>
+          <a:ext cx="0" cy="0"/>
+          <a:chOff x="0" y="0"/>
+          <a:chExt cx="0" cy="0"/>
+        </a:xfrm>
+      </p:grpSpPr>
+      <p:sp>
+        <p:nvSpPr>
+          <p:cNvPr id="3" name="Textfeld 2">
+            <a:extLst>
+              <a:ext uri="{FF2B5EF4-FFF2-40B4-BE49-F238E27FC236}">
+                <a16:creationId xmlns:a16="http://schemas.microsoft.com/office/drawing/2014/main" id="{21059048-CA97-4EAA-842D-535F0C108203}"/>
+              </a:ext>
+            </a:extLst>
+          </p:cNvPr>
+          <p:cNvSpPr txBox="1"/>
+          <p:nvPr/>
+        </p:nvSpPr>
+        <p:spPr>
+          <a:xfrm>
+            <a:off x="7825273" y="3205901"/>
+            <a:ext cx="3847562" cy="2871437"/>
+          </a:xfrm>
+          <a:prstGeom prst="rect">
+            <a:avLst/>
+          </a:prstGeom>
+          <a:noFill/>
+        </p:spPr>
+        <p:txBody>
+          <a:bodyPr wrap="square" rtlCol="0" anchor="ctr" anchorCtr="0">
+            <a:noAutofit/>
+          </a:bodyPr>
+          <a:lstStyle/>
+          <a:p>
+            <a:pPr algn="ctr"/>
+            <a:r>
+              <a:rPr lang="de-DE" sz="4000">
+                <a:solidFill>
+                  <a:srgbClr val="4A5C66"/>
+                </a:solidFill>
+                <a:latin typeface="Arial" panose="020B0604020202020204" pitchFamily="34" charset="0"/>
+                <a:cs typeface="Arial" panose="020B0604020202020204" pitchFamily="34" charset="0"/>
+              </a:rPr>
+              <a:t>Viele Dank</a:t>
+            </a:r>
+            <a:br>
+              <a:rPr lang="de-DE" sz="4000">
+                <a:solidFill>
+                  <a:srgbClr val="4A5C66"/>
+                </a:solidFill>
+                <a:latin typeface="Arial" panose="020B0604020202020204" pitchFamily="34" charset="0"/>
+                <a:cs typeface="Arial" panose="020B0604020202020204" pitchFamily="34" charset="0"/>
+              </a:rPr>
+            </a:br>
+            <a:r>
+              <a:rPr lang="de-DE" sz="4000">
+                <a:solidFill>
+                  <a:srgbClr val="4A5C66"/>
+                </a:solidFill>
+                <a:latin typeface="Arial" panose="020B0604020202020204" pitchFamily="34" charset="0"/>
+                <a:cs typeface="Arial" panose="020B0604020202020204" pitchFamily="34" charset="0"/>
+              </a:rPr>
+              <a:t>für </a:t>
+            </a:r>
+            <a:r>
+              <a:rPr lang="de-DE" sz="4000" dirty="0">
+                <a:solidFill>
+                  <a:srgbClr val="4A5C66"/>
+                </a:solidFill>
+                <a:latin typeface="Arial" panose="020B0604020202020204" pitchFamily="34" charset="0"/>
+                <a:cs typeface="Arial" panose="020B0604020202020204" pitchFamily="34" charset="0"/>
+              </a:rPr>
+              <a:t>eure Aufmerksamkeit</a:t>
+            </a:r>
+          </a:p>
+        </p:txBody>
+      </p:sp>
+    </p:spTree>
+    <p:extLst>
+      <p:ext uri="{BB962C8B-B14F-4D97-AF65-F5344CB8AC3E}">
+        <p14:creationId xmlns:p14="http://schemas.microsoft.com/office/powerpoint/2010/main" val="4185969896"/>
       </p:ext>
     </p:extLst>
   </p:cSld>
@@ -31690,424 +30400,6 @@
     <p:extLst>
       <p:ext uri="{BB962C8B-B14F-4D97-AF65-F5344CB8AC3E}">
         <p14:creationId xmlns:p14="http://schemas.microsoft.com/office/powerpoint/2010/main" val="3059242604"/>
-      </p:ext>
-    </p:extLst>
-  </p:cSld>
-  <p:clrMapOvr>
-    <a:masterClrMapping/>
-  </p:clrMapOvr>
-</p:sld>
-</file>
-
-<file path=ppt/slides/slide30.xml><?xml version="1.0" encoding="utf-8"?>
-<p:sld xmlns:a="http://schemas.openxmlformats.org/drawingml/2006/main" xmlns:r="http://schemas.openxmlformats.org/officeDocument/2006/relationships" xmlns:p="http://schemas.openxmlformats.org/presentationml/2006/main">
-  <p:cSld>
-    <p:spTree>
-      <p:nvGrpSpPr>
-        <p:cNvPr id="1" name=""/>
-        <p:cNvGrpSpPr/>
-        <p:nvPr/>
-      </p:nvGrpSpPr>
-      <p:grpSpPr>
-        <a:xfrm>
-          <a:off x="0" y="0"/>
-          <a:ext cx="0" cy="0"/>
-          <a:chOff x="0" y="0"/>
-          <a:chExt cx="0" cy="0"/>
-        </a:xfrm>
-      </p:grpSpPr>
-      <p:sp>
-        <p:nvSpPr>
-          <p:cNvPr id="2" name="Title 1">
-            <a:extLst>
-              <a:ext uri="{FF2B5EF4-FFF2-40B4-BE49-F238E27FC236}">
-                <a16:creationId xmlns:a16="http://schemas.microsoft.com/office/drawing/2014/main" id="{0F40E8B6-F477-47BD-92C1-C5A87EE67C52}"/>
-              </a:ext>
-            </a:extLst>
-          </p:cNvPr>
-          <p:cNvSpPr>
-            <a:spLocks noGrp="1"/>
-          </p:cNvSpPr>
-          <p:nvPr>
-            <p:ph type="title"/>
-          </p:nvPr>
-        </p:nvSpPr>
-        <p:spPr/>
-        <p:txBody>
-          <a:bodyPr/>
-          <a:lstStyle/>
-          <a:p>
-            <a:r>
-              <a:rPr lang="de-DE" dirty="0"/>
-              <a:t>Fazit</a:t>
-            </a:r>
-          </a:p>
-        </p:txBody>
-      </p:sp>
-      <p:sp>
-        <p:nvSpPr>
-          <p:cNvPr id="3" name="Text Placeholder 2">
-            <a:extLst>
-              <a:ext uri="{FF2B5EF4-FFF2-40B4-BE49-F238E27FC236}">
-                <a16:creationId xmlns:a16="http://schemas.microsoft.com/office/drawing/2014/main" id="{C7D2FD1F-22A7-4CE1-848E-F26C723EE9B9}"/>
-              </a:ext>
-            </a:extLst>
-          </p:cNvPr>
-          <p:cNvSpPr>
-            <a:spLocks noGrp="1"/>
-          </p:cNvSpPr>
-          <p:nvPr>
-            <p:ph type="body" sz="quarter" idx="11"/>
-          </p:nvPr>
-        </p:nvSpPr>
-        <p:spPr/>
-        <p:txBody>
-          <a:bodyPr/>
-          <a:lstStyle/>
-          <a:p>
-            <a:r>
-              <a:rPr lang="de-DE" dirty="0"/>
-              <a:t>1. Entwicklung eines Systems, das die Möglichkeiten von Genetischen Algorithmen mit dem Beispiel des TSP demonstriert.</a:t>
-            </a:r>
-          </a:p>
-          <a:p>
-            <a:pPr marL="285750" indent="-285750">
-              <a:buFont typeface="Arial" panose="020B0604020202020204" pitchFamily="34" charset="0"/>
-              <a:buChar char="•"/>
-            </a:pPr>
-            <a:r>
-              <a:rPr lang="de-DE" dirty="0"/>
-              <a:t>Funktionalität </a:t>
-            </a:r>
-            <a:r>
-              <a:rPr lang="de-DE" dirty="0">
-                <a:solidFill>
-                  <a:srgbClr val="00B050"/>
-                </a:solidFill>
-                <a:latin typeface="Wingdings" panose="05000000000000000000" pitchFamily="2" charset="2"/>
-              </a:rPr>
-              <a:t>ü</a:t>
-            </a:r>
-            <a:endParaRPr lang="de-DE" dirty="0"/>
-          </a:p>
-          <a:p>
-            <a:pPr marL="285750" indent="-285750">
-              <a:buFont typeface="Arial" panose="020B0604020202020204" pitchFamily="34" charset="0"/>
-              <a:buChar char="•"/>
-            </a:pPr>
-            <a:r>
-              <a:rPr lang="de-DE" dirty="0"/>
-              <a:t>Guter Code </a:t>
-            </a:r>
-            <a:r>
-              <a:rPr lang="de-DE" dirty="0">
-                <a:solidFill>
-                  <a:srgbClr val="00B050"/>
-                </a:solidFill>
-                <a:latin typeface="Wingdings" panose="05000000000000000000" pitchFamily="2" charset="2"/>
-              </a:rPr>
-              <a:t>ü</a:t>
-            </a:r>
-            <a:r>
-              <a:rPr lang="de-DE" dirty="0"/>
-              <a:t>, klare Architektur </a:t>
-            </a:r>
-            <a:r>
-              <a:rPr lang="de-DE" dirty="0">
-                <a:solidFill>
-                  <a:srgbClr val="00B050"/>
-                </a:solidFill>
-                <a:latin typeface="Wingdings" panose="05000000000000000000" pitchFamily="2" charset="2"/>
-              </a:rPr>
-              <a:t>ü</a:t>
-            </a:r>
-            <a:endParaRPr lang="de-DE" dirty="0"/>
-          </a:p>
-          <a:p>
-            <a:pPr marL="285750" indent="-285750">
-              <a:buFont typeface="Arial" panose="020B0604020202020204" pitchFamily="34" charset="0"/>
-              <a:buChar char="•"/>
-            </a:pPr>
-            <a:r>
-              <a:rPr lang="de-DE" dirty="0"/>
-              <a:t>Testbarkeit </a:t>
-            </a:r>
-            <a:r>
-              <a:rPr lang="de-DE" dirty="0">
-                <a:solidFill>
-                  <a:srgbClr val="00B050"/>
-                </a:solidFill>
-                <a:latin typeface="Wingdings" panose="05000000000000000000" pitchFamily="2" charset="2"/>
-              </a:rPr>
-              <a:t>ü</a:t>
-            </a:r>
-            <a:r>
-              <a:rPr lang="de-DE" dirty="0"/>
-              <a:t> , Erweiterbarkeit </a:t>
-            </a:r>
-            <a:r>
-              <a:rPr lang="de-DE" dirty="0">
-                <a:solidFill>
-                  <a:srgbClr val="00B050"/>
-                </a:solidFill>
-                <a:latin typeface="Wingdings" panose="05000000000000000000" pitchFamily="2" charset="2"/>
-              </a:rPr>
-              <a:t>ü</a:t>
-            </a:r>
-            <a:r>
-              <a:rPr lang="de-DE" dirty="0"/>
-              <a:t> , Dokumentation </a:t>
-            </a:r>
-            <a:r>
-              <a:rPr lang="de-DE" dirty="0">
-                <a:solidFill>
-                  <a:srgbClr val="00B050"/>
-                </a:solidFill>
-                <a:latin typeface="Wingdings" panose="05000000000000000000" pitchFamily="2" charset="2"/>
-              </a:rPr>
-              <a:t>ü</a:t>
-            </a:r>
-            <a:r>
-              <a:rPr lang="de-DE" dirty="0"/>
-              <a:t> </a:t>
-            </a:r>
-          </a:p>
-          <a:p>
-            <a:endParaRPr lang="de-DE" dirty="0"/>
-          </a:p>
-          <a:p>
-            <a:r>
-              <a:rPr lang="de-DE" dirty="0"/>
-              <a:t>2. Untersuchung welche Stellschrauben der Genetischen Algorithmen das Resultat in wieweit verbessert/verschlechtert.</a:t>
-            </a:r>
-          </a:p>
-          <a:p>
-            <a:pPr marL="285750" indent="-285750">
-              <a:buFont typeface="Arial" panose="020B0604020202020204" pitchFamily="34" charset="0"/>
-              <a:buChar char="•"/>
-            </a:pPr>
-            <a:r>
-              <a:rPr lang="de-DE" dirty="0"/>
-              <a:t>Experimente konnten zeigen, dass ... .</a:t>
-            </a:r>
-          </a:p>
-        </p:txBody>
-      </p:sp>
-    </p:spTree>
-    <p:extLst>
-      <p:ext uri="{BB962C8B-B14F-4D97-AF65-F5344CB8AC3E}">
-        <p14:creationId xmlns:p14="http://schemas.microsoft.com/office/powerpoint/2010/main" val="2484894277"/>
-      </p:ext>
-    </p:extLst>
-  </p:cSld>
-  <p:clrMapOvr>
-    <a:masterClrMapping/>
-  </p:clrMapOvr>
-</p:sld>
-</file>
-
-<file path=ppt/slides/slide31.xml><?xml version="1.0" encoding="utf-8"?>
-<p:sld xmlns:a="http://schemas.openxmlformats.org/drawingml/2006/main" xmlns:r="http://schemas.openxmlformats.org/officeDocument/2006/relationships" xmlns:p="http://schemas.openxmlformats.org/presentationml/2006/main">
-  <p:cSld>
-    <p:spTree>
-      <p:nvGrpSpPr>
-        <p:cNvPr id="1" name=""/>
-        <p:cNvGrpSpPr/>
-        <p:nvPr/>
-      </p:nvGrpSpPr>
-      <p:grpSpPr>
-        <a:xfrm>
-          <a:off x="0" y="0"/>
-          <a:ext cx="0" cy="0"/>
-          <a:chOff x="0" y="0"/>
-          <a:chExt cx="0" cy="0"/>
-        </a:xfrm>
-      </p:grpSpPr>
-      <p:sp>
-        <p:nvSpPr>
-          <p:cNvPr id="2" name="Title 1">
-            <a:extLst>
-              <a:ext uri="{FF2B5EF4-FFF2-40B4-BE49-F238E27FC236}">
-                <a16:creationId xmlns:a16="http://schemas.microsoft.com/office/drawing/2014/main" id="{5D0F81E1-3827-444D-B85D-94516A9BB0BB}"/>
-              </a:ext>
-            </a:extLst>
-          </p:cNvPr>
-          <p:cNvSpPr>
-            <a:spLocks noGrp="1"/>
-          </p:cNvSpPr>
-          <p:nvPr>
-            <p:ph type="title"/>
-          </p:nvPr>
-        </p:nvSpPr>
-        <p:spPr/>
-        <p:txBody>
-          <a:bodyPr/>
-          <a:lstStyle/>
-          <a:p>
-            <a:r>
-              <a:rPr lang="de-DE" dirty="0"/>
-              <a:t>Ausblick</a:t>
-            </a:r>
-          </a:p>
-        </p:txBody>
-      </p:sp>
-      <p:sp>
-        <p:nvSpPr>
-          <p:cNvPr id="3" name="Text Placeholder 2">
-            <a:extLst>
-              <a:ext uri="{FF2B5EF4-FFF2-40B4-BE49-F238E27FC236}">
-                <a16:creationId xmlns:a16="http://schemas.microsoft.com/office/drawing/2014/main" id="{3894D160-3911-4D19-84D1-924A7E116845}"/>
-              </a:ext>
-            </a:extLst>
-          </p:cNvPr>
-          <p:cNvSpPr>
-            <a:spLocks noGrp="1"/>
-          </p:cNvSpPr>
-          <p:nvPr>
-            <p:ph type="body" sz="quarter" idx="11"/>
-          </p:nvPr>
-        </p:nvSpPr>
-        <p:spPr/>
-        <p:txBody>
-          <a:bodyPr/>
-          <a:lstStyle/>
-          <a:p>
-            <a:pPr marL="285750" indent="-285750">
-              <a:buFont typeface="Arial" panose="020B0604020202020204" pitchFamily="34" charset="0"/>
-              <a:buChar char="•"/>
-            </a:pPr>
-            <a:r>
-              <a:rPr lang="de-DE" dirty="0"/>
-              <a:t>Library vollständig von TSP lösen und generischer Gestalten</a:t>
-            </a:r>
-          </a:p>
-          <a:p>
-            <a:pPr marL="285750" indent="-285750">
-              <a:buFont typeface="Arial" panose="020B0604020202020204" pitchFamily="34" charset="0"/>
-              <a:buChar char="•"/>
-            </a:pPr>
-            <a:r>
-              <a:rPr lang="de-DE" dirty="0"/>
-              <a:t>Performance messen</a:t>
-            </a:r>
-          </a:p>
-          <a:p>
-            <a:pPr marL="285750" indent="-285750">
-              <a:buFont typeface="Arial" panose="020B0604020202020204" pitchFamily="34" charset="0"/>
-              <a:buChar char="•"/>
-            </a:pPr>
-            <a:r>
-              <a:rPr lang="de-DE" dirty="0"/>
-              <a:t>Library veröffentlichen</a:t>
-            </a:r>
-          </a:p>
-        </p:txBody>
-      </p:sp>
-    </p:spTree>
-    <p:extLst>
-      <p:ext uri="{BB962C8B-B14F-4D97-AF65-F5344CB8AC3E}">
-        <p14:creationId xmlns:p14="http://schemas.microsoft.com/office/powerpoint/2010/main" val="2272322917"/>
-      </p:ext>
-    </p:extLst>
-  </p:cSld>
-  <p:clrMapOvr>
-    <a:masterClrMapping/>
-  </p:clrMapOvr>
-</p:sld>
-</file>
-
-<file path=ppt/slides/slide32.xml><?xml version="1.0" encoding="utf-8"?>
-<p:sld xmlns:a="http://schemas.openxmlformats.org/drawingml/2006/main" xmlns:r="http://schemas.openxmlformats.org/officeDocument/2006/relationships" xmlns:p="http://schemas.openxmlformats.org/presentationml/2006/main">
-  <p:cSld>
-    <p:spTree>
-      <p:nvGrpSpPr>
-        <p:cNvPr id="1" name=""/>
-        <p:cNvGrpSpPr/>
-        <p:nvPr/>
-      </p:nvGrpSpPr>
-      <p:grpSpPr>
-        <a:xfrm>
-          <a:off x="0" y="0"/>
-          <a:ext cx="0" cy="0"/>
-          <a:chOff x="0" y="0"/>
-          <a:chExt cx="0" cy="0"/>
-        </a:xfrm>
-      </p:grpSpPr>
-      <p:sp>
-        <p:nvSpPr>
-          <p:cNvPr id="3" name="Textfeld 2">
-            <a:extLst>
-              <a:ext uri="{FF2B5EF4-FFF2-40B4-BE49-F238E27FC236}">
-                <a16:creationId xmlns:a16="http://schemas.microsoft.com/office/drawing/2014/main" id="{21059048-CA97-4EAA-842D-535F0C108203}"/>
-              </a:ext>
-            </a:extLst>
-          </p:cNvPr>
-          <p:cNvSpPr txBox="1"/>
-          <p:nvPr/>
-        </p:nvSpPr>
-        <p:spPr>
-          <a:xfrm>
-            <a:off x="7825273" y="3205901"/>
-            <a:ext cx="3847562" cy="2871437"/>
-          </a:xfrm>
-          <a:prstGeom prst="rect">
-            <a:avLst/>
-          </a:prstGeom>
-          <a:noFill/>
-        </p:spPr>
-        <p:txBody>
-          <a:bodyPr wrap="square" rtlCol="0" anchor="ctr" anchorCtr="0">
-            <a:noAutofit/>
-          </a:bodyPr>
-          <a:lstStyle/>
-          <a:p>
-            <a:pPr algn="ctr"/>
-            <a:r>
-              <a:rPr lang="de-DE" sz="4000">
-                <a:solidFill>
-                  <a:srgbClr val="4A5C66"/>
-                </a:solidFill>
-                <a:latin typeface="Arial" panose="020B0604020202020204" pitchFamily="34" charset="0"/>
-                <a:cs typeface="Arial" panose="020B0604020202020204" pitchFamily="34" charset="0"/>
-              </a:rPr>
-              <a:t>Viele Dank</a:t>
-            </a:r>
-            <a:br>
-              <a:rPr lang="de-DE" sz="4000">
-                <a:solidFill>
-                  <a:srgbClr val="4A5C66"/>
-                </a:solidFill>
-                <a:latin typeface="Arial" panose="020B0604020202020204" pitchFamily="34" charset="0"/>
-                <a:cs typeface="Arial" panose="020B0604020202020204" pitchFamily="34" charset="0"/>
-              </a:rPr>
-            </a:br>
-            <a:r>
-              <a:rPr lang="de-DE" sz="4000">
-                <a:solidFill>
-                  <a:srgbClr val="4A5C66"/>
-                </a:solidFill>
-                <a:latin typeface="Arial" panose="020B0604020202020204" pitchFamily="34" charset="0"/>
-                <a:cs typeface="Arial" panose="020B0604020202020204" pitchFamily="34" charset="0"/>
-              </a:rPr>
-              <a:t>für </a:t>
-            </a:r>
-            <a:r>
-              <a:rPr lang="de-DE" sz="4000" dirty="0">
-                <a:solidFill>
-                  <a:srgbClr val="4A5C66"/>
-                </a:solidFill>
-                <a:latin typeface="Arial" panose="020B0604020202020204" pitchFamily="34" charset="0"/>
-                <a:cs typeface="Arial" panose="020B0604020202020204" pitchFamily="34" charset="0"/>
-              </a:rPr>
-              <a:t>eure Aufmerksamkeit</a:t>
-            </a:r>
-          </a:p>
-        </p:txBody>
-      </p:sp>
-    </p:spTree>
-    <p:extLst>
-      <p:ext uri="{BB962C8B-B14F-4D97-AF65-F5344CB8AC3E}">
-        <p14:creationId xmlns:p14="http://schemas.microsoft.com/office/powerpoint/2010/main" val="4185969896"/>
       </p:ext>
     </p:extLst>
   </p:cSld>

--- a/Projektvortrag/Präsentation Projektvortrag.pptx
+++ b/Projektvortrag/Präsentation Projektvortrag.pptx
@@ -26672,8 +26672,8 @@
         </p:nvSpPr>
         <p:spPr bwMode="auto">
           <a:xfrm>
-            <a:off x="334963" y="1131901"/>
-            <a:ext cx="5630831" cy="3600986"/>
+            <a:off x="334963" y="1464300"/>
+            <a:ext cx="5630831" cy="2936188"/>
           </a:xfrm>
           <a:prstGeom prst="rect">
             <a:avLst/>
@@ -26746,7 +26746,7 @@
             </a:pPr>
             <a:r>
               <a:rPr lang="de-DE" altLang="de-DE" sz="1200" dirty="0"/>
-              <a:t>    bool mutate = rand() % 100 &lt; percentage;</a:t>
+              <a:t>    bool mutate = rand(100)  &lt; percentage;</a:t>
             </a:r>
           </a:p>
           <a:p>
@@ -26793,7 +26793,7 @@
             </a:pPr>
             <a:r>
               <a:rPr lang="de-DE" altLang="de-DE" sz="1200" dirty="0"/>
-              <a:t>        int position_a = rand() % (individual.get_size() - 1);</a:t>
+              <a:t>        int position_a = rand(individual.get_size() - 1);</a:t>
             </a:r>
           </a:p>
           <a:p>
@@ -26805,71 +26805,7 @@
             </a:pPr>
             <a:r>
               <a:rPr lang="de-DE" altLang="de-DE" sz="1200" dirty="0"/>
-              <a:t>        int position_b;</a:t>
-            </a:r>
-          </a:p>
-          <a:p>
-            <a:pPr marR="0" lvl="0" defTabSz="914400" latinLnBrk="0">
-              <a:lnSpc>
-                <a:spcPct val="100000"/>
-              </a:lnSpc>
-              <a:tabLst/>
-            </a:pPr>
-            <a:r>
-              <a:rPr lang="de-DE" altLang="de-DE" sz="1200" dirty="0"/>
-              <a:t>        </a:t>
-            </a:r>
-            <a:r>
-              <a:rPr lang="de-DE" altLang="de-DE" sz="1200" dirty="0">
-                <a:solidFill>
-                  <a:schemeClr val="accent6">
-                    <a:lumMod val="75000"/>
-                  </a:schemeClr>
-                </a:solidFill>
-              </a:rPr>
-              <a:t>do</a:t>
-            </a:r>
-            <a:r>
-              <a:rPr lang="de-DE" altLang="de-DE" sz="1200" dirty="0"/>
-              <a:t> {</a:t>
-            </a:r>
-          </a:p>
-          <a:p>
-            <a:pPr marR="0" lvl="0" defTabSz="914400" latinLnBrk="0">
-              <a:lnSpc>
-                <a:spcPct val="100000"/>
-              </a:lnSpc>
-              <a:tabLst/>
-            </a:pPr>
-            <a:r>
-              <a:rPr lang="de-DE" altLang="de-DE" sz="1200" dirty="0"/>
-              <a:t>            position_b = rand() % (individual.get_size() - position_a) + position_a;</a:t>
-            </a:r>
-          </a:p>
-          <a:p>
-            <a:pPr marR="0" lvl="0" defTabSz="914400" latinLnBrk="0">
-              <a:lnSpc>
-                <a:spcPct val="100000"/>
-              </a:lnSpc>
-              <a:tabLst/>
-            </a:pPr>
-            <a:r>
-              <a:rPr lang="de-DE" altLang="de-DE" sz="1200" dirty="0"/>
-              <a:t>        } </a:t>
-            </a:r>
-            <a:r>
-              <a:rPr lang="de-DE" altLang="de-DE" sz="1200" dirty="0">
-                <a:solidFill>
-                  <a:schemeClr val="accent6">
-                    <a:lumMod val="75000"/>
-                  </a:schemeClr>
-                </a:solidFill>
-              </a:rPr>
-              <a:t>while</a:t>
-            </a:r>
-            <a:r>
-              <a:rPr lang="de-DE" altLang="de-DE" sz="1200" dirty="0"/>
-              <a:t> (position_a == position_b);</a:t>
+              <a:t>        int position_b = rand(position_a + 1, individual.get_size());</a:t>
             </a:r>
           </a:p>
           <a:p>
@@ -26984,7 +26920,7 @@
         <p:spPr>
           <a:xfrm>
             <a:off x="5965794" y="1292791"/>
-            <a:ext cx="4074850" cy="4108817"/>
+            <a:ext cx="4074850" cy="3524042"/>
           </a:xfrm>
           <a:prstGeom prst="rect">
             <a:avLst/>
@@ -27094,20 +27030,6 @@
                 <a:spcPts val="600"/>
               </a:spcAft>
             </a:pPr>
-            <a:endParaRPr lang="de-DE" dirty="0">
-              <a:solidFill>
-                <a:srgbClr val="4A5C66"/>
-              </a:solidFill>
-              <a:latin typeface="Arial" panose="020B0604020202020204" pitchFamily="34" charset="0"/>
-              <a:cs typeface="Arial" panose="020B0604020202020204" pitchFamily="34" charset="0"/>
-            </a:endParaRPr>
-          </a:p>
-          <a:p>
-            <a:pPr>
-              <a:spcAft>
-                <a:spcPts val="600"/>
-              </a:spcAft>
-            </a:pPr>
             <a:r>
               <a:rPr lang="de-DE" dirty="0">
                 <a:solidFill>
@@ -27118,20 +27040,6 @@
               </a:rPr>
               <a:t>position_b=7</a:t>
             </a:r>
-          </a:p>
-          <a:p>
-            <a:pPr>
-              <a:spcAft>
-                <a:spcPts val="600"/>
-              </a:spcAft>
-            </a:pPr>
-            <a:endParaRPr lang="de-DE" dirty="0">
-              <a:solidFill>
-                <a:srgbClr val="4A5C66"/>
-              </a:solidFill>
-              <a:latin typeface="Arial" panose="020B0604020202020204" pitchFamily="34" charset="0"/>
-              <a:cs typeface="Arial" panose="020B0604020202020204" pitchFamily="34" charset="0"/>
-            </a:endParaRPr>
           </a:p>
           <a:p>
             <a:pPr>

--- a/Projektvortrag/Präsentation Projektvortrag.pptx
+++ b/Projektvortrag/Präsentation Projektvortrag.pptx
@@ -22838,7 +22838,7 @@
                   </a:schemeClr>
                 </a:solidFill>
               </a:rPr>
-              <a:t>bool</a:t>
+              <a:t>void</a:t>
             </a:r>
             <a:r>
               <a:rPr lang="en-US" sz="1050" dirty="0"/>
@@ -22868,15 +22868,23 @@
             <a:pPr lvl="1"/>
             <a:r>
               <a:rPr lang="de-DE" sz="1050" dirty="0"/>
-              <a:t>int interval_border_left = rng.random(length - 2) + 1; // inclusive</a:t>
+              <a:t>int interval_border_left = rand(length - 2) + 1; </a:t>
             </a:r>
           </a:p>
           <a:p>
             <a:pPr lvl="1"/>
             <a:r>
               <a:rPr lang="de-DE" sz="1050" dirty="0"/>
-              <a:t>int interval_border_right; // exclusive</a:t>
-            </a:r>
+              <a:t>int interval_border_right</a:t>
+            </a:r>
+            <a:r>
+              <a:rPr lang="de-DE" altLang="de-DE" sz="1050" dirty="0"/>
+              <a:t> = rand(position_a + 1, individual.get_size());</a:t>
+            </a:r>
+          </a:p>
+          <a:p>
+            <a:pPr lvl="1"/>
+            <a:endParaRPr lang="de-DE" sz="1050" dirty="0"/>
           </a:p>
           <a:p>
             <a:pPr lvl="1"/>
@@ -22888,25 +22896,18 @@
                   </a:schemeClr>
                 </a:solidFill>
               </a:rPr>
-              <a:t>do</a:t>
+              <a:t>for</a:t>
             </a:r>
             <a:r>
               <a:rPr lang="de-DE" sz="1050" dirty="0"/>
-              <a:t> {</a:t>
+              <a:t> (int i = 0; i &lt; length; ++i) {</a:t>
             </a:r>
           </a:p>
           <a:p>
             <a:pPr lvl="1"/>
             <a:r>
               <a:rPr lang="de-DE" sz="1050" dirty="0"/>
-              <a:t>    interval_border_right = rng.random(length - interval_border_left) + interval_border_left;</a:t>
-            </a:r>
-          </a:p>
-          <a:p>
-            <a:pPr lvl="1"/>
-            <a:r>
-              <a:rPr lang="de-DE" sz="1050" dirty="0"/>
-              <a:t>} </a:t>
+              <a:t>    </a:t>
             </a:r>
             <a:r>
               <a:rPr lang="de-DE" sz="1050" dirty="0">
@@ -22916,19 +22917,33 @@
                   </a:schemeClr>
                 </a:solidFill>
               </a:rPr>
-              <a:t>while</a:t>
+              <a:t>if</a:t>
             </a:r>
             <a:r>
               <a:rPr lang="de-DE" sz="1050" dirty="0"/>
-              <a:t> (interval_border_left == interval_border_right);</a:t>
+              <a:t> (i &lt; interval_border_left || i &gt;= interval_border_right) {</a:t>
             </a:r>
           </a:p>
           <a:p>
             <a:pPr lvl="1"/>
-            <a:endParaRPr lang="de-DE" sz="1050" dirty="0"/>
+            <a:r>
+              <a:rPr lang="de-DE" sz="1050" dirty="0"/>
+              <a:t>        c1.update_chromosome(p1.get_chromosome().at(i), i);</a:t>
+            </a:r>
           </a:p>
           <a:p>
             <a:pPr lvl="1"/>
+            <a:r>
+              <a:rPr lang="de-DE" sz="1050" dirty="0"/>
+              <a:t>        c2.update_chromosome(p2.get_chromosome().at(i), i);</a:t>
+            </a:r>
+          </a:p>
+          <a:p>
+            <a:pPr lvl="1"/>
+            <a:r>
+              <a:rPr lang="de-DE" sz="1050" dirty="0"/>
+              <a:t>    } </a:t>
+            </a:r>
             <a:r>
               <a:rPr lang="de-DE" sz="1050" dirty="0">
                 <a:solidFill>
@@ -22937,62 +22952,6 @@
                   </a:schemeClr>
                 </a:solidFill>
               </a:rPr>
-              <a:t>for</a:t>
-            </a:r>
-            <a:r>
-              <a:rPr lang="de-DE" sz="1050" dirty="0"/>
-              <a:t> (int i = 0; i &lt; length; ++i) {</a:t>
-            </a:r>
-          </a:p>
-          <a:p>
-            <a:pPr lvl="1"/>
-            <a:r>
-              <a:rPr lang="de-DE" sz="1050" dirty="0"/>
-              <a:t>    </a:t>
-            </a:r>
-            <a:r>
-              <a:rPr lang="de-DE" sz="1050" dirty="0">
-                <a:solidFill>
-                  <a:schemeClr val="accent6">
-                    <a:lumMod val="75000"/>
-                  </a:schemeClr>
-                </a:solidFill>
-              </a:rPr>
-              <a:t>if</a:t>
-            </a:r>
-            <a:r>
-              <a:rPr lang="de-DE" sz="1050" dirty="0"/>
-              <a:t> (i &lt; interval_border_left || i &gt;= interval_border_right) {</a:t>
-            </a:r>
-          </a:p>
-          <a:p>
-            <a:pPr lvl="1"/>
-            <a:r>
-              <a:rPr lang="de-DE" sz="1050" dirty="0"/>
-              <a:t>        c1.update_chromosome(p1.get_chromosome().at(i), i);</a:t>
-            </a:r>
-          </a:p>
-          <a:p>
-            <a:pPr lvl="1"/>
-            <a:r>
-              <a:rPr lang="de-DE" sz="1050" dirty="0"/>
-              <a:t>        c2.update_chromosome(p2.get_chromosome().at(i), i);</a:t>
-            </a:r>
-          </a:p>
-          <a:p>
-            <a:pPr lvl="1"/>
-            <a:r>
-              <a:rPr lang="de-DE" sz="1050" dirty="0"/>
-              <a:t>    } </a:t>
-            </a:r>
-            <a:r>
-              <a:rPr lang="de-DE" sz="1050" dirty="0">
-                <a:solidFill>
-                  <a:schemeClr val="accent6">
-                    <a:lumMod val="75000"/>
-                  </a:schemeClr>
-                </a:solidFill>
-              </a:rPr>
               <a:t>else</a:t>
             </a:r>
             <a:r>
@@ -23044,23 +23003,6 @@
             <a:r>
               <a:rPr lang="de-DE" sz="1050" dirty="0"/>
               <a:t>duplicate_correction_pmx(p2, p1, c2);</a:t>
-            </a:r>
-          </a:p>
-          <a:p>
-            <a:pPr lvl="1"/>
-            <a:r>
-              <a:rPr lang="de-DE" sz="1050" dirty="0">
-                <a:solidFill>
-                  <a:schemeClr val="accent6">
-                    <a:lumMod val="75000"/>
-                  </a:schemeClr>
-                </a:solidFill>
-              </a:rPr>
-              <a:t>return</a:t>
-            </a:r>
-            <a:r>
-              <a:rPr lang="de-DE" sz="1050" dirty="0"/>
-              <a:t> true;</a:t>
             </a:r>
           </a:p>
           <a:p>
@@ -23616,7 +23558,7 @@
         </p:nvSpPr>
         <p:spPr>
           <a:xfrm>
-            <a:off x="334963" y="1280160"/>
+            <a:off x="263942" y="1251993"/>
             <a:ext cx="6101348" cy="4534714"/>
           </a:xfrm>
         </p:spPr>
@@ -23632,7 +23574,7 @@
                   </a:schemeClr>
                 </a:solidFill>
               </a:rPr>
-              <a:t>bool</a:t>
+              <a:t>void</a:t>
             </a:r>
             <a:r>
               <a:rPr lang="de-DE" sz="1050" dirty="0"/>
@@ -23819,26 +23761,6 @@
             <a:r>
               <a:rPr lang="de-DE" sz="1050" dirty="0"/>
               <a:t>    }</a:t>
-            </a:r>
-          </a:p>
-          <a:p>
-            <a:r>
-              <a:rPr lang="de-DE" sz="1050" dirty="0"/>
-              <a:t>    </a:t>
-            </a:r>
-            <a:r>
-              <a:rPr lang="de-DE" sz="1050" dirty="0">
-                <a:solidFill>
-                  <a:schemeClr val="accent6">
-                    <a:lumMod val="75000"/>
-                  </a:schemeClr>
-                </a:solidFill>
-              </a:rPr>
-              <a:t>return</a:t>
-            </a:r>
-            <a:r>
-              <a:rPr lang="de-DE" sz="1050" dirty="0"/>
-              <a:t> true;</a:t>
             </a:r>
           </a:p>
           <a:p>
@@ -24332,7 +24254,7 @@
                   </a:schemeClr>
                 </a:solidFill>
               </a:rPr>
-              <a:t>bool</a:t>
+              <a:t>void</a:t>
             </a:r>
             <a:r>
               <a:rPr lang="de-DE" sz="1050" dirty="0"/>
@@ -24355,6 +24277,18 @@
             <a:r>
               <a:rPr lang="de-DE" sz="1050" dirty="0"/>
               <a:t>    int cycle_start_idx = random(p1.get_size());</a:t>
+            </a:r>
+          </a:p>
+          <a:p>
+            <a:r>
+              <a:rPr lang="de-DE" sz="1050" dirty="0"/>
+              <a:t>    !fill_empty_cycle_with_tuples(cycle, cycle_start_idx, p1, p2, index_flags)</a:t>
+            </a:r>
+          </a:p>
+          <a:p>
+            <a:r>
+              <a:rPr lang="de-DE" sz="1050" dirty="0"/>
+              <a:t>    int tupleCounter = 0;</a:t>
             </a:r>
           </a:p>
           <a:p>
@@ -24370,35 +24304,23 @@
                   </a:schemeClr>
                 </a:solidFill>
               </a:rPr>
-              <a:t>if</a:t>
+              <a:t>for</a:t>
             </a:r>
             <a:r>
               <a:rPr lang="de-DE" sz="1050" dirty="0"/>
-              <a:t> (!fill_empty_cycle_with_tuples(cycle, cycle_start_idx, p1, p2, index_flags)) {</a:t>
+              <a:t> (int i = 0; (unsigned int) i &lt; index_flags.size(); ++i) {</a:t>
             </a:r>
           </a:p>
           <a:p>
             <a:r>
               <a:rPr lang="de-DE" sz="1050" dirty="0"/>
-              <a:t>        return false;</a:t>
+              <a:t>        bool flag = index_flags.at(i);</a:t>
             </a:r>
           </a:p>
           <a:p>
             <a:r>
               <a:rPr lang="de-DE" sz="1050" dirty="0"/>
-              <a:t>    }</a:t>
-            </a:r>
-          </a:p>
-          <a:p>
-            <a:r>
-              <a:rPr lang="de-DE" sz="1050" dirty="0"/>
-              <a:t>    int tupleCounter = 0;</a:t>
-            </a:r>
-          </a:p>
-          <a:p>
-            <a:r>
-              <a:rPr lang="de-DE" sz="1050" dirty="0"/>
-              <a:t>    </a:t>
+              <a:t>        </a:t>
             </a:r>
             <a:r>
               <a:rPr lang="de-DE" sz="1050" dirty="0">
@@ -24408,23 +24330,41 @@
                   </a:schemeClr>
                 </a:solidFill>
               </a:rPr>
-              <a:t>for</a:t>
+              <a:t>if</a:t>
             </a:r>
             <a:r>
               <a:rPr lang="de-DE" sz="1050" dirty="0"/>
-              <a:t> (int i = 0; (unsigned int) i &lt; index_flags.size(); ++i) {</a:t>
+              <a:t> (flag) {</a:t>
             </a:r>
           </a:p>
           <a:p>
             <a:r>
               <a:rPr lang="de-DE" sz="1050" dirty="0"/>
-              <a:t>        bool flag = index_flags.at(i);</a:t>
+              <a:t>            Tuple &amp;t = cycle.at(tupleCounter);</a:t>
             </a:r>
           </a:p>
           <a:p>
             <a:r>
               <a:rPr lang="de-DE" sz="1050" dirty="0"/>
-              <a:t>        </a:t>
+              <a:t>            tupleCounter++;</a:t>
+            </a:r>
+          </a:p>
+          <a:p>
+            <a:r>
+              <a:rPr lang="de-DE" sz="1050" dirty="0"/>
+              <a:t>            c1.update_chromosome(std::get&lt;1&gt;(t), std::get&lt;0&gt;(t));</a:t>
+            </a:r>
+          </a:p>
+          <a:p>
+            <a:r>
+              <a:rPr lang="de-DE" sz="1050" dirty="0"/>
+              <a:t>            c2.update_chromosome(std::get&lt;2&gt;(t), std::get&lt;0&gt;(t));</a:t>
+            </a:r>
+          </a:p>
+          <a:p>
+            <a:r>
+              <a:rPr lang="de-DE" sz="1050" dirty="0"/>
+              <a:t>        } </a:t>
             </a:r>
             <a:r>
               <a:rPr lang="de-DE" sz="1050" dirty="0">
@@ -24434,50 +24374,6 @@
                   </a:schemeClr>
                 </a:solidFill>
               </a:rPr>
-              <a:t>if</a:t>
-            </a:r>
-            <a:r>
-              <a:rPr lang="de-DE" sz="1050" dirty="0"/>
-              <a:t> (flag) {</a:t>
-            </a:r>
-          </a:p>
-          <a:p>
-            <a:r>
-              <a:rPr lang="de-DE" sz="1050" dirty="0"/>
-              <a:t>            Tuple &amp;t = cycle.at(tupleCounter);</a:t>
-            </a:r>
-          </a:p>
-          <a:p>
-            <a:r>
-              <a:rPr lang="de-DE" sz="1050" dirty="0"/>
-              <a:t>            tupleCounter++;</a:t>
-            </a:r>
-          </a:p>
-          <a:p>
-            <a:r>
-              <a:rPr lang="de-DE" sz="1050" dirty="0"/>
-              <a:t>            c1.update_chromosome(std::get&lt;1&gt;(t), std::get&lt;0&gt;(t));</a:t>
-            </a:r>
-          </a:p>
-          <a:p>
-            <a:r>
-              <a:rPr lang="de-DE" sz="1050" dirty="0"/>
-              <a:t>            c2.update_chromosome(std::get&lt;2&gt;(t), std::get&lt;0&gt;(t));</a:t>
-            </a:r>
-          </a:p>
-          <a:p>
-            <a:r>
-              <a:rPr lang="de-DE" sz="1050" dirty="0"/>
-              <a:t>        } </a:t>
-            </a:r>
-            <a:r>
-              <a:rPr lang="de-DE" sz="1050" dirty="0">
-                <a:solidFill>
-                  <a:schemeClr val="accent6">
-                    <a:lumMod val="75000"/>
-                  </a:schemeClr>
-                </a:solidFill>
-              </a:rPr>
               <a:t>else</a:t>
             </a:r>
             <a:r>
@@ -24507,26 +24403,6 @@
             <a:r>
               <a:rPr lang="de-DE" sz="1050" dirty="0"/>
               <a:t>    }</a:t>
-            </a:r>
-          </a:p>
-          <a:p>
-            <a:r>
-              <a:rPr lang="de-DE" sz="1050" dirty="0"/>
-              <a:t>    </a:t>
-            </a:r>
-            <a:r>
-              <a:rPr lang="de-DE" sz="1050" dirty="0">
-                <a:solidFill>
-                  <a:schemeClr val="accent6">
-                    <a:lumMod val="75000"/>
-                  </a:schemeClr>
-                </a:solidFill>
-              </a:rPr>
-              <a:t>return</a:t>
-            </a:r>
-            <a:r>
-              <a:rPr lang="de-DE" sz="1050" dirty="0"/>
-              <a:t> true;</a:t>
             </a:r>
           </a:p>
           <a:p>
@@ -24884,22 +24760,6 @@
               <a:rPr lang="de-DE" dirty="0"/>
               <a:t> 1</a:t>
             </a:r>
-          </a:p>
-          <a:p>
-            <a:pPr lvl="2">
-              <a:spcAft>
-                <a:spcPts val="600"/>
-              </a:spcAft>
-            </a:pPr>
-            <a:endParaRPr lang="de-DE" dirty="0"/>
-          </a:p>
-          <a:p>
-            <a:pPr lvl="2">
-              <a:spcAft>
-                <a:spcPts val="600"/>
-              </a:spcAft>
-            </a:pPr>
-            <a:endParaRPr lang="de-DE" dirty="0"/>
           </a:p>
           <a:p>
             <a:pPr lvl="2">
@@ -26135,11 +25995,14 @@
             </a:r>
           </a:p>
           <a:p>
-            <a:endParaRPr lang="de-DE" sz="700" dirty="0"/>
-          </a:p>
-          <a:p>
-            <a:r>
-              <a:rPr lang="de-DE" sz="700" dirty="0">
+            <a:r>
+              <a:rPr lang="de-DE" sz="900" dirty="0"/>
+              <a:t>´</a:t>
+            </a:r>
+          </a:p>
+          <a:p>
+            <a:r>
+              <a:rPr lang="de-DE" sz="900" dirty="0">
                 <a:solidFill>
                   <a:schemeClr val="accent6">
                     <a:lumMod val="75000"/>
@@ -26149,158 +26012,193 @@
               <a:t>void</a:t>
             </a:r>
             <a:r>
-              <a:rPr lang="de-DE" sz="700" dirty="0"/>
-              <a:t> edge_recombination(Individual &amp;i, std::map&lt;int, std::set&lt;int&gt;&gt; edge_map) {</a:t>
-            </a:r>
-          </a:p>
-          <a:p>
-            <a:r>
-              <a:rPr lang="de-DE" sz="700" dirty="0"/>
-              <a:t>    int idx = 0;</a:t>
-            </a:r>
-          </a:p>
-          <a:p>
-            <a:r>
-              <a:rPr lang="de-DE" sz="700" dirty="0"/>
-              <a:t>    std::pair&lt;int, std::set&lt;int&gt;&gt; least_edges;</a:t>
-            </a:r>
-          </a:p>
-          <a:p>
-            <a:r>
-              <a:rPr lang="de-DE" sz="700" dirty="0"/>
-              <a:t>    least_edges = find_edge_least(edge_map)</a:t>
-            </a:r>
-          </a:p>
-          <a:p>
-            <a:r>
-              <a:rPr lang="de-DE" sz="700" dirty="0"/>
-              <a:t>    bool finished = false;</a:t>
-            </a:r>
-          </a:p>
-          <a:p>
-            <a:r>
-              <a:rPr lang="de-DE" sz="700" dirty="0"/>
-              <a:t>    while (!finished) {</a:t>
-            </a:r>
-          </a:p>
-          <a:p>
-            <a:r>
-              <a:rPr lang="de-DE" sz="700" dirty="0"/>
-              <a:t>        i.update_chromosome(current_city, idx);</a:t>
-            </a:r>
-          </a:p>
-          <a:p>
-            <a:r>
-              <a:rPr lang="de-DE" sz="700" dirty="0"/>
-              <a:t>        idx++;</a:t>
-            </a:r>
-          </a:p>
-          <a:p>
-            <a:r>
-              <a:rPr lang="de-DE" sz="700" dirty="0"/>
-              <a:t>        edge_map.erase(current_city);</a:t>
-            </a:r>
-          </a:p>
-          <a:p>
-            <a:r>
-              <a:rPr lang="de-DE" sz="700" dirty="0"/>
-              <a:t>        if (edge_map.empty()) {</a:t>
-            </a:r>
-          </a:p>
-          <a:p>
-            <a:r>
-              <a:rPr lang="de-DE" sz="700" dirty="0"/>
-              <a:t>            finished = true;</a:t>
-            </a:r>
-          </a:p>
-          <a:p>
-            <a:r>
-              <a:rPr lang="de-DE" sz="700" dirty="0"/>
-              <a:t>        } else {</a:t>
-            </a:r>
-          </a:p>
-          <a:p>
-            <a:r>
-              <a:rPr lang="de-DE" sz="700" dirty="0"/>
-              <a:t>            least_edges = *edge_map.begin();</a:t>
-            </a:r>
-          </a:p>
-          <a:p>
-            <a:r>
-              <a:rPr lang="de-DE" sz="700" dirty="0"/>
-              <a:t>            for (auto &amp;city : edge_map) {</a:t>
-            </a:r>
-          </a:p>
-          <a:p>
-            <a:r>
-              <a:rPr lang="de-DE" sz="700" dirty="0"/>
-              <a:t>                city.second.erase(current_city);</a:t>
-            </a:r>
-          </a:p>
-          <a:p>
-            <a:r>
-              <a:rPr lang="de-DE" sz="700" dirty="0"/>
-              <a:t>                if (least_edges.second.size() &gt; city.second.size()) {</a:t>
-            </a:r>
-          </a:p>
-          <a:p>
-            <a:r>
-              <a:rPr lang="de-DE" sz="700" dirty="0"/>
-              <a:t>                    least_edges = city;</a:t>
-            </a:r>
-          </a:p>
-          <a:p>
-            <a:r>
-              <a:rPr lang="de-DE" sz="700" dirty="0"/>
-              <a:t>                } else if (least_edges.second.size() == city.second.size()) {</a:t>
-            </a:r>
-          </a:p>
-          <a:p>
-            <a:r>
-              <a:rPr lang="de-DE" sz="700" dirty="0"/>
-              <a:t>                    if (rng.random(2) == 0) {</a:t>
-            </a:r>
-          </a:p>
-          <a:p>
-            <a:r>
-              <a:rPr lang="de-DE" sz="700" dirty="0"/>
-              <a:t>                        least_edges = city;</a:t>
-            </a:r>
-          </a:p>
-          <a:p>
-            <a:r>
-              <a:rPr lang="de-DE" sz="700" dirty="0"/>
-              <a:t>                    }</a:t>
-            </a:r>
-          </a:p>
-          <a:p>
-            <a:r>
-              <a:rPr lang="de-DE" sz="700" dirty="0"/>
-              <a:t>                }</a:t>
-            </a:r>
-          </a:p>
-          <a:p>
-            <a:r>
-              <a:rPr lang="de-DE" sz="700" dirty="0"/>
+              <a:rPr lang="de-DE" sz="900" dirty="0"/>
+              <a:t> edge_recombination(int start, Individual &amp;i, std::map&lt;int, std::set&lt;int&gt;&gt; edge_map) {</a:t>
+            </a:r>
+          </a:p>
+          <a:p>
+            <a:r>
+              <a:rPr lang="de-DE" sz="900" dirty="0"/>
+              <a:t>    int current = start;</a:t>
+            </a:r>
+          </a:p>
+          <a:p>
+            <a:r>
+              <a:rPr lang="de-DE" sz="900" dirty="0"/>
+              <a:t>   </a:t>
+            </a:r>
+            <a:r>
+              <a:rPr lang="de-DE" sz="900" dirty="0">
+                <a:solidFill>
+                  <a:schemeClr val="accent6">
+                    <a:lumMod val="75000"/>
+                  </a:schemeClr>
+                </a:solidFill>
+              </a:rPr>
+              <a:t>for</a:t>
+            </a:r>
+            <a:r>
+              <a:rPr lang="de-DE" sz="900" dirty="0"/>
+              <a:t> (int idx = 0; idx &lt; i.get_size() - 1; ++idx) {</a:t>
+            </a:r>
+          </a:p>
+          <a:p>
+            <a:r>
+              <a:rPr lang="de-DE" sz="900" dirty="0"/>
+              <a:t>        i.update_chromosome(current, idx);</a:t>
+            </a:r>
+          </a:p>
+          <a:p>
+            <a:r>
+              <a:rPr lang="de-DE" sz="900" dirty="0"/>
+              <a:t>        for (auto &amp;it : edge_map) {</a:t>
+            </a:r>
+          </a:p>
+          <a:p>
+            <a:r>
+              <a:rPr lang="de-DE" sz="900" dirty="0"/>
+              <a:t>            it.second.erase(current);</a:t>
+            </a:r>
+          </a:p>
+          <a:p>
+            <a:r>
+              <a:rPr lang="de-DE" sz="900" dirty="0"/>
+              <a:t>        }</a:t>
+            </a:r>
+          </a:p>
+          <a:p>
+            <a:r>
+              <a:rPr lang="de-DE" sz="900" dirty="0"/>
+              <a:t>        int min_next_idx = -2;</a:t>
+            </a:r>
+          </a:p>
+          <a:p>
+            <a:r>
+              <a:rPr lang="de-DE" sz="900" dirty="0"/>
+              <a:t>        unsigned int min_next_count = std::numeric_limits&lt;int&gt;::max();</a:t>
+            </a:r>
+          </a:p>
+          <a:p>
+            <a:endParaRPr lang="de-DE" sz="900" dirty="0"/>
+          </a:p>
+          <a:p>
+            <a:r>
+              <a:rPr lang="de-DE" sz="900" dirty="0"/>
+              <a:t>        </a:t>
+            </a:r>
+            <a:r>
+              <a:rPr lang="de-DE" sz="900" dirty="0">
+                <a:solidFill>
+                  <a:schemeClr val="accent6">
+                    <a:lumMod val="75000"/>
+                  </a:schemeClr>
+                </a:solidFill>
+              </a:rPr>
+              <a:t>for</a:t>
+            </a:r>
+            <a:r>
+              <a:rPr lang="de-DE" sz="900" dirty="0"/>
+              <a:t> (int node : edge_map.at(current)) {</a:t>
+            </a:r>
+          </a:p>
+          <a:p>
+            <a:r>
+              <a:rPr lang="de-DE" sz="900" dirty="0"/>
+              <a:t>            </a:t>
+            </a:r>
+            <a:r>
+              <a:rPr lang="de-DE" sz="900" dirty="0">
+                <a:solidFill>
+                  <a:schemeClr val="accent6">
+                    <a:lumMod val="75000"/>
+                  </a:schemeClr>
+                </a:solidFill>
+              </a:rPr>
+              <a:t>if</a:t>
+            </a:r>
+            <a:r>
+              <a:rPr lang="de-DE" sz="900" dirty="0"/>
+              <a:t> (edge_map.at(node).size() &lt; min_next_count) {</a:t>
+            </a:r>
+          </a:p>
+          <a:p>
+            <a:r>
+              <a:rPr lang="de-DE" sz="900" dirty="0"/>
+              <a:t>                min_next_count = edge_map.at(node).size();</a:t>
+            </a:r>
+          </a:p>
+          <a:p>
+            <a:r>
+              <a:rPr lang="de-DE" sz="900" dirty="0"/>
+              <a:t>                min_next_idx = node;</a:t>
+            </a:r>
+          </a:p>
+          <a:p>
+            <a:r>
+              <a:rPr lang="de-DE" sz="900" dirty="0"/>
               <a:t>            }</a:t>
             </a:r>
           </a:p>
           <a:p>
             <a:r>
-              <a:rPr lang="de-DE" sz="700" dirty="0"/>
-              <a:t>            current_city = least_edges.first;</a:t>
-            </a:r>
-          </a:p>
-          <a:p>
-            <a:r>
-              <a:rPr lang="de-DE" sz="700" dirty="0"/>
+              <a:rPr lang="de-DE" sz="900" dirty="0"/>
               <a:t>        }</a:t>
             </a:r>
           </a:p>
           <a:p>
             <a:r>
-              <a:rPr lang="de-DE" sz="700" dirty="0"/>
+              <a:rPr lang="de-DE" sz="900" dirty="0"/>
+              <a:t>        current = min_next_idx;</a:t>
+            </a:r>
+          </a:p>
+          <a:p>
+            <a:r>
+              <a:rPr lang="de-DE" sz="900" dirty="0"/>
               <a:t>    }</a:t>
+            </a:r>
+          </a:p>
+          <a:p>
+            <a:r>
+              <a:rPr lang="de-DE" sz="900" dirty="0"/>
+              <a:t>    </a:t>
+            </a:r>
+            <a:r>
+              <a:rPr lang="de-DE" sz="900" dirty="0">
+                <a:solidFill>
+                  <a:schemeClr val="accent6">
+                    <a:lumMod val="75000"/>
+                  </a:schemeClr>
+                </a:solidFill>
+              </a:rPr>
+              <a:t>if</a:t>
+            </a:r>
+            <a:r>
+              <a:rPr lang="de-DE" sz="900" dirty="0"/>
+              <a:t> (idx == i.get_size() - 2) {</a:t>
+            </a:r>
+          </a:p>
+          <a:p>
+            <a:r>
+              <a:rPr lang="de-DE" sz="900" dirty="0"/>
+              <a:t>            i.update_chromosome(current, idx + 1);</a:t>
+            </a:r>
+          </a:p>
+          <a:p>
+            <a:r>
+              <a:rPr lang="de-DE" sz="900" dirty="0"/>
+              <a:t>        }</a:t>
+            </a:r>
+          </a:p>
+          <a:p>
+            <a:r>
+              <a:rPr lang="de-DE" sz="900" dirty="0"/>
+              <a:t>    }</a:t>
+            </a:r>
+          </a:p>
+          <a:p>
+            <a:r>
+              <a:rPr lang="de-DE" sz="900" dirty="0"/>
+              <a:t>}</a:t>
             </a:r>
           </a:p>
         </p:txBody>

--- a/Projektvortrag/Präsentation Projektvortrag.pptx
+++ b/Projektvortrag/Präsentation Projektvortrag.pptx
@@ -6,10 +6,10 @@
     <p:sldMasterId id="2147483678" r:id="rId2"/>
   </p:sldMasterIdLst>
   <p:notesMasterIdLst>
-    <p:notesMasterId r:id="rId32"/>
+    <p:notesMasterId r:id="rId41"/>
   </p:notesMasterIdLst>
   <p:handoutMasterIdLst>
-    <p:handoutMasterId r:id="rId33"/>
+    <p:handoutMasterId r:id="rId42"/>
   </p:handoutMasterIdLst>
   <p:sldIdLst>
     <p:sldId id="256" r:id="rId3"/>
@@ -30,27 +30,36 @@
     <p:sldId id="295" r:id="rId18"/>
     <p:sldId id="290" r:id="rId19"/>
     <p:sldId id="292" r:id="rId20"/>
-    <p:sldId id="276" r:id="rId21"/>
-    <p:sldId id="277" r:id="rId22"/>
-    <p:sldId id="275" r:id="rId23"/>
-    <p:sldId id="278" r:id="rId24"/>
-    <p:sldId id="286" r:id="rId25"/>
-    <p:sldId id="279" r:id="rId26"/>
-    <p:sldId id="280" r:id="rId27"/>
-    <p:sldId id="281" r:id="rId28"/>
-    <p:sldId id="282" r:id="rId29"/>
-    <p:sldId id="283" r:id="rId30"/>
-    <p:sldId id="257" r:id="rId31"/>
+    <p:sldId id="296" r:id="rId21"/>
+    <p:sldId id="297" r:id="rId22"/>
+    <p:sldId id="298" r:id="rId23"/>
+    <p:sldId id="299" r:id="rId24"/>
+    <p:sldId id="276" r:id="rId25"/>
+    <p:sldId id="277" r:id="rId26"/>
+    <p:sldId id="275" r:id="rId27"/>
+    <p:sldId id="278" r:id="rId28"/>
+    <p:sldId id="286" r:id="rId29"/>
+    <p:sldId id="279" r:id="rId30"/>
+    <p:sldId id="304" r:id="rId31"/>
+    <p:sldId id="300" r:id="rId32"/>
+    <p:sldId id="301" r:id="rId33"/>
+    <p:sldId id="302" r:id="rId34"/>
+    <p:sldId id="303" r:id="rId35"/>
+    <p:sldId id="280" r:id="rId36"/>
+    <p:sldId id="281" r:id="rId37"/>
+    <p:sldId id="282" r:id="rId38"/>
+    <p:sldId id="283" r:id="rId39"/>
+    <p:sldId id="257" r:id="rId40"/>
   </p:sldIdLst>
   <p:sldSz cx="12192000" cy="6858000"/>
   <p:notesSz cx="6858000" cy="9144000"/>
   <p:embeddedFontLst>
     <p:embeddedFont>
       <p:font typeface="Calibri" panose="020F0502020204030204" pitchFamily="34" charset="0"/>
-      <p:regular r:id="rId34"/>
-      <p:bold r:id="rId35"/>
-      <p:italic r:id="rId36"/>
-      <p:boldItalic r:id="rId37"/>
+      <p:regular r:id="rId43"/>
+      <p:bold r:id="rId44"/>
+      <p:italic r:id="rId45"/>
+      <p:boldItalic r:id="rId46"/>
     </p:embeddedFont>
   </p:embeddedFontLst>
   <p:defaultTextStyle>
@@ -305,12 +314,21 @@
             <p14:sldId id="295"/>
             <p14:sldId id="290"/>
             <p14:sldId id="292"/>
+            <p14:sldId id="296"/>
+            <p14:sldId id="297"/>
+            <p14:sldId id="298"/>
+            <p14:sldId id="299"/>
             <p14:sldId id="276"/>
             <p14:sldId id="277"/>
             <p14:sldId id="275"/>
             <p14:sldId id="278"/>
             <p14:sldId id="286"/>
             <p14:sldId id="279"/>
+            <p14:sldId id="304"/>
+            <p14:sldId id="300"/>
+            <p14:sldId id="301"/>
+            <p14:sldId id="302"/>
+            <p14:sldId id="303"/>
             <p14:sldId id="280"/>
             <p14:sldId id="281"/>
             <p14:sldId id="282"/>
@@ -25959,13 +25977,13 @@
           <a:p>
             <a:r>
               <a:rPr lang="de-DE" sz="900" dirty="0"/>
-              <a:t>    edge_recombination(c1, edge_map);</a:t>
+              <a:t>    edge_recombination(p1.get_chromosome().at(0),c1, edge_map);</a:t>
             </a:r>
           </a:p>
           <a:p>
             <a:r>
               <a:rPr lang="de-DE" sz="900" dirty="0"/>
-              <a:t>    edge_recombination(c2, edge_map);</a:t>
+              <a:t>    edge_recombination(p2.get_chromosome().at(0),c2, edge_map);</a:t>
             </a:r>
           </a:p>
           <a:p>
@@ -26435,7 +26453,7 @@
             </a:pPr>
             <a:r>
               <a:rPr lang="de-DE" sz="1800" dirty="0"/>
-              <a:t>p1 = 1 2 3 4 5</a:t>
+              <a:t>p1 = 0 4 1 2 3</a:t>
             </a:r>
           </a:p>
           <a:p>
@@ -26446,7 +26464,7 @@
             </a:pPr>
             <a:r>
               <a:rPr lang="de-DE" sz="1800" dirty="0"/>
-              <a:t>p2 = 5 4 3 2 1</a:t>
+              <a:t>p2 = 2 1 3 0 4</a:t>
             </a:r>
           </a:p>
           <a:p>
@@ -26467,10 +26485,47 @@
                 <a:spcPts val="600"/>
               </a:spcAft>
             </a:pPr>
-            <a:r>
-              <a:rPr lang="de-DE" sz="1800" dirty="0"/>
-              <a:t>Welcher Knoten ist mit welchen Knoten verbunden</a:t>
-            </a:r>
+            <a:endParaRPr lang="de-DE" sz="1800" dirty="0"/>
+          </a:p>
+          <a:p>
+            <a:pPr lvl="1">
+              <a:spcAft>
+                <a:spcPts val="600"/>
+              </a:spcAft>
+            </a:pPr>
+            <a:endParaRPr lang="de-DE" sz="1800" dirty="0"/>
+          </a:p>
+          <a:p>
+            <a:pPr lvl="1">
+              <a:spcAft>
+                <a:spcPts val="600"/>
+              </a:spcAft>
+            </a:pPr>
+            <a:endParaRPr lang="de-DE" sz="1800" dirty="0"/>
+          </a:p>
+          <a:p>
+            <a:pPr lvl="1">
+              <a:spcAft>
+                <a:spcPts val="600"/>
+              </a:spcAft>
+            </a:pPr>
+            <a:endParaRPr lang="de-DE" sz="1800" dirty="0"/>
+          </a:p>
+          <a:p>
+            <a:pPr lvl="1">
+              <a:spcAft>
+                <a:spcPts val="600"/>
+              </a:spcAft>
+            </a:pPr>
+            <a:endParaRPr lang="de-DE" sz="1800" dirty="0"/>
+          </a:p>
+          <a:p>
+            <a:pPr lvl="1">
+              <a:spcAft>
+                <a:spcPts val="600"/>
+              </a:spcAft>
+            </a:pPr>
+            <a:endParaRPr lang="de-DE" sz="1800" dirty="0"/>
           </a:p>
           <a:p>
             <a:pPr marL="342900" indent="-342900">
@@ -26481,7 +26536,7 @@
             </a:pPr>
             <a:r>
               <a:rPr lang="de-DE" sz="1800" dirty="0"/>
-              <a:t>Edge-Recombination</a:t>
+              <a:t>Edge-Recombination:</a:t>
             </a:r>
           </a:p>
           <a:p>
@@ -26490,10 +26545,288 @@
                 <a:spcPts val="600"/>
               </a:spcAft>
             </a:pPr>
-            <a:endParaRPr lang="de-DE" sz="1800" dirty="0"/>
+            <a:r>
+              <a:rPr lang="de-DE" sz="1800" dirty="0"/>
+              <a:t>Startpunkt: Beginn eines Elternteils</a:t>
+            </a:r>
+          </a:p>
+          <a:p>
+            <a:pPr lvl="1">
+              <a:spcAft>
+                <a:spcPts val="600"/>
+              </a:spcAft>
+            </a:pPr>
+            <a:r>
+              <a:rPr lang="de-DE" sz="1800" dirty="0"/>
+              <a:t>c1: 0</a:t>
+            </a:r>
           </a:p>
         </p:txBody>
       </p:sp>
+      <p:graphicFrame>
+        <p:nvGraphicFramePr>
+          <p:cNvPr id="4" name="Table 4">
+            <a:extLst>
+              <a:ext uri="{FF2B5EF4-FFF2-40B4-BE49-F238E27FC236}">
+                <a16:creationId xmlns:a16="http://schemas.microsoft.com/office/drawing/2014/main" id="{753C4526-386B-4058-AA57-62CD212E87A9}"/>
+              </a:ext>
+            </a:extLst>
+          </p:cNvPr>
+          <p:cNvGraphicFramePr>
+            <a:graphicFrameLocks noGrp="1"/>
+          </p:cNvGraphicFramePr>
+          <p:nvPr>
+            <p:extLst>
+              <p:ext uri="{D42A27DB-BD31-4B8C-83A1-F6EECF244321}">
+                <p14:modId xmlns:p14="http://schemas.microsoft.com/office/powerpoint/2010/main" val="253111584"/>
+              </p:ext>
+            </p:extLst>
+          </p:nvPr>
+        </p:nvGraphicFramePr>
+        <p:xfrm>
+          <a:off x="7196261" y="2285589"/>
+          <a:ext cx="3142502" cy="2286822"/>
+        </p:xfrm>
+        <a:graphic>
+          <a:graphicData uri="http://schemas.openxmlformats.org/drawingml/2006/table">
+            <a:tbl>
+              <a:tblPr firstRow="1" bandRow="1">
+                <a:tableStyleId>{5C22544A-7EE6-4342-B048-85BDC9FD1C3A}</a:tableStyleId>
+              </a:tblPr>
+              <a:tblGrid>
+                <a:gridCol w="1571251">
+                  <a:extLst>
+                    <a:ext uri="{9D8B030D-6E8A-4147-A177-3AD203B41FA5}">
+                      <a16:colId xmlns:a16="http://schemas.microsoft.com/office/drawing/2014/main" val="1026705250"/>
+                    </a:ext>
+                  </a:extLst>
+                </a:gridCol>
+                <a:gridCol w="1571251">
+                  <a:extLst>
+                    <a:ext uri="{9D8B030D-6E8A-4147-A177-3AD203B41FA5}">
+                      <a16:colId xmlns:a16="http://schemas.microsoft.com/office/drawing/2014/main" val="1571639466"/>
+                    </a:ext>
+                  </a:extLst>
+                </a:gridCol>
+              </a:tblGrid>
+              <a:tr h="458022">
+                <a:tc>
+                  <a:txBody>
+                    <a:bodyPr/>
+                    <a:lstStyle/>
+                    <a:p>
+                      <a:r>
+                        <a:rPr lang="de-DE" dirty="0"/>
+                        <a:t>Knoten</a:t>
+                      </a:r>
+                    </a:p>
+                  </a:txBody>
+                  <a:tcPr/>
+                </a:tc>
+                <a:tc>
+                  <a:txBody>
+                    <a:bodyPr/>
+                    <a:lstStyle/>
+                    <a:p>
+                      <a:r>
+                        <a:rPr lang="de-DE" dirty="0"/>
+                        <a:t>Verbindung</a:t>
+                      </a:r>
+                    </a:p>
+                  </a:txBody>
+                  <a:tcPr/>
+                </a:tc>
+                <a:extLst>
+                  <a:ext uri="{0D108BD9-81ED-4DB2-BD59-A6C34878D82A}">
+                    <a16:rowId xmlns:a16="http://schemas.microsoft.com/office/drawing/2014/main" val="2519790438"/>
+                  </a:ext>
+                </a:extLst>
+              </a:tr>
+              <a:tr h="348317">
+                <a:tc>
+                  <a:txBody>
+                    <a:bodyPr/>
+                    <a:lstStyle/>
+                    <a:p>
+                      <a:r>
+                        <a:rPr lang="de-DE" dirty="0"/>
+                        <a:t>0</a:t>
+                      </a:r>
+                    </a:p>
+                  </a:txBody>
+                  <a:tcPr/>
+                </a:tc>
+                <a:tc>
+                  <a:txBody>
+                    <a:bodyPr/>
+                    <a:lstStyle/>
+                    <a:p>
+                      <a:r>
+                        <a:rPr lang="de-DE" dirty="0"/>
+                        <a:t>3 4</a:t>
+                      </a:r>
+                    </a:p>
+                  </a:txBody>
+                  <a:tcPr/>
+                </a:tc>
+                <a:extLst>
+                  <a:ext uri="{0D108BD9-81ED-4DB2-BD59-A6C34878D82A}">
+                    <a16:rowId xmlns:a16="http://schemas.microsoft.com/office/drawing/2014/main" val="1783784983"/>
+                  </a:ext>
+                </a:extLst>
+              </a:tr>
+              <a:tr h="261727">
+                <a:tc>
+                  <a:txBody>
+                    <a:bodyPr/>
+                    <a:lstStyle/>
+                    <a:p>
+                      <a:r>
+                        <a:rPr lang="de-DE" dirty="0"/>
+                        <a:t>1</a:t>
+                      </a:r>
+                    </a:p>
+                  </a:txBody>
+                  <a:tcPr/>
+                </a:tc>
+                <a:tc>
+                  <a:txBody>
+                    <a:bodyPr/>
+                    <a:lstStyle/>
+                    <a:p>
+                      <a:r>
+                        <a:rPr lang="de-DE" dirty="0"/>
+                        <a:t>2 4 3</a:t>
+                      </a:r>
+                    </a:p>
+                  </a:txBody>
+                  <a:tcPr/>
+                </a:tc>
+                <a:extLst>
+                  <a:ext uri="{0D108BD9-81ED-4DB2-BD59-A6C34878D82A}">
+                    <a16:rowId xmlns:a16="http://schemas.microsoft.com/office/drawing/2014/main" val="1786008815"/>
+                  </a:ext>
+                </a:extLst>
+              </a:tr>
+              <a:tr h="261727">
+                <a:tc>
+                  <a:txBody>
+                    <a:bodyPr/>
+                    <a:lstStyle/>
+                    <a:p>
+                      <a:r>
+                        <a:rPr lang="de-DE" dirty="0"/>
+                        <a:t>2</a:t>
+                      </a:r>
+                    </a:p>
+                  </a:txBody>
+                  <a:tcPr/>
+                </a:tc>
+                <a:tc>
+                  <a:txBody>
+                    <a:bodyPr/>
+                    <a:lstStyle/>
+                    <a:p>
+                      <a:r>
+                        <a:rPr lang="de-DE" dirty="0"/>
+                        <a:t>1 3</a:t>
+                      </a:r>
+                    </a:p>
+                  </a:txBody>
+                  <a:tcPr/>
+                </a:tc>
+                <a:extLst>
+                  <a:ext uri="{0D108BD9-81ED-4DB2-BD59-A6C34878D82A}">
+                    <a16:rowId xmlns:a16="http://schemas.microsoft.com/office/drawing/2014/main" val="3190313410"/>
+                  </a:ext>
+                </a:extLst>
+              </a:tr>
+              <a:tr h="261727">
+                <a:tc>
+                  <a:txBody>
+                    <a:bodyPr/>
+                    <a:lstStyle/>
+                    <a:p>
+                      <a:r>
+                        <a:rPr lang="de-DE" dirty="0"/>
+                        <a:t>3</a:t>
+                      </a:r>
+                    </a:p>
+                  </a:txBody>
+                  <a:tcPr/>
+                </a:tc>
+                <a:tc>
+                  <a:txBody>
+                    <a:bodyPr/>
+                    <a:lstStyle/>
+                    <a:p>
+                      <a:r>
+                        <a:rPr lang="de-DE" dirty="0"/>
+                        <a:t>1 2 </a:t>
+                      </a:r>
+                      <a:r>
+                        <a:rPr lang="de-DE" strike="sngStrike" dirty="0">
+                          <a:solidFill>
+                            <a:srgbClr val="FF0000"/>
+                          </a:solidFill>
+                        </a:rPr>
+                        <a:t>0</a:t>
+                      </a:r>
+                    </a:p>
+                  </a:txBody>
+                  <a:tcPr/>
+                </a:tc>
+                <a:extLst>
+                  <a:ext uri="{0D108BD9-81ED-4DB2-BD59-A6C34878D82A}">
+                    <a16:rowId xmlns:a16="http://schemas.microsoft.com/office/drawing/2014/main" val="3687157222"/>
+                  </a:ext>
+                </a:extLst>
+              </a:tr>
+              <a:tr h="261727">
+                <a:tc>
+                  <a:txBody>
+                    <a:bodyPr/>
+                    <a:lstStyle/>
+                    <a:p>
+                      <a:r>
+                        <a:rPr lang="de-DE" dirty="0"/>
+                        <a:t>4</a:t>
+                      </a:r>
+                    </a:p>
+                  </a:txBody>
+                  <a:tcPr/>
+                </a:tc>
+                <a:tc>
+                  <a:txBody>
+                    <a:bodyPr/>
+                    <a:lstStyle/>
+                    <a:p>
+                      <a:r>
+                        <a:rPr lang="de-DE" strike="sngStrike" dirty="0">
+                          <a:solidFill>
+                            <a:srgbClr val="FF0000"/>
+                          </a:solidFill>
+                        </a:rPr>
+                        <a:t>0</a:t>
+                      </a:r>
+                      <a:r>
+                        <a:rPr lang="de-DE" dirty="0"/>
+                        <a:t> 1</a:t>
+                      </a:r>
+                    </a:p>
+                  </a:txBody>
+                  <a:tcPr/>
+                </a:tc>
+                <a:extLst>
+                  <a:ext uri="{0D108BD9-81ED-4DB2-BD59-A6C34878D82A}">
+                    <a16:rowId xmlns:a16="http://schemas.microsoft.com/office/drawing/2014/main" val="3257157716"/>
+                  </a:ext>
+                </a:extLst>
+              </a:tr>
+            </a:tbl>
+          </a:graphicData>
+        </a:graphic>
+      </p:graphicFrame>
     </p:spTree>
     <p:extLst>
       <p:ext uri="{BB962C8B-B14F-4D97-AF65-F5344CB8AC3E}">
@@ -26529,7 +26862,7 @@
           <p:cNvPr id="2" name="Title 1">
             <a:extLst>
               <a:ext uri="{FF2B5EF4-FFF2-40B4-BE49-F238E27FC236}">
-                <a16:creationId xmlns:a16="http://schemas.microsoft.com/office/drawing/2014/main" id="{85052616-A1AA-4C30-9C7B-DBB34145436D}"/>
+                <a16:creationId xmlns:a16="http://schemas.microsoft.com/office/drawing/2014/main" id="{DD2388D8-106E-40D0-A4BD-5FF4C2E2935B}"/>
               </a:ext>
             </a:extLst>
           </p:cNvPr>
@@ -26547,535 +26880,935 @@
           <a:p>
             <a:r>
               <a:rPr lang="de-DE" dirty="0"/>
-              <a:t>Realisierung – Mutations-Algorithmus</a:t>
+              <a:t>Realisierung – Edge-Rocombination-Algorithm</a:t>
             </a:r>
           </a:p>
         </p:txBody>
       </p:sp>
       <p:sp>
         <p:nvSpPr>
-          <p:cNvPr id="4" name="Rectangle 1">
+          <p:cNvPr id="3" name="Text Placeholder 2">
             <a:extLst>
               <a:ext uri="{FF2B5EF4-FFF2-40B4-BE49-F238E27FC236}">
-                <a16:creationId xmlns:a16="http://schemas.microsoft.com/office/drawing/2014/main" id="{902F850E-7E9B-4622-87C4-FE1420D027EA}"/>
+                <a16:creationId xmlns:a16="http://schemas.microsoft.com/office/drawing/2014/main" id="{79F1354A-B6A2-451D-B387-D4D8507220EF}"/>
               </a:ext>
             </a:extLst>
           </p:cNvPr>
           <p:cNvSpPr>
-            <a:spLocks noGrp="1" noChangeArrowheads="1"/>
+            <a:spLocks noGrp="1"/>
           </p:cNvSpPr>
           <p:nvPr>
             <p:ph type="body" sz="quarter" idx="11"/>
           </p:nvPr>
         </p:nvSpPr>
+        <p:spPr>
+          <a:xfrm>
+            <a:off x="334963" y="1280160"/>
+            <a:ext cx="6101348" cy="4534714"/>
+          </a:xfrm>
+        </p:spPr>
+        <p:txBody>
+          <a:bodyPr/>
+          <a:lstStyle/>
+          <a:p>
+            <a:r>
+              <a:rPr lang="de-DE" sz="900" dirty="0">
+                <a:solidFill>
+                  <a:schemeClr val="accent6">
+                    <a:lumMod val="75000"/>
+                  </a:schemeClr>
+                </a:solidFill>
+              </a:rPr>
+              <a:t>bool</a:t>
+            </a:r>
+            <a:r>
+              <a:rPr lang="de-DE" sz="900" dirty="0"/>
+              <a:t> edge_recombination_crossover(Individual &amp;p1, Individual &amp;p2, Individual &amp;c1, Individual &amp;c2) {</a:t>
+            </a:r>
+          </a:p>
+          <a:p>
+            <a:r>
+              <a:rPr lang="de-DE" sz="900" dirty="0"/>
+              <a:t>    std::map&lt;int, std::set&lt;int&gt;&gt; edge_map = create_edge_map(p1, p2);</a:t>
+            </a:r>
+          </a:p>
+          <a:p>
+            <a:r>
+              <a:rPr lang="de-DE" sz="900" dirty="0"/>
+              <a:t>    edge_recombination(p1.get_chromosome().at(0),c1, edge_map);</a:t>
+            </a:r>
+          </a:p>
+          <a:p>
+            <a:r>
+              <a:rPr lang="de-DE" sz="900" dirty="0"/>
+              <a:t>    edge_recombination(p2.get_chromosome().at(0),c2, edge_map);</a:t>
+            </a:r>
+          </a:p>
+          <a:p>
+            <a:r>
+              <a:rPr lang="de-DE" sz="900" dirty="0"/>
+              <a:t>    </a:t>
+            </a:r>
+            <a:r>
+              <a:rPr lang="de-DE" sz="900" dirty="0">
+                <a:solidFill>
+                  <a:schemeClr val="accent6">
+                    <a:lumMod val="75000"/>
+                  </a:schemeClr>
+                </a:solidFill>
+              </a:rPr>
+              <a:t>return</a:t>
+            </a:r>
+            <a:r>
+              <a:rPr lang="de-DE" sz="900" dirty="0"/>
+              <a:t> true;</a:t>
+            </a:r>
+          </a:p>
+          <a:p>
+            <a:r>
+              <a:rPr lang="de-DE" sz="900" dirty="0"/>
+              <a:t>}</a:t>
+            </a:r>
+          </a:p>
+          <a:p>
+            <a:r>
+              <a:rPr lang="de-DE" sz="900" dirty="0"/>
+              <a:t>´</a:t>
+            </a:r>
+          </a:p>
+          <a:p>
+            <a:r>
+              <a:rPr lang="de-DE" sz="900" dirty="0">
+                <a:solidFill>
+                  <a:schemeClr val="accent6">
+                    <a:lumMod val="75000"/>
+                  </a:schemeClr>
+                </a:solidFill>
+              </a:rPr>
+              <a:t>void</a:t>
+            </a:r>
+            <a:r>
+              <a:rPr lang="de-DE" sz="900" dirty="0"/>
+              <a:t> edge_recombination(int start, Individual &amp;i, std::map&lt;int, std::set&lt;int&gt;&gt; edge_map) {</a:t>
+            </a:r>
+          </a:p>
+          <a:p>
+            <a:r>
+              <a:rPr lang="de-DE" sz="900" dirty="0"/>
+              <a:t>    int current = start;</a:t>
+            </a:r>
+          </a:p>
+          <a:p>
+            <a:r>
+              <a:rPr lang="de-DE" sz="900" dirty="0"/>
+              <a:t>   </a:t>
+            </a:r>
+            <a:r>
+              <a:rPr lang="de-DE" sz="900" dirty="0">
+                <a:solidFill>
+                  <a:schemeClr val="accent6">
+                    <a:lumMod val="75000"/>
+                  </a:schemeClr>
+                </a:solidFill>
+              </a:rPr>
+              <a:t>for</a:t>
+            </a:r>
+            <a:r>
+              <a:rPr lang="de-DE" sz="900" dirty="0"/>
+              <a:t> (int idx = 0; idx &lt; i.get_size() - 1; ++idx) {</a:t>
+            </a:r>
+          </a:p>
+          <a:p>
+            <a:r>
+              <a:rPr lang="de-DE" sz="900" dirty="0"/>
+              <a:t>        i.update_chromosome(current, idx);</a:t>
+            </a:r>
+          </a:p>
+          <a:p>
+            <a:r>
+              <a:rPr lang="de-DE" sz="900" dirty="0"/>
+              <a:t>        for (auto &amp;it : edge_map) {</a:t>
+            </a:r>
+          </a:p>
+          <a:p>
+            <a:r>
+              <a:rPr lang="de-DE" sz="900" dirty="0"/>
+              <a:t>            it.second.erase(current);</a:t>
+            </a:r>
+          </a:p>
+          <a:p>
+            <a:r>
+              <a:rPr lang="de-DE" sz="900" dirty="0"/>
+              <a:t>        }</a:t>
+            </a:r>
+          </a:p>
+          <a:p>
+            <a:r>
+              <a:rPr lang="de-DE" sz="900" dirty="0"/>
+              <a:t>        int min_next_idx = -2;</a:t>
+            </a:r>
+          </a:p>
+          <a:p>
+            <a:r>
+              <a:rPr lang="de-DE" sz="900" dirty="0"/>
+              <a:t>        unsigned int min_next_count = std::numeric_limits&lt;int&gt;::max();</a:t>
+            </a:r>
+          </a:p>
+          <a:p>
+            <a:endParaRPr lang="de-DE" sz="900" dirty="0"/>
+          </a:p>
+          <a:p>
+            <a:r>
+              <a:rPr lang="de-DE" sz="900" dirty="0"/>
+              <a:t>        </a:t>
+            </a:r>
+            <a:r>
+              <a:rPr lang="de-DE" sz="900" dirty="0">
+                <a:solidFill>
+                  <a:schemeClr val="accent6">
+                    <a:lumMod val="75000"/>
+                  </a:schemeClr>
+                </a:solidFill>
+              </a:rPr>
+              <a:t>for</a:t>
+            </a:r>
+            <a:r>
+              <a:rPr lang="de-DE" sz="900" dirty="0"/>
+              <a:t> (int node : edge_map.at(current)) {</a:t>
+            </a:r>
+          </a:p>
+          <a:p>
+            <a:r>
+              <a:rPr lang="de-DE" sz="900" dirty="0"/>
+              <a:t>            </a:t>
+            </a:r>
+            <a:r>
+              <a:rPr lang="de-DE" sz="900" dirty="0">
+                <a:solidFill>
+                  <a:schemeClr val="accent6">
+                    <a:lumMod val="75000"/>
+                  </a:schemeClr>
+                </a:solidFill>
+              </a:rPr>
+              <a:t>if</a:t>
+            </a:r>
+            <a:r>
+              <a:rPr lang="de-DE" sz="900" dirty="0"/>
+              <a:t> (edge_map.at(node).size() &lt; min_next_count) {</a:t>
+            </a:r>
+          </a:p>
+          <a:p>
+            <a:r>
+              <a:rPr lang="de-DE" sz="900" dirty="0"/>
+              <a:t>                min_next_count = edge_map.at(node).size();</a:t>
+            </a:r>
+          </a:p>
+          <a:p>
+            <a:r>
+              <a:rPr lang="de-DE" sz="900" dirty="0"/>
+              <a:t>                min_next_idx = node;</a:t>
+            </a:r>
+          </a:p>
+          <a:p>
+            <a:r>
+              <a:rPr lang="de-DE" sz="900" dirty="0"/>
+              <a:t>            }</a:t>
+            </a:r>
+          </a:p>
+          <a:p>
+            <a:r>
+              <a:rPr lang="de-DE" sz="900" dirty="0"/>
+              <a:t>        }</a:t>
+            </a:r>
+          </a:p>
+          <a:p>
+            <a:r>
+              <a:rPr lang="de-DE" sz="900" dirty="0"/>
+              <a:t>        current = min_next_idx;</a:t>
+            </a:r>
+          </a:p>
+          <a:p>
+            <a:r>
+              <a:rPr lang="de-DE" sz="900" dirty="0"/>
+              <a:t>    }</a:t>
+            </a:r>
+          </a:p>
+          <a:p>
+            <a:r>
+              <a:rPr lang="de-DE" sz="900" dirty="0"/>
+              <a:t>    </a:t>
+            </a:r>
+            <a:r>
+              <a:rPr lang="de-DE" sz="900" dirty="0">
+                <a:solidFill>
+                  <a:schemeClr val="accent6">
+                    <a:lumMod val="75000"/>
+                  </a:schemeClr>
+                </a:solidFill>
+              </a:rPr>
+              <a:t>if</a:t>
+            </a:r>
+            <a:r>
+              <a:rPr lang="de-DE" sz="900" dirty="0"/>
+              <a:t> (idx == i.get_size() - 2) {</a:t>
+            </a:r>
+          </a:p>
+          <a:p>
+            <a:r>
+              <a:rPr lang="de-DE" sz="900" dirty="0"/>
+              <a:t>            i.update_chromosome(current, idx + 1);</a:t>
+            </a:r>
+          </a:p>
+          <a:p>
+            <a:r>
+              <a:rPr lang="de-DE" sz="900" dirty="0"/>
+              <a:t>        }</a:t>
+            </a:r>
+          </a:p>
+          <a:p>
+            <a:r>
+              <a:rPr lang="de-DE" sz="900" dirty="0"/>
+              <a:t>    }</a:t>
+            </a:r>
+          </a:p>
+          <a:p>
+            <a:r>
+              <a:rPr lang="de-DE" sz="900" dirty="0"/>
+              <a:t>}</a:t>
+            </a:r>
+          </a:p>
+        </p:txBody>
+      </p:sp>
+      <p:sp>
+        <p:nvSpPr>
+          <p:cNvPr id="7" name="Text Placeholder 2">
+            <a:extLst>
+              <a:ext uri="{FF2B5EF4-FFF2-40B4-BE49-F238E27FC236}">
+                <a16:creationId xmlns:a16="http://schemas.microsoft.com/office/drawing/2014/main" id="{3DAEF8D3-31AA-46E3-BE55-7474D0551DCE}"/>
+              </a:ext>
+            </a:extLst>
+          </p:cNvPr>
+          <p:cNvSpPr txBox="1">
+            <a:spLocks/>
+          </p:cNvSpPr>
+          <p:nvPr/>
+        </p:nvSpPr>
         <p:spPr bwMode="auto">
           <a:xfrm>
-            <a:off x="334963" y="1464300"/>
-            <a:ext cx="5630831" cy="2936188"/>
+            <a:off x="7196261" y="1093728"/>
+            <a:ext cx="4660776" cy="4206240"/>
           </a:xfrm>
           <a:prstGeom prst="rect">
             <a:avLst/>
           </a:prstGeom>
-          <a:solidFill>
-            <a:srgbClr val="FFFFFF"/>
-          </a:solidFill>
+          <a:noFill/>
           <a:ln>
             <a:noFill/>
           </a:ln>
-          <a:effectLst/>
           <a:extLst>
+            <a:ext uri="{909E8E84-426E-40DD-AFC4-6F175D3DCCD1}">
+              <a14:hiddenFill xmlns:a14="http://schemas.microsoft.com/office/drawing/2010/main">
+                <a:solidFill>
+                  <a:srgbClr val="FFFFFF"/>
+                </a:solidFill>
+              </a14:hiddenFill>
+            </a:ext>
             <a:ext uri="{91240B29-F687-4F45-9708-019B960494DF}">
               <a14:hiddenLine xmlns:a14="http://schemas.microsoft.com/office/drawing/2010/main" w="9525">
                 <a:solidFill>
-                  <a:schemeClr val="tx1"/>
+                  <a:srgbClr val="000000"/>
                 </a:solidFill>
                 <a:miter lim="800000"/>
                 <a:headEnd/>
                 <a:tailEnd/>
               </a14:hiddenLine>
             </a:ext>
-            <a:ext uri="{AF507438-7753-43E0-B8FC-AC1667EBCBE1}">
-              <a14:hiddenEffects xmlns:a14="http://schemas.microsoft.com/office/drawing/2010/main">
-                <a:effectLst>
-                  <a:outerShdw dist="35921" dir="2700000" algn="ctr" rotWithShape="0">
-                    <a:schemeClr val="bg2"/>
-                  </a:outerShdw>
-                </a:effectLst>
-              </a14:hiddenEffects>
-            </a:ext>
           </a:extLst>
         </p:spPr>
         <p:txBody>
-          <a:bodyPr vert="horz" wrap="square" lIns="91440" tIns="45720" rIns="91440" bIns="45720" numCol="1" anchor="ctr" anchorCtr="0" compatLnSpc="1">
+          <a:bodyPr vert="horz" wrap="square" lIns="91440" tIns="45720" rIns="91440" bIns="45720" numCol="1" anchor="t" anchorCtr="0" compatLnSpc="1">
             <a:prstTxWarp prst="textNoShape">
               <a:avLst/>
             </a:prstTxWarp>
-            <a:spAutoFit/>
           </a:bodyPr>
-          <a:lstStyle/>
-          <a:p>
-            <a:pPr marR="0" lvl="0" defTabSz="914400" latinLnBrk="0">
-              <a:lnSpc>
-                <a:spcPct val="100000"/>
-              </a:lnSpc>
-              <a:tabLst/>
+          <a:lstStyle>
+            <a:lvl1pPr marL="0" indent="0" algn="l" rtl="0" eaLnBrk="0" fontAlgn="base" hangingPunct="0">
+              <a:spcBef>
+                <a:spcPct val="20000"/>
+              </a:spcBef>
+              <a:spcAft>
+                <a:spcPct val="0"/>
+              </a:spcAft>
+              <a:buClr>
+                <a:srgbClr val="80BA24"/>
+              </a:buClr>
+              <a:buSzPct val="106000"/>
+              <a:buFontTx/>
+              <a:buNone/>
+              <a:defRPr kern="1200" baseline="0">
+                <a:solidFill>
+                  <a:srgbClr val="4A5C66"/>
+                </a:solidFill>
+                <a:latin typeface="Arial" pitchFamily="34" charset="0"/>
+                <a:ea typeface="MS PGothic" panose="020B0600070205080204" pitchFamily="34" charset="-128"/>
+                <a:cs typeface="Arial" pitchFamily="34" charset="0"/>
+              </a:defRPr>
+            </a:lvl1pPr>
+            <a:lvl2pPr marL="266700" indent="0" algn="l" rtl="0" eaLnBrk="0" fontAlgn="base" hangingPunct="0">
+              <a:spcBef>
+                <a:spcPct val="20000"/>
+              </a:spcBef>
+              <a:spcAft>
+                <a:spcPct val="0"/>
+              </a:spcAft>
+              <a:buClr>
+                <a:srgbClr val="80BA24"/>
+              </a:buClr>
+              <a:buSzPct val="90000"/>
+              <a:buFontTx/>
+              <a:buNone/>
+              <a:defRPr kern="1200">
+                <a:solidFill>
+                  <a:srgbClr val="4A5C66"/>
+                </a:solidFill>
+                <a:latin typeface="Arial" pitchFamily="34" charset="0"/>
+                <a:ea typeface="Arial" charset="0"/>
+                <a:cs typeface="Arial" pitchFamily="34" charset="0"/>
+              </a:defRPr>
+            </a:lvl2pPr>
+            <a:lvl3pPr marL="542925" indent="0" algn="l" rtl="0" eaLnBrk="0" fontAlgn="base" hangingPunct="0">
+              <a:spcBef>
+                <a:spcPct val="20000"/>
+              </a:spcBef>
+              <a:spcAft>
+                <a:spcPct val="0"/>
+              </a:spcAft>
+              <a:buClr>
+                <a:srgbClr val="80BA24"/>
+              </a:buClr>
+              <a:buSzPct val="80000"/>
+              <a:buFontTx/>
+              <a:buNone/>
+              <a:defRPr kern="1200">
+                <a:solidFill>
+                  <a:srgbClr val="4A5C66"/>
+                </a:solidFill>
+                <a:latin typeface="Arial" pitchFamily="34" charset="0"/>
+                <a:ea typeface="Arial" charset="0"/>
+                <a:cs typeface="Arial" pitchFamily="34" charset="0"/>
+              </a:defRPr>
+            </a:lvl3pPr>
+            <a:lvl4pPr marL="809625" indent="0" algn="l" rtl="0" eaLnBrk="0" fontAlgn="base" hangingPunct="0">
+              <a:spcBef>
+                <a:spcPct val="20000"/>
+              </a:spcBef>
+              <a:spcAft>
+                <a:spcPct val="0"/>
+              </a:spcAft>
+              <a:buClr>
+                <a:srgbClr val="80BA24"/>
+              </a:buClr>
+              <a:buSzPct val="80000"/>
+              <a:buFontTx/>
+              <a:buNone/>
+              <a:defRPr kern="1200">
+                <a:solidFill>
+                  <a:srgbClr val="4A5C66"/>
+                </a:solidFill>
+                <a:latin typeface="Arial" pitchFamily="34" charset="0"/>
+                <a:ea typeface="Arial" charset="0"/>
+                <a:cs typeface="Arial" pitchFamily="34" charset="0"/>
+              </a:defRPr>
+            </a:lvl4pPr>
+            <a:lvl5pPr marL="1076325" indent="0" algn="l" rtl="0" eaLnBrk="0" fontAlgn="base" hangingPunct="0">
+              <a:spcBef>
+                <a:spcPct val="20000"/>
+              </a:spcBef>
+              <a:spcAft>
+                <a:spcPct val="0"/>
+              </a:spcAft>
+              <a:buClr>
+                <a:srgbClr val="80BA24"/>
+              </a:buClr>
+              <a:buSzPct val="80000"/>
+              <a:buFontTx/>
+              <a:buNone/>
+              <a:defRPr kern="1200">
+                <a:solidFill>
+                  <a:srgbClr val="4A5C66"/>
+                </a:solidFill>
+                <a:latin typeface="Arial" pitchFamily="34" charset="0"/>
+                <a:ea typeface="Arial" charset="0"/>
+                <a:cs typeface="Arial" pitchFamily="34" charset="0"/>
+              </a:defRPr>
+            </a:lvl5pPr>
+            <a:lvl6pPr marL="2514600" indent="-228600" algn="l" defTabSz="914400" rtl="0" eaLnBrk="1" latinLnBrk="0" hangingPunct="1">
+              <a:spcBef>
+                <a:spcPct val="20000"/>
+              </a:spcBef>
+              <a:buFont typeface="Arial" pitchFamily="34" charset="0"/>
+              <a:buChar char="•"/>
+              <a:defRPr sz="2000" kern="1200">
+                <a:solidFill>
+                  <a:schemeClr val="tx1"/>
+                </a:solidFill>
+                <a:latin typeface="+mn-lt"/>
+                <a:ea typeface="+mn-ea"/>
+                <a:cs typeface="+mn-cs"/>
+              </a:defRPr>
+            </a:lvl6pPr>
+            <a:lvl7pPr marL="2971800" indent="-228600" algn="l" defTabSz="914400" rtl="0" eaLnBrk="1" latinLnBrk="0" hangingPunct="1">
+              <a:spcBef>
+                <a:spcPct val="20000"/>
+              </a:spcBef>
+              <a:buFont typeface="Arial" pitchFamily="34" charset="0"/>
+              <a:buChar char="•"/>
+              <a:defRPr sz="2000" kern="1200">
+                <a:solidFill>
+                  <a:schemeClr val="tx1"/>
+                </a:solidFill>
+                <a:latin typeface="+mn-lt"/>
+                <a:ea typeface="+mn-ea"/>
+                <a:cs typeface="+mn-cs"/>
+              </a:defRPr>
+            </a:lvl7pPr>
+            <a:lvl8pPr marL="3429000" indent="-228600" algn="l" defTabSz="914400" rtl="0" eaLnBrk="1" latinLnBrk="0" hangingPunct="1">
+              <a:spcBef>
+                <a:spcPct val="20000"/>
+              </a:spcBef>
+              <a:buFont typeface="Arial" pitchFamily="34" charset="0"/>
+              <a:buChar char="•"/>
+              <a:defRPr sz="2000" kern="1200">
+                <a:solidFill>
+                  <a:schemeClr val="tx1"/>
+                </a:solidFill>
+                <a:latin typeface="+mn-lt"/>
+                <a:ea typeface="+mn-ea"/>
+                <a:cs typeface="+mn-cs"/>
+              </a:defRPr>
+            </a:lvl8pPr>
+            <a:lvl9pPr marL="3886200" indent="-228600" algn="l" defTabSz="914400" rtl="0" eaLnBrk="1" latinLnBrk="0" hangingPunct="1">
+              <a:spcBef>
+                <a:spcPct val="20000"/>
+              </a:spcBef>
+              <a:buFont typeface="Arial" pitchFamily="34" charset="0"/>
+              <a:buChar char="•"/>
+              <a:defRPr sz="2000" kern="1200">
+                <a:solidFill>
+                  <a:schemeClr val="tx1"/>
+                </a:solidFill>
+                <a:latin typeface="+mn-lt"/>
+                <a:ea typeface="+mn-ea"/>
+                <a:cs typeface="+mn-cs"/>
+              </a:defRPr>
+            </a:lvl9pPr>
+          </a:lstStyle>
+          <a:p>
+            <a:pPr lvl="2">
+              <a:spcAft>
+                <a:spcPts val="600"/>
+              </a:spcAft>
             </a:pPr>
             <a:r>
-              <a:rPr lang="de-DE" altLang="de-DE" sz="1200" dirty="0">
-                <a:solidFill>
-                  <a:schemeClr val="accent6">
-                    <a:lumMod val="75000"/>
-                  </a:schemeClr>
-                </a:solidFill>
-              </a:rPr>
-              <a:t>bool</a:t>
-            </a:r>
-            <a:r>
-              <a:rPr lang="de-DE" altLang="de-DE" sz="1200" dirty="0"/>
-              <a:t> mutation_delete_shift(Individual &amp;individual, int percentage) {</a:t>
-            </a:r>
-          </a:p>
-          <a:p>
-            <a:pPr marR="0" lvl="0" defTabSz="914400" latinLnBrk="0">
-              <a:lnSpc>
-                <a:spcPct val="100000"/>
-              </a:lnSpc>
-              <a:tabLst/>
+              <a:rPr lang="de-DE" sz="1800" dirty="0"/>
+              <a:t>p1 = 0 4 1 2 3</a:t>
+            </a:r>
+          </a:p>
+          <a:p>
+            <a:pPr lvl="2">
+              <a:spcAft>
+                <a:spcPts val="600"/>
+              </a:spcAft>
             </a:pPr>
             <a:r>
-              <a:rPr lang="de-DE" altLang="de-DE" sz="1200" dirty="0"/>
-              <a:t>    bool mutate = rand(100)  &lt; percentage;</a:t>
-            </a:r>
-          </a:p>
-          <a:p>
-            <a:pPr marR="0" lvl="0" defTabSz="914400" latinLnBrk="0">
-              <a:lnSpc>
-                <a:spcPct val="100000"/>
-              </a:lnSpc>
-              <a:tabLst/>
+              <a:rPr lang="de-DE" sz="1800" dirty="0"/>
+              <a:t>p2 = 2 1 3 0 4</a:t>
+            </a:r>
+          </a:p>
+          <a:p>
+            <a:pPr marL="342900" indent="-342900">
+              <a:spcAft>
+                <a:spcPts val="600"/>
+              </a:spcAft>
+              <a:buAutoNum type="arabicPeriod"/>
             </a:pPr>
-            <a:endParaRPr lang="de-DE" altLang="de-DE" sz="1200" dirty="0"/>
-          </a:p>
-          <a:p>
-            <a:pPr marR="0" lvl="0" defTabSz="914400" latinLnBrk="0">
-              <a:lnSpc>
-                <a:spcPct val="100000"/>
-              </a:lnSpc>
-              <a:tabLst/>
+            <a:r>
+              <a:rPr lang="de-DE" sz="1800" dirty="0"/>
+              <a:t>Baue eine Edge-Map:</a:t>
+            </a:r>
+          </a:p>
+          <a:p>
+            <a:pPr lvl="1">
+              <a:spcAft>
+                <a:spcPts val="600"/>
+              </a:spcAft>
             </a:pPr>
-            <a:r>
-              <a:rPr lang="de-DE" altLang="de-DE" sz="1200" dirty="0"/>
-              <a:t>    </a:t>
-            </a:r>
-            <a:r>
-              <a:rPr lang="de-DE" altLang="de-DE" sz="1200" dirty="0">
-                <a:solidFill>
-                  <a:schemeClr val="accent6">
-                    <a:lumMod val="75000"/>
-                  </a:schemeClr>
-                </a:solidFill>
-              </a:rPr>
-              <a:t>if</a:t>
-            </a:r>
-            <a:r>
-              <a:rPr lang="de-DE" altLang="de-DE" sz="1200" dirty="0"/>
-              <a:t> (mutate) {</a:t>
-            </a:r>
-          </a:p>
-          <a:p>
-            <a:pPr marR="0" lvl="0" defTabSz="914400" latinLnBrk="0">
-              <a:lnSpc>
-                <a:spcPct val="100000"/>
-              </a:lnSpc>
-              <a:tabLst/>
+            <a:endParaRPr lang="de-DE" sz="1800" dirty="0"/>
+          </a:p>
+          <a:p>
+            <a:pPr lvl="1">
+              <a:spcAft>
+                <a:spcPts val="600"/>
+              </a:spcAft>
             </a:pPr>
-            <a:r>
-              <a:rPr lang="de-DE" altLang="de-DE" sz="1200" dirty="0"/>
-              <a:t>        int position_a = rand(individual.get_size() - 1);</a:t>
-            </a:r>
-          </a:p>
-          <a:p>
-            <a:pPr marR="0" lvl="0" defTabSz="914400" latinLnBrk="0">
-              <a:lnSpc>
-                <a:spcPct val="100000"/>
-              </a:lnSpc>
-              <a:tabLst/>
+            <a:endParaRPr lang="de-DE" sz="1800" dirty="0"/>
+          </a:p>
+          <a:p>
+            <a:pPr lvl="1">
+              <a:spcAft>
+                <a:spcPts val="600"/>
+              </a:spcAft>
             </a:pPr>
-            <a:r>
-              <a:rPr lang="de-DE" altLang="de-DE" sz="1200" dirty="0"/>
-              <a:t>        int position_b = rand(position_a + 1, individual.get_size());</a:t>
-            </a:r>
-          </a:p>
-          <a:p>
-            <a:pPr marR="0" lvl="0" defTabSz="914400" latinLnBrk="0">
-              <a:lnSpc>
-                <a:spcPct val="100000"/>
-              </a:lnSpc>
-              <a:tabLst/>
+            <a:endParaRPr lang="de-DE" sz="1800" dirty="0"/>
+          </a:p>
+          <a:p>
+            <a:pPr lvl="1">
+              <a:spcAft>
+                <a:spcPts val="600"/>
+              </a:spcAft>
             </a:pPr>
-            <a:r>
-              <a:rPr lang="de-DE" altLang="de-DE" sz="1200" dirty="0"/>
-              <a:t>    </a:t>
-            </a:r>
-          </a:p>
-          <a:p>
-            <a:pPr marR="0" lvl="0" defTabSz="914400" latinLnBrk="0">
-              <a:lnSpc>
-                <a:spcPct val="100000"/>
-              </a:lnSpc>
-              <a:tabLst/>
+            <a:endParaRPr lang="de-DE" sz="1800" dirty="0"/>
+          </a:p>
+          <a:p>
+            <a:pPr lvl="1">
+              <a:spcAft>
+                <a:spcPts val="600"/>
+              </a:spcAft>
             </a:pPr>
-            <a:r>
-              <a:rPr lang="de-DE" altLang="de-DE" sz="1200" dirty="0"/>
-              <a:t>    </a:t>
-            </a:r>
-            <a:r>
-              <a:rPr lang="de-DE" altLang="de-DE" sz="1200" dirty="0">
-                <a:solidFill>
-                  <a:schemeClr val="accent6">
-                    <a:lumMod val="75000"/>
-                  </a:schemeClr>
-                </a:solidFill>
-              </a:rPr>
-              <a:t>for</a:t>
-            </a:r>
-            <a:r>
-              <a:rPr lang="de-DE" altLang="de-DE" sz="1200" dirty="0"/>
-              <a:t> (int i = position_a; i &lt; position_b; i++) {</a:t>
-            </a:r>
-          </a:p>
-          <a:p>
-            <a:pPr marR="0" lvl="0" defTabSz="914400" latinLnBrk="0">
-              <a:lnSpc>
-                <a:spcPct val="100000"/>
-              </a:lnSpc>
-              <a:tabLst/>
+            <a:endParaRPr lang="de-DE" sz="1800" dirty="0"/>
+          </a:p>
+          <a:p>
+            <a:pPr lvl="1">
+              <a:spcAft>
+                <a:spcPts val="600"/>
+              </a:spcAft>
             </a:pPr>
-            <a:r>
-              <a:rPr lang="de-DE" altLang="de-DE" sz="1200" dirty="0"/>
-              <a:t>        swap_chromosome(individual.get_chromosome(), i, i + 1);</a:t>
-            </a:r>
-          </a:p>
-          <a:p>
-            <a:pPr marR="0" lvl="0" defTabSz="914400" latinLnBrk="0">
-              <a:lnSpc>
-                <a:spcPct val="100000"/>
-              </a:lnSpc>
-              <a:tabLst/>
+            <a:endParaRPr lang="de-DE" sz="1800" dirty="0"/>
+          </a:p>
+          <a:p>
+            <a:pPr marL="342900" indent="-342900">
+              <a:spcAft>
+                <a:spcPts val="600"/>
+              </a:spcAft>
+              <a:buAutoNum type="arabicPeriod"/>
             </a:pPr>
             <a:r>
-              <a:rPr lang="de-DE" altLang="de-DE" sz="1200" dirty="0"/>
-              <a:t>    }</a:t>
-            </a:r>
-          </a:p>
-          <a:p>
-            <a:pPr marR="0" lvl="0" defTabSz="914400" latinLnBrk="0">
-              <a:lnSpc>
-                <a:spcPct val="100000"/>
-              </a:lnSpc>
-              <a:tabLst/>
+              <a:rPr lang="de-DE" sz="1800" dirty="0"/>
+              <a:t>Edge-Recombination:</a:t>
+            </a:r>
+          </a:p>
+          <a:p>
+            <a:pPr lvl="1">
+              <a:spcAft>
+                <a:spcPts val="600"/>
+              </a:spcAft>
             </a:pPr>
-            <a:endParaRPr lang="de-DE" altLang="de-DE" sz="1200" dirty="0"/>
-          </a:p>
-          <a:p>
-            <a:pPr marR="0" lvl="0" defTabSz="914400" latinLnBrk="0">
-              <a:lnSpc>
-                <a:spcPct val="100000"/>
-              </a:lnSpc>
-              <a:tabLst/>
+            <a:r>
+              <a:rPr lang="de-DE" sz="1800" dirty="0"/>
+              <a:t>Startpunkt: Beginn eines Elternteils</a:t>
+            </a:r>
+          </a:p>
+          <a:p>
+            <a:pPr lvl="1">
+              <a:spcAft>
+                <a:spcPts val="600"/>
+              </a:spcAft>
             </a:pPr>
             <a:r>
-              <a:rPr lang="de-DE" altLang="de-DE" sz="1200" dirty="0"/>
-              <a:t>    return mutate;</a:t>
-            </a:r>
-          </a:p>
-          <a:p>
-            <a:pPr marR="0" lvl="0" defTabSz="914400" latinLnBrk="0">
-              <a:lnSpc>
-                <a:spcPct val="100000"/>
-              </a:lnSpc>
-              <a:tabLst/>
-            </a:pPr>
-            <a:r>
-              <a:rPr lang="de-DE" altLang="de-DE" sz="1200" dirty="0"/>
-              <a:t>}</a:t>
+              <a:rPr lang="de-DE" sz="1800" dirty="0"/>
+              <a:t>c1: 0 4</a:t>
             </a:r>
           </a:p>
         </p:txBody>
       </p:sp>
-      <p:sp>
-        <p:nvSpPr>
-          <p:cNvPr id="11" name="TextBox 10">
+      <p:graphicFrame>
+        <p:nvGraphicFramePr>
+          <p:cNvPr id="4" name="Table 4">
             <a:extLst>
               <a:ext uri="{FF2B5EF4-FFF2-40B4-BE49-F238E27FC236}">
-                <a16:creationId xmlns:a16="http://schemas.microsoft.com/office/drawing/2014/main" id="{A9A881C4-7DE0-4C0F-B2EC-F77D820DCF22}"/>
+                <a16:creationId xmlns:a16="http://schemas.microsoft.com/office/drawing/2014/main" id="{753C4526-386B-4058-AA57-62CD212E87A9}"/>
               </a:ext>
             </a:extLst>
           </p:cNvPr>
-          <p:cNvSpPr txBox="1"/>
-          <p:nvPr/>
-        </p:nvSpPr>
-        <p:spPr>
-          <a:xfrm>
-            <a:off x="5965794" y="1292791"/>
-            <a:ext cx="4074850" cy="3524042"/>
-          </a:xfrm>
-          <a:prstGeom prst="rect">
-            <a:avLst/>
-          </a:prstGeom>
-          <a:noFill/>
-        </p:spPr>
-        <p:txBody>
-          <a:bodyPr wrap="square" rtlCol="0">
-            <a:spAutoFit/>
-          </a:bodyPr>
-          <a:lstStyle/>
-          <a:p>
-            <a:pPr>
-              <a:spcAft>
-                <a:spcPts val="600"/>
-              </a:spcAft>
-            </a:pPr>
-            <a:r>
-              <a:rPr lang="de-DE" dirty="0">
-                <a:solidFill>
-                  <a:srgbClr val="4A5C66"/>
-                </a:solidFill>
-                <a:latin typeface="Arial" panose="020B0604020202020204" pitchFamily="34" charset="0"/>
-                <a:cs typeface="Arial" panose="020B0604020202020204" pitchFamily="34" charset="0"/>
-              </a:rPr>
-              <a:t>Chromosom: {1,2,</a:t>
-            </a:r>
-            <a:r>
-              <a:rPr lang="de-DE" b="1" dirty="0">
-                <a:solidFill>
-                  <a:srgbClr val="C00000"/>
-                </a:solidFill>
-                <a:latin typeface="Arial" panose="020B0604020202020204" pitchFamily="34" charset="0"/>
-                <a:cs typeface="Arial" panose="020B0604020202020204" pitchFamily="34" charset="0"/>
-              </a:rPr>
-              <a:t>3</a:t>
-            </a:r>
-            <a:r>
-              <a:rPr lang="de-DE" b="1" dirty="0">
-                <a:solidFill>
-                  <a:srgbClr val="4A5C66"/>
-                </a:solidFill>
-                <a:latin typeface="Arial" panose="020B0604020202020204" pitchFamily="34" charset="0"/>
-                <a:cs typeface="Arial" panose="020B0604020202020204" pitchFamily="34" charset="0"/>
-              </a:rPr>
-              <a:t>,4,5,6,7</a:t>
-            </a:r>
-            <a:r>
-              <a:rPr lang="de-DE" dirty="0">
-                <a:solidFill>
-                  <a:srgbClr val="4A5C66"/>
-                </a:solidFill>
-                <a:latin typeface="Arial" panose="020B0604020202020204" pitchFamily="34" charset="0"/>
-                <a:cs typeface="Arial" panose="020B0604020202020204" pitchFamily="34" charset="0"/>
-              </a:rPr>
-              <a:t>,8,9,10}</a:t>
-            </a:r>
-          </a:p>
-          <a:p>
-            <a:pPr>
-              <a:spcAft>
-                <a:spcPts val="600"/>
-              </a:spcAft>
-            </a:pPr>
-            <a:endParaRPr lang="de-DE" dirty="0">
-              <a:solidFill>
-                <a:srgbClr val="4A5C66"/>
-              </a:solidFill>
-              <a:latin typeface="Arial" panose="020B0604020202020204" pitchFamily="34" charset="0"/>
-              <a:cs typeface="Arial" panose="020B0604020202020204" pitchFamily="34" charset="0"/>
-            </a:endParaRPr>
-          </a:p>
-          <a:p>
-            <a:pPr>
-              <a:spcAft>
-                <a:spcPts val="600"/>
-              </a:spcAft>
-            </a:pPr>
-            <a:endParaRPr lang="de-DE" dirty="0">
-              <a:solidFill>
-                <a:srgbClr val="4A5C66"/>
-              </a:solidFill>
-              <a:latin typeface="Arial" panose="020B0604020202020204" pitchFamily="34" charset="0"/>
-              <a:cs typeface="Arial" panose="020B0604020202020204" pitchFamily="34" charset="0"/>
-            </a:endParaRPr>
-          </a:p>
-          <a:p>
-            <a:pPr>
-              <a:spcAft>
-                <a:spcPts val="600"/>
-              </a:spcAft>
-            </a:pPr>
-            <a:r>
-              <a:rPr lang="de-DE" dirty="0">
-                <a:solidFill>
-                  <a:srgbClr val="4A5C66"/>
-                </a:solidFill>
-                <a:latin typeface="Arial" panose="020B0604020202020204" pitchFamily="34" charset="0"/>
-                <a:cs typeface="Arial" panose="020B0604020202020204" pitchFamily="34" charset="0"/>
-              </a:rPr>
-              <a:t>position_a=3</a:t>
-            </a:r>
-          </a:p>
-          <a:p>
-            <a:pPr>
-              <a:spcAft>
-                <a:spcPts val="600"/>
-              </a:spcAft>
-            </a:pPr>
-            <a:r>
-              <a:rPr lang="de-DE" dirty="0">
-                <a:solidFill>
-                  <a:srgbClr val="4A5C66"/>
-                </a:solidFill>
-                <a:latin typeface="Arial" panose="020B0604020202020204" pitchFamily="34" charset="0"/>
-                <a:cs typeface="Arial" panose="020B0604020202020204" pitchFamily="34" charset="0"/>
-              </a:rPr>
-              <a:t>position_b=7</a:t>
-            </a:r>
-          </a:p>
-          <a:p>
-            <a:pPr>
-              <a:spcAft>
-                <a:spcPts val="600"/>
-              </a:spcAft>
-            </a:pPr>
-            <a:endParaRPr lang="de-DE" dirty="0">
-              <a:solidFill>
-                <a:srgbClr val="4A5C66"/>
-              </a:solidFill>
-              <a:latin typeface="Arial" panose="020B0604020202020204" pitchFamily="34" charset="0"/>
-              <a:cs typeface="Arial" panose="020B0604020202020204" pitchFamily="34" charset="0"/>
-            </a:endParaRPr>
-          </a:p>
-          <a:p>
-            <a:pPr>
-              <a:spcAft>
-                <a:spcPts val="600"/>
-              </a:spcAft>
-            </a:pPr>
-            <a:endParaRPr lang="de-DE" dirty="0">
-              <a:solidFill>
-                <a:srgbClr val="4A5C66"/>
-              </a:solidFill>
-              <a:latin typeface="Arial" panose="020B0604020202020204" pitchFamily="34" charset="0"/>
-              <a:cs typeface="Arial" panose="020B0604020202020204" pitchFamily="34" charset="0"/>
-            </a:endParaRPr>
-          </a:p>
-          <a:p>
-            <a:pPr>
-              <a:spcAft>
-                <a:spcPts val="600"/>
-              </a:spcAft>
-            </a:pPr>
-            <a:endParaRPr lang="de-DE" dirty="0">
-              <a:solidFill>
-                <a:srgbClr val="4A5C66"/>
-              </a:solidFill>
-              <a:latin typeface="Arial" panose="020B0604020202020204" pitchFamily="34" charset="0"/>
-              <a:cs typeface="Arial" panose="020B0604020202020204" pitchFamily="34" charset="0"/>
-            </a:endParaRPr>
-          </a:p>
-          <a:p>
-            <a:pPr>
-              <a:spcAft>
-                <a:spcPts val="600"/>
-              </a:spcAft>
-            </a:pPr>
-            <a:r>
-              <a:rPr lang="de-DE" dirty="0">
-                <a:solidFill>
-                  <a:srgbClr val="4A5C66"/>
-                </a:solidFill>
-                <a:latin typeface="Arial" panose="020B0604020202020204" pitchFamily="34" charset="0"/>
-                <a:cs typeface="Arial" panose="020B0604020202020204" pitchFamily="34" charset="0"/>
-              </a:rPr>
-              <a:t>Ergebnis: {1,2,</a:t>
-            </a:r>
-            <a:r>
-              <a:rPr lang="de-DE" b="1" dirty="0">
-                <a:solidFill>
-                  <a:srgbClr val="4A5C66"/>
-                </a:solidFill>
-                <a:latin typeface="Arial" panose="020B0604020202020204" pitchFamily="34" charset="0"/>
-                <a:cs typeface="Arial" panose="020B0604020202020204" pitchFamily="34" charset="0"/>
-              </a:rPr>
-              <a:t>4,5,6,7,</a:t>
-            </a:r>
-            <a:r>
-              <a:rPr lang="de-DE" b="1" dirty="0">
-                <a:solidFill>
-                  <a:srgbClr val="C00000"/>
-                </a:solidFill>
-                <a:latin typeface="Arial" panose="020B0604020202020204" pitchFamily="34" charset="0"/>
-                <a:cs typeface="Arial" panose="020B0604020202020204" pitchFamily="34" charset="0"/>
-              </a:rPr>
-              <a:t>3</a:t>
-            </a:r>
-            <a:r>
-              <a:rPr lang="de-DE" dirty="0">
-                <a:solidFill>
-                  <a:srgbClr val="4A5C66"/>
-                </a:solidFill>
-                <a:latin typeface="Arial" panose="020B0604020202020204" pitchFamily="34" charset="0"/>
-                <a:cs typeface="Arial" panose="020B0604020202020204" pitchFamily="34" charset="0"/>
-              </a:rPr>
-              <a:t>,8,9,10}</a:t>
-            </a:r>
-          </a:p>
-          <a:p>
-            <a:pPr>
-              <a:spcAft>
-                <a:spcPts val="600"/>
-              </a:spcAft>
-            </a:pPr>
-            <a:endParaRPr lang="de-DE" dirty="0">
-              <a:solidFill>
-                <a:srgbClr val="4A5C66"/>
-              </a:solidFill>
-              <a:latin typeface="Arial" panose="020B0604020202020204" pitchFamily="34" charset="0"/>
-              <a:cs typeface="Arial" panose="020B0604020202020204" pitchFamily="34" charset="0"/>
-            </a:endParaRPr>
-          </a:p>
-          <a:p>
-            <a:pPr>
-              <a:spcAft>
-                <a:spcPts val="600"/>
-              </a:spcAft>
-            </a:pPr>
-            <a:endParaRPr lang="de-DE" dirty="0">
-              <a:solidFill>
-                <a:srgbClr val="4A5C66"/>
-              </a:solidFill>
-              <a:latin typeface="Arial" panose="020B0604020202020204" pitchFamily="34" charset="0"/>
-              <a:cs typeface="Arial" panose="020B0604020202020204" pitchFamily="34" charset="0"/>
-            </a:endParaRPr>
-          </a:p>
-          <a:p>
-            <a:pPr>
-              <a:spcAft>
-                <a:spcPts val="600"/>
-              </a:spcAft>
-            </a:pPr>
-            <a:endParaRPr lang="de-DE" dirty="0">
-              <a:solidFill>
-                <a:srgbClr val="4A5C66"/>
-              </a:solidFill>
-              <a:latin typeface="Arial" panose="020B0604020202020204" pitchFamily="34" charset="0"/>
-              <a:cs typeface="Arial" panose="020B0604020202020204" pitchFamily="34" charset="0"/>
-            </a:endParaRPr>
-          </a:p>
-        </p:txBody>
-      </p:sp>
+          <p:cNvGraphicFramePr>
+            <a:graphicFrameLocks noGrp="1"/>
+          </p:cNvGraphicFramePr>
+          <p:nvPr>
+            <p:extLst>
+              <p:ext uri="{D42A27DB-BD31-4B8C-83A1-F6EECF244321}">
+                <p14:modId xmlns:p14="http://schemas.microsoft.com/office/powerpoint/2010/main" val="885296518"/>
+              </p:ext>
+            </p:extLst>
+          </p:nvPr>
+        </p:nvGraphicFramePr>
+        <p:xfrm>
+          <a:off x="7196261" y="2285589"/>
+          <a:ext cx="3142502" cy="2286822"/>
+        </p:xfrm>
+        <a:graphic>
+          <a:graphicData uri="http://schemas.openxmlformats.org/drawingml/2006/table">
+            <a:tbl>
+              <a:tblPr firstRow="1" bandRow="1">
+                <a:tableStyleId>{5C22544A-7EE6-4342-B048-85BDC9FD1C3A}</a:tableStyleId>
+              </a:tblPr>
+              <a:tblGrid>
+                <a:gridCol w="1571251">
+                  <a:extLst>
+                    <a:ext uri="{9D8B030D-6E8A-4147-A177-3AD203B41FA5}">
+                      <a16:colId xmlns:a16="http://schemas.microsoft.com/office/drawing/2014/main" val="1026705250"/>
+                    </a:ext>
+                  </a:extLst>
+                </a:gridCol>
+                <a:gridCol w="1571251">
+                  <a:extLst>
+                    <a:ext uri="{9D8B030D-6E8A-4147-A177-3AD203B41FA5}">
+                      <a16:colId xmlns:a16="http://schemas.microsoft.com/office/drawing/2014/main" val="1571639466"/>
+                    </a:ext>
+                  </a:extLst>
+                </a:gridCol>
+              </a:tblGrid>
+              <a:tr h="458022">
+                <a:tc>
+                  <a:txBody>
+                    <a:bodyPr/>
+                    <a:lstStyle/>
+                    <a:p>
+                      <a:r>
+                        <a:rPr lang="de-DE" dirty="0"/>
+                        <a:t>Knoten</a:t>
+                      </a:r>
+                    </a:p>
+                  </a:txBody>
+                  <a:tcPr/>
+                </a:tc>
+                <a:tc>
+                  <a:txBody>
+                    <a:bodyPr/>
+                    <a:lstStyle/>
+                    <a:p>
+                      <a:r>
+                        <a:rPr lang="de-DE" dirty="0"/>
+                        <a:t>Verbindung</a:t>
+                      </a:r>
+                    </a:p>
+                  </a:txBody>
+                  <a:tcPr/>
+                </a:tc>
+                <a:extLst>
+                  <a:ext uri="{0D108BD9-81ED-4DB2-BD59-A6C34878D82A}">
+                    <a16:rowId xmlns:a16="http://schemas.microsoft.com/office/drawing/2014/main" val="2519790438"/>
+                  </a:ext>
+                </a:extLst>
+              </a:tr>
+              <a:tr h="348317">
+                <a:tc>
+                  <a:txBody>
+                    <a:bodyPr/>
+                    <a:lstStyle/>
+                    <a:p>
+                      <a:r>
+                        <a:rPr lang="de-DE" dirty="0"/>
+                        <a:t>0</a:t>
+                      </a:r>
+                    </a:p>
+                  </a:txBody>
+                  <a:tcPr/>
+                </a:tc>
+                <a:tc>
+                  <a:txBody>
+                    <a:bodyPr/>
+                    <a:lstStyle/>
+                    <a:p>
+                      <a:r>
+                        <a:rPr lang="de-DE" dirty="0"/>
+                        <a:t>3 </a:t>
+                      </a:r>
+                      <a:r>
+                        <a:rPr lang="de-DE" strike="sngStrike" dirty="0">
+                          <a:solidFill>
+                            <a:srgbClr val="FF0000"/>
+                          </a:solidFill>
+                        </a:rPr>
+                        <a:t>4</a:t>
+                      </a:r>
+                    </a:p>
+                  </a:txBody>
+                  <a:tcPr/>
+                </a:tc>
+                <a:extLst>
+                  <a:ext uri="{0D108BD9-81ED-4DB2-BD59-A6C34878D82A}">
+                    <a16:rowId xmlns:a16="http://schemas.microsoft.com/office/drawing/2014/main" val="1783784983"/>
+                  </a:ext>
+                </a:extLst>
+              </a:tr>
+              <a:tr h="261727">
+                <a:tc>
+                  <a:txBody>
+                    <a:bodyPr/>
+                    <a:lstStyle/>
+                    <a:p>
+                      <a:r>
+                        <a:rPr lang="de-DE" dirty="0"/>
+                        <a:t>1</a:t>
+                      </a:r>
+                    </a:p>
+                  </a:txBody>
+                  <a:tcPr/>
+                </a:tc>
+                <a:tc>
+                  <a:txBody>
+                    <a:bodyPr/>
+                    <a:lstStyle/>
+                    <a:p>
+                      <a:r>
+                        <a:rPr lang="de-DE" dirty="0"/>
+                        <a:t>2 </a:t>
+                      </a:r>
+                      <a:r>
+                        <a:rPr lang="de-DE" strike="sngStrike" dirty="0">
+                          <a:solidFill>
+                            <a:srgbClr val="FF0000"/>
+                          </a:solidFill>
+                        </a:rPr>
+                        <a:t>4</a:t>
+                      </a:r>
+                      <a:r>
+                        <a:rPr lang="de-DE" dirty="0"/>
+                        <a:t> 3</a:t>
+                      </a:r>
+                    </a:p>
+                  </a:txBody>
+                  <a:tcPr/>
+                </a:tc>
+                <a:extLst>
+                  <a:ext uri="{0D108BD9-81ED-4DB2-BD59-A6C34878D82A}">
+                    <a16:rowId xmlns:a16="http://schemas.microsoft.com/office/drawing/2014/main" val="1786008815"/>
+                  </a:ext>
+                </a:extLst>
+              </a:tr>
+              <a:tr h="261727">
+                <a:tc>
+                  <a:txBody>
+                    <a:bodyPr/>
+                    <a:lstStyle/>
+                    <a:p>
+                      <a:r>
+                        <a:rPr lang="de-DE" dirty="0"/>
+                        <a:t>2</a:t>
+                      </a:r>
+                    </a:p>
+                  </a:txBody>
+                  <a:tcPr/>
+                </a:tc>
+                <a:tc>
+                  <a:txBody>
+                    <a:bodyPr/>
+                    <a:lstStyle/>
+                    <a:p>
+                      <a:r>
+                        <a:rPr lang="de-DE" dirty="0"/>
+                        <a:t>1 3</a:t>
+                      </a:r>
+                    </a:p>
+                  </a:txBody>
+                  <a:tcPr/>
+                </a:tc>
+                <a:extLst>
+                  <a:ext uri="{0D108BD9-81ED-4DB2-BD59-A6C34878D82A}">
+                    <a16:rowId xmlns:a16="http://schemas.microsoft.com/office/drawing/2014/main" val="3190313410"/>
+                  </a:ext>
+                </a:extLst>
+              </a:tr>
+              <a:tr h="261727">
+                <a:tc>
+                  <a:txBody>
+                    <a:bodyPr/>
+                    <a:lstStyle/>
+                    <a:p>
+                      <a:r>
+                        <a:rPr lang="de-DE" dirty="0"/>
+                        <a:t>3</a:t>
+                      </a:r>
+                    </a:p>
+                  </a:txBody>
+                  <a:tcPr/>
+                </a:tc>
+                <a:tc>
+                  <a:txBody>
+                    <a:bodyPr/>
+                    <a:lstStyle/>
+                    <a:p>
+                      <a:r>
+                        <a:rPr lang="de-DE" dirty="0"/>
+                        <a:t>1 2 </a:t>
+                      </a:r>
+                      <a:r>
+                        <a:rPr lang="de-DE" strike="sngStrike" dirty="0">
+                          <a:solidFill>
+                            <a:srgbClr val="FF0000"/>
+                          </a:solidFill>
+                        </a:rPr>
+                        <a:t>0</a:t>
+                      </a:r>
+                    </a:p>
+                  </a:txBody>
+                  <a:tcPr/>
+                </a:tc>
+                <a:extLst>
+                  <a:ext uri="{0D108BD9-81ED-4DB2-BD59-A6C34878D82A}">
+                    <a16:rowId xmlns:a16="http://schemas.microsoft.com/office/drawing/2014/main" val="3687157222"/>
+                  </a:ext>
+                </a:extLst>
+              </a:tr>
+              <a:tr h="261727">
+                <a:tc>
+                  <a:txBody>
+                    <a:bodyPr/>
+                    <a:lstStyle/>
+                    <a:p>
+                      <a:r>
+                        <a:rPr lang="de-DE" dirty="0"/>
+                        <a:t>4</a:t>
+                      </a:r>
+                    </a:p>
+                  </a:txBody>
+                  <a:tcPr/>
+                </a:tc>
+                <a:tc>
+                  <a:txBody>
+                    <a:bodyPr/>
+                    <a:lstStyle/>
+                    <a:p>
+                      <a:r>
+                        <a:rPr lang="de-DE" strike="sngStrike" dirty="0">
+                          <a:solidFill>
+                            <a:srgbClr val="FF0000"/>
+                          </a:solidFill>
+                        </a:rPr>
+                        <a:t>0</a:t>
+                      </a:r>
+                      <a:r>
+                        <a:rPr lang="de-DE" dirty="0"/>
+                        <a:t> 1</a:t>
+                      </a:r>
+                    </a:p>
+                  </a:txBody>
+                  <a:tcPr/>
+                </a:tc>
+                <a:extLst>
+                  <a:ext uri="{0D108BD9-81ED-4DB2-BD59-A6C34878D82A}">
+                    <a16:rowId xmlns:a16="http://schemas.microsoft.com/office/drawing/2014/main" val="3257157716"/>
+                  </a:ext>
+                </a:extLst>
+              </a:tr>
+            </a:tbl>
+          </a:graphicData>
+        </a:graphic>
+      </p:graphicFrame>
     </p:spTree>
     <p:extLst>
       <p:ext uri="{BB962C8B-B14F-4D97-AF65-F5344CB8AC3E}">
-        <p14:creationId xmlns:p14="http://schemas.microsoft.com/office/powerpoint/2010/main" val="21206333"/>
+        <p14:creationId xmlns:p14="http://schemas.microsoft.com/office/powerpoint/2010/main" val="4139312890"/>
       </p:ext>
     </p:extLst>
   </p:cSld>
@@ -27501,6 +28234,3677 @@
           <p:cNvPr id="2" name="Title 1">
             <a:extLst>
               <a:ext uri="{FF2B5EF4-FFF2-40B4-BE49-F238E27FC236}">
+                <a16:creationId xmlns:a16="http://schemas.microsoft.com/office/drawing/2014/main" id="{DD2388D8-106E-40D0-A4BD-5FF4C2E2935B}"/>
+              </a:ext>
+            </a:extLst>
+          </p:cNvPr>
+          <p:cNvSpPr>
+            <a:spLocks noGrp="1"/>
+          </p:cNvSpPr>
+          <p:nvPr>
+            <p:ph type="title"/>
+          </p:nvPr>
+        </p:nvSpPr>
+        <p:spPr/>
+        <p:txBody>
+          <a:bodyPr/>
+          <a:lstStyle/>
+          <a:p>
+            <a:r>
+              <a:rPr lang="de-DE" dirty="0"/>
+              <a:t>Realisierung – Edge-Rocombination-Algorithm</a:t>
+            </a:r>
+          </a:p>
+        </p:txBody>
+      </p:sp>
+      <p:sp>
+        <p:nvSpPr>
+          <p:cNvPr id="3" name="Text Placeholder 2">
+            <a:extLst>
+              <a:ext uri="{FF2B5EF4-FFF2-40B4-BE49-F238E27FC236}">
+                <a16:creationId xmlns:a16="http://schemas.microsoft.com/office/drawing/2014/main" id="{79F1354A-B6A2-451D-B387-D4D8507220EF}"/>
+              </a:ext>
+            </a:extLst>
+          </p:cNvPr>
+          <p:cNvSpPr>
+            <a:spLocks noGrp="1"/>
+          </p:cNvSpPr>
+          <p:nvPr>
+            <p:ph type="body" sz="quarter" idx="11"/>
+          </p:nvPr>
+        </p:nvSpPr>
+        <p:spPr>
+          <a:xfrm>
+            <a:off x="334963" y="1280160"/>
+            <a:ext cx="6101348" cy="4534714"/>
+          </a:xfrm>
+        </p:spPr>
+        <p:txBody>
+          <a:bodyPr/>
+          <a:lstStyle/>
+          <a:p>
+            <a:r>
+              <a:rPr lang="de-DE" sz="900" dirty="0">
+                <a:solidFill>
+                  <a:schemeClr val="accent6">
+                    <a:lumMod val="75000"/>
+                  </a:schemeClr>
+                </a:solidFill>
+              </a:rPr>
+              <a:t>bool</a:t>
+            </a:r>
+            <a:r>
+              <a:rPr lang="de-DE" sz="900" dirty="0"/>
+              <a:t> edge_recombination_crossover(Individual &amp;p1, Individual &amp;p2, Individual &amp;c1, Individual &amp;c2) {</a:t>
+            </a:r>
+          </a:p>
+          <a:p>
+            <a:r>
+              <a:rPr lang="de-DE" sz="900" dirty="0"/>
+              <a:t>    std::map&lt;int, std::set&lt;int&gt;&gt; edge_map = create_edge_map(p1, p2);</a:t>
+            </a:r>
+          </a:p>
+          <a:p>
+            <a:r>
+              <a:rPr lang="de-DE" sz="900" dirty="0"/>
+              <a:t>    edge_recombination(p1.get_chromosome().at(0),c1, edge_map);</a:t>
+            </a:r>
+          </a:p>
+          <a:p>
+            <a:r>
+              <a:rPr lang="de-DE" sz="900" dirty="0"/>
+              <a:t>    edge_recombination(p2.get_chromosome().at(0),c2, edge_map);</a:t>
+            </a:r>
+          </a:p>
+          <a:p>
+            <a:r>
+              <a:rPr lang="de-DE" sz="900" dirty="0"/>
+              <a:t>    </a:t>
+            </a:r>
+            <a:r>
+              <a:rPr lang="de-DE" sz="900" dirty="0">
+                <a:solidFill>
+                  <a:schemeClr val="accent6">
+                    <a:lumMod val="75000"/>
+                  </a:schemeClr>
+                </a:solidFill>
+              </a:rPr>
+              <a:t>return</a:t>
+            </a:r>
+            <a:r>
+              <a:rPr lang="de-DE" sz="900" dirty="0"/>
+              <a:t> true;</a:t>
+            </a:r>
+          </a:p>
+          <a:p>
+            <a:r>
+              <a:rPr lang="de-DE" sz="900" dirty="0"/>
+              <a:t>}</a:t>
+            </a:r>
+          </a:p>
+          <a:p>
+            <a:r>
+              <a:rPr lang="de-DE" sz="900" dirty="0"/>
+              <a:t>´</a:t>
+            </a:r>
+          </a:p>
+          <a:p>
+            <a:r>
+              <a:rPr lang="de-DE" sz="900" dirty="0">
+                <a:solidFill>
+                  <a:schemeClr val="accent6">
+                    <a:lumMod val="75000"/>
+                  </a:schemeClr>
+                </a:solidFill>
+              </a:rPr>
+              <a:t>void</a:t>
+            </a:r>
+            <a:r>
+              <a:rPr lang="de-DE" sz="900" dirty="0"/>
+              <a:t> edge_recombination(int start, Individual &amp;i, std::map&lt;int, std::set&lt;int&gt;&gt; edge_map) {</a:t>
+            </a:r>
+          </a:p>
+          <a:p>
+            <a:r>
+              <a:rPr lang="de-DE" sz="900" dirty="0"/>
+              <a:t>    int current = start;</a:t>
+            </a:r>
+          </a:p>
+          <a:p>
+            <a:r>
+              <a:rPr lang="de-DE" sz="900" dirty="0"/>
+              <a:t>   </a:t>
+            </a:r>
+            <a:r>
+              <a:rPr lang="de-DE" sz="900" dirty="0">
+                <a:solidFill>
+                  <a:schemeClr val="accent6">
+                    <a:lumMod val="75000"/>
+                  </a:schemeClr>
+                </a:solidFill>
+              </a:rPr>
+              <a:t>for</a:t>
+            </a:r>
+            <a:r>
+              <a:rPr lang="de-DE" sz="900" dirty="0"/>
+              <a:t> (int idx = 0; idx &lt; i.get_size() - 1; ++idx) {</a:t>
+            </a:r>
+          </a:p>
+          <a:p>
+            <a:r>
+              <a:rPr lang="de-DE" sz="900" dirty="0"/>
+              <a:t>        i.update_chromosome(current, idx);</a:t>
+            </a:r>
+          </a:p>
+          <a:p>
+            <a:r>
+              <a:rPr lang="de-DE" sz="900" dirty="0"/>
+              <a:t>        for (auto &amp;it : edge_map) {</a:t>
+            </a:r>
+          </a:p>
+          <a:p>
+            <a:r>
+              <a:rPr lang="de-DE" sz="900" dirty="0"/>
+              <a:t>            it.second.erase(current);</a:t>
+            </a:r>
+          </a:p>
+          <a:p>
+            <a:r>
+              <a:rPr lang="de-DE" sz="900" dirty="0"/>
+              <a:t>        }</a:t>
+            </a:r>
+          </a:p>
+          <a:p>
+            <a:r>
+              <a:rPr lang="de-DE" sz="900" dirty="0"/>
+              <a:t>        int min_next_idx = -2;</a:t>
+            </a:r>
+          </a:p>
+          <a:p>
+            <a:r>
+              <a:rPr lang="de-DE" sz="900" dirty="0"/>
+              <a:t>        unsigned int min_next_count = std::numeric_limits&lt;int&gt;::max();</a:t>
+            </a:r>
+          </a:p>
+          <a:p>
+            <a:endParaRPr lang="de-DE" sz="900" dirty="0"/>
+          </a:p>
+          <a:p>
+            <a:r>
+              <a:rPr lang="de-DE" sz="900" dirty="0"/>
+              <a:t>        </a:t>
+            </a:r>
+            <a:r>
+              <a:rPr lang="de-DE" sz="900" dirty="0">
+                <a:solidFill>
+                  <a:schemeClr val="accent6">
+                    <a:lumMod val="75000"/>
+                  </a:schemeClr>
+                </a:solidFill>
+              </a:rPr>
+              <a:t>for</a:t>
+            </a:r>
+            <a:r>
+              <a:rPr lang="de-DE" sz="900" dirty="0"/>
+              <a:t> (int node : edge_map.at(current)) {</a:t>
+            </a:r>
+          </a:p>
+          <a:p>
+            <a:r>
+              <a:rPr lang="de-DE" sz="900" dirty="0"/>
+              <a:t>            </a:t>
+            </a:r>
+            <a:r>
+              <a:rPr lang="de-DE" sz="900" dirty="0">
+                <a:solidFill>
+                  <a:schemeClr val="accent6">
+                    <a:lumMod val="75000"/>
+                  </a:schemeClr>
+                </a:solidFill>
+              </a:rPr>
+              <a:t>if</a:t>
+            </a:r>
+            <a:r>
+              <a:rPr lang="de-DE" sz="900" dirty="0"/>
+              <a:t> (edge_map.at(node).size() &lt; min_next_count) {</a:t>
+            </a:r>
+          </a:p>
+          <a:p>
+            <a:r>
+              <a:rPr lang="de-DE" sz="900" dirty="0"/>
+              <a:t>                min_next_count = edge_map.at(node).size();</a:t>
+            </a:r>
+          </a:p>
+          <a:p>
+            <a:r>
+              <a:rPr lang="de-DE" sz="900" dirty="0"/>
+              <a:t>                min_next_idx = node;</a:t>
+            </a:r>
+          </a:p>
+          <a:p>
+            <a:r>
+              <a:rPr lang="de-DE" sz="900" dirty="0"/>
+              <a:t>            }</a:t>
+            </a:r>
+          </a:p>
+          <a:p>
+            <a:r>
+              <a:rPr lang="de-DE" sz="900" dirty="0"/>
+              <a:t>        }</a:t>
+            </a:r>
+          </a:p>
+          <a:p>
+            <a:r>
+              <a:rPr lang="de-DE" sz="900" dirty="0"/>
+              <a:t>        current = min_next_idx;</a:t>
+            </a:r>
+          </a:p>
+          <a:p>
+            <a:r>
+              <a:rPr lang="de-DE" sz="900" dirty="0"/>
+              <a:t>    }</a:t>
+            </a:r>
+          </a:p>
+          <a:p>
+            <a:r>
+              <a:rPr lang="de-DE" sz="900" dirty="0"/>
+              <a:t>    </a:t>
+            </a:r>
+            <a:r>
+              <a:rPr lang="de-DE" sz="900" dirty="0">
+                <a:solidFill>
+                  <a:schemeClr val="accent6">
+                    <a:lumMod val="75000"/>
+                  </a:schemeClr>
+                </a:solidFill>
+              </a:rPr>
+              <a:t>if</a:t>
+            </a:r>
+            <a:r>
+              <a:rPr lang="de-DE" sz="900" dirty="0"/>
+              <a:t> (idx == i.get_size() - 2) {</a:t>
+            </a:r>
+          </a:p>
+          <a:p>
+            <a:r>
+              <a:rPr lang="de-DE" sz="900" dirty="0"/>
+              <a:t>            i.update_chromosome(current, idx + 1);</a:t>
+            </a:r>
+          </a:p>
+          <a:p>
+            <a:r>
+              <a:rPr lang="de-DE" sz="900" dirty="0"/>
+              <a:t>        }</a:t>
+            </a:r>
+          </a:p>
+          <a:p>
+            <a:r>
+              <a:rPr lang="de-DE" sz="900" dirty="0"/>
+              <a:t>    }</a:t>
+            </a:r>
+          </a:p>
+          <a:p>
+            <a:r>
+              <a:rPr lang="de-DE" sz="900" dirty="0"/>
+              <a:t>}</a:t>
+            </a:r>
+          </a:p>
+        </p:txBody>
+      </p:sp>
+      <p:sp>
+        <p:nvSpPr>
+          <p:cNvPr id="7" name="Text Placeholder 2">
+            <a:extLst>
+              <a:ext uri="{FF2B5EF4-FFF2-40B4-BE49-F238E27FC236}">
+                <a16:creationId xmlns:a16="http://schemas.microsoft.com/office/drawing/2014/main" id="{3DAEF8D3-31AA-46E3-BE55-7474D0551DCE}"/>
+              </a:ext>
+            </a:extLst>
+          </p:cNvPr>
+          <p:cNvSpPr txBox="1">
+            <a:spLocks/>
+          </p:cNvSpPr>
+          <p:nvPr/>
+        </p:nvSpPr>
+        <p:spPr bwMode="auto">
+          <a:xfrm>
+            <a:off x="7196261" y="1093728"/>
+            <a:ext cx="4660776" cy="4206240"/>
+          </a:xfrm>
+          <a:prstGeom prst="rect">
+            <a:avLst/>
+          </a:prstGeom>
+          <a:noFill/>
+          <a:ln>
+            <a:noFill/>
+          </a:ln>
+          <a:extLst>
+            <a:ext uri="{909E8E84-426E-40DD-AFC4-6F175D3DCCD1}">
+              <a14:hiddenFill xmlns:a14="http://schemas.microsoft.com/office/drawing/2010/main">
+                <a:solidFill>
+                  <a:srgbClr val="FFFFFF"/>
+                </a:solidFill>
+              </a14:hiddenFill>
+            </a:ext>
+            <a:ext uri="{91240B29-F687-4F45-9708-019B960494DF}">
+              <a14:hiddenLine xmlns:a14="http://schemas.microsoft.com/office/drawing/2010/main" w="9525">
+                <a:solidFill>
+                  <a:srgbClr val="000000"/>
+                </a:solidFill>
+                <a:miter lim="800000"/>
+                <a:headEnd/>
+                <a:tailEnd/>
+              </a14:hiddenLine>
+            </a:ext>
+          </a:extLst>
+        </p:spPr>
+        <p:txBody>
+          <a:bodyPr vert="horz" wrap="square" lIns="91440" tIns="45720" rIns="91440" bIns="45720" numCol="1" anchor="t" anchorCtr="0" compatLnSpc="1">
+            <a:prstTxWarp prst="textNoShape">
+              <a:avLst/>
+            </a:prstTxWarp>
+          </a:bodyPr>
+          <a:lstStyle>
+            <a:lvl1pPr marL="0" indent="0" algn="l" rtl="0" eaLnBrk="0" fontAlgn="base" hangingPunct="0">
+              <a:spcBef>
+                <a:spcPct val="20000"/>
+              </a:spcBef>
+              <a:spcAft>
+                <a:spcPct val="0"/>
+              </a:spcAft>
+              <a:buClr>
+                <a:srgbClr val="80BA24"/>
+              </a:buClr>
+              <a:buSzPct val="106000"/>
+              <a:buFontTx/>
+              <a:buNone/>
+              <a:defRPr kern="1200" baseline="0">
+                <a:solidFill>
+                  <a:srgbClr val="4A5C66"/>
+                </a:solidFill>
+                <a:latin typeface="Arial" pitchFamily="34" charset="0"/>
+                <a:ea typeface="MS PGothic" panose="020B0600070205080204" pitchFamily="34" charset="-128"/>
+                <a:cs typeface="Arial" pitchFamily="34" charset="0"/>
+              </a:defRPr>
+            </a:lvl1pPr>
+            <a:lvl2pPr marL="266700" indent="0" algn="l" rtl="0" eaLnBrk="0" fontAlgn="base" hangingPunct="0">
+              <a:spcBef>
+                <a:spcPct val="20000"/>
+              </a:spcBef>
+              <a:spcAft>
+                <a:spcPct val="0"/>
+              </a:spcAft>
+              <a:buClr>
+                <a:srgbClr val="80BA24"/>
+              </a:buClr>
+              <a:buSzPct val="90000"/>
+              <a:buFontTx/>
+              <a:buNone/>
+              <a:defRPr kern="1200">
+                <a:solidFill>
+                  <a:srgbClr val="4A5C66"/>
+                </a:solidFill>
+                <a:latin typeface="Arial" pitchFamily="34" charset="0"/>
+                <a:ea typeface="Arial" charset="0"/>
+                <a:cs typeface="Arial" pitchFamily="34" charset="0"/>
+              </a:defRPr>
+            </a:lvl2pPr>
+            <a:lvl3pPr marL="542925" indent="0" algn="l" rtl="0" eaLnBrk="0" fontAlgn="base" hangingPunct="0">
+              <a:spcBef>
+                <a:spcPct val="20000"/>
+              </a:spcBef>
+              <a:spcAft>
+                <a:spcPct val="0"/>
+              </a:spcAft>
+              <a:buClr>
+                <a:srgbClr val="80BA24"/>
+              </a:buClr>
+              <a:buSzPct val="80000"/>
+              <a:buFontTx/>
+              <a:buNone/>
+              <a:defRPr kern="1200">
+                <a:solidFill>
+                  <a:srgbClr val="4A5C66"/>
+                </a:solidFill>
+                <a:latin typeface="Arial" pitchFamily="34" charset="0"/>
+                <a:ea typeface="Arial" charset="0"/>
+                <a:cs typeface="Arial" pitchFamily="34" charset="0"/>
+              </a:defRPr>
+            </a:lvl3pPr>
+            <a:lvl4pPr marL="809625" indent="0" algn="l" rtl="0" eaLnBrk="0" fontAlgn="base" hangingPunct="0">
+              <a:spcBef>
+                <a:spcPct val="20000"/>
+              </a:spcBef>
+              <a:spcAft>
+                <a:spcPct val="0"/>
+              </a:spcAft>
+              <a:buClr>
+                <a:srgbClr val="80BA24"/>
+              </a:buClr>
+              <a:buSzPct val="80000"/>
+              <a:buFontTx/>
+              <a:buNone/>
+              <a:defRPr kern="1200">
+                <a:solidFill>
+                  <a:srgbClr val="4A5C66"/>
+                </a:solidFill>
+                <a:latin typeface="Arial" pitchFamily="34" charset="0"/>
+                <a:ea typeface="Arial" charset="0"/>
+                <a:cs typeface="Arial" pitchFamily="34" charset="0"/>
+              </a:defRPr>
+            </a:lvl4pPr>
+            <a:lvl5pPr marL="1076325" indent="0" algn="l" rtl="0" eaLnBrk="0" fontAlgn="base" hangingPunct="0">
+              <a:spcBef>
+                <a:spcPct val="20000"/>
+              </a:spcBef>
+              <a:spcAft>
+                <a:spcPct val="0"/>
+              </a:spcAft>
+              <a:buClr>
+                <a:srgbClr val="80BA24"/>
+              </a:buClr>
+              <a:buSzPct val="80000"/>
+              <a:buFontTx/>
+              <a:buNone/>
+              <a:defRPr kern="1200">
+                <a:solidFill>
+                  <a:srgbClr val="4A5C66"/>
+                </a:solidFill>
+                <a:latin typeface="Arial" pitchFamily="34" charset="0"/>
+                <a:ea typeface="Arial" charset="0"/>
+                <a:cs typeface="Arial" pitchFamily="34" charset="0"/>
+              </a:defRPr>
+            </a:lvl5pPr>
+            <a:lvl6pPr marL="2514600" indent="-228600" algn="l" defTabSz="914400" rtl="0" eaLnBrk="1" latinLnBrk="0" hangingPunct="1">
+              <a:spcBef>
+                <a:spcPct val="20000"/>
+              </a:spcBef>
+              <a:buFont typeface="Arial" pitchFamily="34" charset="0"/>
+              <a:buChar char="•"/>
+              <a:defRPr sz="2000" kern="1200">
+                <a:solidFill>
+                  <a:schemeClr val="tx1"/>
+                </a:solidFill>
+                <a:latin typeface="+mn-lt"/>
+                <a:ea typeface="+mn-ea"/>
+                <a:cs typeface="+mn-cs"/>
+              </a:defRPr>
+            </a:lvl6pPr>
+            <a:lvl7pPr marL="2971800" indent="-228600" algn="l" defTabSz="914400" rtl="0" eaLnBrk="1" latinLnBrk="0" hangingPunct="1">
+              <a:spcBef>
+                <a:spcPct val="20000"/>
+              </a:spcBef>
+              <a:buFont typeface="Arial" pitchFamily="34" charset="0"/>
+              <a:buChar char="•"/>
+              <a:defRPr sz="2000" kern="1200">
+                <a:solidFill>
+                  <a:schemeClr val="tx1"/>
+                </a:solidFill>
+                <a:latin typeface="+mn-lt"/>
+                <a:ea typeface="+mn-ea"/>
+                <a:cs typeface="+mn-cs"/>
+              </a:defRPr>
+            </a:lvl7pPr>
+            <a:lvl8pPr marL="3429000" indent="-228600" algn="l" defTabSz="914400" rtl="0" eaLnBrk="1" latinLnBrk="0" hangingPunct="1">
+              <a:spcBef>
+                <a:spcPct val="20000"/>
+              </a:spcBef>
+              <a:buFont typeface="Arial" pitchFamily="34" charset="0"/>
+              <a:buChar char="•"/>
+              <a:defRPr sz="2000" kern="1200">
+                <a:solidFill>
+                  <a:schemeClr val="tx1"/>
+                </a:solidFill>
+                <a:latin typeface="+mn-lt"/>
+                <a:ea typeface="+mn-ea"/>
+                <a:cs typeface="+mn-cs"/>
+              </a:defRPr>
+            </a:lvl8pPr>
+            <a:lvl9pPr marL="3886200" indent="-228600" algn="l" defTabSz="914400" rtl="0" eaLnBrk="1" latinLnBrk="0" hangingPunct="1">
+              <a:spcBef>
+                <a:spcPct val="20000"/>
+              </a:spcBef>
+              <a:buFont typeface="Arial" pitchFamily="34" charset="0"/>
+              <a:buChar char="•"/>
+              <a:defRPr sz="2000" kern="1200">
+                <a:solidFill>
+                  <a:schemeClr val="tx1"/>
+                </a:solidFill>
+                <a:latin typeface="+mn-lt"/>
+                <a:ea typeface="+mn-ea"/>
+                <a:cs typeface="+mn-cs"/>
+              </a:defRPr>
+            </a:lvl9pPr>
+          </a:lstStyle>
+          <a:p>
+            <a:pPr lvl="2">
+              <a:spcAft>
+                <a:spcPts val="600"/>
+              </a:spcAft>
+            </a:pPr>
+            <a:r>
+              <a:rPr lang="de-DE" sz="1800" dirty="0"/>
+              <a:t>p1 = 0 4 1 2 3</a:t>
+            </a:r>
+          </a:p>
+          <a:p>
+            <a:pPr lvl="2">
+              <a:spcAft>
+                <a:spcPts val="600"/>
+              </a:spcAft>
+            </a:pPr>
+            <a:r>
+              <a:rPr lang="de-DE" sz="1800" dirty="0"/>
+              <a:t>p2 = 2 1 3 0 4</a:t>
+            </a:r>
+          </a:p>
+          <a:p>
+            <a:pPr marL="342900" indent="-342900">
+              <a:spcAft>
+                <a:spcPts val="600"/>
+              </a:spcAft>
+              <a:buAutoNum type="arabicPeriod"/>
+            </a:pPr>
+            <a:r>
+              <a:rPr lang="de-DE" sz="1800" dirty="0"/>
+              <a:t>Baue eine Edge-Map:</a:t>
+            </a:r>
+          </a:p>
+          <a:p>
+            <a:pPr lvl="1">
+              <a:spcAft>
+                <a:spcPts val="600"/>
+              </a:spcAft>
+            </a:pPr>
+            <a:endParaRPr lang="de-DE" sz="1800" dirty="0"/>
+          </a:p>
+          <a:p>
+            <a:pPr lvl="1">
+              <a:spcAft>
+                <a:spcPts val="600"/>
+              </a:spcAft>
+            </a:pPr>
+            <a:endParaRPr lang="de-DE" sz="1800" dirty="0"/>
+          </a:p>
+          <a:p>
+            <a:pPr lvl="1">
+              <a:spcAft>
+                <a:spcPts val="600"/>
+              </a:spcAft>
+            </a:pPr>
+            <a:endParaRPr lang="de-DE" sz="1800" dirty="0"/>
+          </a:p>
+          <a:p>
+            <a:pPr lvl="1">
+              <a:spcAft>
+                <a:spcPts val="600"/>
+              </a:spcAft>
+            </a:pPr>
+            <a:endParaRPr lang="de-DE" sz="1800" dirty="0"/>
+          </a:p>
+          <a:p>
+            <a:pPr lvl="1">
+              <a:spcAft>
+                <a:spcPts val="600"/>
+              </a:spcAft>
+            </a:pPr>
+            <a:endParaRPr lang="de-DE" sz="1800" dirty="0"/>
+          </a:p>
+          <a:p>
+            <a:pPr lvl="1">
+              <a:spcAft>
+                <a:spcPts val="600"/>
+              </a:spcAft>
+            </a:pPr>
+            <a:endParaRPr lang="de-DE" sz="1800" dirty="0"/>
+          </a:p>
+          <a:p>
+            <a:pPr marL="342900" indent="-342900">
+              <a:spcAft>
+                <a:spcPts val="600"/>
+              </a:spcAft>
+              <a:buAutoNum type="arabicPeriod"/>
+            </a:pPr>
+            <a:r>
+              <a:rPr lang="de-DE" sz="1800" dirty="0"/>
+              <a:t>Edge-Recombination:</a:t>
+            </a:r>
+          </a:p>
+          <a:p>
+            <a:pPr lvl="1">
+              <a:spcAft>
+                <a:spcPts val="600"/>
+              </a:spcAft>
+            </a:pPr>
+            <a:r>
+              <a:rPr lang="de-DE" sz="1800" dirty="0"/>
+              <a:t>Startpunkt: Beginn eines Elternteils</a:t>
+            </a:r>
+          </a:p>
+          <a:p>
+            <a:pPr lvl="1">
+              <a:spcAft>
+                <a:spcPts val="600"/>
+              </a:spcAft>
+            </a:pPr>
+            <a:r>
+              <a:rPr lang="de-DE" sz="1800" dirty="0"/>
+              <a:t>c1: 0 4 1</a:t>
+            </a:r>
+          </a:p>
+        </p:txBody>
+      </p:sp>
+      <p:graphicFrame>
+        <p:nvGraphicFramePr>
+          <p:cNvPr id="4" name="Table 4">
+            <a:extLst>
+              <a:ext uri="{FF2B5EF4-FFF2-40B4-BE49-F238E27FC236}">
+                <a16:creationId xmlns:a16="http://schemas.microsoft.com/office/drawing/2014/main" id="{753C4526-386B-4058-AA57-62CD212E87A9}"/>
+              </a:ext>
+            </a:extLst>
+          </p:cNvPr>
+          <p:cNvGraphicFramePr>
+            <a:graphicFrameLocks noGrp="1"/>
+          </p:cNvGraphicFramePr>
+          <p:nvPr>
+            <p:extLst>
+              <p:ext uri="{D42A27DB-BD31-4B8C-83A1-F6EECF244321}">
+                <p14:modId xmlns:p14="http://schemas.microsoft.com/office/powerpoint/2010/main" val="3192964719"/>
+              </p:ext>
+            </p:extLst>
+          </p:nvPr>
+        </p:nvGraphicFramePr>
+        <p:xfrm>
+          <a:off x="7196261" y="2285589"/>
+          <a:ext cx="3142502" cy="2286822"/>
+        </p:xfrm>
+        <a:graphic>
+          <a:graphicData uri="http://schemas.openxmlformats.org/drawingml/2006/table">
+            <a:tbl>
+              <a:tblPr firstRow="1" bandRow="1">
+                <a:tableStyleId>{5C22544A-7EE6-4342-B048-85BDC9FD1C3A}</a:tableStyleId>
+              </a:tblPr>
+              <a:tblGrid>
+                <a:gridCol w="1571251">
+                  <a:extLst>
+                    <a:ext uri="{9D8B030D-6E8A-4147-A177-3AD203B41FA5}">
+                      <a16:colId xmlns:a16="http://schemas.microsoft.com/office/drawing/2014/main" val="1026705250"/>
+                    </a:ext>
+                  </a:extLst>
+                </a:gridCol>
+                <a:gridCol w="1571251">
+                  <a:extLst>
+                    <a:ext uri="{9D8B030D-6E8A-4147-A177-3AD203B41FA5}">
+                      <a16:colId xmlns:a16="http://schemas.microsoft.com/office/drawing/2014/main" val="1571639466"/>
+                    </a:ext>
+                  </a:extLst>
+                </a:gridCol>
+              </a:tblGrid>
+              <a:tr h="458022">
+                <a:tc>
+                  <a:txBody>
+                    <a:bodyPr/>
+                    <a:lstStyle/>
+                    <a:p>
+                      <a:r>
+                        <a:rPr lang="de-DE" dirty="0"/>
+                        <a:t>Knoten</a:t>
+                      </a:r>
+                    </a:p>
+                  </a:txBody>
+                  <a:tcPr/>
+                </a:tc>
+                <a:tc>
+                  <a:txBody>
+                    <a:bodyPr/>
+                    <a:lstStyle/>
+                    <a:p>
+                      <a:r>
+                        <a:rPr lang="de-DE" dirty="0"/>
+                        <a:t>Verbindung</a:t>
+                      </a:r>
+                    </a:p>
+                  </a:txBody>
+                  <a:tcPr/>
+                </a:tc>
+                <a:extLst>
+                  <a:ext uri="{0D108BD9-81ED-4DB2-BD59-A6C34878D82A}">
+                    <a16:rowId xmlns:a16="http://schemas.microsoft.com/office/drawing/2014/main" val="2519790438"/>
+                  </a:ext>
+                </a:extLst>
+              </a:tr>
+              <a:tr h="348317">
+                <a:tc>
+                  <a:txBody>
+                    <a:bodyPr/>
+                    <a:lstStyle/>
+                    <a:p>
+                      <a:r>
+                        <a:rPr lang="de-DE" dirty="0"/>
+                        <a:t>0</a:t>
+                      </a:r>
+                    </a:p>
+                  </a:txBody>
+                  <a:tcPr/>
+                </a:tc>
+                <a:tc>
+                  <a:txBody>
+                    <a:bodyPr/>
+                    <a:lstStyle/>
+                    <a:p>
+                      <a:r>
+                        <a:rPr lang="de-DE" dirty="0"/>
+                        <a:t>3 </a:t>
+                      </a:r>
+                      <a:r>
+                        <a:rPr lang="de-DE" strike="sngStrike" dirty="0">
+                          <a:solidFill>
+                            <a:srgbClr val="FF0000"/>
+                          </a:solidFill>
+                        </a:rPr>
+                        <a:t>4</a:t>
+                      </a:r>
+                    </a:p>
+                  </a:txBody>
+                  <a:tcPr/>
+                </a:tc>
+                <a:extLst>
+                  <a:ext uri="{0D108BD9-81ED-4DB2-BD59-A6C34878D82A}">
+                    <a16:rowId xmlns:a16="http://schemas.microsoft.com/office/drawing/2014/main" val="1783784983"/>
+                  </a:ext>
+                </a:extLst>
+              </a:tr>
+              <a:tr h="261727">
+                <a:tc>
+                  <a:txBody>
+                    <a:bodyPr/>
+                    <a:lstStyle/>
+                    <a:p>
+                      <a:r>
+                        <a:rPr lang="de-DE" dirty="0"/>
+                        <a:t>1</a:t>
+                      </a:r>
+                    </a:p>
+                  </a:txBody>
+                  <a:tcPr/>
+                </a:tc>
+                <a:tc>
+                  <a:txBody>
+                    <a:bodyPr/>
+                    <a:lstStyle/>
+                    <a:p>
+                      <a:r>
+                        <a:rPr lang="de-DE" dirty="0"/>
+                        <a:t>2 </a:t>
+                      </a:r>
+                      <a:r>
+                        <a:rPr lang="de-DE" strike="sngStrike" dirty="0">
+                          <a:solidFill>
+                            <a:srgbClr val="FF0000"/>
+                          </a:solidFill>
+                        </a:rPr>
+                        <a:t>4</a:t>
+                      </a:r>
+                      <a:r>
+                        <a:rPr lang="de-DE" dirty="0"/>
+                        <a:t> 3</a:t>
+                      </a:r>
+                    </a:p>
+                  </a:txBody>
+                  <a:tcPr/>
+                </a:tc>
+                <a:extLst>
+                  <a:ext uri="{0D108BD9-81ED-4DB2-BD59-A6C34878D82A}">
+                    <a16:rowId xmlns:a16="http://schemas.microsoft.com/office/drawing/2014/main" val="1786008815"/>
+                  </a:ext>
+                </a:extLst>
+              </a:tr>
+              <a:tr h="261727">
+                <a:tc>
+                  <a:txBody>
+                    <a:bodyPr/>
+                    <a:lstStyle/>
+                    <a:p>
+                      <a:r>
+                        <a:rPr lang="de-DE" dirty="0"/>
+                        <a:t>2</a:t>
+                      </a:r>
+                    </a:p>
+                  </a:txBody>
+                  <a:tcPr/>
+                </a:tc>
+                <a:tc>
+                  <a:txBody>
+                    <a:bodyPr/>
+                    <a:lstStyle/>
+                    <a:p>
+                      <a:r>
+                        <a:rPr lang="de-DE" strike="sngStrike" dirty="0">
+                          <a:solidFill>
+                            <a:srgbClr val="FF0000"/>
+                          </a:solidFill>
+                        </a:rPr>
+                        <a:t>1</a:t>
+                      </a:r>
+                      <a:r>
+                        <a:rPr lang="de-DE" dirty="0"/>
+                        <a:t> 3</a:t>
+                      </a:r>
+                    </a:p>
+                  </a:txBody>
+                  <a:tcPr/>
+                </a:tc>
+                <a:extLst>
+                  <a:ext uri="{0D108BD9-81ED-4DB2-BD59-A6C34878D82A}">
+                    <a16:rowId xmlns:a16="http://schemas.microsoft.com/office/drawing/2014/main" val="3190313410"/>
+                  </a:ext>
+                </a:extLst>
+              </a:tr>
+              <a:tr h="261727">
+                <a:tc>
+                  <a:txBody>
+                    <a:bodyPr/>
+                    <a:lstStyle/>
+                    <a:p>
+                      <a:r>
+                        <a:rPr lang="de-DE" dirty="0"/>
+                        <a:t>3</a:t>
+                      </a:r>
+                    </a:p>
+                  </a:txBody>
+                  <a:tcPr/>
+                </a:tc>
+                <a:tc>
+                  <a:txBody>
+                    <a:bodyPr/>
+                    <a:lstStyle/>
+                    <a:p>
+                      <a:r>
+                        <a:rPr lang="de-DE" strike="sngStrike" dirty="0">
+                          <a:solidFill>
+                            <a:srgbClr val="FF0000"/>
+                          </a:solidFill>
+                        </a:rPr>
+                        <a:t>1</a:t>
+                      </a:r>
+                      <a:r>
+                        <a:rPr lang="de-DE" dirty="0"/>
+                        <a:t> 2 </a:t>
+                      </a:r>
+                      <a:r>
+                        <a:rPr lang="de-DE" strike="sngStrike" dirty="0">
+                          <a:solidFill>
+                            <a:srgbClr val="FF0000"/>
+                          </a:solidFill>
+                        </a:rPr>
+                        <a:t>0</a:t>
+                      </a:r>
+                    </a:p>
+                  </a:txBody>
+                  <a:tcPr/>
+                </a:tc>
+                <a:extLst>
+                  <a:ext uri="{0D108BD9-81ED-4DB2-BD59-A6C34878D82A}">
+                    <a16:rowId xmlns:a16="http://schemas.microsoft.com/office/drawing/2014/main" val="3687157222"/>
+                  </a:ext>
+                </a:extLst>
+              </a:tr>
+              <a:tr h="261727">
+                <a:tc>
+                  <a:txBody>
+                    <a:bodyPr/>
+                    <a:lstStyle/>
+                    <a:p>
+                      <a:r>
+                        <a:rPr lang="de-DE" dirty="0"/>
+                        <a:t>4</a:t>
+                      </a:r>
+                    </a:p>
+                  </a:txBody>
+                  <a:tcPr/>
+                </a:tc>
+                <a:tc>
+                  <a:txBody>
+                    <a:bodyPr/>
+                    <a:lstStyle/>
+                    <a:p>
+                      <a:r>
+                        <a:rPr lang="de-DE" strike="sngStrike" dirty="0">
+                          <a:solidFill>
+                            <a:srgbClr val="FF0000"/>
+                          </a:solidFill>
+                        </a:rPr>
+                        <a:t>0</a:t>
+                      </a:r>
+                      <a:r>
+                        <a:rPr lang="de-DE" dirty="0"/>
+                        <a:t> </a:t>
+                      </a:r>
+                      <a:r>
+                        <a:rPr lang="de-DE" strike="sngStrike" dirty="0">
+                          <a:solidFill>
+                            <a:srgbClr val="FF0000"/>
+                          </a:solidFill>
+                        </a:rPr>
+                        <a:t>1</a:t>
+                      </a:r>
+                    </a:p>
+                  </a:txBody>
+                  <a:tcPr/>
+                </a:tc>
+                <a:extLst>
+                  <a:ext uri="{0D108BD9-81ED-4DB2-BD59-A6C34878D82A}">
+                    <a16:rowId xmlns:a16="http://schemas.microsoft.com/office/drawing/2014/main" val="3257157716"/>
+                  </a:ext>
+                </a:extLst>
+              </a:tr>
+            </a:tbl>
+          </a:graphicData>
+        </a:graphic>
+      </p:graphicFrame>
+    </p:spTree>
+    <p:extLst>
+      <p:ext uri="{BB962C8B-B14F-4D97-AF65-F5344CB8AC3E}">
+        <p14:creationId xmlns:p14="http://schemas.microsoft.com/office/powerpoint/2010/main" val="1531662879"/>
+      </p:ext>
+    </p:extLst>
+  </p:cSld>
+  <p:clrMapOvr>
+    <a:masterClrMapping/>
+  </p:clrMapOvr>
+</p:sld>
+</file>
+
+<file path=ppt/slides/slide21.xml><?xml version="1.0" encoding="utf-8"?>
+<p:sld xmlns:a="http://schemas.openxmlformats.org/drawingml/2006/main" xmlns:r="http://schemas.openxmlformats.org/officeDocument/2006/relationships" xmlns:p="http://schemas.openxmlformats.org/presentationml/2006/main">
+  <p:cSld>
+    <p:spTree>
+      <p:nvGrpSpPr>
+        <p:cNvPr id="1" name=""/>
+        <p:cNvGrpSpPr/>
+        <p:nvPr/>
+      </p:nvGrpSpPr>
+      <p:grpSpPr>
+        <a:xfrm>
+          <a:off x="0" y="0"/>
+          <a:ext cx="0" cy="0"/>
+          <a:chOff x="0" y="0"/>
+          <a:chExt cx="0" cy="0"/>
+        </a:xfrm>
+      </p:grpSpPr>
+      <p:sp>
+        <p:nvSpPr>
+          <p:cNvPr id="2" name="Title 1">
+            <a:extLst>
+              <a:ext uri="{FF2B5EF4-FFF2-40B4-BE49-F238E27FC236}">
+                <a16:creationId xmlns:a16="http://schemas.microsoft.com/office/drawing/2014/main" id="{DD2388D8-106E-40D0-A4BD-5FF4C2E2935B}"/>
+              </a:ext>
+            </a:extLst>
+          </p:cNvPr>
+          <p:cNvSpPr>
+            <a:spLocks noGrp="1"/>
+          </p:cNvSpPr>
+          <p:nvPr>
+            <p:ph type="title"/>
+          </p:nvPr>
+        </p:nvSpPr>
+        <p:spPr/>
+        <p:txBody>
+          <a:bodyPr/>
+          <a:lstStyle/>
+          <a:p>
+            <a:r>
+              <a:rPr lang="de-DE" dirty="0"/>
+              <a:t>Realisierung – Edge-Rocombination-Algorithm</a:t>
+            </a:r>
+          </a:p>
+        </p:txBody>
+      </p:sp>
+      <p:sp>
+        <p:nvSpPr>
+          <p:cNvPr id="3" name="Text Placeholder 2">
+            <a:extLst>
+              <a:ext uri="{FF2B5EF4-FFF2-40B4-BE49-F238E27FC236}">
+                <a16:creationId xmlns:a16="http://schemas.microsoft.com/office/drawing/2014/main" id="{79F1354A-B6A2-451D-B387-D4D8507220EF}"/>
+              </a:ext>
+            </a:extLst>
+          </p:cNvPr>
+          <p:cNvSpPr>
+            <a:spLocks noGrp="1"/>
+          </p:cNvSpPr>
+          <p:nvPr>
+            <p:ph type="body" sz="quarter" idx="11"/>
+          </p:nvPr>
+        </p:nvSpPr>
+        <p:spPr>
+          <a:xfrm>
+            <a:off x="334963" y="1280160"/>
+            <a:ext cx="6101348" cy="4534714"/>
+          </a:xfrm>
+        </p:spPr>
+        <p:txBody>
+          <a:bodyPr/>
+          <a:lstStyle/>
+          <a:p>
+            <a:r>
+              <a:rPr lang="de-DE" sz="900" dirty="0">
+                <a:solidFill>
+                  <a:schemeClr val="accent6">
+                    <a:lumMod val="75000"/>
+                  </a:schemeClr>
+                </a:solidFill>
+              </a:rPr>
+              <a:t>bool</a:t>
+            </a:r>
+            <a:r>
+              <a:rPr lang="de-DE" sz="900" dirty="0"/>
+              <a:t> edge_recombination_crossover(Individual &amp;p1, Individual &amp;p2, Individual &amp;c1, Individual &amp;c2) {</a:t>
+            </a:r>
+          </a:p>
+          <a:p>
+            <a:r>
+              <a:rPr lang="de-DE" sz="900" dirty="0"/>
+              <a:t>    std::map&lt;int, std::set&lt;int&gt;&gt; edge_map = create_edge_map(p1, p2);</a:t>
+            </a:r>
+          </a:p>
+          <a:p>
+            <a:r>
+              <a:rPr lang="de-DE" sz="900" dirty="0"/>
+              <a:t>    edge_recombination(p1.get_chromosome().at(0),c1, edge_map);</a:t>
+            </a:r>
+          </a:p>
+          <a:p>
+            <a:r>
+              <a:rPr lang="de-DE" sz="900" dirty="0"/>
+              <a:t>    edge_recombination(p2.get_chromosome().at(0),c2, edge_map);</a:t>
+            </a:r>
+          </a:p>
+          <a:p>
+            <a:r>
+              <a:rPr lang="de-DE" sz="900" dirty="0"/>
+              <a:t>    </a:t>
+            </a:r>
+            <a:r>
+              <a:rPr lang="de-DE" sz="900" dirty="0">
+                <a:solidFill>
+                  <a:schemeClr val="accent6">
+                    <a:lumMod val="75000"/>
+                  </a:schemeClr>
+                </a:solidFill>
+              </a:rPr>
+              <a:t>return</a:t>
+            </a:r>
+            <a:r>
+              <a:rPr lang="de-DE" sz="900" dirty="0"/>
+              <a:t> true;</a:t>
+            </a:r>
+          </a:p>
+          <a:p>
+            <a:r>
+              <a:rPr lang="de-DE" sz="900" dirty="0"/>
+              <a:t>}</a:t>
+            </a:r>
+          </a:p>
+          <a:p>
+            <a:r>
+              <a:rPr lang="de-DE" sz="900" dirty="0"/>
+              <a:t>´</a:t>
+            </a:r>
+          </a:p>
+          <a:p>
+            <a:r>
+              <a:rPr lang="de-DE" sz="900" dirty="0">
+                <a:solidFill>
+                  <a:schemeClr val="accent6">
+                    <a:lumMod val="75000"/>
+                  </a:schemeClr>
+                </a:solidFill>
+              </a:rPr>
+              <a:t>void</a:t>
+            </a:r>
+            <a:r>
+              <a:rPr lang="de-DE" sz="900" dirty="0"/>
+              <a:t> edge_recombination(int start, Individual &amp;i, std::map&lt;int, std::set&lt;int&gt;&gt; edge_map) {</a:t>
+            </a:r>
+          </a:p>
+          <a:p>
+            <a:r>
+              <a:rPr lang="de-DE" sz="900" dirty="0"/>
+              <a:t>    int current = start;</a:t>
+            </a:r>
+          </a:p>
+          <a:p>
+            <a:r>
+              <a:rPr lang="de-DE" sz="900" dirty="0"/>
+              <a:t>   </a:t>
+            </a:r>
+            <a:r>
+              <a:rPr lang="de-DE" sz="900" dirty="0">
+                <a:solidFill>
+                  <a:schemeClr val="accent6">
+                    <a:lumMod val="75000"/>
+                  </a:schemeClr>
+                </a:solidFill>
+              </a:rPr>
+              <a:t>for</a:t>
+            </a:r>
+            <a:r>
+              <a:rPr lang="de-DE" sz="900" dirty="0"/>
+              <a:t> (int idx = 0; idx &lt; i.get_size() - 1; ++idx) {</a:t>
+            </a:r>
+          </a:p>
+          <a:p>
+            <a:r>
+              <a:rPr lang="de-DE" sz="900" dirty="0"/>
+              <a:t>        i.update_chromosome(current, idx);</a:t>
+            </a:r>
+          </a:p>
+          <a:p>
+            <a:r>
+              <a:rPr lang="de-DE" sz="900" dirty="0"/>
+              <a:t>        for (auto &amp;it : edge_map) {</a:t>
+            </a:r>
+          </a:p>
+          <a:p>
+            <a:r>
+              <a:rPr lang="de-DE" sz="900" dirty="0"/>
+              <a:t>            it.second.erase(current);</a:t>
+            </a:r>
+          </a:p>
+          <a:p>
+            <a:r>
+              <a:rPr lang="de-DE" sz="900" dirty="0"/>
+              <a:t>        }</a:t>
+            </a:r>
+          </a:p>
+          <a:p>
+            <a:r>
+              <a:rPr lang="de-DE" sz="900" dirty="0"/>
+              <a:t>        int min_next_idx = -2;</a:t>
+            </a:r>
+          </a:p>
+          <a:p>
+            <a:r>
+              <a:rPr lang="de-DE" sz="900" dirty="0"/>
+              <a:t>        unsigned int min_next_count = std::numeric_limits&lt;int&gt;::max();</a:t>
+            </a:r>
+          </a:p>
+          <a:p>
+            <a:endParaRPr lang="de-DE" sz="900" dirty="0"/>
+          </a:p>
+          <a:p>
+            <a:r>
+              <a:rPr lang="de-DE" sz="900" dirty="0"/>
+              <a:t>        </a:t>
+            </a:r>
+            <a:r>
+              <a:rPr lang="de-DE" sz="900" dirty="0">
+                <a:solidFill>
+                  <a:schemeClr val="accent6">
+                    <a:lumMod val="75000"/>
+                  </a:schemeClr>
+                </a:solidFill>
+              </a:rPr>
+              <a:t>for</a:t>
+            </a:r>
+            <a:r>
+              <a:rPr lang="de-DE" sz="900" dirty="0"/>
+              <a:t> (int node : edge_map.at(current)) {</a:t>
+            </a:r>
+          </a:p>
+          <a:p>
+            <a:r>
+              <a:rPr lang="de-DE" sz="900" dirty="0"/>
+              <a:t>            </a:t>
+            </a:r>
+            <a:r>
+              <a:rPr lang="de-DE" sz="900" dirty="0">
+                <a:solidFill>
+                  <a:schemeClr val="accent6">
+                    <a:lumMod val="75000"/>
+                  </a:schemeClr>
+                </a:solidFill>
+              </a:rPr>
+              <a:t>if</a:t>
+            </a:r>
+            <a:r>
+              <a:rPr lang="de-DE" sz="900" dirty="0"/>
+              <a:t> (edge_map.at(node).size() &lt; min_next_count) {</a:t>
+            </a:r>
+          </a:p>
+          <a:p>
+            <a:r>
+              <a:rPr lang="de-DE" sz="900" dirty="0"/>
+              <a:t>                min_next_count = edge_map.at(node).size();</a:t>
+            </a:r>
+          </a:p>
+          <a:p>
+            <a:r>
+              <a:rPr lang="de-DE" sz="900" dirty="0"/>
+              <a:t>                min_next_idx = node;</a:t>
+            </a:r>
+          </a:p>
+          <a:p>
+            <a:r>
+              <a:rPr lang="de-DE" sz="900" dirty="0"/>
+              <a:t>            }</a:t>
+            </a:r>
+          </a:p>
+          <a:p>
+            <a:r>
+              <a:rPr lang="de-DE" sz="900" dirty="0"/>
+              <a:t>        }</a:t>
+            </a:r>
+          </a:p>
+          <a:p>
+            <a:r>
+              <a:rPr lang="de-DE" sz="900" dirty="0"/>
+              <a:t>        current = min_next_idx;</a:t>
+            </a:r>
+          </a:p>
+          <a:p>
+            <a:r>
+              <a:rPr lang="de-DE" sz="900" dirty="0"/>
+              <a:t>    }</a:t>
+            </a:r>
+          </a:p>
+          <a:p>
+            <a:r>
+              <a:rPr lang="de-DE" sz="900" dirty="0"/>
+              <a:t>    </a:t>
+            </a:r>
+            <a:r>
+              <a:rPr lang="de-DE" sz="900" dirty="0">
+                <a:solidFill>
+                  <a:schemeClr val="accent6">
+                    <a:lumMod val="75000"/>
+                  </a:schemeClr>
+                </a:solidFill>
+              </a:rPr>
+              <a:t>if</a:t>
+            </a:r>
+            <a:r>
+              <a:rPr lang="de-DE" sz="900" dirty="0"/>
+              <a:t> (idx == i.get_size() - 2) {</a:t>
+            </a:r>
+          </a:p>
+          <a:p>
+            <a:r>
+              <a:rPr lang="de-DE" sz="900" dirty="0"/>
+              <a:t>            i.update_chromosome(current, idx + 1);</a:t>
+            </a:r>
+          </a:p>
+          <a:p>
+            <a:r>
+              <a:rPr lang="de-DE" sz="900" dirty="0"/>
+              <a:t>        }</a:t>
+            </a:r>
+          </a:p>
+          <a:p>
+            <a:r>
+              <a:rPr lang="de-DE" sz="900" dirty="0"/>
+              <a:t>    }</a:t>
+            </a:r>
+          </a:p>
+          <a:p>
+            <a:r>
+              <a:rPr lang="de-DE" sz="900" dirty="0"/>
+              <a:t>}</a:t>
+            </a:r>
+          </a:p>
+        </p:txBody>
+      </p:sp>
+      <p:sp>
+        <p:nvSpPr>
+          <p:cNvPr id="7" name="Text Placeholder 2">
+            <a:extLst>
+              <a:ext uri="{FF2B5EF4-FFF2-40B4-BE49-F238E27FC236}">
+                <a16:creationId xmlns:a16="http://schemas.microsoft.com/office/drawing/2014/main" id="{3DAEF8D3-31AA-46E3-BE55-7474D0551DCE}"/>
+              </a:ext>
+            </a:extLst>
+          </p:cNvPr>
+          <p:cNvSpPr txBox="1">
+            <a:spLocks/>
+          </p:cNvSpPr>
+          <p:nvPr/>
+        </p:nvSpPr>
+        <p:spPr bwMode="auto">
+          <a:xfrm>
+            <a:off x="7196261" y="1093728"/>
+            <a:ext cx="4660776" cy="4206240"/>
+          </a:xfrm>
+          <a:prstGeom prst="rect">
+            <a:avLst/>
+          </a:prstGeom>
+          <a:noFill/>
+          <a:ln>
+            <a:noFill/>
+          </a:ln>
+          <a:extLst>
+            <a:ext uri="{909E8E84-426E-40DD-AFC4-6F175D3DCCD1}">
+              <a14:hiddenFill xmlns:a14="http://schemas.microsoft.com/office/drawing/2010/main">
+                <a:solidFill>
+                  <a:srgbClr val="FFFFFF"/>
+                </a:solidFill>
+              </a14:hiddenFill>
+            </a:ext>
+            <a:ext uri="{91240B29-F687-4F45-9708-019B960494DF}">
+              <a14:hiddenLine xmlns:a14="http://schemas.microsoft.com/office/drawing/2010/main" w="9525">
+                <a:solidFill>
+                  <a:srgbClr val="000000"/>
+                </a:solidFill>
+                <a:miter lim="800000"/>
+                <a:headEnd/>
+                <a:tailEnd/>
+              </a14:hiddenLine>
+            </a:ext>
+          </a:extLst>
+        </p:spPr>
+        <p:txBody>
+          <a:bodyPr vert="horz" wrap="square" lIns="91440" tIns="45720" rIns="91440" bIns="45720" numCol="1" anchor="t" anchorCtr="0" compatLnSpc="1">
+            <a:prstTxWarp prst="textNoShape">
+              <a:avLst/>
+            </a:prstTxWarp>
+          </a:bodyPr>
+          <a:lstStyle>
+            <a:lvl1pPr marL="0" indent="0" algn="l" rtl="0" eaLnBrk="0" fontAlgn="base" hangingPunct="0">
+              <a:spcBef>
+                <a:spcPct val="20000"/>
+              </a:spcBef>
+              <a:spcAft>
+                <a:spcPct val="0"/>
+              </a:spcAft>
+              <a:buClr>
+                <a:srgbClr val="80BA24"/>
+              </a:buClr>
+              <a:buSzPct val="106000"/>
+              <a:buFontTx/>
+              <a:buNone/>
+              <a:defRPr kern="1200" baseline="0">
+                <a:solidFill>
+                  <a:srgbClr val="4A5C66"/>
+                </a:solidFill>
+                <a:latin typeface="Arial" pitchFamily="34" charset="0"/>
+                <a:ea typeface="MS PGothic" panose="020B0600070205080204" pitchFamily="34" charset="-128"/>
+                <a:cs typeface="Arial" pitchFamily="34" charset="0"/>
+              </a:defRPr>
+            </a:lvl1pPr>
+            <a:lvl2pPr marL="266700" indent="0" algn="l" rtl="0" eaLnBrk="0" fontAlgn="base" hangingPunct="0">
+              <a:spcBef>
+                <a:spcPct val="20000"/>
+              </a:spcBef>
+              <a:spcAft>
+                <a:spcPct val="0"/>
+              </a:spcAft>
+              <a:buClr>
+                <a:srgbClr val="80BA24"/>
+              </a:buClr>
+              <a:buSzPct val="90000"/>
+              <a:buFontTx/>
+              <a:buNone/>
+              <a:defRPr kern="1200">
+                <a:solidFill>
+                  <a:srgbClr val="4A5C66"/>
+                </a:solidFill>
+                <a:latin typeface="Arial" pitchFamily="34" charset="0"/>
+                <a:ea typeface="Arial" charset="0"/>
+                <a:cs typeface="Arial" pitchFamily="34" charset="0"/>
+              </a:defRPr>
+            </a:lvl2pPr>
+            <a:lvl3pPr marL="542925" indent="0" algn="l" rtl="0" eaLnBrk="0" fontAlgn="base" hangingPunct="0">
+              <a:spcBef>
+                <a:spcPct val="20000"/>
+              </a:spcBef>
+              <a:spcAft>
+                <a:spcPct val="0"/>
+              </a:spcAft>
+              <a:buClr>
+                <a:srgbClr val="80BA24"/>
+              </a:buClr>
+              <a:buSzPct val="80000"/>
+              <a:buFontTx/>
+              <a:buNone/>
+              <a:defRPr kern="1200">
+                <a:solidFill>
+                  <a:srgbClr val="4A5C66"/>
+                </a:solidFill>
+                <a:latin typeface="Arial" pitchFamily="34" charset="0"/>
+                <a:ea typeface="Arial" charset="0"/>
+                <a:cs typeface="Arial" pitchFamily="34" charset="0"/>
+              </a:defRPr>
+            </a:lvl3pPr>
+            <a:lvl4pPr marL="809625" indent="0" algn="l" rtl="0" eaLnBrk="0" fontAlgn="base" hangingPunct="0">
+              <a:spcBef>
+                <a:spcPct val="20000"/>
+              </a:spcBef>
+              <a:spcAft>
+                <a:spcPct val="0"/>
+              </a:spcAft>
+              <a:buClr>
+                <a:srgbClr val="80BA24"/>
+              </a:buClr>
+              <a:buSzPct val="80000"/>
+              <a:buFontTx/>
+              <a:buNone/>
+              <a:defRPr kern="1200">
+                <a:solidFill>
+                  <a:srgbClr val="4A5C66"/>
+                </a:solidFill>
+                <a:latin typeface="Arial" pitchFamily="34" charset="0"/>
+                <a:ea typeface="Arial" charset="0"/>
+                <a:cs typeface="Arial" pitchFamily="34" charset="0"/>
+              </a:defRPr>
+            </a:lvl4pPr>
+            <a:lvl5pPr marL="1076325" indent="0" algn="l" rtl="0" eaLnBrk="0" fontAlgn="base" hangingPunct="0">
+              <a:spcBef>
+                <a:spcPct val="20000"/>
+              </a:spcBef>
+              <a:spcAft>
+                <a:spcPct val="0"/>
+              </a:spcAft>
+              <a:buClr>
+                <a:srgbClr val="80BA24"/>
+              </a:buClr>
+              <a:buSzPct val="80000"/>
+              <a:buFontTx/>
+              <a:buNone/>
+              <a:defRPr kern="1200">
+                <a:solidFill>
+                  <a:srgbClr val="4A5C66"/>
+                </a:solidFill>
+                <a:latin typeface="Arial" pitchFamily="34" charset="0"/>
+                <a:ea typeface="Arial" charset="0"/>
+                <a:cs typeface="Arial" pitchFamily="34" charset="0"/>
+              </a:defRPr>
+            </a:lvl5pPr>
+            <a:lvl6pPr marL="2514600" indent="-228600" algn="l" defTabSz="914400" rtl="0" eaLnBrk="1" latinLnBrk="0" hangingPunct="1">
+              <a:spcBef>
+                <a:spcPct val="20000"/>
+              </a:spcBef>
+              <a:buFont typeface="Arial" pitchFamily="34" charset="0"/>
+              <a:buChar char="•"/>
+              <a:defRPr sz="2000" kern="1200">
+                <a:solidFill>
+                  <a:schemeClr val="tx1"/>
+                </a:solidFill>
+                <a:latin typeface="+mn-lt"/>
+                <a:ea typeface="+mn-ea"/>
+                <a:cs typeface="+mn-cs"/>
+              </a:defRPr>
+            </a:lvl6pPr>
+            <a:lvl7pPr marL="2971800" indent="-228600" algn="l" defTabSz="914400" rtl="0" eaLnBrk="1" latinLnBrk="0" hangingPunct="1">
+              <a:spcBef>
+                <a:spcPct val="20000"/>
+              </a:spcBef>
+              <a:buFont typeface="Arial" pitchFamily="34" charset="0"/>
+              <a:buChar char="•"/>
+              <a:defRPr sz="2000" kern="1200">
+                <a:solidFill>
+                  <a:schemeClr val="tx1"/>
+                </a:solidFill>
+                <a:latin typeface="+mn-lt"/>
+                <a:ea typeface="+mn-ea"/>
+                <a:cs typeface="+mn-cs"/>
+              </a:defRPr>
+            </a:lvl7pPr>
+            <a:lvl8pPr marL="3429000" indent="-228600" algn="l" defTabSz="914400" rtl="0" eaLnBrk="1" latinLnBrk="0" hangingPunct="1">
+              <a:spcBef>
+                <a:spcPct val="20000"/>
+              </a:spcBef>
+              <a:buFont typeface="Arial" pitchFamily="34" charset="0"/>
+              <a:buChar char="•"/>
+              <a:defRPr sz="2000" kern="1200">
+                <a:solidFill>
+                  <a:schemeClr val="tx1"/>
+                </a:solidFill>
+                <a:latin typeface="+mn-lt"/>
+                <a:ea typeface="+mn-ea"/>
+                <a:cs typeface="+mn-cs"/>
+              </a:defRPr>
+            </a:lvl8pPr>
+            <a:lvl9pPr marL="3886200" indent="-228600" algn="l" defTabSz="914400" rtl="0" eaLnBrk="1" latinLnBrk="0" hangingPunct="1">
+              <a:spcBef>
+                <a:spcPct val="20000"/>
+              </a:spcBef>
+              <a:buFont typeface="Arial" pitchFamily="34" charset="0"/>
+              <a:buChar char="•"/>
+              <a:defRPr sz="2000" kern="1200">
+                <a:solidFill>
+                  <a:schemeClr val="tx1"/>
+                </a:solidFill>
+                <a:latin typeface="+mn-lt"/>
+                <a:ea typeface="+mn-ea"/>
+                <a:cs typeface="+mn-cs"/>
+              </a:defRPr>
+            </a:lvl9pPr>
+          </a:lstStyle>
+          <a:p>
+            <a:pPr lvl="2">
+              <a:spcAft>
+                <a:spcPts val="600"/>
+              </a:spcAft>
+            </a:pPr>
+            <a:r>
+              <a:rPr lang="de-DE" sz="1800" dirty="0"/>
+              <a:t>p1 = 0 4 1 2 3</a:t>
+            </a:r>
+          </a:p>
+          <a:p>
+            <a:pPr lvl="2">
+              <a:spcAft>
+                <a:spcPts val="600"/>
+              </a:spcAft>
+            </a:pPr>
+            <a:r>
+              <a:rPr lang="de-DE" sz="1800" dirty="0"/>
+              <a:t>p2 = 2 1 3 0 4</a:t>
+            </a:r>
+          </a:p>
+          <a:p>
+            <a:pPr marL="342900" indent="-342900">
+              <a:spcAft>
+                <a:spcPts val="600"/>
+              </a:spcAft>
+              <a:buAutoNum type="arabicPeriod"/>
+            </a:pPr>
+            <a:r>
+              <a:rPr lang="de-DE" sz="1800" dirty="0"/>
+              <a:t>Baue eine Edge-Map:</a:t>
+            </a:r>
+          </a:p>
+          <a:p>
+            <a:pPr lvl="1">
+              <a:spcAft>
+                <a:spcPts val="600"/>
+              </a:spcAft>
+            </a:pPr>
+            <a:endParaRPr lang="de-DE" sz="1800" dirty="0"/>
+          </a:p>
+          <a:p>
+            <a:pPr lvl="1">
+              <a:spcAft>
+                <a:spcPts val="600"/>
+              </a:spcAft>
+            </a:pPr>
+            <a:endParaRPr lang="de-DE" sz="1800" dirty="0"/>
+          </a:p>
+          <a:p>
+            <a:pPr lvl="1">
+              <a:spcAft>
+                <a:spcPts val="600"/>
+              </a:spcAft>
+            </a:pPr>
+            <a:endParaRPr lang="de-DE" sz="1800" dirty="0"/>
+          </a:p>
+          <a:p>
+            <a:pPr lvl="1">
+              <a:spcAft>
+                <a:spcPts val="600"/>
+              </a:spcAft>
+            </a:pPr>
+            <a:endParaRPr lang="de-DE" sz="1800" dirty="0"/>
+          </a:p>
+          <a:p>
+            <a:pPr lvl="1">
+              <a:spcAft>
+                <a:spcPts val="600"/>
+              </a:spcAft>
+            </a:pPr>
+            <a:endParaRPr lang="de-DE" sz="1800" dirty="0"/>
+          </a:p>
+          <a:p>
+            <a:pPr lvl="1">
+              <a:spcAft>
+                <a:spcPts val="600"/>
+              </a:spcAft>
+            </a:pPr>
+            <a:endParaRPr lang="de-DE" sz="1800" dirty="0"/>
+          </a:p>
+          <a:p>
+            <a:pPr marL="342900" indent="-342900">
+              <a:spcAft>
+                <a:spcPts val="600"/>
+              </a:spcAft>
+              <a:buAutoNum type="arabicPeriod"/>
+            </a:pPr>
+            <a:r>
+              <a:rPr lang="de-DE" sz="1800" dirty="0"/>
+              <a:t>Edge-Recombination:</a:t>
+            </a:r>
+          </a:p>
+          <a:p>
+            <a:pPr lvl="1">
+              <a:spcAft>
+                <a:spcPts val="600"/>
+              </a:spcAft>
+            </a:pPr>
+            <a:r>
+              <a:rPr lang="de-DE" sz="1800" dirty="0"/>
+              <a:t>Startpunkt: Beginn eines Elternteils</a:t>
+            </a:r>
+          </a:p>
+          <a:p>
+            <a:pPr lvl="1">
+              <a:spcAft>
+                <a:spcPts val="600"/>
+              </a:spcAft>
+            </a:pPr>
+            <a:r>
+              <a:rPr lang="de-DE" sz="1800" dirty="0"/>
+              <a:t>c1: 0 4 1 3</a:t>
+            </a:r>
+          </a:p>
+        </p:txBody>
+      </p:sp>
+      <p:graphicFrame>
+        <p:nvGraphicFramePr>
+          <p:cNvPr id="4" name="Table 4">
+            <a:extLst>
+              <a:ext uri="{FF2B5EF4-FFF2-40B4-BE49-F238E27FC236}">
+                <a16:creationId xmlns:a16="http://schemas.microsoft.com/office/drawing/2014/main" id="{753C4526-386B-4058-AA57-62CD212E87A9}"/>
+              </a:ext>
+            </a:extLst>
+          </p:cNvPr>
+          <p:cNvGraphicFramePr>
+            <a:graphicFrameLocks noGrp="1"/>
+          </p:cNvGraphicFramePr>
+          <p:nvPr>
+            <p:extLst>
+              <p:ext uri="{D42A27DB-BD31-4B8C-83A1-F6EECF244321}">
+                <p14:modId xmlns:p14="http://schemas.microsoft.com/office/powerpoint/2010/main" val="2181341898"/>
+              </p:ext>
+            </p:extLst>
+          </p:nvPr>
+        </p:nvGraphicFramePr>
+        <p:xfrm>
+          <a:off x="7196261" y="2285589"/>
+          <a:ext cx="3142502" cy="2286822"/>
+        </p:xfrm>
+        <a:graphic>
+          <a:graphicData uri="http://schemas.openxmlformats.org/drawingml/2006/table">
+            <a:tbl>
+              <a:tblPr firstRow="1" bandRow="1">
+                <a:tableStyleId>{5C22544A-7EE6-4342-B048-85BDC9FD1C3A}</a:tableStyleId>
+              </a:tblPr>
+              <a:tblGrid>
+                <a:gridCol w="1571251">
+                  <a:extLst>
+                    <a:ext uri="{9D8B030D-6E8A-4147-A177-3AD203B41FA5}">
+                      <a16:colId xmlns:a16="http://schemas.microsoft.com/office/drawing/2014/main" val="1026705250"/>
+                    </a:ext>
+                  </a:extLst>
+                </a:gridCol>
+                <a:gridCol w="1571251">
+                  <a:extLst>
+                    <a:ext uri="{9D8B030D-6E8A-4147-A177-3AD203B41FA5}">
+                      <a16:colId xmlns:a16="http://schemas.microsoft.com/office/drawing/2014/main" val="1571639466"/>
+                    </a:ext>
+                  </a:extLst>
+                </a:gridCol>
+              </a:tblGrid>
+              <a:tr h="458022">
+                <a:tc>
+                  <a:txBody>
+                    <a:bodyPr/>
+                    <a:lstStyle/>
+                    <a:p>
+                      <a:r>
+                        <a:rPr lang="de-DE" dirty="0"/>
+                        <a:t>Knoten</a:t>
+                      </a:r>
+                    </a:p>
+                  </a:txBody>
+                  <a:tcPr/>
+                </a:tc>
+                <a:tc>
+                  <a:txBody>
+                    <a:bodyPr/>
+                    <a:lstStyle/>
+                    <a:p>
+                      <a:r>
+                        <a:rPr lang="de-DE" dirty="0"/>
+                        <a:t>Verbindung</a:t>
+                      </a:r>
+                    </a:p>
+                  </a:txBody>
+                  <a:tcPr/>
+                </a:tc>
+                <a:extLst>
+                  <a:ext uri="{0D108BD9-81ED-4DB2-BD59-A6C34878D82A}">
+                    <a16:rowId xmlns:a16="http://schemas.microsoft.com/office/drawing/2014/main" val="2519790438"/>
+                  </a:ext>
+                </a:extLst>
+              </a:tr>
+              <a:tr h="348317">
+                <a:tc>
+                  <a:txBody>
+                    <a:bodyPr/>
+                    <a:lstStyle/>
+                    <a:p>
+                      <a:r>
+                        <a:rPr lang="de-DE" dirty="0"/>
+                        <a:t>0</a:t>
+                      </a:r>
+                    </a:p>
+                  </a:txBody>
+                  <a:tcPr/>
+                </a:tc>
+                <a:tc>
+                  <a:txBody>
+                    <a:bodyPr/>
+                    <a:lstStyle/>
+                    <a:p>
+                      <a:r>
+                        <a:rPr lang="de-DE" strike="sngStrike" dirty="0">
+                          <a:solidFill>
+                            <a:srgbClr val="FF0000"/>
+                          </a:solidFill>
+                        </a:rPr>
+                        <a:t>3</a:t>
+                      </a:r>
+                      <a:r>
+                        <a:rPr lang="de-DE" dirty="0"/>
+                        <a:t> </a:t>
+                      </a:r>
+                      <a:r>
+                        <a:rPr lang="de-DE" strike="sngStrike" dirty="0">
+                          <a:solidFill>
+                            <a:srgbClr val="FF0000"/>
+                          </a:solidFill>
+                        </a:rPr>
+                        <a:t>4</a:t>
+                      </a:r>
+                    </a:p>
+                  </a:txBody>
+                  <a:tcPr/>
+                </a:tc>
+                <a:extLst>
+                  <a:ext uri="{0D108BD9-81ED-4DB2-BD59-A6C34878D82A}">
+                    <a16:rowId xmlns:a16="http://schemas.microsoft.com/office/drawing/2014/main" val="1783784983"/>
+                  </a:ext>
+                </a:extLst>
+              </a:tr>
+              <a:tr h="261727">
+                <a:tc>
+                  <a:txBody>
+                    <a:bodyPr/>
+                    <a:lstStyle/>
+                    <a:p>
+                      <a:r>
+                        <a:rPr lang="de-DE" dirty="0"/>
+                        <a:t>1</a:t>
+                      </a:r>
+                    </a:p>
+                  </a:txBody>
+                  <a:tcPr/>
+                </a:tc>
+                <a:tc>
+                  <a:txBody>
+                    <a:bodyPr/>
+                    <a:lstStyle/>
+                    <a:p>
+                      <a:r>
+                        <a:rPr lang="de-DE" dirty="0"/>
+                        <a:t>2 </a:t>
+                      </a:r>
+                      <a:r>
+                        <a:rPr lang="de-DE" strike="sngStrike" dirty="0">
+                          <a:solidFill>
+                            <a:srgbClr val="FF0000"/>
+                          </a:solidFill>
+                        </a:rPr>
+                        <a:t>4</a:t>
+                      </a:r>
+                      <a:r>
+                        <a:rPr lang="de-DE" dirty="0"/>
+                        <a:t> </a:t>
+                      </a:r>
+                      <a:r>
+                        <a:rPr lang="de-DE" strike="sngStrike" dirty="0">
+                          <a:solidFill>
+                            <a:srgbClr val="FF0000"/>
+                          </a:solidFill>
+                        </a:rPr>
+                        <a:t>3</a:t>
+                      </a:r>
+                    </a:p>
+                  </a:txBody>
+                  <a:tcPr/>
+                </a:tc>
+                <a:extLst>
+                  <a:ext uri="{0D108BD9-81ED-4DB2-BD59-A6C34878D82A}">
+                    <a16:rowId xmlns:a16="http://schemas.microsoft.com/office/drawing/2014/main" val="1786008815"/>
+                  </a:ext>
+                </a:extLst>
+              </a:tr>
+              <a:tr h="261727">
+                <a:tc>
+                  <a:txBody>
+                    <a:bodyPr/>
+                    <a:lstStyle/>
+                    <a:p>
+                      <a:r>
+                        <a:rPr lang="de-DE" dirty="0"/>
+                        <a:t>2</a:t>
+                      </a:r>
+                    </a:p>
+                  </a:txBody>
+                  <a:tcPr/>
+                </a:tc>
+                <a:tc>
+                  <a:txBody>
+                    <a:bodyPr/>
+                    <a:lstStyle/>
+                    <a:p>
+                      <a:r>
+                        <a:rPr lang="de-DE" strike="sngStrike" dirty="0">
+                          <a:solidFill>
+                            <a:srgbClr val="FF0000"/>
+                          </a:solidFill>
+                        </a:rPr>
+                        <a:t>1</a:t>
+                      </a:r>
+                      <a:r>
+                        <a:rPr lang="de-DE" dirty="0"/>
+                        <a:t> </a:t>
+                      </a:r>
+                      <a:r>
+                        <a:rPr lang="de-DE" strike="sngStrike" dirty="0">
+                          <a:solidFill>
+                            <a:srgbClr val="FF0000"/>
+                          </a:solidFill>
+                        </a:rPr>
+                        <a:t>3</a:t>
+                      </a:r>
+                    </a:p>
+                  </a:txBody>
+                  <a:tcPr/>
+                </a:tc>
+                <a:extLst>
+                  <a:ext uri="{0D108BD9-81ED-4DB2-BD59-A6C34878D82A}">
+                    <a16:rowId xmlns:a16="http://schemas.microsoft.com/office/drawing/2014/main" val="3190313410"/>
+                  </a:ext>
+                </a:extLst>
+              </a:tr>
+              <a:tr h="261727">
+                <a:tc>
+                  <a:txBody>
+                    <a:bodyPr/>
+                    <a:lstStyle/>
+                    <a:p>
+                      <a:r>
+                        <a:rPr lang="de-DE" dirty="0"/>
+                        <a:t>3</a:t>
+                      </a:r>
+                    </a:p>
+                  </a:txBody>
+                  <a:tcPr/>
+                </a:tc>
+                <a:tc>
+                  <a:txBody>
+                    <a:bodyPr/>
+                    <a:lstStyle/>
+                    <a:p>
+                      <a:r>
+                        <a:rPr lang="de-DE" strike="sngStrike" dirty="0">
+                          <a:solidFill>
+                            <a:srgbClr val="FF0000"/>
+                          </a:solidFill>
+                        </a:rPr>
+                        <a:t>1</a:t>
+                      </a:r>
+                      <a:r>
+                        <a:rPr lang="de-DE" dirty="0"/>
+                        <a:t> 2 </a:t>
+                      </a:r>
+                      <a:r>
+                        <a:rPr lang="de-DE" strike="sngStrike" dirty="0">
+                          <a:solidFill>
+                            <a:srgbClr val="FF0000"/>
+                          </a:solidFill>
+                        </a:rPr>
+                        <a:t>0</a:t>
+                      </a:r>
+                    </a:p>
+                  </a:txBody>
+                  <a:tcPr/>
+                </a:tc>
+                <a:extLst>
+                  <a:ext uri="{0D108BD9-81ED-4DB2-BD59-A6C34878D82A}">
+                    <a16:rowId xmlns:a16="http://schemas.microsoft.com/office/drawing/2014/main" val="3687157222"/>
+                  </a:ext>
+                </a:extLst>
+              </a:tr>
+              <a:tr h="261727">
+                <a:tc>
+                  <a:txBody>
+                    <a:bodyPr/>
+                    <a:lstStyle/>
+                    <a:p>
+                      <a:r>
+                        <a:rPr lang="de-DE" dirty="0"/>
+                        <a:t>4</a:t>
+                      </a:r>
+                    </a:p>
+                  </a:txBody>
+                  <a:tcPr/>
+                </a:tc>
+                <a:tc>
+                  <a:txBody>
+                    <a:bodyPr/>
+                    <a:lstStyle/>
+                    <a:p>
+                      <a:r>
+                        <a:rPr lang="de-DE" strike="sngStrike" dirty="0">
+                          <a:solidFill>
+                            <a:srgbClr val="FF0000"/>
+                          </a:solidFill>
+                        </a:rPr>
+                        <a:t>0</a:t>
+                      </a:r>
+                      <a:r>
+                        <a:rPr lang="de-DE" dirty="0"/>
+                        <a:t> </a:t>
+                      </a:r>
+                      <a:r>
+                        <a:rPr lang="de-DE" strike="sngStrike" dirty="0">
+                          <a:solidFill>
+                            <a:srgbClr val="FF0000"/>
+                          </a:solidFill>
+                        </a:rPr>
+                        <a:t>1</a:t>
+                      </a:r>
+                    </a:p>
+                  </a:txBody>
+                  <a:tcPr/>
+                </a:tc>
+                <a:extLst>
+                  <a:ext uri="{0D108BD9-81ED-4DB2-BD59-A6C34878D82A}">
+                    <a16:rowId xmlns:a16="http://schemas.microsoft.com/office/drawing/2014/main" val="3257157716"/>
+                  </a:ext>
+                </a:extLst>
+              </a:tr>
+            </a:tbl>
+          </a:graphicData>
+        </a:graphic>
+      </p:graphicFrame>
+    </p:spTree>
+    <p:extLst>
+      <p:ext uri="{BB962C8B-B14F-4D97-AF65-F5344CB8AC3E}">
+        <p14:creationId xmlns:p14="http://schemas.microsoft.com/office/powerpoint/2010/main" val="4203200890"/>
+      </p:ext>
+    </p:extLst>
+  </p:cSld>
+  <p:clrMapOvr>
+    <a:masterClrMapping/>
+  </p:clrMapOvr>
+</p:sld>
+</file>
+
+<file path=ppt/slides/slide22.xml><?xml version="1.0" encoding="utf-8"?>
+<p:sld xmlns:a="http://schemas.openxmlformats.org/drawingml/2006/main" xmlns:r="http://schemas.openxmlformats.org/officeDocument/2006/relationships" xmlns:p="http://schemas.openxmlformats.org/presentationml/2006/main">
+  <p:cSld>
+    <p:spTree>
+      <p:nvGrpSpPr>
+        <p:cNvPr id="1" name=""/>
+        <p:cNvGrpSpPr/>
+        <p:nvPr/>
+      </p:nvGrpSpPr>
+      <p:grpSpPr>
+        <a:xfrm>
+          <a:off x="0" y="0"/>
+          <a:ext cx="0" cy="0"/>
+          <a:chOff x="0" y="0"/>
+          <a:chExt cx="0" cy="0"/>
+        </a:xfrm>
+      </p:grpSpPr>
+      <p:sp>
+        <p:nvSpPr>
+          <p:cNvPr id="2" name="Title 1">
+            <a:extLst>
+              <a:ext uri="{FF2B5EF4-FFF2-40B4-BE49-F238E27FC236}">
+                <a16:creationId xmlns:a16="http://schemas.microsoft.com/office/drawing/2014/main" id="{DD2388D8-106E-40D0-A4BD-5FF4C2E2935B}"/>
+              </a:ext>
+            </a:extLst>
+          </p:cNvPr>
+          <p:cNvSpPr>
+            <a:spLocks noGrp="1"/>
+          </p:cNvSpPr>
+          <p:nvPr>
+            <p:ph type="title"/>
+          </p:nvPr>
+        </p:nvSpPr>
+        <p:spPr/>
+        <p:txBody>
+          <a:bodyPr/>
+          <a:lstStyle/>
+          <a:p>
+            <a:r>
+              <a:rPr lang="de-DE" dirty="0"/>
+              <a:t>Realisierung – Edge-Rocombination-Algorithm</a:t>
+            </a:r>
+          </a:p>
+        </p:txBody>
+      </p:sp>
+      <p:sp>
+        <p:nvSpPr>
+          <p:cNvPr id="3" name="Text Placeholder 2">
+            <a:extLst>
+              <a:ext uri="{FF2B5EF4-FFF2-40B4-BE49-F238E27FC236}">
+                <a16:creationId xmlns:a16="http://schemas.microsoft.com/office/drawing/2014/main" id="{79F1354A-B6A2-451D-B387-D4D8507220EF}"/>
+              </a:ext>
+            </a:extLst>
+          </p:cNvPr>
+          <p:cNvSpPr>
+            <a:spLocks noGrp="1"/>
+          </p:cNvSpPr>
+          <p:nvPr>
+            <p:ph type="body" sz="quarter" idx="11"/>
+          </p:nvPr>
+        </p:nvSpPr>
+        <p:spPr>
+          <a:xfrm>
+            <a:off x="334963" y="1280160"/>
+            <a:ext cx="6101348" cy="4534714"/>
+          </a:xfrm>
+        </p:spPr>
+        <p:txBody>
+          <a:bodyPr/>
+          <a:lstStyle/>
+          <a:p>
+            <a:r>
+              <a:rPr lang="de-DE" sz="900" dirty="0">
+                <a:solidFill>
+                  <a:schemeClr val="accent6">
+                    <a:lumMod val="75000"/>
+                  </a:schemeClr>
+                </a:solidFill>
+              </a:rPr>
+              <a:t>bool</a:t>
+            </a:r>
+            <a:r>
+              <a:rPr lang="de-DE" sz="900" dirty="0"/>
+              <a:t> edge_recombination_crossover(Individual &amp;p1, Individual &amp;p2, Individual &amp;c1, Individual &amp;c2) {</a:t>
+            </a:r>
+          </a:p>
+          <a:p>
+            <a:r>
+              <a:rPr lang="de-DE" sz="900" dirty="0"/>
+              <a:t>    std::map&lt;int, std::set&lt;int&gt;&gt; edge_map = create_edge_map(p1, p2);</a:t>
+            </a:r>
+          </a:p>
+          <a:p>
+            <a:r>
+              <a:rPr lang="de-DE" sz="900" dirty="0"/>
+              <a:t>    edge_recombination(p1.get_chromosome().at(0),c1, edge_map);</a:t>
+            </a:r>
+          </a:p>
+          <a:p>
+            <a:r>
+              <a:rPr lang="de-DE" sz="900" dirty="0"/>
+              <a:t>    edge_recombination(p2.get_chromosome().at(0),c2, edge_map);</a:t>
+            </a:r>
+          </a:p>
+          <a:p>
+            <a:r>
+              <a:rPr lang="de-DE" sz="900" dirty="0"/>
+              <a:t>    </a:t>
+            </a:r>
+            <a:r>
+              <a:rPr lang="de-DE" sz="900" dirty="0">
+                <a:solidFill>
+                  <a:schemeClr val="accent6">
+                    <a:lumMod val="75000"/>
+                  </a:schemeClr>
+                </a:solidFill>
+              </a:rPr>
+              <a:t>return</a:t>
+            </a:r>
+            <a:r>
+              <a:rPr lang="de-DE" sz="900" dirty="0"/>
+              <a:t> true;</a:t>
+            </a:r>
+          </a:p>
+          <a:p>
+            <a:r>
+              <a:rPr lang="de-DE" sz="900" dirty="0"/>
+              <a:t>}</a:t>
+            </a:r>
+          </a:p>
+          <a:p>
+            <a:r>
+              <a:rPr lang="de-DE" sz="900" dirty="0"/>
+              <a:t>´</a:t>
+            </a:r>
+          </a:p>
+          <a:p>
+            <a:r>
+              <a:rPr lang="de-DE" sz="900" dirty="0">
+                <a:solidFill>
+                  <a:schemeClr val="accent6">
+                    <a:lumMod val="75000"/>
+                  </a:schemeClr>
+                </a:solidFill>
+              </a:rPr>
+              <a:t>void</a:t>
+            </a:r>
+            <a:r>
+              <a:rPr lang="de-DE" sz="900" dirty="0"/>
+              <a:t> edge_recombination(int start, Individual &amp;i, std::map&lt;int, std::set&lt;int&gt;&gt; edge_map) {</a:t>
+            </a:r>
+          </a:p>
+          <a:p>
+            <a:r>
+              <a:rPr lang="de-DE" sz="900" dirty="0"/>
+              <a:t>    int current = start;</a:t>
+            </a:r>
+          </a:p>
+          <a:p>
+            <a:r>
+              <a:rPr lang="de-DE" sz="900" dirty="0"/>
+              <a:t>   </a:t>
+            </a:r>
+            <a:r>
+              <a:rPr lang="de-DE" sz="900" dirty="0">
+                <a:solidFill>
+                  <a:schemeClr val="accent6">
+                    <a:lumMod val="75000"/>
+                  </a:schemeClr>
+                </a:solidFill>
+              </a:rPr>
+              <a:t>for</a:t>
+            </a:r>
+            <a:r>
+              <a:rPr lang="de-DE" sz="900" dirty="0"/>
+              <a:t> (int idx = 0; idx &lt; i.get_size() - 1; ++idx) {</a:t>
+            </a:r>
+          </a:p>
+          <a:p>
+            <a:r>
+              <a:rPr lang="de-DE" sz="900" dirty="0"/>
+              <a:t>        i.update_chromosome(current, idx);</a:t>
+            </a:r>
+          </a:p>
+          <a:p>
+            <a:r>
+              <a:rPr lang="de-DE" sz="900" dirty="0"/>
+              <a:t>        for (auto &amp;it : edge_map) {</a:t>
+            </a:r>
+          </a:p>
+          <a:p>
+            <a:r>
+              <a:rPr lang="de-DE" sz="900" dirty="0"/>
+              <a:t>            it.second.erase(current);</a:t>
+            </a:r>
+          </a:p>
+          <a:p>
+            <a:r>
+              <a:rPr lang="de-DE" sz="900" dirty="0"/>
+              <a:t>        }</a:t>
+            </a:r>
+          </a:p>
+          <a:p>
+            <a:r>
+              <a:rPr lang="de-DE" sz="900" dirty="0"/>
+              <a:t>        int min_next_idx = -2;</a:t>
+            </a:r>
+          </a:p>
+          <a:p>
+            <a:r>
+              <a:rPr lang="de-DE" sz="900" dirty="0"/>
+              <a:t>        unsigned int min_next_count = std::numeric_limits&lt;int&gt;::max();</a:t>
+            </a:r>
+          </a:p>
+          <a:p>
+            <a:endParaRPr lang="de-DE" sz="900" dirty="0"/>
+          </a:p>
+          <a:p>
+            <a:r>
+              <a:rPr lang="de-DE" sz="900" dirty="0"/>
+              <a:t>        </a:t>
+            </a:r>
+            <a:r>
+              <a:rPr lang="de-DE" sz="900" dirty="0">
+                <a:solidFill>
+                  <a:schemeClr val="accent6">
+                    <a:lumMod val="75000"/>
+                  </a:schemeClr>
+                </a:solidFill>
+              </a:rPr>
+              <a:t>for</a:t>
+            </a:r>
+            <a:r>
+              <a:rPr lang="de-DE" sz="900" dirty="0"/>
+              <a:t> (int node : edge_map.at(current)) {</a:t>
+            </a:r>
+          </a:p>
+          <a:p>
+            <a:r>
+              <a:rPr lang="de-DE" sz="900" dirty="0"/>
+              <a:t>            </a:t>
+            </a:r>
+            <a:r>
+              <a:rPr lang="de-DE" sz="900" dirty="0">
+                <a:solidFill>
+                  <a:schemeClr val="accent6">
+                    <a:lumMod val="75000"/>
+                  </a:schemeClr>
+                </a:solidFill>
+              </a:rPr>
+              <a:t>if</a:t>
+            </a:r>
+            <a:r>
+              <a:rPr lang="de-DE" sz="900" dirty="0"/>
+              <a:t> (edge_map.at(node).size() &lt; min_next_count) {</a:t>
+            </a:r>
+          </a:p>
+          <a:p>
+            <a:r>
+              <a:rPr lang="de-DE" sz="900" dirty="0"/>
+              <a:t>                min_next_count = edge_map.at(node).size();</a:t>
+            </a:r>
+          </a:p>
+          <a:p>
+            <a:r>
+              <a:rPr lang="de-DE" sz="900" dirty="0"/>
+              <a:t>                min_next_idx = node;</a:t>
+            </a:r>
+          </a:p>
+          <a:p>
+            <a:r>
+              <a:rPr lang="de-DE" sz="900" dirty="0"/>
+              <a:t>            }</a:t>
+            </a:r>
+          </a:p>
+          <a:p>
+            <a:r>
+              <a:rPr lang="de-DE" sz="900" dirty="0"/>
+              <a:t>        }</a:t>
+            </a:r>
+          </a:p>
+          <a:p>
+            <a:r>
+              <a:rPr lang="de-DE" sz="900" dirty="0"/>
+              <a:t>        current = min_next_idx;</a:t>
+            </a:r>
+          </a:p>
+          <a:p>
+            <a:r>
+              <a:rPr lang="de-DE" sz="900" dirty="0"/>
+              <a:t>    }</a:t>
+            </a:r>
+          </a:p>
+          <a:p>
+            <a:r>
+              <a:rPr lang="de-DE" sz="900" dirty="0"/>
+              <a:t>    </a:t>
+            </a:r>
+            <a:r>
+              <a:rPr lang="de-DE" sz="900" dirty="0">
+                <a:solidFill>
+                  <a:schemeClr val="accent6">
+                    <a:lumMod val="75000"/>
+                  </a:schemeClr>
+                </a:solidFill>
+              </a:rPr>
+              <a:t>if</a:t>
+            </a:r>
+            <a:r>
+              <a:rPr lang="de-DE" sz="900" dirty="0"/>
+              <a:t> (idx == i.get_size() - 2) {</a:t>
+            </a:r>
+          </a:p>
+          <a:p>
+            <a:r>
+              <a:rPr lang="de-DE" sz="900" dirty="0"/>
+              <a:t>            i.update_chromosome(current, idx + 1);</a:t>
+            </a:r>
+          </a:p>
+          <a:p>
+            <a:r>
+              <a:rPr lang="de-DE" sz="900" dirty="0"/>
+              <a:t>        }</a:t>
+            </a:r>
+          </a:p>
+          <a:p>
+            <a:r>
+              <a:rPr lang="de-DE" sz="900" dirty="0"/>
+              <a:t>    }</a:t>
+            </a:r>
+          </a:p>
+          <a:p>
+            <a:r>
+              <a:rPr lang="de-DE" sz="900" dirty="0"/>
+              <a:t>}</a:t>
+            </a:r>
+          </a:p>
+        </p:txBody>
+      </p:sp>
+      <p:sp>
+        <p:nvSpPr>
+          <p:cNvPr id="7" name="Text Placeholder 2">
+            <a:extLst>
+              <a:ext uri="{FF2B5EF4-FFF2-40B4-BE49-F238E27FC236}">
+                <a16:creationId xmlns:a16="http://schemas.microsoft.com/office/drawing/2014/main" id="{3DAEF8D3-31AA-46E3-BE55-7474D0551DCE}"/>
+              </a:ext>
+            </a:extLst>
+          </p:cNvPr>
+          <p:cNvSpPr txBox="1">
+            <a:spLocks/>
+          </p:cNvSpPr>
+          <p:nvPr/>
+        </p:nvSpPr>
+        <p:spPr bwMode="auto">
+          <a:xfrm>
+            <a:off x="7196261" y="1093728"/>
+            <a:ext cx="4660776" cy="4206240"/>
+          </a:xfrm>
+          <a:prstGeom prst="rect">
+            <a:avLst/>
+          </a:prstGeom>
+          <a:noFill/>
+          <a:ln>
+            <a:noFill/>
+          </a:ln>
+          <a:extLst>
+            <a:ext uri="{909E8E84-426E-40DD-AFC4-6F175D3DCCD1}">
+              <a14:hiddenFill xmlns:a14="http://schemas.microsoft.com/office/drawing/2010/main">
+                <a:solidFill>
+                  <a:srgbClr val="FFFFFF"/>
+                </a:solidFill>
+              </a14:hiddenFill>
+            </a:ext>
+            <a:ext uri="{91240B29-F687-4F45-9708-019B960494DF}">
+              <a14:hiddenLine xmlns:a14="http://schemas.microsoft.com/office/drawing/2010/main" w="9525">
+                <a:solidFill>
+                  <a:srgbClr val="000000"/>
+                </a:solidFill>
+                <a:miter lim="800000"/>
+                <a:headEnd/>
+                <a:tailEnd/>
+              </a14:hiddenLine>
+            </a:ext>
+          </a:extLst>
+        </p:spPr>
+        <p:txBody>
+          <a:bodyPr vert="horz" wrap="square" lIns="91440" tIns="45720" rIns="91440" bIns="45720" numCol="1" anchor="t" anchorCtr="0" compatLnSpc="1">
+            <a:prstTxWarp prst="textNoShape">
+              <a:avLst/>
+            </a:prstTxWarp>
+          </a:bodyPr>
+          <a:lstStyle>
+            <a:lvl1pPr marL="0" indent="0" algn="l" rtl="0" eaLnBrk="0" fontAlgn="base" hangingPunct="0">
+              <a:spcBef>
+                <a:spcPct val="20000"/>
+              </a:spcBef>
+              <a:spcAft>
+                <a:spcPct val="0"/>
+              </a:spcAft>
+              <a:buClr>
+                <a:srgbClr val="80BA24"/>
+              </a:buClr>
+              <a:buSzPct val="106000"/>
+              <a:buFontTx/>
+              <a:buNone/>
+              <a:defRPr kern="1200" baseline="0">
+                <a:solidFill>
+                  <a:srgbClr val="4A5C66"/>
+                </a:solidFill>
+                <a:latin typeface="Arial" pitchFamily="34" charset="0"/>
+                <a:ea typeface="MS PGothic" panose="020B0600070205080204" pitchFamily="34" charset="-128"/>
+                <a:cs typeface="Arial" pitchFamily="34" charset="0"/>
+              </a:defRPr>
+            </a:lvl1pPr>
+            <a:lvl2pPr marL="266700" indent="0" algn="l" rtl="0" eaLnBrk="0" fontAlgn="base" hangingPunct="0">
+              <a:spcBef>
+                <a:spcPct val="20000"/>
+              </a:spcBef>
+              <a:spcAft>
+                <a:spcPct val="0"/>
+              </a:spcAft>
+              <a:buClr>
+                <a:srgbClr val="80BA24"/>
+              </a:buClr>
+              <a:buSzPct val="90000"/>
+              <a:buFontTx/>
+              <a:buNone/>
+              <a:defRPr kern="1200">
+                <a:solidFill>
+                  <a:srgbClr val="4A5C66"/>
+                </a:solidFill>
+                <a:latin typeface="Arial" pitchFamily="34" charset="0"/>
+                <a:ea typeface="Arial" charset="0"/>
+                <a:cs typeface="Arial" pitchFamily="34" charset="0"/>
+              </a:defRPr>
+            </a:lvl2pPr>
+            <a:lvl3pPr marL="542925" indent="0" algn="l" rtl="0" eaLnBrk="0" fontAlgn="base" hangingPunct="0">
+              <a:spcBef>
+                <a:spcPct val="20000"/>
+              </a:spcBef>
+              <a:spcAft>
+                <a:spcPct val="0"/>
+              </a:spcAft>
+              <a:buClr>
+                <a:srgbClr val="80BA24"/>
+              </a:buClr>
+              <a:buSzPct val="80000"/>
+              <a:buFontTx/>
+              <a:buNone/>
+              <a:defRPr kern="1200">
+                <a:solidFill>
+                  <a:srgbClr val="4A5C66"/>
+                </a:solidFill>
+                <a:latin typeface="Arial" pitchFamily="34" charset="0"/>
+                <a:ea typeface="Arial" charset="0"/>
+                <a:cs typeface="Arial" pitchFamily="34" charset="0"/>
+              </a:defRPr>
+            </a:lvl3pPr>
+            <a:lvl4pPr marL="809625" indent="0" algn="l" rtl="0" eaLnBrk="0" fontAlgn="base" hangingPunct="0">
+              <a:spcBef>
+                <a:spcPct val="20000"/>
+              </a:spcBef>
+              <a:spcAft>
+                <a:spcPct val="0"/>
+              </a:spcAft>
+              <a:buClr>
+                <a:srgbClr val="80BA24"/>
+              </a:buClr>
+              <a:buSzPct val="80000"/>
+              <a:buFontTx/>
+              <a:buNone/>
+              <a:defRPr kern="1200">
+                <a:solidFill>
+                  <a:srgbClr val="4A5C66"/>
+                </a:solidFill>
+                <a:latin typeface="Arial" pitchFamily="34" charset="0"/>
+                <a:ea typeface="Arial" charset="0"/>
+                <a:cs typeface="Arial" pitchFamily="34" charset="0"/>
+              </a:defRPr>
+            </a:lvl4pPr>
+            <a:lvl5pPr marL="1076325" indent="0" algn="l" rtl="0" eaLnBrk="0" fontAlgn="base" hangingPunct="0">
+              <a:spcBef>
+                <a:spcPct val="20000"/>
+              </a:spcBef>
+              <a:spcAft>
+                <a:spcPct val="0"/>
+              </a:spcAft>
+              <a:buClr>
+                <a:srgbClr val="80BA24"/>
+              </a:buClr>
+              <a:buSzPct val="80000"/>
+              <a:buFontTx/>
+              <a:buNone/>
+              <a:defRPr kern="1200">
+                <a:solidFill>
+                  <a:srgbClr val="4A5C66"/>
+                </a:solidFill>
+                <a:latin typeface="Arial" pitchFamily="34" charset="0"/>
+                <a:ea typeface="Arial" charset="0"/>
+                <a:cs typeface="Arial" pitchFamily="34" charset="0"/>
+              </a:defRPr>
+            </a:lvl5pPr>
+            <a:lvl6pPr marL="2514600" indent="-228600" algn="l" defTabSz="914400" rtl="0" eaLnBrk="1" latinLnBrk="0" hangingPunct="1">
+              <a:spcBef>
+                <a:spcPct val="20000"/>
+              </a:spcBef>
+              <a:buFont typeface="Arial" pitchFamily="34" charset="0"/>
+              <a:buChar char="•"/>
+              <a:defRPr sz="2000" kern="1200">
+                <a:solidFill>
+                  <a:schemeClr val="tx1"/>
+                </a:solidFill>
+                <a:latin typeface="+mn-lt"/>
+                <a:ea typeface="+mn-ea"/>
+                <a:cs typeface="+mn-cs"/>
+              </a:defRPr>
+            </a:lvl6pPr>
+            <a:lvl7pPr marL="2971800" indent="-228600" algn="l" defTabSz="914400" rtl="0" eaLnBrk="1" latinLnBrk="0" hangingPunct="1">
+              <a:spcBef>
+                <a:spcPct val="20000"/>
+              </a:spcBef>
+              <a:buFont typeface="Arial" pitchFamily="34" charset="0"/>
+              <a:buChar char="•"/>
+              <a:defRPr sz="2000" kern="1200">
+                <a:solidFill>
+                  <a:schemeClr val="tx1"/>
+                </a:solidFill>
+                <a:latin typeface="+mn-lt"/>
+                <a:ea typeface="+mn-ea"/>
+                <a:cs typeface="+mn-cs"/>
+              </a:defRPr>
+            </a:lvl7pPr>
+            <a:lvl8pPr marL="3429000" indent="-228600" algn="l" defTabSz="914400" rtl="0" eaLnBrk="1" latinLnBrk="0" hangingPunct="1">
+              <a:spcBef>
+                <a:spcPct val="20000"/>
+              </a:spcBef>
+              <a:buFont typeface="Arial" pitchFamily="34" charset="0"/>
+              <a:buChar char="•"/>
+              <a:defRPr sz="2000" kern="1200">
+                <a:solidFill>
+                  <a:schemeClr val="tx1"/>
+                </a:solidFill>
+                <a:latin typeface="+mn-lt"/>
+                <a:ea typeface="+mn-ea"/>
+                <a:cs typeface="+mn-cs"/>
+              </a:defRPr>
+            </a:lvl8pPr>
+            <a:lvl9pPr marL="3886200" indent="-228600" algn="l" defTabSz="914400" rtl="0" eaLnBrk="1" latinLnBrk="0" hangingPunct="1">
+              <a:spcBef>
+                <a:spcPct val="20000"/>
+              </a:spcBef>
+              <a:buFont typeface="Arial" pitchFamily="34" charset="0"/>
+              <a:buChar char="•"/>
+              <a:defRPr sz="2000" kern="1200">
+                <a:solidFill>
+                  <a:schemeClr val="tx1"/>
+                </a:solidFill>
+                <a:latin typeface="+mn-lt"/>
+                <a:ea typeface="+mn-ea"/>
+                <a:cs typeface="+mn-cs"/>
+              </a:defRPr>
+            </a:lvl9pPr>
+          </a:lstStyle>
+          <a:p>
+            <a:pPr lvl="2">
+              <a:spcAft>
+                <a:spcPts val="600"/>
+              </a:spcAft>
+            </a:pPr>
+            <a:r>
+              <a:rPr lang="de-DE" sz="1800" dirty="0"/>
+              <a:t>p1 = 0 4 1 2 3</a:t>
+            </a:r>
+          </a:p>
+          <a:p>
+            <a:pPr lvl="2">
+              <a:spcAft>
+                <a:spcPts val="600"/>
+              </a:spcAft>
+            </a:pPr>
+            <a:r>
+              <a:rPr lang="de-DE" sz="1800" dirty="0"/>
+              <a:t>p2 = 2 1 3 0 4</a:t>
+            </a:r>
+          </a:p>
+          <a:p>
+            <a:pPr marL="342900" indent="-342900">
+              <a:spcAft>
+                <a:spcPts val="600"/>
+              </a:spcAft>
+              <a:buAutoNum type="arabicPeriod"/>
+            </a:pPr>
+            <a:r>
+              <a:rPr lang="de-DE" sz="1800" dirty="0"/>
+              <a:t>Baue eine Edge-Map:</a:t>
+            </a:r>
+          </a:p>
+          <a:p>
+            <a:pPr lvl="1">
+              <a:spcAft>
+                <a:spcPts val="600"/>
+              </a:spcAft>
+            </a:pPr>
+            <a:endParaRPr lang="de-DE" sz="1800" dirty="0"/>
+          </a:p>
+          <a:p>
+            <a:pPr lvl="1">
+              <a:spcAft>
+                <a:spcPts val="600"/>
+              </a:spcAft>
+            </a:pPr>
+            <a:endParaRPr lang="de-DE" sz="1800" dirty="0"/>
+          </a:p>
+          <a:p>
+            <a:pPr lvl="1">
+              <a:spcAft>
+                <a:spcPts val="600"/>
+              </a:spcAft>
+            </a:pPr>
+            <a:endParaRPr lang="de-DE" sz="1800" dirty="0"/>
+          </a:p>
+          <a:p>
+            <a:pPr lvl="1">
+              <a:spcAft>
+                <a:spcPts val="600"/>
+              </a:spcAft>
+            </a:pPr>
+            <a:endParaRPr lang="de-DE" sz="1800" dirty="0"/>
+          </a:p>
+          <a:p>
+            <a:pPr lvl="1">
+              <a:spcAft>
+                <a:spcPts val="600"/>
+              </a:spcAft>
+            </a:pPr>
+            <a:endParaRPr lang="de-DE" sz="1800" dirty="0"/>
+          </a:p>
+          <a:p>
+            <a:pPr lvl="1">
+              <a:spcAft>
+                <a:spcPts val="600"/>
+              </a:spcAft>
+            </a:pPr>
+            <a:endParaRPr lang="de-DE" sz="1800" dirty="0"/>
+          </a:p>
+          <a:p>
+            <a:pPr marL="342900" indent="-342900">
+              <a:spcAft>
+                <a:spcPts val="600"/>
+              </a:spcAft>
+              <a:buAutoNum type="arabicPeriod"/>
+            </a:pPr>
+            <a:r>
+              <a:rPr lang="de-DE" sz="1800" dirty="0"/>
+              <a:t>Edge-Recombination:</a:t>
+            </a:r>
+          </a:p>
+          <a:p>
+            <a:pPr lvl="1">
+              <a:spcAft>
+                <a:spcPts val="600"/>
+              </a:spcAft>
+            </a:pPr>
+            <a:r>
+              <a:rPr lang="de-DE" sz="1800" dirty="0"/>
+              <a:t>Startpunkt: Beginn eines Elternteils</a:t>
+            </a:r>
+          </a:p>
+          <a:p>
+            <a:pPr lvl="1">
+              <a:spcAft>
+                <a:spcPts val="600"/>
+              </a:spcAft>
+            </a:pPr>
+            <a:r>
+              <a:rPr lang="de-DE" sz="1800" dirty="0"/>
+              <a:t>c1: 0 4 1 3 2</a:t>
+            </a:r>
+          </a:p>
+          <a:p>
+            <a:pPr lvl="1">
+              <a:spcAft>
+                <a:spcPts val="600"/>
+              </a:spcAft>
+            </a:pPr>
+            <a:r>
+              <a:rPr lang="de-DE" sz="1800" dirty="0"/>
+              <a:t>c2: 2 1 4 0 3</a:t>
+            </a:r>
+          </a:p>
+          <a:p>
+            <a:pPr lvl="1">
+              <a:spcAft>
+                <a:spcPts val="600"/>
+              </a:spcAft>
+            </a:pPr>
+            <a:endParaRPr lang="de-DE" sz="1800" dirty="0"/>
+          </a:p>
+        </p:txBody>
+      </p:sp>
+      <p:graphicFrame>
+        <p:nvGraphicFramePr>
+          <p:cNvPr id="4" name="Table 4">
+            <a:extLst>
+              <a:ext uri="{FF2B5EF4-FFF2-40B4-BE49-F238E27FC236}">
+                <a16:creationId xmlns:a16="http://schemas.microsoft.com/office/drawing/2014/main" id="{753C4526-386B-4058-AA57-62CD212E87A9}"/>
+              </a:ext>
+            </a:extLst>
+          </p:cNvPr>
+          <p:cNvGraphicFramePr>
+            <a:graphicFrameLocks noGrp="1"/>
+          </p:cNvGraphicFramePr>
+          <p:nvPr>
+            <p:extLst>
+              <p:ext uri="{D42A27DB-BD31-4B8C-83A1-F6EECF244321}">
+                <p14:modId xmlns:p14="http://schemas.microsoft.com/office/powerpoint/2010/main" val="346482942"/>
+              </p:ext>
+            </p:extLst>
+          </p:nvPr>
+        </p:nvGraphicFramePr>
+        <p:xfrm>
+          <a:off x="7196261" y="2285589"/>
+          <a:ext cx="3142502" cy="2286822"/>
+        </p:xfrm>
+        <a:graphic>
+          <a:graphicData uri="http://schemas.openxmlformats.org/drawingml/2006/table">
+            <a:tbl>
+              <a:tblPr firstRow="1" bandRow="1">
+                <a:tableStyleId>{5C22544A-7EE6-4342-B048-85BDC9FD1C3A}</a:tableStyleId>
+              </a:tblPr>
+              <a:tblGrid>
+                <a:gridCol w="1571251">
+                  <a:extLst>
+                    <a:ext uri="{9D8B030D-6E8A-4147-A177-3AD203B41FA5}">
+                      <a16:colId xmlns:a16="http://schemas.microsoft.com/office/drawing/2014/main" val="1026705250"/>
+                    </a:ext>
+                  </a:extLst>
+                </a:gridCol>
+                <a:gridCol w="1571251">
+                  <a:extLst>
+                    <a:ext uri="{9D8B030D-6E8A-4147-A177-3AD203B41FA5}">
+                      <a16:colId xmlns:a16="http://schemas.microsoft.com/office/drawing/2014/main" val="1571639466"/>
+                    </a:ext>
+                  </a:extLst>
+                </a:gridCol>
+              </a:tblGrid>
+              <a:tr h="458022">
+                <a:tc>
+                  <a:txBody>
+                    <a:bodyPr/>
+                    <a:lstStyle/>
+                    <a:p>
+                      <a:r>
+                        <a:rPr lang="de-DE" dirty="0"/>
+                        <a:t>Knoten</a:t>
+                      </a:r>
+                    </a:p>
+                  </a:txBody>
+                  <a:tcPr/>
+                </a:tc>
+                <a:tc>
+                  <a:txBody>
+                    <a:bodyPr/>
+                    <a:lstStyle/>
+                    <a:p>
+                      <a:r>
+                        <a:rPr lang="de-DE" dirty="0"/>
+                        <a:t>Verbindung</a:t>
+                      </a:r>
+                    </a:p>
+                  </a:txBody>
+                  <a:tcPr/>
+                </a:tc>
+                <a:extLst>
+                  <a:ext uri="{0D108BD9-81ED-4DB2-BD59-A6C34878D82A}">
+                    <a16:rowId xmlns:a16="http://schemas.microsoft.com/office/drawing/2014/main" val="2519790438"/>
+                  </a:ext>
+                </a:extLst>
+              </a:tr>
+              <a:tr h="348317">
+                <a:tc>
+                  <a:txBody>
+                    <a:bodyPr/>
+                    <a:lstStyle/>
+                    <a:p>
+                      <a:r>
+                        <a:rPr lang="de-DE" dirty="0"/>
+                        <a:t>0</a:t>
+                      </a:r>
+                    </a:p>
+                  </a:txBody>
+                  <a:tcPr/>
+                </a:tc>
+                <a:tc>
+                  <a:txBody>
+                    <a:bodyPr/>
+                    <a:lstStyle/>
+                    <a:p>
+                      <a:r>
+                        <a:rPr lang="de-DE" strike="sngStrike" dirty="0">
+                          <a:solidFill>
+                            <a:srgbClr val="FF0000"/>
+                          </a:solidFill>
+                        </a:rPr>
+                        <a:t>3</a:t>
+                      </a:r>
+                      <a:r>
+                        <a:rPr lang="de-DE" dirty="0"/>
+                        <a:t> </a:t>
+                      </a:r>
+                      <a:r>
+                        <a:rPr lang="de-DE" strike="sngStrike" dirty="0">
+                          <a:solidFill>
+                            <a:srgbClr val="FF0000"/>
+                          </a:solidFill>
+                        </a:rPr>
+                        <a:t>4</a:t>
+                      </a:r>
+                    </a:p>
+                  </a:txBody>
+                  <a:tcPr/>
+                </a:tc>
+                <a:extLst>
+                  <a:ext uri="{0D108BD9-81ED-4DB2-BD59-A6C34878D82A}">
+                    <a16:rowId xmlns:a16="http://schemas.microsoft.com/office/drawing/2014/main" val="1783784983"/>
+                  </a:ext>
+                </a:extLst>
+              </a:tr>
+              <a:tr h="261727">
+                <a:tc>
+                  <a:txBody>
+                    <a:bodyPr/>
+                    <a:lstStyle/>
+                    <a:p>
+                      <a:r>
+                        <a:rPr lang="de-DE" dirty="0"/>
+                        <a:t>1</a:t>
+                      </a:r>
+                    </a:p>
+                  </a:txBody>
+                  <a:tcPr/>
+                </a:tc>
+                <a:tc>
+                  <a:txBody>
+                    <a:bodyPr/>
+                    <a:lstStyle/>
+                    <a:p>
+                      <a:r>
+                        <a:rPr lang="de-DE" strike="sngStrike" dirty="0">
+                          <a:solidFill>
+                            <a:srgbClr val="FF0000"/>
+                          </a:solidFill>
+                        </a:rPr>
+                        <a:t>2</a:t>
+                      </a:r>
+                      <a:r>
+                        <a:rPr lang="de-DE" dirty="0"/>
+                        <a:t> </a:t>
+                      </a:r>
+                      <a:r>
+                        <a:rPr lang="de-DE" strike="sngStrike" dirty="0">
+                          <a:solidFill>
+                            <a:srgbClr val="FF0000"/>
+                          </a:solidFill>
+                        </a:rPr>
+                        <a:t>4</a:t>
+                      </a:r>
+                      <a:r>
+                        <a:rPr lang="de-DE" dirty="0"/>
+                        <a:t> </a:t>
+                      </a:r>
+                      <a:r>
+                        <a:rPr lang="de-DE" strike="sngStrike" dirty="0">
+                          <a:solidFill>
+                            <a:srgbClr val="FF0000"/>
+                          </a:solidFill>
+                        </a:rPr>
+                        <a:t>3</a:t>
+                      </a:r>
+                    </a:p>
+                  </a:txBody>
+                  <a:tcPr/>
+                </a:tc>
+                <a:extLst>
+                  <a:ext uri="{0D108BD9-81ED-4DB2-BD59-A6C34878D82A}">
+                    <a16:rowId xmlns:a16="http://schemas.microsoft.com/office/drawing/2014/main" val="1786008815"/>
+                  </a:ext>
+                </a:extLst>
+              </a:tr>
+              <a:tr h="261727">
+                <a:tc>
+                  <a:txBody>
+                    <a:bodyPr/>
+                    <a:lstStyle/>
+                    <a:p>
+                      <a:r>
+                        <a:rPr lang="de-DE" dirty="0"/>
+                        <a:t>2</a:t>
+                      </a:r>
+                    </a:p>
+                  </a:txBody>
+                  <a:tcPr/>
+                </a:tc>
+                <a:tc>
+                  <a:txBody>
+                    <a:bodyPr/>
+                    <a:lstStyle/>
+                    <a:p>
+                      <a:r>
+                        <a:rPr lang="de-DE" strike="sngStrike" dirty="0">
+                          <a:solidFill>
+                            <a:srgbClr val="FF0000"/>
+                          </a:solidFill>
+                        </a:rPr>
+                        <a:t>1</a:t>
+                      </a:r>
+                      <a:r>
+                        <a:rPr lang="de-DE" dirty="0"/>
+                        <a:t> </a:t>
+                      </a:r>
+                      <a:r>
+                        <a:rPr lang="de-DE" strike="sngStrike" dirty="0">
+                          <a:solidFill>
+                            <a:srgbClr val="FF0000"/>
+                          </a:solidFill>
+                        </a:rPr>
+                        <a:t>3</a:t>
+                      </a:r>
+                    </a:p>
+                  </a:txBody>
+                  <a:tcPr/>
+                </a:tc>
+                <a:extLst>
+                  <a:ext uri="{0D108BD9-81ED-4DB2-BD59-A6C34878D82A}">
+                    <a16:rowId xmlns:a16="http://schemas.microsoft.com/office/drawing/2014/main" val="3190313410"/>
+                  </a:ext>
+                </a:extLst>
+              </a:tr>
+              <a:tr h="261727">
+                <a:tc>
+                  <a:txBody>
+                    <a:bodyPr/>
+                    <a:lstStyle/>
+                    <a:p>
+                      <a:r>
+                        <a:rPr lang="de-DE" dirty="0"/>
+                        <a:t>3</a:t>
+                      </a:r>
+                    </a:p>
+                  </a:txBody>
+                  <a:tcPr/>
+                </a:tc>
+                <a:tc>
+                  <a:txBody>
+                    <a:bodyPr/>
+                    <a:lstStyle/>
+                    <a:p>
+                      <a:r>
+                        <a:rPr lang="de-DE" strike="sngStrike" dirty="0">
+                          <a:solidFill>
+                            <a:srgbClr val="FF0000"/>
+                          </a:solidFill>
+                        </a:rPr>
+                        <a:t>1</a:t>
+                      </a:r>
+                      <a:r>
+                        <a:rPr lang="de-DE" dirty="0"/>
+                        <a:t> </a:t>
+                      </a:r>
+                      <a:r>
+                        <a:rPr lang="de-DE" strike="sngStrike" dirty="0">
+                          <a:solidFill>
+                            <a:srgbClr val="FF0000"/>
+                          </a:solidFill>
+                        </a:rPr>
+                        <a:t>2</a:t>
+                      </a:r>
+                      <a:r>
+                        <a:rPr lang="de-DE" dirty="0"/>
+                        <a:t> </a:t>
+                      </a:r>
+                      <a:r>
+                        <a:rPr lang="de-DE" strike="sngStrike" dirty="0">
+                          <a:solidFill>
+                            <a:srgbClr val="FF0000"/>
+                          </a:solidFill>
+                        </a:rPr>
+                        <a:t>0</a:t>
+                      </a:r>
+                    </a:p>
+                  </a:txBody>
+                  <a:tcPr/>
+                </a:tc>
+                <a:extLst>
+                  <a:ext uri="{0D108BD9-81ED-4DB2-BD59-A6C34878D82A}">
+                    <a16:rowId xmlns:a16="http://schemas.microsoft.com/office/drawing/2014/main" val="3687157222"/>
+                  </a:ext>
+                </a:extLst>
+              </a:tr>
+              <a:tr h="261727">
+                <a:tc>
+                  <a:txBody>
+                    <a:bodyPr/>
+                    <a:lstStyle/>
+                    <a:p>
+                      <a:r>
+                        <a:rPr lang="de-DE" dirty="0"/>
+                        <a:t>4</a:t>
+                      </a:r>
+                    </a:p>
+                  </a:txBody>
+                  <a:tcPr/>
+                </a:tc>
+                <a:tc>
+                  <a:txBody>
+                    <a:bodyPr/>
+                    <a:lstStyle/>
+                    <a:p>
+                      <a:r>
+                        <a:rPr lang="de-DE" strike="sngStrike" dirty="0">
+                          <a:solidFill>
+                            <a:srgbClr val="FF0000"/>
+                          </a:solidFill>
+                        </a:rPr>
+                        <a:t>0</a:t>
+                      </a:r>
+                      <a:r>
+                        <a:rPr lang="de-DE" dirty="0"/>
+                        <a:t> </a:t>
+                      </a:r>
+                      <a:r>
+                        <a:rPr lang="de-DE" strike="sngStrike" dirty="0">
+                          <a:solidFill>
+                            <a:srgbClr val="FF0000"/>
+                          </a:solidFill>
+                        </a:rPr>
+                        <a:t>1</a:t>
+                      </a:r>
+                    </a:p>
+                  </a:txBody>
+                  <a:tcPr/>
+                </a:tc>
+                <a:extLst>
+                  <a:ext uri="{0D108BD9-81ED-4DB2-BD59-A6C34878D82A}">
+                    <a16:rowId xmlns:a16="http://schemas.microsoft.com/office/drawing/2014/main" val="3257157716"/>
+                  </a:ext>
+                </a:extLst>
+              </a:tr>
+            </a:tbl>
+          </a:graphicData>
+        </a:graphic>
+      </p:graphicFrame>
+    </p:spTree>
+    <p:extLst>
+      <p:ext uri="{BB962C8B-B14F-4D97-AF65-F5344CB8AC3E}">
+        <p14:creationId xmlns:p14="http://schemas.microsoft.com/office/powerpoint/2010/main" val="2982076976"/>
+      </p:ext>
+    </p:extLst>
+  </p:cSld>
+  <p:clrMapOvr>
+    <a:masterClrMapping/>
+  </p:clrMapOvr>
+</p:sld>
+</file>
+
+<file path=ppt/slides/slide23.xml><?xml version="1.0" encoding="utf-8"?>
+<p:sld xmlns:a="http://schemas.openxmlformats.org/drawingml/2006/main" xmlns:r="http://schemas.openxmlformats.org/officeDocument/2006/relationships" xmlns:p="http://schemas.openxmlformats.org/presentationml/2006/main">
+  <p:cSld>
+    <p:spTree>
+      <p:nvGrpSpPr>
+        <p:cNvPr id="1" name=""/>
+        <p:cNvGrpSpPr/>
+        <p:nvPr/>
+      </p:nvGrpSpPr>
+      <p:grpSpPr>
+        <a:xfrm>
+          <a:off x="0" y="0"/>
+          <a:ext cx="0" cy="0"/>
+          <a:chOff x="0" y="0"/>
+          <a:chExt cx="0" cy="0"/>
+        </a:xfrm>
+      </p:grpSpPr>
+      <p:sp>
+        <p:nvSpPr>
+          <p:cNvPr id="2" name="Title 1">
+            <a:extLst>
+              <a:ext uri="{FF2B5EF4-FFF2-40B4-BE49-F238E27FC236}">
+                <a16:creationId xmlns:a16="http://schemas.microsoft.com/office/drawing/2014/main" id="{85052616-A1AA-4C30-9C7B-DBB34145436D}"/>
+              </a:ext>
+            </a:extLst>
+          </p:cNvPr>
+          <p:cNvSpPr>
+            <a:spLocks noGrp="1"/>
+          </p:cNvSpPr>
+          <p:nvPr>
+            <p:ph type="title"/>
+          </p:nvPr>
+        </p:nvSpPr>
+        <p:spPr/>
+        <p:txBody>
+          <a:bodyPr/>
+          <a:lstStyle/>
+          <a:p>
+            <a:r>
+              <a:rPr lang="de-DE" dirty="0"/>
+              <a:t>Realisierung – Mutations-Algorithmus</a:t>
+            </a:r>
+          </a:p>
+        </p:txBody>
+      </p:sp>
+      <p:sp>
+        <p:nvSpPr>
+          <p:cNvPr id="4" name="Rectangle 1">
+            <a:extLst>
+              <a:ext uri="{FF2B5EF4-FFF2-40B4-BE49-F238E27FC236}">
+                <a16:creationId xmlns:a16="http://schemas.microsoft.com/office/drawing/2014/main" id="{902F850E-7E9B-4622-87C4-FE1420D027EA}"/>
+              </a:ext>
+            </a:extLst>
+          </p:cNvPr>
+          <p:cNvSpPr>
+            <a:spLocks noGrp="1" noChangeArrowheads="1"/>
+          </p:cNvSpPr>
+          <p:nvPr>
+            <p:ph type="body" sz="quarter" idx="11"/>
+          </p:nvPr>
+        </p:nvSpPr>
+        <p:spPr bwMode="auto">
+          <a:xfrm>
+            <a:off x="334963" y="1464300"/>
+            <a:ext cx="5630831" cy="2936188"/>
+          </a:xfrm>
+          <a:prstGeom prst="rect">
+            <a:avLst/>
+          </a:prstGeom>
+          <a:solidFill>
+            <a:srgbClr val="FFFFFF"/>
+          </a:solidFill>
+          <a:ln>
+            <a:noFill/>
+          </a:ln>
+          <a:effectLst/>
+          <a:extLst>
+            <a:ext uri="{91240B29-F687-4F45-9708-019B960494DF}">
+              <a14:hiddenLine xmlns:a14="http://schemas.microsoft.com/office/drawing/2010/main" w="9525">
+                <a:solidFill>
+                  <a:schemeClr val="tx1"/>
+                </a:solidFill>
+                <a:miter lim="800000"/>
+                <a:headEnd/>
+                <a:tailEnd/>
+              </a14:hiddenLine>
+            </a:ext>
+            <a:ext uri="{AF507438-7753-43E0-B8FC-AC1667EBCBE1}">
+              <a14:hiddenEffects xmlns:a14="http://schemas.microsoft.com/office/drawing/2010/main">
+                <a:effectLst>
+                  <a:outerShdw dist="35921" dir="2700000" algn="ctr" rotWithShape="0">
+                    <a:schemeClr val="bg2"/>
+                  </a:outerShdw>
+                </a:effectLst>
+              </a14:hiddenEffects>
+            </a:ext>
+          </a:extLst>
+        </p:spPr>
+        <p:txBody>
+          <a:bodyPr vert="horz" wrap="square" lIns="91440" tIns="45720" rIns="91440" bIns="45720" numCol="1" anchor="ctr" anchorCtr="0" compatLnSpc="1">
+            <a:prstTxWarp prst="textNoShape">
+              <a:avLst/>
+            </a:prstTxWarp>
+            <a:spAutoFit/>
+          </a:bodyPr>
+          <a:lstStyle/>
+          <a:p>
+            <a:pPr marR="0" lvl="0" defTabSz="914400" latinLnBrk="0">
+              <a:lnSpc>
+                <a:spcPct val="100000"/>
+              </a:lnSpc>
+              <a:tabLst/>
+            </a:pPr>
+            <a:r>
+              <a:rPr lang="de-DE" altLang="de-DE" sz="1200" dirty="0">
+                <a:solidFill>
+                  <a:schemeClr val="accent6">
+                    <a:lumMod val="75000"/>
+                  </a:schemeClr>
+                </a:solidFill>
+              </a:rPr>
+              <a:t>bool</a:t>
+            </a:r>
+            <a:r>
+              <a:rPr lang="de-DE" altLang="de-DE" sz="1200" dirty="0"/>
+              <a:t> mutation_delete_shift(Individual &amp;individual, int percentage) {</a:t>
+            </a:r>
+          </a:p>
+          <a:p>
+            <a:pPr marR="0" lvl="0" defTabSz="914400" latinLnBrk="0">
+              <a:lnSpc>
+                <a:spcPct val="100000"/>
+              </a:lnSpc>
+              <a:tabLst/>
+            </a:pPr>
+            <a:r>
+              <a:rPr lang="de-DE" altLang="de-DE" sz="1200" dirty="0"/>
+              <a:t>    bool mutate = rand(100)  &lt; percentage;</a:t>
+            </a:r>
+          </a:p>
+          <a:p>
+            <a:pPr marR="0" lvl="0" defTabSz="914400" latinLnBrk="0">
+              <a:lnSpc>
+                <a:spcPct val="100000"/>
+              </a:lnSpc>
+              <a:tabLst/>
+            </a:pPr>
+            <a:endParaRPr lang="de-DE" altLang="de-DE" sz="1200" dirty="0"/>
+          </a:p>
+          <a:p>
+            <a:pPr marR="0" lvl="0" defTabSz="914400" latinLnBrk="0">
+              <a:lnSpc>
+                <a:spcPct val="100000"/>
+              </a:lnSpc>
+              <a:tabLst/>
+            </a:pPr>
+            <a:r>
+              <a:rPr lang="de-DE" altLang="de-DE" sz="1200" dirty="0"/>
+              <a:t>    </a:t>
+            </a:r>
+            <a:r>
+              <a:rPr lang="de-DE" altLang="de-DE" sz="1200" dirty="0">
+                <a:solidFill>
+                  <a:schemeClr val="accent6">
+                    <a:lumMod val="75000"/>
+                  </a:schemeClr>
+                </a:solidFill>
+              </a:rPr>
+              <a:t>if</a:t>
+            </a:r>
+            <a:r>
+              <a:rPr lang="de-DE" altLang="de-DE" sz="1200" dirty="0"/>
+              <a:t> (mutate) {</a:t>
+            </a:r>
+          </a:p>
+          <a:p>
+            <a:pPr marR="0" lvl="0" defTabSz="914400" latinLnBrk="0">
+              <a:lnSpc>
+                <a:spcPct val="100000"/>
+              </a:lnSpc>
+              <a:tabLst/>
+            </a:pPr>
+            <a:r>
+              <a:rPr lang="de-DE" altLang="de-DE" sz="1200" dirty="0"/>
+              <a:t>        int position_a = rand(individual.get_size() - 1);</a:t>
+            </a:r>
+          </a:p>
+          <a:p>
+            <a:pPr marR="0" lvl="0" defTabSz="914400" latinLnBrk="0">
+              <a:lnSpc>
+                <a:spcPct val="100000"/>
+              </a:lnSpc>
+              <a:tabLst/>
+            </a:pPr>
+            <a:r>
+              <a:rPr lang="de-DE" altLang="de-DE" sz="1200" dirty="0"/>
+              <a:t>        int position_b = rand(position_a + 1, individual.get_size());</a:t>
+            </a:r>
+          </a:p>
+          <a:p>
+            <a:pPr marR="0" lvl="0" defTabSz="914400" latinLnBrk="0">
+              <a:lnSpc>
+                <a:spcPct val="100000"/>
+              </a:lnSpc>
+              <a:tabLst/>
+            </a:pPr>
+            <a:r>
+              <a:rPr lang="de-DE" altLang="de-DE" sz="1200" dirty="0"/>
+              <a:t>    </a:t>
+            </a:r>
+          </a:p>
+          <a:p>
+            <a:pPr marR="0" lvl="0" defTabSz="914400" latinLnBrk="0">
+              <a:lnSpc>
+                <a:spcPct val="100000"/>
+              </a:lnSpc>
+              <a:tabLst/>
+            </a:pPr>
+            <a:r>
+              <a:rPr lang="de-DE" altLang="de-DE" sz="1200" dirty="0"/>
+              <a:t>    </a:t>
+            </a:r>
+            <a:r>
+              <a:rPr lang="de-DE" altLang="de-DE" sz="1200" dirty="0">
+                <a:solidFill>
+                  <a:schemeClr val="accent6">
+                    <a:lumMod val="75000"/>
+                  </a:schemeClr>
+                </a:solidFill>
+              </a:rPr>
+              <a:t>for</a:t>
+            </a:r>
+            <a:r>
+              <a:rPr lang="de-DE" altLang="de-DE" sz="1200" dirty="0"/>
+              <a:t> (int i = position_a; i &lt; position_b; i++) {</a:t>
+            </a:r>
+          </a:p>
+          <a:p>
+            <a:pPr marR="0" lvl="0" defTabSz="914400" latinLnBrk="0">
+              <a:lnSpc>
+                <a:spcPct val="100000"/>
+              </a:lnSpc>
+              <a:tabLst/>
+            </a:pPr>
+            <a:r>
+              <a:rPr lang="de-DE" altLang="de-DE" sz="1200" dirty="0"/>
+              <a:t>        swap_chromosome(individual.get_chromosome(), i, i + 1);</a:t>
+            </a:r>
+          </a:p>
+          <a:p>
+            <a:pPr marR="0" lvl="0" defTabSz="914400" latinLnBrk="0">
+              <a:lnSpc>
+                <a:spcPct val="100000"/>
+              </a:lnSpc>
+              <a:tabLst/>
+            </a:pPr>
+            <a:r>
+              <a:rPr lang="de-DE" altLang="de-DE" sz="1200" dirty="0"/>
+              <a:t>    }</a:t>
+            </a:r>
+          </a:p>
+          <a:p>
+            <a:pPr marR="0" lvl="0" defTabSz="914400" latinLnBrk="0">
+              <a:lnSpc>
+                <a:spcPct val="100000"/>
+              </a:lnSpc>
+              <a:tabLst/>
+            </a:pPr>
+            <a:endParaRPr lang="de-DE" altLang="de-DE" sz="1200" dirty="0"/>
+          </a:p>
+          <a:p>
+            <a:pPr marR="0" lvl="0" defTabSz="914400" latinLnBrk="0">
+              <a:lnSpc>
+                <a:spcPct val="100000"/>
+              </a:lnSpc>
+              <a:tabLst/>
+            </a:pPr>
+            <a:r>
+              <a:rPr lang="de-DE" altLang="de-DE" sz="1200" dirty="0"/>
+              <a:t>    return mutate;</a:t>
+            </a:r>
+          </a:p>
+          <a:p>
+            <a:pPr marR="0" lvl="0" defTabSz="914400" latinLnBrk="0">
+              <a:lnSpc>
+                <a:spcPct val="100000"/>
+              </a:lnSpc>
+              <a:tabLst/>
+            </a:pPr>
+            <a:r>
+              <a:rPr lang="de-DE" altLang="de-DE" sz="1200" dirty="0"/>
+              <a:t>}</a:t>
+            </a:r>
+          </a:p>
+        </p:txBody>
+      </p:sp>
+      <p:sp>
+        <p:nvSpPr>
+          <p:cNvPr id="11" name="TextBox 10">
+            <a:extLst>
+              <a:ext uri="{FF2B5EF4-FFF2-40B4-BE49-F238E27FC236}">
+                <a16:creationId xmlns:a16="http://schemas.microsoft.com/office/drawing/2014/main" id="{A9A881C4-7DE0-4C0F-B2EC-F77D820DCF22}"/>
+              </a:ext>
+            </a:extLst>
+          </p:cNvPr>
+          <p:cNvSpPr txBox="1"/>
+          <p:nvPr/>
+        </p:nvSpPr>
+        <p:spPr>
+          <a:xfrm>
+            <a:off x="5965794" y="1292791"/>
+            <a:ext cx="4074850" cy="3524042"/>
+          </a:xfrm>
+          <a:prstGeom prst="rect">
+            <a:avLst/>
+          </a:prstGeom>
+          <a:noFill/>
+        </p:spPr>
+        <p:txBody>
+          <a:bodyPr wrap="square" rtlCol="0">
+            <a:spAutoFit/>
+          </a:bodyPr>
+          <a:lstStyle/>
+          <a:p>
+            <a:pPr>
+              <a:spcAft>
+                <a:spcPts val="600"/>
+              </a:spcAft>
+            </a:pPr>
+            <a:r>
+              <a:rPr lang="de-DE" dirty="0">
+                <a:solidFill>
+                  <a:srgbClr val="4A5C66"/>
+                </a:solidFill>
+                <a:latin typeface="Arial" panose="020B0604020202020204" pitchFamily="34" charset="0"/>
+                <a:cs typeface="Arial" panose="020B0604020202020204" pitchFamily="34" charset="0"/>
+              </a:rPr>
+              <a:t>Chromosom: {1,2,</a:t>
+            </a:r>
+            <a:r>
+              <a:rPr lang="de-DE" b="1" dirty="0">
+                <a:solidFill>
+                  <a:srgbClr val="C00000"/>
+                </a:solidFill>
+                <a:latin typeface="Arial" panose="020B0604020202020204" pitchFamily="34" charset="0"/>
+                <a:cs typeface="Arial" panose="020B0604020202020204" pitchFamily="34" charset="0"/>
+              </a:rPr>
+              <a:t>3</a:t>
+            </a:r>
+            <a:r>
+              <a:rPr lang="de-DE" b="1" dirty="0">
+                <a:solidFill>
+                  <a:srgbClr val="4A5C66"/>
+                </a:solidFill>
+                <a:latin typeface="Arial" panose="020B0604020202020204" pitchFamily="34" charset="0"/>
+                <a:cs typeface="Arial" panose="020B0604020202020204" pitchFamily="34" charset="0"/>
+              </a:rPr>
+              <a:t>,4,5,6,7</a:t>
+            </a:r>
+            <a:r>
+              <a:rPr lang="de-DE" dirty="0">
+                <a:solidFill>
+                  <a:srgbClr val="4A5C66"/>
+                </a:solidFill>
+                <a:latin typeface="Arial" panose="020B0604020202020204" pitchFamily="34" charset="0"/>
+                <a:cs typeface="Arial" panose="020B0604020202020204" pitchFamily="34" charset="0"/>
+              </a:rPr>
+              <a:t>,8,9,10}</a:t>
+            </a:r>
+          </a:p>
+          <a:p>
+            <a:pPr>
+              <a:spcAft>
+                <a:spcPts val="600"/>
+              </a:spcAft>
+            </a:pPr>
+            <a:endParaRPr lang="de-DE" dirty="0">
+              <a:solidFill>
+                <a:srgbClr val="4A5C66"/>
+              </a:solidFill>
+              <a:latin typeface="Arial" panose="020B0604020202020204" pitchFamily="34" charset="0"/>
+              <a:cs typeface="Arial" panose="020B0604020202020204" pitchFamily="34" charset="0"/>
+            </a:endParaRPr>
+          </a:p>
+          <a:p>
+            <a:pPr>
+              <a:spcAft>
+                <a:spcPts val="600"/>
+              </a:spcAft>
+            </a:pPr>
+            <a:endParaRPr lang="de-DE" dirty="0">
+              <a:solidFill>
+                <a:srgbClr val="4A5C66"/>
+              </a:solidFill>
+              <a:latin typeface="Arial" panose="020B0604020202020204" pitchFamily="34" charset="0"/>
+              <a:cs typeface="Arial" panose="020B0604020202020204" pitchFamily="34" charset="0"/>
+            </a:endParaRPr>
+          </a:p>
+          <a:p>
+            <a:pPr>
+              <a:spcAft>
+                <a:spcPts val="600"/>
+              </a:spcAft>
+            </a:pPr>
+            <a:r>
+              <a:rPr lang="de-DE" dirty="0">
+                <a:solidFill>
+                  <a:srgbClr val="4A5C66"/>
+                </a:solidFill>
+                <a:latin typeface="Arial" panose="020B0604020202020204" pitchFamily="34" charset="0"/>
+                <a:cs typeface="Arial" panose="020B0604020202020204" pitchFamily="34" charset="0"/>
+              </a:rPr>
+              <a:t>position_a=3</a:t>
+            </a:r>
+          </a:p>
+          <a:p>
+            <a:pPr>
+              <a:spcAft>
+                <a:spcPts val="600"/>
+              </a:spcAft>
+            </a:pPr>
+            <a:r>
+              <a:rPr lang="de-DE" dirty="0">
+                <a:solidFill>
+                  <a:srgbClr val="4A5C66"/>
+                </a:solidFill>
+                <a:latin typeface="Arial" panose="020B0604020202020204" pitchFamily="34" charset="0"/>
+                <a:cs typeface="Arial" panose="020B0604020202020204" pitchFamily="34" charset="0"/>
+              </a:rPr>
+              <a:t>position_b=7</a:t>
+            </a:r>
+          </a:p>
+          <a:p>
+            <a:pPr>
+              <a:spcAft>
+                <a:spcPts val="600"/>
+              </a:spcAft>
+            </a:pPr>
+            <a:endParaRPr lang="de-DE" dirty="0">
+              <a:solidFill>
+                <a:srgbClr val="4A5C66"/>
+              </a:solidFill>
+              <a:latin typeface="Arial" panose="020B0604020202020204" pitchFamily="34" charset="0"/>
+              <a:cs typeface="Arial" panose="020B0604020202020204" pitchFamily="34" charset="0"/>
+            </a:endParaRPr>
+          </a:p>
+          <a:p>
+            <a:pPr>
+              <a:spcAft>
+                <a:spcPts val="600"/>
+              </a:spcAft>
+            </a:pPr>
+            <a:endParaRPr lang="de-DE" dirty="0">
+              <a:solidFill>
+                <a:srgbClr val="4A5C66"/>
+              </a:solidFill>
+              <a:latin typeface="Arial" panose="020B0604020202020204" pitchFamily="34" charset="0"/>
+              <a:cs typeface="Arial" panose="020B0604020202020204" pitchFamily="34" charset="0"/>
+            </a:endParaRPr>
+          </a:p>
+          <a:p>
+            <a:pPr>
+              <a:spcAft>
+                <a:spcPts val="600"/>
+              </a:spcAft>
+            </a:pPr>
+            <a:endParaRPr lang="de-DE" dirty="0">
+              <a:solidFill>
+                <a:srgbClr val="4A5C66"/>
+              </a:solidFill>
+              <a:latin typeface="Arial" panose="020B0604020202020204" pitchFamily="34" charset="0"/>
+              <a:cs typeface="Arial" panose="020B0604020202020204" pitchFamily="34" charset="0"/>
+            </a:endParaRPr>
+          </a:p>
+          <a:p>
+            <a:pPr>
+              <a:spcAft>
+                <a:spcPts val="600"/>
+              </a:spcAft>
+            </a:pPr>
+            <a:r>
+              <a:rPr lang="de-DE" dirty="0">
+                <a:solidFill>
+                  <a:srgbClr val="4A5C66"/>
+                </a:solidFill>
+                <a:latin typeface="Arial" panose="020B0604020202020204" pitchFamily="34" charset="0"/>
+                <a:cs typeface="Arial" panose="020B0604020202020204" pitchFamily="34" charset="0"/>
+              </a:rPr>
+              <a:t>Ergebnis: {1,2,</a:t>
+            </a:r>
+            <a:r>
+              <a:rPr lang="de-DE" b="1" dirty="0">
+                <a:solidFill>
+                  <a:srgbClr val="4A5C66"/>
+                </a:solidFill>
+                <a:latin typeface="Arial" panose="020B0604020202020204" pitchFamily="34" charset="0"/>
+                <a:cs typeface="Arial" panose="020B0604020202020204" pitchFamily="34" charset="0"/>
+              </a:rPr>
+              <a:t>4,5,6,7,</a:t>
+            </a:r>
+            <a:r>
+              <a:rPr lang="de-DE" b="1" dirty="0">
+                <a:solidFill>
+                  <a:srgbClr val="C00000"/>
+                </a:solidFill>
+                <a:latin typeface="Arial" panose="020B0604020202020204" pitchFamily="34" charset="0"/>
+                <a:cs typeface="Arial" panose="020B0604020202020204" pitchFamily="34" charset="0"/>
+              </a:rPr>
+              <a:t>3</a:t>
+            </a:r>
+            <a:r>
+              <a:rPr lang="de-DE" dirty="0">
+                <a:solidFill>
+                  <a:srgbClr val="4A5C66"/>
+                </a:solidFill>
+                <a:latin typeface="Arial" panose="020B0604020202020204" pitchFamily="34" charset="0"/>
+                <a:cs typeface="Arial" panose="020B0604020202020204" pitchFamily="34" charset="0"/>
+              </a:rPr>
+              <a:t>,8,9,10}</a:t>
+            </a:r>
+          </a:p>
+          <a:p>
+            <a:pPr>
+              <a:spcAft>
+                <a:spcPts val="600"/>
+              </a:spcAft>
+            </a:pPr>
+            <a:endParaRPr lang="de-DE" dirty="0">
+              <a:solidFill>
+                <a:srgbClr val="4A5C66"/>
+              </a:solidFill>
+              <a:latin typeface="Arial" panose="020B0604020202020204" pitchFamily="34" charset="0"/>
+              <a:cs typeface="Arial" panose="020B0604020202020204" pitchFamily="34" charset="0"/>
+            </a:endParaRPr>
+          </a:p>
+          <a:p>
+            <a:pPr>
+              <a:spcAft>
+                <a:spcPts val="600"/>
+              </a:spcAft>
+            </a:pPr>
+            <a:endParaRPr lang="de-DE" dirty="0">
+              <a:solidFill>
+                <a:srgbClr val="4A5C66"/>
+              </a:solidFill>
+              <a:latin typeface="Arial" panose="020B0604020202020204" pitchFamily="34" charset="0"/>
+              <a:cs typeface="Arial" panose="020B0604020202020204" pitchFamily="34" charset="0"/>
+            </a:endParaRPr>
+          </a:p>
+          <a:p>
+            <a:pPr>
+              <a:spcAft>
+                <a:spcPts val="600"/>
+              </a:spcAft>
+            </a:pPr>
+            <a:endParaRPr lang="de-DE" dirty="0">
+              <a:solidFill>
+                <a:srgbClr val="4A5C66"/>
+              </a:solidFill>
+              <a:latin typeface="Arial" panose="020B0604020202020204" pitchFamily="34" charset="0"/>
+              <a:cs typeface="Arial" panose="020B0604020202020204" pitchFamily="34" charset="0"/>
+            </a:endParaRPr>
+          </a:p>
+        </p:txBody>
+      </p:sp>
+    </p:spTree>
+    <p:extLst>
+      <p:ext uri="{BB962C8B-B14F-4D97-AF65-F5344CB8AC3E}">
+        <p14:creationId xmlns:p14="http://schemas.microsoft.com/office/powerpoint/2010/main" val="21206333"/>
+      </p:ext>
+    </p:extLst>
+  </p:cSld>
+  <p:clrMapOvr>
+    <a:masterClrMapping/>
+  </p:clrMapOvr>
+</p:sld>
+</file>
+
+<file path=ppt/slides/slide24.xml><?xml version="1.0" encoding="utf-8"?>
+<p:sld xmlns:a="http://schemas.openxmlformats.org/drawingml/2006/main" xmlns:r="http://schemas.openxmlformats.org/officeDocument/2006/relationships" xmlns:p="http://schemas.openxmlformats.org/presentationml/2006/main">
+  <p:cSld>
+    <p:spTree>
+      <p:nvGrpSpPr>
+        <p:cNvPr id="1" name=""/>
+        <p:cNvGrpSpPr/>
+        <p:nvPr/>
+      </p:nvGrpSpPr>
+      <p:grpSpPr>
+        <a:xfrm>
+          <a:off x="0" y="0"/>
+          <a:ext cx="0" cy="0"/>
+          <a:chOff x="0" y="0"/>
+          <a:chExt cx="0" cy="0"/>
+        </a:xfrm>
+      </p:grpSpPr>
+      <p:sp>
+        <p:nvSpPr>
+          <p:cNvPr id="2" name="Title 1">
+            <a:extLst>
+              <a:ext uri="{FF2B5EF4-FFF2-40B4-BE49-F238E27FC236}">
                 <a16:creationId xmlns:a16="http://schemas.microsoft.com/office/drawing/2014/main" id="{85052616-A1AA-4C30-9C7B-DBB34145436D}"/>
               </a:ext>
             </a:extLst>
@@ -28048,7 +32452,7 @@
 </p:sld>
 </file>
 
-<file path=ppt/slides/slide21.xml><?xml version="1.0" encoding="utf-8"?>
+<file path=ppt/slides/slide25.xml><?xml version="1.0" encoding="utf-8"?>
 <p:sld xmlns:a="http://schemas.openxmlformats.org/drawingml/2006/main" xmlns:r="http://schemas.openxmlformats.org/officeDocument/2006/relationships" xmlns:p="http://schemas.openxmlformats.org/presentationml/2006/main">
   <p:cSld>
     <p:spTree>
@@ -28256,7 +32660,7 @@
 </p:sld>
 </file>
 
-<file path=ppt/slides/slide22.xml><?xml version="1.0" encoding="utf-8"?>
+<file path=ppt/slides/slide26.xml><?xml version="1.0" encoding="utf-8"?>
 <p:sld xmlns:a="http://schemas.openxmlformats.org/drawingml/2006/main" xmlns:r="http://schemas.openxmlformats.org/officeDocument/2006/relationships" xmlns:p="http://schemas.openxmlformats.org/presentationml/2006/main">
   <p:cSld>
     <p:spTree>
@@ -28818,7 +33222,7 @@
 </p:sld>
 </file>
 
-<file path=ppt/slides/slide23.xml><?xml version="1.0" encoding="utf-8"?>
+<file path=ppt/slides/slide27.xml><?xml version="1.0" encoding="utf-8"?>
 <p:sld xmlns:a="http://schemas.openxmlformats.org/drawingml/2006/main" xmlns:r="http://schemas.openxmlformats.org/officeDocument/2006/relationships" xmlns:p="http://schemas.openxmlformats.org/presentationml/2006/main">
   <p:cSld>
     <p:spTree>
@@ -29320,7 +33724,7 @@
 </p:sld>
 </file>
 
-<file path=ppt/slides/slide24.xml><?xml version="1.0" encoding="utf-8"?>
+<file path=ppt/slides/slide28.xml><?xml version="1.0" encoding="utf-8"?>
 <p:sld xmlns:a="http://schemas.openxmlformats.org/drawingml/2006/main" xmlns:r="http://schemas.openxmlformats.org/officeDocument/2006/relationships" xmlns:p="http://schemas.openxmlformats.org/presentationml/2006/main">
   <p:cSld>
     <p:spTree>
@@ -29403,7 +33807,7 @@
 </p:sld>
 </file>
 
-<file path=ppt/slides/slide25.xml><?xml version="1.0" encoding="utf-8"?>
+<file path=ppt/slides/slide29.xml><?xml version="1.0" encoding="utf-8"?>
 <p:sld xmlns:a="http://schemas.openxmlformats.org/drawingml/2006/main" xmlns:r="http://schemas.openxmlformats.org/officeDocument/2006/relationships" xmlns:p="http://schemas.openxmlformats.org/presentationml/2006/main">
   <p:cSld>
     <p:spTree>
@@ -29425,70 +33829,7 @@
           <p:cNvPr id="2" name="Title 1">
             <a:extLst>
               <a:ext uri="{FF2B5EF4-FFF2-40B4-BE49-F238E27FC236}">
-                <a16:creationId xmlns:a16="http://schemas.microsoft.com/office/drawing/2014/main" id="{5C90F86E-5409-42C3-8720-C9F27C41C489}"/>
-              </a:ext>
-            </a:extLst>
-          </p:cNvPr>
-          <p:cNvSpPr>
-            <a:spLocks noGrp="1"/>
-          </p:cNvSpPr>
-          <p:nvPr>
-            <p:ph type="title"/>
-          </p:nvPr>
-        </p:nvSpPr>
-        <p:spPr>
-          <a:xfrm>
-            <a:off x="4471957" y="3053400"/>
-            <a:ext cx="10076388" cy="751199"/>
-          </a:xfrm>
-        </p:spPr>
-        <p:txBody>
-          <a:bodyPr/>
-          <a:lstStyle/>
-          <a:p>
-            <a:r>
-              <a:rPr lang="de-DE" dirty="0"/>
-              <a:t>Demo</a:t>
-            </a:r>
-          </a:p>
-        </p:txBody>
-      </p:sp>
-    </p:spTree>
-    <p:extLst>
-      <p:ext uri="{BB962C8B-B14F-4D97-AF65-F5344CB8AC3E}">
-        <p14:creationId xmlns:p14="http://schemas.microsoft.com/office/powerpoint/2010/main" val="3438040171"/>
-      </p:ext>
-    </p:extLst>
-  </p:cSld>
-  <p:clrMapOvr>
-    <a:masterClrMapping/>
-  </p:clrMapOvr>
-</p:sld>
-</file>
-
-<file path=ppt/slides/slide26.xml><?xml version="1.0" encoding="utf-8"?>
-<p:sld xmlns:a="http://schemas.openxmlformats.org/drawingml/2006/main" xmlns:r="http://schemas.openxmlformats.org/officeDocument/2006/relationships" xmlns:p="http://schemas.openxmlformats.org/presentationml/2006/main">
-  <p:cSld>
-    <p:spTree>
-      <p:nvGrpSpPr>
-        <p:cNvPr id="1" name=""/>
-        <p:cNvGrpSpPr/>
-        <p:nvPr/>
-      </p:nvGrpSpPr>
-      <p:grpSpPr>
-        <a:xfrm>
-          <a:off x="0" y="0"/>
-          <a:ext cx="0" cy="0"/>
-          <a:chOff x="0" y="0"/>
-          <a:chExt cx="0" cy="0"/>
-        </a:xfrm>
-      </p:grpSpPr>
-      <p:sp>
-        <p:nvSpPr>
-          <p:cNvPr id="2" name="Title 1">
-            <a:extLst>
-              <a:ext uri="{FF2B5EF4-FFF2-40B4-BE49-F238E27FC236}">
-                <a16:creationId xmlns:a16="http://schemas.microsoft.com/office/drawing/2014/main" id="{DC4D03D2-0CEE-44CB-9ADD-87921ADF8E2B}"/>
+                <a16:creationId xmlns:a16="http://schemas.microsoft.com/office/drawing/2014/main" id="{DD28DF36-A66C-47FC-B466-4F0B1C47D1D8}"/>
               </a:ext>
             </a:extLst>
           </p:cNvPr>
@@ -29506,7 +33847,7 @@
           <a:p>
             <a:r>
               <a:rPr lang="de-DE" dirty="0"/>
-              <a:t>Retrospective</a:t>
+              <a:t>Experimente – Erste Versuche</a:t>
             </a:r>
           </a:p>
         </p:txBody>
@@ -29516,7 +33857,7 @@
           <p:cNvPr id="3" name="Text Placeholder 2">
             <a:extLst>
               <a:ext uri="{FF2B5EF4-FFF2-40B4-BE49-F238E27FC236}">
-                <a16:creationId xmlns:a16="http://schemas.microsoft.com/office/drawing/2014/main" id="{8B4A84AC-0BB0-4390-A9D0-F43811B71ACD}"/>
+                <a16:creationId xmlns:a16="http://schemas.microsoft.com/office/drawing/2014/main" id="{7A6C10D9-B269-4CC8-A8C3-2B174FA035C3}"/>
               </a:ext>
             </a:extLst>
           </p:cNvPr>
@@ -29532,121 +33873,6 @@
           <a:bodyPr/>
           <a:lstStyle/>
           <a:p>
-            <a:r>
-              <a:rPr lang="de-DE" dirty="0"/>
-              <a:t>Was lief gut?</a:t>
-            </a:r>
-          </a:p>
-          <a:p>
-            <a:pPr marL="285750" indent="-285750">
-              <a:buFont typeface="Arial" panose="020B0604020202020204" pitchFamily="34" charset="0"/>
-              <a:buChar char="•"/>
-            </a:pPr>
-            <a:r>
-              <a:rPr lang="de-DE" dirty="0"/>
-              <a:t>Pull requests wurden gewissenhaft bearbeitet</a:t>
-            </a:r>
-          </a:p>
-          <a:p>
-            <a:pPr marL="285750" indent="-285750">
-              <a:buFont typeface="Arial" panose="020B0604020202020204" pitchFamily="34" charset="0"/>
-              <a:buChar char="•"/>
-            </a:pPr>
-            <a:r>
-              <a:rPr lang="de-DE" dirty="0"/>
-              <a:t>Gute Kommunikation über Discord</a:t>
-            </a:r>
-          </a:p>
-          <a:p>
-            <a:pPr marL="285750" indent="-285750">
-              <a:buFont typeface="Arial" panose="020B0604020202020204" pitchFamily="34" charset="0"/>
-              <a:buChar char="•"/>
-            </a:pPr>
-            <a:r>
-              <a:rPr lang="de-DE" dirty="0"/>
-              <a:t>Verschiedene Arbeitsweisen konnten sich Ergänzen</a:t>
-            </a:r>
-          </a:p>
-          <a:p>
-            <a:pPr marL="285750" indent="-285750">
-              <a:buFont typeface="Arial" panose="020B0604020202020204" pitchFamily="34" charset="0"/>
-              <a:buChar char="•"/>
-            </a:pPr>
-            <a:r>
-              <a:rPr lang="de-DE" dirty="0"/>
-              <a:t>Faire Arbeitsteilung</a:t>
-            </a:r>
-          </a:p>
-          <a:p>
-            <a:pPr marL="285750" indent="-285750">
-              <a:buFont typeface="Arial" panose="020B0604020202020204" pitchFamily="34" charset="0"/>
-              <a:buChar char="•"/>
-            </a:pPr>
-            <a:r>
-              <a:rPr lang="de-DE" dirty="0"/>
-              <a:t>Kompromisse konnten immer gefunden werden</a:t>
-            </a:r>
-          </a:p>
-          <a:p>
-            <a:pPr marL="285750" indent="-285750">
-              <a:buFont typeface="Arial" panose="020B0604020202020204" pitchFamily="34" charset="0"/>
-              <a:buChar char="•"/>
-            </a:pPr>
-            <a:r>
-              <a:rPr lang="de-DE" dirty="0"/>
-              <a:t>Hohe Codequalität</a:t>
-            </a:r>
-          </a:p>
-          <a:p>
-            <a:endParaRPr lang="de-DE" dirty="0"/>
-          </a:p>
-          <a:p>
-            <a:endParaRPr lang="de-DE" dirty="0"/>
-          </a:p>
-          <a:p>
-            <a:endParaRPr lang="de-DE" dirty="0"/>
-          </a:p>
-          <a:p>
-            <a:r>
-              <a:rPr lang="de-DE" dirty="0"/>
-              <a:t>Was könnte besser sein?</a:t>
-            </a:r>
-          </a:p>
-          <a:p>
-            <a:pPr marL="285750" indent="-285750">
-              <a:buFont typeface="Arial" panose="020B0604020202020204" pitchFamily="34" charset="0"/>
-              <a:buChar char="•"/>
-            </a:pPr>
-            <a:r>
-              <a:rPr lang="de-DE" dirty="0"/>
-              <a:t>Einsatz von kontinuierlicher Integration (Jenkins)</a:t>
-            </a:r>
-          </a:p>
-          <a:p>
-            <a:pPr marL="285750" indent="-285750">
-              <a:buFont typeface="Arial" panose="020B0604020202020204" pitchFamily="34" charset="0"/>
-              <a:buChar char="•"/>
-            </a:pPr>
-            <a:r>
-              <a:rPr lang="de-DE" dirty="0"/>
-              <a:t>Zum Start noch klarer Definieren was überhaupt das Zielsystem sein soll (32 Bit vs. 64 Bit)</a:t>
-            </a:r>
-          </a:p>
-          <a:p>
-            <a:pPr marL="285750" indent="-285750">
-              <a:buFont typeface="Arial" panose="020B0604020202020204" pitchFamily="34" charset="0"/>
-              <a:buChar char="•"/>
-            </a:pPr>
-            <a:r>
-              <a:rPr lang="de-DE" dirty="0"/>
-              <a:t>Umgang mit C++ auf Windows extrem kompliziert...</a:t>
-            </a:r>
-          </a:p>
-          <a:p>
-            <a:pPr marL="285750" indent="-285750">
-              <a:buFont typeface="Arial" panose="020B0604020202020204" pitchFamily="34" charset="0"/>
-              <a:buChar char="•"/>
-            </a:pPr>
             <a:endParaRPr lang="de-DE" dirty="0"/>
           </a:p>
         </p:txBody>
@@ -29654,425 +33880,7 @@
     </p:spTree>
     <p:extLst>
       <p:ext uri="{BB962C8B-B14F-4D97-AF65-F5344CB8AC3E}">
-        <p14:creationId xmlns:p14="http://schemas.microsoft.com/office/powerpoint/2010/main" val="3403465121"/>
-      </p:ext>
-    </p:extLst>
-  </p:cSld>
-  <p:clrMapOvr>
-    <a:masterClrMapping/>
-  </p:clrMapOvr>
-</p:sld>
-</file>
-
-<file path=ppt/slides/slide27.xml><?xml version="1.0" encoding="utf-8"?>
-<p:sld xmlns:a="http://schemas.openxmlformats.org/drawingml/2006/main" xmlns:r="http://schemas.openxmlformats.org/officeDocument/2006/relationships" xmlns:p="http://schemas.openxmlformats.org/presentationml/2006/main">
-  <p:cSld>
-    <p:spTree>
-      <p:nvGrpSpPr>
-        <p:cNvPr id="1" name=""/>
-        <p:cNvGrpSpPr/>
-        <p:nvPr/>
-      </p:nvGrpSpPr>
-      <p:grpSpPr>
-        <a:xfrm>
-          <a:off x="0" y="0"/>
-          <a:ext cx="0" cy="0"/>
-          <a:chOff x="0" y="0"/>
-          <a:chExt cx="0" cy="0"/>
-        </a:xfrm>
-      </p:grpSpPr>
-      <p:sp>
-        <p:nvSpPr>
-          <p:cNvPr id="2" name="Title 1">
-            <a:extLst>
-              <a:ext uri="{FF2B5EF4-FFF2-40B4-BE49-F238E27FC236}">
-                <a16:creationId xmlns:a16="http://schemas.microsoft.com/office/drawing/2014/main" id="{0F40E8B6-F477-47BD-92C1-C5A87EE67C52}"/>
-              </a:ext>
-            </a:extLst>
-          </p:cNvPr>
-          <p:cNvSpPr>
-            <a:spLocks noGrp="1"/>
-          </p:cNvSpPr>
-          <p:nvPr>
-            <p:ph type="title"/>
-          </p:nvPr>
-        </p:nvSpPr>
-        <p:spPr/>
-        <p:txBody>
-          <a:bodyPr/>
-          <a:lstStyle/>
-          <a:p>
-            <a:r>
-              <a:rPr lang="de-DE" dirty="0"/>
-              <a:t>Fazit</a:t>
-            </a:r>
-          </a:p>
-        </p:txBody>
-      </p:sp>
-      <p:sp>
-        <p:nvSpPr>
-          <p:cNvPr id="3" name="Text Placeholder 2">
-            <a:extLst>
-              <a:ext uri="{FF2B5EF4-FFF2-40B4-BE49-F238E27FC236}">
-                <a16:creationId xmlns:a16="http://schemas.microsoft.com/office/drawing/2014/main" id="{C7D2FD1F-22A7-4CE1-848E-F26C723EE9B9}"/>
-              </a:ext>
-            </a:extLst>
-          </p:cNvPr>
-          <p:cNvSpPr>
-            <a:spLocks noGrp="1"/>
-          </p:cNvSpPr>
-          <p:nvPr>
-            <p:ph type="body" sz="quarter" idx="11"/>
-          </p:nvPr>
-        </p:nvSpPr>
-        <p:spPr/>
-        <p:txBody>
-          <a:bodyPr/>
-          <a:lstStyle/>
-          <a:p>
-            <a:r>
-              <a:rPr lang="de-DE" dirty="0"/>
-              <a:t>1. Entwicklung eines Systems, das die Möglichkeiten von Genetischen Algorithmen mit dem Beispiel des TSP demonstriert.</a:t>
-            </a:r>
-          </a:p>
-          <a:p>
-            <a:pPr marL="285750" indent="-285750">
-              <a:buFont typeface="Arial" panose="020B0604020202020204" pitchFamily="34" charset="0"/>
-              <a:buChar char="•"/>
-            </a:pPr>
-            <a:r>
-              <a:rPr lang="de-DE" dirty="0"/>
-              <a:t>Funktionalität </a:t>
-            </a:r>
-            <a:r>
-              <a:rPr lang="de-DE" dirty="0">
-                <a:solidFill>
-                  <a:srgbClr val="00B050"/>
-                </a:solidFill>
-                <a:latin typeface="Wingdings" panose="05000000000000000000" pitchFamily="2" charset="2"/>
-              </a:rPr>
-              <a:t>ü</a:t>
-            </a:r>
-            <a:endParaRPr lang="de-DE" dirty="0"/>
-          </a:p>
-          <a:p>
-            <a:pPr marL="285750" indent="-285750">
-              <a:buFont typeface="Arial" panose="020B0604020202020204" pitchFamily="34" charset="0"/>
-              <a:buChar char="•"/>
-            </a:pPr>
-            <a:r>
-              <a:rPr lang="de-DE" dirty="0"/>
-              <a:t>Guter Code </a:t>
-            </a:r>
-            <a:r>
-              <a:rPr lang="de-DE" dirty="0">
-                <a:solidFill>
-                  <a:srgbClr val="00B050"/>
-                </a:solidFill>
-                <a:latin typeface="Wingdings" panose="05000000000000000000" pitchFamily="2" charset="2"/>
-              </a:rPr>
-              <a:t>ü</a:t>
-            </a:r>
-            <a:r>
-              <a:rPr lang="de-DE" dirty="0"/>
-              <a:t>, klare Architektur </a:t>
-            </a:r>
-            <a:r>
-              <a:rPr lang="de-DE" dirty="0">
-                <a:solidFill>
-                  <a:srgbClr val="00B050"/>
-                </a:solidFill>
-                <a:latin typeface="Wingdings" panose="05000000000000000000" pitchFamily="2" charset="2"/>
-              </a:rPr>
-              <a:t>ü</a:t>
-            </a:r>
-            <a:endParaRPr lang="de-DE" dirty="0"/>
-          </a:p>
-          <a:p>
-            <a:pPr marL="285750" indent="-285750">
-              <a:buFont typeface="Arial" panose="020B0604020202020204" pitchFamily="34" charset="0"/>
-              <a:buChar char="•"/>
-            </a:pPr>
-            <a:r>
-              <a:rPr lang="de-DE" dirty="0"/>
-              <a:t>Testbarkeit </a:t>
-            </a:r>
-            <a:r>
-              <a:rPr lang="de-DE" dirty="0">
-                <a:solidFill>
-                  <a:srgbClr val="00B050"/>
-                </a:solidFill>
-                <a:latin typeface="Wingdings" panose="05000000000000000000" pitchFamily="2" charset="2"/>
-              </a:rPr>
-              <a:t>ü</a:t>
-            </a:r>
-            <a:r>
-              <a:rPr lang="de-DE" dirty="0"/>
-              <a:t> , Erweiterbarkeit </a:t>
-            </a:r>
-            <a:r>
-              <a:rPr lang="de-DE" dirty="0">
-                <a:solidFill>
-                  <a:srgbClr val="00B050"/>
-                </a:solidFill>
-                <a:latin typeface="Wingdings" panose="05000000000000000000" pitchFamily="2" charset="2"/>
-              </a:rPr>
-              <a:t>ü</a:t>
-            </a:r>
-            <a:r>
-              <a:rPr lang="de-DE" dirty="0"/>
-              <a:t> , Dokumentation </a:t>
-            </a:r>
-            <a:r>
-              <a:rPr lang="de-DE" dirty="0">
-                <a:solidFill>
-                  <a:srgbClr val="00B050"/>
-                </a:solidFill>
-                <a:latin typeface="Wingdings" panose="05000000000000000000" pitchFamily="2" charset="2"/>
-              </a:rPr>
-              <a:t>ü</a:t>
-            </a:r>
-            <a:r>
-              <a:rPr lang="de-DE" dirty="0"/>
-              <a:t> </a:t>
-            </a:r>
-          </a:p>
-          <a:p>
-            <a:endParaRPr lang="de-DE" dirty="0"/>
-          </a:p>
-          <a:p>
-            <a:r>
-              <a:rPr lang="de-DE" dirty="0"/>
-              <a:t>2. Untersuchung welche Stellschrauben der Genetischen Algorithmen das Resultat in wieweit verbessert/verschlechtert.</a:t>
-            </a:r>
-          </a:p>
-          <a:p>
-            <a:pPr marL="285750" indent="-285750">
-              <a:buFont typeface="Arial" panose="020B0604020202020204" pitchFamily="34" charset="0"/>
-              <a:buChar char="•"/>
-            </a:pPr>
-            <a:r>
-              <a:rPr lang="de-DE" dirty="0"/>
-              <a:t>Experimente konnten zeigen, dass ... .</a:t>
-            </a:r>
-          </a:p>
-        </p:txBody>
-      </p:sp>
-    </p:spTree>
-    <p:extLst>
-      <p:ext uri="{BB962C8B-B14F-4D97-AF65-F5344CB8AC3E}">
-        <p14:creationId xmlns:p14="http://schemas.microsoft.com/office/powerpoint/2010/main" val="2484894277"/>
-      </p:ext>
-    </p:extLst>
-  </p:cSld>
-  <p:clrMapOvr>
-    <a:masterClrMapping/>
-  </p:clrMapOvr>
-</p:sld>
-</file>
-
-<file path=ppt/slides/slide28.xml><?xml version="1.0" encoding="utf-8"?>
-<p:sld xmlns:a="http://schemas.openxmlformats.org/drawingml/2006/main" xmlns:r="http://schemas.openxmlformats.org/officeDocument/2006/relationships" xmlns:p="http://schemas.openxmlformats.org/presentationml/2006/main">
-  <p:cSld>
-    <p:spTree>
-      <p:nvGrpSpPr>
-        <p:cNvPr id="1" name=""/>
-        <p:cNvGrpSpPr/>
-        <p:nvPr/>
-      </p:nvGrpSpPr>
-      <p:grpSpPr>
-        <a:xfrm>
-          <a:off x="0" y="0"/>
-          <a:ext cx="0" cy="0"/>
-          <a:chOff x="0" y="0"/>
-          <a:chExt cx="0" cy="0"/>
-        </a:xfrm>
-      </p:grpSpPr>
-      <p:sp>
-        <p:nvSpPr>
-          <p:cNvPr id="2" name="Title 1">
-            <a:extLst>
-              <a:ext uri="{FF2B5EF4-FFF2-40B4-BE49-F238E27FC236}">
-                <a16:creationId xmlns:a16="http://schemas.microsoft.com/office/drawing/2014/main" id="{5D0F81E1-3827-444D-B85D-94516A9BB0BB}"/>
-              </a:ext>
-            </a:extLst>
-          </p:cNvPr>
-          <p:cNvSpPr>
-            <a:spLocks noGrp="1"/>
-          </p:cNvSpPr>
-          <p:nvPr>
-            <p:ph type="title"/>
-          </p:nvPr>
-        </p:nvSpPr>
-        <p:spPr/>
-        <p:txBody>
-          <a:bodyPr/>
-          <a:lstStyle/>
-          <a:p>
-            <a:r>
-              <a:rPr lang="de-DE" dirty="0"/>
-              <a:t>Ausblick</a:t>
-            </a:r>
-          </a:p>
-        </p:txBody>
-      </p:sp>
-      <p:sp>
-        <p:nvSpPr>
-          <p:cNvPr id="3" name="Text Placeholder 2">
-            <a:extLst>
-              <a:ext uri="{FF2B5EF4-FFF2-40B4-BE49-F238E27FC236}">
-                <a16:creationId xmlns:a16="http://schemas.microsoft.com/office/drawing/2014/main" id="{3894D160-3911-4D19-84D1-924A7E116845}"/>
-              </a:ext>
-            </a:extLst>
-          </p:cNvPr>
-          <p:cNvSpPr>
-            <a:spLocks noGrp="1"/>
-          </p:cNvSpPr>
-          <p:nvPr>
-            <p:ph type="body" sz="quarter" idx="11"/>
-          </p:nvPr>
-        </p:nvSpPr>
-        <p:spPr/>
-        <p:txBody>
-          <a:bodyPr/>
-          <a:lstStyle/>
-          <a:p>
-            <a:pPr marL="285750" indent="-285750">
-              <a:buFont typeface="Arial" panose="020B0604020202020204" pitchFamily="34" charset="0"/>
-              <a:buChar char="•"/>
-            </a:pPr>
-            <a:r>
-              <a:rPr lang="de-DE" dirty="0"/>
-              <a:t>Library vollständig von TSP lösen und generischer Gestalten</a:t>
-            </a:r>
-          </a:p>
-          <a:p>
-            <a:pPr marL="285750" indent="-285750">
-              <a:buFont typeface="Arial" panose="020B0604020202020204" pitchFamily="34" charset="0"/>
-              <a:buChar char="•"/>
-            </a:pPr>
-            <a:r>
-              <a:rPr lang="de-DE" dirty="0"/>
-              <a:t>Performance messen</a:t>
-            </a:r>
-          </a:p>
-          <a:p>
-            <a:pPr marL="285750" indent="-285750">
-              <a:buFont typeface="Arial" panose="020B0604020202020204" pitchFamily="34" charset="0"/>
-              <a:buChar char="•"/>
-            </a:pPr>
-            <a:r>
-              <a:rPr lang="de-DE" dirty="0"/>
-              <a:t>Library veröffentlichen</a:t>
-            </a:r>
-          </a:p>
-        </p:txBody>
-      </p:sp>
-    </p:spTree>
-    <p:extLst>
-      <p:ext uri="{BB962C8B-B14F-4D97-AF65-F5344CB8AC3E}">
-        <p14:creationId xmlns:p14="http://schemas.microsoft.com/office/powerpoint/2010/main" val="2272322917"/>
-      </p:ext>
-    </p:extLst>
-  </p:cSld>
-  <p:clrMapOvr>
-    <a:masterClrMapping/>
-  </p:clrMapOvr>
-</p:sld>
-</file>
-
-<file path=ppt/slides/slide29.xml><?xml version="1.0" encoding="utf-8"?>
-<p:sld xmlns:a="http://schemas.openxmlformats.org/drawingml/2006/main" xmlns:r="http://schemas.openxmlformats.org/officeDocument/2006/relationships" xmlns:p="http://schemas.openxmlformats.org/presentationml/2006/main">
-  <p:cSld>
-    <p:spTree>
-      <p:nvGrpSpPr>
-        <p:cNvPr id="1" name=""/>
-        <p:cNvGrpSpPr/>
-        <p:nvPr/>
-      </p:nvGrpSpPr>
-      <p:grpSpPr>
-        <a:xfrm>
-          <a:off x="0" y="0"/>
-          <a:ext cx="0" cy="0"/>
-          <a:chOff x="0" y="0"/>
-          <a:chExt cx="0" cy="0"/>
-        </a:xfrm>
-      </p:grpSpPr>
-      <p:sp>
-        <p:nvSpPr>
-          <p:cNvPr id="3" name="Textfeld 2">
-            <a:extLst>
-              <a:ext uri="{FF2B5EF4-FFF2-40B4-BE49-F238E27FC236}">
-                <a16:creationId xmlns:a16="http://schemas.microsoft.com/office/drawing/2014/main" id="{21059048-CA97-4EAA-842D-535F0C108203}"/>
-              </a:ext>
-            </a:extLst>
-          </p:cNvPr>
-          <p:cNvSpPr txBox="1"/>
-          <p:nvPr/>
-        </p:nvSpPr>
-        <p:spPr>
-          <a:xfrm>
-            <a:off x="7825273" y="3205901"/>
-            <a:ext cx="3847562" cy="2871437"/>
-          </a:xfrm>
-          <a:prstGeom prst="rect">
-            <a:avLst/>
-          </a:prstGeom>
-          <a:noFill/>
-        </p:spPr>
-        <p:txBody>
-          <a:bodyPr wrap="square" rtlCol="0" anchor="ctr" anchorCtr="0">
-            <a:noAutofit/>
-          </a:bodyPr>
-          <a:lstStyle/>
-          <a:p>
-            <a:pPr algn="ctr"/>
-            <a:r>
-              <a:rPr lang="de-DE" sz="4000">
-                <a:solidFill>
-                  <a:srgbClr val="4A5C66"/>
-                </a:solidFill>
-                <a:latin typeface="Arial" panose="020B0604020202020204" pitchFamily="34" charset="0"/>
-                <a:cs typeface="Arial" panose="020B0604020202020204" pitchFamily="34" charset="0"/>
-              </a:rPr>
-              <a:t>Viele Dank</a:t>
-            </a:r>
-            <a:br>
-              <a:rPr lang="de-DE" sz="4000">
-                <a:solidFill>
-                  <a:srgbClr val="4A5C66"/>
-                </a:solidFill>
-                <a:latin typeface="Arial" panose="020B0604020202020204" pitchFamily="34" charset="0"/>
-                <a:cs typeface="Arial" panose="020B0604020202020204" pitchFamily="34" charset="0"/>
-              </a:rPr>
-            </a:br>
-            <a:r>
-              <a:rPr lang="de-DE" sz="4000">
-                <a:solidFill>
-                  <a:srgbClr val="4A5C66"/>
-                </a:solidFill>
-                <a:latin typeface="Arial" panose="020B0604020202020204" pitchFamily="34" charset="0"/>
-                <a:cs typeface="Arial" panose="020B0604020202020204" pitchFamily="34" charset="0"/>
-              </a:rPr>
-              <a:t>für </a:t>
-            </a:r>
-            <a:r>
-              <a:rPr lang="de-DE" sz="4000" dirty="0">
-                <a:solidFill>
-                  <a:srgbClr val="4A5C66"/>
-                </a:solidFill>
-                <a:latin typeface="Arial" panose="020B0604020202020204" pitchFamily="34" charset="0"/>
-                <a:cs typeface="Arial" panose="020B0604020202020204" pitchFamily="34" charset="0"/>
-              </a:rPr>
-              <a:t>eure Aufmerksamkeit</a:t>
-            </a:r>
-          </a:p>
-        </p:txBody>
-      </p:sp>
-    </p:spTree>
-    <p:extLst>
-      <p:ext uri="{BB962C8B-B14F-4D97-AF65-F5344CB8AC3E}">
-        <p14:creationId xmlns:p14="http://schemas.microsoft.com/office/powerpoint/2010/main" val="4185969896"/>
+        <p14:creationId xmlns:p14="http://schemas.microsoft.com/office/powerpoint/2010/main" val="1127708112"/>
       </p:ext>
     </p:extLst>
   </p:cSld>
@@ -30206,6 +34014,1130 @@
     <p:extLst>
       <p:ext uri="{BB962C8B-B14F-4D97-AF65-F5344CB8AC3E}">
         <p14:creationId xmlns:p14="http://schemas.microsoft.com/office/powerpoint/2010/main" val="3059242604"/>
+      </p:ext>
+    </p:extLst>
+  </p:cSld>
+  <p:clrMapOvr>
+    <a:masterClrMapping/>
+  </p:clrMapOvr>
+</p:sld>
+</file>
+
+<file path=ppt/slides/slide30.xml><?xml version="1.0" encoding="utf-8"?>
+<p:sld xmlns:a="http://schemas.openxmlformats.org/drawingml/2006/main" xmlns:r="http://schemas.openxmlformats.org/officeDocument/2006/relationships" xmlns:p="http://schemas.openxmlformats.org/presentationml/2006/main">
+  <p:cSld>
+    <p:spTree>
+      <p:nvGrpSpPr>
+        <p:cNvPr id="1" name=""/>
+        <p:cNvGrpSpPr/>
+        <p:nvPr/>
+      </p:nvGrpSpPr>
+      <p:grpSpPr>
+        <a:xfrm>
+          <a:off x="0" y="0"/>
+          <a:ext cx="0" cy="0"/>
+          <a:chOff x="0" y="0"/>
+          <a:chExt cx="0" cy="0"/>
+        </a:xfrm>
+      </p:grpSpPr>
+      <p:sp>
+        <p:nvSpPr>
+          <p:cNvPr id="2" name="Title 1">
+            <a:extLst>
+              <a:ext uri="{FF2B5EF4-FFF2-40B4-BE49-F238E27FC236}">
+                <a16:creationId xmlns:a16="http://schemas.microsoft.com/office/drawing/2014/main" id="{DF8F9F48-1476-4C40-A011-77DB540B49BA}"/>
+              </a:ext>
+            </a:extLst>
+          </p:cNvPr>
+          <p:cNvSpPr>
+            <a:spLocks noGrp="1"/>
+          </p:cNvSpPr>
+          <p:nvPr>
+            <p:ph type="title"/>
+          </p:nvPr>
+        </p:nvSpPr>
+        <p:spPr/>
+        <p:txBody>
+          <a:bodyPr/>
+          <a:lstStyle/>
+          <a:p>
+            <a:r>
+              <a:rPr lang="de-DE" dirty="0"/>
+              <a:t>Experimente – Erkenntnisse nach ersten Versuchen</a:t>
+            </a:r>
+          </a:p>
+        </p:txBody>
+      </p:sp>
+      <p:sp>
+        <p:nvSpPr>
+          <p:cNvPr id="3" name="Text Placeholder 2">
+            <a:extLst>
+              <a:ext uri="{FF2B5EF4-FFF2-40B4-BE49-F238E27FC236}">
+                <a16:creationId xmlns:a16="http://schemas.microsoft.com/office/drawing/2014/main" id="{A9F55793-FF99-476C-BF19-8AC36231B33E}"/>
+              </a:ext>
+            </a:extLst>
+          </p:cNvPr>
+          <p:cNvSpPr>
+            <a:spLocks noGrp="1"/>
+          </p:cNvSpPr>
+          <p:nvPr>
+            <p:ph type="body" sz="quarter" idx="11"/>
+          </p:nvPr>
+        </p:nvSpPr>
+        <p:spPr/>
+        <p:txBody>
+          <a:bodyPr/>
+          <a:lstStyle/>
+          <a:p>
+            <a:r>
+              <a:rPr lang="de-DE" dirty="0"/>
+              <a:t>Problem:</a:t>
+            </a:r>
+          </a:p>
+          <a:p>
+            <a:pPr marL="285750" indent="-285750">
+              <a:buFont typeface="Arial" panose="020B0604020202020204" pitchFamily="34" charset="0"/>
+              <a:buChar char="•"/>
+            </a:pPr>
+            <a:r>
+              <a:rPr lang="de-DE" dirty="0"/>
+              <a:t>Startpopulation verliert schnell an ihrer „einzigartigkeit“</a:t>
+            </a:r>
+          </a:p>
+          <a:p>
+            <a:pPr marL="285750" indent="-285750">
+              <a:buFont typeface="Arial" panose="020B0604020202020204" pitchFamily="34" charset="0"/>
+              <a:buChar char="•"/>
+            </a:pPr>
+            <a:r>
+              <a:rPr lang="de-DE" dirty="0"/>
+              <a:t>Verfahren ermöglichen es das mehrere Individuen selbe Chromosom tragen</a:t>
+            </a:r>
+          </a:p>
+          <a:p>
+            <a:pPr marL="285750" indent="-285750">
+              <a:buFont typeface="Arial" panose="020B0604020202020204" pitchFamily="34" charset="0"/>
+              <a:buChar char="•"/>
+            </a:pPr>
+            <a:r>
+              <a:rPr lang="de-DE" dirty="0"/>
+              <a:t>Effekt verstärkt sich sehr schnell</a:t>
+            </a:r>
+          </a:p>
+          <a:p>
+            <a:pPr marL="285750" indent="-285750">
+              <a:buFont typeface="Arial" panose="020B0604020202020204" pitchFamily="34" charset="0"/>
+              <a:buChar char="•"/>
+            </a:pPr>
+            <a:r>
+              <a:rPr lang="de-DE" dirty="0"/>
+              <a:t>Nach wenigen Generationen besteht die Population nur noch aus einem Individuum</a:t>
+            </a:r>
+          </a:p>
+          <a:p>
+            <a:pPr marL="285750" indent="-285750">
+              <a:buFont typeface="Arial" panose="020B0604020202020204" pitchFamily="34" charset="0"/>
+              <a:buChar char="•"/>
+            </a:pPr>
+            <a:r>
+              <a:rPr lang="de-DE" dirty="0"/>
+              <a:t>Ab diesem Zeitpunkt gleicht das Verfahren dem Shufflen einer Liste</a:t>
+            </a:r>
+          </a:p>
+          <a:p>
+            <a:pPr marL="285750" indent="-285750">
+              <a:buFont typeface="Arial" panose="020B0604020202020204" pitchFamily="34" charset="0"/>
+              <a:buChar char="•"/>
+            </a:pPr>
+            <a:r>
+              <a:rPr lang="de-DE" dirty="0"/>
+              <a:t>Lediglich die Mutation</a:t>
+            </a:r>
+          </a:p>
+          <a:p>
+            <a:pPr marL="285750" indent="-285750">
+              <a:buFont typeface="Arial" panose="020B0604020202020204" pitchFamily="34" charset="0"/>
+              <a:buChar char="•"/>
+            </a:pPr>
+            <a:endParaRPr lang="de-DE" dirty="0"/>
+          </a:p>
+          <a:p>
+            <a:r>
+              <a:rPr lang="de-DE" dirty="0"/>
+              <a:t>Lösung:</a:t>
+            </a:r>
+          </a:p>
+          <a:p>
+            <a:pPr marL="285750" indent="-285750">
+              <a:buFont typeface="Arial" panose="020B0604020202020204" pitchFamily="34" charset="0"/>
+              <a:buChar char="•"/>
+            </a:pPr>
+            <a:r>
+              <a:rPr lang="de-DE" dirty="0"/>
+              <a:t>Verfahren werden darauf abgestimmt doppelte Individuen zu erkennen und zu löschen</a:t>
+            </a:r>
+          </a:p>
+          <a:p>
+            <a:pPr marL="285750" indent="-285750">
+              <a:buFont typeface="Arial" panose="020B0604020202020204" pitchFamily="34" charset="0"/>
+              <a:buChar char="•"/>
+            </a:pPr>
+            <a:r>
+              <a:rPr lang="de-DE" dirty="0"/>
+              <a:t>Elternteile müssen unterschiedlich sein</a:t>
+            </a:r>
+          </a:p>
+          <a:p>
+            <a:pPr marL="285750" indent="-285750">
+              <a:buFont typeface="Arial" panose="020B0604020202020204" pitchFamily="34" charset="0"/>
+              <a:buChar char="•"/>
+            </a:pPr>
+            <a:r>
+              <a:rPr lang="de-DE" dirty="0"/>
+              <a:t>In der Selektion wird geprüft ob zufällig dopplungen Entstanden sind und gelöscht.</a:t>
+            </a:r>
+          </a:p>
+          <a:p>
+            <a:pPr marL="285750" indent="-285750">
+              <a:buFont typeface="Arial" panose="020B0604020202020204" pitchFamily="34" charset="0"/>
+              <a:buChar char="•"/>
+            </a:pPr>
+            <a:endParaRPr lang="de-DE" dirty="0"/>
+          </a:p>
+        </p:txBody>
+      </p:sp>
+    </p:spTree>
+    <p:extLst>
+      <p:ext uri="{BB962C8B-B14F-4D97-AF65-F5344CB8AC3E}">
+        <p14:creationId xmlns:p14="http://schemas.microsoft.com/office/powerpoint/2010/main" val="1462845068"/>
+      </p:ext>
+    </p:extLst>
+  </p:cSld>
+  <p:clrMapOvr>
+    <a:masterClrMapping/>
+  </p:clrMapOvr>
+</p:sld>
+</file>
+
+<file path=ppt/slides/slide31.xml><?xml version="1.0" encoding="utf-8"?>
+<p:sld xmlns:a="http://schemas.openxmlformats.org/drawingml/2006/main" xmlns:r="http://schemas.openxmlformats.org/officeDocument/2006/relationships" xmlns:p="http://schemas.openxmlformats.org/presentationml/2006/main">
+  <p:cSld>
+    <p:spTree>
+      <p:nvGrpSpPr>
+        <p:cNvPr id="1" name=""/>
+        <p:cNvGrpSpPr/>
+        <p:nvPr/>
+      </p:nvGrpSpPr>
+      <p:grpSpPr>
+        <a:xfrm>
+          <a:off x="0" y="0"/>
+          <a:ext cx="0" cy="0"/>
+          <a:chOff x="0" y="0"/>
+          <a:chExt cx="0" cy="0"/>
+        </a:xfrm>
+      </p:grpSpPr>
+      <p:sp>
+        <p:nvSpPr>
+          <p:cNvPr id="2" name="Title 1">
+            <a:extLst>
+              <a:ext uri="{FF2B5EF4-FFF2-40B4-BE49-F238E27FC236}">
+                <a16:creationId xmlns:a16="http://schemas.microsoft.com/office/drawing/2014/main" id="{DAD94F1D-99C5-4ED3-B036-05370DC80046}"/>
+              </a:ext>
+            </a:extLst>
+          </p:cNvPr>
+          <p:cNvSpPr>
+            <a:spLocks noGrp="1"/>
+          </p:cNvSpPr>
+          <p:nvPr>
+            <p:ph type="title"/>
+          </p:nvPr>
+        </p:nvSpPr>
+        <p:spPr/>
+        <p:txBody>
+          <a:bodyPr/>
+          <a:lstStyle/>
+          <a:p>
+            <a:r>
+              <a:rPr lang="de-DE" dirty="0"/>
+              <a:t>Experimente - Verbesserung</a:t>
+            </a:r>
+          </a:p>
+        </p:txBody>
+      </p:sp>
+      <p:sp>
+        <p:nvSpPr>
+          <p:cNvPr id="3" name="Text Placeholder 2">
+            <a:extLst>
+              <a:ext uri="{FF2B5EF4-FFF2-40B4-BE49-F238E27FC236}">
+                <a16:creationId xmlns:a16="http://schemas.microsoft.com/office/drawing/2014/main" id="{D100AAC1-6F83-40B9-A9A5-7E8E65C905FB}"/>
+              </a:ext>
+            </a:extLst>
+          </p:cNvPr>
+          <p:cNvSpPr>
+            <a:spLocks noGrp="1"/>
+          </p:cNvSpPr>
+          <p:nvPr>
+            <p:ph type="body" sz="quarter" idx="11"/>
+          </p:nvPr>
+        </p:nvSpPr>
+        <p:spPr/>
+        <p:txBody>
+          <a:bodyPr/>
+          <a:lstStyle/>
+          <a:p>
+            <a:endParaRPr lang="de-DE"/>
+          </a:p>
+        </p:txBody>
+      </p:sp>
+    </p:spTree>
+    <p:extLst>
+      <p:ext uri="{BB962C8B-B14F-4D97-AF65-F5344CB8AC3E}">
+        <p14:creationId xmlns:p14="http://schemas.microsoft.com/office/powerpoint/2010/main" val="543167742"/>
+      </p:ext>
+    </p:extLst>
+  </p:cSld>
+  <p:clrMapOvr>
+    <a:masterClrMapping/>
+  </p:clrMapOvr>
+</p:sld>
+</file>
+
+<file path=ppt/slides/slide32.xml><?xml version="1.0" encoding="utf-8"?>
+<p:sld xmlns:a="http://schemas.openxmlformats.org/drawingml/2006/main" xmlns:r="http://schemas.openxmlformats.org/officeDocument/2006/relationships" xmlns:p="http://schemas.openxmlformats.org/presentationml/2006/main">
+  <p:cSld>
+    <p:spTree>
+      <p:nvGrpSpPr>
+        <p:cNvPr id="1" name=""/>
+        <p:cNvGrpSpPr/>
+        <p:nvPr/>
+      </p:nvGrpSpPr>
+      <p:grpSpPr>
+        <a:xfrm>
+          <a:off x="0" y="0"/>
+          <a:ext cx="0" cy="0"/>
+          <a:chOff x="0" y="0"/>
+          <a:chExt cx="0" cy="0"/>
+        </a:xfrm>
+      </p:grpSpPr>
+      <p:sp>
+        <p:nvSpPr>
+          <p:cNvPr id="2" name="Title 1">
+            <a:extLst>
+              <a:ext uri="{FF2B5EF4-FFF2-40B4-BE49-F238E27FC236}">
+                <a16:creationId xmlns:a16="http://schemas.microsoft.com/office/drawing/2014/main" id="{3C86A1AD-7980-454D-9CB3-7F26FDE8374B}"/>
+              </a:ext>
+            </a:extLst>
+          </p:cNvPr>
+          <p:cNvSpPr>
+            <a:spLocks noGrp="1"/>
+          </p:cNvSpPr>
+          <p:nvPr>
+            <p:ph type="title"/>
+          </p:nvPr>
+        </p:nvSpPr>
+        <p:spPr/>
+        <p:txBody>
+          <a:bodyPr/>
+          <a:lstStyle/>
+          <a:p>
+            <a:r>
+              <a:rPr lang="de-DE" dirty="0"/>
+              <a:t>Experimente – Änderung der Populationsgröße</a:t>
+            </a:r>
+          </a:p>
+        </p:txBody>
+      </p:sp>
+      <p:sp>
+        <p:nvSpPr>
+          <p:cNvPr id="3" name="Text Placeholder 2">
+            <a:extLst>
+              <a:ext uri="{FF2B5EF4-FFF2-40B4-BE49-F238E27FC236}">
+                <a16:creationId xmlns:a16="http://schemas.microsoft.com/office/drawing/2014/main" id="{7E59D392-BC3E-43D0-9C9A-A51E252191EF}"/>
+              </a:ext>
+            </a:extLst>
+          </p:cNvPr>
+          <p:cNvSpPr>
+            <a:spLocks noGrp="1"/>
+          </p:cNvSpPr>
+          <p:nvPr>
+            <p:ph type="body" sz="quarter" idx="11"/>
+          </p:nvPr>
+        </p:nvSpPr>
+        <p:spPr/>
+        <p:txBody>
+          <a:bodyPr/>
+          <a:lstStyle/>
+          <a:p>
+            <a:endParaRPr lang="de-DE"/>
+          </a:p>
+        </p:txBody>
+      </p:sp>
+    </p:spTree>
+    <p:extLst>
+      <p:ext uri="{BB962C8B-B14F-4D97-AF65-F5344CB8AC3E}">
+        <p14:creationId xmlns:p14="http://schemas.microsoft.com/office/powerpoint/2010/main" val="4109150635"/>
+      </p:ext>
+    </p:extLst>
+  </p:cSld>
+  <p:clrMapOvr>
+    <a:masterClrMapping/>
+  </p:clrMapOvr>
+</p:sld>
+</file>
+
+<file path=ppt/slides/slide33.xml><?xml version="1.0" encoding="utf-8"?>
+<p:sld xmlns:a="http://schemas.openxmlformats.org/drawingml/2006/main" xmlns:r="http://schemas.openxmlformats.org/officeDocument/2006/relationships" xmlns:p="http://schemas.openxmlformats.org/presentationml/2006/main">
+  <p:cSld>
+    <p:spTree>
+      <p:nvGrpSpPr>
+        <p:cNvPr id="1" name=""/>
+        <p:cNvGrpSpPr/>
+        <p:nvPr/>
+      </p:nvGrpSpPr>
+      <p:grpSpPr>
+        <a:xfrm>
+          <a:off x="0" y="0"/>
+          <a:ext cx="0" cy="0"/>
+          <a:chOff x="0" y="0"/>
+          <a:chExt cx="0" cy="0"/>
+        </a:xfrm>
+      </p:grpSpPr>
+      <p:sp>
+        <p:nvSpPr>
+          <p:cNvPr id="2" name="Title 1">
+            <a:extLst>
+              <a:ext uri="{FF2B5EF4-FFF2-40B4-BE49-F238E27FC236}">
+                <a16:creationId xmlns:a16="http://schemas.microsoft.com/office/drawing/2014/main" id="{9CA99461-91A5-4D0B-B26F-AED0D7F3223F}"/>
+              </a:ext>
+            </a:extLst>
+          </p:cNvPr>
+          <p:cNvSpPr>
+            <a:spLocks noGrp="1"/>
+          </p:cNvSpPr>
+          <p:nvPr>
+            <p:ph type="title"/>
+          </p:nvPr>
+        </p:nvSpPr>
+        <p:spPr/>
+        <p:txBody>
+          <a:bodyPr/>
+          <a:lstStyle/>
+          <a:p>
+            <a:r>
+              <a:rPr lang="de-DE" dirty="0"/>
+              <a:t>Experimente – Änderung der Mutationsrate</a:t>
+            </a:r>
+          </a:p>
+        </p:txBody>
+      </p:sp>
+      <p:sp>
+        <p:nvSpPr>
+          <p:cNvPr id="3" name="Text Placeholder 2">
+            <a:extLst>
+              <a:ext uri="{FF2B5EF4-FFF2-40B4-BE49-F238E27FC236}">
+                <a16:creationId xmlns:a16="http://schemas.microsoft.com/office/drawing/2014/main" id="{123686C0-AD58-476B-8289-9B4534DF8873}"/>
+              </a:ext>
+            </a:extLst>
+          </p:cNvPr>
+          <p:cNvSpPr>
+            <a:spLocks noGrp="1"/>
+          </p:cNvSpPr>
+          <p:nvPr>
+            <p:ph type="body" sz="quarter" idx="11"/>
+          </p:nvPr>
+        </p:nvSpPr>
+        <p:spPr/>
+        <p:txBody>
+          <a:bodyPr/>
+          <a:lstStyle/>
+          <a:p>
+            <a:endParaRPr lang="de-DE"/>
+          </a:p>
+        </p:txBody>
+      </p:sp>
+    </p:spTree>
+    <p:extLst>
+      <p:ext uri="{BB962C8B-B14F-4D97-AF65-F5344CB8AC3E}">
+        <p14:creationId xmlns:p14="http://schemas.microsoft.com/office/powerpoint/2010/main" val="2191544138"/>
+      </p:ext>
+    </p:extLst>
+  </p:cSld>
+  <p:clrMapOvr>
+    <a:masterClrMapping/>
+  </p:clrMapOvr>
+</p:sld>
+</file>
+
+<file path=ppt/slides/slide34.xml><?xml version="1.0" encoding="utf-8"?>
+<p:sld xmlns:a="http://schemas.openxmlformats.org/drawingml/2006/main" xmlns:r="http://schemas.openxmlformats.org/officeDocument/2006/relationships" xmlns:p="http://schemas.openxmlformats.org/presentationml/2006/main">
+  <p:cSld>
+    <p:spTree>
+      <p:nvGrpSpPr>
+        <p:cNvPr id="1" name=""/>
+        <p:cNvGrpSpPr/>
+        <p:nvPr/>
+      </p:nvGrpSpPr>
+      <p:grpSpPr>
+        <a:xfrm>
+          <a:off x="0" y="0"/>
+          <a:ext cx="0" cy="0"/>
+          <a:chOff x="0" y="0"/>
+          <a:chExt cx="0" cy="0"/>
+        </a:xfrm>
+      </p:grpSpPr>
+      <p:sp>
+        <p:nvSpPr>
+          <p:cNvPr id="2" name="Title 1">
+            <a:extLst>
+              <a:ext uri="{FF2B5EF4-FFF2-40B4-BE49-F238E27FC236}">
+                <a16:creationId xmlns:a16="http://schemas.microsoft.com/office/drawing/2014/main" id="{5C90F86E-5409-42C3-8720-C9F27C41C489}"/>
+              </a:ext>
+            </a:extLst>
+          </p:cNvPr>
+          <p:cNvSpPr>
+            <a:spLocks noGrp="1"/>
+          </p:cNvSpPr>
+          <p:nvPr>
+            <p:ph type="title"/>
+          </p:nvPr>
+        </p:nvSpPr>
+        <p:spPr>
+          <a:xfrm>
+            <a:off x="4471957" y="3053400"/>
+            <a:ext cx="10076388" cy="751199"/>
+          </a:xfrm>
+        </p:spPr>
+        <p:txBody>
+          <a:bodyPr/>
+          <a:lstStyle/>
+          <a:p>
+            <a:r>
+              <a:rPr lang="de-DE" dirty="0"/>
+              <a:t>Demo</a:t>
+            </a:r>
+          </a:p>
+        </p:txBody>
+      </p:sp>
+    </p:spTree>
+    <p:extLst>
+      <p:ext uri="{BB962C8B-B14F-4D97-AF65-F5344CB8AC3E}">
+        <p14:creationId xmlns:p14="http://schemas.microsoft.com/office/powerpoint/2010/main" val="3438040171"/>
+      </p:ext>
+    </p:extLst>
+  </p:cSld>
+  <p:clrMapOvr>
+    <a:masterClrMapping/>
+  </p:clrMapOvr>
+</p:sld>
+</file>
+
+<file path=ppt/slides/slide35.xml><?xml version="1.0" encoding="utf-8"?>
+<p:sld xmlns:a="http://schemas.openxmlformats.org/drawingml/2006/main" xmlns:r="http://schemas.openxmlformats.org/officeDocument/2006/relationships" xmlns:p="http://schemas.openxmlformats.org/presentationml/2006/main">
+  <p:cSld>
+    <p:spTree>
+      <p:nvGrpSpPr>
+        <p:cNvPr id="1" name=""/>
+        <p:cNvGrpSpPr/>
+        <p:nvPr/>
+      </p:nvGrpSpPr>
+      <p:grpSpPr>
+        <a:xfrm>
+          <a:off x="0" y="0"/>
+          <a:ext cx="0" cy="0"/>
+          <a:chOff x="0" y="0"/>
+          <a:chExt cx="0" cy="0"/>
+        </a:xfrm>
+      </p:grpSpPr>
+      <p:sp>
+        <p:nvSpPr>
+          <p:cNvPr id="2" name="Title 1">
+            <a:extLst>
+              <a:ext uri="{FF2B5EF4-FFF2-40B4-BE49-F238E27FC236}">
+                <a16:creationId xmlns:a16="http://schemas.microsoft.com/office/drawing/2014/main" id="{DC4D03D2-0CEE-44CB-9ADD-87921ADF8E2B}"/>
+              </a:ext>
+            </a:extLst>
+          </p:cNvPr>
+          <p:cNvSpPr>
+            <a:spLocks noGrp="1"/>
+          </p:cNvSpPr>
+          <p:nvPr>
+            <p:ph type="title"/>
+          </p:nvPr>
+        </p:nvSpPr>
+        <p:spPr/>
+        <p:txBody>
+          <a:bodyPr/>
+          <a:lstStyle/>
+          <a:p>
+            <a:r>
+              <a:rPr lang="de-DE" dirty="0"/>
+              <a:t>Retrospective</a:t>
+            </a:r>
+          </a:p>
+        </p:txBody>
+      </p:sp>
+      <p:sp>
+        <p:nvSpPr>
+          <p:cNvPr id="3" name="Text Placeholder 2">
+            <a:extLst>
+              <a:ext uri="{FF2B5EF4-FFF2-40B4-BE49-F238E27FC236}">
+                <a16:creationId xmlns:a16="http://schemas.microsoft.com/office/drawing/2014/main" id="{8B4A84AC-0BB0-4390-A9D0-F43811B71ACD}"/>
+              </a:ext>
+            </a:extLst>
+          </p:cNvPr>
+          <p:cNvSpPr>
+            <a:spLocks noGrp="1"/>
+          </p:cNvSpPr>
+          <p:nvPr>
+            <p:ph type="body" sz="quarter" idx="11"/>
+          </p:nvPr>
+        </p:nvSpPr>
+        <p:spPr/>
+        <p:txBody>
+          <a:bodyPr/>
+          <a:lstStyle/>
+          <a:p>
+            <a:r>
+              <a:rPr lang="de-DE" dirty="0"/>
+              <a:t>Was lief gut?</a:t>
+            </a:r>
+          </a:p>
+          <a:p>
+            <a:pPr marL="285750" indent="-285750">
+              <a:buFont typeface="Arial" panose="020B0604020202020204" pitchFamily="34" charset="0"/>
+              <a:buChar char="•"/>
+            </a:pPr>
+            <a:r>
+              <a:rPr lang="de-DE" dirty="0"/>
+              <a:t>Pull requests wurden gewissenhaft bearbeitet</a:t>
+            </a:r>
+          </a:p>
+          <a:p>
+            <a:pPr marL="285750" indent="-285750">
+              <a:buFont typeface="Arial" panose="020B0604020202020204" pitchFamily="34" charset="0"/>
+              <a:buChar char="•"/>
+            </a:pPr>
+            <a:r>
+              <a:rPr lang="de-DE" dirty="0"/>
+              <a:t>Gute Kommunikation über Discord</a:t>
+            </a:r>
+          </a:p>
+          <a:p>
+            <a:pPr marL="285750" indent="-285750">
+              <a:buFont typeface="Arial" panose="020B0604020202020204" pitchFamily="34" charset="0"/>
+              <a:buChar char="•"/>
+            </a:pPr>
+            <a:r>
+              <a:rPr lang="de-DE" dirty="0"/>
+              <a:t>Verschiedene Arbeitsweisen konnten sich ergänzen</a:t>
+            </a:r>
+          </a:p>
+          <a:p>
+            <a:pPr marL="285750" indent="-285750">
+              <a:buFont typeface="Arial" panose="020B0604020202020204" pitchFamily="34" charset="0"/>
+              <a:buChar char="•"/>
+            </a:pPr>
+            <a:r>
+              <a:rPr lang="de-DE" dirty="0"/>
+              <a:t>Faire Arbeitsteilung</a:t>
+            </a:r>
+          </a:p>
+          <a:p>
+            <a:pPr marL="285750" indent="-285750">
+              <a:buFont typeface="Arial" panose="020B0604020202020204" pitchFamily="34" charset="0"/>
+              <a:buChar char="•"/>
+            </a:pPr>
+            <a:r>
+              <a:rPr lang="de-DE" dirty="0"/>
+              <a:t>Kompromisse konnten immer gefunden werden</a:t>
+            </a:r>
+          </a:p>
+          <a:p>
+            <a:pPr marL="285750" indent="-285750">
+              <a:buFont typeface="Arial" panose="020B0604020202020204" pitchFamily="34" charset="0"/>
+              <a:buChar char="•"/>
+            </a:pPr>
+            <a:r>
+              <a:rPr lang="de-DE" dirty="0"/>
+              <a:t>Hohe Codequalität</a:t>
+            </a:r>
+          </a:p>
+          <a:p>
+            <a:endParaRPr lang="de-DE" dirty="0"/>
+          </a:p>
+          <a:p>
+            <a:endParaRPr lang="de-DE" dirty="0"/>
+          </a:p>
+          <a:p>
+            <a:endParaRPr lang="de-DE" dirty="0"/>
+          </a:p>
+          <a:p>
+            <a:r>
+              <a:rPr lang="de-DE" dirty="0"/>
+              <a:t>Was könnte besser sein?</a:t>
+            </a:r>
+          </a:p>
+          <a:p>
+            <a:pPr marL="285750" indent="-285750">
+              <a:buFont typeface="Arial" panose="020B0604020202020204" pitchFamily="34" charset="0"/>
+              <a:buChar char="•"/>
+            </a:pPr>
+            <a:r>
+              <a:rPr lang="de-DE" dirty="0"/>
+              <a:t>Einsatz von kontinuierlicher Integration (Jenkins)</a:t>
+            </a:r>
+          </a:p>
+          <a:p>
+            <a:pPr marL="285750" indent="-285750">
+              <a:buFont typeface="Arial" panose="020B0604020202020204" pitchFamily="34" charset="0"/>
+              <a:buChar char="•"/>
+            </a:pPr>
+            <a:r>
+              <a:rPr lang="de-DE" dirty="0"/>
+              <a:t>Zum Start noch klarer Definieren was überhaupt das Zielsystem sein soll (32 Bit vs. 64 Bit)</a:t>
+            </a:r>
+          </a:p>
+          <a:p>
+            <a:pPr marL="285750" indent="-285750">
+              <a:buFont typeface="Arial" panose="020B0604020202020204" pitchFamily="34" charset="0"/>
+              <a:buChar char="•"/>
+            </a:pPr>
+            <a:r>
+              <a:rPr lang="de-DE" dirty="0"/>
+              <a:t>Umgang mit C++ auf Windows extrem kompliziert...</a:t>
+            </a:r>
+          </a:p>
+          <a:p>
+            <a:pPr marL="285750" indent="-285750">
+              <a:buFont typeface="Arial" panose="020B0604020202020204" pitchFamily="34" charset="0"/>
+              <a:buChar char="•"/>
+            </a:pPr>
+            <a:endParaRPr lang="de-DE" dirty="0"/>
+          </a:p>
+        </p:txBody>
+      </p:sp>
+    </p:spTree>
+    <p:extLst>
+      <p:ext uri="{BB962C8B-B14F-4D97-AF65-F5344CB8AC3E}">
+        <p14:creationId xmlns:p14="http://schemas.microsoft.com/office/powerpoint/2010/main" val="3403465121"/>
+      </p:ext>
+    </p:extLst>
+  </p:cSld>
+  <p:clrMapOvr>
+    <a:masterClrMapping/>
+  </p:clrMapOvr>
+</p:sld>
+</file>
+
+<file path=ppt/slides/slide36.xml><?xml version="1.0" encoding="utf-8"?>
+<p:sld xmlns:a="http://schemas.openxmlformats.org/drawingml/2006/main" xmlns:r="http://schemas.openxmlformats.org/officeDocument/2006/relationships" xmlns:p="http://schemas.openxmlformats.org/presentationml/2006/main">
+  <p:cSld>
+    <p:spTree>
+      <p:nvGrpSpPr>
+        <p:cNvPr id="1" name=""/>
+        <p:cNvGrpSpPr/>
+        <p:nvPr/>
+      </p:nvGrpSpPr>
+      <p:grpSpPr>
+        <a:xfrm>
+          <a:off x="0" y="0"/>
+          <a:ext cx="0" cy="0"/>
+          <a:chOff x="0" y="0"/>
+          <a:chExt cx="0" cy="0"/>
+        </a:xfrm>
+      </p:grpSpPr>
+      <p:sp>
+        <p:nvSpPr>
+          <p:cNvPr id="2" name="Title 1">
+            <a:extLst>
+              <a:ext uri="{FF2B5EF4-FFF2-40B4-BE49-F238E27FC236}">
+                <a16:creationId xmlns:a16="http://schemas.microsoft.com/office/drawing/2014/main" id="{0F40E8B6-F477-47BD-92C1-C5A87EE67C52}"/>
+              </a:ext>
+            </a:extLst>
+          </p:cNvPr>
+          <p:cNvSpPr>
+            <a:spLocks noGrp="1"/>
+          </p:cNvSpPr>
+          <p:nvPr>
+            <p:ph type="title"/>
+          </p:nvPr>
+        </p:nvSpPr>
+        <p:spPr/>
+        <p:txBody>
+          <a:bodyPr/>
+          <a:lstStyle/>
+          <a:p>
+            <a:r>
+              <a:rPr lang="de-DE" dirty="0"/>
+              <a:t>Fazit</a:t>
+            </a:r>
+          </a:p>
+        </p:txBody>
+      </p:sp>
+      <p:sp>
+        <p:nvSpPr>
+          <p:cNvPr id="3" name="Text Placeholder 2">
+            <a:extLst>
+              <a:ext uri="{FF2B5EF4-FFF2-40B4-BE49-F238E27FC236}">
+                <a16:creationId xmlns:a16="http://schemas.microsoft.com/office/drawing/2014/main" id="{C7D2FD1F-22A7-4CE1-848E-F26C723EE9B9}"/>
+              </a:ext>
+            </a:extLst>
+          </p:cNvPr>
+          <p:cNvSpPr>
+            <a:spLocks noGrp="1"/>
+          </p:cNvSpPr>
+          <p:nvPr>
+            <p:ph type="body" sz="quarter" idx="11"/>
+          </p:nvPr>
+        </p:nvSpPr>
+        <p:spPr/>
+        <p:txBody>
+          <a:bodyPr/>
+          <a:lstStyle/>
+          <a:p>
+            <a:r>
+              <a:rPr lang="de-DE" dirty="0"/>
+              <a:t>1. Entwicklung eines Systems, das die Möglichkeiten von Genetischen Algorithmen mit dem Beispiel des TSP demonstriert.</a:t>
+            </a:r>
+          </a:p>
+          <a:p>
+            <a:pPr marL="285750" indent="-285750">
+              <a:buFont typeface="Arial" panose="020B0604020202020204" pitchFamily="34" charset="0"/>
+              <a:buChar char="•"/>
+            </a:pPr>
+            <a:r>
+              <a:rPr lang="de-DE" dirty="0"/>
+              <a:t>Funktionalität </a:t>
+            </a:r>
+            <a:r>
+              <a:rPr lang="de-DE" dirty="0">
+                <a:solidFill>
+                  <a:srgbClr val="00B050"/>
+                </a:solidFill>
+                <a:latin typeface="Wingdings" panose="05000000000000000000" pitchFamily="2" charset="2"/>
+              </a:rPr>
+              <a:t>ü</a:t>
+            </a:r>
+            <a:endParaRPr lang="de-DE" dirty="0"/>
+          </a:p>
+          <a:p>
+            <a:pPr marL="285750" indent="-285750">
+              <a:buFont typeface="Arial" panose="020B0604020202020204" pitchFamily="34" charset="0"/>
+              <a:buChar char="•"/>
+            </a:pPr>
+            <a:r>
+              <a:rPr lang="de-DE" dirty="0"/>
+              <a:t>Guter Code </a:t>
+            </a:r>
+            <a:r>
+              <a:rPr lang="de-DE" dirty="0">
+                <a:solidFill>
+                  <a:srgbClr val="00B050"/>
+                </a:solidFill>
+                <a:latin typeface="Wingdings" panose="05000000000000000000" pitchFamily="2" charset="2"/>
+              </a:rPr>
+              <a:t>ü</a:t>
+            </a:r>
+            <a:r>
+              <a:rPr lang="de-DE" dirty="0"/>
+              <a:t>, klare Architektur </a:t>
+            </a:r>
+            <a:r>
+              <a:rPr lang="de-DE" dirty="0">
+                <a:solidFill>
+                  <a:srgbClr val="00B050"/>
+                </a:solidFill>
+                <a:latin typeface="Wingdings" panose="05000000000000000000" pitchFamily="2" charset="2"/>
+              </a:rPr>
+              <a:t>ü</a:t>
+            </a:r>
+            <a:endParaRPr lang="de-DE" dirty="0"/>
+          </a:p>
+          <a:p>
+            <a:pPr marL="285750" indent="-285750">
+              <a:buFont typeface="Arial" panose="020B0604020202020204" pitchFamily="34" charset="0"/>
+              <a:buChar char="•"/>
+            </a:pPr>
+            <a:r>
+              <a:rPr lang="de-DE" dirty="0"/>
+              <a:t>Testbarkeit </a:t>
+            </a:r>
+            <a:r>
+              <a:rPr lang="de-DE" dirty="0">
+                <a:solidFill>
+                  <a:srgbClr val="00B050"/>
+                </a:solidFill>
+                <a:latin typeface="Wingdings" panose="05000000000000000000" pitchFamily="2" charset="2"/>
+              </a:rPr>
+              <a:t>ü</a:t>
+            </a:r>
+            <a:r>
+              <a:rPr lang="de-DE" dirty="0"/>
+              <a:t> , Erweiterbarkeit </a:t>
+            </a:r>
+            <a:r>
+              <a:rPr lang="de-DE" dirty="0">
+                <a:solidFill>
+                  <a:srgbClr val="00B050"/>
+                </a:solidFill>
+                <a:latin typeface="Wingdings" panose="05000000000000000000" pitchFamily="2" charset="2"/>
+              </a:rPr>
+              <a:t>ü</a:t>
+            </a:r>
+            <a:r>
+              <a:rPr lang="de-DE" dirty="0"/>
+              <a:t> , Dokumentation </a:t>
+            </a:r>
+            <a:r>
+              <a:rPr lang="de-DE" dirty="0">
+                <a:solidFill>
+                  <a:srgbClr val="00B050"/>
+                </a:solidFill>
+                <a:latin typeface="Wingdings" panose="05000000000000000000" pitchFamily="2" charset="2"/>
+              </a:rPr>
+              <a:t>ü</a:t>
+            </a:r>
+            <a:r>
+              <a:rPr lang="de-DE" dirty="0"/>
+              <a:t> </a:t>
+            </a:r>
+          </a:p>
+          <a:p>
+            <a:endParaRPr lang="de-DE" dirty="0"/>
+          </a:p>
+          <a:p>
+            <a:r>
+              <a:rPr lang="de-DE" dirty="0"/>
+              <a:t>2. Untersuchung welche Stellschrauben der Genetischen Algorithmen das Resultat in wieweit verbessert/verschlechtert.</a:t>
+            </a:r>
+          </a:p>
+          <a:p>
+            <a:pPr marL="285750" indent="-285750">
+              <a:buFont typeface="Arial" panose="020B0604020202020204" pitchFamily="34" charset="0"/>
+              <a:buChar char="•"/>
+            </a:pPr>
+            <a:r>
+              <a:rPr lang="de-DE" dirty="0"/>
+              <a:t>Experimente konnten zeigen, dass ... .</a:t>
+            </a:r>
+          </a:p>
+        </p:txBody>
+      </p:sp>
+    </p:spTree>
+    <p:extLst>
+      <p:ext uri="{BB962C8B-B14F-4D97-AF65-F5344CB8AC3E}">
+        <p14:creationId xmlns:p14="http://schemas.microsoft.com/office/powerpoint/2010/main" val="2484894277"/>
+      </p:ext>
+    </p:extLst>
+  </p:cSld>
+  <p:clrMapOvr>
+    <a:masterClrMapping/>
+  </p:clrMapOvr>
+</p:sld>
+</file>
+
+<file path=ppt/slides/slide37.xml><?xml version="1.0" encoding="utf-8"?>
+<p:sld xmlns:a="http://schemas.openxmlformats.org/drawingml/2006/main" xmlns:r="http://schemas.openxmlformats.org/officeDocument/2006/relationships" xmlns:p="http://schemas.openxmlformats.org/presentationml/2006/main">
+  <p:cSld>
+    <p:spTree>
+      <p:nvGrpSpPr>
+        <p:cNvPr id="1" name=""/>
+        <p:cNvGrpSpPr/>
+        <p:nvPr/>
+      </p:nvGrpSpPr>
+      <p:grpSpPr>
+        <a:xfrm>
+          <a:off x="0" y="0"/>
+          <a:ext cx="0" cy="0"/>
+          <a:chOff x="0" y="0"/>
+          <a:chExt cx="0" cy="0"/>
+        </a:xfrm>
+      </p:grpSpPr>
+      <p:sp>
+        <p:nvSpPr>
+          <p:cNvPr id="2" name="Title 1">
+            <a:extLst>
+              <a:ext uri="{FF2B5EF4-FFF2-40B4-BE49-F238E27FC236}">
+                <a16:creationId xmlns:a16="http://schemas.microsoft.com/office/drawing/2014/main" id="{5D0F81E1-3827-444D-B85D-94516A9BB0BB}"/>
+              </a:ext>
+            </a:extLst>
+          </p:cNvPr>
+          <p:cNvSpPr>
+            <a:spLocks noGrp="1"/>
+          </p:cNvSpPr>
+          <p:nvPr>
+            <p:ph type="title"/>
+          </p:nvPr>
+        </p:nvSpPr>
+        <p:spPr/>
+        <p:txBody>
+          <a:bodyPr/>
+          <a:lstStyle/>
+          <a:p>
+            <a:r>
+              <a:rPr lang="de-DE" dirty="0"/>
+              <a:t>Ausblick</a:t>
+            </a:r>
+          </a:p>
+        </p:txBody>
+      </p:sp>
+      <p:sp>
+        <p:nvSpPr>
+          <p:cNvPr id="3" name="Text Placeholder 2">
+            <a:extLst>
+              <a:ext uri="{FF2B5EF4-FFF2-40B4-BE49-F238E27FC236}">
+                <a16:creationId xmlns:a16="http://schemas.microsoft.com/office/drawing/2014/main" id="{3894D160-3911-4D19-84D1-924A7E116845}"/>
+              </a:ext>
+            </a:extLst>
+          </p:cNvPr>
+          <p:cNvSpPr>
+            <a:spLocks noGrp="1"/>
+          </p:cNvSpPr>
+          <p:nvPr>
+            <p:ph type="body" sz="quarter" idx="11"/>
+          </p:nvPr>
+        </p:nvSpPr>
+        <p:spPr/>
+        <p:txBody>
+          <a:bodyPr/>
+          <a:lstStyle/>
+          <a:p>
+            <a:pPr marL="285750" indent="-285750">
+              <a:buFont typeface="Arial" panose="020B0604020202020204" pitchFamily="34" charset="0"/>
+              <a:buChar char="•"/>
+            </a:pPr>
+            <a:r>
+              <a:rPr lang="de-DE" dirty="0"/>
+              <a:t>Library vollständig von TSP lösen und generischer Gestalten</a:t>
+            </a:r>
+          </a:p>
+          <a:p>
+            <a:pPr marL="285750" indent="-285750">
+              <a:buFont typeface="Arial" panose="020B0604020202020204" pitchFamily="34" charset="0"/>
+              <a:buChar char="•"/>
+            </a:pPr>
+            <a:r>
+              <a:rPr lang="de-DE" dirty="0"/>
+              <a:t>Performance messen</a:t>
+            </a:r>
+          </a:p>
+          <a:p>
+            <a:pPr marL="285750" indent="-285750">
+              <a:buFont typeface="Arial" panose="020B0604020202020204" pitchFamily="34" charset="0"/>
+              <a:buChar char="•"/>
+            </a:pPr>
+            <a:r>
+              <a:rPr lang="de-DE" dirty="0"/>
+              <a:t>Library veröffentlichen</a:t>
+            </a:r>
+          </a:p>
+        </p:txBody>
+      </p:sp>
+    </p:spTree>
+    <p:extLst>
+      <p:ext uri="{BB962C8B-B14F-4D97-AF65-F5344CB8AC3E}">
+        <p14:creationId xmlns:p14="http://schemas.microsoft.com/office/powerpoint/2010/main" val="2272322917"/>
+      </p:ext>
+    </p:extLst>
+  </p:cSld>
+  <p:clrMapOvr>
+    <a:masterClrMapping/>
+  </p:clrMapOvr>
+</p:sld>
+</file>
+
+<file path=ppt/slides/slide38.xml><?xml version="1.0" encoding="utf-8"?>
+<p:sld xmlns:a="http://schemas.openxmlformats.org/drawingml/2006/main" xmlns:r="http://schemas.openxmlformats.org/officeDocument/2006/relationships" xmlns:p="http://schemas.openxmlformats.org/presentationml/2006/main">
+  <p:cSld>
+    <p:spTree>
+      <p:nvGrpSpPr>
+        <p:cNvPr id="1" name=""/>
+        <p:cNvGrpSpPr/>
+        <p:nvPr/>
+      </p:nvGrpSpPr>
+      <p:grpSpPr>
+        <a:xfrm>
+          <a:off x="0" y="0"/>
+          <a:ext cx="0" cy="0"/>
+          <a:chOff x="0" y="0"/>
+          <a:chExt cx="0" cy="0"/>
+        </a:xfrm>
+      </p:grpSpPr>
+      <p:sp>
+        <p:nvSpPr>
+          <p:cNvPr id="3" name="Textfeld 2">
+            <a:extLst>
+              <a:ext uri="{FF2B5EF4-FFF2-40B4-BE49-F238E27FC236}">
+                <a16:creationId xmlns:a16="http://schemas.microsoft.com/office/drawing/2014/main" id="{21059048-CA97-4EAA-842D-535F0C108203}"/>
+              </a:ext>
+            </a:extLst>
+          </p:cNvPr>
+          <p:cNvSpPr txBox="1"/>
+          <p:nvPr/>
+        </p:nvSpPr>
+        <p:spPr>
+          <a:xfrm>
+            <a:off x="7825273" y="3205901"/>
+            <a:ext cx="3847562" cy="2871437"/>
+          </a:xfrm>
+          <a:prstGeom prst="rect">
+            <a:avLst/>
+          </a:prstGeom>
+          <a:noFill/>
+        </p:spPr>
+        <p:txBody>
+          <a:bodyPr wrap="square" rtlCol="0" anchor="ctr" anchorCtr="0">
+            <a:noAutofit/>
+          </a:bodyPr>
+          <a:lstStyle/>
+          <a:p>
+            <a:pPr algn="ctr"/>
+            <a:r>
+              <a:rPr lang="de-DE" sz="4000">
+                <a:solidFill>
+                  <a:srgbClr val="4A5C66"/>
+                </a:solidFill>
+                <a:latin typeface="Arial" panose="020B0604020202020204" pitchFamily="34" charset="0"/>
+                <a:cs typeface="Arial" panose="020B0604020202020204" pitchFamily="34" charset="0"/>
+              </a:rPr>
+              <a:t>Viele Dank</a:t>
+            </a:r>
+            <a:br>
+              <a:rPr lang="de-DE" sz="4000">
+                <a:solidFill>
+                  <a:srgbClr val="4A5C66"/>
+                </a:solidFill>
+                <a:latin typeface="Arial" panose="020B0604020202020204" pitchFamily="34" charset="0"/>
+                <a:cs typeface="Arial" panose="020B0604020202020204" pitchFamily="34" charset="0"/>
+              </a:rPr>
+            </a:br>
+            <a:r>
+              <a:rPr lang="de-DE" sz="4000">
+                <a:solidFill>
+                  <a:srgbClr val="4A5C66"/>
+                </a:solidFill>
+                <a:latin typeface="Arial" panose="020B0604020202020204" pitchFamily="34" charset="0"/>
+                <a:cs typeface="Arial" panose="020B0604020202020204" pitchFamily="34" charset="0"/>
+              </a:rPr>
+              <a:t>für </a:t>
+            </a:r>
+            <a:r>
+              <a:rPr lang="de-DE" sz="4000" dirty="0">
+                <a:solidFill>
+                  <a:srgbClr val="4A5C66"/>
+                </a:solidFill>
+                <a:latin typeface="Arial" panose="020B0604020202020204" pitchFamily="34" charset="0"/>
+                <a:cs typeface="Arial" panose="020B0604020202020204" pitchFamily="34" charset="0"/>
+              </a:rPr>
+              <a:t>eure Aufmerksamkeit</a:t>
+            </a:r>
+          </a:p>
+        </p:txBody>
+      </p:sp>
+    </p:spTree>
+    <p:extLst>
+      <p:ext uri="{BB962C8B-B14F-4D97-AF65-F5344CB8AC3E}">
+        <p14:creationId xmlns:p14="http://schemas.microsoft.com/office/powerpoint/2010/main" val="4185969896"/>
       </p:ext>
     </p:extLst>
   </p:cSld>

--- a/Projektvortrag/Präsentation Projektvortrag.pptx
+++ b/Projektvortrag/Präsentation Projektvortrag.pptx
@@ -1370,7 +1370,7 @@
           <a:p>
             <a:fld id="{05D446E8-F186-42E5-80D9-72B8BAA14DE1}" type="datetimeFigureOut">
               <a:rPr lang="de-DE" smtClean="0"/>
-              <a:t>21.01.2021</a:t>
+              <a:t>22.01.2021</a:t>
             </a:fld>
             <a:endParaRPr lang="de-DE"/>
           </a:p>
@@ -24801,6 +24801,28 @@
             </a:r>
           </a:p>
           <a:p>
+            <a:pPr lvl="1">
+              <a:spcAft>
+                <a:spcPts val="600"/>
+              </a:spcAft>
+            </a:pPr>
+            <a:r>
+              <a:rPr lang="de-DE" dirty="0"/>
+              <a:t>C1:</a:t>
+            </a:r>
+          </a:p>
+          <a:p>
+            <a:pPr lvl="1">
+              <a:spcAft>
+                <a:spcPts val="600"/>
+              </a:spcAft>
+            </a:pPr>
+            <a:r>
+              <a:rPr lang="de-DE" dirty="0"/>
+              <a:t>C2:</a:t>
+            </a:r>
+          </a:p>
+          <a:p>
             <a:pPr lvl="2">
               <a:spcAft>
                 <a:spcPts val="600"/>
@@ -33305,7 +33327,7 @@
             </a:pPr>
             <a:r>
               <a:rPr lang="de-DE" dirty="0"/>
-              <a:t>Am Anfang lästig am Ende ein Lebensretter</a:t>
+              <a:t>Zu Beginn sehr lästig. Am Ende sehr hilfreich</a:t>
             </a:r>
           </a:p>
           <a:p>
@@ -34669,9 +34691,6 @@
             <a:endParaRPr lang="de-DE" dirty="0"/>
           </a:p>
           <a:p>
-            <a:endParaRPr lang="de-DE" dirty="0"/>
-          </a:p>
-          <a:p>
             <a:r>
               <a:rPr lang="de-DE" dirty="0"/>
               <a:t>Was könnte besser sein?</a:t>
@@ -35263,6 +35282,27 @@
             </a:r>
           </a:p>
           <a:p>
+            <a:r>
+              <a:rPr lang="de-DE" dirty="0"/>
+              <a:t>Berlin – Hamburg – Leipzig – Berlin</a:t>
+            </a:r>
+          </a:p>
+          <a:p>
+            <a:r>
+              <a:rPr lang="de-DE" dirty="0"/>
+              <a:t>[   1	,     0          ,      2        ,    1    ]</a:t>
+            </a:r>
+          </a:p>
+          <a:p>
+            <a:r>
+              <a:rPr lang="de-DE" dirty="0"/>
+              <a:t>=&gt; Array welches verändert werden muss: [0,2]</a:t>
+            </a:r>
+          </a:p>
+          <a:p>
+            <a:endParaRPr lang="de-DE" dirty="0"/>
+          </a:p>
+          <a:p>
             <a:pPr marL="285750" indent="-285750">
               <a:buFont typeface="Arial" panose="020B0604020202020204" pitchFamily="34" charset="0"/>
               <a:buChar char="•"/>
@@ -35270,26 +35310,6 @@
             <a:r>
               <a:rPr lang="de-DE" dirty="0"/>
               <a:t>Menge von Routen =&gt; Population</a:t>
-            </a:r>
-          </a:p>
-          <a:p>
-            <a:pPr marL="285750" indent="-285750">
-              <a:buFont typeface="Arial" panose="020B0604020202020204" pitchFamily="34" charset="0"/>
-              <a:buChar char="•"/>
-            </a:pPr>
-            <a:r>
-              <a:rPr lang="de-DE" dirty="0"/>
-              <a:t>Datensatz mit 59 deutschen Städten</a:t>
-            </a:r>
-          </a:p>
-          <a:p>
-            <a:pPr marL="552450" lvl="1" indent="-285750">
-              <a:buFont typeface="Arial" panose="020B0604020202020204" pitchFamily="34" charset="0"/>
-              <a:buChar char="•"/>
-            </a:pPr>
-            <a:r>
-              <a:rPr lang="de-DE" dirty="0"/>
-              <a:t>Distanz zwischen den jeweiligen Städten</a:t>
             </a:r>
           </a:p>
           <a:p>

--- a/Projektvortrag/Präsentation Projektvortrag.pptx
+++ b/Projektvortrag/Präsentation Projektvortrag.pptx
@@ -1392,7 +1392,7 @@
           <a:p>
             <a:fld id="{05D446E8-F186-42E5-80D9-72B8BAA14DE1}" type="datetimeFigureOut">
               <a:rPr lang="de-DE" smtClean="0"/>
-              <a:t>23.01.2021</a:t>
+              <a:t>24.01.2021</a:t>
             </a:fld>
             <a:endParaRPr lang="de-DE"/>
           </a:p>
@@ -2726,6 +2726,12 @@
           <a:p>
             <a:r>
               <a:rPr lang="de-DE" dirty="0"/>
+              <a:t>Individuen und Populationen werden verarbeitet.</a:t>
+            </a:r>
+          </a:p>
+          <a:p>
+            <a:r>
+              <a:rPr lang="de-DE" dirty="0"/>
               <a:t>Hochzeit: Auswahl ist von der Fitness des Individuums abhängig =&gt; Hohe Fitness, Hohe Wahrscheinlichkeit ausgewählt zu werden</a:t>
             </a:r>
           </a:p>
@@ -2795,6 +2801,496 @@
     <p:extLst>
       <p:ext uri="{BB962C8B-B14F-4D97-AF65-F5344CB8AC3E}">
         <p14:creationId xmlns:p14="http://schemas.microsoft.com/office/powerpoint/2010/main" val="4040937637"/>
+      </p:ext>
+    </p:extLst>
+  </p:cSld>
+  <p:clrMapOvr>
+    <a:masterClrMapping/>
+  </p:clrMapOvr>
+</p:notes>
+</file>
+
+<file path=ppt/notesSlides/notesSlide10.xml><?xml version="1.0" encoding="utf-8"?>
+<p:notes xmlns:a="http://schemas.openxmlformats.org/drawingml/2006/main" xmlns:r="http://schemas.openxmlformats.org/officeDocument/2006/relationships" xmlns:p="http://schemas.openxmlformats.org/presentationml/2006/main">
+  <p:cSld>
+    <p:spTree>
+      <p:nvGrpSpPr>
+        <p:cNvPr id="1" name=""/>
+        <p:cNvGrpSpPr/>
+        <p:nvPr/>
+      </p:nvGrpSpPr>
+      <p:grpSpPr>
+        <a:xfrm>
+          <a:off x="0" y="0"/>
+          <a:ext cx="0" cy="0"/>
+          <a:chOff x="0" y="0"/>
+          <a:chExt cx="0" cy="0"/>
+        </a:xfrm>
+      </p:grpSpPr>
+      <p:sp>
+        <p:nvSpPr>
+          <p:cNvPr id="2" name="Slide Image Placeholder 1"/>
+          <p:cNvSpPr>
+            <a:spLocks noGrp="1" noRot="1" noChangeAspect="1"/>
+          </p:cNvSpPr>
+          <p:nvPr>
+            <p:ph type="sldImg"/>
+          </p:nvPr>
+        </p:nvSpPr>
+        <p:spPr/>
+      </p:sp>
+      <p:sp>
+        <p:nvSpPr>
+          <p:cNvPr id="3" name="Notes Placeholder 2"/>
+          <p:cNvSpPr>
+            <a:spLocks noGrp="1"/>
+          </p:cNvSpPr>
+          <p:nvPr>
+            <p:ph type="body" idx="1"/>
+          </p:nvPr>
+        </p:nvSpPr>
+        <p:spPr/>
+        <p:txBody>
+          <a:bodyPr/>
+          <a:lstStyle/>
+          <a:p>
+            <a:r>
+              <a:rPr lang="de-DE" dirty="0"/>
+              <a:t>Erkenntnis: Die Populationsgröße war viel zu klein gewählt.</a:t>
+            </a:r>
+          </a:p>
+          <a:p>
+            <a:r>
+              <a:rPr lang="de-DE" dirty="0"/>
+              <a:t>Daher ab jetzt Popultionsgröße von 300</a:t>
+            </a:r>
+          </a:p>
+        </p:txBody>
+      </p:sp>
+      <p:sp>
+        <p:nvSpPr>
+          <p:cNvPr id="4" name="Slide Number Placeholder 3"/>
+          <p:cNvSpPr>
+            <a:spLocks noGrp="1"/>
+          </p:cNvSpPr>
+          <p:nvPr>
+            <p:ph type="sldNum" idx="12"/>
+          </p:nvPr>
+        </p:nvSpPr>
+        <p:spPr/>
+        <p:txBody>
+          <a:bodyPr/>
+          <a:lstStyle/>
+          <a:p>
+            <a:pPr marL="0" marR="0" lvl="0" indent="0" algn="r" rtl="0">
+              <a:spcBef>
+                <a:spcPts val="0"/>
+              </a:spcBef>
+              <a:spcAft>
+                <a:spcPts val="0"/>
+              </a:spcAft>
+              <a:buNone/>
+            </a:pPr>
+            <a:fld id="{00000000-1234-1234-1234-123412341234}" type="slidenum">
+              <a:rPr lang="de-DE" sz="1200" b="0" i="0" u="none" strike="noStrike" cap="none" smtClean="0">
+                <a:solidFill>
+                  <a:schemeClr val="dk1"/>
+                </a:solidFill>
+                <a:latin typeface="Calibri"/>
+                <a:ea typeface="Calibri"/>
+                <a:cs typeface="Calibri"/>
+                <a:sym typeface="Calibri"/>
+              </a:rPr>
+              <a:t>37</a:t>
+            </a:fld>
+            <a:endParaRPr lang="de-DE" sz="1200" b="0" i="0" u="none" strike="noStrike" cap="none">
+              <a:solidFill>
+                <a:schemeClr val="dk1"/>
+              </a:solidFill>
+              <a:latin typeface="Calibri"/>
+              <a:ea typeface="Calibri"/>
+              <a:cs typeface="Calibri"/>
+              <a:sym typeface="Calibri"/>
+            </a:endParaRPr>
+          </a:p>
+        </p:txBody>
+      </p:sp>
+    </p:spTree>
+    <p:extLst>
+      <p:ext uri="{BB962C8B-B14F-4D97-AF65-F5344CB8AC3E}">
+        <p14:creationId xmlns:p14="http://schemas.microsoft.com/office/powerpoint/2010/main" val="3980561869"/>
+      </p:ext>
+    </p:extLst>
+  </p:cSld>
+  <p:clrMapOvr>
+    <a:masterClrMapping/>
+  </p:clrMapOvr>
+</p:notes>
+</file>
+
+<file path=ppt/notesSlides/notesSlide11.xml><?xml version="1.0" encoding="utf-8"?>
+<p:notes xmlns:a="http://schemas.openxmlformats.org/drawingml/2006/main" xmlns:r="http://schemas.openxmlformats.org/officeDocument/2006/relationships" xmlns:p="http://schemas.openxmlformats.org/presentationml/2006/main">
+  <p:cSld>
+    <p:spTree>
+      <p:nvGrpSpPr>
+        <p:cNvPr id="1" name=""/>
+        <p:cNvGrpSpPr/>
+        <p:nvPr/>
+      </p:nvGrpSpPr>
+      <p:grpSpPr>
+        <a:xfrm>
+          <a:off x="0" y="0"/>
+          <a:ext cx="0" cy="0"/>
+          <a:chOff x="0" y="0"/>
+          <a:chExt cx="0" cy="0"/>
+        </a:xfrm>
+      </p:grpSpPr>
+      <p:sp>
+        <p:nvSpPr>
+          <p:cNvPr id="2" name="Slide Image Placeholder 1"/>
+          <p:cNvSpPr>
+            <a:spLocks noGrp="1" noRot="1" noChangeAspect="1"/>
+          </p:cNvSpPr>
+          <p:nvPr>
+            <p:ph type="sldImg"/>
+          </p:nvPr>
+        </p:nvSpPr>
+        <p:spPr/>
+      </p:sp>
+      <p:sp>
+        <p:nvSpPr>
+          <p:cNvPr id="3" name="Notes Placeholder 2"/>
+          <p:cNvSpPr>
+            <a:spLocks noGrp="1"/>
+          </p:cNvSpPr>
+          <p:nvPr>
+            <p:ph type="body" idx="1"/>
+          </p:nvPr>
+        </p:nvSpPr>
+        <p:spPr/>
+        <p:txBody>
+          <a:bodyPr/>
+          <a:lstStyle/>
+          <a:p>
+            <a:r>
+              <a:rPr lang="de-DE" dirty="0"/>
+              <a:t>Plötzlich ist Edge Recombination besser als Order-Crossover</a:t>
+            </a:r>
+          </a:p>
+        </p:txBody>
+      </p:sp>
+      <p:sp>
+        <p:nvSpPr>
+          <p:cNvPr id="4" name="Slide Number Placeholder 3"/>
+          <p:cNvSpPr>
+            <a:spLocks noGrp="1"/>
+          </p:cNvSpPr>
+          <p:nvPr>
+            <p:ph type="sldNum" idx="12"/>
+          </p:nvPr>
+        </p:nvSpPr>
+        <p:spPr/>
+        <p:txBody>
+          <a:bodyPr/>
+          <a:lstStyle/>
+          <a:p>
+            <a:pPr marL="0" marR="0" lvl="0" indent="0" algn="r" rtl="0">
+              <a:spcBef>
+                <a:spcPts val="0"/>
+              </a:spcBef>
+              <a:spcAft>
+                <a:spcPts val="0"/>
+              </a:spcAft>
+              <a:buNone/>
+            </a:pPr>
+            <a:fld id="{00000000-1234-1234-1234-123412341234}" type="slidenum">
+              <a:rPr lang="de-DE" sz="1200" b="0" i="0" u="none" strike="noStrike" cap="none" smtClean="0">
+                <a:solidFill>
+                  <a:schemeClr val="dk1"/>
+                </a:solidFill>
+                <a:latin typeface="Calibri"/>
+                <a:ea typeface="Calibri"/>
+                <a:cs typeface="Calibri"/>
+                <a:sym typeface="Calibri"/>
+              </a:rPr>
+              <a:t>38</a:t>
+            </a:fld>
+            <a:endParaRPr lang="de-DE" sz="1200" b="0" i="0" u="none" strike="noStrike" cap="none">
+              <a:solidFill>
+                <a:schemeClr val="dk1"/>
+              </a:solidFill>
+              <a:latin typeface="Calibri"/>
+              <a:ea typeface="Calibri"/>
+              <a:cs typeface="Calibri"/>
+              <a:sym typeface="Calibri"/>
+            </a:endParaRPr>
+          </a:p>
+        </p:txBody>
+      </p:sp>
+    </p:spTree>
+    <p:extLst>
+      <p:ext uri="{BB962C8B-B14F-4D97-AF65-F5344CB8AC3E}">
+        <p14:creationId xmlns:p14="http://schemas.microsoft.com/office/powerpoint/2010/main" val="2926907705"/>
+      </p:ext>
+    </p:extLst>
+  </p:cSld>
+  <p:clrMapOvr>
+    <a:masterClrMapping/>
+  </p:clrMapOvr>
+</p:notes>
+</file>
+
+<file path=ppt/notesSlides/notesSlide12.xml><?xml version="1.0" encoding="utf-8"?>
+<p:notes xmlns:a="http://schemas.openxmlformats.org/drawingml/2006/main" xmlns:r="http://schemas.openxmlformats.org/officeDocument/2006/relationships" xmlns:p="http://schemas.openxmlformats.org/presentationml/2006/main">
+  <p:cSld>
+    <p:spTree>
+      <p:nvGrpSpPr>
+        <p:cNvPr id="1" name=""/>
+        <p:cNvGrpSpPr/>
+        <p:nvPr/>
+      </p:nvGrpSpPr>
+      <p:grpSpPr>
+        <a:xfrm>
+          <a:off x="0" y="0"/>
+          <a:ext cx="0" cy="0"/>
+          <a:chOff x="0" y="0"/>
+          <a:chExt cx="0" cy="0"/>
+        </a:xfrm>
+      </p:grpSpPr>
+      <p:sp>
+        <p:nvSpPr>
+          <p:cNvPr id="2" name="Slide Image Placeholder 1"/>
+          <p:cNvSpPr>
+            <a:spLocks noGrp="1" noRot="1" noChangeAspect="1"/>
+          </p:cNvSpPr>
+          <p:nvPr>
+            <p:ph type="sldImg"/>
+          </p:nvPr>
+        </p:nvSpPr>
+        <p:spPr/>
+      </p:sp>
+      <p:sp>
+        <p:nvSpPr>
+          <p:cNvPr id="3" name="Notes Placeholder 2"/>
+          <p:cNvSpPr>
+            <a:spLocks noGrp="1"/>
+          </p:cNvSpPr>
+          <p:nvPr>
+            <p:ph type="body" idx="1"/>
+          </p:nvPr>
+        </p:nvSpPr>
+        <p:spPr/>
+        <p:txBody>
+          <a:bodyPr/>
+          <a:lstStyle/>
+          <a:p>
+            <a:r>
+              <a:rPr lang="de-DE" dirty="0"/>
+              <a:t>Mutationsrate hat nur einen geringen Einfluss auf das Ergebnis.</a:t>
+            </a:r>
+          </a:p>
+          <a:p>
+            <a:pPr>
+              <a:buFont typeface="Symbol" panose="05050102010706020507" pitchFamily="18" charset="2"/>
+              <a:buChar char="Þ"/>
+            </a:pPr>
+            <a:r>
+              <a:rPr lang="de-DE" dirty="0"/>
+              <a:t>Mutationsmethode führt auch nur eine kleine Mutation aus.</a:t>
+            </a:r>
+          </a:p>
+          <a:p>
+            <a:pPr>
+              <a:buFont typeface="Symbol" panose="05050102010706020507" pitchFamily="18" charset="2"/>
+              <a:buChar char="Þ"/>
+            </a:pPr>
+            <a:r>
+              <a:rPr lang="de-DE" dirty="0"/>
+              <a:t>Durch eine andere Mutationsmethode könnte Effekt verstärkt werden</a:t>
+            </a:r>
+          </a:p>
+          <a:p>
+            <a:pPr>
+              <a:buFont typeface="Symbol" panose="05050102010706020507" pitchFamily="18" charset="2"/>
+              <a:buChar char="Þ"/>
+            </a:pPr>
+            <a:r>
+              <a:rPr lang="de-DE" dirty="0"/>
+              <a:t>Bei genetischen Algorithmen soll die Mutation aber auch nur eine untergeordnete Rolle spielen</a:t>
+            </a:r>
+          </a:p>
+        </p:txBody>
+      </p:sp>
+      <p:sp>
+        <p:nvSpPr>
+          <p:cNvPr id="4" name="Slide Number Placeholder 3"/>
+          <p:cNvSpPr>
+            <a:spLocks noGrp="1"/>
+          </p:cNvSpPr>
+          <p:nvPr>
+            <p:ph type="sldNum" idx="12"/>
+          </p:nvPr>
+        </p:nvSpPr>
+        <p:spPr/>
+        <p:txBody>
+          <a:bodyPr/>
+          <a:lstStyle/>
+          <a:p>
+            <a:pPr marL="0" marR="0" lvl="0" indent="0" algn="r" rtl="0">
+              <a:spcBef>
+                <a:spcPts val="0"/>
+              </a:spcBef>
+              <a:spcAft>
+                <a:spcPts val="0"/>
+              </a:spcAft>
+              <a:buNone/>
+            </a:pPr>
+            <a:fld id="{00000000-1234-1234-1234-123412341234}" type="slidenum">
+              <a:rPr lang="de-DE" sz="1200" b="0" i="0" u="none" strike="noStrike" cap="none" smtClean="0">
+                <a:solidFill>
+                  <a:schemeClr val="dk1"/>
+                </a:solidFill>
+                <a:latin typeface="Calibri"/>
+                <a:ea typeface="Calibri"/>
+                <a:cs typeface="Calibri"/>
+                <a:sym typeface="Calibri"/>
+              </a:rPr>
+              <a:t>39</a:t>
+            </a:fld>
+            <a:endParaRPr lang="de-DE" sz="1200" b="0" i="0" u="none" strike="noStrike" cap="none">
+              <a:solidFill>
+                <a:schemeClr val="dk1"/>
+              </a:solidFill>
+              <a:latin typeface="Calibri"/>
+              <a:ea typeface="Calibri"/>
+              <a:cs typeface="Calibri"/>
+              <a:sym typeface="Calibri"/>
+            </a:endParaRPr>
+          </a:p>
+        </p:txBody>
+      </p:sp>
+    </p:spTree>
+    <p:extLst>
+      <p:ext uri="{BB962C8B-B14F-4D97-AF65-F5344CB8AC3E}">
+        <p14:creationId xmlns:p14="http://schemas.microsoft.com/office/powerpoint/2010/main" val="1850876474"/>
+      </p:ext>
+    </p:extLst>
+  </p:cSld>
+  <p:clrMapOvr>
+    <a:masterClrMapping/>
+  </p:clrMapOvr>
+</p:notes>
+</file>
+
+<file path=ppt/notesSlides/notesSlide13.xml><?xml version="1.0" encoding="utf-8"?>
+<p:notes xmlns:a="http://schemas.openxmlformats.org/drawingml/2006/main" xmlns:r="http://schemas.openxmlformats.org/officeDocument/2006/relationships" xmlns:p="http://schemas.openxmlformats.org/presentationml/2006/main">
+  <p:cSld>
+    <p:spTree>
+      <p:nvGrpSpPr>
+        <p:cNvPr id="1" name=""/>
+        <p:cNvGrpSpPr/>
+        <p:nvPr/>
+      </p:nvGrpSpPr>
+      <p:grpSpPr>
+        <a:xfrm>
+          <a:off x="0" y="0"/>
+          <a:ext cx="0" cy="0"/>
+          <a:chOff x="0" y="0"/>
+          <a:chExt cx="0" cy="0"/>
+        </a:xfrm>
+      </p:grpSpPr>
+      <p:sp>
+        <p:nvSpPr>
+          <p:cNvPr id="2" name="Slide Image Placeholder 1"/>
+          <p:cNvSpPr>
+            <a:spLocks noGrp="1" noRot="1" noChangeAspect="1"/>
+          </p:cNvSpPr>
+          <p:nvPr>
+            <p:ph type="sldImg"/>
+          </p:nvPr>
+        </p:nvSpPr>
+        <p:spPr/>
+      </p:sp>
+      <p:sp>
+        <p:nvSpPr>
+          <p:cNvPr id="3" name="Notes Placeholder 2"/>
+          <p:cNvSpPr>
+            <a:spLocks noGrp="1"/>
+          </p:cNvSpPr>
+          <p:nvPr>
+            <p:ph type="body" idx="1"/>
+          </p:nvPr>
+        </p:nvSpPr>
+        <p:spPr/>
+        <p:txBody>
+          <a:bodyPr/>
+          <a:lstStyle/>
+          <a:p>
+            <a:r>
+              <a:rPr lang="de-DE" dirty="0"/>
+              <a:t>Endergebnisse</a:t>
+            </a:r>
+          </a:p>
+          <a:p>
+            <a:r>
+              <a:rPr lang="de-DE" dirty="0"/>
+              <a:t>Mittelwerte der Distanz des besten Individuums je Generation</a:t>
+            </a:r>
+          </a:p>
+        </p:txBody>
+      </p:sp>
+      <p:sp>
+        <p:nvSpPr>
+          <p:cNvPr id="4" name="Slide Number Placeholder 3"/>
+          <p:cNvSpPr>
+            <a:spLocks noGrp="1"/>
+          </p:cNvSpPr>
+          <p:nvPr>
+            <p:ph type="sldNum" idx="12"/>
+          </p:nvPr>
+        </p:nvSpPr>
+        <p:spPr/>
+        <p:txBody>
+          <a:bodyPr/>
+          <a:lstStyle/>
+          <a:p>
+            <a:pPr marL="0" marR="0" lvl="0" indent="0" algn="r" rtl="0">
+              <a:spcBef>
+                <a:spcPts val="0"/>
+              </a:spcBef>
+              <a:spcAft>
+                <a:spcPts val="0"/>
+              </a:spcAft>
+              <a:buNone/>
+            </a:pPr>
+            <a:fld id="{00000000-1234-1234-1234-123412341234}" type="slidenum">
+              <a:rPr lang="de-DE" sz="1200" b="0" i="0" u="none" strike="noStrike" cap="none" smtClean="0">
+                <a:solidFill>
+                  <a:schemeClr val="dk1"/>
+                </a:solidFill>
+                <a:latin typeface="Calibri"/>
+                <a:ea typeface="Calibri"/>
+                <a:cs typeface="Calibri"/>
+                <a:sym typeface="Calibri"/>
+              </a:rPr>
+              <a:t>40</a:t>
+            </a:fld>
+            <a:endParaRPr lang="de-DE" sz="1200" b="0" i="0" u="none" strike="noStrike" cap="none">
+              <a:solidFill>
+                <a:schemeClr val="dk1"/>
+              </a:solidFill>
+              <a:latin typeface="Calibri"/>
+              <a:ea typeface="Calibri"/>
+              <a:cs typeface="Calibri"/>
+              <a:sym typeface="Calibri"/>
+            </a:endParaRPr>
+          </a:p>
+        </p:txBody>
+      </p:sp>
+    </p:spTree>
+    <p:extLst>
+      <p:ext uri="{BB962C8B-B14F-4D97-AF65-F5344CB8AC3E}">
+        <p14:creationId xmlns:p14="http://schemas.microsoft.com/office/powerpoint/2010/main" val="184418346"/>
       </p:ext>
     </p:extLst>
   </p:cSld>
@@ -2850,7 +3346,7 @@
           <a:p>
             <a:r>
               <a:rPr lang="de-DE" dirty="0"/>
-              <a:t>Erhält die absolute Elementposition</a:t>
+              <a:t>Schlüsselwort Codieurng</a:t>
             </a:r>
           </a:p>
         </p:txBody>
@@ -2889,7 +3385,7 @@
                 <a:cs typeface="Calibri"/>
                 <a:sym typeface="Calibri"/>
               </a:rPr>
-              <a:t>17</a:t>
+              <a:t>5</a:t>
             </a:fld>
             <a:endParaRPr lang="de-DE" sz="1200" b="0" i="0" u="none" strike="noStrike" cap="none">
               <a:solidFill>
@@ -2906,7 +3402,7 @@
     </p:spTree>
     <p:extLst>
       <p:ext uri="{BB962C8B-B14F-4D97-AF65-F5344CB8AC3E}">
-        <p14:creationId xmlns:p14="http://schemas.microsoft.com/office/powerpoint/2010/main" val="2482925171"/>
+        <p14:creationId xmlns:p14="http://schemas.microsoft.com/office/powerpoint/2010/main" val="3622895054"/>
       </p:ext>
     </p:extLst>
   </p:cSld>
@@ -2960,10 +3456,7 @@
           <a:bodyPr/>
           <a:lstStyle/>
           <a:p>
-            <a:r>
-              <a:rPr lang="de-DE" dirty="0"/>
-              <a:t>Erhält relative Elementposition</a:t>
-            </a:r>
+            <a:endParaRPr lang="de-DE" dirty="0"/>
           </a:p>
         </p:txBody>
       </p:sp>
@@ -3001,6 +3494,522 @@
                 <a:cs typeface="Calibri"/>
                 <a:sym typeface="Calibri"/>
               </a:rPr>
+              <a:t>9</a:t>
+            </a:fld>
+            <a:endParaRPr lang="de-DE" sz="1200" b="0" i="0" u="none" strike="noStrike" cap="none">
+              <a:solidFill>
+                <a:schemeClr val="dk1"/>
+              </a:solidFill>
+              <a:latin typeface="Calibri"/>
+              <a:ea typeface="Calibri"/>
+              <a:cs typeface="Calibri"/>
+              <a:sym typeface="Calibri"/>
+            </a:endParaRPr>
+          </a:p>
+        </p:txBody>
+      </p:sp>
+    </p:spTree>
+    <p:extLst>
+      <p:ext uri="{BB962C8B-B14F-4D97-AF65-F5344CB8AC3E}">
+        <p14:creationId xmlns:p14="http://schemas.microsoft.com/office/powerpoint/2010/main" val="54567883"/>
+      </p:ext>
+    </p:extLst>
+  </p:cSld>
+  <p:clrMapOvr>
+    <a:masterClrMapping/>
+  </p:clrMapOvr>
+</p:notes>
+</file>
+
+<file path=ppt/notesSlides/notesSlide4.xml><?xml version="1.0" encoding="utf-8"?>
+<p:notes xmlns:a="http://schemas.openxmlformats.org/drawingml/2006/main" xmlns:r="http://schemas.openxmlformats.org/officeDocument/2006/relationships" xmlns:p="http://schemas.openxmlformats.org/presentationml/2006/main">
+  <p:cSld>
+    <p:spTree>
+      <p:nvGrpSpPr>
+        <p:cNvPr id="1" name=""/>
+        <p:cNvGrpSpPr/>
+        <p:nvPr/>
+      </p:nvGrpSpPr>
+      <p:grpSpPr>
+        <a:xfrm>
+          <a:off x="0" y="0"/>
+          <a:ext cx="0" cy="0"/>
+          <a:chOff x="0" y="0"/>
+          <a:chExt cx="0" cy="0"/>
+        </a:xfrm>
+      </p:grpSpPr>
+      <p:sp>
+        <p:nvSpPr>
+          <p:cNvPr id="2" name="Slide Image Placeholder 1"/>
+          <p:cNvSpPr>
+            <a:spLocks noGrp="1" noRot="1" noChangeAspect="1"/>
+          </p:cNvSpPr>
+          <p:nvPr>
+            <p:ph type="sldImg"/>
+          </p:nvPr>
+        </p:nvSpPr>
+        <p:spPr/>
+      </p:sp>
+      <p:sp>
+        <p:nvSpPr>
+          <p:cNvPr id="3" name="Notes Placeholder 2"/>
+          <p:cNvSpPr>
+            <a:spLocks noGrp="1"/>
+          </p:cNvSpPr>
+          <p:nvPr>
+            <p:ph type="body" idx="1"/>
+          </p:nvPr>
+        </p:nvSpPr>
+        <p:spPr/>
+        <p:txBody>
+          <a:bodyPr/>
+          <a:lstStyle/>
+          <a:p>
+            <a:r>
+              <a:rPr lang="de-DE" dirty="0"/>
+              <a:t>Besonderheit: Fitness und rating Funktion sind nicht hard-coded. Werden injeziert</a:t>
+            </a:r>
+          </a:p>
+          <a:p>
+            <a:pPr marL="457200" marR="0" lvl="0" indent="-228600" algn="l" defTabSz="914400" rtl="0" eaLnBrk="1" fontAlgn="auto" latinLnBrk="0" hangingPunct="1">
+              <a:lnSpc>
+                <a:spcPct val="100000"/>
+              </a:lnSpc>
+              <a:spcBef>
+                <a:spcPts val="360"/>
+              </a:spcBef>
+              <a:spcAft>
+                <a:spcPts val="0"/>
+              </a:spcAft>
+              <a:buClr>
+                <a:srgbClr val="000000"/>
+              </a:buClr>
+              <a:buSzPts val="1400"/>
+              <a:buFont typeface="Arial"/>
+              <a:buNone/>
+              <a:tabLst/>
+              <a:defRPr/>
+            </a:pPr>
+            <a:r>
+              <a:rPr lang="de-DE" dirty="0"/>
+              <a:t>Rating: Misst wie nah das Individuum am Optimum ist.</a:t>
+            </a:r>
+          </a:p>
+          <a:p>
+            <a:r>
+              <a:rPr lang="de-DE" dirty="0"/>
+              <a:t>Fitness: Entspricht der WS als Elternindividuum ausgewählt zu werden</a:t>
+            </a:r>
+          </a:p>
+          <a:p>
+            <a:r>
+              <a:rPr lang="de-DE" dirty="0"/>
+              <a:t>Rating kann auch gleich der Fitness sein oder sehr sehr ähnlich </a:t>
+            </a:r>
+          </a:p>
+        </p:txBody>
+      </p:sp>
+      <p:sp>
+        <p:nvSpPr>
+          <p:cNvPr id="4" name="Slide Number Placeholder 3"/>
+          <p:cNvSpPr>
+            <a:spLocks noGrp="1"/>
+          </p:cNvSpPr>
+          <p:nvPr>
+            <p:ph type="sldNum" idx="12"/>
+          </p:nvPr>
+        </p:nvSpPr>
+        <p:spPr/>
+        <p:txBody>
+          <a:bodyPr/>
+          <a:lstStyle/>
+          <a:p>
+            <a:pPr marL="0" marR="0" lvl="0" indent="0" algn="r" rtl="0">
+              <a:spcBef>
+                <a:spcPts val="0"/>
+              </a:spcBef>
+              <a:spcAft>
+                <a:spcPts val="0"/>
+              </a:spcAft>
+              <a:buNone/>
+            </a:pPr>
+            <a:fld id="{00000000-1234-1234-1234-123412341234}" type="slidenum">
+              <a:rPr lang="de-DE" sz="1200" b="0" i="0" u="none" strike="noStrike" cap="none" smtClean="0">
+                <a:solidFill>
+                  <a:schemeClr val="dk1"/>
+                </a:solidFill>
+                <a:latin typeface="Calibri"/>
+                <a:ea typeface="Calibri"/>
+                <a:cs typeface="Calibri"/>
+                <a:sym typeface="Calibri"/>
+              </a:rPr>
+              <a:t>13</a:t>
+            </a:fld>
+            <a:endParaRPr lang="de-DE" sz="1200" b="0" i="0" u="none" strike="noStrike" cap="none">
+              <a:solidFill>
+                <a:schemeClr val="dk1"/>
+              </a:solidFill>
+              <a:latin typeface="Calibri"/>
+              <a:ea typeface="Calibri"/>
+              <a:cs typeface="Calibri"/>
+              <a:sym typeface="Calibri"/>
+            </a:endParaRPr>
+          </a:p>
+        </p:txBody>
+      </p:sp>
+    </p:spTree>
+    <p:extLst>
+      <p:ext uri="{BB962C8B-B14F-4D97-AF65-F5344CB8AC3E}">
+        <p14:creationId xmlns:p14="http://schemas.microsoft.com/office/powerpoint/2010/main" val="1179303369"/>
+      </p:ext>
+    </p:extLst>
+  </p:cSld>
+  <p:clrMapOvr>
+    <a:masterClrMapping/>
+  </p:clrMapOvr>
+</p:notes>
+</file>
+
+<file path=ppt/notesSlides/notesSlide5.xml><?xml version="1.0" encoding="utf-8"?>
+<p:notes xmlns:a="http://schemas.openxmlformats.org/drawingml/2006/main" xmlns:r="http://schemas.openxmlformats.org/officeDocument/2006/relationships" xmlns:p="http://schemas.openxmlformats.org/presentationml/2006/main">
+  <p:cSld>
+    <p:spTree>
+      <p:nvGrpSpPr>
+        <p:cNvPr id="1" name=""/>
+        <p:cNvGrpSpPr/>
+        <p:nvPr/>
+      </p:nvGrpSpPr>
+      <p:grpSpPr>
+        <a:xfrm>
+          <a:off x="0" y="0"/>
+          <a:ext cx="0" cy="0"/>
+          <a:chOff x="0" y="0"/>
+          <a:chExt cx="0" cy="0"/>
+        </a:xfrm>
+      </p:grpSpPr>
+      <p:sp>
+        <p:nvSpPr>
+          <p:cNvPr id="2" name="Slide Image Placeholder 1"/>
+          <p:cNvSpPr>
+            <a:spLocks noGrp="1" noRot="1" noChangeAspect="1"/>
+          </p:cNvSpPr>
+          <p:nvPr>
+            <p:ph type="sldImg"/>
+          </p:nvPr>
+        </p:nvSpPr>
+        <p:spPr/>
+      </p:sp>
+      <p:sp>
+        <p:nvSpPr>
+          <p:cNvPr id="3" name="Notes Placeholder 2"/>
+          <p:cNvSpPr>
+            <a:spLocks noGrp="1"/>
+          </p:cNvSpPr>
+          <p:nvPr>
+            <p:ph type="body" idx="1"/>
+          </p:nvPr>
+        </p:nvSpPr>
+        <p:spPr/>
+        <p:txBody>
+          <a:bodyPr/>
+          <a:lstStyle/>
+          <a:p>
+            <a:r>
+              <a:rPr lang="de-DE" dirty="0"/>
+              <a:t>In unserem Fall sind die Funktionen sehr ähnlich.</a:t>
+            </a:r>
+          </a:p>
+          <a:p>
+            <a:r>
+              <a:rPr lang="de-DE" dirty="0"/>
+              <a:t>Die fitness ist das negative Rating, denn wir wollten dass</a:t>
+            </a:r>
+          </a:p>
+          <a:p>
+            <a:r>
+              <a:rPr lang="de-DE" dirty="0"/>
+              <a:t>Eine höhere Fitness = besseres Individuum</a:t>
+            </a:r>
+          </a:p>
+        </p:txBody>
+      </p:sp>
+      <p:sp>
+        <p:nvSpPr>
+          <p:cNvPr id="4" name="Slide Number Placeholder 3"/>
+          <p:cNvSpPr>
+            <a:spLocks noGrp="1"/>
+          </p:cNvSpPr>
+          <p:nvPr>
+            <p:ph type="sldNum" idx="12"/>
+          </p:nvPr>
+        </p:nvSpPr>
+        <p:spPr/>
+        <p:txBody>
+          <a:bodyPr/>
+          <a:lstStyle/>
+          <a:p>
+            <a:pPr marL="0" marR="0" lvl="0" indent="0" algn="r" rtl="0">
+              <a:spcBef>
+                <a:spcPts val="0"/>
+              </a:spcBef>
+              <a:spcAft>
+                <a:spcPts val="0"/>
+              </a:spcAft>
+              <a:buNone/>
+            </a:pPr>
+            <a:fld id="{00000000-1234-1234-1234-123412341234}" type="slidenum">
+              <a:rPr lang="de-DE" sz="1200" b="0" i="0" u="none" strike="noStrike" cap="none" smtClean="0">
+                <a:solidFill>
+                  <a:schemeClr val="dk1"/>
+                </a:solidFill>
+                <a:latin typeface="Calibri"/>
+                <a:ea typeface="Calibri"/>
+                <a:cs typeface="Calibri"/>
+                <a:sym typeface="Calibri"/>
+              </a:rPr>
+              <a:t>14</a:t>
+            </a:fld>
+            <a:endParaRPr lang="de-DE" sz="1200" b="0" i="0" u="none" strike="noStrike" cap="none">
+              <a:solidFill>
+                <a:schemeClr val="dk1"/>
+              </a:solidFill>
+              <a:latin typeface="Calibri"/>
+              <a:ea typeface="Calibri"/>
+              <a:cs typeface="Calibri"/>
+              <a:sym typeface="Calibri"/>
+            </a:endParaRPr>
+          </a:p>
+        </p:txBody>
+      </p:sp>
+    </p:spTree>
+    <p:extLst>
+      <p:ext uri="{BB962C8B-B14F-4D97-AF65-F5344CB8AC3E}">
+        <p14:creationId xmlns:p14="http://schemas.microsoft.com/office/powerpoint/2010/main" val="726354830"/>
+      </p:ext>
+    </p:extLst>
+  </p:cSld>
+  <p:clrMapOvr>
+    <a:masterClrMapping/>
+  </p:clrMapOvr>
+</p:notes>
+</file>
+
+<file path=ppt/notesSlides/notesSlide6.xml><?xml version="1.0" encoding="utf-8"?>
+<p:notes xmlns:a="http://schemas.openxmlformats.org/drawingml/2006/main" xmlns:r="http://schemas.openxmlformats.org/officeDocument/2006/relationships" xmlns:p="http://schemas.openxmlformats.org/presentationml/2006/main">
+  <p:cSld>
+    <p:spTree>
+      <p:nvGrpSpPr>
+        <p:cNvPr id="1" name=""/>
+        <p:cNvGrpSpPr/>
+        <p:nvPr/>
+      </p:nvGrpSpPr>
+      <p:grpSpPr>
+        <a:xfrm>
+          <a:off x="0" y="0"/>
+          <a:ext cx="0" cy="0"/>
+          <a:chOff x="0" y="0"/>
+          <a:chExt cx="0" cy="0"/>
+        </a:xfrm>
+      </p:grpSpPr>
+      <p:sp>
+        <p:nvSpPr>
+          <p:cNvPr id="2" name="Slide Image Placeholder 1"/>
+          <p:cNvSpPr>
+            <a:spLocks noGrp="1" noRot="1" noChangeAspect="1"/>
+          </p:cNvSpPr>
+          <p:nvPr>
+            <p:ph type="sldImg"/>
+          </p:nvPr>
+        </p:nvSpPr>
+        <p:spPr/>
+      </p:sp>
+      <p:sp>
+        <p:nvSpPr>
+          <p:cNvPr id="3" name="Notes Placeholder 2"/>
+          <p:cNvSpPr>
+            <a:spLocks noGrp="1"/>
+          </p:cNvSpPr>
+          <p:nvPr>
+            <p:ph type="body" idx="1"/>
+          </p:nvPr>
+        </p:nvSpPr>
+        <p:spPr/>
+        <p:txBody>
+          <a:bodyPr/>
+          <a:lstStyle/>
+          <a:p>
+            <a:r>
+              <a:rPr lang="de-DE" dirty="0"/>
+              <a:t>Neigt dazu die absoluten Elementposition zu erhalten</a:t>
+            </a:r>
+          </a:p>
+        </p:txBody>
+      </p:sp>
+      <p:sp>
+        <p:nvSpPr>
+          <p:cNvPr id="4" name="Slide Number Placeholder 3"/>
+          <p:cNvSpPr>
+            <a:spLocks noGrp="1"/>
+          </p:cNvSpPr>
+          <p:nvPr>
+            <p:ph type="sldNum" idx="12"/>
+          </p:nvPr>
+        </p:nvSpPr>
+        <p:spPr/>
+        <p:txBody>
+          <a:bodyPr/>
+          <a:lstStyle/>
+          <a:p>
+            <a:pPr marL="0" marR="0" lvl="0" indent="0" algn="r" rtl="0">
+              <a:spcBef>
+                <a:spcPts val="0"/>
+              </a:spcBef>
+              <a:spcAft>
+                <a:spcPts val="0"/>
+              </a:spcAft>
+              <a:buNone/>
+            </a:pPr>
+            <a:fld id="{00000000-1234-1234-1234-123412341234}" type="slidenum">
+              <a:rPr lang="de-DE" sz="1200" b="0" i="0" u="none" strike="noStrike" cap="none" smtClean="0">
+                <a:solidFill>
+                  <a:schemeClr val="dk1"/>
+                </a:solidFill>
+                <a:latin typeface="Calibri"/>
+                <a:ea typeface="Calibri"/>
+                <a:cs typeface="Calibri"/>
+                <a:sym typeface="Calibri"/>
+              </a:rPr>
+              <a:t>17</a:t>
+            </a:fld>
+            <a:endParaRPr lang="de-DE" sz="1200" b="0" i="0" u="none" strike="noStrike" cap="none">
+              <a:solidFill>
+                <a:schemeClr val="dk1"/>
+              </a:solidFill>
+              <a:latin typeface="Calibri"/>
+              <a:ea typeface="Calibri"/>
+              <a:cs typeface="Calibri"/>
+              <a:sym typeface="Calibri"/>
+            </a:endParaRPr>
+          </a:p>
+        </p:txBody>
+      </p:sp>
+    </p:spTree>
+    <p:extLst>
+      <p:ext uri="{BB962C8B-B14F-4D97-AF65-F5344CB8AC3E}">
+        <p14:creationId xmlns:p14="http://schemas.microsoft.com/office/powerpoint/2010/main" val="2482925171"/>
+      </p:ext>
+    </p:extLst>
+  </p:cSld>
+  <p:clrMapOvr>
+    <a:masterClrMapping/>
+  </p:clrMapOvr>
+</p:notes>
+</file>
+
+<file path=ppt/notesSlides/notesSlide7.xml><?xml version="1.0" encoding="utf-8"?>
+<p:notes xmlns:a="http://schemas.openxmlformats.org/drawingml/2006/main" xmlns:r="http://schemas.openxmlformats.org/officeDocument/2006/relationships" xmlns:p="http://schemas.openxmlformats.org/presentationml/2006/main">
+  <p:cSld>
+    <p:spTree>
+      <p:nvGrpSpPr>
+        <p:cNvPr id="1" name=""/>
+        <p:cNvGrpSpPr/>
+        <p:nvPr/>
+      </p:nvGrpSpPr>
+      <p:grpSpPr>
+        <a:xfrm>
+          <a:off x="0" y="0"/>
+          <a:ext cx="0" cy="0"/>
+          <a:chOff x="0" y="0"/>
+          <a:chExt cx="0" cy="0"/>
+        </a:xfrm>
+      </p:grpSpPr>
+      <p:sp>
+        <p:nvSpPr>
+          <p:cNvPr id="2" name="Slide Image Placeholder 1"/>
+          <p:cNvSpPr>
+            <a:spLocks noGrp="1" noRot="1" noChangeAspect="1"/>
+          </p:cNvSpPr>
+          <p:nvPr>
+            <p:ph type="sldImg"/>
+          </p:nvPr>
+        </p:nvSpPr>
+        <p:spPr/>
+      </p:sp>
+      <p:sp>
+        <p:nvSpPr>
+          <p:cNvPr id="3" name="Notes Placeholder 2"/>
+          <p:cNvSpPr>
+            <a:spLocks noGrp="1"/>
+          </p:cNvSpPr>
+          <p:nvPr>
+            <p:ph type="body" idx="1"/>
+          </p:nvPr>
+        </p:nvSpPr>
+        <p:spPr/>
+        <p:txBody>
+          <a:bodyPr/>
+          <a:lstStyle/>
+          <a:p>
+            <a:pPr marL="457200" marR="0" lvl="0" indent="-228600" algn="l" defTabSz="914400" rtl="0" eaLnBrk="1" fontAlgn="auto" latinLnBrk="0" hangingPunct="1">
+              <a:lnSpc>
+                <a:spcPct val="100000"/>
+              </a:lnSpc>
+              <a:spcBef>
+                <a:spcPts val="360"/>
+              </a:spcBef>
+              <a:spcAft>
+                <a:spcPts val="0"/>
+              </a:spcAft>
+              <a:buClr>
+                <a:srgbClr val="000000"/>
+              </a:buClr>
+              <a:buSzPts val="1400"/>
+              <a:buFont typeface="Arial"/>
+              <a:buNone/>
+              <a:tabLst/>
+              <a:defRPr/>
+            </a:pPr>
+            <a:r>
+              <a:rPr lang="de-DE" dirty="0"/>
+              <a:t>Neigt dazu die relative Elementposition zu erhalten</a:t>
+            </a:r>
+          </a:p>
+        </p:txBody>
+      </p:sp>
+      <p:sp>
+        <p:nvSpPr>
+          <p:cNvPr id="4" name="Slide Number Placeholder 3"/>
+          <p:cNvSpPr>
+            <a:spLocks noGrp="1"/>
+          </p:cNvSpPr>
+          <p:nvPr>
+            <p:ph type="sldNum" idx="12"/>
+          </p:nvPr>
+        </p:nvSpPr>
+        <p:spPr/>
+        <p:txBody>
+          <a:bodyPr/>
+          <a:lstStyle/>
+          <a:p>
+            <a:pPr marL="0" marR="0" lvl="0" indent="0" algn="r" rtl="0">
+              <a:spcBef>
+                <a:spcPts val="0"/>
+              </a:spcBef>
+              <a:spcAft>
+                <a:spcPts val="0"/>
+              </a:spcAft>
+              <a:buNone/>
+            </a:pPr>
+            <a:fld id="{00000000-1234-1234-1234-123412341234}" type="slidenum">
+              <a:rPr lang="de-DE" sz="1200" b="0" i="0" u="none" strike="noStrike" cap="none" smtClean="0">
+                <a:solidFill>
+                  <a:schemeClr val="dk1"/>
+                </a:solidFill>
+                <a:latin typeface="Calibri"/>
+                <a:ea typeface="Calibri"/>
+                <a:cs typeface="Calibri"/>
+                <a:sym typeface="Calibri"/>
+              </a:rPr>
               <a:t>18</a:t>
             </a:fld>
             <a:endParaRPr lang="de-DE" sz="1200" b="0" i="0" u="none" strike="noStrike" cap="none">
@@ -3019,6 +4028,239 @@
     <p:extLst>
       <p:ext uri="{BB962C8B-B14F-4D97-AF65-F5344CB8AC3E}">
         <p14:creationId xmlns:p14="http://schemas.microsoft.com/office/powerpoint/2010/main" val="973729232"/>
+      </p:ext>
+    </p:extLst>
+  </p:cSld>
+  <p:clrMapOvr>
+    <a:masterClrMapping/>
+  </p:clrMapOvr>
+</p:notes>
+</file>
+
+<file path=ppt/notesSlides/notesSlide8.xml><?xml version="1.0" encoding="utf-8"?>
+<p:notes xmlns:a="http://schemas.openxmlformats.org/drawingml/2006/main" xmlns:r="http://schemas.openxmlformats.org/officeDocument/2006/relationships" xmlns:p="http://schemas.openxmlformats.org/presentationml/2006/main">
+  <p:cSld>
+    <p:spTree>
+      <p:nvGrpSpPr>
+        <p:cNvPr id="1" name=""/>
+        <p:cNvGrpSpPr/>
+        <p:nvPr/>
+      </p:nvGrpSpPr>
+      <p:grpSpPr>
+        <a:xfrm>
+          <a:off x="0" y="0"/>
+          <a:ext cx="0" cy="0"/>
+          <a:chOff x="0" y="0"/>
+          <a:chExt cx="0" cy="0"/>
+        </a:xfrm>
+      </p:grpSpPr>
+      <p:sp>
+        <p:nvSpPr>
+          <p:cNvPr id="2" name="Slide Image Placeholder 1"/>
+          <p:cNvSpPr>
+            <a:spLocks noGrp="1" noRot="1" noChangeAspect="1"/>
+          </p:cNvSpPr>
+          <p:nvPr>
+            <p:ph type="sldImg"/>
+          </p:nvPr>
+        </p:nvSpPr>
+        <p:spPr/>
+      </p:sp>
+      <p:sp>
+        <p:nvSpPr>
+          <p:cNvPr id="3" name="Notes Placeholder 2"/>
+          <p:cNvSpPr>
+            <a:spLocks noGrp="1"/>
+          </p:cNvSpPr>
+          <p:nvPr>
+            <p:ph type="body" idx="1"/>
+          </p:nvPr>
+        </p:nvSpPr>
+        <p:spPr/>
+        <p:txBody>
+          <a:bodyPr/>
+          <a:lstStyle/>
+          <a:p>
+            <a:endParaRPr lang="de-DE" dirty="0"/>
+          </a:p>
+        </p:txBody>
+      </p:sp>
+      <p:sp>
+        <p:nvSpPr>
+          <p:cNvPr id="4" name="Slide Number Placeholder 3"/>
+          <p:cNvSpPr>
+            <a:spLocks noGrp="1"/>
+          </p:cNvSpPr>
+          <p:nvPr>
+            <p:ph type="sldNum" idx="12"/>
+          </p:nvPr>
+        </p:nvSpPr>
+        <p:spPr/>
+        <p:txBody>
+          <a:bodyPr/>
+          <a:lstStyle/>
+          <a:p>
+            <a:pPr marL="0" marR="0" lvl="0" indent="0" algn="r" rtl="0">
+              <a:spcBef>
+                <a:spcPts val="0"/>
+              </a:spcBef>
+              <a:spcAft>
+                <a:spcPts val="0"/>
+              </a:spcAft>
+              <a:buNone/>
+            </a:pPr>
+            <a:fld id="{00000000-1234-1234-1234-123412341234}" type="slidenum">
+              <a:rPr lang="de-DE" sz="1200" b="0" i="0" u="none" strike="noStrike" cap="none" smtClean="0">
+                <a:solidFill>
+                  <a:schemeClr val="dk1"/>
+                </a:solidFill>
+                <a:latin typeface="Calibri"/>
+                <a:ea typeface="Calibri"/>
+                <a:cs typeface="Calibri"/>
+                <a:sym typeface="Calibri"/>
+              </a:rPr>
+              <a:t>21</a:t>
+            </a:fld>
+            <a:endParaRPr lang="de-DE" sz="1200" b="0" i="0" u="none" strike="noStrike" cap="none">
+              <a:solidFill>
+                <a:schemeClr val="dk1"/>
+              </a:solidFill>
+              <a:latin typeface="Calibri"/>
+              <a:ea typeface="Calibri"/>
+              <a:cs typeface="Calibri"/>
+              <a:sym typeface="Calibri"/>
+            </a:endParaRPr>
+          </a:p>
+        </p:txBody>
+      </p:sp>
+    </p:spTree>
+    <p:extLst>
+      <p:ext uri="{BB962C8B-B14F-4D97-AF65-F5344CB8AC3E}">
+        <p14:creationId xmlns:p14="http://schemas.microsoft.com/office/powerpoint/2010/main" val="439499505"/>
+      </p:ext>
+    </p:extLst>
+  </p:cSld>
+  <p:clrMapOvr>
+    <a:masterClrMapping/>
+  </p:clrMapOvr>
+</p:notes>
+</file>
+
+<file path=ppt/notesSlides/notesSlide9.xml><?xml version="1.0" encoding="utf-8"?>
+<p:notes xmlns:a="http://schemas.openxmlformats.org/drawingml/2006/main" xmlns:r="http://schemas.openxmlformats.org/officeDocument/2006/relationships" xmlns:p="http://schemas.openxmlformats.org/presentationml/2006/main">
+  <p:cSld>
+    <p:spTree>
+      <p:nvGrpSpPr>
+        <p:cNvPr id="1" name=""/>
+        <p:cNvGrpSpPr/>
+        <p:nvPr/>
+      </p:nvGrpSpPr>
+      <p:grpSpPr>
+        <a:xfrm>
+          <a:off x="0" y="0"/>
+          <a:ext cx="0" cy="0"/>
+          <a:chOff x="0" y="0"/>
+          <a:chExt cx="0" cy="0"/>
+        </a:xfrm>
+      </p:grpSpPr>
+      <p:sp>
+        <p:nvSpPr>
+          <p:cNvPr id="2" name="Slide Image Placeholder 1"/>
+          <p:cNvSpPr>
+            <a:spLocks noGrp="1" noRot="1" noChangeAspect="1"/>
+          </p:cNvSpPr>
+          <p:nvPr>
+            <p:ph type="sldImg"/>
+          </p:nvPr>
+        </p:nvSpPr>
+        <p:spPr/>
+      </p:sp>
+      <p:sp>
+        <p:nvSpPr>
+          <p:cNvPr id="3" name="Notes Placeholder 2"/>
+          <p:cNvSpPr>
+            <a:spLocks noGrp="1"/>
+          </p:cNvSpPr>
+          <p:nvPr>
+            <p:ph type="body" idx="1"/>
+          </p:nvPr>
+        </p:nvSpPr>
+        <p:spPr/>
+        <p:txBody>
+          <a:bodyPr/>
+          <a:lstStyle/>
+          <a:p>
+            <a:r>
+              <a:rPr lang="de-DE" dirty="0"/>
+              <a:t>Rein Kantenorientiert</a:t>
+            </a:r>
+          </a:p>
+          <a:p>
+            <a:r>
+              <a:rPr lang="de-DE" dirty="0"/>
+              <a:t>Position der absoluten Positionen spielen keine Rolle</a:t>
+            </a:r>
+          </a:p>
+          <a:p>
+            <a:r>
+              <a:rPr lang="de-DE" dirty="0"/>
+              <a:t>Es wird ein Kind aus möglichst vielen Kanten der beiden Eltern zu generieren</a:t>
+            </a:r>
+          </a:p>
+        </p:txBody>
+      </p:sp>
+      <p:sp>
+        <p:nvSpPr>
+          <p:cNvPr id="4" name="Slide Number Placeholder 3"/>
+          <p:cNvSpPr>
+            <a:spLocks noGrp="1"/>
+          </p:cNvSpPr>
+          <p:nvPr>
+            <p:ph type="sldNum" idx="12"/>
+          </p:nvPr>
+        </p:nvSpPr>
+        <p:spPr/>
+        <p:txBody>
+          <a:bodyPr/>
+          <a:lstStyle/>
+          <a:p>
+            <a:pPr marL="0" marR="0" lvl="0" indent="0" algn="r" rtl="0">
+              <a:spcBef>
+                <a:spcPts val="0"/>
+              </a:spcBef>
+              <a:spcAft>
+                <a:spcPts val="0"/>
+              </a:spcAft>
+              <a:buNone/>
+            </a:pPr>
+            <a:fld id="{00000000-1234-1234-1234-123412341234}" type="slidenum">
+              <a:rPr lang="de-DE" sz="1200" b="0" i="0" u="none" strike="noStrike" cap="none" smtClean="0">
+                <a:solidFill>
+                  <a:schemeClr val="dk1"/>
+                </a:solidFill>
+                <a:latin typeface="Calibri"/>
+                <a:ea typeface="Calibri"/>
+                <a:cs typeface="Calibri"/>
+                <a:sym typeface="Calibri"/>
+              </a:rPr>
+              <a:t>25</a:t>
+            </a:fld>
+            <a:endParaRPr lang="de-DE" sz="1200" b="0" i="0" u="none" strike="noStrike" cap="none">
+              <a:solidFill>
+                <a:schemeClr val="dk1"/>
+              </a:solidFill>
+              <a:latin typeface="Calibri"/>
+              <a:ea typeface="Calibri"/>
+              <a:cs typeface="Calibri"/>
+              <a:sym typeface="Calibri"/>
+            </a:endParaRPr>
+          </a:p>
+        </p:txBody>
+      </p:sp>
+    </p:spTree>
+    <p:extLst>
+      <p:ext uri="{BB962C8B-B14F-4D97-AF65-F5344CB8AC3E}">
+        <p14:creationId xmlns:p14="http://schemas.microsoft.com/office/powerpoint/2010/main" val="835829972"/>
       </p:ext>
     </p:extLst>
   </p:cSld>
@@ -21641,7 +22883,7 @@
           <p:nvPr/>
         </p:nvPicPr>
         <p:blipFill>
-          <a:blip r:embed="rId2"/>
+          <a:blip r:embed="rId3"/>
           <a:stretch>
             <a:fillRect/>
           </a:stretch>
@@ -35781,7 +37023,7 @@
             </a:pPr>
             <a:r>
               <a:rPr lang="de-DE" dirty="0"/>
-              <a:t>Abstimmung bei der Auswahl der Testdaten war leider zu spät</a:t>
+              <a:t>Abstimmung bei der Auswahl der Testdaten mit anderen Teams war leider zu spät</a:t>
             </a:r>
           </a:p>
           <a:p>
@@ -35801,7 +37043,17 @@
             </a:pPr>
             <a:r>
               <a:rPr lang="de-DE" dirty="0"/>
-              <a:t>Beste Distanz: 33523 Meilen</a:t>
+              <a:t>Beste Distanz: 33551 Meilen</a:t>
+            </a:r>
+          </a:p>
+          <a:p>
+            <a:pPr marL="552450" lvl="1" indent="-285750">
+              <a:buFont typeface="Arial" panose="020B0604020202020204" pitchFamily="34" charset="0"/>
+              <a:buChar char="•"/>
+            </a:pPr>
+            <a:r>
+              <a:rPr lang="de-DE" dirty="0"/>
+              <a:t>Beinhaltet sogar eine optimale Route</a:t>
             </a:r>
           </a:p>
           <a:p>
@@ -35950,7 +37202,7 @@
           <a:p>
             <a:r>
               <a:rPr lang="de-DE" dirty="0"/>
-              <a:t>Experimente – Erste Versuche</a:t>
+              <a:t>Experimente 1 – Vergleich der Crossover-Verfahren</a:t>
             </a:r>
           </a:p>
         </p:txBody>
@@ -37038,7 +38290,7 @@
             </a:pPr>
             <a:r>
               <a:rPr lang="de-DE" dirty="0"/>
-              <a:t>Startpopulation verliert schnell an ihrer „einzigartigkeit“</a:t>
+              <a:t>Startpopulation verliert schnell an ihrer „Einzigartigkeit“</a:t>
             </a:r>
           </a:p>
           <a:p>
@@ -37818,7 +39070,7 @@
           <p:nvPr/>
         </p:nvPicPr>
         <p:blipFill>
-          <a:blip r:embed="rId2"/>
+          <a:blip r:embed="rId3"/>
           <a:stretch>
             <a:fillRect/>
           </a:stretch>
@@ -38586,7 +39838,7 @@
           <p:nvPr/>
         </p:nvPicPr>
         <p:blipFill>
-          <a:blip r:embed="rId2"/>
+          <a:blip r:embed="rId3"/>
           <a:stretch>
             <a:fillRect/>
           </a:stretch>
@@ -38692,7 +39944,11 @@
           <a:p>
             <a:r>
               <a:rPr lang="de-DE" dirty="0"/>
-              <a:t>Generationsgröße: 300</a:t>
+              <a:t>Populationsgröße: </a:t>
+            </a:r>
+            <a:r>
+              <a:rPr lang="de-DE" b="1" dirty="0"/>
+              <a:t>300</a:t>
             </a:r>
           </a:p>
           <a:p>
@@ -39208,7 +40464,7 @@
           <p:nvPr/>
         </p:nvPicPr>
         <p:blipFill>
-          <a:blip r:embed="rId2"/>
+          <a:blip r:embed="rId3"/>
           <a:stretch>
             <a:fillRect/>
           </a:stretch>
@@ -39973,7 +41229,7 @@
           <p:nvPr/>
         </p:nvPicPr>
         <p:blipFill>
-          <a:blip r:embed="rId2"/>
+          <a:blip r:embed="rId3"/>
           <a:stretch>
             <a:fillRect/>
           </a:stretch>
@@ -42613,6 +43869,27 @@
               <a:buFont typeface="Arial" panose="020B0604020202020204" pitchFamily="34" charset="0"/>
               <a:buChar char="•"/>
             </a:pPr>
+            <a:endParaRPr lang="de-DE" dirty="0"/>
+          </a:p>
+          <a:p>
+            <a:pPr marL="285750" indent="-285750">
+              <a:buFont typeface="Arial" panose="020B0604020202020204" pitchFamily="34" charset="0"/>
+              <a:buChar char="•"/>
+            </a:pPr>
+            <a:endParaRPr lang="de-DE" dirty="0"/>
+          </a:p>
+          <a:p>
+            <a:pPr marL="285750" indent="-285750">
+              <a:buFont typeface="Arial" panose="020B0604020202020204" pitchFamily="34" charset="0"/>
+              <a:buChar char="•"/>
+            </a:pPr>
+            <a:endParaRPr lang="de-DE" dirty="0"/>
+          </a:p>
+          <a:p>
+            <a:pPr marL="285750" indent="-285750">
+              <a:buFont typeface="Arial" panose="020B0604020202020204" pitchFamily="34" charset="0"/>
+              <a:buChar char="•"/>
+            </a:pPr>
             <a:r>
               <a:rPr lang="de-DE" dirty="0"/>
               <a:t>Code überarbeiten</a:t>
@@ -42625,8 +43902,94 @@
             </a:pPr>
             <a:r>
               <a:rPr lang="de-DE" dirty="0"/>
-              <a:t>C++ bietet viele Möglichkeiten extem schnellen Code zu programmieren, diese Möglichkeiten können noch weiter Ausgenutzt werden</a:t>
-            </a:r>
+              <a:t>Code mit hinblick auf Performance überarbeiten</a:t>
+            </a:r>
+          </a:p>
+          <a:p>
+            <a:pPr marL="552450" lvl="1" indent="-285750">
+              <a:buFont typeface="Arial" panose="020B0604020202020204" pitchFamily="34" charset="0"/>
+              <a:buChar char="•"/>
+            </a:pPr>
+            <a:r>
+              <a:rPr lang="de-DE" dirty="0"/>
+              <a:t>Ungenutzten Code entfernen</a:t>
+            </a:r>
+          </a:p>
+          <a:p>
+            <a:pPr marL="285750" indent="-285750">
+              <a:buFont typeface="Arial" panose="020B0604020202020204" pitchFamily="34" charset="0"/>
+              <a:buChar char="•"/>
+            </a:pPr>
+            <a:endParaRPr lang="de-DE" dirty="0"/>
+          </a:p>
+          <a:p>
+            <a:pPr marL="285750" indent="-285750">
+              <a:buFont typeface="Arial" panose="020B0604020202020204" pitchFamily="34" charset="0"/>
+              <a:buChar char="•"/>
+            </a:pPr>
+            <a:endParaRPr lang="de-DE" dirty="0"/>
+          </a:p>
+          <a:p>
+            <a:pPr marL="285750" indent="-285750">
+              <a:buFont typeface="Arial" panose="020B0604020202020204" pitchFamily="34" charset="0"/>
+              <a:buChar char="•"/>
+            </a:pPr>
+            <a:r>
+              <a:rPr lang="de-DE" dirty="0"/>
+              <a:t>Dokumentation weiter verbessern</a:t>
+            </a:r>
+          </a:p>
+          <a:p>
+            <a:pPr marL="285750" indent="-285750">
+              <a:buFont typeface="Arial" panose="020B0604020202020204" pitchFamily="34" charset="0"/>
+              <a:buChar char="•"/>
+            </a:pPr>
+            <a:endParaRPr lang="de-DE" dirty="0"/>
+          </a:p>
+          <a:p>
+            <a:pPr marL="285750" indent="-285750">
+              <a:buFont typeface="Arial" panose="020B0604020202020204" pitchFamily="34" charset="0"/>
+              <a:buChar char="•"/>
+            </a:pPr>
+            <a:endParaRPr lang="de-DE" dirty="0"/>
+          </a:p>
+          <a:p>
+            <a:pPr marL="285750" indent="-285750">
+              <a:buFont typeface="Arial" panose="020B0604020202020204" pitchFamily="34" charset="0"/>
+              <a:buChar char="•"/>
+            </a:pPr>
+            <a:r>
+              <a:rPr lang="de-DE" dirty="0"/>
+              <a:t>Beispielprogramm auf CD lauffähig machen</a:t>
+            </a:r>
+          </a:p>
+          <a:p>
+            <a:pPr marL="552450" lvl="1" indent="-285750">
+              <a:buFont typeface="Arial" panose="020B0604020202020204" pitchFamily="34" charset="0"/>
+              <a:buChar char="•"/>
+            </a:pPr>
+            <a:r>
+              <a:rPr lang="de-DE" dirty="0"/>
+              <a:t>Pyinstaller</a:t>
+            </a:r>
+          </a:p>
+          <a:p>
+            <a:pPr marL="552450" lvl="1" indent="-285750">
+              <a:buFont typeface="Arial" panose="020B0604020202020204" pitchFamily="34" charset="0"/>
+              <a:buChar char="•"/>
+            </a:pPr>
+            <a:endParaRPr lang="de-DE" dirty="0"/>
+          </a:p>
+          <a:p>
+            <a:pPr lvl="1"/>
+            <a:endParaRPr lang="de-DE" dirty="0"/>
+          </a:p>
+          <a:p>
+            <a:pPr marL="552450" lvl="1" indent="-285750">
+              <a:buFont typeface="Arial" panose="020B0604020202020204" pitchFamily="34" charset="0"/>
+              <a:buChar char="•"/>
+            </a:pPr>
+            <a:endParaRPr lang="de-DE" dirty="0"/>
           </a:p>
           <a:p>
             <a:pPr marL="552450" lvl="1" indent="-285750">
@@ -42817,7 +44180,78 @@
           <a:bodyPr/>
           <a:lstStyle/>
           <a:p>
-            <a:endParaRPr lang="de-DE"/>
+            <a:pPr marL="0" indent="0">
+              <a:buNone/>
+            </a:pPr>
+            <a:endParaRPr lang="de-DE" dirty="0">
+              <a:hlinkClick r:id="rId2"/>
+            </a:endParaRPr>
+          </a:p>
+          <a:p>
+            <a:pPr marL="0" indent="0">
+              <a:buNone/>
+            </a:pPr>
+            <a:r>
+              <a:rPr lang="de-DE" dirty="0"/>
+              <a:t>Traveling Salesman Problem:</a:t>
+            </a:r>
+            <a:endParaRPr lang="de-DE" dirty="0">
+              <a:hlinkClick r:id="rId2"/>
+            </a:endParaRPr>
+          </a:p>
+          <a:p>
+            <a:pPr marL="0" indent="0">
+              <a:buNone/>
+            </a:pPr>
+            <a:r>
+              <a:rPr lang="de-DE" dirty="0">
+                <a:hlinkClick r:id="rId2"/>
+              </a:rPr>
+              <a:t>http://seor.vse.gmu.edu/~khoffman/TSP_Hoffman_Padberg_Rinaldi.pdf</a:t>
+            </a:r>
+            <a:endParaRPr lang="de-DE" dirty="0"/>
+          </a:p>
+          <a:p>
+            <a:pPr marL="0" indent="0">
+              <a:buNone/>
+            </a:pPr>
+            <a:endParaRPr lang="de-DE" dirty="0"/>
+          </a:p>
+          <a:p>
+            <a:pPr marL="0" indent="0">
+              <a:buNone/>
+            </a:pPr>
+            <a:r>
+              <a:rPr lang="de-DE" dirty="0"/>
+              <a:t>Datensatz:</a:t>
+            </a:r>
+          </a:p>
+          <a:p>
+            <a:pPr marL="0" indent="0">
+              <a:buNone/>
+            </a:pPr>
+            <a:r>
+              <a:rPr lang="de-DE" dirty="0"/>
+              <a:t>https://people.sc.fsu.edu/~jburkardt/datasets/tsp/tsp.html</a:t>
+            </a:r>
+          </a:p>
+          <a:p>
+            <a:pPr marL="0" indent="0">
+              <a:buNone/>
+            </a:pPr>
+            <a:endParaRPr lang="de-DE" dirty="0"/>
+          </a:p>
+          <a:p>
+            <a:pPr marL="0" indent="0">
+              <a:buNone/>
+            </a:pPr>
+            <a:endParaRPr lang="de-DE" dirty="0"/>
+          </a:p>
+          <a:p>
+            <a:pPr marL="0" indent="0">
+              <a:buNone/>
+            </a:pPr>
+            <a:endParaRPr lang="de-DE" dirty="0"/>
           </a:p>
         </p:txBody>
       </p:sp>
@@ -43018,7 +44452,7 @@
           <p:nvPr/>
         </p:nvPicPr>
         <p:blipFill>
-          <a:blip r:embed="rId2"/>
+          <a:blip r:embed="rId3"/>
           <a:stretch>
             <a:fillRect/>
           </a:stretch>
@@ -43717,7 +45151,7 @@
             </a:pPr>
             <a:r>
               <a:rPr lang="de-DE" dirty="0"/>
-              <a:t>Das System soll mit Genetischen Algorithmen das Travelling Salesman Problem umsetzen</a:t>
+              <a:t>Das System soll mit Genetischen Algorithmen das Travelling Salesman Problem umsetzen.</a:t>
             </a:r>
           </a:p>
           <a:p>
@@ -43727,7 +45161,7 @@
             </a:pPr>
             <a:r>
               <a:rPr lang="de-DE" dirty="0"/>
-              <a:t>Das System soll Routen auf Grundlage derer Gesamtdistanz beurteilen und weiterverarbeiten</a:t>
+              <a:t>Das System soll Routen auf Grundlage derer Gesamtdistanz beurteilen und weiterverarbeiten.</a:t>
             </a:r>
           </a:p>
           <a:p>
@@ -44013,6 +45447,16 @@
             <a:r>
               <a:rPr lang="de-DE" sz="1800" dirty="0"/>
               <a:t>Das System soll leicht bedienbar sein.</a:t>
+            </a:r>
+          </a:p>
+          <a:p>
+            <a:pPr marL="285750" indent="-285750">
+              <a:buFont typeface="Arial" panose="020B0604020202020204" pitchFamily="34" charset="0"/>
+              <a:buChar char="•"/>
+            </a:pPr>
+            <a:r>
+              <a:rPr lang="de-DE" sz="1800" dirty="0"/>
+              <a:t>Das System soll als Executable ausführbar sein</a:t>
             </a:r>
           </a:p>
           <a:p>
@@ -44224,7 +45668,7 @@
           <p:nvPr/>
         </p:nvPicPr>
         <p:blipFill>
-          <a:blip r:embed="rId2"/>
+          <a:blip r:embed="rId3"/>
           <a:stretch>
             <a:fillRect/>
           </a:stretch>

--- a/Projektvortrag/Präsentation Projektvortrag.pptx
+++ b/Projektvortrag/Präsentation Projektvortrag.pptx
@@ -71,6 +71,10 @@
       <p:bold r:id="rId55"/>
       <p:italic r:id="rId56"/>
       <p:boldItalic r:id="rId57"/>
+    </p:embeddedFont>
+    <p:embeddedFont>
+      <p:font typeface="Cambria Math" panose="02040503050406030204" pitchFamily="18" charset="0"/>
+      <p:regular r:id="rId58"/>
     </p:embeddedFont>
   </p:embeddedFontLst>
   <p:defaultTextStyle>
@@ -389,6 +393,18 @@
     </p:ext>
   </p:extLst>
 </p:presentation>
+</file>
+
+<file path=ppt/commentAuthors.xml><?xml version="1.0" encoding="utf-8"?>
+<p:cmAuthorLst xmlns:a="http://schemas.openxmlformats.org/drawingml/2006/main" xmlns:r="http://schemas.openxmlformats.org/officeDocument/2006/relationships" xmlns:p="http://schemas.openxmlformats.org/presentationml/2006/main">
+  <p:cmAuthor id="1" name="niklas hartinger" initials="nh" lastIdx="1" clrIdx="0">
+    <p:extLst>
+      <p:ext uri="{19B8F6BF-5375-455C-9EA6-DF929625EA0E}">
+        <p15:presenceInfo xmlns:p15="http://schemas.microsoft.com/office/powerpoint/2012/main" userId="57c72d3db51efbcb" providerId="Windows Live"/>
+      </p:ext>
+    </p:extLst>
+  </p:cmAuthor>
+</p:cmAuthorLst>
 </file>
 
 <file path=ppt/charts/chart1.xml><?xml version="1.0" encoding="utf-8"?>
@@ -1392,7 +1408,7 @@
           <a:p>
             <a:fld id="{05D446E8-F186-42E5-80D9-72B8BAA14DE1}" type="datetimeFigureOut">
               <a:rPr lang="de-DE" smtClean="0"/>
-              <a:t>24.01.2021</a:t>
+              <a:t>25.01.2021</a:t>
             </a:fld>
             <a:endParaRPr lang="de-DE"/>
           </a:p>
@@ -3840,6 +3856,15 @@
           <a:p>
             <a:r>
               <a:rPr lang="de-DE" dirty="0"/>
+              <a:t>Es wird zuerst getauscht dann korrigiert</a:t>
+            </a:r>
+          </a:p>
+          <a:p>
+            <a:endParaRPr lang="de-DE" dirty="0"/>
+          </a:p>
+          <a:p>
+            <a:r>
+              <a:rPr lang="de-DE" dirty="0"/>
               <a:t>Neigt dazu die absoluten Elementposition zu erhalten</a:t>
             </a:r>
           </a:p>
@@ -3949,6 +3974,53 @@
         <p:txBody>
           <a:bodyPr/>
           <a:lstStyle/>
+          <a:p>
+            <a:pPr marL="457200" marR="0" lvl="0" indent="-228600" algn="l" defTabSz="914400" rtl="0" eaLnBrk="1" fontAlgn="auto" latinLnBrk="0" hangingPunct="1">
+              <a:lnSpc>
+                <a:spcPct val="100000"/>
+              </a:lnSpc>
+              <a:spcBef>
+                <a:spcPts val="360"/>
+              </a:spcBef>
+              <a:spcAft>
+                <a:spcPts val="0"/>
+              </a:spcAft>
+              <a:buClr>
+                <a:srgbClr val="000000"/>
+              </a:buClr>
+              <a:buSzPts val="1400"/>
+              <a:buFont typeface="Arial"/>
+              <a:buNone/>
+              <a:tabLst/>
+              <a:defRPr/>
+            </a:pPr>
+            <a:r>
+              <a:rPr lang="de-DE" dirty="0"/>
+              <a:t>Es wird zuerst korrigiert und dann getauscht</a:t>
+            </a:r>
+          </a:p>
+          <a:p>
+            <a:pPr marL="457200" marR="0" lvl="0" indent="-228600" algn="l" defTabSz="914400" rtl="0" eaLnBrk="1" fontAlgn="auto" latinLnBrk="0" hangingPunct="1">
+              <a:lnSpc>
+                <a:spcPct val="100000"/>
+              </a:lnSpc>
+              <a:spcBef>
+                <a:spcPts val="360"/>
+              </a:spcBef>
+              <a:spcAft>
+                <a:spcPts val="0"/>
+              </a:spcAft>
+              <a:buClr>
+                <a:srgbClr val="000000"/>
+              </a:buClr>
+              <a:buSzPts val="1400"/>
+              <a:buFont typeface="Arial"/>
+              <a:buNone/>
+              <a:tabLst/>
+              <a:defRPr/>
+            </a:pPr>
+            <a:endParaRPr lang="de-DE" dirty="0"/>
+          </a:p>
           <a:p>
             <a:pPr marL="457200" marR="0" lvl="0" indent="-228600" algn="l" defTabSz="914400" rtl="0" eaLnBrk="1" fontAlgn="auto" latinLnBrk="0" hangingPunct="1">
               <a:lnSpc>
@@ -25229,7 +25301,7 @@
           <a:lstStyle/>
           <a:p>
             <a:r>
-              <a:rPr lang="en-US" sz="1050" dirty="0">
+              <a:rPr lang="en-US" sz="1100" dirty="0">
                 <a:solidFill>
                   <a:schemeClr val="accent6">
                     <a:lumMod val="75000"/>
@@ -25239,55 +25311,44 @@
               <a:t>void</a:t>
             </a:r>
             <a:r>
-              <a:rPr lang="en-US" sz="1050" dirty="0"/>
+              <a:rPr lang="en-US" sz="1100" dirty="0"/>
               <a:t> </a:t>
             </a:r>
             <a:r>
-              <a:rPr lang="en-US" sz="1050" dirty="0" err="1"/>
+              <a:rPr lang="en-US" sz="1100" dirty="0" err="1"/>
               <a:t>partially_matched_crossover</a:t>
             </a:r>
             <a:r>
-              <a:rPr lang="en-US" sz="1050" dirty="0"/>
+              <a:rPr lang="en-US" sz="1100" dirty="0"/>
               <a:t>(Individual &amp;p1, Individual &amp;p2, Individual &amp;c1, Individual &amp;c2) {</a:t>
             </a:r>
             <a:r>
-              <a:rPr lang="de-DE" sz="1050" dirty="0"/>
+              <a:rPr lang="de-DE" sz="1100" dirty="0"/>
               <a:t> </a:t>
             </a:r>
           </a:p>
           <a:p>
             <a:pPr lvl="1"/>
             <a:r>
-              <a:rPr lang="de-DE" sz="1050" dirty="0"/>
+              <a:rPr lang="de-DE" sz="1100" dirty="0"/>
               <a:t>int length = p1.get_size();</a:t>
             </a:r>
           </a:p>
           <a:p>
             <a:pPr lvl="1"/>
             <a:r>
-              <a:rPr lang="de-DE" sz="1050" dirty="0"/>
-              <a:t>int interval_border_left = rand(length - 2) + 1; </a:t>
+              <a:rPr lang="de-DE" sz="1100" dirty="0"/>
+              <a:t> int interval_border_left, interval_border_right = calc_two_random_interval_borders(length);</a:t>
             </a:r>
           </a:p>
           <a:p>
             <a:pPr lvl="1"/>
-            <a:r>
-              <a:rPr lang="de-DE" sz="1050" dirty="0"/>
-              <a:t>int interval_border_right</a:t>
-            </a:r>
-            <a:r>
-              <a:rPr lang="de-DE" altLang="de-DE" sz="1050" dirty="0"/>
-              <a:t> = rand(position_a + 1, individual.get_size());</a:t>
-            </a:r>
+            <a:endParaRPr lang="de-DE" sz="1100" dirty="0"/>
           </a:p>
           <a:p>
             <a:pPr lvl="1"/>
-            <a:endParaRPr lang="de-DE" sz="1050" dirty="0"/>
-          </a:p>
-          <a:p>
-            <a:pPr lvl="1"/>
-            <a:r>
-              <a:rPr lang="de-DE" sz="1050" dirty="0">
+            <a:r>
+              <a:rPr lang="de-DE" sz="1100" dirty="0">
                 <a:solidFill>
                   <a:schemeClr val="accent6">
                     <a:lumMod val="75000"/>
@@ -25297,18 +25358,18 @@
               <a:t>for</a:t>
             </a:r>
             <a:r>
-              <a:rPr lang="de-DE" sz="1050" dirty="0"/>
+              <a:rPr lang="de-DE" sz="1100" dirty="0"/>
               <a:t> (int i = 0; i &lt; length; ++i) {</a:t>
             </a:r>
           </a:p>
           <a:p>
             <a:pPr lvl="1"/>
             <a:r>
-              <a:rPr lang="de-DE" sz="1050" dirty="0"/>
+              <a:rPr lang="de-DE" sz="1100" dirty="0"/>
               <a:t>    </a:t>
             </a:r>
             <a:r>
-              <a:rPr lang="de-DE" sz="1050" dirty="0">
+              <a:rPr lang="de-DE" sz="1100" dirty="0">
                 <a:solidFill>
                   <a:schemeClr val="accent6">
                     <a:lumMod val="75000"/>
@@ -25318,32 +25379,32 @@
               <a:t>if</a:t>
             </a:r>
             <a:r>
-              <a:rPr lang="de-DE" sz="1050" dirty="0"/>
+              <a:rPr lang="de-DE" sz="1100" dirty="0"/>
               <a:t> (i &lt; interval_border_left || i &gt;= interval_border_right) {</a:t>
             </a:r>
           </a:p>
           <a:p>
             <a:pPr lvl="1"/>
             <a:r>
-              <a:rPr lang="de-DE" sz="1050" dirty="0"/>
+              <a:rPr lang="de-DE" sz="1100" dirty="0"/>
               <a:t>        c1.update_chromosome(p1.get_chromosome().at(i), i);</a:t>
             </a:r>
           </a:p>
           <a:p>
             <a:pPr lvl="1"/>
             <a:r>
-              <a:rPr lang="de-DE" sz="1050" dirty="0"/>
+              <a:rPr lang="de-DE" sz="1100" dirty="0"/>
               <a:t>        c2.update_chromosome(p2.get_chromosome().at(i), i);</a:t>
             </a:r>
           </a:p>
           <a:p>
             <a:pPr lvl="1"/>
             <a:r>
-              <a:rPr lang="de-DE" sz="1050" dirty="0"/>
+              <a:rPr lang="de-DE" sz="1100" dirty="0"/>
               <a:t>    } </a:t>
             </a:r>
             <a:r>
-              <a:rPr lang="de-DE" sz="1050" dirty="0">
+              <a:rPr lang="de-DE" sz="1100" dirty="0">
                 <a:solidFill>
                   <a:schemeClr val="accent6">
                     <a:lumMod val="75000"/>
@@ -25353,60 +25414,60 @@
               <a:t>else</a:t>
             </a:r>
             <a:r>
-              <a:rPr lang="de-DE" sz="1050" dirty="0"/>
+              <a:rPr lang="de-DE" sz="1100" dirty="0"/>
               <a:t> {</a:t>
             </a:r>
           </a:p>
           <a:p>
             <a:pPr lvl="1"/>
             <a:r>
-              <a:rPr lang="de-DE" sz="1050" dirty="0"/>
+              <a:rPr lang="de-DE" sz="1100" dirty="0"/>
               <a:t>        c1.update_chromosome(p2.get_chromosome().at(i), i);</a:t>
             </a:r>
           </a:p>
           <a:p>
             <a:pPr lvl="1"/>
             <a:r>
-              <a:rPr lang="de-DE" sz="1050" dirty="0"/>
+              <a:rPr lang="de-DE" sz="1100" dirty="0"/>
               <a:t>        c2.update_chromosome(p1.get_chromosome().at(i), i);</a:t>
             </a:r>
           </a:p>
           <a:p>
             <a:pPr lvl="1"/>
             <a:r>
-              <a:rPr lang="de-DE" sz="1050" dirty="0"/>
+              <a:rPr lang="de-DE" sz="1100" dirty="0"/>
               <a:t>    }</a:t>
             </a:r>
           </a:p>
           <a:p>
             <a:pPr lvl="1"/>
             <a:r>
-              <a:rPr lang="de-DE" sz="1050" dirty="0"/>
+              <a:rPr lang="de-DE" sz="1100" dirty="0"/>
               <a:t>}</a:t>
             </a:r>
           </a:p>
           <a:p>
             <a:pPr lvl="1"/>
-            <a:endParaRPr lang="de-DE" sz="1050" dirty="0"/>
+            <a:endParaRPr lang="de-DE" sz="1100" dirty="0"/>
           </a:p>
           <a:p>
             <a:pPr lvl="1"/>
             <a:r>
-              <a:rPr lang="de-DE" sz="1050" dirty="0"/>
+              <a:rPr lang="de-DE" sz="1100" dirty="0"/>
               <a:t>duplicate_correction_pmx(p1, p2, c1);</a:t>
             </a:r>
           </a:p>
           <a:p>
             <a:pPr lvl="1"/>
             <a:r>
-              <a:rPr lang="de-DE" sz="1050" dirty="0"/>
+              <a:rPr lang="de-DE" sz="1100" dirty="0"/>
               <a:t>duplicate_correction_pmx(p2, p1, c2);</a:t>
             </a:r>
           </a:p>
           <a:p>
             <a:pPr lvl="1"/>
             <a:r>
-              <a:rPr lang="de-DE" sz="1050" dirty="0"/>
+              <a:rPr lang="de-DE" sz="1100" dirty="0"/>
               <a:t>}</a:t>
             </a:r>
           </a:p>
@@ -25956,7 +26017,7 @@
         </p:nvSpPr>
         <p:spPr>
           <a:xfrm>
-            <a:off x="263942" y="1251993"/>
+            <a:off x="321010" y="1251993"/>
             <a:ext cx="6101348" cy="4534714"/>
           </a:xfrm>
         </p:spPr>
@@ -25988,7 +26049,7 @@
           <a:p>
             <a:r>
               <a:rPr lang="de-DE" sz="1050" dirty="0"/>
-              <a:t>    int interval_border_left = calc_two_random_interval_borders(length);</a:t>
+              <a:t>    int interval_border_left, interval_border_right = calc_two_random_interval_borders(length);</a:t>
             </a:r>
           </a:p>
           <a:p>
@@ -27181,15 +27242,34 @@
             </a:r>
           </a:p>
           <a:p>
+            <a:pPr lvl="2">
+              <a:spcAft>
+                <a:spcPts val="600"/>
+              </a:spcAft>
+            </a:pPr>
+            <a:r>
+              <a:rPr lang="de-DE" dirty="0"/>
+              <a:t>c1 = 1 4 3 2 5</a:t>
+            </a:r>
+          </a:p>
+          <a:p>
+            <a:pPr lvl="2">
+              <a:spcAft>
+                <a:spcPts val="600"/>
+              </a:spcAft>
+            </a:pPr>
+            <a:r>
+              <a:rPr lang="de-DE" dirty="0"/>
+              <a:t>c2 = 5 2 3 4 1</a:t>
+            </a:r>
+          </a:p>
+          <a:p>
             <a:pPr lvl="1">
               <a:spcAft>
                 <a:spcPts val="600"/>
               </a:spcAft>
             </a:pPr>
-            <a:r>
-              <a:rPr lang="de-DE" dirty="0"/>
-              <a:t>C1:</a:t>
-            </a:r>
+            <a:endParaRPr lang="de-DE" dirty="0"/>
           </a:p>
           <a:p>
             <a:pPr lvl="1">
@@ -27197,10 +27277,7 @@
                 <a:spcPts val="600"/>
               </a:spcAft>
             </a:pPr>
-            <a:r>
-              <a:rPr lang="de-DE" dirty="0"/>
-              <a:t>C2:</a:t>
-            </a:r>
+            <a:endParaRPr lang="de-DE" dirty="0"/>
           </a:p>
           <a:p>
             <a:pPr lvl="2">
@@ -28718,7 +28795,7 @@
           <a:p>
             <a:r>
               <a:rPr lang="de-DE" dirty="0"/>
-              <a:t>Realisierung – Edge-Rocombination-Algorithmus</a:t>
+              <a:t>Realisierung – Edge-Rocombination-Crossover</a:t>
             </a:r>
           </a:p>
         </p:txBody>
@@ -29676,7 +29753,7 @@
           <a:p>
             <a:r>
               <a:rPr lang="de-DE" dirty="0"/>
-              <a:t>Realisierung – Edge-Rocombination-Algorithmus</a:t>
+              <a:t>Realisierung – Edge-Rocombination-Crossover</a:t>
             </a:r>
           </a:p>
         </p:txBody>
@@ -30654,7 +30731,7 @@
           <a:p>
             <a:r>
               <a:rPr lang="de-DE" dirty="0"/>
-              <a:t>Realisierung – Edge-Rocombination-Algorithmus</a:t>
+              <a:t>Realisierung – Edge-Rocombination-Crossover</a:t>
             </a:r>
           </a:p>
         </p:txBody>
@@ -31656,7 +31733,7 @@
           <a:p>
             <a:r>
               <a:rPr lang="de-DE" dirty="0"/>
-              <a:t>Realisierung – Edge-Rocombination-Algorithmus</a:t>
+              <a:t>Realisierung – Edge-Rocombination-Crossover</a:t>
             </a:r>
           </a:p>
         </p:txBody>
@@ -32682,7 +32759,7 @@
           <a:p>
             <a:r>
               <a:rPr lang="de-DE" dirty="0"/>
-              <a:t>Realisierung – Edge-Rocombination-Algorithmus</a:t>
+              <a:t>Realisierung – Edge-Rocombination-Crossover</a:t>
             </a:r>
           </a:p>
         </p:txBody>
@@ -37270,7 +37347,7 @@
           <a:p>
             <a:r>
               <a:rPr lang="de-DE" dirty="0"/>
-              <a:t>Generationsgröße: 10</a:t>
+              <a:t>Populationsgröße : 10</a:t>
             </a:r>
           </a:p>
           <a:p>
@@ -37770,7 +37847,7 @@
           <a:p>
             <a:r>
               <a:rPr lang="de-DE" dirty="0"/>
-              <a:t>Generationsgröße: 10</a:t>
+              <a:t>Populationsgröße : 10</a:t>
             </a:r>
           </a:p>
           <a:p>
@@ -38340,7 +38417,7 @@
             </a:pPr>
             <a:r>
               <a:rPr lang="de-DE" dirty="0"/>
-              <a:t>Lediglich die Mutation</a:t>
+              <a:t>Lediglich die Mutation hat noch Auswirkung</a:t>
             </a:r>
           </a:p>
           <a:p>
@@ -38383,7 +38460,7 @@
             </a:pPr>
             <a:r>
               <a:rPr lang="de-DE" dirty="0"/>
-              <a:t>In der Selektion wird geprüft ob zufällig dopplungen Entstanden sind und gelöscht.</a:t>
+              <a:t>In der Selektion wird geprüft ob zufällig Dopplungen entstanden sind und gelöscht.</a:t>
             </a:r>
           </a:p>
           <a:p>
@@ -38546,7 +38623,7 @@
           <a:p>
             <a:r>
               <a:rPr lang="de-DE" dirty="0"/>
-              <a:t>Generationsgröße: 10</a:t>
+              <a:t>Populationsgröße : 10</a:t>
             </a:r>
           </a:p>
           <a:p>
@@ -40580,7 +40657,7 @@
           <a:p>
             <a:r>
               <a:rPr lang="de-DE" dirty="0"/>
-              <a:t>Generationsgröße: 300</a:t>
+              <a:t>Populationsgröße : 300</a:t>
             </a:r>
           </a:p>
           <a:p>
@@ -40644,7 +40721,7 @@
                 <a:latin typeface="Arial" panose="020B0604020202020204" pitchFamily="34" charset="0"/>
                 <a:cs typeface="Arial" panose="020B0604020202020204" pitchFamily="34" charset="0"/>
               </a:rPr>
-              <a:t>Erreicht eine Distanz von ~3466 Meilen.</a:t>
+              <a:t>Erreicht eine Distanz von ~34663 Meilen.</a:t>
             </a:r>
           </a:p>
           <a:p>
@@ -40661,7 +40738,7 @@
                 <a:latin typeface="Arial" panose="020B0604020202020204" pitchFamily="34" charset="0"/>
                 <a:cs typeface="Arial" panose="020B0604020202020204" pitchFamily="34" charset="0"/>
               </a:rPr>
-              <a:t>34669/33551 = 1,033 =&gt; </a:t>
+              <a:t>34663/33551 = 1,033 =&gt; </a:t>
             </a:r>
             <a:r>
               <a:rPr lang="de-DE" sz="1600" b="1" dirty="0">
@@ -41319,7 +41396,7 @@
         </p:nvSpPr>
         <p:spPr>
           <a:xfrm>
-            <a:off x="334963" y="1041373"/>
+            <a:off x="334963" y="1069538"/>
             <a:ext cx="9170633" cy="1169551"/>
           </a:xfrm>
           <a:prstGeom prst="rect">
@@ -41335,19 +41412,23 @@
           <a:p>
             <a:r>
               <a:rPr lang="de-DE" dirty="0"/>
-              <a:t>Generationsgröße: 300</a:t>
+              <a:t>Crossover: </a:t>
+            </a:r>
+            <a:r>
+              <a:rPr lang="de-DE" b="1" dirty="0"/>
+              <a:t>Edge-Recombination</a:t>
             </a:r>
           </a:p>
           <a:p>
             <a:r>
               <a:rPr lang="de-DE" dirty="0"/>
-              <a:t>Mutationsrate: 10%</a:t>
+              <a:t>Populationsgröße : 300</a:t>
             </a:r>
           </a:p>
           <a:p>
             <a:r>
               <a:rPr lang="de-DE" dirty="0"/>
-              <a:t>Mutation: Delete-And-Shift</a:t>
+              <a:t>Mutation: Delete-And-Shift 10%</a:t>
             </a:r>
           </a:p>
           <a:p>
@@ -43016,7 +43097,7 @@
           <a:p>
             <a:r>
               <a:rPr lang="de-DE" dirty="0"/>
-              <a:t>Retrospective</a:t>
+              <a:t>Retrospektive</a:t>
             </a:r>
           </a:p>
         </p:txBody>
@@ -43754,7 +43835,7 @@
             </a:pPr>
             <a:r>
               <a:rPr lang="de-DE" dirty="0"/>
-              <a:t>Experimente konnten zeigen, dann vor allem die Populationsgröße und die Wahl des Crossover-Verfahrens das Ergebnis beeinflussen.</a:t>
+              <a:t>Experimente konnten zeigen, dass vor allem die Populationsgröße und die Wahl des Crossover-Verfahrens das Ergebnis beeinflussen.</a:t>
             </a:r>
           </a:p>
           <a:p>
@@ -43902,7 +43983,7 @@
             </a:pPr>
             <a:r>
               <a:rPr lang="de-DE" dirty="0"/>
-              <a:t>Code mit hinblick auf Performance überarbeiten</a:t>
+              <a:t>Code im Hinblick auf Performance überarbeiten</a:t>
             </a:r>
           </a:p>
           <a:p>
@@ -44223,6 +44304,66 @@
             </a:pPr>
             <a:r>
               <a:rPr lang="de-DE" dirty="0"/>
+              <a:t>Algorithmen:</a:t>
+            </a:r>
+          </a:p>
+          <a:p>
+            <a:pPr marL="0" indent="0" algn="l">
+              <a:buNone/>
+            </a:pPr>
+            <a:r>
+              <a:rPr lang="de-DE" sz="1800" b="0" i="0" u="none" strike="noStrike" baseline="0" dirty="0">
+                <a:latin typeface="LMRoman10-Regular"/>
+              </a:rPr>
+              <a:t>Schöneburg, Eberhard; Heinzmann, Frank; Feddersen, Sven: </a:t>
+            </a:r>
+            <a:r>
+              <a:rPr lang="de-DE" sz="1800" b="0" i="1" u="none" strike="noStrike" baseline="0" dirty="0">
+                <a:latin typeface="LMRoman10-Italic"/>
+              </a:rPr>
+              <a:t>Genetische Algorithmen</a:t>
+            </a:r>
+          </a:p>
+          <a:p>
+            <a:pPr marL="0" indent="0" algn="l">
+              <a:buNone/>
+            </a:pPr>
+            <a:r>
+              <a:rPr lang="de-DE" sz="1800" b="0" i="1" u="none" strike="noStrike" baseline="0" dirty="0">
+                <a:latin typeface="LMRoman10-Italic"/>
+              </a:rPr>
+              <a:t>und Evolutionsstrategien</a:t>
+            </a:r>
+            <a:r>
+              <a:rPr lang="de-DE" sz="1800" b="0" i="0" u="none" strike="noStrike" baseline="0" dirty="0">
+                <a:latin typeface="LMRoman10-Regular"/>
+              </a:rPr>
+              <a:t>, Sammelwerk, 1994, Addison-Wesley Verlag, Bonn, ISBN:</a:t>
+            </a:r>
+          </a:p>
+          <a:p>
+            <a:pPr marL="0" indent="0" algn="l">
+              <a:buNone/>
+            </a:pPr>
+            <a:r>
+              <a:rPr lang="de-DE" sz="1800" b="0" i="0" u="none" strike="noStrike" baseline="0" dirty="0">
+                <a:latin typeface="LMRoman10-Regular"/>
+              </a:rPr>
+              <a:t>978-3-89319-493-3</a:t>
+            </a:r>
+          </a:p>
+          <a:p>
+            <a:pPr marL="0" indent="0" algn="l">
+              <a:buNone/>
+            </a:pPr>
+            <a:endParaRPr lang="de-DE" dirty="0"/>
+          </a:p>
+          <a:p>
+            <a:pPr marL="0" indent="0">
+              <a:buNone/>
+            </a:pPr>
+            <a:r>
+              <a:rPr lang="de-DE" dirty="0"/>
               <a:t>Datensatz:</a:t>
             </a:r>
           </a:p>
@@ -44318,125 +44459,212 @@
           </a:p>
         </p:txBody>
       </p:sp>
-      <p:sp>
-        <p:nvSpPr>
-          <p:cNvPr id="4" name="Text Placeholder 3">
-            <a:extLst>
-              <a:ext uri="{FF2B5EF4-FFF2-40B4-BE49-F238E27FC236}">
-                <a16:creationId xmlns:a16="http://schemas.microsoft.com/office/drawing/2014/main" id="{CB236A5E-E807-4CE0-9539-E7DFD1EDC54B}"/>
-              </a:ext>
-            </a:extLst>
-          </p:cNvPr>
-          <p:cNvSpPr>
-            <a:spLocks noGrp="1"/>
-          </p:cNvSpPr>
-          <p:nvPr>
-            <p:ph type="body" sz="quarter" idx="11"/>
-          </p:nvPr>
-        </p:nvSpPr>
-        <p:spPr>
-          <a:xfrm>
-            <a:off x="3732517" y="1280160"/>
-            <a:ext cx="8131025" cy="3611909"/>
-          </a:xfrm>
-        </p:spPr>
-        <p:txBody>
-          <a:bodyPr/>
-          <a:lstStyle/>
-          <a:p>
-            <a:endParaRPr lang="de-DE" dirty="0"/>
-          </a:p>
-          <a:p>
-            <a:pPr marL="285750" indent="-285750">
-              <a:buFont typeface="Arial" panose="020B0604020202020204" pitchFamily="34" charset="0"/>
-              <a:buChar char="•"/>
-            </a:pPr>
-            <a:r>
-              <a:rPr lang="de-DE" dirty="0"/>
-              <a:t>Besuche die Städte in einer Reihenfolge unter den Bedingungen, dass</a:t>
-            </a:r>
-          </a:p>
-          <a:p>
-            <a:pPr lvl="2"/>
-            <a:r>
-              <a:rPr lang="de-DE" dirty="0"/>
-              <a:t>... keine Stadt außer der Startstadt zwei mal besucht wird und</a:t>
-            </a:r>
-          </a:p>
-          <a:p>
-            <a:pPr lvl="2"/>
-            <a:r>
-              <a:rPr lang="de-DE" dirty="0"/>
-              <a:t>... die zurückgelegte Distanz möglichst kurz ist</a:t>
-            </a:r>
-          </a:p>
-          <a:p>
-            <a:endParaRPr lang="de-DE" dirty="0"/>
-          </a:p>
-          <a:p>
-            <a:pPr marL="285750" indent="-285750">
-              <a:buFont typeface="Arial" panose="020B0604020202020204" pitchFamily="34" charset="0"/>
-              <a:buChar char="•"/>
-            </a:pPr>
-            <a:r>
-              <a:rPr lang="de-DE" dirty="0"/>
-              <a:t>Routen =&gt; Individuen</a:t>
-            </a:r>
-          </a:p>
-          <a:p>
-            <a:r>
-              <a:rPr lang="de-DE" dirty="0"/>
-              <a:t>Berlin – Hamburg – Leipzig – Berlin</a:t>
-            </a:r>
-          </a:p>
-          <a:p>
-            <a:r>
-              <a:rPr lang="de-DE" dirty="0"/>
-              <a:t>[   1	,     0          ,      2        ,    1    ]</a:t>
-            </a:r>
-          </a:p>
-          <a:p>
-            <a:r>
-              <a:rPr lang="de-DE" dirty="0"/>
-              <a:t>=&gt; Array welches verändert werden muss: [0,2]</a:t>
-            </a:r>
-          </a:p>
-          <a:p>
-            <a:endParaRPr lang="de-DE" dirty="0"/>
-          </a:p>
-          <a:p>
-            <a:pPr marL="285750" indent="-285750">
-              <a:buFont typeface="Arial" panose="020B0604020202020204" pitchFamily="34" charset="0"/>
-              <a:buChar char="•"/>
-            </a:pPr>
-            <a:r>
-              <a:rPr lang="de-DE" dirty="0"/>
-              <a:t>Menge von Routen =&gt; Population</a:t>
-            </a:r>
-          </a:p>
-          <a:p>
-            <a:endParaRPr lang="de-DE" dirty="0"/>
-          </a:p>
-          <a:p>
-            <a:endParaRPr lang="de-DE" dirty="0"/>
-          </a:p>
-          <a:p>
-            <a:r>
-              <a:rPr lang="de-DE" dirty="0"/>
-              <a:t>			</a:t>
-            </a:r>
-          </a:p>
-          <a:p>
-            <a:r>
-              <a:rPr lang="de-DE" dirty="0"/>
-              <a:t>			</a:t>
-            </a:r>
-          </a:p>
-          <a:p>
-            <a:endParaRPr lang="de-DE" dirty="0"/>
-          </a:p>
-        </p:txBody>
-      </p:sp>
+      <mc:AlternateContent xmlns:mc="http://schemas.openxmlformats.org/markup-compatibility/2006">
+        <mc:Choice xmlns:a14="http://schemas.microsoft.com/office/drawing/2010/main" Requires="a14">
+          <p:sp>
+            <p:nvSpPr>
+              <p:cNvPr id="4" name="Text Placeholder 3">
+                <a:extLst>
+                  <a:ext uri="{FF2B5EF4-FFF2-40B4-BE49-F238E27FC236}">
+                    <a16:creationId xmlns:a16="http://schemas.microsoft.com/office/drawing/2014/main" id="{CB236A5E-E807-4CE0-9539-E7DFD1EDC54B}"/>
+                  </a:ext>
+                </a:extLst>
+              </p:cNvPr>
+              <p:cNvSpPr>
+                <a:spLocks noGrp="1"/>
+              </p:cNvSpPr>
+              <p:nvPr>
+                <p:ph type="body" sz="quarter" idx="11"/>
+              </p:nvPr>
+            </p:nvSpPr>
+            <p:spPr>
+              <a:xfrm>
+                <a:off x="3732517" y="1280160"/>
+                <a:ext cx="8131025" cy="3611909"/>
+              </a:xfrm>
+            </p:spPr>
+            <p:txBody>
+              <a:bodyPr/>
+              <a:lstStyle/>
+              <a:p>
+                <a:endParaRPr lang="de-DE" dirty="0"/>
+              </a:p>
+              <a:p>
+                <a:pPr marL="285750" indent="-285750">
+                  <a:buFont typeface="Arial" panose="020B0604020202020204" pitchFamily="34" charset="0"/>
+                  <a:buChar char="•"/>
+                </a:pPr>
+                <a:r>
+                  <a:rPr lang="de-DE" dirty="0"/>
+                  <a:t>Besuche die Städte in einer Reihenfolge unter den Bedingungen, dass</a:t>
+                </a:r>
+              </a:p>
+              <a:p>
+                <a:pPr lvl="2"/>
+                <a:r>
+                  <a:rPr lang="de-DE" dirty="0"/>
+                  <a:t>... keine Stadt außer der Startstadt zwei mal besucht wird und</a:t>
+                </a:r>
+              </a:p>
+              <a:p>
+                <a:pPr lvl="2"/>
+                <a:r>
+                  <a:rPr lang="de-DE" dirty="0"/>
+                  <a:t>... die zurückgelegte Distanz möglichst kurz ist</a:t>
+                </a:r>
+              </a:p>
+              <a:p>
+                <a:pPr marL="285750" indent="-285750">
+                  <a:buFont typeface="Arial" panose="020B0604020202020204" pitchFamily="34" charset="0"/>
+                  <a:buChar char="•"/>
+                </a:pPr>
+                <a:r>
+                  <a:rPr lang="de-DE" dirty="0"/>
+                  <a:t>NP-schweres Problem (20 Städte =&gt; 20! =&gt;</a:t>
+                </a:r>
+                <a14:m>
+                  <m:oMath xmlns:m="http://schemas.openxmlformats.org/officeDocument/2006/math">
+                    <m:sSup>
+                      <m:sSupPr>
+                        <m:ctrlPr>
+                          <a:rPr lang="de-DE" sz="1800" b="0" i="1" smtClean="0">
+                            <a:latin typeface="Cambria Math" panose="02040503050406030204" pitchFamily="18" charset="0"/>
+                          </a:rPr>
+                        </m:ctrlPr>
+                      </m:sSupPr>
+                      <m:e>
+                        <m:r>
+                          <a:rPr lang="de-DE" sz="1800" b="0" i="1" smtClean="0">
+                            <a:latin typeface="Cambria Math" panose="02040503050406030204" pitchFamily="18" charset="0"/>
+                          </a:rPr>
+                          <m:t>10</m:t>
+                        </m:r>
+                      </m:e>
+                      <m:sup>
+                        <m:r>
+                          <a:rPr lang="de-DE" sz="1800" b="0" i="1" smtClean="0">
+                            <a:latin typeface="Cambria Math" panose="02040503050406030204" pitchFamily="18" charset="0"/>
+                          </a:rPr>
+                          <m:t>18</m:t>
+                        </m:r>
+                      </m:sup>
+                    </m:sSup>
+                  </m:oMath>
+                </a14:m>
+                <a:r>
+                  <a:rPr lang="de-DE" dirty="0"/>
+                  <a:t> Möglichkeiten)</a:t>
+                </a:r>
+              </a:p>
+              <a:p>
+                <a:pPr marL="285750" indent="-285750">
+                  <a:buFont typeface="Arial" panose="020B0604020202020204" pitchFamily="34" charset="0"/>
+                  <a:buChar char="•"/>
+                </a:pPr>
+                <a:r>
+                  <a:rPr lang="de-DE" dirty="0"/>
+                  <a:t>Routen =&gt; Individuen</a:t>
+                </a:r>
+              </a:p>
+              <a:p>
+                <a:r>
+                  <a:rPr lang="de-DE" dirty="0"/>
+                  <a:t>Berlin – Hamburg – Leipzig – Berlin</a:t>
+                </a:r>
+              </a:p>
+              <a:p>
+                <a:r>
+                  <a:rPr lang="de-DE" dirty="0"/>
+                  <a:t>[   1	,     0          ,      2        ,    1    ]</a:t>
+                </a:r>
+              </a:p>
+              <a:p>
+                <a:r>
+                  <a:rPr lang="de-DE" dirty="0"/>
+                  <a:t>=&gt; Array welches verändert werden muss: [0,2]</a:t>
+                </a:r>
+              </a:p>
+              <a:p>
+                <a:endParaRPr lang="de-DE" dirty="0"/>
+              </a:p>
+              <a:p>
+                <a:pPr marL="285750" indent="-285750">
+                  <a:buFont typeface="Arial" panose="020B0604020202020204" pitchFamily="34" charset="0"/>
+                  <a:buChar char="•"/>
+                </a:pPr>
+                <a:r>
+                  <a:rPr lang="de-DE" dirty="0"/>
+                  <a:t>Menge von Routen =&gt; Population</a:t>
+                </a:r>
+              </a:p>
+              <a:p>
+                <a:endParaRPr lang="de-DE" dirty="0"/>
+              </a:p>
+              <a:p>
+                <a:endParaRPr lang="de-DE" dirty="0"/>
+              </a:p>
+              <a:p>
+                <a:r>
+                  <a:rPr lang="de-DE" dirty="0"/>
+                  <a:t>			</a:t>
+                </a:r>
+              </a:p>
+              <a:p>
+                <a:r>
+                  <a:rPr lang="de-DE" dirty="0"/>
+                  <a:t>			</a:t>
+                </a:r>
+              </a:p>
+              <a:p>
+                <a:endParaRPr lang="de-DE" dirty="0"/>
+              </a:p>
+            </p:txBody>
+          </p:sp>
+        </mc:Choice>
+        <mc:Fallback>
+          <p:sp>
+            <p:nvSpPr>
+              <p:cNvPr id="4" name="Text Placeholder 3">
+                <a:extLst>
+                  <a:ext uri="{FF2B5EF4-FFF2-40B4-BE49-F238E27FC236}">
+                    <a16:creationId xmlns:a16="http://schemas.microsoft.com/office/drawing/2014/main" id="{CB236A5E-E807-4CE0-9539-E7DFD1EDC54B}"/>
+                  </a:ext>
+                </a:extLst>
+              </p:cNvPr>
+              <p:cNvSpPr>
+                <a:spLocks noGrp="1" noRot="1" noChangeAspect="1" noMove="1" noResize="1" noEditPoints="1" noAdjustHandles="1" noChangeArrowheads="1" noChangeShapeType="1" noTextEdit="1"/>
+              </p:cNvSpPr>
+              <p:nvPr>
+                <p:ph type="body" sz="quarter" idx="11"/>
+              </p:nvPr>
+            </p:nvSpPr>
+            <p:spPr>
+              <a:xfrm>
+                <a:off x="3732517" y="1280160"/>
+                <a:ext cx="8131025" cy="3611909"/>
+              </a:xfrm>
+              <a:blipFill>
+                <a:blip r:embed="rId3"/>
+                <a:stretch>
+                  <a:fillRect l="-600" b="-3879"/>
+                </a:stretch>
+              </a:blipFill>
+            </p:spPr>
+            <p:txBody>
+              <a:bodyPr/>
+              <a:lstStyle/>
+              <a:p>
+                <a:r>
+                  <a:rPr lang="de-DE">
+                    <a:noFill/>
+                  </a:rPr>
+                  <a:t> </a:t>
+                </a:r>
+              </a:p>
+            </p:txBody>
+          </p:sp>
+        </mc:Fallback>
+      </mc:AlternateContent>
       <p:pic>
         <p:nvPicPr>
           <p:cNvPr id="5" name="Picture 4">
@@ -44452,7 +44680,7 @@
           <p:nvPr/>
         </p:nvPicPr>
         <p:blipFill>
-          <a:blip r:embed="rId3"/>
+          <a:blip r:embed="rId4"/>
           <a:stretch>
             <a:fillRect/>
           </a:stretch>

--- a/Projektvortrag/Präsentation Projektvortrag.pptx
+++ b/Projektvortrag/Präsentation Projektvortrag.pptx
@@ -6,10 +6,10 @@
     <p:sldMasterId id="2147483678" r:id="rId2"/>
   </p:sldMasterIdLst>
   <p:notesMasterIdLst>
-    <p:notesMasterId r:id="rId52"/>
+    <p:notesMasterId r:id="rId53"/>
   </p:notesMasterIdLst>
   <p:handoutMasterIdLst>
-    <p:handoutMasterId r:id="rId53"/>
+    <p:handoutMasterId r:id="rId54"/>
   </p:handoutMasterIdLst>
   <p:sldIdLst>
     <p:sldId id="256" r:id="rId3"/>
@@ -32,49 +32,50 @@
     <p:sldId id="288" r:id="rId20"/>
     <p:sldId id="295" r:id="rId21"/>
     <p:sldId id="290" r:id="rId22"/>
-    <p:sldId id="292" r:id="rId23"/>
-    <p:sldId id="296" r:id="rId24"/>
-    <p:sldId id="297" r:id="rId25"/>
-    <p:sldId id="298" r:id="rId26"/>
-    <p:sldId id="299" r:id="rId27"/>
-    <p:sldId id="276" r:id="rId28"/>
-    <p:sldId id="277" r:id="rId29"/>
-    <p:sldId id="275" r:id="rId30"/>
-    <p:sldId id="278" r:id="rId31"/>
-    <p:sldId id="286" r:id="rId32"/>
-    <p:sldId id="316" r:id="rId33"/>
-    <p:sldId id="279" r:id="rId34"/>
-    <p:sldId id="304" r:id="rId35"/>
-    <p:sldId id="307" r:id="rId36"/>
-    <p:sldId id="300" r:id="rId37"/>
-    <p:sldId id="306" r:id="rId38"/>
-    <p:sldId id="308" r:id="rId39"/>
-    <p:sldId id="309" r:id="rId40"/>
-    <p:sldId id="310" r:id="rId41"/>
-    <p:sldId id="311" r:id="rId42"/>
-    <p:sldId id="312" r:id="rId43"/>
-    <p:sldId id="317" r:id="rId44"/>
-    <p:sldId id="318" r:id="rId45"/>
-    <p:sldId id="281" r:id="rId46"/>
-    <p:sldId id="319" r:id="rId47"/>
-    <p:sldId id="282" r:id="rId48"/>
-    <p:sldId id="283" r:id="rId49"/>
-    <p:sldId id="257" r:id="rId50"/>
-    <p:sldId id="320" r:id="rId51"/>
+    <p:sldId id="321" r:id="rId23"/>
+    <p:sldId id="292" r:id="rId24"/>
+    <p:sldId id="296" r:id="rId25"/>
+    <p:sldId id="297" r:id="rId26"/>
+    <p:sldId id="298" r:id="rId27"/>
+    <p:sldId id="299" r:id="rId28"/>
+    <p:sldId id="276" r:id="rId29"/>
+    <p:sldId id="277" r:id="rId30"/>
+    <p:sldId id="275" r:id="rId31"/>
+    <p:sldId id="278" r:id="rId32"/>
+    <p:sldId id="286" r:id="rId33"/>
+    <p:sldId id="316" r:id="rId34"/>
+    <p:sldId id="279" r:id="rId35"/>
+    <p:sldId id="304" r:id="rId36"/>
+    <p:sldId id="307" r:id="rId37"/>
+    <p:sldId id="300" r:id="rId38"/>
+    <p:sldId id="306" r:id="rId39"/>
+    <p:sldId id="308" r:id="rId40"/>
+    <p:sldId id="309" r:id="rId41"/>
+    <p:sldId id="310" r:id="rId42"/>
+    <p:sldId id="311" r:id="rId43"/>
+    <p:sldId id="312" r:id="rId44"/>
+    <p:sldId id="317" r:id="rId45"/>
+    <p:sldId id="318" r:id="rId46"/>
+    <p:sldId id="281" r:id="rId47"/>
+    <p:sldId id="319" r:id="rId48"/>
+    <p:sldId id="282" r:id="rId49"/>
+    <p:sldId id="283" r:id="rId50"/>
+    <p:sldId id="257" r:id="rId51"/>
+    <p:sldId id="320" r:id="rId52"/>
   </p:sldIdLst>
   <p:sldSz cx="12192000" cy="6858000"/>
   <p:notesSz cx="6858000" cy="9144000"/>
   <p:embeddedFontLst>
     <p:embeddedFont>
       <p:font typeface="Calibri" panose="020F0502020204030204" pitchFamily="34" charset="0"/>
-      <p:regular r:id="rId54"/>
-      <p:bold r:id="rId55"/>
-      <p:italic r:id="rId56"/>
-      <p:boldItalic r:id="rId57"/>
+      <p:regular r:id="rId55"/>
+      <p:bold r:id="rId56"/>
+      <p:italic r:id="rId57"/>
+      <p:boldItalic r:id="rId58"/>
     </p:embeddedFont>
     <p:embeddedFont>
       <p:font typeface="Cambria Math" panose="02040503050406030204" pitchFamily="18" charset="0"/>
-      <p:regular r:id="rId58"/>
+      <p:regular r:id="rId59"/>
     </p:embeddedFont>
   </p:embeddedFontLst>
   <p:defaultTextStyle>
@@ -331,6 +332,7 @@
             <p14:sldId id="288"/>
             <p14:sldId id="295"/>
             <p14:sldId id="290"/>
+            <p14:sldId id="321"/>
             <p14:sldId id="292"/>
             <p14:sldId id="296"/>
             <p14:sldId id="297"/>
@@ -2742,25 +2744,49 @@
           <a:p>
             <a:r>
               <a:rPr lang="de-DE" dirty="0"/>
-              <a:t>Individuen und Populationen werden verarbeitet.</a:t>
+              <a:t>Einführung: Genetischen Algorithmus Überblick, TSP, Ziele des Projekts</a:t>
             </a:r>
           </a:p>
           <a:p>
             <a:r>
               <a:rPr lang="de-DE" dirty="0"/>
-              <a:t>Hochzeit: Auswahl ist von der Fitness des Individuums abhängig =&gt; Hohe Fitness, Hohe Wahrscheinlichkeit ausgewählt zu werden</a:t>
+              <a:t>Konzept: Anforderungsanalyse, Systemmodellierung</a:t>
             </a:r>
           </a:p>
           <a:p>
             <a:r>
               <a:rPr lang="de-DE" dirty="0"/>
-              <a:t>Crossover: Wichtigste Teil der Genetischen Algorithmen. Bilden Von Kindern aus Eltern</a:t>
+              <a:t>Realisierung: Umsetzung im Detail</a:t>
             </a:r>
           </a:p>
           <a:p>
             <a:r>
               <a:rPr lang="de-DE" dirty="0"/>
-              <a:t>Mutation: Unwichtiger</a:t>
+              <a:t>Experimente: Verschiedenen Versuche die durchgeführt wurden</a:t>
+            </a:r>
+          </a:p>
+          <a:p>
+            <a:r>
+              <a:rPr lang="de-DE" dirty="0"/>
+              <a:t>Demo: Kurze Demonstration</a:t>
+            </a:r>
+          </a:p>
+          <a:p>
+            <a:r>
+              <a:rPr lang="de-DE" dirty="0"/>
+              <a:t>Retro: Erfahrungen aus dem Projekt</a:t>
+            </a:r>
+          </a:p>
+          <a:p>
+            <a:r>
+              <a:rPr lang="de-DE" dirty="0"/>
+              <a:t>Fazit</a:t>
+            </a:r>
+          </a:p>
+          <a:p>
+            <a:r>
+              <a:rPr lang="de-DE" dirty="0"/>
+              <a:t>Ausblick</a:t>
             </a:r>
           </a:p>
         </p:txBody>
@@ -2799,7 +2825,7 @@
                 <a:cs typeface="Calibri"/>
                 <a:sym typeface="Calibri"/>
               </a:rPr>
-              <a:t>4</a:t>
+              <a:t>2</a:t>
             </a:fld>
             <a:endParaRPr lang="de-DE" sz="1200" b="0" i="0" u="none" strike="noStrike" cap="none">
               <a:solidFill>
@@ -2816,7 +2842,7 @@
     </p:spTree>
     <p:extLst>
       <p:ext uri="{BB962C8B-B14F-4D97-AF65-F5344CB8AC3E}">
-        <p14:creationId xmlns:p14="http://schemas.microsoft.com/office/powerpoint/2010/main" val="4040937637"/>
+        <p14:creationId xmlns:p14="http://schemas.microsoft.com/office/powerpoint/2010/main" val="501312692"/>
       </p:ext>
     </p:extLst>
   </p:cSld>
@@ -2872,13 +2898,16 @@
           <a:p>
             <a:r>
               <a:rPr lang="de-DE" dirty="0"/>
-              <a:t>Erkenntnis: Die Populationsgröße war viel zu klein gewählt.</a:t>
-            </a:r>
+              <a:t>Es wird zuerst getauscht dann korrigiert</a:t>
+            </a:r>
+          </a:p>
+          <a:p>
+            <a:endParaRPr lang="de-DE" dirty="0"/>
           </a:p>
           <a:p>
             <a:r>
               <a:rPr lang="de-DE" dirty="0"/>
-              <a:t>Daher ab jetzt Popultionsgröße von 300</a:t>
+              <a:t>Neigt dazu die absoluten Elementposition zu erhalten</a:t>
             </a:r>
           </a:p>
         </p:txBody>
@@ -2917,7 +2946,7 @@
                 <a:cs typeface="Calibri"/>
                 <a:sym typeface="Calibri"/>
               </a:rPr>
-              <a:t>37</a:t>
+              <a:t>17</a:t>
             </a:fld>
             <a:endParaRPr lang="de-DE" sz="1200" b="0" i="0" u="none" strike="noStrike" cap="none">
               <a:solidFill>
@@ -2934,7 +2963,7 @@
     </p:spTree>
     <p:extLst>
       <p:ext uri="{BB962C8B-B14F-4D97-AF65-F5344CB8AC3E}">
-        <p14:creationId xmlns:p14="http://schemas.microsoft.com/office/powerpoint/2010/main" val="3980561869"/>
+        <p14:creationId xmlns:p14="http://schemas.microsoft.com/office/powerpoint/2010/main" val="2482925171"/>
       </p:ext>
     </p:extLst>
   </p:cSld>
@@ -2988,9 +3017,75 @@
           <a:bodyPr/>
           <a:lstStyle/>
           <a:p>
+            <a:pPr marL="457200" marR="0" lvl="0" indent="-228600" algn="l" defTabSz="914400" rtl="0" eaLnBrk="1" fontAlgn="auto" latinLnBrk="0" hangingPunct="1">
+              <a:lnSpc>
+                <a:spcPct val="100000"/>
+              </a:lnSpc>
+              <a:spcBef>
+                <a:spcPts val="360"/>
+              </a:spcBef>
+              <a:spcAft>
+                <a:spcPts val="0"/>
+              </a:spcAft>
+              <a:buClr>
+                <a:srgbClr val="000000"/>
+              </a:buClr>
+              <a:buSzPts val="1400"/>
+              <a:buFont typeface="Arial"/>
+              <a:buNone/>
+              <a:tabLst/>
+              <a:defRPr/>
+            </a:pPr>
             <a:r>
               <a:rPr lang="de-DE" dirty="0"/>
-              <a:t>Plötzlich ist Edge Recombination besser als Order-Crossover</a:t>
+              <a:t>Es wird zuerst korrigiert und dann getauscht</a:t>
+            </a:r>
+          </a:p>
+          <a:p>
+            <a:pPr marL="457200" marR="0" lvl="0" indent="-228600" algn="l" defTabSz="914400" rtl="0" eaLnBrk="1" fontAlgn="auto" latinLnBrk="0" hangingPunct="1">
+              <a:lnSpc>
+                <a:spcPct val="100000"/>
+              </a:lnSpc>
+              <a:spcBef>
+                <a:spcPts val="360"/>
+              </a:spcBef>
+              <a:spcAft>
+                <a:spcPts val="0"/>
+              </a:spcAft>
+              <a:buClr>
+                <a:srgbClr val="000000"/>
+              </a:buClr>
+              <a:buSzPts val="1400"/>
+              <a:buFont typeface="Arial"/>
+              <a:buNone/>
+              <a:tabLst/>
+              <a:defRPr/>
+            </a:pPr>
+            <a:endParaRPr lang="de-DE" dirty="0"/>
+          </a:p>
+          <a:p>
+            <a:pPr marL="457200" marR="0" lvl="0" indent="-228600" algn="l" defTabSz="914400" rtl="0" eaLnBrk="1" fontAlgn="auto" latinLnBrk="0" hangingPunct="1">
+              <a:lnSpc>
+                <a:spcPct val="100000"/>
+              </a:lnSpc>
+              <a:spcBef>
+                <a:spcPts val="360"/>
+              </a:spcBef>
+              <a:spcAft>
+                <a:spcPts val="0"/>
+              </a:spcAft>
+              <a:buClr>
+                <a:srgbClr val="000000"/>
+              </a:buClr>
+              <a:buSzPts val="1400"/>
+              <a:buFont typeface="Arial"/>
+              <a:buNone/>
+              <a:tabLst/>
+              <a:defRPr/>
+            </a:pPr>
+            <a:r>
+              <a:rPr lang="de-DE" dirty="0"/>
+              <a:t>Neigt dazu die relative Elementposition zu erhalten</a:t>
             </a:r>
           </a:p>
         </p:txBody>
@@ -3029,7 +3124,7 @@
                 <a:cs typeface="Calibri"/>
                 <a:sym typeface="Calibri"/>
               </a:rPr>
-              <a:t>38</a:t>
+              <a:t>18</a:t>
             </a:fld>
             <a:endParaRPr lang="de-DE" sz="1200" b="0" i="0" u="none" strike="noStrike" cap="none">
               <a:solidFill>
@@ -3046,7 +3141,7 @@
     </p:spTree>
     <p:extLst>
       <p:ext uri="{BB962C8B-B14F-4D97-AF65-F5344CB8AC3E}">
-        <p14:creationId xmlns:p14="http://schemas.microsoft.com/office/powerpoint/2010/main" val="2926907705"/>
+        <p14:creationId xmlns:p14="http://schemas.microsoft.com/office/powerpoint/2010/main" val="973729232"/>
       </p:ext>
     </p:extLst>
   </p:cSld>
@@ -3100,40 +3195,7 @@
           <a:bodyPr/>
           <a:lstStyle/>
           <a:p>
-            <a:r>
-              <a:rPr lang="de-DE" dirty="0"/>
-              <a:t>Mutationsrate hat nur einen geringen Einfluss auf das Ergebnis.</a:t>
-            </a:r>
-          </a:p>
-          <a:p>
-            <a:pPr>
-              <a:buFont typeface="Symbol" panose="05050102010706020507" pitchFamily="18" charset="2"/>
-              <a:buChar char="Þ"/>
-            </a:pPr>
-            <a:r>
-              <a:rPr lang="de-DE" dirty="0"/>
-              <a:t>Mutationsmethode führt auch nur eine kleine Mutation aus.</a:t>
-            </a:r>
-          </a:p>
-          <a:p>
-            <a:pPr>
-              <a:buFont typeface="Symbol" panose="05050102010706020507" pitchFamily="18" charset="2"/>
-              <a:buChar char="Þ"/>
-            </a:pPr>
-            <a:r>
-              <a:rPr lang="de-DE" dirty="0"/>
-              <a:t>Durch eine andere Mutationsmethode könnte Effekt verstärkt werden</a:t>
-            </a:r>
-          </a:p>
-          <a:p>
-            <a:pPr>
-              <a:buFont typeface="Symbol" panose="05050102010706020507" pitchFamily="18" charset="2"/>
-              <a:buChar char="Þ"/>
-            </a:pPr>
-            <a:r>
-              <a:rPr lang="de-DE" dirty="0"/>
-              <a:t>Bei genetischen Algorithmen soll die Mutation aber auch nur eine untergeordnete Rolle spielen</a:t>
-            </a:r>
+            <a:endParaRPr lang="de-DE" dirty="0"/>
           </a:p>
         </p:txBody>
       </p:sp>
@@ -3171,7 +3233,7 @@
                 <a:cs typeface="Calibri"/>
                 <a:sym typeface="Calibri"/>
               </a:rPr>
-              <a:t>39</a:t>
+              <a:t>21</a:t>
             </a:fld>
             <a:endParaRPr lang="de-DE" sz="1200" b="0" i="0" u="none" strike="noStrike" cap="none">
               <a:solidFill>
@@ -3188,7 +3250,7 @@
     </p:spTree>
     <p:extLst>
       <p:ext uri="{BB962C8B-B14F-4D97-AF65-F5344CB8AC3E}">
-        <p14:creationId xmlns:p14="http://schemas.microsoft.com/office/powerpoint/2010/main" val="1850876474"/>
+        <p14:creationId xmlns:p14="http://schemas.microsoft.com/office/powerpoint/2010/main" val="2399977626"/>
       </p:ext>
     </p:extLst>
   </p:cSld>
@@ -3242,16 +3304,7 @@
           <a:bodyPr/>
           <a:lstStyle/>
           <a:p>
-            <a:r>
-              <a:rPr lang="de-DE" dirty="0"/>
-              <a:t>Endergebnisse</a:t>
-            </a:r>
-          </a:p>
-          <a:p>
-            <a:r>
-              <a:rPr lang="de-DE" dirty="0"/>
-              <a:t>Mittelwerte der Distanz des besten Individuums je Generation</a:t>
-            </a:r>
+            <a:endParaRPr lang="de-DE" dirty="0"/>
           </a:p>
         </p:txBody>
       </p:sp>
@@ -3289,7 +3342,760 @@
                 <a:cs typeface="Calibri"/>
                 <a:sym typeface="Calibri"/>
               </a:rPr>
+              <a:t>22</a:t>
+            </a:fld>
+            <a:endParaRPr lang="de-DE" sz="1200" b="0" i="0" u="none" strike="noStrike" cap="none">
+              <a:solidFill>
+                <a:schemeClr val="dk1"/>
+              </a:solidFill>
+              <a:latin typeface="Calibri"/>
+              <a:ea typeface="Calibri"/>
+              <a:cs typeface="Calibri"/>
+              <a:sym typeface="Calibri"/>
+            </a:endParaRPr>
+          </a:p>
+        </p:txBody>
+      </p:sp>
+    </p:spTree>
+    <p:extLst>
+      <p:ext uri="{BB962C8B-B14F-4D97-AF65-F5344CB8AC3E}">
+        <p14:creationId xmlns:p14="http://schemas.microsoft.com/office/powerpoint/2010/main" val="439499505"/>
+      </p:ext>
+    </p:extLst>
+  </p:cSld>
+  <p:clrMapOvr>
+    <a:masterClrMapping/>
+  </p:clrMapOvr>
+</p:notes>
+</file>
+
+<file path=ppt/notesSlides/notesSlide14.xml><?xml version="1.0" encoding="utf-8"?>
+<p:notes xmlns:a="http://schemas.openxmlformats.org/drawingml/2006/main" xmlns:r="http://schemas.openxmlformats.org/officeDocument/2006/relationships" xmlns:p="http://schemas.openxmlformats.org/presentationml/2006/main">
+  <p:cSld>
+    <p:spTree>
+      <p:nvGrpSpPr>
+        <p:cNvPr id="1" name=""/>
+        <p:cNvGrpSpPr/>
+        <p:nvPr/>
+      </p:nvGrpSpPr>
+      <p:grpSpPr>
+        <a:xfrm>
+          <a:off x="0" y="0"/>
+          <a:ext cx="0" cy="0"/>
+          <a:chOff x="0" y="0"/>
+          <a:chExt cx="0" cy="0"/>
+        </a:xfrm>
+      </p:grpSpPr>
+      <p:sp>
+        <p:nvSpPr>
+          <p:cNvPr id="2" name="Slide Image Placeholder 1"/>
+          <p:cNvSpPr>
+            <a:spLocks noGrp="1" noRot="1" noChangeAspect="1"/>
+          </p:cNvSpPr>
+          <p:nvPr>
+            <p:ph type="sldImg"/>
+          </p:nvPr>
+        </p:nvSpPr>
+        <p:spPr/>
+      </p:sp>
+      <p:sp>
+        <p:nvSpPr>
+          <p:cNvPr id="3" name="Notes Placeholder 2"/>
+          <p:cNvSpPr>
+            <a:spLocks noGrp="1"/>
+          </p:cNvSpPr>
+          <p:nvPr>
+            <p:ph type="body" idx="1"/>
+          </p:nvPr>
+        </p:nvSpPr>
+        <p:spPr/>
+        <p:txBody>
+          <a:bodyPr/>
+          <a:lstStyle/>
+          <a:p>
+            <a:r>
+              <a:rPr lang="de-DE" dirty="0"/>
+              <a:t>Rein Kantenorientiert</a:t>
+            </a:r>
+          </a:p>
+          <a:p>
+            <a:r>
+              <a:rPr lang="de-DE" dirty="0"/>
+              <a:t>Position der absoluten Positionen spielen keine Rolle</a:t>
+            </a:r>
+          </a:p>
+          <a:p>
+            <a:r>
+              <a:rPr lang="de-DE" dirty="0"/>
+              <a:t>Es wird ein Kind aus möglichst vielen Kanten der beiden Eltern zu generieren</a:t>
+            </a:r>
+          </a:p>
+        </p:txBody>
+      </p:sp>
+      <p:sp>
+        <p:nvSpPr>
+          <p:cNvPr id="4" name="Slide Number Placeholder 3"/>
+          <p:cNvSpPr>
+            <a:spLocks noGrp="1"/>
+          </p:cNvSpPr>
+          <p:nvPr>
+            <p:ph type="sldNum" idx="12"/>
+          </p:nvPr>
+        </p:nvSpPr>
+        <p:spPr/>
+        <p:txBody>
+          <a:bodyPr/>
+          <a:lstStyle/>
+          <a:p>
+            <a:pPr marL="0" marR="0" lvl="0" indent="0" algn="r" rtl="0">
+              <a:spcBef>
+                <a:spcPts val="0"/>
+              </a:spcBef>
+              <a:spcAft>
+                <a:spcPts val="0"/>
+              </a:spcAft>
+              <a:buNone/>
+            </a:pPr>
+            <a:fld id="{00000000-1234-1234-1234-123412341234}" type="slidenum">
+              <a:rPr lang="de-DE" sz="1200" b="0" i="0" u="none" strike="noStrike" cap="none" smtClean="0">
+                <a:solidFill>
+                  <a:schemeClr val="dk1"/>
+                </a:solidFill>
+                <a:latin typeface="Calibri"/>
+                <a:ea typeface="Calibri"/>
+                <a:cs typeface="Calibri"/>
+                <a:sym typeface="Calibri"/>
+              </a:rPr>
+              <a:t>26</a:t>
+            </a:fld>
+            <a:endParaRPr lang="de-DE" sz="1200" b="0" i="0" u="none" strike="noStrike" cap="none">
+              <a:solidFill>
+                <a:schemeClr val="dk1"/>
+              </a:solidFill>
+              <a:latin typeface="Calibri"/>
+              <a:ea typeface="Calibri"/>
+              <a:cs typeface="Calibri"/>
+              <a:sym typeface="Calibri"/>
+            </a:endParaRPr>
+          </a:p>
+        </p:txBody>
+      </p:sp>
+    </p:spTree>
+    <p:extLst>
+      <p:ext uri="{BB962C8B-B14F-4D97-AF65-F5344CB8AC3E}">
+        <p14:creationId xmlns:p14="http://schemas.microsoft.com/office/powerpoint/2010/main" val="835829972"/>
+      </p:ext>
+    </p:extLst>
+  </p:cSld>
+  <p:clrMapOvr>
+    <a:masterClrMapping/>
+  </p:clrMapOvr>
+</p:notes>
+</file>
+
+<file path=ppt/notesSlides/notesSlide15.xml><?xml version="1.0" encoding="utf-8"?>
+<p:notes xmlns:a="http://schemas.openxmlformats.org/drawingml/2006/main" xmlns:r="http://schemas.openxmlformats.org/officeDocument/2006/relationships" xmlns:p="http://schemas.openxmlformats.org/presentationml/2006/main">
+  <p:cSld>
+    <p:spTree>
+      <p:nvGrpSpPr>
+        <p:cNvPr id="1" name=""/>
+        <p:cNvGrpSpPr/>
+        <p:nvPr/>
+      </p:nvGrpSpPr>
+      <p:grpSpPr>
+        <a:xfrm>
+          <a:off x="0" y="0"/>
+          <a:ext cx="0" cy="0"/>
+          <a:chOff x="0" y="0"/>
+          <a:chExt cx="0" cy="0"/>
+        </a:xfrm>
+      </p:grpSpPr>
+      <p:sp>
+        <p:nvSpPr>
+          <p:cNvPr id="2" name="Slide Image Placeholder 1"/>
+          <p:cNvSpPr>
+            <a:spLocks noGrp="1" noRot="1" noChangeAspect="1"/>
+          </p:cNvSpPr>
+          <p:nvPr>
+            <p:ph type="sldImg"/>
+          </p:nvPr>
+        </p:nvSpPr>
+        <p:spPr/>
+      </p:sp>
+      <p:sp>
+        <p:nvSpPr>
+          <p:cNvPr id="3" name="Notes Placeholder 2"/>
+          <p:cNvSpPr>
+            <a:spLocks noGrp="1"/>
+          </p:cNvSpPr>
+          <p:nvPr>
+            <p:ph type="body" idx="1"/>
+          </p:nvPr>
+        </p:nvSpPr>
+        <p:spPr/>
+        <p:txBody>
+          <a:bodyPr/>
+          <a:lstStyle/>
+          <a:p>
+            <a:r>
+              <a:rPr lang="de-DE" dirty="0"/>
+              <a:t>Achsenbeschriftung erklären</a:t>
+            </a:r>
+          </a:p>
+          <a:p>
+            <a:r>
+              <a:rPr lang="de-DE" dirty="0"/>
+              <a:t>Optimum erklären</a:t>
+            </a:r>
+          </a:p>
+          <a:p>
+            <a:r>
+              <a:rPr lang="de-DE" dirty="0"/>
+              <a:t>1000 Generationen</a:t>
+            </a:r>
+          </a:p>
+          <a:p>
+            <a:endParaRPr lang="de-DE" dirty="0"/>
+          </a:p>
+          <a:p>
+            <a:r>
+              <a:rPr lang="de-DE" dirty="0"/>
+              <a:t>10 Durchgänge, Mittelwert gebildet</a:t>
+            </a:r>
+          </a:p>
+        </p:txBody>
+      </p:sp>
+      <p:sp>
+        <p:nvSpPr>
+          <p:cNvPr id="4" name="Slide Number Placeholder 3"/>
+          <p:cNvSpPr>
+            <a:spLocks noGrp="1"/>
+          </p:cNvSpPr>
+          <p:nvPr>
+            <p:ph type="sldNum" idx="12"/>
+          </p:nvPr>
+        </p:nvSpPr>
+        <p:spPr/>
+        <p:txBody>
+          <a:bodyPr/>
+          <a:lstStyle/>
+          <a:p>
+            <a:pPr marL="0" marR="0" lvl="0" indent="0" algn="r" rtl="0">
+              <a:spcBef>
+                <a:spcPts val="0"/>
+              </a:spcBef>
+              <a:spcAft>
+                <a:spcPts val="0"/>
+              </a:spcAft>
+              <a:buNone/>
+            </a:pPr>
+            <a:fld id="{00000000-1234-1234-1234-123412341234}" type="slidenum">
+              <a:rPr lang="de-DE" sz="1200" b="0" i="0" u="none" strike="noStrike" cap="none" smtClean="0">
+                <a:solidFill>
+                  <a:schemeClr val="dk1"/>
+                </a:solidFill>
+                <a:latin typeface="Calibri"/>
+                <a:ea typeface="Calibri"/>
+                <a:cs typeface="Calibri"/>
+                <a:sym typeface="Calibri"/>
+              </a:rPr>
+              <a:t>34</a:t>
+            </a:fld>
+            <a:endParaRPr lang="de-DE" sz="1200" b="0" i="0" u="none" strike="noStrike" cap="none">
+              <a:solidFill>
+                <a:schemeClr val="dk1"/>
+              </a:solidFill>
+              <a:latin typeface="Calibri"/>
+              <a:ea typeface="Calibri"/>
+              <a:cs typeface="Calibri"/>
+              <a:sym typeface="Calibri"/>
+            </a:endParaRPr>
+          </a:p>
+        </p:txBody>
+      </p:sp>
+    </p:spTree>
+    <p:extLst>
+      <p:ext uri="{BB962C8B-B14F-4D97-AF65-F5344CB8AC3E}">
+        <p14:creationId xmlns:p14="http://schemas.microsoft.com/office/powerpoint/2010/main" val="1364984526"/>
+      </p:ext>
+    </p:extLst>
+  </p:cSld>
+  <p:clrMapOvr>
+    <a:masterClrMapping/>
+  </p:clrMapOvr>
+</p:notes>
+</file>
+
+<file path=ppt/notesSlides/notesSlide16.xml><?xml version="1.0" encoding="utf-8"?>
+<p:notes xmlns:a="http://schemas.openxmlformats.org/drawingml/2006/main" xmlns:r="http://schemas.openxmlformats.org/officeDocument/2006/relationships" xmlns:p="http://schemas.openxmlformats.org/presentationml/2006/main">
+  <p:cSld>
+    <p:spTree>
+      <p:nvGrpSpPr>
+        <p:cNvPr id="1" name=""/>
+        <p:cNvGrpSpPr/>
+        <p:nvPr/>
+      </p:nvGrpSpPr>
+      <p:grpSpPr>
+        <a:xfrm>
+          <a:off x="0" y="0"/>
+          <a:ext cx="0" cy="0"/>
+          <a:chOff x="0" y="0"/>
+          <a:chExt cx="0" cy="0"/>
+        </a:xfrm>
+      </p:grpSpPr>
+      <p:sp>
+        <p:nvSpPr>
+          <p:cNvPr id="2" name="Slide Image Placeholder 1"/>
+          <p:cNvSpPr>
+            <a:spLocks noGrp="1" noRot="1" noChangeAspect="1"/>
+          </p:cNvSpPr>
+          <p:nvPr>
+            <p:ph type="sldImg"/>
+          </p:nvPr>
+        </p:nvSpPr>
+        <p:spPr/>
+      </p:sp>
+      <p:sp>
+        <p:nvSpPr>
+          <p:cNvPr id="3" name="Notes Placeholder 2"/>
+          <p:cNvSpPr>
+            <a:spLocks noGrp="1"/>
+          </p:cNvSpPr>
+          <p:nvPr>
+            <p:ph type="body" idx="1"/>
+          </p:nvPr>
+        </p:nvSpPr>
+        <p:spPr/>
+        <p:txBody>
+          <a:bodyPr/>
+          <a:lstStyle/>
+          <a:p>
+            <a:r>
+              <a:rPr lang="de-DE" dirty="0"/>
+              <a:t>Erkenntnis: Die Populationsgröße war viel zu klein gewählt.</a:t>
+            </a:r>
+          </a:p>
+          <a:p>
+            <a:r>
+              <a:rPr lang="de-DE" dirty="0"/>
+              <a:t>Daher ab jetzt Popultionsgröße von 300</a:t>
+            </a:r>
+          </a:p>
+        </p:txBody>
+      </p:sp>
+      <p:sp>
+        <p:nvSpPr>
+          <p:cNvPr id="4" name="Slide Number Placeholder 3"/>
+          <p:cNvSpPr>
+            <a:spLocks noGrp="1"/>
+          </p:cNvSpPr>
+          <p:nvPr>
+            <p:ph type="sldNum" idx="12"/>
+          </p:nvPr>
+        </p:nvSpPr>
+        <p:spPr/>
+        <p:txBody>
+          <a:bodyPr/>
+          <a:lstStyle/>
+          <a:p>
+            <a:pPr marL="0" marR="0" lvl="0" indent="0" algn="r" rtl="0">
+              <a:spcBef>
+                <a:spcPts val="0"/>
+              </a:spcBef>
+              <a:spcAft>
+                <a:spcPts val="0"/>
+              </a:spcAft>
+              <a:buNone/>
+            </a:pPr>
+            <a:fld id="{00000000-1234-1234-1234-123412341234}" type="slidenum">
+              <a:rPr lang="de-DE" sz="1200" b="0" i="0" u="none" strike="noStrike" cap="none" smtClean="0">
+                <a:solidFill>
+                  <a:schemeClr val="dk1"/>
+                </a:solidFill>
+                <a:latin typeface="Calibri"/>
+                <a:ea typeface="Calibri"/>
+                <a:cs typeface="Calibri"/>
+                <a:sym typeface="Calibri"/>
+              </a:rPr>
+              <a:t>38</a:t>
+            </a:fld>
+            <a:endParaRPr lang="de-DE" sz="1200" b="0" i="0" u="none" strike="noStrike" cap="none">
+              <a:solidFill>
+                <a:schemeClr val="dk1"/>
+              </a:solidFill>
+              <a:latin typeface="Calibri"/>
+              <a:ea typeface="Calibri"/>
+              <a:cs typeface="Calibri"/>
+              <a:sym typeface="Calibri"/>
+            </a:endParaRPr>
+          </a:p>
+        </p:txBody>
+      </p:sp>
+    </p:spTree>
+    <p:extLst>
+      <p:ext uri="{BB962C8B-B14F-4D97-AF65-F5344CB8AC3E}">
+        <p14:creationId xmlns:p14="http://schemas.microsoft.com/office/powerpoint/2010/main" val="3980561869"/>
+      </p:ext>
+    </p:extLst>
+  </p:cSld>
+  <p:clrMapOvr>
+    <a:masterClrMapping/>
+  </p:clrMapOvr>
+</p:notes>
+</file>
+
+<file path=ppt/notesSlides/notesSlide17.xml><?xml version="1.0" encoding="utf-8"?>
+<p:notes xmlns:a="http://schemas.openxmlformats.org/drawingml/2006/main" xmlns:r="http://schemas.openxmlformats.org/officeDocument/2006/relationships" xmlns:p="http://schemas.openxmlformats.org/presentationml/2006/main">
+  <p:cSld>
+    <p:spTree>
+      <p:nvGrpSpPr>
+        <p:cNvPr id="1" name=""/>
+        <p:cNvGrpSpPr/>
+        <p:nvPr/>
+      </p:nvGrpSpPr>
+      <p:grpSpPr>
+        <a:xfrm>
+          <a:off x="0" y="0"/>
+          <a:ext cx="0" cy="0"/>
+          <a:chOff x="0" y="0"/>
+          <a:chExt cx="0" cy="0"/>
+        </a:xfrm>
+      </p:grpSpPr>
+      <p:sp>
+        <p:nvSpPr>
+          <p:cNvPr id="2" name="Slide Image Placeholder 1"/>
+          <p:cNvSpPr>
+            <a:spLocks noGrp="1" noRot="1" noChangeAspect="1"/>
+          </p:cNvSpPr>
+          <p:nvPr>
+            <p:ph type="sldImg"/>
+          </p:nvPr>
+        </p:nvSpPr>
+        <p:spPr/>
+      </p:sp>
+      <p:sp>
+        <p:nvSpPr>
+          <p:cNvPr id="3" name="Notes Placeholder 2"/>
+          <p:cNvSpPr>
+            <a:spLocks noGrp="1"/>
+          </p:cNvSpPr>
+          <p:nvPr>
+            <p:ph type="body" idx="1"/>
+          </p:nvPr>
+        </p:nvSpPr>
+        <p:spPr/>
+        <p:txBody>
+          <a:bodyPr/>
+          <a:lstStyle/>
+          <a:p>
+            <a:r>
+              <a:rPr lang="de-DE" dirty="0"/>
+              <a:t>Plötzlich ist Edge Recombination besser als Order-Crossover</a:t>
+            </a:r>
+          </a:p>
+          <a:p>
+            <a:r>
+              <a:rPr lang="de-DE" dirty="0"/>
+              <a:t>=&gt; Grund ist, dass Edge Recombination Kantenbasiert ist und beim TSP die kanten am wichtigsten sind</a:t>
+            </a:r>
+          </a:p>
+        </p:txBody>
+      </p:sp>
+      <p:sp>
+        <p:nvSpPr>
+          <p:cNvPr id="4" name="Slide Number Placeholder 3"/>
+          <p:cNvSpPr>
+            <a:spLocks noGrp="1"/>
+          </p:cNvSpPr>
+          <p:nvPr>
+            <p:ph type="sldNum" idx="12"/>
+          </p:nvPr>
+        </p:nvSpPr>
+        <p:spPr/>
+        <p:txBody>
+          <a:bodyPr/>
+          <a:lstStyle/>
+          <a:p>
+            <a:pPr marL="0" marR="0" lvl="0" indent="0" algn="r" rtl="0">
+              <a:spcBef>
+                <a:spcPts val="0"/>
+              </a:spcBef>
+              <a:spcAft>
+                <a:spcPts val="0"/>
+              </a:spcAft>
+              <a:buNone/>
+            </a:pPr>
+            <a:fld id="{00000000-1234-1234-1234-123412341234}" type="slidenum">
+              <a:rPr lang="de-DE" sz="1200" b="0" i="0" u="none" strike="noStrike" cap="none" smtClean="0">
+                <a:solidFill>
+                  <a:schemeClr val="dk1"/>
+                </a:solidFill>
+                <a:latin typeface="Calibri"/>
+                <a:ea typeface="Calibri"/>
+                <a:cs typeface="Calibri"/>
+                <a:sym typeface="Calibri"/>
+              </a:rPr>
+              <a:t>39</a:t>
+            </a:fld>
+            <a:endParaRPr lang="de-DE" sz="1200" b="0" i="0" u="none" strike="noStrike" cap="none">
+              <a:solidFill>
+                <a:schemeClr val="dk1"/>
+              </a:solidFill>
+              <a:latin typeface="Calibri"/>
+              <a:ea typeface="Calibri"/>
+              <a:cs typeface="Calibri"/>
+              <a:sym typeface="Calibri"/>
+            </a:endParaRPr>
+          </a:p>
+        </p:txBody>
+      </p:sp>
+    </p:spTree>
+    <p:extLst>
+      <p:ext uri="{BB962C8B-B14F-4D97-AF65-F5344CB8AC3E}">
+        <p14:creationId xmlns:p14="http://schemas.microsoft.com/office/powerpoint/2010/main" val="2926907705"/>
+      </p:ext>
+    </p:extLst>
+  </p:cSld>
+  <p:clrMapOvr>
+    <a:masterClrMapping/>
+  </p:clrMapOvr>
+</p:notes>
+</file>
+
+<file path=ppt/notesSlides/notesSlide18.xml><?xml version="1.0" encoding="utf-8"?>
+<p:notes xmlns:a="http://schemas.openxmlformats.org/drawingml/2006/main" xmlns:r="http://schemas.openxmlformats.org/officeDocument/2006/relationships" xmlns:p="http://schemas.openxmlformats.org/presentationml/2006/main">
+  <p:cSld>
+    <p:spTree>
+      <p:nvGrpSpPr>
+        <p:cNvPr id="1" name=""/>
+        <p:cNvGrpSpPr/>
+        <p:nvPr/>
+      </p:nvGrpSpPr>
+      <p:grpSpPr>
+        <a:xfrm>
+          <a:off x="0" y="0"/>
+          <a:ext cx="0" cy="0"/>
+          <a:chOff x="0" y="0"/>
+          <a:chExt cx="0" cy="0"/>
+        </a:xfrm>
+      </p:grpSpPr>
+      <p:sp>
+        <p:nvSpPr>
+          <p:cNvPr id="2" name="Slide Image Placeholder 1"/>
+          <p:cNvSpPr>
+            <a:spLocks noGrp="1" noRot="1" noChangeAspect="1"/>
+          </p:cNvSpPr>
+          <p:nvPr>
+            <p:ph type="sldImg"/>
+          </p:nvPr>
+        </p:nvSpPr>
+        <p:spPr/>
+      </p:sp>
+      <p:sp>
+        <p:nvSpPr>
+          <p:cNvPr id="3" name="Notes Placeholder 2"/>
+          <p:cNvSpPr>
+            <a:spLocks noGrp="1"/>
+          </p:cNvSpPr>
+          <p:nvPr>
+            <p:ph type="body" idx="1"/>
+          </p:nvPr>
+        </p:nvSpPr>
+        <p:spPr/>
+        <p:txBody>
+          <a:bodyPr/>
+          <a:lstStyle/>
+          <a:p>
+            <a:r>
+              <a:rPr lang="de-DE" dirty="0"/>
+              <a:t>Mutationsrate hat nur einen geringen Einfluss auf das Ergebnis.</a:t>
+            </a:r>
+          </a:p>
+          <a:p>
+            <a:pPr>
+              <a:buFont typeface="Symbol" panose="05050102010706020507" pitchFamily="18" charset="2"/>
+              <a:buChar char="Þ"/>
+            </a:pPr>
+            <a:r>
+              <a:rPr lang="de-DE" dirty="0"/>
+              <a:t>Mutationsmethode führt auch nur eine kleine Mutation aus.</a:t>
+            </a:r>
+          </a:p>
+          <a:p>
+            <a:pPr>
+              <a:buFont typeface="Symbol" panose="05050102010706020507" pitchFamily="18" charset="2"/>
+              <a:buChar char="Þ"/>
+            </a:pPr>
+            <a:r>
+              <a:rPr lang="de-DE" dirty="0"/>
+              <a:t>Durch eine andere Mutationsmethode könnte Effekt verstärkt werden</a:t>
+            </a:r>
+          </a:p>
+          <a:p>
+            <a:pPr>
+              <a:buFont typeface="Symbol" panose="05050102010706020507" pitchFamily="18" charset="2"/>
+              <a:buChar char="Þ"/>
+            </a:pPr>
+            <a:r>
+              <a:rPr lang="de-DE" dirty="0"/>
+              <a:t>Bei genetischen Algorithmen soll die Mutation aber auch nur eine untergeordnete Rolle spielen</a:t>
+            </a:r>
+          </a:p>
+        </p:txBody>
+      </p:sp>
+      <p:sp>
+        <p:nvSpPr>
+          <p:cNvPr id="4" name="Slide Number Placeholder 3"/>
+          <p:cNvSpPr>
+            <a:spLocks noGrp="1"/>
+          </p:cNvSpPr>
+          <p:nvPr>
+            <p:ph type="sldNum" idx="12"/>
+          </p:nvPr>
+        </p:nvSpPr>
+        <p:spPr/>
+        <p:txBody>
+          <a:bodyPr/>
+          <a:lstStyle/>
+          <a:p>
+            <a:pPr marL="0" marR="0" lvl="0" indent="0" algn="r" rtl="0">
+              <a:spcBef>
+                <a:spcPts val="0"/>
+              </a:spcBef>
+              <a:spcAft>
+                <a:spcPts val="0"/>
+              </a:spcAft>
+              <a:buNone/>
+            </a:pPr>
+            <a:fld id="{00000000-1234-1234-1234-123412341234}" type="slidenum">
+              <a:rPr lang="de-DE" sz="1200" b="0" i="0" u="none" strike="noStrike" cap="none" smtClean="0">
+                <a:solidFill>
+                  <a:schemeClr val="dk1"/>
+                </a:solidFill>
+                <a:latin typeface="Calibri"/>
+                <a:ea typeface="Calibri"/>
+                <a:cs typeface="Calibri"/>
+                <a:sym typeface="Calibri"/>
+              </a:rPr>
               <a:t>40</a:t>
+            </a:fld>
+            <a:endParaRPr lang="de-DE" sz="1200" b="0" i="0" u="none" strike="noStrike" cap="none">
+              <a:solidFill>
+                <a:schemeClr val="dk1"/>
+              </a:solidFill>
+              <a:latin typeface="Calibri"/>
+              <a:ea typeface="Calibri"/>
+              <a:cs typeface="Calibri"/>
+              <a:sym typeface="Calibri"/>
+            </a:endParaRPr>
+          </a:p>
+        </p:txBody>
+      </p:sp>
+    </p:spTree>
+    <p:extLst>
+      <p:ext uri="{BB962C8B-B14F-4D97-AF65-F5344CB8AC3E}">
+        <p14:creationId xmlns:p14="http://schemas.microsoft.com/office/powerpoint/2010/main" val="1850876474"/>
+      </p:ext>
+    </p:extLst>
+  </p:cSld>
+  <p:clrMapOvr>
+    <a:masterClrMapping/>
+  </p:clrMapOvr>
+</p:notes>
+</file>
+
+<file path=ppt/notesSlides/notesSlide19.xml><?xml version="1.0" encoding="utf-8"?>
+<p:notes xmlns:a="http://schemas.openxmlformats.org/drawingml/2006/main" xmlns:r="http://schemas.openxmlformats.org/officeDocument/2006/relationships" xmlns:p="http://schemas.openxmlformats.org/presentationml/2006/main">
+  <p:cSld>
+    <p:spTree>
+      <p:nvGrpSpPr>
+        <p:cNvPr id="1" name=""/>
+        <p:cNvGrpSpPr/>
+        <p:nvPr/>
+      </p:nvGrpSpPr>
+      <p:grpSpPr>
+        <a:xfrm>
+          <a:off x="0" y="0"/>
+          <a:ext cx="0" cy="0"/>
+          <a:chOff x="0" y="0"/>
+          <a:chExt cx="0" cy="0"/>
+        </a:xfrm>
+      </p:grpSpPr>
+      <p:sp>
+        <p:nvSpPr>
+          <p:cNvPr id="2" name="Slide Image Placeholder 1"/>
+          <p:cNvSpPr>
+            <a:spLocks noGrp="1" noRot="1" noChangeAspect="1"/>
+          </p:cNvSpPr>
+          <p:nvPr>
+            <p:ph type="sldImg"/>
+          </p:nvPr>
+        </p:nvSpPr>
+        <p:spPr/>
+      </p:sp>
+      <p:sp>
+        <p:nvSpPr>
+          <p:cNvPr id="3" name="Notes Placeholder 2"/>
+          <p:cNvSpPr>
+            <a:spLocks noGrp="1"/>
+          </p:cNvSpPr>
+          <p:nvPr>
+            <p:ph type="body" idx="1"/>
+          </p:nvPr>
+        </p:nvSpPr>
+        <p:spPr/>
+        <p:txBody>
+          <a:bodyPr/>
+          <a:lstStyle/>
+          <a:p>
+            <a:r>
+              <a:rPr lang="de-DE" dirty="0"/>
+              <a:t>Endergebnisse</a:t>
+            </a:r>
+          </a:p>
+          <a:p>
+            <a:r>
+              <a:rPr lang="de-DE" dirty="0"/>
+              <a:t>Mittelwerte der Distanz des besten Individuums je Generation</a:t>
+            </a:r>
+          </a:p>
+        </p:txBody>
+      </p:sp>
+      <p:sp>
+        <p:nvSpPr>
+          <p:cNvPr id="4" name="Slide Number Placeholder 3"/>
+          <p:cNvSpPr>
+            <a:spLocks noGrp="1"/>
+          </p:cNvSpPr>
+          <p:nvPr>
+            <p:ph type="sldNum" idx="12"/>
+          </p:nvPr>
+        </p:nvSpPr>
+        <p:spPr/>
+        <p:txBody>
+          <a:bodyPr/>
+          <a:lstStyle/>
+          <a:p>
+            <a:pPr marL="0" marR="0" lvl="0" indent="0" algn="r" rtl="0">
+              <a:spcBef>
+                <a:spcPts val="0"/>
+              </a:spcBef>
+              <a:spcAft>
+                <a:spcPts val="0"/>
+              </a:spcAft>
+              <a:buNone/>
+            </a:pPr>
+            <a:fld id="{00000000-1234-1234-1234-123412341234}" type="slidenum">
+              <a:rPr lang="de-DE" sz="1200" b="0" i="0" u="none" strike="noStrike" cap="none" smtClean="0">
+                <a:solidFill>
+                  <a:schemeClr val="dk1"/>
+                </a:solidFill>
+                <a:latin typeface="Calibri"/>
+                <a:ea typeface="Calibri"/>
+                <a:cs typeface="Calibri"/>
+                <a:sym typeface="Calibri"/>
+              </a:rPr>
+              <a:t>41</a:t>
             </a:fld>
             <a:endParaRPr lang="de-DE" sz="1200" b="0" i="0" u="none" strike="noStrike" cap="none">
               <a:solidFill>
@@ -3360,10 +4166,7 @@
           <a:bodyPr/>
           <a:lstStyle/>
           <a:p>
-            <a:r>
-              <a:rPr lang="de-DE" dirty="0"/>
-              <a:t>Schlüsselwort Codieurng</a:t>
-            </a:r>
+            <a:endParaRPr lang="de-DE" dirty="0"/>
           </a:p>
         </p:txBody>
       </p:sp>
@@ -3401,7 +4204,7 @@
                 <a:cs typeface="Calibri"/>
                 <a:sym typeface="Calibri"/>
               </a:rPr>
-              <a:t>5</a:t>
+              <a:t>3</a:t>
             </a:fld>
             <a:endParaRPr lang="de-DE" sz="1200" b="0" i="0" u="none" strike="noStrike" cap="none">
               <a:solidFill>
@@ -3418,7 +4221,122 @@
     </p:spTree>
     <p:extLst>
       <p:ext uri="{BB962C8B-B14F-4D97-AF65-F5344CB8AC3E}">
-        <p14:creationId xmlns:p14="http://schemas.microsoft.com/office/powerpoint/2010/main" val="3622895054"/>
+        <p14:creationId xmlns:p14="http://schemas.microsoft.com/office/powerpoint/2010/main" val="2216316143"/>
+      </p:ext>
+    </p:extLst>
+  </p:cSld>
+  <p:clrMapOvr>
+    <a:masterClrMapping/>
+  </p:clrMapOvr>
+</p:notes>
+</file>
+
+<file path=ppt/notesSlides/notesSlide20.xml><?xml version="1.0" encoding="utf-8"?>
+<p:notes xmlns:a="http://schemas.openxmlformats.org/drawingml/2006/main" xmlns:r="http://schemas.openxmlformats.org/officeDocument/2006/relationships" xmlns:p="http://schemas.openxmlformats.org/presentationml/2006/main">
+  <p:cSld>
+    <p:spTree>
+      <p:nvGrpSpPr>
+        <p:cNvPr id="1" name=""/>
+        <p:cNvGrpSpPr/>
+        <p:nvPr/>
+      </p:nvGrpSpPr>
+      <p:grpSpPr>
+        <a:xfrm>
+          <a:off x="0" y="0"/>
+          <a:ext cx="0" cy="0"/>
+          <a:chOff x="0" y="0"/>
+          <a:chExt cx="0" cy="0"/>
+        </a:xfrm>
+      </p:grpSpPr>
+      <p:sp>
+        <p:nvSpPr>
+          <p:cNvPr id="2" name="Slide Image Placeholder 1"/>
+          <p:cNvSpPr>
+            <a:spLocks noGrp="1" noRot="1" noChangeAspect="1"/>
+          </p:cNvSpPr>
+          <p:nvPr>
+            <p:ph type="sldImg"/>
+          </p:nvPr>
+        </p:nvSpPr>
+        <p:spPr/>
+      </p:sp>
+      <p:sp>
+        <p:nvSpPr>
+          <p:cNvPr id="3" name="Notes Placeholder 2"/>
+          <p:cNvSpPr>
+            <a:spLocks noGrp="1"/>
+          </p:cNvSpPr>
+          <p:nvPr>
+            <p:ph type="body" idx="1"/>
+          </p:nvPr>
+        </p:nvSpPr>
+        <p:spPr/>
+        <p:txBody>
+          <a:bodyPr/>
+          <a:lstStyle/>
+          <a:p>
+            <a:r>
+              <a:rPr lang="de-DE" dirty="0"/>
+              <a:t>Simulation erzeugt nicht immer die selbe Route</a:t>
+            </a:r>
+          </a:p>
+          <a:p>
+            <a:endParaRPr lang="de-DE" dirty="0"/>
+          </a:p>
+        </p:txBody>
+      </p:sp>
+      <p:sp>
+        <p:nvSpPr>
+          <p:cNvPr id="4" name="Slide Number Placeholder 3"/>
+          <p:cNvSpPr>
+            <a:spLocks noGrp="1"/>
+          </p:cNvSpPr>
+          <p:nvPr>
+            <p:ph type="sldNum" idx="12"/>
+          </p:nvPr>
+        </p:nvSpPr>
+        <p:spPr/>
+        <p:txBody>
+          <a:bodyPr/>
+          <a:lstStyle/>
+          <a:p>
+            <a:pPr marL="0" marR="0" lvl="0" indent="0" algn="r" rtl="0">
+              <a:spcBef>
+                <a:spcPts val="0"/>
+              </a:spcBef>
+              <a:spcAft>
+                <a:spcPts val="0"/>
+              </a:spcAft>
+              <a:buNone/>
+            </a:pPr>
+            <a:fld id="{00000000-1234-1234-1234-123412341234}" type="slidenum">
+              <a:rPr lang="de-DE" sz="1200" b="0" i="0" u="none" strike="noStrike" cap="none" smtClean="0">
+                <a:solidFill>
+                  <a:schemeClr val="dk1"/>
+                </a:solidFill>
+                <a:latin typeface="Calibri"/>
+                <a:ea typeface="Calibri"/>
+                <a:cs typeface="Calibri"/>
+                <a:sym typeface="Calibri"/>
+              </a:rPr>
+              <a:t>42</a:t>
+            </a:fld>
+            <a:endParaRPr lang="de-DE" sz="1200" b="0" i="0" u="none" strike="noStrike" cap="none">
+              <a:solidFill>
+                <a:schemeClr val="dk1"/>
+              </a:solidFill>
+              <a:latin typeface="Calibri"/>
+              <a:ea typeface="Calibri"/>
+              <a:cs typeface="Calibri"/>
+              <a:sym typeface="Calibri"/>
+            </a:endParaRPr>
+          </a:p>
+        </p:txBody>
+      </p:sp>
+    </p:spTree>
+    <p:extLst>
+      <p:ext uri="{BB962C8B-B14F-4D97-AF65-F5344CB8AC3E}">
+        <p14:creationId xmlns:p14="http://schemas.microsoft.com/office/powerpoint/2010/main" val="3104579348"/>
       </p:ext>
     </p:extLst>
   </p:cSld>
@@ -3472,7 +4390,28 @@
           <a:bodyPr/>
           <a:lstStyle/>
           <a:p>
-            <a:endParaRPr lang="de-DE" dirty="0"/>
+            <a:r>
+              <a:rPr lang="de-DE" dirty="0"/>
+              <a:t>Individuen und Populationen werden verarbeitet.</a:t>
+            </a:r>
+          </a:p>
+          <a:p>
+            <a:r>
+              <a:rPr lang="de-DE" dirty="0"/>
+              <a:t>Hochzeit: Auswahl ist von der Fitness des Individuums abhängig =&gt; Hohe Fitness, Hohe Wahrscheinlichkeit ausgewählt zu werden</a:t>
+            </a:r>
+          </a:p>
+          <a:p>
+            <a:r>
+              <a:rPr lang="de-DE" dirty="0"/>
+              <a:t>Crossover: Wichtigste Teil der Genetischen Algorithmen. Bilden Von Kindern aus Eltern</a:t>
+            </a:r>
+          </a:p>
+          <a:p>
+            <a:r>
+              <a:rPr lang="de-DE" dirty="0"/>
+              <a:t>Mutation: Unwichtiger</a:t>
+            </a:r>
           </a:p>
         </p:txBody>
       </p:sp>
@@ -3510,7 +4449,7 @@
                 <a:cs typeface="Calibri"/>
                 <a:sym typeface="Calibri"/>
               </a:rPr>
-              <a:t>9</a:t>
+              <a:t>4</a:t>
             </a:fld>
             <a:endParaRPr lang="de-DE" sz="1200" b="0" i="0" u="none" strike="noStrike" cap="none">
               <a:solidFill>
@@ -3527,7 +4466,7 @@
     </p:spTree>
     <p:extLst>
       <p:ext uri="{BB962C8B-B14F-4D97-AF65-F5344CB8AC3E}">
-        <p14:creationId xmlns:p14="http://schemas.microsoft.com/office/powerpoint/2010/main" val="54567883"/>
+        <p14:creationId xmlns:p14="http://schemas.microsoft.com/office/powerpoint/2010/main" val="4040937637"/>
       </p:ext>
     </p:extLst>
   </p:cSld>
@@ -3583,44 +4522,7 @@
           <a:p>
             <a:r>
               <a:rPr lang="de-DE" dirty="0"/>
-              <a:t>Besonderheit: Fitness und rating Funktion sind nicht hard-coded. Werden injeziert</a:t>
-            </a:r>
-          </a:p>
-          <a:p>
-            <a:pPr marL="457200" marR="0" lvl="0" indent="-228600" algn="l" defTabSz="914400" rtl="0" eaLnBrk="1" fontAlgn="auto" latinLnBrk="0" hangingPunct="1">
-              <a:lnSpc>
-                <a:spcPct val="100000"/>
-              </a:lnSpc>
-              <a:spcBef>
-                <a:spcPts val="360"/>
-              </a:spcBef>
-              <a:spcAft>
-                <a:spcPts val="0"/>
-              </a:spcAft>
-              <a:buClr>
-                <a:srgbClr val="000000"/>
-              </a:buClr>
-              <a:buSzPts val="1400"/>
-              <a:buFont typeface="Arial"/>
-              <a:buNone/>
-              <a:tabLst/>
-              <a:defRPr/>
-            </a:pPr>
-            <a:r>
-              <a:rPr lang="de-DE" dirty="0"/>
-              <a:t>Rating: Misst wie nah das Individuum am Optimum ist.</a:t>
-            </a:r>
-          </a:p>
-          <a:p>
-            <a:r>
-              <a:rPr lang="de-DE" dirty="0"/>
-              <a:t>Fitness: Entspricht der WS als Elternindividuum ausgewählt zu werden</a:t>
-            </a:r>
-          </a:p>
-          <a:p>
-            <a:r>
-              <a:rPr lang="de-DE" dirty="0"/>
-              <a:t>Rating kann auch gleich der Fitness sein oder sehr sehr ähnlich </a:t>
+              <a:t>Schlüsselwort Codieurng</a:t>
             </a:r>
           </a:p>
         </p:txBody>
@@ -3659,7 +4561,7 @@
                 <a:cs typeface="Calibri"/>
                 <a:sym typeface="Calibri"/>
               </a:rPr>
-              <a:t>13</a:t>
+              <a:t>5</a:t>
             </a:fld>
             <a:endParaRPr lang="de-DE" sz="1200" b="0" i="0" u="none" strike="noStrike" cap="none">
               <a:solidFill>
@@ -3676,7 +4578,7 @@
     </p:spTree>
     <p:extLst>
       <p:ext uri="{BB962C8B-B14F-4D97-AF65-F5344CB8AC3E}">
-        <p14:creationId xmlns:p14="http://schemas.microsoft.com/office/powerpoint/2010/main" val="1179303369"/>
+        <p14:creationId xmlns:p14="http://schemas.microsoft.com/office/powerpoint/2010/main" val="3622895054"/>
       </p:ext>
     </p:extLst>
   </p:cSld>
@@ -3730,22 +4632,7 @@
           <a:bodyPr/>
           <a:lstStyle/>
           <a:p>
-            <a:r>
-              <a:rPr lang="de-DE" dirty="0"/>
-              <a:t>In unserem Fall sind die Funktionen sehr ähnlich.</a:t>
-            </a:r>
-          </a:p>
-          <a:p>
-            <a:r>
-              <a:rPr lang="de-DE" dirty="0"/>
-              <a:t>Die fitness ist das negative Rating, denn wir wollten dass</a:t>
-            </a:r>
-          </a:p>
-          <a:p>
-            <a:r>
-              <a:rPr lang="de-DE" dirty="0"/>
-              <a:t>Eine höhere Fitness = besseres Individuum</a:t>
-            </a:r>
+            <a:endParaRPr lang="de-DE" dirty="0"/>
           </a:p>
         </p:txBody>
       </p:sp>
@@ -3783,7 +4670,7 @@
                 <a:cs typeface="Calibri"/>
                 <a:sym typeface="Calibri"/>
               </a:rPr>
-              <a:t>14</a:t>
+              <a:t>7</a:t>
             </a:fld>
             <a:endParaRPr lang="de-DE" sz="1200" b="0" i="0" u="none" strike="noStrike" cap="none">
               <a:solidFill>
@@ -3800,7 +4687,7 @@
     </p:spTree>
     <p:extLst>
       <p:ext uri="{BB962C8B-B14F-4D97-AF65-F5344CB8AC3E}">
-        <p14:creationId xmlns:p14="http://schemas.microsoft.com/office/powerpoint/2010/main" val="726354830"/>
+        <p14:creationId xmlns:p14="http://schemas.microsoft.com/office/powerpoint/2010/main" val="1411462620"/>
       </p:ext>
     </p:extLst>
   </p:cSld>
@@ -3856,16 +4743,37 @@
           <a:p>
             <a:r>
               <a:rPr lang="de-DE" dirty="0"/>
-              <a:t>Es wird zuerst getauscht dann korrigiert</a:t>
-            </a:r>
-          </a:p>
-          <a:p>
-            <a:endParaRPr lang="de-DE" dirty="0"/>
+              <a:t>1. FMC Diagramm vorbereitet</a:t>
+            </a:r>
           </a:p>
           <a:p>
             <a:r>
               <a:rPr lang="de-DE" dirty="0"/>
-              <a:t>Neigt dazu die absoluten Elementposition zu erhalten</a:t>
+              <a:t>2. Entschieden die Genetischen Algorithmen als Library umzusetzen</a:t>
+            </a:r>
+          </a:p>
+          <a:p>
+            <a:r>
+              <a:rPr lang="de-DE" dirty="0"/>
+              <a:t>3. Beutzer verwendet Library über ein beliebes Frontend</a:t>
+            </a:r>
+          </a:p>
+          <a:p>
+            <a:r>
+              <a:rPr lang="de-DE" dirty="0"/>
+              <a:t>4. Simulator</a:t>
+            </a:r>
+          </a:p>
+          <a:p>
+            <a:r>
+              <a:rPr lang="de-DE" dirty="0"/>
+              <a:t>5. Genetischen Algos</a:t>
+            </a:r>
+          </a:p>
+          <a:p>
+            <a:r>
+              <a:rPr lang="de-DE" dirty="0"/>
+              <a:t>6. Daten die ausgetauscht werden</a:t>
             </a:r>
           </a:p>
         </p:txBody>
@@ -3904,7 +4812,7 @@
                 <a:cs typeface="Calibri"/>
                 <a:sym typeface="Calibri"/>
               </a:rPr>
-              <a:t>17</a:t>
+              <a:t>9</a:t>
             </a:fld>
             <a:endParaRPr lang="de-DE" sz="1200" b="0" i="0" u="none" strike="noStrike" cap="none">
               <a:solidFill>
@@ -3921,7 +4829,7 @@
     </p:spTree>
     <p:extLst>
       <p:ext uri="{BB962C8B-B14F-4D97-AF65-F5344CB8AC3E}">
-        <p14:creationId xmlns:p14="http://schemas.microsoft.com/office/powerpoint/2010/main" val="2482925171"/>
+        <p14:creationId xmlns:p14="http://schemas.microsoft.com/office/powerpoint/2010/main" val="54567883"/>
       </p:ext>
     </p:extLst>
   </p:cSld>
@@ -3975,6 +4883,12 @@
           <a:bodyPr/>
           <a:lstStyle/>
           <a:p>
+            <a:r>
+              <a:rPr lang="de-DE" dirty="0"/>
+              <a:t>Besonderheit: Fitness und rating Funktion sind nicht hard-coded. Werden injeziert</a:t>
+            </a:r>
+          </a:p>
+          <a:p>
             <a:pPr marL="457200" marR="0" lvl="0" indent="-228600" algn="l" defTabSz="914400" rtl="0" eaLnBrk="1" fontAlgn="auto" latinLnBrk="0" hangingPunct="1">
               <a:lnSpc>
                 <a:spcPct val="100000"/>
@@ -3996,54 +4910,19 @@
             </a:pPr>
             <a:r>
               <a:rPr lang="de-DE" dirty="0"/>
-              <a:t>Es wird zuerst korrigiert und dann getauscht</a:t>
-            </a:r>
-          </a:p>
-          <a:p>
-            <a:pPr marL="457200" marR="0" lvl="0" indent="-228600" algn="l" defTabSz="914400" rtl="0" eaLnBrk="1" fontAlgn="auto" latinLnBrk="0" hangingPunct="1">
-              <a:lnSpc>
-                <a:spcPct val="100000"/>
-              </a:lnSpc>
-              <a:spcBef>
-                <a:spcPts val="360"/>
-              </a:spcBef>
-              <a:spcAft>
-                <a:spcPts val="0"/>
-              </a:spcAft>
-              <a:buClr>
-                <a:srgbClr val="000000"/>
-              </a:buClr>
-              <a:buSzPts val="1400"/>
-              <a:buFont typeface="Arial"/>
-              <a:buNone/>
-              <a:tabLst/>
-              <a:defRPr/>
-            </a:pPr>
-            <a:endParaRPr lang="de-DE" dirty="0"/>
-          </a:p>
-          <a:p>
-            <a:pPr marL="457200" marR="0" lvl="0" indent="-228600" algn="l" defTabSz="914400" rtl="0" eaLnBrk="1" fontAlgn="auto" latinLnBrk="0" hangingPunct="1">
-              <a:lnSpc>
-                <a:spcPct val="100000"/>
-              </a:lnSpc>
-              <a:spcBef>
-                <a:spcPts val="360"/>
-              </a:spcBef>
-              <a:spcAft>
-                <a:spcPts val="0"/>
-              </a:spcAft>
-              <a:buClr>
-                <a:srgbClr val="000000"/>
-              </a:buClr>
-              <a:buSzPts val="1400"/>
-              <a:buFont typeface="Arial"/>
-              <a:buNone/>
-              <a:tabLst/>
-              <a:defRPr/>
-            </a:pPr>
+              <a:t>Rating: Misst wie nah das Individuum am Optimum ist.</a:t>
+            </a:r>
+          </a:p>
+          <a:p>
             <a:r>
               <a:rPr lang="de-DE" dirty="0"/>
-              <a:t>Neigt dazu die relative Elementposition zu erhalten</a:t>
+              <a:t>Fitness: Entspricht der WS als Elternindividuum ausgewählt zu werden</a:t>
+            </a:r>
+          </a:p>
+          <a:p>
+            <a:r>
+              <a:rPr lang="de-DE" dirty="0"/>
+              <a:t>Rating kann auch gleich der Fitness sein oder sehr sehr ähnlich </a:t>
             </a:r>
           </a:p>
         </p:txBody>
@@ -4082,7 +4961,7 @@
                 <a:cs typeface="Calibri"/>
                 <a:sym typeface="Calibri"/>
               </a:rPr>
-              <a:t>18</a:t>
+              <a:t>13</a:t>
             </a:fld>
             <a:endParaRPr lang="de-DE" sz="1200" b="0" i="0" u="none" strike="noStrike" cap="none">
               <a:solidFill>
@@ -4099,7 +4978,7 @@
     </p:spTree>
     <p:extLst>
       <p:ext uri="{BB962C8B-B14F-4D97-AF65-F5344CB8AC3E}">
-        <p14:creationId xmlns:p14="http://schemas.microsoft.com/office/powerpoint/2010/main" val="973729232"/>
+        <p14:creationId xmlns:p14="http://schemas.microsoft.com/office/powerpoint/2010/main" val="1179303369"/>
       </p:ext>
     </p:extLst>
   </p:cSld>
@@ -4153,7 +5032,22 @@
           <a:bodyPr/>
           <a:lstStyle/>
           <a:p>
-            <a:endParaRPr lang="de-DE" dirty="0"/>
+            <a:r>
+              <a:rPr lang="de-DE" dirty="0"/>
+              <a:t>In unserem Fall sind die Funktionen sehr ähnlich.</a:t>
+            </a:r>
+          </a:p>
+          <a:p>
+            <a:r>
+              <a:rPr lang="de-DE" dirty="0"/>
+              <a:t>Die fitness ist das negative Rating, denn wir wollten dass</a:t>
+            </a:r>
+          </a:p>
+          <a:p>
+            <a:r>
+              <a:rPr lang="de-DE" dirty="0"/>
+              <a:t>Eine höhere Fitness = besseres Individuum</a:t>
+            </a:r>
           </a:p>
         </p:txBody>
       </p:sp>
@@ -4191,7 +5085,7 @@
                 <a:cs typeface="Calibri"/>
                 <a:sym typeface="Calibri"/>
               </a:rPr>
-              <a:t>21</a:t>
+              <a:t>14</a:t>
             </a:fld>
             <a:endParaRPr lang="de-DE" sz="1200" b="0" i="0" u="none" strike="noStrike" cap="none">
               <a:solidFill>
@@ -4208,7 +5102,7 @@
     </p:spTree>
     <p:extLst>
       <p:ext uri="{BB962C8B-B14F-4D97-AF65-F5344CB8AC3E}">
-        <p14:creationId xmlns:p14="http://schemas.microsoft.com/office/powerpoint/2010/main" val="439499505"/>
+        <p14:creationId xmlns:p14="http://schemas.microsoft.com/office/powerpoint/2010/main" val="726354830"/>
       </p:ext>
     </p:extLst>
   </p:cSld>
@@ -4262,21 +5156,30 @@
           <a:bodyPr/>
           <a:lstStyle/>
           <a:p>
+            <a:pPr>
+              <a:buAutoNum type="arabicPeriod"/>
+            </a:pPr>
             <a:r>
               <a:rPr lang="de-DE" dirty="0"/>
-              <a:t>Rein Kantenorientiert</a:t>
-            </a:r>
-          </a:p>
-          <a:p>
+              <a:t>Erkläre Roulette Rad</a:t>
+            </a:r>
+          </a:p>
+          <a:p>
+            <a:pPr>
+              <a:buAutoNum type="arabicPeriod"/>
+            </a:pPr>
             <a:r>
               <a:rPr lang="de-DE" dirty="0"/>
-              <a:t>Position der absoluten Positionen spielen keine Rolle</a:t>
-            </a:r>
-          </a:p>
-          <a:p>
+              <a:t>Damit das beste Individuum die größte WS hat braucht es die revered fitness</a:t>
+            </a:r>
+          </a:p>
+          <a:p>
+            <a:pPr>
+              <a:buAutoNum type="arabicPeriod"/>
+            </a:pPr>
             <a:r>
               <a:rPr lang="de-DE" dirty="0"/>
-              <a:t>Es wird ein Kind aus möglichst vielen Kanten der beiden Eltern zu generieren</a:t>
+              <a:t>=&gt; fitness – fitness_worst</a:t>
             </a:r>
           </a:p>
         </p:txBody>
@@ -4315,7 +5218,7 @@
                 <a:cs typeface="Calibri"/>
                 <a:sym typeface="Calibri"/>
               </a:rPr>
-              <a:t>25</a:t>
+              <a:t>15</a:t>
             </a:fld>
             <a:endParaRPr lang="de-DE" sz="1200" b="0" i="0" u="none" strike="noStrike" cap="none">
               <a:solidFill>
@@ -4332,7 +5235,7 @@
     </p:spTree>
     <p:extLst>
       <p:ext uri="{BB962C8B-B14F-4D97-AF65-F5344CB8AC3E}">
-        <p14:creationId xmlns:p14="http://schemas.microsoft.com/office/powerpoint/2010/main" val="835829972"/>
+        <p14:creationId xmlns:p14="http://schemas.microsoft.com/office/powerpoint/2010/main" val="284913203"/>
       </p:ext>
     </p:extLst>
   </p:cSld>
@@ -18461,7 +19364,7 @@
         </p:nvSpPr>
         <p:spPr bwMode="auto">
           <a:xfrm>
-            <a:off x="6" y="6497638"/>
+            <a:off x="6" y="6532807"/>
             <a:ext cx="12187767" cy="360362"/>
           </a:xfrm>
           <a:prstGeom prst="rect">
@@ -19085,7 +19988,7 @@
         </p:nvSpPr>
         <p:spPr bwMode="auto">
           <a:xfrm>
-            <a:off x="10739386" y="6547014"/>
+            <a:off x="10792138" y="6547014"/>
             <a:ext cx="965591" cy="261610"/>
           </a:xfrm>
           <a:prstGeom prst="rect">
@@ -19251,7 +20154,7 @@
                 <a:latin typeface="Arial" charset="0"/>
                 <a:ea typeface="+mn-ea"/>
               </a:rPr>
-              <a:t> </a:t>
+              <a:t> / 50</a:t>
             </a:r>
           </a:p>
         </p:txBody>
@@ -20832,7 +21735,7 @@
         </p:nvSpPr>
         <p:spPr bwMode="auto">
           <a:xfrm>
-            <a:off x="10739386" y="6551912"/>
+            <a:off x="10800932" y="6551912"/>
             <a:ext cx="965591" cy="261610"/>
           </a:xfrm>
           <a:prstGeom prst="rect">
@@ -20990,13 +21893,16 @@
               </a:pPr>
               <a:t>‹#›</a:t>
             </a:fld>
-            <a:endParaRPr lang="de-DE" sz="1100" dirty="0">
-              <a:solidFill>
-                <a:schemeClr val="bg1"/>
-              </a:solidFill>
-              <a:latin typeface="Arial" charset="0"/>
-              <a:ea typeface="+mn-ea"/>
-            </a:endParaRPr>
+            <a:r>
+              <a:rPr lang="de-DE" sz="1100" dirty="0">
+                <a:solidFill>
+                  <a:schemeClr val="bg1"/>
+                </a:solidFill>
+                <a:latin typeface="Arial" charset="0"/>
+                <a:ea typeface="+mn-ea"/>
+              </a:rPr>
+              <a:t> / 50</a:t>
+            </a:r>
           </a:p>
         </p:txBody>
       </p:sp>
@@ -22940,36 +23846,6 @@
           </a:p>
         </p:txBody>
       </p:sp>
-      <p:pic>
-        <p:nvPicPr>
-          <p:cNvPr id="5" name="Picture 4">
-            <a:extLst>
-              <a:ext uri="{FF2B5EF4-FFF2-40B4-BE49-F238E27FC236}">
-                <a16:creationId xmlns:a16="http://schemas.microsoft.com/office/drawing/2014/main" id="{CEAF0244-9C1E-4459-9C2A-A8603F610231}"/>
-              </a:ext>
-            </a:extLst>
-          </p:cNvPr>
-          <p:cNvPicPr>
-            <a:picLocks noChangeAspect="1"/>
-          </p:cNvPicPr>
-          <p:nvPr/>
-        </p:nvPicPr>
-        <p:blipFill>
-          <a:blip r:embed="rId3"/>
-          <a:stretch>
-            <a:fillRect/>
-          </a:stretch>
-        </p:blipFill>
-        <p:spPr>
-          <a:xfrm>
-            <a:off x="494761" y="2151356"/>
-            <a:ext cx="6935848" cy="2730175"/>
-          </a:xfrm>
-          <a:prstGeom prst="rect">
-            <a:avLst/>
-          </a:prstGeom>
-        </p:spPr>
-      </p:pic>
       <p:sp>
         <p:nvSpPr>
           <p:cNvPr id="9" name="Text Placeholder 2">
@@ -23019,7 +23895,7 @@
             </a:pPr>
             <a:r>
               <a:rPr lang="de-DE" dirty="0"/>
-              <a:t>Hält die Start-Stadt</a:t>
+              <a:t>Speichert die Start-Stadt</a:t>
             </a:r>
           </a:p>
           <a:p>
@@ -23029,7 +23905,7 @@
             </a:pPr>
             <a:r>
               <a:rPr lang="de-DE" dirty="0"/>
-              <a:t>Hält die Distanzen</a:t>
+              <a:t>Speichert die Distanzen</a:t>
             </a:r>
           </a:p>
           <a:p>
@@ -23088,6 +23964,36 @@
           </a:p>
         </p:txBody>
       </p:sp>
+      <p:pic>
+        <p:nvPicPr>
+          <p:cNvPr id="4" name="Picture 3">
+            <a:extLst>
+              <a:ext uri="{FF2B5EF4-FFF2-40B4-BE49-F238E27FC236}">
+                <a16:creationId xmlns:a16="http://schemas.microsoft.com/office/drawing/2014/main" id="{16072E99-FF2D-4B0E-9434-B32035E66A8E}"/>
+              </a:ext>
+            </a:extLst>
+          </p:cNvPr>
+          <p:cNvPicPr>
+            <a:picLocks noChangeAspect="1"/>
+          </p:cNvPicPr>
+          <p:nvPr/>
+        </p:nvPicPr>
+        <p:blipFill>
+          <a:blip r:embed="rId3"/>
+          <a:stretch>
+            <a:fillRect/>
+          </a:stretch>
+        </p:blipFill>
+        <p:spPr>
+          <a:xfrm>
+            <a:off x="471859" y="2169694"/>
+            <a:ext cx="6958750" cy="2739190"/>
+          </a:xfrm>
+          <a:prstGeom prst="rect">
+            <a:avLst/>
+          </a:prstGeom>
+        </p:spPr>
+      </p:pic>
     </p:spTree>
     <p:extLst>
       <p:ext uri="{BB962C8B-B14F-4D97-AF65-F5344CB8AC3E}">
@@ -24690,7 +25596,7 @@
         </p:xfrm>
         <a:graphic>
           <a:graphicData uri="http://schemas.openxmlformats.org/drawingml/2006/chart">
-            <c:chart xmlns:c="http://schemas.openxmlformats.org/drawingml/2006/chart" xmlns:r="http://schemas.openxmlformats.org/officeDocument/2006/relationships" r:id="rId2"/>
+            <c:chart xmlns:c="http://schemas.openxmlformats.org/drawingml/2006/chart" xmlns:r="http://schemas.openxmlformats.org/officeDocument/2006/relationships" r:id="rId3"/>
           </a:graphicData>
         </a:graphic>
       </p:graphicFrame>
@@ -25134,7 +26040,7 @@
             </a:pPr>
             <a:r>
               <a:rPr lang="de-DE" dirty="0"/>
-              <a:t>Wichtigster Teil der Genetischen Algorithmen</a:t>
+              <a:t>Wichtiger Teil der Genetischen Algorithmen</a:t>
             </a:r>
           </a:p>
           <a:p>
@@ -25144,7 +26050,7 @@
             </a:pPr>
             <a:r>
               <a:rPr lang="de-DE" dirty="0"/>
-              <a:t>Definiert wie aus zwei Eltern nachkommen generiert werden</a:t>
+              <a:t>Definiert wie aus zwei Eltern zwei Nachkommen generiert werden</a:t>
             </a:r>
           </a:p>
           <a:p>
@@ -25269,7 +26175,7 @@
           <a:p>
             <a:r>
               <a:rPr lang="de-DE" dirty="0"/>
-              <a:t>Realisierung – Partially-Matches-Crossover</a:t>
+              <a:t>Realisierung – Partially-Matched-Crossover</a:t>
             </a:r>
           </a:p>
         </p:txBody>
@@ -26741,7 +27647,7 @@
           <a:p>
             <a:r>
               <a:rPr lang="de-DE" sz="1050" dirty="0"/>
-              <a:t>    !fill_empty_cycle_with_tuples(cycle, cycle_start_idx, p1, p2, index_flags)</a:t>
+              <a:t>    fill_empty_cycle_with_tuples(cycle, cycle_start_idx, p1, p2, index_flags)</a:t>
             </a:r>
           </a:p>
           <a:p>
@@ -28756,6 +29662,955 @@
 </file>
 
 <file path=ppt/slides/slide21.xml><?xml version="1.0" encoding="utf-8"?>
+<p:sld xmlns:a="http://schemas.openxmlformats.org/drawingml/2006/main" xmlns:r="http://schemas.openxmlformats.org/officeDocument/2006/relationships" xmlns:p="http://schemas.openxmlformats.org/presentationml/2006/main">
+  <p:cSld>
+    <p:spTree>
+      <p:nvGrpSpPr>
+        <p:cNvPr id="1" name=""/>
+        <p:cNvGrpSpPr/>
+        <p:nvPr/>
+      </p:nvGrpSpPr>
+      <p:grpSpPr>
+        <a:xfrm>
+          <a:off x="0" y="0"/>
+          <a:ext cx="0" cy="0"/>
+          <a:chOff x="0" y="0"/>
+          <a:chExt cx="0" cy="0"/>
+        </a:xfrm>
+      </p:grpSpPr>
+      <p:sp>
+        <p:nvSpPr>
+          <p:cNvPr id="2" name="Title 1">
+            <a:extLst>
+              <a:ext uri="{FF2B5EF4-FFF2-40B4-BE49-F238E27FC236}">
+                <a16:creationId xmlns:a16="http://schemas.microsoft.com/office/drawing/2014/main" id="{DD2388D8-106E-40D0-A4BD-5FF4C2E2935B}"/>
+              </a:ext>
+            </a:extLst>
+          </p:cNvPr>
+          <p:cNvSpPr>
+            <a:spLocks noGrp="1"/>
+          </p:cNvSpPr>
+          <p:nvPr>
+            <p:ph type="title"/>
+          </p:nvPr>
+        </p:nvSpPr>
+        <p:spPr/>
+        <p:txBody>
+          <a:bodyPr/>
+          <a:lstStyle/>
+          <a:p>
+            <a:r>
+              <a:rPr lang="de-DE" dirty="0"/>
+              <a:t>Realisierung – Edge-Rocombination-Crossover</a:t>
+            </a:r>
+          </a:p>
+        </p:txBody>
+      </p:sp>
+      <p:sp>
+        <p:nvSpPr>
+          <p:cNvPr id="3" name="Text Placeholder 2">
+            <a:extLst>
+              <a:ext uri="{FF2B5EF4-FFF2-40B4-BE49-F238E27FC236}">
+                <a16:creationId xmlns:a16="http://schemas.microsoft.com/office/drawing/2014/main" id="{79F1354A-B6A2-451D-B387-D4D8507220EF}"/>
+              </a:ext>
+            </a:extLst>
+          </p:cNvPr>
+          <p:cNvSpPr>
+            <a:spLocks noGrp="1"/>
+          </p:cNvSpPr>
+          <p:nvPr>
+            <p:ph type="body" sz="quarter" idx="11"/>
+          </p:nvPr>
+        </p:nvSpPr>
+        <p:spPr>
+          <a:xfrm>
+            <a:off x="334963" y="1280160"/>
+            <a:ext cx="6101348" cy="4534714"/>
+          </a:xfrm>
+        </p:spPr>
+        <p:txBody>
+          <a:bodyPr/>
+          <a:lstStyle/>
+          <a:p>
+            <a:r>
+              <a:rPr lang="de-DE" sz="900" dirty="0">
+                <a:solidFill>
+                  <a:schemeClr val="accent6">
+                    <a:lumMod val="75000"/>
+                  </a:schemeClr>
+                </a:solidFill>
+              </a:rPr>
+              <a:t>bool</a:t>
+            </a:r>
+            <a:r>
+              <a:rPr lang="de-DE" sz="900" dirty="0"/>
+              <a:t> edge_recombination_crossover(Individual &amp;p1, Individual &amp;p2, Individual &amp;c1, Individual &amp;c2) {</a:t>
+            </a:r>
+          </a:p>
+          <a:p>
+            <a:r>
+              <a:rPr lang="de-DE" sz="900" dirty="0"/>
+              <a:t>    std::map&lt;int, std::set&lt;int&gt;&gt; edge_map = create_edge_map(p1, p2);</a:t>
+            </a:r>
+          </a:p>
+          <a:p>
+            <a:r>
+              <a:rPr lang="de-DE" sz="900" dirty="0"/>
+              <a:t>    edge_recombination(p1.get_chromosome().at(0),c1, edge_map);</a:t>
+            </a:r>
+          </a:p>
+          <a:p>
+            <a:r>
+              <a:rPr lang="de-DE" sz="900" dirty="0"/>
+              <a:t>    edge_recombination(p2.get_chromosome().at(0),c2, edge_map);</a:t>
+            </a:r>
+          </a:p>
+          <a:p>
+            <a:r>
+              <a:rPr lang="de-DE" sz="900" dirty="0"/>
+              <a:t>    </a:t>
+            </a:r>
+            <a:r>
+              <a:rPr lang="de-DE" sz="900" dirty="0">
+                <a:solidFill>
+                  <a:schemeClr val="accent6">
+                    <a:lumMod val="75000"/>
+                  </a:schemeClr>
+                </a:solidFill>
+              </a:rPr>
+              <a:t>return</a:t>
+            </a:r>
+            <a:r>
+              <a:rPr lang="de-DE" sz="900" dirty="0"/>
+              <a:t> true;</a:t>
+            </a:r>
+          </a:p>
+          <a:p>
+            <a:r>
+              <a:rPr lang="de-DE" sz="900" dirty="0"/>
+              <a:t>}</a:t>
+            </a:r>
+          </a:p>
+          <a:p>
+            <a:r>
+              <a:rPr lang="de-DE" sz="900" dirty="0"/>
+              <a:t>´</a:t>
+            </a:r>
+          </a:p>
+          <a:p>
+            <a:r>
+              <a:rPr lang="de-DE" sz="900" dirty="0">
+                <a:solidFill>
+                  <a:schemeClr val="accent6">
+                    <a:lumMod val="75000"/>
+                  </a:schemeClr>
+                </a:solidFill>
+              </a:rPr>
+              <a:t>void</a:t>
+            </a:r>
+            <a:r>
+              <a:rPr lang="de-DE" sz="900" dirty="0"/>
+              <a:t> edge_recombination(int start, Individual &amp;i, std::map&lt;int, std::set&lt;int&gt;&gt; edge_map) {</a:t>
+            </a:r>
+          </a:p>
+          <a:p>
+            <a:r>
+              <a:rPr lang="de-DE" sz="900" dirty="0"/>
+              <a:t>    int current = start;</a:t>
+            </a:r>
+          </a:p>
+          <a:p>
+            <a:r>
+              <a:rPr lang="de-DE" sz="900" dirty="0"/>
+              <a:t>   </a:t>
+            </a:r>
+            <a:r>
+              <a:rPr lang="de-DE" sz="900" dirty="0">
+                <a:solidFill>
+                  <a:schemeClr val="accent6">
+                    <a:lumMod val="75000"/>
+                  </a:schemeClr>
+                </a:solidFill>
+              </a:rPr>
+              <a:t>for</a:t>
+            </a:r>
+            <a:r>
+              <a:rPr lang="de-DE" sz="900" dirty="0"/>
+              <a:t> (int idx = 0; idx &lt; i.get_size() - 1; ++idx) {</a:t>
+            </a:r>
+          </a:p>
+          <a:p>
+            <a:r>
+              <a:rPr lang="de-DE" sz="900" dirty="0"/>
+              <a:t>        i.update_chromosome(current, idx);</a:t>
+            </a:r>
+          </a:p>
+          <a:p>
+            <a:r>
+              <a:rPr lang="de-DE" sz="900" dirty="0"/>
+              <a:t>        for (auto &amp;it : edge_map) {</a:t>
+            </a:r>
+          </a:p>
+          <a:p>
+            <a:r>
+              <a:rPr lang="de-DE" sz="900" dirty="0"/>
+              <a:t>            it.second.erase(current);</a:t>
+            </a:r>
+          </a:p>
+          <a:p>
+            <a:r>
+              <a:rPr lang="de-DE" sz="900" dirty="0"/>
+              <a:t>        }</a:t>
+            </a:r>
+          </a:p>
+          <a:p>
+            <a:r>
+              <a:rPr lang="de-DE" sz="900" dirty="0"/>
+              <a:t>        int min_next_idx = -2;</a:t>
+            </a:r>
+          </a:p>
+          <a:p>
+            <a:r>
+              <a:rPr lang="de-DE" sz="900" dirty="0"/>
+              <a:t>        unsigned int min_next_count = std::numeric_limits&lt;int&gt;::max();</a:t>
+            </a:r>
+          </a:p>
+          <a:p>
+            <a:endParaRPr lang="de-DE" sz="900" dirty="0"/>
+          </a:p>
+          <a:p>
+            <a:r>
+              <a:rPr lang="de-DE" sz="900" dirty="0"/>
+              <a:t>        </a:t>
+            </a:r>
+            <a:r>
+              <a:rPr lang="de-DE" sz="900" dirty="0">
+                <a:solidFill>
+                  <a:schemeClr val="accent6">
+                    <a:lumMod val="75000"/>
+                  </a:schemeClr>
+                </a:solidFill>
+              </a:rPr>
+              <a:t>for</a:t>
+            </a:r>
+            <a:r>
+              <a:rPr lang="de-DE" sz="900" dirty="0"/>
+              <a:t> (int node : edge_map.at(current)) {</a:t>
+            </a:r>
+          </a:p>
+          <a:p>
+            <a:r>
+              <a:rPr lang="de-DE" sz="900" dirty="0"/>
+              <a:t>            </a:t>
+            </a:r>
+            <a:r>
+              <a:rPr lang="de-DE" sz="900" dirty="0">
+                <a:solidFill>
+                  <a:schemeClr val="accent6">
+                    <a:lumMod val="75000"/>
+                  </a:schemeClr>
+                </a:solidFill>
+              </a:rPr>
+              <a:t>if</a:t>
+            </a:r>
+            <a:r>
+              <a:rPr lang="de-DE" sz="900" dirty="0"/>
+              <a:t> (edge_map.at(node).size() &lt; min_next_count) {</a:t>
+            </a:r>
+          </a:p>
+          <a:p>
+            <a:r>
+              <a:rPr lang="de-DE" sz="900" dirty="0"/>
+              <a:t>                min_next_count = edge_map.at(node).size();</a:t>
+            </a:r>
+          </a:p>
+          <a:p>
+            <a:r>
+              <a:rPr lang="de-DE" sz="900" dirty="0"/>
+              <a:t>                min_next_idx = node;</a:t>
+            </a:r>
+          </a:p>
+          <a:p>
+            <a:r>
+              <a:rPr lang="de-DE" sz="900" dirty="0"/>
+              <a:t>            }</a:t>
+            </a:r>
+          </a:p>
+          <a:p>
+            <a:r>
+              <a:rPr lang="de-DE" sz="900" dirty="0"/>
+              <a:t>        }</a:t>
+            </a:r>
+          </a:p>
+          <a:p>
+            <a:r>
+              <a:rPr lang="de-DE" sz="900" dirty="0"/>
+              <a:t>        current = min_next_idx;</a:t>
+            </a:r>
+          </a:p>
+          <a:p>
+            <a:r>
+              <a:rPr lang="de-DE" sz="900" dirty="0"/>
+              <a:t>    }</a:t>
+            </a:r>
+          </a:p>
+          <a:p>
+            <a:r>
+              <a:rPr lang="de-DE" sz="900" dirty="0"/>
+              <a:t>    </a:t>
+            </a:r>
+            <a:r>
+              <a:rPr lang="de-DE" sz="900" dirty="0">
+                <a:solidFill>
+                  <a:schemeClr val="accent6">
+                    <a:lumMod val="75000"/>
+                  </a:schemeClr>
+                </a:solidFill>
+              </a:rPr>
+              <a:t>if</a:t>
+            </a:r>
+            <a:r>
+              <a:rPr lang="de-DE" sz="900" dirty="0"/>
+              <a:t> (idx == i.get_size() - 2) {</a:t>
+            </a:r>
+          </a:p>
+          <a:p>
+            <a:r>
+              <a:rPr lang="de-DE" sz="900" dirty="0"/>
+              <a:t>            i.update_chromosome(current, idx + 1);</a:t>
+            </a:r>
+          </a:p>
+          <a:p>
+            <a:r>
+              <a:rPr lang="de-DE" sz="900" dirty="0"/>
+              <a:t>        }</a:t>
+            </a:r>
+          </a:p>
+          <a:p>
+            <a:r>
+              <a:rPr lang="de-DE" sz="900" dirty="0"/>
+              <a:t>    }</a:t>
+            </a:r>
+          </a:p>
+          <a:p>
+            <a:r>
+              <a:rPr lang="de-DE" sz="900" dirty="0"/>
+              <a:t>}</a:t>
+            </a:r>
+          </a:p>
+        </p:txBody>
+      </p:sp>
+      <p:sp>
+        <p:nvSpPr>
+          <p:cNvPr id="7" name="Text Placeholder 2">
+            <a:extLst>
+              <a:ext uri="{FF2B5EF4-FFF2-40B4-BE49-F238E27FC236}">
+                <a16:creationId xmlns:a16="http://schemas.microsoft.com/office/drawing/2014/main" id="{3DAEF8D3-31AA-46E3-BE55-7474D0551DCE}"/>
+              </a:ext>
+            </a:extLst>
+          </p:cNvPr>
+          <p:cNvSpPr txBox="1">
+            <a:spLocks/>
+          </p:cNvSpPr>
+          <p:nvPr/>
+        </p:nvSpPr>
+        <p:spPr bwMode="auto">
+          <a:xfrm>
+            <a:off x="7196261" y="1093728"/>
+            <a:ext cx="4660776" cy="4206240"/>
+          </a:xfrm>
+          <a:prstGeom prst="rect">
+            <a:avLst/>
+          </a:prstGeom>
+          <a:noFill/>
+          <a:ln>
+            <a:noFill/>
+          </a:ln>
+          <a:extLst>
+            <a:ext uri="{909E8E84-426E-40DD-AFC4-6F175D3DCCD1}">
+              <a14:hiddenFill xmlns:a14="http://schemas.microsoft.com/office/drawing/2010/main">
+                <a:solidFill>
+                  <a:srgbClr val="FFFFFF"/>
+                </a:solidFill>
+              </a14:hiddenFill>
+            </a:ext>
+            <a:ext uri="{91240B29-F687-4F45-9708-019B960494DF}">
+              <a14:hiddenLine xmlns:a14="http://schemas.microsoft.com/office/drawing/2010/main" w="9525">
+                <a:solidFill>
+                  <a:srgbClr val="000000"/>
+                </a:solidFill>
+                <a:miter lim="800000"/>
+                <a:headEnd/>
+                <a:tailEnd/>
+              </a14:hiddenLine>
+            </a:ext>
+          </a:extLst>
+        </p:spPr>
+        <p:txBody>
+          <a:bodyPr vert="horz" wrap="square" lIns="91440" tIns="45720" rIns="91440" bIns="45720" numCol="1" anchor="t" anchorCtr="0" compatLnSpc="1">
+            <a:prstTxWarp prst="textNoShape">
+              <a:avLst/>
+            </a:prstTxWarp>
+          </a:bodyPr>
+          <a:lstStyle>
+            <a:lvl1pPr marL="0" indent="0" algn="l" rtl="0" eaLnBrk="0" fontAlgn="base" hangingPunct="0">
+              <a:spcBef>
+                <a:spcPct val="20000"/>
+              </a:spcBef>
+              <a:spcAft>
+                <a:spcPct val="0"/>
+              </a:spcAft>
+              <a:buClr>
+                <a:srgbClr val="80BA24"/>
+              </a:buClr>
+              <a:buSzPct val="106000"/>
+              <a:buFontTx/>
+              <a:buNone/>
+              <a:defRPr kern="1200" baseline="0">
+                <a:solidFill>
+                  <a:srgbClr val="4A5C66"/>
+                </a:solidFill>
+                <a:latin typeface="Arial" pitchFamily="34" charset="0"/>
+                <a:ea typeface="MS PGothic" panose="020B0600070205080204" pitchFamily="34" charset="-128"/>
+                <a:cs typeface="Arial" pitchFamily="34" charset="0"/>
+              </a:defRPr>
+            </a:lvl1pPr>
+            <a:lvl2pPr marL="266700" indent="0" algn="l" rtl="0" eaLnBrk="0" fontAlgn="base" hangingPunct="0">
+              <a:spcBef>
+                <a:spcPct val="20000"/>
+              </a:spcBef>
+              <a:spcAft>
+                <a:spcPct val="0"/>
+              </a:spcAft>
+              <a:buClr>
+                <a:srgbClr val="80BA24"/>
+              </a:buClr>
+              <a:buSzPct val="90000"/>
+              <a:buFontTx/>
+              <a:buNone/>
+              <a:defRPr kern="1200">
+                <a:solidFill>
+                  <a:srgbClr val="4A5C66"/>
+                </a:solidFill>
+                <a:latin typeface="Arial" pitchFamily="34" charset="0"/>
+                <a:ea typeface="Arial" charset="0"/>
+                <a:cs typeface="Arial" pitchFamily="34" charset="0"/>
+              </a:defRPr>
+            </a:lvl2pPr>
+            <a:lvl3pPr marL="542925" indent="0" algn="l" rtl="0" eaLnBrk="0" fontAlgn="base" hangingPunct="0">
+              <a:spcBef>
+                <a:spcPct val="20000"/>
+              </a:spcBef>
+              <a:spcAft>
+                <a:spcPct val="0"/>
+              </a:spcAft>
+              <a:buClr>
+                <a:srgbClr val="80BA24"/>
+              </a:buClr>
+              <a:buSzPct val="80000"/>
+              <a:buFontTx/>
+              <a:buNone/>
+              <a:defRPr kern="1200">
+                <a:solidFill>
+                  <a:srgbClr val="4A5C66"/>
+                </a:solidFill>
+                <a:latin typeface="Arial" pitchFamily="34" charset="0"/>
+                <a:ea typeface="Arial" charset="0"/>
+                <a:cs typeface="Arial" pitchFamily="34" charset="0"/>
+              </a:defRPr>
+            </a:lvl3pPr>
+            <a:lvl4pPr marL="809625" indent="0" algn="l" rtl="0" eaLnBrk="0" fontAlgn="base" hangingPunct="0">
+              <a:spcBef>
+                <a:spcPct val="20000"/>
+              </a:spcBef>
+              <a:spcAft>
+                <a:spcPct val="0"/>
+              </a:spcAft>
+              <a:buClr>
+                <a:srgbClr val="80BA24"/>
+              </a:buClr>
+              <a:buSzPct val="80000"/>
+              <a:buFontTx/>
+              <a:buNone/>
+              <a:defRPr kern="1200">
+                <a:solidFill>
+                  <a:srgbClr val="4A5C66"/>
+                </a:solidFill>
+                <a:latin typeface="Arial" pitchFamily="34" charset="0"/>
+                <a:ea typeface="Arial" charset="0"/>
+                <a:cs typeface="Arial" pitchFamily="34" charset="0"/>
+              </a:defRPr>
+            </a:lvl4pPr>
+            <a:lvl5pPr marL="1076325" indent="0" algn="l" rtl="0" eaLnBrk="0" fontAlgn="base" hangingPunct="0">
+              <a:spcBef>
+                <a:spcPct val="20000"/>
+              </a:spcBef>
+              <a:spcAft>
+                <a:spcPct val="0"/>
+              </a:spcAft>
+              <a:buClr>
+                <a:srgbClr val="80BA24"/>
+              </a:buClr>
+              <a:buSzPct val="80000"/>
+              <a:buFontTx/>
+              <a:buNone/>
+              <a:defRPr kern="1200">
+                <a:solidFill>
+                  <a:srgbClr val="4A5C66"/>
+                </a:solidFill>
+                <a:latin typeface="Arial" pitchFamily="34" charset="0"/>
+                <a:ea typeface="Arial" charset="0"/>
+                <a:cs typeface="Arial" pitchFamily="34" charset="0"/>
+              </a:defRPr>
+            </a:lvl5pPr>
+            <a:lvl6pPr marL="2514600" indent="-228600" algn="l" defTabSz="914400" rtl="0" eaLnBrk="1" latinLnBrk="0" hangingPunct="1">
+              <a:spcBef>
+                <a:spcPct val="20000"/>
+              </a:spcBef>
+              <a:buFont typeface="Arial" pitchFamily="34" charset="0"/>
+              <a:buChar char="•"/>
+              <a:defRPr sz="2000" kern="1200">
+                <a:solidFill>
+                  <a:schemeClr val="tx1"/>
+                </a:solidFill>
+                <a:latin typeface="+mn-lt"/>
+                <a:ea typeface="+mn-ea"/>
+                <a:cs typeface="+mn-cs"/>
+              </a:defRPr>
+            </a:lvl6pPr>
+            <a:lvl7pPr marL="2971800" indent="-228600" algn="l" defTabSz="914400" rtl="0" eaLnBrk="1" latinLnBrk="0" hangingPunct="1">
+              <a:spcBef>
+                <a:spcPct val="20000"/>
+              </a:spcBef>
+              <a:buFont typeface="Arial" pitchFamily="34" charset="0"/>
+              <a:buChar char="•"/>
+              <a:defRPr sz="2000" kern="1200">
+                <a:solidFill>
+                  <a:schemeClr val="tx1"/>
+                </a:solidFill>
+                <a:latin typeface="+mn-lt"/>
+                <a:ea typeface="+mn-ea"/>
+                <a:cs typeface="+mn-cs"/>
+              </a:defRPr>
+            </a:lvl7pPr>
+            <a:lvl8pPr marL="3429000" indent="-228600" algn="l" defTabSz="914400" rtl="0" eaLnBrk="1" latinLnBrk="0" hangingPunct="1">
+              <a:spcBef>
+                <a:spcPct val="20000"/>
+              </a:spcBef>
+              <a:buFont typeface="Arial" pitchFamily="34" charset="0"/>
+              <a:buChar char="•"/>
+              <a:defRPr sz="2000" kern="1200">
+                <a:solidFill>
+                  <a:schemeClr val="tx1"/>
+                </a:solidFill>
+                <a:latin typeface="+mn-lt"/>
+                <a:ea typeface="+mn-ea"/>
+                <a:cs typeface="+mn-cs"/>
+              </a:defRPr>
+            </a:lvl8pPr>
+            <a:lvl9pPr marL="3886200" indent="-228600" algn="l" defTabSz="914400" rtl="0" eaLnBrk="1" latinLnBrk="0" hangingPunct="1">
+              <a:spcBef>
+                <a:spcPct val="20000"/>
+              </a:spcBef>
+              <a:buFont typeface="Arial" pitchFamily="34" charset="0"/>
+              <a:buChar char="•"/>
+              <a:defRPr sz="2000" kern="1200">
+                <a:solidFill>
+                  <a:schemeClr val="tx1"/>
+                </a:solidFill>
+                <a:latin typeface="+mn-lt"/>
+                <a:ea typeface="+mn-ea"/>
+                <a:cs typeface="+mn-cs"/>
+              </a:defRPr>
+            </a:lvl9pPr>
+          </a:lstStyle>
+          <a:p>
+            <a:pPr lvl="2">
+              <a:spcAft>
+                <a:spcPts val="600"/>
+              </a:spcAft>
+            </a:pPr>
+            <a:r>
+              <a:rPr lang="de-DE" sz="1800" dirty="0"/>
+              <a:t>p1 = 0 4 1 2 3</a:t>
+            </a:r>
+          </a:p>
+          <a:p>
+            <a:pPr lvl="2">
+              <a:spcAft>
+                <a:spcPts val="600"/>
+              </a:spcAft>
+            </a:pPr>
+            <a:r>
+              <a:rPr lang="de-DE" sz="1800" dirty="0"/>
+              <a:t>p2 = 2 1 3 0 4</a:t>
+            </a:r>
+          </a:p>
+          <a:p>
+            <a:pPr marL="342900" indent="-342900">
+              <a:spcAft>
+                <a:spcPts val="600"/>
+              </a:spcAft>
+              <a:buAutoNum type="arabicPeriod"/>
+            </a:pPr>
+            <a:r>
+              <a:rPr lang="de-DE" sz="1800" dirty="0"/>
+              <a:t>Baue eine Edge-Map:</a:t>
+            </a:r>
+          </a:p>
+          <a:p>
+            <a:pPr lvl="1">
+              <a:spcAft>
+                <a:spcPts val="600"/>
+              </a:spcAft>
+            </a:pPr>
+            <a:endParaRPr lang="de-DE" sz="1800" dirty="0"/>
+          </a:p>
+          <a:p>
+            <a:pPr lvl="1">
+              <a:spcAft>
+                <a:spcPts val="600"/>
+              </a:spcAft>
+            </a:pPr>
+            <a:endParaRPr lang="de-DE" sz="1800" dirty="0"/>
+          </a:p>
+          <a:p>
+            <a:pPr lvl="1">
+              <a:spcAft>
+                <a:spcPts val="600"/>
+              </a:spcAft>
+            </a:pPr>
+            <a:endParaRPr lang="de-DE" sz="1800" dirty="0"/>
+          </a:p>
+          <a:p>
+            <a:pPr lvl="1">
+              <a:spcAft>
+                <a:spcPts val="600"/>
+              </a:spcAft>
+            </a:pPr>
+            <a:endParaRPr lang="de-DE" sz="1800" dirty="0"/>
+          </a:p>
+          <a:p>
+            <a:pPr lvl="1">
+              <a:spcAft>
+                <a:spcPts val="600"/>
+              </a:spcAft>
+            </a:pPr>
+            <a:endParaRPr lang="de-DE" sz="1800" dirty="0"/>
+          </a:p>
+          <a:p>
+            <a:pPr lvl="1">
+              <a:spcAft>
+                <a:spcPts val="600"/>
+              </a:spcAft>
+            </a:pPr>
+            <a:endParaRPr lang="de-DE" sz="1800" dirty="0"/>
+          </a:p>
+          <a:p>
+            <a:pPr marL="342900" indent="-342900">
+              <a:spcAft>
+                <a:spcPts val="600"/>
+              </a:spcAft>
+              <a:buAutoNum type="arabicPeriod"/>
+            </a:pPr>
+            <a:r>
+              <a:rPr lang="de-DE" sz="1800" dirty="0"/>
+              <a:t>Edge-Recombination:</a:t>
+            </a:r>
+          </a:p>
+          <a:p>
+            <a:pPr lvl="1">
+              <a:spcAft>
+                <a:spcPts val="600"/>
+              </a:spcAft>
+            </a:pPr>
+            <a:r>
+              <a:rPr lang="de-DE" sz="1800" dirty="0"/>
+              <a:t>Startpunkt: Beginn eines Elternteils</a:t>
+            </a:r>
+          </a:p>
+        </p:txBody>
+      </p:sp>
+      <p:graphicFrame>
+        <p:nvGraphicFramePr>
+          <p:cNvPr id="4" name="Table 4">
+            <a:extLst>
+              <a:ext uri="{FF2B5EF4-FFF2-40B4-BE49-F238E27FC236}">
+                <a16:creationId xmlns:a16="http://schemas.microsoft.com/office/drawing/2014/main" id="{753C4526-386B-4058-AA57-62CD212E87A9}"/>
+              </a:ext>
+            </a:extLst>
+          </p:cNvPr>
+          <p:cNvGraphicFramePr>
+            <a:graphicFrameLocks noGrp="1"/>
+          </p:cNvGraphicFramePr>
+          <p:nvPr>
+            <p:extLst>
+              <p:ext uri="{D42A27DB-BD31-4B8C-83A1-F6EECF244321}">
+                <p14:modId xmlns:p14="http://schemas.microsoft.com/office/powerpoint/2010/main" val="1290168086"/>
+              </p:ext>
+            </p:extLst>
+          </p:nvPr>
+        </p:nvGraphicFramePr>
+        <p:xfrm>
+          <a:off x="7196261" y="2285589"/>
+          <a:ext cx="3142502" cy="2286822"/>
+        </p:xfrm>
+        <a:graphic>
+          <a:graphicData uri="http://schemas.openxmlformats.org/drawingml/2006/table">
+            <a:tbl>
+              <a:tblPr firstRow="1" bandRow="1">
+                <a:tableStyleId>{5C22544A-7EE6-4342-B048-85BDC9FD1C3A}</a:tableStyleId>
+              </a:tblPr>
+              <a:tblGrid>
+                <a:gridCol w="1571251">
+                  <a:extLst>
+                    <a:ext uri="{9D8B030D-6E8A-4147-A177-3AD203B41FA5}">
+                      <a16:colId xmlns:a16="http://schemas.microsoft.com/office/drawing/2014/main" val="1026705250"/>
+                    </a:ext>
+                  </a:extLst>
+                </a:gridCol>
+                <a:gridCol w="1571251">
+                  <a:extLst>
+                    <a:ext uri="{9D8B030D-6E8A-4147-A177-3AD203B41FA5}">
+                      <a16:colId xmlns:a16="http://schemas.microsoft.com/office/drawing/2014/main" val="1571639466"/>
+                    </a:ext>
+                  </a:extLst>
+                </a:gridCol>
+              </a:tblGrid>
+              <a:tr h="458022">
+                <a:tc>
+                  <a:txBody>
+                    <a:bodyPr/>
+                    <a:lstStyle/>
+                    <a:p>
+                      <a:r>
+                        <a:rPr lang="de-DE" dirty="0"/>
+                        <a:t>Knoten</a:t>
+                      </a:r>
+                    </a:p>
+                  </a:txBody>
+                  <a:tcPr/>
+                </a:tc>
+                <a:tc>
+                  <a:txBody>
+                    <a:bodyPr/>
+                    <a:lstStyle/>
+                    <a:p>
+                      <a:r>
+                        <a:rPr lang="de-DE" dirty="0"/>
+                        <a:t>Verbindung</a:t>
+                      </a:r>
+                    </a:p>
+                  </a:txBody>
+                  <a:tcPr/>
+                </a:tc>
+                <a:extLst>
+                  <a:ext uri="{0D108BD9-81ED-4DB2-BD59-A6C34878D82A}">
+                    <a16:rowId xmlns:a16="http://schemas.microsoft.com/office/drawing/2014/main" val="2519790438"/>
+                  </a:ext>
+                </a:extLst>
+              </a:tr>
+              <a:tr h="348317">
+                <a:tc>
+                  <a:txBody>
+                    <a:bodyPr/>
+                    <a:lstStyle/>
+                    <a:p>
+                      <a:r>
+                        <a:rPr lang="de-DE" dirty="0"/>
+                        <a:t>0</a:t>
+                      </a:r>
+                    </a:p>
+                  </a:txBody>
+                  <a:tcPr/>
+                </a:tc>
+                <a:tc>
+                  <a:txBody>
+                    <a:bodyPr/>
+                    <a:lstStyle/>
+                    <a:p>
+                      <a:r>
+                        <a:rPr lang="de-DE" dirty="0"/>
+                        <a:t>3 4</a:t>
+                      </a:r>
+                    </a:p>
+                  </a:txBody>
+                  <a:tcPr/>
+                </a:tc>
+                <a:extLst>
+                  <a:ext uri="{0D108BD9-81ED-4DB2-BD59-A6C34878D82A}">
+                    <a16:rowId xmlns:a16="http://schemas.microsoft.com/office/drawing/2014/main" val="1783784983"/>
+                  </a:ext>
+                </a:extLst>
+              </a:tr>
+              <a:tr h="261727">
+                <a:tc>
+                  <a:txBody>
+                    <a:bodyPr/>
+                    <a:lstStyle/>
+                    <a:p>
+                      <a:r>
+                        <a:rPr lang="de-DE" dirty="0"/>
+                        <a:t>1</a:t>
+                      </a:r>
+                    </a:p>
+                  </a:txBody>
+                  <a:tcPr/>
+                </a:tc>
+                <a:tc>
+                  <a:txBody>
+                    <a:bodyPr/>
+                    <a:lstStyle/>
+                    <a:p>
+                      <a:r>
+                        <a:rPr lang="de-DE" dirty="0"/>
+                        <a:t>2 4 3</a:t>
+                      </a:r>
+                    </a:p>
+                  </a:txBody>
+                  <a:tcPr/>
+                </a:tc>
+                <a:extLst>
+                  <a:ext uri="{0D108BD9-81ED-4DB2-BD59-A6C34878D82A}">
+                    <a16:rowId xmlns:a16="http://schemas.microsoft.com/office/drawing/2014/main" val="1786008815"/>
+                  </a:ext>
+                </a:extLst>
+              </a:tr>
+              <a:tr h="261727">
+                <a:tc>
+                  <a:txBody>
+                    <a:bodyPr/>
+                    <a:lstStyle/>
+                    <a:p>
+                      <a:r>
+                        <a:rPr lang="de-DE" dirty="0"/>
+                        <a:t>2</a:t>
+                      </a:r>
+                    </a:p>
+                  </a:txBody>
+                  <a:tcPr/>
+                </a:tc>
+                <a:tc>
+                  <a:txBody>
+                    <a:bodyPr/>
+                    <a:lstStyle/>
+                    <a:p>
+                      <a:r>
+                        <a:rPr lang="de-DE" dirty="0"/>
+                        <a:t>1 3</a:t>
+                      </a:r>
+                    </a:p>
+                  </a:txBody>
+                  <a:tcPr/>
+                </a:tc>
+                <a:extLst>
+                  <a:ext uri="{0D108BD9-81ED-4DB2-BD59-A6C34878D82A}">
+                    <a16:rowId xmlns:a16="http://schemas.microsoft.com/office/drawing/2014/main" val="3190313410"/>
+                  </a:ext>
+                </a:extLst>
+              </a:tr>
+              <a:tr h="261727">
+                <a:tc>
+                  <a:txBody>
+                    <a:bodyPr/>
+                    <a:lstStyle/>
+                    <a:p>
+                      <a:r>
+                        <a:rPr lang="de-DE" dirty="0"/>
+                        <a:t>3</a:t>
+                      </a:r>
+                    </a:p>
+                  </a:txBody>
+                  <a:tcPr/>
+                </a:tc>
+                <a:tc>
+                  <a:txBody>
+                    <a:bodyPr/>
+                    <a:lstStyle/>
+                    <a:p>
+                      <a:r>
+                        <a:rPr lang="de-DE" dirty="0"/>
+                        <a:t>1 2</a:t>
+                      </a:r>
+                      <a:r>
+                        <a:rPr lang="de-DE" sz="1800" kern="1200" dirty="0">
+                          <a:solidFill>
+                            <a:schemeClr val="dk1"/>
+                          </a:solidFill>
+                          <a:latin typeface="+mn-lt"/>
+                          <a:ea typeface="+mn-ea"/>
+                          <a:cs typeface="+mn-cs"/>
+                        </a:rPr>
+                        <a:t> 0</a:t>
+                      </a:r>
+                    </a:p>
+                  </a:txBody>
+                  <a:tcPr/>
+                </a:tc>
+                <a:extLst>
+                  <a:ext uri="{0D108BD9-81ED-4DB2-BD59-A6C34878D82A}">
+                    <a16:rowId xmlns:a16="http://schemas.microsoft.com/office/drawing/2014/main" val="3687157222"/>
+                  </a:ext>
+                </a:extLst>
+              </a:tr>
+              <a:tr h="261316">
+                <a:tc>
+                  <a:txBody>
+                    <a:bodyPr/>
+                    <a:lstStyle/>
+                    <a:p>
+                      <a:r>
+                        <a:rPr lang="de-DE" dirty="0"/>
+                        <a:t>4</a:t>
+                      </a:r>
+                    </a:p>
+                  </a:txBody>
+                  <a:tcPr/>
+                </a:tc>
+                <a:tc>
+                  <a:txBody>
+                    <a:bodyPr/>
+                    <a:lstStyle/>
+                    <a:p>
+                      <a:r>
+                        <a:rPr lang="de-DE" sz="1800" kern="1200" dirty="0">
+                          <a:solidFill>
+                            <a:schemeClr val="dk1"/>
+                          </a:solidFill>
+                          <a:latin typeface="+mn-lt"/>
+                          <a:ea typeface="+mn-ea"/>
+                          <a:cs typeface="+mn-cs"/>
+                        </a:rPr>
+                        <a:t>0 1</a:t>
+                      </a:r>
+                    </a:p>
+                  </a:txBody>
+                  <a:tcPr/>
+                </a:tc>
+                <a:extLst>
+                  <a:ext uri="{0D108BD9-81ED-4DB2-BD59-A6C34878D82A}">
+                    <a16:rowId xmlns:a16="http://schemas.microsoft.com/office/drawing/2014/main" val="3257157716"/>
+                  </a:ext>
+                </a:extLst>
+              </a:tr>
+            </a:tbl>
+          </a:graphicData>
+        </a:graphic>
+      </p:graphicFrame>
+    </p:spTree>
+    <p:extLst>
+      <p:ext uri="{BB962C8B-B14F-4D97-AF65-F5344CB8AC3E}">
+        <p14:creationId xmlns:p14="http://schemas.microsoft.com/office/powerpoint/2010/main" val="3797020177"/>
+      </p:ext>
+    </p:extLst>
+  </p:cSld>
+  <p:clrMapOvr>
+    <a:masterClrMapping/>
+  </p:clrMapOvr>
+</p:sld>
+</file>
+
+<file path=ppt/slides/slide22.xml><?xml version="1.0" encoding="utf-8"?>
 <p:sld xmlns:a="http://schemas.openxmlformats.org/drawingml/2006/main" xmlns:r="http://schemas.openxmlformats.org/officeDocument/2006/relationships" xmlns:p="http://schemas.openxmlformats.org/presentationml/2006/main">
   <p:cSld>
     <p:spTree>
@@ -29713,7 +31568,7 @@
 </p:sld>
 </file>
 
-<file path=ppt/slides/slide22.xml><?xml version="1.0" encoding="utf-8"?>
+<file path=ppt/slides/slide23.xml><?xml version="1.0" encoding="utf-8"?>
 <p:sld xmlns:a="http://schemas.openxmlformats.org/drawingml/2006/main" xmlns:r="http://schemas.openxmlformats.org/officeDocument/2006/relationships" xmlns:p="http://schemas.openxmlformats.org/presentationml/2006/main">
   <p:cSld>
     <p:spTree>
@@ -30691,7 +32546,7 @@
 </p:sld>
 </file>
 
-<file path=ppt/slides/slide23.xml><?xml version="1.0" encoding="utf-8"?>
+<file path=ppt/slides/slide24.xml><?xml version="1.0" encoding="utf-8"?>
 <p:sld xmlns:a="http://schemas.openxmlformats.org/drawingml/2006/main" xmlns:r="http://schemas.openxmlformats.org/officeDocument/2006/relationships" xmlns:p="http://schemas.openxmlformats.org/presentationml/2006/main">
   <p:cSld>
     <p:spTree>
@@ -31693,7 +33548,7 @@
 </p:sld>
 </file>
 
-<file path=ppt/slides/slide24.xml><?xml version="1.0" encoding="utf-8"?>
+<file path=ppt/slides/slide25.xml><?xml version="1.0" encoding="utf-8"?>
 <p:sld xmlns:a="http://schemas.openxmlformats.org/drawingml/2006/main" xmlns:r="http://schemas.openxmlformats.org/officeDocument/2006/relationships" xmlns:p="http://schemas.openxmlformats.org/presentationml/2006/main">
   <p:cSld>
     <p:spTree>
@@ -32719,7 +34574,7 @@
 </p:sld>
 </file>
 
-<file path=ppt/slides/slide25.xml><?xml version="1.0" encoding="utf-8"?>
+<file path=ppt/slides/slide26.xml><?xml version="1.0" encoding="utf-8"?>
 <p:sld xmlns:a="http://schemas.openxmlformats.org/drawingml/2006/main" xmlns:r="http://schemas.openxmlformats.org/officeDocument/2006/relationships" xmlns:p="http://schemas.openxmlformats.org/presentationml/2006/main">
   <p:cSld>
     <p:spTree>
@@ -33784,584 +35639,6 @@
 </p:sld>
 </file>
 
-<file path=ppt/slides/slide26.xml><?xml version="1.0" encoding="utf-8"?>
-<p:sld xmlns:a="http://schemas.openxmlformats.org/drawingml/2006/main" xmlns:r="http://schemas.openxmlformats.org/officeDocument/2006/relationships" xmlns:p="http://schemas.openxmlformats.org/presentationml/2006/main">
-  <p:cSld>
-    <p:spTree>
-      <p:nvGrpSpPr>
-        <p:cNvPr id="1" name=""/>
-        <p:cNvGrpSpPr/>
-        <p:nvPr/>
-      </p:nvGrpSpPr>
-      <p:grpSpPr>
-        <a:xfrm>
-          <a:off x="0" y="0"/>
-          <a:ext cx="0" cy="0"/>
-          <a:chOff x="0" y="0"/>
-          <a:chExt cx="0" cy="0"/>
-        </a:xfrm>
-      </p:grpSpPr>
-      <p:sp>
-        <p:nvSpPr>
-          <p:cNvPr id="2" name="Title 1">
-            <a:extLst>
-              <a:ext uri="{FF2B5EF4-FFF2-40B4-BE49-F238E27FC236}">
-                <a16:creationId xmlns:a16="http://schemas.microsoft.com/office/drawing/2014/main" id="{85052616-A1AA-4C30-9C7B-DBB34145436D}"/>
-              </a:ext>
-            </a:extLst>
-          </p:cNvPr>
-          <p:cNvSpPr>
-            <a:spLocks noGrp="1"/>
-          </p:cNvSpPr>
-          <p:nvPr>
-            <p:ph type="title"/>
-          </p:nvPr>
-        </p:nvSpPr>
-        <p:spPr/>
-        <p:txBody>
-          <a:bodyPr/>
-          <a:lstStyle/>
-          <a:p>
-            <a:r>
-              <a:rPr lang="de-DE" dirty="0"/>
-              <a:t>Realisierung – Mutations-Algorithmus</a:t>
-            </a:r>
-          </a:p>
-        </p:txBody>
-      </p:sp>
-      <p:sp>
-        <p:nvSpPr>
-          <p:cNvPr id="4" name="Rectangle 1">
-            <a:extLst>
-              <a:ext uri="{FF2B5EF4-FFF2-40B4-BE49-F238E27FC236}">
-                <a16:creationId xmlns:a16="http://schemas.microsoft.com/office/drawing/2014/main" id="{902F850E-7E9B-4622-87C4-FE1420D027EA}"/>
-              </a:ext>
-            </a:extLst>
-          </p:cNvPr>
-          <p:cNvSpPr>
-            <a:spLocks noGrp="1" noChangeArrowheads="1"/>
-          </p:cNvSpPr>
-          <p:nvPr>
-            <p:ph type="body" sz="quarter" idx="11"/>
-          </p:nvPr>
-        </p:nvSpPr>
-        <p:spPr bwMode="auto">
-          <a:xfrm>
-            <a:off x="334963" y="1464300"/>
-            <a:ext cx="5630831" cy="2936188"/>
-          </a:xfrm>
-          <a:prstGeom prst="rect">
-            <a:avLst/>
-          </a:prstGeom>
-          <a:solidFill>
-            <a:srgbClr val="FFFFFF"/>
-          </a:solidFill>
-          <a:ln>
-            <a:noFill/>
-          </a:ln>
-          <a:effectLst/>
-          <a:extLst>
-            <a:ext uri="{91240B29-F687-4F45-9708-019B960494DF}">
-              <a14:hiddenLine xmlns:a14="http://schemas.microsoft.com/office/drawing/2010/main" w="9525">
-                <a:solidFill>
-                  <a:schemeClr val="tx1"/>
-                </a:solidFill>
-                <a:miter lim="800000"/>
-                <a:headEnd/>
-                <a:tailEnd/>
-              </a14:hiddenLine>
-            </a:ext>
-            <a:ext uri="{AF507438-7753-43E0-B8FC-AC1667EBCBE1}">
-              <a14:hiddenEffects xmlns:a14="http://schemas.microsoft.com/office/drawing/2010/main">
-                <a:effectLst>
-                  <a:outerShdw dist="35921" dir="2700000" algn="ctr" rotWithShape="0">
-                    <a:schemeClr val="bg2"/>
-                  </a:outerShdw>
-                </a:effectLst>
-              </a14:hiddenEffects>
-            </a:ext>
-          </a:extLst>
-        </p:spPr>
-        <p:txBody>
-          <a:bodyPr vert="horz" wrap="square" lIns="91440" tIns="45720" rIns="91440" bIns="45720" numCol="1" anchor="ctr" anchorCtr="0" compatLnSpc="1">
-            <a:prstTxWarp prst="textNoShape">
-              <a:avLst/>
-            </a:prstTxWarp>
-            <a:spAutoFit/>
-          </a:bodyPr>
-          <a:lstStyle/>
-          <a:p>
-            <a:pPr marR="0" lvl="0" defTabSz="914400" latinLnBrk="0">
-              <a:lnSpc>
-                <a:spcPct val="100000"/>
-              </a:lnSpc>
-              <a:tabLst/>
-            </a:pPr>
-            <a:r>
-              <a:rPr lang="de-DE" altLang="de-DE" sz="1200" dirty="0">
-                <a:solidFill>
-                  <a:schemeClr val="accent6">
-                    <a:lumMod val="75000"/>
-                  </a:schemeClr>
-                </a:solidFill>
-              </a:rPr>
-              <a:t>bool</a:t>
-            </a:r>
-            <a:r>
-              <a:rPr lang="de-DE" altLang="de-DE" sz="1200" dirty="0"/>
-              <a:t> mutation_delete_shift(Individual &amp;individual, int percentage) {</a:t>
-            </a:r>
-          </a:p>
-          <a:p>
-            <a:pPr marR="0" lvl="0" defTabSz="914400" latinLnBrk="0">
-              <a:lnSpc>
-                <a:spcPct val="100000"/>
-              </a:lnSpc>
-              <a:tabLst/>
-            </a:pPr>
-            <a:r>
-              <a:rPr lang="de-DE" altLang="de-DE" sz="1200" dirty="0"/>
-              <a:t>    bool mutate = rand(100)  &lt; percentage;</a:t>
-            </a:r>
-          </a:p>
-          <a:p>
-            <a:pPr marR="0" lvl="0" defTabSz="914400" latinLnBrk="0">
-              <a:lnSpc>
-                <a:spcPct val="100000"/>
-              </a:lnSpc>
-              <a:tabLst/>
-            </a:pPr>
-            <a:endParaRPr lang="de-DE" altLang="de-DE" sz="1200" dirty="0"/>
-          </a:p>
-          <a:p>
-            <a:pPr marR="0" lvl="0" defTabSz="914400" latinLnBrk="0">
-              <a:lnSpc>
-                <a:spcPct val="100000"/>
-              </a:lnSpc>
-              <a:tabLst/>
-            </a:pPr>
-            <a:r>
-              <a:rPr lang="de-DE" altLang="de-DE" sz="1200" dirty="0"/>
-              <a:t>    </a:t>
-            </a:r>
-            <a:r>
-              <a:rPr lang="de-DE" altLang="de-DE" sz="1200" dirty="0">
-                <a:solidFill>
-                  <a:schemeClr val="accent6">
-                    <a:lumMod val="75000"/>
-                  </a:schemeClr>
-                </a:solidFill>
-              </a:rPr>
-              <a:t>if</a:t>
-            </a:r>
-            <a:r>
-              <a:rPr lang="de-DE" altLang="de-DE" sz="1200" dirty="0"/>
-              <a:t> (mutate) {</a:t>
-            </a:r>
-          </a:p>
-          <a:p>
-            <a:pPr marR="0" lvl="0" defTabSz="914400" latinLnBrk="0">
-              <a:lnSpc>
-                <a:spcPct val="100000"/>
-              </a:lnSpc>
-              <a:tabLst/>
-            </a:pPr>
-            <a:r>
-              <a:rPr lang="de-DE" altLang="de-DE" sz="1200" dirty="0"/>
-              <a:t>        int position_a = rand(individual.get_size() - 1);</a:t>
-            </a:r>
-          </a:p>
-          <a:p>
-            <a:pPr marR="0" lvl="0" defTabSz="914400" latinLnBrk="0">
-              <a:lnSpc>
-                <a:spcPct val="100000"/>
-              </a:lnSpc>
-              <a:tabLst/>
-            </a:pPr>
-            <a:r>
-              <a:rPr lang="de-DE" altLang="de-DE" sz="1200" dirty="0"/>
-              <a:t>        int position_b = rand(position_a + 1, individual.get_size());</a:t>
-            </a:r>
-          </a:p>
-          <a:p>
-            <a:pPr marR="0" lvl="0" defTabSz="914400" latinLnBrk="0">
-              <a:lnSpc>
-                <a:spcPct val="100000"/>
-              </a:lnSpc>
-              <a:tabLst/>
-            </a:pPr>
-            <a:r>
-              <a:rPr lang="de-DE" altLang="de-DE" sz="1200" dirty="0"/>
-              <a:t>    </a:t>
-            </a:r>
-          </a:p>
-          <a:p>
-            <a:pPr marR="0" lvl="0" defTabSz="914400" latinLnBrk="0">
-              <a:lnSpc>
-                <a:spcPct val="100000"/>
-              </a:lnSpc>
-              <a:tabLst/>
-            </a:pPr>
-            <a:r>
-              <a:rPr lang="de-DE" altLang="de-DE" sz="1200" dirty="0"/>
-              <a:t>    </a:t>
-            </a:r>
-            <a:r>
-              <a:rPr lang="de-DE" altLang="de-DE" sz="1200" dirty="0">
-                <a:solidFill>
-                  <a:schemeClr val="accent6">
-                    <a:lumMod val="75000"/>
-                  </a:schemeClr>
-                </a:solidFill>
-              </a:rPr>
-              <a:t>for</a:t>
-            </a:r>
-            <a:r>
-              <a:rPr lang="de-DE" altLang="de-DE" sz="1200" dirty="0"/>
-              <a:t> (int i = position_a; i &lt; position_b; i++) {</a:t>
-            </a:r>
-          </a:p>
-          <a:p>
-            <a:pPr marR="0" lvl="0" defTabSz="914400" latinLnBrk="0">
-              <a:lnSpc>
-                <a:spcPct val="100000"/>
-              </a:lnSpc>
-              <a:tabLst/>
-            </a:pPr>
-            <a:r>
-              <a:rPr lang="de-DE" altLang="de-DE" sz="1200" dirty="0"/>
-              <a:t>        swap_chromosome(individual.get_chromosome(), i, i + 1);</a:t>
-            </a:r>
-          </a:p>
-          <a:p>
-            <a:pPr marR="0" lvl="0" defTabSz="914400" latinLnBrk="0">
-              <a:lnSpc>
-                <a:spcPct val="100000"/>
-              </a:lnSpc>
-              <a:tabLst/>
-            </a:pPr>
-            <a:r>
-              <a:rPr lang="de-DE" altLang="de-DE" sz="1200" dirty="0"/>
-              <a:t>    }</a:t>
-            </a:r>
-          </a:p>
-          <a:p>
-            <a:pPr marR="0" lvl="0" defTabSz="914400" latinLnBrk="0">
-              <a:lnSpc>
-                <a:spcPct val="100000"/>
-              </a:lnSpc>
-              <a:tabLst/>
-            </a:pPr>
-            <a:endParaRPr lang="de-DE" altLang="de-DE" sz="1200" dirty="0"/>
-          </a:p>
-          <a:p>
-            <a:pPr marR="0" lvl="0" defTabSz="914400" latinLnBrk="0">
-              <a:lnSpc>
-                <a:spcPct val="100000"/>
-              </a:lnSpc>
-              <a:tabLst/>
-            </a:pPr>
-            <a:r>
-              <a:rPr lang="de-DE" altLang="de-DE" sz="1200" dirty="0"/>
-              <a:t>    return mutate;</a:t>
-            </a:r>
-          </a:p>
-          <a:p>
-            <a:pPr marR="0" lvl="0" defTabSz="914400" latinLnBrk="0">
-              <a:lnSpc>
-                <a:spcPct val="100000"/>
-              </a:lnSpc>
-              <a:tabLst/>
-            </a:pPr>
-            <a:r>
-              <a:rPr lang="de-DE" altLang="de-DE" sz="1200" dirty="0"/>
-              <a:t>}</a:t>
-            </a:r>
-          </a:p>
-        </p:txBody>
-      </p:sp>
-      <p:sp>
-        <p:nvSpPr>
-          <p:cNvPr id="11" name="TextBox 10">
-            <a:extLst>
-              <a:ext uri="{FF2B5EF4-FFF2-40B4-BE49-F238E27FC236}">
-                <a16:creationId xmlns:a16="http://schemas.microsoft.com/office/drawing/2014/main" id="{A9A881C4-7DE0-4C0F-B2EC-F77D820DCF22}"/>
-              </a:ext>
-            </a:extLst>
-          </p:cNvPr>
-          <p:cNvSpPr txBox="1"/>
-          <p:nvPr/>
-        </p:nvSpPr>
-        <p:spPr>
-          <a:xfrm>
-            <a:off x="5965794" y="1292791"/>
-            <a:ext cx="4074850" cy="3524042"/>
-          </a:xfrm>
-          <a:prstGeom prst="rect">
-            <a:avLst/>
-          </a:prstGeom>
-          <a:noFill/>
-        </p:spPr>
-        <p:txBody>
-          <a:bodyPr wrap="square" rtlCol="0">
-            <a:spAutoFit/>
-          </a:bodyPr>
-          <a:lstStyle/>
-          <a:p>
-            <a:pPr>
-              <a:spcAft>
-                <a:spcPts val="600"/>
-              </a:spcAft>
-            </a:pPr>
-            <a:r>
-              <a:rPr lang="de-DE" dirty="0">
-                <a:solidFill>
-                  <a:srgbClr val="4A5C66"/>
-                </a:solidFill>
-                <a:latin typeface="Arial" panose="020B0604020202020204" pitchFamily="34" charset="0"/>
-                <a:cs typeface="Arial" panose="020B0604020202020204" pitchFamily="34" charset="0"/>
-              </a:rPr>
-              <a:t>Chromosom: {1,2,</a:t>
-            </a:r>
-            <a:r>
-              <a:rPr lang="de-DE" b="1" dirty="0">
-                <a:solidFill>
-                  <a:srgbClr val="C00000"/>
-                </a:solidFill>
-                <a:latin typeface="Arial" panose="020B0604020202020204" pitchFamily="34" charset="0"/>
-                <a:cs typeface="Arial" panose="020B0604020202020204" pitchFamily="34" charset="0"/>
-              </a:rPr>
-              <a:t>3</a:t>
-            </a:r>
-            <a:r>
-              <a:rPr lang="de-DE" b="1" dirty="0">
-                <a:solidFill>
-                  <a:srgbClr val="4A5C66"/>
-                </a:solidFill>
-                <a:latin typeface="Arial" panose="020B0604020202020204" pitchFamily="34" charset="0"/>
-                <a:cs typeface="Arial" panose="020B0604020202020204" pitchFamily="34" charset="0"/>
-              </a:rPr>
-              <a:t>,4,5,6,7</a:t>
-            </a:r>
-            <a:r>
-              <a:rPr lang="de-DE" dirty="0">
-                <a:solidFill>
-                  <a:srgbClr val="4A5C66"/>
-                </a:solidFill>
-                <a:latin typeface="Arial" panose="020B0604020202020204" pitchFamily="34" charset="0"/>
-                <a:cs typeface="Arial" panose="020B0604020202020204" pitchFamily="34" charset="0"/>
-              </a:rPr>
-              <a:t>,8,9,10}</a:t>
-            </a:r>
-          </a:p>
-          <a:p>
-            <a:pPr>
-              <a:spcAft>
-                <a:spcPts val="600"/>
-              </a:spcAft>
-            </a:pPr>
-            <a:endParaRPr lang="de-DE" dirty="0">
-              <a:solidFill>
-                <a:srgbClr val="4A5C66"/>
-              </a:solidFill>
-              <a:latin typeface="Arial" panose="020B0604020202020204" pitchFamily="34" charset="0"/>
-              <a:cs typeface="Arial" panose="020B0604020202020204" pitchFamily="34" charset="0"/>
-            </a:endParaRPr>
-          </a:p>
-          <a:p>
-            <a:pPr>
-              <a:spcAft>
-                <a:spcPts val="600"/>
-              </a:spcAft>
-            </a:pPr>
-            <a:endParaRPr lang="de-DE" dirty="0">
-              <a:solidFill>
-                <a:srgbClr val="4A5C66"/>
-              </a:solidFill>
-              <a:latin typeface="Arial" panose="020B0604020202020204" pitchFamily="34" charset="0"/>
-              <a:cs typeface="Arial" panose="020B0604020202020204" pitchFamily="34" charset="0"/>
-            </a:endParaRPr>
-          </a:p>
-          <a:p>
-            <a:pPr>
-              <a:spcAft>
-                <a:spcPts val="600"/>
-              </a:spcAft>
-            </a:pPr>
-            <a:r>
-              <a:rPr lang="de-DE" dirty="0">
-                <a:solidFill>
-                  <a:srgbClr val="4A5C66"/>
-                </a:solidFill>
-                <a:latin typeface="Arial" panose="020B0604020202020204" pitchFamily="34" charset="0"/>
-                <a:cs typeface="Arial" panose="020B0604020202020204" pitchFamily="34" charset="0"/>
-              </a:rPr>
-              <a:t>position_a=3</a:t>
-            </a:r>
-          </a:p>
-          <a:p>
-            <a:pPr>
-              <a:spcAft>
-                <a:spcPts val="600"/>
-              </a:spcAft>
-            </a:pPr>
-            <a:r>
-              <a:rPr lang="de-DE" dirty="0">
-                <a:solidFill>
-                  <a:srgbClr val="4A5C66"/>
-                </a:solidFill>
-                <a:latin typeface="Arial" panose="020B0604020202020204" pitchFamily="34" charset="0"/>
-                <a:cs typeface="Arial" panose="020B0604020202020204" pitchFamily="34" charset="0"/>
-              </a:rPr>
-              <a:t>position_b=7</a:t>
-            </a:r>
-          </a:p>
-          <a:p>
-            <a:pPr>
-              <a:spcAft>
-                <a:spcPts val="600"/>
-              </a:spcAft>
-            </a:pPr>
-            <a:endParaRPr lang="de-DE" dirty="0">
-              <a:solidFill>
-                <a:srgbClr val="4A5C66"/>
-              </a:solidFill>
-              <a:latin typeface="Arial" panose="020B0604020202020204" pitchFamily="34" charset="0"/>
-              <a:cs typeface="Arial" panose="020B0604020202020204" pitchFamily="34" charset="0"/>
-            </a:endParaRPr>
-          </a:p>
-          <a:p>
-            <a:pPr>
-              <a:spcAft>
-                <a:spcPts val="600"/>
-              </a:spcAft>
-            </a:pPr>
-            <a:endParaRPr lang="de-DE" dirty="0">
-              <a:solidFill>
-                <a:srgbClr val="4A5C66"/>
-              </a:solidFill>
-              <a:latin typeface="Arial" panose="020B0604020202020204" pitchFamily="34" charset="0"/>
-              <a:cs typeface="Arial" panose="020B0604020202020204" pitchFamily="34" charset="0"/>
-            </a:endParaRPr>
-          </a:p>
-          <a:p>
-            <a:pPr>
-              <a:spcAft>
-                <a:spcPts val="600"/>
-              </a:spcAft>
-            </a:pPr>
-            <a:endParaRPr lang="de-DE" dirty="0">
-              <a:solidFill>
-                <a:srgbClr val="4A5C66"/>
-              </a:solidFill>
-              <a:latin typeface="Arial" panose="020B0604020202020204" pitchFamily="34" charset="0"/>
-              <a:cs typeface="Arial" panose="020B0604020202020204" pitchFamily="34" charset="0"/>
-            </a:endParaRPr>
-          </a:p>
-          <a:p>
-            <a:pPr>
-              <a:spcAft>
-                <a:spcPts val="600"/>
-              </a:spcAft>
-            </a:pPr>
-            <a:r>
-              <a:rPr lang="de-DE" dirty="0">
-                <a:solidFill>
-                  <a:srgbClr val="4A5C66"/>
-                </a:solidFill>
-                <a:latin typeface="Arial" panose="020B0604020202020204" pitchFamily="34" charset="0"/>
-                <a:cs typeface="Arial" panose="020B0604020202020204" pitchFamily="34" charset="0"/>
-              </a:rPr>
-              <a:t>Ergebnis: {1,2,</a:t>
-            </a:r>
-            <a:r>
-              <a:rPr lang="de-DE" b="1" dirty="0">
-                <a:solidFill>
-                  <a:srgbClr val="4A5C66"/>
-                </a:solidFill>
-                <a:latin typeface="Arial" panose="020B0604020202020204" pitchFamily="34" charset="0"/>
-                <a:cs typeface="Arial" panose="020B0604020202020204" pitchFamily="34" charset="0"/>
-              </a:rPr>
-              <a:t>4,5,6,7,</a:t>
-            </a:r>
-            <a:r>
-              <a:rPr lang="de-DE" b="1" dirty="0">
-                <a:solidFill>
-                  <a:srgbClr val="C00000"/>
-                </a:solidFill>
-                <a:latin typeface="Arial" panose="020B0604020202020204" pitchFamily="34" charset="0"/>
-                <a:cs typeface="Arial" panose="020B0604020202020204" pitchFamily="34" charset="0"/>
-              </a:rPr>
-              <a:t>3</a:t>
-            </a:r>
-            <a:r>
-              <a:rPr lang="de-DE" dirty="0">
-                <a:solidFill>
-                  <a:srgbClr val="4A5C66"/>
-                </a:solidFill>
-                <a:latin typeface="Arial" panose="020B0604020202020204" pitchFamily="34" charset="0"/>
-                <a:cs typeface="Arial" panose="020B0604020202020204" pitchFamily="34" charset="0"/>
-              </a:rPr>
-              <a:t>,8,9,10}</a:t>
-            </a:r>
-          </a:p>
-          <a:p>
-            <a:pPr>
-              <a:spcAft>
-                <a:spcPts val="600"/>
-              </a:spcAft>
-            </a:pPr>
-            <a:endParaRPr lang="de-DE" dirty="0">
-              <a:solidFill>
-                <a:srgbClr val="4A5C66"/>
-              </a:solidFill>
-              <a:latin typeface="Arial" panose="020B0604020202020204" pitchFamily="34" charset="0"/>
-              <a:cs typeface="Arial" panose="020B0604020202020204" pitchFamily="34" charset="0"/>
-            </a:endParaRPr>
-          </a:p>
-          <a:p>
-            <a:pPr>
-              <a:spcAft>
-                <a:spcPts val="600"/>
-              </a:spcAft>
-            </a:pPr>
-            <a:endParaRPr lang="de-DE" dirty="0">
-              <a:solidFill>
-                <a:srgbClr val="4A5C66"/>
-              </a:solidFill>
-              <a:latin typeface="Arial" panose="020B0604020202020204" pitchFamily="34" charset="0"/>
-              <a:cs typeface="Arial" panose="020B0604020202020204" pitchFamily="34" charset="0"/>
-            </a:endParaRPr>
-          </a:p>
-          <a:p>
-            <a:pPr>
-              <a:spcAft>
-                <a:spcPts val="600"/>
-              </a:spcAft>
-            </a:pPr>
-            <a:endParaRPr lang="de-DE" dirty="0">
-              <a:solidFill>
-                <a:srgbClr val="4A5C66"/>
-              </a:solidFill>
-              <a:latin typeface="Arial" panose="020B0604020202020204" pitchFamily="34" charset="0"/>
-              <a:cs typeface="Arial" panose="020B0604020202020204" pitchFamily="34" charset="0"/>
-            </a:endParaRPr>
-          </a:p>
-        </p:txBody>
-      </p:sp>
-    </p:spTree>
-    <p:extLst>
-      <p:ext uri="{BB962C8B-B14F-4D97-AF65-F5344CB8AC3E}">
-        <p14:creationId xmlns:p14="http://schemas.microsoft.com/office/powerpoint/2010/main" val="21206333"/>
-      </p:ext>
-    </p:extLst>
-  </p:cSld>
-  <p:clrMapOvr>
-    <a:masterClrMapping/>
-  </p:clrMapOvr>
-</p:sld>
-</file>
-
 <file path=ppt/slides/slide27.xml><?xml version="1.0" encoding="utf-8"?>
 <p:sld xmlns:a="http://schemas.openxmlformats.org/drawingml/2006/main" xmlns:r="http://schemas.openxmlformats.org/officeDocument/2006/relationships" xmlns:p="http://schemas.openxmlformats.org/presentationml/2006/main">
   <p:cSld>
@@ -34402,6 +35679,584 @@
           <a:p>
             <a:r>
               <a:rPr lang="de-DE" dirty="0"/>
+              <a:t>Realisierung – Mutations-Algorithmus</a:t>
+            </a:r>
+          </a:p>
+        </p:txBody>
+      </p:sp>
+      <p:sp>
+        <p:nvSpPr>
+          <p:cNvPr id="4" name="Rectangle 1">
+            <a:extLst>
+              <a:ext uri="{FF2B5EF4-FFF2-40B4-BE49-F238E27FC236}">
+                <a16:creationId xmlns:a16="http://schemas.microsoft.com/office/drawing/2014/main" id="{902F850E-7E9B-4622-87C4-FE1420D027EA}"/>
+              </a:ext>
+            </a:extLst>
+          </p:cNvPr>
+          <p:cNvSpPr>
+            <a:spLocks noGrp="1" noChangeArrowheads="1"/>
+          </p:cNvSpPr>
+          <p:nvPr>
+            <p:ph type="body" sz="quarter" idx="11"/>
+          </p:nvPr>
+        </p:nvSpPr>
+        <p:spPr bwMode="auto">
+          <a:xfrm>
+            <a:off x="334963" y="1464300"/>
+            <a:ext cx="5630831" cy="2936188"/>
+          </a:xfrm>
+          <a:prstGeom prst="rect">
+            <a:avLst/>
+          </a:prstGeom>
+          <a:solidFill>
+            <a:srgbClr val="FFFFFF"/>
+          </a:solidFill>
+          <a:ln>
+            <a:noFill/>
+          </a:ln>
+          <a:effectLst/>
+          <a:extLst>
+            <a:ext uri="{91240B29-F687-4F45-9708-019B960494DF}">
+              <a14:hiddenLine xmlns:a14="http://schemas.microsoft.com/office/drawing/2010/main" w="9525">
+                <a:solidFill>
+                  <a:schemeClr val="tx1"/>
+                </a:solidFill>
+                <a:miter lim="800000"/>
+                <a:headEnd/>
+                <a:tailEnd/>
+              </a14:hiddenLine>
+            </a:ext>
+            <a:ext uri="{AF507438-7753-43E0-B8FC-AC1667EBCBE1}">
+              <a14:hiddenEffects xmlns:a14="http://schemas.microsoft.com/office/drawing/2010/main">
+                <a:effectLst>
+                  <a:outerShdw dist="35921" dir="2700000" algn="ctr" rotWithShape="0">
+                    <a:schemeClr val="bg2"/>
+                  </a:outerShdw>
+                </a:effectLst>
+              </a14:hiddenEffects>
+            </a:ext>
+          </a:extLst>
+        </p:spPr>
+        <p:txBody>
+          <a:bodyPr vert="horz" wrap="square" lIns="91440" tIns="45720" rIns="91440" bIns="45720" numCol="1" anchor="ctr" anchorCtr="0" compatLnSpc="1">
+            <a:prstTxWarp prst="textNoShape">
+              <a:avLst/>
+            </a:prstTxWarp>
+            <a:spAutoFit/>
+          </a:bodyPr>
+          <a:lstStyle/>
+          <a:p>
+            <a:pPr marR="0" lvl="0" defTabSz="914400" latinLnBrk="0">
+              <a:lnSpc>
+                <a:spcPct val="100000"/>
+              </a:lnSpc>
+              <a:tabLst/>
+            </a:pPr>
+            <a:r>
+              <a:rPr lang="de-DE" altLang="de-DE" sz="1200" dirty="0">
+                <a:solidFill>
+                  <a:schemeClr val="accent6">
+                    <a:lumMod val="75000"/>
+                  </a:schemeClr>
+                </a:solidFill>
+              </a:rPr>
+              <a:t>bool</a:t>
+            </a:r>
+            <a:r>
+              <a:rPr lang="de-DE" altLang="de-DE" sz="1200" dirty="0"/>
+              <a:t> mutation_delete_shift(Individual &amp;individual, int percentage) {</a:t>
+            </a:r>
+          </a:p>
+          <a:p>
+            <a:pPr marR="0" lvl="0" defTabSz="914400" latinLnBrk="0">
+              <a:lnSpc>
+                <a:spcPct val="100000"/>
+              </a:lnSpc>
+              <a:tabLst/>
+            </a:pPr>
+            <a:r>
+              <a:rPr lang="de-DE" altLang="de-DE" sz="1200" dirty="0"/>
+              <a:t>    bool mutate = rand(100)  &lt; percentage;</a:t>
+            </a:r>
+          </a:p>
+          <a:p>
+            <a:pPr marR="0" lvl="0" defTabSz="914400" latinLnBrk="0">
+              <a:lnSpc>
+                <a:spcPct val="100000"/>
+              </a:lnSpc>
+              <a:tabLst/>
+            </a:pPr>
+            <a:endParaRPr lang="de-DE" altLang="de-DE" sz="1200" dirty="0"/>
+          </a:p>
+          <a:p>
+            <a:pPr marR="0" lvl="0" defTabSz="914400" latinLnBrk="0">
+              <a:lnSpc>
+                <a:spcPct val="100000"/>
+              </a:lnSpc>
+              <a:tabLst/>
+            </a:pPr>
+            <a:r>
+              <a:rPr lang="de-DE" altLang="de-DE" sz="1200" dirty="0"/>
+              <a:t>    </a:t>
+            </a:r>
+            <a:r>
+              <a:rPr lang="de-DE" altLang="de-DE" sz="1200" dirty="0">
+                <a:solidFill>
+                  <a:schemeClr val="accent6">
+                    <a:lumMod val="75000"/>
+                  </a:schemeClr>
+                </a:solidFill>
+              </a:rPr>
+              <a:t>if</a:t>
+            </a:r>
+            <a:r>
+              <a:rPr lang="de-DE" altLang="de-DE" sz="1200" dirty="0"/>
+              <a:t> (mutate) {</a:t>
+            </a:r>
+          </a:p>
+          <a:p>
+            <a:pPr marR="0" lvl="0" defTabSz="914400" latinLnBrk="0">
+              <a:lnSpc>
+                <a:spcPct val="100000"/>
+              </a:lnSpc>
+              <a:tabLst/>
+            </a:pPr>
+            <a:r>
+              <a:rPr lang="de-DE" altLang="de-DE" sz="1200" dirty="0"/>
+              <a:t>        int position_a = rand(individual.get_size() - 1);</a:t>
+            </a:r>
+          </a:p>
+          <a:p>
+            <a:pPr marR="0" lvl="0" defTabSz="914400" latinLnBrk="0">
+              <a:lnSpc>
+                <a:spcPct val="100000"/>
+              </a:lnSpc>
+              <a:tabLst/>
+            </a:pPr>
+            <a:r>
+              <a:rPr lang="de-DE" altLang="de-DE" sz="1200" dirty="0"/>
+              <a:t>        int position_b = rand(position_a + 1, individual.get_size());</a:t>
+            </a:r>
+          </a:p>
+          <a:p>
+            <a:pPr marR="0" lvl="0" defTabSz="914400" latinLnBrk="0">
+              <a:lnSpc>
+                <a:spcPct val="100000"/>
+              </a:lnSpc>
+              <a:tabLst/>
+            </a:pPr>
+            <a:r>
+              <a:rPr lang="de-DE" altLang="de-DE" sz="1200" dirty="0"/>
+              <a:t>    </a:t>
+            </a:r>
+          </a:p>
+          <a:p>
+            <a:pPr marR="0" lvl="0" defTabSz="914400" latinLnBrk="0">
+              <a:lnSpc>
+                <a:spcPct val="100000"/>
+              </a:lnSpc>
+              <a:tabLst/>
+            </a:pPr>
+            <a:r>
+              <a:rPr lang="de-DE" altLang="de-DE" sz="1200" dirty="0"/>
+              <a:t>    </a:t>
+            </a:r>
+            <a:r>
+              <a:rPr lang="de-DE" altLang="de-DE" sz="1200" dirty="0">
+                <a:solidFill>
+                  <a:schemeClr val="accent6">
+                    <a:lumMod val="75000"/>
+                  </a:schemeClr>
+                </a:solidFill>
+              </a:rPr>
+              <a:t>for</a:t>
+            </a:r>
+            <a:r>
+              <a:rPr lang="de-DE" altLang="de-DE" sz="1200" dirty="0"/>
+              <a:t> (int i = position_a; i &lt; position_b; i++) {</a:t>
+            </a:r>
+          </a:p>
+          <a:p>
+            <a:pPr marR="0" lvl="0" defTabSz="914400" latinLnBrk="0">
+              <a:lnSpc>
+                <a:spcPct val="100000"/>
+              </a:lnSpc>
+              <a:tabLst/>
+            </a:pPr>
+            <a:r>
+              <a:rPr lang="de-DE" altLang="de-DE" sz="1200" dirty="0"/>
+              <a:t>        swap_chromosome(individual.get_chromosome(), i, i + 1);</a:t>
+            </a:r>
+          </a:p>
+          <a:p>
+            <a:pPr marR="0" lvl="0" defTabSz="914400" latinLnBrk="0">
+              <a:lnSpc>
+                <a:spcPct val="100000"/>
+              </a:lnSpc>
+              <a:tabLst/>
+            </a:pPr>
+            <a:r>
+              <a:rPr lang="de-DE" altLang="de-DE" sz="1200" dirty="0"/>
+              <a:t>    }</a:t>
+            </a:r>
+          </a:p>
+          <a:p>
+            <a:pPr marR="0" lvl="0" defTabSz="914400" latinLnBrk="0">
+              <a:lnSpc>
+                <a:spcPct val="100000"/>
+              </a:lnSpc>
+              <a:tabLst/>
+            </a:pPr>
+            <a:endParaRPr lang="de-DE" altLang="de-DE" sz="1200" dirty="0"/>
+          </a:p>
+          <a:p>
+            <a:pPr marR="0" lvl="0" defTabSz="914400" latinLnBrk="0">
+              <a:lnSpc>
+                <a:spcPct val="100000"/>
+              </a:lnSpc>
+              <a:tabLst/>
+            </a:pPr>
+            <a:r>
+              <a:rPr lang="de-DE" altLang="de-DE" sz="1200" dirty="0"/>
+              <a:t>    return mutate;</a:t>
+            </a:r>
+          </a:p>
+          <a:p>
+            <a:pPr marR="0" lvl="0" defTabSz="914400" latinLnBrk="0">
+              <a:lnSpc>
+                <a:spcPct val="100000"/>
+              </a:lnSpc>
+              <a:tabLst/>
+            </a:pPr>
+            <a:r>
+              <a:rPr lang="de-DE" altLang="de-DE" sz="1200" dirty="0"/>
+              <a:t>}</a:t>
+            </a:r>
+          </a:p>
+        </p:txBody>
+      </p:sp>
+      <p:sp>
+        <p:nvSpPr>
+          <p:cNvPr id="11" name="TextBox 10">
+            <a:extLst>
+              <a:ext uri="{FF2B5EF4-FFF2-40B4-BE49-F238E27FC236}">
+                <a16:creationId xmlns:a16="http://schemas.microsoft.com/office/drawing/2014/main" id="{A9A881C4-7DE0-4C0F-B2EC-F77D820DCF22}"/>
+              </a:ext>
+            </a:extLst>
+          </p:cNvPr>
+          <p:cNvSpPr txBox="1"/>
+          <p:nvPr/>
+        </p:nvSpPr>
+        <p:spPr>
+          <a:xfrm>
+            <a:off x="5965794" y="1292791"/>
+            <a:ext cx="4074850" cy="3524042"/>
+          </a:xfrm>
+          <a:prstGeom prst="rect">
+            <a:avLst/>
+          </a:prstGeom>
+          <a:noFill/>
+        </p:spPr>
+        <p:txBody>
+          <a:bodyPr wrap="square" rtlCol="0">
+            <a:spAutoFit/>
+          </a:bodyPr>
+          <a:lstStyle/>
+          <a:p>
+            <a:pPr>
+              <a:spcAft>
+                <a:spcPts val="600"/>
+              </a:spcAft>
+            </a:pPr>
+            <a:r>
+              <a:rPr lang="de-DE" dirty="0">
+                <a:solidFill>
+                  <a:srgbClr val="4A5C66"/>
+                </a:solidFill>
+                <a:latin typeface="Arial" panose="020B0604020202020204" pitchFamily="34" charset="0"/>
+                <a:cs typeface="Arial" panose="020B0604020202020204" pitchFamily="34" charset="0"/>
+              </a:rPr>
+              <a:t>Chromosom: {1,2,</a:t>
+            </a:r>
+            <a:r>
+              <a:rPr lang="de-DE" b="1" dirty="0">
+                <a:solidFill>
+                  <a:srgbClr val="C00000"/>
+                </a:solidFill>
+                <a:latin typeface="Arial" panose="020B0604020202020204" pitchFamily="34" charset="0"/>
+                <a:cs typeface="Arial" panose="020B0604020202020204" pitchFamily="34" charset="0"/>
+              </a:rPr>
+              <a:t>3</a:t>
+            </a:r>
+            <a:r>
+              <a:rPr lang="de-DE" b="1" dirty="0">
+                <a:solidFill>
+                  <a:srgbClr val="4A5C66"/>
+                </a:solidFill>
+                <a:latin typeface="Arial" panose="020B0604020202020204" pitchFamily="34" charset="0"/>
+                <a:cs typeface="Arial" panose="020B0604020202020204" pitchFamily="34" charset="0"/>
+              </a:rPr>
+              <a:t>,4,5,6,7</a:t>
+            </a:r>
+            <a:r>
+              <a:rPr lang="de-DE" dirty="0">
+                <a:solidFill>
+                  <a:srgbClr val="4A5C66"/>
+                </a:solidFill>
+                <a:latin typeface="Arial" panose="020B0604020202020204" pitchFamily="34" charset="0"/>
+                <a:cs typeface="Arial" panose="020B0604020202020204" pitchFamily="34" charset="0"/>
+              </a:rPr>
+              <a:t>,8,9,10}</a:t>
+            </a:r>
+          </a:p>
+          <a:p>
+            <a:pPr>
+              <a:spcAft>
+                <a:spcPts val="600"/>
+              </a:spcAft>
+            </a:pPr>
+            <a:endParaRPr lang="de-DE" dirty="0">
+              <a:solidFill>
+                <a:srgbClr val="4A5C66"/>
+              </a:solidFill>
+              <a:latin typeface="Arial" panose="020B0604020202020204" pitchFamily="34" charset="0"/>
+              <a:cs typeface="Arial" panose="020B0604020202020204" pitchFamily="34" charset="0"/>
+            </a:endParaRPr>
+          </a:p>
+          <a:p>
+            <a:pPr>
+              <a:spcAft>
+                <a:spcPts val="600"/>
+              </a:spcAft>
+            </a:pPr>
+            <a:endParaRPr lang="de-DE" dirty="0">
+              <a:solidFill>
+                <a:srgbClr val="4A5C66"/>
+              </a:solidFill>
+              <a:latin typeface="Arial" panose="020B0604020202020204" pitchFamily="34" charset="0"/>
+              <a:cs typeface="Arial" panose="020B0604020202020204" pitchFamily="34" charset="0"/>
+            </a:endParaRPr>
+          </a:p>
+          <a:p>
+            <a:pPr>
+              <a:spcAft>
+                <a:spcPts val="600"/>
+              </a:spcAft>
+            </a:pPr>
+            <a:r>
+              <a:rPr lang="de-DE" dirty="0">
+                <a:solidFill>
+                  <a:srgbClr val="4A5C66"/>
+                </a:solidFill>
+                <a:latin typeface="Arial" panose="020B0604020202020204" pitchFamily="34" charset="0"/>
+                <a:cs typeface="Arial" panose="020B0604020202020204" pitchFamily="34" charset="0"/>
+              </a:rPr>
+              <a:t>position_a=3</a:t>
+            </a:r>
+          </a:p>
+          <a:p>
+            <a:pPr>
+              <a:spcAft>
+                <a:spcPts val="600"/>
+              </a:spcAft>
+            </a:pPr>
+            <a:r>
+              <a:rPr lang="de-DE" dirty="0">
+                <a:solidFill>
+                  <a:srgbClr val="4A5C66"/>
+                </a:solidFill>
+                <a:latin typeface="Arial" panose="020B0604020202020204" pitchFamily="34" charset="0"/>
+                <a:cs typeface="Arial" panose="020B0604020202020204" pitchFamily="34" charset="0"/>
+              </a:rPr>
+              <a:t>position_b=7</a:t>
+            </a:r>
+          </a:p>
+          <a:p>
+            <a:pPr>
+              <a:spcAft>
+                <a:spcPts val="600"/>
+              </a:spcAft>
+            </a:pPr>
+            <a:endParaRPr lang="de-DE" dirty="0">
+              <a:solidFill>
+                <a:srgbClr val="4A5C66"/>
+              </a:solidFill>
+              <a:latin typeface="Arial" panose="020B0604020202020204" pitchFamily="34" charset="0"/>
+              <a:cs typeface="Arial" panose="020B0604020202020204" pitchFamily="34" charset="0"/>
+            </a:endParaRPr>
+          </a:p>
+          <a:p>
+            <a:pPr>
+              <a:spcAft>
+                <a:spcPts val="600"/>
+              </a:spcAft>
+            </a:pPr>
+            <a:endParaRPr lang="de-DE" dirty="0">
+              <a:solidFill>
+                <a:srgbClr val="4A5C66"/>
+              </a:solidFill>
+              <a:latin typeface="Arial" panose="020B0604020202020204" pitchFamily="34" charset="0"/>
+              <a:cs typeface="Arial" panose="020B0604020202020204" pitchFamily="34" charset="0"/>
+            </a:endParaRPr>
+          </a:p>
+          <a:p>
+            <a:pPr>
+              <a:spcAft>
+                <a:spcPts val="600"/>
+              </a:spcAft>
+            </a:pPr>
+            <a:endParaRPr lang="de-DE" dirty="0">
+              <a:solidFill>
+                <a:srgbClr val="4A5C66"/>
+              </a:solidFill>
+              <a:latin typeface="Arial" panose="020B0604020202020204" pitchFamily="34" charset="0"/>
+              <a:cs typeface="Arial" panose="020B0604020202020204" pitchFamily="34" charset="0"/>
+            </a:endParaRPr>
+          </a:p>
+          <a:p>
+            <a:pPr>
+              <a:spcAft>
+                <a:spcPts val="600"/>
+              </a:spcAft>
+            </a:pPr>
+            <a:r>
+              <a:rPr lang="de-DE" dirty="0">
+                <a:solidFill>
+                  <a:srgbClr val="4A5C66"/>
+                </a:solidFill>
+                <a:latin typeface="Arial" panose="020B0604020202020204" pitchFamily="34" charset="0"/>
+                <a:cs typeface="Arial" panose="020B0604020202020204" pitchFamily="34" charset="0"/>
+              </a:rPr>
+              <a:t>Ergebnis: {1,2,</a:t>
+            </a:r>
+            <a:r>
+              <a:rPr lang="de-DE" b="1" dirty="0">
+                <a:solidFill>
+                  <a:srgbClr val="4A5C66"/>
+                </a:solidFill>
+                <a:latin typeface="Arial" panose="020B0604020202020204" pitchFamily="34" charset="0"/>
+                <a:cs typeface="Arial" panose="020B0604020202020204" pitchFamily="34" charset="0"/>
+              </a:rPr>
+              <a:t>4,5,6,7,</a:t>
+            </a:r>
+            <a:r>
+              <a:rPr lang="de-DE" b="1" dirty="0">
+                <a:solidFill>
+                  <a:srgbClr val="C00000"/>
+                </a:solidFill>
+                <a:latin typeface="Arial" panose="020B0604020202020204" pitchFamily="34" charset="0"/>
+                <a:cs typeface="Arial" panose="020B0604020202020204" pitchFamily="34" charset="0"/>
+              </a:rPr>
+              <a:t>3</a:t>
+            </a:r>
+            <a:r>
+              <a:rPr lang="de-DE" dirty="0">
+                <a:solidFill>
+                  <a:srgbClr val="4A5C66"/>
+                </a:solidFill>
+                <a:latin typeface="Arial" panose="020B0604020202020204" pitchFamily="34" charset="0"/>
+                <a:cs typeface="Arial" panose="020B0604020202020204" pitchFamily="34" charset="0"/>
+              </a:rPr>
+              <a:t>,8,9,10}</a:t>
+            </a:r>
+          </a:p>
+          <a:p>
+            <a:pPr>
+              <a:spcAft>
+                <a:spcPts val="600"/>
+              </a:spcAft>
+            </a:pPr>
+            <a:endParaRPr lang="de-DE" dirty="0">
+              <a:solidFill>
+                <a:srgbClr val="4A5C66"/>
+              </a:solidFill>
+              <a:latin typeface="Arial" panose="020B0604020202020204" pitchFamily="34" charset="0"/>
+              <a:cs typeface="Arial" panose="020B0604020202020204" pitchFamily="34" charset="0"/>
+            </a:endParaRPr>
+          </a:p>
+          <a:p>
+            <a:pPr>
+              <a:spcAft>
+                <a:spcPts val="600"/>
+              </a:spcAft>
+            </a:pPr>
+            <a:endParaRPr lang="de-DE" dirty="0">
+              <a:solidFill>
+                <a:srgbClr val="4A5C66"/>
+              </a:solidFill>
+              <a:latin typeface="Arial" panose="020B0604020202020204" pitchFamily="34" charset="0"/>
+              <a:cs typeface="Arial" panose="020B0604020202020204" pitchFamily="34" charset="0"/>
+            </a:endParaRPr>
+          </a:p>
+          <a:p>
+            <a:pPr>
+              <a:spcAft>
+                <a:spcPts val="600"/>
+              </a:spcAft>
+            </a:pPr>
+            <a:endParaRPr lang="de-DE" dirty="0">
+              <a:solidFill>
+                <a:srgbClr val="4A5C66"/>
+              </a:solidFill>
+              <a:latin typeface="Arial" panose="020B0604020202020204" pitchFamily="34" charset="0"/>
+              <a:cs typeface="Arial" panose="020B0604020202020204" pitchFamily="34" charset="0"/>
+            </a:endParaRPr>
+          </a:p>
+        </p:txBody>
+      </p:sp>
+    </p:spTree>
+    <p:extLst>
+      <p:ext uri="{BB962C8B-B14F-4D97-AF65-F5344CB8AC3E}">
+        <p14:creationId xmlns:p14="http://schemas.microsoft.com/office/powerpoint/2010/main" val="21206333"/>
+      </p:ext>
+    </p:extLst>
+  </p:cSld>
+  <p:clrMapOvr>
+    <a:masterClrMapping/>
+  </p:clrMapOvr>
+</p:sld>
+</file>
+
+<file path=ppt/slides/slide28.xml><?xml version="1.0" encoding="utf-8"?>
+<p:sld xmlns:a="http://schemas.openxmlformats.org/drawingml/2006/main" xmlns:r="http://schemas.openxmlformats.org/officeDocument/2006/relationships" xmlns:p="http://schemas.openxmlformats.org/presentationml/2006/main">
+  <p:cSld>
+    <p:spTree>
+      <p:nvGrpSpPr>
+        <p:cNvPr id="1" name=""/>
+        <p:cNvGrpSpPr/>
+        <p:nvPr/>
+      </p:nvGrpSpPr>
+      <p:grpSpPr>
+        <a:xfrm>
+          <a:off x="0" y="0"/>
+          <a:ext cx="0" cy="0"/>
+          <a:chOff x="0" y="0"/>
+          <a:chExt cx="0" cy="0"/>
+        </a:xfrm>
+      </p:grpSpPr>
+      <p:sp>
+        <p:nvSpPr>
+          <p:cNvPr id="2" name="Title 1">
+            <a:extLst>
+              <a:ext uri="{FF2B5EF4-FFF2-40B4-BE49-F238E27FC236}">
+                <a16:creationId xmlns:a16="http://schemas.microsoft.com/office/drawing/2014/main" id="{85052616-A1AA-4C30-9C7B-DBB34145436D}"/>
+              </a:ext>
+            </a:extLst>
+          </p:cNvPr>
+          <p:cNvSpPr>
+            <a:spLocks noGrp="1"/>
+          </p:cNvSpPr>
+          <p:nvPr>
+            <p:ph type="title"/>
+          </p:nvPr>
+        </p:nvSpPr>
+        <p:spPr/>
+        <p:txBody>
+          <a:bodyPr/>
+          <a:lstStyle/>
+          <a:p>
+            <a:r>
+              <a:rPr lang="de-DE" dirty="0"/>
               <a:t>Realisierung – Selektions-Algorithmus</a:t>
             </a:r>
           </a:p>
@@ -34931,7 +36786,7 @@
 </p:sld>
 </file>
 
-<file path=ppt/slides/slide28.xml><?xml version="1.0" encoding="utf-8"?>
+<file path=ppt/slides/slide29.xml><?xml version="1.0" encoding="utf-8"?>
 <p:sld xmlns:a="http://schemas.openxmlformats.org/drawingml/2006/main" xmlns:r="http://schemas.openxmlformats.org/officeDocument/2006/relationships" xmlns:p="http://schemas.openxmlformats.org/presentationml/2006/main">
   <p:cSld>
     <p:spTree>
@@ -35066,7 +36921,7 @@
             </a:r>
             <a:r>
               <a:rPr lang="de-DE" dirty="0"/>
-              <a:t> gibt das Individuum mit der größten Fitness zurücl</a:t>
+              <a:t> gibt das Individuum mit der größten Fitness zurück</a:t>
             </a:r>
           </a:p>
           <a:p>
@@ -35130,568 +36985,6 @@
     <p:extLst>
       <p:ext uri="{BB962C8B-B14F-4D97-AF65-F5344CB8AC3E}">
         <p14:creationId xmlns:p14="http://schemas.microsoft.com/office/powerpoint/2010/main" val="1459846204"/>
-      </p:ext>
-    </p:extLst>
-  </p:cSld>
-  <p:clrMapOvr>
-    <a:masterClrMapping/>
-  </p:clrMapOvr>
-</p:sld>
-</file>
-
-<file path=ppt/slides/slide29.xml><?xml version="1.0" encoding="utf-8"?>
-<p:sld xmlns:a="http://schemas.openxmlformats.org/drawingml/2006/main" xmlns:r="http://schemas.openxmlformats.org/officeDocument/2006/relationships" xmlns:p="http://schemas.openxmlformats.org/presentationml/2006/main">
-  <p:cSld>
-    <p:spTree>
-      <p:nvGrpSpPr>
-        <p:cNvPr id="1" name=""/>
-        <p:cNvGrpSpPr/>
-        <p:nvPr/>
-      </p:nvGrpSpPr>
-      <p:grpSpPr>
-        <a:xfrm>
-          <a:off x="0" y="0"/>
-          <a:ext cx="0" cy="0"/>
-          <a:chOff x="0" y="0"/>
-          <a:chExt cx="0" cy="0"/>
-        </a:xfrm>
-      </p:grpSpPr>
-      <p:sp>
-        <p:nvSpPr>
-          <p:cNvPr id="2" name="Title 1">
-            <a:extLst>
-              <a:ext uri="{FF2B5EF4-FFF2-40B4-BE49-F238E27FC236}">
-                <a16:creationId xmlns:a16="http://schemas.microsoft.com/office/drawing/2014/main" id="{81EFB697-ABB7-4385-A87F-DE3D50F38BDB}"/>
-              </a:ext>
-            </a:extLst>
-          </p:cNvPr>
-          <p:cNvSpPr>
-            <a:spLocks noGrp="1"/>
-          </p:cNvSpPr>
-          <p:nvPr>
-            <p:ph type="title"/>
-          </p:nvPr>
-        </p:nvSpPr>
-        <p:spPr/>
-        <p:txBody>
-          <a:bodyPr/>
-          <a:lstStyle/>
-          <a:p>
-            <a:r>
-              <a:rPr lang="de-DE" dirty="0"/>
-              <a:t>Realisierung – Python-Schnittstelle</a:t>
-            </a:r>
-          </a:p>
-        </p:txBody>
-      </p:sp>
-      <p:sp>
-        <p:nvSpPr>
-          <p:cNvPr id="3" name="Text Placeholder 2">
-            <a:extLst>
-              <a:ext uri="{FF2B5EF4-FFF2-40B4-BE49-F238E27FC236}">
-                <a16:creationId xmlns:a16="http://schemas.microsoft.com/office/drawing/2014/main" id="{778E93AF-5E49-4550-AA2C-7CEF1E9BA9D3}"/>
-              </a:ext>
-            </a:extLst>
-          </p:cNvPr>
-          <p:cNvSpPr>
-            <a:spLocks noGrp="1"/>
-          </p:cNvSpPr>
-          <p:nvPr>
-            <p:ph type="body" sz="quarter" idx="11"/>
-          </p:nvPr>
-        </p:nvSpPr>
-        <p:spPr>
-          <a:xfrm>
-            <a:off x="334963" y="1280160"/>
-            <a:ext cx="11487150" cy="1835902"/>
-          </a:xfrm>
-        </p:spPr>
-        <p:txBody>
-          <a:bodyPr/>
-          <a:lstStyle/>
-          <a:p>
-            <a:pPr marL="285750" indent="-285750">
-              <a:buFont typeface="Arial" panose="020B0604020202020204" pitchFamily="34" charset="0"/>
-              <a:buChar char="•"/>
-            </a:pPr>
-            <a:r>
-              <a:rPr lang="de-DE" dirty="0"/>
-              <a:t>Boost Python Bibliothek</a:t>
-            </a:r>
-          </a:p>
-          <a:p>
-            <a:pPr marL="285750" indent="-285750">
-              <a:buFont typeface="Arial" panose="020B0604020202020204" pitchFamily="34" charset="0"/>
-              <a:buChar char="•"/>
-            </a:pPr>
-            <a:r>
-              <a:rPr lang="de-DE" dirty="0"/>
-              <a:t>Erstellung von Schnittstellen zwischen C++ und Python</a:t>
-            </a:r>
-          </a:p>
-          <a:p>
-            <a:pPr marL="285750" indent="-285750">
-              <a:buFont typeface="Arial" panose="020B0604020202020204" pitchFamily="34" charset="0"/>
-              <a:buChar char="•"/>
-            </a:pPr>
-            <a:r>
-              <a:rPr lang="de-DE" dirty="0"/>
-              <a:t>Schnell und unkompliziert</a:t>
-            </a:r>
-          </a:p>
-        </p:txBody>
-      </p:sp>
-      <p:sp>
-        <p:nvSpPr>
-          <p:cNvPr id="7" name="Text Placeholder 2">
-            <a:extLst>
-              <a:ext uri="{FF2B5EF4-FFF2-40B4-BE49-F238E27FC236}">
-                <a16:creationId xmlns:a16="http://schemas.microsoft.com/office/drawing/2014/main" id="{E5D452C1-DD4D-4E05-90BB-0F8EBB7CDC84}"/>
-              </a:ext>
-            </a:extLst>
-          </p:cNvPr>
-          <p:cNvSpPr txBox="1">
-            <a:spLocks/>
-          </p:cNvSpPr>
-          <p:nvPr/>
-        </p:nvSpPr>
-        <p:spPr bwMode="auto">
-          <a:xfrm>
-            <a:off x="369887" y="2511048"/>
-            <a:ext cx="6723371" cy="3721075"/>
-          </a:xfrm>
-          <a:prstGeom prst="rect">
-            <a:avLst/>
-          </a:prstGeom>
-          <a:noFill/>
-          <a:ln>
-            <a:noFill/>
-          </a:ln>
-          <a:extLst>
-            <a:ext uri="{909E8E84-426E-40DD-AFC4-6F175D3DCCD1}">
-              <a14:hiddenFill xmlns:a14="http://schemas.microsoft.com/office/drawing/2010/main">
-                <a:solidFill>
-                  <a:srgbClr val="FFFFFF"/>
-                </a:solidFill>
-              </a14:hiddenFill>
-            </a:ext>
-            <a:ext uri="{91240B29-F687-4F45-9708-019B960494DF}">
-              <a14:hiddenLine xmlns:a14="http://schemas.microsoft.com/office/drawing/2010/main" w="9525">
-                <a:solidFill>
-                  <a:srgbClr val="000000"/>
-                </a:solidFill>
-                <a:miter lim="800000"/>
-                <a:headEnd/>
-                <a:tailEnd/>
-              </a14:hiddenLine>
-            </a:ext>
-          </a:extLst>
-        </p:spPr>
-        <p:txBody>
-          <a:bodyPr vert="horz" wrap="square" lIns="91440" tIns="45720" rIns="91440" bIns="45720" numCol="1" anchor="t" anchorCtr="0" compatLnSpc="1">
-            <a:prstTxWarp prst="textNoShape">
-              <a:avLst/>
-            </a:prstTxWarp>
-          </a:bodyPr>
-          <a:lstStyle>
-            <a:lvl1pPr marL="0" indent="0" algn="l" rtl="0" eaLnBrk="0" fontAlgn="base" hangingPunct="0">
-              <a:spcBef>
-                <a:spcPct val="20000"/>
-              </a:spcBef>
-              <a:spcAft>
-                <a:spcPct val="0"/>
-              </a:spcAft>
-              <a:buClr>
-                <a:srgbClr val="80BA24"/>
-              </a:buClr>
-              <a:buSzPct val="106000"/>
-              <a:buFontTx/>
-              <a:buNone/>
-              <a:defRPr kern="1200" baseline="0">
-                <a:solidFill>
-                  <a:srgbClr val="4A5C66"/>
-                </a:solidFill>
-                <a:latin typeface="Arial" pitchFamily="34" charset="0"/>
-                <a:ea typeface="MS PGothic" panose="020B0600070205080204" pitchFamily="34" charset="-128"/>
-                <a:cs typeface="Arial" pitchFamily="34" charset="0"/>
-              </a:defRPr>
-            </a:lvl1pPr>
-            <a:lvl2pPr marL="266700" indent="0" algn="l" rtl="0" eaLnBrk="0" fontAlgn="base" hangingPunct="0">
-              <a:spcBef>
-                <a:spcPct val="20000"/>
-              </a:spcBef>
-              <a:spcAft>
-                <a:spcPct val="0"/>
-              </a:spcAft>
-              <a:buClr>
-                <a:srgbClr val="80BA24"/>
-              </a:buClr>
-              <a:buSzPct val="90000"/>
-              <a:buFontTx/>
-              <a:buNone/>
-              <a:defRPr kern="1200">
-                <a:solidFill>
-                  <a:srgbClr val="4A5C66"/>
-                </a:solidFill>
-                <a:latin typeface="Arial" pitchFamily="34" charset="0"/>
-                <a:ea typeface="Arial" charset="0"/>
-                <a:cs typeface="Arial" pitchFamily="34" charset="0"/>
-              </a:defRPr>
-            </a:lvl2pPr>
-            <a:lvl3pPr marL="542925" indent="0" algn="l" rtl="0" eaLnBrk="0" fontAlgn="base" hangingPunct="0">
-              <a:spcBef>
-                <a:spcPct val="20000"/>
-              </a:spcBef>
-              <a:spcAft>
-                <a:spcPct val="0"/>
-              </a:spcAft>
-              <a:buClr>
-                <a:srgbClr val="80BA24"/>
-              </a:buClr>
-              <a:buSzPct val="80000"/>
-              <a:buFontTx/>
-              <a:buNone/>
-              <a:defRPr kern="1200">
-                <a:solidFill>
-                  <a:srgbClr val="4A5C66"/>
-                </a:solidFill>
-                <a:latin typeface="Arial" pitchFamily="34" charset="0"/>
-                <a:ea typeface="Arial" charset="0"/>
-                <a:cs typeface="Arial" pitchFamily="34" charset="0"/>
-              </a:defRPr>
-            </a:lvl3pPr>
-            <a:lvl4pPr marL="809625" indent="0" algn="l" rtl="0" eaLnBrk="0" fontAlgn="base" hangingPunct="0">
-              <a:spcBef>
-                <a:spcPct val="20000"/>
-              </a:spcBef>
-              <a:spcAft>
-                <a:spcPct val="0"/>
-              </a:spcAft>
-              <a:buClr>
-                <a:srgbClr val="80BA24"/>
-              </a:buClr>
-              <a:buSzPct val="80000"/>
-              <a:buFontTx/>
-              <a:buNone/>
-              <a:defRPr kern="1200">
-                <a:solidFill>
-                  <a:srgbClr val="4A5C66"/>
-                </a:solidFill>
-                <a:latin typeface="Arial" pitchFamily="34" charset="0"/>
-                <a:ea typeface="Arial" charset="0"/>
-                <a:cs typeface="Arial" pitchFamily="34" charset="0"/>
-              </a:defRPr>
-            </a:lvl4pPr>
-            <a:lvl5pPr marL="1076325" indent="0" algn="l" rtl="0" eaLnBrk="0" fontAlgn="base" hangingPunct="0">
-              <a:spcBef>
-                <a:spcPct val="20000"/>
-              </a:spcBef>
-              <a:spcAft>
-                <a:spcPct val="0"/>
-              </a:spcAft>
-              <a:buClr>
-                <a:srgbClr val="80BA24"/>
-              </a:buClr>
-              <a:buSzPct val="80000"/>
-              <a:buFontTx/>
-              <a:buNone/>
-              <a:defRPr kern="1200">
-                <a:solidFill>
-                  <a:srgbClr val="4A5C66"/>
-                </a:solidFill>
-                <a:latin typeface="Arial" pitchFamily="34" charset="0"/>
-                <a:ea typeface="Arial" charset="0"/>
-                <a:cs typeface="Arial" pitchFamily="34" charset="0"/>
-              </a:defRPr>
-            </a:lvl5pPr>
-            <a:lvl6pPr marL="2514600" indent="-228600" algn="l" defTabSz="914400" rtl="0" eaLnBrk="1" latinLnBrk="0" hangingPunct="1">
-              <a:spcBef>
-                <a:spcPct val="20000"/>
-              </a:spcBef>
-              <a:buFont typeface="Arial" pitchFamily="34" charset="0"/>
-              <a:buChar char="•"/>
-              <a:defRPr sz="2000" kern="1200">
-                <a:solidFill>
-                  <a:schemeClr val="tx1"/>
-                </a:solidFill>
-                <a:latin typeface="+mn-lt"/>
-                <a:ea typeface="+mn-ea"/>
-                <a:cs typeface="+mn-cs"/>
-              </a:defRPr>
-            </a:lvl6pPr>
-            <a:lvl7pPr marL="2971800" indent="-228600" algn="l" defTabSz="914400" rtl="0" eaLnBrk="1" latinLnBrk="0" hangingPunct="1">
-              <a:spcBef>
-                <a:spcPct val="20000"/>
-              </a:spcBef>
-              <a:buFont typeface="Arial" pitchFamily="34" charset="0"/>
-              <a:buChar char="•"/>
-              <a:defRPr sz="2000" kern="1200">
-                <a:solidFill>
-                  <a:schemeClr val="tx1"/>
-                </a:solidFill>
-                <a:latin typeface="+mn-lt"/>
-                <a:ea typeface="+mn-ea"/>
-                <a:cs typeface="+mn-cs"/>
-              </a:defRPr>
-            </a:lvl7pPr>
-            <a:lvl8pPr marL="3429000" indent="-228600" algn="l" defTabSz="914400" rtl="0" eaLnBrk="1" latinLnBrk="0" hangingPunct="1">
-              <a:spcBef>
-                <a:spcPct val="20000"/>
-              </a:spcBef>
-              <a:buFont typeface="Arial" pitchFamily="34" charset="0"/>
-              <a:buChar char="•"/>
-              <a:defRPr sz="2000" kern="1200">
-                <a:solidFill>
-                  <a:schemeClr val="tx1"/>
-                </a:solidFill>
-                <a:latin typeface="+mn-lt"/>
-                <a:ea typeface="+mn-ea"/>
-                <a:cs typeface="+mn-cs"/>
-              </a:defRPr>
-            </a:lvl8pPr>
-            <a:lvl9pPr marL="3886200" indent="-228600" algn="l" defTabSz="914400" rtl="0" eaLnBrk="1" latinLnBrk="0" hangingPunct="1">
-              <a:spcBef>
-                <a:spcPct val="20000"/>
-              </a:spcBef>
-              <a:buFont typeface="Arial" pitchFamily="34" charset="0"/>
-              <a:buChar char="•"/>
-              <a:defRPr sz="2000" kern="1200">
-                <a:solidFill>
-                  <a:schemeClr val="tx1"/>
-                </a:solidFill>
-                <a:latin typeface="+mn-lt"/>
-                <a:ea typeface="+mn-ea"/>
-                <a:cs typeface="+mn-cs"/>
-              </a:defRPr>
-            </a:lvl9pPr>
-          </a:lstStyle>
-          <a:p>
-            <a:r>
-              <a:rPr lang="en-US" sz="1200" dirty="0">
-                <a:solidFill>
-                  <a:schemeClr val="accent6">
-                    <a:lumMod val="75000"/>
-                  </a:schemeClr>
-                </a:solidFill>
-              </a:rPr>
-              <a:t>BOOST_PYTHON_MODULE</a:t>
-            </a:r>
-            <a:r>
-              <a:rPr lang="en-US" sz="1200" dirty="0"/>
-              <a:t>(</a:t>
-            </a:r>
-            <a:r>
-              <a:rPr lang="en-US" sz="1200" dirty="0" err="1"/>
-              <a:t>Simulator_Wrapper</a:t>
-            </a:r>
-            <a:r>
-              <a:rPr lang="en-US" sz="1200" dirty="0"/>
-              <a:t>)</a:t>
-            </a:r>
-          </a:p>
-          <a:p>
-            <a:r>
-              <a:rPr lang="en-US" sz="1200" dirty="0"/>
-              <a:t>{</a:t>
-            </a:r>
-          </a:p>
-          <a:p>
-            <a:r>
-              <a:rPr lang="de-DE" sz="1200" dirty="0"/>
-              <a:t>    </a:t>
-            </a:r>
-            <a:r>
-              <a:rPr lang="de-DE" sz="1200" dirty="0">
-                <a:solidFill>
-                  <a:schemeClr val="accent6">
-                    <a:lumMod val="75000"/>
-                  </a:schemeClr>
-                </a:solidFill>
-              </a:rPr>
-              <a:t>to_python_converter</a:t>
-            </a:r>
-            <a:r>
-              <a:rPr lang="de-DE" sz="1200" dirty="0"/>
-              <a:t>&lt;std::tuple&lt;int, int, int&gt;, TupleToList&lt;int&gt; &gt;();</a:t>
-            </a:r>
-          </a:p>
-          <a:p>
-            <a:endParaRPr lang="de-DE" sz="1200" dirty="0"/>
-          </a:p>
-          <a:p>
-            <a:r>
-              <a:rPr lang="de-DE" sz="1200" dirty="0"/>
-              <a:t>    </a:t>
-            </a:r>
-            <a:r>
-              <a:rPr lang="de-DE" sz="1200" dirty="0">
-                <a:solidFill>
-                  <a:schemeClr val="accent6">
-                    <a:lumMod val="75000"/>
-                  </a:schemeClr>
-                </a:solidFill>
-              </a:rPr>
-              <a:t>enum_</a:t>
-            </a:r>
-            <a:r>
-              <a:rPr lang="de-DE" sz="1200" dirty="0"/>
-              <a:t>&lt;Selection_Algorithm&gt;("Selection_Algorithm")</a:t>
-            </a:r>
-          </a:p>
-          <a:p>
-            <a:r>
-              <a:rPr lang="de-DE" sz="1200" dirty="0"/>
-              <a:t>            .</a:t>
-            </a:r>
-            <a:r>
-              <a:rPr lang="de-DE" sz="1200" dirty="0">
-                <a:solidFill>
-                  <a:schemeClr val="accent6">
-                    <a:lumMod val="75000"/>
-                  </a:schemeClr>
-                </a:solidFill>
-              </a:rPr>
-              <a:t>value</a:t>
-            </a:r>
-            <a:r>
-              <a:rPr lang="de-DE" sz="1200" dirty="0"/>
-              <a:t>("SOFT", Selection_Algorithm::SOFT);</a:t>
-            </a:r>
-          </a:p>
-          <a:p>
-            <a:endParaRPr lang="de-DE" sz="1200" dirty="0"/>
-          </a:p>
-          <a:p>
-            <a:r>
-              <a:rPr lang="de-DE" sz="1200" dirty="0"/>
-              <a:t>    </a:t>
-            </a:r>
-            <a:r>
-              <a:rPr lang="de-DE" sz="1200" dirty="0">
-                <a:solidFill>
-                  <a:schemeClr val="accent6">
-                    <a:lumMod val="75000"/>
-                  </a:schemeClr>
-                </a:solidFill>
-              </a:rPr>
-              <a:t>class_</a:t>
-            </a:r>
-            <a:r>
-              <a:rPr lang="de-DE" sz="1200" dirty="0"/>
-              <a:t>&lt;Simulator&gt;("Simulator", </a:t>
-            </a:r>
-            <a:r>
-              <a:rPr lang="de-DE" sz="1200" dirty="0">
-                <a:solidFill>
-                  <a:schemeClr val="accent6">
-                    <a:lumMod val="75000"/>
-                  </a:schemeClr>
-                </a:solidFill>
-              </a:rPr>
-              <a:t>init</a:t>
-            </a:r>
-            <a:r>
-              <a:rPr lang="de-DE" sz="1200" dirty="0"/>
-              <a:t>&lt;</a:t>
-            </a:r>
-          </a:p>
-          <a:p>
-            <a:r>
-              <a:rPr lang="de-DE" sz="1200" dirty="0"/>
-              <a:t>            std::string, std::string, std::string,</a:t>
-            </a:r>
-          </a:p>
-          <a:p>
-            <a:r>
-              <a:rPr lang="de-DE" sz="1200" dirty="0"/>
-              <a:t>            int,int,int,int,</a:t>
-            </a:r>
-          </a:p>
-          <a:p>
-            <a:r>
-              <a:rPr lang="de-DE" sz="1200" dirty="0"/>
-              <a:t>            Crossover_Algorithm, Marriage_Algorithm, Mutation_Algorithm, Selection_Algorithm&gt;(</a:t>
-            </a:r>
-          </a:p>
-          <a:p>
-            <a:r>
-              <a:rPr lang="de-DE" sz="1200" dirty="0"/>
-              <a:t>            ))</a:t>
-            </a:r>
-          </a:p>
-          <a:p>
-            <a:r>
-              <a:rPr lang="de-DE" sz="1200" dirty="0"/>
-              <a:t>            .</a:t>
-            </a:r>
-            <a:r>
-              <a:rPr lang="de-DE" sz="1200" dirty="0">
-                <a:solidFill>
-                  <a:schemeClr val="accent6">
-                    <a:lumMod val="75000"/>
-                  </a:schemeClr>
-                </a:solidFill>
-              </a:rPr>
-              <a:t>def</a:t>
-            </a:r>
-            <a:r>
-              <a:rPr lang="de-DE" sz="1200" dirty="0"/>
-              <a:t>("simulate", &amp;Simulator::simulate)</a:t>
-            </a:r>
-          </a:p>
-          <a:p>
-            <a:r>
-              <a:rPr lang="de-DE" sz="1200" dirty="0"/>
-              <a:t>            .</a:t>
-            </a:r>
-            <a:r>
-              <a:rPr lang="de-DE" sz="1200" dirty="0">
-                <a:solidFill>
-                  <a:schemeClr val="accent6">
-                    <a:lumMod val="75000"/>
-                  </a:schemeClr>
-                </a:solidFill>
-              </a:rPr>
-              <a:t>def</a:t>
-            </a:r>
-            <a:r>
-              <a:rPr lang="de-DE" sz="1200" dirty="0"/>
-              <a:t>("finished", &amp;Simulator::finished)</a:t>
-            </a:r>
-          </a:p>
-          <a:p>
-            <a:r>
-              <a:rPr lang="de-DE" sz="1200" dirty="0"/>
-              <a:t>            .</a:t>
-            </a:r>
-            <a:r>
-              <a:rPr lang="de-DE" sz="1200" dirty="0">
-                <a:solidFill>
-                  <a:schemeClr val="accent6">
-                    <a:lumMod val="75000"/>
-                  </a:schemeClr>
-                </a:solidFill>
-              </a:rPr>
-              <a:t>def</a:t>
-            </a:r>
-            <a:r>
-              <a:rPr lang="de-DE" sz="1200" dirty="0"/>
-              <a:t>("best_individual", &amp;Simulator::best_individual);</a:t>
-            </a:r>
-          </a:p>
-          <a:p>
-            <a:r>
-              <a:rPr lang="de-DE" sz="1200" dirty="0"/>
-              <a:t>}</a:t>
-            </a:r>
-            <a:endParaRPr lang="de-DE" sz="1800" dirty="0"/>
-          </a:p>
-        </p:txBody>
-      </p:sp>
-    </p:spTree>
-    <p:extLst>
-      <p:ext uri="{BB962C8B-B14F-4D97-AF65-F5344CB8AC3E}">
-        <p14:creationId xmlns:p14="http://schemas.microsoft.com/office/powerpoint/2010/main" val="580990576"/>
       </p:ext>
     </p:extLst>
   </p:cSld>
@@ -36135,6 +37428,568 @@
           <a:p>
             <a:r>
               <a:rPr lang="de-DE" dirty="0"/>
+              <a:t>Realisierung – Python-Schnittstelle</a:t>
+            </a:r>
+          </a:p>
+        </p:txBody>
+      </p:sp>
+      <p:sp>
+        <p:nvSpPr>
+          <p:cNvPr id="3" name="Text Placeholder 2">
+            <a:extLst>
+              <a:ext uri="{FF2B5EF4-FFF2-40B4-BE49-F238E27FC236}">
+                <a16:creationId xmlns:a16="http://schemas.microsoft.com/office/drawing/2014/main" id="{778E93AF-5E49-4550-AA2C-7CEF1E9BA9D3}"/>
+              </a:ext>
+            </a:extLst>
+          </p:cNvPr>
+          <p:cNvSpPr>
+            <a:spLocks noGrp="1"/>
+          </p:cNvSpPr>
+          <p:nvPr>
+            <p:ph type="body" sz="quarter" idx="11"/>
+          </p:nvPr>
+        </p:nvSpPr>
+        <p:spPr>
+          <a:xfrm>
+            <a:off x="334963" y="1280160"/>
+            <a:ext cx="11487150" cy="1835902"/>
+          </a:xfrm>
+        </p:spPr>
+        <p:txBody>
+          <a:bodyPr/>
+          <a:lstStyle/>
+          <a:p>
+            <a:pPr marL="285750" indent="-285750">
+              <a:buFont typeface="Arial" panose="020B0604020202020204" pitchFamily="34" charset="0"/>
+              <a:buChar char="•"/>
+            </a:pPr>
+            <a:r>
+              <a:rPr lang="de-DE" dirty="0"/>
+              <a:t>Boost Python Bibliothek</a:t>
+            </a:r>
+          </a:p>
+          <a:p>
+            <a:pPr marL="285750" indent="-285750">
+              <a:buFont typeface="Arial" panose="020B0604020202020204" pitchFamily="34" charset="0"/>
+              <a:buChar char="•"/>
+            </a:pPr>
+            <a:r>
+              <a:rPr lang="de-DE" dirty="0"/>
+              <a:t>Erstellung von Schnittstellen zwischen C++ und Python</a:t>
+            </a:r>
+          </a:p>
+          <a:p>
+            <a:pPr marL="285750" indent="-285750">
+              <a:buFont typeface="Arial" panose="020B0604020202020204" pitchFamily="34" charset="0"/>
+              <a:buChar char="•"/>
+            </a:pPr>
+            <a:r>
+              <a:rPr lang="de-DE" dirty="0"/>
+              <a:t>Schnell und unkompliziert</a:t>
+            </a:r>
+          </a:p>
+        </p:txBody>
+      </p:sp>
+      <p:sp>
+        <p:nvSpPr>
+          <p:cNvPr id="7" name="Text Placeholder 2">
+            <a:extLst>
+              <a:ext uri="{FF2B5EF4-FFF2-40B4-BE49-F238E27FC236}">
+                <a16:creationId xmlns:a16="http://schemas.microsoft.com/office/drawing/2014/main" id="{E5D452C1-DD4D-4E05-90BB-0F8EBB7CDC84}"/>
+              </a:ext>
+            </a:extLst>
+          </p:cNvPr>
+          <p:cNvSpPr txBox="1">
+            <a:spLocks/>
+          </p:cNvSpPr>
+          <p:nvPr/>
+        </p:nvSpPr>
+        <p:spPr bwMode="auto">
+          <a:xfrm>
+            <a:off x="369887" y="2511048"/>
+            <a:ext cx="6723371" cy="3721075"/>
+          </a:xfrm>
+          <a:prstGeom prst="rect">
+            <a:avLst/>
+          </a:prstGeom>
+          <a:noFill/>
+          <a:ln>
+            <a:noFill/>
+          </a:ln>
+          <a:extLst>
+            <a:ext uri="{909E8E84-426E-40DD-AFC4-6F175D3DCCD1}">
+              <a14:hiddenFill xmlns:a14="http://schemas.microsoft.com/office/drawing/2010/main">
+                <a:solidFill>
+                  <a:srgbClr val="FFFFFF"/>
+                </a:solidFill>
+              </a14:hiddenFill>
+            </a:ext>
+            <a:ext uri="{91240B29-F687-4F45-9708-019B960494DF}">
+              <a14:hiddenLine xmlns:a14="http://schemas.microsoft.com/office/drawing/2010/main" w="9525">
+                <a:solidFill>
+                  <a:srgbClr val="000000"/>
+                </a:solidFill>
+                <a:miter lim="800000"/>
+                <a:headEnd/>
+                <a:tailEnd/>
+              </a14:hiddenLine>
+            </a:ext>
+          </a:extLst>
+        </p:spPr>
+        <p:txBody>
+          <a:bodyPr vert="horz" wrap="square" lIns="91440" tIns="45720" rIns="91440" bIns="45720" numCol="1" anchor="t" anchorCtr="0" compatLnSpc="1">
+            <a:prstTxWarp prst="textNoShape">
+              <a:avLst/>
+            </a:prstTxWarp>
+          </a:bodyPr>
+          <a:lstStyle>
+            <a:lvl1pPr marL="0" indent="0" algn="l" rtl="0" eaLnBrk="0" fontAlgn="base" hangingPunct="0">
+              <a:spcBef>
+                <a:spcPct val="20000"/>
+              </a:spcBef>
+              <a:spcAft>
+                <a:spcPct val="0"/>
+              </a:spcAft>
+              <a:buClr>
+                <a:srgbClr val="80BA24"/>
+              </a:buClr>
+              <a:buSzPct val="106000"/>
+              <a:buFontTx/>
+              <a:buNone/>
+              <a:defRPr kern="1200" baseline="0">
+                <a:solidFill>
+                  <a:srgbClr val="4A5C66"/>
+                </a:solidFill>
+                <a:latin typeface="Arial" pitchFamily="34" charset="0"/>
+                <a:ea typeface="MS PGothic" panose="020B0600070205080204" pitchFamily="34" charset="-128"/>
+                <a:cs typeface="Arial" pitchFamily="34" charset="0"/>
+              </a:defRPr>
+            </a:lvl1pPr>
+            <a:lvl2pPr marL="266700" indent="0" algn="l" rtl="0" eaLnBrk="0" fontAlgn="base" hangingPunct="0">
+              <a:spcBef>
+                <a:spcPct val="20000"/>
+              </a:spcBef>
+              <a:spcAft>
+                <a:spcPct val="0"/>
+              </a:spcAft>
+              <a:buClr>
+                <a:srgbClr val="80BA24"/>
+              </a:buClr>
+              <a:buSzPct val="90000"/>
+              <a:buFontTx/>
+              <a:buNone/>
+              <a:defRPr kern="1200">
+                <a:solidFill>
+                  <a:srgbClr val="4A5C66"/>
+                </a:solidFill>
+                <a:latin typeface="Arial" pitchFamily="34" charset="0"/>
+                <a:ea typeface="Arial" charset="0"/>
+                <a:cs typeface="Arial" pitchFamily="34" charset="0"/>
+              </a:defRPr>
+            </a:lvl2pPr>
+            <a:lvl3pPr marL="542925" indent="0" algn="l" rtl="0" eaLnBrk="0" fontAlgn="base" hangingPunct="0">
+              <a:spcBef>
+                <a:spcPct val="20000"/>
+              </a:spcBef>
+              <a:spcAft>
+                <a:spcPct val="0"/>
+              </a:spcAft>
+              <a:buClr>
+                <a:srgbClr val="80BA24"/>
+              </a:buClr>
+              <a:buSzPct val="80000"/>
+              <a:buFontTx/>
+              <a:buNone/>
+              <a:defRPr kern="1200">
+                <a:solidFill>
+                  <a:srgbClr val="4A5C66"/>
+                </a:solidFill>
+                <a:latin typeface="Arial" pitchFamily="34" charset="0"/>
+                <a:ea typeface="Arial" charset="0"/>
+                <a:cs typeface="Arial" pitchFamily="34" charset="0"/>
+              </a:defRPr>
+            </a:lvl3pPr>
+            <a:lvl4pPr marL="809625" indent="0" algn="l" rtl="0" eaLnBrk="0" fontAlgn="base" hangingPunct="0">
+              <a:spcBef>
+                <a:spcPct val="20000"/>
+              </a:spcBef>
+              <a:spcAft>
+                <a:spcPct val="0"/>
+              </a:spcAft>
+              <a:buClr>
+                <a:srgbClr val="80BA24"/>
+              </a:buClr>
+              <a:buSzPct val="80000"/>
+              <a:buFontTx/>
+              <a:buNone/>
+              <a:defRPr kern="1200">
+                <a:solidFill>
+                  <a:srgbClr val="4A5C66"/>
+                </a:solidFill>
+                <a:latin typeface="Arial" pitchFamily="34" charset="0"/>
+                <a:ea typeface="Arial" charset="0"/>
+                <a:cs typeface="Arial" pitchFamily="34" charset="0"/>
+              </a:defRPr>
+            </a:lvl4pPr>
+            <a:lvl5pPr marL="1076325" indent="0" algn="l" rtl="0" eaLnBrk="0" fontAlgn="base" hangingPunct="0">
+              <a:spcBef>
+                <a:spcPct val="20000"/>
+              </a:spcBef>
+              <a:spcAft>
+                <a:spcPct val="0"/>
+              </a:spcAft>
+              <a:buClr>
+                <a:srgbClr val="80BA24"/>
+              </a:buClr>
+              <a:buSzPct val="80000"/>
+              <a:buFontTx/>
+              <a:buNone/>
+              <a:defRPr kern="1200">
+                <a:solidFill>
+                  <a:srgbClr val="4A5C66"/>
+                </a:solidFill>
+                <a:latin typeface="Arial" pitchFamily="34" charset="0"/>
+                <a:ea typeface="Arial" charset="0"/>
+                <a:cs typeface="Arial" pitchFamily="34" charset="0"/>
+              </a:defRPr>
+            </a:lvl5pPr>
+            <a:lvl6pPr marL="2514600" indent="-228600" algn="l" defTabSz="914400" rtl="0" eaLnBrk="1" latinLnBrk="0" hangingPunct="1">
+              <a:spcBef>
+                <a:spcPct val="20000"/>
+              </a:spcBef>
+              <a:buFont typeface="Arial" pitchFamily="34" charset="0"/>
+              <a:buChar char="•"/>
+              <a:defRPr sz="2000" kern="1200">
+                <a:solidFill>
+                  <a:schemeClr val="tx1"/>
+                </a:solidFill>
+                <a:latin typeface="+mn-lt"/>
+                <a:ea typeface="+mn-ea"/>
+                <a:cs typeface="+mn-cs"/>
+              </a:defRPr>
+            </a:lvl6pPr>
+            <a:lvl7pPr marL="2971800" indent="-228600" algn="l" defTabSz="914400" rtl="0" eaLnBrk="1" latinLnBrk="0" hangingPunct="1">
+              <a:spcBef>
+                <a:spcPct val="20000"/>
+              </a:spcBef>
+              <a:buFont typeface="Arial" pitchFamily="34" charset="0"/>
+              <a:buChar char="•"/>
+              <a:defRPr sz="2000" kern="1200">
+                <a:solidFill>
+                  <a:schemeClr val="tx1"/>
+                </a:solidFill>
+                <a:latin typeface="+mn-lt"/>
+                <a:ea typeface="+mn-ea"/>
+                <a:cs typeface="+mn-cs"/>
+              </a:defRPr>
+            </a:lvl7pPr>
+            <a:lvl8pPr marL="3429000" indent="-228600" algn="l" defTabSz="914400" rtl="0" eaLnBrk="1" latinLnBrk="0" hangingPunct="1">
+              <a:spcBef>
+                <a:spcPct val="20000"/>
+              </a:spcBef>
+              <a:buFont typeface="Arial" pitchFamily="34" charset="0"/>
+              <a:buChar char="•"/>
+              <a:defRPr sz="2000" kern="1200">
+                <a:solidFill>
+                  <a:schemeClr val="tx1"/>
+                </a:solidFill>
+                <a:latin typeface="+mn-lt"/>
+                <a:ea typeface="+mn-ea"/>
+                <a:cs typeface="+mn-cs"/>
+              </a:defRPr>
+            </a:lvl8pPr>
+            <a:lvl9pPr marL="3886200" indent="-228600" algn="l" defTabSz="914400" rtl="0" eaLnBrk="1" latinLnBrk="0" hangingPunct="1">
+              <a:spcBef>
+                <a:spcPct val="20000"/>
+              </a:spcBef>
+              <a:buFont typeface="Arial" pitchFamily="34" charset="0"/>
+              <a:buChar char="•"/>
+              <a:defRPr sz="2000" kern="1200">
+                <a:solidFill>
+                  <a:schemeClr val="tx1"/>
+                </a:solidFill>
+                <a:latin typeface="+mn-lt"/>
+                <a:ea typeface="+mn-ea"/>
+                <a:cs typeface="+mn-cs"/>
+              </a:defRPr>
+            </a:lvl9pPr>
+          </a:lstStyle>
+          <a:p>
+            <a:r>
+              <a:rPr lang="en-US" sz="1200" dirty="0">
+                <a:solidFill>
+                  <a:schemeClr val="accent6">
+                    <a:lumMod val="75000"/>
+                  </a:schemeClr>
+                </a:solidFill>
+              </a:rPr>
+              <a:t>BOOST_PYTHON_MODULE</a:t>
+            </a:r>
+            <a:r>
+              <a:rPr lang="en-US" sz="1200" dirty="0"/>
+              <a:t>(</a:t>
+            </a:r>
+            <a:r>
+              <a:rPr lang="en-US" sz="1200" dirty="0" err="1"/>
+              <a:t>Simulator_Wrapper</a:t>
+            </a:r>
+            <a:r>
+              <a:rPr lang="en-US" sz="1200" dirty="0"/>
+              <a:t>)</a:t>
+            </a:r>
+          </a:p>
+          <a:p>
+            <a:r>
+              <a:rPr lang="en-US" sz="1200" dirty="0"/>
+              <a:t>{</a:t>
+            </a:r>
+          </a:p>
+          <a:p>
+            <a:r>
+              <a:rPr lang="de-DE" sz="1200" dirty="0"/>
+              <a:t>    </a:t>
+            </a:r>
+            <a:r>
+              <a:rPr lang="de-DE" sz="1200" dirty="0">
+                <a:solidFill>
+                  <a:schemeClr val="accent6">
+                    <a:lumMod val="75000"/>
+                  </a:schemeClr>
+                </a:solidFill>
+              </a:rPr>
+              <a:t>to_python_converter</a:t>
+            </a:r>
+            <a:r>
+              <a:rPr lang="de-DE" sz="1200" dirty="0"/>
+              <a:t>&lt;std::tuple&lt;int, int, int&gt;, TupleToList&lt;int&gt; &gt;();</a:t>
+            </a:r>
+          </a:p>
+          <a:p>
+            <a:endParaRPr lang="de-DE" sz="1200" dirty="0"/>
+          </a:p>
+          <a:p>
+            <a:r>
+              <a:rPr lang="de-DE" sz="1200" dirty="0"/>
+              <a:t>    </a:t>
+            </a:r>
+            <a:r>
+              <a:rPr lang="de-DE" sz="1200" dirty="0">
+                <a:solidFill>
+                  <a:schemeClr val="accent6">
+                    <a:lumMod val="75000"/>
+                  </a:schemeClr>
+                </a:solidFill>
+              </a:rPr>
+              <a:t>enum_</a:t>
+            </a:r>
+            <a:r>
+              <a:rPr lang="de-DE" sz="1200" dirty="0"/>
+              <a:t>&lt;Selection_Algorithm&gt;("Selection_Algorithm")</a:t>
+            </a:r>
+          </a:p>
+          <a:p>
+            <a:r>
+              <a:rPr lang="de-DE" sz="1200" dirty="0"/>
+              <a:t>            .</a:t>
+            </a:r>
+            <a:r>
+              <a:rPr lang="de-DE" sz="1200" dirty="0">
+                <a:solidFill>
+                  <a:schemeClr val="accent6">
+                    <a:lumMod val="75000"/>
+                  </a:schemeClr>
+                </a:solidFill>
+              </a:rPr>
+              <a:t>value</a:t>
+            </a:r>
+            <a:r>
+              <a:rPr lang="de-DE" sz="1200" dirty="0"/>
+              <a:t>("SOTF", Selection_Algorithm::SOTF);</a:t>
+            </a:r>
+          </a:p>
+          <a:p>
+            <a:endParaRPr lang="de-DE" sz="1200" dirty="0"/>
+          </a:p>
+          <a:p>
+            <a:r>
+              <a:rPr lang="de-DE" sz="1200" dirty="0"/>
+              <a:t>    </a:t>
+            </a:r>
+            <a:r>
+              <a:rPr lang="de-DE" sz="1200" dirty="0">
+                <a:solidFill>
+                  <a:schemeClr val="accent6">
+                    <a:lumMod val="75000"/>
+                  </a:schemeClr>
+                </a:solidFill>
+              </a:rPr>
+              <a:t>class_</a:t>
+            </a:r>
+            <a:r>
+              <a:rPr lang="de-DE" sz="1200" dirty="0"/>
+              <a:t>&lt;Simulator&gt;("Simulator", </a:t>
+            </a:r>
+            <a:r>
+              <a:rPr lang="de-DE" sz="1200" dirty="0">
+                <a:solidFill>
+                  <a:schemeClr val="accent6">
+                    <a:lumMod val="75000"/>
+                  </a:schemeClr>
+                </a:solidFill>
+              </a:rPr>
+              <a:t>init</a:t>
+            </a:r>
+            <a:r>
+              <a:rPr lang="de-DE" sz="1200" dirty="0"/>
+              <a:t>&lt;</a:t>
+            </a:r>
+          </a:p>
+          <a:p>
+            <a:r>
+              <a:rPr lang="de-DE" sz="1200" dirty="0"/>
+              <a:t>            std::string, std::string, std::string,</a:t>
+            </a:r>
+          </a:p>
+          <a:p>
+            <a:r>
+              <a:rPr lang="de-DE" sz="1200" dirty="0"/>
+              <a:t>            int,int,int,int,</a:t>
+            </a:r>
+          </a:p>
+          <a:p>
+            <a:r>
+              <a:rPr lang="de-DE" sz="1200" dirty="0"/>
+              <a:t>            Crossover_Algorithm, Marriage_Algorithm, Mutation_Algorithm, Selection_Algorithm&gt;(</a:t>
+            </a:r>
+          </a:p>
+          <a:p>
+            <a:r>
+              <a:rPr lang="de-DE" sz="1200" dirty="0"/>
+              <a:t>            ))</a:t>
+            </a:r>
+          </a:p>
+          <a:p>
+            <a:r>
+              <a:rPr lang="de-DE" sz="1200" dirty="0"/>
+              <a:t>            .</a:t>
+            </a:r>
+            <a:r>
+              <a:rPr lang="de-DE" sz="1200" dirty="0">
+                <a:solidFill>
+                  <a:schemeClr val="accent6">
+                    <a:lumMod val="75000"/>
+                  </a:schemeClr>
+                </a:solidFill>
+              </a:rPr>
+              <a:t>def</a:t>
+            </a:r>
+            <a:r>
+              <a:rPr lang="de-DE" sz="1200" dirty="0"/>
+              <a:t>("simulate", &amp;Simulator::simulate)</a:t>
+            </a:r>
+          </a:p>
+          <a:p>
+            <a:r>
+              <a:rPr lang="de-DE" sz="1200" dirty="0"/>
+              <a:t>            .</a:t>
+            </a:r>
+            <a:r>
+              <a:rPr lang="de-DE" sz="1200" dirty="0">
+                <a:solidFill>
+                  <a:schemeClr val="accent6">
+                    <a:lumMod val="75000"/>
+                  </a:schemeClr>
+                </a:solidFill>
+              </a:rPr>
+              <a:t>def</a:t>
+            </a:r>
+            <a:r>
+              <a:rPr lang="de-DE" sz="1200" dirty="0"/>
+              <a:t>("finished", &amp;Simulator::finished)</a:t>
+            </a:r>
+          </a:p>
+          <a:p>
+            <a:r>
+              <a:rPr lang="de-DE" sz="1200" dirty="0"/>
+              <a:t>            .</a:t>
+            </a:r>
+            <a:r>
+              <a:rPr lang="de-DE" sz="1200" dirty="0">
+                <a:solidFill>
+                  <a:schemeClr val="accent6">
+                    <a:lumMod val="75000"/>
+                  </a:schemeClr>
+                </a:solidFill>
+              </a:rPr>
+              <a:t>def</a:t>
+            </a:r>
+            <a:r>
+              <a:rPr lang="de-DE" sz="1200" dirty="0"/>
+              <a:t>("best_individual", &amp;Simulator::best_individual);</a:t>
+            </a:r>
+          </a:p>
+          <a:p>
+            <a:r>
+              <a:rPr lang="de-DE" sz="1200" dirty="0"/>
+              <a:t>}</a:t>
+            </a:r>
+            <a:endParaRPr lang="de-DE" sz="1800" dirty="0"/>
+          </a:p>
+        </p:txBody>
+      </p:sp>
+    </p:spTree>
+    <p:extLst>
+      <p:ext uri="{BB962C8B-B14F-4D97-AF65-F5344CB8AC3E}">
+        <p14:creationId xmlns:p14="http://schemas.microsoft.com/office/powerpoint/2010/main" val="580990576"/>
+      </p:ext>
+    </p:extLst>
+  </p:cSld>
+  <p:clrMapOvr>
+    <a:masterClrMapping/>
+  </p:clrMapOvr>
+</p:sld>
+</file>
+
+<file path=ppt/slides/slide31.xml><?xml version="1.0" encoding="utf-8"?>
+<p:sld xmlns:a="http://schemas.openxmlformats.org/drawingml/2006/main" xmlns:r="http://schemas.openxmlformats.org/officeDocument/2006/relationships" xmlns:p="http://schemas.openxmlformats.org/presentationml/2006/main">
+  <p:cSld>
+    <p:spTree>
+      <p:nvGrpSpPr>
+        <p:cNvPr id="1" name=""/>
+        <p:cNvGrpSpPr/>
+        <p:nvPr/>
+      </p:nvGrpSpPr>
+      <p:grpSpPr>
+        <a:xfrm>
+          <a:off x="0" y="0"/>
+          <a:ext cx="0" cy="0"/>
+          <a:chOff x="0" y="0"/>
+          <a:chExt cx="0" cy="0"/>
+        </a:xfrm>
+      </p:grpSpPr>
+      <p:sp>
+        <p:nvSpPr>
+          <p:cNvPr id="2" name="Title 1">
+            <a:extLst>
+              <a:ext uri="{FF2B5EF4-FFF2-40B4-BE49-F238E27FC236}">
+                <a16:creationId xmlns:a16="http://schemas.microsoft.com/office/drawing/2014/main" id="{81EFB697-ABB7-4385-A87F-DE3D50F38BDB}"/>
+              </a:ext>
+            </a:extLst>
+          </p:cNvPr>
+          <p:cNvSpPr>
+            <a:spLocks noGrp="1"/>
+          </p:cNvSpPr>
+          <p:nvPr>
+            <p:ph type="title"/>
+          </p:nvPr>
+        </p:nvSpPr>
+        <p:spPr/>
+        <p:txBody>
+          <a:bodyPr/>
+          <a:lstStyle/>
+          <a:p>
+            <a:r>
+              <a:rPr lang="de-DE" dirty="0"/>
               <a:t>Realisierung – Testen</a:t>
             </a:r>
           </a:p>
@@ -36597,7 +38452,7 @@
 </p:sld>
 </file>
 
-<file path=ppt/slides/slide31.xml><?xml version="1.0" encoding="utf-8"?>
+<file path=ppt/slides/slide32.xml><?xml version="1.0" encoding="utf-8"?>
 <p:sld xmlns:a="http://schemas.openxmlformats.org/drawingml/2006/main" xmlns:r="http://schemas.openxmlformats.org/officeDocument/2006/relationships" xmlns:p="http://schemas.openxmlformats.org/presentationml/2006/main">
   <p:cSld>
     <p:spTree>
@@ -36991,7 +38846,7 @@
 </p:sld>
 </file>
 
-<file path=ppt/slides/slide32.xml><?xml version="1.0" encoding="utf-8"?>
+<file path=ppt/slides/slide33.xml><?xml version="1.0" encoding="utf-8"?>
 <p:sld xmlns:a="http://schemas.openxmlformats.org/drawingml/2006/main" xmlns:r="http://schemas.openxmlformats.org/officeDocument/2006/relationships" xmlns:p="http://schemas.openxmlformats.org/presentationml/2006/main">
   <p:cSld>
     <p:spTree>
@@ -37209,7 +39064,517 @@
 </p:sld>
 </file>
 
-<file path=ppt/slides/slide33.xml><?xml version="1.0" encoding="utf-8"?>
+<file path=ppt/slides/slide34.xml><?xml version="1.0" encoding="utf-8"?>
+<p:sld xmlns:a="http://schemas.openxmlformats.org/drawingml/2006/main" xmlns:r="http://schemas.openxmlformats.org/officeDocument/2006/relationships" xmlns:p="http://schemas.openxmlformats.org/presentationml/2006/main">
+  <p:cSld>
+    <p:spTree>
+      <p:nvGrpSpPr>
+        <p:cNvPr id="1" name=""/>
+        <p:cNvGrpSpPr/>
+        <p:nvPr/>
+      </p:nvGrpSpPr>
+      <p:grpSpPr>
+        <a:xfrm>
+          <a:off x="0" y="0"/>
+          <a:ext cx="0" cy="0"/>
+          <a:chOff x="0" y="0"/>
+          <a:chExt cx="0" cy="0"/>
+        </a:xfrm>
+      </p:grpSpPr>
+      <p:pic>
+        <p:nvPicPr>
+          <p:cNvPr id="6" name="Picture 5">
+            <a:extLst>
+              <a:ext uri="{FF2B5EF4-FFF2-40B4-BE49-F238E27FC236}">
+                <a16:creationId xmlns:a16="http://schemas.microsoft.com/office/drawing/2014/main" id="{925ED3C9-C620-4281-9926-09020886CB54}"/>
+              </a:ext>
+            </a:extLst>
+          </p:cNvPr>
+          <p:cNvPicPr>
+            <a:picLocks noChangeAspect="1"/>
+          </p:cNvPicPr>
+          <p:nvPr/>
+        </p:nvPicPr>
+        <p:blipFill>
+          <a:blip r:embed="rId3"/>
+          <a:stretch>
+            <a:fillRect/>
+          </a:stretch>
+        </p:blipFill>
+        <p:spPr>
+          <a:xfrm>
+            <a:off x="1002874" y="2068936"/>
+            <a:ext cx="10652781" cy="4389129"/>
+          </a:xfrm>
+          <a:prstGeom prst="rect">
+            <a:avLst/>
+          </a:prstGeom>
+        </p:spPr>
+      </p:pic>
+      <p:sp>
+        <p:nvSpPr>
+          <p:cNvPr id="2" name="Title 1">
+            <a:extLst>
+              <a:ext uri="{FF2B5EF4-FFF2-40B4-BE49-F238E27FC236}">
+                <a16:creationId xmlns:a16="http://schemas.microsoft.com/office/drawing/2014/main" id="{DD28DF36-A66C-47FC-B466-4F0B1C47D1D8}"/>
+              </a:ext>
+            </a:extLst>
+          </p:cNvPr>
+          <p:cNvSpPr>
+            <a:spLocks noGrp="1"/>
+          </p:cNvSpPr>
+          <p:nvPr>
+            <p:ph type="title"/>
+          </p:nvPr>
+        </p:nvSpPr>
+        <p:spPr/>
+        <p:txBody>
+          <a:bodyPr/>
+          <a:lstStyle/>
+          <a:p>
+            <a:r>
+              <a:rPr lang="de-DE" dirty="0"/>
+              <a:t>Experimente 1 – Vergleich der Crossover-Verfahren</a:t>
+            </a:r>
+          </a:p>
+        </p:txBody>
+      </p:sp>
+      <p:sp>
+        <p:nvSpPr>
+          <p:cNvPr id="3" name="Text Placeholder 2">
+            <a:extLst>
+              <a:ext uri="{FF2B5EF4-FFF2-40B4-BE49-F238E27FC236}">
+                <a16:creationId xmlns:a16="http://schemas.microsoft.com/office/drawing/2014/main" id="{7A6C10D9-B269-4CC8-A8C3-2B174FA035C3}"/>
+              </a:ext>
+            </a:extLst>
+          </p:cNvPr>
+          <p:cNvSpPr>
+            <a:spLocks noGrp="1"/>
+          </p:cNvSpPr>
+          <p:nvPr>
+            <p:ph type="body" sz="quarter" idx="11"/>
+          </p:nvPr>
+        </p:nvSpPr>
+        <p:spPr>
+          <a:xfrm>
+            <a:off x="251927" y="2068936"/>
+            <a:ext cx="11570186" cy="4389128"/>
+          </a:xfrm>
+        </p:spPr>
+        <p:txBody>
+          <a:bodyPr/>
+          <a:lstStyle/>
+          <a:p>
+            <a:endParaRPr lang="de-DE" dirty="0"/>
+          </a:p>
+          <a:p>
+            <a:endParaRPr lang="de-DE" dirty="0"/>
+          </a:p>
+        </p:txBody>
+      </p:sp>
+      <p:sp>
+        <p:nvSpPr>
+          <p:cNvPr id="7" name="TextBox 6">
+            <a:extLst>
+              <a:ext uri="{FF2B5EF4-FFF2-40B4-BE49-F238E27FC236}">
+                <a16:creationId xmlns:a16="http://schemas.microsoft.com/office/drawing/2014/main" id="{F41FCABD-B99D-4AFF-AABD-F8FE71850D59}"/>
+              </a:ext>
+            </a:extLst>
+          </p:cNvPr>
+          <p:cNvSpPr txBox="1"/>
+          <p:nvPr/>
+        </p:nvSpPr>
+        <p:spPr>
+          <a:xfrm>
+            <a:off x="334963" y="1189514"/>
+            <a:ext cx="9170633" cy="954107"/>
+          </a:xfrm>
+          <a:prstGeom prst="rect">
+            <a:avLst/>
+          </a:prstGeom>
+          <a:noFill/>
+        </p:spPr>
+        <p:txBody>
+          <a:bodyPr wrap="square" rtlCol="0">
+            <a:spAutoFit/>
+          </a:bodyPr>
+          <a:lstStyle/>
+          <a:p>
+            <a:r>
+              <a:rPr lang="de-DE" dirty="0"/>
+              <a:t>Populationsgröße : 10</a:t>
+            </a:r>
+          </a:p>
+          <a:p>
+            <a:r>
+              <a:rPr lang="de-DE" dirty="0"/>
+              <a:t>Mutation: Delete-And-Shift 5%</a:t>
+            </a:r>
+          </a:p>
+          <a:p>
+            <a:r>
+              <a:rPr lang="de-DE" dirty="0"/>
+              <a:t>Selektion: Survival of the fittest</a:t>
+            </a:r>
+          </a:p>
+          <a:p>
+            <a:r>
+              <a:rPr lang="de-DE" dirty="0"/>
+              <a:t>Marriage: Roulette</a:t>
+            </a:r>
+          </a:p>
+        </p:txBody>
+      </p:sp>
+      <p:sp>
+        <p:nvSpPr>
+          <p:cNvPr id="9" name="TextBox 8">
+            <a:extLst>
+              <a:ext uri="{FF2B5EF4-FFF2-40B4-BE49-F238E27FC236}">
+                <a16:creationId xmlns:a16="http://schemas.microsoft.com/office/drawing/2014/main" id="{E0981774-2C31-4E29-A9DE-B053F078C2B4}"/>
+              </a:ext>
+            </a:extLst>
+          </p:cNvPr>
+          <p:cNvSpPr txBox="1"/>
+          <p:nvPr/>
+        </p:nvSpPr>
+        <p:spPr>
+          <a:xfrm>
+            <a:off x="4351651" y="2658345"/>
+            <a:ext cx="6177710" cy="1354217"/>
+          </a:xfrm>
+          <a:prstGeom prst="rect">
+            <a:avLst/>
+          </a:prstGeom>
+          <a:solidFill>
+            <a:schemeClr val="bg1"/>
+          </a:solidFill>
+        </p:spPr>
+        <p:txBody>
+          <a:bodyPr wrap="square" rtlCol="0">
+            <a:spAutoFit/>
+          </a:bodyPr>
+          <a:lstStyle/>
+          <a:p>
+            <a:pPr>
+              <a:spcAft>
+                <a:spcPts val="600"/>
+              </a:spcAft>
+            </a:pPr>
+            <a:r>
+              <a:rPr lang="de-DE" sz="1200" dirty="0">
+                <a:solidFill>
+                  <a:srgbClr val="4A5C66"/>
+                </a:solidFill>
+                <a:latin typeface="Arial" panose="020B0604020202020204" pitchFamily="34" charset="0"/>
+                <a:cs typeface="Arial" panose="020B0604020202020204" pitchFamily="34" charset="0"/>
+              </a:rPr>
+              <a:t>			Partially Matched-Crossover</a:t>
+            </a:r>
+          </a:p>
+          <a:p>
+            <a:pPr>
+              <a:spcAft>
+                <a:spcPts val="600"/>
+              </a:spcAft>
+            </a:pPr>
+            <a:r>
+              <a:rPr lang="de-DE" sz="1200" dirty="0">
+                <a:solidFill>
+                  <a:srgbClr val="4A5C66"/>
+                </a:solidFill>
+                <a:latin typeface="Arial" panose="020B0604020202020204" pitchFamily="34" charset="0"/>
+                <a:cs typeface="Arial" panose="020B0604020202020204" pitchFamily="34" charset="0"/>
+              </a:rPr>
+              <a:t>			</a:t>
+            </a:r>
+            <a:r>
+              <a:rPr lang="de-DE" sz="1200" b="1" dirty="0">
+                <a:solidFill>
+                  <a:srgbClr val="4A5C66"/>
+                </a:solidFill>
+                <a:latin typeface="Arial" panose="020B0604020202020204" pitchFamily="34" charset="0"/>
+                <a:cs typeface="Arial" panose="020B0604020202020204" pitchFamily="34" charset="0"/>
+              </a:rPr>
+              <a:t>Order-Crossover</a:t>
+            </a:r>
+          </a:p>
+          <a:p>
+            <a:pPr>
+              <a:spcAft>
+                <a:spcPts val="600"/>
+              </a:spcAft>
+            </a:pPr>
+            <a:r>
+              <a:rPr lang="de-DE" sz="1200" dirty="0">
+                <a:solidFill>
+                  <a:srgbClr val="4A5C66"/>
+                </a:solidFill>
+                <a:latin typeface="Arial" panose="020B0604020202020204" pitchFamily="34" charset="0"/>
+                <a:cs typeface="Arial" panose="020B0604020202020204" pitchFamily="34" charset="0"/>
+              </a:rPr>
+              <a:t>			Cycle(all)-Crossover</a:t>
+            </a:r>
+          </a:p>
+          <a:p>
+            <a:pPr>
+              <a:spcAft>
+                <a:spcPts val="600"/>
+              </a:spcAft>
+            </a:pPr>
+            <a:r>
+              <a:rPr lang="de-DE" sz="1200" dirty="0">
+                <a:solidFill>
+                  <a:srgbClr val="4A5C66"/>
+                </a:solidFill>
+                <a:latin typeface="Arial" panose="020B0604020202020204" pitchFamily="34" charset="0"/>
+                <a:cs typeface="Arial" panose="020B0604020202020204" pitchFamily="34" charset="0"/>
+              </a:rPr>
+              <a:t>			Cycle(one)-Crossover</a:t>
+            </a:r>
+          </a:p>
+          <a:p>
+            <a:pPr>
+              <a:spcAft>
+                <a:spcPts val="600"/>
+              </a:spcAft>
+            </a:pPr>
+            <a:r>
+              <a:rPr lang="de-DE" sz="1200" dirty="0">
+                <a:solidFill>
+                  <a:srgbClr val="4A5C66"/>
+                </a:solidFill>
+                <a:latin typeface="Arial" panose="020B0604020202020204" pitchFamily="34" charset="0"/>
+                <a:cs typeface="Arial" panose="020B0604020202020204" pitchFamily="34" charset="0"/>
+              </a:rPr>
+              <a:t>			Edge-Recombination-Crossover</a:t>
+            </a:r>
+          </a:p>
+        </p:txBody>
+      </p:sp>
+      <p:sp>
+        <p:nvSpPr>
+          <p:cNvPr id="10" name="Oval 9">
+            <a:extLst>
+              <a:ext uri="{FF2B5EF4-FFF2-40B4-BE49-F238E27FC236}">
+                <a16:creationId xmlns:a16="http://schemas.microsoft.com/office/drawing/2014/main" id="{16E6105C-574A-4FAE-8119-5CAF48B21C3F}"/>
+              </a:ext>
+            </a:extLst>
+          </p:cNvPr>
+          <p:cNvSpPr/>
+          <p:nvPr/>
+        </p:nvSpPr>
+        <p:spPr>
+          <a:xfrm>
+            <a:off x="6836488" y="2775022"/>
+            <a:ext cx="304800" cy="98377"/>
+          </a:xfrm>
+          <a:prstGeom prst="ellipse">
+            <a:avLst/>
+          </a:prstGeom>
+          <a:solidFill>
+            <a:schemeClr val="accent1"/>
+          </a:solidFill>
+        </p:spPr>
+        <p:txBody>
+          <a:bodyPr wrap="square" rtlCol="0" anchor="ctr">
+            <a:noAutofit/>
+          </a:bodyPr>
+          <a:lstStyle/>
+          <a:p>
+            <a:pPr algn="ctr">
+              <a:spcAft>
+                <a:spcPts val="600"/>
+              </a:spcAft>
+            </a:pPr>
+            <a:endParaRPr lang="de-DE" dirty="0">
+              <a:latin typeface="Arial" panose="020B0604020202020204" pitchFamily="34" charset="0"/>
+              <a:cs typeface="Arial" panose="020B0604020202020204" pitchFamily="34" charset="0"/>
+            </a:endParaRPr>
+          </a:p>
+        </p:txBody>
+      </p:sp>
+      <p:sp>
+        <p:nvSpPr>
+          <p:cNvPr id="11" name="Oval 10">
+            <a:extLst>
+              <a:ext uri="{FF2B5EF4-FFF2-40B4-BE49-F238E27FC236}">
+                <a16:creationId xmlns:a16="http://schemas.microsoft.com/office/drawing/2014/main" id="{71FAE8ED-A645-48FC-BA90-F3A14F1357EA}"/>
+              </a:ext>
+            </a:extLst>
+          </p:cNvPr>
+          <p:cNvSpPr/>
+          <p:nvPr/>
+        </p:nvSpPr>
+        <p:spPr>
+          <a:xfrm>
+            <a:off x="6844145" y="3003927"/>
+            <a:ext cx="304800" cy="98377"/>
+          </a:xfrm>
+          <a:prstGeom prst="ellipse">
+            <a:avLst/>
+          </a:prstGeom>
+          <a:solidFill>
+            <a:srgbClr val="FFC000"/>
+          </a:solidFill>
+        </p:spPr>
+        <p:txBody>
+          <a:bodyPr wrap="square" rtlCol="0" anchor="ctr">
+            <a:noAutofit/>
+          </a:bodyPr>
+          <a:lstStyle/>
+          <a:p>
+            <a:pPr algn="ctr">
+              <a:spcAft>
+                <a:spcPts val="600"/>
+              </a:spcAft>
+            </a:pPr>
+            <a:endParaRPr lang="de-DE" dirty="0">
+              <a:latin typeface="Arial" panose="020B0604020202020204" pitchFamily="34" charset="0"/>
+              <a:cs typeface="Arial" panose="020B0604020202020204" pitchFamily="34" charset="0"/>
+            </a:endParaRPr>
+          </a:p>
+        </p:txBody>
+      </p:sp>
+      <p:sp>
+        <p:nvSpPr>
+          <p:cNvPr id="12" name="Oval 11">
+            <a:extLst>
+              <a:ext uri="{FF2B5EF4-FFF2-40B4-BE49-F238E27FC236}">
+                <a16:creationId xmlns:a16="http://schemas.microsoft.com/office/drawing/2014/main" id="{EEC54ABF-44B5-4136-B34D-4016D9EF1999}"/>
+              </a:ext>
+            </a:extLst>
+          </p:cNvPr>
+          <p:cNvSpPr/>
+          <p:nvPr/>
+        </p:nvSpPr>
+        <p:spPr>
+          <a:xfrm>
+            <a:off x="6844145" y="3286047"/>
+            <a:ext cx="304800" cy="98377"/>
+          </a:xfrm>
+          <a:prstGeom prst="ellipse">
+            <a:avLst/>
+          </a:prstGeom>
+          <a:solidFill>
+            <a:srgbClr val="00B050"/>
+          </a:solidFill>
+        </p:spPr>
+        <p:txBody>
+          <a:bodyPr wrap="square" rtlCol="0" anchor="ctr">
+            <a:noAutofit/>
+          </a:bodyPr>
+          <a:lstStyle/>
+          <a:p>
+            <a:pPr algn="ctr">
+              <a:spcAft>
+                <a:spcPts val="600"/>
+              </a:spcAft>
+            </a:pPr>
+            <a:endParaRPr lang="de-DE" dirty="0">
+              <a:latin typeface="Arial" panose="020B0604020202020204" pitchFamily="34" charset="0"/>
+              <a:cs typeface="Arial" panose="020B0604020202020204" pitchFamily="34" charset="0"/>
+            </a:endParaRPr>
+          </a:p>
+        </p:txBody>
+      </p:sp>
+      <p:sp>
+        <p:nvSpPr>
+          <p:cNvPr id="13" name="Oval 12">
+            <a:extLst>
+              <a:ext uri="{FF2B5EF4-FFF2-40B4-BE49-F238E27FC236}">
+                <a16:creationId xmlns:a16="http://schemas.microsoft.com/office/drawing/2014/main" id="{BBC627A9-4276-4F08-B2C0-E9E9F2107452}"/>
+              </a:ext>
+            </a:extLst>
+          </p:cNvPr>
+          <p:cNvSpPr/>
+          <p:nvPr/>
+        </p:nvSpPr>
+        <p:spPr>
+          <a:xfrm>
+            <a:off x="6836488" y="3536839"/>
+            <a:ext cx="304800" cy="98377"/>
+          </a:xfrm>
+          <a:prstGeom prst="ellipse">
+            <a:avLst/>
+          </a:prstGeom>
+          <a:solidFill>
+            <a:srgbClr val="FF0000"/>
+          </a:solidFill>
+        </p:spPr>
+        <p:txBody>
+          <a:bodyPr wrap="square" rtlCol="0" anchor="ctr">
+            <a:noAutofit/>
+          </a:bodyPr>
+          <a:lstStyle/>
+          <a:p>
+            <a:pPr algn="ctr">
+              <a:spcAft>
+                <a:spcPts val="600"/>
+              </a:spcAft>
+            </a:pPr>
+            <a:endParaRPr lang="de-DE" dirty="0">
+              <a:latin typeface="Arial" panose="020B0604020202020204" pitchFamily="34" charset="0"/>
+              <a:cs typeface="Arial" panose="020B0604020202020204" pitchFamily="34" charset="0"/>
+            </a:endParaRPr>
+          </a:p>
+        </p:txBody>
+      </p:sp>
+      <p:sp>
+        <p:nvSpPr>
+          <p:cNvPr id="14" name="Oval 13">
+            <a:extLst>
+              <a:ext uri="{FF2B5EF4-FFF2-40B4-BE49-F238E27FC236}">
+                <a16:creationId xmlns:a16="http://schemas.microsoft.com/office/drawing/2014/main" id="{8EB9CB14-FA0E-4432-99B0-862F797A180C}"/>
+              </a:ext>
+            </a:extLst>
+          </p:cNvPr>
+          <p:cNvSpPr/>
+          <p:nvPr/>
+        </p:nvSpPr>
+        <p:spPr>
+          <a:xfrm>
+            <a:off x="6844145" y="3775855"/>
+            <a:ext cx="304800" cy="98377"/>
+          </a:xfrm>
+          <a:prstGeom prst="ellipse">
+            <a:avLst/>
+          </a:prstGeom>
+          <a:solidFill>
+            <a:srgbClr val="7030A0"/>
+          </a:solidFill>
+        </p:spPr>
+        <p:txBody>
+          <a:bodyPr wrap="square" rtlCol="0" anchor="ctr">
+            <a:noAutofit/>
+          </a:bodyPr>
+          <a:lstStyle/>
+          <a:p>
+            <a:pPr algn="ctr">
+              <a:spcAft>
+                <a:spcPts val="600"/>
+              </a:spcAft>
+            </a:pPr>
+            <a:endParaRPr lang="de-DE" dirty="0">
+              <a:latin typeface="Arial" panose="020B0604020202020204" pitchFamily="34" charset="0"/>
+              <a:cs typeface="Arial" panose="020B0604020202020204" pitchFamily="34" charset="0"/>
+            </a:endParaRPr>
+          </a:p>
+        </p:txBody>
+      </p:sp>
+    </p:spTree>
+    <p:extLst>
+      <p:ext uri="{BB962C8B-B14F-4D97-AF65-F5344CB8AC3E}">
+        <p14:creationId xmlns:p14="http://schemas.microsoft.com/office/powerpoint/2010/main" val="1127708112"/>
+      </p:ext>
+    </p:extLst>
+  </p:cSld>
+  <p:clrMapOvr>
+    <a:masterClrMapping/>
+  </p:clrMapOvr>
+</p:sld>
+</file>
+
+<file path=ppt/slides/slide35.xml><?xml version="1.0" encoding="utf-8"?>
 <p:sld xmlns:a="http://schemas.openxmlformats.org/drawingml/2006/main" xmlns:r="http://schemas.openxmlformats.org/officeDocument/2006/relationships" xmlns:p="http://schemas.openxmlformats.org/presentationml/2006/main">
   <p:cSld>
     <p:spTree>
@@ -37430,7 +39795,17 @@
                 <a:latin typeface="Arial" panose="020B0604020202020204" pitchFamily="34" charset="0"/>
                 <a:cs typeface="Arial" panose="020B0604020202020204" pitchFamily="34" charset="0"/>
               </a:rPr>
-              <a:t>			Order-Crossover</a:t>
+              <a:t>			</a:t>
+            </a:r>
+            <a:r>
+              <a:rPr lang="de-DE" sz="1200" b="1" dirty="0">
+                <a:solidFill>
+                  <a:srgbClr val="4A5C66"/>
+                </a:solidFill>
+                <a:latin typeface="Arial" panose="020B0604020202020204" pitchFamily="34" charset="0"/>
+                <a:cs typeface="Arial" panose="020B0604020202020204" pitchFamily="34" charset="0"/>
+              </a:rPr>
+              <a:t>Order-Crossover</a:t>
             </a:r>
           </a:p>
           <a:p>
@@ -37696,506 +40071,6 @@
           </a:p>
         </p:txBody>
       </p:sp>
-    </p:spTree>
-    <p:extLst>
-      <p:ext uri="{BB962C8B-B14F-4D97-AF65-F5344CB8AC3E}">
-        <p14:creationId xmlns:p14="http://schemas.microsoft.com/office/powerpoint/2010/main" val="1127708112"/>
-      </p:ext>
-    </p:extLst>
-  </p:cSld>
-  <p:clrMapOvr>
-    <a:masterClrMapping/>
-  </p:clrMapOvr>
-</p:sld>
-</file>
-
-<file path=ppt/slides/slide34.xml><?xml version="1.0" encoding="utf-8"?>
-<p:sld xmlns:a="http://schemas.openxmlformats.org/drawingml/2006/main" xmlns:r="http://schemas.openxmlformats.org/officeDocument/2006/relationships" xmlns:p="http://schemas.openxmlformats.org/presentationml/2006/main">
-  <p:cSld>
-    <p:spTree>
-      <p:nvGrpSpPr>
-        <p:cNvPr id="1" name=""/>
-        <p:cNvGrpSpPr/>
-        <p:nvPr/>
-      </p:nvGrpSpPr>
-      <p:grpSpPr>
-        <a:xfrm>
-          <a:off x="0" y="0"/>
-          <a:ext cx="0" cy="0"/>
-          <a:chOff x="0" y="0"/>
-          <a:chExt cx="0" cy="0"/>
-        </a:xfrm>
-      </p:grpSpPr>
-      <p:pic>
-        <p:nvPicPr>
-          <p:cNvPr id="6" name="Picture 5">
-            <a:extLst>
-              <a:ext uri="{FF2B5EF4-FFF2-40B4-BE49-F238E27FC236}">
-                <a16:creationId xmlns:a16="http://schemas.microsoft.com/office/drawing/2014/main" id="{925ED3C9-C620-4281-9926-09020886CB54}"/>
-              </a:ext>
-            </a:extLst>
-          </p:cNvPr>
-          <p:cNvPicPr>
-            <a:picLocks noChangeAspect="1"/>
-          </p:cNvPicPr>
-          <p:nvPr/>
-        </p:nvPicPr>
-        <p:blipFill>
-          <a:blip r:embed="rId2"/>
-          <a:stretch>
-            <a:fillRect/>
-          </a:stretch>
-        </p:blipFill>
-        <p:spPr>
-          <a:xfrm>
-            <a:off x="1002874" y="2068936"/>
-            <a:ext cx="10652781" cy="4389129"/>
-          </a:xfrm>
-          <a:prstGeom prst="rect">
-            <a:avLst/>
-          </a:prstGeom>
-        </p:spPr>
-      </p:pic>
-      <p:sp>
-        <p:nvSpPr>
-          <p:cNvPr id="2" name="Title 1">
-            <a:extLst>
-              <a:ext uri="{FF2B5EF4-FFF2-40B4-BE49-F238E27FC236}">
-                <a16:creationId xmlns:a16="http://schemas.microsoft.com/office/drawing/2014/main" id="{DD28DF36-A66C-47FC-B466-4F0B1C47D1D8}"/>
-              </a:ext>
-            </a:extLst>
-          </p:cNvPr>
-          <p:cNvSpPr>
-            <a:spLocks noGrp="1"/>
-          </p:cNvSpPr>
-          <p:nvPr>
-            <p:ph type="title"/>
-          </p:nvPr>
-        </p:nvSpPr>
-        <p:spPr/>
-        <p:txBody>
-          <a:bodyPr/>
-          <a:lstStyle/>
-          <a:p>
-            <a:r>
-              <a:rPr lang="de-DE" dirty="0"/>
-              <a:t>Experimente 1 – Vergleich der Crossover-Verfahren</a:t>
-            </a:r>
-          </a:p>
-        </p:txBody>
-      </p:sp>
-      <p:sp>
-        <p:nvSpPr>
-          <p:cNvPr id="3" name="Text Placeholder 2">
-            <a:extLst>
-              <a:ext uri="{FF2B5EF4-FFF2-40B4-BE49-F238E27FC236}">
-                <a16:creationId xmlns:a16="http://schemas.microsoft.com/office/drawing/2014/main" id="{7A6C10D9-B269-4CC8-A8C3-2B174FA035C3}"/>
-              </a:ext>
-            </a:extLst>
-          </p:cNvPr>
-          <p:cNvSpPr>
-            <a:spLocks noGrp="1"/>
-          </p:cNvSpPr>
-          <p:nvPr>
-            <p:ph type="body" sz="quarter" idx="11"/>
-          </p:nvPr>
-        </p:nvSpPr>
-        <p:spPr>
-          <a:xfrm>
-            <a:off x="251927" y="2068936"/>
-            <a:ext cx="11570186" cy="4389128"/>
-          </a:xfrm>
-        </p:spPr>
-        <p:txBody>
-          <a:bodyPr/>
-          <a:lstStyle/>
-          <a:p>
-            <a:endParaRPr lang="de-DE" dirty="0"/>
-          </a:p>
-          <a:p>
-            <a:endParaRPr lang="de-DE" dirty="0"/>
-          </a:p>
-        </p:txBody>
-      </p:sp>
-      <p:sp>
-        <p:nvSpPr>
-          <p:cNvPr id="7" name="TextBox 6">
-            <a:extLst>
-              <a:ext uri="{FF2B5EF4-FFF2-40B4-BE49-F238E27FC236}">
-                <a16:creationId xmlns:a16="http://schemas.microsoft.com/office/drawing/2014/main" id="{F41FCABD-B99D-4AFF-AABD-F8FE71850D59}"/>
-              </a:ext>
-            </a:extLst>
-          </p:cNvPr>
-          <p:cNvSpPr txBox="1"/>
-          <p:nvPr/>
-        </p:nvSpPr>
-        <p:spPr>
-          <a:xfrm>
-            <a:off x="334963" y="1189514"/>
-            <a:ext cx="9170633" cy="954107"/>
-          </a:xfrm>
-          <a:prstGeom prst="rect">
-            <a:avLst/>
-          </a:prstGeom>
-          <a:noFill/>
-        </p:spPr>
-        <p:txBody>
-          <a:bodyPr wrap="square" rtlCol="0">
-            <a:spAutoFit/>
-          </a:bodyPr>
-          <a:lstStyle/>
-          <a:p>
-            <a:r>
-              <a:rPr lang="de-DE" dirty="0"/>
-              <a:t>Populationsgröße : 10</a:t>
-            </a:r>
-          </a:p>
-          <a:p>
-            <a:r>
-              <a:rPr lang="de-DE" dirty="0"/>
-              <a:t>Mutation: Delete-And-Shift 5%</a:t>
-            </a:r>
-          </a:p>
-          <a:p>
-            <a:r>
-              <a:rPr lang="de-DE" dirty="0"/>
-              <a:t>Selektion: Survival of the fittest</a:t>
-            </a:r>
-          </a:p>
-          <a:p>
-            <a:r>
-              <a:rPr lang="de-DE" dirty="0"/>
-              <a:t>Marriage: Roulette</a:t>
-            </a:r>
-          </a:p>
-        </p:txBody>
-      </p:sp>
-      <p:sp>
-        <p:nvSpPr>
-          <p:cNvPr id="9" name="TextBox 8">
-            <a:extLst>
-              <a:ext uri="{FF2B5EF4-FFF2-40B4-BE49-F238E27FC236}">
-                <a16:creationId xmlns:a16="http://schemas.microsoft.com/office/drawing/2014/main" id="{E0981774-2C31-4E29-A9DE-B053F078C2B4}"/>
-              </a:ext>
-            </a:extLst>
-          </p:cNvPr>
-          <p:cNvSpPr txBox="1"/>
-          <p:nvPr/>
-        </p:nvSpPr>
-        <p:spPr>
-          <a:xfrm>
-            <a:off x="4351651" y="2658345"/>
-            <a:ext cx="6177710" cy="1354217"/>
-          </a:xfrm>
-          <a:prstGeom prst="rect">
-            <a:avLst/>
-          </a:prstGeom>
-          <a:solidFill>
-            <a:schemeClr val="bg1"/>
-          </a:solidFill>
-        </p:spPr>
-        <p:txBody>
-          <a:bodyPr wrap="square" rtlCol="0">
-            <a:spAutoFit/>
-          </a:bodyPr>
-          <a:lstStyle/>
-          <a:p>
-            <a:pPr>
-              <a:spcAft>
-                <a:spcPts val="600"/>
-              </a:spcAft>
-            </a:pPr>
-            <a:r>
-              <a:rPr lang="de-DE" sz="1200" dirty="0">
-                <a:solidFill>
-                  <a:srgbClr val="4A5C66"/>
-                </a:solidFill>
-                <a:latin typeface="Arial" panose="020B0604020202020204" pitchFamily="34" charset="0"/>
-                <a:cs typeface="Arial" panose="020B0604020202020204" pitchFamily="34" charset="0"/>
-              </a:rPr>
-              <a:t>			Partially Matched-Crossover</a:t>
-            </a:r>
-          </a:p>
-          <a:p>
-            <a:pPr>
-              <a:spcAft>
-                <a:spcPts val="600"/>
-              </a:spcAft>
-            </a:pPr>
-            <a:r>
-              <a:rPr lang="de-DE" sz="1200" dirty="0">
-                <a:solidFill>
-                  <a:srgbClr val="4A5C66"/>
-                </a:solidFill>
-                <a:latin typeface="Arial" panose="020B0604020202020204" pitchFamily="34" charset="0"/>
-                <a:cs typeface="Arial" panose="020B0604020202020204" pitchFamily="34" charset="0"/>
-              </a:rPr>
-              <a:t>			Order-Crossover</a:t>
-            </a:r>
-          </a:p>
-          <a:p>
-            <a:pPr>
-              <a:spcAft>
-                <a:spcPts val="600"/>
-              </a:spcAft>
-            </a:pPr>
-            <a:r>
-              <a:rPr lang="de-DE" sz="1200" dirty="0">
-                <a:solidFill>
-                  <a:srgbClr val="4A5C66"/>
-                </a:solidFill>
-                <a:latin typeface="Arial" panose="020B0604020202020204" pitchFamily="34" charset="0"/>
-                <a:cs typeface="Arial" panose="020B0604020202020204" pitchFamily="34" charset="0"/>
-              </a:rPr>
-              <a:t>			Cycle(all)-Crossover</a:t>
-            </a:r>
-          </a:p>
-          <a:p>
-            <a:pPr>
-              <a:spcAft>
-                <a:spcPts val="600"/>
-              </a:spcAft>
-            </a:pPr>
-            <a:r>
-              <a:rPr lang="de-DE" sz="1200" dirty="0">
-                <a:solidFill>
-                  <a:srgbClr val="4A5C66"/>
-                </a:solidFill>
-                <a:latin typeface="Arial" panose="020B0604020202020204" pitchFamily="34" charset="0"/>
-                <a:cs typeface="Arial" panose="020B0604020202020204" pitchFamily="34" charset="0"/>
-              </a:rPr>
-              <a:t>			Cycle(one)-Crossover</a:t>
-            </a:r>
-          </a:p>
-          <a:p>
-            <a:pPr>
-              <a:spcAft>
-                <a:spcPts val="600"/>
-              </a:spcAft>
-            </a:pPr>
-            <a:r>
-              <a:rPr lang="de-DE" sz="1200" dirty="0">
-                <a:solidFill>
-                  <a:srgbClr val="4A5C66"/>
-                </a:solidFill>
-                <a:latin typeface="Arial" panose="020B0604020202020204" pitchFamily="34" charset="0"/>
-                <a:cs typeface="Arial" panose="020B0604020202020204" pitchFamily="34" charset="0"/>
-              </a:rPr>
-              <a:t>			Edge-Recombination-Crossover</a:t>
-            </a:r>
-          </a:p>
-        </p:txBody>
-      </p:sp>
-      <p:sp>
-        <p:nvSpPr>
-          <p:cNvPr id="10" name="Oval 9">
-            <a:extLst>
-              <a:ext uri="{FF2B5EF4-FFF2-40B4-BE49-F238E27FC236}">
-                <a16:creationId xmlns:a16="http://schemas.microsoft.com/office/drawing/2014/main" id="{16E6105C-574A-4FAE-8119-5CAF48B21C3F}"/>
-              </a:ext>
-            </a:extLst>
-          </p:cNvPr>
-          <p:cNvSpPr/>
-          <p:nvPr/>
-        </p:nvSpPr>
-        <p:spPr>
-          <a:xfrm>
-            <a:off x="6836488" y="2775022"/>
-            <a:ext cx="304800" cy="98377"/>
-          </a:xfrm>
-          <a:prstGeom prst="ellipse">
-            <a:avLst/>
-          </a:prstGeom>
-          <a:solidFill>
-            <a:schemeClr val="accent1"/>
-          </a:solidFill>
-        </p:spPr>
-        <p:txBody>
-          <a:bodyPr wrap="square" rtlCol="0" anchor="ctr">
-            <a:noAutofit/>
-          </a:bodyPr>
-          <a:lstStyle/>
-          <a:p>
-            <a:pPr algn="ctr">
-              <a:spcAft>
-                <a:spcPts val="600"/>
-              </a:spcAft>
-            </a:pPr>
-            <a:endParaRPr lang="de-DE" dirty="0">
-              <a:latin typeface="Arial" panose="020B0604020202020204" pitchFamily="34" charset="0"/>
-              <a:cs typeface="Arial" panose="020B0604020202020204" pitchFamily="34" charset="0"/>
-            </a:endParaRPr>
-          </a:p>
-        </p:txBody>
-      </p:sp>
-      <p:sp>
-        <p:nvSpPr>
-          <p:cNvPr id="11" name="Oval 10">
-            <a:extLst>
-              <a:ext uri="{FF2B5EF4-FFF2-40B4-BE49-F238E27FC236}">
-                <a16:creationId xmlns:a16="http://schemas.microsoft.com/office/drawing/2014/main" id="{71FAE8ED-A645-48FC-BA90-F3A14F1357EA}"/>
-              </a:ext>
-            </a:extLst>
-          </p:cNvPr>
-          <p:cNvSpPr/>
-          <p:nvPr/>
-        </p:nvSpPr>
-        <p:spPr>
-          <a:xfrm>
-            <a:off x="6844145" y="3003927"/>
-            <a:ext cx="304800" cy="98377"/>
-          </a:xfrm>
-          <a:prstGeom prst="ellipse">
-            <a:avLst/>
-          </a:prstGeom>
-          <a:solidFill>
-            <a:srgbClr val="FFC000"/>
-          </a:solidFill>
-        </p:spPr>
-        <p:txBody>
-          <a:bodyPr wrap="square" rtlCol="0" anchor="ctr">
-            <a:noAutofit/>
-          </a:bodyPr>
-          <a:lstStyle/>
-          <a:p>
-            <a:pPr algn="ctr">
-              <a:spcAft>
-                <a:spcPts val="600"/>
-              </a:spcAft>
-            </a:pPr>
-            <a:endParaRPr lang="de-DE" dirty="0">
-              <a:latin typeface="Arial" panose="020B0604020202020204" pitchFamily="34" charset="0"/>
-              <a:cs typeface="Arial" panose="020B0604020202020204" pitchFamily="34" charset="0"/>
-            </a:endParaRPr>
-          </a:p>
-        </p:txBody>
-      </p:sp>
-      <p:sp>
-        <p:nvSpPr>
-          <p:cNvPr id="12" name="Oval 11">
-            <a:extLst>
-              <a:ext uri="{FF2B5EF4-FFF2-40B4-BE49-F238E27FC236}">
-                <a16:creationId xmlns:a16="http://schemas.microsoft.com/office/drawing/2014/main" id="{EEC54ABF-44B5-4136-B34D-4016D9EF1999}"/>
-              </a:ext>
-            </a:extLst>
-          </p:cNvPr>
-          <p:cNvSpPr/>
-          <p:nvPr/>
-        </p:nvSpPr>
-        <p:spPr>
-          <a:xfrm>
-            <a:off x="6844145" y="3286047"/>
-            <a:ext cx="304800" cy="98377"/>
-          </a:xfrm>
-          <a:prstGeom prst="ellipse">
-            <a:avLst/>
-          </a:prstGeom>
-          <a:solidFill>
-            <a:srgbClr val="00B050"/>
-          </a:solidFill>
-        </p:spPr>
-        <p:txBody>
-          <a:bodyPr wrap="square" rtlCol="0" anchor="ctr">
-            <a:noAutofit/>
-          </a:bodyPr>
-          <a:lstStyle/>
-          <a:p>
-            <a:pPr algn="ctr">
-              <a:spcAft>
-                <a:spcPts val="600"/>
-              </a:spcAft>
-            </a:pPr>
-            <a:endParaRPr lang="de-DE" dirty="0">
-              <a:latin typeface="Arial" panose="020B0604020202020204" pitchFamily="34" charset="0"/>
-              <a:cs typeface="Arial" panose="020B0604020202020204" pitchFamily="34" charset="0"/>
-            </a:endParaRPr>
-          </a:p>
-        </p:txBody>
-      </p:sp>
-      <p:sp>
-        <p:nvSpPr>
-          <p:cNvPr id="13" name="Oval 12">
-            <a:extLst>
-              <a:ext uri="{FF2B5EF4-FFF2-40B4-BE49-F238E27FC236}">
-                <a16:creationId xmlns:a16="http://schemas.microsoft.com/office/drawing/2014/main" id="{BBC627A9-4276-4F08-B2C0-E9E9F2107452}"/>
-              </a:ext>
-            </a:extLst>
-          </p:cNvPr>
-          <p:cNvSpPr/>
-          <p:nvPr/>
-        </p:nvSpPr>
-        <p:spPr>
-          <a:xfrm>
-            <a:off x="6836488" y="3536839"/>
-            <a:ext cx="304800" cy="98377"/>
-          </a:xfrm>
-          <a:prstGeom prst="ellipse">
-            <a:avLst/>
-          </a:prstGeom>
-          <a:solidFill>
-            <a:srgbClr val="FF0000"/>
-          </a:solidFill>
-        </p:spPr>
-        <p:txBody>
-          <a:bodyPr wrap="square" rtlCol="0" anchor="ctr">
-            <a:noAutofit/>
-          </a:bodyPr>
-          <a:lstStyle/>
-          <a:p>
-            <a:pPr algn="ctr">
-              <a:spcAft>
-                <a:spcPts val="600"/>
-              </a:spcAft>
-            </a:pPr>
-            <a:endParaRPr lang="de-DE" dirty="0">
-              <a:latin typeface="Arial" panose="020B0604020202020204" pitchFamily="34" charset="0"/>
-              <a:cs typeface="Arial" panose="020B0604020202020204" pitchFamily="34" charset="0"/>
-            </a:endParaRPr>
-          </a:p>
-        </p:txBody>
-      </p:sp>
-      <p:sp>
-        <p:nvSpPr>
-          <p:cNvPr id="14" name="Oval 13">
-            <a:extLst>
-              <a:ext uri="{FF2B5EF4-FFF2-40B4-BE49-F238E27FC236}">
-                <a16:creationId xmlns:a16="http://schemas.microsoft.com/office/drawing/2014/main" id="{8EB9CB14-FA0E-4432-99B0-862F797A180C}"/>
-              </a:ext>
-            </a:extLst>
-          </p:cNvPr>
-          <p:cNvSpPr/>
-          <p:nvPr/>
-        </p:nvSpPr>
-        <p:spPr>
-          <a:xfrm>
-            <a:off x="6844145" y="3775855"/>
-            <a:ext cx="304800" cy="98377"/>
-          </a:xfrm>
-          <a:prstGeom prst="ellipse">
-            <a:avLst/>
-          </a:prstGeom>
-          <a:solidFill>
-            <a:srgbClr val="7030A0"/>
-          </a:solidFill>
-        </p:spPr>
-        <p:txBody>
-          <a:bodyPr wrap="square" rtlCol="0" anchor="ctr">
-            <a:noAutofit/>
-          </a:bodyPr>
-          <a:lstStyle/>
-          <a:p>
-            <a:pPr algn="ctr">
-              <a:spcAft>
-                <a:spcPts val="600"/>
-              </a:spcAft>
-            </a:pPr>
-            <a:endParaRPr lang="de-DE" dirty="0">
-              <a:latin typeface="Arial" panose="020B0604020202020204" pitchFamily="34" charset="0"/>
-              <a:cs typeface="Arial" panose="020B0604020202020204" pitchFamily="34" charset="0"/>
-            </a:endParaRPr>
-          </a:p>
-        </p:txBody>
-      </p:sp>
       <p:sp>
         <p:nvSpPr>
           <p:cNvPr id="15" name="TextBox 14">
@@ -38289,7 +40164,7 @@
 </p:sld>
 </file>
 
-<file path=ppt/slides/slide35.xml><?xml version="1.0" encoding="utf-8"?>
+<file path=ppt/slides/slide36.xml><?xml version="1.0" encoding="utf-8"?>
 <p:sld xmlns:a="http://schemas.openxmlformats.org/drawingml/2006/main" xmlns:r="http://schemas.openxmlformats.org/officeDocument/2006/relationships" xmlns:p="http://schemas.openxmlformats.org/presentationml/2006/main">
   <p:cSld>
     <p:spTree>
@@ -38485,7 +40360,7 @@
 </p:sld>
 </file>
 
-<file path=ppt/slides/slide36.xml><?xml version="1.0" encoding="utf-8"?>
+<file path=ppt/slides/slide37.xml><?xml version="1.0" encoding="utf-8"?>
 <p:sld xmlns:a="http://schemas.openxmlformats.org/drawingml/2006/main" xmlns:r="http://schemas.openxmlformats.org/officeDocument/2006/relationships" xmlns:p="http://schemas.openxmlformats.org/presentationml/2006/main">
   <p:cSld>
     <p:spTree>
@@ -38829,7 +40704,7 @@
               </a:spcAft>
             </a:pPr>
             <a:r>
-              <a:rPr lang="de-DE" sz="1200" dirty="0">
+              <a:rPr lang="de-DE" sz="1200" b="1" dirty="0">
                 <a:solidFill>
                   <a:srgbClr val="4A5C66"/>
                 </a:solidFill>
@@ -39115,7 +40990,7 @@
 </p:sld>
 </file>
 
-<file path=ppt/slides/slide37.xml><?xml version="1.0" encoding="utf-8"?>
+<file path=ppt/slides/slide38.xml><?xml version="1.0" encoding="utf-8"?>
 <p:sld xmlns:a="http://schemas.openxmlformats.org/drawingml/2006/main" xmlns:r="http://schemas.openxmlformats.org/officeDocument/2006/relationships" xmlns:p="http://schemas.openxmlformats.org/presentationml/2006/main">
   <p:cSld>
     <p:spTree>
@@ -39589,7 +41464,7 @@
               </a:spcAft>
             </a:pPr>
             <a:r>
-              <a:rPr lang="de-DE" sz="1200" dirty="0">
+              <a:rPr lang="de-DE" sz="1200" b="1" dirty="0">
                 <a:solidFill>
                   <a:srgbClr val="4A5C66"/>
                 </a:solidFill>
@@ -39883,7 +41758,7 @@
 </p:sld>
 </file>
 
-<file path=ppt/slides/slide38.xml><?xml version="1.0" encoding="utf-8"?>
+<file path=ppt/slides/slide39.xml><?xml version="1.0" encoding="utf-8"?>
 <p:sld xmlns:a="http://schemas.openxmlformats.org/drawingml/2006/main" xmlns:r="http://schemas.openxmlformats.org/officeDocument/2006/relationships" xmlns:p="http://schemas.openxmlformats.org/presentationml/2006/main">
   <p:cSld>
     <p:spTree>
@@ -40274,7 +42149,7 @@
               </a:spcAft>
             </a:pPr>
             <a:r>
-              <a:rPr lang="de-DE" sz="1200" dirty="0">
+              <a:rPr lang="de-DE" sz="1200" b="1" dirty="0">
                 <a:solidFill>
                   <a:srgbClr val="4A5C66"/>
                 </a:solidFill>
@@ -40509,7 +42384,140 @@
 </p:sld>
 </file>
 
-<file path=ppt/slides/slide39.xml><?xml version="1.0" encoding="utf-8"?>
+<file path=ppt/slides/slide4.xml><?xml version="1.0" encoding="utf-8"?>
+<p:sld xmlns:a="http://schemas.openxmlformats.org/drawingml/2006/main" xmlns:r="http://schemas.openxmlformats.org/officeDocument/2006/relationships" xmlns:p="http://schemas.openxmlformats.org/presentationml/2006/main">
+  <p:cSld>
+    <p:spTree>
+      <p:nvGrpSpPr>
+        <p:cNvPr id="1" name=""/>
+        <p:cNvGrpSpPr/>
+        <p:nvPr/>
+      </p:nvGrpSpPr>
+      <p:grpSpPr>
+        <a:xfrm>
+          <a:off x="0" y="0"/>
+          <a:ext cx="0" cy="0"/>
+          <a:chOff x="0" y="0"/>
+          <a:chExt cx="0" cy="0"/>
+        </a:xfrm>
+      </p:grpSpPr>
+      <p:sp>
+        <p:nvSpPr>
+          <p:cNvPr id="3" name="Title 2">
+            <a:extLst>
+              <a:ext uri="{FF2B5EF4-FFF2-40B4-BE49-F238E27FC236}">
+                <a16:creationId xmlns:a16="http://schemas.microsoft.com/office/drawing/2014/main" id="{461B9B6E-E4E0-44F9-84C4-185902959F10}"/>
+              </a:ext>
+            </a:extLst>
+          </p:cNvPr>
+          <p:cNvSpPr>
+            <a:spLocks noGrp="1"/>
+          </p:cNvSpPr>
+          <p:nvPr>
+            <p:ph type="title"/>
+          </p:nvPr>
+        </p:nvSpPr>
+        <p:spPr>
+          <a:xfrm>
+            <a:off x="334963" y="528961"/>
+            <a:ext cx="10076388" cy="751199"/>
+          </a:xfrm>
+        </p:spPr>
+        <p:txBody>
+          <a:bodyPr/>
+          <a:lstStyle/>
+          <a:p>
+            <a:r>
+              <a:rPr lang="de-DE" dirty="0"/>
+              <a:t>Einführung – Genetische Algorithmen</a:t>
+            </a:r>
+          </a:p>
+        </p:txBody>
+      </p:sp>
+      <p:sp>
+        <p:nvSpPr>
+          <p:cNvPr id="4" name="Text Placeholder 3">
+            <a:extLst>
+              <a:ext uri="{FF2B5EF4-FFF2-40B4-BE49-F238E27FC236}">
+                <a16:creationId xmlns:a16="http://schemas.microsoft.com/office/drawing/2014/main" id="{CB236A5E-E807-4CE0-9539-E7DFD1EDC54B}"/>
+              </a:ext>
+            </a:extLst>
+          </p:cNvPr>
+          <p:cNvSpPr>
+            <a:spLocks noGrp="1"/>
+          </p:cNvSpPr>
+          <p:nvPr>
+            <p:ph type="body" sz="quarter" idx="11"/>
+          </p:nvPr>
+        </p:nvSpPr>
+        <p:spPr/>
+        <p:txBody>
+          <a:bodyPr/>
+          <a:lstStyle/>
+          <a:p>
+            <a:endParaRPr lang="de-DE" dirty="0"/>
+          </a:p>
+          <a:p>
+            <a:endParaRPr lang="de-DE" dirty="0"/>
+          </a:p>
+          <a:p>
+            <a:endParaRPr lang="de-DE" dirty="0"/>
+          </a:p>
+          <a:p>
+            <a:endParaRPr lang="de-DE" dirty="0"/>
+          </a:p>
+          <a:p>
+            <a:r>
+              <a:rPr lang="de-DE" dirty="0"/>
+              <a:t>			</a:t>
+            </a:r>
+          </a:p>
+        </p:txBody>
+      </p:sp>
+      <p:pic>
+        <p:nvPicPr>
+          <p:cNvPr id="6" name="Picture 5">
+            <a:extLst>
+              <a:ext uri="{FF2B5EF4-FFF2-40B4-BE49-F238E27FC236}">
+                <a16:creationId xmlns:a16="http://schemas.microsoft.com/office/drawing/2014/main" id="{A4526F86-BE62-4E0E-8E42-EA1419C549C8}"/>
+              </a:ext>
+            </a:extLst>
+          </p:cNvPr>
+          <p:cNvPicPr>
+            <a:picLocks noChangeAspect="1"/>
+          </p:cNvPicPr>
+          <p:nvPr/>
+        </p:nvPicPr>
+        <p:blipFill>
+          <a:blip r:embed="rId3"/>
+          <a:stretch>
+            <a:fillRect/>
+          </a:stretch>
+        </p:blipFill>
+        <p:spPr>
+          <a:xfrm>
+            <a:off x="1362258" y="1877489"/>
+            <a:ext cx="8953593" cy="3574496"/>
+          </a:xfrm>
+          <a:prstGeom prst="rect">
+            <a:avLst/>
+          </a:prstGeom>
+        </p:spPr>
+      </p:pic>
+    </p:spTree>
+    <p:extLst>
+      <p:ext uri="{BB962C8B-B14F-4D97-AF65-F5344CB8AC3E}">
+        <p14:creationId xmlns:p14="http://schemas.microsoft.com/office/powerpoint/2010/main" val="3059242604"/>
+      </p:ext>
+    </p:extLst>
+  </p:cSld>
+  <p:clrMapOvr>
+    <a:masterClrMapping/>
+  </p:clrMapOvr>
+</p:sld>
+</file>
+
+<file path=ppt/slides/slide40.xml><?xml version="1.0" encoding="utf-8"?>
 <p:sld xmlns:a="http://schemas.openxmlformats.org/drawingml/2006/main" xmlns:r="http://schemas.openxmlformats.org/officeDocument/2006/relationships" xmlns:p="http://schemas.openxmlformats.org/presentationml/2006/main">
   <p:cSld>
     <p:spTree>
@@ -40855,14 +42863,24 @@
               </a:spcAft>
             </a:pPr>
             <a:r>
-              <a:rPr lang="de-DE" sz="1200" dirty="0">
+              <a:rPr lang="de-DE" sz="1200" b="1" dirty="0">
                 <a:solidFill>
                   <a:srgbClr val="4A5C66"/>
                 </a:solidFill>
                 <a:latin typeface="Arial" panose="020B0604020202020204" pitchFamily="34" charset="0"/>
                 <a:cs typeface="Arial" panose="020B0604020202020204" pitchFamily="34" charset="0"/>
               </a:rPr>
-              <a:t>Mutationsrate: 10%</a:t>
+              <a:t>Mutationsrate</a:t>
+            </a:r>
+            <a:r>
+              <a:rPr lang="de-DE" sz="1200" dirty="0">
+                <a:solidFill>
+                  <a:srgbClr val="4A5C66"/>
+                </a:solidFill>
+                <a:latin typeface="Arial" panose="020B0604020202020204" pitchFamily="34" charset="0"/>
+                <a:cs typeface="Arial" panose="020B0604020202020204" pitchFamily="34" charset="0"/>
+              </a:rPr>
+              <a:t>: 10%</a:t>
             </a:r>
           </a:p>
           <a:p>
@@ -41141,140 +43159,7 @@
 </p:sld>
 </file>
 
-<file path=ppt/slides/slide4.xml><?xml version="1.0" encoding="utf-8"?>
-<p:sld xmlns:a="http://schemas.openxmlformats.org/drawingml/2006/main" xmlns:r="http://schemas.openxmlformats.org/officeDocument/2006/relationships" xmlns:p="http://schemas.openxmlformats.org/presentationml/2006/main">
-  <p:cSld>
-    <p:spTree>
-      <p:nvGrpSpPr>
-        <p:cNvPr id="1" name=""/>
-        <p:cNvGrpSpPr/>
-        <p:nvPr/>
-      </p:nvGrpSpPr>
-      <p:grpSpPr>
-        <a:xfrm>
-          <a:off x="0" y="0"/>
-          <a:ext cx="0" cy="0"/>
-          <a:chOff x="0" y="0"/>
-          <a:chExt cx="0" cy="0"/>
-        </a:xfrm>
-      </p:grpSpPr>
-      <p:sp>
-        <p:nvSpPr>
-          <p:cNvPr id="3" name="Title 2">
-            <a:extLst>
-              <a:ext uri="{FF2B5EF4-FFF2-40B4-BE49-F238E27FC236}">
-                <a16:creationId xmlns:a16="http://schemas.microsoft.com/office/drawing/2014/main" id="{461B9B6E-E4E0-44F9-84C4-185902959F10}"/>
-              </a:ext>
-            </a:extLst>
-          </p:cNvPr>
-          <p:cNvSpPr>
-            <a:spLocks noGrp="1"/>
-          </p:cNvSpPr>
-          <p:nvPr>
-            <p:ph type="title"/>
-          </p:nvPr>
-        </p:nvSpPr>
-        <p:spPr>
-          <a:xfrm>
-            <a:off x="334963" y="528961"/>
-            <a:ext cx="10076388" cy="751199"/>
-          </a:xfrm>
-        </p:spPr>
-        <p:txBody>
-          <a:bodyPr/>
-          <a:lstStyle/>
-          <a:p>
-            <a:r>
-              <a:rPr lang="de-DE" dirty="0"/>
-              <a:t>Einführung – Genetische Algorithmen</a:t>
-            </a:r>
-          </a:p>
-        </p:txBody>
-      </p:sp>
-      <p:sp>
-        <p:nvSpPr>
-          <p:cNvPr id="4" name="Text Placeholder 3">
-            <a:extLst>
-              <a:ext uri="{FF2B5EF4-FFF2-40B4-BE49-F238E27FC236}">
-                <a16:creationId xmlns:a16="http://schemas.microsoft.com/office/drawing/2014/main" id="{CB236A5E-E807-4CE0-9539-E7DFD1EDC54B}"/>
-              </a:ext>
-            </a:extLst>
-          </p:cNvPr>
-          <p:cNvSpPr>
-            <a:spLocks noGrp="1"/>
-          </p:cNvSpPr>
-          <p:nvPr>
-            <p:ph type="body" sz="quarter" idx="11"/>
-          </p:nvPr>
-        </p:nvSpPr>
-        <p:spPr/>
-        <p:txBody>
-          <a:bodyPr/>
-          <a:lstStyle/>
-          <a:p>
-            <a:endParaRPr lang="de-DE" dirty="0"/>
-          </a:p>
-          <a:p>
-            <a:endParaRPr lang="de-DE" dirty="0"/>
-          </a:p>
-          <a:p>
-            <a:endParaRPr lang="de-DE" dirty="0"/>
-          </a:p>
-          <a:p>
-            <a:endParaRPr lang="de-DE" dirty="0"/>
-          </a:p>
-          <a:p>
-            <a:r>
-              <a:rPr lang="de-DE" dirty="0"/>
-              <a:t>			</a:t>
-            </a:r>
-          </a:p>
-        </p:txBody>
-      </p:sp>
-      <p:pic>
-        <p:nvPicPr>
-          <p:cNvPr id="6" name="Picture 5">
-            <a:extLst>
-              <a:ext uri="{FF2B5EF4-FFF2-40B4-BE49-F238E27FC236}">
-                <a16:creationId xmlns:a16="http://schemas.microsoft.com/office/drawing/2014/main" id="{A4526F86-BE62-4E0E-8E42-EA1419C549C8}"/>
-              </a:ext>
-            </a:extLst>
-          </p:cNvPr>
-          <p:cNvPicPr>
-            <a:picLocks noChangeAspect="1"/>
-          </p:cNvPicPr>
-          <p:nvPr/>
-        </p:nvPicPr>
-        <p:blipFill>
-          <a:blip r:embed="rId3"/>
-          <a:stretch>
-            <a:fillRect/>
-          </a:stretch>
-        </p:blipFill>
-        <p:spPr>
-          <a:xfrm>
-            <a:off x="1362258" y="1877489"/>
-            <a:ext cx="8953593" cy="3574496"/>
-          </a:xfrm>
-          <a:prstGeom prst="rect">
-            <a:avLst/>
-          </a:prstGeom>
-        </p:spPr>
-      </p:pic>
-    </p:spTree>
-    <p:extLst>
-      <p:ext uri="{BB962C8B-B14F-4D97-AF65-F5344CB8AC3E}">
-        <p14:creationId xmlns:p14="http://schemas.microsoft.com/office/powerpoint/2010/main" val="3059242604"/>
-      </p:ext>
-    </p:extLst>
-  </p:cSld>
-  <p:clrMapOvr>
-    <a:masterClrMapping/>
-  </p:clrMapOvr>
-</p:sld>
-</file>
-
-<file path=ppt/slides/slide40.xml><?xml version="1.0" encoding="utf-8"?>
+<file path=ppt/slides/slide41.xml><?xml version="1.0" encoding="utf-8"?>
 <p:sld xmlns:a="http://schemas.openxmlformats.org/drawingml/2006/main" xmlns:r="http://schemas.openxmlformats.org/officeDocument/2006/relationships" xmlns:p="http://schemas.openxmlformats.org/presentationml/2006/main">
   <p:cSld>
     <p:spTree>
@@ -41397,7 +43282,7 @@
         <p:spPr>
           <a:xfrm>
             <a:off x="334963" y="1069538"/>
-            <a:ext cx="9170633" cy="1169551"/>
+            <a:ext cx="9170633" cy="954107"/>
           </a:xfrm>
           <a:prstGeom prst="rect">
             <a:avLst/>
@@ -41409,16 +43294,6 @@
             <a:spAutoFit/>
           </a:bodyPr>
           <a:lstStyle/>
-          <a:p>
-            <a:r>
-              <a:rPr lang="de-DE" dirty="0"/>
-              <a:t>Crossover: </a:t>
-            </a:r>
-            <a:r>
-              <a:rPr lang="de-DE" b="1" dirty="0"/>
-              <a:t>Edge-Recombination</a:t>
-            </a:r>
-          </a:p>
           <a:p>
             <a:r>
               <a:rPr lang="de-DE" dirty="0"/>
@@ -41671,7 +43546,7 @@
               </a:spcAft>
             </a:pPr>
             <a:r>
-              <a:rPr lang="de-DE" sz="1200" dirty="0">
+              <a:rPr lang="de-DE" sz="1200" b="1" dirty="0">
                 <a:solidFill>
                   <a:srgbClr val="4A5C66"/>
                 </a:solidFill>
@@ -41906,7 +43781,7 @@
 </p:sld>
 </file>
 
-<file path=ppt/slides/slide41.xml><?xml version="1.0" encoding="utf-8"?>
+<file path=ppt/slides/slide42.xml><?xml version="1.0" encoding="utf-8"?>
 <p:sld xmlns:a="http://schemas.openxmlformats.org/drawingml/2006/main" xmlns:r="http://schemas.openxmlformats.org/officeDocument/2006/relationships" xmlns:p="http://schemas.openxmlformats.org/presentationml/2006/main">
   <p:cSld>
     <p:spTree>
@@ -41965,8 +43840,8 @@
         </p:nvSpPr>
         <p:spPr>
           <a:xfrm>
-            <a:off x="642873" y="1250886"/>
-            <a:ext cx="9170633" cy="1169551"/>
+            <a:off x="536479" y="1134270"/>
+            <a:ext cx="9170633" cy="1384995"/>
           </a:xfrm>
           <a:prstGeom prst="rect">
             <a:avLst/>
@@ -41978,6 +43853,12 @@
             <a:spAutoFit/>
           </a:bodyPr>
           <a:lstStyle/>
+          <a:p>
+            <a:r>
+              <a:rPr lang="de-DE" dirty="0"/>
+              <a:t>Crossover: Edge-Recombination</a:t>
+            </a:r>
+          </a:p>
           <a:p>
             <a:r>
               <a:rPr lang="de-DE" dirty="0"/>
@@ -42025,7 +43906,7 @@
           <p:nvPr/>
         </p:nvPicPr>
         <p:blipFill>
-          <a:blip r:embed="rId2"/>
+          <a:blip r:embed="rId3"/>
           <a:stretch>
             <a:fillRect/>
           </a:stretch>
@@ -42055,7 +43936,7 @@
           <p:nvPr/>
         </p:nvPicPr>
         <p:blipFill>
-          <a:blip r:embed="rId3"/>
+          <a:blip r:embed="rId4"/>
           <a:stretch>
             <a:fillRect/>
           </a:stretch>
@@ -42260,400 +44141,6 @@
     <p:extLst>
       <p:ext uri="{BB962C8B-B14F-4D97-AF65-F5344CB8AC3E}">
         <p14:creationId xmlns:p14="http://schemas.microsoft.com/office/powerpoint/2010/main" val="3621128906"/>
-      </p:ext>
-    </p:extLst>
-  </p:cSld>
-  <p:clrMapOvr>
-    <a:masterClrMapping/>
-  </p:clrMapOvr>
-</p:sld>
-</file>
-
-<file path=ppt/slides/slide42.xml><?xml version="1.0" encoding="utf-8"?>
-<p:sld xmlns:a="http://schemas.openxmlformats.org/drawingml/2006/main" xmlns:r="http://schemas.openxmlformats.org/officeDocument/2006/relationships" xmlns:p="http://schemas.openxmlformats.org/presentationml/2006/main">
-  <p:cSld>
-    <p:spTree>
-      <p:nvGrpSpPr>
-        <p:cNvPr id="1" name=""/>
-        <p:cNvGrpSpPr/>
-        <p:nvPr/>
-      </p:nvGrpSpPr>
-      <p:grpSpPr>
-        <a:xfrm>
-          <a:off x="0" y="0"/>
-          <a:ext cx="0" cy="0"/>
-          <a:chOff x="0" y="0"/>
-          <a:chExt cx="0" cy="0"/>
-        </a:xfrm>
-      </p:grpSpPr>
-      <p:sp>
-        <p:nvSpPr>
-          <p:cNvPr id="3" name="Title 2">
-            <a:extLst>
-              <a:ext uri="{FF2B5EF4-FFF2-40B4-BE49-F238E27FC236}">
-                <a16:creationId xmlns:a16="http://schemas.microsoft.com/office/drawing/2014/main" id="{38E3401A-B07F-4F3A-9D59-1A25E88B8E96}"/>
-              </a:ext>
-            </a:extLst>
-          </p:cNvPr>
-          <p:cNvSpPr>
-            <a:spLocks noGrp="1"/>
-          </p:cNvSpPr>
-          <p:nvPr>
-            <p:ph type="title"/>
-          </p:nvPr>
-        </p:nvSpPr>
-        <p:spPr/>
-        <p:txBody>
-          <a:bodyPr/>
-          <a:lstStyle/>
-          <a:p>
-            <a:r>
-              <a:rPr lang="de-DE" dirty="0"/>
-              <a:t>Thematischer Ablauf</a:t>
-            </a:r>
-          </a:p>
-        </p:txBody>
-      </p:sp>
-      <p:sp>
-        <p:nvSpPr>
-          <p:cNvPr id="5" name="Textfeld 2">
-            <a:extLst>
-              <a:ext uri="{FF2B5EF4-FFF2-40B4-BE49-F238E27FC236}">
-                <a16:creationId xmlns:a16="http://schemas.microsoft.com/office/drawing/2014/main" id="{712AD268-415A-4FD1-9592-79DA89974DD9}"/>
-              </a:ext>
-            </a:extLst>
-          </p:cNvPr>
-          <p:cNvSpPr txBox="1"/>
-          <p:nvPr/>
-        </p:nvSpPr>
-        <p:spPr>
-          <a:xfrm>
-            <a:off x="472714" y="1988820"/>
-            <a:ext cx="2628900" cy="1943100"/>
-          </a:xfrm>
-          <a:prstGeom prst="rect">
-            <a:avLst/>
-          </a:prstGeom>
-          <a:noFill/>
-        </p:spPr>
-        <p:txBody>
-          <a:bodyPr wrap="square" rtlCol="0" anchor="ctr" anchorCtr="0">
-            <a:noAutofit/>
-          </a:bodyPr>
-          <a:lstStyle/>
-          <a:p>
-            <a:pPr algn="ctr"/>
-            <a:r>
-              <a:rPr lang="de-DE" sz="2800" dirty="0">
-                <a:solidFill>
-                  <a:schemeClr val="tx1"/>
-                </a:solidFill>
-                <a:latin typeface="Arial" panose="020B0604020202020204" pitchFamily="34" charset="0"/>
-                <a:cs typeface="Arial" panose="020B0604020202020204" pitchFamily="34" charset="0"/>
-              </a:rPr>
-              <a:t>Einführung</a:t>
-            </a:r>
-          </a:p>
-        </p:txBody>
-      </p:sp>
-      <p:sp>
-        <p:nvSpPr>
-          <p:cNvPr id="6" name="Textfeld 8">
-            <a:extLst>
-              <a:ext uri="{FF2B5EF4-FFF2-40B4-BE49-F238E27FC236}">
-                <a16:creationId xmlns:a16="http://schemas.microsoft.com/office/drawing/2014/main" id="{1C25B9DF-5145-40F8-8B93-6D1DDCA76C45}"/>
-              </a:ext>
-            </a:extLst>
-          </p:cNvPr>
-          <p:cNvSpPr txBox="1"/>
-          <p:nvPr/>
-        </p:nvSpPr>
-        <p:spPr>
-          <a:xfrm>
-            <a:off x="3355504" y="1988820"/>
-            <a:ext cx="2628900" cy="1943100"/>
-          </a:xfrm>
-          <a:prstGeom prst="rect">
-            <a:avLst/>
-          </a:prstGeom>
-          <a:noFill/>
-        </p:spPr>
-        <p:txBody>
-          <a:bodyPr wrap="square" rtlCol="0" anchor="ctr" anchorCtr="0">
-            <a:noAutofit/>
-          </a:bodyPr>
-          <a:lstStyle/>
-          <a:p>
-            <a:pPr algn="ctr"/>
-            <a:r>
-              <a:rPr lang="de-DE" sz="2800" dirty="0">
-                <a:solidFill>
-                  <a:schemeClr val="tx1"/>
-                </a:solidFill>
-                <a:latin typeface="Arial" panose="020B0604020202020204" pitchFamily="34" charset="0"/>
-                <a:cs typeface="Arial" panose="020B0604020202020204" pitchFamily="34" charset="0"/>
-              </a:rPr>
-              <a:t>Konzept</a:t>
-            </a:r>
-          </a:p>
-        </p:txBody>
-      </p:sp>
-      <p:sp>
-        <p:nvSpPr>
-          <p:cNvPr id="7" name="Textfeld 3">
-            <a:extLst>
-              <a:ext uri="{FF2B5EF4-FFF2-40B4-BE49-F238E27FC236}">
-                <a16:creationId xmlns:a16="http://schemas.microsoft.com/office/drawing/2014/main" id="{B5756B21-FE41-4FE0-8C77-4147D26968C6}"/>
-              </a:ext>
-            </a:extLst>
-          </p:cNvPr>
-          <p:cNvSpPr txBox="1"/>
-          <p:nvPr/>
-        </p:nvSpPr>
-        <p:spPr>
-          <a:xfrm>
-            <a:off x="6253646" y="1988820"/>
-            <a:ext cx="2628900" cy="1943100"/>
-          </a:xfrm>
-          <a:prstGeom prst="rect">
-            <a:avLst/>
-          </a:prstGeom>
-          <a:noFill/>
-        </p:spPr>
-        <p:txBody>
-          <a:bodyPr wrap="square" rtlCol="0" anchor="ctr" anchorCtr="0">
-            <a:noAutofit/>
-          </a:bodyPr>
-          <a:lstStyle/>
-          <a:p>
-            <a:pPr algn="ctr"/>
-            <a:r>
-              <a:rPr lang="de-DE" sz="2800" dirty="0">
-                <a:solidFill>
-                  <a:schemeClr val="tx1"/>
-                </a:solidFill>
-                <a:latin typeface="Arial" panose="020B0604020202020204" pitchFamily="34" charset="0"/>
-                <a:cs typeface="Arial" panose="020B0604020202020204" pitchFamily="34" charset="0"/>
-              </a:rPr>
-              <a:t>Realisierung</a:t>
-            </a:r>
-          </a:p>
-        </p:txBody>
-      </p:sp>
-      <p:sp>
-        <p:nvSpPr>
-          <p:cNvPr id="9" name="Textfeld 5">
-            <a:extLst>
-              <a:ext uri="{FF2B5EF4-FFF2-40B4-BE49-F238E27FC236}">
-                <a16:creationId xmlns:a16="http://schemas.microsoft.com/office/drawing/2014/main" id="{2391C764-4573-4386-AFCB-3FBE903052B0}"/>
-              </a:ext>
-            </a:extLst>
-          </p:cNvPr>
-          <p:cNvSpPr txBox="1"/>
-          <p:nvPr/>
-        </p:nvSpPr>
-        <p:spPr>
-          <a:xfrm>
-            <a:off x="9029873" y="2016289"/>
-            <a:ext cx="2628900" cy="1943100"/>
-          </a:xfrm>
-          <a:prstGeom prst="rect">
-            <a:avLst/>
-          </a:prstGeom>
-          <a:noFill/>
-        </p:spPr>
-        <p:txBody>
-          <a:bodyPr wrap="square" rtlCol="0" anchor="ctr" anchorCtr="0">
-            <a:noAutofit/>
-          </a:bodyPr>
-          <a:lstStyle/>
-          <a:p>
-            <a:pPr algn="ctr"/>
-            <a:r>
-              <a:rPr lang="de-DE" sz="2800" dirty="0">
-                <a:solidFill>
-                  <a:schemeClr val="tx1"/>
-                </a:solidFill>
-                <a:latin typeface="Arial" panose="020B0604020202020204" pitchFamily="34" charset="0"/>
-                <a:cs typeface="Arial" panose="020B0604020202020204" pitchFamily="34" charset="0"/>
-              </a:rPr>
-              <a:t>Experimente</a:t>
-            </a:r>
-          </a:p>
-        </p:txBody>
-      </p:sp>
-      <p:sp>
-        <p:nvSpPr>
-          <p:cNvPr id="10" name="Textfeld 6">
-            <a:extLst>
-              <a:ext uri="{FF2B5EF4-FFF2-40B4-BE49-F238E27FC236}">
-                <a16:creationId xmlns:a16="http://schemas.microsoft.com/office/drawing/2014/main" id="{4346AE44-45A6-4AAE-9A14-9C0A956BDEAF}"/>
-              </a:ext>
-            </a:extLst>
-          </p:cNvPr>
-          <p:cNvSpPr txBox="1"/>
-          <p:nvPr/>
-        </p:nvSpPr>
-        <p:spPr>
-          <a:xfrm>
-            <a:off x="3253430" y="4155586"/>
-            <a:ext cx="2628900" cy="1943100"/>
-          </a:xfrm>
-          <a:prstGeom prst="rect">
-            <a:avLst/>
-          </a:prstGeom>
-          <a:noFill/>
-        </p:spPr>
-        <p:txBody>
-          <a:bodyPr wrap="square" rtlCol="0" anchor="ctr" anchorCtr="0">
-            <a:noAutofit/>
-          </a:bodyPr>
-          <a:lstStyle/>
-          <a:p>
-            <a:pPr algn="ctr"/>
-            <a:r>
-              <a:rPr lang="de-DE" sz="2800" dirty="0">
-                <a:solidFill>
-                  <a:schemeClr val="tx1"/>
-                </a:solidFill>
-                <a:latin typeface="Arial" panose="020B0604020202020204" pitchFamily="34" charset="0"/>
-                <a:cs typeface="Arial" panose="020B0604020202020204" pitchFamily="34" charset="0"/>
-              </a:rPr>
-              <a:t>Retrospektive</a:t>
-            </a:r>
-          </a:p>
-        </p:txBody>
-      </p:sp>
-      <p:sp>
-        <p:nvSpPr>
-          <p:cNvPr id="11" name="Textfeld 7">
-            <a:extLst>
-              <a:ext uri="{FF2B5EF4-FFF2-40B4-BE49-F238E27FC236}">
-                <a16:creationId xmlns:a16="http://schemas.microsoft.com/office/drawing/2014/main" id="{85A08446-20B2-4FAD-B3C4-B9B9C5DE0FF9}"/>
-              </a:ext>
-            </a:extLst>
-          </p:cNvPr>
-          <p:cNvSpPr txBox="1"/>
-          <p:nvPr/>
-        </p:nvSpPr>
-        <p:spPr>
-          <a:xfrm>
-            <a:off x="6194933" y="4155586"/>
-            <a:ext cx="2628900" cy="1943100"/>
-          </a:xfrm>
-          <a:prstGeom prst="rect">
-            <a:avLst/>
-          </a:prstGeom>
-          <a:noFill/>
-        </p:spPr>
-        <p:txBody>
-          <a:bodyPr wrap="square" rtlCol="0" anchor="ctr" anchorCtr="0">
-            <a:noAutofit/>
-          </a:bodyPr>
-          <a:lstStyle/>
-          <a:p>
-            <a:pPr algn="ctr"/>
-            <a:r>
-              <a:rPr lang="de-DE" sz="2800" dirty="0">
-                <a:solidFill>
-                  <a:schemeClr val="tx1"/>
-                </a:solidFill>
-                <a:latin typeface="Arial" panose="020B0604020202020204" pitchFamily="34" charset="0"/>
-                <a:cs typeface="Arial" panose="020B0604020202020204" pitchFamily="34" charset="0"/>
-              </a:rPr>
-              <a:t>Fazit</a:t>
-            </a:r>
-          </a:p>
-        </p:txBody>
-      </p:sp>
-      <p:sp>
-        <p:nvSpPr>
-          <p:cNvPr id="12" name="Textfeld 9">
-            <a:extLst>
-              <a:ext uri="{FF2B5EF4-FFF2-40B4-BE49-F238E27FC236}">
-                <a16:creationId xmlns:a16="http://schemas.microsoft.com/office/drawing/2014/main" id="{5A995761-3A48-49A2-A62D-355F53FE485D}"/>
-              </a:ext>
-            </a:extLst>
-          </p:cNvPr>
-          <p:cNvSpPr txBox="1"/>
-          <p:nvPr/>
-        </p:nvSpPr>
-        <p:spPr>
-          <a:xfrm>
-            <a:off x="9136436" y="4155586"/>
-            <a:ext cx="2628900" cy="1943100"/>
-          </a:xfrm>
-          <a:prstGeom prst="rect">
-            <a:avLst/>
-          </a:prstGeom>
-          <a:noFill/>
-        </p:spPr>
-        <p:txBody>
-          <a:bodyPr wrap="square" rtlCol="0" anchor="ctr" anchorCtr="0">
-            <a:noAutofit/>
-          </a:bodyPr>
-          <a:lstStyle/>
-          <a:p>
-            <a:pPr algn="ctr"/>
-            <a:r>
-              <a:rPr lang="de-DE" sz="2800" dirty="0">
-                <a:solidFill>
-                  <a:schemeClr val="tx1"/>
-                </a:solidFill>
-                <a:latin typeface="Arial" panose="020B0604020202020204" pitchFamily="34" charset="0"/>
-                <a:cs typeface="Arial" panose="020B0604020202020204" pitchFamily="34" charset="0"/>
-              </a:rPr>
-              <a:t>Ausblick</a:t>
-            </a:r>
-          </a:p>
-        </p:txBody>
-      </p:sp>
-      <p:sp>
-        <p:nvSpPr>
-          <p:cNvPr id="13" name="Textfeld 6">
-            <a:extLst>
-              <a:ext uri="{FF2B5EF4-FFF2-40B4-BE49-F238E27FC236}">
-                <a16:creationId xmlns:a16="http://schemas.microsoft.com/office/drawing/2014/main" id="{B3B97F33-32B3-46C4-A4C2-3FA5E65CD445}"/>
-              </a:ext>
-            </a:extLst>
-          </p:cNvPr>
-          <p:cNvSpPr txBox="1"/>
-          <p:nvPr/>
-        </p:nvSpPr>
-        <p:spPr>
-          <a:xfrm>
-            <a:off x="426664" y="4155586"/>
-            <a:ext cx="2628900" cy="1943100"/>
-          </a:xfrm>
-          <a:prstGeom prst="rect">
-            <a:avLst/>
-          </a:prstGeom>
-          <a:noFill/>
-        </p:spPr>
-        <p:txBody>
-          <a:bodyPr wrap="square" rtlCol="0" anchor="ctr" anchorCtr="0">
-            <a:noAutofit/>
-          </a:bodyPr>
-          <a:lstStyle/>
-          <a:p>
-            <a:pPr algn="ctr"/>
-            <a:r>
-              <a:rPr lang="de-DE" sz="2800" b="1" dirty="0">
-                <a:solidFill>
-                  <a:schemeClr val="tx1"/>
-                </a:solidFill>
-                <a:latin typeface="Arial" panose="020B0604020202020204" pitchFamily="34" charset="0"/>
-                <a:cs typeface="Arial" panose="020B0604020202020204" pitchFamily="34" charset="0"/>
-              </a:rPr>
-              <a:t>Demo</a:t>
-            </a:r>
-          </a:p>
-        </p:txBody>
-      </p:sp>
-    </p:spTree>
-    <p:extLst>
-      <p:ext uri="{BB962C8B-B14F-4D97-AF65-F5344CB8AC3E}">
-        <p14:creationId xmlns:p14="http://schemas.microsoft.com/office/powerpoint/2010/main" val="2786731928"/>
       </p:ext>
     </p:extLst>
   </p:cSld>
@@ -42906,7 +44393,7 @@
           <a:p>
             <a:pPr algn="ctr"/>
             <a:r>
-              <a:rPr lang="de-DE" sz="2800" b="1" dirty="0">
+              <a:rPr lang="de-DE" sz="2800" dirty="0">
                 <a:solidFill>
                   <a:schemeClr val="tx1"/>
                 </a:solidFill>
@@ -43032,6 +44519,400 @@
           <a:p>
             <a:pPr algn="ctr"/>
             <a:r>
+              <a:rPr lang="de-DE" sz="2800" b="1" dirty="0">
+                <a:solidFill>
+                  <a:schemeClr val="tx1"/>
+                </a:solidFill>
+                <a:latin typeface="Arial" panose="020B0604020202020204" pitchFamily="34" charset="0"/>
+                <a:cs typeface="Arial" panose="020B0604020202020204" pitchFamily="34" charset="0"/>
+              </a:rPr>
+              <a:t>Demo</a:t>
+            </a:r>
+          </a:p>
+        </p:txBody>
+      </p:sp>
+    </p:spTree>
+    <p:extLst>
+      <p:ext uri="{BB962C8B-B14F-4D97-AF65-F5344CB8AC3E}">
+        <p14:creationId xmlns:p14="http://schemas.microsoft.com/office/powerpoint/2010/main" val="2786731928"/>
+      </p:ext>
+    </p:extLst>
+  </p:cSld>
+  <p:clrMapOvr>
+    <a:masterClrMapping/>
+  </p:clrMapOvr>
+</p:sld>
+</file>
+
+<file path=ppt/slides/slide44.xml><?xml version="1.0" encoding="utf-8"?>
+<p:sld xmlns:a="http://schemas.openxmlformats.org/drawingml/2006/main" xmlns:r="http://schemas.openxmlformats.org/officeDocument/2006/relationships" xmlns:p="http://schemas.openxmlformats.org/presentationml/2006/main">
+  <p:cSld>
+    <p:spTree>
+      <p:nvGrpSpPr>
+        <p:cNvPr id="1" name=""/>
+        <p:cNvGrpSpPr/>
+        <p:nvPr/>
+      </p:nvGrpSpPr>
+      <p:grpSpPr>
+        <a:xfrm>
+          <a:off x="0" y="0"/>
+          <a:ext cx="0" cy="0"/>
+          <a:chOff x="0" y="0"/>
+          <a:chExt cx="0" cy="0"/>
+        </a:xfrm>
+      </p:grpSpPr>
+      <p:sp>
+        <p:nvSpPr>
+          <p:cNvPr id="3" name="Title 2">
+            <a:extLst>
+              <a:ext uri="{FF2B5EF4-FFF2-40B4-BE49-F238E27FC236}">
+                <a16:creationId xmlns:a16="http://schemas.microsoft.com/office/drawing/2014/main" id="{38E3401A-B07F-4F3A-9D59-1A25E88B8E96}"/>
+              </a:ext>
+            </a:extLst>
+          </p:cNvPr>
+          <p:cNvSpPr>
+            <a:spLocks noGrp="1"/>
+          </p:cNvSpPr>
+          <p:nvPr>
+            <p:ph type="title"/>
+          </p:nvPr>
+        </p:nvSpPr>
+        <p:spPr/>
+        <p:txBody>
+          <a:bodyPr/>
+          <a:lstStyle/>
+          <a:p>
+            <a:r>
+              <a:rPr lang="de-DE" dirty="0"/>
+              <a:t>Thematischer Ablauf</a:t>
+            </a:r>
+          </a:p>
+        </p:txBody>
+      </p:sp>
+      <p:sp>
+        <p:nvSpPr>
+          <p:cNvPr id="5" name="Textfeld 2">
+            <a:extLst>
+              <a:ext uri="{FF2B5EF4-FFF2-40B4-BE49-F238E27FC236}">
+                <a16:creationId xmlns:a16="http://schemas.microsoft.com/office/drawing/2014/main" id="{712AD268-415A-4FD1-9592-79DA89974DD9}"/>
+              </a:ext>
+            </a:extLst>
+          </p:cNvPr>
+          <p:cNvSpPr txBox="1"/>
+          <p:nvPr/>
+        </p:nvSpPr>
+        <p:spPr>
+          <a:xfrm>
+            <a:off x="472714" y="1988820"/>
+            <a:ext cx="2628900" cy="1943100"/>
+          </a:xfrm>
+          <a:prstGeom prst="rect">
+            <a:avLst/>
+          </a:prstGeom>
+          <a:noFill/>
+        </p:spPr>
+        <p:txBody>
+          <a:bodyPr wrap="square" rtlCol="0" anchor="ctr" anchorCtr="0">
+            <a:noAutofit/>
+          </a:bodyPr>
+          <a:lstStyle/>
+          <a:p>
+            <a:pPr algn="ctr"/>
+            <a:r>
+              <a:rPr lang="de-DE" sz="2800" dirty="0">
+                <a:solidFill>
+                  <a:schemeClr val="tx1"/>
+                </a:solidFill>
+                <a:latin typeface="Arial" panose="020B0604020202020204" pitchFamily="34" charset="0"/>
+                <a:cs typeface="Arial" panose="020B0604020202020204" pitchFamily="34" charset="0"/>
+              </a:rPr>
+              <a:t>Einführung</a:t>
+            </a:r>
+          </a:p>
+        </p:txBody>
+      </p:sp>
+      <p:sp>
+        <p:nvSpPr>
+          <p:cNvPr id="6" name="Textfeld 8">
+            <a:extLst>
+              <a:ext uri="{FF2B5EF4-FFF2-40B4-BE49-F238E27FC236}">
+                <a16:creationId xmlns:a16="http://schemas.microsoft.com/office/drawing/2014/main" id="{1C25B9DF-5145-40F8-8B93-6D1DDCA76C45}"/>
+              </a:ext>
+            </a:extLst>
+          </p:cNvPr>
+          <p:cNvSpPr txBox="1"/>
+          <p:nvPr/>
+        </p:nvSpPr>
+        <p:spPr>
+          <a:xfrm>
+            <a:off x="3355504" y="1988820"/>
+            <a:ext cx="2628900" cy="1943100"/>
+          </a:xfrm>
+          <a:prstGeom prst="rect">
+            <a:avLst/>
+          </a:prstGeom>
+          <a:noFill/>
+        </p:spPr>
+        <p:txBody>
+          <a:bodyPr wrap="square" rtlCol="0" anchor="ctr" anchorCtr="0">
+            <a:noAutofit/>
+          </a:bodyPr>
+          <a:lstStyle/>
+          <a:p>
+            <a:pPr algn="ctr"/>
+            <a:r>
+              <a:rPr lang="de-DE" sz="2800" dirty="0">
+                <a:solidFill>
+                  <a:schemeClr val="tx1"/>
+                </a:solidFill>
+                <a:latin typeface="Arial" panose="020B0604020202020204" pitchFamily="34" charset="0"/>
+                <a:cs typeface="Arial" panose="020B0604020202020204" pitchFamily="34" charset="0"/>
+              </a:rPr>
+              <a:t>Konzept</a:t>
+            </a:r>
+          </a:p>
+        </p:txBody>
+      </p:sp>
+      <p:sp>
+        <p:nvSpPr>
+          <p:cNvPr id="7" name="Textfeld 3">
+            <a:extLst>
+              <a:ext uri="{FF2B5EF4-FFF2-40B4-BE49-F238E27FC236}">
+                <a16:creationId xmlns:a16="http://schemas.microsoft.com/office/drawing/2014/main" id="{B5756B21-FE41-4FE0-8C77-4147D26968C6}"/>
+              </a:ext>
+            </a:extLst>
+          </p:cNvPr>
+          <p:cNvSpPr txBox="1"/>
+          <p:nvPr/>
+        </p:nvSpPr>
+        <p:spPr>
+          <a:xfrm>
+            <a:off x="6253646" y="1988820"/>
+            <a:ext cx="2628900" cy="1943100"/>
+          </a:xfrm>
+          <a:prstGeom prst="rect">
+            <a:avLst/>
+          </a:prstGeom>
+          <a:noFill/>
+        </p:spPr>
+        <p:txBody>
+          <a:bodyPr wrap="square" rtlCol="0" anchor="ctr" anchorCtr="0">
+            <a:noAutofit/>
+          </a:bodyPr>
+          <a:lstStyle/>
+          <a:p>
+            <a:pPr algn="ctr"/>
+            <a:r>
+              <a:rPr lang="de-DE" sz="2800" dirty="0">
+                <a:solidFill>
+                  <a:schemeClr val="tx1"/>
+                </a:solidFill>
+                <a:latin typeface="Arial" panose="020B0604020202020204" pitchFamily="34" charset="0"/>
+                <a:cs typeface="Arial" panose="020B0604020202020204" pitchFamily="34" charset="0"/>
+              </a:rPr>
+              <a:t>Realisierung</a:t>
+            </a:r>
+          </a:p>
+        </p:txBody>
+      </p:sp>
+      <p:sp>
+        <p:nvSpPr>
+          <p:cNvPr id="9" name="Textfeld 5">
+            <a:extLst>
+              <a:ext uri="{FF2B5EF4-FFF2-40B4-BE49-F238E27FC236}">
+                <a16:creationId xmlns:a16="http://schemas.microsoft.com/office/drawing/2014/main" id="{2391C764-4573-4386-AFCB-3FBE903052B0}"/>
+              </a:ext>
+            </a:extLst>
+          </p:cNvPr>
+          <p:cNvSpPr txBox="1"/>
+          <p:nvPr/>
+        </p:nvSpPr>
+        <p:spPr>
+          <a:xfrm>
+            <a:off x="9029873" y="2016289"/>
+            <a:ext cx="2628900" cy="1943100"/>
+          </a:xfrm>
+          <a:prstGeom prst="rect">
+            <a:avLst/>
+          </a:prstGeom>
+          <a:noFill/>
+        </p:spPr>
+        <p:txBody>
+          <a:bodyPr wrap="square" rtlCol="0" anchor="ctr" anchorCtr="0">
+            <a:noAutofit/>
+          </a:bodyPr>
+          <a:lstStyle/>
+          <a:p>
+            <a:pPr algn="ctr"/>
+            <a:r>
+              <a:rPr lang="de-DE" sz="2800" dirty="0">
+                <a:solidFill>
+                  <a:schemeClr val="tx1"/>
+                </a:solidFill>
+                <a:latin typeface="Arial" panose="020B0604020202020204" pitchFamily="34" charset="0"/>
+                <a:cs typeface="Arial" panose="020B0604020202020204" pitchFamily="34" charset="0"/>
+              </a:rPr>
+              <a:t>Experimente</a:t>
+            </a:r>
+          </a:p>
+        </p:txBody>
+      </p:sp>
+      <p:sp>
+        <p:nvSpPr>
+          <p:cNvPr id="10" name="Textfeld 6">
+            <a:extLst>
+              <a:ext uri="{FF2B5EF4-FFF2-40B4-BE49-F238E27FC236}">
+                <a16:creationId xmlns:a16="http://schemas.microsoft.com/office/drawing/2014/main" id="{4346AE44-45A6-4AAE-9A14-9C0A956BDEAF}"/>
+              </a:ext>
+            </a:extLst>
+          </p:cNvPr>
+          <p:cNvSpPr txBox="1"/>
+          <p:nvPr/>
+        </p:nvSpPr>
+        <p:spPr>
+          <a:xfrm>
+            <a:off x="3253430" y="4155586"/>
+            <a:ext cx="2628900" cy="1943100"/>
+          </a:xfrm>
+          <a:prstGeom prst="rect">
+            <a:avLst/>
+          </a:prstGeom>
+          <a:noFill/>
+        </p:spPr>
+        <p:txBody>
+          <a:bodyPr wrap="square" rtlCol="0" anchor="ctr" anchorCtr="0">
+            <a:noAutofit/>
+          </a:bodyPr>
+          <a:lstStyle/>
+          <a:p>
+            <a:pPr algn="ctr"/>
+            <a:r>
+              <a:rPr lang="de-DE" sz="2800" b="1" dirty="0">
+                <a:solidFill>
+                  <a:schemeClr val="tx1"/>
+                </a:solidFill>
+                <a:latin typeface="Arial" panose="020B0604020202020204" pitchFamily="34" charset="0"/>
+                <a:cs typeface="Arial" panose="020B0604020202020204" pitchFamily="34" charset="0"/>
+              </a:rPr>
+              <a:t>Retrospektive</a:t>
+            </a:r>
+          </a:p>
+        </p:txBody>
+      </p:sp>
+      <p:sp>
+        <p:nvSpPr>
+          <p:cNvPr id="11" name="Textfeld 7">
+            <a:extLst>
+              <a:ext uri="{FF2B5EF4-FFF2-40B4-BE49-F238E27FC236}">
+                <a16:creationId xmlns:a16="http://schemas.microsoft.com/office/drawing/2014/main" id="{85A08446-20B2-4FAD-B3C4-B9B9C5DE0FF9}"/>
+              </a:ext>
+            </a:extLst>
+          </p:cNvPr>
+          <p:cNvSpPr txBox="1"/>
+          <p:nvPr/>
+        </p:nvSpPr>
+        <p:spPr>
+          <a:xfrm>
+            <a:off x="6194933" y="4155586"/>
+            <a:ext cx="2628900" cy="1943100"/>
+          </a:xfrm>
+          <a:prstGeom prst="rect">
+            <a:avLst/>
+          </a:prstGeom>
+          <a:noFill/>
+        </p:spPr>
+        <p:txBody>
+          <a:bodyPr wrap="square" rtlCol="0" anchor="ctr" anchorCtr="0">
+            <a:noAutofit/>
+          </a:bodyPr>
+          <a:lstStyle/>
+          <a:p>
+            <a:pPr algn="ctr"/>
+            <a:r>
+              <a:rPr lang="de-DE" sz="2800" dirty="0">
+                <a:solidFill>
+                  <a:schemeClr val="tx1"/>
+                </a:solidFill>
+                <a:latin typeface="Arial" panose="020B0604020202020204" pitchFamily="34" charset="0"/>
+                <a:cs typeface="Arial" panose="020B0604020202020204" pitchFamily="34" charset="0"/>
+              </a:rPr>
+              <a:t>Fazit</a:t>
+            </a:r>
+          </a:p>
+        </p:txBody>
+      </p:sp>
+      <p:sp>
+        <p:nvSpPr>
+          <p:cNvPr id="12" name="Textfeld 9">
+            <a:extLst>
+              <a:ext uri="{FF2B5EF4-FFF2-40B4-BE49-F238E27FC236}">
+                <a16:creationId xmlns:a16="http://schemas.microsoft.com/office/drawing/2014/main" id="{5A995761-3A48-49A2-A62D-355F53FE485D}"/>
+              </a:ext>
+            </a:extLst>
+          </p:cNvPr>
+          <p:cNvSpPr txBox="1"/>
+          <p:nvPr/>
+        </p:nvSpPr>
+        <p:spPr>
+          <a:xfrm>
+            <a:off x="9136436" y="4155586"/>
+            <a:ext cx="2628900" cy="1943100"/>
+          </a:xfrm>
+          <a:prstGeom prst="rect">
+            <a:avLst/>
+          </a:prstGeom>
+          <a:noFill/>
+        </p:spPr>
+        <p:txBody>
+          <a:bodyPr wrap="square" rtlCol="0" anchor="ctr" anchorCtr="0">
+            <a:noAutofit/>
+          </a:bodyPr>
+          <a:lstStyle/>
+          <a:p>
+            <a:pPr algn="ctr"/>
+            <a:r>
+              <a:rPr lang="de-DE" sz="2800" dirty="0">
+                <a:solidFill>
+                  <a:schemeClr val="tx1"/>
+                </a:solidFill>
+                <a:latin typeface="Arial" panose="020B0604020202020204" pitchFamily="34" charset="0"/>
+                <a:cs typeface="Arial" panose="020B0604020202020204" pitchFamily="34" charset="0"/>
+              </a:rPr>
+              <a:t>Ausblick</a:t>
+            </a:r>
+          </a:p>
+        </p:txBody>
+      </p:sp>
+      <p:sp>
+        <p:nvSpPr>
+          <p:cNvPr id="13" name="Textfeld 6">
+            <a:extLst>
+              <a:ext uri="{FF2B5EF4-FFF2-40B4-BE49-F238E27FC236}">
+                <a16:creationId xmlns:a16="http://schemas.microsoft.com/office/drawing/2014/main" id="{B3B97F33-32B3-46C4-A4C2-3FA5E65CD445}"/>
+              </a:ext>
+            </a:extLst>
+          </p:cNvPr>
+          <p:cNvSpPr txBox="1"/>
+          <p:nvPr/>
+        </p:nvSpPr>
+        <p:spPr>
+          <a:xfrm>
+            <a:off x="426664" y="4155586"/>
+            <a:ext cx="2628900" cy="1943100"/>
+          </a:xfrm>
+          <a:prstGeom prst="rect">
+            <a:avLst/>
+          </a:prstGeom>
+          <a:noFill/>
+        </p:spPr>
+        <p:txBody>
+          <a:bodyPr wrap="square" rtlCol="0" anchor="ctr" anchorCtr="0">
+            <a:noAutofit/>
+          </a:bodyPr>
+          <a:lstStyle/>
+          <a:p>
+            <a:pPr algn="ctr"/>
+            <a:r>
               <a:rPr lang="de-DE" sz="2800" dirty="0">
                 <a:solidFill>
                   <a:schemeClr val="tx1"/>
@@ -43057,7 +44938,7 @@
 </p:sld>
 </file>
 
-<file path=ppt/slides/slide44.xml><?xml version="1.0" encoding="utf-8"?>
+<file path=ppt/slides/slide45.xml><?xml version="1.0" encoding="utf-8"?>
 <p:sld xmlns:a="http://schemas.openxmlformats.org/drawingml/2006/main" xmlns:r="http://schemas.openxmlformats.org/officeDocument/2006/relationships" xmlns:p="http://schemas.openxmlformats.org/presentationml/2006/main">
   <p:cSld>
     <p:spTree>
@@ -43135,7 +45016,7 @@
             </a:pPr>
             <a:r>
               <a:rPr lang="de-DE" dirty="0"/>
-              <a:t>Pull requests wurden gewissenhaft bearbeitet</a:t>
+              <a:t>Pull-Requests wurden gewissenhaft bearbeitet</a:t>
             </a:r>
           </a:p>
           <a:p>
@@ -43252,7 +45133,7 @@
 </p:sld>
 </file>
 
-<file path=ppt/slides/slide45.xml><?xml version="1.0" encoding="utf-8"?>
+<file path=ppt/slides/slide46.xml><?xml version="1.0" encoding="utf-8"?>
 <p:sld xmlns:a="http://schemas.openxmlformats.org/drawingml/2006/main" xmlns:r="http://schemas.openxmlformats.org/officeDocument/2006/relationships" xmlns:p="http://schemas.openxmlformats.org/presentationml/2006/main">
   <p:cSld>
     <p:spTree>
@@ -43646,7 +45527,7 @@
 </p:sld>
 </file>
 
-<file path=ppt/slides/slide46.xml><?xml version="1.0" encoding="utf-8"?>
+<file path=ppt/slides/slide47.xml><?xml version="1.0" encoding="utf-8"?>
 <p:sld xmlns:a="http://schemas.openxmlformats.org/drawingml/2006/main" xmlns:r="http://schemas.openxmlformats.org/officeDocument/2006/relationships" xmlns:p="http://schemas.openxmlformats.org/presentationml/2006/main">
   <p:cSld>
     <p:spTree>
@@ -43825,7 +45706,7 @@
           <a:p>
             <a:r>
               <a:rPr lang="de-DE" dirty="0"/>
-              <a:t>2. Untersuchung welche Stellschrauben der Genetischen Algorithmen das Resultat in wieweit verbessert/verschlechtert.</a:t>
+              <a:t>2. Untersuchung welche Stellschrauben der Genetischen Algorithmen das Resultat in wieweit verbessern/verschlechtern.</a:t>
             </a:r>
           </a:p>
           <a:p>
@@ -43880,7 +45761,7 @@
 </p:sld>
 </file>
 
-<file path=ppt/slides/slide47.xml><?xml version="1.0" encoding="utf-8"?>
+<file path=ppt/slides/slide48.xml><?xml version="1.0" encoding="utf-8"?>
 <p:sld xmlns:a="http://schemas.openxmlformats.org/drawingml/2006/main" xmlns:r="http://schemas.openxmlformats.org/officeDocument/2006/relationships" xmlns:p="http://schemas.openxmlformats.org/presentationml/2006/main">
   <p:cSld>
     <p:spTree>
@@ -44094,7 +45975,7 @@
 </p:sld>
 </file>
 
-<file path=ppt/slides/slide48.xml><?xml version="1.0" encoding="utf-8"?>
+<file path=ppt/slides/slide49.xml><?xml version="1.0" encoding="utf-8"?>
 <p:sld xmlns:a="http://schemas.openxmlformats.org/drawingml/2006/main" xmlns:r="http://schemas.openxmlformats.org/officeDocument/2006/relationships" xmlns:p="http://schemas.openxmlformats.org/presentationml/2006/main">
   <p:cSld>
     <p:spTree>
@@ -44186,220 +46067,6 @@
     <p:extLst>
       <p:ext uri="{BB962C8B-B14F-4D97-AF65-F5344CB8AC3E}">
         <p14:creationId xmlns:p14="http://schemas.microsoft.com/office/powerpoint/2010/main" val="4185969896"/>
-      </p:ext>
-    </p:extLst>
-  </p:cSld>
-  <p:clrMapOvr>
-    <a:masterClrMapping/>
-  </p:clrMapOvr>
-</p:sld>
-</file>
-
-<file path=ppt/slides/slide49.xml><?xml version="1.0" encoding="utf-8"?>
-<p:sld xmlns:a="http://schemas.openxmlformats.org/drawingml/2006/main" xmlns:r="http://schemas.openxmlformats.org/officeDocument/2006/relationships" xmlns:p="http://schemas.openxmlformats.org/presentationml/2006/main">
-  <p:cSld>
-    <p:spTree>
-      <p:nvGrpSpPr>
-        <p:cNvPr id="1" name=""/>
-        <p:cNvGrpSpPr/>
-        <p:nvPr/>
-      </p:nvGrpSpPr>
-      <p:grpSpPr>
-        <a:xfrm>
-          <a:off x="0" y="0"/>
-          <a:ext cx="0" cy="0"/>
-          <a:chOff x="0" y="0"/>
-          <a:chExt cx="0" cy="0"/>
-        </a:xfrm>
-      </p:grpSpPr>
-      <p:sp>
-        <p:nvSpPr>
-          <p:cNvPr id="2" name="Title 1">
-            <a:extLst>
-              <a:ext uri="{FF2B5EF4-FFF2-40B4-BE49-F238E27FC236}">
-                <a16:creationId xmlns:a16="http://schemas.microsoft.com/office/drawing/2014/main" id="{781DA8B5-A67B-499F-9FE8-B30BB2D29A80}"/>
-              </a:ext>
-            </a:extLst>
-          </p:cNvPr>
-          <p:cNvSpPr>
-            <a:spLocks noGrp="1"/>
-          </p:cNvSpPr>
-          <p:nvPr>
-            <p:ph type="title"/>
-          </p:nvPr>
-        </p:nvSpPr>
-        <p:spPr/>
-        <p:txBody>
-          <a:bodyPr/>
-          <a:lstStyle/>
-          <a:p>
-            <a:r>
-              <a:rPr lang="de-DE" dirty="0"/>
-              <a:t>Quellen</a:t>
-            </a:r>
-          </a:p>
-        </p:txBody>
-      </p:sp>
-      <p:sp>
-        <p:nvSpPr>
-          <p:cNvPr id="3" name="Text Placeholder 2">
-            <a:extLst>
-              <a:ext uri="{FF2B5EF4-FFF2-40B4-BE49-F238E27FC236}">
-                <a16:creationId xmlns:a16="http://schemas.microsoft.com/office/drawing/2014/main" id="{35373900-B0D7-4519-868D-06B7D2DF2F66}"/>
-              </a:ext>
-            </a:extLst>
-          </p:cNvPr>
-          <p:cNvSpPr>
-            <a:spLocks noGrp="1"/>
-          </p:cNvSpPr>
-          <p:nvPr>
-            <p:ph type="body" sz="quarter" idx="11"/>
-          </p:nvPr>
-        </p:nvSpPr>
-        <p:spPr/>
-        <p:txBody>
-          <a:bodyPr/>
-          <a:lstStyle/>
-          <a:p>
-            <a:pPr marL="0" indent="0">
-              <a:buNone/>
-            </a:pPr>
-            <a:endParaRPr lang="de-DE" dirty="0">
-              <a:hlinkClick r:id="rId2"/>
-            </a:endParaRPr>
-          </a:p>
-          <a:p>
-            <a:pPr marL="0" indent="0">
-              <a:buNone/>
-            </a:pPr>
-            <a:r>
-              <a:rPr lang="de-DE" dirty="0"/>
-              <a:t>Traveling Salesman Problem:</a:t>
-            </a:r>
-            <a:endParaRPr lang="de-DE" dirty="0">
-              <a:hlinkClick r:id="rId2"/>
-            </a:endParaRPr>
-          </a:p>
-          <a:p>
-            <a:pPr marL="0" indent="0">
-              <a:buNone/>
-            </a:pPr>
-            <a:r>
-              <a:rPr lang="de-DE" dirty="0">
-                <a:hlinkClick r:id="rId2"/>
-              </a:rPr>
-              <a:t>http://seor.vse.gmu.edu/~khoffman/TSP_Hoffman_Padberg_Rinaldi.pdf</a:t>
-            </a:r>
-            <a:endParaRPr lang="de-DE" dirty="0"/>
-          </a:p>
-          <a:p>
-            <a:pPr marL="0" indent="0">
-              <a:buNone/>
-            </a:pPr>
-            <a:endParaRPr lang="de-DE" dirty="0"/>
-          </a:p>
-          <a:p>
-            <a:pPr marL="0" indent="0">
-              <a:buNone/>
-            </a:pPr>
-            <a:r>
-              <a:rPr lang="de-DE" dirty="0"/>
-              <a:t>Algorithmen:</a:t>
-            </a:r>
-          </a:p>
-          <a:p>
-            <a:pPr marL="0" indent="0" algn="l">
-              <a:buNone/>
-            </a:pPr>
-            <a:r>
-              <a:rPr lang="de-DE" sz="1800" b="0" i="0" u="none" strike="noStrike" baseline="0" dirty="0">
-                <a:latin typeface="LMRoman10-Regular"/>
-              </a:rPr>
-              <a:t>Schöneburg, Eberhard; Heinzmann, Frank; Feddersen, Sven: </a:t>
-            </a:r>
-            <a:r>
-              <a:rPr lang="de-DE" sz="1800" b="0" i="1" u="none" strike="noStrike" baseline="0" dirty="0">
-                <a:latin typeface="LMRoman10-Italic"/>
-              </a:rPr>
-              <a:t>Genetische Algorithmen</a:t>
-            </a:r>
-          </a:p>
-          <a:p>
-            <a:pPr marL="0" indent="0" algn="l">
-              <a:buNone/>
-            </a:pPr>
-            <a:r>
-              <a:rPr lang="de-DE" sz="1800" b="0" i="1" u="none" strike="noStrike" baseline="0" dirty="0">
-                <a:latin typeface="LMRoman10-Italic"/>
-              </a:rPr>
-              <a:t>und Evolutionsstrategien</a:t>
-            </a:r>
-            <a:r>
-              <a:rPr lang="de-DE" sz="1800" b="0" i="0" u="none" strike="noStrike" baseline="0" dirty="0">
-                <a:latin typeface="LMRoman10-Regular"/>
-              </a:rPr>
-              <a:t>, Sammelwerk, 1994, Addison-Wesley Verlag, Bonn, ISBN:</a:t>
-            </a:r>
-          </a:p>
-          <a:p>
-            <a:pPr marL="0" indent="0" algn="l">
-              <a:buNone/>
-            </a:pPr>
-            <a:r>
-              <a:rPr lang="de-DE" sz="1800" b="0" i="0" u="none" strike="noStrike" baseline="0" dirty="0">
-                <a:latin typeface="LMRoman10-Regular"/>
-              </a:rPr>
-              <a:t>978-3-89319-493-3</a:t>
-            </a:r>
-          </a:p>
-          <a:p>
-            <a:pPr marL="0" indent="0" algn="l">
-              <a:buNone/>
-            </a:pPr>
-            <a:endParaRPr lang="de-DE" dirty="0"/>
-          </a:p>
-          <a:p>
-            <a:pPr marL="0" indent="0">
-              <a:buNone/>
-            </a:pPr>
-            <a:r>
-              <a:rPr lang="de-DE" dirty="0"/>
-              <a:t>Datensatz:</a:t>
-            </a:r>
-          </a:p>
-          <a:p>
-            <a:pPr marL="0" indent="0">
-              <a:buNone/>
-            </a:pPr>
-            <a:r>
-              <a:rPr lang="de-DE" dirty="0"/>
-              <a:t>https://people.sc.fsu.edu/~jburkardt/datasets/tsp/tsp.html</a:t>
-            </a:r>
-          </a:p>
-          <a:p>
-            <a:pPr marL="0" indent="0">
-              <a:buNone/>
-            </a:pPr>
-            <a:endParaRPr lang="de-DE" dirty="0"/>
-          </a:p>
-          <a:p>
-            <a:pPr marL="0" indent="0">
-              <a:buNone/>
-            </a:pPr>
-            <a:endParaRPr lang="de-DE" dirty="0"/>
-          </a:p>
-          <a:p>
-            <a:pPr marL="0" indent="0">
-              <a:buNone/>
-            </a:pPr>
-            <a:endParaRPr lang="de-DE" dirty="0"/>
-          </a:p>
-        </p:txBody>
-      </p:sp>
-    </p:spTree>
-    <p:extLst>
-      <p:ext uri="{BB962C8B-B14F-4D97-AF65-F5344CB8AC3E}">
-        <p14:creationId xmlns:p14="http://schemas.microsoft.com/office/powerpoint/2010/main" val="360322373"/>
       </p:ext>
     </p:extLst>
   </p:cSld>
@@ -44459,8 +46126,8 @@
           </a:p>
         </p:txBody>
       </p:sp>
-      <mc:AlternateContent xmlns:mc="http://schemas.openxmlformats.org/markup-compatibility/2006">
-        <mc:Choice xmlns:a14="http://schemas.microsoft.com/office/drawing/2010/main" Requires="a14">
+      <mc:AlternateContent xmlns:mc="http://schemas.openxmlformats.org/markup-compatibility/2006" xmlns:a14="http://schemas.microsoft.com/office/drawing/2010/main">
+        <mc:Choice Requires="a14">
           <p:sp>
             <p:nvSpPr>
               <p:cNvPr id="4" name="Text Placeholder 3">
@@ -44621,7 +46288,7 @@
             </p:txBody>
           </p:sp>
         </mc:Choice>
-        <mc:Fallback>
+        <mc:Fallback xmlns="">
           <p:sp>
             <p:nvSpPr>
               <p:cNvPr id="4" name="Text Placeholder 3">
@@ -44771,6 +46438,220 @@
 </p:sld>
 </file>
 
+<file path=ppt/slides/slide50.xml><?xml version="1.0" encoding="utf-8"?>
+<p:sld xmlns:a="http://schemas.openxmlformats.org/drawingml/2006/main" xmlns:r="http://schemas.openxmlformats.org/officeDocument/2006/relationships" xmlns:p="http://schemas.openxmlformats.org/presentationml/2006/main">
+  <p:cSld>
+    <p:spTree>
+      <p:nvGrpSpPr>
+        <p:cNvPr id="1" name=""/>
+        <p:cNvGrpSpPr/>
+        <p:nvPr/>
+      </p:nvGrpSpPr>
+      <p:grpSpPr>
+        <a:xfrm>
+          <a:off x="0" y="0"/>
+          <a:ext cx="0" cy="0"/>
+          <a:chOff x="0" y="0"/>
+          <a:chExt cx="0" cy="0"/>
+        </a:xfrm>
+      </p:grpSpPr>
+      <p:sp>
+        <p:nvSpPr>
+          <p:cNvPr id="2" name="Title 1">
+            <a:extLst>
+              <a:ext uri="{FF2B5EF4-FFF2-40B4-BE49-F238E27FC236}">
+                <a16:creationId xmlns:a16="http://schemas.microsoft.com/office/drawing/2014/main" id="{781DA8B5-A67B-499F-9FE8-B30BB2D29A80}"/>
+              </a:ext>
+            </a:extLst>
+          </p:cNvPr>
+          <p:cNvSpPr>
+            <a:spLocks noGrp="1"/>
+          </p:cNvSpPr>
+          <p:nvPr>
+            <p:ph type="title"/>
+          </p:nvPr>
+        </p:nvSpPr>
+        <p:spPr/>
+        <p:txBody>
+          <a:bodyPr/>
+          <a:lstStyle/>
+          <a:p>
+            <a:r>
+              <a:rPr lang="de-DE" dirty="0"/>
+              <a:t>Quellen</a:t>
+            </a:r>
+          </a:p>
+        </p:txBody>
+      </p:sp>
+      <p:sp>
+        <p:nvSpPr>
+          <p:cNvPr id="3" name="Text Placeholder 2">
+            <a:extLst>
+              <a:ext uri="{FF2B5EF4-FFF2-40B4-BE49-F238E27FC236}">
+                <a16:creationId xmlns:a16="http://schemas.microsoft.com/office/drawing/2014/main" id="{35373900-B0D7-4519-868D-06B7D2DF2F66}"/>
+              </a:ext>
+            </a:extLst>
+          </p:cNvPr>
+          <p:cNvSpPr>
+            <a:spLocks noGrp="1"/>
+          </p:cNvSpPr>
+          <p:nvPr>
+            <p:ph type="body" sz="quarter" idx="11"/>
+          </p:nvPr>
+        </p:nvSpPr>
+        <p:spPr/>
+        <p:txBody>
+          <a:bodyPr/>
+          <a:lstStyle/>
+          <a:p>
+            <a:pPr marL="0" indent="0">
+              <a:buNone/>
+            </a:pPr>
+            <a:endParaRPr lang="de-DE" dirty="0">
+              <a:hlinkClick r:id="rId2"/>
+            </a:endParaRPr>
+          </a:p>
+          <a:p>
+            <a:pPr marL="0" indent="0">
+              <a:buNone/>
+            </a:pPr>
+            <a:r>
+              <a:rPr lang="de-DE" dirty="0"/>
+              <a:t>Traveling Salesman Problem:</a:t>
+            </a:r>
+            <a:endParaRPr lang="de-DE" dirty="0">
+              <a:hlinkClick r:id="rId2"/>
+            </a:endParaRPr>
+          </a:p>
+          <a:p>
+            <a:pPr marL="0" indent="0">
+              <a:buNone/>
+            </a:pPr>
+            <a:r>
+              <a:rPr lang="de-DE" dirty="0">
+                <a:hlinkClick r:id="rId2"/>
+              </a:rPr>
+              <a:t>http://seor.vse.gmu.edu/~khoffman/TSP_Hoffman_Padberg_Rinaldi.pdf</a:t>
+            </a:r>
+            <a:endParaRPr lang="de-DE" dirty="0"/>
+          </a:p>
+          <a:p>
+            <a:pPr marL="0" indent="0">
+              <a:buNone/>
+            </a:pPr>
+            <a:endParaRPr lang="de-DE" dirty="0"/>
+          </a:p>
+          <a:p>
+            <a:pPr marL="0" indent="0">
+              <a:buNone/>
+            </a:pPr>
+            <a:r>
+              <a:rPr lang="de-DE" dirty="0"/>
+              <a:t>Algorithmen:</a:t>
+            </a:r>
+          </a:p>
+          <a:p>
+            <a:pPr marL="0" indent="0" algn="l">
+              <a:buNone/>
+            </a:pPr>
+            <a:r>
+              <a:rPr lang="de-DE" sz="1800" b="0" i="0" u="none" strike="noStrike" baseline="0" dirty="0">
+                <a:latin typeface="LMRoman10-Regular"/>
+              </a:rPr>
+              <a:t>Schöneburg, Eberhard; Heinzmann, Frank; Feddersen, Sven: </a:t>
+            </a:r>
+            <a:r>
+              <a:rPr lang="de-DE" sz="1800" b="0" i="1" u="none" strike="noStrike" baseline="0" dirty="0">
+                <a:latin typeface="LMRoman10-Italic"/>
+              </a:rPr>
+              <a:t>Genetische Algorithmen</a:t>
+            </a:r>
+          </a:p>
+          <a:p>
+            <a:pPr marL="0" indent="0" algn="l">
+              <a:buNone/>
+            </a:pPr>
+            <a:r>
+              <a:rPr lang="de-DE" sz="1800" b="0" i="1" u="none" strike="noStrike" baseline="0" dirty="0">
+                <a:latin typeface="LMRoman10-Italic"/>
+              </a:rPr>
+              <a:t>und Evolutionsstrategien</a:t>
+            </a:r>
+            <a:r>
+              <a:rPr lang="de-DE" sz="1800" b="0" i="0" u="none" strike="noStrike" baseline="0" dirty="0">
+                <a:latin typeface="LMRoman10-Regular"/>
+              </a:rPr>
+              <a:t>, Sammelwerk, 1994, Addison-Wesley Verlag, Bonn, ISBN:</a:t>
+            </a:r>
+          </a:p>
+          <a:p>
+            <a:pPr marL="0" indent="0" algn="l">
+              <a:buNone/>
+            </a:pPr>
+            <a:r>
+              <a:rPr lang="de-DE" sz="1800" b="0" i="0" u="none" strike="noStrike" baseline="0" dirty="0">
+                <a:latin typeface="LMRoman10-Regular"/>
+              </a:rPr>
+              <a:t>978-3-89319-493-3</a:t>
+            </a:r>
+          </a:p>
+          <a:p>
+            <a:pPr marL="0" indent="0" algn="l">
+              <a:buNone/>
+            </a:pPr>
+            <a:endParaRPr lang="de-DE" dirty="0"/>
+          </a:p>
+          <a:p>
+            <a:pPr marL="0" indent="0">
+              <a:buNone/>
+            </a:pPr>
+            <a:r>
+              <a:rPr lang="de-DE" dirty="0"/>
+              <a:t>Datensatz:</a:t>
+            </a:r>
+          </a:p>
+          <a:p>
+            <a:pPr marL="0" indent="0">
+              <a:buNone/>
+            </a:pPr>
+            <a:r>
+              <a:rPr lang="de-DE" dirty="0"/>
+              <a:t>https://people.sc.fsu.edu/~jburkardt/datasets/tsp/tsp.html</a:t>
+            </a:r>
+          </a:p>
+          <a:p>
+            <a:pPr marL="0" indent="0">
+              <a:buNone/>
+            </a:pPr>
+            <a:endParaRPr lang="de-DE" dirty="0"/>
+          </a:p>
+          <a:p>
+            <a:pPr marL="0" indent="0">
+              <a:buNone/>
+            </a:pPr>
+            <a:endParaRPr lang="de-DE" dirty="0"/>
+          </a:p>
+          <a:p>
+            <a:pPr marL="0" indent="0">
+              <a:buNone/>
+            </a:pPr>
+            <a:endParaRPr lang="de-DE" dirty="0"/>
+          </a:p>
+        </p:txBody>
+      </p:sp>
+    </p:spTree>
+    <p:extLst>
+      <p:ext uri="{BB962C8B-B14F-4D97-AF65-F5344CB8AC3E}">
+        <p14:creationId xmlns:p14="http://schemas.microsoft.com/office/powerpoint/2010/main" val="360322373"/>
+      </p:ext>
+    </p:extLst>
+  </p:cSld>
+  <p:clrMapOvr>
+    <a:masterClrMapping/>
+  </p:clrMapOvr>
+</p:sld>
+</file>
+
 <file path=ppt/slides/slide6.xml><?xml version="1.0" encoding="utf-8"?>
 <p:sld xmlns:a="http://schemas.openxmlformats.org/drawingml/2006/main" xmlns:r="http://schemas.openxmlformats.org/officeDocument/2006/relationships" xmlns:p="http://schemas.openxmlformats.org/presentationml/2006/main">
   <p:cSld>
@@ -44855,7 +46736,7 @@
           <a:p>
             <a:r>
               <a:rPr lang="de-DE" dirty="0"/>
-              <a:t>2. Untersuchung welche Stellschrauben der Genetischen Algorithmen das Resultat inwieweit verbessert/verschlechtert.</a:t>
+              <a:t>2. Untersuchung welche Stellschrauben der Genetischen Algorithmen das Resultat inwieweit verbessern/verschlechtern.</a:t>
             </a:r>
           </a:p>
           <a:p>

--- a/Projektvortrag/Präsentation Projektvortrag.pptx
+++ b/Projektvortrag/Präsentation Projektvortrag.pptx
@@ -1410,7 +1410,7 @@
           <a:p>
             <a:fld id="{05D446E8-F186-42E5-80D9-72B8BAA14DE1}" type="datetimeFigureOut">
               <a:rPr lang="de-DE" smtClean="0"/>
-              <a:t>25.01.2021</a:t>
+              <a:t>02.02.2021</a:t>
             </a:fld>
             <a:endParaRPr lang="de-DE"/>
           </a:p>
@@ -39561,6 +39561,59 @@
           </a:p>
         </p:txBody>
       </p:sp>
+      <p:sp>
+        <p:nvSpPr>
+          <p:cNvPr id="4" name="TextBox 3">
+            <a:extLst>
+              <a:ext uri="{FF2B5EF4-FFF2-40B4-BE49-F238E27FC236}">
+                <a16:creationId xmlns:a16="http://schemas.microsoft.com/office/drawing/2014/main" id="{64708594-A852-4538-A2B9-FF08EEF4A250}"/>
+              </a:ext>
+            </a:extLst>
+          </p:cNvPr>
+          <p:cNvSpPr txBox="1"/>
+          <p:nvPr/>
+        </p:nvSpPr>
+        <p:spPr>
+          <a:xfrm rot="16200000">
+            <a:off x="936356" y="3286347"/>
+            <a:ext cx="1404938" cy="261610"/>
+          </a:xfrm>
+          <a:prstGeom prst="rect">
+            <a:avLst/>
+          </a:prstGeom>
+          <a:noFill/>
+        </p:spPr>
+        <p:txBody>
+          <a:bodyPr wrap="square" rtlCol="0">
+            <a:spAutoFit/>
+          </a:bodyPr>
+          <a:lstStyle/>
+          <a:p>
+            <a:pPr>
+              <a:spcAft>
+                <a:spcPts val="600"/>
+              </a:spcAft>
+            </a:pPr>
+            <a:r>
+              <a:rPr lang="de-DE" sz="1050" dirty="0">
+                <a:solidFill>
+                  <a:schemeClr val="tx1"/>
+                </a:solidFill>
+                <a:latin typeface="Arial" panose="020B0604020202020204" pitchFamily="34" charset="0"/>
+                <a:cs typeface="Arial" panose="020B0604020202020204" pitchFamily="34" charset="0"/>
+              </a:rPr>
+              <a:t>[Meilen]</a:t>
+            </a:r>
+            <a:endParaRPr lang="de-DE" dirty="0">
+              <a:solidFill>
+                <a:schemeClr val="tx1"/>
+              </a:solidFill>
+              <a:latin typeface="Arial" panose="020B0604020202020204" pitchFamily="34" charset="0"/>
+              <a:cs typeface="Arial" panose="020B0604020202020204" pitchFamily="34" charset="0"/>
+            </a:endParaRPr>
+          </a:p>
+        </p:txBody>
+      </p:sp>
     </p:spTree>
     <p:extLst>
       <p:ext uri="{BB962C8B-B14F-4D97-AF65-F5344CB8AC3E}">
@@ -40977,6 +41030,59 @@
           </a:p>
         </p:txBody>
       </p:sp>
+      <p:sp>
+        <p:nvSpPr>
+          <p:cNvPr id="16" name="TextBox 15">
+            <a:extLst>
+              <a:ext uri="{FF2B5EF4-FFF2-40B4-BE49-F238E27FC236}">
+                <a16:creationId xmlns:a16="http://schemas.microsoft.com/office/drawing/2014/main" id="{B944C217-961F-42CF-AB24-2278324C0CAB}"/>
+              </a:ext>
+            </a:extLst>
+          </p:cNvPr>
+          <p:cNvSpPr txBox="1"/>
+          <p:nvPr/>
+        </p:nvSpPr>
+        <p:spPr>
+          <a:xfrm rot="16200000">
+            <a:off x="538149" y="3091362"/>
+            <a:ext cx="1404938" cy="261610"/>
+          </a:xfrm>
+          <a:prstGeom prst="rect">
+            <a:avLst/>
+          </a:prstGeom>
+          <a:noFill/>
+        </p:spPr>
+        <p:txBody>
+          <a:bodyPr wrap="square" rtlCol="0">
+            <a:spAutoFit/>
+          </a:bodyPr>
+          <a:lstStyle/>
+          <a:p>
+            <a:pPr>
+              <a:spcAft>
+                <a:spcPts val="600"/>
+              </a:spcAft>
+            </a:pPr>
+            <a:r>
+              <a:rPr lang="de-DE" sz="1050" dirty="0">
+                <a:solidFill>
+                  <a:schemeClr val="tx1"/>
+                </a:solidFill>
+                <a:latin typeface="Arial" panose="020B0604020202020204" pitchFamily="34" charset="0"/>
+                <a:cs typeface="Arial" panose="020B0604020202020204" pitchFamily="34" charset="0"/>
+              </a:rPr>
+              <a:t>[Meilen]</a:t>
+            </a:r>
+            <a:endParaRPr lang="de-DE" dirty="0">
+              <a:solidFill>
+                <a:schemeClr val="tx1"/>
+              </a:solidFill>
+              <a:latin typeface="Arial" panose="020B0604020202020204" pitchFamily="34" charset="0"/>
+              <a:cs typeface="Arial" panose="020B0604020202020204" pitchFamily="34" charset="0"/>
+            </a:endParaRPr>
+          </a:p>
+        </p:txBody>
+      </p:sp>
     </p:spTree>
     <p:extLst>
       <p:ext uri="{BB962C8B-B14F-4D97-AF65-F5344CB8AC3E}">
@@ -41739,6 +41845,59 @@
               </a:spcAft>
             </a:pPr>
             <a:endParaRPr lang="de-DE" dirty="0">
+              <a:latin typeface="Arial" panose="020B0604020202020204" pitchFamily="34" charset="0"/>
+              <a:cs typeface="Arial" panose="020B0604020202020204" pitchFamily="34" charset="0"/>
+            </a:endParaRPr>
+          </a:p>
+        </p:txBody>
+      </p:sp>
+      <p:sp>
+        <p:nvSpPr>
+          <p:cNvPr id="18" name="TextBox 17">
+            <a:extLst>
+              <a:ext uri="{FF2B5EF4-FFF2-40B4-BE49-F238E27FC236}">
+                <a16:creationId xmlns:a16="http://schemas.microsoft.com/office/drawing/2014/main" id="{D3392AA9-3EF5-4243-BA68-7DAFF6C55389}"/>
+              </a:ext>
+            </a:extLst>
+          </p:cNvPr>
+          <p:cNvSpPr txBox="1"/>
+          <p:nvPr/>
+        </p:nvSpPr>
+        <p:spPr>
+          <a:xfrm rot="16200000">
+            <a:off x="695098" y="3073551"/>
+            <a:ext cx="1404938" cy="261610"/>
+          </a:xfrm>
+          <a:prstGeom prst="rect">
+            <a:avLst/>
+          </a:prstGeom>
+          <a:noFill/>
+        </p:spPr>
+        <p:txBody>
+          <a:bodyPr wrap="square" rtlCol="0">
+            <a:spAutoFit/>
+          </a:bodyPr>
+          <a:lstStyle/>
+          <a:p>
+            <a:pPr>
+              <a:spcAft>
+                <a:spcPts val="600"/>
+              </a:spcAft>
+            </a:pPr>
+            <a:r>
+              <a:rPr lang="de-DE" sz="1050" dirty="0">
+                <a:solidFill>
+                  <a:schemeClr val="tx1"/>
+                </a:solidFill>
+                <a:latin typeface="Arial" panose="020B0604020202020204" pitchFamily="34" charset="0"/>
+                <a:cs typeface="Arial" panose="020B0604020202020204" pitchFamily="34" charset="0"/>
+              </a:rPr>
+              <a:t>[Meilen]</a:t>
+            </a:r>
+            <a:endParaRPr lang="de-DE" dirty="0">
+              <a:solidFill>
+                <a:schemeClr val="tx1"/>
+              </a:solidFill>
               <a:latin typeface="Arial" panose="020B0604020202020204" pitchFamily="34" charset="0"/>
               <a:cs typeface="Arial" panose="020B0604020202020204" pitchFamily="34" charset="0"/>
             </a:endParaRPr>
@@ -42365,6 +42524,59 @@
               </a:spcAft>
             </a:pPr>
             <a:endParaRPr lang="de-DE" dirty="0">
+              <a:latin typeface="Arial" panose="020B0604020202020204" pitchFamily="34" charset="0"/>
+              <a:cs typeface="Arial" panose="020B0604020202020204" pitchFamily="34" charset="0"/>
+            </a:endParaRPr>
+          </a:p>
+        </p:txBody>
+      </p:sp>
+      <p:sp>
+        <p:nvSpPr>
+          <p:cNvPr id="16" name="TextBox 15">
+            <a:extLst>
+              <a:ext uri="{FF2B5EF4-FFF2-40B4-BE49-F238E27FC236}">
+                <a16:creationId xmlns:a16="http://schemas.microsoft.com/office/drawing/2014/main" id="{232C5567-8B67-419F-AB15-8C4E5AA25DD4}"/>
+              </a:ext>
+            </a:extLst>
+          </p:cNvPr>
+          <p:cNvSpPr txBox="1"/>
+          <p:nvPr/>
+        </p:nvSpPr>
+        <p:spPr>
+          <a:xfrm rot="16200000">
+            <a:off x="669698" y="3055229"/>
+            <a:ext cx="1404938" cy="261610"/>
+          </a:xfrm>
+          <a:prstGeom prst="rect">
+            <a:avLst/>
+          </a:prstGeom>
+          <a:noFill/>
+        </p:spPr>
+        <p:txBody>
+          <a:bodyPr wrap="square" rtlCol="0">
+            <a:spAutoFit/>
+          </a:bodyPr>
+          <a:lstStyle/>
+          <a:p>
+            <a:pPr>
+              <a:spcAft>
+                <a:spcPts val="600"/>
+              </a:spcAft>
+            </a:pPr>
+            <a:r>
+              <a:rPr lang="de-DE" sz="1050" dirty="0">
+                <a:solidFill>
+                  <a:schemeClr val="tx1"/>
+                </a:solidFill>
+                <a:latin typeface="Arial" panose="020B0604020202020204" pitchFamily="34" charset="0"/>
+                <a:cs typeface="Arial" panose="020B0604020202020204" pitchFamily="34" charset="0"/>
+              </a:rPr>
+              <a:t>[Meilen]</a:t>
+            </a:r>
+            <a:endParaRPr lang="de-DE" dirty="0">
+              <a:solidFill>
+                <a:schemeClr val="tx1"/>
+              </a:solidFill>
               <a:latin typeface="Arial" panose="020B0604020202020204" pitchFamily="34" charset="0"/>
               <a:cs typeface="Arial" panose="020B0604020202020204" pitchFamily="34" charset="0"/>
             </a:endParaRPr>
@@ -43146,6 +43358,59 @@
           </a:p>
         </p:txBody>
       </p:sp>
+      <p:sp>
+        <p:nvSpPr>
+          <p:cNvPr id="16" name="TextBox 15">
+            <a:extLst>
+              <a:ext uri="{FF2B5EF4-FFF2-40B4-BE49-F238E27FC236}">
+                <a16:creationId xmlns:a16="http://schemas.microsoft.com/office/drawing/2014/main" id="{709CEBD3-6F54-4466-A0FA-48006A66E9BF}"/>
+              </a:ext>
+            </a:extLst>
+          </p:cNvPr>
+          <p:cNvSpPr txBox="1"/>
+          <p:nvPr/>
+        </p:nvSpPr>
+        <p:spPr>
+          <a:xfrm rot="16200000">
+            <a:off x="790512" y="3002069"/>
+            <a:ext cx="1404938" cy="261610"/>
+          </a:xfrm>
+          <a:prstGeom prst="rect">
+            <a:avLst/>
+          </a:prstGeom>
+          <a:noFill/>
+        </p:spPr>
+        <p:txBody>
+          <a:bodyPr wrap="square" rtlCol="0">
+            <a:spAutoFit/>
+          </a:bodyPr>
+          <a:lstStyle/>
+          <a:p>
+            <a:pPr>
+              <a:spcAft>
+                <a:spcPts val="600"/>
+              </a:spcAft>
+            </a:pPr>
+            <a:r>
+              <a:rPr lang="de-DE" sz="1050" dirty="0">
+                <a:solidFill>
+                  <a:schemeClr val="tx1"/>
+                </a:solidFill>
+                <a:latin typeface="Arial" panose="020B0604020202020204" pitchFamily="34" charset="0"/>
+                <a:cs typeface="Arial" panose="020B0604020202020204" pitchFamily="34" charset="0"/>
+              </a:rPr>
+              <a:t>[Meilen]</a:t>
+            </a:r>
+            <a:endParaRPr lang="de-DE" dirty="0">
+              <a:solidFill>
+                <a:schemeClr val="tx1"/>
+              </a:solidFill>
+              <a:latin typeface="Arial" panose="020B0604020202020204" pitchFamily="34" charset="0"/>
+              <a:cs typeface="Arial" panose="020B0604020202020204" pitchFamily="34" charset="0"/>
+            </a:endParaRPr>
+          </a:p>
+        </p:txBody>
+      </p:sp>
     </p:spTree>
     <p:extLst>
       <p:ext uri="{BB962C8B-B14F-4D97-AF65-F5344CB8AC3E}">
@@ -43762,6 +44027,59 @@
               </a:spcAft>
             </a:pPr>
             <a:endParaRPr lang="de-DE" dirty="0">
+              <a:latin typeface="Arial" panose="020B0604020202020204" pitchFamily="34" charset="0"/>
+              <a:cs typeface="Arial" panose="020B0604020202020204" pitchFamily="34" charset="0"/>
+            </a:endParaRPr>
+          </a:p>
+        </p:txBody>
+      </p:sp>
+      <p:sp>
+        <p:nvSpPr>
+          <p:cNvPr id="17" name="TextBox 16">
+            <a:extLst>
+              <a:ext uri="{FF2B5EF4-FFF2-40B4-BE49-F238E27FC236}">
+                <a16:creationId xmlns:a16="http://schemas.microsoft.com/office/drawing/2014/main" id="{BE863928-88AC-4EB2-8FF3-5C93B2A7AEDB}"/>
+              </a:ext>
+            </a:extLst>
+          </p:cNvPr>
+          <p:cNvSpPr txBox="1"/>
+          <p:nvPr/>
+        </p:nvSpPr>
+        <p:spPr>
+          <a:xfrm rot="16200000">
+            <a:off x="1040708" y="3024363"/>
+            <a:ext cx="1404938" cy="261610"/>
+          </a:xfrm>
+          <a:prstGeom prst="rect">
+            <a:avLst/>
+          </a:prstGeom>
+          <a:noFill/>
+        </p:spPr>
+        <p:txBody>
+          <a:bodyPr wrap="square" rtlCol="0">
+            <a:spAutoFit/>
+          </a:bodyPr>
+          <a:lstStyle/>
+          <a:p>
+            <a:pPr>
+              <a:spcAft>
+                <a:spcPts val="600"/>
+              </a:spcAft>
+            </a:pPr>
+            <a:r>
+              <a:rPr lang="de-DE" sz="1050" dirty="0">
+                <a:solidFill>
+                  <a:schemeClr val="tx1"/>
+                </a:solidFill>
+                <a:latin typeface="Arial" panose="020B0604020202020204" pitchFamily="34" charset="0"/>
+                <a:cs typeface="Arial" panose="020B0604020202020204" pitchFamily="34" charset="0"/>
+              </a:rPr>
+              <a:t>[Meilen]</a:t>
+            </a:r>
+            <a:endParaRPr lang="de-DE" dirty="0">
+              <a:solidFill>
+                <a:schemeClr val="tx1"/>
+              </a:solidFill>
               <a:latin typeface="Arial" panose="020B0604020202020204" pitchFamily="34" charset="0"/>
               <a:cs typeface="Arial" panose="020B0604020202020204" pitchFamily="34" charset="0"/>
             </a:endParaRPr>
